--- a/docs/diagrams/ModelComponentClassDiagram.pptx
+++ b/docs/diagrams/ModelComponentClassDiagram.pptx
@@ -208,7 +208,7 @@
           <a:p>
             <a:fld id="{F5CC4B3F-88C1-4FFA-B1B6-F41C21DC6924}" type="datetimeFigureOut">
               <a:rPr lang="en-US" smtClean="0"/>
-              <a:t>12/5/2018</a:t>
+              <a:t>27-Feb-19</a:t>
             </a:fld>
             <a:endParaRPr lang="en-US"/>
           </a:p>
@@ -654,7 +654,7 @@
           <a:p>
             <a:fld id="{78C97017-6FC3-485B-9764-EAC9E56C1D49}" type="datetimeFigureOut">
               <a:rPr lang="en-US" smtClean="0"/>
-              <a:t>12/5/2018</a:t>
+              <a:t>27-Feb-19</a:t>
             </a:fld>
             <a:endParaRPr lang="en-US"/>
           </a:p>
@@ -822,7 +822,7 @@
           <a:p>
             <a:fld id="{78C97017-6FC3-485B-9764-EAC9E56C1D49}" type="datetimeFigureOut">
               <a:rPr lang="en-US" smtClean="0"/>
-              <a:t>12/5/2018</a:t>
+              <a:t>27-Feb-19</a:t>
             </a:fld>
             <a:endParaRPr lang="en-US"/>
           </a:p>
@@ -1000,7 +1000,7 @@
           <a:p>
             <a:fld id="{78C97017-6FC3-485B-9764-EAC9E56C1D49}" type="datetimeFigureOut">
               <a:rPr lang="en-US" smtClean="0"/>
-              <a:t>12/5/2018</a:t>
+              <a:t>27-Feb-19</a:t>
             </a:fld>
             <a:endParaRPr lang="en-US"/>
           </a:p>
@@ -1168,7 +1168,7 @@
           <a:p>
             <a:fld id="{78C97017-6FC3-485B-9764-EAC9E56C1D49}" type="datetimeFigureOut">
               <a:rPr lang="en-US" smtClean="0"/>
-              <a:t>12/5/2018</a:t>
+              <a:t>27-Feb-19</a:t>
             </a:fld>
             <a:endParaRPr lang="en-US"/>
           </a:p>
@@ -1413,7 +1413,7 @@
           <a:p>
             <a:fld id="{78C97017-6FC3-485B-9764-EAC9E56C1D49}" type="datetimeFigureOut">
               <a:rPr lang="en-US" smtClean="0"/>
-              <a:t>12/5/2018</a:t>
+              <a:t>27-Feb-19</a:t>
             </a:fld>
             <a:endParaRPr lang="en-US"/>
           </a:p>
@@ -1698,7 +1698,7 @@
           <a:p>
             <a:fld id="{78C97017-6FC3-485B-9764-EAC9E56C1D49}" type="datetimeFigureOut">
               <a:rPr lang="en-US" smtClean="0"/>
-              <a:t>12/5/2018</a:t>
+              <a:t>27-Feb-19</a:t>
             </a:fld>
             <a:endParaRPr lang="en-US"/>
           </a:p>
@@ -2117,7 +2117,7 @@
           <a:p>
             <a:fld id="{78C97017-6FC3-485B-9764-EAC9E56C1D49}" type="datetimeFigureOut">
               <a:rPr lang="en-US" smtClean="0"/>
-              <a:t>12/5/2018</a:t>
+              <a:t>27-Feb-19</a:t>
             </a:fld>
             <a:endParaRPr lang="en-US"/>
           </a:p>
@@ -2234,7 +2234,7 @@
           <a:p>
             <a:fld id="{78C97017-6FC3-485B-9764-EAC9E56C1D49}" type="datetimeFigureOut">
               <a:rPr lang="en-US" smtClean="0"/>
-              <a:t>12/5/2018</a:t>
+              <a:t>27-Feb-19</a:t>
             </a:fld>
             <a:endParaRPr lang="en-US"/>
           </a:p>
@@ -2329,7 +2329,7 @@
           <a:p>
             <a:fld id="{78C97017-6FC3-485B-9764-EAC9E56C1D49}" type="datetimeFigureOut">
               <a:rPr lang="en-US" smtClean="0"/>
-              <a:t>12/5/2018</a:t>
+              <a:t>27-Feb-19</a:t>
             </a:fld>
             <a:endParaRPr lang="en-US"/>
           </a:p>
@@ -2604,7 +2604,7 @@
           <a:p>
             <a:fld id="{78C97017-6FC3-485B-9764-EAC9E56C1D49}" type="datetimeFigureOut">
               <a:rPr lang="en-US" smtClean="0"/>
-              <a:t>12/5/2018</a:t>
+              <a:t>27-Feb-19</a:t>
             </a:fld>
             <a:endParaRPr lang="en-US"/>
           </a:p>
@@ -2856,7 +2856,7 @@
           <a:p>
             <a:fld id="{78C97017-6FC3-485B-9764-EAC9E56C1D49}" type="datetimeFigureOut">
               <a:rPr lang="en-US" smtClean="0"/>
-              <a:t>12/5/2018</a:t>
+              <a:t>27-Feb-19</a:t>
             </a:fld>
             <a:endParaRPr lang="en-US"/>
           </a:p>
@@ -3067,7 +3067,7 @@
           <a:p>
             <a:fld id="{78C97017-6FC3-485B-9764-EAC9E56C1D49}" type="datetimeFigureOut">
               <a:rPr lang="en-US" smtClean="0"/>
-              <a:t>12/5/2018</a:t>
+              <a:t>27-Feb-19</a:t>
             </a:fld>
             <a:endParaRPr lang="en-US"/>
           </a:p>
@@ -4346,8 +4346,8 @@
         </p:nvSpPr>
         <p:spPr>
           <a:xfrm>
-            <a:off x="7712397" y="2564238"/>
-            <a:ext cx="708186" cy="285783"/>
+            <a:off x="7610819" y="2564238"/>
+            <a:ext cx="809764" cy="285783"/>
           </a:xfrm>
           <a:prstGeom prst="rect">
             <a:avLst/>
@@ -4446,16 +4446,19 @@
           <p:cNvPr id="79" name="Elbow Connector 78"/>
           <p:cNvCxnSpPr>
             <a:cxnSpLocks/>
+            <a:endCxn id="76" idx="1"/>
           </p:cNvCxnSpPr>
           <p:nvPr/>
         </p:nvCxnSpPr>
         <p:spPr>
           <a:xfrm flipV="1">
-            <a:off x="7277995" y="2706821"/>
-            <a:ext cx="434402" cy="327761"/>
+            <a:off x="7277995" y="2707130"/>
+            <a:ext cx="332824" cy="327454"/>
           </a:xfrm>
           <a:prstGeom prst="bentConnector3">
-            <a:avLst/>
+            <a:avLst>
+              <a:gd name="adj1" fmla="val 50000"/>
+            </a:avLst>
           </a:prstGeom>
           <a:ln w="19050">
             <a:solidFill>
@@ -4489,8 +4492,8 @@
         </p:nvSpPr>
         <p:spPr>
           <a:xfrm>
-            <a:off x="7712397" y="2887216"/>
-            <a:ext cx="708186" cy="285783"/>
+            <a:off x="7610819" y="2887216"/>
+            <a:ext cx="809764" cy="285783"/>
           </a:xfrm>
           <a:prstGeom prst="rect">
             <a:avLst/>
@@ -4541,6 +4544,7 @@
         <p:nvCxnSpPr>
           <p:cNvPr id="81" name="Elbow Connector 80"/>
           <p:cNvCxnSpPr>
+            <a:cxnSpLocks/>
             <a:stCxn id="78" idx="3"/>
             <a:endCxn id="80" idx="1"/>
           </p:cNvCxnSpPr>
@@ -4549,7 +4553,7 @@
         <p:spPr>
           <a:xfrm flipV="1">
             <a:off x="7277995" y="3030108"/>
-            <a:ext cx="434402" cy="4783"/>
+            <a:ext cx="332824" cy="4783"/>
           </a:xfrm>
           <a:prstGeom prst="bentConnector3">
             <a:avLst/>
@@ -4586,8 +4590,8 @@
         </p:nvSpPr>
         <p:spPr>
           <a:xfrm>
-            <a:off x="7712397" y="3210194"/>
-            <a:ext cx="708186" cy="285783"/>
+            <a:off x="7610819" y="3210194"/>
+            <a:ext cx="809764" cy="285783"/>
           </a:xfrm>
           <a:prstGeom prst="rect">
             <a:avLst/>
@@ -4624,7 +4628,7 @@
                   <a:srgbClr val="7030A0"/>
                 </a:solidFill>
               </a:rPr>
-              <a:t>Email</a:t>
+              <a:t>Description</a:t>
             </a:r>
             <a:endParaRPr lang="en-SG" sz="1050" dirty="0">
               <a:solidFill>
@@ -4638,6 +4642,7 @@
         <p:nvCxnSpPr>
           <p:cNvPr id="84" name="Elbow Connector 83"/>
           <p:cNvCxnSpPr>
+            <a:cxnSpLocks/>
             <a:stCxn id="78" idx="3"/>
             <a:endCxn id="83" idx="1"/>
           </p:cNvCxnSpPr>
@@ -4646,7 +4651,7 @@
         <p:spPr>
           <a:xfrm>
             <a:off x="7277995" y="3034891"/>
-            <a:ext cx="434402" cy="318195"/>
+            <a:ext cx="332824" cy="318195"/>
           </a:xfrm>
           <a:prstGeom prst="bentConnector3">
             <a:avLst/>
@@ -4683,8 +4688,8 @@
         </p:nvSpPr>
         <p:spPr>
           <a:xfrm>
-            <a:off x="7712397" y="3533171"/>
-            <a:ext cx="708186" cy="285783"/>
+            <a:off x="7610819" y="3533171"/>
+            <a:ext cx="809764" cy="285783"/>
           </a:xfrm>
           <a:prstGeom prst="rect">
             <a:avLst/>
@@ -4735,6 +4740,7 @@
         <p:nvCxnSpPr>
           <p:cNvPr id="86" name="Elbow Connector 85"/>
           <p:cNvCxnSpPr>
+            <a:cxnSpLocks/>
             <a:stCxn id="78" idx="3"/>
             <a:endCxn id="85" idx="1"/>
           </p:cNvCxnSpPr>
@@ -4743,7 +4749,7 @@
         <p:spPr>
           <a:xfrm>
             <a:off x="7277995" y="3034891"/>
-            <a:ext cx="434402" cy="641172"/>
+            <a:ext cx="332824" cy="641172"/>
           </a:xfrm>
           <a:prstGeom prst="bentConnector3">
             <a:avLst/>
@@ -5302,8 +5308,8 @@
         </p:nvSpPr>
         <p:spPr>
           <a:xfrm>
-            <a:off x="7712397" y="2228817"/>
-            <a:ext cx="708186" cy="285783"/>
+            <a:off x="7610819" y="2228817"/>
+            <a:ext cx="809764" cy="285783"/>
           </a:xfrm>
           <a:prstGeom prst="rect">
             <a:avLst/>
@@ -5369,7 +5375,7 @@
         <p:spPr>
           <a:xfrm flipV="1">
             <a:off x="7277995" y="2371709"/>
-            <a:ext cx="434402" cy="663182"/>
+            <a:ext cx="332824" cy="663182"/>
           </a:xfrm>
           <a:prstGeom prst="bentConnector3">
             <a:avLst>
@@ -5414,7 +5420,7 @@
         </p:nvSpPr>
         <p:spPr>
           <a:xfrm>
-            <a:off x="7466243" y="2255711"/>
+            <a:off x="7354543" y="2209800"/>
             <a:ext cx="189257" cy="178683"/>
           </a:xfrm>
           <a:prstGeom prst="rect">

--- a/docs/diagrams/ModelComponentClassDiagram.pptx
+++ b/docs/diagrams/ModelComponentClassDiagram.pptx
@@ -5,10 +5,11 @@
     <p:sldMasterId id="2147483648" r:id="rId1"/>
   </p:sldMasterIdLst>
   <p:notesMasterIdLst>
-    <p:notesMasterId r:id="rId3"/>
+    <p:notesMasterId r:id="rId4"/>
   </p:notesMasterIdLst>
   <p:sldIdLst>
     <p:sldId id="263" r:id="rId2"/>
+    <p:sldId id="264" r:id="rId3"/>
   </p:sldIdLst>
   <p:sldSz cx="9144000" cy="6858000" type="screen4x3"/>
   <p:notesSz cx="6858000" cy="9144000"/>
@@ -208,7 +209,7 @@
           <a:p>
             <a:fld id="{F5CC4B3F-88C1-4FFA-B1B6-F41C21DC6924}" type="datetimeFigureOut">
               <a:rPr lang="en-US" smtClean="0"/>
-              <a:t>12/5/2018</a:t>
+              <a:t>2/28/19</a:t>
             </a:fld>
             <a:endParaRPr lang="en-US"/>
           </a:p>
@@ -654,7 +655,7 @@
           <a:p>
             <a:fld id="{78C97017-6FC3-485B-9764-EAC9E56C1D49}" type="datetimeFigureOut">
               <a:rPr lang="en-US" smtClean="0"/>
-              <a:t>12/5/2018</a:t>
+              <a:t>2/28/19</a:t>
             </a:fld>
             <a:endParaRPr lang="en-US"/>
           </a:p>
@@ -822,7 +823,7 @@
           <a:p>
             <a:fld id="{78C97017-6FC3-485B-9764-EAC9E56C1D49}" type="datetimeFigureOut">
               <a:rPr lang="en-US" smtClean="0"/>
-              <a:t>12/5/2018</a:t>
+              <a:t>2/28/19</a:t>
             </a:fld>
             <a:endParaRPr lang="en-US"/>
           </a:p>
@@ -1000,7 +1001,7 @@
           <a:p>
             <a:fld id="{78C97017-6FC3-485B-9764-EAC9E56C1D49}" type="datetimeFigureOut">
               <a:rPr lang="en-US" smtClean="0"/>
-              <a:t>12/5/2018</a:t>
+              <a:t>2/28/19</a:t>
             </a:fld>
             <a:endParaRPr lang="en-US"/>
           </a:p>
@@ -1168,7 +1169,7 @@
           <a:p>
             <a:fld id="{78C97017-6FC3-485B-9764-EAC9E56C1D49}" type="datetimeFigureOut">
               <a:rPr lang="en-US" smtClean="0"/>
-              <a:t>12/5/2018</a:t>
+              <a:t>2/28/19</a:t>
             </a:fld>
             <a:endParaRPr lang="en-US"/>
           </a:p>
@@ -1413,7 +1414,7 @@
           <a:p>
             <a:fld id="{78C97017-6FC3-485B-9764-EAC9E56C1D49}" type="datetimeFigureOut">
               <a:rPr lang="en-US" smtClean="0"/>
-              <a:t>12/5/2018</a:t>
+              <a:t>2/28/19</a:t>
             </a:fld>
             <a:endParaRPr lang="en-US"/>
           </a:p>
@@ -1698,7 +1699,7 @@
           <a:p>
             <a:fld id="{78C97017-6FC3-485B-9764-EAC9E56C1D49}" type="datetimeFigureOut">
               <a:rPr lang="en-US" smtClean="0"/>
-              <a:t>12/5/2018</a:t>
+              <a:t>2/28/19</a:t>
             </a:fld>
             <a:endParaRPr lang="en-US"/>
           </a:p>
@@ -2117,7 +2118,7 @@
           <a:p>
             <a:fld id="{78C97017-6FC3-485B-9764-EAC9E56C1D49}" type="datetimeFigureOut">
               <a:rPr lang="en-US" smtClean="0"/>
-              <a:t>12/5/2018</a:t>
+              <a:t>2/28/19</a:t>
             </a:fld>
             <a:endParaRPr lang="en-US"/>
           </a:p>
@@ -2234,7 +2235,7 @@
           <a:p>
             <a:fld id="{78C97017-6FC3-485B-9764-EAC9E56C1D49}" type="datetimeFigureOut">
               <a:rPr lang="en-US" smtClean="0"/>
-              <a:t>12/5/2018</a:t>
+              <a:t>2/28/19</a:t>
             </a:fld>
             <a:endParaRPr lang="en-US"/>
           </a:p>
@@ -2329,7 +2330,7 @@
           <a:p>
             <a:fld id="{78C97017-6FC3-485B-9764-EAC9E56C1D49}" type="datetimeFigureOut">
               <a:rPr lang="en-US" smtClean="0"/>
-              <a:t>12/5/2018</a:t>
+              <a:t>2/28/19</a:t>
             </a:fld>
             <a:endParaRPr lang="en-US"/>
           </a:p>
@@ -2604,7 +2605,7 @@
           <a:p>
             <a:fld id="{78C97017-6FC3-485B-9764-EAC9E56C1D49}" type="datetimeFigureOut">
               <a:rPr lang="en-US" smtClean="0"/>
-              <a:t>12/5/2018</a:t>
+              <a:t>2/28/19</a:t>
             </a:fld>
             <a:endParaRPr lang="en-US"/>
           </a:p>
@@ -2856,7 +2857,7 @@
           <a:p>
             <a:fld id="{78C97017-6FC3-485B-9764-EAC9E56C1D49}" type="datetimeFigureOut">
               <a:rPr lang="en-US" smtClean="0"/>
-              <a:t>12/5/2018</a:t>
+              <a:t>2/28/19</a:t>
             </a:fld>
             <a:endParaRPr lang="en-US"/>
           </a:p>
@@ -3067,7 +3068,7 @@
           <a:p>
             <a:fld id="{78C97017-6FC3-485B-9764-EAC9E56C1D49}" type="datetimeFigureOut">
               <a:rPr lang="en-US" smtClean="0"/>
-              <a:t>12/5/2018</a:t>
+              <a:t>2/28/19</a:t>
             </a:fld>
             <a:endParaRPr lang="en-US"/>
           </a:p>
@@ -5028,6 +5029,14 @@
               </a:rPr>
               <a:t>&lt;&lt;interface&gt;&gt;</a:t>
             </a:r>
+            <a:r>
+              <a:rPr lang="en-US" sz="1050">
+                <a:solidFill>
+                  <a:srgbClr val="7030A0"/>
+                </a:solidFill>
+              </a:rPr>
+              <a:t/>
+            </a:r>
             <a:br>
               <a:rPr lang="en-US" sz="1050">
                 <a:solidFill>
@@ -5293,7 +5302,7 @@
           <p:cNvPr id="52" name="Rectangle 8">
             <a:extLst>
               <a:ext uri="{FF2B5EF4-FFF2-40B4-BE49-F238E27FC236}">
-                <a16:creationId xmlns:a16="http://schemas.microsoft.com/office/drawing/2014/main" id="{ABDCDBD2-131A-4B66-A2F2-43BBEE82C773}"/>
+                <a16:creationId xmlns:a16="http://schemas.microsoft.com/office/drawing/2014/main" xmlns="" id="{ABDCDBD2-131A-4B66-A2F2-43BBEE82C773}"/>
               </a:ext>
             </a:extLst>
           </p:cNvPr>
@@ -5355,7 +5364,7 @@
           <p:cNvPr id="53" name="Elbow Connector 78">
             <a:extLst>
               <a:ext uri="{FF2B5EF4-FFF2-40B4-BE49-F238E27FC236}">
-                <a16:creationId xmlns:a16="http://schemas.microsoft.com/office/drawing/2014/main" id="{B97967F8-618A-448B-81FD-CDFD4AF0EC64}"/>
+                <a16:creationId xmlns:a16="http://schemas.microsoft.com/office/drawing/2014/main" xmlns="" id="{B97967F8-618A-448B-81FD-CDFD4AF0EC64}"/>
               </a:ext>
             </a:extLst>
           </p:cNvPr>
@@ -5405,7 +5414,7 @@
           <p:cNvPr id="50" name="TextBox 49">
             <a:extLst>
               <a:ext uri="{FF2B5EF4-FFF2-40B4-BE49-F238E27FC236}">
-                <a16:creationId xmlns:a16="http://schemas.microsoft.com/office/drawing/2014/main" id="{B3FA9D57-880F-49C4-AD0B-A64E30D6F403}"/>
+                <a16:creationId xmlns:a16="http://schemas.microsoft.com/office/drawing/2014/main" xmlns="" id="{B3FA9D57-880F-49C4-AD0B-A64E30D6F403}"/>
               </a:ext>
             </a:extLst>
           </p:cNvPr>
@@ -5643,7 +5652,7 @@
           <p:cNvPr id="57" name="Rectangle 8">
             <a:extLst>
               <a:ext uri="{FF2B5EF4-FFF2-40B4-BE49-F238E27FC236}">
-                <a16:creationId xmlns:a16="http://schemas.microsoft.com/office/drawing/2014/main" id="{6A42DA50-9012-4391-9EF3-285E4FA3FCD8}"/>
+                <a16:creationId xmlns:a16="http://schemas.microsoft.com/office/drawing/2014/main" xmlns="" id="{6A42DA50-9012-4391-9EF3-285E4FA3FCD8}"/>
               </a:ext>
             </a:extLst>
           </p:cNvPr>
@@ -5716,7 +5725,7 @@
           <p:cNvPr id="59" name="Isosceles Triangle 102">
             <a:extLst>
               <a:ext uri="{FF2B5EF4-FFF2-40B4-BE49-F238E27FC236}">
-                <a16:creationId xmlns:a16="http://schemas.microsoft.com/office/drawing/2014/main" id="{B263B2D7-6E76-465E-B40E-7E2A46254A84}"/>
+                <a16:creationId xmlns:a16="http://schemas.microsoft.com/office/drawing/2014/main" xmlns="" id="{B263B2D7-6E76-465E-B40E-7E2A46254A84}"/>
               </a:ext>
             </a:extLst>
           </p:cNvPr>
@@ -5774,7 +5783,7 @@
           <p:cNvPr id="67" name="Elbow Connector 63">
             <a:extLst>
               <a:ext uri="{FF2B5EF4-FFF2-40B4-BE49-F238E27FC236}">
-                <a16:creationId xmlns:a16="http://schemas.microsoft.com/office/drawing/2014/main" id="{BA3A25CD-7C1D-4B3B-B294-1B05ABCFECFD}"/>
+                <a16:creationId xmlns:a16="http://schemas.microsoft.com/office/drawing/2014/main" xmlns="" id="{BA3A25CD-7C1D-4B3B-B294-1B05ABCFECFD}"/>
               </a:ext>
             </a:extLst>
           </p:cNvPr>
@@ -5824,6 +5833,5819 @@
     <p:extLst>
       <p:ext uri="{BB962C8B-B14F-4D97-AF65-F5344CB8AC3E}">
         <p14:creationId xmlns:p14="http://schemas.microsoft.com/office/powerpoint/2010/main" val="2396968029"/>
+      </p:ext>
+    </p:extLst>
+  </p:cSld>
+  <p:clrMapOvr>
+    <a:masterClrMapping/>
+  </p:clrMapOvr>
+</p:sld>
+</file>
+
+<file path=ppt/slides/slide2.xml><?xml version="1.0" encoding="utf-8"?>
+<p:sld xmlns:a="http://schemas.openxmlformats.org/drawingml/2006/main" xmlns:r="http://schemas.openxmlformats.org/officeDocument/2006/relationships" xmlns:p="http://schemas.openxmlformats.org/presentationml/2006/main">
+  <p:cSld>
+    <p:spTree>
+      <p:nvGrpSpPr>
+        <p:cNvPr id="1" name=""/>
+        <p:cNvGrpSpPr/>
+        <p:nvPr/>
+      </p:nvGrpSpPr>
+      <p:grpSpPr>
+        <a:xfrm>
+          <a:off x="0" y="0"/>
+          <a:ext cx="0" cy="0"/>
+          <a:chOff x="0" y="0"/>
+          <a:chExt cx="0" cy="0"/>
+        </a:xfrm>
+      </p:grpSpPr>
+      <p:sp>
+        <p:nvSpPr>
+          <p:cNvPr id="118" name="Rectangle 65"/>
+          <p:cNvSpPr/>
+          <p:nvPr/>
+        </p:nvSpPr>
+        <p:spPr>
+          <a:xfrm>
+            <a:off x="1119865" y="1600200"/>
+            <a:ext cx="7490735" cy="3124200"/>
+          </a:xfrm>
+          <a:prstGeom prst="roundRect">
+            <a:avLst>
+              <a:gd name="adj" fmla="val 3484"/>
+            </a:avLst>
+          </a:prstGeom>
+          <a:solidFill>
+            <a:schemeClr val="accent4">
+              <a:lumMod val="20000"/>
+              <a:lumOff val="80000"/>
+            </a:schemeClr>
+          </a:solidFill>
+          <a:ln w="19050">
+            <a:noFill/>
+          </a:ln>
+          <a:effectLst/>
+        </p:spPr>
+        <p:style>
+          <a:lnRef idx="1">
+            <a:schemeClr val="accent2"/>
+          </a:lnRef>
+          <a:fillRef idx="2">
+            <a:schemeClr val="accent2"/>
+          </a:fillRef>
+          <a:effectRef idx="1">
+            <a:schemeClr val="accent2"/>
+          </a:effectRef>
+          <a:fontRef idx="minor">
+            <a:schemeClr val="dk1"/>
+          </a:fontRef>
+        </p:style>
+        <p:txBody>
+          <a:bodyPr rtlCol="0" anchor="t"/>
+          <a:lstStyle/>
+          <a:p>
+            <a:r>
+              <a:rPr lang="en-US" sz="1200" b="1" dirty="0">
+                <a:solidFill>
+                  <a:srgbClr val="7030A0"/>
+                </a:solidFill>
+              </a:rPr>
+              <a:t>Model</a:t>
+            </a:r>
+            <a:endParaRPr lang="en-SG" sz="1200" b="1" dirty="0">
+              <a:solidFill>
+                <a:srgbClr val="7030A0"/>
+              </a:solidFill>
+            </a:endParaRPr>
+          </a:p>
+        </p:txBody>
+      </p:sp>
+      <p:sp>
+        <p:nvSpPr>
+          <p:cNvPr id="2" name="Rectangle 8"/>
+          <p:cNvSpPr/>
+          <p:nvPr/>
+        </p:nvSpPr>
+        <p:spPr>
+          <a:xfrm>
+            <a:off x="2825280" y="3463240"/>
+            <a:ext cx="878211" cy="346760"/>
+          </a:xfrm>
+          <a:prstGeom prst="rect">
+            <a:avLst/>
+          </a:prstGeom>
+          <a:ln w="19050">
+            <a:solidFill>
+              <a:srgbClr val="7030A0"/>
+            </a:solidFill>
+          </a:ln>
+          <a:effectLst/>
+        </p:spPr>
+        <p:style>
+          <a:lnRef idx="1">
+            <a:schemeClr val="accent4"/>
+          </a:lnRef>
+          <a:fillRef idx="2">
+            <a:schemeClr val="accent4"/>
+          </a:fillRef>
+          <a:effectRef idx="1">
+            <a:schemeClr val="accent4"/>
+          </a:effectRef>
+          <a:fontRef idx="minor">
+            <a:schemeClr val="dk1"/>
+          </a:fontRef>
+        </p:style>
+        <p:txBody>
+          <a:bodyPr rtlCol="0" anchor="ctr"/>
+          <a:lstStyle/>
+          <a:p>
+            <a:pPr algn="ctr"/>
+            <a:r>
+              <a:rPr lang="en-US" sz="1050" dirty="0" err="1">
+                <a:solidFill>
+                  <a:srgbClr val="7030A0"/>
+                </a:solidFill>
+              </a:rPr>
+              <a:t>UserPrefs</a:t>
+            </a:r>
+            <a:endParaRPr lang="en-SG" sz="1050" dirty="0">
+              <a:solidFill>
+                <a:srgbClr val="7030A0"/>
+              </a:solidFill>
+            </a:endParaRPr>
+          </a:p>
+        </p:txBody>
+      </p:sp>
+      <p:sp>
+        <p:nvSpPr>
+          <p:cNvPr id="9" name="Rectangle 62"/>
+          <p:cNvSpPr/>
+          <p:nvPr/>
+        </p:nvSpPr>
+        <p:spPr>
+          <a:xfrm rot="16200000">
+            <a:off x="1661548" y="3097750"/>
+            <a:ext cx="1093635" cy="346760"/>
+          </a:xfrm>
+          <a:prstGeom prst="rect">
+            <a:avLst/>
+          </a:prstGeom>
+          <a:solidFill>
+            <a:srgbClr val="7030A0"/>
+          </a:solidFill>
+          <a:ln w="19050">
+            <a:solidFill>
+              <a:srgbClr val="7030A0"/>
+            </a:solidFill>
+          </a:ln>
+          <a:effectLst/>
+        </p:spPr>
+        <p:style>
+          <a:lnRef idx="1">
+            <a:schemeClr val="accent2"/>
+          </a:lnRef>
+          <a:fillRef idx="2">
+            <a:schemeClr val="accent2"/>
+          </a:fillRef>
+          <a:effectRef idx="1">
+            <a:schemeClr val="accent2"/>
+          </a:effectRef>
+          <a:fontRef idx="minor">
+            <a:schemeClr val="dk1"/>
+          </a:fontRef>
+        </p:style>
+        <p:txBody>
+          <a:bodyPr rtlCol="0" anchor="ctr"/>
+          <a:lstStyle/>
+          <a:p>
+            <a:pPr algn="ctr"/>
+            <a:r>
+              <a:rPr lang="en-US" sz="1050" dirty="0" err="1">
+                <a:solidFill>
+                  <a:schemeClr val="bg1"/>
+                </a:solidFill>
+              </a:rPr>
+              <a:t>ModelManager</a:t>
+            </a:r>
+            <a:endParaRPr lang="en-SG" sz="1050" dirty="0">
+              <a:solidFill>
+                <a:schemeClr val="bg1"/>
+              </a:solidFill>
+            </a:endParaRPr>
+          </a:p>
+        </p:txBody>
+      </p:sp>
+      <p:cxnSp>
+        <p:nvCxnSpPr>
+          <p:cNvPr id="107" name="Elbow Connector 106"/>
+          <p:cNvCxnSpPr>
+            <a:cxnSpLocks/>
+            <a:stCxn id="9" idx="1"/>
+            <a:endCxn id="62" idx="2"/>
+          </p:cNvCxnSpPr>
+          <p:nvPr/>
+        </p:nvCxnSpPr>
+        <p:spPr>
+          <a:xfrm rot="5400000" flipH="1" flipV="1">
+            <a:off x="4131507" y="1281685"/>
+            <a:ext cx="613122" cy="4459404"/>
+          </a:xfrm>
+          <a:prstGeom prst="bentConnector3">
+            <a:avLst>
+              <a:gd name="adj1" fmla="val -26668"/>
+            </a:avLst>
+          </a:prstGeom>
+          <a:ln w="19050">
+            <a:solidFill>
+              <a:srgbClr val="7030A0"/>
+            </a:solidFill>
+            <a:prstDash val="solid"/>
+            <a:headEnd type="none" w="med" len="med"/>
+            <a:tailEnd type="arrow" w="med" len="med"/>
+          </a:ln>
+          <a:effectLst/>
+        </p:spPr>
+        <p:style>
+          <a:lnRef idx="1">
+            <a:schemeClr val="accent2"/>
+          </a:lnRef>
+          <a:fillRef idx="2">
+            <a:schemeClr val="accent2"/>
+          </a:fillRef>
+          <a:effectRef idx="1">
+            <a:schemeClr val="accent2"/>
+          </a:effectRef>
+          <a:fontRef idx="minor">
+            <a:schemeClr val="dk1"/>
+          </a:fontRef>
+        </p:style>
+      </p:cxnSp>
+      <p:sp>
+        <p:nvSpPr>
+          <p:cNvPr id="119" name="Rectangle 62"/>
+          <p:cNvSpPr/>
+          <p:nvPr/>
+        </p:nvSpPr>
+        <p:spPr>
+          <a:xfrm rot="16200000">
+            <a:off x="956202" y="2861202"/>
+            <a:ext cx="1093635" cy="346760"/>
+          </a:xfrm>
+          <a:prstGeom prst="rect">
+            <a:avLst/>
+          </a:prstGeom>
+          <a:solidFill>
+            <a:srgbClr val="7030A0"/>
+          </a:solidFill>
+          <a:ln w="19050">
+            <a:solidFill>
+              <a:srgbClr val="7030A0"/>
+            </a:solidFill>
+          </a:ln>
+          <a:effectLst/>
+        </p:spPr>
+        <p:style>
+          <a:lnRef idx="1">
+            <a:schemeClr val="accent2"/>
+          </a:lnRef>
+          <a:fillRef idx="2">
+            <a:schemeClr val="accent2"/>
+          </a:fillRef>
+          <a:effectRef idx="1">
+            <a:schemeClr val="accent2"/>
+          </a:effectRef>
+          <a:fontRef idx="minor">
+            <a:schemeClr val="dk1"/>
+          </a:fontRef>
+        </p:style>
+        <p:txBody>
+          <a:bodyPr rtlCol="0" anchor="ctr"/>
+          <a:lstStyle/>
+          <a:p>
+            <a:pPr algn="ctr"/>
+            <a:r>
+              <a:rPr lang="en-US" sz="1050" dirty="0">
+                <a:solidFill>
+                  <a:schemeClr val="bg1"/>
+                </a:solidFill>
+              </a:rPr>
+              <a:t>&lt;&lt;interface&gt;&gt;</a:t>
+            </a:r>
+          </a:p>
+          <a:p>
+            <a:pPr algn="ctr"/>
+            <a:r>
+              <a:rPr lang="en-US" sz="1050" dirty="0">
+                <a:solidFill>
+                  <a:schemeClr val="bg1"/>
+                </a:solidFill>
+              </a:rPr>
+              <a:t>Model</a:t>
+            </a:r>
+            <a:endParaRPr lang="en-SG" sz="1050" dirty="0">
+              <a:solidFill>
+                <a:schemeClr val="bg1"/>
+              </a:solidFill>
+            </a:endParaRPr>
+          </a:p>
+        </p:txBody>
+      </p:sp>
+      <p:sp>
+        <p:nvSpPr>
+          <p:cNvPr id="120" name="Isosceles Triangle 102"/>
+          <p:cNvSpPr/>
+          <p:nvPr/>
+        </p:nvSpPr>
+        <p:spPr>
+          <a:xfrm rot="16200000">
+            <a:off x="1626910" y="2952291"/>
+            <a:ext cx="270504" cy="175523"/>
+          </a:xfrm>
+          <a:prstGeom prst="triangle">
+            <a:avLst/>
+          </a:prstGeom>
+          <a:solidFill>
+            <a:srgbClr val="7030A0"/>
+          </a:solidFill>
+          <a:ln w="19050">
+            <a:solidFill>
+              <a:srgbClr val="7030A0"/>
+            </a:solidFill>
+          </a:ln>
+          <a:effectLst/>
+        </p:spPr>
+        <p:style>
+          <a:lnRef idx="1">
+            <a:schemeClr val="accent6"/>
+          </a:lnRef>
+          <a:fillRef idx="2">
+            <a:schemeClr val="accent6"/>
+          </a:fillRef>
+          <a:effectRef idx="1">
+            <a:schemeClr val="accent6"/>
+          </a:effectRef>
+          <a:fontRef idx="minor">
+            <a:schemeClr val="dk1"/>
+          </a:fontRef>
+        </p:style>
+        <p:txBody>
+          <a:bodyPr rtlCol="0" anchor="ctr"/>
+          <a:lstStyle/>
+          <a:p>
+            <a:pPr algn="ctr"/>
+            <a:endParaRPr lang="en-SG" sz="1050"/>
+          </a:p>
+        </p:txBody>
+      </p:sp>
+      <p:cxnSp>
+        <p:nvCxnSpPr>
+          <p:cNvPr id="58" name="Straight Arrow Connector 57"/>
+          <p:cNvCxnSpPr>
+            <a:cxnSpLocks/>
+            <a:stCxn id="42" idx="3"/>
+            <a:endCxn id="2" idx="1"/>
+          </p:cNvCxnSpPr>
+          <p:nvPr/>
+        </p:nvCxnSpPr>
+        <p:spPr>
+          <a:xfrm>
+            <a:off x="2609828" y="3636620"/>
+            <a:ext cx="215452" cy="0"/>
+          </a:xfrm>
+          <a:prstGeom prst="straightConnector1">
+            <a:avLst/>
+          </a:prstGeom>
+          <a:ln w="19050">
+            <a:solidFill>
+              <a:srgbClr val="7030A0"/>
+            </a:solidFill>
+            <a:headEnd type="none" w="med" len="med"/>
+            <a:tailEnd type="arrow" w="med" len="med"/>
+          </a:ln>
+          <a:effectLst/>
+        </p:spPr>
+        <p:style>
+          <a:lnRef idx="1">
+            <a:schemeClr val="accent2"/>
+          </a:lnRef>
+          <a:fillRef idx="2">
+            <a:schemeClr val="accent2"/>
+          </a:fillRef>
+          <a:effectRef idx="1">
+            <a:schemeClr val="accent2"/>
+          </a:effectRef>
+          <a:fontRef idx="minor">
+            <a:schemeClr val="dk1"/>
+          </a:fontRef>
+        </p:style>
+      </p:cxnSp>
+      <p:cxnSp>
+        <p:nvCxnSpPr>
+          <p:cNvPr id="75" name="Elbow Connector 122"/>
+          <p:cNvCxnSpPr/>
+          <p:nvPr/>
+        </p:nvCxnSpPr>
+        <p:spPr>
+          <a:xfrm>
+            <a:off x="910091" y="3040053"/>
+            <a:ext cx="419548" cy="2860"/>
+          </a:xfrm>
+          <a:prstGeom prst="bentConnector3">
+            <a:avLst>
+              <a:gd name="adj1" fmla="val 50000"/>
+            </a:avLst>
+          </a:prstGeom>
+          <a:ln w="19050">
+            <a:solidFill>
+              <a:schemeClr val="bg1">
+                <a:lumMod val="75000"/>
+              </a:schemeClr>
+            </a:solidFill>
+            <a:prstDash val="sysDot"/>
+            <a:headEnd type="none" w="med" len="med"/>
+            <a:tailEnd type="arrow" w="med" len="med"/>
+          </a:ln>
+          <a:effectLst/>
+        </p:spPr>
+        <p:style>
+          <a:lnRef idx="1">
+            <a:schemeClr val="accent2"/>
+          </a:lnRef>
+          <a:fillRef idx="2">
+            <a:schemeClr val="accent2"/>
+          </a:fillRef>
+          <a:effectRef idx="1">
+            <a:schemeClr val="accent2"/>
+          </a:effectRef>
+          <a:fontRef idx="minor">
+            <a:schemeClr val="dk1"/>
+          </a:fontRef>
+        </p:style>
+      </p:cxnSp>
+      <p:cxnSp>
+        <p:nvCxnSpPr>
+          <p:cNvPr id="21" name="Straight Connector 20"/>
+          <p:cNvCxnSpPr>
+            <a:stCxn id="120" idx="3"/>
+          </p:cNvCxnSpPr>
+          <p:nvPr/>
+        </p:nvCxnSpPr>
+        <p:spPr>
+          <a:xfrm flipV="1">
+            <a:off x="1849924" y="3040052"/>
+            <a:ext cx="216105" cy="1"/>
+          </a:xfrm>
+          <a:prstGeom prst="line">
+            <a:avLst/>
+          </a:prstGeom>
+          <a:ln w="19050">
+            <a:solidFill>
+              <a:srgbClr val="7030A0"/>
+            </a:solidFill>
+            <a:prstDash val="sysDot"/>
+            <a:headEnd type="none" w="med" len="med"/>
+            <a:tailEnd type="none" w="med" len="med"/>
+          </a:ln>
+          <a:effectLst/>
+        </p:spPr>
+        <p:style>
+          <a:lnRef idx="1">
+            <a:schemeClr val="accent2"/>
+          </a:lnRef>
+          <a:fillRef idx="2">
+            <a:schemeClr val="accent2"/>
+          </a:fillRef>
+          <a:effectRef idx="1">
+            <a:schemeClr val="accent2"/>
+          </a:effectRef>
+          <a:fontRef idx="minor">
+            <a:schemeClr val="dk1"/>
+          </a:fontRef>
+        </p:style>
+      </p:cxnSp>
+      <p:sp>
+        <p:nvSpPr>
+          <p:cNvPr id="42" name="Flowchart: Decision 96"/>
+          <p:cNvSpPr/>
+          <p:nvPr/>
+        </p:nvSpPr>
+        <p:spPr>
+          <a:xfrm>
+            <a:off x="2373780" y="3549930"/>
+            <a:ext cx="236048" cy="173380"/>
+          </a:xfrm>
+          <a:prstGeom prst="flowChartDecision">
+            <a:avLst/>
+          </a:prstGeom>
+          <a:noFill/>
+          <a:ln w="19050">
+            <a:solidFill>
+              <a:srgbClr val="7030A0"/>
+            </a:solidFill>
+          </a:ln>
+          <a:effectLst/>
+        </p:spPr>
+        <p:style>
+          <a:lnRef idx="1">
+            <a:schemeClr val="accent6"/>
+          </a:lnRef>
+          <a:fillRef idx="2">
+            <a:schemeClr val="accent6"/>
+          </a:fillRef>
+          <a:effectRef idx="1">
+            <a:schemeClr val="accent6"/>
+          </a:effectRef>
+          <a:fontRef idx="minor">
+            <a:schemeClr val="dk1"/>
+          </a:fontRef>
+        </p:style>
+        <p:txBody>
+          <a:bodyPr rtlCol="0" anchor="ctr"/>
+          <a:lstStyle/>
+          <a:p>
+            <a:pPr algn="ctr"/>
+            <a:endParaRPr lang="en-US" sz="1050"/>
+          </a:p>
+        </p:txBody>
+      </p:sp>
+      <p:sp>
+        <p:nvSpPr>
+          <p:cNvPr id="46" name="Rectangle 8"/>
+          <p:cNvSpPr/>
+          <p:nvPr/>
+        </p:nvSpPr>
+        <p:spPr>
+          <a:xfrm>
+            <a:off x="2825280" y="2846162"/>
+            <a:ext cx="1490560" cy="334856"/>
+          </a:xfrm>
+          <a:prstGeom prst="rect">
+            <a:avLst/>
+          </a:prstGeom>
+          <a:ln w="19050">
+            <a:solidFill>
+              <a:srgbClr val="7030A0"/>
+            </a:solidFill>
+          </a:ln>
+          <a:effectLst/>
+        </p:spPr>
+        <p:style>
+          <a:lnRef idx="1">
+            <a:schemeClr val="accent4"/>
+          </a:lnRef>
+          <a:fillRef idx="2">
+            <a:schemeClr val="accent4"/>
+          </a:fillRef>
+          <a:effectRef idx="1">
+            <a:schemeClr val="accent4"/>
+          </a:effectRef>
+          <a:fontRef idx="minor">
+            <a:schemeClr val="dk1"/>
+          </a:fontRef>
+        </p:style>
+        <p:txBody>
+          <a:bodyPr rtlCol="0" anchor="ctr"/>
+          <a:lstStyle/>
+          <a:p>
+            <a:pPr algn="ctr"/>
+            <a:r>
+              <a:rPr lang="en-US" sz="1050" dirty="0" err="1">
+                <a:solidFill>
+                  <a:srgbClr val="7030A0"/>
+                </a:solidFill>
+              </a:rPr>
+              <a:t>VersionedAddressBook</a:t>
+            </a:r>
+            <a:endParaRPr lang="en-SG" sz="1050" dirty="0">
+              <a:solidFill>
+                <a:srgbClr val="7030A0"/>
+              </a:solidFill>
+            </a:endParaRPr>
+          </a:p>
+        </p:txBody>
+      </p:sp>
+      <p:cxnSp>
+        <p:nvCxnSpPr>
+          <p:cNvPr id="47" name="Straight Arrow Connector 46"/>
+          <p:cNvCxnSpPr>
+            <a:stCxn id="48" idx="3"/>
+            <a:endCxn id="46" idx="1"/>
+          </p:cNvCxnSpPr>
+          <p:nvPr/>
+        </p:nvCxnSpPr>
+        <p:spPr>
+          <a:xfrm>
+            <a:off x="2624360" y="3003033"/>
+            <a:ext cx="200920" cy="10557"/>
+          </a:xfrm>
+          <a:prstGeom prst="straightConnector1">
+            <a:avLst/>
+          </a:prstGeom>
+          <a:ln w="19050">
+            <a:solidFill>
+              <a:srgbClr val="7030A0"/>
+            </a:solidFill>
+            <a:headEnd type="none" w="med" len="med"/>
+            <a:tailEnd type="arrow" w="med" len="med"/>
+          </a:ln>
+          <a:effectLst/>
+        </p:spPr>
+        <p:style>
+          <a:lnRef idx="1">
+            <a:schemeClr val="accent2"/>
+          </a:lnRef>
+          <a:fillRef idx="2">
+            <a:schemeClr val="accent2"/>
+          </a:fillRef>
+          <a:effectRef idx="1">
+            <a:schemeClr val="accent2"/>
+          </a:effectRef>
+          <a:fontRef idx="minor">
+            <a:schemeClr val="dk1"/>
+          </a:fontRef>
+        </p:style>
+      </p:cxnSp>
+      <p:sp>
+        <p:nvSpPr>
+          <p:cNvPr id="48" name="Flowchart: Decision 96"/>
+          <p:cNvSpPr/>
+          <p:nvPr/>
+        </p:nvSpPr>
+        <p:spPr>
+          <a:xfrm>
+            <a:off x="2388312" y="2916343"/>
+            <a:ext cx="236048" cy="173380"/>
+          </a:xfrm>
+          <a:prstGeom prst="flowChartDecision">
+            <a:avLst/>
+          </a:prstGeom>
+          <a:noFill/>
+          <a:ln w="19050">
+            <a:solidFill>
+              <a:srgbClr val="7030A0"/>
+            </a:solidFill>
+          </a:ln>
+          <a:effectLst/>
+        </p:spPr>
+        <p:style>
+          <a:lnRef idx="1">
+            <a:schemeClr val="accent6"/>
+          </a:lnRef>
+          <a:fillRef idx="2">
+            <a:schemeClr val="accent6"/>
+          </a:fillRef>
+          <a:effectRef idx="1">
+            <a:schemeClr val="accent6"/>
+          </a:effectRef>
+          <a:fontRef idx="minor">
+            <a:schemeClr val="dk1"/>
+          </a:fontRef>
+        </p:style>
+        <p:txBody>
+          <a:bodyPr rtlCol="0" anchor="ctr"/>
+          <a:lstStyle/>
+          <a:p>
+            <a:pPr algn="ctr"/>
+            <a:endParaRPr lang="en-US" sz="1050"/>
+          </a:p>
+        </p:txBody>
+      </p:sp>
+      <p:sp>
+        <p:nvSpPr>
+          <p:cNvPr id="49" name="Rectangle 8"/>
+          <p:cNvSpPr/>
+          <p:nvPr/>
+        </p:nvSpPr>
+        <p:spPr>
+          <a:xfrm>
+            <a:off x="4692650" y="2846162"/>
+            <a:ext cx="1156969" cy="346760"/>
+          </a:xfrm>
+          <a:prstGeom prst="rect">
+            <a:avLst/>
+          </a:prstGeom>
+          <a:ln w="19050">
+            <a:solidFill>
+              <a:srgbClr val="7030A0"/>
+            </a:solidFill>
+          </a:ln>
+          <a:effectLst/>
+        </p:spPr>
+        <p:style>
+          <a:lnRef idx="1">
+            <a:schemeClr val="accent4"/>
+          </a:lnRef>
+          <a:fillRef idx="2">
+            <a:schemeClr val="accent4"/>
+          </a:fillRef>
+          <a:effectRef idx="1">
+            <a:schemeClr val="accent4"/>
+          </a:effectRef>
+          <a:fontRef idx="minor">
+            <a:schemeClr val="dk1"/>
+          </a:fontRef>
+        </p:style>
+        <p:txBody>
+          <a:bodyPr rtlCol="0" anchor="ctr"/>
+          <a:lstStyle/>
+          <a:p>
+            <a:pPr algn="ctr"/>
+            <a:r>
+              <a:rPr lang="en-US" sz="1050" dirty="0" err="1">
+                <a:solidFill>
+                  <a:srgbClr val="7030A0"/>
+                </a:solidFill>
+              </a:rPr>
+              <a:t>UniquePersonList</a:t>
+            </a:r>
+            <a:endParaRPr lang="en-SG" sz="1050" dirty="0">
+              <a:solidFill>
+                <a:srgbClr val="7030A0"/>
+              </a:solidFill>
+            </a:endParaRPr>
+          </a:p>
+        </p:txBody>
+      </p:sp>
+      <p:sp>
+        <p:nvSpPr>
+          <p:cNvPr id="51" name="Flowchart: Decision 96"/>
+          <p:cNvSpPr/>
+          <p:nvPr/>
+        </p:nvSpPr>
+        <p:spPr>
+          <a:xfrm>
+            <a:off x="4324972" y="2920532"/>
+            <a:ext cx="236048" cy="173380"/>
+          </a:xfrm>
+          <a:prstGeom prst="flowChartDecision">
+            <a:avLst/>
+          </a:prstGeom>
+          <a:solidFill>
+            <a:srgbClr val="7030A0"/>
+          </a:solidFill>
+          <a:ln w="19050">
+            <a:solidFill>
+              <a:srgbClr val="7030A0"/>
+            </a:solidFill>
+          </a:ln>
+          <a:effectLst/>
+        </p:spPr>
+        <p:style>
+          <a:lnRef idx="1">
+            <a:schemeClr val="accent6"/>
+          </a:lnRef>
+          <a:fillRef idx="2">
+            <a:schemeClr val="accent6"/>
+          </a:fillRef>
+          <a:effectRef idx="1">
+            <a:schemeClr val="accent6"/>
+          </a:effectRef>
+          <a:fontRef idx="minor">
+            <a:schemeClr val="dk1"/>
+          </a:fontRef>
+        </p:style>
+        <p:txBody>
+          <a:bodyPr rtlCol="0" anchor="ctr"/>
+          <a:lstStyle/>
+          <a:p>
+            <a:pPr algn="ctr"/>
+            <a:endParaRPr lang="en-US" sz="1050"/>
+          </a:p>
+        </p:txBody>
+      </p:sp>
+      <p:sp>
+        <p:nvSpPr>
+          <p:cNvPr id="62" name="Rectangle 8"/>
+          <p:cNvSpPr/>
+          <p:nvPr/>
+        </p:nvSpPr>
+        <p:spPr>
+          <a:xfrm>
+            <a:off x="6313677" y="2858066"/>
+            <a:ext cx="708186" cy="346760"/>
+          </a:xfrm>
+          <a:prstGeom prst="rect">
+            <a:avLst/>
+          </a:prstGeom>
+          <a:ln w="19050">
+            <a:solidFill>
+              <a:srgbClr val="7030A0"/>
+            </a:solidFill>
+          </a:ln>
+          <a:effectLst/>
+        </p:spPr>
+        <p:style>
+          <a:lnRef idx="1">
+            <a:schemeClr val="accent4"/>
+          </a:lnRef>
+          <a:fillRef idx="2">
+            <a:schemeClr val="accent4"/>
+          </a:fillRef>
+          <a:effectRef idx="1">
+            <a:schemeClr val="accent4"/>
+          </a:effectRef>
+          <a:fontRef idx="minor">
+            <a:schemeClr val="dk1"/>
+          </a:fontRef>
+        </p:style>
+        <p:txBody>
+          <a:bodyPr rtlCol="0" anchor="ctr"/>
+          <a:lstStyle/>
+          <a:p>
+            <a:pPr algn="ctr"/>
+            <a:r>
+              <a:rPr lang="en-US" sz="1050" dirty="0">
+                <a:solidFill>
+                  <a:srgbClr val="7030A0"/>
+                </a:solidFill>
+              </a:rPr>
+              <a:t>Person</a:t>
+            </a:r>
+            <a:endParaRPr lang="en-SG" sz="1050" dirty="0">
+              <a:solidFill>
+                <a:srgbClr val="7030A0"/>
+              </a:solidFill>
+            </a:endParaRPr>
+          </a:p>
+        </p:txBody>
+      </p:sp>
+      <p:sp>
+        <p:nvSpPr>
+          <p:cNvPr id="63" name="Flowchart: Decision 96"/>
+          <p:cNvSpPr/>
+          <p:nvPr/>
+        </p:nvSpPr>
+        <p:spPr>
+          <a:xfrm>
+            <a:off x="5858751" y="2941676"/>
+            <a:ext cx="236048" cy="173380"/>
+          </a:xfrm>
+          <a:prstGeom prst="flowChartDecision">
+            <a:avLst/>
+          </a:prstGeom>
+          <a:noFill/>
+          <a:ln w="19050">
+            <a:solidFill>
+              <a:srgbClr val="7030A0"/>
+            </a:solidFill>
+          </a:ln>
+          <a:effectLst/>
+        </p:spPr>
+        <p:style>
+          <a:lnRef idx="1">
+            <a:schemeClr val="accent6"/>
+          </a:lnRef>
+          <a:fillRef idx="2">
+            <a:schemeClr val="accent6"/>
+          </a:fillRef>
+          <a:effectRef idx="1">
+            <a:schemeClr val="accent6"/>
+          </a:effectRef>
+          <a:fontRef idx="minor">
+            <a:schemeClr val="dk1"/>
+          </a:fontRef>
+        </p:style>
+        <p:txBody>
+          <a:bodyPr rtlCol="0" anchor="ctr"/>
+          <a:lstStyle/>
+          <a:p>
+            <a:pPr algn="ctr"/>
+            <a:endParaRPr lang="en-US" sz="1050"/>
+          </a:p>
+        </p:txBody>
+      </p:sp>
+      <p:cxnSp>
+        <p:nvCxnSpPr>
+          <p:cNvPr id="64" name="Elbow Connector 63"/>
+          <p:cNvCxnSpPr>
+            <a:stCxn id="63" idx="3"/>
+            <a:endCxn id="62" idx="1"/>
+          </p:cNvCxnSpPr>
+          <p:nvPr/>
+        </p:nvCxnSpPr>
+        <p:spPr>
+          <a:xfrm>
+            <a:off x="6094799" y="3028366"/>
+            <a:ext cx="218878" cy="3080"/>
+          </a:xfrm>
+          <a:prstGeom prst="bentConnector3">
+            <a:avLst/>
+          </a:prstGeom>
+          <a:ln w="19050">
+            <a:solidFill>
+              <a:srgbClr val="7030A0"/>
+            </a:solidFill>
+            <a:headEnd type="none" w="med" len="med"/>
+            <a:tailEnd type="arrow" w="med" len="med"/>
+          </a:ln>
+          <a:effectLst/>
+        </p:spPr>
+        <p:style>
+          <a:lnRef idx="1">
+            <a:schemeClr val="accent2"/>
+          </a:lnRef>
+          <a:fillRef idx="2">
+            <a:schemeClr val="accent2"/>
+          </a:fillRef>
+          <a:effectRef idx="1">
+            <a:schemeClr val="accent2"/>
+          </a:effectRef>
+          <a:fontRef idx="minor">
+            <a:schemeClr val="dk1"/>
+          </a:fontRef>
+        </p:style>
+      </p:cxnSp>
+      <p:sp>
+        <p:nvSpPr>
+          <p:cNvPr id="76" name="Rectangle 8"/>
+          <p:cNvSpPr/>
+          <p:nvPr/>
+        </p:nvSpPr>
+        <p:spPr>
+          <a:xfrm>
+            <a:off x="7712397" y="2564238"/>
+            <a:ext cx="708186" cy="285783"/>
+          </a:xfrm>
+          <a:prstGeom prst="rect">
+            <a:avLst/>
+          </a:prstGeom>
+          <a:ln w="19050">
+            <a:solidFill>
+              <a:srgbClr val="7030A0"/>
+            </a:solidFill>
+          </a:ln>
+          <a:effectLst/>
+        </p:spPr>
+        <p:style>
+          <a:lnRef idx="1">
+            <a:schemeClr val="accent4"/>
+          </a:lnRef>
+          <a:fillRef idx="2">
+            <a:schemeClr val="accent4"/>
+          </a:fillRef>
+          <a:effectRef idx="1">
+            <a:schemeClr val="accent4"/>
+          </a:effectRef>
+          <a:fontRef idx="minor">
+            <a:schemeClr val="dk1"/>
+          </a:fontRef>
+        </p:style>
+        <p:txBody>
+          <a:bodyPr rtlCol="0" anchor="ctr"/>
+          <a:lstStyle/>
+          <a:p>
+            <a:pPr algn="ctr"/>
+            <a:r>
+              <a:rPr lang="en-US" sz="1050" dirty="0">
+                <a:solidFill>
+                  <a:srgbClr val="7030A0"/>
+                </a:solidFill>
+              </a:rPr>
+              <a:t>Name</a:t>
+            </a:r>
+            <a:endParaRPr lang="en-SG" sz="1050" dirty="0">
+              <a:solidFill>
+                <a:srgbClr val="7030A0"/>
+              </a:solidFill>
+            </a:endParaRPr>
+          </a:p>
+        </p:txBody>
+      </p:sp>
+      <p:sp>
+        <p:nvSpPr>
+          <p:cNvPr id="78" name="Flowchart: Decision 96"/>
+          <p:cNvSpPr/>
+          <p:nvPr/>
+        </p:nvSpPr>
+        <p:spPr>
+          <a:xfrm>
+            <a:off x="7041947" y="2948201"/>
+            <a:ext cx="236048" cy="173380"/>
+          </a:xfrm>
+          <a:prstGeom prst="flowChartDecision">
+            <a:avLst/>
+          </a:prstGeom>
+          <a:solidFill>
+            <a:srgbClr val="7030A0"/>
+          </a:solidFill>
+          <a:ln w="19050">
+            <a:solidFill>
+              <a:srgbClr val="7030A0"/>
+            </a:solidFill>
+          </a:ln>
+          <a:effectLst/>
+        </p:spPr>
+        <p:style>
+          <a:lnRef idx="1">
+            <a:schemeClr val="accent6"/>
+          </a:lnRef>
+          <a:fillRef idx="2">
+            <a:schemeClr val="accent6"/>
+          </a:fillRef>
+          <a:effectRef idx="1">
+            <a:schemeClr val="accent6"/>
+          </a:effectRef>
+          <a:fontRef idx="minor">
+            <a:schemeClr val="dk1"/>
+          </a:fontRef>
+        </p:style>
+        <p:txBody>
+          <a:bodyPr rtlCol="0" anchor="ctr"/>
+          <a:lstStyle/>
+          <a:p>
+            <a:pPr algn="ctr"/>
+            <a:endParaRPr lang="en-US" sz="1050"/>
+          </a:p>
+        </p:txBody>
+      </p:sp>
+      <p:cxnSp>
+        <p:nvCxnSpPr>
+          <p:cNvPr id="79" name="Elbow Connector 78"/>
+          <p:cNvCxnSpPr>
+            <a:cxnSpLocks/>
+          </p:cNvCxnSpPr>
+          <p:nvPr/>
+        </p:nvCxnSpPr>
+        <p:spPr>
+          <a:xfrm flipV="1">
+            <a:off x="7277995" y="2706821"/>
+            <a:ext cx="434402" cy="327761"/>
+          </a:xfrm>
+          <a:prstGeom prst="bentConnector3">
+            <a:avLst/>
+          </a:prstGeom>
+          <a:ln w="19050">
+            <a:solidFill>
+              <a:srgbClr val="7030A0"/>
+            </a:solidFill>
+            <a:headEnd type="none" w="med" len="med"/>
+            <a:tailEnd type="arrow" w="med" len="med"/>
+          </a:ln>
+          <a:effectLst/>
+        </p:spPr>
+        <p:style>
+          <a:lnRef idx="1">
+            <a:schemeClr val="accent2"/>
+          </a:lnRef>
+          <a:fillRef idx="2">
+            <a:schemeClr val="accent2"/>
+          </a:fillRef>
+          <a:effectRef idx="1">
+            <a:schemeClr val="accent2"/>
+          </a:effectRef>
+          <a:fontRef idx="minor">
+            <a:schemeClr val="dk1"/>
+          </a:fontRef>
+        </p:style>
+      </p:cxnSp>
+      <p:sp>
+        <p:nvSpPr>
+          <p:cNvPr id="80" name="Rectangle 8"/>
+          <p:cNvSpPr/>
+          <p:nvPr/>
+        </p:nvSpPr>
+        <p:spPr>
+          <a:xfrm>
+            <a:off x="7712397" y="2887216"/>
+            <a:ext cx="708186" cy="285783"/>
+          </a:xfrm>
+          <a:prstGeom prst="rect">
+            <a:avLst/>
+          </a:prstGeom>
+          <a:ln w="19050">
+            <a:solidFill>
+              <a:srgbClr val="7030A0"/>
+            </a:solidFill>
+          </a:ln>
+          <a:effectLst/>
+        </p:spPr>
+        <p:style>
+          <a:lnRef idx="1">
+            <a:schemeClr val="accent4"/>
+          </a:lnRef>
+          <a:fillRef idx="2">
+            <a:schemeClr val="accent4"/>
+          </a:fillRef>
+          <a:effectRef idx="1">
+            <a:schemeClr val="accent4"/>
+          </a:effectRef>
+          <a:fontRef idx="minor">
+            <a:schemeClr val="dk1"/>
+          </a:fontRef>
+        </p:style>
+        <p:txBody>
+          <a:bodyPr rtlCol="0" anchor="ctr"/>
+          <a:lstStyle/>
+          <a:p>
+            <a:pPr algn="ctr"/>
+            <a:r>
+              <a:rPr lang="en-US" sz="1050" dirty="0">
+                <a:solidFill>
+                  <a:srgbClr val="7030A0"/>
+                </a:solidFill>
+              </a:rPr>
+              <a:t>Phone</a:t>
+            </a:r>
+            <a:endParaRPr lang="en-SG" sz="1050" dirty="0">
+              <a:solidFill>
+                <a:srgbClr val="7030A0"/>
+              </a:solidFill>
+            </a:endParaRPr>
+          </a:p>
+        </p:txBody>
+      </p:sp>
+      <p:cxnSp>
+        <p:nvCxnSpPr>
+          <p:cNvPr id="81" name="Elbow Connector 80"/>
+          <p:cNvCxnSpPr>
+            <a:stCxn id="78" idx="3"/>
+            <a:endCxn id="80" idx="1"/>
+          </p:cNvCxnSpPr>
+          <p:nvPr/>
+        </p:nvCxnSpPr>
+        <p:spPr>
+          <a:xfrm flipV="1">
+            <a:off x="7277995" y="3030108"/>
+            <a:ext cx="434402" cy="4783"/>
+          </a:xfrm>
+          <a:prstGeom prst="bentConnector3">
+            <a:avLst/>
+          </a:prstGeom>
+          <a:ln w="19050">
+            <a:solidFill>
+              <a:srgbClr val="7030A0"/>
+            </a:solidFill>
+            <a:headEnd type="none" w="med" len="med"/>
+            <a:tailEnd type="arrow" w="med" len="med"/>
+          </a:ln>
+          <a:effectLst/>
+        </p:spPr>
+        <p:style>
+          <a:lnRef idx="1">
+            <a:schemeClr val="accent2"/>
+          </a:lnRef>
+          <a:fillRef idx="2">
+            <a:schemeClr val="accent2"/>
+          </a:fillRef>
+          <a:effectRef idx="1">
+            <a:schemeClr val="accent2"/>
+          </a:effectRef>
+          <a:fontRef idx="minor">
+            <a:schemeClr val="dk1"/>
+          </a:fontRef>
+        </p:style>
+      </p:cxnSp>
+      <p:sp>
+        <p:nvSpPr>
+          <p:cNvPr id="83" name="Rectangle 8"/>
+          <p:cNvSpPr/>
+          <p:nvPr/>
+        </p:nvSpPr>
+        <p:spPr>
+          <a:xfrm>
+            <a:off x="7712397" y="3210194"/>
+            <a:ext cx="708186" cy="285783"/>
+          </a:xfrm>
+          <a:prstGeom prst="rect">
+            <a:avLst/>
+          </a:prstGeom>
+          <a:ln w="19050">
+            <a:solidFill>
+              <a:srgbClr val="7030A0"/>
+            </a:solidFill>
+          </a:ln>
+          <a:effectLst/>
+        </p:spPr>
+        <p:style>
+          <a:lnRef idx="1">
+            <a:schemeClr val="accent4"/>
+          </a:lnRef>
+          <a:fillRef idx="2">
+            <a:schemeClr val="accent4"/>
+          </a:fillRef>
+          <a:effectRef idx="1">
+            <a:schemeClr val="accent4"/>
+          </a:effectRef>
+          <a:fontRef idx="minor">
+            <a:schemeClr val="dk1"/>
+          </a:fontRef>
+        </p:style>
+        <p:txBody>
+          <a:bodyPr rtlCol="0" anchor="ctr"/>
+          <a:lstStyle/>
+          <a:p>
+            <a:pPr algn="ctr"/>
+            <a:r>
+              <a:rPr lang="en-US" sz="1050" dirty="0">
+                <a:solidFill>
+                  <a:srgbClr val="7030A0"/>
+                </a:solidFill>
+              </a:rPr>
+              <a:t>Email</a:t>
+            </a:r>
+            <a:endParaRPr lang="en-SG" sz="1050" dirty="0">
+              <a:solidFill>
+                <a:srgbClr val="7030A0"/>
+              </a:solidFill>
+            </a:endParaRPr>
+          </a:p>
+        </p:txBody>
+      </p:sp>
+      <p:cxnSp>
+        <p:nvCxnSpPr>
+          <p:cNvPr id="84" name="Elbow Connector 83"/>
+          <p:cNvCxnSpPr>
+            <a:stCxn id="78" idx="3"/>
+            <a:endCxn id="83" idx="1"/>
+          </p:cNvCxnSpPr>
+          <p:nvPr/>
+        </p:nvCxnSpPr>
+        <p:spPr>
+          <a:xfrm>
+            <a:off x="7277995" y="3034891"/>
+            <a:ext cx="434402" cy="318195"/>
+          </a:xfrm>
+          <a:prstGeom prst="bentConnector3">
+            <a:avLst/>
+          </a:prstGeom>
+          <a:ln w="19050">
+            <a:solidFill>
+              <a:srgbClr val="7030A0"/>
+            </a:solidFill>
+            <a:headEnd type="none" w="med" len="med"/>
+            <a:tailEnd type="arrow" w="med" len="med"/>
+          </a:ln>
+          <a:effectLst/>
+        </p:spPr>
+        <p:style>
+          <a:lnRef idx="1">
+            <a:schemeClr val="accent2"/>
+          </a:lnRef>
+          <a:fillRef idx="2">
+            <a:schemeClr val="accent2"/>
+          </a:fillRef>
+          <a:effectRef idx="1">
+            <a:schemeClr val="accent2"/>
+          </a:effectRef>
+          <a:fontRef idx="minor">
+            <a:schemeClr val="dk1"/>
+          </a:fontRef>
+        </p:style>
+      </p:cxnSp>
+      <p:sp>
+        <p:nvSpPr>
+          <p:cNvPr id="85" name="Rectangle 8"/>
+          <p:cNvSpPr/>
+          <p:nvPr/>
+        </p:nvSpPr>
+        <p:spPr>
+          <a:xfrm>
+            <a:off x="7712397" y="3533171"/>
+            <a:ext cx="708186" cy="285783"/>
+          </a:xfrm>
+          <a:prstGeom prst="rect">
+            <a:avLst/>
+          </a:prstGeom>
+          <a:ln w="19050">
+            <a:solidFill>
+              <a:srgbClr val="7030A0"/>
+            </a:solidFill>
+          </a:ln>
+          <a:effectLst/>
+        </p:spPr>
+        <p:style>
+          <a:lnRef idx="1">
+            <a:schemeClr val="accent4"/>
+          </a:lnRef>
+          <a:fillRef idx="2">
+            <a:schemeClr val="accent4"/>
+          </a:fillRef>
+          <a:effectRef idx="1">
+            <a:schemeClr val="accent4"/>
+          </a:effectRef>
+          <a:fontRef idx="minor">
+            <a:schemeClr val="dk1"/>
+          </a:fontRef>
+        </p:style>
+        <p:txBody>
+          <a:bodyPr rtlCol="0" anchor="ctr"/>
+          <a:lstStyle/>
+          <a:p>
+            <a:pPr algn="ctr"/>
+            <a:r>
+              <a:rPr lang="en-US" sz="1050" dirty="0">
+                <a:solidFill>
+                  <a:srgbClr val="7030A0"/>
+                </a:solidFill>
+              </a:rPr>
+              <a:t>Address</a:t>
+            </a:r>
+            <a:endParaRPr lang="en-SG" sz="1050" dirty="0">
+              <a:solidFill>
+                <a:srgbClr val="7030A0"/>
+              </a:solidFill>
+            </a:endParaRPr>
+          </a:p>
+        </p:txBody>
+      </p:sp>
+      <p:cxnSp>
+        <p:nvCxnSpPr>
+          <p:cNvPr id="86" name="Elbow Connector 85"/>
+          <p:cNvCxnSpPr>
+            <a:stCxn id="78" idx="3"/>
+            <a:endCxn id="85" idx="1"/>
+          </p:cNvCxnSpPr>
+          <p:nvPr/>
+        </p:nvCxnSpPr>
+        <p:spPr>
+          <a:xfrm>
+            <a:off x="7277995" y="3034891"/>
+            <a:ext cx="434402" cy="641172"/>
+          </a:xfrm>
+          <a:prstGeom prst="bentConnector3">
+            <a:avLst/>
+          </a:prstGeom>
+          <a:ln w="19050">
+            <a:solidFill>
+              <a:srgbClr val="7030A0"/>
+            </a:solidFill>
+            <a:headEnd type="none" w="med" len="med"/>
+            <a:tailEnd type="arrow" w="med" len="med"/>
+          </a:ln>
+          <a:effectLst/>
+        </p:spPr>
+        <p:style>
+          <a:lnRef idx="1">
+            <a:schemeClr val="accent2"/>
+          </a:lnRef>
+          <a:fillRef idx="2">
+            <a:schemeClr val="accent2"/>
+          </a:fillRef>
+          <a:effectRef idx="1">
+            <a:schemeClr val="accent2"/>
+          </a:effectRef>
+          <a:fontRef idx="minor">
+            <a:schemeClr val="dk1"/>
+          </a:fontRef>
+        </p:style>
+      </p:cxnSp>
+      <p:cxnSp>
+        <p:nvCxnSpPr>
+          <p:cNvPr id="97" name="Elbow Connector 63"/>
+          <p:cNvCxnSpPr>
+            <a:cxnSpLocks/>
+            <a:stCxn id="99" idx="3"/>
+          </p:cNvCxnSpPr>
+          <p:nvPr/>
+        </p:nvCxnSpPr>
+        <p:spPr>
+          <a:xfrm rot="16200000" flipH="1">
+            <a:off x="3566454" y="2680653"/>
+            <a:ext cx="274076" cy="1"/>
+          </a:xfrm>
+          <a:prstGeom prst="bentConnector3">
+            <a:avLst>
+              <a:gd name="adj1" fmla="val 50000"/>
+            </a:avLst>
+          </a:prstGeom>
+          <a:ln w="19050">
+            <a:solidFill>
+              <a:srgbClr val="7030A0"/>
+            </a:solidFill>
+            <a:prstDash val="sysDot"/>
+            <a:headEnd type="none" w="med" len="med"/>
+            <a:tailEnd type="none" w="med" len="med"/>
+          </a:ln>
+          <a:effectLst/>
+        </p:spPr>
+        <p:style>
+          <a:lnRef idx="1">
+            <a:schemeClr val="accent2"/>
+          </a:lnRef>
+          <a:fillRef idx="2">
+            <a:schemeClr val="accent2"/>
+          </a:fillRef>
+          <a:effectRef idx="1">
+            <a:schemeClr val="accent2"/>
+          </a:effectRef>
+          <a:fontRef idx="minor">
+            <a:schemeClr val="dk1"/>
+          </a:fontRef>
+        </p:style>
+      </p:cxnSp>
+      <p:sp>
+        <p:nvSpPr>
+          <p:cNvPr id="99" name="Isosceles Triangle 102"/>
+          <p:cNvSpPr/>
+          <p:nvPr/>
+        </p:nvSpPr>
+        <p:spPr>
+          <a:xfrm rot="10800000" flipV="1">
+            <a:off x="3562299" y="2386554"/>
+            <a:ext cx="282387" cy="157062"/>
+          </a:xfrm>
+          <a:prstGeom prst="triangle">
+            <a:avLst/>
+          </a:prstGeom>
+          <a:solidFill>
+            <a:schemeClr val="accent4">
+              <a:lumMod val="20000"/>
+              <a:lumOff val="80000"/>
+            </a:schemeClr>
+          </a:solidFill>
+          <a:ln w="19050">
+            <a:solidFill>
+              <a:srgbClr val="7030A0"/>
+            </a:solidFill>
+          </a:ln>
+          <a:effectLst/>
+        </p:spPr>
+        <p:style>
+          <a:lnRef idx="1">
+            <a:schemeClr val="accent4"/>
+          </a:lnRef>
+          <a:fillRef idx="2">
+            <a:schemeClr val="accent4"/>
+          </a:fillRef>
+          <a:effectRef idx="1">
+            <a:schemeClr val="accent4"/>
+          </a:effectRef>
+          <a:fontRef idx="minor">
+            <a:schemeClr val="dk1"/>
+          </a:fontRef>
+        </p:style>
+        <p:txBody>
+          <a:bodyPr rtlCol="0" anchor="ctr"/>
+          <a:lstStyle/>
+          <a:p>
+            <a:pPr algn="ctr"/>
+            <a:endParaRPr lang="en-SG" sz="1050" b="1">
+              <a:solidFill>
+                <a:srgbClr val="92D050"/>
+              </a:solidFill>
+            </a:endParaRPr>
+          </a:p>
+        </p:txBody>
+      </p:sp>
+      <p:sp>
+        <p:nvSpPr>
+          <p:cNvPr id="100" name="Rectangle 8"/>
+          <p:cNvSpPr/>
+          <p:nvPr/>
+        </p:nvSpPr>
+        <p:spPr>
+          <a:xfrm>
+            <a:off x="1260922" y="1998350"/>
+            <a:ext cx="1443661" cy="364396"/>
+          </a:xfrm>
+          <a:prstGeom prst="rect">
+            <a:avLst/>
+          </a:prstGeom>
+          <a:ln w="19050">
+            <a:solidFill>
+              <a:srgbClr val="7030A0"/>
+            </a:solidFill>
+          </a:ln>
+          <a:effectLst/>
+        </p:spPr>
+        <p:style>
+          <a:lnRef idx="1">
+            <a:schemeClr val="accent4"/>
+          </a:lnRef>
+          <a:fillRef idx="2">
+            <a:schemeClr val="accent4"/>
+          </a:fillRef>
+          <a:effectRef idx="1">
+            <a:schemeClr val="accent4"/>
+          </a:effectRef>
+          <a:fontRef idx="minor">
+            <a:schemeClr val="dk1"/>
+          </a:fontRef>
+        </p:style>
+        <p:txBody>
+          <a:bodyPr rtlCol="0" anchor="ctr"/>
+          <a:lstStyle/>
+          <a:p>
+            <a:pPr algn="ctr"/>
+            <a:r>
+              <a:rPr lang="en-US" sz="1050" dirty="0">
+                <a:solidFill>
+                  <a:srgbClr val="7030A0"/>
+                </a:solidFill>
+              </a:rPr>
+              <a:t>&lt;&lt;interface&gt;&gt;</a:t>
+            </a:r>
+            <a:br>
+              <a:rPr lang="en-US" sz="1050" dirty="0">
+                <a:solidFill>
+                  <a:srgbClr val="7030A0"/>
+                </a:solidFill>
+              </a:rPr>
+            </a:br>
+            <a:r>
+              <a:rPr lang="en-US" sz="1050" dirty="0" err="1">
+                <a:solidFill>
+                  <a:srgbClr val="7030A0"/>
+                </a:solidFill>
+              </a:rPr>
+              <a:t>ReadOnlyAddressBook</a:t>
+            </a:r>
+            <a:endParaRPr lang="en-SG" sz="1050" dirty="0">
+              <a:solidFill>
+                <a:srgbClr val="7030A0"/>
+              </a:solidFill>
+            </a:endParaRPr>
+          </a:p>
+        </p:txBody>
+      </p:sp>
+      <p:sp>
+        <p:nvSpPr>
+          <p:cNvPr id="114" name="TextBox 113"/>
+          <p:cNvSpPr txBox="1"/>
+          <p:nvPr/>
+        </p:nvSpPr>
+        <p:spPr>
+          <a:xfrm rot="16200000">
+            <a:off x="6362886" y="3586305"/>
+            <a:ext cx="881018" cy="261610"/>
+          </a:xfrm>
+          <a:prstGeom prst="rect">
+            <a:avLst/>
+          </a:prstGeom>
+          <a:noFill/>
+        </p:spPr>
+        <p:txBody>
+          <a:bodyPr wrap="square" rtlCol="0">
+            <a:spAutoFit/>
+          </a:bodyPr>
+          <a:lstStyle/>
+          <a:p>
+            <a:pPr algn="r"/>
+            <a:r>
+              <a:rPr lang="en-US" sz="1100" dirty="0">
+                <a:solidFill>
+                  <a:srgbClr val="7030A0"/>
+                </a:solidFill>
+              </a:rPr>
+              <a:t>filtered list</a:t>
+            </a:r>
+            <a:endParaRPr lang="en-SG" sz="1100" dirty="0">
+              <a:solidFill>
+                <a:srgbClr val="7030A0"/>
+              </a:solidFill>
+            </a:endParaRPr>
+          </a:p>
+        </p:txBody>
+      </p:sp>
+      <p:sp>
+        <p:nvSpPr>
+          <p:cNvPr id="122" name="Rectangle 8"/>
+          <p:cNvSpPr/>
+          <p:nvPr/>
+        </p:nvSpPr>
+        <p:spPr>
+          <a:xfrm>
+            <a:off x="2057401" y="4239491"/>
+            <a:ext cx="1066800" cy="346760"/>
+          </a:xfrm>
+          <a:prstGeom prst="rect">
+            <a:avLst/>
+          </a:prstGeom>
+          <a:ln w="19050">
+            <a:solidFill>
+              <a:srgbClr val="7030A0"/>
+            </a:solidFill>
+          </a:ln>
+          <a:effectLst/>
+        </p:spPr>
+        <p:style>
+          <a:lnRef idx="1">
+            <a:schemeClr val="accent4"/>
+          </a:lnRef>
+          <a:fillRef idx="2">
+            <a:schemeClr val="accent4"/>
+          </a:fillRef>
+          <a:effectRef idx="1">
+            <a:schemeClr val="accent4"/>
+          </a:effectRef>
+          <a:fontRef idx="minor">
+            <a:schemeClr val="dk1"/>
+          </a:fontRef>
+        </p:style>
+        <p:txBody>
+          <a:bodyPr rtlCol="0" anchor="ctr"/>
+          <a:lstStyle/>
+          <a:p>
+            <a:pPr algn="ctr"/>
+            <a:r>
+              <a:rPr lang="en-US" sz="1050" dirty="0">
+                <a:solidFill>
+                  <a:srgbClr val="7030A0"/>
+                </a:solidFill>
+              </a:rPr>
+              <a:t>&lt;&lt;interface&gt;&gt;</a:t>
+            </a:r>
+            <a:r>
+              <a:rPr lang="en-US" sz="1050">
+                <a:solidFill>
+                  <a:srgbClr val="7030A0"/>
+                </a:solidFill>
+              </a:rPr>
+              <a:t/>
+            </a:r>
+            <a:br>
+              <a:rPr lang="en-US" sz="1050">
+                <a:solidFill>
+                  <a:srgbClr val="7030A0"/>
+                </a:solidFill>
+              </a:rPr>
+            </a:br>
+            <a:r>
+              <a:rPr lang="en-US" sz="1050" dirty="0" err="1">
+                <a:solidFill>
+                  <a:srgbClr val="7030A0"/>
+                </a:solidFill>
+              </a:rPr>
+              <a:t>ObservableList</a:t>
+            </a:r>
+            <a:endParaRPr lang="en-SG" sz="1050" dirty="0">
+              <a:solidFill>
+                <a:srgbClr val="7030A0"/>
+              </a:solidFill>
+            </a:endParaRPr>
+          </a:p>
+        </p:txBody>
+      </p:sp>
+      <p:cxnSp>
+        <p:nvCxnSpPr>
+          <p:cNvPr id="124" name="Elbow Connector 122"/>
+          <p:cNvCxnSpPr>
+            <a:stCxn id="119" idx="1"/>
+            <a:endCxn id="122" idx="1"/>
+          </p:cNvCxnSpPr>
+          <p:nvPr/>
+        </p:nvCxnSpPr>
+        <p:spPr>
+          <a:xfrm rot="16200000" flipH="1">
+            <a:off x="1364475" y="3719944"/>
+            <a:ext cx="831471" cy="554381"/>
+          </a:xfrm>
+          <a:prstGeom prst="bentConnector2">
+            <a:avLst/>
+          </a:prstGeom>
+          <a:ln w="19050">
+            <a:solidFill>
+              <a:srgbClr val="7030A0"/>
+            </a:solidFill>
+            <a:prstDash val="sysDot"/>
+            <a:headEnd type="none" w="med" len="med"/>
+            <a:tailEnd type="arrow" w="med" len="med"/>
+          </a:ln>
+          <a:effectLst/>
+        </p:spPr>
+        <p:style>
+          <a:lnRef idx="1">
+            <a:schemeClr val="accent2"/>
+          </a:lnRef>
+          <a:fillRef idx="2">
+            <a:schemeClr val="accent2"/>
+          </a:fillRef>
+          <a:effectRef idx="1">
+            <a:schemeClr val="accent2"/>
+          </a:effectRef>
+          <a:fontRef idx="minor">
+            <a:schemeClr val="dk1"/>
+          </a:fontRef>
+        </p:style>
+      </p:cxnSp>
+      <p:sp>
+        <p:nvSpPr>
+          <p:cNvPr id="54" name="TextBox 53"/>
+          <p:cNvSpPr txBox="1"/>
+          <p:nvPr/>
+        </p:nvSpPr>
+        <p:spPr>
+          <a:xfrm>
+            <a:off x="4429979" y="3111479"/>
+            <a:ext cx="189257" cy="178683"/>
+          </a:xfrm>
+          <a:prstGeom prst="rect">
+            <a:avLst/>
+          </a:prstGeom>
+          <a:noFill/>
+        </p:spPr>
+        <p:txBody>
+          <a:bodyPr wrap="square" lIns="0" tIns="0" rIns="0" bIns="0" rtlCol="0">
+            <a:noAutofit/>
+          </a:bodyPr>
+          <a:lstStyle/>
+          <a:p>
+            <a:pPr algn="ctr"/>
+            <a:r>
+              <a:rPr lang="en-US" sz="1100" dirty="0">
+                <a:solidFill>
+                  <a:srgbClr val="7030A0"/>
+                </a:solidFill>
+              </a:rPr>
+              <a:t>1</a:t>
+            </a:r>
+            <a:endParaRPr lang="en-SG" sz="1100" dirty="0">
+              <a:solidFill>
+                <a:srgbClr val="7030A0"/>
+              </a:solidFill>
+            </a:endParaRPr>
+          </a:p>
+        </p:txBody>
+      </p:sp>
+      <p:sp>
+        <p:nvSpPr>
+          <p:cNvPr id="61" name="TextBox 60"/>
+          <p:cNvSpPr txBox="1"/>
+          <p:nvPr/>
+        </p:nvSpPr>
+        <p:spPr>
+          <a:xfrm>
+            <a:off x="6135256" y="3097917"/>
+            <a:ext cx="189257" cy="178683"/>
+          </a:xfrm>
+          <a:prstGeom prst="rect">
+            <a:avLst/>
+          </a:prstGeom>
+          <a:noFill/>
+        </p:spPr>
+        <p:txBody>
+          <a:bodyPr wrap="square" lIns="0" tIns="0" rIns="0" bIns="0" rtlCol="0">
+            <a:noAutofit/>
+          </a:bodyPr>
+          <a:lstStyle/>
+          <a:p>
+            <a:pPr algn="ctr"/>
+            <a:r>
+              <a:rPr lang="en-US" sz="1100" dirty="0">
+                <a:solidFill>
+                  <a:srgbClr val="7030A0"/>
+                </a:solidFill>
+              </a:rPr>
+              <a:t>*</a:t>
+            </a:r>
+            <a:endParaRPr lang="en-SG" sz="1100" dirty="0">
+              <a:solidFill>
+                <a:srgbClr val="7030A0"/>
+              </a:solidFill>
+            </a:endParaRPr>
+          </a:p>
+        </p:txBody>
+      </p:sp>
+      <p:sp>
+        <p:nvSpPr>
+          <p:cNvPr id="65" name="TextBox 64"/>
+          <p:cNvSpPr txBox="1"/>
+          <p:nvPr/>
+        </p:nvSpPr>
+        <p:spPr>
+          <a:xfrm>
+            <a:off x="2573394" y="2756715"/>
+            <a:ext cx="170110" cy="137542"/>
+          </a:xfrm>
+          <a:prstGeom prst="rect">
+            <a:avLst/>
+          </a:prstGeom>
+          <a:noFill/>
+        </p:spPr>
+        <p:txBody>
+          <a:bodyPr wrap="square" lIns="0" tIns="0" rIns="0" bIns="0" rtlCol="0">
+            <a:noAutofit/>
+          </a:bodyPr>
+          <a:lstStyle/>
+          <a:p>
+            <a:pPr algn="ctr"/>
+            <a:r>
+              <a:rPr lang="en-US" sz="1100" dirty="0">
+                <a:solidFill>
+                  <a:srgbClr val="7030A0"/>
+                </a:solidFill>
+              </a:rPr>
+              <a:t>1</a:t>
+            </a:r>
+            <a:endParaRPr lang="en-SG" sz="1100" dirty="0">
+              <a:solidFill>
+                <a:srgbClr val="7030A0"/>
+              </a:solidFill>
+            </a:endParaRPr>
+          </a:p>
+        </p:txBody>
+      </p:sp>
+      <p:sp>
+        <p:nvSpPr>
+          <p:cNvPr id="66" name="TextBox 65"/>
+          <p:cNvSpPr txBox="1"/>
+          <p:nvPr/>
+        </p:nvSpPr>
+        <p:spPr>
+          <a:xfrm>
+            <a:off x="2630191" y="3667737"/>
+            <a:ext cx="189257" cy="178683"/>
+          </a:xfrm>
+          <a:prstGeom prst="rect">
+            <a:avLst/>
+          </a:prstGeom>
+          <a:noFill/>
+        </p:spPr>
+        <p:txBody>
+          <a:bodyPr wrap="square" lIns="0" tIns="0" rIns="0" bIns="0" rtlCol="0">
+            <a:noAutofit/>
+          </a:bodyPr>
+          <a:lstStyle/>
+          <a:p>
+            <a:pPr algn="ctr"/>
+            <a:r>
+              <a:rPr lang="en-US" sz="1100" dirty="0">
+                <a:solidFill>
+                  <a:srgbClr val="7030A0"/>
+                </a:solidFill>
+              </a:rPr>
+              <a:t>1</a:t>
+            </a:r>
+            <a:endParaRPr lang="en-SG" sz="1100" dirty="0">
+              <a:solidFill>
+                <a:srgbClr val="7030A0"/>
+              </a:solidFill>
+            </a:endParaRPr>
+          </a:p>
+        </p:txBody>
+      </p:sp>
+      <p:sp>
+        <p:nvSpPr>
+          <p:cNvPr id="70" name="TextBox 69"/>
+          <p:cNvSpPr txBox="1"/>
+          <p:nvPr/>
+        </p:nvSpPr>
+        <p:spPr>
+          <a:xfrm>
+            <a:off x="6449896" y="3204826"/>
+            <a:ext cx="189257" cy="178683"/>
+          </a:xfrm>
+          <a:prstGeom prst="rect">
+            <a:avLst/>
+          </a:prstGeom>
+          <a:noFill/>
+        </p:spPr>
+        <p:txBody>
+          <a:bodyPr wrap="square" lIns="0" tIns="0" rIns="0" bIns="0" rtlCol="0">
+            <a:noAutofit/>
+          </a:bodyPr>
+          <a:lstStyle/>
+          <a:p>
+            <a:pPr algn="ctr"/>
+            <a:r>
+              <a:rPr lang="en-US" sz="1100" dirty="0">
+                <a:solidFill>
+                  <a:srgbClr val="7030A0"/>
+                </a:solidFill>
+              </a:rPr>
+              <a:t>1</a:t>
+            </a:r>
+            <a:endParaRPr lang="en-SG" sz="1100" dirty="0">
+              <a:solidFill>
+                <a:srgbClr val="7030A0"/>
+              </a:solidFill>
+            </a:endParaRPr>
+          </a:p>
+        </p:txBody>
+      </p:sp>
+      <p:sp>
+        <p:nvSpPr>
+          <p:cNvPr id="52" name="Rectangle 8">
+            <a:extLst>
+              <a:ext uri="{FF2B5EF4-FFF2-40B4-BE49-F238E27FC236}">
+                <a16:creationId xmlns:a16="http://schemas.microsoft.com/office/drawing/2014/main" xmlns="" id="{ABDCDBD2-131A-4B66-A2F2-43BBEE82C773}"/>
+              </a:ext>
+            </a:extLst>
+          </p:cNvPr>
+          <p:cNvSpPr/>
+          <p:nvPr/>
+        </p:nvSpPr>
+        <p:spPr>
+          <a:xfrm>
+            <a:off x="7712397" y="2228817"/>
+            <a:ext cx="708186" cy="285783"/>
+          </a:xfrm>
+          <a:prstGeom prst="rect">
+            <a:avLst/>
+          </a:prstGeom>
+          <a:ln w="19050">
+            <a:solidFill>
+              <a:srgbClr val="7030A0"/>
+            </a:solidFill>
+          </a:ln>
+          <a:effectLst/>
+        </p:spPr>
+        <p:style>
+          <a:lnRef idx="1">
+            <a:schemeClr val="accent4"/>
+          </a:lnRef>
+          <a:fillRef idx="2">
+            <a:schemeClr val="accent4"/>
+          </a:fillRef>
+          <a:effectRef idx="1">
+            <a:schemeClr val="accent4"/>
+          </a:effectRef>
+          <a:fontRef idx="minor">
+            <a:schemeClr val="dk1"/>
+          </a:fontRef>
+        </p:style>
+        <p:txBody>
+          <a:bodyPr rtlCol="0" anchor="ctr"/>
+          <a:lstStyle/>
+          <a:p>
+            <a:pPr algn="ctr"/>
+            <a:r>
+              <a:rPr lang="en-US" sz="1050" dirty="0">
+                <a:solidFill>
+                  <a:srgbClr val="7030A0"/>
+                </a:solidFill>
+              </a:rPr>
+              <a:t>Tag</a:t>
+            </a:r>
+            <a:endParaRPr lang="en-SG" sz="1050" dirty="0">
+              <a:solidFill>
+                <a:srgbClr val="7030A0"/>
+              </a:solidFill>
+            </a:endParaRPr>
+          </a:p>
+        </p:txBody>
+      </p:sp>
+      <p:cxnSp>
+        <p:nvCxnSpPr>
+          <p:cNvPr id="53" name="Elbow Connector 78">
+            <a:extLst>
+              <a:ext uri="{FF2B5EF4-FFF2-40B4-BE49-F238E27FC236}">
+                <a16:creationId xmlns:a16="http://schemas.microsoft.com/office/drawing/2014/main" xmlns="" id="{B97967F8-618A-448B-81FD-CDFD4AF0EC64}"/>
+              </a:ext>
+            </a:extLst>
+          </p:cNvPr>
+          <p:cNvCxnSpPr>
+            <a:cxnSpLocks/>
+            <a:stCxn id="78" idx="3"/>
+            <a:endCxn id="52" idx="1"/>
+          </p:cNvCxnSpPr>
+          <p:nvPr/>
+        </p:nvCxnSpPr>
+        <p:spPr>
+          <a:xfrm flipV="1">
+            <a:off x="7277995" y="2371709"/>
+            <a:ext cx="434402" cy="663182"/>
+          </a:xfrm>
+          <a:prstGeom prst="bentConnector3">
+            <a:avLst>
+              <a:gd name="adj1" fmla="val 50000"/>
+            </a:avLst>
+          </a:prstGeom>
+          <a:ln w="19050">
+            <a:solidFill>
+              <a:srgbClr val="7030A0"/>
+            </a:solidFill>
+            <a:headEnd type="none" w="med" len="med"/>
+            <a:tailEnd type="arrow" w="med" len="med"/>
+          </a:ln>
+          <a:effectLst/>
+        </p:spPr>
+        <p:style>
+          <a:lnRef idx="1">
+            <a:schemeClr val="accent2"/>
+          </a:lnRef>
+          <a:fillRef idx="2">
+            <a:schemeClr val="accent2"/>
+          </a:fillRef>
+          <a:effectRef idx="1">
+            <a:schemeClr val="accent2"/>
+          </a:effectRef>
+          <a:fontRef idx="minor">
+            <a:schemeClr val="dk1"/>
+          </a:fontRef>
+        </p:style>
+      </p:cxnSp>
+      <p:sp>
+        <p:nvSpPr>
+          <p:cNvPr id="50" name="TextBox 49">
+            <a:extLst>
+              <a:ext uri="{FF2B5EF4-FFF2-40B4-BE49-F238E27FC236}">
+                <a16:creationId xmlns:a16="http://schemas.microsoft.com/office/drawing/2014/main" xmlns="" id="{B3FA9D57-880F-49C4-AD0B-A64E30D6F403}"/>
+              </a:ext>
+            </a:extLst>
+          </p:cNvPr>
+          <p:cNvSpPr txBox="1"/>
+          <p:nvPr/>
+        </p:nvSpPr>
+        <p:spPr>
+          <a:xfrm>
+            <a:off x="7466243" y="2255711"/>
+            <a:ext cx="189257" cy="178683"/>
+          </a:xfrm>
+          <a:prstGeom prst="rect">
+            <a:avLst/>
+          </a:prstGeom>
+          <a:noFill/>
+        </p:spPr>
+        <p:txBody>
+          <a:bodyPr wrap="square" lIns="0" tIns="0" rIns="0" bIns="0" rtlCol="0">
+            <a:noAutofit/>
+          </a:bodyPr>
+          <a:lstStyle/>
+          <a:p>
+            <a:pPr algn="ctr"/>
+            <a:r>
+              <a:rPr lang="en-US" sz="1100" dirty="0">
+                <a:solidFill>
+                  <a:srgbClr val="7030A0"/>
+                </a:solidFill>
+              </a:rPr>
+              <a:t>*</a:t>
+            </a:r>
+            <a:endParaRPr lang="en-SG" sz="1100" dirty="0">
+              <a:solidFill>
+                <a:srgbClr val="7030A0"/>
+              </a:solidFill>
+            </a:endParaRPr>
+          </a:p>
+        </p:txBody>
+      </p:sp>
+      <p:sp>
+        <p:nvSpPr>
+          <p:cNvPr id="55" name="Rectangle 8"/>
+          <p:cNvSpPr/>
+          <p:nvPr/>
+        </p:nvSpPr>
+        <p:spPr>
+          <a:xfrm>
+            <a:off x="3170181" y="1998350"/>
+            <a:ext cx="1060683" cy="364396"/>
+          </a:xfrm>
+          <a:prstGeom prst="rect">
+            <a:avLst/>
+          </a:prstGeom>
+          <a:ln w="19050">
+            <a:solidFill>
+              <a:srgbClr val="7030A0"/>
+            </a:solidFill>
+          </a:ln>
+          <a:effectLst/>
+        </p:spPr>
+        <p:style>
+          <a:lnRef idx="1">
+            <a:schemeClr val="accent4"/>
+          </a:lnRef>
+          <a:fillRef idx="2">
+            <a:schemeClr val="accent4"/>
+          </a:fillRef>
+          <a:effectRef idx="1">
+            <a:schemeClr val="accent4"/>
+          </a:effectRef>
+          <a:fontRef idx="minor">
+            <a:schemeClr val="dk1"/>
+          </a:fontRef>
+        </p:style>
+        <p:txBody>
+          <a:bodyPr rtlCol="0" anchor="ctr"/>
+          <a:lstStyle/>
+          <a:p>
+            <a:pPr algn="ctr"/>
+            <a:r>
+              <a:rPr lang="en-US" sz="1050" dirty="0" err="1">
+                <a:solidFill>
+                  <a:srgbClr val="7030A0"/>
+                </a:solidFill>
+              </a:rPr>
+              <a:t>AddressBook</a:t>
+            </a:r>
+            <a:endParaRPr lang="en-SG" sz="1050" dirty="0">
+              <a:solidFill>
+                <a:srgbClr val="7030A0"/>
+              </a:solidFill>
+            </a:endParaRPr>
+          </a:p>
+        </p:txBody>
+      </p:sp>
+      <p:cxnSp>
+        <p:nvCxnSpPr>
+          <p:cNvPr id="60" name="Straight Arrow Connector 59"/>
+          <p:cNvCxnSpPr>
+            <a:stCxn id="51" idx="1"/>
+            <a:endCxn id="49" idx="1"/>
+          </p:cNvCxnSpPr>
+          <p:nvPr/>
+        </p:nvCxnSpPr>
+        <p:spPr>
+          <a:xfrm>
+            <a:off x="4324972" y="3007222"/>
+            <a:ext cx="367678" cy="12320"/>
+          </a:xfrm>
+          <a:prstGeom prst="straightConnector1">
+            <a:avLst/>
+          </a:prstGeom>
+          <a:ln w="19050">
+            <a:solidFill>
+              <a:srgbClr val="7030A0"/>
+            </a:solidFill>
+            <a:headEnd type="none" w="med" len="med"/>
+            <a:tailEnd type="arrow" w="med" len="med"/>
+          </a:ln>
+          <a:effectLst/>
+        </p:spPr>
+        <p:style>
+          <a:lnRef idx="1">
+            <a:schemeClr val="accent2"/>
+          </a:lnRef>
+          <a:fillRef idx="2">
+            <a:schemeClr val="accent2"/>
+          </a:fillRef>
+          <a:effectRef idx="1">
+            <a:schemeClr val="accent2"/>
+          </a:effectRef>
+          <a:fontRef idx="minor">
+            <a:schemeClr val="dk1"/>
+          </a:fontRef>
+        </p:style>
+      </p:cxnSp>
+      <p:sp>
+        <p:nvSpPr>
+          <p:cNvPr id="68" name="Isosceles Triangle 102"/>
+          <p:cNvSpPr/>
+          <p:nvPr/>
+        </p:nvSpPr>
+        <p:spPr>
+          <a:xfrm rot="16200000">
+            <a:off x="2669073" y="2069158"/>
+            <a:ext cx="271014" cy="187417"/>
+          </a:xfrm>
+          <a:prstGeom prst="triangle">
+            <a:avLst>
+              <a:gd name="adj" fmla="val 44517"/>
+            </a:avLst>
+          </a:prstGeom>
+          <a:solidFill>
+            <a:schemeClr val="accent4">
+              <a:lumMod val="20000"/>
+              <a:lumOff val="80000"/>
+            </a:schemeClr>
+          </a:solidFill>
+          <a:ln w="19050">
+            <a:solidFill>
+              <a:srgbClr val="7030A0"/>
+            </a:solidFill>
+          </a:ln>
+          <a:effectLst/>
+        </p:spPr>
+        <p:style>
+          <a:lnRef idx="1">
+            <a:schemeClr val="accent6"/>
+          </a:lnRef>
+          <a:fillRef idx="2">
+            <a:schemeClr val="accent6"/>
+          </a:fillRef>
+          <a:effectRef idx="1">
+            <a:schemeClr val="accent6"/>
+          </a:effectRef>
+          <a:fontRef idx="minor">
+            <a:schemeClr val="dk1"/>
+          </a:fontRef>
+        </p:style>
+        <p:txBody>
+          <a:bodyPr rtlCol="0" anchor="ctr"/>
+          <a:lstStyle/>
+          <a:p>
+            <a:pPr algn="ctr"/>
+            <a:endParaRPr lang="en-SG" sz="1050"/>
+          </a:p>
+        </p:txBody>
+      </p:sp>
+      <p:cxnSp>
+        <p:nvCxnSpPr>
+          <p:cNvPr id="69" name="Elbow Connector 63"/>
+          <p:cNvCxnSpPr>
+            <a:stCxn id="68" idx="3"/>
+            <a:endCxn id="55" idx="1"/>
+          </p:cNvCxnSpPr>
+          <p:nvPr/>
+        </p:nvCxnSpPr>
+        <p:spPr>
+          <a:xfrm>
+            <a:off x="2898289" y="2177727"/>
+            <a:ext cx="271892" cy="2821"/>
+          </a:xfrm>
+          <a:prstGeom prst="bentConnector3">
+            <a:avLst>
+              <a:gd name="adj1" fmla="val 50000"/>
+            </a:avLst>
+          </a:prstGeom>
+          <a:ln w="19050">
+            <a:solidFill>
+              <a:srgbClr val="7030A0"/>
+            </a:solidFill>
+            <a:prstDash val="sysDot"/>
+            <a:headEnd type="none" w="med" len="med"/>
+            <a:tailEnd type="none" w="med" len="med"/>
+          </a:ln>
+          <a:effectLst/>
+        </p:spPr>
+        <p:style>
+          <a:lnRef idx="1">
+            <a:schemeClr val="accent2"/>
+          </a:lnRef>
+          <a:fillRef idx="2">
+            <a:schemeClr val="accent2"/>
+          </a:fillRef>
+          <a:effectRef idx="1">
+            <a:schemeClr val="accent2"/>
+          </a:effectRef>
+          <a:fontRef idx="minor">
+            <a:schemeClr val="dk1"/>
+          </a:fontRef>
+        </p:style>
+      </p:cxnSp>
+      <p:sp>
+        <p:nvSpPr>
+          <p:cNvPr id="57" name="Rectangle 8">
+            <a:extLst>
+              <a:ext uri="{FF2B5EF4-FFF2-40B4-BE49-F238E27FC236}">
+                <a16:creationId xmlns:a16="http://schemas.microsoft.com/office/drawing/2014/main" xmlns="" id="{6A42DA50-9012-4391-9EF3-285E4FA3FCD8}"/>
+              </a:ext>
+            </a:extLst>
+          </p:cNvPr>
+          <p:cNvSpPr/>
+          <p:nvPr/>
+        </p:nvSpPr>
+        <p:spPr>
+          <a:xfrm>
+            <a:off x="4238892" y="3460864"/>
+            <a:ext cx="1293486" cy="346760"/>
+          </a:xfrm>
+          <a:prstGeom prst="rect">
+            <a:avLst/>
+          </a:prstGeom>
+          <a:ln w="19050">
+            <a:solidFill>
+              <a:srgbClr val="7030A0"/>
+            </a:solidFill>
+          </a:ln>
+          <a:effectLst/>
+        </p:spPr>
+        <p:style>
+          <a:lnRef idx="1">
+            <a:schemeClr val="accent4"/>
+          </a:lnRef>
+          <a:fillRef idx="2">
+            <a:schemeClr val="accent4"/>
+          </a:fillRef>
+          <a:effectRef idx="1">
+            <a:schemeClr val="accent4"/>
+          </a:effectRef>
+          <a:fontRef idx="minor">
+            <a:schemeClr val="dk1"/>
+          </a:fontRef>
+        </p:style>
+        <p:txBody>
+          <a:bodyPr rtlCol="0" anchor="ctr"/>
+          <a:lstStyle/>
+          <a:p>
+            <a:pPr algn="ctr"/>
+            <a:r>
+              <a:rPr lang="en-US" sz="1050" dirty="0">
+                <a:solidFill>
+                  <a:srgbClr val="7030A0"/>
+                </a:solidFill>
+              </a:rPr>
+              <a:t>&lt;&lt;interface&gt;&gt;</a:t>
+            </a:r>
+          </a:p>
+          <a:p>
+            <a:pPr algn="ctr"/>
+            <a:r>
+              <a:rPr lang="en-US" sz="1050" dirty="0" err="1">
+                <a:solidFill>
+                  <a:srgbClr val="7030A0"/>
+                </a:solidFill>
+              </a:rPr>
+              <a:t>ReadOnlyUserPrefs</a:t>
+            </a:r>
+            <a:endParaRPr lang="en-SG" sz="1050" dirty="0">
+              <a:solidFill>
+                <a:srgbClr val="7030A0"/>
+              </a:solidFill>
+            </a:endParaRPr>
+          </a:p>
+        </p:txBody>
+      </p:sp>
+      <p:sp>
+        <p:nvSpPr>
+          <p:cNvPr id="59" name="Isosceles Triangle 102">
+            <a:extLst>
+              <a:ext uri="{FF2B5EF4-FFF2-40B4-BE49-F238E27FC236}">
+                <a16:creationId xmlns:a16="http://schemas.microsoft.com/office/drawing/2014/main" xmlns="" id="{B263B2D7-6E76-465E-B40E-7E2A46254A84}"/>
+              </a:ext>
+            </a:extLst>
+          </p:cNvPr>
+          <p:cNvSpPr/>
+          <p:nvPr/>
+        </p:nvSpPr>
+        <p:spPr>
+          <a:xfrm rot="5400000" flipH="1">
+            <a:off x="3992636" y="3514414"/>
+            <a:ext cx="271014" cy="221497"/>
+          </a:xfrm>
+          <a:prstGeom prst="triangle">
+            <a:avLst>
+              <a:gd name="adj" fmla="val 44517"/>
+            </a:avLst>
+          </a:prstGeom>
+          <a:solidFill>
+            <a:schemeClr val="accent4">
+              <a:lumMod val="20000"/>
+              <a:lumOff val="80000"/>
+            </a:schemeClr>
+          </a:solidFill>
+          <a:ln w="19050">
+            <a:solidFill>
+              <a:srgbClr val="7030A0"/>
+            </a:solidFill>
+          </a:ln>
+          <a:effectLst/>
+        </p:spPr>
+        <p:style>
+          <a:lnRef idx="1">
+            <a:schemeClr val="accent6"/>
+          </a:lnRef>
+          <a:fillRef idx="2">
+            <a:schemeClr val="accent6"/>
+          </a:fillRef>
+          <a:effectRef idx="1">
+            <a:schemeClr val="accent6"/>
+          </a:effectRef>
+          <a:fontRef idx="minor">
+            <a:schemeClr val="dk1"/>
+          </a:fontRef>
+        </p:style>
+        <p:txBody>
+          <a:bodyPr rtlCol="0" anchor="ctr"/>
+          <a:lstStyle/>
+          <a:p>
+            <a:pPr algn="ctr"/>
+            <a:endParaRPr lang="en-SG" sz="1050"/>
+          </a:p>
+        </p:txBody>
+      </p:sp>
+      <p:cxnSp>
+        <p:nvCxnSpPr>
+          <p:cNvPr id="67" name="Elbow Connector 63">
+            <a:extLst>
+              <a:ext uri="{FF2B5EF4-FFF2-40B4-BE49-F238E27FC236}">
+                <a16:creationId xmlns:a16="http://schemas.microsoft.com/office/drawing/2014/main" xmlns="" id="{BA3A25CD-7C1D-4B3B-B294-1B05ABCFECFD}"/>
+              </a:ext>
+            </a:extLst>
+          </p:cNvPr>
+          <p:cNvCxnSpPr>
+            <a:cxnSpLocks/>
+            <a:stCxn id="59" idx="3"/>
+            <a:endCxn id="2" idx="3"/>
+          </p:cNvCxnSpPr>
+          <p:nvPr/>
+        </p:nvCxnSpPr>
+        <p:spPr>
+          <a:xfrm rot="10800000">
+            <a:off x="3703491" y="3636621"/>
+            <a:ext cx="313904" cy="3403"/>
+          </a:xfrm>
+          <a:prstGeom prst="bentConnector3">
+            <a:avLst>
+              <a:gd name="adj1" fmla="val 50000"/>
+            </a:avLst>
+          </a:prstGeom>
+          <a:ln w="19050">
+            <a:solidFill>
+              <a:srgbClr val="7030A0"/>
+            </a:solidFill>
+            <a:prstDash val="sysDot"/>
+            <a:headEnd type="none" w="med" len="med"/>
+            <a:tailEnd type="none" w="med" len="med"/>
+          </a:ln>
+          <a:effectLst/>
+        </p:spPr>
+        <p:style>
+          <a:lnRef idx="1">
+            <a:schemeClr val="accent2"/>
+          </a:lnRef>
+          <a:fillRef idx="2">
+            <a:schemeClr val="accent2"/>
+          </a:fillRef>
+          <a:effectRef idx="1">
+            <a:schemeClr val="accent2"/>
+          </a:effectRef>
+          <a:fontRef idx="minor">
+            <a:schemeClr val="dk1"/>
+          </a:fontRef>
+        </p:style>
+      </p:cxnSp>
+      <p:sp>
+        <p:nvSpPr>
+          <p:cNvPr id="56" name="Rectangle 65"/>
+          <p:cNvSpPr/>
+          <p:nvPr/>
+        </p:nvSpPr>
+        <p:spPr>
+          <a:xfrm>
+            <a:off x="229022" y="1497232"/>
+            <a:ext cx="8610178" cy="4598768"/>
+          </a:xfrm>
+          <a:prstGeom prst="roundRect">
+            <a:avLst>
+              <a:gd name="adj" fmla="val 3484"/>
+            </a:avLst>
+          </a:prstGeom>
+          <a:solidFill>
+            <a:schemeClr val="accent4">
+              <a:lumMod val="20000"/>
+              <a:lumOff val="80000"/>
+            </a:schemeClr>
+          </a:solidFill>
+          <a:ln w="19050">
+            <a:noFill/>
+          </a:ln>
+          <a:effectLst/>
+        </p:spPr>
+        <p:style>
+          <a:lnRef idx="1">
+            <a:schemeClr val="accent2"/>
+          </a:lnRef>
+          <a:fillRef idx="2">
+            <a:schemeClr val="accent2"/>
+          </a:fillRef>
+          <a:effectRef idx="1">
+            <a:schemeClr val="accent2"/>
+          </a:effectRef>
+          <a:fontRef idx="minor">
+            <a:schemeClr val="dk1"/>
+          </a:fontRef>
+        </p:style>
+        <p:txBody>
+          <a:bodyPr rtlCol="0" anchor="t"/>
+          <a:lstStyle/>
+          <a:p>
+            <a:r>
+              <a:rPr lang="en-US" sz="1200" b="1" dirty="0">
+                <a:solidFill>
+                  <a:srgbClr val="7030A0"/>
+                </a:solidFill>
+              </a:rPr>
+              <a:t>Model</a:t>
+            </a:r>
+            <a:endParaRPr lang="en-SG" sz="1200" b="1" dirty="0">
+              <a:solidFill>
+                <a:srgbClr val="7030A0"/>
+              </a:solidFill>
+            </a:endParaRPr>
+          </a:p>
+        </p:txBody>
+      </p:sp>
+      <p:sp>
+        <p:nvSpPr>
+          <p:cNvPr id="71" name="Rectangle 8"/>
+          <p:cNvSpPr/>
+          <p:nvPr/>
+        </p:nvSpPr>
+        <p:spPr>
+          <a:xfrm>
+            <a:off x="2091245" y="4683189"/>
+            <a:ext cx="878211" cy="346760"/>
+          </a:xfrm>
+          <a:prstGeom prst="rect">
+            <a:avLst/>
+          </a:prstGeom>
+          <a:ln w="19050">
+            <a:solidFill>
+              <a:srgbClr val="7030A0"/>
+            </a:solidFill>
+          </a:ln>
+          <a:effectLst/>
+        </p:spPr>
+        <p:style>
+          <a:lnRef idx="1">
+            <a:schemeClr val="accent4"/>
+          </a:lnRef>
+          <a:fillRef idx="2">
+            <a:schemeClr val="accent4"/>
+          </a:fillRef>
+          <a:effectRef idx="1">
+            <a:schemeClr val="accent4"/>
+          </a:effectRef>
+          <a:fontRef idx="minor">
+            <a:schemeClr val="dk1"/>
+          </a:fontRef>
+        </p:style>
+        <p:txBody>
+          <a:bodyPr rtlCol="0" anchor="ctr"/>
+          <a:lstStyle/>
+          <a:p>
+            <a:pPr algn="ctr"/>
+            <a:r>
+              <a:rPr lang="en-US" sz="1050" dirty="0">
+                <a:solidFill>
+                  <a:srgbClr val="7030A0"/>
+                </a:solidFill>
+              </a:rPr>
+              <a:t>UserPrefs</a:t>
+            </a:r>
+            <a:endParaRPr lang="en-SG" sz="1050" dirty="0">
+              <a:solidFill>
+                <a:srgbClr val="7030A0"/>
+              </a:solidFill>
+            </a:endParaRPr>
+          </a:p>
+        </p:txBody>
+      </p:sp>
+      <p:sp>
+        <p:nvSpPr>
+          <p:cNvPr id="72" name="Rectangle 62"/>
+          <p:cNvSpPr/>
+          <p:nvPr/>
+        </p:nvSpPr>
+        <p:spPr>
+          <a:xfrm rot="16200000">
+            <a:off x="260131" y="3665276"/>
+            <a:ext cx="2228687" cy="346760"/>
+          </a:xfrm>
+          <a:prstGeom prst="rect">
+            <a:avLst/>
+          </a:prstGeom>
+          <a:solidFill>
+            <a:srgbClr val="7030A0"/>
+          </a:solidFill>
+          <a:ln w="19050">
+            <a:solidFill>
+              <a:srgbClr val="7030A0"/>
+            </a:solidFill>
+          </a:ln>
+          <a:effectLst/>
+        </p:spPr>
+        <p:style>
+          <a:lnRef idx="1">
+            <a:schemeClr val="accent2"/>
+          </a:lnRef>
+          <a:fillRef idx="2">
+            <a:schemeClr val="accent2"/>
+          </a:fillRef>
+          <a:effectRef idx="1">
+            <a:schemeClr val="accent2"/>
+          </a:effectRef>
+          <a:fontRef idx="minor">
+            <a:schemeClr val="dk1"/>
+          </a:fontRef>
+        </p:style>
+        <p:txBody>
+          <a:bodyPr rtlCol="0" anchor="ctr"/>
+          <a:lstStyle/>
+          <a:p>
+            <a:pPr algn="ctr"/>
+            <a:r>
+              <a:rPr lang="en-US" sz="1050" dirty="0">
+                <a:solidFill>
+                  <a:schemeClr val="bg1"/>
+                </a:solidFill>
+              </a:rPr>
+              <a:t>ModelManager</a:t>
+            </a:r>
+            <a:endParaRPr lang="en-SG" sz="1050" dirty="0">
+              <a:solidFill>
+                <a:schemeClr val="bg1"/>
+              </a:solidFill>
+            </a:endParaRPr>
+          </a:p>
+        </p:txBody>
+      </p:sp>
+      <p:sp>
+        <p:nvSpPr>
+          <p:cNvPr id="73" name="Rectangle 62"/>
+          <p:cNvSpPr/>
+          <p:nvPr/>
+        </p:nvSpPr>
+        <p:spPr>
+          <a:xfrm rot="16200000">
+            <a:off x="122311" y="2861202"/>
+            <a:ext cx="1093635" cy="346760"/>
+          </a:xfrm>
+          <a:prstGeom prst="rect">
+            <a:avLst/>
+          </a:prstGeom>
+          <a:solidFill>
+            <a:srgbClr val="7030A0"/>
+          </a:solidFill>
+          <a:ln w="19050">
+            <a:solidFill>
+              <a:srgbClr val="7030A0"/>
+            </a:solidFill>
+          </a:ln>
+          <a:effectLst/>
+        </p:spPr>
+        <p:style>
+          <a:lnRef idx="1">
+            <a:schemeClr val="accent2"/>
+          </a:lnRef>
+          <a:fillRef idx="2">
+            <a:schemeClr val="accent2"/>
+          </a:fillRef>
+          <a:effectRef idx="1">
+            <a:schemeClr val="accent2"/>
+          </a:effectRef>
+          <a:fontRef idx="minor">
+            <a:schemeClr val="dk1"/>
+          </a:fontRef>
+        </p:style>
+        <p:txBody>
+          <a:bodyPr rtlCol="0" anchor="ctr"/>
+          <a:lstStyle/>
+          <a:p>
+            <a:pPr algn="ctr"/>
+            <a:r>
+              <a:rPr lang="en-US" sz="1050" dirty="0">
+                <a:solidFill>
+                  <a:schemeClr val="bg1"/>
+                </a:solidFill>
+              </a:rPr>
+              <a:t>&lt;&lt;interface&gt;&gt;</a:t>
+            </a:r>
+          </a:p>
+          <a:p>
+            <a:pPr algn="ctr"/>
+            <a:r>
+              <a:rPr lang="en-US" sz="1050" dirty="0">
+                <a:solidFill>
+                  <a:schemeClr val="bg1"/>
+                </a:solidFill>
+              </a:rPr>
+              <a:t>Model</a:t>
+            </a:r>
+            <a:endParaRPr lang="en-SG" sz="1050" dirty="0">
+              <a:solidFill>
+                <a:schemeClr val="bg1"/>
+              </a:solidFill>
+            </a:endParaRPr>
+          </a:p>
+        </p:txBody>
+      </p:sp>
+      <p:sp>
+        <p:nvSpPr>
+          <p:cNvPr id="74" name="Isosceles Triangle 102"/>
+          <p:cNvSpPr/>
+          <p:nvPr/>
+        </p:nvSpPr>
+        <p:spPr>
+          <a:xfrm rot="16200000">
+            <a:off x="793019" y="2952291"/>
+            <a:ext cx="270504" cy="175523"/>
+          </a:xfrm>
+          <a:prstGeom prst="triangle">
+            <a:avLst/>
+          </a:prstGeom>
+          <a:solidFill>
+            <a:srgbClr val="7030A0"/>
+          </a:solidFill>
+          <a:ln w="19050">
+            <a:solidFill>
+              <a:srgbClr val="7030A0"/>
+            </a:solidFill>
+          </a:ln>
+          <a:effectLst/>
+        </p:spPr>
+        <p:style>
+          <a:lnRef idx="1">
+            <a:schemeClr val="accent6"/>
+          </a:lnRef>
+          <a:fillRef idx="2">
+            <a:schemeClr val="accent6"/>
+          </a:fillRef>
+          <a:effectRef idx="1">
+            <a:schemeClr val="accent6"/>
+          </a:effectRef>
+          <a:fontRef idx="minor">
+            <a:schemeClr val="dk1"/>
+          </a:fontRef>
+        </p:style>
+        <p:txBody>
+          <a:bodyPr rtlCol="0" anchor="ctr"/>
+          <a:lstStyle/>
+          <a:p>
+            <a:pPr algn="ctr"/>
+            <a:endParaRPr lang="en-SG" sz="1050"/>
+          </a:p>
+        </p:txBody>
+      </p:sp>
+      <p:cxnSp>
+        <p:nvCxnSpPr>
+          <p:cNvPr id="77" name="Straight Arrow Connector 76"/>
+          <p:cNvCxnSpPr>
+            <a:cxnSpLocks/>
+            <a:stCxn id="130" idx="3"/>
+            <a:endCxn id="56" idx="1"/>
+          </p:cNvCxnSpPr>
+          <p:nvPr/>
+        </p:nvCxnSpPr>
+        <p:spPr>
+          <a:xfrm>
+            <a:off x="1806346" y="4852397"/>
+            <a:ext cx="284899" cy="4172"/>
+          </a:xfrm>
+          <a:prstGeom prst="straightConnector1">
+            <a:avLst/>
+          </a:prstGeom>
+          <a:ln w="19050">
+            <a:solidFill>
+              <a:srgbClr val="7030A0"/>
+            </a:solidFill>
+            <a:headEnd type="none" w="med" len="med"/>
+            <a:tailEnd type="arrow" w="med" len="med"/>
+          </a:ln>
+          <a:effectLst/>
+        </p:spPr>
+        <p:style>
+          <a:lnRef idx="1">
+            <a:schemeClr val="accent2"/>
+          </a:lnRef>
+          <a:fillRef idx="2">
+            <a:schemeClr val="accent2"/>
+          </a:fillRef>
+          <a:effectRef idx="1">
+            <a:schemeClr val="accent2"/>
+          </a:effectRef>
+          <a:fontRef idx="minor">
+            <a:schemeClr val="dk1"/>
+          </a:fontRef>
+        </p:style>
+      </p:cxnSp>
+      <p:cxnSp>
+        <p:nvCxnSpPr>
+          <p:cNvPr id="82" name="Elbow Connector 122"/>
+          <p:cNvCxnSpPr/>
+          <p:nvPr/>
+        </p:nvCxnSpPr>
+        <p:spPr>
+          <a:xfrm>
+            <a:off x="76200" y="3040053"/>
+            <a:ext cx="419548" cy="2860"/>
+          </a:xfrm>
+          <a:prstGeom prst="bentConnector3">
+            <a:avLst>
+              <a:gd name="adj1" fmla="val 50000"/>
+            </a:avLst>
+          </a:prstGeom>
+          <a:ln w="19050">
+            <a:solidFill>
+              <a:schemeClr val="bg1">
+                <a:lumMod val="75000"/>
+              </a:schemeClr>
+            </a:solidFill>
+            <a:prstDash val="sysDot"/>
+            <a:headEnd type="none" w="med" len="med"/>
+            <a:tailEnd type="arrow" w="med" len="med"/>
+          </a:ln>
+          <a:effectLst/>
+        </p:spPr>
+        <p:style>
+          <a:lnRef idx="1">
+            <a:schemeClr val="accent2"/>
+          </a:lnRef>
+          <a:fillRef idx="2">
+            <a:schemeClr val="accent2"/>
+          </a:fillRef>
+          <a:effectRef idx="1">
+            <a:schemeClr val="accent2"/>
+          </a:effectRef>
+          <a:fontRef idx="minor">
+            <a:schemeClr val="dk1"/>
+          </a:fontRef>
+        </p:style>
+      </p:cxnSp>
+      <p:cxnSp>
+        <p:nvCxnSpPr>
+          <p:cNvPr id="87" name="Straight Connector 86"/>
+          <p:cNvCxnSpPr/>
+          <p:nvPr/>
+        </p:nvCxnSpPr>
+        <p:spPr>
+          <a:xfrm flipV="1">
+            <a:off x="1016033" y="3040052"/>
+            <a:ext cx="216105" cy="1"/>
+          </a:xfrm>
+          <a:prstGeom prst="line">
+            <a:avLst/>
+          </a:prstGeom>
+          <a:ln w="19050">
+            <a:solidFill>
+              <a:srgbClr val="7030A0"/>
+            </a:solidFill>
+            <a:prstDash val="sysDot"/>
+            <a:headEnd type="none" w="med" len="med"/>
+            <a:tailEnd type="none" w="med" len="med"/>
+          </a:ln>
+          <a:effectLst/>
+        </p:spPr>
+        <p:style>
+          <a:lnRef idx="1">
+            <a:schemeClr val="accent2"/>
+          </a:lnRef>
+          <a:fillRef idx="2">
+            <a:schemeClr val="accent2"/>
+          </a:fillRef>
+          <a:effectRef idx="1">
+            <a:schemeClr val="accent2"/>
+          </a:effectRef>
+          <a:fontRef idx="minor">
+            <a:schemeClr val="dk1"/>
+          </a:fontRef>
+        </p:style>
+      </p:cxnSp>
+      <p:sp>
+        <p:nvSpPr>
+          <p:cNvPr id="88" name="Flowchart: Decision 96"/>
+          <p:cNvSpPr/>
+          <p:nvPr/>
+        </p:nvSpPr>
+        <p:spPr>
+          <a:xfrm>
+            <a:off x="1570298" y="4765707"/>
+            <a:ext cx="236048" cy="173380"/>
+          </a:xfrm>
+          <a:prstGeom prst="flowChartDecision">
+            <a:avLst/>
+          </a:prstGeom>
+          <a:noFill/>
+          <a:ln w="19050">
+            <a:solidFill>
+              <a:srgbClr val="7030A0"/>
+            </a:solidFill>
+          </a:ln>
+          <a:effectLst/>
+        </p:spPr>
+        <p:style>
+          <a:lnRef idx="1">
+            <a:schemeClr val="accent6"/>
+          </a:lnRef>
+          <a:fillRef idx="2">
+            <a:schemeClr val="accent6"/>
+          </a:fillRef>
+          <a:effectRef idx="1">
+            <a:schemeClr val="accent6"/>
+          </a:effectRef>
+          <a:fontRef idx="minor">
+            <a:schemeClr val="dk1"/>
+          </a:fontRef>
+        </p:style>
+        <p:txBody>
+          <a:bodyPr rtlCol="0" anchor="ctr"/>
+          <a:lstStyle/>
+          <a:p>
+            <a:pPr algn="ctr"/>
+            <a:endParaRPr lang="en-US" sz="1050"/>
+          </a:p>
+        </p:txBody>
+      </p:sp>
+      <p:sp>
+        <p:nvSpPr>
+          <p:cNvPr id="89" name="Rectangle 8"/>
+          <p:cNvSpPr/>
+          <p:nvPr/>
+        </p:nvSpPr>
+        <p:spPr>
+          <a:xfrm>
+            <a:off x="1991389" y="2846162"/>
+            <a:ext cx="1490560" cy="334856"/>
+          </a:xfrm>
+          <a:prstGeom prst="rect">
+            <a:avLst/>
+          </a:prstGeom>
+          <a:ln w="19050">
+            <a:solidFill>
+              <a:srgbClr val="7030A0"/>
+            </a:solidFill>
+          </a:ln>
+          <a:effectLst/>
+        </p:spPr>
+        <p:style>
+          <a:lnRef idx="1">
+            <a:schemeClr val="accent4"/>
+          </a:lnRef>
+          <a:fillRef idx="2">
+            <a:schemeClr val="accent4"/>
+          </a:fillRef>
+          <a:effectRef idx="1">
+            <a:schemeClr val="accent4"/>
+          </a:effectRef>
+          <a:fontRef idx="minor">
+            <a:schemeClr val="dk1"/>
+          </a:fontRef>
+        </p:style>
+        <p:txBody>
+          <a:bodyPr rtlCol="0" anchor="ctr"/>
+          <a:lstStyle/>
+          <a:p>
+            <a:pPr algn="ctr"/>
+            <a:r>
+              <a:rPr lang="en-US" sz="1050" dirty="0" smtClean="0">
+                <a:solidFill>
+                  <a:srgbClr val="7030A0"/>
+                </a:solidFill>
+              </a:rPr>
+              <a:t>RestOrRant</a:t>
+            </a:r>
+            <a:endParaRPr lang="en-SG" sz="1050" dirty="0">
+              <a:solidFill>
+                <a:srgbClr val="7030A0"/>
+              </a:solidFill>
+            </a:endParaRPr>
+          </a:p>
+        </p:txBody>
+      </p:sp>
+      <p:cxnSp>
+        <p:nvCxnSpPr>
+          <p:cNvPr id="90" name="Straight Arrow Connector 89"/>
+          <p:cNvCxnSpPr>
+            <a:stCxn id="136" idx="3"/>
+            <a:endCxn id="134" idx="1"/>
+          </p:cNvCxnSpPr>
+          <p:nvPr/>
+        </p:nvCxnSpPr>
+        <p:spPr>
+          <a:xfrm>
+            <a:off x="1790469" y="3003033"/>
+            <a:ext cx="200920" cy="10557"/>
+          </a:xfrm>
+          <a:prstGeom prst="straightConnector1">
+            <a:avLst/>
+          </a:prstGeom>
+          <a:ln w="19050">
+            <a:solidFill>
+              <a:srgbClr val="7030A0"/>
+            </a:solidFill>
+            <a:headEnd type="none" w="med" len="med"/>
+            <a:tailEnd type="arrow" w="med" len="med"/>
+          </a:ln>
+          <a:effectLst/>
+        </p:spPr>
+        <p:style>
+          <a:lnRef idx="1">
+            <a:schemeClr val="accent2"/>
+          </a:lnRef>
+          <a:fillRef idx="2">
+            <a:schemeClr val="accent2"/>
+          </a:fillRef>
+          <a:effectRef idx="1">
+            <a:schemeClr val="accent2"/>
+          </a:effectRef>
+          <a:fontRef idx="minor">
+            <a:schemeClr val="dk1"/>
+          </a:fontRef>
+        </p:style>
+      </p:cxnSp>
+      <p:sp>
+        <p:nvSpPr>
+          <p:cNvPr id="91" name="Flowchart: Decision 96"/>
+          <p:cNvSpPr/>
+          <p:nvPr/>
+        </p:nvSpPr>
+        <p:spPr>
+          <a:xfrm>
+            <a:off x="1554421" y="2916343"/>
+            <a:ext cx="236048" cy="173380"/>
+          </a:xfrm>
+          <a:prstGeom prst="flowChartDecision">
+            <a:avLst/>
+          </a:prstGeom>
+          <a:noFill/>
+          <a:ln w="19050">
+            <a:solidFill>
+              <a:srgbClr val="7030A0"/>
+            </a:solidFill>
+          </a:ln>
+          <a:effectLst/>
+        </p:spPr>
+        <p:style>
+          <a:lnRef idx="1">
+            <a:schemeClr val="accent6"/>
+          </a:lnRef>
+          <a:fillRef idx="2">
+            <a:schemeClr val="accent6"/>
+          </a:fillRef>
+          <a:effectRef idx="1">
+            <a:schemeClr val="accent6"/>
+          </a:effectRef>
+          <a:fontRef idx="minor">
+            <a:schemeClr val="dk1"/>
+          </a:fontRef>
+        </p:style>
+        <p:txBody>
+          <a:bodyPr rtlCol="0" anchor="ctr"/>
+          <a:lstStyle/>
+          <a:p>
+            <a:pPr algn="ctr"/>
+            <a:endParaRPr lang="en-US" sz="1050"/>
+          </a:p>
+        </p:txBody>
+      </p:sp>
+      <p:sp>
+        <p:nvSpPr>
+          <p:cNvPr id="92" name="Rectangle 8"/>
+          <p:cNvSpPr/>
+          <p:nvPr/>
+        </p:nvSpPr>
+        <p:spPr>
+          <a:xfrm>
+            <a:off x="3858759" y="2846162"/>
+            <a:ext cx="1156969" cy="346760"/>
+          </a:xfrm>
+          <a:prstGeom prst="rect">
+            <a:avLst/>
+          </a:prstGeom>
+          <a:ln w="19050">
+            <a:solidFill>
+              <a:srgbClr val="7030A0"/>
+            </a:solidFill>
+          </a:ln>
+          <a:effectLst/>
+        </p:spPr>
+        <p:style>
+          <a:lnRef idx="1">
+            <a:schemeClr val="accent4"/>
+          </a:lnRef>
+          <a:fillRef idx="2">
+            <a:schemeClr val="accent4"/>
+          </a:fillRef>
+          <a:effectRef idx="1">
+            <a:schemeClr val="accent4"/>
+          </a:effectRef>
+          <a:fontRef idx="minor">
+            <a:schemeClr val="dk1"/>
+          </a:fontRef>
+        </p:style>
+        <p:txBody>
+          <a:bodyPr rtlCol="0" anchor="ctr"/>
+          <a:lstStyle/>
+          <a:p>
+            <a:pPr algn="ctr"/>
+            <a:r>
+              <a:rPr lang="en-US" sz="1050" dirty="0" smtClean="0">
+                <a:solidFill>
+                  <a:srgbClr val="7030A0"/>
+                </a:solidFill>
+              </a:rPr>
+              <a:t>UniqueTableList</a:t>
+            </a:r>
+            <a:endParaRPr lang="en-SG" sz="1050" dirty="0">
+              <a:solidFill>
+                <a:srgbClr val="7030A0"/>
+              </a:solidFill>
+            </a:endParaRPr>
+          </a:p>
+        </p:txBody>
+      </p:sp>
+      <p:sp>
+        <p:nvSpPr>
+          <p:cNvPr id="93" name="Flowchart: Decision 96"/>
+          <p:cNvSpPr/>
+          <p:nvPr/>
+        </p:nvSpPr>
+        <p:spPr>
+          <a:xfrm>
+            <a:off x="3491081" y="2920532"/>
+            <a:ext cx="236048" cy="173380"/>
+          </a:xfrm>
+          <a:prstGeom prst="flowChartDecision">
+            <a:avLst/>
+          </a:prstGeom>
+          <a:solidFill>
+            <a:srgbClr val="7030A0"/>
+          </a:solidFill>
+          <a:ln w="19050">
+            <a:solidFill>
+              <a:srgbClr val="7030A0"/>
+            </a:solidFill>
+          </a:ln>
+          <a:effectLst/>
+        </p:spPr>
+        <p:style>
+          <a:lnRef idx="1">
+            <a:schemeClr val="accent6"/>
+          </a:lnRef>
+          <a:fillRef idx="2">
+            <a:schemeClr val="accent6"/>
+          </a:fillRef>
+          <a:effectRef idx="1">
+            <a:schemeClr val="accent6"/>
+          </a:effectRef>
+          <a:fontRef idx="minor">
+            <a:schemeClr val="dk1"/>
+          </a:fontRef>
+        </p:style>
+        <p:txBody>
+          <a:bodyPr rtlCol="0" anchor="ctr"/>
+          <a:lstStyle/>
+          <a:p>
+            <a:pPr algn="ctr"/>
+            <a:endParaRPr lang="en-US" sz="1050"/>
+          </a:p>
+        </p:txBody>
+      </p:sp>
+      <p:sp>
+        <p:nvSpPr>
+          <p:cNvPr id="94" name="Rectangle 8"/>
+          <p:cNvSpPr/>
+          <p:nvPr/>
+        </p:nvSpPr>
+        <p:spPr>
+          <a:xfrm>
+            <a:off x="5479786" y="2858066"/>
+            <a:ext cx="708186" cy="346760"/>
+          </a:xfrm>
+          <a:prstGeom prst="rect">
+            <a:avLst/>
+          </a:prstGeom>
+          <a:ln w="19050">
+            <a:solidFill>
+              <a:srgbClr val="7030A0"/>
+            </a:solidFill>
+          </a:ln>
+          <a:effectLst/>
+        </p:spPr>
+        <p:style>
+          <a:lnRef idx="1">
+            <a:schemeClr val="accent4"/>
+          </a:lnRef>
+          <a:fillRef idx="2">
+            <a:schemeClr val="accent4"/>
+          </a:fillRef>
+          <a:effectRef idx="1">
+            <a:schemeClr val="accent4"/>
+          </a:effectRef>
+          <a:fontRef idx="minor">
+            <a:schemeClr val="dk1"/>
+          </a:fontRef>
+        </p:style>
+        <p:txBody>
+          <a:bodyPr rtlCol="0" anchor="ctr"/>
+          <a:lstStyle/>
+          <a:p>
+            <a:pPr algn="ctr"/>
+            <a:r>
+              <a:rPr lang="en-US" sz="1050" dirty="0" smtClean="0">
+                <a:solidFill>
+                  <a:srgbClr val="7030A0"/>
+                </a:solidFill>
+              </a:rPr>
+              <a:t>Table</a:t>
+            </a:r>
+            <a:endParaRPr lang="en-SG" sz="1050" dirty="0">
+              <a:solidFill>
+                <a:srgbClr val="7030A0"/>
+              </a:solidFill>
+            </a:endParaRPr>
+          </a:p>
+        </p:txBody>
+      </p:sp>
+      <p:sp>
+        <p:nvSpPr>
+          <p:cNvPr id="95" name="Flowchart: Decision 96"/>
+          <p:cNvSpPr/>
+          <p:nvPr/>
+        </p:nvSpPr>
+        <p:spPr>
+          <a:xfrm>
+            <a:off x="5024860" y="2941676"/>
+            <a:ext cx="236048" cy="173380"/>
+          </a:xfrm>
+          <a:prstGeom prst="flowChartDecision">
+            <a:avLst/>
+          </a:prstGeom>
+          <a:noFill/>
+          <a:ln w="19050">
+            <a:solidFill>
+              <a:srgbClr val="7030A0"/>
+            </a:solidFill>
+          </a:ln>
+          <a:effectLst/>
+        </p:spPr>
+        <p:style>
+          <a:lnRef idx="1">
+            <a:schemeClr val="accent6"/>
+          </a:lnRef>
+          <a:fillRef idx="2">
+            <a:schemeClr val="accent6"/>
+          </a:fillRef>
+          <a:effectRef idx="1">
+            <a:schemeClr val="accent6"/>
+          </a:effectRef>
+          <a:fontRef idx="minor">
+            <a:schemeClr val="dk1"/>
+          </a:fontRef>
+        </p:style>
+        <p:txBody>
+          <a:bodyPr rtlCol="0" anchor="ctr"/>
+          <a:lstStyle/>
+          <a:p>
+            <a:pPr algn="ctr"/>
+            <a:endParaRPr lang="en-US" sz="1050"/>
+          </a:p>
+        </p:txBody>
+      </p:sp>
+      <p:cxnSp>
+        <p:nvCxnSpPr>
+          <p:cNvPr id="96" name="Elbow Connector 95"/>
+          <p:cNvCxnSpPr>
+            <a:stCxn id="151" idx="3"/>
+            <a:endCxn id="150" idx="1"/>
+          </p:cNvCxnSpPr>
+          <p:nvPr/>
+        </p:nvCxnSpPr>
+        <p:spPr>
+          <a:xfrm>
+            <a:off x="5260908" y="3028366"/>
+            <a:ext cx="218878" cy="3080"/>
+          </a:xfrm>
+          <a:prstGeom prst="bentConnector3">
+            <a:avLst/>
+          </a:prstGeom>
+          <a:ln w="19050">
+            <a:solidFill>
+              <a:srgbClr val="7030A0"/>
+            </a:solidFill>
+            <a:headEnd type="none" w="med" len="med"/>
+            <a:tailEnd type="arrow" w="med" len="med"/>
+          </a:ln>
+          <a:effectLst/>
+        </p:spPr>
+        <p:style>
+          <a:lnRef idx="1">
+            <a:schemeClr val="accent2"/>
+          </a:lnRef>
+          <a:fillRef idx="2">
+            <a:schemeClr val="accent2"/>
+          </a:fillRef>
+          <a:effectRef idx="1">
+            <a:schemeClr val="accent2"/>
+          </a:effectRef>
+          <a:fontRef idx="minor">
+            <a:schemeClr val="dk1"/>
+          </a:fontRef>
+        </p:style>
+      </p:cxnSp>
+      <p:sp>
+        <p:nvSpPr>
+          <p:cNvPr id="98" name="Rectangle 8"/>
+          <p:cNvSpPr/>
+          <p:nvPr/>
+        </p:nvSpPr>
+        <p:spPr>
+          <a:xfrm>
+            <a:off x="6990807" y="5171570"/>
+            <a:ext cx="708186" cy="285783"/>
+          </a:xfrm>
+          <a:prstGeom prst="rect">
+            <a:avLst/>
+          </a:prstGeom>
+          <a:ln w="19050">
+            <a:solidFill>
+              <a:srgbClr val="7030A0"/>
+            </a:solidFill>
+          </a:ln>
+          <a:effectLst/>
+        </p:spPr>
+        <p:style>
+          <a:lnRef idx="1">
+            <a:schemeClr val="accent4"/>
+          </a:lnRef>
+          <a:fillRef idx="2">
+            <a:schemeClr val="accent4"/>
+          </a:fillRef>
+          <a:effectRef idx="1">
+            <a:schemeClr val="accent4"/>
+          </a:effectRef>
+          <a:fontRef idx="minor">
+            <a:schemeClr val="dk1"/>
+          </a:fontRef>
+        </p:style>
+        <p:txBody>
+          <a:bodyPr rtlCol="0" anchor="ctr"/>
+          <a:lstStyle/>
+          <a:p>
+            <a:pPr algn="ctr"/>
+            <a:r>
+              <a:rPr lang="en-US" sz="1050" dirty="0" smtClean="0">
+                <a:solidFill>
+                  <a:srgbClr val="7030A0"/>
+                </a:solidFill>
+              </a:rPr>
+              <a:t>Price</a:t>
+            </a:r>
+            <a:endParaRPr lang="en-SG" sz="1050" dirty="0">
+              <a:solidFill>
+                <a:srgbClr val="7030A0"/>
+              </a:solidFill>
+            </a:endParaRPr>
+          </a:p>
+        </p:txBody>
+      </p:sp>
+      <p:sp>
+        <p:nvSpPr>
+          <p:cNvPr id="101" name="Flowchart: Decision 96"/>
+          <p:cNvSpPr/>
+          <p:nvPr/>
+        </p:nvSpPr>
+        <p:spPr>
+          <a:xfrm>
+            <a:off x="6208056" y="2948201"/>
+            <a:ext cx="236048" cy="173380"/>
+          </a:xfrm>
+          <a:prstGeom prst="flowChartDecision">
+            <a:avLst/>
+          </a:prstGeom>
+          <a:solidFill>
+            <a:srgbClr val="7030A0"/>
+          </a:solidFill>
+          <a:ln w="19050">
+            <a:solidFill>
+              <a:srgbClr val="7030A0"/>
+            </a:solidFill>
+          </a:ln>
+          <a:effectLst/>
+        </p:spPr>
+        <p:style>
+          <a:lnRef idx="1">
+            <a:schemeClr val="accent6"/>
+          </a:lnRef>
+          <a:fillRef idx="2">
+            <a:schemeClr val="accent6"/>
+          </a:fillRef>
+          <a:effectRef idx="1">
+            <a:schemeClr val="accent6"/>
+          </a:effectRef>
+          <a:fontRef idx="minor">
+            <a:schemeClr val="dk1"/>
+          </a:fontRef>
+        </p:style>
+        <p:txBody>
+          <a:bodyPr rtlCol="0" anchor="ctr"/>
+          <a:lstStyle/>
+          <a:p>
+            <a:pPr algn="ctr"/>
+            <a:endParaRPr lang="en-US" sz="1050"/>
+          </a:p>
+        </p:txBody>
+      </p:sp>
+      <p:sp>
+        <p:nvSpPr>
+          <p:cNvPr id="102" name="Rectangle 8"/>
+          <p:cNvSpPr/>
+          <p:nvPr/>
+        </p:nvSpPr>
+        <p:spPr>
+          <a:xfrm>
+            <a:off x="6878505" y="2177586"/>
+            <a:ext cx="1426435" cy="318194"/>
+          </a:xfrm>
+          <a:prstGeom prst="rect">
+            <a:avLst/>
+          </a:prstGeom>
+          <a:ln w="19050">
+            <a:solidFill>
+              <a:srgbClr val="7030A0"/>
+            </a:solidFill>
+          </a:ln>
+          <a:effectLst/>
+        </p:spPr>
+        <p:style>
+          <a:lnRef idx="1">
+            <a:schemeClr val="accent4"/>
+          </a:lnRef>
+          <a:fillRef idx="2">
+            <a:schemeClr val="accent4"/>
+          </a:fillRef>
+          <a:effectRef idx="1">
+            <a:schemeClr val="accent4"/>
+          </a:effectRef>
+          <a:fontRef idx="minor">
+            <a:schemeClr val="dk1"/>
+          </a:fontRef>
+        </p:style>
+        <p:txBody>
+          <a:bodyPr rtlCol="0" anchor="ctr"/>
+          <a:lstStyle/>
+          <a:p>
+            <a:pPr algn="ctr"/>
+            <a:r>
+              <a:rPr lang="en-US" sz="1050" dirty="0" smtClean="0">
+                <a:solidFill>
+                  <a:srgbClr val="7030A0"/>
+                </a:solidFill>
+              </a:rPr>
+              <a:t>UniqueOrderItemList</a:t>
+            </a:r>
+            <a:endParaRPr lang="en-SG" sz="1050" dirty="0">
+              <a:solidFill>
+                <a:srgbClr val="7030A0"/>
+              </a:solidFill>
+            </a:endParaRPr>
+          </a:p>
+        </p:txBody>
+      </p:sp>
+      <p:cxnSp>
+        <p:nvCxnSpPr>
+          <p:cNvPr id="103" name="Elbow Connector 102"/>
+          <p:cNvCxnSpPr/>
+          <p:nvPr/>
+        </p:nvCxnSpPr>
+        <p:spPr>
+          <a:xfrm flipV="1">
+            <a:off x="6444104" y="2336683"/>
+            <a:ext cx="434401" cy="698208"/>
+          </a:xfrm>
+          <a:prstGeom prst="bentConnector3">
+            <a:avLst/>
+          </a:prstGeom>
+          <a:ln w="19050">
+            <a:solidFill>
+              <a:srgbClr val="7030A0"/>
+            </a:solidFill>
+            <a:headEnd type="none" w="med" len="med"/>
+            <a:tailEnd type="arrow" w="med" len="med"/>
+          </a:ln>
+          <a:effectLst/>
+        </p:spPr>
+        <p:style>
+          <a:lnRef idx="1">
+            <a:schemeClr val="accent2"/>
+          </a:lnRef>
+          <a:fillRef idx="2">
+            <a:schemeClr val="accent2"/>
+          </a:fillRef>
+          <a:effectRef idx="1">
+            <a:schemeClr val="accent2"/>
+          </a:effectRef>
+          <a:fontRef idx="minor">
+            <a:schemeClr val="dk1"/>
+          </a:fontRef>
+        </p:style>
+      </p:cxnSp>
+      <p:sp>
+        <p:nvSpPr>
+          <p:cNvPr id="104" name="Rectangle 8"/>
+          <p:cNvSpPr/>
+          <p:nvPr/>
+        </p:nvSpPr>
+        <p:spPr>
+          <a:xfrm>
+            <a:off x="6990807" y="4829271"/>
+            <a:ext cx="708186" cy="285783"/>
+          </a:xfrm>
+          <a:prstGeom prst="rect">
+            <a:avLst/>
+          </a:prstGeom>
+          <a:ln w="19050">
+            <a:solidFill>
+              <a:srgbClr val="7030A0"/>
+            </a:solidFill>
+          </a:ln>
+          <a:effectLst/>
+        </p:spPr>
+        <p:style>
+          <a:lnRef idx="1">
+            <a:schemeClr val="accent4"/>
+          </a:lnRef>
+          <a:fillRef idx="2">
+            <a:schemeClr val="accent4"/>
+          </a:fillRef>
+          <a:effectRef idx="1">
+            <a:schemeClr val="accent4"/>
+          </a:effectRef>
+          <a:fontRef idx="minor">
+            <a:schemeClr val="dk1"/>
+          </a:fontRef>
+        </p:style>
+        <p:txBody>
+          <a:bodyPr rtlCol="0" anchor="ctr"/>
+          <a:lstStyle/>
+          <a:p>
+            <a:pPr algn="ctr"/>
+            <a:r>
+              <a:rPr lang="en-US" sz="1050" dirty="0" smtClean="0">
+                <a:solidFill>
+                  <a:srgbClr val="7030A0"/>
+                </a:solidFill>
+              </a:rPr>
+              <a:t>Name</a:t>
+            </a:r>
+            <a:endParaRPr lang="en-SG" sz="1050" dirty="0">
+              <a:solidFill>
+                <a:srgbClr val="7030A0"/>
+              </a:solidFill>
+            </a:endParaRPr>
+          </a:p>
+        </p:txBody>
+      </p:sp>
+      <p:cxnSp>
+        <p:nvCxnSpPr>
+          <p:cNvPr id="105" name="Elbow Connector 63"/>
+          <p:cNvCxnSpPr>
+            <a:cxnSpLocks/>
+          </p:cNvCxnSpPr>
+          <p:nvPr/>
+        </p:nvCxnSpPr>
+        <p:spPr>
+          <a:xfrm rot="16200000" flipH="1">
+            <a:off x="2732563" y="2680653"/>
+            <a:ext cx="274076" cy="1"/>
+          </a:xfrm>
+          <a:prstGeom prst="bentConnector3">
+            <a:avLst>
+              <a:gd name="adj1" fmla="val 50000"/>
+            </a:avLst>
+          </a:prstGeom>
+          <a:ln w="19050">
+            <a:solidFill>
+              <a:srgbClr val="7030A0"/>
+            </a:solidFill>
+            <a:prstDash val="sysDot"/>
+            <a:headEnd type="none" w="med" len="med"/>
+            <a:tailEnd type="none" w="med" len="med"/>
+          </a:ln>
+          <a:effectLst/>
+        </p:spPr>
+        <p:style>
+          <a:lnRef idx="1">
+            <a:schemeClr val="accent2"/>
+          </a:lnRef>
+          <a:fillRef idx="2">
+            <a:schemeClr val="accent2"/>
+          </a:fillRef>
+          <a:effectRef idx="1">
+            <a:schemeClr val="accent2"/>
+          </a:effectRef>
+          <a:fontRef idx="minor">
+            <a:schemeClr val="dk1"/>
+          </a:fontRef>
+        </p:style>
+      </p:cxnSp>
+      <p:sp>
+        <p:nvSpPr>
+          <p:cNvPr id="106" name="Isosceles Triangle 102"/>
+          <p:cNvSpPr/>
+          <p:nvPr/>
+        </p:nvSpPr>
+        <p:spPr>
+          <a:xfrm rot="10800000" flipV="1">
+            <a:off x="2728408" y="2386554"/>
+            <a:ext cx="282387" cy="157062"/>
+          </a:xfrm>
+          <a:prstGeom prst="triangle">
+            <a:avLst/>
+          </a:prstGeom>
+          <a:solidFill>
+            <a:schemeClr val="accent4">
+              <a:lumMod val="20000"/>
+              <a:lumOff val="80000"/>
+            </a:schemeClr>
+          </a:solidFill>
+          <a:ln w="19050">
+            <a:solidFill>
+              <a:srgbClr val="7030A0"/>
+            </a:solidFill>
+          </a:ln>
+          <a:effectLst/>
+        </p:spPr>
+        <p:style>
+          <a:lnRef idx="1">
+            <a:schemeClr val="accent4"/>
+          </a:lnRef>
+          <a:fillRef idx="2">
+            <a:schemeClr val="accent4"/>
+          </a:fillRef>
+          <a:effectRef idx="1">
+            <a:schemeClr val="accent4"/>
+          </a:effectRef>
+          <a:fontRef idx="minor">
+            <a:schemeClr val="dk1"/>
+          </a:fontRef>
+        </p:style>
+        <p:txBody>
+          <a:bodyPr rtlCol="0" anchor="ctr"/>
+          <a:lstStyle/>
+          <a:p>
+            <a:pPr algn="ctr"/>
+            <a:endParaRPr lang="en-SG" sz="1050" b="1">
+              <a:solidFill>
+                <a:srgbClr val="92D050"/>
+              </a:solidFill>
+            </a:endParaRPr>
+          </a:p>
+        </p:txBody>
+      </p:sp>
+      <p:sp>
+        <p:nvSpPr>
+          <p:cNvPr id="108" name="Rectangle 8"/>
+          <p:cNvSpPr/>
+          <p:nvPr/>
+        </p:nvSpPr>
+        <p:spPr>
+          <a:xfrm>
+            <a:off x="2136876" y="1997804"/>
+            <a:ext cx="1443661" cy="364396"/>
+          </a:xfrm>
+          <a:prstGeom prst="rect">
+            <a:avLst/>
+          </a:prstGeom>
+          <a:ln w="19050">
+            <a:solidFill>
+              <a:srgbClr val="7030A0"/>
+            </a:solidFill>
+          </a:ln>
+          <a:effectLst/>
+        </p:spPr>
+        <p:style>
+          <a:lnRef idx="1">
+            <a:schemeClr val="accent4"/>
+          </a:lnRef>
+          <a:fillRef idx="2">
+            <a:schemeClr val="accent4"/>
+          </a:fillRef>
+          <a:effectRef idx="1">
+            <a:schemeClr val="accent4"/>
+          </a:effectRef>
+          <a:fontRef idx="minor">
+            <a:schemeClr val="dk1"/>
+          </a:fontRef>
+        </p:style>
+        <p:txBody>
+          <a:bodyPr rtlCol="0" anchor="ctr"/>
+          <a:lstStyle/>
+          <a:p>
+            <a:pPr algn="ctr"/>
+            <a:r>
+              <a:rPr lang="en-US" sz="1050" dirty="0">
+                <a:solidFill>
+                  <a:srgbClr val="7030A0"/>
+                </a:solidFill>
+              </a:rPr>
+              <a:t>&lt;&lt;interface&gt;&gt;</a:t>
+            </a:r>
+            <a:br>
+              <a:rPr lang="en-US" sz="1050" dirty="0">
+                <a:solidFill>
+                  <a:srgbClr val="7030A0"/>
+                </a:solidFill>
+              </a:rPr>
+            </a:br>
+            <a:r>
+              <a:rPr lang="en-US" sz="1050" dirty="0" smtClean="0">
+                <a:solidFill>
+                  <a:srgbClr val="7030A0"/>
+                </a:solidFill>
+              </a:rPr>
+              <a:t>ReadOnlyRestOrRant</a:t>
+            </a:r>
+            <a:endParaRPr lang="en-SG" sz="1050" dirty="0">
+              <a:solidFill>
+                <a:srgbClr val="7030A0"/>
+              </a:solidFill>
+            </a:endParaRPr>
+          </a:p>
+        </p:txBody>
+      </p:sp>
+      <p:sp>
+        <p:nvSpPr>
+          <p:cNvPr id="109" name="Rectangle 8"/>
+          <p:cNvSpPr/>
+          <p:nvPr/>
+        </p:nvSpPr>
+        <p:spPr>
+          <a:xfrm>
+            <a:off x="824129" y="5506729"/>
+            <a:ext cx="1066800" cy="322410"/>
+          </a:xfrm>
+          <a:prstGeom prst="rect">
+            <a:avLst/>
+          </a:prstGeom>
+          <a:ln w="19050">
+            <a:solidFill>
+              <a:srgbClr val="7030A0"/>
+            </a:solidFill>
+          </a:ln>
+          <a:effectLst/>
+        </p:spPr>
+        <p:style>
+          <a:lnRef idx="1">
+            <a:schemeClr val="accent4"/>
+          </a:lnRef>
+          <a:fillRef idx="2">
+            <a:schemeClr val="accent4"/>
+          </a:fillRef>
+          <a:effectRef idx="1">
+            <a:schemeClr val="accent4"/>
+          </a:effectRef>
+          <a:fontRef idx="minor">
+            <a:schemeClr val="dk1"/>
+          </a:fontRef>
+        </p:style>
+        <p:txBody>
+          <a:bodyPr rtlCol="0" anchor="ctr"/>
+          <a:lstStyle/>
+          <a:p>
+            <a:pPr algn="ctr"/>
+            <a:r>
+              <a:rPr lang="en-US" sz="1050" dirty="0">
+                <a:solidFill>
+                  <a:srgbClr val="7030A0"/>
+                </a:solidFill>
+              </a:rPr>
+              <a:t>&lt;&lt;interface&gt;&gt;</a:t>
+            </a:r>
+            <a:br>
+              <a:rPr lang="en-US" sz="1050" dirty="0">
+                <a:solidFill>
+                  <a:srgbClr val="7030A0"/>
+                </a:solidFill>
+              </a:rPr>
+            </a:br>
+            <a:r>
+              <a:rPr lang="en-US" sz="1050" dirty="0">
+                <a:solidFill>
+                  <a:srgbClr val="7030A0"/>
+                </a:solidFill>
+              </a:rPr>
+              <a:t>ObservableList</a:t>
+            </a:r>
+            <a:endParaRPr lang="en-SG" sz="1050" dirty="0">
+              <a:solidFill>
+                <a:srgbClr val="7030A0"/>
+              </a:solidFill>
+            </a:endParaRPr>
+          </a:p>
+        </p:txBody>
+      </p:sp>
+      <p:cxnSp>
+        <p:nvCxnSpPr>
+          <p:cNvPr id="110" name="Elbow Connector 122"/>
+          <p:cNvCxnSpPr/>
+          <p:nvPr/>
+        </p:nvCxnSpPr>
+        <p:spPr>
+          <a:xfrm rot="16200000" flipH="1">
+            <a:off x="-296638" y="4547167"/>
+            <a:ext cx="2086534" cy="155000"/>
+          </a:xfrm>
+          <a:prstGeom prst="bentConnector2">
+            <a:avLst/>
+          </a:prstGeom>
+          <a:ln w="19050">
+            <a:solidFill>
+              <a:srgbClr val="7030A0"/>
+            </a:solidFill>
+            <a:prstDash val="sysDot"/>
+            <a:headEnd type="none" w="med" len="med"/>
+            <a:tailEnd type="arrow" w="med" len="med"/>
+          </a:ln>
+          <a:effectLst/>
+        </p:spPr>
+        <p:style>
+          <a:lnRef idx="1">
+            <a:schemeClr val="accent2"/>
+          </a:lnRef>
+          <a:fillRef idx="2">
+            <a:schemeClr val="accent2"/>
+          </a:fillRef>
+          <a:effectRef idx="1">
+            <a:schemeClr val="accent2"/>
+          </a:effectRef>
+          <a:fontRef idx="minor">
+            <a:schemeClr val="dk1"/>
+          </a:fontRef>
+        </p:style>
+      </p:cxnSp>
+      <p:sp>
+        <p:nvSpPr>
+          <p:cNvPr id="111" name="TextBox 110"/>
+          <p:cNvSpPr txBox="1"/>
+          <p:nvPr/>
+        </p:nvSpPr>
+        <p:spPr>
+          <a:xfrm>
+            <a:off x="3647165" y="2783654"/>
+            <a:ext cx="189257" cy="178683"/>
+          </a:xfrm>
+          <a:prstGeom prst="rect">
+            <a:avLst/>
+          </a:prstGeom>
+          <a:noFill/>
+        </p:spPr>
+        <p:txBody>
+          <a:bodyPr wrap="square" lIns="0" tIns="0" rIns="0" bIns="0" rtlCol="0">
+            <a:noAutofit/>
+          </a:bodyPr>
+          <a:lstStyle/>
+          <a:p>
+            <a:pPr algn="ctr"/>
+            <a:r>
+              <a:rPr lang="en-US" sz="1100" dirty="0">
+                <a:solidFill>
+                  <a:srgbClr val="7030A0"/>
+                </a:solidFill>
+              </a:rPr>
+              <a:t>1</a:t>
+            </a:r>
+            <a:endParaRPr lang="en-SG" sz="1100" dirty="0">
+              <a:solidFill>
+                <a:srgbClr val="7030A0"/>
+              </a:solidFill>
+            </a:endParaRPr>
+          </a:p>
+        </p:txBody>
+      </p:sp>
+      <p:sp>
+        <p:nvSpPr>
+          <p:cNvPr id="112" name="TextBox 111"/>
+          <p:cNvSpPr txBox="1"/>
+          <p:nvPr/>
+        </p:nvSpPr>
+        <p:spPr>
+          <a:xfrm>
+            <a:off x="5257800" y="2819400"/>
+            <a:ext cx="189257" cy="178683"/>
+          </a:xfrm>
+          <a:prstGeom prst="rect">
+            <a:avLst/>
+          </a:prstGeom>
+          <a:noFill/>
+        </p:spPr>
+        <p:txBody>
+          <a:bodyPr wrap="square" lIns="0" tIns="0" rIns="0" bIns="0" rtlCol="0">
+            <a:noAutofit/>
+          </a:bodyPr>
+          <a:lstStyle/>
+          <a:p>
+            <a:pPr algn="ctr"/>
+            <a:r>
+              <a:rPr lang="en-US" sz="1100" dirty="0">
+                <a:solidFill>
+                  <a:srgbClr val="7030A0"/>
+                </a:solidFill>
+              </a:rPr>
+              <a:t>*</a:t>
+            </a:r>
+            <a:endParaRPr lang="en-SG" sz="1100" dirty="0">
+              <a:solidFill>
+                <a:srgbClr val="7030A0"/>
+              </a:solidFill>
+            </a:endParaRPr>
+          </a:p>
+        </p:txBody>
+      </p:sp>
+      <p:sp>
+        <p:nvSpPr>
+          <p:cNvPr id="113" name="TextBox 112"/>
+          <p:cNvSpPr txBox="1"/>
+          <p:nvPr/>
+        </p:nvSpPr>
+        <p:spPr>
+          <a:xfrm>
+            <a:off x="1811090" y="2756715"/>
+            <a:ext cx="170110" cy="137542"/>
+          </a:xfrm>
+          <a:prstGeom prst="rect">
+            <a:avLst/>
+          </a:prstGeom>
+          <a:noFill/>
+        </p:spPr>
+        <p:txBody>
+          <a:bodyPr wrap="square" lIns="0" tIns="0" rIns="0" bIns="0" rtlCol="0">
+            <a:noAutofit/>
+          </a:bodyPr>
+          <a:lstStyle/>
+          <a:p>
+            <a:pPr algn="ctr"/>
+            <a:r>
+              <a:rPr lang="en-US" sz="1100" dirty="0">
+                <a:solidFill>
+                  <a:srgbClr val="7030A0"/>
+                </a:solidFill>
+              </a:rPr>
+              <a:t>1</a:t>
+            </a:r>
+            <a:endParaRPr lang="en-SG" sz="1100" dirty="0">
+              <a:solidFill>
+                <a:srgbClr val="7030A0"/>
+              </a:solidFill>
+            </a:endParaRPr>
+          </a:p>
+        </p:txBody>
+      </p:sp>
+      <p:sp>
+        <p:nvSpPr>
+          <p:cNvPr id="115" name="TextBox 114"/>
+          <p:cNvSpPr txBox="1"/>
+          <p:nvPr/>
+        </p:nvSpPr>
+        <p:spPr>
+          <a:xfrm>
+            <a:off x="1872452" y="4621917"/>
+            <a:ext cx="189257" cy="178683"/>
+          </a:xfrm>
+          <a:prstGeom prst="rect">
+            <a:avLst/>
+          </a:prstGeom>
+          <a:noFill/>
+        </p:spPr>
+        <p:txBody>
+          <a:bodyPr wrap="square" lIns="0" tIns="0" rIns="0" bIns="0" rtlCol="0">
+            <a:noAutofit/>
+          </a:bodyPr>
+          <a:lstStyle/>
+          <a:p>
+            <a:pPr algn="ctr"/>
+            <a:r>
+              <a:rPr lang="en-US" sz="1100" dirty="0">
+                <a:solidFill>
+                  <a:srgbClr val="7030A0"/>
+                </a:solidFill>
+              </a:rPr>
+              <a:t>1</a:t>
+            </a:r>
+            <a:endParaRPr lang="en-SG" sz="1100" dirty="0">
+              <a:solidFill>
+                <a:srgbClr val="7030A0"/>
+              </a:solidFill>
+            </a:endParaRPr>
+          </a:p>
+        </p:txBody>
+      </p:sp>
+      <p:sp>
+        <p:nvSpPr>
+          <p:cNvPr id="116" name="TextBox 115"/>
+          <p:cNvSpPr txBox="1"/>
+          <p:nvPr/>
+        </p:nvSpPr>
+        <p:spPr>
+          <a:xfrm>
+            <a:off x="6694091" y="1726317"/>
+            <a:ext cx="189257" cy="178683"/>
+          </a:xfrm>
+          <a:prstGeom prst="rect">
+            <a:avLst/>
+          </a:prstGeom>
+          <a:noFill/>
+        </p:spPr>
+        <p:txBody>
+          <a:bodyPr wrap="square" lIns="0" tIns="0" rIns="0" bIns="0" rtlCol="0">
+            <a:noAutofit/>
+          </a:bodyPr>
+          <a:lstStyle/>
+          <a:p>
+            <a:pPr algn="ctr"/>
+            <a:r>
+              <a:rPr lang="en-US" sz="1100" dirty="0">
+                <a:solidFill>
+                  <a:srgbClr val="7030A0"/>
+                </a:solidFill>
+              </a:rPr>
+              <a:t>1</a:t>
+            </a:r>
+            <a:endParaRPr lang="en-SG" sz="1100" dirty="0">
+              <a:solidFill>
+                <a:srgbClr val="7030A0"/>
+              </a:solidFill>
+            </a:endParaRPr>
+          </a:p>
+        </p:txBody>
+      </p:sp>
+      <p:sp>
+        <p:nvSpPr>
+          <p:cNvPr id="117" name="Rectangle 8">
+            <a:extLst>
+              <a:ext uri="{FF2B5EF4-FFF2-40B4-BE49-F238E27FC236}">
+                <a16:creationId xmlns="" xmlns:a16="http://schemas.microsoft.com/office/drawing/2014/main" id="{ABDCDBD2-131A-4B66-A2F2-43BBEE82C773}"/>
+              </a:ext>
+            </a:extLst>
+          </p:cNvPr>
+          <p:cNvSpPr/>
+          <p:nvPr/>
+        </p:nvSpPr>
+        <p:spPr>
+          <a:xfrm>
+            <a:off x="6878505" y="1774911"/>
+            <a:ext cx="1426435" cy="336873"/>
+          </a:xfrm>
+          <a:prstGeom prst="rect">
+            <a:avLst/>
+          </a:prstGeom>
+          <a:ln w="19050">
+            <a:solidFill>
+              <a:srgbClr val="7030A0"/>
+            </a:solidFill>
+          </a:ln>
+          <a:effectLst/>
+        </p:spPr>
+        <p:style>
+          <a:lnRef idx="1">
+            <a:schemeClr val="accent4"/>
+          </a:lnRef>
+          <a:fillRef idx="2">
+            <a:schemeClr val="accent4"/>
+          </a:fillRef>
+          <a:effectRef idx="1">
+            <a:schemeClr val="accent4"/>
+          </a:effectRef>
+          <a:fontRef idx="minor">
+            <a:schemeClr val="dk1"/>
+          </a:fontRef>
+        </p:style>
+        <p:txBody>
+          <a:bodyPr rtlCol="0" anchor="ctr"/>
+          <a:lstStyle/>
+          <a:p>
+            <a:pPr algn="ctr"/>
+            <a:r>
+              <a:rPr lang="en-US" sz="1050" dirty="0" smtClean="0">
+                <a:solidFill>
+                  <a:srgbClr val="7030A0"/>
+                </a:solidFill>
+              </a:rPr>
+              <a:t>TableStatus</a:t>
+            </a:r>
+            <a:endParaRPr lang="en-SG" sz="1050" dirty="0">
+              <a:solidFill>
+                <a:srgbClr val="7030A0"/>
+              </a:solidFill>
+            </a:endParaRPr>
+          </a:p>
+        </p:txBody>
+      </p:sp>
+      <p:cxnSp>
+        <p:nvCxnSpPr>
+          <p:cNvPr id="121" name="Elbow Connector 78">
+            <a:extLst>
+              <a:ext uri="{FF2B5EF4-FFF2-40B4-BE49-F238E27FC236}">
+                <a16:creationId xmlns="" xmlns:a16="http://schemas.microsoft.com/office/drawing/2014/main" id="{B97967F8-618A-448B-81FD-CDFD4AF0EC64}"/>
+              </a:ext>
+            </a:extLst>
+          </p:cNvPr>
+          <p:cNvCxnSpPr>
+            <a:cxnSpLocks/>
+            <a:endCxn id="140" idx="1"/>
+          </p:cNvCxnSpPr>
+          <p:nvPr/>
+        </p:nvCxnSpPr>
+        <p:spPr>
+          <a:xfrm flipV="1">
+            <a:off x="6444104" y="1943348"/>
+            <a:ext cx="434401" cy="1091543"/>
+          </a:xfrm>
+          <a:prstGeom prst="bentConnector3">
+            <a:avLst>
+              <a:gd name="adj1" fmla="val 50000"/>
+            </a:avLst>
+          </a:prstGeom>
+          <a:ln w="19050">
+            <a:solidFill>
+              <a:srgbClr val="7030A0"/>
+            </a:solidFill>
+            <a:headEnd type="none" w="med" len="med"/>
+            <a:tailEnd type="arrow" w="med" len="med"/>
+          </a:ln>
+          <a:effectLst/>
+        </p:spPr>
+        <p:style>
+          <a:lnRef idx="1">
+            <a:schemeClr val="accent2"/>
+          </a:lnRef>
+          <a:fillRef idx="2">
+            <a:schemeClr val="accent2"/>
+          </a:fillRef>
+          <a:effectRef idx="1">
+            <a:schemeClr val="accent2"/>
+          </a:effectRef>
+          <a:fontRef idx="minor">
+            <a:schemeClr val="dk1"/>
+          </a:fontRef>
+        </p:style>
+      </p:cxnSp>
+      <p:cxnSp>
+        <p:nvCxnSpPr>
+          <p:cNvPr id="123" name="Straight Arrow Connector 122"/>
+          <p:cNvCxnSpPr>
+            <a:stCxn id="139" idx="1"/>
+            <a:endCxn id="137" idx="1"/>
+          </p:cNvCxnSpPr>
+          <p:nvPr/>
+        </p:nvCxnSpPr>
+        <p:spPr>
+          <a:xfrm>
+            <a:off x="3491081" y="3007222"/>
+            <a:ext cx="367678" cy="12320"/>
+          </a:xfrm>
+          <a:prstGeom prst="straightConnector1">
+            <a:avLst/>
+          </a:prstGeom>
+          <a:ln w="19050">
+            <a:solidFill>
+              <a:srgbClr val="7030A0"/>
+            </a:solidFill>
+            <a:headEnd type="none" w="med" len="med"/>
+            <a:tailEnd type="arrow" w="med" len="med"/>
+          </a:ln>
+          <a:effectLst/>
+        </p:spPr>
+        <p:style>
+          <a:lnRef idx="1">
+            <a:schemeClr val="accent2"/>
+          </a:lnRef>
+          <a:fillRef idx="2">
+            <a:schemeClr val="accent2"/>
+          </a:fillRef>
+          <a:effectRef idx="1">
+            <a:schemeClr val="accent2"/>
+          </a:effectRef>
+          <a:fontRef idx="minor">
+            <a:schemeClr val="dk1"/>
+          </a:fontRef>
+        </p:style>
+      </p:cxnSp>
+      <p:sp>
+        <p:nvSpPr>
+          <p:cNvPr id="125" name="Rectangle 8">
+            <a:extLst>
+              <a:ext uri="{FF2B5EF4-FFF2-40B4-BE49-F238E27FC236}">
+                <a16:creationId xmlns="" xmlns:a16="http://schemas.microsoft.com/office/drawing/2014/main" id="{6A42DA50-9012-4391-9EF3-285E4FA3FCD8}"/>
+              </a:ext>
+            </a:extLst>
+          </p:cNvPr>
+          <p:cNvSpPr/>
+          <p:nvPr/>
+        </p:nvSpPr>
+        <p:spPr>
+          <a:xfrm>
+            <a:off x="3000422" y="5494554"/>
+            <a:ext cx="1293486" cy="346760"/>
+          </a:xfrm>
+          <a:prstGeom prst="rect">
+            <a:avLst/>
+          </a:prstGeom>
+          <a:ln w="19050">
+            <a:solidFill>
+              <a:srgbClr val="7030A0"/>
+            </a:solidFill>
+          </a:ln>
+          <a:effectLst/>
+        </p:spPr>
+        <p:style>
+          <a:lnRef idx="1">
+            <a:schemeClr val="accent4"/>
+          </a:lnRef>
+          <a:fillRef idx="2">
+            <a:schemeClr val="accent4"/>
+          </a:fillRef>
+          <a:effectRef idx="1">
+            <a:schemeClr val="accent4"/>
+          </a:effectRef>
+          <a:fontRef idx="minor">
+            <a:schemeClr val="dk1"/>
+          </a:fontRef>
+        </p:style>
+        <p:txBody>
+          <a:bodyPr rtlCol="0" anchor="ctr"/>
+          <a:lstStyle/>
+          <a:p>
+            <a:pPr algn="ctr"/>
+            <a:r>
+              <a:rPr lang="en-US" sz="1050" dirty="0">
+                <a:solidFill>
+                  <a:srgbClr val="7030A0"/>
+                </a:solidFill>
+              </a:rPr>
+              <a:t>&lt;&lt;interface&gt;&gt;</a:t>
+            </a:r>
+          </a:p>
+          <a:p>
+            <a:pPr algn="ctr"/>
+            <a:r>
+              <a:rPr lang="en-US" sz="1050" dirty="0">
+                <a:solidFill>
+                  <a:srgbClr val="7030A0"/>
+                </a:solidFill>
+              </a:rPr>
+              <a:t>ReadOnlyUserPrefs</a:t>
+            </a:r>
+            <a:endParaRPr lang="en-SG" sz="1050" dirty="0">
+              <a:solidFill>
+                <a:srgbClr val="7030A0"/>
+              </a:solidFill>
+            </a:endParaRPr>
+          </a:p>
+        </p:txBody>
+      </p:sp>
+      <p:sp>
+        <p:nvSpPr>
+          <p:cNvPr id="126" name="Isosceles Triangle 102">
+            <a:extLst>
+              <a:ext uri="{FF2B5EF4-FFF2-40B4-BE49-F238E27FC236}">
+                <a16:creationId xmlns="" xmlns:a16="http://schemas.microsoft.com/office/drawing/2014/main" id="{B263B2D7-6E76-465E-B40E-7E2A46254A84}"/>
+              </a:ext>
+            </a:extLst>
+          </p:cNvPr>
+          <p:cNvSpPr/>
+          <p:nvPr/>
+        </p:nvSpPr>
+        <p:spPr>
+          <a:xfrm rot="5400000" flipH="1">
+            <a:off x="2723200" y="5557185"/>
+            <a:ext cx="271014" cy="221497"/>
+          </a:xfrm>
+          <a:prstGeom prst="triangle">
+            <a:avLst>
+              <a:gd name="adj" fmla="val 44517"/>
+            </a:avLst>
+          </a:prstGeom>
+          <a:solidFill>
+            <a:schemeClr val="accent4">
+              <a:lumMod val="20000"/>
+              <a:lumOff val="80000"/>
+            </a:schemeClr>
+          </a:solidFill>
+          <a:ln w="19050">
+            <a:solidFill>
+              <a:srgbClr val="7030A0"/>
+            </a:solidFill>
+          </a:ln>
+          <a:effectLst/>
+        </p:spPr>
+        <p:style>
+          <a:lnRef idx="1">
+            <a:schemeClr val="accent6"/>
+          </a:lnRef>
+          <a:fillRef idx="2">
+            <a:schemeClr val="accent6"/>
+          </a:fillRef>
+          <a:effectRef idx="1">
+            <a:schemeClr val="accent6"/>
+          </a:effectRef>
+          <a:fontRef idx="minor">
+            <a:schemeClr val="dk1"/>
+          </a:fontRef>
+        </p:style>
+        <p:txBody>
+          <a:bodyPr rtlCol="0" anchor="ctr"/>
+          <a:lstStyle/>
+          <a:p>
+            <a:pPr algn="ctr"/>
+            <a:endParaRPr lang="en-SG" sz="1050"/>
+          </a:p>
+        </p:txBody>
+      </p:sp>
+      <p:cxnSp>
+        <p:nvCxnSpPr>
+          <p:cNvPr id="127" name="Elbow Connector 63">
+            <a:extLst>
+              <a:ext uri="{FF2B5EF4-FFF2-40B4-BE49-F238E27FC236}">
+                <a16:creationId xmlns="" xmlns:a16="http://schemas.microsoft.com/office/drawing/2014/main" id="{BA3A25CD-7C1D-4B3B-B294-1B05ABCFECFD}"/>
+              </a:ext>
+            </a:extLst>
+          </p:cNvPr>
+          <p:cNvCxnSpPr>
+            <a:cxnSpLocks/>
+            <a:stCxn id="147" idx="3"/>
+            <a:endCxn id="56" idx="2"/>
+          </p:cNvCxnSpPr>
+          <p:nvPr/>
+        </p:nvCxnSpPr>
+        <p:spPr>
+          <a:xfrm rot="10800000">
+            <a:off x="2530351" y="5029950"/>
+            <a:ext cx="217608" cy="652845"/>
+          </a:xfrm>
+          <a:prstGeom prst="bentConnector2">
+            <a:avLst/>
+          </a:prstGeom>
+          <a:ln w="19050">
+            <a:solidFill>
+              <a:srgbClr val="7030A0"/>
+            </a:solidFill>
+            <a:prstDash val="sysDot"/>
+            <a:headEnd type="none" w="med" len="med"/>
+            <a:tailEnd type="none" w="med" len="med"/>
+          </a:ln>
+          <a:effectLst/>
+        </p:spPr>
+        <p:style>
+          <a:lnRef idx="1">
+            <a:schemeClr val="accent2"/>
+          </a:lnRef>
+          <a:fillRef idx="2">
+            <a:schemeClr val="accent2"/>
+          </a:fillRef>
+          <a:effectRef idx="1">
+            <a:schemeClr val="accent2"/>
+          </a:effectRef>
+          <a:fontRef idx="minor">
+            <a:schemeClr val="dk1"/>
+          </a:fontRef>
+        </p:style>
+      </p:cxnSp>
+      <p:sp>
+        <p:nvSpPr>
+          <p:cNvPr id="128" name="Rectangle 8"/>
+          <p:cNvSpPr/>
+          <p:nvPr/>
+        </p:nvSpPr>
+        <p:spPr>
+          <a:xfrm>
+            <a:off x="3843242" y="4453840"/>
+            <a:ext cx="1334931" cy="346760"/>
+          </a:xfrm>
+          <a:prstGeom prst="rect">
+            <a:avLst/>
+          </a:prstGeom>
+          <a:ln w="19050">
+            <a:solidFill>
+              <a:srgbClr val="7030A0"/>
+            </a:solidFill>
+          </a:ln>
+          <a:effectLst/>
+        </p:spPr>
+        <p:style>
+          <a:lnRef idx="1">
+            <a:schemeClr val="accent4"/>
+          </a:lnRef>
+          <a:fillRef idx="2">
+            <a:schemeClr val="accent4"/>
+          </a:fillRef>
+          <a:effectRef idx="1">
+            <a:schemeClr val="accent4"/>
+          </a:effectRef>
+          <a:fontRef idx="minor">
+            <a:schemeClr val="dk1"/>
+          </a:fontRef>
+        </p:style>
+        <p:txBody>
+          <a:bodyPr rtlCol="0" anchor="ctr"/>
+          <a:lstStyle/>
+          <a:p>
+            <a:pPr algn="ctr"/>
+            <a:r>
+              <a:rPr lang="en-US" sz="1050" dirty="0" smtClean="0">
+                <a:solidFill>
+                  <a:srgbClr val="7030A0"/>
+                </a:solidFill>
+              </a:rPr>
+              <a:t>UniqueMenuItemList</a:t>
+            </a:r>
+            <a:endParaRPr lang="en-SG" sz="1050" dirty="0">
+              <a:solidFill>
+                <a:srgbClr val="7030A0"/>
+              </a:solidFill>
+            </a:endParaRPr>
+          </a:p>
+        </p:txBody>
+      </p:sp>
+      <p:cxnSp>
+        <p:nvCxnSpPr>
+          <p:cNvPr id="129" name="Elbow Connector 128"/>
+          <p:cNvCxnSpPr>
+            <a:stCxn id="139" idx="2"/>
+            <a:endCxn id="159" idx="1"/>
+          </p:cNvCxnSpPr>
+          <p:nvPr/>
+        </p:nvCxnSpPr>
+        <p:spPr>
+          <a:xfrm rot="16200000" flipH="1">
+            <a:off x="2959519" y="3743497"/>
+            <a:ext cx="1533308" cy="234137"/>
+          </a:xfrm>
+          <a:prstGeom prst="bentConnector2">
+            <a:avLst/>
+          </a:prstGeom>
+          <a:ln w="19050">
+            <a:solidFill>
+              <a:srgbClr val="7030A0"/>
+            </a:solidFill>
+            <a:headEnd type="none" w="med" len="med"/>
+            <a:tailEnd type="arrow" w="med" len="med"/>
+          </a:ln>
+        </p:spPr>
+        <p:style>
+          <a:lnRef idx="1">
+            <a:schemeClr val="accent1"/>
+          </a:lnRef>
+          <a:fillRef idx="0">
+            <a:schemeClr val="accent1"/>
+          </a:fillRef>
+          <a:effectRef idx="0">
+            <a:schemeClr val="accent1"/>
+          </a:effectRef>
+          <a:fontRef idx="minor">
+            <a:schemeClr val="tx1"/>
+          </a:fontRef>
+        </p:style>
+      </p:cxnSp>
+      <p:sp>
+        <p:nvSpPr>
+          <p:cNvPr id="130" name="TextBox 129"/>
+          <p:cNvSpPr txBox="1"/>
+          <p:nvPr/>
+        </p:nvSpPr>
+        <p:spPr>
+          <a:xfrm>
+            <a:off x="3715371" y="4396567"/>
+            <a:ext cx="94629" cy="175433"/>
+          </a:xfrm>
+          <a:prstGeom prst="rect">
+            <a:avLst/>
+          </a:prstGeom>
+          <a:noFill/>
+        </p:spPr>
+        <p:txBody>
+          <a:bodyPr wrap="square" lIns="0" tIns="0" rIns="0" bIns="0" rtlCol="0">
+            <a:noAutofit/>
+          </a:bodyPr>
+          <a:lstStyle/>
+          <a:p>
+            <a:pPr algn="ctr"/>
+            <a:r>
+              <a:rPr lang="en-US" sz="1100" dirty="0">
+                <a:solidFill>
+                  <a:srgbClr val="7030A0"/>
+                </a:solidFill>
+              </a:rPr>
+              <a:t>1</a:t>
+            </a:r>
+            <a:endParaRPr lang="en-SG" sz="1100" dirty="0">
+              <a:solidFill>
+                <a:srgbClr val="7030A0"/>
+              </a:solidFill>
+            </a:endParaRPr>
+          </a:p>
+        </p:txBody>
+      </p:sp>
+      <p:sp>
+        <p:nvSpPr>
+          <p:cNvPr id="131" name="Rectangle 8"/>
+          <p:cNvSpPr/>
+          <p:nvPr/>
+        </p:nvSpPr>
+        <p:spPr>
+          <a:xfrm>
+            <a:off x="5640398" y="4453840"/>
+            <a:ext cx="899899" cy="346760"/>
+          </a:xfrm>
+          <a:prstGeom prst="rect">
+            <a:avLst/>
+          </a:prstGeom>
+          <a:ln w="19050">
+            <a:solidFill>
+              <a:srgbClr val="7030A0"/>
+            </a:solidFill>
+          </a:ln>
+          <a:effectLst/>
+        </p:spPr>
+        <p:style>
+          <a:lnRef idx="1">
+            <a:schemeClr val="accent4"/>
+          </a:lnRef>
+          <a:fillRef idx="2">
+            <a:schemeClr val="accent4"/>
+          </a:fillRef>
+          <a:effectRef idx="1">
+            <a:schemeClr val="accent4"/>
+          </a:effectRef>
+          <a:fontRef idx="minor">
+            <a:schemeClr val="dk1"/>
+          </a:fontRef>
+        </p:style>
+        <p:txBody>
+          <a:bodyPr rtlCol="0" anchor="ctr"/>
+          <a:lstStyle/>
+          <a:p>
+            <a:pPr algn="ctr"/>
+            <a:r>
+              <a:rPr lang="en-US" sz="1050" dirty="0" smtClean="0">
+                <a:solidFill>
+                  <a:srgbClr val="7030A0"/>
+                </a:solidFill>
+              </a:rPr>
+              <a:t>MenuItem</a:t>
+            </a:r>
+            <a:endParaRPr lang="en-SG" sz="1050" dirty="0">
+              <a:solidFill>
+                <a:srgbClr val="7030A0"/>
+              </a:solidFill>
+            </a:endParaRPr>
+          </a:p>
+        </p:txBody>
+      </p:sp>
+      <p:sp>
+        <p:nvSpPr>
+          <p:cNvPr id="132" name="Flowchart: Decision 96"/>
+          <p:cNvSpPr/>
+          <p:nvPr/>
+        </p:nvSpPr>
+        <p:spPr>
+          <a:xfrm>
+            <a:off x="5185473" y="4537450"/>
+            <a:ext cx="236048" cy="173380"/>
+          </a:xfrm>
+          <a:prstGeom prst="flowChartDecision">
+            <a:avLst/>
+          </a:prstGeom>
+          <a:solidFill>
+            <a:srgbClr val="7030A0"/>
+          </a:solidFill>
+          <a:ln w="19050">
+            <a:solidFill>
+              <a:srgbClr val="7030A0"/>
+            </a:solidFill>
+          </a:ln>
+          <a:effectLst/>
+        </p:spPr>
+        <p:style>
+          <a:lnRef idx="1">
+            <a:schemeClr val="accent6"/>
+          </a:lnRef>
+          <a:fillRef idx="2">
+            <a:schemeClr val="accent6"/>
+          </a:fillRef>
+          <a:effectRef idx="1">
+            <a:schemeClr val="accent6"/>
+          </a:effectRef>
+          <a:fontRef idx="minor">
+            <a:schemeClr val="dk1"/>
+          </a:fontRef>
+        </p:style>
+        <p:txBody>
+          <a:bodyPr rtlCol="0" anchor="ctr"/>
+          <a:lstStyle/>
+          <a:p>
+            <a:pPr algn="ctr"/>
+            <a:endParaRPr lang="en-US" sz="1050"/>
+          </a:p>
+        </p:txBody>
+      </p:sp>
+      <p:cxnSp>
+        <p:nvCxnSpPr>
+          <p:cNvPr id="133" name="Elbow Connector 132"/>
+          <p:cNvCxnSpPr/>
+          <p:nvPr/>
+        </p:nvCxnSpPr>
+        <p:spPr>
+          <a:xfrm>
+            <a:off x="5421521" y="4624140"/>
+            <a:ext cx="218878" cy="3080"/>
+          </a:xfrm>
+          <a:prstGeom prst="bentConnector3">
+            <a:avLst/>
+          </a:prstGeom>
+          <a:ln w="19050">
+            <a:solidFill>
+              <a:srgbClr val="7030A0"/>
+            </a:solidFill>
+            <a:headEnd type="none" w="med" len="med"/>
+            <a:tailEnd type="arrow" w="med" len="med"/>
+          </a:ln>
+          <a:effectLst/>
+        </p:spPr>
+        <p:style>
+          <a:lnRef idx="1">
+            <a:schemeClr val="accent2"/>
+          </a:lnRef>
+          <a:fillRef idx="2">
+            <a:schemeClr val="accent2"/>
+          </a:fillRef>
+          <a:effectRef idx="1">
+            <a:schemeClr val="accent2"/>
+          </a:effectRef>
+          <a:fontRef idx="minor">
+            <a:schemeClr val="dk1"/>
+          </a:fontRef>
+        </p:style>
+      </p:cxnSp>
+      <p:sp>
+        <p:nvSpPr>
+          <p:cNvPr id="134" name="TextBox 133"/>
+          <p:cNvSpPr txBox="1"/>
+          <p:nvPr/>
+        </p:nvSpPr>
+        <p:spPr>
+          <a:xfrm>
+            <a:off x="5461978" y="4693691"/>
+            <a:ext cx="189257" cy="178683"/>
+          </a:xfrm>
+          <a:prstGeom prst="rect">
+            <a:avLst/>
+          </a:prstGeom>
+          <a:noFill/>
+        </p:spPr>
+        <p:txBody>
+          <a:bodyPr wrap="square" lIns="0" tIns="0" rIns="0" bIns="0" rtlCol="0">
+            <a:noAutofit/>
+          </a:bodyPr>
+          <a:lstStyle/>
+          <a:p>
+            <a:pPr algn="ctr"/>
+            <a:r>
+              <a:rPr lang="en-US" sz="1100" dirty="0">
+                <a:solidFill>
+                  <a:srgbClr val="7030A0"/>
+                </a:solidFill>
+              </a:rPr>
+              <a:t>*</a:t>
+            </a:r>
+            <a:endParaRPr lang="en-SG" sz="1100" dirty="0">
+              <a:solidFill>
+                <a:srgbClr val="7030A0"/>
+              </a:solidFill>
+            </a:endParaRPr>
+          </a:p>
+        </p:txBody>
+      </p:sp>
+      <p:sp>
+        <p:nvSpPr>
+          <p:cNvPr id="135" name="Flowchart: Decision 96"/>
+          <p:cNvSpPr/>
+          <p:nvPr/>
+        </p:nvSpPr>
+        <p:spPr>
+          <a:xfrm>
+            <a:off x="6540297" y="4537450"/>
+            <a:ext cx="236048" cy="173380"/>
+          </a:xfrm>
+          <a:prstGeom prst="flowChartDecision">
+            <a:avLst/>
+          </a:prstGeom>
+          <a:solidFill>
+            <a:srgbClr val="7030A0"/>
+          </a:solidFill>
+          <a:ln w="19050">
+            <a:solidFill>
+              <a:srgbClr val="7030A0"/>
+            </a:solidFill>
+          </a:ln>
+          <a:effectLst/>
+        </p:spPr>
+        <p:style>
+          <a:lnRef idx="1">
+            <a:schemeClr val="accent6"/>
+          </a:lnRef>
+          <a:fillRef idx="2">
+            <a:schemeClr val="accent6"/>
+          </a:fillRef>
+          <a:effectRef idx="1">
+            <a:schemeClr val="accent6"/>
+          </a:effectRef>
+          <a:fontRef idx="minor">
+            <a:schemeClr val="dk1"/>
+          </a:fontRef>
+        </p:style>
+        <p:txBody>
+          <a:bodyPr rtlCol="0" anchor="ctr"/>
+          <a:lstStyle/>
+          <a:p>
+            <a:pPr algn="ctr"/>
+            <a:endParaRPr lang="en-US" sz="1050"/>
+          </a:p>
+        </p:txBody>
+      </p:sp>
+      <p:cxnSp>
+        <p:nvCxnSpPr>
+          <p:cNvPr id="136" name="Elbow Connector 135"/>
+          <p:cNvCxnSpPr/>
+          <p:nvPr/>
+        </p:nvCxnSpPr>
+        <p:spPr>
+          <a:xfrm>
+            <a:off x="6776345" y="4647656"/>
+            <a:ext cx="214462" cy="690322"/>
+          </a:xfrm>
+          <a:prstGeom prst="bentConnector3">
+            <a:avLst>
+              <a:gd name="adj1" fmla="val 8547"/>
+            </a:avLst>
+          </a:prstGeom>
+          <a:ln w="19050">
+            <a:solidFill>
+              <a:srgbClr val="7030A0"/>
+            </a:solidFill>
+            <a:headEnd type="none" w="med" len="med"/>
+            <a:tailEnd type="arrow" w="med" len="med"/>
+          </a:ln>
+        </p:spPr>
+        <p:style>
+          <a:lnRef idx="1">
+            <a:schemeClr val="accent1"/>
+          </a:lnRef>
+          <a:fillRef idx="0">
+            <a:schemeClr val="accent1"/>
+          </a:fillRef>
+          <a:effectRef idx="0">
+            <a:schemeClr val="accent1"/>
+          </a:effectRef>
+          <a:fontRef idx="minor">
+            <a:schemeClr val="tx1"/>
+          </a:fontRef>
+        </p:style>
+      </p:cxnSp>
+      <p:cxnSp>
+        <p:nvCxnSpPr>
+          <p:cNvPr id="137" name="Elbow Connector 136"/>
+          <p:cNvCxnSpPr/>
+          <p:nvPr/>
+        </p:nvCxnSpPr>
+        <p:spPr>
+          <a:xfrm>
+            <a:off x="6776345" y="4624140"/>
+            <a:ext cx="214462" cy="348023"/>
+          </a:xfrm>
+          <a:prstGeom prst="bentConnector3">
+            <a:avLst>
+              <a:gd name="adj1" fmla="val 8547"/>
+            </a:avLst>
+          </a:prstGeom>
+          <a:ln w="19050">
+            <a:solidFill>
+              <a:srgbClr val="7030A0"/>
+            </a:solidFill>
+            <a:headEnd type="none" w="med" len="med"/>
+            <a:tailEnd type="arrow" w="med" len="med"/>
+          </a:ln>
+        </p:spPr>
+        <p:style>
+          <a:lnRef idx="1">
+            <a:schemeClr val="accent1"/>
+          </a:lnRef>
+          <a:fillRef idx="0">
+            <a:schemeClr val="accent1"/>
+          </a:fillRef>
+          <a:effectRef idx="0">
+            <a:schemeClr val="accent1"/>
+          </a:effectRef>
+          <a:fontRef idx="minor">
+            <a:schemeClr val="tx1"/>
+          </a:fontRef>
+        </p:style>
+      </p:cxnSp>
+      <p:sp>
+        <p:nvSpPr>
+          <p:cNvPr id="138" name="Rectangle 8"/>
+          <p:cNvSpPr/>
+          <p:nvPr/>
+        </p:nvSpPr>
+        <p:spPr>
+          <a:xfrm>
+            <a:off x="6983507" y="4469323"/>
+            <a:ext cx="708186" cy="312713"/>
+          </a:xfrm>
+          <a:prstGeom prst="rect">
+            <a:avLst/>
+          </a:prstGeom>
+          <a:ln w="19050">
+            <a:solidFill>
+              <a:srgbClr val="7030A0"/>
+            </a:solidFill>
+          </a:ln>
+          <a:effectLst/>
+        </p:spPr>
+        <p:style>
+          <a:lnRef idx="1">
+            <a:schemeClr val="accent4"/>
+          </a:lnRef>
+          <a:fillRef idx="2">
+            <a:schemeClr val="accent4"/>
+          </a:fillRef>
+          <a:effectRef idx="1">
+            <a:schemeClr val="accent4"/>
+          </a:effectRef>
+          <a:fontRef idx="minor">
+            <a:schemeClr val="dk1"/>
+          </a:fontRef>
+        </p:style>
+        <p:txBody>
+          <a:bodyPr rtlCol="0" anchor="ctr"/>
+          <a:lstStyle/>
+          <a:p>
+            <a:pPr algn="ctr"/>
+            <a:r>
+              <a:rPr lang="en-US" sz="1050" dirty="0" smtClean="0">
+                <a:solidFill>
+                  <a:srgbClr val="7030A0"/>
+                </a:solidFill>
+              </a:rPr>
+              <a:t>Code</a:t>
+            </a:r>
+            <a:endParaRPr lang="en-SG" sz="1050" dirty="0">
+              <a:solidFill>
+                <a:srgbClr val="7030A0"/>
+              </a:solidFill>
+            </a:endParaRPr>
+          </a:p>
+        </p:txBody>
+      </p:sp>
+      <p:sp>
+        <p:nvSpPr>
+          <p:cNvPr id="139" name="TextBox 138"/>
+          <p:cNvSpPr txBox="1"/>
+          <p:nvPr/>
+        </p:nvSpPr>
+        <p:spPr>
+          <a:xfrm>
+            <a:off x="6797341" y="5072479"/>
+            <a:ext cx="189257" cy="178683"/>
+          </a:xfrm>
+          <a:prstGeom prst="rect">
+            <a:avLst/>
+          </a:prstGeom>
+          <a:noFill/>
+        </p:spPr>
+        <p:txBody>
+          <a:bodyPr wrap="square" lIns="0" tIns="0" rIns="0" bIns="0" rtlCol="0">
+            <a:noAutofit/>
+          </a:bodyPr>
+          <a:lstStyle/>
+          <a:p>
+            <a:pPr algn="ctr"/>
+            <a:r>
+              <a:rPr lang="en-US" sz="1100" dirty="0">
+                <a:solidFill>
+                  <a:srgbClr val="7030A0"/>
+                </a:solidFill>
+              </a:rPr>
+              <a:t>1</a:t>
+            </a:r>
+            <a:endParaRPr lang="en-SG" sz="1100" dirty="0">
+              <a:solidFill>
+                <a:srgbClr val="7030A0"/>
+              </a:solidFill>
+            </a:endParaRPr>
+          </a:p>
+        </p:txBody>
+      </p:sp>
+      <p:sp>
+        <p:nvSpPr>
+          <p:cNvPr id="140" name="TextBox 139"/>
+          <p:cNvSpPr txBox="1"/>
+          <p:nvPr/>
+        </p:nvSpPr>
+        <p:spPr>
+          <a:xfrm>
+            <a:off x="6808850" y="4717762"/>
+            <a:ext cx="189257" cy="178683"/>
+          </a:xfrm>
+          <a:prstGeom prst="rect">
+            <a:avLst/>
+          </a:prstGeom>
+          <a:noFill/>
+        </p:spPr>
+        <p:txBody>
+          <a:bodyPr wrap="square" lIns="0" tIns="0" rIns="0" bIns="0" rtlCol="0">
+            <a:noAutofit/>
+          </a:bodyPr>
+          <a:lstStyle/>
+          <a:p>
+            <a:pPr algn="ctr"/>
+            <a:r>
+              <a:rPr lang="en-US" sz="1100" dirty="0">
+                <a:solidFill>
+                  <a:srgbClr val="7030A0"/>
+                </a:solidFill>
+              </a:rPr>
+              <a:t>1</a:t>
+            </a:r>
+            <a:endParaRPr lang="en-SG" sz="1100" dirty="0">
+              <a:solidFill>
+                <a:srgbClr val="7030A0"/>
+              </a:solidFill>
+            </a:endParaRPr>
+          </a:p>
+        </p:txBody>
+      </p:sp>
+      <p:cxnSp>
+        <p:nvCxnSpPr>
+          <p:cNvPr id="141" name="Elbow Connector 140"/>
+          <p:cNvCxnSpPr/>
+          <p:nvPr/>
+        </p:nvCxnSpPr>
+        <p:spPr>
+          <a:xfrm>
+            <a:off x="6776345" y="4624140"/>
+            <a:ext cx="207162" cy="1540"/>
+          </a:xfrm>
+          <a:prstGeom prst="bentConnector3">
+            <a:avLst>
+              <a:gd name="adj1" fmla="val 50000"/>
+            </a:avLst>
+          </a:prstGeom>
+          <a:ln w="19050">
+            <a:solidFill>
+              <a:srgbClr val="7030A0"/>
+            </a:solidFill>
+            <a:headEnd type="none" w="med" len="med"/>
+            <a:tailEnd type="arrow" w="med" len="med"/>
+          </a:ln>
+        </p:spPr>
+        <p:style>
+          <a:lnRef idx="1">
+            <a:schemeClr val="accent1"/>
+          </a:lnRef>
+          <a:fillRef idx="0">
+            <a:schemeClr val="accent1"/>
+          </a:fillRef>
+          <a:effectRef idx="0">
+            <a:schemeClr val="accent1"/>
+          </a:effectRef>
+          <a:fontRef idx="minor">
+            <a:schemeClr val="tx1"/>
+          </a:fontRef>
+        </p:style>
+      </p:cxnSp>
+      <p:sp>
+        <p:nvSpPr>
+          <p:cNvPr id="142" name="TextBox 141"/>
+          <p:cNvSpPr txBox="1"/>
+          <p:nvPr/>
+        </p:nvSpPr>
+        <p:spPr>
+          <a:xfrm>
+            <a:off x="6790012" y="4385364"/>
+            <a:ext cx="189257" cy="178683"/>
+          </a:xfrm>
+          <a:prstGeom prst="rect">
+            <a:avLst/>
+          </a:prstGeom>
+          <a:noFill/>
+        </p:spPr>
+        <p:txBody>
+          <a:bodyPr wrap="square" lIns="0" tIns="0" rIns="0" bIns="0" rtlCol="0">
+            <a:noAutofit/>
+          </a:bodyPr>
+          <a:lstStyle/>
+          <a:p>
+            <a:pPr algn="ctr"/>
+            <a:r>
+              <a:rPr lang="en-US" sz="1100" dirty="0">
+                <a:solidFill>
+                  <a:srgbClr val="7030A0"/>
+                </a:solidFill>
+              </a:rPr>
+              <a:t>1</a:t>
+            </a:r>
+            <a:endParaRPr lang="en-SG" sz="1100" dirty="0">
+              <a:solidFill>
+                <a:srgbClr val="7030A0"/>
+              </a:solidFill>
+            </a:endParaRPr>
+          </a:p>
+        </p:txBody>
+      </p:sp>
+      <p:sp>
+        <p:nvSpPr>
+          <p:cNvPr id="143" name="Flowchart: Decision 96"/>
+          <p:cNvSpPr/>
+          <p:nvPr/>
+        </p:nvSpPr>
+        <p:spPr>
+          <a:xfrm rot="5400000">
+            <a:off x="7476761" y="4038177"/>
+            <a:ext cx="253973" cy="190489"/>
+          </a:xfrm>
+          <a:prstGeom prst="flowChartDecision">
+            <a:avLst/>
+          </a:prstGeom>
+          <a:noFill/>
+          <a:ln w="19050">
+            <a:solidFill>
+              <a:srgbClr val="7030A0"/>
+            </a:solidFill>
+          </a:ln>
+          <a:effectLst/>
+        </p:spPr>
+        <p:style>
+          <a:lnRef idx="1">
+            <a:schemeClr val="accent6"/>
+          </a:lnRef>
+          <a:fillRef idx="2">
+            <a:schemeClr val="accent6"/>
+          </a:fillRef>
+          <a:effectRef idx="1">
+            <a:schemeClr val="accent6"/>
+          </a:effectRef>
+          <a:fontRef idx="minor">
+            <a:schemeClr val="dk1"/>
+          </a:fontRef>
+        </p:style>
+        <p:txBody>
+          <a:bodyPr rtlCol="0" anchor="ctr"/>
+          <a:lstStyle/>
+          <a:p>
+            <a:pPr algn="ctr"/>
+            <a:endParaRPr lang="en-US" sz="1050"/>
+          </a:p>
+        </p:txBody>
+      </p:sp>
+      <p:cxnSp>
+        <p:nvCxnSpPr>
+          <p:cNvPr id="144" name="Elbow Connector 143"/>
+          <p:cNvCxnSpPr/>
+          <p:nvPr/>
+        </p:nvCxnSpPr>
+        <p:spPr>
+          <a:xfrm rot="5400000">
+            <a:off x="6750332" y="3600425"/>
+            <a:ext cx="193432" cy="1513399"/>
+          </a:xfrm>
+          <a:prstGeom prst="bentConnector3">
+            <a:avLst>
+              <a:gd name="adj1" fmla="val 17171"/>
+            </a:avLst>
+          </a:prstGeom>
+          <a:ln w="19050">
+            <a:solidFill>
+              <a:srgbClr val="7030A0"/>
+            </a:solidFill>
+            <a:headEnd type="none" w="med" len="med"/>
+            <a:tailEnd type="arrow" w="med" len="med"/>
+          </a:ln>
+        </p:spPr>
+        <p:style>
+          <a:lnRef idx="1">
+            <a:schemeClr val="accent1"/>
+          </a:lnRef>
+          <a:fillRef idx="0">
+            <a:schemeClr val="accent1"/>
+          </a:fillRef>
+          <a:effectRef idx="0">
+            <a:schemeClr val="accent1"/>
+          </a:effectRef>
+          <a:fontRef idx="minor">
+            <a:schemeClr val="tx1"/>
+          </a:fontRef>
+        </p:style>
+      </p:cxnSp>
+      <p:sp>
+        <p:nvSpPr>
+          <p:cNvPr id="145" name="Rectangle 8"/>
+          <p:cNvSpPr/>
+          <p:nvPr/>
+        </p:nvSpPr>
+        <p:spPr>
+          <a:xfrm>
+            <a:off x="7315200" y="3660641"/>
+            <a:ext cx="905087" cy="327156"/>
+          </a:xfrm>
+          <a:prstGeom prst="rect">
+            <a:avLst/>
+          </a:prstGeom>
+          <a:ln w="19050">
+            <a:solidFill>
+              <a:srgbClr val="7030A0"/>
+            </a:solidFill>
+          </a:ln>
+          <a:effectLst/>
+        </p:spPr>
+        <p:style>
+          <a:lnRef idx="1">
+            <a:schemeClr val="accent4"/>
+          </a:lnRef>
+          <a:fillRef idx="2">
+            <a:schemeClr val="accent4"/>
+          </a:fillRef>
+          <a:effectRef idx="1">
+            <a:schemeClr val="accent4"/>
+          </a:effectRef>
+          <a:fontRef idx="minor">
+            <a:schemeClr val="dk1"/>
+          </a:fontRef>
+        </p:style>
+        <p:txBody>
+          <a:bodyPr rtlCol="0" anchor="ctr"/>
+          <a:lstStyle/>
+          <a:p>
+            <a:pPr algn="ctr"/>
+            <a:r>
+              <a:rPr lang="en-US" sz="1050" dirty="0" smtClean="0">
+                <a:solidFill>
+                  <a:srgbClr val="7030A0"/>
+                </a:solidFill>
+              </a:rPr>
+              <a:t>OrderItem</a:t>
+            </a:r>
+            <a:endParaRPr lang="en-SG" sz="1050" dirty="0">
+              <a:solidFill>
+                <a:srgbClr val="7030A0"/>
+              </a:solidFill>
+            </a:endParaRPr>
+          </a:p>
+        </p:txBody>
+      </p:sp>
+      <p:sp>
+        <p:nvSpPr>
+          <p:cNvPr id="146" name="Flowchart: Decision 96"/>
+          <p:cNvSpPr/>
+          <p:nvPr/>
+        </p:nvSpPr>
+        <p:spPr>
+          <a:xfrm rot="5400000">
+            <a:off x="7644238" y="2545934"/>
+            <a:ext cx="236048" cy="173380"/>
+          </a:xfrm>
+          <a:prstGeom prst="flowChartDecision">
+            <a:avLst/>
+          </a:prstGeom>
+          <a:solidFill>
+            <a:srgbClr val="7030A0"/>
+          </a:solidFill>
+          <a:ln w="19050">
+            <a:solidFill>
+              <a:srgbClr val="7030A0"/>
+            </a:solidFill>
+          </a:ln>
+          <a:effectLst/>
+        </p:spPr>
+        <p:style>
+          <a:lnRef idx="1">
+            <a:schemeClr val="accent6"/>
+          </a:lnRef>
+          <a:fillRef idx="2">
+            <a:schemeClr val="accent6"/>
+          </a:fillRef>
+          <a:effectRef idx="1">
+            <a:schemeClr val="accent6"/>
+          </a:effectRef>
+          <a:fontRef idx="minor">
+            <a:schemeClr val="dk1"/>
+          </a:fontRef>
+        </p:style>
+        <p:txBody>
+          <a:bodyPr rtlCol="0" anchor="ctr"/>
+          <a:lstStyle/>
+          <a:p>
+            <a:pPr algn="ctr"/>
+            <a:endParaRPr lang="en-US" sz="1050"/>
+          </a:p>
+        </p:txBody>
+      </p:sp>
+      <p:cxnSp>
+        <p:nvCxnSpPr>
+          <p:cNvPr id="147" name="Straight Arrow Connector 146"/>
+          <p:cNvCxnSpPr/>
+          <p:nvPr/>
+        </p:nvCxnSpPr>
+        <p:spPr>
+          <a:xfrm>
+            <a:off x="7762262" y="2750648"/>
+            <a:ext cx="5482" cy="909993"/>
+          </a:xfrm>
+          <a:prstGeom prst="straightConnector1">
+            <a:avLst/>
+          </a:prstGeom>
+          <a:ln w="19050">
+            <a:solidFill>
+              <a:srgbClr val="7030A0"/>
+            </a:solidFill>
+            <a:headEnd type="none" w="med" len="med"/>
+            <a:tailEnd type="arrow" w="med" len="med"/>
+          </a:ln>
+        </p:spPr>
+        <p:style>
+          <a:lnRef idx="1">
+            <a:schemeClr val="accent1"/>
+          </a:lnRef>
+          <a:fillRef idx="0">
+            <a:schemeClr val="accent1"/>
+          </a:fillRef>
+          <a:effectRef idx="0">
+            <a:schemeClr val="accent1"/>
+          </a:effectRef>
+          <a:fontRef idx="minor">
+            <a:schemeClr val="tx1"/>
+          </a:fontRef>
+        </p:style>
+      </p:cxnSp>
+      <p:sp>
+        <p:nvSpPr>
+          <p:cNvPr id="148" name="TextBox 147"/>
+          <p:cNvSpPr txBox="1"/>
+          <p:nvPr/>
+        </p:nvSpPr>
+        <p:spPr>
+          <a:xfrm>
+            <a:off x="7777778" y="3425578"/>
+            <a:ext cx="177724" cy="216781"/>
+          </a:xfrm>
+          <a:prstGeom prst="rect">
+            <a:avLst/>
+          </a:prstGeom>
+          <a:noFill/>
+        </p:spPr>
+        <p:txBody>
+          <a:bodyPr wrap="square" lIns="0" tIns="0" rIns="0" bIns="0" rtlCol="0">
+            <a:noAutofit/>
+          </a:bodyPr>
+          <a:lstStyle/>
+          <a:p>
+            <a:pPr algn="ctr"/>
+            <a:r>
+              <a:rPr lang="en-US" sz="1100" dirty="0">
+                <a:solidFill>
+                  <a:srgbClr val="7030A0"/>
+                </a:solidFill>
+              </a:rPr>
+              <a:t>*</a:t>
+            </a:r>
+            <a:endParaRPr lang="en-SG" sz="1100" dirty="0">
+              <a:solidFill>
+                <a:srgbClr val="7030A0"/>
+              </a:solidFill>
+            </a:endParaRPr>
+          </a:p>
+        </p:txBody>
+      </p:sp>
+      <p:sp>
+        <p:nvSpPr>
+          <p:cNvPr id="149" name="Flowchart: Decision 96"/>
+          <p:cNvSpPr/>
+          <p:nvPr/>
+        </p:nvSpPr>
+        <p:spPr>
+          <a:xfrm rot="5400000">
+            <a:off x="7935444" y="4055695"/>
+            <a:ext cx="236048" cy="173380"/>
+          </a:xfrm>
+          <a:prstGeom prst="flowChartDecision">
+            <a:avLst/>
+          </a:prstGeom>
+          <a:solidFill>
+            <a:srgbClr val="7030A0"/>
+          </a:solidFill>
+          <a:ln w="19050">
+            <a:solidFill>
+              <a:srgbClr val="7030A0"/>
+            </a:solidFill>
+          </a:ln>
+          <a:effectLst/>
+        </p:spPr>
+        <p:style>
+          <a:lnRef idx="1">
+            <a:schemeClr val="accent6"/>
+          </a:lnRef>
+          <a:fillRef idx="2">
+            <a:schemeClr val="accent6"/>
+          </a:fillRef>
+          <a:effectRef idx="1">
+            <a:schemeClr val="accent6"/>
+          </a:effectRef>
+          <a:fontRef idx="minor">
+            <a:schemeClr val="dk1"/>
+          </a:fontRef>
+        </p:style>
+        <p:txBody>
+          <a:bodyPr rtlCol="0" anchor="ctr"/>
+          <a:lstStyle/>
+          <a:p>
+            <a:pPr algn="ctr"/>
+            <a:endParaRPr lang="en-US" sz="1050"/>
+          </a:p>
+        </p:txBody>
+      </p:sp>
+      <p:sp>
+        <p:nvSpPr>
+          <p:cNvPr id="150" name="TextBox 149"/>
+          <p:cNvSpPr txBox="1"/>
+          <p:nvPr/>
+        </p:nvSpPr>
+        <p:spPr>
+          <a:xfrm>
+            <a:off x="5909030" y="4158692"/>
+            <a:ext cx="189257" cy="178683"/>
+          </a:xfrm>
+          <a:prstGeom prst="rect">
+            <a:avLst/>
+          </a:prstGeom>
+          <a:noFill/>
+        </p:spPr>
+        <p:txBody>
+          <a:bodyPr wrap="square" lIns="0" tIns="0" rIns="0" bIns="0" rtlCol="0">
+            <a:noAutofit/>
+          </a:bodyPr>
+          <a:lstStyle/>
+          <a:p>
+            <a:pPr algn="ctr"/>
+            <a:r>
+              <a:rPr lang="en-US" sz="1100" dirty="0">
+                <a:solidFill>
+                  <a:srgbClr val="7030A0"/>
+                </a:solidFill>
+              </a:rPr>
+              <a:t>1</a:t>
+            </a:r>
+            <a:endParaRPr lang="en-SG" sz="1100" dirty="0">
+              <a:solidFill>
+                <a:srgbClr val="7030A0"/>
+              </a:solidFill>
+            </a:endParaRPr>
+          </a:p>
+        </p:txBody>
+      </p:sp>
+      <p:sp>
+        <p:nvSpPr>
+          <p:cNvPr id="151" name="Rectangle 8"/>
+          <p:cNvSpPr/>
+          <p:nvPr/>
+        </p:nvSpPr>
+        <p:spPr>
+          <a:xfrm>
+            <a:off x="7865484" y="4464573"/>
+            <a:ext cx="821316" cy="333578"/>
+          </a:xfrm>
+          <a:prstGeom prst="rect">
+            <a:avLst/>
+          </a:prstGeom>
+          <a:ln w="19050">
+            <a:solidFill>
+              <a:srgbClr val="7030A0"/>
+            </a:solidFill>
+          </a:ln>
+          <a:effectLst/>
+        </p:spPr>
+        <p:style>
+          <a:lnRef idx="1">
+            <a:schemeClr val="accent4"/>
+          </a:lnRef>
+          <a:fillRef idx="2">
+            <a:schemeClr val="accent4"/>
+          </a:fillRef>
+          <a:effectRef idx="1">
+            <a:schemeClr val="accent4"/>
+          </a:effectRef>
+          <a:fontRef idx="minor">
+            <a:schemeClr val="dk1"/>
+          </a:fontRef>
+        </p:style>
+        <p:txBody>
+          <a:bodyPr rtlCol="0" anchor="ctr"/>
+          <a:lstStyle/>
+          <a:p>
+            <a:pPr algn="ctr"/>
+            <a:r>
+              <a:rPr lang="en-US" sz="1050" smtClean="0">
+                <a:solidFill>
+                  <a:srgbClr val="7030A0"/>
+                </a:solidFill>
+              </a:rPr>
+              <a:t>ItemStatus</a:t>
+            </a:r>
+            <a:endParaRPr lang="en-SG" sz="1050" dirty="0">
+              <a:solidFill>
+                <a:srgbClr val="7030A0"/>
+              </a:solidFill>
+            </a:endParaRPr>
+          </a:p>
+        </p:txBody>
+      </p:sp>
+      <p:sp>
+        <p:nvSpPr>
+          <p:cNvPr id="152" name="Rectangle 8"/>
+          <p:cNvSpPr/>
+          <p:nvPr/>
+        </p:nvSpPr>
+        <p:spPr>
+          <a:xfrm>
+            <a:off x="3843242" y="3674974"/>
+            <a:ext cx="1156969" cy="349387"/>
+          </a:xfrm>
+          <a:prstGeom prst="rect">
+            <a:avLst/>
+          </a:prstGeom>
+          <a:ln w="19050">
+            <a:solidFill>
+              <a:srgbClr val="7030A0"/>
+            </a:solidFill>
+          </a:ln>
+          <a:effectLst/>
+        </p:spPr>
+        <p:style>
+          <a:lnRef idx="1">
+            <a:schemeClr val="accent4"/>
+          </a:lnRef>
+          <a:fillRef idx="2">
+            <a:schemeClr val="accent4"/>
+          </a:fillRef>
+          <a:effectRef idx="1">
+            <a:schemeClr val="accent4"/>
+          </a:effectRef>
+          <a:fontRef idx="minor">
+            <a:schemeClr val="dk1"/>
+          </a:fontRef>
+        </p:style>
+        <p:txBody>
+          <a:bodyPr rtlCol="0" anchor="ctr"/>
+          <a:lstStyle/>
+          <a:p>
+            <a:pPr algn="ctr"/>
+            <a:r>
+              <a:rPr lang="en-US" sz="1050" dirty="0" smtClean="0">
+                <a:solidFill>
+                  <a:srgbClr val="7030A0"/>
+                </a:solidFill>
+              </a:rPr>
+              <a:t>Statistics</a:t>
+            </a:r>
+            <a:endParaRPr lang="en-SG" sz="1050" dirty="0">
+              <a:solidFill>
+                <a:srgbClr val="7030A0"/>
+              </a:solidFill>
+            </a:endParaRPr>
+          </a:p>
+        </p:txBody>
+      </p:sp>
+      <p:cxnSp>
+        <p:nvCxnSpPr>
+          <p:cNvPr id="153" name="Elbow Connector 152"/>
+          <p:cNvCxnSpPr>
+            <a:stCxn id="139" idx="3"/>
+          </p:cNvCxnSpPr>
+          <p:nvPr/>
+        </p:nvCxnSpPr>
+        <p:spPr>
+          <a:xfrm>
+            <a:off x="3727129" y="3007222"/>
+            <a:ext cx="116113" cy="842446"/>
+          </a:xfrm>
+          <a:prstGeom prst="bentConnector3">
+            <a:avLst>
+              <a:gd name="adj1" fmla="val -103126"/>
+            </a:avLst>
+          </a:prstGeom>
+          <a:ln w="19050">
+            <a:solidFill>
+              <a:srgbClr val="7030A0"/>
+            </a:solidFill>
+            <a:headEnd type="none" w="med" len="med"/>
+            <a:tailEnd type="arrow" w="med" len="med"/>
+          </a:ln>
+        </p:spPr>
+        <p:style>
+          <a:lnRef idx="1">
+            <a:schemeClr val="accent1"/>
+          </a:lnRef>
+          <a:fillRef idx="0">
+            <a:schemeClr val="accent1"/>
+          </a:fillRef>
+          <a:effectRef idx="0">
+            <a:schemeClr val="accent1"/>
+          </a:effectRef>
+          <a:fontRef idx="minor">
+            <a:schemeClr val="tx1"/>
+          </a:fontRef>
+        </p:style>
+      </p:cxnSp>
+      <p:cxnSp>
+        <p:nvCxnSpPr>
+          <p:cNvPr id="154" name="Elbow Connector 153"/>
+          <p:cNvCxnSpPr/>
+          <p:nvPr/>
+        </p:nvCxnSpPr>
+        <p:spPr>
+          <a:xfrm rot="16200000" flipH="1">
+            <a:off x="8062723" y="4251154"/>
+            <a:ext cx="204164" cy="222674"/>
+          </a:xfrm>
+          <a:prstGeom prst="bentConnector3">
+            <a:avLst>
+              <a:gd name="adj1" fmla="val 18898"/>
+            </a:avLst>
+          </a:prstGeom>
+          <a:ln w="19050">
+            <a:solidFill>
+              <a:srgbClr val="7030A0"/>
+            </a:solidFill>
+            <a:headEnd type="none" w="med" len="med"/>
+            <a:tailEnd type="arrow" w="med" len="med"/>
+          </a:ln>
+        </p:spPr>
+        <p:style>
+          <a:lnRef idx="1">
+            <a:schemeClr val="accent1"/>
+          </a:lnRef>
+          <a:fillRef idx="0">
+            <a:schemeClr val="accent1"/>
+          </a:fillRef>
+          <a:effectRef idx="0">
+            <a:schemeClr val="accent1"/>
+          </a:effectRef>
+          <a:fontRef idx="minor">
+            <a:schemeClr val="tx1"/>
+          </a:fontRef>
+        </p:style>
+      </p:cxnSp>
+      <p:sp>
+        <p:nvSpPr>
+          <p:cNvPr id="155" name="TextBox 154"/>
+          <p:cNvSpPr txBox="1"/>
+          <p:nvPr/>
+        </p:nvSpPr>
+        <p:spPr>
+          <a:xfrm>
+            <a:off x="8277155" y="4183807"/>
+            <a:ext cx="189257" cy="178683"/>
+          </a:xfrm>
+          <a:prstGeom prst="rect">
+            <a:avLst/>
+          </a:prstGeom>
+          <a:noFill/>
+        </p:spPr>
+        <p:txBody>
+          <a:bodyPr wrap="square" lIns="0" tIns="0" rIns="0" bIns="0" rtlCol="0">
+            <a:noAutofit/>
+          </a:bodyPr>
+          <a:lstStyle/>
+          <a:p>
+            <a:pPr algn="ctr"/>
+            <a:r>
+              <a:rPr lang="en-US" sz="1100" dirty="0">
+                <a:solidFill>
+                  <a:srgbClr val="7030A0"/>
+                </a:solidFill>
+              </a:rPr>
+              <a:t>1</a:t>
+            </a:r>
+            <a:endParaRPr lang="en-SG" sz="1100" dirty="0">
+              <a:solidFill>
+                <a:srgbClr val="7030A0"/>
+              </a:solidFill>
+            </a:endParaRPr>
+          </a:p>
+        </p:txBody>
+      </p:sp>
+      <p:sp>
+        <p:nvSpPr>
+          <p:cNvPr id="156" name="TextBox 155"/>
+          <p:cNvSpPr txBox="1"/>
+          <p:nvPr/>
+        </p:nvSpPr>
+        <p:spPr>
+          <a:xfrm>
+            <a:off x="6697363" y="2092411"/>
+            <a:ext cx="189257" cy="178683"/>
+          </a:xfrm>
+          <a:prstGeom prst="rect">
+            <a:avLst/>
+          </a:prstGeom>
+          <a:noFill/>
+        </p:spPr>
+        <p:txBody>
+          <a:bodyPr wrap="square" lIns="0" tIns="0" rIns="0" bIns="0" rtlCol="0">
+            <a:noAutofit/>
+          </a:bodyPr>
+          <a:lstStyle/>
+          <a:p>
+            <a:pPr algn="ctr"/>
+            <a:r>
+              <a:rPr lang="en-US" sz="1100" dirty="0">
+                <a:solidFill>
+                  <a:srgbClr val="7030A0"/>
+                </a:solidFill>
+              </a:rPr>
+              <a:t>1</a:t>
+            </a:r>
+            <a:endParaRPr lang="en-SG" sz="1100" dirty="0">
+              <a:solidFill>
+                <a:srgbClr val="7030A0"/>
+              </a:solidFill>
+            </a:endParaRPr>
+          </a:p>
+        </p:txBody>
+      </p:sp>
+      <p:sp>
+        <p:nvSpPr>
+          <p:cNvPr id="157" name="Rectangle 8"/>
+          <p:cNvSpPr/>
+          <p:nvPr/>
+        </p:nvSpPr>
+        <p:spPr>
+          <a:xfrm>
+            <a:off x="5545317" y="3684775"/>
+            <a:ext cx="593737" cy="327156"/>
+          </a:xfrm>
+          <a:prstGeom prst="rect">
+            <a:avLst/>
+          </a:prstGeom>
+          <a:ln w="19050">
+            <a:solidFill>
+              <a:srgbClr val="7030A0"/>
+            </a:solidFill>
+          </a:ln>
+          <a:effectLst/>
+        </p:spPr>
+        <p:style>
+          <a:lnRef idx="1">
+            <a:schemeClr val="accent4"/>
+          </a:lnRef>
+          <a:fillRef idx="2">
+            <a:schemeClr val="accent4"/>
+          </a:fillRef>
+          <a:effectRef idx="1">
+            <a:schemeClr val="accent4"/>
+          </a:effectRef>
+          <a:fontRef idx="minor">
+            <a:schemeClr val="dk1"/>
+          </a:fontRef>
+        </p:style>
+        <p:txBody>
+          <a:bodyPr rtlCol="0" anchor="ctr"/>
+          <a:lstStyle/>
+          <a:p>
+            <a:pPr algn="ctr"/>
+            <a:r>
+              <a:rPr lang="en-US" sz="1050" smtClean="0">
+                <a:solidFill>
+                  <a:srgbClr val="7030A0"/>
+                </a:solidFill>
+              </a:rPr>
+              <a:t>Bill</a:t>
+            </a:r>
+            <a:endParaRPr lang="en-SG" sz="1050" dirty="0">
+              <a:solidFill>
+                <a:srgbClr val="7030A0"/>
+              </a:solidFill>
+            </a:endParaRPr>
+          </a:p>
+        </p:txBody>
+      </p:sp>
+      <p:sp>
+        <p:nvSpPr>
+          <p:cNvPr id="158" name="TextBox 157"/>
+          <p:cNvSpPr txBox="1"/>
+          <p:nvPr/>
+        </p:nvSpPr>
+        <p:spPr>
+          <a:xfrm>
+            <a:off x="5864875" y="3221417"/>
+            <a:ext cx="169560" cy="208512"/>
+          </a:xfrm>
+          <a:prstGeom prst="rect">
+            <a:avLst/>
+          </a:prstGeom>
+          <a:noFill/>
+        </p:spPr>
+        <p:txBody>
+          <a:bodyPr wrap="square" lIns="0" tIns="0" rIns="0" bIns="0" rtlCol="0">
+            <a:noAutofit/>
+          </a:bodyPr>
+          <a:lstStyle/>
+          <a:p>
+            <a:pPr algn="ctr"/>
+            <a:r>
+              <a:rPr lang="en-US" sz="1100" dirty="0">
+                <a:solidFill>
+                  <a:srgbClr val="7030A0"/>
+                </a:solidFill>
+              </a:rPr>
+              <a:t>1</a:t>
+            </a:r>
+            <a:endParaRPr lang="en-SG" sz="1100" dirty="0">
+              <a:solidFill>
+                <a:srgbClr val="7030A0"/>
+              </a:solidFill>
+            </a:endParaRPr>
+          </a:p>
+        </p:txBody>
+      </p:sp>
+      <p:sp>
+        <p:nvSpPr>
+          <p:cNvPr id="159" name="Flowchart: Decision 96"/>
+          <p:cNvSpPr/>
+          <p:nvPr/>
+        </p:nvSpPr>
+        <p:spPr>
+          <a:xfrm rot="5400000">
+            <a:off x="5716224" y="3470260"/>
+            <a:ext cx="236048" cy="173380"/>
+          </a:xfrm>
+          <a:prstGeom prst="flowChartDecision">
+            <a:avLst/>
+          </a:prstGeom>
+          <a:noFill/>
+          <a:ln w="19050">
+            <a:solidFill>
+              <a:srgbClr val="7030A0"/>
+            </a:solidFill>
+          </a:ln>
+          <a:effectLst/>
+        </p:spPr>
+        <p:style>
+          <a:lnRef idx="1">
+            <a:schemeClr val="accent6"/>
+          </a:lnRef>
+          <a:fillRef idx="2">
+            <a:schemeClr val="accent6"/>
+          </a:fillRef>
+          <a:effectRef idx="1">
+            <a:schemeClr val="accent6"/>
+          </a:effectRef>
+          <a:fontRef idx="minor">
+            <a:schemeClr val="dk1"/>
+          </a:fontRef>
+        </p:style>
+        <p:txBody>
+          <a:bodyPr rtlCol="0" anchor="ctr"/>
+          <a:lstStyle/>
+          <a:p>
+            <a:pPr algn="ctr"/>
+            <a:endParaRPr lang="en-US" sz="1050"/>
+          </a:p>
+        </p:txBody>
+      </p:sp>
+      <p:cxnSp>
+        <p:nvCxnSpPr>
+          <p:cNvPr id="160" name="Elbow Connector 159"/>
+          <p:cNvCxnSpPr>
+            <a:endCxn id="150" idx="2"/>
+          </p:cNvCxnSpPr>
+          <p:nvPr/>
+        </p:nvCxnSpPr>
+        <p:spPr>
+          <a:xfrm rot="16200000" flipV="1">
+            <a:off x="5717014" y="3321691"/>
+            <a:ext cx="234100" cy="369"/>
+          </a:xfrm>
+          <a:prstGeom prst="bentConnector3">
+            <a:avLst>
+              <a:gd name="adj1" fmla="val 50000"/>
+            </a:avLst>
+          </a:prstGeom>
+          <a:ln w="19050">
+            <a:solidFill>
+              <a:srgbClr val="7030A0"/>
+            </a:solidFill>
+            <a:headEnd type="none" w="med" len="med"/>
+            <a:tailEnd type="arrow" w="med" len="med"/>
+          </a:ln>
+        </p:spPr>
+        <p:style>
+          <a:lnRef idx="1">
+            <a:schemeClr val="accent1"/>
+          </a:lnRef>
+          <a:fillRef idx="0">
+            <a:schemeClr val="accent1"/>
+          </a:fillRef>
+          <a:effectRef idx="0">
+            <a:schemeClr val="accent1"/>
+          </a:effectRef>
+          <a:fontRef idx="minor">
+            <a:schemeClr val="tx1"/>
+          </a:fontRef>
+        </p:style>
+      </p:cxnSp>
+      <p:cxnSp>
+        <p:nvCxnSpPr>
+          <p:cNvPr id="161" name="Straight Arrow Connector 160"/>
+          <p:cNvCxnSpPr/>
+          <p:nvPr/>
+        </p:nvCxnSpPr>
+        <p:spPr>
+          <a:xfrm flipV="1">
+            <a:off x="5000211" y="3848353"/>
+            <a:ext cx="545106" cy="1315"/>
+          </a:xfrm>
+          <a:prstGeom prst="straightConnector1">
+            <a:avLst/>
+          </a:prstGeom>
+          <a:ln w="19050">
+            <a:solidFill>
+              <a:srgbClr val="7030A0"/>
+            </a:solidFill>
+            <a:prstDash val="sysDash"/>
+            <a:headEnd type="none" w="med" len="med"/>
+            <a:tailEnd type="arrow" w="med" len="med"/>
+          </a:ln>
+        </p:spPr>
+        <p:style>
+          <a:lnRef idx="1">
+            <a:schemeClr val="accent1"/>
+          </a:lnRef>
+          <a:fillRef idx="0">
+            <a:schemeClr val="accent1"/>
+          </a:fillRef>
+          <a:effectRef idx="0">
+            <a:schemeClr val="accent1"/>
+          </a:effectRef>
+          <a:fontRef idx="minor">
+            <a:schemeClr val="tx1"/>
+          </a:fontRef>
+        </p:style>
+      </p:cxnSp>
+    </p:spTree>
+    <p:extLst>
+      <p:ext uri="{BB962C8B-B14F-4D97-AF65-F5344CB8AC3E}">
+        <p14:creationId xmlns:p14="http://schemas.microsoft.com/office/powerpoint/2010/main" val="936340165"/>
       </p:ext>
     </p:extLst>
   </p:cSld>

--- a/docs/diagrams/ModelComponentClassDiagram.pptx
+++ b/docs/diagrams/ModelComponentClassDiagram.pptx
@@ -208,7 +208,7 @@
           <a:p>
             <a:fld id="{F5CC4B3F-88C1-4FFA-B1B6-F41C21DC6924}" type="datetimeFigureOut">
               <a:rPr lang="en-US" smtClean="0"/>
-              <a:t>12/5/2018</a:t>
+              <a:t>3/4/2019</a:t>
             </a:fld>
             <a:endParaRPr lang="en-US"/>
           </a:p>
@@ -654,7 +654,7 @@
           <a:p>
             <a:fld id="{78C97017-6FC3-485B-9764-EAC9E56C1D49}" type="datetimeFigureOut">
               <a:rPr lang="en-US" smtClean="0"/>
-              <a:t>12/5/2018</a:t>
+              <a:t>3/4/2019</a:t>
             </a:fld>
             <a:endParaRPr lang="en-US"/>
           </a:p>
@@ -822,7 +822,7 @@
           <a:p>
             <a:fld id="{78C97017-6FC3-485B-9764-EAC9E56C1D49}" type="datetimeFigureOut">
               <a:rPr lang="en-US" smtClean="0"/>
-              <a:t>12/5/2018</a:t>
+              <a:t>3/4/2019</a:t>
             </a:fld>
             <a:endParaRPr lang="en-US"/>
           </a:p>
@@ -1000,7 +1000,7 @@
           <a:p>
             <a:fld id="{78C97017-6FC3-485B-9764-EAC9E56C1D49}" type="datetimeFigureOut">
               <a:rPr lang="en-US" smtClean="0"/>
-              <a:t>12/5/2018</a:t>
+              <a:t>3/4/2019</a:t>
             </a:fld>
             <a:endParaRPr lang="en-US"/>
           </a:p>
@@ -1168,7 +1168,7 @@
           <a:p>
             <a:fld id="{78C97017-6FC3-485B-9764-EAC9E56C1D49}" type="datetimeFigureOut">
               <a:rPr lang="en-US" smtClean="0"/>
-              <a:t>12/5/2018</a:t>
+              <a:t>3/4/2019</a:t>
             </a:fld>
             <a:endParaRPr lang="en-US"/>
           </a:p>
@@ -1413,7 +1413,7 @@
           <a:p>
             <a:fld id="{78C97017-6FC3-485B-9764-EAC9E56C1D49}" type="datetimeFigureOut">
               <a:rPr lang="en-US" smtClean="0"/>
-              <a:t>12/5/2018</a:t>
+              <a:t>3/4/2019</a:t>
             </a:fld>
             <a:endParaRPr lang="en-US"/>
           </a:p>
@@ -1698,7 +1698,7 @@
           <a:p>
             <a:fld id="{78C97017-6FC3-485B-9764-EAC9E56C1D49}" type="datetimeFigureOut">
               <a:rPr lang="en-US" smtClean="0"/>
-              <a:t>12/5/2018</a:t>
+              <a:t>3/4/2019</a:t>
             </a:fld>
             <a:endParaRPr lang="en-US"/>
           </a:p>
@@ -2117,7 +2117,7 @@
           <a:p>
             <a:fld id="{78C97017-6FC3-485B-9764-EAC9E56C1D49}" type="datetimeFigureOut">
               <a:rPr lang="en-US" smtClean="0"/>
-              <a:t>12/5/2018</a:t>
+              <a:t>3/4/2019</a:t>
             </a:fld>
             <a:endParaRPr lang="en-US"/>
           </a:p>
@@ -2234,7 +2234,7 @@
           <a:p>
             <a:fld id="{78C97017-6FC3-485B-9764-EAC9E56C1D49}" type="datetimeFigureOut">
               <a:rPr lang="en-US" smtClean="0"/>
-              <a:t>12/5/2018</a:t>
+              <a:t>3/4/2019</a:t>
             </a:fld>
             <a:endParaRPr lang="en-US"/>
           </a:p>
@@ -2329,7 +2329,7 @@
           <a:p>
             <a:fld id="{78C97017-6FC3-485B-9764-EAC9E56C1D49}" type="datetimeFigureOut">
               <a:rPr lang="en-US" smtClean="0"/>
-              <a:t>12/5/2018</a:t>
+              <a:t>3/4/2019</a:t>
             </a:fld>
             <a:endParaRPr lang="en-US"/>
           </a:p>
@@ -2604,7 +2604,7 @@
           <a:p>
             <a:fld id="{78C97017-6FC3-485B-9764-EAC9E56C1D49}" type="datetimeFigureOut">
               <a:rPr lang="en-US" smtClean="0"/>
-              <a:t>12/5/2018</a:t>
+              <a:t>3/4/2019</a:t>
             </a:fld>
             <a:endParaRPr lang="en-US"/>
           </a:p>
@@ -2856,7 +2856,7 @@
           <a:p>
             <a:fld id="{78C97017-6FC3-485B-9764-EAC9E56C1D49}" type="datetimeFigureOut">
               <a:rPr lang="en-US" smtClean="0"/>
-              <a:t>12/5/2018</a:t>
+              <a:t>3/4/2019</a:t>
             </a:fld>
             <a:endParaRPr lang="en-US"/>
           </a:p>
@@ -3067,7 +3067,7 @@
           <a:p>
             <a:fld id="{78C97017-6FC3-485B-9764-EAC9E56C1D49}" type="datetimeFigureOut">
               <a:rPr lang="en-US" smtClean="0"/>
-              <a:t>12/5/2018</a:t>
+              <a:t>3/4/2019</a:t>
             </a:fld>
             <a:endParaRPr lang="en-US"/>
           </a:p>
@@ -3997,7 +3997,7 @@
                   <a:srgbClr val="7030A0"/>
                 </a:solidFill>
               </a:rPr>
-              <a:t>VersionedAddressBook</a:t>
+              <a:t>VersionedBookShelf</a:t>
             </a:r>
             <a:endParaRPr lang="en-SG" sz="1050" dirty="0">
               <a:solidFill>
@@ -4139,7 +4139,7 @@
                   <a:srgbClr val="7030A0"/>
                 </a:solidFill>
               </a:rPr>
-              <a:t>UniquePersonList</a:t>
+              <a:t>UniqueBookList</a:t>
             </a:r>
             <a:endParaRPr lang="en-SG" sz="1050" dirty="0">
               <a:solidFill>
@@ -4242,7 +4242,7 @@
                   <a:srgbClr val="7030A0"/>
                 </a:solidFill>
               </a:rPr>
-              <a:t>Person</a:t>
+              <a:t>Book</a:t>
             </a:r>
             <a:endParaRPr lang="en-SG" sz="1050" dirty="0">
               <a:solidFill>
@@ -4527,7 +4527,7 @@
                   <a:srgbClr val="7030A0"/>
                 </a:solidFill>
               </a:rPr>
-              <a:t>Phone</a:t>
+              <a:t>Author</a:t>
             </a:r>
             <a:endParaRPr lang="en-SG" sz="1050" dirty="0">
               <a:solidFill>
@@ -4624,7 +4624,7 @@
                   <a:srgbClr val="7030A0"/>
                 </a:solidFill>
               </a:rPr>
-              <a:t>Email</a:t>
+              <a:t>Rating</a:t>
             </a:r>
             <a:endParaRPr lang="en-SG" sz="1050" dirty="0">
               <a:solidFill>
@@ -4683,8 +4683,8 @@
         </p:nvSpPr>
         <p:spPr>
           <a:xfrm>
-            <a:off x="7712397" y="3533171"/>
-            <a:ext cx="708186" cy="285783"/>
+            <a:off x="7712396" y="3533171"/>
+            <a:ext cx="812519" cy="285783"/>
           </a:xfrm>
           <a:prstGeom prst="rect">
             <a:avLst/>
@@ -4716,12 +4716,12 @@
           <a:p>
             <a:pPr algn="ctr"/>
             <a:r>
-              <a:rPr lang="en-US" sz="1050" dirty="0">
+              <a:rPr lang="en-US" sz="1050" dirty="0" err="1">
                 <a:solidFill>
                   <a:srgbClr val="7030A0"/>
                 </a:solidFill>
               </a:rPr>
-              <a:t>Address</a:t>
+              <a:t>ReviewList</a:t>
             </a:r>
             <a:endParaRPr lang="en-SG" sz="1050" dirty="0">
               <a:solidFill>
@@ -4735,6 +4735,7 @@
         <p:nvCxnSpPr>
           <p:cNvPr id="86" name="Elbow Connector 85"/>
           <p:cNvCxnSpPr>
+            <a:cxnSpLocks/>
             <a:stCxn id="78" idx="3"/>
             <a:endCxn id="85" idx="1"/>
           </p:cNvCxnSpPr>
@@ -4743,7 +4744,7 @@
         <p:spPr>
           <a:xfrm>
             <a:off x="7277995" y="3034891"/>
-            <a:ext cx="434402" cy="641172"/>
+            <a:ext cx="434401" cy="641172"/>
           </a:xfrm>
           <a:prstGeom prst="bentConnector3">
             <a:avLst/>
@@ -4931,7 +4932,7 @@
                   <a:srgbClr val="7030A0"/>
                 </a:solidFill>
               </a:rPr>
-              <a:t>ReadOnlyAddressBook</a:t>
+              <a:t>ReadOnlyBookShelf</a:t>
             </a:r>
             <a:endParaRPr lang="en-SG" sz="1050" dirty="0">
               <a:solidFill>
@@ -5029,7 +5030,7 @@
               <a:t>&lt;&lt;interface&gt;&gt;</a:t>
             </a:r>
             <a:br>
-              <a:rPr lang="en-US" sz="1050">
+              <a:rPr lang="en-US" sz="1050" dirty="0">
                 <a:solidFill>
                   <a:srgbClr val="7030A0"/>
                 </a:solidFill>
@@ -5491,7 +5492,7 @@
                   <a:srgbClr val="7030A0"/>
                 </a:solidFill>
               </a:rPr>
-              <a:t>AddressBook</a:t>
+              <a:t>BookShelf</a:t>
             </a:r>
             <a:endParaRPr lang="en-SG" sz="1050" dirty="0">
               <a:solidFill>

--- a/docs/diagrams/ModelComponentClassDiagram.pptx
+++ b/docs/diagrams/ModelComponentClassDiagram.pptx
@@ -208,7 +208,7 @@
           <a:p>
             <a:fld id="{F5CC4B3F-88C1-4FFA-B1B6-F41C21DC6924}" type="datetimeFigureOut">
               <a:rPr lang="en-US" smtClean="0"/>
-              <a:t>12/5/2018</a:t>
+              <a:t>3/5/19</a:t>
             </a:fld>
             <a:endParaRPr lang="en-US"/>
           </a:p>
@@ -654,7 +654,7 @@
           <a:p>
             <a:fld id="{78C97017-6FC3-485B-9764-EAC9E56C1D49}" type="datetimeFigureOut">
               <a:rPr lang="en-US" smtClean="0"/>
-              <a:t>12/5/2018</a:t>
+              <a:t>3/5/19</a:t>
             </a:fld>
             <a:endParaRPr lang="en-US"/>
           </a:p>
@@ -822,7 +822,7 @@
           <a:p>
             <a:fld id="{78C97017-6FC3-485B-9764-EAC9E56C1D49}" type="datetimeFigureOut">
               <a:rPr lang="en-US" smtClean="0"/>
-              <a:t>12/5/2018</a:t>
+              <a:t>3/5/19</a:t>
             </a:fld>
             <a:endParaRPr lang="en-US"/>
           </a:p>
@@ -1000,7 +1000,7 @@
           <a:p>
             <a:fld id="{78C97017-6FC3-485B-9764-EAC9E56C1D49}" type="datetimeFigureOut">
               <a:rPr lang="en-US" smtClean="0"/>
-              <a:t>12/5/2018</a:t>
+              <a:t>3/5/19</a:t>
             </a:fld>
             <a:endParaRPr lang="en-US"/>
           </a:p>
@@ -1168,7 +1168,7 @@
           <a:p>
             <a:fld id="{78C97017-6FC3-485B-9764-EAC9E56C1D49}" type="datetimeFigureOut">
               <a:rPr lang="en-US" smtClean="0"/>
-              <a:t>12/5/2018</a:t>
+              <a:t>3/5/19</a:t>
             </a:fld>
             <a:endParaRPr lang="en-US"/>
           </a:p>
@@ -1413,7 +1413,7 @@
           <a:p>
             <a:fld id="{78C97017-6FC3-485B-9764-EAC9E56C1D49}" type="datetimeFigureOut">
               <a:rPr lang="en-US" smtClean="0"/>
-              <a:t>12/5/2018</a:t>
+              <a:t>3/5/19</a:t>
             </a:fld>
             <a:endParaRPr lang="en-US"/>
           </a:p>
@@ -1698,7 +1698,7 @@
           <a:p>
             <a:fld id="{78C97017-6FC3-485B-9764-EAC9E56C1D49}" type="datetimeFigureOut">
               <a:rPr lang="en-US" smtClean="0"/>
-              <a:t>12/5/2018</a:t>
+              <a:t>3/5/19</a:t>
             </a:fld>
             <a:endParaRPr lang="en-US"/>
           </a:p>
@@ -2117,7 +2117,7 @@
           <a:p>
             <a:fld id="{78C97017-6FC3-485B-9764-EAC9E56C1D49}" type="datetimeFigureOut">
               <a:rPr lang="en-US" smtClean="0"/>
-              <a:t>12/5/2018</a:t>
+              <a:t>3/5/19</a:t>
             </a:fld>
             <a:endParaRPr lang="en-US"/>
           </a:p>
@@ -2234,7 +2234,7 @@
           <a:p>
             <a:fld id="{78C97017-6FC3-485B-9764-EAC9E56C1D49}" type="datetimeFigureOut">
               <a:rPr lang="en-US" smtClean="0"/>
-              <a:t>12/5/2018</a:t>
+              <a:t>3/5/19</a:t>
             </a:fld>
             <a:endParaRPr lang="en-US"/>
           </a:p>
@@ -2329,7 +2329,7 @@
           <a:p>
             <a:fld id="{78C97017-6FC3-485B-9764-EAC9E56C1D49}" type="datetimeFigureOut">
               <a:rPr lang="en-US" smtClean="0"/>
-              <a:t>12/5/2018</a:t>
+              <a:t>3/5/19</a:t>
             </a:fld>
             <a:endParaRPr lang="en-US"/>
           </a:p>
@@ -2604,7 +2604,7 @@
           <a:p>
             <a:fld id="{78C97017-6FC3-485B-9764-EAC9E56C1D49}" type="datetimeFigureOut">
               <a:rPr lang="en-US" smtClean="0"/>
-              <a:t>12/5/2018</a:t>
+              <a:t>3/5/19</a:t>
             </a:fld>
             <a:endParaRPr lang="en-US"/>
           </a:p>
@@ -2856,7 +2856,7 @@
           <a:p>
             <a:fld id="{78C97017-6FC3-485B-9764-EAC9E56C1D49}" type="datetimeFigureOut">
               <a:rPr lang="en-US" smtClean="0"/>
-              <a:t>12/5/2018</a:t>
+              <a:t>3/5/19</a:t>
             </a:fld>
             <a:endParaRPr lang="en-US"/>
           </a:p>
@@ -3067,7 +3067,7 @@
           <a:p>
             <a:fld id="{78C97017-6FC3-485B-9764-EAC9E56C1D49}" type="datetimeFigureOut">
               <a:rPr lang="en-US" smtClean="0"/>
-              <a:t>12/5/2018</a:t>
+              <a:t>3/5/19</a:t>
             </a:fld>
             <a:endParaRPr lang="en-US"/>
           </a:p>
@@ -4237,14 +4237,14 @@
           <a:p>
             <a:pPr algn="ctr"/>
             <a:r>
-              <a:rPr lang="en-US" sz="1050" dirty="0">
+              <a:rPr lang="en-US" sz="1030" dirty="0">
                 <a:solidFill>
                   <a:srgbClr val="7030A0"/>
                 </a:solidFill>
               </a:rPr>
-              <a:t>Person</a:t>
-            </a:r>
-            <a:endParaRPr lang="en-SG" sz="1050" dirty="0">
+              <a:t>Customer</a:t>
+            </a:r>
+            <a:endParaRPr lang="en-SG" sz="1030" dirty="0">
               <a:solidFill>
                 <a:srgbClr val="7030A0"/>
               </a:solidFill>
@@ -4301,6 +4301,7 @@
         <p:nvCxnSpPr>
           <p:cNvPr id="64" name="Elbow Connector 63"/>
           <p:cNvCxnSpPr>
+            <a:cxnSpLocks/>
             <a:stCxn id="63" idx="3"/>
             <a:endCxn id="62" idx="1"/>
           </p:cNvCxnSpPr>

--- a/docs/diagrams/ModelComponentClassDiagram.pptx
+++ b/docs/diagrams/ModelComponentClassDiagram.pptx
@@ -208,7 +208,7 @@
           <a:p>
             <a:fld id="{F5CC4B3F-88C1-4FFA-B1B6-F41C21DC6924}" type="datetimeFigureOut">
               <a:rPr lang="en-US" smtClean="0"/>
-              <a:t>12/5/2018</a:t>
+              <a:t>3/6/19</a:t>
             </a:fld>
             <a:endParaRPr lang="en-US"/>
           </a:p>
@@ -654,7 +654,7 @@
           <a:p>
             <a:fld id="{78C97017-6FC3-485B-9764-EAC9E56C1D49}" type="datetimeFigureOut">
               <a:rPr lang="en-US" smtClean="0"/>
-              <a:t>12/5/2018</a:t>
+              <a:t>3/6/19</a:t>
             </a:fld>
             <a:endParaRPr lang="en-US"/>
           </a:p>
@@ -822,7 +822,7 @@
           <a:p>
             <a:fld id="{78C97017-6FC3-485B-9764-EAC9E56C1D49}" type="datetimeFigureOut">
               <a:rPr lang="en-US" smtClean="0"/>
-              <a:t>12/5/2018</a:t>
+              <a:t>3/6/19</a:t>
             </a:fld>
             <a:endParaRPr lang="en-US"/>
           </a:p>
@@ -1000,7 +1000,7 @@
           <a:p>
             <a:fld id="{78C97017-6FC3-485B-9764-EAC9E56C1D49}" type="datetimeFigureOut">
               <a:rPr lang="en-US" smtClean="0"/>
-              <a:t>12/5/2018</a:t>
+              <a:t>3/6/19</a:t>
             </a:fld>
             <a:endParaRPr lang="en-US"/>
           </a:p>
@@ -1168,7 +1168,7 @@
           <a:p>
             <a:fld id="{78C97017-6FC3-485B-9764-EAC9E56C1D49}" type="datetimeFigureOut">
               <a:rPr lang="en-US" smtClean="0"/>
-              <a:t>12/5/2018</a:t>
+              <a:t>3/6/19</a:t>
             </a:fld>
             <a:endParaRPr lang="en-US"/>
           </a:p>
@@ -1413,7 +1413,7 @@
           <a:p>
             <a:fld id="{78C97017-6FC3-485B-9764-EAC9E56C1D49}" type="datetimeFigureOut">
               <a:rPr lang="en-US" smtClean="0"/>
-              <a:t>12/5/2018</a:t>
+              <a:t>3/6/19</a:t>
             </a:fld>
             <a:endParaRPr lang="en-US"/>
           </a:p>
@@ -1698,7 +1698,7 @@
           <a:p>
             <a:fld id="{78C97017-6FC3-485B-9764-EAC9E56C1D49}" type="datetimeFigureOut">
               <a:rPr lang="en-US" smtClean="0"/>
-              <a:t>12/5/2018</a:t>
+              <a:t>3/6/19</a:t>
             </a:fld>
             <a:endParaRPr lang="en-US"/>
           </a:p>
@@ -2117,7 +2117,7 @@
           <a:p>
             <a:fld id="{78C97017-6FC3-485B-9764-EAC9E56C1D49}" type="datetimeFigureOut">
               <a:rPr lang="en-US" smtClean="0"/>
-              <a:t>12/5/2018</a:t>
+              <a:t>3/6/19</a:t>
             </a:fld>
             <a:endParaRPr lang="en-US"/>
           </a:p>
@@ -2234,7 +2234,7 @@
           <a:p>
             <a:fld id="{78C97017-6FC3-485B-9764-EAC9E56C1D49}" type="datetimeFigureOut">
               <a:rPr lang="en-US" smtClean="0"/>
-              <a:t>12/5/2018</a:t>
+              <a:t>3/6/19</a:t>
             </a:fld>
             <a:endParaRPr lang="en-US"/>
           </a:p>
@@ -2329,7 +2329,7 @@
           <a:p>
             <a:fld id="{78C97017-6FC3-485B-9764-EAC9E56C1D49}" type="datetimeFigureOut">
               <a:rPr lang="en-US" smtClean="0"/>
-              <a:t>12/5/2018</a:t>
+              <a:t>3/6/19</a:t>
             </a:fld>
             <a:endParaRPr lang="en-US"/>
           </a:p>
@@ -2604,7 +2604,7 @@
           <a:p>
             <a:fld id="{78C97017-6FC3-485B-9764-EAC9E56C1D49}" type="datetimeFigureOut">
               <a:rPr lang="en-US" smtClean="0"/>
-              <a:t>12/5/2018</a:t>
+              <a:t>3/6/19</a:t>
             </a:fld>
             <a:endParaRPr lang="en-US"/>
           </a:p>
@@ -2856,7 +2856,7 @@
           <a:p>
             <a:fld id="{78C97017-6FC3-485B-9764-EAC9E56C1D49}" type="datetimeFigureOut">
               <a:rPr lang="en-US" smtClean="0"/>
-              <a:t>12/5/2018</a:t>
+              <a:t>3/6/19</a:t>
             </a:fld>
             <a:endParaRPr lang="en-US"/>
           </a:p>
@@ -3067,7 +3067,7 @@
           <a:p>
             <a:fld id="{78C97017-6FC3-485B-9764-EAC9E56C1D49}" type="datetimeFigureOut">
               <a:rPr lang="en-US" smtClean="0"/>
-              <a:t>12/5/2018</a:t>
+              <a:t>3/6/19</a:t>
             </a:fld>
             <a:endParaRPr lang="en-US"/>
           </a:p>
@@ -3450,8 +3450,8 @@
         </p:nvSpPr>
         <p:spPr>
           <a:xfrm>
-            <a:off x="1119865" y="1600200"/>
-            <a:ext cx="7490735" cy="3124200"/>
+            <a:off x="1119865" y="1514175"/>
+            <a:ext cx="7490735" cy="3950960"/>
           </a:xfrm>
           <a:prstGeom prst="roundRect">
             <a:avLst>
@@ -3544,7 +3544,7 @@
           <a:p>
             <a:pPr algn="ctr"/>
             <a:r>
-              <a:rPr lang="en-US" sz="1050" dirty="0" err="1">
+              <a:rPr lang="en-US" sz="1050" dirty="0">
                 <a:solidFill>
                   <a:srgbClr val="7030A0"/>
                 </a:solidFill>
@@ -3567,8 +3567,8 @@
         </p:nvSpPr>
         <p:spPr>
           <a:xfrm rot="16200000">
-            <a:off x="1661548" y="3097750"/>
-            <a:ext cx="1093635" cy="346760"/>
+            <a:off x="1322895" y="3436403"/>
+            <a:ext cx="1770942" cy="346760"/>
           </a:xfrm>
           <a:prstGeom prst="rect">
             <a:avLst/>
@@ -3603,7 +3603,7 @@
           <a:p>
             <a:pPr algn="ctr"/>
             <a:r>
-              <a:rPr lang="en-US" sz="1050" dirty="0" err="1">
+              <a:rPr lang="en-US" sz="1050" dirty="0">
                 <a:solidFill>
                   <a:schemeClr val="bg1"/>
                 </a:solidFill>
@@ -3630,12 +3630,12 @@
         </p:nvCxnSpPr>
         <p:spPr>
           <a:xfrm rot="5400000" flipH="1" flipV="1">
-            <a:off x="4131507" y="1281685"/>
-            <a:ext cx="613122" cy="4459404"/>
+            <a:off x="3792854" y="1620338"/>
+            <a:ext cx="1290428" cy="4459404"/>
           </a:xfrm>
           <a:prstGeom prst="bentConnector3">
             <a:avLst>
-              <a:gd name="adj1" fmla="val -26668"/>
+              <a:gd name="adj1" fmla="val 35780"/>
             </a:avLst>
           </a:prstGeom>
           <a:ln w="19050">
@@ -3825,7 +3825,9 @@
       <p:cxnSp>
         <p:nvCxnSpPr>
           <p:cNvPr id="75" name="Elbow Connector 122"/>
-          <p:cNvCxnSpPr/>
+          <p:cNvCxnSpPr>
+            <a:cxnSpLocks/>
+          </p:cNvCxnSpPr>
           <p:nvPr/>
         </p:nvCxnSpPr>
         <p:spPr>
@@ -3992,12 +3994,12 @@
           <a:p>
             <a:pPr algn="ctr"/>
             <a:r>
-              <a:rPr lang="en-US" sz="1050" dirty="0" err="1">
+              <a:rPr lang="en-US" sz="1050" dirty="0">
                 <a:solidFill>
                   <a:srgbClr val="7030A0"/>
                 </a:solidFill>
               </a:rPr>
-              <a:t>VersionedAddressBook</a:t>
+              <a:t>VersionedEquipmentManager</a:t>
             </a:r>
             <a:endParaRPr lang="en-SG" sz="1050" dirty="0">
               <a:solidFill>
@@ -4011,6 +4013,7 @@
         <p:nvCxnSpPr>
           <p:cNvPr id="47" name="Straight Arrow Connector 46"/>
           <p:cNvCxnSpPr>
+            <a:cxnSpLocks/>
             <a:stCxn id="48" idx="3"/>
             <a:endCxn id="46" idx="1"/>
           </p:cNvCxnSpPr>
@@ -4134,12 +4137,12 @@
           <a:p>
             <a:pPr algn="ctr"/>
             <a:r>
-              <a:rPr lang="en-US" sz="1050" dirty="0" err="1">
+              <a:rPr lang="en-US" sz="1050" dirty="0">
                 <a:solidFill>
                   <a:srgbClr val="7030A0"/>
                 </a:solidFill>
               </a:rPr>
-              <a:t>UniquePersonList</a:t>
+              <a:t>UniqueEquipmentList</a:t>
             </a:r>
             <a:endParaRPr lang="en-SG" sz="1050" dirty="0">
               <a:solidFill>
@@ -4237,14 +4240,14 @@
           <a:p>
             <a:pPr algn="ctr"/>
             <a:r>
-              <a:rPr lang="en-US" sz="1050" dirty="0">
+              <a:rPr lang="en-US" sz="900" dirty="0">
                 <a:solidFill>
                   <a:srgbClr val="7030A0"/>
                 </a:solidFill>
               </a:rPr>
-              <a:t>Person</a:t>
-            </a:r>
-            <a:endParaRPr lang="en-SG" sz="1050" dirty="0">
+              <a:t>Equipment</a:t>
+            </a:r>
+            <a:endParaRPr lang="en-SG" sz="900" dirty="0">
               <a:solidFill>
                 <a:srgbClr val="7030A0"/>
               </a:solidFill>
@@ -4301,6 +4304,7 @@
         <p:nvCxnSpPr>
           <p:cNvPr id="64" name="Elbow Connector 63"/>
           <p:cNvCxnSpPr>
+            <a:cxnSpLocks/>
             <a:stCxn id="63" idx="3"/>
             <a:endCxn id="62" idx="1"/>
           </p:cNvCxnSpPr>
@@ -4716,14 +4720,14 @@
           <a:p>
             <a:pPr algn="ctr"/>
             <a:r>
-              <a:rPr lang="en-US" sz="1050" dirty="0">
+              <a:rPr lang="en-US" sz="800" dirty="0">
                 <a:solidFill>
                   <a:srgbClr val="7030A0"/>
                 </a:solidFill>
               </a:rPr>
-              <a:t>Address</a:t>
-            </a:r>
-            <a:endParaRPr lang="en-SG" sz="1050" dirty="0">
+              <a:t>Sublocation</a:t>
+            </a:r>
+            <a:endParaRPr lang="en-SG" sz="800" dirty="0">
               <a:solidFill>
                 <a:srgbClr val="7030A0"/>
               </a:solidFill>
@@ -4911,7 +4915,7 @@
           <a:p>
             <a:pPr algn="ctr"/>
             <a:r>
-              <a:rPr lang="en-US" sz="1050" dirty="0">
+              <a:rPr lang="en-US" sz="800" dirty="0">
                 <a:solidFill>
                   <a:srgbClr val="7030A0"/>
                 </a:solidFill>
@@ -4919,21 +4923,21 @@
               <a:t>&lt;&lt;interface&gt;&gt;</a:t>
             </a:r>
             <a:br>
-              <a:rPr lang="en-US" sz="1050" dirty="0">
+              <a:rPr lang="en-US" sz="800" dirty="0">
                 <a:solidFill>
                   <a:srgbClr val="7030A0"/>
                 </a:solidFill>
               </a:rPr>
             </a:br>
             <a:r>
-              <a:rPr lang="en-US" sz="1050" dirty="0" err="1">
+              <a:rPr lang="en-US" sz="800" dirty="0">
                 <a:solidFill>
                   <a:srgbClr val="7030A0"/>
                 </a:solidFill>
               </a:rPr>
-              <a:t>ReadOnlyAddressBook</a:t>
-            </a:r>
-            <a:endParaRPr lang="en-SG" sz="1050" dirty="0">
+              <a:t>ReadOnlyEquipmentManager</a:t>
+            </a:r>
+            <a:endParaRPr lang="en-SG" sz="800" dirty="0">
               <a:solidFill>
                 <a:srgbClr val="7030A0"/>
               </a:solidFill>
@@ -4949,7 +4953,7 @@
         </p:nvSpPr>
         <p:spPr>
           <a:xfrm rot="16200000">
-            <a:off x="6362886" y="3586305"/>
+            <a:off x="6115000" y="3592505"/>
             <a:ext cx="881018" cy="261610"/>
           </a:xfrm>
           <a:prstGeom prst="rect">
@@ -4988,7 +4992,7 @@
         </p:nvSpPr>
         <p:spPr>
           <a:xfrm>
-            <a:off x="2057401" y="4239491"/>
+            <a:off x="2066029" y="4934381"/>
             <a:ext cx="1066800" cy="346760"/>
           </a:xfrm>
           <a:prstGeom prst="rect">
@@ -5029,14 +5033,14 @@
               <a:t>&lt;&lt;interface&gt;&gt;</a:t>
             </a:r>
             <a:br>
-              <a:rPr lang="en-US" sz="1050">
+              <a:rPr lang="en-US" sz="1050" dirty="0">
                 <a:solidFill>
                   <a:srgbClr val="7030A0"/>
                 </a:solidFill>
               </a:rPr>
             </a:br>
             <a:r>
-              <a:rPr lang="en-US" sz="1050" dirty="0" err="1">
+              <a:rPr lang="en-US" sz="1050" dirty="0">
                 <a:solidFill>
                   <a:srgbClr val="7030A0"/>
                 </a:solidFill>
@@ -5055,6 +5059,7 @@
         <p:nvCxnSpPr>
           <p:cNvPr id="124" name="Elbow Connector 122"/>
           <p:cNvCxnSpPr>
+            <a:cxnSpLocks/>
             <a:stCxn id="119" idx="1"/>
             <a:endCxn id="122" idx="1"/>
           </p:cNvCxnSpPr>
@@ -5062,8 +5067,8 @@
         </p:nvCxnSpPr>
         <p:spPr>
           <a:xfrm rot="16200000" flipH="1">
-            <a:off x="1364475" y="3719944"/>
-            <a:ext cx="831471" cy="554381"/>
+            <a:off x="1021344" y="4063075"/>
+            <a:ext cx="1526361" cy="563009"/>
           </a:xfrm>
           <a:prstGeom prst="bentConnector2">
             <a:avLst/>
@@ -5140,7 +5145,7 @@
         </p:nvSpPr>
         <p:spPr>
           <a:xfrm>
-            <a:off x="6135256" y="3097917"/>
+            <a:off x="6143744" y="2847460"/>
             <a:ext cx="189257" cy="178683"/>
           </a:xfrm>
           <a:prstGeom prst="rect">
@@ -5257,7 +5262,7 @@
         </p:nvSpPr>
         <p:spPr>
           <a:xfrm>
-            <a:off x="6449896" y="3204826"/>
+            <a:off x="6674558" y="3202329"/>
             <a:ext cx="189257" cy="178683"/>
           </a:xfrm>
           <a:prstGeom prst="rect">
@@ -5486,14 +5491,14 @@
           <a:p>
             <a:pPr algn="ctr"/>
             <a:r>
-              <a:rPr lang="en-US" sz="1050" dirty="0" err="1">
+              <a:rPr lang="en-US" sz="800" dirty="0">
                 <a:solidFill>
                   <a:srgbClr val="7030A0"/>
                 </a:solidFill>
               </a:rPr>
-              <a:t>AddressBook</a:t>
-            </a:r>
-            <a:endParaRPr lang="en-SG" sz="1050" dirty="0">
+              <a:t>EquipmentManager</a:t>
+            </a:r>
+            <a:endParaRPr lang="en-SG" sz="800" dirty="0">
               <a:solidFill>
                 <a:srgbClr val="7030A0"/>
               </a:solidFill>
@@ -5505,6 +5510,7 @@
         <p:nvCxnSpPr>
           <p:cNvPr id="60" name="Straight Arrow Connector 59"/>
           <p:cNvCxnSpPr>
+            <a:cxnSpLocks/>
             <a:stCxn id="51" idx="1"/>
             <a:endCxn id="49" idx="1"/>
           </p:cNvCxnSpPr>
@@ -5696,7 +5702,7 @@
           <a:p>
             <a:pPr algn="ctr"/>
             <a:r>
-              <a:rPr lang="en-US" sz="1050" dirty="0" err="1">
+              <a:rPr lang="en-US" sz="1050" dirty="0">
                 <a:solidFill>
                   <a:srgbClr val="7030A0"/>
                 </a:solidFill>
@@ -5820,6 +5826,964 @@
           </a:fontRef>
         </p:style>
       </p:cxnSp>
+      <p:sp>
+        <p:nvSpPr>
+          <p:cNvPr id="71" name="Rectangle 8">
+            <a:extLst>
+              <a:ext uri="{FF2B5EF4-FFF2-40B4-BE49-F238E27FC236}">
+                <a16:creationId xmlns:a16="http://schemas.microsoft.com/office/drawing/2014/main" id="{CBE22F87-3777-CE4C-800A-9BFE2CB9BDC6}"/>
+              </a:ext>
+            </a:extLst>
+          </p:cNvPr>
+          <p:cNvSpPr/>
+          <p:nvPr/>
+        </p:nvSpPr>
+        <p:spPr>
+          <a:xfrm>
+            <a:off x="6140799" y="4157726"/>
+            <a:ext cx="878211" cy="212308"/>
+          </a:xfrm>
+          <a:prstGeom prst="rect">
+            <a:avLst/>
+          </a:prstGeom>
+          <a:ln w="19050">
+            <a:solidFill>
+              <a:srgbClr val="7030A0"/>
+            </a:solidFill>
+          </a:ln>
+          <a:effectLst/>
+        </p:spPr>
+        <p:style>
+          <a:lnRef idx="1">
+            <a:schemeClr val="accent4"/>
+          </a:lnRef>
+          <a:fillRef idx="2">
+            <a:schemeClr val="accent4"/>
+          </a:fillRef>
+          <a:effectRef idx="1">
+            <a:schemeClr val="accent4"/>
+          </a:effectRef>
+          <a:fontRef idx="minor">
+            <a:schemeClr val="dk1"/>
+          </a:fontRef>
+        </p:style>
+        <p:txBody>
+          <a:bodyPr rtlCol="0" anchor="ctr"/>
+          <a:lstStyle/>
+          <a:p>
+            <a:pPr algn="ctr"/>
+            <a:r>
+              <a:rPr lang="en-US" sz="1050" dirty="0">
+                <a:solidFill>
+                  <a:srgbClr val="7030A0"/>
+                </a:solidFill>
+              </a:rPr>
+              <a:t>WorkList</a:t>
+            </a:r>
+            <a:endParaRPr lang="en-SG" sz="1050" dirty="0">
+              <a:solidFill>
+                <a:srgbClr val="7030A0"/>
+              </a:solidFill>
+            </a:endParaRPr>
+          </a:p>
+        </p:txBody>
+      </p:sp>
+      <p:sp>
+        <p:nvSpPr>
+          <p:cNvPr id="101" name="Rectangle 8">
+            <a:extLst>
+              <a:ext uri="{FF2B5EF4-FFF2-40B4-BE49-F238E27FC236}">
+                <a16:creationId xmlns:a16="http://schemas.microsoft.com/office/drawing/2014/main" id="{D43B7AA8-8FE6-2042-BFF2-60BDBEFCB1DB}"/>
+              </a:ext>
+            </a:extLst>
+          </p:cNvPr>
+          <p:cNvSpPr/>
+          <p:nvPr/>
+        </p:nvSpPr>
+        <p:spPr>
+          <a:xfrm>
+            <a:off x="7524286" y="4120694"/>
+            <a:ext cx="878211" cy="285783"/>
+          </a:xfrm>
+          <a:prstGeom prst="rect">
+            <a:avLst/>
+          </a:prstGeom>
+          <a:ln w="19050">
+            <a:solidFill>
+              <a:srgbClr val="7030A0"/>
+            </a:solidFill>
+          </a:ln>
+          <a:effectLst/>
+        </p:spPr>
+        <p:style>
+          <a:lnRef idx="1">
+            <a:schemeClr val="accent4"/>
+          </a:lnRef>
+          <a:fillRef idx="2">
+            <a:schemeClr val="accent4"/>
+          </a:fillRef>
+          <a:effectRef idx="1">
+            <a:schemeClr val="accent4"/>
+          </a:effectRef>
+          <a:fontRef idx="minor">
+            <a:schemeClr val="dk1"/>
+          </a:fontRef>
+        </p:style>
+        <p:txBody>
+          <a:bodyPr rtlCol="0" anchor="ctr"/>
+          <a:lstStyle/>
+          <a:p>
+            <a:pPr algn="ctr"/>
+            <a:r>
+              <a:rPr lang="en-US" sz="1050" dirty="0">
+                <a:solidFill>
+                  <a:srgbClr val="7030A0"/>
+                </a:solidFill>
+              </a:rPr>
+              <a:t>Worklist ID</a:t>
+            </a:r>
+            <a:endParaRPr lang="en-SG" sz="1050" dirty="0">
+              <a:solidFill>
+                <a:srgbClr val="7030A0"/>
+              </a:solidFill>
+            </a:endParaRPr>
+          </a:p>
+        </p:txBody>
+      </p:sp>
+      <p:sp>
+        <p:nvSpPr>
+          <p:cNvPr id="106" name="Flowchart: Decision 96">
+            <a:extLst>
+              <a:ext uri="{FF2B5EF4-FFF2-40B4-BE49-F238E27FC236}">
+                <a16:creationId xmlns:a16="http://schemas.microsoft.com/office/drawing/2014/main" id="{A2D67E27-BCE7-FF46-9E1D-264682F4E942}"/>
+              </a:ext>
+            </a:extLst>
+          </p:cNvPr>
+          <p:cNvSpPr/>
+          <p:nvPr/>
+        </p:nvSpPr>
+        <p:spPr>
+          <a:xfrm>
+            <a:off x="7028245" y="4176895"/>
+            <a:ext cx="236048" cy="173380"/>
+          </a:xfrm>
+          <a:prstGeom prst="flowChartDecision">
+            <a:avLst/>
+          </a:prstGeom>
+          <a:solidFill>
+            <a:srgbClr val="7030A0"/>
+          </a:solidFill>
+          <a:ln w="19050">
+            <a:solidFill>
+              <a:srgbClr val="7030A0"/>
+            </a:solidFill>
+          </a:ln>
+          <a:effectLst/>
+        </p:spPr>
+        <p:style>
+          <a:lnRef idx="1">
+            <a:schemeClr val="accent6"/>
+          </a:lnRef>
+          <a:fillRef idx="2">
+            <a:schemeClr val="accent6"/>
+          </a:fillRef>
+          <a:effectRef idx="1">
+            <a:schemeClr val="accent6"/>
+          </a:effectRef>
+          <a:fontRef idx="minor">
+            <a:schemeClr val="dk1"/>
+          </a:fontRef>
+        </p:style>
+        <p:txBody>
+          <a:bodyPr rtlCol="0" anchor="ctr"/>
+          <a:lstStyle/>
+          <a:p>
+            <a:pPr algn="ctr"/>
+            <a:endParaRPr lang="en-US" sz="1050"/>
+          </a:p>
+        </p:txBody>
+      </p:sp>
+      <p:cxnSp>
+        <p:nvCxnSpPr>
+          <p:cNvPr id="109" name="Straight Arrow Connector 108">
+            <a:extLst>
+              <a:ext uri="{FF2B5EF4-FFF2-40B4-BE49-F238E27FC236}">
+                <a16:creationId xmlns:a16="http://schemas.microsoft.com/office/drawing/2014/main" id="{DEF834F0-4765-434E-8687-BB261F67B78B}"/>
+              </a:ext>
+            </a:extLst>
+          </p:cNvPr>
+          <p:cNvCxnSpPr>
+            <a:cxnSpLocks/>
+          </p:cNvCxnSpPr>
+          <p:nvPr/>
+        </p:nvCxnSpPr>
+        <p:spPr>
+          <a:xfrm>
+            <a:off x="7156608" y="4264164"/>
+            <a:ext cx="367678" cy="12320"/>
+          </a:xfrm>
+          <a:prstGeom prst="straightConnector1">
+            <a:avLst/>
+          </a:prstGeom>
+          <a:ln w="19050">
+            <a:solidFill>
+              <a:srgbClr val="7030A0"/>
+            </a:solidFill>
+            <a:headEnd type="none" w="med" len="med"/>
+            <a:tailEnd type="arrow" w="med" len="med"/>
+          </a:ln>
+          <a:effectLst/>
+        </p:spPr>
+        <p:style>
+          <a:lnRef idx="1">
+            <a:schemeClr val="accent2"/>
+          </a:lnRef>
+          <a:fillRef idx="2">
+            <a:schemeClr val="accent2"/>
+          </a:fillRef>
+          <a:effectRef idx="1">
+            <a:schemeClr val="accent2"/>
+          </a:effectRef>
+          <a:fontRef idx="minor">
+            <a:schemeClr val="dk1"/>
+          </a:fontRef>
+        </p:style>
+      </p:cxnSp>
+      <p:cxnSp>
+        <p:nvCxnSpPr>
+          <p:cNvPr id="93" name="Straight Arrow Connector 92">
+            <a:extLst>
+              <a:ext uri="{FF2B5EF4-FFF2-40B4-BE49-F238E27FC236}">
+                <a16:creationId xmlns:a16="http://schemas.microsoft.com/office/drawing/2014/main" id="{26DAB472-DE8D-3B4E-AEE7-44D7E909E37B}"/>
+              </a:ext>
+            </a:extLst>
+          </p:cNvPr>
+          <p:cNvCxnSpPr>
+            <a:cxnSpLocks/>
+          </p:cNvCxnSpPr>
+          <p:nvPr/>
+        </p:nvCxnSpPr>
+        <p:spPr>
+          <a:xfrm>
+            <a:off x="6921617" y="3210194"/>
+            <a:ext cx="12583" cy="947532"/>
+          </a:xfrm>
+          <a:prstGeom prst="straightConnector1">
+            <a:avLst/>
+          </a:prstGeom>
+          <a:ln w="19050">
+            <a:solidFill>
+              <a:srgbClr val="7030A0"/>
+            </a:solidFill>
+            <a:headEnd type="none" w="med" len="med"/>
+            <a:tailEnd type="arrow" w="med" len="med"/>
+          </a:ln>
+        </p:spPr>
+        <p:style>
+          <a:lnRef idx="1">
+            <a:schemeClr val="accent1"/>
+          </a:lnRef>
+          <a:fillRef idx="0">
+            <a:schemeClr val="accent1"/>
+          </a:fillRef>
+          <a:effectRef idx="0">
+            <a:schemeClr val="accent1"/>
+          </a:effectRef>
+          <a:fontRef idx="minor">
+            <a:schemeClr val="tx1"/>
+          </a:fontRef>
+        </p:style>
+      </p:cxnSp>
+      <p:sp>
+        <p:nvSpPr>
+          <p:cNvPr id="111" name="TextBox 110">
+            <a:extLst>
+              <a:ext uri="{FF2B5EF4-FFF2-40B4-BE49-F238E27FC236}">
+                <a16:creationId xmlns:a16="http://schemas.microsoft.com/office/drawing/2014/main" id="{EDC43227-385B-6C43-B28F-0E48A24E2946}"/>
+              </a:ext>
+            </a:extLst>
+          </p:cNvPr>
+          <p:cNvSpPr txBox="1"/>
+          <p:nvPr/>
+        </p:nvSpPr>
+        <p:spPr>
+          <a:xfrm>
+            <a:off x="6915656" y="3221638"/>
+            <a:ext cx="189257" cy="178683"/>
+          </a:xfrm>
+          <a:prstGeom prst="rect">
+            <a:avLst/>
+          </a:prstGeom>
+          <a:noFill/>
+        </p:spPr>
+        <p:txBody>
+          <a:bodyPr wrap="square" lIns="0" tIns="0" rIns="0" bIns="0" rtlCol="0">
+            <a:noAutofit/>
+          </a:bodyPr>
+          <a:lstStyle/>
+          <a:p>
+            <a:pPr algn="ctr"/>
+            <a:r>
+              <a:rPr lang="en-US" sz="1100" dirty="0">
+                <a:solidFill>
+                  <a:srgbClr val="7030A0"/>
+                </a:solidFill>
+              </a:rPr>
+              <a:t>*</a:t>
+            </a:r>
+            <a:endParaRPr lang="en-SG" sz="1100" dirty="0">
+              <a:solidFill>
+                <a:srgbClr val="7030A0"/>
+              </a:solidFill>
+            </a:endParaRPr>
+          </a:p>
+        </p:txBody>
+      </p:sp>
+      <p:sp>
+        <p:nvSpPr>
+          <p:cNvPr id="112" name="TextBox 111">
+            <a:extLst>
+              <a:ext uri="{FF2B5EF4-FFF2-40B4-BE49-F238E27FC236}">
+                <a16:creationId xmlns:a16="http://schemas.microsoft.com/office/drawing/2014/main" id="{FC8BFBD4-B204-D240-AD41-6BB7A5C16610}"/>
+              </a:ext>
+            </a:extLst>
+          </p:cNvPr>
+          <p:cNvSpPr txBox="1"/>
+          <p:nvPr/>
+        </p:nvSpPr>
+        <p:spPr>
+          <a:xfrm>
+            <a:off x="6733778" y="4005186"/>
+            <a:ext cx="189257" cy="178683"/>
+          </a:xfrm>
+          <a:prstGeom prst="rect">
+            <a:avLst/>
+          </a:prstGeom>
+          <a:noFill/>
+        </p:spPr>
+        <p:txBody>
+          <a:bodyPr wrap="square" lIns="0" tIns="0" rIns="0" bIns="0" rtlCol="0">
+            <a:noAutofit/>
+          </a:bodyPr>
+          <a:lstStyle/>
+          <a:p>
+            <a:pPr algn="ctr"/>
+            <a:r>
+              <a:rPr lang="en-US" sz="1100" dirty="0">
+                <a:solidFill>
+                  <a:srgbClr val="7030A0"/>
+                </a:solidFill>
+              </a:rPr>
+              <a:t>*</a:t>
+            </a:r>
+            <a:endParaRPr lang="en-SG" sz="1100" dirty="0">
+              <a:solidFill>
+                <a:srgbClr val="7030A0"/>
+              </a:solidFill>
+            </a:endParaRPr>
+          </a:p>
+        </p:txBody>
+      </p:sp>
+      <p:sp>
+        <p:nvSpPr>
+          <p:cNvPr id="113" name="TextBox 112">
+            <a:extLst>
+              <a:ext uri="{FF2B5EF4-FFF2-40B4-BE49-F238E27FC236}">
+                <a16:creationId xmlns:a16="http://schemas.microsoft.com/office/drawing/2014/main" id="{BA93AB77-3946-BB4A-A262-A5BFCE10BE56}"/>
+              </a:ext>
+            </a:extLst>
+          </p:cNvPr>
+          <p:cNvSpPr txBox="1"/>
+          <p:nvPr/>
+        </p:nvSpPr>
+        <p:spPr>
+          <a:xfrm>
+            <a:off x="7328386" y="4089103"/>
+            <a:ext cx="189257" cy="178683"/>
+          </a:xfrm>
+          <a:prstGeom prst="rect">
+            <a:avLst/>
+          </a:prstGeom>
+          <a:noFill/>
+        </p:spPr>
+        <p:txBody>
+          <a:bodyPr wrap="square" lIns="0" tIns="0" rIns="0" bIns="0" rtlCol="0">
+            <a:noAutofit/>
+          </a:bodyPr>
+          <a:lstStyle/>
+          <a:p>
+            <a:pPr algn="ctr"/>
+            <a:r>
+              <a:rPr lang="en-US" sz="1100" dirty="0">
+                <a:solidFill>
+                  <a:srgbClr val="7030A0"/>
+                </a:solidFill>
+              </a:rPr>
+              <a:t>*</a:t>
+            </a:r>
+            <a:endParaRPr lang="en-SG" sz="1100" dirty="0">
+              <a:solidFill>
+                <a:srgbClr val="7030A0"/>
+              </a:solidFill>
+            </a:endParaRPr>
+          </a:p>
+        </p:txBody>
+      </p:sp>
+      <p:sp>
+        <p:nvSpPr>
+          <p:cNvPr id="115" name="Rectangle 8">
+            <a:extLst>
+              <a:ext uri="{FF2B5EF4-FFF2-40B4-BE49-F238E27FC236}">
+                <a16:creationId xmlns:a16="http://schemas.microsoft.com/office/drawing/2014/main" id="{D2F3401B-772D-2B49-A4AD-F40EA4DD133C}"/>
+              </a:ext>
+            </a:extLst>
+          </p:cNvPr>
+          <p:cNvSpPr/>
+          <p:nvPr/>
+        </p:nvSpPr>
+        <p:spPr>
+          <a:xfrm>
+            <a:off x="6403553" y="1867841"/>
+            <a:ext cx="542010" cy="236049"/>
+          </a:xfrm>
+          <a:prstGeom prst="rect">
+            <a:avLst/>
+          </a:prstGeom>
+          <a:ln w="19050">
+            <a:solidFill>
+              <a:srgbClr val="7030A0"/>
+            </a:solidFill>
+          </a:ln>
+          <a:effectLst/>
+        </p:spPr>
+        <p:style>
+          <a:lnRef idx="1">
+            <a:schemeClr val="accent4"/>
+          </a:lnRef>
+          <a:fillRef idx="2">
+            <a:schemeClr val="accent4"/>
+          </a:fillRef>
+          <a:effectRef idx="1">
+            <a:schemeClr val="accent4"/>
+          </a:effectRef>
+          <a:fontRef idx="minor">
+            <a:schemeClr val="dk1"/>
+          </a:fontRef>
+        </p:style>
+        <p:txBody>
+          <a:bodyPr rtlCol="0" anchor="ctr"/>
+          <a:lstStyle/>
+          <a:p>
+            <a:pPr algn="ctr"/>
+            <a:r>
+              <a:rPr lang="en-US" sz="900" dirty="0">
+                <a:solidFill>
+                  <a:srgbClr val="7030A0"/>
+                </a:solidFill>
+              </a:rPr>
+              <a:t>Client</a:t>
+            </a:r>
+            <a:endParaRPr lang="en-SG" sz="900" dirty="0">
+              <a:solidFill>
+                <a:srgbClr val="7030A0"/>
+              </a:solidFill>
+            </a:endParaRPr>
+          </a:p>
+        </p:txBody>
+      </p:sp>
+      <p:cxnSp>
+        <p:nvCxnSpPr>
+          <p:cNvPr id="102" name="Straight Connector 101">
+            <a:extLst>
+              <a:ext uri="{FF2B5EF4-FFF2-40B4-BE49-F238E27FC236}">
+                <a16:creationId xmlns:a16="http://schemas.microsoft.com/office/drawing/2014/main" id="{4FACD03E-BC1D-0840-981E-9DF145AD6D2C}"/>
+              </a:ext>
+            </a:extLst>
+          </p:cNvPr>
+          <p:cNvCxnSpPr>
+            <a:cxnSpLocks/>
+            <a:stCxn id="71" idx="1"/>
+            <a:endCxn id="121" idx="3"/>
+          </p:cNvCxnSpPr>
+          <p:nvPr/>
+        </p:nvCxnSpPr>
+        <p:spPr>
+          <a:xfrm flipH="1">
+            <a:off x="2618922" y="4263880"/>
+            <a:ext cx="3521877" cy="10071"/>
+          </a:xfrm>
+          <a:prstGeom prst="line">
+            <a:avLst/>
+          </a:prstGeom>
+          <a:ln w="19050">
+            <a:solidFill>
+              <a:srgbClr val="7030A0"/>
+            </a:solidFill>
+            <a:headEnd type="arrow" w="med" len="med"/>
+            <a:tailEnd type="none" w="med" len="med"/>
+          </a:ln>
+        </p:spPr>
+        <p:style>
+          <a:lnRef idx="1">
+            <a:schemeClr val="accent1"/>
+          </a:lnRef>
+          <a:fillRef idx="0">
+            <a:schemeClr val="accent1"/>
+          </a:fillRef>
+          <a:effectRef idx="0">
+            <a:schemeClr val="accent1"/>
+          </a:effectRef>
+          <a:fontRef idx="minor">
+            <a:schemeClr val="tx1"/>
+          </a:fontRef>
+        </p:style>
+      </p:cxnSp>
+      <p:sp>
+        <p:nvSpPr>
+          <p:cNvPr id="121" name="Flowchart: Decision 96">
+            <a:extLst>
+              <a:ext uri="{FF2B5EF4-FFF2-40B4-BE49-F238E27FC236}">
+                <a16:creationId xmlns:a16="http://schemas.microsoft.com/office/drawing/2014/main" id="{123EEFBF-757B-994E-B2B7-5F8FEE1453FD}"/>
+              </a:ext>
+            </a:extLst>
+          </p:cNvPr>
+          <p:cNvSpPr/>
+          <p:nvPr/>
+        </p:nvSpPr>
+        <p:spPr>
+          <a:xfrm>
+            <a:off x="2382874" y="4187261"/>
+            <a:ext cx="236048" cy="173380"/>
+          </a:xfrm>
+          <a:prstGeom prst="flowChartDecision">
+            <a:avLst/>
+          </a:prstGeom>
+          <a:noFill/>
+          <a:ln w="19050">
+            <a:solidFill>
+              <a:srgbClr val="7030A0"/>
+            </a:solidFill>
+          </a:ln>
+          <a:effectLst/>
+        </p:spPr>
+        <p:style>
+          <a:lnRef idx="1">
+            <a:schemeClr val="accent6"/>
+          </a:lnRef>
+          <a:fillRef idx="2">
+            <a:schemeClr val="accent6"/>
+          </a:fillRef>
+          <a:effectRef idx="1">
+            <a:schemeClr val="accent6"/>
+          </a:effectRef>
+          <a:fontRef idx="minor">
+            <a:schemeClr val="dk1"/>
+          </a:fontRef>
+        </p:style>
+        <p:txBody>
+          <a:bodyPr rtlCol="0" anchor="ctr"/>
+          <a:lstStyle/>
+          <a:p>
+            <a:pPr algn="ctr"/>
+            <a:endParaRPr lang="en-US" sz="1050"/>
+          </a:p>
+        </p:txBody>
+      </p:sp>
+      <p:sp>
+        <p:nvSpPr>
+          <p:cNvPr id="123" name="TextBox 122">
+            <a:extLst>
+              <a:ext uri="{FF2B5EF4-FFF2-40B4-BE49-F238E27FC236}">
+                <a16:creationId xmlns:a16="http://schemas.microsoft.com/office/drawing/2014/main" id="{E20B9E77-E719-2545-874E-FB5B92E62832}"/>
+              </a:ext>
+            </a:extLst>
+          </p:cNvPr>
+          <p:cNvSpPr txBox="1"/>
+          <p:nvPr/>
+        </p:nvSpPr>
+        <p:spPr>
+          <a:xfrm>
+            <a:off x="5891653" y="4152923"/>
+            <a:ext cx="189257" cy="178683"/>
+          </a:xfrm>
+          <a:prstGeom prst="rect">
+            <a:avLst/>
+          </a:prstGeom>
+          <a:noFill/>
+        </p:spPr>
+        <p:txBody>
+          <a:bodyPr wrap="square" lIns="0" tIns="0" rIns="0" bIns="0" rtlCol="0">
+            <a:noAutofit/>
+          </a:bodyPr>
+          <a:lstStyle/>
+          <a:p>
+            <a:pPr algn="ctr"/>
+            <a:r>
+              <a:rPr lang="en-US" sz="1100" dirty="0">
+                <a:solidFill>
+                  <a:srgbClr val="7030A0"/>
+                </a:solidFill>
+              </a:rPr>
+              <a:t>*</a:t>
+            </a:r>
+            <a:endParaRPr lang="en-SG" sz="1100" dirty="0">
+              <a:solidFill>
+                <a:srgbClr val="7030A0"/>
+              </a:solidFill>
+            </a:endParaRPr>
+          </a:p>
+        </p:txBody>
+      </p:sp>
+      <p:sp>
+        <p:nvSpPr>
+          <p:cNvPr id="125" name="Flowchart: Decision 96">
+            <a:extLst>
+              <a:ext uri="{FF2B5EF4-FFF2-40B4-BE49-F238E27FC236}">
+                <a16:creationId xmlns:a16="http://schemas.microsoft.com/office/drawing/2014/main" id="{B36C6F75-782D-8140-B232-FCE18F2BE333}"/>
+              </a:ext>
+            </a:extLst>
+          </p:cNvPr>
+          <p:cNvSpPr/>
+          <p:nvPr/>
+        </p:nvSpPr>
+        <p:spPr>
+          <a:xfrm>
+            <a:off x="6956074" y="1900907"/>
+            <a:ext cx="236048" cy="173380"/>
+          </a:xfrm>
+          <a:prstGeom prst="flowChartDecision">
+            <a:avLst/>
+          </a:prstGeom>
+          <a:solidFill>
+            <a:srgbClr val="7030A0"/>
+          </a:solidFill>
+          <a:ln w="19050">
+            <a:solidFill>
+              <a:srgbClr val="7030A0"/>
+            </a:solidFill>
+          </a:ln>
+          <a:effectLst/>
+        </p:spPr>
+        <p:style>
+          <a:lnRef idx="1">
+            <a:schemeClr val="accent6"/>
+          </a:lnRef>
+          <a:fillRef idx="2">
+            <a:schemeClr val="accent6"/>
+          </a:fillRef>
+          <a:effectRef idx="1">
+            <a:schemeClr val="accent6"/>
+          </a:effectRef>
+          <a:fontRef idx="minor">
+            <a:schemeClr val="dk1"/>
+          </a:fontRef>
+        </p:style>
+        <p:txBody>
+          <a:bodyPr rtlCol="0" anchor="ctr"/>
+          <a:lstStyle/>
+          <a:p>
+            <a:pPr algn="ctr"/>
+            <a:endParaRPr lang="en-US" sz="1050"/>
+          </a:p>
+        </p:txBody>
+      </p:sp>
+      <p:cxnSp>
+        <p:nvCxnSpPr>
+          <p:cNvPr id="126" name="Elbow Connector 125">
+            <a:extLst>
+              <a:ext uri="{FF2B5EF4-FFF2-40B4-BE49-F238E27FC236}">
+                <a16:creationId xmlns:a16="http://schemas.microsoft.com/office/drawing/2014/main" id="{5CEAF487-0294-334F-8185-2EA3323EEED8}"/>
+              </a:ext>
+            </a:extLst>
+          </p:cNvPr>
+          <p:cNvCxnSpPr>
+            <a:stCxn id="125" idx="3"/>
+          </p:cNvCxnSpPr>
+          <p:nvPr/>
+        </p:nvCxnSpPr>
+        <p:spPr>
+          <a:xfrm flipV="1">
+            <a:off x="7192122" y="1982814"/>
+            <a:ext cx="434402" cy="4783"/>
+          </a:xfrm>
+          <a:prstGeom prst="bentConnector3">
+            <a:avLst/>
+          </a:prstGeom>
+          <a:ln w="19050">
+            <a:solidFill>
+              <a:srgbClr val="7030A0"/>
+            </a:solidFill>
+            <a:headEnd type="none" w="med" len="med"/>
+            <a:tailEnd type="arrow" w="med" len="med"/>
+          </a:ln>
+          <a:effectLst/>
+        </p:spPr>
+        <p:style>
+          <a:lnRef idx="1">
+            <a:schemeClr val="accent2"/>
+          </a:lnRef>
+          <a:fillRef idx="2">
+            <a:schemeClr val="accent2"/>
+          </a:fillRef>
+          <a:effectRef idx="1">
+            <a:schemeClr val="accent2"/>
+          </a:effectRef>
+          <a:fontRef idx="minor">
+            <a:schemeClr val="dk1"/>
+          </a:fontRef>
+        </p:style>
+      </p:cxnSp>
+      <p:sp>
+        <p:nvSpPr>
+          <p:cNvPr id="127" name="Rectangle 8">
+            <a:extLst>
+              <a:ext uri="{FF2B5EF4-FFF2-40B4-BE49-F238E27FC236}">
+                <a16:creationId xmlns:a16="http://schemas.microsoft.com/office/drawing/2014/main" id="{46F9A291-5244-B343-A1CB-D9BC6D081541}"/>
+              </a:ext>
+            </a:extLst>
+          </p:cNvPr>
+          <p:cNvSpPr/>
+          <p:nvPr/>
+        </p:nvSpPr>
+        <p:spPr>
+          <a:xfrm>
+            <a:off x="7609298" y="1806821"/>
+            <a:ext cx="708186" cy="285783"/>
+          </a:xfrm>
+          <a:prstGeom prst="rect">
+            <a:avLst/>
+          </a:prstGeom>
+          <a:ln w="19050">
+            <a:solidFill>
+              <a:srgbClr val="7030A0"/>
+            </a:solidFill>
+          </a:ln>
+          <a:effectLst/>
+        </p:spPr>
+        <p:style>
+          <a:lnRef idx="1">
+            <a:schemeClr val="accent4"/>
+          </a:lnRef>
+          <a:fillRef idx="2">
+            <a:schemeClr val="accent4"/>
+          </a:fillRef>
+          <a:effectRef idx="1">
+            <a:schemeClr val="accent4"/>
+          </a:effectRef>
+          <a:fontRef idx="minor">
+            <a:schemeClr val="dk1"/>
+          </a:fontRef>
+        </p:style>
+        <p:txBody>
+          <a:bodyPr rtlCol="0" anchor="ctr"/>
+          <a:lstStyle/>
+          <a:p>
+            <a:pPr algn="ctr"/>
+            <a:r>
+              <a:rPr lang="en-US" sz="1000" dirty="0">
+                <a:solidFill>
+                  <a:srgbClr val="7030A0"/>
+                </a:solidFill>
+              </a:rPr>
+              <a:t>Address</a:t>
+            </a:r>
+            <a:endParaRPr lang="en-SG" sz="1000" dirty="0">
+              <a:solidFill>
+                <a:srgbClr val="7030A0"/>
+              </a:solidFill>
+            </a:endParaRPr>
+          </a:p>
+        </p:txBody>
+      </p:sp>
+      <p:sp>
+        <p:nvSpPr>
+          <p:cNvPr id="129" name="Flowchart: Decision 96">
+            <a:extLst>
+              <a:ext uri="{FF2B5EF4-FFF2-40B4-BE49-F238E27FC236}">
+                <a16:creationId xmlns:a16="http://schemas.microsoft.com/office/drawing/2014/main" id="{80E661A9-019D-E747-9646-17102AE9CE8D}"/>
+              </a:ext>
+            </a:extLst>
+          </p:cNvPr>
+          <p:cNvSpPr/>
+          <p:nvPr/>
+        </p:nvSpPr>
+        <p:spPr>
+          <a:xfrm rot="5400000">
+            <a:off x="6561356" y="2144094"/>
+            <a:ext cx="236048" cy="173380"/>
+          </a:xfrm>
+          <a:prstGeom prst="flowChartDecision">
+            <a:avLst/>
+          </a:prstGeom>
+          <a:solidFill>
+            <a:srgbClr val="7030A0"/>
+          </a:solidFill>
+          <a:ln w="19050">
+            <a:solidFill>
+              <a:srgbClr val="7030A0"/>
+            </a:solidFill>
+          </a:ln>
+          <a:effectLst/>
+        </p:spPr>
+        <p:style>
+          <a:lnRef idx="1">
+            <a:schemeClr val="accent6"/>
+          </a:lnRef>
+          <a:fillRef idx="2">
+            <a:schemeClr val="accent6"/>
+          </a:fillRef>
+          <a:effectRef idx="1">
+            <a:schemeClr val="accent6"/>
+          </a:effectRef>
+          <a:fontRef idx="minor">
+            <a:schemeClr val="dk1"/>
+          </a:fontRef>
+        </p:style>
+        <p:txBody>
+          <a:bodyPr rtlCol="0" anchor="ctr"/>
+          <a:lstStyle/>
+          <a:p>
+            <a:pPr algn="ctr"/>
+            <a:endParaRPr lang="en-US" sz="1050"/>
+          </a:p>
+        </p:txBody>
+      </p:sp>
+      <p:cxnSp>
+        <p:nvCxnSpPr>
+          <p:cNvPr id="134" name="Straight Arrow Connector 133">
+            <a:extLst>
+              <a:ext uri="{FF2B5EF4-FFF2-40B4-BE49-F238E27FC236}">
+                <a16:creationId xmlns:a16="http://schemas.microsoft.com/office/drawing/2014/main" id="{FF83AF87-F3CB-0849-BBEC-0E6ED67782D3}"/>
+              </a:ext>
+            </a:extLst>
+          </p:cNvPr>
+          <p:cNvCxnSpPr>
+            <a:stCxn id="129" idx="3"/>
+            <a:endCxn id="62" idx="0"/>
+          </p:cNvCxnSpPr>
+          <p:nvPr/>
+        </p:nvCxnSpPr>
+        <p:spPr>
+          <a:xfrm flipH="1">
+            <a:off x="6667770" y="2348808"/>
+            <a:ext cx="11610" cy="509258"/>
+          </a:xfrm>
+          <a:prstGeom prst="straightConnector1">
+            <a:avLst/>
+          </a:prstGeom>
+          <a:ln w="19050">
+            <a:solidFill>
+              <a:srgbClr val="7030A0"/>
+            </a:solidFill>
+            <a:headEnd type="none" w="med" len="med"/>
+            <a:tailEnd type="arrow" w="med" len="med"/>
+          </a:ln>
+        </p:spPr>
+        <p:style>
+          <a:lnRef idx="1">
+            <a:schemeClr val="accent1"/>
+          </a:lnRef>
+          <a:fillRef idx="0">
+            <a:schemeClr val="accent1"/>
+          </a:fillRef>
+          <a:effectRef idx="0">
+            <a:schemeClr val="accent1"/>
+          </a:effectRef>
+          <a:fontRef idx="minor">
+            <a:schemeClr val="tx1"/>
+          </a:fontRef>
+        </p:style>
+      </p:cxnSp>
+      <p:sp>
+        <p:nvSpPr>
+          <p:cNvPr id="136" name="TextBox 135">
+            <a:extLst>
+              <a:ext uri="{FF2B5EF4-FFF2-40B4-BE49-F238E27FC236}">
+                <a16:creationId xmlns:a16="http://schemas.microsoft.com/office/drawing/2014/main" id="{E45C8326-2821-334B-96D3-DFE249903448}"/>
+              </a:ext>
+            </a:extLst>
+          </p:cNvPr>
+          <p:cNvSpPr txBox="1"/>
+          <p:nvPr/>
+        </p:nvSpPr>
+        <p:spPr>
+          <a:xfrm>
+            <a:off x="7414146" y="1753329"/>
+            <a:ext cx="189257" cy="178683"/>
+          </a:xfrm>
+          <a:prstGeom prst="rect">
+            <a:avLst/>
+          </a:prstGeom>
+          <a:noFill/>
+        </p:spPr>
+        <p:txBody>
+          <a:bodyPr wrap="square" lIns="0" tIns="0" rIns="0" bIns="0" rtlCol="0">
+            <a:noAutofit/>
+          </a:bodyPr>
+          <a:lstStyle/>
+          <a:p>
+            <a:pPr algn="ctr"/>
+            <a:r>
+              <a:rPr lang="en-US" sz="1100" dirty="0">
+                <a:solidFill>
+                  <a:srgbClr val="7030A0"/>
+                </a:solidFill>
+              </a:rPr>
+              <a:t>1</a:t>
+            </a:r>
+            <a:endParaRPr lang="en-SG" sz="1100" dirty="0">
+              <a:solidFill>
+                <a:srgbClr val="7030A0"/>
+              </a:solidFill>
+            </a:endParaRPr>
+          </a:p>
+        </p:txBody>
+      </p:sp>
+      <p:sp>
+        <p:nvSpPr>
+          <p:cNvPr id="140" name="TextBox 139">
+            <a:extLst>
+              <a:ext uri="{FF2B5EF4-FFF2-40B4-BE49-F238E27FC236}">
+                <a16:creationId xmlns:a16="http://schemas.microsoft.com/office/drawing/2014/main" id="{086B966E-FB77-2A4C-B791-88E4457F1BF6}"/>
+              </a:ext>
+            </a:extLst>
+          </p:cNvPr>
+          <p:cNvSpPr txBox="1"/>
+          <p:nvPr/>
+        </p:nvSpPr>
+        <p:spPr>
+          <a:xfrm>
+            <a:off x="6688922" y="2708533"/>
+            <a:ext cx="189257" cy="178683"/>
+          </a:xfrm>
+          <a:prstGeom prst="rect">
+            <a:avLst/>
+          </a:prstGeom>
+          <a:noFill/>
+        </p:spPr>
+        <p:txBody>
+          <a:bodyPr wrap="square" lIns="0" tIns="0" rIns="0" bIns="0" rtlCol="0">
+            <a:noAutofit/>
+          </a:bodyPr>
+          <a:lstStyle/>
+          <a:p>
+            <a:pPr algn="ctr"/>
+            <a:r>
+              <a:rPr lang="en-US" sz="1100" dirty="0">
+                <a:solidFill>
+                  <a:srgbClr val="7030A0"/>
+                </a:solidFill>
+              </a:rPr>
+              <a:t>*</a:t>
+            </a:r>
+            <a:endParaRPr lang="en-SG" sz="1100" dirty="0">
+              <a:solidFill>
+                <a:srgbClr val="7030A0"/>
+              </a:solidFill>
+            </a:endParaRPr>
+          </a:p>
+        </p:txBody>
+      </p:sp>
     </p:spTree>
     <p:extLst>
       <p:ext uri="{BB962C8B-B14F-4D97-AF65-F5344CB8AC3E}">

--- a/docs/diagrams/ModelComponentClassDiagram.pptx
+++ b/docs/diagrams/ModelComponentClassDiagram.pptx
@@ -208,7 +208,7 @@
           <a:p>
             <a:fld id="{F5CC4B3F-88C1-4FFA-B1B6-F41C21DC6924}" type="datetimeFigureOut">
               <a:rPr lang="en-US" smtClean="0"/>
-              <a:t>12/5/2018</a:t>
+              <a:t>3/9/19</a:t>
             </a:fld>
             <a:endParaRPr lang="en-US"/>
           </a:p>
@@ -654,7 +654,7 @@
           <a:p>
             <a:fld id="{78C97017-6FC3-485B-9764-EAC9E56C1D49}" type="datetimeFigureOut">
               <a:rPr lang="en-US" smtClean="0"/>
-              <a:t>12/5/2018</a:t>
+              <a:t>3/9/19</a:t>
             </a:fld>
             <a:endParaRPr lang="en-US"/>
           </a:p>
@@ -822,7 +822,7 @@
           <a:p>
             <a:fld id="{78C97017-6FC3-485B-9764-EAC9E56C1D49}" type="datetimeFigureOut">
               <a:rPr lang="en-US" smtClean="0"/>
-              <a:t>12/5/2018</a:t>
+              <a:t>3/9/19</a:t>
             </a:fld>
             <a:endParaRPr lang="en-US"/>
           </a:p>
@@ -1000,7 +1000,7 @@
           <a:p>
             <a:fld id="{78C97017-6FC3-485B-9764-EAC9E56C1D49}" type="datetimeFigureOut">
               <a:rPr lang="en-US" smtClean="0"/>
-              <a:t>12/5/2018</a:t>
+              <a:t>3/9/19</a:t>
             </a:fld>
             <a:endParaRPr lang="en-US"/>
           </a:p>
@@ -1168,7 +1168,7 @@
           <a:p>
             <a:fld id="{78C97017-6FC3-485B-9764-EAC9E56C1D49}" type="datetimeFigureOut">
               <a:rPr lang="en-US" smtClean="0"/>
-              <a:t>12/5/2018</a:t>
+              <a:t>3/9/19</a:t>
             </a:fld>
             <a:endParaRPr lang="en-US"/>
           </a:p>
@@ -1413,7 +1413,7 @@
           <a:p>
             <a:fld id="{78C97017-6FC3-485B-9764-EAC9E56C1D49}" type="datetimeFigureOut">
               <a:rPr lang="en-US" smtClean="0"/>
-              <a:t>12/5/2018</a:t>
+              <a:t>3/9/19</a:t>
             </a:fld>
             <a:endParaRPr lang="en-US"/>
           </a:p>
@@ -1698,7 +1698,7 @@
           <a:p>
             <a:fld id="{78C97017-6FC3-485B-9764-EAC9E56C1D49}" type="datetimeFigureOut">
               <a:rPr lang="en-US" smtClean="0"/>
-              <a:t>12/5/2018</a:t>
+              <a:t>3/9/19</a:t>
             </a:fld>
             <a:endParaRPr lang="en-US"/>
           </a:p>
@@ -2117,7 +2117,7 @@
           <a:p>
             <a:fld id="{78C97017-6FC3-485B-9764-EAC9E56C1D49}" type="datetimeFigureOut">
               <a:rPr lang="en-US" smtClean="0"/>
-              <a:t>12/5/2018</a:t>
+              <a:t>3/9/19</a:t>
             </a:fld>
             <a:endParaRPr lang="en-US"/>
           </a:p>
@@ -2234,7 +2234,7 @@
           <a:p>
             <a:fld id="{78C97017-6FC3-485B-9764-EAC9E56C1D49}" type="datetimeFigureOut">
               <a:rPr lang="en-US" smtClean="0"/>
-              <a:t>12/5/2018</a:t>
+              <a:t>3/9/19</a:t>
             </a:fld>
             <a:endParaRPr lang="en-US"/>
           </a:p>
@@ -2329,7 +2329,7 @@
           <a:p>
             <a:fld id="{78C97017-6FC3-485B-9764-EAC9E56C1D49}" type="datetimeFigureOut">
               <a:rPr lang="en-US" smtClean="0"/>
-              <a:t>12/5/2018</a:t>
+              <a:t>3/9/19</a:t>
             </a:fld>
             <a:endParaRPr lang="en-US"/>
           </a:p>
@@ -2604,7 +2604,7 @@
           <a:p>
             <a:fld id="{78C97017-6FC3-485B-9764-EAC9E56C1D49}" type="datetimeFigureOut">
               <a:rPr lang="en-US" smtClean="0"/>
-              <a:t>12/5/2018</a:t>
+              <a:t>3/9/19</a:t>
             </a:fld>
             <a:endParaRPr lang="en-US"/>
           </a:p>
@@ -2856,7 +2856,7 @@
           <a:p>
             <a:fld id="{78C97017-6FC3-485B-9764-EAC9E56C1D49}" type="datetimeFigureOut">
               <a:rPr lang="en-US" smtClean="0"/>
-              <a:t>12/5/2018</a:t>
+              <a:t>3/9/19</a:t>
             </a:fld>
             <a:endParaRPr lang="en-US"/>
           </a:p>
@@ -3067,7 +3067,7 @@
           <a:p>
             <a:fld id="{78C97017-6FC3-485B-9764-EAC9E56C1D49}" type="datetimeFigureOut">
               <a:rPr lang="en-US" smtClean="0"/>
-              <a:t>12/5/2018</a:t>
+              <a:t>3/9/19</a:t>
             </a:fld>
             <a:endParaRPr lang="en-US"/>
           </a:p>
@@ -3997,7 +3997,7 @@
                   <a:srgbClr val="7030A0"/>
                 </a:solidFill>
               </a:rPr>
-              <a:t>VersionedAddressBook</a:t>
+              <a:t>VersionedPdfBook</a:t>
             </a:r>
             <a:endParaRPr lang="en-SG" sz="1050" dirty="0">
               <a:solidFill>
@@ -4139,7 +4139,7 @@
                   <a:srgbClr val="7030A0"/>
                 </a:solidFill>
               </a:rPr>
-              <a:t>UniquePersonList</a:t>
+              <a:t>UniquePdfList</a:t>
             </a:r>
             <a:endParaRPr lang="en-SG" sz="1050" dirty="0">
               <a:solidFill>
@@ -4242,7 +4242,7 @@
                   <a:srgbClr val="7030A0"/>
                 </a:solidFill>
               </a:rPr>
-              <a:t>Person</a:t>
+              <a:t>Pdf</a:t>
             </a:r>
             <a:endParaRPr lang="en-SG" sz="1050" dirty="0">
               <a:solidFill>
@@ -4527,7 +4527,7 @@
                   <a:srgbClr val="7030A0"/>
                 </a:solidFill>
               </a:rPr>
-              <a:t>Phone</a:t>
+              <a:t>Size</a:t>
             </a:r>
             <a:endParaRPr lang="en-SG" sz="1050" dirty="0">
               <a:solidFill>
@@ -4580,13 +4580,13 @@
       </p:cxnSp>
       <p:sp>
         <p:nvSpPr>
-          <p:cNvPr id="83" name="Rectangle 8"/>
+          <p:cNvPr id="85" name="Rectangle 8"/>
           <p:cNvSpPr/>
           <p:nvPr/>
         </p:nvSpPr>
         <p:spPr>
           <a:xfrm>
-            <a:off x="7712397" y="3210194"/>
+            <a:off x="7712397" y="3210503"/>
             <a:ext cx="708186" cy="285783"/>
           </a:xfrm>
           <a:prstGeom prst="rect">
@@ -4624,104 +4624,7 @@
                   <a:srgbClr val="7030A0"/>
                 </a:solidFill>
               </a:rPr>
-              <a:t>Email</a:t>
-            </a:r>
-            <a:endParaRPr lang="en-SG" sz="1050" dirty="0">
-              <a:solidFill>
-                <a:srgbClr val="7030A0"/>
-              </a:solidFill>
-            </a:endParaRPr>
-          </a:p>
-        </p:txBody>
-      </p:sp>
-      <p:cxnSp>
-        <p:nvCxnSpPr>
-          <p:cNvPr id="84" name="Elbow Connector 83"/>
-          <p:cNvCxnSpPr>
-            <a:stCxn id="78" idx="3"/>
-            <a:endCxn id="83" idx="1"/>
-          </p:cNvCxnSpPr>
-          <p:nvPr/>
-        </p:nvCxnSpPr>
-        <p:spPr>
-          <a:xfrm>
-            <a:off x="7277995" y="3034891"/>
-            <a:ext cx="434402" cy="318195"/>
-          </a:xfrm>
-          <a:prstGeom prst="bentConnector3">
-            <a:avLst/>
-          </a:prstGeom>
-          <a:ln w="19050">
-            <a:solidFill>
-              <a:srgbClr val="7030A0"/>
-            </a:solidFill>
-            <a:headEnd type="none" w="med" len="med"/>
-            <a:tailEnd type="arrow" w="med" len="med"/>
-          </a:ln>
-          <a:effectLst/>
-        </p:spPr>
-        <p:style>
-          <a:lnRef idx="1">
-            <a:schemeClr val="accent2"/>
-          </a:lnRef>
-          <a:fillRef idx="2">
-            <a:schemeClr val="accent2"/>
-          </a:fillRef>
-          <a:effectRef idx="1">
-            <a:schemeClr val="accent2"/>
-          </a:effectRef>
-          <a:fontRef idx="minor">
-            <a:schemeClr val="dk1"/>
-          </a:fontRef>
-        </p:style>
-      </p:cxnSp>
-      <p:sp>
-        <p:nvSpPr>
-          <p:cNvPr id="85" name="Rectangle 8"/>
-          <p:cNvSpPr/>
-          <p:nvPr/>
-        </p:nvSpPr>
-        <p:spPr>
-          <a:xfrm>
-            <a:off x="7712397" y="3533171"/>
-            <a:ext cx="708186" cy="285783"/>
-          </a:xfrm>
-          <a:prstGeom prst="rect">
-            <a:avLst/>
-          </a:prstGeom>
-          <a:ln w="19050">
-            <a:solidFill>
-              <a:srgbClr val="7030A0"/>
-            </a:solidFill>
-          </a:ln>
-          <a:effectLst/>
-        </p:spPr>
-        <p:style>
-          <a:lnRef idx="1">
-            <a:schemeClr val="accent4"/>
-          </a:lnRef>
-          <a:fillRef idx="2">
-            <a:schemeClr val="accent4"/>
-          </a:fillRef>
-          <a:effectRef idx="1">
-            <a:schemeClr val="accent4"/>
-          </a:effectRef>
-          <a:fontRef idx="minor">
-            <a:schemeClr val="dk1"/>
-          </a:fontRef>
-        </p:style>
-        <p:txBody>
-          <a:bodyPr rtlCol="0" anchor="ctr"/>
-          <a:lstStyle/>
-          <a:p>
-            <a:pPr algn="ctr"/>
-            <a:r>
-              <a:rPr lang="en-US" sz="1050" dirty="0">
-                <a:solidFill>
-                  <a:srgbClr val="7030A0"/>
-                </a:solidFill>
-              </a:rPr>
-              <a:t>Address</a:t>
+              <a:t>Location</a:t>
             </a:r>
             <a:endParaRPr lang="en-SG" sz="1050" dirty="0">
               <a:solidFill>
@@ -4743,7 +4646,7 @@
         <p:spPr>
           <a:xfrm>
             <a:off x="7277995" y="3034891"/>
-            <a:ext cx="434402" cy="641172"/>
+            <a:ext cx="434402" cy="318504"/>
           </a:xfrm>
           <a:prstGeom prst="bentConnector3">
             <a:avLst/>
@@ -4931,7 +4834,7 @@
                   <a:srgbClr val="7030A0"/>
                 </a:solidFill>
               </a:rPr>
-              <a:t>ReadOnlyAddressBook</a:t>
+              <a:t>ReadOnlyPdfBook</a:t>
             </a:r>
             <a:endParaRPr lang="en-SG" sz="1050" dirty="0">
               <a:solidFill>
@@ -5340,7 +5243,7 @@
                   <a:srgbClr val="7030A0"/>
                 </a:solidFill>
               </a:rPr>
-              <a:t>Tag</a:t>
+              <a:t>Label</a:t>
             </a:r>
             <a:endParaRPr lang="en-SG" sz="1050" dirty="0">
               <a:solidFill>
@@ -5491,7 +5394,7 @@
                   <a:srgbClr val="7030A0"/>
                 </a:solidFill>
               </a:rPr>
-              <a:t>AddressBook</a:t>
+              <a:t>PdfBook</a:t>
             </a:r>
             <a:endParaRPr lang="en-SG" sz="1050" dirty="0">
               <a:solidFill>

--- a/docs/diagrams/ModelComponentClassDiagram.pptx
+++ b/docs/diagrams/ModelComponentClassDiagram.pptx
@@ -208,7 +208,7 @@
           <a:p>
             <a:fld id="{F5CC4B3F-88C1-4FFA-B1B6-F41C21DC6924}" type="datetimeFigureOut">
               <a:rPr lang="en-US" smtClean="0"/>
-              <a:t>3/6/19</a:t>
+              <a:t>3/10/19</a:t>
             </a:fld>
             <a:endParaRPr lang="en-US"/>
           </a:p>
@@ -654,7 +654,7 @@
           <a:p>
             <a:fld id="{78C97017-6FC3-485B-9764-EAC9E56C1D49}" type="datetimeFigureOut">
               <a:rPr lang="en-US" smtClean="0"/>
-              <a:t>3/6/19</a:t>
+              <a:t>3/10/19</a:t>
             </a:fld>
             <a:endParaRPr lang="en-US"/>
           </a:p>
@@ -822,7 +822,7 @@
           <a:p>
             <a:fld id="{78C97017-6FC3-485B-9764-EAC9E56C1D49}" type="datetimeFigureOut">
               <a:rPr lang="en-US" smtClean="0"/>
-              <a:t>3/6/19</a:t>
+              <a:t>3/10/19</a:t>
             </a:fld>
             <a:endParaRPr lang="en-US"/>
           </a:p>
@@ -1000,7 +1000,7 @@
           <a:p>
             <a:fld id="{78C97017-6FC3-485B-9764-EAC9E56C1D49}" type="datetimeFigureOut">
               <a:rPr lang="en-US" smtClean="0"/>
-              <a:t>3/6/19</a:t>
+              <a:t>3/10/19</a:t>
             </a:fld>
             <a:endParaRPr lang="en-US"/>
           </a:p>
@@ -1168,7 +1168,7 @@
           <a:p>
             <a:fld id="{78C97017-6FC3-485B-9764-EAC9E56C1D49}" type="datetimeFigureOut">
               <a:rPr lang="en-US" smtClean="0"/>
-              <a:t>3/6/19</a:t>
+              <a:t>3/10/19</a:t>
             </a:fld>
             <a:endParaRPr lang="en-US"/>
           </a:p>
@@ -1413,7 +1413,7 @@
           <a:p>
             <a:fld id="{78C97017-6FC3-485B-9764-EAC9E56C1D49}" type="datetimeFigureOut">
               <a:rPr lang="en-US" smtClean="0"/>
-              <a:t>3/6/19</a:t>
+              <a:t>3/10/19</a:t>
             </a:fld>
             <a:endParaRPr lang="en-US"/>
           </a:p>
@@ -1698,7 +1698,7 @@
           <a:p>
             <a:fld id="{78C97017-6FC3-485B-9764-EAC9E56C1D49}" type="datetimeFigureOut">
               <a:rPr lang="en-US" smtClean="0"/>
-              <a:t>3/6/19</a:t>
+              <a:t>3/10/19</a:t>
             </a:fld>
             <a:endParaRPr lang="en-US"/>
           </a:p>
@@ -2117,7 +2117,7 @@
           <a:p>
             <a:fld id="{78C97017-6FC3-485B-9764-EAC9E56C1D49}" type="datetimeFigureOut">
               <a:rPr lang="en-US" smtClean="0"/>
-              <a:t>3/6/19</a:t>
+              <a:t>3/10/19</a:t>
             </a:fld>
             <a:endParaRPr lang="en-US"/>
           </a:p>
@@ -2234,7 +2234,7 @@
           <a:p>
             <a:fld id="{78C97017-6FC3-485B-9764-EAC9E56C1D49}" type="datetimeFigureOut">
               <a:rPr lang="en-US" smtClean="0"/>
-              <a:t>3/6/19</a:t>
+              <a:t>3/10/19</a:t>
             </a:fld>
             <a:endParaRPr lang="en-US"/>
           </a:p>
@@ -2329,7 +2329,7 @@
           <a:p>
             <a:fld id="{78C97017-6FC3-485B-9764-EAC9E56C1D49}" type="datetimeFigureOut">
               <a:rPr lang="en-US" smtClean="0"/>
-              <a:t>3/6/19</a:t>
+              <a:t>3/10/19</a:t>
             </a:fld>
             <a:endParaRPr lang="en-US"/>
           </a:p>
@@ -2604,7 +2604,7 @@
           <a:p>
             <a:fld id="{78C97017-6FC3-485B-9764-EAC9E56C1D49}" type="datetimeFigureOut">
               <a:rPr lang="en-US" smtClean="0"/>
-              <a:t>3/6/19</a:t>
+              <a:t>3/10/19</a:t>
             </a:fld>
             <a:endParaRPr lang="en-US"/>
           </a:p>
@@ -2856,7 +2856,7 @@
           <a:p>
             <a:fld id="{78C97017-6FC3-485B-9764-EAC9E56C1D49}" type="datetimeFigureOut">
               <a:rPr lang="en-US" smtClean="0"/>
-              <a:t>3/6/19</a:t>
+              <a:t>3/10/19</a:t>
             </a:fld>
             <a:endParaRPr lang="en-US"/>
           </a:p>
@@ -3067,7 +3067,7 @@
           <a:p>
             <a:fld id="{78C97017-6FC3-485B-9764-EAC9E56C1D49}" type="datetimeFigureOut">
               <a:rPr lang="en-US" smtClean="0"/>
-              <a:t>3/6/19</a:t>
+              <a:t>3/10/19</a:t>
             </a:fld>
             <a:endParaRPr lang="en-US"/>
           </a:p>
@@ -3450,8 +3450,8 @@
         </p:nvSpPr>
         <p:spPr>
           <a:xfrm>
-            <a:off x="1119865" y="1514175"/>
-            <a:ext cx="7490735" cy="3950960"/>
+            <a:off x="269602" y="1453814"/>
+            <a:ext cx="8756426" cy="3950960"/>
           </a:xfrm>
           <a:prstGeom prst="roundRect">
             <a:avLst>
@@ -3511,8 +3511,8 @@
         </p:nvSpPr>
         <p:spPr>
           <a:xfrm>
-            <a:off x="2825280" y="3463240"/>
-            <a:ext cx="878211" cy="346760"/>
+            <a:off x="1940589" y="3402585"/>
+            <a:ext cx="902420" cy="346760"/>
           </a:xfrm>
           <a:prstGeom prst="rect">
             <a:avLst/>
@@ -3567,8 +3567,8 @@
         </p:nvSpPr>
         <p:spPr>
           <a:xfrm rot="16200000">
-            <a:off x="1322895" y="3436403"/>
-            <a:ext cx="1770942" cy="346760"/>
+            <a:off x="442983" y="3370968"/>
+            <a:ext cx="1770942" cy="356319"/>
           </a:xfrm>
           <a:prstGeom prst="rect">
             <a:avLst/>
@@ -3630,12 +3630,12 @@
         </p:nvCxnSpPr>
         <p:spPr>
           <a:xfrm rot="5400000" flipH="1" flipV="1">
-            <a:off x="3792854" y="1620338"/>
-            <a:ext cx="1290428" cy="4459404"/>
+            <a:off x="2915433" y="1557192"/>
+            <a:ext cx="1290428" cy="4464385"/>
           </a:xfrm>
           <a:prstGeom prst="bentConnector3">
             <a:avLst>
-              <a:gd name="adj1" fmla="val 35780"/>
+              <a:gd name="adj1" fmla="val 37097"/>
             </a:avLst>
           </a:prstGeom>
           <a:ln w="19050">
@@ -3671,8 +3671,8 @@
         </p:nvSpPr>
         <p:spPr>
           <a:xfrm rot="16200000">
-            <a:off x="956202" y="2861202"/>
-            <a:ext cx="1093635" cy="346760"/>
+            <a:off x="76290" y="2795767"/>
+            <a:ext cx="1093635" cy="356319"/>
           </a:xfrm>
           <a:prstGeom prst="rect">
             <a:avLst/>
@@ -3741,8 +3741,8 @@
         </p:nvSpPr>
         <p:spPr>
           <a:xfrm rot="16200000">
-            <a:off x="1626910" y="2952291"/>
-            <a:ext cx="270504" cy="175523"/>
+            <a:off x="744639" y="2889217"/>
+            <a:ext cx="270504" cy="180361"/>
           </a:xfrm>
           <a:prstGeom prst="triangle">
             <a:avLst/>
@@ -3792,8 +3792,8 @@
         </p:nvCxnSpPr>
         <p:spPr>
           <a:xfrm>
-            <a:off x="2609828" y="3636620"/>
-            <a:ext cx="215452" cy="0"/>
+            <a:off x="1731643" y="3575965"/>
+            <a:ext cx="208946" cy="0"/>
           </a:xfrm>
           <a:prstGeom prst="straightConnector1">
             <a:avLst/>
@@ -3832,8 +3832,8 @@
         </p:nvCxnSpPr>
         <p:spPr>
           <a:xfrm>
-            <a:off x="910091" y="3040053"/>
-            <a:ext cx="419548" cy="2860"/>
+            <a:off x="25400" y="2979398"/>
+            <a:ext cx="431113" cy="4247"/>
           </a:xfrm>
           <a:prstGeom prst="bentConnector3">
             <a:avLst>
@@ -3876,9 +3876,9 @@
           <p:nvPr/>
         </p:nvCxnSpPr>
         <p:spPr>
-          <a:xfrm flipV="1">
-            <a:off x="1849924" y="3040052"/>
-            <a:ext cx="216105" cy="1"/>
+          <a:xfrm>
+            <a:off x="970072" y="2979398"/>
+            <a:ext cx="211266" cy="0"/>
           </a:xfrm>
           <a:prstGeom prst="line">
             <a:avLst/>
@@ -3916,8 +3916,8 @@
         </p:nvSpPr>
         <p:spPr>
           <a:xfrm>
-            <a:off x="2373780" y="3549930"/>
-            <a:ext cx="236048" cy="173380"/>
+            <a:off x="1489088" y="3489275"/>
+            <a:ext cx="242555" cy="173380"/>
           </a:xfrm>
           <a:prstGeom prst="flowChartDecision">
             <a:avLst/>
@@ -3961,8 +3961,8 @@
         </p:nvSpPr>
         <p:spPr>
           <a:xfrm>
-            <a:off x="2825280" y="2846162"/>
-            <a:ext cx="1490560" cy="334856"/>
+            <a:off x="1940588" y="2785507"/>
+            <a:ext cx="1531649" cy="334856"/>
           </a:xfrm>
           <a:prstGeom prst="rect">
             <a:avLst/>
@@ -4021,8 +4021,8 @@
         </p:nvCxnSpPr>
         <p:spPr>
           <a:xfrm>
-            <a:off x="2624360" y="3003033"/>
-            <a:ext cx="200920" cy="10557"/>
+            <a:off x="1746175" y="2942378"/>
+            <a:ext cx="194413" cy="10557"/>
           </a:xfrm>
           <a:prstGeom prst="straightConnector1">
             <a:avLst/>
@@ -4059,8 +4059,8 @@
         </p:nvSpPr>
         <p:spPr>
           <a:xfrm>
-            <a:off x="2388312" y="2916343"/>
-            <a:ext cx="236048" cy="173380"/>
+            <a:off x="1503620" y="2855688"/>
+            <a:ext cx="242555" cy="173380"/>
           </a:xfrm>
           <a:prstGeom prst="flowChartDecision">
             <a:avLst/>
@@ -4104,8 +4104,8 @@
         </p:nvSpPr>
         <p:spPr>
           <a:xfrm>
-            <a:off x="4692650" y="2846162"/>
-            <a:ext cx="1156969" cy="346760"/>
+            <a:off x="3807959" y="2785507"/>
+            <a:ext cx="1188862" cy="346760"/>
           </a:xfrm>
           <a:prstGeom prst="rect">
             <a:avLst/>
@@ -4160,8 +4160,8 @@
         </p:nvSpPr>
         <p:spPr>
           <a:xfrm>
-            <a:off x="4324972" y="2920532"/>
-            <a:ext cx="236048" cy="173380"/>
+            <a:off x="3440280" y="2859877"/>
+            <a:ext cx="242555" cy="173380"/>
           </a:xfrm>
           <a:prstGeom prst="flowChartDecision">
             <a:avLst/>
@@ -4207,8 +4207,8 @@
         </p:nvSpPr>
         <p:spPr>
           <a:xfrm>
-            <a:off x="6313677" y="2858066"/>
-            <a:ext cx="708186" cy="346760"/>
+            <a:off x="5428986" y="2797411"/>
+            <a:ext cx="727708" cy="346760"/>
           </a:xfrm>
           <a:prstGeom prst="rect">
             <a:avLst/>
@@ -4263,8 +4263,8 @@
         </p:nvSpPr>
         <p:spPr>
           <a:xfrm>
-            <a:off x="5858751" y="2941676"/>
-            <a:ext cx="236048" cy="173380"/>
+            <a:off x="4974059" y="2881021"/>
+            <a:ext cx="242555" cy="173380"/>
           </a:xfrm>
           <a:prstGeom prst="flowChartDecision">
             <a:avLst/>
@@ -4312,8 +4312,8 @@
         </p:nvCxnSpPr>
         <p:spPr>
           <a:xfrm>
-            <a:off x="6094799" y="3028366"/>
-            <a:ext cx="218878" cy="3080"/>
+            <a:off x="5216614" y="2967711"/>
+            <a:ext cx="212372" cy="3080"/>
           </a:xfrm>
           <a:prstGeom prst="bentConnector3">
             <a:avLst/>
@@ -4350,8 +4350,8 @@
         </p:nvSpPr>
         <p:spPr>
           <a:xfrm>
-            <a:off x="7712397" y="2564238"/>
-            <a:ext cx="708186" cy="285783"/>
+            <a:off x="6827706" y="2503583"/>
+            <a:ext cx="827204" cy="285783"/>
           </a:xfrm>
           <a:prstGeom prst="rect">
             <a:avLst/>
@@ -4406,8 +4406,8 @@
         </p:nvSpPr>
         <p:spPr>
           <a:xfrm>
-            <a:off x="7041947" y="2948201"/>
-            <a:ext cx="236048" cy="173380"/>
+            <a:off x="6157255" y="2887546"/>
+            <a:ext cx="242555" cy="173380"/>
           </a:xfrm>
           <a:prstGeom prst="flowChartDecision">
             <a:avLst/>
@@ -4455,7 +4455,7 @@
         </p:nvCxnSpPr>
         <p:spPr>
           <a:xfrm flipV="1">
-            <a:off x="7277995" y="2706821"/>
+            <a:off x="6393304" y="2646167"/>
             <a:ext cx="434402" cy="327761"/>
           </a:xfrm>
           <a:prstGeom prst="bentConnector3">
@@ -4493,8 +4493,8 @@
         </p:nvSpPr>
         <p:spPr>
           <a:xfrm>
-            <a:off x="7712397" y="2887216"/>
-            <a:ext cx="708186" cy="285783"/>
+            <a:off x="6827706" y="2826561"/>
+            <a:ext cx="827204" cy="285783"/>
           </a:xfrm>
           <a:prstGeom prst="rect">
             <a:avLst/>
@@ -4545,6 +4545,7 @@
         <p:nvCxnSpPr>
           <p:cNvPr id="81" name="Elbow Connector 80"/>
           <p:cNvCxnSpPr>
+            <a:cxnSpLocks/>
             <a:stCxn id="78" idx="3"/>
             <a:endCxn id="80" idx="1"/>
           </p:cNvCxnSpPr>
@@ -4552,8 +4553,8 @@
         </p:nvCxnSpPr>
         <p:spPr>
           <a:xfrm flipV="1">
-            <a:off x="7277995" y="3030108"/>
-            <a:ext cx="434402" cy="4783"/>
+            <a:off x="6399810" y="2969453"/>
+            <a:ext cx="427896" cy="4783"/>
           </a:xfrm>
           <a:prstGeom prst="bentConnector3">
             <a:avLst/>
@@ -4590,8 +4591,8 @@
         </p:nvSpPr>
         <p:spPr>
           <a:xfrm>
-            <a:off x="7712397" y="3210194"/>
-            <a:ext cx="708186" cy="285783"/>
+            <a:off x="6827705" y="3149539"/>
+            <a:ext cx="827205" cy="285783"/>
           </a:xfrm>
           <a:prstGeom prst="rect">
             <a:avLst/>
@@ -4642,6 +4643,7 @@
         <p:nvCxnSpPr>
           <p:cNvPr id="84" name="Elbow Connector 83"/>
           <p:cNvCxnSpPr>
+            <a:cxnSpLocks/>
             <a:stCxn id="78" idx="3"/>
             <a:endCxn id="83" idx="1"/>
           </p:cNvCxnSpPr>
@@ -4649,8 +4651,8 @@
         </p:nvCxnSpPr>
         <p:spPr>
           <a:xfrm>
-            <a:off x="7277995" y="3034891"/>
-            <a:ext cx="434402" cy="318195"/>
+            <a:off x="6399810" y="2974236"/>
+            <a:ext cx="427895" cy="318195"/>
           </a:xfrm>
           <a:prstGeom prst="bentConnector3">
             <a:avLst/>
@@ -4687,8 +4689,8 @@
         </p:nvSpPr>
         <p:spPr>
           <a:xfrm>
-            <a:off x="7712397" y="3533171"/>
-            <a:ext cx="708186" cy="285783"/>
+            <a:off x="6827706" y="3489275"/>
+            <a:ext cx="827206" cy="269024"/>
           </a:xfrm>
           <a:prstGeom prst="rect">
             <a:avLst/>
@@ -4720,7 +4722,7 @@
           <a:p>
             <a:pPr algn="ctr"/>
             <a:r>
-              <a:rPr lang="en-US" sz="800" dirty="0">
+              <a:rPr lang="en-US" sz="1050" dirty="0">
                 <a:solidFill>
                   <a:srgbClr val="7030A0"/>
                 </a:solidFill>
@@ -4739,6 +4741,7 @@
         <p:nvCxnSpPr>
           <p:cNvPr id="86" name="Elbow Connector 85"/>
           <p:cNvCxnSpPr>
+            <a:cxnSpLocks/>
             <a:stCxn id="78" idx="3"/>
             <a:endCxn id="85" idx="1"/>
           </p:cNvCxnSpPr>
@@ -4746,8 +4749,8 @@
         </p:nvCxnSpPr>
         <p:spPr>
           <a:xfrm>
-            <a:off x="7277995" y="3034891"/>
-            <a:ext cx="434402" cy="641172"/>
+            <a:off x="6399810" y="2974236"/>
+            <a:ext cx="427896" cy="649551"/>
           </a:xfrm>
           <a:prstGeom prst="bentConnector3">
             <a:avLst/>
@@ -4786,9 +4789,9 @@
           <p:nvPr/>
         </p:nvCxnSpPr>
         <p:spPr>
-          <a:xfrm rot="16200000" flipH="1">
-            <a:off x="3566454" y="2680653"/>
-            <a:ext cx="274076" cy="1"/>
+          <a:xfrm rot="5400000">
+            <a:off x="2683709" y="2618054"/>
+            <a:ext cx="274076" cy="3891"/>
           </a:xfrm>
           <a:prstGeom prst="bentConnector3">
             <a:avLst>
@@ -4828,8 +4831,8 @@
         </p:nvSpPr>
         <p:spPr>
           <a:xfrm rot="10800000" flipV="1">
-            <a:off x="3562299" y="2386554"/>
-            <a:ext cx="282387" cy="157062"/>
+            <a:off x="2677607" y="2325899"/>
+            <a:ext cx="290171" cy="157062"/>
           </a:xfrm>
           <a:prstGeom prst="triangle">
             <a:avLst/>
@@ -4882,8 +4885,8 @@
         </p:nvSpPr>
         <p:spPr>
           <a:xfrm>
-            <a:off x="1260922" y="1998350"/>
-            <a:ext cx="1443661" cy="364396"/>
+            <a:off x="376231" y="1937695"/>
+            <a:ext cx="1483457" cy="364396"/>
           </a:xfrm>
           <a:prstGeom prst="rect">
             <a:avLst/>
@@ -4953,7 +4956,7 @@
         </p:nvSpPr>
         <p:spPr>
           <a:xfrm rot="16200000">
-            <a:off x="6115000" y="3592505"/>
+            <a:off x="5230309" y="3531850"/>
             <a:ext cx="881018" cy="261610"/>
           </a:xfrm>
           <a:prstGeom prst="rect">
@@ -4992,8 +4995,8 @@
         </p:nvSpPr>
         <p:spPr>
           <a:xfrm>
-            <a:off x="2066029" y="4934381"/>
-            <a:ext cx="1066800" cy="346760"/>
+            <a:off x="1181337" y="4873726"/>
+            <a:ext cx="1096207" cy="346760"/>
           </a:xfrm>
           <a:prstGeom prst="rect">
             <a:avLst/>
@@ -5067,8 +5070,8 @@
         </p:nvCxnSpPr>
         <p:spPr>
           <a:xfrm rot="16200000" flipH="1">
-            <a:off x="1021344" y="4063075"/>
-            <a:ext cx="1526361" cy="563009"/>
+            <a:off x="139041" y="4004810"/>
+            <a:ext cx="1526362" cy="558229"/>
           </a:xfrm>
           <a:prstGeom prst="bentConnector2">
             <a:avLst/>
@@ -5106,8 +5109,8 @@
         </p:nvSpPr>
         <p:spPr>
           <a:xfrm>
-            <a:off x="4429979" y="3111479"/>
-            <a:ext cx="189257" cy="178683"/>
+            <a:off x="3545288" y="3050824"/>
+            <a:ext cx="194474" cy="178683"/>
           </a:xfrm>
           <a:prstGeom prst="rect">
             <a:avLst/>
@@ -5145,8 +5148,8 @@
         </p:nvSpPr>
         <p:spPr>
           <a:xfrm>
-            <a:off x="6143744" y="2847460"/>
-            <a:ext cx="189257" cy="178683"/>
+            <a:off x="5259053" y="2786805"/>
+            <a:ext cx="194474" cy="178683"/>
           </a:xfrm>
           <a:prstGeom prst="rect">
             <a:avLst/>
@@ -5184,8 +5187,8 @@
         </p:nvSpPr>
         <p:spPr>
           <a:xfrm>
-            <a:off x="2573394" y="2756715"/>
-            <a:ext cx="170110" cy="137542"/>
+            <a:off x="1688702" y="2696060"/>
+            <a:ext cx="174799" cy="137542"/>
           </a:xfrm>
           <a:prstGeom prst="rect">
             <a:avLst/>
@@ -5223,8 +5226,8 @@
         </p:nvSpPr>
         <p:spPr>
           <a:xfrm>
-            <a:off x="2630191" y="3667737"/>
-            <a:ext cx="189257" cy="178683"/>
+            <a:off x="1745500" y="3607082"/>
+            <a:ext cx="194474" cy="178683"/>
           </a:xfrm>
           <a:prstGeom prst="rect">
             <a:avLst/>
@@ -5262,8 +5265,8 @@
         </p:nvSpPr>
         <p:spPr>
           <a:xfrm>
-            <a:off x="6674558" y="3202329"/>
-            <a:ext cx="189257" cy="178683"/>
+            <a:off x="5789867" y="3141674"/>
+            <a:ext cx="194474" cy="178683"/>
           </a:xfrm>
           <a:prstGeom prst="rect">
             <a:avLst/>
@@ -5307,8 +5310,8 @@
         </p:nvSpPr>
         <p:spPr>
           <a:xfrm>
-            <a:off x="7712397" y="2228817"/>
-            <a:ext cx="708186" cy="285783"/>
+            <a:off x="6827705" y="2168162"/>
+            <a:ext cx="827203" cy="285783"/>
           </a:xfrm>
           <a:prstGeom prst="rect">
             <a:avLst/>
@@ -5373,8 +5376,8 @@
         </p:nvCxnSpPr>
         <p:spPr>
           <a:xfrm flipV="1">
-            <a:off x="7277995" y="2371709"/>
-            <a:ext cx="434402" cy="663182"/>
+            <a:off x="6399810" y="2311054"/>
+            <a:ext cx="427895" cy="663182"/>
           </a:xfrm>
           <a:prstGeom prst="bentConnector3">
             <a:avLst>
@@ -5419,8 +5422,8 @@
         </p:nvSpPr>
         <p:spPr>
           <a:xfrm>
-            <a:off x="7466243" y="2255711"/>
-            <a:ext cx="189257" cy="178683"/>
+            <a:off x="6557201" y="1860703"/>
+            <a:ext cx="194474" cy="178683"/>
           </a:xfrm>
           <a:prstGeom prst="rect">
             <a:avLst/>
@@ -5458,8 +5461,8 @@
         </p:nvSpPr>
         <p:spPr>
           <a:xfrm>
-            <a:off x="3170181" y="1998350"/>
-            <a:ext cx="1060683" cy="364396"/>
+            <a:off x="2285490" y="1937695"/>
+            <a:ext cx="1089922" cy="364396"/>
           </a:xfrm>
           <a:prstGeom prst="rect">
             <a:avLst/>
@@ -5518,8 +5521,8 @@
         </p:nvCxnSpPr>
         <p:spPr>
           <a:xfrm>
-            <a:off x="4324972" y="3007222"/>
-            <a:ext cx="367678" cy="12320"/>
+            <a:off x="3440280" y="2946567"/>
+            <a:ext cx="367679" cy="12320"/>
           </a:xfrm>
           <a:prstGeom prst="straightConnector1">
             <a:avLst/>
@@ -5556,8 +5559,8 @@
         </p:nvSpPr>
         <p:spPr>
           <a:xfrm rot="16200000">
-            <a:off x="2669073" y="2069158"/>
-            <a:ext cx="271014" cy="187417"/>
+            <a:off x="1786967" y="2005919"/>
+            <a:ext cx="271014" cy="192585"/>
           </a:xfrm>
           <a:prstGeom prst="triangle">
             <a:avLst>
@@ -5611,8 +5614,8 @@
         </p:nvCxnSpPr>
         <p:spPr>
           <a:xfrm>
-            <a:off x="2898289" y="2177727"/>
-            <a:ext cx="271892" cy="2821"/>
+            <a:off x="2018767" y="2117072"/>
+            <a:ext cx="266723" cy="2821"/>
           </a:xfrm>
           <a:prstGeom prst="bentConnector3">
             <a:avLst>
@@ -5658,8 +5661,8 @@
         </p:nvSpPr>
         <p:spPr>
           <a:xfrm>
-            <a:off x="4238892" y="3460864"/>
-            <a:ext cx="1293486" cy="346760"/>
+            <a:off x="3354201" y="3400209"/>
+            <a:ext cx="1329142" cy="346760"/>
           </a:xfrm>
           <a:prstGeom prst="rect">
             <a:avLst/>
@@ -5731,8 +5734,8 @@
         </p:nvSpPr>
         <p:spPr>
           <a:xfrm rot="5400000" flipH="1">
-            <a:off x="3992636" y="3514414"/>
-            <a:ext cx="271014" cy="221497"/>
+            <a:off x="3110998" y="3450706"/>
+            <a:ext cx="271014" cy="227603"/>
           </a:xfrm>
           <a:prstGeom prst="triangle">
             <a:avLst>
@@ -5793,8 +5796,8 @@
         </p:nvCxnSpPr>
         <p:spPr>
           <a:xfrm rot="10800000">
-            <a:off x="3703491" y="3636621"/>
-            <a:ext cx="313904" cy="3403"/>
+            <a:off x="2843010" y="3575966"/>
+            <a:ext cx="289695" cy="3403"/>
           </a:xfrm>
           <a:prstGeom prst="bentConnector3">
             <a:avLst>
@@ -5840,8 +5843,8 @@
         </p:nvSpPr>
         <p:spPr>
           <a:xfrm>
-            <a:off x="6140799" y="4157726"/>
-            <a:ext cx="878211" cy="212308"/>
+            <a:off x="5256108" y="4097071"/>
+            <a:ext cx="902420" cy="212308"/>
           </a:xfrm>
           <a:prstGeom prst="rect">
             <a:avLst/>
@@ -5902,8 +5905,8 @@
         </p:nvSpPr>
         <p:spPr>
           <a:xfrm>
-            <a:off x="7524286" y="4120694"/>
-            <a:ext cx="878211" cy="285783"/>
+            <a:off x="6674023" y="4060333"/>
+            <a:ext cx="902420" cy="285783"/>
           </a:xfrm>
           <a:prstGeom prst="rect">
             <a:avLst/>
@@ -5964,8 +5967,8 @@
         </p:nvSpPr>
         <p:spPr>
           <a:xfrm>
-            <a:off x="7028245" y="4176895"/>
-            <a:ext cx="236048" cy="173380"/>
+            <a:off x="6177981" y="4116534"/>
+            <a:ext cx="242555" cy="173380"/>
           </a:xfrm>
           <a:prstGeom prst="flowChartDecision">
             <a:avLst/>
@@ -6019,8 +6022,8 @@
         </p:nvCxnSpPr>
         <p:spPr>
           <a:xfrm>
-            <a:off x="7156608" y="4264164"/>
-            <a:ext cx="367678" cy="12320"/>
+            <a:off x="6306345" y="4203803"/>
+            <a:ext cx="377813" cy="18295"/>
           </a:xfrm>
           <a:prstGeom prst="straightConnector1">
             <a:avLst/>
@@ -6065,7 +6068,7 @@
         </p:nvCxnSpPr>
         <p:spPr>
           <a:xfrm>
-            <a:off x="6921617" y="3210194"/>
+            <a:off x="6036926" y="3149539"/>
             <a:ext cx="12583" cy="947532"/>
           </a:xfrm>
           <a:prstGeom prst="straightConnector1">
@@ -6108,8 +6111,8 @@
         </p:nvSpPr>
         <p:spPr>
           <a:xfrm>
-            <a:off x="6915656" y="3221638"/>
-            <a:ext cx="189257" cy="178683"/>
+            <a:off x="6030965" y="3160983"/>
+            <a:ext cx="194474" cy="178683"/>
           </a:xfrm>
           <a:prstGeom prst="rect">
             <a:avLst/>
@@ -6153,8 +6156,8 @@
         </p:nvSpPr>
         <p:spPr>
           <a:xfrm>
-            <a:off x="6733778" y="4005186"/>
-            <a:ext cx="189257" cy="178683"/>
+            <a:off x="5849087" y="3944531"/>
+            <a:ext cx="194474" cy="178683"/>
           </a:xfrm>
           <a:prstGeom prst="rect">
             <a:avLst/>
@@ -6198,8 +6201,8 @@
         </p:nvSpPr>
         <p:spPr>
           <a:xfrm>
-            <a:off x="7328386" y="4089103"/>
-            <a:ext cx="189257" cy="178683"/>
+            <a:off x="6478123" y="4028742"/>
+            <a:ext cx="194474" cy="178683"/>
           </a:xfrm>
           <a:prstGeom prst="rect">
             <a:avLst/>
@@ -6243,8 +6246,8 @@
         </p:nvSpPr>
         <p:spPr>
           <a:xfrm>
-            <a:off x="6403553" y="1867841"/>
-            <a:ext cx="542010" cy="236049"/>
+            <a:off x="6842765" y="1868480"/>
+            <a:ext cx="556951" cy="236049"/>
           </a:xfrm>
           <a:prstGeom prst="rect">
             <a:avLst/>
@@ -6309,8 +6312,8 @@
         </p:nvCxnSpPr>
         <p:spPr>
           <a:xfrm flipH="1">
-            <a:off x="2618922" y="4263880"/>
-            <a:ext cx="3521877" cy="10071"/>
+            <a:off x="1740737" y="4203225"/>
+            <a:ext cx="3515371" cy="10071"/>
           </a:xfrm>
           <a:prstGeom prst="line">
             <a:avLst/>
@@ -6352,8 +6355,8 @@
         </p:nvSpPr>
         <p:spPr>
           <a:xfrm>
-            <a:off x="2382874" y="4187261"/>
-            <a:ext cx="236048" cy="173380"/>
+            <a:off x="1498182" y="4126606"/>
+            <a:ext cx="242555" cy="173380"/>
           </a:xfrm>
           <a:prstGeom prst="flowChartDecision">
             <a:avLst/>
@@ -6403,8 +6406,8 @@
         </p:nvSpPr>
         <p:spPr>
           <a:xfrm>
-            <a:off x="5891653" y="4152923"/>
-            <a:ext cx="189257" cy="178683"/>
+            <a:off x="5006962" y="4092268"/>
+            <a:ext cx="194474" cy="178683"/>
           </a:xfrm>
           <a:prstGeom prst="rect">
             <a:avLst/>
@@ -6448,8 +6451,8 @@
         </p:nvSpPr>
         <p:spPr>
           <a:xfrm>
-            <a:off x="6956074" y="1900907"/>
-            <a:ext cx="236048" cy="173380"/>
+            <a:off x="7417380" y="1910166"/>
+            <a:ext cx="242555" cy="173380"/>
           </a:xfrm>
           <a:prstGeom prst="flowChartDecision">
             <a:avLst/>
@@ -6503,8 +6506,8 @@
         </p:nvCxnSpPr>
         <p:spPr>
           <a:xfrm flipV="1">
-            <a:off x="7192122" y="1982814"/>
-            <a:ext cx="434402" cy="4783"/>
+            <a:off x="7659935" y="1992074"/>
+            <a:ext cx="427896" cy="4782"/>
           </a:xfrm>
           <a:prstGeom prst="bentConnector3">
             <a:avLst/>
@@ -6547,8 +6550,8 @@
         </p:nvSpPr>
         <p:spPr>
           <a:xfrm>
-            <a:off x="7609298" y="1806821"/>
-            <a:ext cx="708186" cy="285783"/>
+            <a:off x="8070605" y="1816080"/>
+            <a:ext cx="727708" cy="285783"/>
           </a:xfrm>
           <a:prstGeom prst="rect">
             <a:avLst/>
@@ -6597,79 +6600,72 @@
       </p:sp>
       <p:sp>
         <p:nvSpPr>
-          <p:cNvPr id="129" name="Flowchart: Decision 96">
+          <p:cNvPr id="136" name="TextBox 135">
             <a:extLst>
               <a:ext uri="{FF2B5EF4-FFF2-40B4-BE49-F238E27FC236}">
-                <a16:creationId xmlns:a16="http://schemas.microsoft.com/office/drawing/2014/main" id="{80E661A9-019D-E747-9646-17102AE9CE8D}"/>
+                <a16:creationId xmlns:a16="http://schemas.microsoft.com/office/drawing/2014/main" id="{E45C8326-2821-334B-96D3-DFE249903448}"/>
               </a:ext>
             </a:extLst>
           </p:cNvPr>
-          <p:cNvSpPr/>
+          <p:cNvSpPr txBox="1"/>
           <p:nvPr/>
         </p:nvSpPr>
         <p:spPr>
-          <a:xfrm rot="5400000">
-            <a:off x="6561356" y="2144094"/>
-            <a:ext cx="236048" cy="173380"/>
-          </a:xfrm>
-          <a:prstGeom prst="flowChartDecision">
+          <a:xfrm>
+            <a:off x="7875453" y="1762588"/>
+            <a:ext cx="194474" cy="178683"/>
+          </a:xfrm>
+          <a:prstGeom prst="rect">
             <a:avLst/>
           </a:prstGeom>
-          <a:solidFill>
-            <a:srgbClr val="7030A0"/>
-          </a:solidFill>
-          <a:ln w="19050">
-            <a:solidFill>
-              <a:srgbClr val="7030A0"/>
-            </a:solidFill>
-          </a:ln>
-          <a:effectLst/>
-        </p:spPr>
-        <p:style>
-          <a:lnRef idx="1">
-            <a:schemeClr val="accent6"/>
-          </a:lnRef>
-          <a:fillRef idx="2">
-            <a:schemeClr val="accent6"/>
-          </a:fillRef>
-          <a:effectRef idx="1">
-            <a:schemeClr val="accent6"/>
-          </a:effectRef>
-          <a:fontRef idx="minor">
-            <a:schemeClr val="dk1"/>
-          </a:fontRef>
-        </p:style>
-        <p:txBody>
-          <a:bodyPr rtlCol="0" anchor="ctr"/>
+          <a:noFill/>
+        </p:spPr>
+        <p:txBody>
+          <a:bodyPr wrap="square" lIns="0" tIns="0" rIns="0" bIns="0" rtlCol="0">
+            <a:noAutofit/>
+          </a:bodyPr>
           <a:lstStyle/>
           <a:p>
             <a:pPr algn="ctr"/>
-            <a:endParaRPr lang="en-US" sz="1050"/>
+            <a:r>
+              <a:rPr lang="en-US" sz="1100" dirty="0">
+                <a:solidFill>
+                  <a:srgbClr val="7030A0"/>
+                </a:solidFill>
+              </a:rPr>
+              <a:t>1</a:t>
+            </a:r>
+            <a:endParaRPr lang="en-SG" sz="1100" dirty="0">
+              <a:solidFill>
+                <a:srgbClr val="7030A0"/>
+              </a:solidFill>
+            </a:endParaRPr>
           </a:p>
         </p:txBody>
       </p:sp>
       <p:cxnSp>
         <p:nvCxnSpPr>
-          <p:cNvPr id="134" name="Straight Arrow Connector 133">
+          <p:cNvPr id="10" name="Elbow Connector 9">
             <a:extLst>
               <a:ext uri="{FF2B5EF4-FFF2-40B4-BE49-F238E27FC236}">
-                <a16:creationId xmlns:a16="http://schemas.microsoft.com/office/drawing/2014/main" id="{FF83AF87-F3CB-0849-BBEC-0E6ED67782D3}"/>
+                <a16:creationId xmlns:a16="http://schemas.microsoft.com/office/drawing/2014/main" id="{E33478FE-A225-0A4B-B539-E99094717378}"/>
               </a:ext>
             </a:extLst>
           </p:cNvPr>
           <p:cNvCxnSpPr>
-            <a:stCxn id="129" idx="3"/>
-            <a:endCxn id="62" idx="0"/>
+            <a:cxnSpLocks/>
           </p:cNvCxnSpPr>
           <p:nvPr/>
         </p:nvCxnSpPr>
         <p:spPr>
-          <a:xfrm flipH="1">
-            <a:off x="6667770" y="2348808"/>
-            <a:ext cx="11610" cy="509258"/>
-          </a:xfrm>
-          <a:prstGeom prst="straightConnector1">
-            <a:avLst/>
+          <a:xfrm rot="5400000" flipH="1" flipV="1">
+            <a:off x="6576237" y="2033651"/>
+            <a:ext cx="324240" cy="250650"/>
+          </a:xfrm>
+          <a:prstGeom prst="bentConnector3">
+            <a:avLst>
+              <a:gd name="adj1" fmla="val 99241"/>
+            </a:avLst>
           </a:prstGeom>
           <a:ln w="19050">
             <a:solidFill>
@@ -6694,96 +6690,6 @@
           </a:fontRef>
         </p:style>
       </p:cxnSp>
-      <p:sp>
-        <p:nvSpPr>
-          <p:cNvPr id="136" name="TextBox 135">
-            <a:extLst>
-              <a:ext uri="{FF2B5EF4-FFF2-40B4-BE49-F238E27FC236}">
-                <a16:creationId xmlns:a16="http://schemas.microsoft.com/office/drawing/2014/main" id="{E45C8326-2821-334B-96D3-DFE249903448}"/>
-              </a:ext>
-            </a:extLst>
-          </p:cNvPr>
-          <p:cNvSpPr txBox="1"/>
-          <p:nvPr/>
-        </p:nvSpPr>
-        <p:spPr>
-          <a:xfrm>
-            <a:off x="7414146" y="1753329"/>
-            <a:ext cx="189257" cy="178683"/>
-          </a:xfrm>
-          <a:prstGeom prst="rect">
-            <a:avLst/>
-          </a:prstGeom>
-          <a:noFill/>
-        </p:spPr>
-        <p:txBody>
-          <a:bodyPr wrap="square" lIns="0" tIns="0" rIns="0" bIns="0" rtlCol="0">
-            <a:noAutofit/>
-          </a:bodyPr>
-          <a:lstStyle/>
-          <a:p>
-            <a:pPr algn="ctr"/>
-            <a:r>
-              <a:rPr lang="en-US" sz="1100" dirty="0">
-                <a:solidFill>
-                  <a:srgbClr val="7030A0"/>
-                </a:solidFill>
-              </a:rPr>
-              <a:t>1</a:t>
-            </a:r>
-            <a:endParaRPr lang="en-SG" sz="1100" dirty="0">
-              <a:solidFill>
-                <a:srgbClr val="7030A0"/>
-              </a:solidFill>
-            </a:endParaRPr>
-          </a:p>
-        </p:txBody>
-      </p:sp>
-      <p:sp>
-        <p:nvSpPr>
-          <p:cNvPr id="140" name="TextBox 139">
-            <a:extLst>
-              <a:ext uri="{FF2B5EF4-FFF2-40B4-BE49-F238E27FC236}">
-                <a16:creationId xmlns:a16="http://schemas.microsoft.com/office/drawing/2014/main" id="{086B966E-FB77-2A4C-B791-88E4457F1BF6}"/>
-              </a:ext>
-            </a:extLst>
-          </p:cNvPr>
-          <p:cNvSpPr txBox="1"/>
-          <p:nvPr/>
-        </p:nvSpPr>
-        <p:spPr>
-          <a:xfrm>
-            <a:off x="6688922" y="2708533"/>
-            <a:ext cx="189257" cy="178683"/>
-          </a:xfrm>
-          <a:prstGeom prst="rect">
-            <a:avLst/>
-          </a:prstGeom>
-          <a:noFill/>
-        </p:spPr>
-        <p:txBody>
-          <a:bodyPr wrap="square" lIns="0" tIns="0" rIns="0" bIns="0" rtlCol="0">
-            <a:noAutofit/>
-          </a:bodyPr>
-          <a:lstStyle/>
-          <a:p>
-            <a:pPr algn="ctr"/>
-            <a:r>
-              <a:rPr lang="en-US" sz="1100" dirty="0">
-                <a:solidFill>
-                  <a:srgbClr val="7030A0"/>
-                </a:solidFill>
-              </a:rPr>
-              <a:t>*</a:t>
-            </a:r>
-            <a:endParaRPr lang="en-SG" sz="1100" dirty="0">
-              <a:solidFill>
-                <a:srgbClr val="7030A0"/>
-              </a:solidFill>
-            </a:endParaRPr>
-          </a:p>
-        </p:txBody>
-      </p:sp>
     </p:spTree>
     <p:extLst>
       <p:ext uri="{BB962C8B-B14F-4D97-AF65-F5344CB8AC3E}">

--- a/docs/diagrams/ModelComponentClassDiagram.pptx
+++ b/docs/diagrams/ModelComponentClassDiagram.pptx
@@ -4351,7 +4351,7 @@
         <p:spPr>
           <a:xfrm>
             <a:off x="6827706" y="2503583"/>
-            <a:ext cx="827204" cy="285783"/>
+            <a:ext cx="1020894" cy="285783"/>
           </a:xfrm>
           <a:prstGeom prst="rect">
             <a:avLst/>
@@ -4388,7 +4388,7 @@
                   <a:srgbClr val="7030A0"/>
                 </a:solidFill>
               </a:rPr>
-              <a:t>Name</a:t>
+              <a:t>Serial Number</a:t>
             </a:r>
             <a:endParaRPr lang="en-SG" sz="1050" dirty="0">
               <a:solidFill>
@@ -4485,69 +4485,12 @@
           </a:fontRef>
         </p:style>
       </p:cxnSp>
-      <p:sp>
-        <p:nvSpPr>
-          <p:cNvPr id="80" name="Rectangle 8"/>
-          <p:cNvSpPr/>
-          <p:nvPr/>
-        </p:nvSpPr>
-        <p:spPr>
-          <a:xfrm>
-            <a:off x="6827706" y="2826561"/>
-            <a:ext cx="827204" cy="285783"/>
-          </a:xfrm>
-          <a:prstGeom prst="rect">
-            <a:avLst/>
-          </a:prstGeom>
-          <a:ln w="19050">
-            <a:solidFill>
-              <a:srgbClr val="7030A0"/>
-            </a:solidFill>
-          </a:ln>
-          <a:effectLst/>
-        </p:spPr>
-        <p:style>
-          <a:lnRef idx="1">
-            <a:schemeClr val="accent4"/>
-          </a:lnRef>
-          <a:fillRef idx="2">
-            <a:schemeClr val="accent4"/>
-          </a:fillRef>
-          <a:effectRef idx="1">
-            <a:schemeClr val="accent4"/>
-          </a:effectRef>
-          <a:fontRef idx="minor">
-            <a:schemeClr val="dk1"/>
-          </a:fontRef>
-        </p:style>
-        <p:txBody>
-          <a:bodyPr rtlCol="0" anchor="ctr"/>
-          <a:lstStyle/>
-          <a:p>
-            <a:pPr algn="ctr"/>
-            <a:r>
-              <a:rPr lang="en-US" sz="1050" dirty="0">
-                <a:solidFill>
-                  <a:srgbClr val="7030A0"/>
-                </a:solidFill>
-              </a:rPr>
-              <a:t>Phone</a:t>
-            </a:r>
-            <a:endParaRPr lang="en-SG" sz="1050" dirty="0">
-              <a:solidFill>
-                <a:srgbClr val="7030A0"/>
-              </a:solidFill>
-            </a:endParaRPr>
-          </a:p>
-        </p:txBody>
-      </p:sp>
       <p:cxnSp>
         <p:nvCxnSpPr>
           <p:cNvPr id="81" name="Elbow Connector 80"/>
           <p:cNvCxnSpPr>
             <a:cxnSpLocks/>
             <a:stCxn id="78" idx="3"/>
-            <a:endCxn id="80" idx="1"/>
           </p:cNvCxnSpPr>
           <p:nvPr/>
         </p:nvCxnSpPr>
@@ -4583,69 +4526,12 @@
           </a:fontRef>
         </p:style>
       </p:cxnSp>
-      <p:sp>
-        <p:nvSpPr>
-          <p:cNvPr id="83" name="Rectangle 8"/>
-          <p:cNvSpPr/>
-          <p:nvPr/>
-        </p:nvSpPr>
-        <p:spPr>
-          <a:xfrm>
-            <a:off x="6827705" y="3149539"/>
-            <a:ext cx="827205" cy="285783"/>
-          </a:xfrm>
-          <a:prstGeom prst="rect">
-            <a:avLst/>
-          </a:prstGeom>
-          <a:ln w="19050">
-            <a:solidFill>
-              <a:srgbClr val="7030A0"/>
-            </a:solidFill>
-          </a:ln>
-          <a:effectLst/>
-        </p:spPr>
-        <p:style>
-          <a:lnRef idx="1">
-            <a:schemeClr val="accent4"/>
-          </a:lnRef>
-          <a:fillRef idx="2">
-            <a:schemeClr val="accent4"/>
-          </a:fillRef>
-          <a:effectRef idx="1">
-            <a:schemeClr val="accent4"/>
-          </a:effectRef>
-          <a:fontRef idx="minor">
-            <a:schemeClr val="dk1"/>
-          </a:fontRef>
-        </p:style>
-        <p:txBody>
-          <a:bodyPr rtlCol="0" anchor="ctr"/>
-          <a:lstStyle/>
-          <a:p>
-            <a:pPr algn="ctr"/>
-            <a:r>
-              <a:rPr lang="en-US" sz="1050" dirty="0">
-                <a:solidFill>
-                  <a:srgbClr val="7030A0"/>
-                </a:solidFill>
-              </a:rPr>
-              <a:t>Email</a:t>
-            </a:r>
-            <a:endParaRPr lang="en-SG" sz="1050" dirty="0">
-              <a:solidFill>
-                <a:srgbClr val="7030A0"/>
-              </a:solidFill>
-            </a:endParaRPr>
-          </a:p>
-        </p:txBody>
-      </p:sp>
       <p:cxnSp>
         <p:nvCxnSpPr>
           <p:cNvPr id="84" name="Elbow Connector 83"/>
           <p:cNvCxnSpPr>
             <a:cxnSpLocks/>
             <a:stCxn id="78" idx="3"/>
-            <a:endCxn id="83" idx="1"/>
           </p:cNvCxnSpPr>
           <p:nvPr/>
         </p:nvCxnSpPr>
@@ -4689,8 +4575,8 @@
         </p:nvSpPr>
         <p:spPr>
           <a:xfrm>
-            <a:off x="6827706" y="3489275"/>
-            <a:ext cx="827206" cy="269024"/>
+            <a:off x="6827705" y="3489275"/>
+            <a:ext cx="1443093" cy="269024"/>
           </a:xfrm>
           <a:prstGeom prst="rect">
             <a:avLst/>
@@ -4727,7 +4613,7 @@
                   <a:srgbClr val="7030A0"/>
                 </a:solidFill>
               </a:rPr>
-              <a:t>Sublocation</a:t>
+              <a:t>Equipment Sublocation</a:t>
             </a:r>
             <a:endParaRPr lang="en-SG" sz="800" dirty="0">
               <a:solidFill>
@@ -4750,7 +4636,7 @@
         <p:spPr>
           <a:xfrm>
             <a:off x="6399810" y="2974236"/>
-            <a:ext cx="427896" cy="649551"/>
+            <a:ext cx="427895" cy="649551"/>
           </a:xfrm>
           <a:prstGeom prst="bentConnector3">
             <a:avLst/>
@@ -5311,7 +5197,7 @@
         <p:spPr>
           <a:xfrm>
             <a:off x="6827705" y="2168162"/>
-            <a:ext cx="827203" cy="285783"/>
+            <a:ext cx="1013365" cy="285783"/>
           </a:xfrm>
           <a:prstGeom prst="rect">
             <a:avLst/>
@@ -6246,8 +6132,8 @@
         </p:nvSpPr>
         <p:spPr>
           <a:xfrm>
-            <a:off x="6842765" y="1868480"/>
-            <a:ext cx="556951" cy="236049"/>
+            <a:off x="6835235" y="2855351"/>
+            <a:ext cx="1005835" cy="236049"/>
           </a:xfrm>
           <a:prstGeom prst="rect">
             <a:avLst/>
@@ -6279,14 +6165,14 @@
           <a:p>
             <a:pPr algn="ctr"/>
             <a:r>
-              <a:rPr lang="en-US" sz="900" dirty="0">
+              <a:rPr lang="en-US" sz="1050" dirty="0">
                 <a:solidFill>
                   <a:srgbClr val="7030A0"/>
                 </a:solidFill>
               </a:rPr>
-              <a:t>Client</a:t>
-            </a:r>
-            <a:endParaRPr lang="en-SG" sz="900" dirty="0">
+              <a:t>Client Name</a:t>
+            </a:r>
+            <a:endParaRPr lang="en-SG" sz="1050" dirty="0">
               <a:solidFill>
                 <a:srgbClr val="7030A0"/>
               </a:solidFill>
@@ -6439,105 +6325,6 @@
       </p:sp>
       <p:sp>
         <p:nvSpPr>
-          <p:cNvPr id="125" name="Flowchart: Decision 96">
-            <a:extLst>
-              <a:ext uri="{FF2B5EF4-FFF2-40B4-BE49-F238E27FC236}">
-                <a16:creationId xmlns:a16="http://schemas.microsoft.com/office/drawing/2014/main" id="{B36C6F75-782D-8140-B232-FCE18F2BE333}"/>
-              </a:ext>
-            </a:extLst>
-          </p:cNvPr>
-          <p:cNvSpPr/>
-          <p:nvPr/>
-        </p:nvSpPr>
-        <p:spPr>
-          <a:xfrm>
-            <a:off x="7417380" y="1910166"/>
-            <a:ext cx="242555" cy="173380"/>
-          </a:xfrm>
-          <a:prstGeom prst="flowChartDecision">
-            <a:avLst/>
-          </a:prstGeom>
-          <a:solidFill>
-            <a:srgbClr val="7030A0"/>
-          </a:solidFill>
-          <a:ln w="19050">
-            <a:solidFill>
-              <a:srgbClr val="7030A0"/>
-            </a:solidFill>
-          </a:ln>
-          <a:effectLst/>
-        </p:spPr>
-        <p:style>
-          <a:lnRef idx="1">
-            <a:schemeClr val="accent6"/>
-          </a:lnRef>
-          <a:fillRef idx="2">
-            <a:schemeClr val="accent6"/>
-          </a:fillRef>
-          <a:effectRef idx="1">
-            <a:schemeClr val="accent6"/>
-          </a:effectRef>
-          <a:fontRef idx="minor">
-            <a:schemeClr val="dk1"/>
-          </a:fontRef>
-        </p:style>
-        <p:txBody>
-          <a:bodyPr rtlCol="0" anchor="ctr"/>
-          <a:lstStyle/>
-          <a:p>
-            <a:pPr algn="ctr"/>
-            <a:endParaRPr lang="en-US" sz="1050"/>
-          </a:p>
-        </p:txBody>
-      </p:sp>
-      <p:cxnSp>
-        <p:nvCxnSpPr>
-          <p:cNvPr id="126" name="Elbow Connector 125">
-            <a:extLst>
-              <a:ext uri="{FF2B5EF4-FFF2-40B4-BE49-F238E27FC236}">
-                <a16:creationId xmlns:a16="http://schemas.microsoft.com/office/drawing/2014/main" id="{5CEAF487-0294-334F-8185-2EA3323EEED8}"/>
-              </a:ext>
-            </a:extLst>
-          </p:cNvPr>
-          <p:cNvCxnSpPr>
-            <a:stCxn id="125" idx="3"/>
-          </p:cNvCxnSpPr>
-          <p:nvPr/>
-        </p:nvCxnSpPr>
-        <p:spPr>
-          <a:xfrm flipV="1">
-            <a:off x="7659935" y="1992074"/>
-            <a:ext cx="427896" cy="4782"/>
-          </a:xfrm>
-          <a:prstGeom prst="bentConnector3">
-            <a:avLst/>
-          </a:prstGeom>
-          <a:ln w="19050">
-            <a:solidFill>
-              <a:srgbClr val="7030A0"/>
-            </a:solidFill>
-            <a:headEnd type="none" w="med" len="med"/>
-            <a:tailEnd type="arrow" w="med" len="med"/>
-          </a:ln>
-          <a:effectLst/>
-        </p:spPr>
-        <p:style>
-          <a:lnRef idx="1">
-            <a:schemeClr val="accent2"/>
-          </a:lnRef>
-          <a:fillRef idx="2">
-            <a:schemeClr val="accent2"/>
-          </a:fillRef>
-          <a:effectRef idx="1">
-            <a:schemeClr val="accent2"/>
-          </a:effectRef>
-          <a:fontRef idx="minor">
-            <a:schemeClr val="dk1"/>
-          </a:fontRef>
-        </p:style>
-      </p:cxnSp>
-      <p:sp>
-        <p:nvSpPr>
           <p:cNvPr id="127" name="Rectangle 8">
             <a:extLst>
               <a:ext uri="{FF2B5EF4-FFF2-40B4-BE49-F238E27FC236}">
@@ -6550,8 +6337,8 @@
         </p:nvSpPr>
         <p:spPr>
           <a:xfrm>
-            <a:off x="8070605" y="1816080"/>
-            <a:ext cx="727708" cy="285783"/>
+            <a:off x="6835833" y="3149539"/>
+            <a:ext cx="1020894" cy="285783"/>
           </a:xfrm>
           <a:prstGeom prst="rect">
             <a:avLst/>
@@ -6588,54 +6375,9 @@
                   <a:srgbClr val="7030A0"/>
                 </a:solidFill>
               </a:rPr>
-              <a:t>Address</a:t>
+              <a:t>Client Address</a:t>
             </a:r>
             <a:endParaRPr lang="en-SG" sz="1000" dirty="0">
-              <a:solidFill>
-                <a:srgbClr val="7030A0"/>
-              </a:solidFill>
-            </a:endParaRPr>
-          </a:p>
-        </p:txBody>
-      </p:sp>
-      <p:sp>
-        <p:nvSpPr>
-          <p:cNvPr id="136" name="TextBox 135">
-            <a:extLst>
-              <a:ext uri="{FF2B5EF4-FFF2-40B4-BE49-F238E27FC236}">
-                <a16:creationId xmlns:a16="http://schemas.microsoft.com/office/drawing/2014/main" id="{E45C8326-2821-334B-96D3-DFE249903448}"/>
-              </a:ext>
-            </a:extLst>
-          </p:cNvPr>
-          <p:cNvSpPr txBox="1"/>
-          <p:nvPr/>
-        </p:nvSpPr>
-        <p:spPr>
-          <a:xfrm>
-            <a:off x="7875453" y="1762588"/>
-            <a:ext cx="194474" cy="178683"/>
-          </a:xfrm>
-          <a:prstGeom prst="rect">
-            <a:avLst/>
-          </a:prstGeom>
-          <a:noFill/>
-        </p:spPr>
-        <p:txBody>
-          <a:bodyPr wrap="square" lIns="0" tIns="0" rIns="0" bIns="0" rtlCol="0">
-            <a:noAutofit/>
-          </a:bodyPr>
-          <a:lstStyle/>
-          <a:p>
-            <a:pPr algn="ctr"/>
-            <a:r>
-              <a:rPr lang="en-US" sz="1100" dirty="0">
-                <a:solidFill>
-                  <a:srgbClr val="7030A0"/>
-                </a:solidFill>
-              </a:rPr>
-              <a:t>1</a:t>
-            </a:r>
-            <a:endParaRPr lang="en-SG" sz="1100" dirty="0">
               <a:solidFill>
                 <a:srgbClr val="7030A0"/>
               </a:solidFill>
@@ -6659,12 +6401,12 @@
         </p:nvCxnSpPr>
         <p:spPr>
           <a:xfrm rot="5400000" flipH="1" flipV="1">
-            <a:off x="6576237" y="2033651"/>
-            <a:ext cx="324240" cy="250650"/>
+            <a:off x="6553858" y="2047250"/>
+            <a:ext cx="333021" cy="214673"/>
           </a:xfrm>
           <a:prstGeom prst="bentConnector3">
             <a:avLst>
-              <a:gd name="adj1" fmla="val 99241"/>
+              <a:gd name="adj1" fmla="val 100304"/>
             </a:avLst>
           </a:prstGeom>
           <a:ln w="19050">
@@ -6690,6 +6432,68 @@
           </a:fontRef>
         </p:style>
       </p:cxnSp>
+      <p:sp>
+        <p:nvSpPr>
+          <p:cNvPr id="72" name="Rectangle 8">
+            <a:extLst>
+              <a:ext uri="{FF2B5EF4-FFF2-40B4-BE49-F238E27FC236}">
+                <a16:creationId xmlns:a16="http://schemas.microsoft.com/office/drawing/2014/main" id="{47E04EE6-602C-EE4B-982D-E248D4F778BA}"/>
+              </a:ext>
+            </a:extLst>
+          </p:cNvPr>
+          <p:cNvSpPr/>
+          <p:nvPr/>
+        </p:nvSpPr>
+        <p:spPr>
+          <a:xfrm>
+            <a:off x="6835235" y="1849386"/>
+            <a:ext cx="1471131" cy="285783"/>
+          </a:xfrm>
+          <a:prstGeom prst="rect">
+            <a:avLst/>
+          </a:prstGeom>
+          <a:ln w="19050">
+            <a:solidFill>
+              <a:srgbClr val="7030A0"/>
+            </a:solidFill>
+          </a:ln>
+          <a:effectLst/>
+        </p:spPr>
+        <p:style>
+          <a:lnRef idx="1">
+            <a:schemeClr val="accent4"/>
+          </a:lnRef>
+          <a:fillRef idx="2">
+            <a:schemeClr val="accent4"/>
+          </a:fillRef>
+          <a:effectRef idx="1">
+            <a:schemeClr val="accent4"/>
+          </a:effectRef>
+          <a:fontRef idx="minor">
+            <a:schemeClr val="dk1"/>
+          </a:fontRef>
+        </p:style>
+        <p:txBody>
+          <a:bodyPr rtlCol="0" anchor="ctr"/>
+          <a:lstStyle/>
+          <a:p>
+            <a:pPr algn="ctr"/>
+            <a:r>
+              <a:rPr lang="en-US" sz="800" dirty="0">
+                <a:solidFill>
+                  <a:srgbClr val="7030A0"/>
+                </a:solidFill>
+              </a:rPr>
+              <a:t>Preventive Maintenance Date</a:t>
+            </a:r>
+            <a:endParaRPr lang="en-SG" sz="800" dirty="0">
+              <a:solidFill>
+                <a:srgbClr val="7030A0"/>
+              </a:solidFill>
+            </a:endParaRPr>
+          </a:p>
+        </p:txBody>
+      </p:sp>
     </p:spTree>
     <p:extLst>
       <p:ext uri="{BB962C8B-B14F-4D97-AF65-F5344CB8AC3E}">

--- a/docs/diagrams/ModelComponentClassDiagram.pptx
+++ b/docs/diagrams/ModelComponentClassDiagram.pptx
@@ -208,7 +208,7 @@
           <a:p>
             <a:fld id="{F5CC4B3F-88C1-4FFA-B1B6-F41C21DC6924}" type="datetimeFigureOut">
               <a:rPr lang="en-US" smtClean="0"/>
-              <a:t>27-Feb-19</a:t>
+              <a:t>3/12/2019</a:t>
             </a:fld>
             <a:endParaRPr lang="en-US"/>
           </a:p>
@@ -654,7 +654,7 @@
           <a:p>
             <a:fld id="{78C97017-6FC3-485B-9764-EAC9E56C1D49}" type="datetimeFigureOut">
               <a:rPr lang="en-US" smtClean="0"/>
-              <a:t>27-Feb-19</a:t>
+              <a:t>3/12/2019</a:t>
             </a:fld>
             <a:endParaRPr lang="en-US"/>
           </a:p>
@@ -822,7 +822,7 @@
           <a:p>
             <a:fld id="{78C97017-6FC3-485B-9764-EAC9E56C1D49}" type="datetimeFigureOut">
               <a:rPr lang="en-US" smtClean="0"/>
-              <a:t>27-Feb-19</a:t>
+              <a:t>3/12/2019</a:t>
             </a:fld>
             <a:endParaRPr lang="en-US"/>
           </a:p>
@@ -1000,7 +1000,7 @@
           <a:p>
             <a:fld id="{78C97017-6FC3-485B-9764-EAC9E56C1D49}" type="datetimeFigureOut">
               <a:rPr lang="en-US" smtClean="0"/>
-              <a:t>27-Feb-19</a:t>
+              <a:t>3/12/2019</a:t>
             </a:fld>
             <a:endParaRPr lang="en-US"/>
           </a:p>
@@ -1168,7 +1168,7 @@
           <a:p>
             <a:fld id="{78C97017-6FC3-485B-9764-EAC9E56C1D49}" type="datetimeFigureOut">
               <a:rPr lang="en-US" smtClean="0"/>
-              <a:t>27-Feb-19</a:t>
+              <a:t>3/12/2019</a:t>
             </a:fld>
             <a:endParaRPr lang="en-US"/>
           </a:p>
@@ -1413,7 +1413,7 @@
           <a:p>
             <a:fld id="{78C97017-6FC3-485B-9764-EAC9E56C1D49}" type="datetimeFigureOut">
               <a:rPr lang="en-US" smtClean="0"/>
-              <a:t>27-Feb-19</a:t>
+              <a:t>3/12/2019</a:t>
             </a:fld>
             <a:endParaRPr lang="en-US"/>
           </a:p>
@@ -1698,7 +1698,7 @@
           <a:p>
             <a:fld id="{78C97017-6FC3-485B-9764-EAC9E56C1D49}" type="datetimeFigureOut">
               <a:rPr lang="en-US" smtClean="0"/>
-              <a:t>27-Feb-19</a:t>
+              <a:t>3/12/2019</a:t>
             </a:fld>
             <a:endParaRPr lang="en-US"/>
           </a:p>
@@ -2117,7 +2117,7 @@
           <a:p>
             <a:fld id="{78C97017-6FC3-485B-9764-EAC9E56C1D49}" type="datetimeFigureOut">
               <a:rPr lang="en-US" smtClean="0"/>
-              <a:t>27-Feb-19</a:t>
+              <a:t>3/12/2019</a:t>
             </a:fld>
             <a:endParaRPr lang="en-US"/>
           </a:p>
@@ -2234,7 +2234,7 @@
           <a:p>
             <a:fld id="{78C97017-6FC3-485B-9764-EAC9E56C1D49}" type="datetimeFigureOut">
               <a:rPr lang="en-US" smtClean="0"/>
-              <a:t>27-Feb-19</a:t>
+              <a:t>3/12/2019</a:t>
             </a:fld>
             <a:endParaRPr lang="en-US"/>
           </a:p>
@@ -2329,7 +2329,7 @@
           <a:p>
             <a:fld id="{78C97017-6FC3-485B-9764-EAC9E56C1D49}" type="datetimeFigureOut">
               <a:rPr lang="en-US" smtClean="0"/>
-              <a:t>27-Feb-19</a:t>
+              <a:t>3/12/2019</a:t>
             </a:fld>
             <a:endParaRPr lang="en-US"/>
           </a:p>
@@ -2604,7 +2604,7 @@
           <a:p>
             <a:fld id="{78C97017-6FC3-485B-9764-EAC9E56C1D49}" type="datetimeFigureOut">
               <a:rPr lang="en-US" smtClean="0"/>
-              <a:t>27-Feb-19</a:t>
+              <a:t>3/12/2019</a:t>
             </a:fld>
             <a:endParaRPr lang="en-US"/>
           </a:p>
@@ -2856,7 +2856,7 @@
           <a:p>
             <a:fld id="{78C97017-6FC3-485B-9764-EAC9E56C1D49}" type="datetimeFigureOut">
               <a:rPr lang="en-US" smtClean="0"/>
-              <a:t>27-Feb-19</a:t>
+              <a:t>3/12/2019</a:t>
             </a:fld>
             <a:endParaRPr lang="en-US"/>
           </a:p>
@@ -3067,7 +3067,7 @@
           <a:p>
             <a:fld id="{78C97017-6FC3-485B-9764-EAC9E56C1D49}" type="datetimeFigureOut">
               <a:rPr lang="en-US" smtClean="0"/>
-              <a:t>27-Feb-19</a:t>
+              <a:t>3/12/2019</a:t>
             </a:fld>
             <a:endParaRPr lang="en-US"/>
           </a:p>
@@ -4139,7 +4139,7 @@
                   <a:srgbClr val="7030A0"/>
                 </a:solidFill>
               </a:rPr>
-              <a:t>UniquePersonList</a:t>
+              <a:t>UniquePlaceList</a:t>
             </a:r>
             <a:endParaRPr lang="en-SG" sz="1050" dirty="0">
               <a:solidFill>
@@ -4242,7 +4242,7 @@
                   <a:srgbClr val="7030A0"/>
                 </a:solidFill>
               </a:rPr>
-              <a:t>Person</a:t>
+              <a:t>Place</a:t>
             </a:r>
             <a:endParaRPr lang="en-SG" sz="1050" dirty="0">
               <a:solidFill>
@@ -4530,7 +4530,7 @@
                   <a:srgbClr val="7030A0"/>
                 </a:solidFill>
               </a:rPr>
-              <a:t>Phone</a:t>
+              <a:t>Rating</a:t>
             </a:r>
             <a:endParaRPr lang="en-SG" sz="1050" dirty="0">
               <a:solidFill>

--- a/docs/diagrams/ModelComponentClassDiagram.pptx
+++ b/docs/diagrams/ModelComponentClassDiagram.pptx
@@ -208,7 +208,7 @@
           <a:p>
             <a:fld id="{F5CC4B3F-88C1-4FFA-B1B6-F41C21DC6924}" type="datetimeFigureOut">
               <a:rPr lang="en-US" smtClean="0"/>
-              <a:t>12/5/2018</a:t>
+              <a:t>3/17/2019</a:t>
             </a:fld>
             <a:endParaRPr lang="en-US"/>
           </a:p>
@@ -654,7 +654,7 @@
           <a:p>
             <a:fld id="{78C97017-6FC3-485B-9764-EAC9E56C1D49}" type="datetimeFigureOut">
               <a:rPr lang="en-US" smtClean="0"/>
-              <a:t>12/5/2018</a:t>
+              <a:t>3/17/2019</a:t>
             </a:fld>
             <a:endParaRPr lang="en-US"/>
           </a:p>
@@ -822,7 +822,7 @@
           <a:p>
             <a:fld id="{78C97017-6FC3-485B-9764-EAC9E56C1D49}" type="datetimeFigureOut">
               <a:rPr lang="en-US" smtClean="0"/>
-              <a:t>12/5/2018</a:t>
+              <a:t>3/17/2019</a:t>
             </a:fld>
             <a:endParaRPr lang="en-US"/>
           </a:p>
@@ -1000,7 +1000,7 @@
           <a:p>
             <a:fld id="{78C97017-6FC3-485B-9764-EAC9E56C1D49}" type="datetimeFigureOut">
               <a:rPr lang="en-US" smtClean="0"/>
-              <a:t>12/5/2018</a:t>
+              <a:t>3/17/2019</a:t>
             </a:fld>
             <a:endParaRPr lang="en-US"/>
           </a:p>
@@ -1168,7 +1168,7 @@
           <a:p>
             <a:fld id="{78C97017-6FC3-485B-9764-EAC9E56C1D49}" type="datetimeFigureOut">
               <a:rPr lang="en-US" smtClean="0"/>
-              <a:t>12/5/2018</a:t>
+              <a:t>3/17/2019</a:t>
             </a:fld>
             <a:endParaRPr lang="en-US"/>
           </a:p>
@@ -1413,7 +1413,7 @@
           <a:p>
             <a:fld id="{78C97017-6FC3-485B-9764-EAC9E56C1D49}" type="datetimeFigureOut">
               <a:rPr lang="en-US" smtClean="0"/>
-              <a:t>12/5/2018</a:t>
+              <a:t>3/17/2019</a:t>
             </a:fld>
             <a:endParaRPr lang="en-US"/>
           </a:p>
@@ -1698,7 +1698,7 @@
           <a:p>
             <a:fld id="{78C97017-6FC3-485B-9764-EAC9E56C1D49}" type="datetimeFigureOut">
               <a:rPr lang="en-US" smtClean="0"/>
-              <a:t>12/5/2018</a:t>
+              <a:t>3/17/2019</a:t>
             </a:fld>
             <a:endParaRPr lang="en-US"/>
           </a:p>
@@ -2117,7 +2117,7 @@
           <a:p>
             <a:fld id="{78C97017-6FC3-485B-9764-EAC9E56C1D49}" type="datetimeFigureOut">
               <a:rPr lang="en-US" smtClean="0"/>
-              <a:t>12/5/2018</a:t>
+              <a:t>3/17/2019</a:t>
             </a:fld>
             <a:endParaRPr lang="en-US"/>
           </a:p>
@@ -2234,7 +2234,7 @@
           <a:p>
             <a:fld id="{78C97017-6FC3-485B-9764-EAC9E56C1D49}" type="datetimeFigureOut">
               <a:rPr lang="en-US" smtClean="0"/>
-              <a:t>12/5/2018</a:t>
+              <a:t>3/17/2019</a:t>
             </a:fld>
             <a:endParaRPr lang="en-US"/>
           </a:p>
@@ -2329,7 +2329,7 @@
           <a:p>
             <a:fld id="{78C97017-6FC3-485B-9764-EAC9E56C1D49}" type="datetimeFigureOut">
               <a:rPr lang="en-US" smtClean="0"/>
-              <a:t>12/5/2018</a:t>
+              <a:t>3/17/2019</a:t>
             </a:fld>
             <a:endParaRPr lang="en-US"/>
           </a:p>
@@ -2604,7 +2604,7 @@
           <a:p>
             <a:fld id="{78C97017-6FC3-485B-9764-EAC9E56C1D49}" type="datetimeFigureOut">
               <a:rPr lang="en-US" smtClean="0"/>
-              <a:t>12/5/2018</a:t>
+              <a:t>3/17/2019</a:t>
             </a:fld>
             <a:endParaRPr lang="en-US"/>
           </a:p>
@@ -2856,7 +2856,7 @@
           <a:p>
             <a:fld id="{78C97017-6FC3-485B-9764-EAC9E56C1D49}" type="datetimeFigureOut">
               <a:rPr lang="en-US" smtClean="0"/>
-              <a:t>12/5/2018</a:t>
+              <a:t>3/17/2019</a:t>
             </a:fld>
             <a:endParaRPr lang="en-US"/>
           </a:p>
@@ -3067,7 +3067,7 @@
           <a:p>
             <a:fld id="{78C97017-6FC3-485B-9764-EAC9E56C1D49}" type="datetimeFigureOut">
               <a:rPr lang="en-US" smtClean="0"/>
-              <a:t>12/5/2018</a:t>
+              <a:t>3/17/2019</a:t>
             </a:fld>
             <a:endParaRPr lang="en-US"/>
           </a:p>
@@ -3630,12 +3630,12 @@
         </p:nvCxnSpPr>
         <p:spPr>
           <a:xfrm rot="5400000" flipH="1" flipV="1">
-            <a:off x="4131507" y="1281685"/>
-            <a:ext cx="613122" cy="4459404"/>
+            <a:off x="4226309" y="1186882"/>
+            <a:ext cx="613122" cy="4649009"/>
           </a:xfrm>
           <a:prstGeom prst="bentConnector3">
             <a:avLst>
-              <a:gd name="adj1" fmla="val -26668"/>
+              <a:gd name="adj1" fmla="val -33858"/>
             </a:avLst>
           </a:prstGeom>
           <a:ln w="19050">
@@ -3997,7 +3997,7 @@
                   <a:srgbClr val="7030A0"/>
                 </a:solidFill>
               </a:rPr>
-              <a:t>VersionedAddressBook</a:t>
+              <a:t>VersionedInventory</a:t>
             </a:r>
             <a:endParaRPr lang="en-SG" sz="1050" dirty="0">
               <a:solidFill>
@@ -4101,8 +4101,8 @@
         </p:nvSpPr>
         <p:spPr>
           <a:xfrm>
-            <a:off x="4692650" y="2846162"/>
-            <a:ext cx="1156969" cy="346760"/>
+            <a:off x="4692649" y="2846162"/>
+            <a:ext cx="1317224" cy="346760"/>
           </a:xfrm>
           <a:prstGeom prst="rect">
             <a:avLst/>
@@ -4139,7 +4139,7 @@
                   <a:srgbClr val="7030A0"/>
                 </a:solidFill>
               </a:rPr>
-              <a:t>UniquePersonList</a:t>
+              <a:t>UniqueMedicineList</a:t>
             </a:r>
             <a:endParaRPr lang="en-SG" sz="1050" dirty="0">
               <a:solidFill>
@@ -4204,7 +4204,7 @@
         </p:nvSpPr>
         <p:spPr>
           <a:xfrm>
-            <a:off x="6313677" y="2858066"/>
+            <a:off x="6503282" y="2858066"/>
             <a:ext cx="708186" cy="346760"/>
           </a:xfrm>
           <a:prstGeom prst="rect">
@@ -4242,7 +4242,7 @@
                   <a:srgbClr val="7030A0"/>
                 </a:solidFill>
               </a:rPr>
-              <a:t>Person</a:t>
+              <a:t>Medicine</a:t>
             </a:r>
             <a:endParaRPr lang="en-SG" sz="1050" dirty="0">
               <a:solidFill>
@@ -4260,7 +4260,7 @@
         </p:nvSpPr>
         <p:spPr>
           <a:xfrm>
-            <a:off x="5858751" y="2941676"/>
+            <a:off x="6048356" y="2941676"/>
             <a:ext cx="236048" cy="173380"/>
           </a:xfrm>
           <a:prstGeom prst="flowChartDecision">
@@ -4308,7 +4308,7 @@
         </p:nvCxnSpPr>
         <p:spPr>
           <a:xfrm>
-            <a:off x="6094799" y="3028366"/>
+            <a:off x="6284404" y="3028366"/>
             <a:ext cx="218878" cy="3080"/>
           </a:xfrm>
           <a:prstGeom prst="bentConnector3">
@@ -4402,7 +4402,7 @@
         </p:nvSpPr>
         <p:spPr>
           <a:xfrm>
-            <a:off x="7041947" y="2948201"/>
+            <a:off x="7231552" y="2948201"/>
             <a:ext cx="236048" cy="173380"/>
           </a:xfrm>
           <a:prstGeom prst="flowChartDecision">
@@ -4455,7 +4455,9 @@
             <a:ext cx="434402" cy="327761"/>
           </a:xfrm>
           <a:prstGeom prst="bentConnector3">
-            <a:avLst/>
+            <a:avLst>
+              <a:gd name="adj1" fmla="val 43970"/>
+            </a:avLst>
           </a:prstGeom>
           <a:ln w="19050">
             <a:solidFill>
@@ -4527,7 +4529,7 @@
                   <a:srgbClr val="7030A0"/>
                 </a:solidFill>
               </a:rPr>
-              <a:t>Phone</a:t>
+              <a:t>Company</a:t>
             </a:r>
             <a:endParaRPr lang="en-SG" sz="1050" dirty="0">
               <a:solidFill>
@@ -4541,18 +4543,19 @@
         <p:nvCxnSpPr>
           <p:cNvPr id="81" name="Elbow Connector 80"/>
           <p:cNvCxnSpPr>
-            <a:stCxn id="78" idx="3"/>
-            <a:endCxn id="80" idx="1"/>
+            <a:cxnSpLocks/>
           </p:cNvCxnSpPr>
           <p:nvPr/>
         </p:nvCxnSpPr>
         <p:spPr>
-          <a:xfrm flipV="1">
-            <a:off x="7277995" y="3030108"/>
-            <a:ext cx="434402" cy="4783"/>
+          <a:xfrm>
+            <a:off x="7462315" y="2942514"/>
+            <a:ext cx="250082" cy="100704"/>
           </a:xfrm>
           <a:prstGeom prst="bentConnector3">
-            <a:avLst/>
+            <a:avLst>
+              <a:gd name="adj1" fmla="val 1438"/>
+            </a:avLst>
           </a:prstGeom>
           <a:ln w="19050">
             <a:solidFill>
@@ -4624,7 +4627,7 @@
                   <a:srgbClr val="7030A0"/>
                 </a:solidFill>
               </a:rPr>
-              <a:t>Email</a:t>
+              <a:t>Quantity</a:t>
             </a:r>
             <a:endParaRPr lang="en-SG" sz="1050" dirty="0">
               <a:solidFill>
@@ -4638,18 +4641,20 @@
         <p:nvCxnSpPr>
           <p:cNvPr id="84" name="Elbow Connector 83"/>
           <p:cNvCxnSpPr>
-            <a:stCxn id="78" idx="3"/>
+            <a:cxnSpLocks/>
             <a:endCxn id="83" idx="1"/>
           </p:cNvCxnSpPr>
           <p:nvPr/>
         </p:nvCxnSpPr>
         <p:spPr>
           <a:xfrm>
-            <a:off x="7277995" y="3034891"/>
-            <a:ext cx="434402" cy="318195"/>
+            <a:off x="7349576" y="3031695"/>
+            <a:ext cx="362821" cy="321391"/>
           </a:xfrm>
           <a:prstGeom prst="bentConnector3">
-            <a:avLst/>
+            <a:avLst>
+              <a:gd name="adj1" fmla="val 33593"/>
+            </a:avLst>
           </a:prstGeom>
           <a:ln w="19050">
             <a:solidFill>
@@ -4721,7 +4726,7 @@
                   <a:srgbClr val="7030A0"/>
                 </a:solidFill>
               </a:rPr>
-              <a:t>Address</a:t>
+              <a:t>Expiry</a:t>
             </a:r>
             <a:endParaRPr lang="en-SG" sz="1050" dirty="0">
               <a:solidFill>
@@ -4735,6 +4740,7 @@
         <p:nvCxnSpPr>
           <p:cNvPr id="86" name="Elbow Connector 85"/>
           <p:cNvCxnSpPr>
+            <a:cxnSpLocks/>
             <a:stCxn id="78" idx="3"/>
             <a:endCxn id="85" idx="1"/>
           </p:cNvCxnSpPr>
@@ -4742,11 +4748,13 @@
         </p:nvCxnSpPr>
         <p:spPr>
           <a:xfrm>
-            <a:off x="7277995" y="3034891"/>
-            <a:ext cx="434402" cy="641172"/>
+            <a:off x="7467600" y="3034891"/>
+            <a:ext cx="244797" cy="641172"/>
           </a:xfrm>
           <a:prstGeom prst="bentConnector3">
-            <a:avLst/>
+            <a:avLst>
+              <a:gd name="adj1" fmla="val 390"/>
+            </a:avLst>
           </a:prstGeom>
           <a:ln w="19050">
             <a:solidFill>
@@ -4931,7 +4939,7 @@
                   <a:srgbClr val="7030A0"/>
                 </a:solidFill>
               </a:rPr>
-              <a:t>ReadOnlyAddressBook</a:t>
+              <a:t>ReadOnlyInventory</a:t>
             </a:r>
             <a:endParaRPr lang="en-SG" sz="1050" dirty="0">
               <a:solidFill>
@@ -5140,7 +5148,7 @@
         </p:nvSpPr>
         <p:spPr>
           <a:xfrm>
-            <a:off x="6135256" y="3097917"/>
+            <a:off x="6324861" y="3097917"/>
             <a:ext cx="189257" cy="178683"/>
           </a:xfrm>
           <a:prstGeom prst="rect">
@@ -5361,19 +5369,17 @@
           </p:cNvPr>
           <p:cNvCxnSpPr>
             <a:cxnSpLocks/>
-            <a:stCxn id="78" idx="3"/>
-            <a:endCxn id="52" idx="1"/>
           </p:cNvCxnSpPr>
           <p:nvPr/>
         </p:nvCxnSpPr>
         <p:spPr>
           <a:xfrm flipV="1">
-            <a:off x="7277995" y="2371709"/>
-            <a:ext cx="434402" cy="663182"/>
+            <a:off x="7467600" y="2371709"/>
+            <a:ext cx="244797" cy="663182"/>
           </a:xfrm>
           <a:prstGeom prst="bentConnector3">
             <a:avLst>
-              <a:gd name="adj1" fmla="val 50000"/>
+              <a:gd name="adj1" fmla="val -583"/>
             </a:avLst>
           </a:prstGeom>
           <a:ln w="19050">
@@ -5414,7 +5420,7 @@
         </p:nvSpPr>
         <p:spPr>
           <a:xfrm>
-            <a:off x="7466243" y="2255711"/>
+            <a:off x="7467600" y="2209800"/>
             <a:ext cx="189257" cy="178683"/>
           </a:xfrm>
           <a:prstGeom prst="rect">
@@ -5486,12 +5492,12 @@
           <a:p>
             <a:pPr algn="ctr"/>
             <a:r>
-              <a:rPr lang="en-US" sz="1050" dirty="0" err="1">
+              <a:rPr lang="en-US" sz="1050" dirty="0">
                 <a:solidFill>
                   <a:srgbClr val="7030A0"/>
                 </a:solidFill>
               </a:rPr>
-              <a:t>AddressBook</a:t>
+              <a:t>Inventory</a:t>
             </a:r>
             <a:endParaRPr lang="en-SG" sz="1050" dirty="0">
               <a:solidFill>
@@ -5505,6 +5511,7 @@
         <p:nvCxnSpPr>
           <p:cNvPr id="60" name="Straight Arrow Connector 59"/>
           <p:cNvCxnSpPr>
+            <a:cxnSpLocks/>
             <a:stCxn id="51" idx="1"/>
             <a:endCxn id="49" idx="1"/>
           </p:cNvCxnSpPr>
@@ -5513,7 +5520,7 @@
         <p:spPr>
           <a:xfrm>
             <a:off x="4324972" y="3007222"/>
-            <a:ext cx="367678" cy="12320"/>
+            <a:ext cx="367677" cy="12320"/>
           </a:xfrm>
           <a:prstGeom prst="straightConnector1">
             <a:avLst/>
@@ -5820,6 +5827,160 @@
           </a:fontRef>
         </p:style>
       </p:cxnSp>
+      <p:cxnSp>
+        <p:nvCxnSpPr>
+          <p:cNvPr id="71" name="Elbow Connector 85">
+            <a:extLst>
+              <a:ext uri="{FF2B5EF4-FFF2-40B4-BE49-F238E27FC236}">
+                <a16:creationId xmlns:a16="http://schemas.microsoft.com/office/drawing/2014/main" id="{BF6E5AE6-E318-49C3-8FB1-66C8FE717BF4}"/>
+              </a:ext>
+            </a:extLst>
+          </p:cNvPr>
+          <p:cNvCxnSpPr>
+            <a:cxnSpLocks/>
+            <a:endCxn id="72" idx="1"/>
+          </p:cNvCxnSpPr>
+          <p:nvPr/>
+        </p:nvCxnSpPr>
+        <p:spPr>
+          <a:xfrm rot="16200000" flipH="1">
+            <a:off x="7113301" y="3395782"/>
+            <a:ext cx="953394" cy="244798"/>
+          </a:xfrm>
+          <a:prstGeom prst="bentConnector2">
+            <a:avLst/>
+          </a:prstGeom>
+          <a:ln w="19050">
+            <a:solidFill>
+              <a:srgbClr val="7030A0"/>
+            </a:solidFill>
+            <a:headEnd type="none" w="med" len="med"/>
+            <a:tailEnd type="arrow" w="med" len="med"/>
+          </a:ln>
+          <a:effectLst/>
+        </p:spPr>
+        <p:style>
+          <a:lnRef idx="1">
+            <a:schemeClr val="accent2"/>
+          </a:lnRef>
+          <a:fillRef idx="2">
+            <a:schemeClr val="accent2"/>
+          </a:fillRef>
+          <a:effectRef idx="1">
+            <a:schemeClr val="accent2"/>
+          </a:effectRef>
+          <a:fontRef idx="minor">
+            <a:schemeClr val="dk1"/>
+          </a:fontRef>
+        </p:style>
+      </p:cxnSp>
+      <p:sp>
+        <p:nvSpPr>
+          <p:cNvPr id="72" name="Rectangle 8">
+            <a:extLst>
+              <a:ext uri="{FF2B5EF4-FFF2-40B4-BE49-F238E27FC236}">
+                <a16:creationId xmlns:a16="http://schemas.microsoft.com/office/drawing/2014/main" id="{4F1DBA8F-E234-4CA6-A78C-815D6D581B21}"/>
+              </a:ext>
+            </a:extLst>
+          </p:cNvPr>
+          <p:cNvSpPr/>
+          <p:nvPr/>
+        </p:nvSpPr>
+        <p:spPr>
+          <a:xfrm>
+            <a:off x="7712397" y="3851986"/>
+            <a:ext cx="708186" cy="285783"/>
+          </a:xfrm>
+          <a:prstGeom prst="rect">
+            <a:avLst/>
+          </a:prstGeom>
+          <a:ln w="19050">
+            <a:solidFill>
+              <a:srgbClr val="7030A0"/>
+            </a:solidFill>
+          </a:ln>
+          <a:effectLst/>
+        </p:spPr>
+        <p:style>
+          <a:lnRef idx="1">
+            <a:schemeClr val="accent4"/>
+          </a:lnRef>
+          <a:fillRef idx="2">
+            <a:schemeClr val="accent4"/>
+          </a:fillRef>
+          <a:effectRef idx="1">
+            <a:schemeClr val="accent4"/>
+          </a:effectRef>
+          <a:fontRef idx="minor">
+            <a:schemeClr val="dk1"/>
+          </a:fontRef>
+        </p:style>
+        <p:txBody>
+          <a:bodyPr rtlCol="0" anchor="ctr"/>
+          <a:lstStyle/>
+          <a:p>
+            <a:pPr algn="ctr"/>
+            <a:r>
+              <a:rPr lang="en-US" sz="1050">
+                <a:solidFill>
+                  <a:srgbClr val="7030A0"/>
+                </a:solidFill>
+              </a:rPr>
+              <a:t>Batch</a:t>
+            </a:r>
+            <a:endParaRPr lang="en-SG" sz="1050" dirty="0">
+              <a:solidFill>
+                <a:srgbClr val="7030A0"/>
+              </a:solidFill>
+            </a:endParaRPr>
+          </a:p>
+        </p:txBody>
+      </p:sp>
+      <p:sp>
+        <p:nvSpPr>
+          <p:cNvPr id="77" name="TextBox 76">
+            <a:extLst>
+              <a:ext uri="{FF2B5EF4-FFF2-40B4-BE49-F238E27FC236}">
+                <a16:creationId xmlns:a16="http://schemas.microsoft.com/office/drawing/2014/main" id="{1F6BC372-85AA-4DD2-8D5B-31F99AF36C22}"/>
+              </a:ext>
+            </a:extLst>
+          </p:cNvPr>
+          <p:cNvSpPr txBox="1"/>
+          <p:nvPr/>
+        </p:nvSpPr>
+        <p:spPr>
+          <a:xfrm>
+            <a:off x="7467599" y="3846860"/>
+            <a:ext cx="189257" cy="178683"/>
+          </a:xfrm>
+          <a:prstGeom prst="rect">
+            <a:avLst/>
+          </a:prstGeom>
+          <a:noFill/>
+        </p:spPr>
+        <p:txBody>
+          <a:bodyPr wrap="square" lIns="0" tIns="0" rIns="0" bIns="0" rtlCol="0">
+            <a:noAutofit/>
+          </a:bodyPr>
+          <a:lstStyle/>
+          <a:p>
+            <a:pPr algn="ctr"/>
+            <a:r>
+              <a:rPr lang="en-US" sz="1100" dirty="0">
+                <a:solidFill>
+                  <a:srgbClr val="7030A0"/>
+                </a:solidFill>
+              </a:rPr>
+              <a:t>*</a:t>
+            </a:r>
+            <a:endParaRPr lang="en-SG" sz="1100" dirty="0">
+              <a:solidFill>
+                <a:srgbClr val="7030A0"/>
+              </a:solidFill>
+            </a:endParaRPr>
+          </a:p>
+        </p:txBody>
+      </p:sp>
     </p:spTree>
     <p:extLst>
       <p:ext uri="{BB962C8B-B14F-4D97-AF65-F5344CB8AC3E}">

--- a/docs/diagrams/ModelComponentClassDiagram.pptx
+++ b/docs/diagrams/ModelComponentClassDiagram.pptx
@@ -5109,7 +5109,7 @@
         </p:nvSpPr>
         <p:spPr>
           <a:xfrm>
-            <a:off x="4429979" y="3111479"/>
+            <a:off x="4480675" y="3051630"/>
             <a:ext cx="189257" cy="178683"/>
           </a:xfrm>
           <a:prstGeom prst="rect">
@@ -5148,7 +5148,7 @@
         </p:nvSpPr>
         <p:spPr>
           <a:xfrm>
-            <a:off x="6324861" y="3097917"/>
+            <a:off x="6254670" y="3034551"/>
             <a:ext cx="189257" cy="178683"/>
           </a:xfrm>
           <a:prstGeom prst="rect">
@@ -5187,7 +5187,7 @@
         </p:nvSpPr>
         <p:spPr>
           <a:xfrm>
-            <a:off x="2573394" y="2756715"/>
+            <a:off x="2590800" y="2819400"/>
             <a:ext cx="170110" cy="137542"/>
           </a:xfrm>
           <a:prstGeom prst="rect">
@@ -5226,7 +5226,7 @@
         </p:nvSpPr>
         <p:spPr>
           <a:xfrm>
-            <a:off x="2630191" y="3667737"/>
+            <a:off x="2590800" y="3631317"/>
             <a:ext cx="189257" cy="178683"/>
           </a:xfrm>
           <a:prstGeom prst="rect">
@@ -5265,7 +5265,7 @@
         </p:nvSpPr>
         <p:spPr>
           <a:xfrm>
-            <a:off x="6449896" y="3204826"/>
+            <a:off x="6619494" y="3204824"/>
             <a:ext cx="189257" cy="178683"/>
           </a:xfrm>
           <a:prstGeom prst="rect">

--- a/docs/diagrams/ModelComponentClassDiagram.pptx
+++ b/docs/diagrams/ModelComponentClassDiagram.pptx
@@ -208,7 +208,7 @@
           <a:p>
             <a:fld id="{F5CC4B3F-88C1-4FFA-B1B6-F41C21DC6924}" type="datetimeFigureOut">
               <a:rPr lang="en-US" smtClean="0"/>
-              <a:t>3/9/19</a:t>
+              <a:t>3/18/19</a:t>
             </a:fld>
             <a:endParaRPr lang="en-US"/>
           </a:p>
@@ -654,7 +654,7 @@
           <a:p>
             <a:fld id="{78C97017-6FC3-485B-9764-EAC9E56C1D49}" type="datetimeFigureOut">
               <a:rPr lang="en-US" smtClean="0"/>
-              <a:t>3/9/19</a:t>
+              <a:t>3/18/19</a:t>
             </a:fld>
             <a:endParaRPr lang="en-US"/>
           </a:p>
@@ -822,7 +822,7 @@
           <a:p>
             <a:fld id="{78C97017-6FC3-485B-9764-EAC9E56C1D49}" type="datetimeFigureOut">
               <a:rPr lang="en-US" smtClean="0"/>
-              <a:t>3/9/19</a:t>
+              <a:t>3/18/19</a:t>
             </a:fld>
             <a:endParaRPr lang="en-US"/>
           </a:p>
@@ -1000,7 +1000,7 @@
           <a:p>
             <a:fld id="{78C97017-6FC3-485B-9764-EAC9E56C1D49}" type="datetimeFigureOut">
               <a:rPr lang="en-US" smtClean="0"/>
-              <a:t>3/9/19</a:t>
+              <a:t>3/18/19</a:t>
             </a:fld>
             <a:endParaRPr lang="en-US"/>
           </a:p>
@@ -1168,7 +1168,7 @@
           <a:p>
             <a:fld id="{78C97017-6FC3-485B-9764-EAC9E56C1D49}" type="datetimeFigureOut">
               <a:rPr lang="en-US" smtClean="0"/>
-              <a:t>3/9/19</a:t>
+              <a:t>3/18/19</a:t>
             </a:fld>
             <a:endParaRPr lang="en-US"/>
           </a:p>
@@ -1413,7 +1413,7 @@
           <a:p>
             <a:fld id="{78C97017-6FC3-485B-9764-EAC9E56C1D49}" type="datetimeFigureOut">
               <a:rPr lang="en-US" smtClean="0"/>
-              <a:t>3/9/19</a:t>
+              <a:t>3/18/19</a:t>
             </a:fld>
             <a:endParaRPr lang="en-US"/>
           </a:p>
@@ -1698,7 +1698,7 @@
           <a:p>
             <a:fld id="{78C97017-6FC3-485B-9764-EAC9E56C1D49}" type="datetimeFigureOut">
               <a:rPr lang="en-US" smtClean="0"/>
-              <a:t>3/9/19</a:t>
+              <a:t>3/18/19</a:t>
             </a:fld>
             <a:endParaRPr lang="en-US"/>
           </a:p>
@@ -2117,7 +2117,7 @@
           <a:p>
             <a:fld id="{78C97017-6FC3-485B-9764-EAC9E56C1D49}" type="datetimeFigureOut">
               <a:rPr lang="en-US" smtClean="0"/>
-              <a:t>3/9/19</a:t>
+              <a:t>3/18/19</a:t>
             </a:fld>
             <a:endParaRPr lang="en-US"/>
           </a:p>
@@ -2234,7 +2234,7 @@
           <a:p>
             <a:fld id="{78C97017-6FC3-485B-9764-EAC9E56C1D49}" type="datetimeFigureOut">
               <a:rPr lang="en-US" smtClean="0"/>
-              <a:t>3/9/19</a:t>
+              <a:t>3/18/19</a:t>
             </a:fld>
             <a:endParaRPr lang="en-US"/>
           </a:p>
@@ -2329,7 +2329,7 @@
           <a:p>
             <a:fld id="{78C97017-6FC3-485B-9764-EAC9E56C1D49}" type="datetimeFigureOut">
               <a:rPr lang="en-US" smtClean="0"/>
-              <a:t>3/9/19</a:t>
+              <a:t>3/18/19</a:t>
             </a:fld>
             <a:endParaRPr lang="en-US"/>
           </a:p>
@@ -2604,7 +2604,7 @@
           <a:p>
             <a:fld id="{78C97017-6FC3-485B-9764-EAC9E56C1D49}" type="datetimeFigureOut">
               <a:rPr lang="en-US" smtClean="0"/>
-              <a:t>3/9/19</a:t>
+              <a:t>3/18/19</a:t>
             </a:fld>
             <a:endParaRPr lang="en-US"/>
           </a:p>
@@ -2856,7 +2856,7 @@
           <a:p>
             <a:fld id="{78C97017-6FC3-485B-9764-EAC9E56C1D49}" type="datetimeFigureOut">
               <a:rPr lang="en-US" smtClean="0"/>
-              <a:t>3/9/19</a:t>
+              <a:t>3/18/19</a:t>
             </a:fld>
             <a:endParaRPr lang="en-US"/>
           </a:p>
@@ -3067,7 +3067,7 @@
           <a:p>
             <a:fld id="{78C97017-6FC3-485B-9764-EAC9E56C1D49}" type="datetimeFigureOut">
               <a:rPr lang="en-US" smtClean="0"/>
-              <a:t>3/9/19</a:t>
+              <a:t>3/18/19</a:t>
             </a:fld>
             <a:endParaRPr lang="en-US"/>
           </a:p>
@@ -4624,7 +4624,7 @@
                   <a:srgbClr val="7030A0"/>
                 </a:solidFill>
               </a:rPr>
-              <a:t>Location</a:t>
+              <a:t>Directory</a:t>
             </a:r>
             <a:endParaRPr lang="en-SG" sz="1050" dirty="0">
               <a:solidFill>
@@ -5243,7 +5243,7 @@
                   <a:srgbClr val="7030A0"/>
                 </a:solidFill>
               </a:rPr>
-              <a:t>Label</a:t>
+              <a:t>Tag</a:t>
             </a:r>
             <a:endParaRPr lang="en-SG" sz="1050" dirty="0">
               <a:solidFill>

--- a/docs/diagrams/ModelComponentClassDiagram.pptx
+++ b/docs/diagrams/ModelComponentClassDiagram.pptx
@@ -208,7 +208,7 @@
           <a:p>
             <a:fld id="{F5CC4B3F-88C1-4FFA-B1B6-F41C21DC6924}" type="datetimeFigureOut">
               <a:rPr lang="en-US" smtClean="0"/>
-              <a:t>3/12/2019</a:t>
+              <a:t>3/19/2019</a:t>
             </a:fld>
             <a:endParaRPr lang="en-US"/>
           </a:p>
@@ -654,7 +654,7 @@
           <a:p>
             <a:fld id="{78C97017-6FC3-485B-9764-EAC9E56C1D49}" type="datetimeFigureOut">
               <a:rPr lang="en-US" smtClean="0"/>
-              <a:t>3/12/2019</a:t>
+              <a:t>3/19/2019</a:t>
             </a:fld>
             <a:endParaRPr lang="en-US"/>
           </a:p>
@@ -822,7 +822,7 @@
           <a:p>
             <a:fld id="{78C97017-6FC3-485B-9764-EAC9E56C1D49}" type="datetimeFigureOut">
               <a:rPr lang="en-US" smtClean="0"/>
-              <a:t>3/12/2019</a:t>
+              <a:t>3/19/2019</a:t>
             </a:fld>
             <a:endParaRPr lang="en-US"/>
           </a:p>
@@ -1000,7 +1000,7 @@
           <a:p>
             <a:fld id="{78C97017-6FC3-485B-9764-EAC9E56C1D49}" type="datetimeFigureOut">
               <a:rPr lang="en-US" smtClean="0"/>
-              <a:t>3/12/2019</a:t>
+              <a:t>3/19/2019</a:t>
             </a:fld>
             <a:endParaRPr lang="en-US"/>
           </a:p>
@@ -1168,7 +1168,7 @@
           <a:p>
             <a:fld id="{78C97017-6FC3-485B-9764-EAC9E56C1D49}" type="datetimeFigureOut">
               <a:rPr lang="en-US" smtClean="0"/>
-              <a:t>3/12/2019</a:t>
+              <a:t>3/19/2019</a:t>
             </a:fld>
             <a:endParaRPr lang="en-US"/>
           </a:p>
@@ -1413,7 +1413,7 @@
           <a:p>
             <a:fld id="{78C97017-6FC3-485B-9764-EAC9E56C1D49}" type="datetimeFigureOut">
               <a:rPr lang="en-US" smtClean="0"/>
-              <a:t>3/12/2019</a:t>
+              <a:t>3/19/2019</a:t>
             </a:fld>
             <a:endParaRPr lang="en-US"/>
           </a:p>
@@ -1698,7 +1698,7 @@
           <a:p>
             <a:fld id="{78C97017-6FC3-485B-9764-EAC9E56C1D49}" type="datetimeFigureOut">
               <a:rPr lang="en-US" smtClean="0"/>
-              <a:t>3/12/2019</a:t>
+              <a:t>3/19/2019</a:t>
             </a:fld>
             <a:endParaRPr lang="en-US"/>
           </a:p>
@@ -2117,7 +2117,7 @@
           <a:p>
             <a:fld id="{78C97017-6FC3-485B-9764-EAC9E56C1D49}" type="datetimeFigureOut">
               <a:rPr lang="en-US" smtClean="0"/>
-              <a:t>3/12/2019</a:t>
+              <a:t>3/19/2019</a:t>
             </a:fld>
             <a:endParaRPr lang="en-US"/>
           </a:p>
@@ -2234,7 +2234,7 @@
           <a:p>
             <a:fld id="{78C97017-6FC3-485B-9764-EAC9E56C1D49}" type="datetimeFigureOut">
               <a:rPr lang="en-US" smtClean="0"/>
-              <a:t>3/12/2019</a:t>
+              <a:t>3/19/2019</a:t>
             </a:fld>
             <a:endParaRPr lang="en-US"/>
           </a:p>
@@ -2329,7 +2329,7 @@
           <a:p>
             <a:fld id="{78C97017-6FC3-485B-9764-EAC9E56C1D49}" type="datetimeFigureOut">
               <a:rPr lang="en-US" smtClean="0"/>
-              <a:t>3/12/2019</a:t>
+              <a:t>3/19/2019</a:t>
             </a:fld>
             <a:endParaRPr lang="en-US"/>
           </a:p>
@@ -2604,7 +2604,7 @@
           <a:p>
             <a:fld id="{78C97017-6FC3-485B-9764-EAC9E56C1D49}" type="datetimeFigureOut">
               <a:rPr lang="en-US" smtClean="0"/>
-              <a:t>3/12/2019</a:t>
+              <a:t>3/19/2019</a:t>
             </a:fld>
             <a:endParaRPr lang="en-US"/>
           </a:p>
@@ -2856,7 +2856,7 @@
           <a:p>
             <a:fld id="{78C97017-6FC3-485B-9764-EAC9E56C1D49}" type="datetimeFigureOut">
               <a:rPr lang="en-US" smtClean="0"/>
-              <a:t>3/12/2019</a:t>
+              <a:t>3/19/2019</a:t>
             </a:fld>
             <a:endParaRPr lang="en-US"/>
           </a:p>
@@ -3067,7 +3067,7 @@
           <a:p>
             <a:fld id="{78C97017-6FC3-485B-9764-EAC9E56C1D49}" type="datetimeFigureOut">
               <a:rPr lang="en-US" smtClean="0"/>
-              <a:t>3/12/2019</a:t>
+              <a:t>3/19/2019</a:t>
             </a:fld>
             <a:endParaRPr lang="en-US"/>
           </a:p>
@@ -3451,7 +3451,7 @@
         <p:spPr>
           <a:xfrm>
             <a:off x="1119865" y="1600200"/>
-            <a:ext cx="7490735" cy="3124200"/>
+            <a:ext cx="7566935" cy="3124200"/>
           </a:xfrm>
           <a:prstGeom prst="roundRect">
             <a:avLst>
@@ -4346,8 +4346,8 @@
         </p:nvSpPr>
         <p:spPr>
           <a:xfrm>
-            <a:off x="7610819" y="2564238"/>
-            <a:ext cx="809764" cy="285783"/>
+            <a:off x="7610819" y="2219854"/>
+            <a:ext cx="929054" cy="285783"/>
           </a:xfrm>
           <a:prstGeom prst="rect">
             <a:avLst/>
@@ -4446,14 +4446,15 @@
           <p:cNvPr id="79" name="Elbow Connector 78"/>
           <p:cNvCxnSpPr>
             <a:cxnSpLocks/>
+            <a:stCxn id="78" idx="3"/>
             <a:endCxn id="76" idx="1"/>
           </p:cNvCxnSpPr>
           <p:nvPr/>
         </p:nvCxnSpPr>
         <p:spPr>
           <a:xfrm flipV="1">
-            <a:off x="7277995" y="2707130"/>
-            <a:ext cx="332824" cy="327454"/>
+            <a:off x="7277995" y="2362746"/>
+            <a:ext cx="332824" cy="672145"/>
           </a:xfrm>
           <a:prstGeom prst="bentConnector3">
             <a:avLst>
@@ -4492,8 +4493,8 @@
         </p:nvSpPr>
         <p:spPr>
           <a:xfrm>
-            <a:off x="7610819" y="2887216"/>
-            <a:ext cx="809764" cy="285783"/>
+            <a:off x="7610818" y="2887216"/>
+            <a:ext cx="929057" cy="285783"/>
           </a:xfrm>
           <a:prstGeom prst="rect">
             <a:avLst/>
@@ -4553,7 +4554,7 @@
         <p:spPr>
           <a:xfrm flipV="1">
             <a:off x="7277995" y="3030108"/>
-            <a:ext cx="332824" cy="4783"/>
+            <a:ext cx="332823" cy="4783"/>
           </a:xfrm>
           <a:prstGeom prst="bentConnector3">
             <a:avLst/>
@@ -4591,7 +4592,7 @@
         <p:spPr>
           <a:xfrm>
             <a:off x="7610819" y="3210194"/>
-            <a:ext cx="809764" cy="285783"/>
+            <a:ext cx="929056" cy="285783"/>
           </a:xfrm>
           <a:prstGeom prst="rect">
             <a:avLst/>
@@ -4688,8 +4689,8 @@
         </p:nvSpPr>
         <p:spPr>
           <a:xfrm>
-            <a:off x="7610819" y="3533171"/>
-            <a:ext cx="809764" cy="285783"/>
+            <a:off x="7610818" y="3533171"/>
+            <a:ext cx="929055" cy="285783"/>
           </a:xfrm>
           <a:prstGeom prst="rect">
             <a:avLst/>
@@ -4749,7 +4750,7 @@
         <p:spPr>
           <a:xfrm>
             <a:off x="7277995" y="3034891"/>
-            <a:ext cx="332824" cy="641172"/>
+            <a:ext cx="332823" cy="641172"/>
           </a:xfrm>
           <a:prstGeom prst="bentConnector3">
             <a:avLst/>
@@ -5308,8 +5309,8 @@
         </p:nvSpPr>
         <p:spPr>
           <a:xfrm>
-            <a:off x="7610819" y="2228817"/>
-            <a:ext cx="809764" cy="285783"/>
+            <a:off x="7610818" y="1878717"/>
+            <a:ext cx="929053" cy="285783"/>
           </a:xfrm>
           <a:prstGeom prst="rect">
             <a:avLst/>
@@ -5374,8 +5375,8 @@
         </p:nvCxnSpPr>
         <p:spPr>
           <a:xfrm flipV="1">
-            <a:off x="7277995" y="2371709"/>
-            <a:ext cx="332824" cy="663182"/>
+            <a:off x="7277995" y="2021609"/>
+            <a:ext cx="332823" cy="1013282"/>
           </a:xfrm>
           <a:prstGeom prst="bentConnector3">
             <a:avLst>
@@ -5420,7 +5421,7 @@
         </p:nvSpPr>
         <p:spPr>
           <a:xfrm>
-            <a:off x="7354543" y="2209800"/>
+            <a:off x="7349778" y="1878717"/>
             <a:ext cx="189257" cy="178683"/>
           </a:xfrm>
           <a:prstGeom prst="rect">
@@ -5808,6 +5809,116 @@
             <a:prstDash val="sysDot"/>
             <a:headEnd type="none" w="med" len="med"/>
             <a:tailEnd type="none" w="med" len="med"/>
+          </a:ln>
+          <a:effectLst/>
+        </p:spPr>
+        <p:style>
+          <a:lnRef idx="1">
+            <a:schemeClr val="accent2"/>
+          </a:lnRef>
+          <a:fillRef idx="2">
+            <a:schemeClr val="accent2"/>
+          </a:fillRef>
+          <a:effectRef idx="1">
+            <a:schemeClr val="accent2"/>
+          </a:effectRef>
+          <a:fontRef idx="minor">
+            <a:schemeClr val="dk1"/>
+          </a:fontRef>
+        </p:style>
+      </p:cxnSp>
+      <p:sp>
+        <p:nvSpPr>
+          <p:cNvPr id="56" name="Rectangle 8">
+            <a:extLst>
+              <a:ext uri="{FF2B5EF4-FFF2-40B4-BE49-F238E27FC236}">
+                <a16:creationId xmlns:a16="http://schemas.microsoft.com/office/drawing/2014/main" id="{8A393D7D-D326-4A04-8560-1EA9AE3B884B}"/>
+              </a:ext>
+            </a:extLst>
+          </p:cNvPr>
+          <p:cNvSpPr/>
+          <p:nvPr/>
+        </p:nvSpPr>
+        <p:spPr>
+          <a:xfrm>
+            <a:off x="7608334" y="2553535"/>
+            <a:ext cx="931542" cy="285783"/>
+          </a:xfrm>
+          <a:prstGeom prst="rect">
+            <a:avLst/>
+          </a:prstGeom>
+          <a:ln w="19050">
+            <a:solidFill>
+              <a:srgbClr val="7030A0"/>
+            </a:solidFill>
+          </a:ln>
+          <a:effectLst/>
+        </p:spPr>
+        <p:style>
+          <a:lnRef idx="1">
+            <a:schemeClr val="accent4"/>
+          </a:lnRef>
+          <a:fillRef idx="2">
+            <a:schemeClr val="accent4"/>
+          </a:fillRef>
+          <a:effectRef idx="1">
+            <a:schemeClr val="accent4"/>
+          </a:effectRef>
+          <a:fontRef idx="minor">
+            <a:schemeClr val="dk1"/>
+          </a:fontRef>
+        </p:style>
+        <p:txBody>
+          <a:bodyPr rtlCol="0" anchor="ctr"/>
+          <a:lstStyle/>
+          <a:p>
+            <a:pPr algn="ctr"/>
+            <a:r>
+              <a:rPr lang="en-US" sz="1050" dirty="0">
+                <a:solidFill>
+                  <a:srgbClr val="7030A0"/>
+                </a:solidFill>
+              </a:rPr>
+              <a:t>Country Code</a:t>
+            </a:r>
+            <a:endParaRPr lang="en-SG" sz="1050" dirty="0">
+              <a:solidFill>
+                <a:srgbClr val="7030A0"/>
+              </a:solidFill>
+            </a:endParaRPr>
+          </a:p>
+        </p:txBody>
+      </p:sp>
+      <p:cxnSp>
+        <p:nvCxnSpPr>
+          <p:cNvPr id="72" name="Elbow Connector 78">
+            <a:extLst>
+              <a:ext uri="{FF2B5EF4-FFF2-40B4-BE49-F238E27FC236}">
+                <a16:creationId xmlns:a16="http://schemas.microsoft.com/office/drawing/2014/main" id="{8250CBAC-FE66-4B21-95C2-73479FC4AF65}"/>
+              </a:ext>
+            </a:extLst>
+          </p:cNvPr>
+          <p:cNvCxnSpPr>
+            <a:cxnSpLocks/>
+          </p:cNvCxnSpPr>
+          <p:nvPr/>
+        </p:nvCxnSpPr>
+        <p:spPr>
+          <a:xfrm rot="5400000" flipH="1" flipV="1">
+            <a:off x="7365931" y="2787334"/>
+            <a:ext cx="326033" cy="169083"/>
+          </a:xfrm>
+          <a:prstGeom prst="bentConnector3">
+            <a:avLst>
+              <a:gd name="adj1" fmla="val 99860"/>
+            </a:avLst>
+          </a:prstGeom>
+          <a:ln w="19050">
+            <a:solidFill>
+              <a:srgbClr val="7030A0"/>
+            </a:solidFill>
+            <a:headEnd type="none" w="med" len="med"/>
+            <a:tailEnd type="arrow" w="med" len="med"/>
           </a:ln>
           <a:effectLst/>
         </p:spPr>

--- a/docs/diagrams/ModelComponentClassDiagram.pptx
+++ b/docs/diagrams/ModelComponentClassDiagram.pptx
@@ -208,7 +208,7 @@
           <a:p>
             <a:fld id="{F5CC4B3F-88C1-4FFA-B1B6-F41C21DC6924}" type="datetimeFigureOut">
               <a:rPr lang="en-US" smtClean="0"/>
-              <a:t>12/5/2018</a:t>
+              <a:t>3/19/19</a:t>
             </a:fld>
             <a:endParaRPr lang="en-US"/>
           </a:p>
@@ -654,7 +654,7 @@
           <a:p>
             <a:fld id="{78C97017-6FC3-485B-9764-EAC9E56C1D49}" type="datetimeFigureOut">
               <a:rPr lang="en-US" smtClean="0"/>
-              <a:t>12/5/2018</a:t>
+              <a:t>3/19/19</a:t>
             </a:fld>
             <a:endParaRPr lang="en-US"/>
           </a:p>
@@ -822,7 +822,7 @@
           <a:p>
             <a:fld id="{78C97017-6FC3-485B-9764-EAC9E56C1D49}" type="datetimeFigureOut">
               <a:rPr lang="en-US" smtClean="0"/>
-              <a:t>12/5/2018</a:t>
+              <a:t>3/19/19</a:t>
             </a:fld>
             <a:endParaRPr lang="en-US"/>
           </a:p>
@@ -1000,7 +1000,7 @@
           <a:p>
             <a:fld id="{78C97017-6FC3-485B-9764-EAC9E56C1D49}" type="datetimeFigureOut">
               <a:rPr lang="en-US" smtClean="0"/>
-              <a:t>12/5/2018</a:t>
+              <a:t>3/19/19</a:t>
             </a:fld>
             <a:endParaRPr lang="en-US"/>
           </a:p>
@@ -1168,7 +1168,7 @@
           <a:p>
             <a:fld id="{78C97017-6FC3-485B-9764-EAC9E56C1D49}" type="datetimeFigureOut">
               <a:rPr lang="en-US" smtClean="0"/>
-              <a:t>12/5/2018</a:t>
+              <a:t>3/19/19</a:t>
             </a:fld>
             <a:endParaRPr lang="en-US"/>
           </a:p>
@@ -1413,7 +1413,7 @@
           <a:p>
             <a:fld id="{78C97017-6FC3-485B-9764-EAC9E56C1D49}" type="datetimeFigureOut">
               <a:rPr lang="en-US" smtClean="0"/>
-              <a:t>12/5/2018</a:t>
+              <a:t>3/19/19</a:t>
             </a:fld>
             <a:endParaRPr lang="en-US"/>
           </a:p>
@@ -1698,7 +1698,7 @@
           <a:p>
             <a:fld id="{78C97017-6FC3-485B-9764-EAC9E56C1D49}" type="datetimeFigureOut">
               <a:rPr lang="en-US" smtClean="0"/>
-              <a:t>12/5/2018</a:t>
+              <a:t>3/19/19</a:t>
             </a:fld>
             <a:endParaRPr lang="en-US"/>
           </a:p>
@@ -2117,7 +2117,7 @@
           <a:p>
             <a:fld id="{78C97017-6FC3-485B-9764-EAC9E56C1D49}" type="datetimeFigureOut">
               <a:rPr lang="en-US" smtClean="0"/>
-              <a:t>12/5/2018</a:t>
+              <a:t>3/19/19</a:t>
             </a:fld>
             <a:endParaRPr lang="en-US"/>
           </a:p>
@@ -2234,7 +2234,7 @@
           <a:p>
             <a:fld id="{78C97017-6FC3-485B-9764-EAC9E56C1D49}" type="datetimeFigureOut">
               <a:rPr lang="en-US" smtClean="0"/>
-              <a:t>12/5/2018</a:t>
+              <a:t>3/19/19</a:t>
             </a:fld>
             <a:endParaRPr lang="en-US"/>
           </a:p>
@@ -2329,7 +2329,7 @@
           <a:p>
             <a:fld id="{78C97017-6FC3-485B-9764-EAC9E56C1D49}" type="datetimeFigureOut">
               <a:rPr lang="en-US" smtClean="0"/>
-              <a:t>12/5/2018</a:t>
+              <a:t>3/19/19</a:t>
             </a:fld>
             <a:endParaRPr lang="en-US"/>
           </a:p>
@@ -2604,7 +2604,7 @@
           <a:p>
             <a:fld id="{78C97017-6FC3-485B-9764-EAC9E56C1D49}" type="datetimeFigureOut">
               <a:rPr lang="en-US" smtClean="0"/>
-              <a:t>12/5/2018</a:t>
+              <a:t>3/19/19</a:t>
             </a:fld>
             <a:endParaRPr lang="en-US"/>
           </a:p>
@@ -2856,7 +2856,7 @@
           <a:p>
             <a:fld id="{78C97017-6FC3-485B-9764-EAC9E56C1D49}" type="datetimeFigureOut">
               <a:rPr lang="en-US" smtClean="0"/>
-              <a:t>12/5/2018</a:t>
+              <a:t>3/19/19</a:t>
             </a:fld>
             <a:endParaRPr lang="en-US"/>
           </a:p>
@@ -3067,7 +3067,7 @@
           <a:p>
             <a:fld id="{78C97017-6FC3-485B-9764-EAC9E56C1D49}" type="datetimeFigureOut">
               <a:rPr lang="en-US" smtClean="0"/>
-              <a:t>12/5/2018</a:t>
+              <a:t>3/19/19</a:t>
             </a:fld>
             <a:endParaRPr lang="en-US"/>
           </a:p>
@@ -3450,8 +3450,8 @@
         </p:nvSpPr>
         <p:spPr>
           <a:xfrm>
-            <a:off x="1119865" y="1600200"/>
-            <a:ext cx="7490735" cy="3124200"/>
+            <a:off x="438374" y="1600200"/>
+            <a:ext cx="8456045" cy="3276600"/>
           </a:xfrm>
           <a:prstGeom prst="roundRect">
             <a:avLst>
@@ -3511,7 +3511,7 @@
         </p:nvSpPr>
         <p:spPr>
           <a:xfrm>
-            <a:off x="2825280" y="3463240"/>
+            <a:off x="2143789" y="3463240"/>
             <a:ext cx="878211" cy="346760"/>
           </a:xfrm>
           <a:prstGeom prst="rect">
@@ -3567,7 +3567,7 @@
         </p:nvSpPr>
         <p:spPr>
           <a:xfrm rot="16200000">
-            <a:off x="1661548" y="3097750"/>
+            <a:off x="980057" y="3097750"/>
             <a:ext cx="1093635" cy="346760"/>
           </a:xfrm>
           <a:prstGeom prst="rect">
@@ -3630,12 +3630,12 @@
         </p:nvCxnSpPr>
         <p:spPr>
           <a:xfrm rot="5400000" flipH="1" flipV="1">
-            <a:off x="4131507" y="1281685"/>
-            <a:ext cx="613122" cy="4459404"/>
+            <a:off x="3554286" y="1173409"/>
+            <a:ext cx="617128" cy="4671950"/>
           </a:xfrm>
           <a:prstGeom prst="bentConnector3">
             <a:avLst>
-              <a:gd name="adj1" fmla="val -26668"/>
+              <a:gd name="adj1" fmla="val -39502"/>
             </a:avLst>
           </a:prstGeom>
           <a:ln w="19050">
@@ -3671,7 +3671,7 @@
         </p:nvSpPr>
         <p:spPr>
           <a:xfrm rot="16200000">
-            <a:off x="956202" y="2861202"/>
+            <a:off x="274711" y="2861202"/>
             <a:ext cx="1093635" cy="346760"/>
           </a:xfrm>
           <a:prstGeom prst="rect">
@@ -3741,7 +3741,7 @@
         </p:nvSpPr>
         <p:spPr>
           <a:xfrm rot="16200000">
-            <a:off x="1626910" y="2952291"/>
+            <a:off x="945419" y="2952291"/>
             <a:ext cx="270504" cy="175523"/>
           </a:xfrm>
           <a:prstGeom prst="triangle">
@@ -3792,7 +3792,7 @@
         </p:nvCxnSpPr>
         <p:spPr>
           <a:xfrm>
-            <a:off x="2609828" y="3636620"/>
+            <a:off x="1928337" y="3636620"/>
             <a:ext cx="215452" cy="0"/>
           </a:xfrm>
           <a:prstGeom prst="straightConnector1">
@@ -3825,12 +3825,14 @@
       <p:cxnSp>
         <p:nvCxnSpPr>
           <p:cNvPr id="75" name="Elbow Connector 122"/>
-          <p:cNvCxnSpPr/>
+          <p:cNvCxnSpPr>
+            <a:cxnSpLocks/>
+          </p:cNvCxnSpPr>
           <p:nvPr/>
         </p:nvCxnSpPr>
         <p:spPr>
           <a:xfrm>
-            <a:off x="910091" y="3040053"/>
+            <a:off x="228600" y="3040053"/>
             <a:ext cx="419548" cy="2860"/>
           </a:xfrm>
           <a:prstGeom prst="bentConnector3">
@@ -3875,7 +3877,7 @@
         </p:nvCxnSpPr>
         <p:spPr>
           <a:xfrm flipV="1">
-            <a:off x="1849924" y="3040052"/>
+            <a:off x="1168433" y="3040052"/>
             <a:ext cx="216105" cy="1"/>
           </a:xfrm>
           <a:prstGeom prst="line">
@@ -3914,7 +3916,7 @@
         </p:nvSpPr>
         <p:spPr>
           <a:xfrm>
-            <a:off x="2373780" y="3549930"/>
+            <a:off x="1692289" y="3549930"/>
             <a:ext cx="236048" cy="173380"/>
           </a:xfrm>
           <a:prstGeom prst="flowChartDecision">
@@ -3959,7 +3961,7 @@
         </p:nvSpPr>
         <p:spPr>
           <a:xfrm>
-            <a:off x="2825280" y="2846162"/>
+            <a:off x="2143789" y="2846162"/>
             <a:ext cx="1490560" cy="334856"/>
           </a:xfrm>
           <a:prstGeom prst="rect">
@@ -3997,7 +3999,7 @@
                   <a:srgbClr val="7030A0"/>
                 </a:solidFill>
               </a:rPr>
-              <a:t>VersionedAddressBook</a:t>
+              <a:t>VersionedFoodDiary</a:t>
             </a:r>
             <a:endParaRPr lang="en-SG" sz="1050" dirty="0">
               <a:solidFill>
@@ -4018,7 +4020,7 @@
         </p:nvCxnSpPr>
         <p:spPr>
           <a:xfrm>
-            <a:off x="2624360" y="3003033"/>
+            <a:off x="1942869" y="3003033"/>
             <a:ext cx="200920" cy="10557"/>
           </a:xfrm>
           <a:prstGeom prst="straightConnector1">
@@ -4056,7 +4058,7 @@
         </p:nvSpPr>
         <p:spPr>
           <a:xfrm>
-            <a:off x="2388312" y="2916343"/>
+            <a:off x="1706821" y="2916343"/>
             <a:ext cx="236048" cy="173380"/>
           </a:xfrm>
           <a:prstGeom prst="flowChartDecision">
@@ -4101,8 +4103,8 @@
         </p:nvSpPr>
         <p:spPr>
           <a:xfrm>
-            <a:off x="4692650" y="2846162"/>
-            <a:ext cx="1156969" cy="346760"/>
+            <a:off x="4011159" y="2846162"/>
+            <a:ext cx="1365019" cy="346760"/>
           </a:xfrm>
           <a:prstGeom prst="rect">
             <a:avLst/>
@@ -4139,7 +4141,7 @@
                   <a:srgbClr val="7030A0"/>
                 </a:solidFill>
               </a:rPr>
-              <a:t>UniquePersonList</a:t>
+              <a:t>UniqueRestaurantList</a:t>
             </a:r>
             <a:endParaRPr lang="en-SG" sz="1050" dirty="0">
               <a:solidFill>
@@ -4157,7 +4159,7 @@
         </p:nvSpPr>
         <p:spPr>
           <a:xfrm>
-            <a:off x="4324972" y="2920532"/>
+            <a:off x="3643481" y="2920532"/>
             <a:ext cx="236048" cy="173380"/>
           </a:xfrm>
           <a:prstGeom prst="flowChartDecision">
@@ -4204,8 +4206,8 @@
         </p:nvSpPr>
         <p:spPr>
           <a:xfrm>
-            <a:off x="6313677" y="2858066"/>
-            <a:ext cx="708186" cy="346760"/>
+            <a:off x="5808665" y="2854060"/>
+            <a:ext cx="780320" cy="346760"/>
           </a:xfrm>
           <a:prstGeom prst="rect">
             <a:avLst/>
@@ -4242,7 +4244,7 @@
                   <a:srgbClr val="7030A0"/>
                 </a:solidFill>
               </a:rPr>
-              <a:t>Person</a:t>
+              <a:t>Restaurant</a:t>
             </a:r>
             <a:endParaRPr lang="en-SG" sz="1050" dirty="0">
               <a:solidFill>
@@ -4260,7 +4262,7 @@
         </p:nvSpPr>
         <p:spPr>
           <a:xfrm>
-            <a:off x="5858751" y="2941676"/>
+            <a:off x="5380932" y="2943396"/>
             <a:ext cx="236048" cy="173380"/>
           </a:xfrm>
           <a:prstGeom prst="flowChartDecision">
@@ -4301,15 +4303,16 @@
         <p:nvCxnSpPr>
           <p:cNvPr id="64" name="Elbow Connector 63"/>
           <p:cNvCxnSpPr>
+            <a:cxnSpLocks/>
             <a:stCxn id="63" idx="3"/>
             <a:endCxn id="62" idx="1"/>
           </p:cNvCxnSpPr>
           <p:nvPr/>
         </p:nvCxnSpPr>
         <p:spPr>
-          <a:xfrm>
-            <a:off x="6094799" y="3028366"/>
-            <a:ext cx="218878" cy="3080"/>
+          <a:xfrm flipV="1">
+            <a:off x="5616980" y="3027440"/>
+            <a:ext cx="191685" cy="2646"/>
           </a:xfrm>
           <a:prstGeom prst="bentConnector3">
             <a:avLst/>
@@ -4346,7 +4349,7 @@
         </p:nvSpPr>
         <p:spPr>
           <a:xfrm>
-            <a:off x="7712397" y="2564238"/>
+            <a:off x="7260863" y="2236888"/>
             <a:ext cx="708186" cy="285783"/>
           </a:xfrm>
           <a:prstGeom prst="rect">
@@ -4402,7 +4405,7 @@
         </p:nvSpPr>
         <p:spPr>
           <a:xfrm>
-            <a:off x="7041947" y="2948201"/>
+            <a:off x="6600800" y="2939247"/>
             <a:ext cx="236048" cy="173380"/>
           </a:xfrm>
           <a:prstGeom prst="flowChartDecision">
@@ -4446,16 +4449,20 @@
           <p:cNvPr id="79" name="Elbow Connector 78"/>
           <p:cNvCxnSpPr>
             <a:cxnSpLocks/>
+            <a:stCxn id="78" idx="3"/>
+            <a:endCxn id="76" idx="1"/>
           </p:cNvCxnSpPr>
           <p:nvPr/>
         </p:nvCxnSpPr>
         <p:spPr>
           <a:xfrm flipV="1">
-            <a:off x="7277995" y="2706821"/>
-            <a:ext cx="434402" cy="327761"/>
+            <a:off x="6836848" y="2379780"/>
+            <a:ext cx="424015" cy="646157"/>
           </a:xfrm>
           <a:prstGeom prst="bentConnector3">
-            <a:avLst/>
+            <a:avLst>
+              <a:gd name="adj1" fmla="val 50000"/>
+            </a:avLst>
           </a:prstGeom>
           <a:ln w="19050">
             <a:solidFill>
@@ -4489,7 +4496,7 @@
         </p:nvSpPr>
         <p:spPr>
           <a:xfrm>
-            <a:off x="7712397" y="2887216"/>
+            <a:off x="7260863" y="2559866"/>
             <a:ext cx="708186" cy="285783"/>
           </a:xfrm>
           <a:prstGeom prst="rect">
@@ -4541,6 +4548,7 @@
         <p:nvCxnSpPr>
           <p:cNvPr id="81" name="Elbow Connector 80"/>
           <p:cNvCxnSpPr>
+            <a:cxnSpLocks/>
             <a:stCxn id="78" idx="3"/>
             <a:endCxn id="80" idx="1"/>
           </p:cNvCxnSpPr>
@@ -4548,11 +4556,13 @@
         </p:nvCxnSpPr>
         <p:spPr>
           <a:xfrm flipV="1">
-            <a:off x="7277995" y="3030108"/>
-            <a:ext cx="434402" cy="4783"/>
+            <a:off x="6836848" y="2702758"/>
+            <a:ext cx="424015" cy="323179"/>
           </a:xfrm>
           <a:prstGeom prst="bentConnector3">
-            <a:avLst/>
+            <a:avLst>
+              <a:gd name="adj1" fmla="val 50000"/>
+            </a:avLst>
           </a:prstGeom>
           <a:ln w="19050">
             <a:solidFill>
@@ -4586,7 +4596,7 @@
         </p:nvSpPr>
         <p:spPr>
           <a:xfrm>
-            <a:off x="7712397" y="3210194"/>
+            <a:off x="7260863" y="2882844"/>
             <a:ext cx="708186" cy="285783"/>
           </a:xfrm>
           <a:prstGeom prst="rect">
@@ -4638,15 +4648,16 @@
         <p:nvCxnSpPr>
           <p:cNvPr id="84" name="Elbow Connector 83"/>
           <p:cNvCxnSpPr>
+            <a:cxnSpLocks/>
             <a:stCxn id="78" idx="3"/>
             <a:endCxn id="83" idx="1"/>
           </p:cNvCxnSpPr>
           <p:nvPr/>
         </p:nvCxnSpPr>
         <p:spPr>
-          <a:xfrm>
-            <a:off x="7277995" y="3034891"/>
-            <a:ext cx="434402" cy="318195"/>
+          <a:xfrm flipV="1">
+            <a:off x="6836848" y="3025736"/>
+            <a:ext cx="424015" cy="201"/>
           </a:xfrm>
           <a:prstGeom prst="bentConnector3">
             <a:avLst/>
@@ -4683,7 +4694,7 @@
         </p:nvSpPr>
         <p:spPr>
           <a:xfrm>
-            <a:off x="7712397" y="3533171"/>
+            <a:off x="7260863" y="3205821"/>
             <a:ext cx="708186" cy="285783"/>
           </a:xfrm>
           <a:prstGeom prst="rect">
@@ -4735,6 +4746,7 @@
         <p:nvCxnSpPr>
           <p:cNvPr id="86" name="Elbow Connector 85"/>
           <p:cNvCxnSpPr>
+            <a:cxnSpLocks/>
             <a:stCxn id="78" idx="3"/>
             <a:endCxn id="85" idx="1"/>
           </p:cNvCxnSpPr>
@@ -4742,8 +4754,8 @@
         </p:nvCxnSpPr>
         <p:spPr>
           <a:xfrm>
-            <a:off x="7277995" y="3034891"/>
-            <a:ext cx="434402" cy="641172"/>
+            <a:off x="6836848" y="3025937"/>
+            <a:ext cx="424015" cy="322776"/>
           </a:xfrm>
           <a:prstGeom prst="bentConnector3">
             <a:avLst/>
@@ -4783,7 +4795,7 @@
         </p:nvCxnSpPr>
         <p:spPr>
           <a:xfrm rot="16200000" flipH="1">
-            <a:off x="3566454" y="2680653"/>
+            <a:off x="2884963" y="2680653"/>
             <a:ext cx="274076" cy="1"/>
           </a:xfrm>
           <a:prstGeom prst="bentConnector3">
@@ -4824,7 +4836,7 @@
         </p:nvSpPr>
         <p:spPr>
           <a:xfrm rot="10800000" flipV="1">
-            <a:off x="3562299" y="2386554"/>
+            <a:off x="2880808" y="2386554"/>
             <a:ext cx="282387" cy="157062"/>
           </a:xfrm>
           <a:prstGeom prst="triangle">
@@ -4878,7 +4890,7 @@
         </p:nvSpPr>
         <p:spPr>
           <a:xfrm>
-            <a:off x="1260922" y="1998350"/>
+            <a:off x="579431" y="1998350"/>
             <a:ext cx="1443661" cy="364396"/>
           </a:xfrm>
           <a:prstGeom prst="rect">
@@ -4931,7 +4943,7 @@
                   <a:srgbClr val="7030A0"/>
                 </a:solidFill>
               </a:rPr>
-              <a:t>ReadOnlyAddressBook</a:t>
+              <a:t>ReadOnlyFoodDiary</a:t>
             </a:r>
             <a:endParaRPr lang="en-SG" sz="1050" dirty="0">
               <a:solidFill>
@@ -4949,7 +4961,7 @@
         </p:nvSpPr>
         <p:spPr>
           <a:xfrm rot="16200000">
-            <a:off x="6362886" y="3586305"/>
+            <a:off x="5909995" y="3586305"/>
             <a:ext cx="881018" cy="261610"/>
           </a:xfrm>
           <a:prstGeom prst="rect">
@@ -4988,7 +5000,7 @@
         </p:nvSpPr>
         <p:spPr>
           <a:xfrm>
-            <a:off x="2057401" y="4239491"/>
+            <a:off x="1375910" y="4239491"/>
             <a:ext cx="1066800" cy="346760"/>
           </a:xfrm>
           <a:prstGeom prst="rect">
@@ -5062,7 +5074,7 @@
         </p:nvCxnSpPr>
         <p:spPr>
           <a:xfrm rot="16200000" flipH="1">
-            <a:off x="1364475" y="3719944"/>
+            <a:off x="682984" y="3719944"/>
             <a:ext cx="831471" cy="554381"/>
           </a:xfrm>
           <a:prstGeom prst="bentConnector2">
@@ -5101,7 +5113,7 @@
         </p:nvSpPr>
         <p:spPr>
           <a:xfrm>
-            <a:off x="4429979" y="3111479"/>
+            <a:off x="3748488" y="3111479"/>
             <a:ext cx="189257" cy="178683"/>
           </a:xfrm>
           <a:prstGeom prst="rect">
@@ -5140,7 +5152,7 @@
         </p:nvSpPr>
         <p:spPr>
           <a:xfrm>
-            <a:off x="6135256" y="3097917"/>
+            <a:off x="5453765" y="3097917"/>
             <a:ext cx="189257" cy="178683"/>
           </a:xfrm>
           <a:prstGeom prst="rect">
@@ -5179,7 +5191,7 @@
         </p:nvSpPr>
         <p:spPr>
           <a:xfrm>
-            <a:off x="2573394" y="2756715"/>
+            <a:off x="1891903" y="2756715"/>
             <a:ext cx="170110" cy="137542"/>
           </a:xfrm>
           <a:prstGeom prst="rect">
@@ -5218,7 +5230,7 @@
         </p:nvSpPr>
         <p:spPr>
           <a:xfrm>
-            <a:off x="2630191" y="3667737"/>
+            <a:off x="1948700" y="3667737"/>
             <a:ext cx="189257" cy="178683"/>
           </a:xfrm>
           <a:prstGeom prst="rect">
@@ -5257,7 +5269,7 @@
         </p:nvSpPr>
         <p:spPr>
           <a:xfrm>
-            <a:off x="6449896" y="3204826"/>
+            <a:off x="5768405" y="3204826"/>
             <a:ext cx="189257" cy="178683"/>
           </a:xfrm>
           <a:prstGeom prst="rect">
@@ -5302,7 +5314,7 @@
         </p:nvSpPr>
         <p:spPr>
           <a:xfrm>
-            <a:off x="7712397" y="2228817"/>
+            <a:off x="7260863" y="1913136"/>
             <a:ext cx="708186" cy="285783"/>
           </a:xfrm>
           <a:prstGeom prst="rect">
@@ -5368,8 +5380,8 @@
         </p:nvCxnSpPr>
         <p:spPr>
           <a:xfrm flipV="1">
-            <a:off x="7277995" y="2371709"/>
-            <a:ext cx="434402" cy="663182"/>
+            <a:off x="6836848" y="2056028"/>
+            <a:ext cx="424015" cy="969909"/>
           </a:xfrm>
           <a:prstGeom prst="bentConnector3">
             <a:avLst>
@@ -5414,7 +5426,7 @@
         </p:nvSpPr>
         <p:spPr>
           <a:xfrm>
-            <a:off x="7466243" y="2255711"/>
+            <a:off x="7014708" y="1899577"/>
             <a:ext cx="189257" cy="178683"/>
           </a:xfrm>
           <a:prstGeom prst="rect">
@@ -5453,7 +5465,7 @@
         </p:nvSpPr>
         <p:spPr>
           <a:xfrm>
-            <a:off x="3170181" y="1998350"/>
+            <a:off x="2488690" y="1998350"/>
             <a:ext cx="1060683" cy="364396"/>
           </a:xfrm>
           <a:prstGeom prst="rect">
@@ -5491,7 +5503,7 @@
                   <a:srgbClr val="7030A0"/>
                 </a:solidFill>
               </a:rPr>
-              <a:t>AddressBook</a:t>
+              <a:t>FoodDiary</a:t>
             </a:r>
             <a:endParaRPr lang="en-SG" sz="1050" dirty="0">
               <a:solidFill>
@@ -5505,6 +5517,7 @@
         <p:nvCxnSpPr>
           <p:cNvPr id="60" name="Straight Arrow Connector 59"/>
           <p:cNvCxnSpPr>
+            <a:cxnSpLocks/>
             <a:stCxn id="51" idx="1"/>
             <a:endCxn id="49" idx="1"/>
           </p:cNvCxnSpPr>
@@ -5512,7 +5525,7 @@
         </p:nvCxnSpPr>
         <p:spPr>
           <a:xfrm>
-            <a:off x="4324972" y="3007222"/>
+            <a:off x="3643481" y="3007222"/>
             <a:ext cx="367678" cy="12320"/>
           </a:xfrm>
           <a:prstGeom prst="straightConnector1">
@@ -5550,7 +5563,7 @@
         </p:nvSpPr>
         <p:spPr>
           <a:xfrm rot="16200000">
-            <a:off x="2669073" y="2069158"/>
+            <a:off x="1987582" y="2069158"/>
             <a:ext cx="271014" cy="187417"/>
           </a:xfrm>
           <a:prstGeom prst="triangle">
@@ -5605,7 +5618,7 @@
         </p:nvCxnSpPr>
         <p:spPr>
           <a:xfrm>
-            <a:off x="2898289" y="2177727"/>
+            <a:off x="2216798" y="2177727"/>
             <a:ext cx="271892" cy="2821"/>
           </a:xfrm>
           <a:prstGeom prst="bentConnector3">
@@ -5652,7 +5665,7 @@
         </p:nvSpPr>
         <p:spPr>
           <a:xfrm>
-            <a:off x="4238892" y="3460864"/>
+            <a:off x="3557401" y="3460864"/>
             <a:ext cx="1293486" cy="346760"/>
           </a:xfrm>
           <a:prstGeom prst="rect">
@@ -5725,7 +5738,7 @@
         </p:nvSpPr>
         <p:spPr>
           <a:xfrm rot="5400000" flipH="1">
-            <a:off x="3992636" y="3514414"/>
+            <a:off x="3311145" y="3514414"/>
             <a:ext cx="271014" cy="221497"/>
           </a:xfrm>
           <a:prstGeom prst="triangle">
@@ -5787,7 +5800,7 @@
         </p:nvCxnSpPr>
         <p:spPr>
           <a:xfrm rot="10800000">
-            <a:off x="3703491" y="3636621"/>
+            <a:off x="3022000" y="3636621"/>
             <a:ext cx="313904" cy="3403"/>
           </a:xfrm>
           <a:prstGeom prst="bentConnector3">
@@ -5802,6 +5815,552 @@
             <a:prstDash val="sysDot"/>
             <a:headEnd type="none" w="med" len="med"/>
             <a:tailEnd type="none" w="med" len="med"/>
+          </a:ln>
+          <a:effectLst/>
+        </p:spPr>
+        <p:style>
+          <a:lnRef idx="1">
+            <a:schemeClr val="accent2"/>
+          </a:lnRef>
+          <a:fillRef idx="2">
+            <a:schemeClr val="accent2"/>
+          </a:fillRef>
+          <a:effectRef idx="1">
+            <a:schemeClr val="accent2"/>
+          </a:effectRef>
+          <a:fontRef idx="minor">
+            <a:schemeClr val="dk1"/>
+          </a:fontRef>
+        </p:style>
+      </p:cxnSp>
+      <p:sp>
+        <p:nvSpPr>
+          <p:cNvPr id="72" name="Rectangle 8">
+            <a:extLst>
+              <a:ext uri="{FF2B5EF4-FFF2-40B4-BE49-F238E27FC236}">
+                <a16:creationId xmlns:a16="http://schemas.microsoft.com/office/drawing/2014/main" id="{CBA319B1-DCBE-1E40-BEAB-513323C29798}"/>
+              </a:ext>
+            </a:extLst>
+          </p:cNvPr>
+          <p:cNvSpPr/>
+          <p:nvPr/>
+        </p:nvSpPr>
+        <p:spPr>
+          <a:xfrm>
+            <a:off x="7260863" y="3532343"/>
+            <a:ext cx="708186" cy="285783"/>
+          </a:xfrm>
+          <a:prstGeom prst="rect">
+            <a:avLst/>
+          </a:prstGeom>
+          <a:ln w="19050">
+            <a:solidFill>
+              <a:srgbClr val="7030A0"/>
+            </a:solidFill>
+          </a:ln>
+          <a:effectLst/>
+        </p:spPr>
+        <p:style>
+          <a:lnRef idx="1">
+            <a:schemeClr val="accent4"/>
+          </a:lnRef>
+          <a:fillRef idx="2">
+            <a:schemeClr val="accent4"/>
+          </a:fillRef>
+          <a:effectRef idx="1">
+            <a:schemeClr val="accent4"/>
+          </a:effectRef>
+          <a:fontRef idx="minor">
+            <a:schemeClr val="dk1"/>
+          </a:fontRef>
+        </p:style>
+        <p:txBody>
+          <a:bodyPr rtlCol="0" anchor="ctr"/>
+          <a:lstStyle/>
+          <a:p>
+            <a:pPr algn="ctr"/>
+            <a:r>
+              <a:rPr lang="en-US" sz="1050" dirty="0">
+                <a:solidFill>
+                  <a:srgbClr val="7030A0"/>
+                </a:solidFill>
+              </a:rPr>
+              <a:t>Review</a:t>
+            </a:r>
+            <a:endParaRPr lang="en-SG" sz="1050" dirty="0">
+              <a:solidFill>
+                <a:srgbClr val="7030A0"/>
+              </a:solidFill>
+            </a:endParaRPr>
+          </a:p>
+        </p:txBody>
+      </p:sp>
+      <p:cxnSp>
+        <p:nvCxnSpPr>
+          <p:cNvPr id="87" name="Elbow Connector 86">
+            <a:extLst>
+              <a:ext uri="{FF2B5EF4-FFF2-40B4-BE49-F238E27FC236}">
+                <a16:creationId xmlns:a16="http://schemas.microsoft.com/office/drawing/2014/main" id="{DCB3B358-F21C-6542-B737-DFE2F9B3FED6}"/>
+              </a:ext>
+            </a:extLst>
+          </p:cNvPr>
+          <p:cNvCxnSpPr>
+            <a:cxnSpLocks/>
+            <a:stCxn id="78" idx="3"/>
+            <a:endCxn id="72" idx="1"/>
+          </p:cNvCxnSpPr>
+          <p:nvPr/>
+        </p:nvCxnSpPr>
+        <p:spPr>
+          <a:xfrm>
+            <a:off x="6836848" y="3025937"/>
+            <a:ext cx="424015" cy="649298"/>
+          </a:xfrm>
+          <a:prstGeom prst="bentConnector3">
+            <a:avLst>
+              <a:gd name="adj1" fmla="val 50000"/>
+            </a:avLst>
+          </a:prstGeom>
+          <a:ln w="19050">
+            <a:solidFill>
+              <a:srgbClr val="7030A0"/>
+            </a:solidFill>
+            <a:headEnd type="none" w="med" len="med"/>
+            <a:tailEnd type="arrow" w="med" len="med"/>
+          </a:ln>
+          <a:effectLst/>
+        </p:spPr>
+        <p:style>
+          <a:lnRef idx="1">
+            <a:schemeClr val="accent2"/>
+          </a:lnRef>
+          <a:fillRef idx="2">
+            <a:schemeClr val="accent2"/>
+          </a:fillRef>
+          <a:effectRef idx="1">
+            <a:schemeClr val="accent2"/>
+          </a:effectRef>
+          <a:fontRef idx="minor">
+            <a:schemeClr val="dk1"/>
+          </a:fontRef>
+        </p:style>
+      </p:cxnSp>
+      <p:sp>
+        <p:nvSpPr>
+          <p:cNvPr id="105" name="TextBox 104">
+            <a:extLst>
+              <a:ext uri="{FF2B5EF4-FFF2-40B4-BE49-F238E27FC236}">
+                <a16:creationId xmlns:a16="http://schemas.microsoft.com/office/drawing/2014/main" id="{B11F9329-C652-DC42-A28F-B8F2C6189045}"/>
+              </a:ext>
+            </a:extLst>
+          </p:cNvPr>
+          <p:cNvSpPr txBox="1"/>
+          <p:nvPr/>
+        </p:nvSpPr>
+        <p:spPr>
+          <a:xfrm>
+            <a:off x="7014708" y="3697246"/>
+            <a:ext cx="189257" cy="178683"/>
+          </a:xfrm>
+          <a:prstGeom prst="rect">
+            <a:avLst/>
+          </a:prstGeom>
+          <a:noFill/>
+        </p:spPr>
+        <p:txBody>
+          <a:bodyPr wrap="square" lIns="0" tIns="0" rIns="0" bIns="0" rtlCol="0">
+            <a:noAutofit/>
+          </a:bodyPr>
+          <a:lstStyle/>
+          <a:p>
+            <a:pPr algn="ctr"/>
+            <a:r>
+              <a:rPr lang="en-US" sz="1100" dirty="0">
+                <a:solidFill>
+                  <a:srgbClr val="7030A0"/>
+                </a:solidFill>
+              </a:rPr>
+              <a:t>*</a:t>
+            </a:r>
+            <a:endParaRPr lang="en-SG" sz="1100" dirty="0">
+              <a:solidFill>
+                <a:srgbClr val="7030A0"/>
+              </a:solidFill>
+            </a:endParaRPr>
+          </a:p>
+        </p:txBody>
+      </p:sp>
+      <p:sp>
+        <p:nvSpPr>
+          <p:cNvPr id="106" name="Flowchart: Decision 96">
+            <a:extLst>
+              <a:ext uri="{FF2B5EF4-FFF2-40B4-BE49-F238E27FC236}">
+                <a16:creationId xmlns:a16="http://schemas.microsoft.com/office/drawing/2014/main" id="{6A47F553-9EB2-A745-8BD1-8CD1006461DE}"/>
+              </a:ext>
+            </a:extLst>
+          </p:cNvPr>
+          <p:cNvSpPr/>
+          <p:nvPr/>
+        </p:nvSpPr>
+        <p:spPr>
+          <a:xfrm rot="5400000">
+            <a:off x="7496932" y="3858014"/>
+            <a:ext cx="236048" cy="173380"/>
+          </a:xfrm>
+          <a:prstGeom prst="flowChartDecision">
+            <a:avLst/>
+          </a:prstGeom>
+          <a:solidFill>
+            <a:srgbClr val="7030A0"/>
+          </a:solidFill>
+          <a:ln w="19050">
+            <a:solidFill>
+              <a:srgbClr val="7030A0"/>
+            </a:solidFill>
+          </a:ln>
+          <a:effectLst/>
+        </p:spPr>
+        <p:style>
+          <a:lnRef idx="1">
+            <a:schemeClr val="accent6"/>
+          </a:lnRef>
+          <a:fillRef idx="2">
+            <a:schemeClr val="accent6"/>
+          </a:fillRef>
+          <a:effectRef idx="1">
+            <a:schemeClr val="accent6"/>
+          </a:effectRef>
+          <a:fontRef idx="minor">
+            <a:schemeClr val="dk1"/>
+          </a:fontRef>
+        </p:style>
+        <p:txBody>
+          <a:bodyPr rtlCol="0" anchor="ctr"/>
+          <a:lstStyle/>
+          <a:p>
+            <a:pPr algn="ctr"/>
+            <a:endParaRPr lang="en-US" sz="1050" dirty="0"/>
+          </a:p>
+        </p:txBody>
+      </p:sp>
+      <p:sp>
+        <p:nvSpPr>
+          <p:cNvPr id="108" name="Rectangle 8">
+            <a:extLst>
+              <a:ext uri="{FF2B5EF4-FFF2-40B4-BE49-F238E27FC236}">
+                <a16:creationId xmlns:a16="http://schemas.microsoft.com/office/drawing/2014/main" id="{9A5AA0EE-9C67-7044-B8B0-9431DED41B4B}"/>
+              </a:ext>
+            </a:extLst>
+          </p:cNvPr>
+          <p:cNvSpPr/>
+          <p:nvPr/>
+        </p:nvSpPr>
+        <p:spPr>
+          <a:xfrm>
+            <a:off x="8032364" y="4361621"/>
+            <a:ext cx="708186" cy="285783"/>
+          </a:xfrm>
+          <a:prstGeom prst="rect">
+            <a:avLst/>
+          </a:prstGeom>
+          <a:ln w="19050">
+            <a:solidFill>
+              <a:srgbClr val="7030A0"/>
+            </a:solidFill>
+          </a:ln>
+          <a:effectLst/>
+        </p:spPr>
+        <p:style>
+          <a:lnRef idx="1">
+            <a:schemeClr val="accent4"/>
+          </a:lnRef>
+          <a:fillRef idx="2">
+            <a:schemeClr val="accent4"/>
+          </a:fillRef>
+          <a:effectRef idx="1">
+            <a:schemeClr val="accent4"/>
+          </a:effectRef>
+          <a:fontRef idx="minor">
+            <a:schemeClr val="dk1"/>
+          </a:fontRef>
+        </p:style>
+        <p:txBody>
+          <a:bodyPr rtlCol="0" anchor="ctr"/>
+          <a:lstStyle/>
+          <a:p>
+            <a:pPr algn="ctr"/>
+            <a:r>
+              <a:rPr lang="en-US" sz="1050" dirty="0">
+                <a:solidFill>
+                  <a:srgbClr val="7030A0"/>
+                </a:solidFill>
+              </a:rPr>
+              <a:t>Entry</a:t>
+            </a:r>
+            <a:endParaRPr lang="en-SG" sz="1050" dirty="0">
+              <a:solidFill>
+                <a:srgbClr val="7030A0"/>
+              </a:solidFill>
+            </a:endParaRPr>
+          </a:p>
+        </p:txBody>
+      </p:sp>
+      <p:cxnSp>
+        <p:nvCxnSpPr>
+          <p:cNvPr id="109" name="Elbow Connector 108">
+            <a:extLst>
+              <a:ext uri="{FF2B5EF4-FFF2-40B4-BE49-F238E27FC236}">
+                <a16:creationId xmlns:a16="http://schemas.microsoft.com/office/drawing/2014/main" id="{053E592F-91B2-1C4A-AC78-61C49DB35AA2}"/>
+              </a:ext>
+            </a:extLst>
+          </p:cNvPr>
+          <p:cNvCxnSpPr>
+            <a:cxnSpLocks/>
+            <a:stCxn id="106" idx="3"/>
+            <a:endCxn id="108" idx="0"/>
+          </p:cNvCxnSpPr>
+          <p:nvPr/>
+        </p:nvCxnSpPr>
+        <p:spPr>
+          <a:xfrm rot="16200000" flipH="1">
+            <a:off x="7851260" y="3826423"/>
+            <a:ext cx="298893" cy="771501"/>
+          </a:xfrm>
+          <a:prstGeom prst="bentConnector3">
+            <a:avLst>
+              <a:gd name="adj1" fmla="val 50000"/>
+            </a:avLst>
+          </a:prstGeom>
+          <a:ln w="19050">
+            <a:solidFill>
+              <a:srgbClr val="7030A0"/>
+            </a:solidFill>
+            <a:headEnd type="none" w="med" len="med"/>
+            <a:tailEnd type="arrow" w="med" len="med"/>
+          </a:ln>
+          <a:effectLst/>
+        </p:spPr>
+        <p:style>
+          <a:lnRef idx="1">
+            <a:schemeClr val="accent2"/>
+          </a:lnRef>
+          <a:fillRef idx="2">
+            <a:schemeClr val="accent2"/>
+          </a:fillRef>
+          <a:effectRef idx="1">
+            <a:schemeClr val="accent2"/>
+          </a:effectRef>
+          <a:fontRef idx="minor">
+            <a:schemeClr val="dk1"/>
+          </a:fontRef>
+        </p:style>
+      </p:cxnSp>
+      <p:sp>
+        <p:nvSpPr>
+          <p:cNvPr id="110" name="Rectangle 8">
+            <a:extLst>
+              <a:ext uri="{FF2B5EF4-FFF2-40B4-BE49-F238E27FC236}">
+                <a16:creationId xmlns:a16="http://schemas.microsoft.com/office/drawing/2014/main" id="{27E6A32F-AF1E-BA47-ABCC-14B6FA19AFAC}"/>
+              </a:ext>
+            </a:extLst>
+          </p:cNvPr>
+          <p:cNvSpPr/>
+          <p:nvPr/>
+        </p:nvSpPr>
+        <p:spPr>
+          <a:xfrm>
+            <a:off x="7265908" y="4363951"/>
+            <a:ext cx="708186" cy="285783"/>
+          </a:xfrm>
+          <a:prstGeom prst="rect">
+            <a:avLst/>
+          </a:prstGeom>
+          <a:ln w="19050">
+            <a:solidFill>
+              <a:srgbClr val="7030A0"/>
+            </a:solidFill>
+          </a:ln>
+          <a:effectLst/>
+        </p:spPr>
+        <p:style>
+          <a:lnRef idx="1">
+            <a:schemeClr val="accent4"/>
+          </a:lnRef>
+          <a:fillRef idx="2">
+            <a:schemeClr val="accent4"/>
+          </a:fillRef>
+          <a:effectRef idx="1">
+            <a:schemeClr val="accent4"/>
+          </a:effectRef>
+          <a:fontRef idx="minor">
+            <a:schemeClr val="dk1"/>
+          </a:fontRef>
+        </p:style>
+        <p:txBody>
+          <a:bodyPr rtlCol="0" anchor="ctr"/>
+          <a:lstStyle/>
+          <a:p>
+            <a:pPr algn="ctr"/>
+            <a:r>
+              <a:rPr lang="en-US" sz="1050" dirty="0">
+                <a:solidFill>
+                  <a:srgbClr val="7030A0"/>
+                </a:solidFill>
+              </a:rPr>
+              <a:t>Rating</a:t>
+            </a:r>
+            <a:endParaRPr lang="en-SG" sz="1050" dirty="0">
+              <a:solidFill>
+                <a:srgbClr val="7030A0"/>
+              </a:solidFill>
+            </a:endParaRPr>
+          </a:p>
+        </p:txBody>
+      </p:sp>
+      <p:cxnSp>
+        <p:nvCxnSpPr>
+          <p:cNvPr id="111" name="Elbow Connector 110">
+            <a:extLst>
+              <a:ext uri="{FF2B5EF4-FFF2-40B4-BE49-F238E27FC236}">
+                <a16:creationId xmlns:a16="http://schemas.microsoft.com/office/drawing/2014/main" id="{42D108CE-FA23-0D49-95C6-B01522AA44C2}"/>
+              </a:ext>
+            </a:extLst>
+          </p:cNvPr>
+          <p:cNvCxnSpPr>
+            <a:cxnSpLocks/>
+            <a:stCxn id="106" idx="3"/>
+            <a:endCxn id="110" idx="0"/>
+          </p:cNvCxnSpPr>
+          <p:nvPr/>
+        </p:nvCxnSpPr>
+        <p:spPr>
+          <a:xfrm rot="16200000" flipH="1">
+            <a:off x="7466867" y="4210816"/>
+            <a:ext cx="301223" cy="5045"/>
+          </a:xfrm>
+          <a:prstGeom prst="bentConnector3">
+            <a:avLst>
+              <a:gd name="adj1" fmla="val 50000"/>
+            </a:avLst>
+          </a:prstGeom>
+          <a:ln w="19050">
+            <a:solidFill>
+              <a:srgbClr val="7030A0"/>
+            </a:solidFill>
+            <a:headEnd type="none" w="med" len="med"/>
+            <a:tailEnd type="arrow" w="med" len="med"/>
+          </a:ln>
+          <a:effectLst/>
+        </p:spPr>
+        <p:style>
+          <a:lnRef idx="1">
+            <a:schemeClr val="accent2"/>
+          </a:lnRef>
+          <a:fillRef idx="2">
+            <a:schemeClr val="accent2"/>
+          </a:fillRef>
+          <a:effectRef idx="1">
+            <a:schemeClr val="accent2"/>
+          </a:effectRef>
+          <a:fontRef idx="minor">
+            <a:schemeClr val="dk1"/>
+          </a:fontRef>
+        </p:style>
+      </p:cxnSp>
+      <p:sp>
+        <p:nvSpPr>
+          <p:cNvPr id="112" name="Rectangle 8">
+            <a:extLst>
+              <a:ext uri="{FF2B5EF4-FFF2-40B4-BE49-F238E27FC236}">
+                <a16:creationId xmlns:a16="http://schemas.microsoft.com/office/drawing/2014/main" id="{92E4AB15-C7FE-974E-AF5D-DFC9A72C0590}"/>
+              </a:ext>
+            </a:extLst>
+          </p:cNvPr>
+          <p:cNvSpPr/>
+          <p:nvPr/>
+        </p:nvSpPr>
+        <p:spPr>
+          <a:xfrm>
+            <a:off x="6381974" y="4361622"/>
+            <a:ext cx="825664" cy="285783"/>
+          </a:xfrm>
+          <a:prstGeom prst="rect">
+            <a:avLst/>
+          </a:prstGeom>
+          <a:ln w="19050">
+            <a:solidFill>
+              <a:srgbClr val="7030A0"/>
+            </a:solidFill>
+          </a:ln>
+          <a:effectLst/>
+        </p:spPr>
+        <p:style>
+          <a:lnRef idx="1">
+            <a:schemeClr val="accent4"/>
+          </a:lnRef>
+          <a:fillRef idx="2">
+            <a:schemeClr val="accent4"/>
+          </a:fillRef>
+          <a:effectRef idx="1">
+            <a:schemeClr val="accent4"/>
+          </a:effectRef>
+          <a:fontRef idx="minor">
+            <a:schemeClr val="dk1"/>
+          </a:fontRef>
+        </p:style>
+        <p:txBody>
+          <a:bodyPr rtlCol="0" anchor="ctr"/>
+          <a:lstStyle/>
+          <a:p>
+            <a:pPr algn="ctr"/>
+            <a:r>
+              <a:rPr lang="en-US" sz="1050" dirty="0" err="1">
+                <a:solidFill>
+                  <a:srgbClr val="7030A0"/>
+                </a:solidFill>
+              </a:rPr>
+              <a:t>TimeStamp</a:t>
+            </a:r>
+            <a:endParaRPr lang="en-SG" sz="1050" dirty="0">
+              <a:solidFill>
+                <a:srgbClr val="7030A0"/>
+              </a:solidFill>
+            </a:endParaRPr>
+          </a:p>
+        </p:txBody>
+      </p:sp>
+      <p:cxnSp>
+        <p:nvCxnSpPr>
+          <p:cNvPr id="113" name="Elbow Connector 112">
+            <a:extLst>
+              <a:ext uri="{FF2B5EF4-FFF2-40B4-BE49-F238E27FC236}">
+                <a16:creationId xmlns:a16="http://schemas.microsoft.com/office/drawing/2014/main" id="{001B057F-8022-F34D-948D-F8C8543722BD}"/>
+              </a:ext>
+            </a:extLst>
+          </p:cNvPr>
+          <p:cNvCxnSpPr>
+            <a:cxnSpLocks/>
+            <a:stCxn id="106" idx="3"/>
+            <a:endCxn id="112" idx="0"/>
+          </p:cNvCxnSpPr>
+          <p:nvPr/>
+        </p:nvCxnSpPr>
+        <p:spPr>
+          <a:xfrm rot="5400000">
+            <a:off x="7055434" y="3802100"/>
+            <a:ext cx="298894" cy="820150"/>
+          </a:xfrm>
+          <a:prstGeom prst="bentConnector3">
+            <a:avLst>
+              <a:gd name="adj1" fmla="val 50000"/>
+            </a:avLst>
+          </a:prstGeom>
+          <a:ln w="19050">
+            <a:solidFill>
+              <a:srgbClr val="7030A0"/>
+            </a:solidFill>
+            <a:headEnd type="none" w="med" len="med"/>
+            <a:tailEnd type="arrow" w="med" len="med"/>
           </a:ln>
           <a:effectLst/>
         </p:spPr>

--- a/docs/diagrams/ModelComponentClassDiagram.pptx
+++ b/docs/diagrams/ModelComponentClassDiagram.pptx
@@ -208,7 +208,7 @@
           <a:p>
             <a:fld id="{F5CC4B3F-88C1-4FFA-B1B6-F41C21DC6924}" type="datetimeFigureOut">
               <a:rPr lang="en-US" smtClean="0"/>
-              <a:t>3/19/19</a:t>
+              <a:t>19-Mar-19</a:t>
             </a:fld>
             <a:endParaRPr lang="en-US"/>
           </a:p>
@@ -654,7 +654,7 @@
           <a:p>
             <a:fld id="{78C97017-6FC3-485B-9764-EAC9E56C1D49}" type="datetimeFigureOut">
               <a:rPr lang="en-US" smtClean="0"/>
-              <a:t>3/19/19</a:t>
+              <a:t>19-Mar-19</a:t>
             </a:fld>
             <a:endParaRPr lang="en-US"/>
           </a:p>
@@ -822,7 +822,7 @@
           <a:p>
             <a:fld id="{78C97017-6FC3-485B-9764-EAC9E56C1D49}" type="datetimeFigureOut">
               <a:rPr lang="en-US" smtClean="0"/>
-              <a:t>3/19/19</a:t>
+              <a:t>19-Mar-19</a:t>
             </a:fld>
             <a:endParaRPr lang="en-US"/>
           </a:p>
@@ -1000,7 +1000,7 @@
           <a:p>
             <a:fld id="{78C97017-6FC3-485B-9764-EAC9E56C1D49}" type="datetimeFigureOut">
               <a:rPr lang="en-US" smtClean="0"/>
-              <a:t>3/19/19</a:t>
+              <a:t>19-Mar-19</a:t>
             </a:fld>
             <a:endParaRPr lang="en-US"/>
           </a:p>
@@ -1168,7 +1168,7 @@
           <a:p>
             <a:fld id="{78C97017-6FC3-485B-9764-EAC9E56C1D49}" type="datetimeFigureOut">
               <a:rPr lang="en-US" smtClean="0"/>
-              <a:t>3/19/19</a:t>
+              <a:t>19-Mar-19</a:t>
             </a:fld>
             <a:endParaRPr lang="en-US"/>
           </a:p>
@@ -1413,7 +1413,7 @@
           <a:p>
             <a:fld id="{78C97017-6FC3-485B-9764-EAC9E56C1D49}" type="datetimeFigureOut">
               <a:rPr lang="en-US" smtClean="0"/>
-              <a:t>3/19/19</a:t>
+              <a:t>19-Mar-19</a:t>
             </a:fld>
             <a:endParaRPr lang="en-US"/>
           </a:p>
@@ -1698,7 +1698,7 @@
           <a:p>
             <a:fld id="{78C97017-6FC3-485B-9764-EAC9E56C1D49}" type="datetimeFigureOut">
               <a:rPr lang="en-US" smtClean="0"/>
-              <a:t>3/19/19</a:t>
+              <a:t>19-Mar-19</a:t>
             </a:fld>
             <a:endParaRPr lang="en-US"/>
           </a:p>
@@ -2117,7 +2117,7 @@
           <a:p>
             <a:fld id="{78C97017-6FC3-485B-9764-EAC9E56C1D49}" type="datetimeFigureOut">
               <a:rPr lang="en-US" smtClean="0"/>
-              <a:t>3/19/19</a:t>
+              <a:t>19-Mar-19</a:t>
             </a:fld>
             <a:endParaRPr lang="en-US"/>
           </a:p>
@@ -2234,7 +2234,7 @@
           <a:p>
             <a:fld id="{78C97017-6FC3-485B-9764-EAC9E56C1D49}" type="datetimeFigureOut">
               <a:rPr lang="en-US" smtClean="0"/>
-              <a:t>3/19/19</a:t>
+              <a:t>19-Mar-19</a:t>
             </a:fld>
             <a:endParaRPr lang="en-US"/>
           </a:p>
@@ -2329,7 +2329,7 @@
           <a:p>
             <a:fld id="{78C97017-6FC3-485B-9764-EAC9E56C1D49}" type="datetimeFigureOut">
               <a:rPr lang="en-US" smtClean="0"/>
-              <a:t>3/19/19</a:t>
+              <a:t>19-Mar-19</a:t>
             </a:fld>
             <a:endParaRPr lang="en-US"/>
           </a:p>
@@ -2604,7 +2604,7 @@
           <a:p>
             <a:fld id="{78C97017-6FC3-485B-9764-EAC9E56C1D49}" type="datetimeFigureOut">
               <a:rPr lang="en-US" smtClean="0"/>
-              <a:t>3/19/19</a:t>
+              <a:t>19-Mar-19</a:t>
             </a:fld>
             <a:endParaRPr lang="en-US"/>
           </a:p>
@@ -2856,7 +2856,7 @@
           <a:p>
             <a:fld id="{78C97017-6FC3-485B-9764-EAC9E56C1D49}" type="datetimeFigureOut">
               <a:rPr lang="en-US" smtClean="0"/>
-              <a:t>3/19/19</a:t>
+              <a:t>19-Mar-19</a:t>
             </a:fld>
             <a:endParaRPr lang="en-US"/>
           </a:p>
@@ -3067,7 +3067,7 @@
           <a:p>
             <a:fld id="{78C97017-6FC3-485B-9764-EAC9E56C1D49}" type="datetimeFigureOut">
               <a:rPr lang="en-US" smtClean="0"/>
-              <a:t>3/19/19</a:t>
+              <a:t>19-Mar-19</a:t>
             </a:fld>
             <a:endParaRPr lang="en-US"/>
           </a:p>
@@ -3451,7 +3451,7 @@
         <p:spPr>
           <a:xfrm>
             <a:off x="438374" y="1600200"/>
-            <a:ext cx="8456045" cy="3276600"/>
+            <a:ext cx="8456045" cy="3733800"/>
           </a:xfrm>
           <a:prstGeom prst="roundRect">
             <a:avLst>
@@ -5040,6 +5040,14 @@
               </a:rPr>
               <a:t>&lt;&lt;interface&gt;&gt;</a:t>
             </a:r>
+            <a:r>
+              <a:rPr lang="en-US" sz="1050">
+                <a:solidFill>
+                  <a:srgbClr val="7030A0"/>
+                </a:solidFill>
+              </a:rPr>
+              <a:t/>
+            </a:r>
             <a:br>
               <a:rPr lang="en-US" sz="1050">
                 <a:solidFill>
@@ -5305,7 +5313,7 @@
           <p:cNvPr id="52" name="Rectangle 8">
             <a:extLst>
               <a:ext uri="{FF2B5EF4-FFF2-40B4-BE49-F238E27FC236}">
-                <a16:creationId xmlns:a16="http://schemas.microsoft.com/office/drawing/2014/main" id="{ABDCDBD2-131A-4B66-A2F2-43BBEE82C773}"/>
+                <a16:creationId xmlns:a16="http://schemas.microsoft.com/office/drawing/2014/main" xmlns="" id="{ABDCDBD2-131A-4B66-A2F2-43BBEE82C773}"/>
               </a:ext>
             </a:extLst>
           </p:cNvPr>
@@ -5367,7 +5375,7 @@
           <p:cNvPr id="53" name="Elbow Connector 78">
             <a:extLst>
               <a:ext uri="{FF2B5EF4-FFF2-40B4-BE49-F238E27FC236}">
-                <a16:creationId xmlns:a16="http://schemas.microsoft.com/office/drawing/2014/main" id="{B97967F8-618A-448B-81FD-CDFD4AF0EC64}"/>
+                <a16:creationId xmlns:a16="http://schemas.microsoft.com/office/drawing/2014/main" xmlns="" id="{B97967F8-618A-448B-81FD-CDFD4AF0EC64}"/>
               </a:ext>
             </a:extLst>
           </p:cNvPr>
@@ -5417,7 +5425,7 @@
           <p:cNvPr id="50" name="TextBox 49">
             <a:extLst>
               <a:ext uri="{FF2B5EF4-FFF2-40B4-BE49-F238E27FC236}">
-                <a16:creationId xmlns:a16="http://schemas.microsoft.com/office/drawing/2014/main" id="{B3FA9D57-880F-49C4-AD0B-A64E30D6F403}"/>
+                <a16:creationId xmlns:a16="http://schemas.microsoft.com/office/drawing/2014/main" xmlns="" id="{B3FA9D57-880F-49C4-AD0B-A64E30D6F403}"/>
               </a:ext>
             </a:extLst>
           </p:cNvPr>
@@ -5656,7 +5664,7 @@
           <p:cNvPr id="57" name="Rectangle 8">
             <a:extLst>
               <a:ext uri="{FF2B5EF4-FFF2-40B4-BE49-F238E27FC236}">
-                <a16:creationId xmlns:a16="http://schemas.microsoft.com/office/drawing/2014/main" id="{6A42DA50-9012-4391-9EF3-285E4FA3FCD8}"/>
+                <a16:creationId xmlns:a16="http://schemas.microsoft.com/office/drawing/2014/main" xmlns="" id="{6A42DA50-9012-4391-9EF3-285E4FA3FCD8}"/>
               </a:ext>
             </a:extLst>
           </p:cNvPr>
@@ -5729,7 +5737,7 @@
           <p:cNvPr id="59" name="Isosceles Triangle 102">
             <a:extLst>
               <a:ext uri="{FF2B5EF4-FFF2-40B4-BE49-F238E27FC236}">
-                <a16:creationId xmlns:a16="http://schemas.microsoft.com/office/drawing/2014/main" id="{B263B2D7-6E76-465E-B40E-7E2A46254A84}"/>
+                <a16:creationId xmlns:a16="http://schemas.microsoft.com/office/drawing/2014/main" xmlns="" id="{B263B2D7-6E76-465E-B40E-7E2A46254A84}"/>
               </a:ext>
             </a:extLst>
           </p:cNvPr>
@@ -5787,7 +5795,7 @@
           <p:cNvPr id="67" name="Elbow Connector 63">
             <a:extLst>
               <a:ext uri="{FF2B5EF4-FFF2-40B4-BE49-F238E27FC236}">
-                <a16:creationId xmlns:a16="http://schemas.microsoft.com/office/drawing/2014/main" id="{BA3A25CD-7C1D-4B3B-B294-1B05ABCFECFD}"/>
+                <a16:creationId xmlns:a16="http://schemas.microsoft.com/office/drawing/2014/main" xmlns="" id="{BA3A25CD-7C1D-4B3B-B294-1B05ABCFECFD}"/>
               </a:ext>
             </a:extLst>
           </p:cNvPr>
@@ -5838,7 +5846,7 @@
           <p:cNvPr id="72" name="Rectangle 8">
             <a:extLst>
               <a:ext uri="{FF2B5EF4-FFF2-40B4-BE49-F238E27FC236}">
-                <a16:creationId xmlns:a16="http://schemas.microsoft.com/office/drawing/2014/main" id="{CBA319B1-DCBE-1E40-BEAB-513323C29798}"/>
+                <a16:creationId xmlns:a16="http://schemas.microsoft.com/office/drawing/2014/main" xmlns="" id="{CBA319B1-DCBE-1E40-BEAB-513323C29798}"/>
               </a:ext>
             </a:extLst>
           </p:cNvPr>
@@ -5847,7 +5855,7 @@
         </p:nvSpPr>
         <p:spPr>
           <a:xfrm>
-            <a:off x="7260863" y="3532343"/>
+            <a:off x="7249923" y="4170319"/>
             <a:ext cx="708186" cy="285783"/>
           </a:xfrm>
           <a:prstGeom prst="rect">
@@ -5900,7 +5908,7 @@
           <p:cNvPr id="87" name="Elbow Connector 86">
             <a:extLst>
               <a:ext uri="{FF2B5EF4-FFF2-40B4-BE49-F238E27FC236}">
-                <a16:creationId xmlns:a16="http://schemas.microsoft.com/office/drawing/2014/main" id="{DCB3B358-F21C-6542-B737-DFE2F9B3FED6}"/>
+                <a16:creationId xmlns:a16="http://schemas.microsoft.com/office/drawing/2014/main" xmlns="" id="{DCB3B358-F21C-6542-B737-DFE2F9B3FED6}"/>
               </a:ext>
             </a:extLst>
           </p:cNvPr>
@@ -5914,7 +5922,7 @@
         <p:spPr>
           <a:xfrm>
             <a:off x="6836848" y="3025937"/>
-            <a:ext cx="424015" cy="649298"/>
+            <a:ext cx="413075" cy="1287274"/>
           </a:xfrm>
           <a:prstGeom prst="bentConnector3">
             <a:avLst>
@@ -5950,7 +5958,7 @@
           <p:cNvPr id="105" name="TextBox 104">
             <a:extLst>
               <a:ext uri="{FF2B5EF4-FFF2-40B4-BE49-F238E27FC236}">
-                <a16:creationId xmlns:a16="http://schemas.microsoft.com/office/drawing/2014/main" id="{B11F9329-C652-DC42-A28F-B8F2C6189045}"/>
+                <a16:creationId xmlns:a16="http://schemas.microsoft.com/office/drawing/2014/main" xmlns="" id="{B11F9329-C652-DC42-A28F-B8F2C6189045}"/>
               </a:ext>
             </a:extLst>
           </p:cNvPr>
@@ -5959,8 +5967,8 @@
         </p:nvSpPr>
         <p:spPr>
           <a:xfrm>
-            <a:off x="7014708" y="3697246"/>
-            <a:ext cx="189257" cy="178683"/>
+            <a:off x="7032242" y="4343154"/>
+            <a:ext cx="154188" cy="209185"/>
           </a:xfrm>
           <a:prstGeom prst="rect">
             <a:avLst/>
@@ -5995,7 +6003,7 @@
           <p:cNvPr id="106" name="Flowchart: Decision 96">
             <a:extLst>
               <a:ext uri="{FF2B5EF4-FFF2-40B4-BE49-F238E27FC236}">
-                <a16:creationId xmlns:a16="http://schemas.microsoft.com/office/drawing/2014/main" id="{6A47F553-9EB2-A745-8BD1-8CD1006461DE}"/>
+                <a16:creationId xmlns:a16="http://schemas.microsoft.com/office/drawing/2014/main" xmlns="" id="{6A47F553-9EB2-A745-8BD1-8CD1006461DE}"/>
               </a:ext>
             </a:extLst>
           </p:cNvPr>
@@ -6004,7 +6012,7 @@
         </p:nvSpPr>
         <p:spPr>
           <a:xfrm rot="5400000">
-            <a:off x="7496932" y="3858014"/>
+            <a:off x="7496932" y="4479080"/>
             <a:ext cx="236048" cy="173380"/>
           </a:xfrm>
           <a:prstGeom prst="flowChartDecision">
@@ -6048,7 +6056,7 @@
           <p:cNvPr id="108" name="Rectangle 8">
             <a:extLst>
               <a:ext uri="{FF2B5EF4-FFF2-40B4-BE49-F238E27FC236}">
-                <a16:creationId xmlns:a16="http://schemas.microsoft.com/office/drawing/2014/main" id="{9A5AA0EE-9C67-7044-B8B0-9431DED41B4B}"/>
+                <a16:creationId xmlns:a16="http://schemas.microsoft.com/office/drawing/2014/main" xmlns="" id="{9A5AA0EE-9C67-7044-B8B0-9431DED41B4B}"/>
               </a:ext>
             </a:extLst>
           </p:cNvPr>
@@ -6057,7 +6065,7 @@
         </p:nvSpPr>
         <p:spPr>
           <a:xfrm>
-            <a:off x="8032364" y="4361621"/>
+            <a:off x="8067933" y="4956826"/>
             <a:ext cx="708186" cy="285783"/>
           </a:xfrm>
           <a:prstGeom prst="rect">
@@ -6110,7 +6118,7 @@
           <p:cNvPr id="109" name="Elbow Connector 108">
             <a:extLst>
               <a:ext uri="{FF2B5EF4-FFF2-40B4-BE49-F238E27FC236}">
-                <a16:creationId xmlns:a16="http://schemas.microsoft.com/office/drawing/2014/main" id="{053E592F-91B2-1C4A-AC78-61C49DB35AA2}"/>
+                <a16:creationId xmlns:a16="http://schemas.microsoft.com/office/drawing/2014/main" xmlns="" id="{053E592F-91B2-1C4A-AC78-61C49DB35AA2}"/>
               </a:ext>
             </a:extLst>
           </p:cNvPr>
@@ -6123,8 +6131,8 @@
         </p:nvCxnSpPr>
         <p:spPr>
           <a:xfrm rot="16200000" flipH="1">
-            <a:off x="7851260" y="3826423"/>
-            <a:ext cx="298893" cy="771501"/>
+            <a:off x="7881975" y="4416775"/>
+            <a:ext cx="273032" cy="807070"/>
           </a:xfrm>
           <a:prstGeom prst="bentConnector3">
             <a:avLst>
@@ -6160,7 +6168,7 @@
           <p:cNvPr id="110" name="Rectangle 8">
             <a:extLst>
               <a:ext uri="{FF2B5EF4-FFF2-40B4-BE49-F238E27FC236}">
-                <a16:creationId xmlns:a16="http://schemas.microsoft.com/office/drawing/2014/main" id="{27E6A32F-AF1E-BA47-ABCC-14B6FA19AFAC}"/>
+                <a16:creationId xmlns:a16="http://schemas.microsoft.com/office/drawing/2014/main" xmlns="" id="{27E6A32F-AF1E-BA47-ABCC-14B6FA19AFAC}"/>
               </a:ext>
             </a:extLst>
           </p:cNvPr>
@@ -6169,7 +6177,7 @@
         </p:nvSpPr>
         <p:spPr>
           <a:xfrm>
-            <a:off x="7265908" y="4363951"/>
+            <a:off x="7260863" y="4956827"/>
             <a:ext cx="708186" cy="285783"/>
           </a:xfrm>
           <a:prstGeom prst="rect">
@@ -6222,7 +6230,7 @@
           <p:cNvPr id="111" name="Elbow Connector 110">
             <a:extLst>
               <a:ext uri="{FF2B5EF4-FFF2-40B4-BE49-F238E27FC236}">
-                <a16:creationId xmlns:a16="http://schemas.microsoft.com/office/drawing/2014/main" id="{42D108CE-FA23-0D49-95C6-B01522AA44C2}"/>
+                <a16:creationId xmlns:a16="http://schemas.microsoft.com/office/drawing/2014/main" xmlns="" id="{42D108CE-FA23-0D49-95C6-B01522AA44C2}"/>
               </a:ext>
             </a:extLst>
           </p:cNvPr>
@@ -6234,9 +6242,9 @@
           <p:nvPr/>
         </p:nvCxnSpPr>
         <p:spPr>
-          <a:xfrm rot="16200000" flipH="1">
-            <a:off x="7466867" y="4210816"/>
-            <a:ext cx="301223" cy="5045"/>
+          <a:xfrm rot="5400000">
+            <a:off x="7478440" y="4820310"/>
+            <a:ext cx="273033" cy="12700"/>
           </a:xfrm>
           <a:prstGeom prst="bentConnector3">
             <a:avLst>
@@ -6272,7 +6280,7 @@
           <p:cNvPr id="112" name="Rectangle 8">
             <a:extLst>
               <a:ext uri="{FF2B5EF4-FFF2-40B4-BE49-F238E27FC236}">
-                <a16:creationId xmlns:a16="http://schemas.microsoft.com/office/drawing/2014/main" id="{92E4AB15-C7FE-974E-AF5D-DFC9A72C0590}"/>
+                <a16:creationId xmlns:a16="http://schemas.microsoft.com/office/drawing/2014/main" xmlns="" id="{92E4AB15-C7FE-974E-AF5D-DFC9A72C0590}"/>
               </a:ext>
             </a:extLst>
           </p:cNvPr>
@@ -6281,7 +6289,7 @@
         </p:nvSpPr>
         <p:spPr>
           <a:xfrm>
-            <a:off x="6381974" y="4361622"/>
+            <a:off x="6388705" y="4970088"/>
             <a:ext cx="825664" cy="285783"/>
           </a:xfrm>
           <a:prstGeom prst="rect">
@@ -6334,7 +6342,7 @@
           <p:cNvPr id="113" name="Elbow Connector 112">
             <a:extLst>
               <a:ext uri="{FF2B5EF4-FFF2-40B4-BE49-F238E27FC236}">
-                <a16:creationId xmlns:a16="http://schemas.microsoft.com/office/drawing/2014/main" id="{001B057F-8022-F34D-948D-F8C8543722BD}"/>
+                <a16:creationId xmlns:a16="http://schemas.microsoft.com/office/drawing/2014/main" xmlns="" id="{001B057F-8022-F34D-948D-F8C8543722BD}"/>
               </a:ext>
             </a:extLst>
           </p:cNvPr>
@@ -6347,8 +6355,208 @@
         </p:nvCxnSpPr>
         <p:spPr>
           <a:xfrm rot="5400000">
-            <a:off x="7055434" y="3802100"/>
-            <a:ext cx="298894" cy="820150"/>
+            <a:off x="7065100" y="4420232"/>
+            <a:ext cx="286294" cy="813419"/>
+          </a:xfrm>
+          <a:prstGeom prst="bentConnector3">
+            <a:avLst>
+              <a:gd name="adj1" fmla="val 50000"/>
+            </a:avLst>
+          </a:prstGeom>
+          <a:ln w="19050">
+            <a:solidFill>
+              <a:srgbClr val="7030A0"/>
+            </a:solidFill>
+            <a:headEnd type="none" w="med" len="med"/>
+            <a:tailEnd type="arrow" w="med" len="med"/>
+          </a:ln>
+          <a:effectLst/>
+        </p:spPr>
+        <p:style>
+          <a:lnRef idx="1">
+            <a:schemeClr val="accent2"/>
+          </a:lnRef>
+          <a:fillRef idx="2">
+            <a:schemeClr val="accent2"/>
+          </a:fillRef>
+          <a:effectRef idx="1">
+            <a:schemeClr val="accent2"/>
+          </a:effectRef>
+          <a:fontRef idx="minor">
+            <a:schemeClr val="dk1"/>
+          </a:fontRef>
+        </p:style>
+      </p:cxnSp>
+      <p:sp>
+        <p:nvSpPr>
+          <p:cNvPr id="73" name="Rectangle 8"/>
+          <p:cNvSpPr/>
+          <p:nvPr/>
+        </p:nvSpPr>
+        <p:spPr>
+          <a:xfrm>
+            <a:off x="7260863" y="3531257"/>
+            <a:ext cx="708186" cy="285783"/>
+          </a:xfrm>
+          <a:prstGeom prst="rect">
+            <a:avLst/>
+          </a:prstGeom>
+          <a:ln w="19050">
+            <a:solidFill>
+              <a:srgbClr val="7030A0"/>
+            </a:solidFill>
+          </a:ln>
+          <a:effectLst/>
+        </p:spPr>
+        <p:style>
+          <a:lnRef idx="1">
+            <a:schemeClr val="accent4"/>
+          </a:lnRef>
+          <a:fillRef idx="2">
+            <a:schemeClr val="accent4"/>
+          </a:fillRef>
+          <a:effectRef idx="1">
+            <a:schemeClr val="accent4"/>
+          </a:effectRef>
+          <a:fontRef idx="minor">
+            <a:schemeClr val="dk1"/>
+          </a:fontRef>
+        </p:style>
+        <p:txBody>
+          <a:bodyPr rtlCol="0" anchor="ctr"/>
+          <a:lstStyle/>
+          <a:p>
+            <a:pPr algn="ctr"/>
+            <a:r>
+              <a:rPr lang="en-US" sz="1050" dirty="0" err="1" smtClean="0">
+                <a:solidFill>
+                  <a:srgbClr val="7030A0"/>
+                </a:solidFill>
+              </a:rPr>
+              <a:t>Weblink</a:t>
+            </a:r>
+            <a:endParaRPr lang="en-SG" sz="1050" dirty="0">
+              <a:solidFill>
+                <a:srgbClr val="7030A0"/>
+              </a:solidFill>
+            </a:endParaRPr>
+          </a:p>
+        </p:txBody>
+      </p:sp>
+      <p:sp>
+        <p:nvSpPr>
+          <p:cNvPr id="74" name="Rectangle 8"/>
+          <p:cNvSpPr/>
+          <p:nvPr/>
+        </p:nvSpPr>
+        <p:spPr>
+          <a:xfrm>
+            <a:off x="7254513" y="3851656"/>
+            <a:ext cx="708186" cy="285783"/>
+          </a:xfrm>
+          <a:prstGeom prst="rect">
+            <a:avLst/>
+          </a:prstGeom>
+          <a:ln w="19050">
+            <a:solidFill>
+              <a:srgbClr val="7030A0"/>
+            </a:solidFill>
+          </a:ln>
+          <a:effectLst/>
+        </p:spPr>
+        <p:style>
+          <a:lnRef idx="1">
+            <a:schemeClr val="accent4"/>
+          </a:lnRef>
+          <a:fillRef idx="2">
+            <a:schemeClr val="accent4"/>
+          </a:fillRef>
+          <a:effectRef idx="1">
+            <a:schemeClr val="accent4"/>
+          </a:effectRef>
+          <a:fontRef idx="minor">
+            <a:schemeClr val="dk1"/>
+          </a:fontRef>
+        </p:style>
+        <p:txBody>
+          <a:bodyPr rtlCol="0" anchor="ctr"/>
+          <a:lstStyle/>
+          <a:p>
+            <a:pPr algn="ctr"/>
+            <a:r>
+              <a:rPr lang="en-US" sz="1050" dirty="0" err="1" smtClean="0">
+                <a:solidFill>
+                  <a:srgbClr val="7030A0"/>
+                </a:solidFill>
+              </a:rPr>
+              <a:t>OpeningHours</a:t>
+            </a:r>
+            <a:endParaRPr lang="en-SG" sz="1050" dirty="0">
+              <a:solidFill>
+                <a:srgbClr val="7030A0"/>
+              </a:solidFill>
+            </a:endParaRPr>
+          </a:p>
+        </p:txBody>
+      </p:sp>
+      <p:cxnSp>
+        <p:nvCxnSpPr>
+          <p:cNvPr id="77" name="Elbow Connector 76"/>
+          <p:cNvCxnSpPr>
+            <a:cxnSpLocks/>
+            <a:stCxn id="78" idx="3"/>
+            <a:endCxn id="73" idx="1"/>
+          </p:cNvCxnSpPr>
+          <p:nvPr/>
+        </p:nvCxnSpPr>
+        <p:spPr>
+          <a:xfrm>
+            <a:off x="6836848" y="3025937"/>
+            <a:ext cx="424015" cy="648212"/>
+          </a:xfrm>
+          <a:prstGeom prst="bentConnector3">
+            <a:avLst>
+              <a:gd name="adj1" fmla="val 50000"/>
+            </a:avLst>
+          </a:prstGeom>
+          <a:ln w="19050">
+            <a:solidFill>
+              <a:srgbClr val="7030A0"/>
+            </a:solidFill>
+            <a:headEnd type="none" w="med" len="med"/>
+            <a:tailEnd type="arrow" w="med" len="med"/>
+          </a:ln>
+          <a:effectLst/>
+        </p:spPr>
+        <p:style>
+          <a:lnRef idx="1">
+            <a:schemeClr val="accent2"/>
+          </a:lnRef>
+          <a:fillRef idx="2">
+            <a:schemeClr val="accent2"/>
+          </a:fillRef>
+          <a:effectRef idx="1">
+            <a:schemeClr val="accent2"/>
+          </a:effectRef>
+          <a:fontRef idx="minor">
+            <a:schemeClr val="dk1"/>
+          </a:fontRef>
+        </p:style>
+      </p:cxnSp>
+      <p:cxnSp>
+        <p:nvCxnSpPr>
+          <p:cNvPr id="82" name="Elbow Connector 81"/>
+          <p:cNvCxnSpPr>
+            <a:cxnSpLocks/>
+            <a:stCxn id="78" idx="3"/>
+            <a:endCxn id="74" idx="1"/>
+          </p:cNvCxnSpPr>
+          <p:nvPr/>
+        </p:nvCxnSpPr>
+        <p:spPr>
+          <a:xfrm>
+            <a:off x="6836848" y="3025937"/>
+            <a:ext cx="417665" cy="968611"/>
           </a:xfrm>
           <a:prstGeom prst="bentConnector3">
             <a:avLst>

--- a/docs/diagrams/ModelComponentClassDiagram.pptx
+++ b/docs/diagrams/ModelComponentClassDiagram.pptx
@@ -2921,9 +2921,14 @@
 <p:sldMaster xmlns:a="http://schemas.openxmlformats.org/drawingml/2006/main" xmlns:r="http://schemas.openxmlformats.org/officeDocument/2006/relationships" xmlns:p="http://schemas.openxmlformats.org/presentationml/2006/main">
   <p:cSld>
     <p:bg>
-      <p:bgRef idx="1001">
-        <a:schemeClr val="bg1"/>
-      </p:bgRef>
+      <p:bgPr>
+        <a:solidFill>
+          <a:schemeClr val="bg1">
+            <a:alpha val="0"/>
+          </a:schemeClr>
+        </a:solidFill>
+        <a:effectLst/>
+      </p:bgPr>
     </p:bg>
     <p:spTree>
       <p:nvGrpSpPr>
@@ -5313,7 +5318,7 @@
           <p:cNvPr id="52" name="Rectangle 8">
             <a:extLst>
               <a:ext uri="{FF2B5EF4-FFF2-40B4-BE49-F238E27FC236}">
-                <a16:creationId xmlns:a16="http://schemas.microsoft.com/office/drawing/2014/main" xmlns="" id="{ABDCDBD2-131A-4B66-A2F2-43BBEE82C773}"/>
+                <a16:creationId xmlns="" xmlns:a16="http://schemas.microsoft.com/office/drawing/2014/main" id="{ABDCDBD2-131A-4B66-A2F2-43BBEE82C773}"/>
               </a:ext>
             </a:extLst>
           </p:cNvPr>
@@ -5375,7 +5380,7 @@
           <p:cNvPr id="53" name="Elbow Connector 78">
             <a:extLst>
               <a:ext uri="{FF2B5EF4-FFF2-40B4-BE49-F238E27FC236}">
-                <a16:creationId xmlns:a16="http://schemas.microsoft.com/office/drawing/2014/main" xmlns="" id="{B97967F8-618A-448B-81FD-CDFD4AF0EC64}"/>
+                <a16:creationId xmlns="" xmlns:a16="http://schemas.microsoft.com/office/drawing/2014/main" id="{B97967F8-618A-448B-81FD-CDFD4AF0EC64}"/>
               </a:ext>
             </a:extLst>
           </p:cNvPr>
@@ -5425,7 +5430,7 @@
           <p:cNvPr id="50" name="TextBox 49">
             <a:extLst>
               <a:ext uri="{FF2B5EF4-FFF2-40B4-BE49-F238E27FC236}">
-                <a16:creationId xmlns:a16="http://schemas.microsoft.com/office/drawing/2014/main" xmlns="" id="{B3FA9D57-880F-49C4-AD0B-A64E30D6F403}"/>
+                <a16:creationId xmlns="" xmlns:a16="http://schemas.microsoft.com/office/drawing/2014/main" id="{B3FA9D57-880F-49C4-AD0B-A64E30D6F403}"/>
               </a:ext>
             </a:extLst>
           </p:cNvPr>
@@ -5664,7 +5669,7 @@
           <p:cNvPr id="57" name="Rectangle 8">
             <a:extLst>
               <a:ext uri="{FF2B5EF4-FFF2-40B4-BE49-F238E27FC236}">
-                <a16:creationId xmlns:a16="http://schemas.microsoft.com/office/drawing/2014/main" xmlns="" id="{6A42DA50-9012-4391-9EF3-285E4FA3FCD8}"/>
+                <a16:creationId xmlns="" xmlns:a16="http://schemas.microsoft.com/office/drawing/2014/main" id="{6A42DA50-9012-4391-9EF3-285E4FA3FCD8}"/>
               </a:ext>
             </a:extLst>
           </p:cNvPr>
@@ -5737,7 +5742,7 @@
           <p:cNvPr id="59" name="Isosceles Triangle 102">
             <a:extLst>
               <a:ext uri="{FF2B5EF4-FFF2-40B4-BE49-F238E27FC236}">
-                <a16:creationId xmlns:a16="http://schemas.microsoft.com/office/drawing/2014/main" xmlns="" id="{B263B2D7-6E76-465E-B40E-7E2A46254A84}"/>
+                <a16:creationId xmlns="" xmlns:a16="http://schemas.microsoft.com/office/drawing/2014/main" id="{B263B2D7-6E76-465E-B40E-7E2A46254A84}"/>
               </a:ext>
             </a:extLst>
           </p:cNvPr>
@@ -5795,7 +5800,7 @@
           <p:cNvPr id="67" name="Elbow Connector 63">
             <a:extLst>
               <a:ext uri="{FF2B5EF4-FFF2-40B4-BE49-F238E27FC236}">
-                <a16:creationId xmlns:a16="http://schemas.microsoft.com/office/drawing/2014/main" xmlns="" id="{BA3A25CD-7C1D-4B3B-B294-1B05ABCFECFD}"/>
+                <a16:creationId xmlns="" xmlns:a16="http://schemas.microsoft.com/office/drawing/2014/main" id="{BA3A25CD-7C1D-4B3B-B294-1B05ABCFECFD}"/>
               </a:ext>
             </a:extLst>
           </p:cNvPr>
@@ -5846,7 +5851,7 @@
           <p:cNvPr id="72" name="Rectangle 8">
             <a:extLst>
               <a:ext uri="{FF2B5EF4-FFF2-40B4-BE49-F238E27FC236}">
-                <a16:creationId xmlns:a16="http://schemas.microsoft.com/office/drawing/2014/main" xmlns="" id="{CBA319B1-DCBE-1E40-BEAB-513323C29798}"/>
+                <a16:creationId xmlns="" xmlns:a16="http://schemas.microsoft.com/office/drawing/2014/main" id="{CBA319B1-DCBE-1E40-BEAB-513323C29798}"/>
               </a:ext>
             </a:extLst>
           </p:cNvPr>
@@ -5908,7 +5913,7 @@
           <p:cNvPr id="87" name="Elbow Connector 86">
             <a:extLst>
               <a:ext uri="{FF2B5EF4-FFF2-40B4-BE49-F238E27FC236}">
-                <a16:creationId xmlns:a16="http://schemas.microsoft.com/office/drawing/2014/main" xmlns="" id="{DCB3B358-F21C-6542-B737-DFE2F9B3FED6}"/>
+                <a16:creationId xmlns="" xmlns:a16="http://schemas.microsoft.com/office/drawing/2014/main" id="{DCB3B358-F21C-6542-B737-DFE2F9B3FED6}"/>
               </a:ext>
             </a:extLst>
           </p:cNvPr>
@@ -5958,7 +5963,7 @@
           <p:cNvPr id="105" name="TextBox 104">
             <a:extLst>
               <a:ext uri="{FF2B5EF4-FFF2-40B4-BE49-F238E27FC236}">
-                <a16:creationId xmlns:a16="http://schemas.microsoft.com/office/drawing/2014/main" xmlns="" id="{B11F9329-C652-DC42-A28F-B8F2C6189045}"/>
+                <a16:creationId xmlns="" xmlns:a16="http://schemas.microsoft.com/office/drawing/2014/main" id="{B11F9329-C652-DC42-A28F-B8F2C6189045}"/>
               </a:ext>
             </a:extLst>
           </p:cNvPr>
@@ -6003,7 +6008,7 @@
           <p:cNvPr id="106" name="Flowchart: Decision 96">
             <a:extLst>
               <a:ext uri="{FF2B5EF4-FFF2-40B4-BE49-F238E27FC236}">
-                <a16:creationId xmlns:a16="http://schemas.microsoft.com/office/drawing/2014/main" xmlns="" id="{6A47F553-9EB2-A745-8BD1-8CD1006461DE}"/>
+                <a16:creationId xmlns="" xmlns:a16="http://schemas.microsoft.com/office/drawing/2014/main" id="{6A47F553-9EB2-A745-8BD1-8CD1006461DE}"/>
               </a:ext>
             </a:extLst>
           </p:cNvPr>
@@ -6056,7 +6061,7 @@
           <p:cNvPr id="108" name="Rectangle 8">
             <a:extLst>
               <a:ext uri="{FF2B5EF4-FFF2-40B4-BE49-F238E27FC236}">
-                <a16:creationId xmlns:a16="http://schemas.microsoft.com/office/drawing/2014/main" xmlns="" id="{9A5AA0EE-9C67-7044-B8B0-9431DED41B4B}"/>
+                <a16:creationId xmlns="" xmlns:a16="http://schemas.microsoft.com/office/drawing/2014/main" id="{9A5AA0EE-9C67-7044-B8B0-9431DED41B4B}"/>
               </a:ext>
             </a:extLst>
           </p:cNvPr>
@@ -6118,7 +6123,7 @@
           <p:cNvPr id="109" name="Elbow Connector 108">
             <a:extLst>
               <a:ext uri="{FF2B5EF4-FFF2-40B4-BE49-F238E27FC236}">
-                <a16:creationId xmlns:a16="http://schemas.microsoft.com/office/drawing/2014/main" xmlns="" id="{053E592F-91B2-1C4A-AC78-61C49DB35AA2}"/>
+                <a16:creationId xmlns="" xmlns:a16="http://schemas.microsoft.com/office/drawing/2014/main" id="{053E592F-91B2-1C4A-AC78-61C49DB35AA2}"/>
               </a:ext>
             </a:extLst>
           </p:cNvPr>
@@ -6168,7 +6173,7 @@
           <p:cNvPr id="110" name="Rectangle 8">
             <a:extLst>
               <a:ext uri="{FF2B5EF4-FFF2-40B4-BE49-F238E27FC236}">
-                <a16:creationId xmlns:a16="http://schemas.microsoft.com/office/drawing/2014/main" xmlns="" id="{27E6A32F-AF1E-BA47-ABCC-14B6FA19AFAC}"/>
+                <a16:creationId xmlns="" xmlns:a16="http://schemas.microsoft.com/office/drawing/2014/main" id="{27E6A32F-AF1E-BA47-ABCC-14B6FA19AFAC}"/>
               </a:ext>
             </a:extLst>
           </p:cNvPr>
@@ -6230,7 +6235,7 @@
           <p:cNvPr id="111" name="Elbow Connector 110">
             <a:extLst>
               <a:ext uri="{FF2B5EF4-FFF2-40B4-BE49-F238E27FC236}">
-                <a16:creationId xmlns:a16="http://schemas.microsoft.com/office/drawing/2014/main" xmlns="" id="{42D108CE-FA23-0D49-95C6-B01522AA44C2}"/>
+                <a16:creationId xmlns="" xmlns:a16="http://schemas.microsoft.com/office/drawing/2014/main" id="{42D108CE-FA23-0D49-95C6-B01522AA44C2}"/>
               </a:ext>
             </a:extLst>
           </p:cNvPr>
@@ -6280,7 +6285,7 @@
           <p:cNvPr id="112" name="Rectangle 8">
             <a:extLst>
               <a:ext uri="{FF2B5EF4-FFF2-40B4-BE49-F238E27FC236}">
-                <a16:creationId xmlns:a16="http://schemas.microsoft.com/office/drawing/2014/main" xmlns="" id="{92E4AB15-C7FE-974E-AF5D-DFC9A72C0590}"/>
+                <a16:creationId xmlns="" xmlns:a16="http://schemas.microsoft.com/office/drawing/2014/main" id="{92E4AB15-C7FE-974E-AF5D-DFC9A72C0590}"/>
               </a:ext>
             </a:extLst>
           </p:cNvPr>
@@ -6342,7 +6347,7 @@
           <p:cNvPr id="113" name="Elbow Connector 112">
             <a:extLst>
               <a:ext uri="{FF2B5EF4-FFF2-40B4-BE49-F238E27FC236}">
-                <a16:creationId xmlns:a16="http://schemas.microsoft.com/office/drawing/2014/main" xmlns="" id="{001B057F-8022-F34D-948D-F8C8543722BD}"/>
+                <a16:creationId xmlns="" xmlns:a16="http://schemas.microsoft.com/office/drawing/2014/main" id="{001B057F-8022-F34D-948D-F8C8543722BD}"/>
               </a:ext>
             </a:extLst>
           </p:cNvPr>
@@ -6597,6 +6602,13 @@
   <p:clrMapOvr>
     <a:masterClrMapping/>
   </p:clrMapOvr>
+  <p:timing>
+    <p:tnLst>
+      <p:par>
+        <p:cTn id="1" dur="indefinite" restart="never" nodeType="tmRoot"/>
+      </p:par>
+    </p:tnLst>
+  </p:timing>
 </p:sld>
 </file>
 

--- a/docs/diagrams/ModelComponentClassDiagram.pptx
+++ b/docs/diagrams/ModelComponentClassDiagram.pptx
@@ -208,7 +208,7 @@
           <a:p>
             <a:fld id="{F5CC4B3F-88C1-4FFA-B1B6-F41C21DC6924}" type="datetimeFigureOut">
               <a:rPr lang="en-US" smtClean="0"/>
-              <a:t>3/19/2019</a:t>
+              <a:t>22-Mar-19</a:t>
             </a:fld>
             <a:endParaRPr lang="en-US"/>
           </a:p>
@@ -654,7 +654,7 @@
           <a:p>
             <a:fld id="{78C97017-6FC3-485B-9764-EAC9E56C1D49}" type="datetimeFigureOut">
               <a:rPr lang="en-US" smtClean="0"/>
-              <a:t>3/19/2019</a:t>
+              <a:t>22-Mar-19</a:t>
             </a:fld>
             <a:endParaRPr lang="en-US"/>
           </a:p>
@@ -822,7 +822,7 @@
           <a:p>
             <a:fld id="{78C97017-6FC3-485B-9764-EAC9E56C1D49}" type="datetimeFigureOut">
               <a:rPr lang="en-US" smtClean="0"/>
-              <a:t>3/19/2019</a:t>
+              <a:t>22-Mar-19</a:t>
             </a:fld>
             <a:endParaRPr lang="en-US"/>
           </a:p>
@@ -1000,7 +1000,7 @@
           <a:p>
             <a:fld id="{78C97017-6FC3-485B-9764-EAC9E56C1D49}" type="datetimeFigureOut">
               <a:rPr lang="en-US" smtClean="0"/>
-              <a:t>3/19/2019</a:t>
+              <a:t>22-Mar-19</a:t>
             </a:fld>
             <a:endParaRPr lang="en-US"/>
           </a:p>
@@ -1168,7 +1168,7 @@
           <a:p>
             <a:fld id="{78C97017-6FC3-485B-9764-EAC9E56C1D49}" type="datetimeFigureOut">
               <a:rPr lang="en-US" smtClean="0"/>
-              <a:t>3/19/2019</a:t>
+              <a:t>22-Mar-19</a:t>
             </a:fld>
             <a:endParaRPr lang="en-US"/>
           </a:p>
@@ -1413,7 +1413,7 @@
           <a:p>
             <a:fld id="{78C97017-6FC3-485B-9764-EAC9E56C1D49}" type="datetimeFigureOut">
               <a:rPr lang="en-US" smtClean="0"/>
-              <a:t>3/19/2019</a:t>
+              <a:t>22-Mar-19</a:t>
             </a:fld>
             <a:endParaRPr lang="en-US"/>
           </a:p>
@@ -1698,7 +1698,7 @@
           <a:p>
             <a:fld id="{78C97017-6FC3-485B-9764-EAC9E56C1D49}" type="datetimeFigureOut">
               <a:rPr lang="en-US" smtClean="0"/>
-              <a:t>3/19/2019</a:t>
+              <a:t>22-Mar-19</a:t>
             </a:fld>
             <a:endParaRPr lang="en-US"/>
           </a:p>
@@ -2117,7 +2117,7 @@
           <a:p>
             <a:fld id="{78C97017-6FC3-485B-9764-EAC9E56C1D49}" type="datetimeFigureOut">
               <a:rPr lang="en-US" smtClean="0"/>
-              <a:t>3/19/2019</a:t>
+              <a:t>22-Mar-19</a:t>
             </a:fld>
             <a:endParaRPr lang="en-US"/>
           </a:p>
@@ -2234,7 +2234,7 @@
           <a:p>
             <a:fld id="{78C97017-6FC3-485B-9764-EAC9E56C1D49}" type="datetimeFigureOut">
               <a:rPr lang="en-US" smtClean="0"/>
-              <a:t>3/19/2019</a:t>
+              <a:t>22-Mar-19</a:t>
             </a:fld>
             <a:endParaRPr lang="en-US"/>
           </a:p>
@@ -2329,7 +2329,7 @@
           <a:p>
             <a:fld id="{78C97017-6FC3-485B-9764-EAC9E56C1D49}" type="datetimeFigureOut">
               <a:rPr lang="en-US" smtClean="0"/>
-              <a:t>3/19/2019</a:t>
+              <a:t>22-Mar-19</a:t>
             </a:fld>
             <a:endParaRPr lang="en-US"/>
           </a:p>
@@ -2604,7 +2604,7 @@
           <a:p>
             <a:fld id="{78C97017-6FC3-485B-9764-EAC9E56C1D49}" type="datetimeFigureOut">
               <a:rPr lang="en-US" smtClean="0"/>
-              <a:t>3/19/2019</a:t>
+              <a:t>22-Mar-19</a:t>
             </a:fld>
             <a:endParaRPr lang="en-US"/>
           </a:p>
@@ -2856,7 +2856,7 @@
           <a:p>
             <a:fld id="{78C97017-6FC3-485B-9764-EAC9E56C1D49}" type="datetimeFigureOut">
               <a:rPr lang="en-US" smtClean="0"/>
-              <a:t>3/19/2019</a:t>
+              <a:t>22-Mar-19</a:t>
             </a:fld>
             <a:endParaRPr lang="en-US"/>
           </a:p>
@@ -3067,7 +3067,7 @@
           <a:p>
             <a:fld id="{78C97017-6FC3-485B-9764-EAC9E56C1D49}" type="datetimeFigureOut">
               <a:rPr lang="en-US" smtClean="0"/>
-              <a:t>3/19/2019</a:t>
+              <a:t>22-Mar-19</a:t>
             </a:fld>
             <a:endParaRPr lang="en-US"/>
           </a:p>
@@ -3992,12 +3992,12 @@
           <a:p>
             <a:pPr algn="ctr"/>
             <a:r>
-              <a:rPr lang="en-US" sz="1050" dirty="0" err="1">
+              <a:rPr lang="en-US" sz="1050" dirty="0">
                 <a:solidFill>
                   <a:srgbClr val="7030A0"/>
                 </a:solidFill>
               </a:rPr>
-              <a:t>VersionedAddressBook</a:t>
+              <a:t>Versioned TravelBuddy</a:t>
             </a:r>
             <a:endParaRPr lang="en-SG" sz="1050" dirty="0">
               <a:solidFill>
@@ -4938,7 +4938,7 @@
                   <a:srgbClr val="7030A0"/>
                 </a:solidFill>
               </a:rPr>
-              <a:t>ReadOnlyAddressBook</a:t>
+              <a:t>ReadOnlyTravelBuddy</a:t>
             </a:r>
             <a:endParaRPr lang="en-SG" sz="1050" dirty="0">
               <a:solidFill>
@@ -5493,12 +5493,12 @@
           <a:p>
             <a:pPr algn="ctr"/>
             <a:r>
-              <a:rPr lang="en-US" sz="1050" dirty="0" err="1">
+              <a:rPr lang="en-US" sz="1050" dirty="0">
                 <a:solidFill>
                   <a:srgbClr val="7030A0"/>
                 </a:solidFill>
               </a:rPr>
-              <a:t>AddressBook</a:t>
+              <a:t>TravelBuddy</a:t>
             </a:r>
             <a:endParaRPr lang="en-SG" sz="1050" dirty="0">
               <a:solidFill>

--- a/docs/diagrams/ModelComponentClassDiagram.pptx
+++ b/docs/diagrams/ModelComponentClassDiagram.pptx
@@ -208,7 +208,7 @@
           <a:p>
             <a:fld id="{F5CC4B3F-88C1-4FFA-B1B6-F41C21DC6924}" type="datetimeFigureOut">
               <a:rPr lang="en-US" smtClean="0"/>
-              <a:t>22-Mar-19</a:t>
+              <a:t>3/26/2019</a:t>
             </a:fld>
             <a:endParaRPr lang="en-US"/>
           </a:p>
@@ -654,7 +654,7 @@
           <a:p>
             <a:fld id="{78C97017-6FC3-485B-9764-EAC9E56C1D49}" type="datetimeFigureOut">
               <a:rPr lang="en-US" smtClean="0"/>
-              <a:t>22-Mar-19</a:t>
+              <a:t>3/26/2019</a:t>
             </a:fld>
             <a:endParaRPr lang="en-US"/>
           </a:p>
@@ -822,7 +822,7 @@
           <a:p>
             <a:fld id="{78C97017-6FC3-485B-9764-EAC9E56C1D49}" type="datetimeFigureOut">
               <a:rPr lang="en-US" smtClean="0"/>
-              <a:t>22-Mar-19</a:t>
+              <a:t>3/26/2019</a:t>
             </a:fld>
             <a:endParaRPr lang="en-US"/>
           </a:p>
@@ -1000,7 +1000,7 @@
           <a:p>
             <a:fld id="{78C97017-6FC3-485B-9764-EAC9E56C1D49}" type="datetimeFigureOut">
               <a:rPr lang="en-US" smtClean="0"/>
-              <a:t>22-Mar-19</a:t>
+              <a:t>3/26/2019</a:t>
             </a:fld>
             <a:endParaRPr lang="en-US"/>
           </a:p>
@@ -1168,7 +1168,7 @@
           <a:p>
             <a:fld id="{78C97017-6FC3-485B-9764-EAC9E56C1D49}" type="datetimeFigureOut">
               <a:rPr lang="en-US" smtClean="0"/>
-              <a:t>22-Mar-19</a:t>
+              <a:t>3/26/2019</a:t>
             </a:fld>
             <a:endParaRPr lang="en-US"/>
           </a:p>
@@ -1413,7 +1413,7 @@
           <a:p>
             <a:fld id="{78C97017-6FC3-485B-9764-EAC9E56C1D49}" type="datetimeFigureOut">
               <a:rPr lang="en-US" smtClean="0"/>
-              <a:t>22-Mar-19</a:t>
+              <a:t>3/26/2019</a:t>
             </a:fld>
             <a:endParaRPr lang="en-US"/>
           </a:p>
@@ -1698,7 +1698,7 @@
           <a:p>
             <a:fld id="{78C97017-6FC3-485B-9764-EAC9E56C1D49}" type="datetimeFigureOut">
               <a:rPr lang="en-US" smtClean="0"/>
-              <a:t>22-Mar-19</a:t>
+              <a:t>3/26/2019</a:t>
             </a:fld>
             <a:endParaRPr lang="en-US"/>
           </a:p>
@@ -2117,7 +2117,7 @@
           <a:p>
             <a:fld id="{78C97017-6FC3-485B-9764-EAC9E56C1D49}" type="datetimeFigureOut">
               <a:rPr lang="en-US" smtClean="0"/>
-              <a:t>22-Mar-19</a:t>
+              <a:t>3/26/2019</a:t>
             </a:fld>
             <a:endParaRPr lang="en-US"/>
           </a:p>
@@ -2234,7 +2234,7 @@
           <a:p>
             <a:fld id="{78C97017-6FC3-485B-9764-EAC9E56C1D49}" type="datetimeFigureOut">
               <a:rPr lang="en-US" smtClean="0"/>
-              <a:t>22-Mar-19</a:t>
+              <a:t>3/26/2019</a:t>
             </a:fld>
             <a:endParaRPr lang="en-US"/>
           </a:p>
@@ -2329,7 +2329,7 @@
           <a:p>
             <a:fld id="{78C97017-6FC3-485B-9764-EAC9E56C1D49}" type="datetimeFigureOut">
               <a:rPr lang="en-US" smtClean="0"/>
-              <a:t>22-Mar-19</a:t>
+              <a:t>3/26/2019</a:t>
             </a:fld>
             <a:endParaRPr lang="en-US"/>
           </a:p>
@@ -2604,7 +2604,7 @@
           <a:p>
             <a:fld id="{78C97017-6FC3-485B-9764-EAC9E56C1D49}" type="datetimeFigureOut">
               <a:rPr lang="en-US" smtClean="0"/>
-              <a:t>22-Mar-19</a:t>
+              <a:t>3/26/2019</a:t>
             </a:fld>
             <a:endParaRPr lang="en-US"/>
           </a:p>
@@ -2856,7 +2856,7 @@
           <a:p>
             <a:fld id="{78C97017-6FC3-485B-9764-EAC9E56C1D49}" type="datetimeFigureOut">
               <a:rPr lang="en-US" smtClean="0"/>
-              <a:t>22-Mar-19</a:t>
+              <a:t>3/26/2019</a:t>
             </a:fld>
             <a:endParaRPr lang="en-US"/>
           </a:p>
@@ -3067,7 +3067,7 @@
           <a:p>
             <a:fld id="{78C97017-6FC3-485B-9764-EAC9E56C1D49}" type="datetimeFigureOut">
               <a:rPr lang="en-US" smtClean="0"/>
-              <a:t>22-Mar-19</a:t>
+              <a:t>3/26/2019</a:t>
             </a:fld>
             <a:endParaRPr lang="en-US"/>
           </a:p>
@@ -4493,7 +4493,7 @@
         </p:nvSpPr>
         <p:spPr>
           <a:xfrm>
-            <a:off x="7610818" y="2887216"/>
+            <a:off x="7610818" y="3217416"/>
             <a:ext cx="929057" cy="285783"/>
           </a:xfrm>
           <a:prstGeom prst="rect">
@@ -4552,9 +4552,9 @@
           <p:nvPr/>
         </p:nvCxnSpPr>
         <p:spPr>
-          <a:xfrm flipV="1">
-            <a:off x="7277995" y="3030108"/>
-            <a:ext cx="332823" cy="4783"/>
+          <a:xfrm>
+            <a:off x="7277995" y="3034891"/>
+            <a:ext cx="332823" cy="325417"/>
           </a:xfrm>
           <a:prstGeom prst="bentConnector3">
             <a:avLst/>
@@ -4591,7 +4591,7 @@
         </p:nvSpPr>
         <p:spPr>
           <a:xfrm>
-            <a:off x="7610819" y="3210194"/>
+            <a:off x="7610819" y="3540394"/>
             <a:ext cx="929056" cy="285783"/>
           </a:xfrm>
           <a:prstGeom prst="rect">
@@ -4652,7 +4652,7 @@
         <p:spPr>
           <a:xfrm>
             <a:off x="7277995" y="3034891"/>
-            <a:ext cx="332824" cy="318195"/>
+            <a:ext cx="332824" cy="648395"/>
           </a:xfrm>
           <a:prstGeom prst="bentConnector3">
             <a:avLst/>
@@ -4689,7 +4689,7 @@
         </p:nvSpPr>
         <p:spPr>
           <a:xfrm>
-            <a:off x="7610818" y="3533171"/>
+            <a:off x="7610818" y="3863371"/>
             <a:ext cx="929055" cy="285783"/>
           </a:xfrm>
           <a:prstGeom prst="rect">
@@ -4750,7 +4750,7 @@
         <p:spPr>
           <a:xfrm>
             <a:off x="7277995" y="3034891"/>
-            <a:ext cx="332823" cy="641172"/>
+            <a:ext cx="332823" cy="971372"/>
           </a:xfrm>
           <a:prstGeom prst="bentConnector3">
             <a:avLst/>
@@ -5841,8 +5841,8 @@
         </p:nvSpPr>
         <p:spPr>
           <a:xfrm>
-            <a:off x="7608334" y="2553535"/>
-            <a:ext cx="931542" cy="285783"/>
+            <a:off x="7610818" y="2553535"/>
+            <a:ext cx="929058" cy="285783"/>
           </a:xfrm>
           <a:prstGeom prst="rect">
             <a:avLst/>
@@ -5912,6 +5912,115 @@
             <a:avLst>
               <a:gd name="adj1" fmla="val 99860"/>
             </a:avLst>
+          </a:prstGeom>
+          <a:ln w="19050">
+            <a:solidFill>
+              <a:srgbClr val="7030A0"/>
+            </a:solidFill>
+            <a:headEnd type="none" w="med" len="med"/>
+            <a:tailEnd type="arrow" w="med" len="med"/>
+          </a:ln>
+          <a:effectLst/>
+        </p:spPr>
+        <p:style>
+          <a:lnRef idx="1">
+            <a:schemeClr val="accent2"/>
+          </a:lnRef>
+          <a:fillRef idx="2">
+            <a:schemeClr val="accent2"/>
+          </a:fillRef>
+          <a:effectRef idx="1">
+            <a:schemeClr val="accent2"/>
+          </a:effectRef>
+          <a:fontRef idx="minor">
+            <a:schemeClr val="dk1"/>
+          </a:fontRef>
+        </p:style>
+      </p:cxnSp>
+      <p:sp>
+        <p:nvSpPr>
+          <p:cNvPr id="71" name="Rectangle 8">
+            <a:extLst>
+              <a:ext uri="{FF2B5EF4-FFF2-40B4-BE49-F238E27FC236}">
+                <a16:creationId xmlns:a16="http://schemas.microsoft.com/office/drawing/2014/main" id="{EC5EE2B4-510F-47DF-9B37-B135E9B857EB}"/>
+              </a:ext>
+            </a:extLst>
+          </p:cNvPr>
+          <p:cNvSpPr/>
+          <p:nvPr/>
+        </p:nvSpPr>
+        <p:spPr>
+          <a:xfrm>
+            <a:off x="7613489" y="2885407"/>
+            <a:ext cx="920911" cy="285783"/>
+          </a:xfrm>
+          <a:prstGeom prst="rect">
+            <a:avLst/>
+          </a:prstGeom>
+          <a:ln w="19050">
+            <a:solidFill>
+              <a:srgbClr val="7030A0"/>
+            </a:solidFill>
+          </a:ln>
+          <a:effectLst/>
+        </p:spPr>
+        <p:style>
+          <a:lnRef idx="1">
+            <a:schemeClr val="accent4"/>
+          </a:lnRef>
+          <a:fillRef idx="2">
+            <a:schemeClr val="accent4"/>
+          </a:fillRef>
+          <a:effectRef idx="1">
+            <a:schemeClr val="accent4"/>
+          </a:effectRef>
+          <a:fontRef idx="minor">
+            <a:schemeClr val="dk1"/>
+          </a:fontRef>
+        </p:style>
+        <p:txBody>
+          <a:bodyPr rtlCol="0" anchor="ctr"/>
+          <a:lstStyle/>
+          <a:p>
+            <a:pPr algn="ctr"/>
+            <a:r>
+              <a:rPr lang="en-US" sz="1050" dirty="0">
+                <a:solidFill>
+                  <a:srgbClr val="7030A0"/>
+                </a:solidFill>
+              </a:rPr>
+              <a:t>Date Visited</a:t>
+            </a:r>
+            <a:endParaRPr lang="en-SG" sz="1050" dirty="0">
+              <a:solidFill>
+                <a:srgbClr val="7030A0"/>
+              </a:solidFill>
+            </a:endParaRPr>
+          </a:p>
+        </p:txBody>
+      </p:sp>
+      <p:cxnSp>
+        <p:nvCxnSpPr>
+          <p:cNvPr id="73" name="Elbow Connector 80">
+            <a:extLst>
+              <a:ext uri="{FF2B5EF4-FFF2-40B4-BE49-F238E27FC236}">
+                <a16:creationId xmlns:a16="http://schemas.microsoft.com/office/drawing/2014/main" id="{B242E529-C378-4952-9A7E-38F7C18BEF2F}"/>
+              </a:ext>
+            </a:extLst>
+          </p:cNvPr>
+          <p:cNvCxnSpPr>
+            <a:cxnSpLocks/>
+            <a:endCxn id="71" idx="1"/>
+          </p:cNvCxnSpPr>
+          <p:nvPr/>
+        </p:nvCxnSpPr>
+        <p:spPr>
+          <a:xfrm flipV="1">
+            <a:off x="7278381" y="3028299"/>
+            <a:ext cx="335108" cy="2782"/>
+          </a:xfrm>
+          <a:prstGeom prst="bentConnector3">
+            <a:avLst/>
           </a:prstGeom>
           <a:ln w="19050">
             <a:solidFill>

--- a/docs/diagrams/ModelComponentClassDiagram.pptx
+++ b/docs/diagrams/ModelComponentClassDiagram.pptx
@@ -5,10 +5,11 @@
     <p:sldMasterId id="2147483648" r:id="rId1"/>
   </p:sldMasterIdLst>
   <p:notesMasterIdLst>
-    <p:notesMasterId r:id="rId3"/>
+    <p:notesMasterId r:id="rId4"/>
   </p:notesMasterIdLst>
   <p:sldIdLst>
     <p:sldId id="263" r:id="rId2"/>
+    <p:sldId id="264" r:id="rId3"/>
   </p:sldIdLst>
   <p:sldSz cx="9144000" cy="6858000" type="screen4x3"/>
   <p:notesSz cx="6858000" cy="9144000"/>
@@ -208,7 +209,7 @@
           <a:p>
             <a:fld id="{F5CC4B3F-88C1-4FFA-B1B6-F41C21DC6924}" type="datetimeFigureOut">
               <a:rPr lang="en-US" smtClean="0"/>
-              <a:t>12/5/2018</a:t>
+              <a:t>3/31/2019</a:t>
             </a:fld>
             <a:endParaRPr lang="en-US"/>
           </a:p>
@@ -654,7 +655,7 @@
           <a:p>
             <a:fld id="{78C97017-6FC3-485B-9764-EAC9E56C1D49}" type="datetimeFigureOut">
               <a:rPr lang="en-US" smtClean="0"/>
-              <a:t>12/5/2018</a:t>
+              <a:t>3/31/2019</a:t>
             </a:fld>
             <a:endParaRPr lang="en-US"/>
           </a:p>
@@ -822,7 +823,7 @@
           <a:p>
             <a:fld id="{78C97017-6FC3-485B-9764-EAC9E56C1D49}" type="datetimeFigureOut">
               <a:rPr lang="en-US" smtClean="0"/>
-              <a:t>12/5/2018</a:t>
+              <a:t>3/31/2019</a:t>
             </a:fld>
             <a:endParaRPr lang="en-US"/>
           </a:p>
@@ -1000,7 +1001,7 @@
           <a:p>
             <a:fld id="{78C97017-6FC3-485B-9764-EAC9E56C1D49}" type="datetimeFigureOut">
               <a:rPr lang="en-US" smtClean="0"/>
-              <a:t>12/5/2018</a:t>
+              <a:t>3/31/2019</a:t>
             </a:fld>
             <a:endParaRPr lang="en-US"/>
           </a:p>
@@ -1168,7 +1169,7 @@
           <a:p>
             <a:fld id="{78C97017-6FC3-485B-9764-EAC9E56C1D49}" type="datetimeFigureOut">
               <a:rPr lang="en-US" smtClean="0"/>
-              <a:t>12/5/2018</a:t>
+              <a:t>3/31/2019</a:t>
             </a:fld>
             <a:endParaRPr lang="en-US"/>
           </a:p>
@@ -1413,7 +1414,7 @@
           <a:p>
             <a:fld id="{78C97017-6FC3-485B-9764-EAC9E56C1D49}" type="datetimeFigureOut">
               <a:rPr lang="en-US" smtClean="0"/>
-              <a:t>12/5/2018</a:t>
+              <a:t>3/31/2019</a:t>
             </a:fld>
             <a:endParaRPr lang="en-US"/>
           </a:p>
@@ -1698,7 +1699,7 @@
           <a:p>
             <a:fld id="{78C97017-6FC3-485B-9764-EAC9E56C1D49}" type="datetimeFigureOut">
               <a:rPr lang="en-US" smtClean="0"/>
-              <a:t>12/5/2018</a:t>
+              <a:t>3/31/2019</a:t>
             </a:fld>
             <a:endParaRPr lang="en-US"/>
           </a:p>
@@ -2117,7 +2118,7 @@
           <a:p>
             <a:fld id="{78C97017-6FC3-485B-9764-EAC9E56C1D49}" type="datetimeFigureOut">
               <a:rPr lang="en-US" smtClean="0"/>
-              <a:t>12/5/2018</a:t>
+              <a:t>3/31/2019</a:t>
             </a:fld>
             <a:endParaRPr lang="en-US"/>
           </a:p>
@@ -2234,7 +2235,7 @@
           <a:p>
             <a:fld id="{78C97017-6FC3-485B-9764-EAC9E56C1D49}" type="datetimeFigureOut">
               <a:rPr lang="en-US" smtClean="0"/>
-              <a:t>12/5/2018</a:t>
+              <a:t>3/31/2019</a:t>
             </a:fld>
             <a:endParaRPr lang="en-US"/>
           </a:p>
@@ -2329,7 +2330,7 @@
           <a:p>
             <a:fld id="{78C97017-6FC3-485B-9764-EAC9E56C1D49}" type="datetimeFigureOut">
               <a:rPr lang="en-US" smtClean="0"/>
-              <a:t>12/5/2018</a:t>
+              <a:t>3/31/2019</a:t>
             </a:fld>
             <a:endParaRPr lang="en-US"/>
           </a:p>
@@ -2604,7 +2605,7 @@
           <a:p>
             <a:fld id="{78C97017-6FC3-485B-9764-EAC9E56C1D49}" type="datetimeFigureOut">
               <a:rPr lang="en-US" smtClean="0"/>
-              <a:t>12/5/2018</a:t>
+              <a:t>3/31/2019</a:t>
             </a:fld>
             <a:endParaRPr lang="en-US"/>
           </a:p>
@@ -2856,7 +2857,7 @@
           <a:p>
             <a:fld id="{78C97017-6FC3-485B-9764-EAC9E56C1D49}" type="datetimeFigureOut">
               <a:rPr lang="en-US" smtClean="0"/>
-              <a:t>12/5/2018</a:t>
+              <a:t>3/31/2019</a:t>
             </a:fld>
             <a:endParaRPr lang="en-US"/>
           </a:p>
@@ -3067,7 +3068,7 @@
           <a:p>
             <a:fld id="{78C97017-6FC3-485B-9764-EAC9E56C1D49}" type="datetimeFigureOut">
               <a:rPr lang="en-US" smtClean="0"/>
-              <a:t>12/5/2018</a:t>
+              <a:t>3/31/2019</a:t>
             </a:fld>
             <a:endParaRPr lang="en-US"/>
           </a:p>
@@ -3444,6 +3445,3990 @@
       </p:grpSpPr>
       <p:sp>
         <p:nvSpPr>
+          <p:cNvPr id="56" name="Google Shape;267;p39">
+            <a:extLst>
+              <a:ext uri="{FF2B5EF4-FFF2-40B4-BE49-F238E27FC236}">
+                <a16:creationId xmlns:a16="http://schemas.microsoft.com/office/drawing/2014/main" id="{7D91DF29-DFFF-498B-9E90-410BC602162B}"/>
+              </a:ext>
+            </a:extLst>
+          </p:cNvPr>
+          <p:cNvSpPr/>
+          <p:nvPr/>
+        </p:nvSpPr>
+        <p:spPr>
+          <a:xfrm>
+            <a:off x="684927" y="1380922"/>
+            <a:ext cx="7708500" cy="3773285"/>
+          </a:xfrm>
+          <a:prstGeom prst="roundRect">
+            <a:avLst>
+              <a:gd name="adj" fmla="val 3484"/>
+            </a:avLst>
+          </a:prstGeom>
+          <a:solidFill>
+            <a:srgbClr val="E5DFEC"/>
+          </a:solidFill>
+          <a:ln>
+            <a:noFill/>
+          </a:ln>
+        </p:spPr>
+        <p:txBody>
+          <a:bodyPr spcFirstLastPara="1" wrap="square" lIns="91425" tIns="45700" rIns="91425" bIns="45700" anchor="t" anchorCtr="0">
+            <a:noAutofit/>
+          </a:bodyPr>
+          <a:lstStyle/>
+          <a:p>
+            <a:pPr marL="0" marR="0" lvl="0" indent="0" algn="l" rtl="0">
+              <a:spcBef>
+                <a:spcPts val="0"/>
+              </a:spcBef>
+              <a:spcAft>
+                <a:spcPts val="0"/>
+              </a:spcAft>
+              <a:buNone/>
+            </a:pPr>
+            <a:r>
+              <a:rPr lang="en" sz="1200" b="1" i="0" u="none" strike="noStrike" cap="none">
+                <a:solidFill>
+                  <a:srgbClr val="7030A0"/>
+                </a:solidFill>
+                <a:latin typeface="Calibri"/>
+                <a:ea typeface="Calibri"/>
+                <a:cs typeface="Calibri"/>
+                <a:sym typeface="Calibri"/>
+              </a:rPr>
+              <a:t>Model</a:t>
+            </a:r>
+            <a:endParaRPr sz="1200" b="1">
+              <a:solidFill>
+                <a:srgbClr val="7030A0"/>
+              </a:solidFill>
+              <a:latin typeface="Calibri"/>
+              <a:ea typeface="Calibri"/>
+              <a:cs typeface="Calibri"/>
+              <a:sym typeface="Calibri"/>
+            </a:endParaRPr>
+          </a:p>
+        </p:txBody>
+      </p:sp>
+      <p:sp>
+        <p:nvSpPr>
+          <p:cNvPr id="71" name="Google Shape;268;p39">
+            <a:extLst>
+              <a:ext uri="{FF2B5EF4-FFF2-40B4-BE49-F238E27FC236}">
+                <a16:creationId xmlns:a16="http://schemas.microsoft.com/office/drawing/2014/main" id="{B59FD199-8AA7-482E-A035-06DD28464179}"/>
+              </a:ext>
+            </a:extLst>
+          </p:cNvPr>
+          <p:cNvSpPr/>
+          <p:nvPr/>
+        </p:nvSpPr>
+        <p:spPr>
+          <a:xfrm>
+            <a:off x="2464992" y="3735008"/>
+            <a:ext cx="916200" cy="409800"/>
+          </a:xfrm>
+          <a:prstGeom prst="rect">
+            <a:avLst/>
+          </a:prstGeom>
+          <a:gradFill>
+            <a:gsLst>
+              <a:gs pos="0">
+                <a:srgbClr val="C8B2E9"/>
+              </a:gs>
+              <a:gs pos="35000">
+                <a:srgbClr val="D6CAED"/>
+              </a:gs>
+              <a:gs pos="100000">
+                <a:srgbClr val="EFE8FA"/>
+              </a:gs>
+            </a:gsLst>
+            <a:lin ang="16200000" scaled="0"/>
+          </a:gradFill>
+          <a:ln w="19050" cap="flat" cmpd="sng">
+            <a:solidFill>
+              <a:srgbClr val="7030A0"/>
+            </a:solidFill>
+            <a:prstDash val="solid"/>
+            <a:round/>
+            <a:headEnd type="none" w="sm" len="sm"/>
+            <a:tailEnd type="none" w="sm" len="sm"/>
+          </a:ln>
+        </p:spPr>
+        <p:txBody>
+          <a:bodyPr spcFirstLastPara="1" wrap="square" lIns="91425" tIns="45700" rIns="91425" bIns="45700" anchor="ctr" anchorCtr="0">
+            <a:noAutofit/>
+          </a:bodyPr>
+          <a:lstStyle/>
+          <a:p>
+            <a:pPr marL="0" marR="0" lvl="0" indent="0" algn="ctr" rtl="0">
+              <a:spcBef>
+                <a:spcPts val="0"/>
+              </a:spcBef>
+              <a:spcAft>
+                <a:spcPts val="0"/>
+              </a:spcAft>
+              <a:buNone/>
+            </a:pPr>
+            <a:r>
+              <a:rPr lang="en" sz="1050">
+                <a:solidFill>
+                  <a:srgbClr val="7030A0"/>
+                </a:solidFill>
+                <a:latin typeface="Calibri"/>
+                <a:ea typeface="Calibri"/>
+                <a:cs typeface="Calibri"/>
+                <a:sym typeface="Calibri"/>
+              </a:rPr>
+              <a:t>UserPrefs</a:t>
+            </a:r>
+            <a:endParaRPr sz="1050">
+              <a:solidFill>
+                <a:srgbClr val="7030A0"/>
+              </a:solidFill>
+              <a:latin typeface="Calibri"/>
+              <a:ea typeface="Calibri"/>
+              <a:cs typeface="Calibri"/>
+              <a:sym typeface="Calibri"/>
+            </a:endParaRPr>
+          </a:p>
+        </p:txBody>
+      </p:sp>
+      <p:sp>
+        <p:nvSpPr>
+          <p:cNvPr id="72" name="Google Shape;269;p39">
+            <a:extLst>
+              <a:ext uri="{FF2B5EF4-FFF2-40B4-BE49-F238E27FC236}">
+                <a16:creationId xmlns:a16="http://schemas.microsoft.com/office/drawing/2014/main" id="{358B84DE-A0D1-4DBC-9F9F-629E7804ABE2}"/>
+              </a:ext>
+            </a:extLst>
+          </p:cNvPr>
+          <p:cNvSpPr/>
+          <p:nvPr/>
+        </p:nvSpPr>
+        <p:spPr>
+          <a:xfrm rot="-5400000">
+            <a:off x="1044152" y="3241598"/>
+            <a:ext cx="1554000" cy="362100"/>
+          </a:xfrm>
+          <a:prstGeom prst="rect">
+            <a:avLst/>
+          </a:prstGeom>
+          <a:solidFill>
+            <a:srgbClr val="7030A0"/>
+          </a:solidFill>
+          <a:ln w="19050" cap="flat" cmpd="sng">
+            <a:solidFill>
+              <a:srgbClr val="7030A0"/>
+            </a:solidFill>
+            <a:prstDash val="solid"/>
+            <a:round/>
+            <a:headEnd type="none" w="sm" len="sm"/>
+            <a:tailEnd type="none" w="sm" len="sm"/>
+          </a:ln>
+        </p:spPr>
+        <p:txBody>
+          <a:bodyPr spcFirstLastPara="1" wrap="square" lIns="91425" tIns="45700" rIns="91425" bIns="45700" anchor="ctr" anchorCtr="0">
+            <a:noAutofit/>
+          </a:bodyPr>
+          <a:lstStyle/>
+          <a:p>
+            <a:pPr marL="0" marR="0" lvl="0" indent="0" algn="ctr" rtl="0">
+              <a:spcBef>
+                <a:spcPts val="0"/>
+              </a:spcBef>
+              <a:spcAft>
+                <a:spcPts val="0"/>
+              </a:spcAft>
+              <a:buNone/>
+            </a:pPr>
+            <a:r>
+              <a:rPr lang="en" sz="1050">
+                <a:solidFill>
+                  <a:schemeClr val="lt1"/>
+                </a:solidFill>
+                <a:latin typeface="Calibri"/>
+                <a:ea typeface="Calibri"/>
+                <a:cs typeface="Calibri"/>
+                <a:sym typeface="Calibri"/>
+              </a:rPr>
+              <a:t>ModelManager</a:t>
+            </a:r>
+            <a:endParaRPr sz="1050">
+              <a:solidFill>
+                <a:schemeClr val="lt1"/>
+              </a:solidFill>
+              <a:latin typeface="Calibri"/>
+              <a:ea typeface="Calibri"/>
+              <a:cs typeface="Calibri"/>
+              <a:sym typeface="Calibri"/>
+            </a:endParaRPr>
+          </a:p>
+        </p:txBody>
+      </p:sp>
+      <p:cxnSp>
+        <p:nvCxnSpPr>
+          <p:cNvPr id="73" name="Google Shape;270;p39">
+            <a:extLst>
+              <a:ext uri="{FF2B5EF4-FFF2-40B4-BE49-F238E27FC236}">
+                <a16:creationId xmlns:a16="http://schemas.microsoft.com/office/drawing/2014/main" id="{B0AB9171-6B26-4876-AAE0-DEAC5D97156F}"/>
+              </a:ext>
+            </a:extLst>
+          </p:cNvPr>
+          <p:cNvCxnSpPr>
+            <a:stCxn id="113" idx="1"/>
+            <a:endCxn id="90" idx="2"/>
+          </p:cNvCxnSpPr>
+          <p:nvPr/>
+        </p:nvCxnSpPr>
+        <p:spPr>
+          <a:xfrm rot="10800000" flipH="1">
+            <a:off x="1993719" y="3249130"/>
+            <a:ext cx="1249200" cy="288000"/>
+          </a:xfrm>
+          <a:prstGeom prst="bentConnector4">
+            <a:avLst>
+              <a:gd name="adj1" fmla="val -706"/>
+              <a:gd name="adj2" fmla="val 41973"/>
+            </a:avLst>
+          </a:prstGeom>
+          <a:gradFill>
+            <a:gsLst>
+              <a:gs pos="0">
+                <a:srgbClr val="FFA09D"/>
+              </a:gs>
+              <a:gs pos="35000">
+                <a:srgbClr val="FFBCBC"/>
+              </a:gs>
+              <a:gs pos="100000">
+                <a:srgbClr val="FFE2E2"/>
+              </a:gs>
+            </a:gsLst>
+            <a:lin ang="16200000" scaled="0"/>
+          </a:gradFill>
+          <a:ln w="19050" cap="flat" cmpd="sng">
+            <a:solidFill>
+              <a:srgbClr val="7030A0"/>
+            </a:solidFill>
+            <a:prstDash val="solid"/>
+            <a:round/>
+            <a:headEnd type="none" w="sm" len="sm"/>
+            <a:tailEnd type="stealth" w="med" len="med"/>
+          </a:ln>
+        </p:spPr>
+      </p:cxnSp>
+      <p:sp>
+        <p:nvSpPr>
+          <p:cNvPr id="74" name="Google Shape;273;p39">
+            <a:extLst>
+              <a:ext uri="{FF2B5EF4-FFF2-40B4-BE49-F238E27FC236}">
+                <a16:creationId xmlns:a16="http://schemas.microsoft.com/office/drawing/2014/main" id="{2A60276D-7440-4A10-B148-33F81AE991F7}"/>
+              </a:ext>
+            </a:extLst>
+          </p:cNvPr>
+          <p:cNvSpPr/>
+          <p:nvPr/>
+        </p:nvSpPr>
+        <p:spPr>
+          <a:xfrm rot="-5400000">
+            <a:off x="452826" y="3271271"/>
+            <a:ext cx="1292400" cy="362100"/>
+          </a:xfrm>
+          <a:prstGeom prst="rect">
+            <a:avLst/>
+          </a:prstGeom>
+          <a:solidFill>
+            <a:srgbClr val="7030A0"/>
+          </a:solidFill>
+          <a:ln w="19050" cap="flat" cmpd="sng">
+            <a:solidFill>
+              <a:srgbClr val="7030A0"/>
+            </a:solidFill>
+            <a:prstDash val="solid"/>
+            <a:round/>
+            <a:headEnd type="none" w="sm" len="sm"/>
+            <a:tailEnd type="none" w="sm" len="sm"/>
+          </a:ln>
+        </p:spPr>
+        <p:txBody>
+          <a:bodyPr spcFirstLastPara="1" wrap="square" lIns="91425" tIns="45700" rIns="91425" bIns="45700" anchor="ctr" anchorCtr="0">
+            <a:noAutofit/>
+          </a:bodyPr>
+          <a:lstStyle/>
+          <a:p>
+            <a:pPr marL="0" marR="0" lvl="0" indent="0" algn="ctr" rtl="0">
+              <a:spcBef>
+                <a:spcPts val="0"/>
+              </a:spcBef>
+              <a:spcAft>
+                <a:spcPts val="0"/>
+              </a:spcAft>
+              <a:buNone/>
+            </a:pPr>
+            <a:r>
+              <a:rPr lang="en" sz="1050">
+                <a:solidFill>
+                  <a:schemeClr val="lt1"/>
+                </a:solidFill>
+                <a:latin typeface="Calibri"/>
+                <a:ea typeface="Calibri"/>
+                <a:cs typeface="Calibri"/>
+                <a:sym typeface="Calibri"/>
+              </a:rPr>
+              <a:t>&lt;&lt;interface&gt;&gt;</a:t>
+            </a:r>
+            <a:endParaRPr/>
+          </a:p>
+          <a:p>
+            <a:pPr marL="0" marR="0" lvl="0" indent="0" algn="ctr" rtl="0">
+              <a:spcBef>
+                <a:spcPts val="0"/>
+              </a:spcBef>
+              <a:spcAft>
+                <a:spcPts val="0"/>
+              </a:spcAft>
+              <a:buNone/>
+            </a:pPr>
+            <a:r>
+              <a:rPr lang="en" sz="1050">
+                <a:solidFill>
+                  <a:schemeClr val="lt1"/>
+                </a:solidFill>
+                <a:latin typeface="Calibri"/>
+                <a:ea typeface="Calibri"/>
+                <a:cs typeface="Calibri"/>
+                <a:sym typeface="Calibri"/>
+              </a:rPr>
+              <a:t>Model</a:t>
+            </a:r>
+            <a:endParaRPr sz="1050">
+              <a:solidFill>
+                <a:schemeClr val="lt1"/>
+              </a:solidFill>
+              <a:latin typeface="Calibri"/>
+              <a:ea typeface="Calibri"/>
+              <a:cs typeface="Calibri"/>
+              <a:sym typeface="Calibri"/>
+            </a:endParaRPr>
+          </a:p>
+        </p:txBody>
+      </p:sp>
+      <p:sp>
+        <p:nvSpPr>
+          <p:cNvPr id="77" name="Google Shape;274;p39">
+            <a:extLst>
+              <a:ext uri="{FF2B5EF4-FFF2-40B4-BE49-F238E27FC236}">
+                <a16:creationId xmlns:a16="http://schemas.microsoft.com/office/drawing/2014/main" id="{E703985A-02E9-4735-A8E7-CED7AE7CE98B}"/>
+              </a:ext>
+            </a:extLst>
+          </p:cNvPr>
+          <p:cNvSpPr/>
+          <p:nvPr/>
+        </p:nvSpPr>
+        <p:spPr>
+          <a:xfrm rot="-5400000">
+            <a:off x="1224565" y="3363660"/>
+            <a:ext cx="319500" cy="183000"/>
+          </a:xfrm>
+          <a:prstGeom prst="triangle">
+            <a:avLst>
+              <a:gd name="adj" fmla="val 50000"/>
+            </a:avLst>
+          </a:prstGeom>
+          <a:solidFill>
+            <a:srgbClr val="7030A0"/>
+          </a:solidFill>
+          <a:ln w="19050" cap="flat" cmpd="sng">
+            <a:solidFill>
+              <a:srgbClr val="7030A0"/>
+            </a:solidFill>
+            <a:prstDash val="solid"/>
+            <a:round/>
+            <a:headEnd type="none" w="sm" len="sm"/>
+            <a:tailEnd type="none" w="sm" len="sm"/>
+          </a:ln>
+        </p:spPr>
+        <p:txBody>
+          <a:bodyPr spcFirstLastPara="1" wrap="square" lIns="91425" tIns="45700" rIns="91425" bIns="45700" anchor="ctr" anchorCtr="0">
+            <a:noAutofit/>
+          </a:bodyPr>
+          <a:lstStyle/>
+          <a:p>
+            <a:pPr marL="0" marR="0" lvl="0" indent="0" algn="ctr" rtl="0">
+              <a:spcBef>
+                <a:spcPts val="0"/>
+              </a:spcBef>
+              <a:spcAft>
+                <a:spcPts val="0"/>
+              </a:spcAft>
+              <a:buNone/>
+            </a:pPr>
+            <a:endParaRPr sz="1050">
+              <a:solidFill>
+                <a:schemeClr val="dk1"/>
+              </a:solidFill>
+              <a:latin typeface="Calibri"/>
+              <a:ea typeface="Calibri"/>
+              <a:cs typeface="Calibri"/>
+              <a:sym typeface="Calibri"/>
+            </a:endParaRPr>
+          </a:p>
+        </p:txBody>
+      </p:sp>
+      <p:cxnSp>
+        <p:nvCxnSpPr>
+          <p:cNvPr id="82" name="Google Shape;275;p39">
+            <a:extLst>
+              <a:ext uri="{FF2B5EF4-FFF2-40B4-BE49-F238E27FC236}">
+                <a16:creationId xmlns:a16="http://schemas.microsoft.com/office/drawing/2014/main" id="{496ED5F0-E7AA-4A38-8F66-630BCAA73706}"/>
+              </a:ext>
+            </a:extLst>
+          </p:cNvPr>
+          <p:cNvCxnSpPr>
+            <a:stCxn id="89" idx="3"/>
+            <a:endCxn id="71" idx="1"/>
+          </p:cNvCxnSpPr>
+          <p:nvPr/>
+        </p:nvCxnSpPr>
+        <p:spPr>
+          <a:xfrm>
+            <a:off x="2240110" y="3939903"/>
+            <a:ext cx="225000" cy="0"/>
+          </a:xfrm>
+          <a:prstGeom prst="straightConnector1">
+            <a:avLst/>
+          </a:prstGeom>
+          <a:gradFill>
+            <a:gsLst>
+              <a:gs pos="0">
+                <a:srgbClr val="FFA09D"/>
+              </a:gs>
+              <a:gs pos="35000">
+                <a:srgbClr val="FFBCBC"/>
+              </a:gs>
+              <a:gs pos="100000">
+                <a:srgbClr val="FFE2E2"/>
+              </a:gs>
+            </a:gsLst>
+            <a:lin ang="16200000" scaled="0"/>
+          </a:gradFill>
+          <a:ln w="19050" cap="flat" cmpd="sng">
+            <a:solidFill>
+              <a:srgbClr val="7030A0"/>
+            </a:solidFill>
+            <a:prstDash val="solid"/>
+            <a:round/>
+            <a:headEnd type="none" w="sm" len="sm"/>
+            <a:tailEnd type="stealth" w="med" len="med"/>
+          </a:ln>
+        </p:spPr>
+      </p:cxnSp>
+      <p:cxnSp>
+        <p:nvCxnSpPr>
+          <p:cNvPr id="87" name="Google Shape;277;p39">
+            <a:extLst>
+              <a:ext uri="{FF2B5EF4-FFF2-40B4-BE49-F238E27FC236}">
+                <a16:creationId xmlns:a16="http://schemas.microsoft.com/office/drawing/2014/main" id="{6AB5BC3D-90CC-40F4-A5F4-11A359F038DD}"/>
+              </a:ext>
+            </a:extLst>
+          </p:cNvPr>
+          <p:cNvCxnSpPr/>
+          <p:nvPr/>
+        </p:nvCxnSpPr>
+        <p:spPr>
+          <a:xfrm>
+            <a:off x="467527" y="3453198"/>
+            <a:ext cx="437700" cy="3900"/>
+          </a:xfrm>
+          <a:prstGeom prst="bentConnector3">
+            <a:avLst>
+              <a:gd name="adj1" fmla="val 50018"/>
+            </a:avLst>
+          </a:prstGeom>
+          <a:gradFill>
+            <a:gsLst>
+              <a:gs pos="0">
+                <a:srgbClr val="FFA09D"/>
+              </a:gs>
+              <a:gs pos="35000">
+                <a:srgbClr val="FFBCBC"/>
+              </a:gs>
+              <a:gs pos="100000">
+                <a:srgbClr val="FFE2E2"/>
+              </a:gs>
+            </a:gsLst>
+            <a:lin ang="16200000" scaled="0"/>
+          </a:gradFill>
+          <a:ln w="19050" cap="flat" cmpd="sng">
+            <a:solidFill>
+              <a:srgbClr val="BFBFBF"/>
+            </a:solidFill>
+            <a:prstDash val="dot"/>
+            <a:round/>
+            <a:headEnd type="none" w="sm" len="sm"/>
+            <a:tailEnd type="stealth" w="med" len="med"/>
+          </a:ln>
+        </p:spPr>
+      </p:cxnSp>
+      <p:cxnSp>
+        <p:nvCxnSpPr>
+          <p:cNvPr id="88" name="Google Shape;278;p39">
+            <a:extLst>
+              <a:ext uri="{FF2B5EF4-FFF2-40B4-BE49-F238E27FC236}">
+                <a16:creationId xmlns:a16="http://schemas.microsoft.com/office/drawing/2014/main" id="{0DE4DDCC-62F1-47E7-BA39-329B40E5E446}"/>
+              </a:ext>
+            </a:extLst>
+          </p:cNvPr>
+          <p:cNvCxnSpPr/>
+          <p:nvPr/>
+        </p:nvCxnSpPr>
+        <p:spPr>
+          <a:xfrm>
+            <a:off x="1475815" y="3455160"/>
+            <a:ext cx="235200" cy="0"/>
+          </a:xfrm>
+          <a:prstGeom prst="straightConnector1">
+            <a:avLst/>
+          </a:prstGeom>
+          <a:gradFill>
+            <a:gsLst>
+              <a:gs pos="0">
+                <a:srgbClr val="FFA09D"/>
+              </a:gs>
+              <a:gs pos="35000">
+                <a:srgbClr val="FFBCBC"/>
+              </a:gs>
+              <a:gs pos="100000">
+                <a:srgbClr val="FFE2E2"/>
+              </a:gs>
+            </a:gsLst>
+            <a:lin ang="16200000" scaled="0"/>
+          </a:gradFill>
+          <a:ln w="19050" cap="flat" cmpd="sng">
+            <a:solidFill>
+              <a:srgbClr val="7030A0"/>
+            </a:solidFill>
+            <a:prstDash val="dot"/>
+            <a:round/>
+            <a:headEnd type="none" w="sm" len="sm"/>
+            <a:tailEnd type="none" w="sm" len="sm"/>
+          </a:ln>
+        </p:spPr>
+      </p:cxnSp>
+      <p:sp>
+        <p:nvSpPr>
+          <p:cNvPr id="89" name="Google Shape;276;p39">
+            <a:extLst>
+              <a:ext uri="{FF2B5EF4-FFF2-40B4-BE49-F238E27FC236}">
+                <a16:creationId xmlns:a16="http://schemas.microsoft.com/office/drawing/2014/main" id="{ADE16B68-2173-4CB4-A614-9C1DAFB8C9BA}"/>
+              </a:ext>
+            </a:extLst>
+          </p:cNvPr>
+          <p:cNvSpPr/>
+          <p:nvPr/>
+        </p:nvSpPr>
+        <p:spPr>
+          <a:xfrm>
+            <a:off x="1993730" y="3837456"/>
+            <a:ext cx="246380" cy="204895"/>
+          </a:xfrm>
+          <a:prstGeom prst="flowChartDecision">
+            <a:avLst/>
+          </a:prstGeom>
+          <a:noFill/>
+          <a:ln w="19050" cap="flat" cmpd="sng">
+            <a:solidFill>
+              <a:srgbClr val="7030A0"/>
+            </a:solidFill>
+            <a:prstDash val="solid"/>
+            <a:round/>
+            <a:headEnd type="none" w="sm" len="sm"/>
+            <a:tailEnd type="none" w="sm" len="sm"/>
+          </a:ln>
+        </p:spPr>
+        <p:txBody>
+          <a:bodyPr spcFirstLastPara="1" wrap="square" lIns="91425" tIns="45700" rIns="91425" bIns="45700" anchor="ctr" anchorCtr="0">
+            <a:noAutofit/>
+          </a:bodyPr>
+          <a:lstStyle/>
+          <a:p>
+            <a:pPr marL="0" marR="0" lvl="0" indent="0" algn="ctr" rtl="0">
+              <a:spcBef>
+                <a:spcPts val="0"/>
+              </a:spcBef>
+              <a:spcAft>
+                <a:spcPts val="0"/>
+              </a:spcAft>
+              <a:buNone/>
+            </a:pPr>
+            <a:endParaRPr sz="1050">
+              <a:solidFill>
+                <a:schemeClr val="dk1"/>
+              </a:solidFill>
+              <a:latin typeface="Calibri"/>
+              <a:ea typeface="Calibri"/>
+              <a:cs typeface="Calibri"/>
+              <a:sym typeface="Calibri"/>
+            </a:endParaRPr>
+          </a:p>
+        </p:txBody>
+      </p:sp>
+      <p:sp>
+        <p:nvSpPr>
+          <p:cNvPr id="90" name="Google Shape;272;p39">
+            <a:extLst>
+              <a:ext uri="{FF2B5EF4-FFF2-40B4-BE49-F238E27FC236}">
+                <a16:creationId xmlns:a16="http://schemas.microsoft.com/office/drawing/2014/main" id="{5696E9E6-096B-471B-A21C-56E9FD28F82E}"/>
+              </a:ext>
+            </a:extLst>
+          </p:cNvPr>
+          <p:cNvSpPr/>
+          <p:nvPr/>
+        </p:nvSpPr>
+        <p:spPr>
+          <a:xfrm>
+            <a:off x="2464992" y="2853364"/>
+            <a:ext cx="1555800" cy="395700"/>
+          </a:xfrm>
+          <a:prstGeom prst="rect">
+            <a:avLst/>
+          </a:prstGeom>
+          <a:gradFill>
+            <a:gsLst>
+              <a:gs pos="0">
+                <a:srgbClr val="C8B2E9"/>
+              </a:gs>
+              <a:gs pos="35000">
+                <a:srgbClr val="D6CAED"/>
+              </a:gs>
+              <a:gs pos="100000">
+                <a:srgbClr val="EFE8FA"/>
+              </a:gs>
+            </a:gsLst>
+            <a:lin ang="16200000" scaled="0"/>
+          </a:gradFill>
+          <a:ln w="19050" cap="flat" cmpd="sng">
+            <a:solidFill>
+              <a:srgbClr val="7030A0"/>
+            </a:solidFill>
+            <a:prstDash val="solid"/>
+            <a:round/>
+            <a:headEnd type="none" w="sm" len="sm"/>
+            <a:tailEnd type="none" w="sm" len="sm"/>
+          </a:ln>
+        </p:spPr>
+        <p:txBody>
+          <a:bodyPr spcFirstLastPara="1" wrap="square" lIns="91425" tIns="45700" rIns="91425" bIns="45700" anchor="ctr" anchorCtr="0">
+            <a:noAutofit/>
+          </a:bodyPr>
+          <a:lstStyle/>
+          <a:p>
+            <a:pPr marL="0" marR="0" lvl="0" indent="0" algn="ctr" rtl="0">
+              <a:spcBef>
+                <a:spcPts val="0"/>
+              </a:spcBef>
+              <a:spcAft>
+                <a:spcPts val="0"/>
+              </a:spcAft>
+              <a:buNone/>
+            </a:pPr>
+            <a:r>
+              <a:rPr lang="en" sz="1050">
+                <a:solidFill>
+                  <a:srgbClr val="7030A0"/>
+                </a:solidFill>
+                <a:latin typeface="Calibri"/>
+                <a:ea typeface="Calibri"/>
+                <a:cs typeface="Calibri"/>
+                <a:sym typeface="Calibri"/>
+              </a:rPr>
+              <a:t>VersionedCardFolder</a:t>
+            </a:r>
+            <a:endParaRPr sz="1050">
+              <a:solidFill>
+                <a:srgbClr val="7030A0"/>
+              </a:solidFill>
+              <a:latin typeface="Calibri"/>
+              <a:ea typeface="Calibri"/>
+              <a:cs typeface="Calibri"/>
+              <a:sym typeface="Calibri"/>
+            </a:endParaRPr>
+          </a:p>
+        </p:txBody>
+      </p:sp>
+      <p:cxnSp>
+        <p:nvCxnSpPr>
+          <p:cNvPr id="91" name="Google Shape;279;p39">
+            <a:extLst>
+              <a:ext uri="{FF2B5EF4-FFF2-40B4-BE49-F238E27FC236}">
+                <a16:creationId xmlns:a16="http://schemas.microsoft.com/office/drawing/2014/main" id="{340F7FAE-32A4-4CBD-8C7F-D9CD59876C52}"/>
+              </a:ext>
+            </a:extLst>
+          </p:cNvPr>
+          <p:cNvCxnSpPr>
+            <a:stCxn id="92" idx="3"/>
+            <a:endCxn id="90" idx="1"/>
+          </p:cNvCxnSpPr>
+          <p:nvPr/>
+        </p:nvCxnSpPr>
+        <p:spPr>
+          <a:xfrm>
+            <a:off x="2255278" y="3038749"/>
+            <a:ext cx="209700" cy="12600"/>
+          </a:xfrm>
+          <a:prstGeom prst="straightConnector1">
+            <a:avLst/>
+          </a:prstGeom>
+          <a:gradFill>
+            <a:gsLst>
+              <a:gs pos="0">
+                <a:srgbClr val="FFA09D"/>
+              </a:gs>
+              <a:gs pos="35000">
+                <a:srgbClr val="FFBCBC"/>
+              </a:gs>
+              <a:gs pos="100000">
+                <a:srgbClr val="FFE2E2"/>
+              </a:gs>
+            </a:gsLst>
+            <a:lin ang="16200000" scaled="0"/>
+          </a:gradFill>
+          <a:ln w="19050" cap="flat" cmpd="sng">
+            <a:solidFill>
+              <a:srgbClr val="7030A0"/>
+            </a:solidFill>
+            <a:prstDash val="solid"/>
+            <a:round/>
+            <a:headEnd type="none" w="sm" len="sm"/>
+            <a:tailEnd type="stealth" w="med" len="med"/>
+          </a:ln>
+        </p:spPr>
+      </p:cxnSp>
+      <p:sp>
+        <p:nvSpPr>
+          <p:cNvPr id="92" name="Google Shape;280;p39">
+            <a:extLst>
+              <a:ext uri="{FF2B5EF4-FFF2-40B4-BE49-F238E27FC236}">
+                <a16:creationId xmlns:a16="http://schemas.microsoft.com/office/drawing/2014/main" id="{4D62B34B-7339-41F9-BA94-D612D5A1E19D}"/>
+              </a:ext>
+            </a:extLst>
+          </p:cNvPr>
+          <p:cNvSpPr/>
+          <p:nvPr/>
+        </p:nvSpPr>
+        <p:spPr>
+          <a:xfrm>
+            <a:off x="2008898" y="2936301"/>
+            <a:ext cx="246380" cy="204895"/>
+          </a:xfrm>
+          <a:prstGeom prst="flowChartDecision">
+            <a:avLst/>
+          </a:prstGeom>
+          <a:noFill/>
+          <a:ln w="19050" cap="flat" cmpd="sng">
+            <a:solidFill>
+              <a:srgbClr val="7030A0"/>
+            </a:solidFill>
+            <a:prstDash val="solid"/>
+            <a:round/>
+            <a:headEnd type="none" w="sm" len="sm"/>
+            <a:tailEnd type="none" w="sm" len="sm"/>
+          </a:ln>
+        </p:spPr>
+        <p:txBody>
+          <a:bodyPr spcFirstLastPara="1" wrap="square" lIns="91425" tIns="45700" rIns="91425" bIns="45700" anchor="ctr" anchorCtr="0">
+            <a:noAutofit/>
+          </a:bodyPr>
+          <a:lstStyle/>
+          <a:p>
+            <a:pPr marL="0" marR="0" lvl="0" indent="0" algn="ctr" rtl="0">
+              <a:spcBef>
+                <a:spcPts val="0"/>
+              </a:spcBef>
+              <a:spcAft>
+                <a:spcPts val="0"/>
+              </a:spcAft>
+              <a:buNone/>
+            </a:pPr>
+            <a:endParaRPr sz="1050">
+              <a:solidFill>
+                <a:schemeClr val="dk1"/>
+              </a:solidFill>
+              <a:latin typeface="Calibri"/>
+              <a:ea typeface="Calibri"/>
+              <a:cs typeface="Calibri"/>
+              <a:sym typeface="Calibri"/>
+            </a:endParaRPr>
+          </a:p>
+        </p:txBody>
+      </p:sp>
+      <p:sp>
+        <p:nvSpPr>
+          <p:cNvPr id="93" name="Google Shape;281;p39">
+            <a:extLst>
+              <a:ext uri="{FF2B5EF4-FFF2-40B4-BE49-F238E27FC236}">
+                <a16:creationId xmlns:a16="http://schemas.microsoft.com/office/drawing/2014/main" id="{64305280-3AFC-44D8-B670-966EB2C834F5}"/>
+              </a:ext>
+            </a:extLst>
+          </p:cNvPr>
+          <p:cNvSpPr/>
+          <p:nvPr/>
+        </p:nvSpPr>
+        <p:spPr>
+          <a:xfrm>
+            <a:off x="4414094" y="2853364"/>
+            <a:ext cx="1207500" cy="409800"/>
+          </a:xfrm>
+          <a:prstGeom prst="rect">
+            <a:avLst/>
+          </a:prstGeom>
+          <a:gradFill>
+            <a:gsLst>
+              <a:gs pos="0">
+                <a:srgbClr val="C8B2E9"/>
+              </a:gs>
+              <a:gs pos="35000">
+                <a:srgbClr val="D6CAED"/>
+              </a:gs>
+              <a:gs pos="100000">
+                <a:srgbClr val="EFE8FA"/>
+              </a:gs>
+            </a:gsLst>
+            <a:lin ang="16200000" scaled="0"/>
+          </a:gradFill>
+          <a:ln w="19050" cap="flat" cmpd="sng">
+            <a:solidFill>
+              <a:srgbClr val="7030A0"/>
+            </a:solidFill>
+            <a:prstDash val="solid"/>
+            <a:round/>
+            <a:headEnd type="none" w="sm" len="sm"/>
+            <a:tailEnd type="none" w="sm" len="sm"/>
+          </a:ln>
+        </p:spPr>
+        <p:txBody>
+          <a:bodyPr spcFirstLastPara="1" wrap="square" lIns="91425" tIns="45700" rIns="91425" bIns="45700" anchor="ctr" anchorCtr="0">
+            <a:noAutofit/>
+          </a:bodyPr>
+          <a:lstStyle/>
+          <a:p>
+            <a:pPr marL="0" marR="0" lvl="0" indent="0" algn="ctr" rtl="0">
+              <a:spcBef>
+                <a:spcPts val="0"/>
+              </a:spcBef>
+              <a:spcAft>
+                <a:spcPts val="0"/>
+              </a:spcAft>
+              <a:buNone/>
+            </a:pPr>
+            <a:r>
+              <a:rPr lang="en" sz="1050">
+                <a:solidFill>
+                  <a:srgbClr val="7030A0"/>
+                </a:solidFill>
+                <a:latin typeface="Calibri"/>
+                <a:ea typeface="Calibri"/>
+                <a:cs typeface="Calibri"/>
+                <a:sym typeface="Calibri"/>
+              </a:rPr>
+              <a:t>UniqueCardList</a:t>
+            </a:r>
+            <a:endParaRPr sz="1050">
+              <a:solidFill>
+                <a:srgbClr val="7030A0"/>
+              </a:solidFill>
+              <a:latin typeface="Calibri"/>
+              <a:ea typeface="Calibri"/>
+              <a:cs typeface="Calibri"/>
+              <a:sym typeface="Calibri"/>
+            </a:endParaRPr>
+          </a:p>
+        </p:txBody>
+      </p:sp>
+      <p:sp>
+        <p:nvSpPr>
+          <p:cNvPr id="94" name="Google Shape;282;p39">
+            <a:extLst>
+              <a:ext uri="{FF2B5EF4-FFF2-40B4-BE49-F238E27FC236}">
+                <a16:creationId xmlns:a16="http://schemas.microsoft.com/office/drawing/2014/main" id="{21A8615C-C0B9-474A-A206-ECC4851A4F2B}"/>
+              </a:ext>
+            </a:extLst>
+          </p:cNvPr>
+          <p:cNvSpPr/>
+          <p:nvPr/>
+        </p:nvSpPr>
+        <p:spPr>
+          <a:xfrm>
+            <a:off x="4030323" y="2941252"/>
+            <a:ext cx="246380" cy="204895"/>
+          </a:xfrm>
+          <a:prstGeom prst="flowChartDecision">
+            <a:avLst/>
+          </a:prstGeom>
+          <a:solidFill>
+            <a:srgbClr val="7030A0"/>
+          </a:solidFill>
+          <a:ln w="19050" cap="flat" cmpd="sng">
+            <a:solidFill>
+              <a:srgbClr val="7030A0"/>
+            </a:solidFill>
+            <a:prstDash val="solid"/>
+            <a:round/>
+            <a:headEnd type="none" w="sm" len="sm"/>
+            <a:tailEnd type="none" w="sm" len="sm"/>
+          </a:ln>
+        </p:spPr>
+        <p:txBody>
+          <a:bodyPr spcFirstLastPara="1" wrap="square" lIns="91425" tIns="45700" rIns="91425" bIns="45700" anchor="ctr" anchorCtr="0">
+            <a:noAutofit/>
+          </a:bodyPr>
+          <a:lstStyle/>
+          <a:p>
+            <a:pPr marL="0" marR="0" lvl="0" indent="0" algn="ctr" rtl="0">
+              <a:spcBef>
+                <a:spcPts val="0"/>
+              </a:spcBef>
+              <a:spcAft>
+                <a:spcPts val="0"/>
+              </a:spcAft>
+              <a:buNone/>
+            </a:pPr>
+            <a:endParaRPr sz="1050">
+              <a:solidFill>
+                <a:schemeClr val="dk1"/>
+              </a:solidFill>
+              <a:latin typeface="Calibri"/>
+              <a:ea typeface="Calibri"/>
+              <a:cs typeface="Calibri"/>
+              <a:sym typeface="Calibri"/>
+            </a:endParaRPr>
+          </a:p>
+        </p:txBody>
+      </p:sp>
+      <p:sp>
+        <p:nvSpPr>
+          <p:cNvPr id="95" name="Google Shape;283;p39">
+            <a:extLst>
+              <a:ext uri="{FF2B5EF4-FFF2-40B4-BE49-F238E27FC236}">
+                <a16:creationId xmlns:a16="http://schemas.microsoft.com/office/drawing/2014/main" id="{E0CB2261-1C3A-462E-BC16-8432C21B5F9F}"/>
+              </a:ext>
+            </a:extLst>
+          </p:cNvPr>
+          <p:cNvSpPr/>
+          <p:nvPr/>
+        </p:nvSpPr>
+        <p:spPr>
+          <a:xfrm>
+            <a:off x="6106070" y="2867423"/>
+            <a:ext cx="739200" cy="409800"/>
+          </a:xfrm>
+          <a:prstGeom prst="rect">
+            <a:avLst/>
+          </a:prstGeom>
+          <a:gradFill>
+            <a:gsLst>
+              <a:gs pos="0">
+                <a:srgbClr val="C8B2E9"/>
+              </a:gs>
+              <a:gs pos="35000">
+                <a:srgbClr val="D6CAED"/>
+              </a:gs>
+              <a:gs pos="100000">
+                <a:srgbClr val="EFE8FA"/>
+              </a:gs>
+            </a:gsLst>
+            <a:lin ang="16200000" scaled="0"/>
+          </a:gradFill>
+          <a:ln w="19050" cap="flat" cmpd="sng">
+            <a:solidFill>
+              <a:srgbClr val="7030A0"/>
+            </a:solidFill>
+            <a:prstDash val="solid"/>
+            <a:round/>
+            <a:headEnd type="none" w="sm" len="sm"/>
+            <a:tailEnd type="none" w="sm" len="sm"/>
+          </a:ln>
+        </p:spPr>
+        <p:txBody>
+          <a:bodyPr spcFirstLastPara="1" wrap="square" lIns="91425" tIns="45700" rIns="91425" bIns="45700" anchor="ctr" anchorCtr="0">
+            <a:noAutofit/>
+          </a:bodyPr>
+          <a:lstStyle/>
+          <a:p>
+            <a:pPr marL="0" marR="0" lvl="0" indent="0" algn="ctr" rtl="0">
+              <a:spcBef>
+                <a:spcPts val="0"/>
+              </a:spcBef>
+              <a:spcAft>
+                <a:spcPts val="0"/>
+              </a:spcAft>
+              <a:buNone/>
+            </a:pPr>
+            <a:r>
+              <a:rPr lang="en" sz="1050">
+                <a:solidFill>
+                  <a:srgbClr val="7030A0"/>
+                </a:solidFill>
+                <a:latin typeface="Calibri"/>
+                <a:ea typeface="Calibri"/>
+                <a:cs typeface="Calibri"/>
+                <a:sym typeface="Calibri"/>
+              </a:rPr>
+              <a:t>Card</a:t>
+            </a:r>
+            <a:endParaRPr sz="1050">
+              <a:solidFill>
+                <a:srgbClr val="7030A0"/>
+              </a:solidFill>
+              <a:latin typeface="Calibri"/>
+              <a:ea typeface="Calibri"/>
+              <a:cs typeface="Calibri"/>
+              <a:sym typeface="Calibri"/>
+            </a:endParaRPr>
+          </a:p>
+        </p:txBody>
+      </p:sp>
+      <p:sp>
+        <p:nvSpPr>
+          <p:cNvPr id="96" name="Google Shape;284;p39">
+            <a:extLst>
+              <a:ext uri="{FF2B5EF4-FFF2-40B4-BE49-F238E27FC236}">
+                <a16:creationId xmlns:a16="http://schemas.microsoft.com/office/drawing/2014/main" id="{81D93225-015C-49BC-BCB3-C230880D402E}"/>
+              </a:ext>
+            </a:extLst>
+          </p:cNvPr>
+          <p:cNvSpPr/>
+          <p:nvPr/>
+        </p:nvSpPr>
+        <p:spPr>
+          <a:xfrm>
+            <a:off x="5631234" y="2966239"/>
+            <a:ext cx="246380" cy="204895"/>
+          </a:xfrm>
+          <a:prstGeom prst="flowChartDecision">
+            <a:avLst/>
+          </a:prstGeom>
+          <a:noFill/>
+          <a:ln w="19050" cap="flat" cmpd="sng">
+            <a:solidFill>
+              <a:srgbClr val="7030A0"/>
+            </a:solidFill>
+            <a:prstDash val="solid"/>
+            <a:round/>
+            <a:headEnd type="none" w="sm" len="sm"/>
+            <a:tailEnd type="none" w="sm" len="sm"/>
+          </a:ln>
+        </p:spPr>
+        <p:txBody>
+          <a:bodyPr spcFirstLastPara="1" wrap="square" lIns="91425" tIns="45700" rIns="91425" bIns="45700" anchor="ctr" anchorCtr="0">
+            <a:noAutofit/>
+          </a:bodyPr>
+          <a:lstStyle/>
+          <a:p>
+            <a:pPr marL="0" marR="0" lvl="0" indent="0" algn="ctr" rtl="0">
+              <a:spcBef>
+                <a:spcPts val="0"/>
+              </a:spcBef>
+              <a:spcAft>
+                <a:spcPts val="0"/>
+              </a:spcAft>
+              <a:buNone/>
+            </a:pPr>
+            <a:endParaRPr sz="1050">
+              <a:solidFill>
+                <a:schemeClr val="dk1"/>
+              </a:solidFill>
+              <a:latin typeface="Calibri"/>
+              <a:ea typeface="Calibri"/>
+              <a:cs typeface="Calibri"/>
+              <a:sym typeface="Calibri"/>
+            </a:endParaRPr>
+          </a:p>
+        </p:txBody>
+      </p:sp>
+      <p:cxnSp>
+        <p:nvCxnSpPr>
+          <p:cNvPr id="98" name="Google Shape;285;p39">
+            <a:extLst>
+              <a:ext uri="{FF2B5EF4-FFF2-40B4-BE49-F238E27FC236}">
+                <a16:creationId xmlns:a16="http://schemas.microsoft.com/office/drawing/2014/main" id="{B9BD01E5-641D-4F8A-9151-81F5F46A67B0}"/>
+              </a:ext>
+            </a:extLst>
+          </p:cNvPr>
+          <p:cNvCxnSpPr>
+            <a:stCxn id="96" idx="3"/>
+            <a:endCxn id="95" idx="1"/>
+          </p:cNvCxnSpPr>
+          <p:nvPr/>
+        </p:nvCxnSpPr>
+        <p:spPr>
+          <a:xfrm>
+            <a:off x="5877614" y="3068687"/>
+            <a:ext cx="228600" cy="3600"/>
+          </a:xfrm>
+          <a:prstGeom prst="bentConnector3">
+            <a:avLst>
+              <a:gd name="adj1" fmla="val 49969"/>
+            </a:avLst>
+          </a:prstGeom>
+          <a:gradFill>
+            <a:gsLst>
+              <a:gs pos="0">
+                <a:srgbClr val="FFA09D"/>
+              </a:gs>
+              <a:gs pos="35000">
+                <a:srgbClr val="FFBCBC"/>
+              </a:gs>
+              <a:gs pos="100000">
+                <a:srgbClr val="FFE2E2"/>
+              </a:gs>
+            </a:gsLst>
+            <a:lin ang="16200000" scaled="0"/>
+          </a:gradFill>
+          <a:ln w="19050" cap="flat" cmpd="sng">
+            <a:solidFill>
+              <a:srgbClr val="7030A0"/>
+            </a:solidFill>
+            <a:prstDash val="solid"/>
+            <a:round/>
+            <a:headEnd type="none" w="sm" len="sm"/>
+            <a:tailEnd type="stealth" w="med" len="med"/>
+          </a:ln>
+        </p:spPr>
+      </p:cxnSp>
+      <p:sp>
+        <p:nvSpPr>
+          <p:cNvPr id="101" name="Google Shape;286;p39">
+            <a:extLst>
+              <a:ext uri="{FF2B5EF4-FFF2-40B4-BE49-F238E27FC236}">
+                <a16:creationId xmlns:a16="http://schemas.microsoft.com/office/drawing/2014/main" id="{648F1E9E-4DB6-4F4B-B5C3-4773812E87CE}"/>
+              </a:ext>
+            </a:extLst>
+          </p:cNvPr>
+          <p:cNvSpPr/>
+          <p:nvPr/>
+        </p:nvSpPr>
+        <p:spPr>
+          <a:xfrm>
+            <a:off x="7535862" y="2520198"/>
+            <a:ext cx="690000" cy="337500"/>
+          </a:xfrm>
+          <a:prstGeom prst="rect">
+            <a:avLst/>
+          </a:prstGeom>
+          <a:gradFill>
+            <a:gsLst>
+              <a:gs pos="0">
+                <a:srgbClr val="C8B2E9"/>
+              </a:gs>
+              <a:gs pos="35000">
+                <a:srgbClr val="D6CAED"/>
+              </a:gs>
+              <a:gs pos="100000">
+                <a:srgbClr val="EFE8FA"/>
+              </a:gs>
+            </a:gsLst>
+            <a:lin ang="16200000" scaled="0"/>
+          </a:gradFill>
+          <a:ln w="19050" cap="flat" cmpd="sng">
+            <a:solidFill>
+              <a:srgbClr val="7030A0"/>
+            </a:solidFill>
+            <a:prstDash val="solid"/>
+            <a:round/>
+            <a:headEnd type="none" w="sm" len="sm"/>
+            <a:tailEnd type="none" w="sm" len="sm"/>
+          </a:ln>
+        </p:spPr>
+        <p:txBody>
+          <a:bodyPr spcFirstLastPara="1" wrap="square" lIns="91425" tIns="45700" rIns="91425" bIns="45700" anchor="ctr" anchorCtr="0">
+            <a:noAutofit/>
+          </a:bodyPr>
+          <a:lstStyle/>
+          <a:p>
+            <a:pPr marL="0" marR="0" lvl="0" indent="0" algn="ctr" rtl="0">
+              <a:spcBef>
+                <a:spcPts val="0"/>
+              </a:spcBef>
+              <a:spcAft>
+                <a:spcPts val="0"/>
+              </a:spcAft>
+              <a:buNone/>
+            </a:pPr>
+            <a:r>
+              <a:rPr lang="en" sz="1050">
+                <a:solidFill>
+                  <a:srgbClr val="7030A0"/>
+                </a:solidFill>
+                <a:latin typeface="Calibri"/>
+                <a:ea typeface="Calibri"/>
+                <a:cs typeface="Calibri"/>
+                <a:sym typeface="Calibri"/>
+              </a:rPr>
+              <a:t>Question</a:t>
+            </a:r>
+            <a:endParaRPr sz="1050">
+              <a:solidFill>
+                <a:srgbClr val="7030A0"/>
+              </a:solidFill>
+              <a:latin typeface="Calibri"/>
+              <a:ea typeface="Calibri"/>
+              <a:cs typeface="Calibri"/>
+              <a:sym typeface="Calibri"/>
+            </a:endParaRPr>
+          </a:p>
+        </p:txBody>
+      </p:sp>
+      <p:sp>
+        <p:nvSpPr>
+          <p:cNvPr id="102" name="Google Shape;287;p39">
+            <a:extLst>
+              <a:ext uri="{FF2B5EF4-FFF2-40B4-BE49-F238E27FC236}">
+                <a16:creationId xmlns:a16="http://schemas.microsoft.com/office/drawing/2014/main" id="{6DE9F9B8-A60C-4AE7-973F-66F3BB581B19}"/>
+              </a:ext>
+            </a:extLst>
+          </p:cNvPr>
+          <p:cNvSpPr/>
+          <p:nvPr/>
+        </p:nvSpPr>
+        <p:spPr>
+          <a:xfrm>
+            <a:off x="6866217" y="2973950"/>
+            <a:ext cx="246380" cy="204895"/>
+          </a:xfrm>
+          <a:prstGeom prst="flowChartDecision">
+            <a:avLst/>
+          </a:prstGeom>
+          <a:solidFill>
+            <a:srgbClr val="7030A0"/>
+          </a:solidFill>
+          <a:ln w="19050" cap="flat" cmpd="sng">
+            <a:solidFill>
+              <a:srgbClr val="7030A0"/>
+            </a:solidFill>
+            <a:prstDash val="solid"/>
+            <a:round/>
+            <a:headEnd type="none" w="sm" len="sm"/>
+            <a:tailEnd type="none" w="sm" len="sm"/>
+          </a:ln>
+        </p:spPr>
+        <p:txBody>
+          <a:bodyPr spcFirstLastPara="1" wrap="square" lIns="91425" tIns="45700" rIns="91425" bIns="45700" anchor="ctr" anchorCtr="0">
+            <a:noAutofit/>
+          </a:bodyPr>
+          <a:lstStyle/>
+          <a:p>
+            <a:pPr marL="0" marR="0" lvl="0" indent="0" algn="ctr" rtl="0">
+              <a:spcBef>
+                <a:spcPts val="0"/>
+              </a:spcBef>
+              <a:spcAft>
+                <a:spcPts val="0"/>
+              </a:spcAft>
+              <a:buNone/>
+            </a:pPr>
+            <a:endParaRPr sz="1050">
+              <a:solidFill>
+                <a:schemeClr val="dk1"/>
+              </a:solidFill>
+              <a:latin typeface="Calibri"/>
+              <a:ea typeface="Calibri"/>
+              <a:cs typeface="Calibri"/>
+              <a:sym typeface="Calibri"/>
+            </a:endParaRPr>
+          </a:p>
+        </p:txBody>
+      </p:sp>
+      <p:cxnSp>
+        <p:nvCxnSpPr>
+          <p:cNvPr id="103" name="Google Shape;288;p39">
+            <a:extLst>
+              <a:ext uri="{FF2B5EF4-FFF2-40B4-BE49-F238E27FC236}">
+                <a16:creationId xmlns:a16="http://schemas.microsoft.com/office/drawing/2014/main" id="{F0E4B0F8-8501-4292-B099-AF05703D6181}"/>
+              </a:ext>
+            </a:extLst>
+          </p:cNvPr>
+          <p:cNvCxnSpPr/>
+          <p:nvPr/>
+        </p:nvCxnSpPr>
+        <p:spPr>
+          <a:xfrm rot="10800000" flipH="1">
+            <a:off x="7112602" y="2688435"/>
+            <a:ext cx="423300" cy="387600"/>
+          </a:xfrm>
+          <a:prstGeom prst="bentConnector3">
+            <a:avLst>
+              <a:gd name="adj1" fmla="val 50000"/>
+            </a:avLst>
+          </a:prstGeom>
+          <a:gradFill>
+            <a:gsLst>
+              <a:gs pos="0">
+                <a:srgbClr val="FFA09D"/>
+              </a:gs>
+              <a:gs pos="35000">
+                <a:srgbClr val="FFBCBC"/>
+              </a:gs>
+              <a:gs pos="100000">
+                <a:srgbClr val="FFE2E2"/>
+              </a:gs>
+            </a:gsLst>
+            <a:lin ang="16200000" scaled="0"/>
+          </a:gradFill>
+          <a:ln w="19050" cap="flat" cmpd="sng">
+            <a:solidFill>
+              <a:srgbClr val="7030A0"/>
+            </a:solidFill>
+            <a:prstDash val="solid"/>
+            <a:round/>
+            <a:headEnd type="none" w="sm" len="sm"/>
+            <a:tailEnd type="stealth" w="med" len="med"/>
+          </a:ln>
+        </p:spPr>
+      </p:cxnSp>
+      <p:sp>
+        <p:nvSpPr>
+          <p:cNvPr id="104" name="Google Shape;289;p39">
+            <a:extLst>
+              <a:ext uri="{FF2B5EF4-FFF2-40B4-BE49-F238E27FC236}">
+                <a16:creationId xmlns:a16="http://schemas.microsoft.com/office/drawing/2014/main" id="{500AAEC4-A947-4949-B00F-DF8084F7ED11}"/>
+              </a:ext>
+            </a:extLst>
+          </p:cNvPr>
+          <p:cNvSpPr/>
+          <p:nvPr/>
+        </p:nvSpPr>
+        <p:spPr>
+          <a:xfrm>
+            <a:off x="7535862" y="2901883"/>
+            <a:ext cx="690000" cy="337500"/>
+          </a:xfrm>
+          <a:prstGeom prst="rect">
+            <a:avLst/>
+          </a:prstGeom>
+          <a:gradFill>
+            <a:gsLst>
+              <a:gs pos="0">
+                <a:srgbClr val="C8B2E9"/>
+              </a:gs>
+              <a:gs pos="35000">
+                <a:srgbClr val="D6CAED"/>
+              </a:gs>
+              <a:gs pos="100000">
+                <a:srgbClr val="EFE8FA"/>
+              </a:gs>
+            </a:gsLst>
+            <a:lin ang="16200000" scaled="0"/>
+          </a:gradFill>
+          <a:ln w="19050" cap="flat" cmpd="sng">
+            <a:solidFill>
+              <a:srgbClr val="7030A0"/>
+            </a:solidFill>
+            <a:prstDash val="solid"/>
+            <a:round/>
+            <a:headEnd type="none" w="sm" len="sm"/>
+            <a:tailEnd type="none" w="sm" len="sm"/>
+          </a:ln>
+        </p:spPr>
+        <p:txBody>
+          <a:bodyPr spcFirstLastPara="1" wrap="square" lIns="91425" tIns="45700" rIns="91425" bIns="45700" anchor="ctr" anchorCtr="0">
+            <a:noAutofit/>
+          </a:bodyPr>
+          <a:lstStyle/>
+          <a:p>
+            <a:pPr marL="0" marR="0" lvl="0" indent="0" algn="ctr" rtl="0">
+              <a:spcBef>
+                <a:spcPts val="0"/>
+              </a:spcBef>
+              <a:spcAft>
+                <a:spcPts val="0"/>
+              </a:spcAft>
+              <a:buNone/>
+            </a:pPr>
+            <a:r>
+              <a:rPr lang="en" sz="1050">
+                <a:solidFill>
+                  <a:srgbClr val="7030A0"/>
+                </a:solidFill>
+                <a:latin typeface="Calibri"/>
+                <a:ea typeface="Calibri"/>
+                <a:cs typeface="Calibri"/>
+                <a:sym typeface="Calibri"/>
+              </a:rPr>
+              <a:t>Answer</a:t>
+            </a:r>
+            <a:endParaRPr sz="1050">
+              <a:solidFill>
+                <a:srgbClr val="7030A0"/>
+              </a:solidFill>
+              <a:latin typeface="Calibri"/>
+              <a:ea typeface="Calibri"/>
+              <a:cs typeface="Calibri"/>
+              <a:sym typeface="Calibri"/>
+            </a:endParaRPr>
+          </a:p>
+        </p:txBody>
+      </p:sp>
+      <p:cxnSp>
+        <p:nvCxnSpPr>
+          <p:cNvPr id="105" name="Google Shape;290;p39">
+            <a:extLst>
+              <a:ext uri="{FF2B5EF4-FFF2-40B4-BE49-F238E27FC236}">
+                <a16:creationId xmlns:a16="http://schemas.microsoft.com/office/drawing/2014/main" id="{698EF549-9FC0-427B-B1F4-851ABAC83EBC}"/>
+              </a:ext>
+            </a:extLst>
+          </p:cNvPr>
+          <p:cNvCxnSpPr>
+            <a:stCxn id="102" idx="3"/>
+            <a:endCxn id="104" idx="1"/>
+          </p:cNvCxnSpPr>
+          <p:nvPr/>
+        </p:nvCxnSpPr>
+        <p:spPr>
+          <a:xfrm rot="10800000" flipH="1">
+            <a:off x="7112597" y="3070698"/>
+            <a:ext cx="423300" cy="5700"/>
+          </a:xfrm>
+          <a:prstGeom prst="bentConnector3">
+            <a:avLst>
+              <a:gd name="adj1" fmla="val 50000"/>
+            </a:avLst>
+          </a:prstGeom>
+          <a:gradFill>
+            <a:gsLst>
+              <a:gs pos="0">
+                <a:srgbClr val="FFA09D"/>
+              </a:gs>
+              <a:gs pos="35000">
+                <a:srgbClr val="FFBCBC"/>
+              </a:gs>
+              <a:gs pos="100000">
+                <a:srgbClr val="FFE2E2"/>
+              </a:gs>
+            </a:gsLst>
+            <a:lin ang="16200000" scaled="0"/>
+          </a:gradFill>
+          <a:ln w="19050" cap="flat" cmpd="sng">
+            <a:solidFill>
+              <a:srgbClr val="7030A0"/>
+            </a:solidFill>
+            <a:prstDash val="solid"/>
+            <a:round/>
+            <a:headEnd type="none" w="sm" len="sm"/>
+            <a:tailEnd type="stealth" w="med" len="med"/>
+          </a:ln>
+        </p:spPr>
+      </p:cxnSp>
+      <p:sp>
+        <p:nvSpPr>
+          <p:cNvPr id="106" name="Google Shape;291;p39">
+            <a:extLst>
+              <a:ext uri="{FF2B5EF4-FFF2-40B4-BE49-F238E27FC236}">
+                <a16:creationId xmlns:a16="http://schemas.microsoft.com/office/drawing/2014/main" id="{2AC71937-9BD5-4107-8941-838947B1600B}"/>
+              </a:ext>
+            </a:extLst>
+          </p:cNvPr>
+          <p:cNvSpPr/>
+          <p:nvPr/>
+        </p:nvSpPr>
+        <p:spPr>
+          <a:xfrm>
+            <a:off x="7535862" y="3283568"/>
+            <a:ext cx="690000" cy="337500"/>
+          </a:xfrm>
+          <a:prstGeom prst="rect">
+            <a:avLst/>
+          </a:prstGeom>
+          <a:gradFill>
+            <a:gsLst>
+              <a:gs pos="0">
+                <a:srgbClr val="C8B2E9"/>
+              </a:gs>
+              <a:gs pos="35000">
+                <a:srgbClr val="D6CAED"/>
+              </a:gs>
+              <a:gs pos="100000">
+                <a:srgbClr val="EFE8FA"/>
+              </a:gs>
+            </a:gsLst>
+            <a:lin ang="16200000" scaled="0"/>
+          </a:gradFill>
+          <a:ln w="19050" cap="flat" cmpd="sng">
+            <a:solidFill>
+              <a:srgbClr val="7030A0"/>
+            </a:solidFill>
+            <a:prstDash val="solid"/>
+            <a:round/>
+            <a:headEnd type="none" w="sm" len="sm"/>
+            <a:tailEnd type="none" w="sm" len="sm"/>
+          </a:ln>
+        </p:spPr>
+        <p:txBody>
+          <a:bodyPr spcFirstLastPara="1" wrap="square" lIns="91425" tIns="45700" rIns="91425" bIns="45700" anchor="ctr" anchorCtr="0">
+            <a:noAutofit/>
+          </a:bodyPr>
+          <a:lstStyle/>
+          <a:p>
+            <a:pPr marL="0" marR="0" lvl="0" indent="0" algn="ctr" rtl="0">
+              <a:spcBef>
+                <a:spcPts val="0"/>
+              </a:spcBef>
+              <a:spcAft>
+                <a:spcPts val="0"/>
+              </a:spcAft>
+              <a:buNone/>
+            </a:pPr>
+            <a:r>
+              <a:rPr lang="en" sz="1050">
+                <a:solidFill>
+                  <a:srgbClr val="7030A0"/>
+                </a:solidFill>
+                <a:latin typeface="Calibri"/>
+                <a:ea typeface="Calibri"/>
+                <a:cs typeface="Calibri"/>
+                <a:sym typeface="Calibri"/>
+              </a:rPr>
+              <a:t>Hint</a:t>
+            </a:r>
+            <a:endParaRPr sz="1050">
+              <a:solidFill>
+                <a:srgbClr val="7030A0"/>
+              </a:solidFill>
+              <a:latin typeface="Calibri"/>
+              <a:ea typeface="Calibri"/>
+              <a:cs typeface="Calibri"/>
+              <a:sym typeface="Calibri"/>
+            </a:endParaRPr>
+          </a:p>
+        </p:txBody>
+      </p:sp>
+      <p:cxnSp>
+        <p:nvCxnSpPr>
+          <p:cNvPr id="108" name="Google Shape;292;p39">
+            <a:extLst>
+              <a:ext uri="{FF2B5EF4-FFF2-40B4-BE49-F238E27FC236}">
+                <a16:creationId xmlns:a16="http://schemas.microsoft.com/office/drawing/2014/main" id="{80797488-136A-49EE-9571-1109F229884B}"/>
+              </a:ext>
+            </a:extLst>
+          </p:cNvPr>
+          <p:cNvCxnSpPr>
+            <a:cxnSpLocks/>
+            <a:stCxn id="102" idx="3"/>
+            <a:endCxn id="106" idx="1"/>
+          </p:cNvCxnSpPr>
+          <p:nvPr/>
+        </p:nvCxnSpPr>
+        <p:spPr>
+          <a:xfrm>
+            <a:off x="7112597" y="3076398"/>
+            <a:ext cx="423300" cy="375900"/>
+          </a:xfrm>
+          <a:prstGeom prst="bentConnector3">
+            <a:avLst>
+              <a:gd name="adj1" fmla="val 50000"/>
+            </a:avLst>
+          </a:prstGeom>
+          <a:gradFill>
+            <a:gsLst>
+              <a:gs pos="0">
+                <a:srgbClr val="FFA09D"/>
+              </a:gs>
+              <a:gs pos="35000">
+                <a:srgbClr val="FFBCBC"/>
+              </a:gs>
+              <a:gs pos="100000">
+                <a:srgbClr val="FFE2E2"/>
+              </a:gs>
+            </a:gsLst>
+            <a:lin ang="16200000" scaled="0"/>
+          </a:gradFill>
+          <a:ln w="19050" cap="flat" cmpd="sng">
+            <a:solidFill>
+              <a:srgbClr val="7030A0"/>
+            </a:solidFill>
+            <a:prstDash val="solid"/>
+            <a:round/>
+            <a:headEnd type="none" w="sm" len="sm"/>
+            <a:tailEnd type="stealth" w="med" len="med"/>
+          </a:ln>
+        </p:spPr>
+      </p:cxnSp>
+      <p:sp>
+        <p:nvSpPr>
+          <p:cNvPr id="109" name="Google Shape;293;p39">
+            <a:extLst>
+              <a:ext uri="{FF2B5EF4-FFF2-40B4-BE49-F238E27FC236}">
+                <a16:creationId xmlns:a16="http://schemas.microsoft.com/office/drawing/2014/main" id="{C81CECFE-1E35-4F99-ADAA-DBE3956896C0}"/>
+              </a:ext>
+            </a:extLst>
+          </p:cNvPr>
+          <p:cNvSpPr/>
+          <p:nvPr/>
+        </p:nvSpPr>
+        <p:spPr>
+          <a:xfrm>
+            <a:off x="7535862" y="3665251"/>
+            <a:ext cx="690000" cy="337500"/>
+          </a:xfrm>
+          <a:prstGeom prst="rect">
+            <a:avLst/>
+          </a:prstGeom>
+          <a:gradFill>
+            <a:gsLst>
+              <a:gs pos="0">
+                <a:srgbClr val="C8B2E9"/>
+              </a:gs>
+              <a:gs pos="35000">
+                <a:srgbClr val="D6CAED"/>
+              </a:gs>
+              <a:gs pos="100000">
+                <a:srgbClr val="EFE8FA"/>
+              </a:gs>
+            </a:gsLst>
+            <a:lin ang="16200000" scaled="0"/>
+          </a:gradFill>
+          <a:ln w="19050" cap="flat" cmpd="sng">
+            <a:solidFill>
+              <a:srgbClr val="7030A0"/>
+            </a:solidFill>
+            <a:prstDash val="solid"/>
+            <a:round/>
+            <a:headEnd type="none" w="sm" len="sm"/>
+            <a:tailEnd type="none" w="sm" len="sm"/>
+          </a:ln>
+        </p:spPr>
+        <p:txBody>
+          <a:bodyPr spcFirstLastPara="1" wrap="square" lIns="91425" tIns="45700" rIns="91425" bIns="45700" anchor="ctr" anchorCtr="0">
+            <a:noAutofit/>
+          </a:bodyPr>
+          <a:lstStyle/>
+          <a:p>
+            <a:pPr marL="0" marR="0" lvl="0" indent="0" algn="ctr" rtl="0">
+              <a:spcBef>
+                <a:spcPts val="0"/>
+              </a:spcBef>
+              <a:spcAft>
+                <a:spcPts val="0"/>
+              </a:spcAft>
+              <a:buNone/>
+            </a:pPr>
+            <a:r>
+              <a:rPr lang="en" sz="1050">
+                <a:solidFill>
+                  <a:srgbClr val="7030A0"/>
+                </a:solidFill>
+                <a:latin typeface="Calibri"/>
+                <a:ea typeface="Calibri"/>
+                <a:cs typeface="Calibri"/>
+                <a:sym typeface="Calibri"/>
+              </a:rPr>
+              <a:t>Option</a:t>
+            </a:r>
+            <a:endParaRPr sz="1050">
+              <a:solidFill>
+                <a:srgbClr val="7030A0"/>
+              </a:solidFill>
+              <a:latin typeface="Calibri"/>
+              <a:ea typeface="Calibri"/>
+              <a:cs typeface="Calibri"/>
+              <a:sym typeface="Calibri"/>
+            </a:endParaRPr>
+          </a:p>
+        </p:txBody>
+      </p:sp>
+      <p:cxnSp>
+        <p:nvCxnSpPr>
+          <p:cNvPr id="110" name="Google Shape;294;p39">
+            <a:extLst>
+              <a:ext uri="{FF2B5EF4-FFF2-40B4-BE49-F238E27FC236}">
+                <a16:creationId xmlns:a16="http://schemas.microsoft.com/office/drawing/2014/main" id="{83D568C1-16A7-4726-ACA9-F19A65315163}"/>
+              </a:ext>
+            </a:extLst>
+          </p:cNvPr>
+          <p:cNvCxnSpPr>
+            <a:cxnSpLocks/>
+            <a:stCxn id="102" idx="3"/>
+            <a:endCxn id="109" idx="1"/>
+          </p:cNvCxnSpPr>
+          <p:nvPr/>
+        </p:nvCxnSpPr>
+        <p:spPr>
+          <a:xfrm>
+            <a:off x="7112597" y="3076398"/>
+            <a:ext cx="423300" cy="757500"/>
+          </a:xfrm>
+          <a:prstGeom prst="bentConnector3">
+            <a:avLst>
+              <a:gd name="adj1" fmla="val 50000"/>
+            </a:avLst>
+          </a:prstGeom>
+          <a:gradFill>
+            <a:gsLst>
+              <a:gs pos="0">
+                <a:srgbClr val="FFA09D"/>
+              </a:gs>
+              <a:gs pos="35000">
+                <a:srgbClr val="FFBCBC"/>
+              </a:gs>
+              <a:gs pos="100000">
+                <a:srgbClr val="FFE2E2"/>
+              </a:gs>
+            </a:gsLst>
+            <a:lin ang="16200000" scaled="0"/>
+          </a:gradFill>
+          <a:ln w="19050" cap="flat" cmpd="sng">
+            <a:solidFill>
+              <a:srgbClr val="7030A0"/>
+            </a:solidFill>
+            <a:prstDash val="solid"/>
+            <a:round/>
+            <a:headEnd type="none" w="sm" len="sm"/>
+            <a:tailEnd type="stealth" w="med" len="med"/>
+          </a:ln>
+        </p:spPr>
+      </p:cxnSp>
+      <p:sp>
+        <p:nvSpPr>
+          <p:cNvPr id="111" name="Google Shape;295;p39">
+            <a:extLst>
+              <a:ext uri="{FF2B5EF4-FFF2-40B4-BE49-F238E27FC236}">
+                <a16:creationId xmlns:a16="http://schemas.microsoft.com/office/drawing/2014/main" id="{AA26DA64-20BD-4836-A785-C7244DA4778B}"/>
+              </a:ext>
+            </a:extLst>
+          </p:cNvPr>
+          <p:cNvSpPr/>
+          <p:nvPr/>
+        </p:nvSpPr>
+        <p:spPr>
+          <a:xfrm flipH="1">
+            <a:off x="4870116" y="2254738"/>
+            <a:ext cx="294600" cy="185700"/>
+          </a:xfrm>
+          <a:prstGeom prst="triangle">
+            <a:avLst>
+              <a:gd name="adj" fmla="val 50000"/>
+            </a:avLst>
+          </a:prstGeom>
+          <a:solidFill>
+            <a:srgbClr val="E5DFEC"/>
+          </a:solidFill>
+          <a:ln w="19050" cap="flat" cmpd="sng">
+            <a:solidFill>
+              <a:srgbClr val="7030A0"/>
+            </a:solidFill>
+            <a:prstDash val="solid"/>
+            <a:round/>
+            <a:headEnd type="none" w="sm" len="sm"/>
+            <a:tailEnd type="none" w="sm" len="sm"/>
+          </a:ln>
+        </p:spPr>
+        <p:txBody>
+          <a:bodyPr spcFirstLastPara="1" wrap="square" lIns="91425" tIns="45700" rIns="91425" bIns="45700" anchor="ctr" anchorCtr="0">
+            <a:noAutofit/>
+          </a:bodyPr>
+          <a:lstStyle/>
+          <a:p>
+            <a:pPr marL="0" marR="0" lvl="0" indent="0" algn="ctr" rtl="0">
+              <a:spcBef>
+                <a:spcPts val="0"/>
+              </a:spcBef>
+              <a:spcAft>
+                <a:spcPts val="0"/>
+              </a:spcAft>
+              <a:buNone/>
+            </a:pPr>
+            <a:endParaRPr sz="1050" b="1">
+              <a:solidFill>
+                <a:srgbClr val="92D050"/>
+              </a:solidFill>
+              <a:latin typeface="Calibri"/>
+              <a:ea typeface="Calibri"/>
+              <a:cs typeface="Calibri"/>
+              <a:sym typeface="Calibri"/>
+            </a:endParaRPr>
+          </a:p>
+        </p:txBody>
+      </p:sp>
+      <p:sp>
+        <p:nvSpPr>
+          <p:cNvPr id="112" name="Google Shape;296;p39">
+            <a:extLst>
+              <a:ext uri="{FF2B5EF4-FFF2-40B4-BE49-F238E27FC236}">
+                <a16:creationId xmlns:a16="http://schemas.microsoft.com/office/drawing/2014/main" id="{23888941-84D0-449F-83C0-1FAB18456A00}"/>
+              </a:ext>
+            </a:extLst>
+          </p:cNvPr>
+          <p:cNvSpPr/>
+          <p:nvPr/>
+        </p:nvSpPr>
+        <p:spPr>
+          <a:xfrm>
+            <a:off x="2489463" y="1811420"/>
+            <a:ext cx="1506900" cy="430500"/>
+          </a:xfrm>
+          <a:prstGeom prst="rect">
+            <a:avLst/>
+          </a:prstGeom>
+          <a:gradFill>
+            <a:gsLst>
+              <a:gs pos="0">
+                <a:srgbClr val="C8B2E9"/>
+              </a:gs>
+              <a:gs pos="35000">
+                <a:srgbClr val="D6CAED"/>
+              </a:gs>
+              <a:gs pos="100000">
+                <a:srgbClr val="EFE8FA"/>
+              </a:gs>
+            </a:gsLst>
+            <a:lin ang="16200000" scaled="0"/>
+          </a:gradFill>
+          <a:ln w="19050" cap="flat" cmpd="sng">
+            <a:solidFill>
+              <a:srgbClr val="7030A0"/>
+            </a:solidFill>
+            <a:prstDash val="solid"/>
+            <a:round/>
+            <a:headEnd type="none" w="sm" len="sm"/>
+            <a:tailEnd type="none" w="sm" len="sm"/>
+          </a:ln>
+        </p:spPr>
+        <p:txBody>
+          <a:bodyPr spcFirstLastPara="1" wrap="square" lIns="91425" tIns="45700" rIns="91425" bIns="45700" anchor="ctr" anchorCtr="0">
+            <a:noAutofit/>
+          </a:bodyPr>
+          <a:lstStyle/>
+          <a:p>
+            <a:pPr marL="0" marR="0" lvl="0" indent="0" algn="ctr" rtl="0">
+              <a:spcBef>
+                <a:spcPts val="0"/>
+              </a:spcBef>
+              <a:spcAft>
+                <a:spcPts val="0"/>
+              </a:spcAft>
+              <a:buNone/>
+            </a:pPr>
+            <a:r>
+              <a:rPr lang="en" sz="1050">
+                <a:solidFill>
+                  <a:srgbClr val="7030A0"/>
+                </a:solidFill>
+                <a:latin typeface="Calibri"/>
+                <a:ea typeface="Calibri"/>
+                <a:cs typeface="Calibri"/>
+                <a:sym typeface="Calibri"/>
+              </a:rPr>
+              <a:t>&lt;&lt;interface&gt;&gt;</a:t>
+            </a:r>
+            <a:br>
+              <a:rPr lang="en" sz="1050">
+                <a:solidFill>
+                  <a:srgbClr val="7030A0"/>
+                </a:solidFill>
+                <a:latin typeface="Calibri"/>
+                <a:ea typeface="Calibri"/>
+                <a:cs typeface="Calibri"/>
+                <a:sym typeface="Calibri"/>
+              </a:rPr>
+            </a:br>
+            <a:r>
+              <a:rPr lang="en" sz="1050">
+                <a:solidFill>
+                  <a:srgbClr val="7030A0"/>
+                </a:solidFill>
+                <a:latin typeface="Calibri"/>
+                <a:ea typeface="Calibri"/>
+                <a:cs typeface="Calibri"/>
+                <a:sym typeface="Calibri"/>
+              </a:rPr>
+              <a:t>ReadOnlyCardFolder</a:t>
+            </a:r>
+            <a:endParaRPr sz="1050">
+              <a:solidFill>
+                <a:srgbClr val="7030A0"/>
+              </a:solidFill>
+              <a:latin typeface="Calibri"/>
+              <a:ea typeface="Calibri"/>
+              <a:cs typeface="Calibri"/>
+              <a:sym typeface="Calibri"/>
+            </a:endParaRPr>
+          </a:p>
+        </p:txBody>
+      </p:sp>
+      <p:sp>
+        <p:nvSpPr>
+          <p:cNvPr id="113" name="Google Shape;271;p39">
+            <a:extLst>
+              <a:ext uri="{FF2B5EF4-FFF2-40B4-BE49-F238E27FC236}">
+                <a16:creationId xmlns:a16="http://schemas.microsoft.com/office/drawing/2014/main" id="{4836B679-EB09-4C3E-AC86-AFF2239EA9E4}"/>
+              </a:ext>
+            </a:extLst>
+          </p:cNvPr>
+          <p:cNvSpPr txBox="1"/>
+          <p:nvPr/>
+        </p:nvSpPr>
+        <p:spPr>
+          <a:xfrm>
+            <a:off x="1993719" y="3400780"/>
+            <a:ext cx="1041300" cy="272700"/>
+          </a:xfrm>
+          <a:prstGeom prst="rect">
+            <a:avLst/>
+          </a:prstGeom>
+          <a:noFill/>
+          <a:ln>
+            <a:noFill/>
+          </a:ln>
+        </p:spPr>
+        <p:txBody>
+          <a:bodyPr spcFirstLastPara="1" wrap="square" lIns="91425" tIns="45700" rIns="91425" bIns="45700" anchor="t" anchorCtr="0">
+            <a:noAutofit/>
+          </a:bodyPr>
+          <a:lstStyle/>
+          <a:p>
+            <a:pPr marL="0" marR="0" lvl="0" indent="0" algn="r" rtl="0">
+              <a:spcBef>
+                <a:spcPts val="0"/>
+              </a:spcBef>
+              <a:spcAft>
+                <a:spcPts val="0"/>
+              </a:spcAft>
+              <a:buNone/>
+            </a:pPr>
+            <a:r>
+              <a:rPr lang="en" sz="1100">
+                <a:solidFill>
+                  <a:srgbClr val="7030A0"/>
+                </a:solidFill>
+                <a:latin typeface="Calibri"/>
+                <a:ea typeface="Calibri"/>
+                <a:cs typeface="Calibri"/>
+                <a:sym typeface="Calibri"/>
+              </a:rPr>
+              <a:t>filtered list</a:t>
+            </a:r>
+            <a:endParaRPr sz="1100">
+              <a:solidFill>
+                <a:srgbClr val="7030A0"/>
+              </a:solidFill>
+              <a:latin typeface="Calibri"/>
+              <a:ea typeface="Calibri"/>
+              <a:cs typeface="Calibri"/>
+              <a:sym typeface="Calibri"/>
+            </a:endParaRPr>
+          </a:p>
+        </p:txBody>
+      </p:sp>
+      <p:sp>
+        <p:nvSpPr>
+          <p:cNvPr id="115" name="Google Shape;297;p39">
+            <a:extLst>
+              <a:ext uri="{FF2B5EF4-FFF2-40B4-BE49-F238E27FC236}">
+                <a16:creationId xmlns:a16="http://schemas.microsoft.com/office/drawing/2014/main" id="{01271B8A-B7DD-435E-BCDB-C20BB6722810}"/>
+              </a:ext>
+            </a:extLst>
+          </p:cNvPr>
+          <p:cNvSpPr/>
+          <p:nvPr/>
+        </p:nvSpPr>
+        <p:spPr>
+          <a:xfrm>
+            <a:off x="929564" y="1817416"/>
+            <a:ext cx="1113300" cy="409800"/>
+          </a:xfrm>
+          <a:prstGeom prst="rect">
+            <a:avLst/>
+          </a:prstGeom>
+          <a:gradFill>
+            <a:gsLst>
+              <a:gs pos="0">
+                <a:srgbClr val="C8B2E9"/>
+              </a:gs>
+              <a:gs pos="35000">
+                <a:srgbClr val="D6CAED"/>
+              </a:gs>
+              <a:gs pos="100000">
+                <a:srgbClr val="EFE8FA"/>
+              </a:gs>
+            </a:gsLst>
+            <a:lin ang="16200000" scaled="0"/>
+          </a:gradFill>
+          <a:ln w="19050" cap="flat" cmpd="sng">
+            <a:solidFill>
+              <a:srgbClr val="7030A0"/>
+            </a:solidFill>
+            <a:prstDash val="solid"/>
+            <a:round/>
+            <a:headEnd type="none" w="sm" len="sm"/>
+            <a:tailEnd type="none" w="sm" len="sm"/>
+          </a:ln>
+        </p:spPr>
+        <p:txBody>
+          <a:bodyPr spcFirstLastPara="1" wrap="square" lIns="91425" tIns="45700" rIns="91425" bIns="45700" anchor="ctr" anchorCtr="0">
+            <a:noAutofit/>
+          </a:bodyPr>
+          <a:lstStyle/>
+          <a:p>
+            <a:pPr marL="0" marR="0" lvl="0" indent="0" algn="ctr" rtl="0">
+              <a:spcBef>
+                <a:spcPts val="0"/>
+              </a:spcBef>
+              <a:spcAft>
+                <a:spcPts val="0"/>
+              </a:spcAft>
+              <a:buNone/>
+            </a:pPr>
+            <a:r>
+              <a:rPr lang="en" sz="1050">
+                <a:solidFill>
+                  <a:srgbClr val="7030A0"/>
+                </a:solidFill>
+                <a:latin typeface="Calibri"/>
+                <a:ea typeface="Calibri"/>
+                <a:cs typeface="Calibri"/>
+                <a:sym typeface="Calibri"/>
+              </a:rPr>
+              <a:t>&lt;&lt;interface&gt;&gt;</a:t>
+            </a:r>
+            <a:br>
+              <a:rPr lang="en" sz="1050">
+                <a:solidFill>
+                  <a:srgbClr val="7030A0"/>
+                </a:solidFill>
+                <a:latin typeface="Calibri"/>
+                <a:ea typeface="Calibri"/>
+                <a:cs typeface="Calibri"/>
+                <a:sym typeface="Calibri"/>
+              </a:rPr>
+            </a:br>
+            <a:r>
+              <a:rPr lang="en" sz="1050">
+                <a:solidFill>
+                  <a:srgbClr val="7030A0"/>
+                </a:solidFill>
+                <a:latin typeface="Calibri"/>
+                <a:ea typeface="Calibri"/>
+                <a:cs typeface="Calibri"/>
+                <a:sym typeface="Calibri"/>
+              </a:rPr>
+              <a:t>Observable</a:t>
+            </a:r>
+            <a:endParaRPr sz="1050">
+              <a:solidFill>
+                <a:srgbClr val="7030A0"/>
+              </a:solidFill>
+              <a:latin typeface="Calibri"/>
+              <a:ea typeface="Calibri"/>
+              <a:cs typeface="Calibri"/>
+              <a:sym typeface="Calibri"/>
+            </a:endParaRPr>
+          </a:p>
+        </p:txBody>
+      </p:sp>
+      <p:cxnSp>
+        <p:nvCxnSpPr>
+          <p:cNvPr id="116" name="Google Shape;298;p39">
+            <a:extLst>
+              <a:ext uri="{FF2B5EF4-FFF2-40B4-BE49-F238E27FC236}">
+                <a16:creationId xmlns:a16="http://schemas.microsoft.com/office/drawing/2014/main" id="{5BAFE7DF-D023-4707-BE98-677F276BC90F}"/>
+              </a:ext>
+            </a:extLst>
+          </p:cNvPr>
+          <p:cNvCxnSpPr>
+            <a:stCxn id="74" idx="3"/>
+            <a:endCxn id="133" idx="3"/>
+          </p:cNvCxnSpPr>
+          <p:nvPr/>
+        </p:nvCxnSpPr>
+        <p:spPr>
+          <a:xfrm rot="-5400000">
+            <a:off x="1087926" y="2474321"/>
+            <a:ext cx="342900" cy="320700"/>
+          </a:xfrm>
+          <a:prstGeom prst="bentConnector3">
+            <a:avLst>
+              <a:gd name="adj1" fmla="val 49996"/>
+            </a:avLst>
+          </a:prstGeom>
+          <a:gradFill>
+            <a:gsLst>
+              <a:gs pos="0">
+                <a:srgbClr val="FFA09D"/>
+              </a:gs>
+              <a:gs pos="35000">
+                <a:srgbClr val="FFBCBC"/>
+              </a:gs>
+              <a:gs pos="100000">
+                <a:srgbClr val="FFE2E2"/>
+              </a:gs>
+            </a:gsLst>
+            <a:lin ang="16200000" scaled="0"/>
+          </a:gradFill>
+          <a:ln w="19050" cap="flat" cmpd="sng">
+            <a:solidFill>
+              <a:srgbClr val="7030A0"/>
+            </a:solidFill>
+            <a:prstDash val="solid"/>
+            <a:round/>
+            <a:headEnd type="none" w="sm" len="sm"/>
+            <a:tailEnd type="none" w="med" len="med"/>
+          </a:ln>
+        </p:spPr>
+      </p:cxnSp>
+      <p:sp>
+        <p:nvSpPr>
+          <p:cNvPr id="117" name="Google Shape;300;p39">
+            <a:extLst>
+              <a:ext uri="{FF2B5EF4-FFF2-40B4-BE49-F238E27FC236}">
+                <a16:creationId xmlns:a16="http://schemas.microsoft.com/office/drawing/2014/main" id="{79C80EAF-B34F-4C07-A006-79A4E88BFF0B}"/>
+              </a:ext>
+            </a:extLst>
+          </p:cNvPr>
+          <p:cNvSpPr txBox="1"/>
+          <p:nvPr/>
+        </p:nvSpPr>
+        <p:spPr>
+          <a:xfrm>
+            <a:off x="4139926" y="3166907"/>
+            <a:ext cx="197400" cy="211200"/>
+          </a:xfrm>
+          <a:prstGeom prst="rect">
+            <a:avLst/>
+          </a:prstGeom>
+          <a:noFill/>
+          <a:ln>
+            <a:noFill/>
+          </a:ln>
+        </p:spPr>
+        <p:txBody>
+          <a:bodyPr spcFirstLastPara="1" wrap="square" lIns="0" tIns="0" rIns="0" bIns="0" anchor="t" anchorCtr="0">
+            <a:noAutofit/>
+          </a:bodyPr>
+          <a:lstStyle/>
+          <a:p>
+            <a:pPr marL="0" marR="0" lvl="0" indent="0" algn="ctr" rtl="0">
+              <a:spcBef>
+                <a:spcPts val="0"/>
+              </a:spcBef>
+              <a:spcAft>
+                <a:spcPts val="0"/>
+              </a:spcAft>
+              <a:buNone/>
+            </a:pPr>
+            <a:r>
+              <a:rPr lang="en" sz="1100">
+                <a:solidFill>
+                  <a:srgbClr val="7030A0"/>
+                </a:solidFill>
+                <a:latin typeface="Calibri"/>
+                <a:ea typeface="Calibri"/>
+                <a:cs typeface="Calibri"/>
+                <a:sym typeface="Calibri"/>
+              </a:rPr>
+              <a:t>1</a:t>
+            </a:r>
+            <a:endParaRPr sz="1100">
+              <a:solidFill>
+                <a:srgbClr val="7030A0"/>
+              </a:solidFill>
+              <a:latin typeface="Calibri"/>
+              <a:ea typeface="Calibri"/>
+              <a:cs typeface="Calibri"/>
+              <a:sym typeface="Calibri"/>
+            </a:endParaRPr>
+          </a:p>
+        </p:txBody>
+      </p:sp>
+      <p:sp>
+        <p:nvSpPr>
+          <p:cNvPr id="121" name="Google Shape;301;p39">
+            <a:extLst>
+              <a:ext uri="{FF2B5EF4-FFF2-40B4-BE49-F238E27FC236}">
+                <a16:creationId xmlns:a16="http://schemas.microsoft.com/office/drawing/2014/main" id="{EC25C8F8-4ADF-4CC6-BB5D-11B5068EB3A5}"/>
+              </a:ext>
+            </a:extLst>
+          </p:cNvPr>
+          <p:cNvSpPr txBox="1"/>
+          <p:nvPr/>
+        </p:nvSpPr>
+        <p:spPr>
+          <a:xfrm>
+            <a:off x="5919841" y="3150880"/>
+            <a:ext cx="197400" cy="211200"/>
+          </a:xfrm>
+          <a:prstGeom prst="rect">
+            <a:avLst/>
+          </a:prstGeom>
+          <a:noFill/>
+          <a:ln>
+            <a:noFill/>
+          </a:ln>
+        </p:spPr>
+        <p:txBody>
+          <a:bodyPr spcFirstLastPara="1" wrap="square" lIns="0" tIns="0" rIns="0" bIns="0" anchor="t" anchorCtr="0">
+            <a:noAutofit/>
+          </a:bodyPr>
+          <a:lstStyle/>
+          <a:p>
+            <a:pPr marL="0" marR="0" lvl="0" indent="0" algn="ctr" rtl="0">
+              <a:spcBef>
+                <a:spcPts val="0"/>
+              </a:spcBef>
+              <a:spcAft>
+                <a:spcPts val="0"/>
+              </a:spcAft>
+              <a:buNone/>
+            </a:pPr>
+            <a:r>
+              <a:rPr lang="en" sz="1100">
+                <a:solidFill>
+                  <a:srgbClr val="7030A0"/>
+                </a:solidFill>
+                <a:latin typeface="Calibri"/>
+                <a:ea typeface="Calibri"/>
+                <a:cs typeface="Calibri"/>
+                <a:sym typeface="Calibri"/>
+              </a:rPr>
+              <a:t>*</a:t>
+            </a:r>
+            <a:endParaRPr sz="1100">
+              <a:solidFill>
+                <a:srgbClr val="7030A0"/>
+              </a:solidFill>
+              <a:latin typeface="Calibri"/>
+              <a:ea typeface="Calibri"/>
+              <a:cs typeface="Calibri"/>
+              <a:sym typeface="Calibri"/>
+            </a:endParaRPr>
+          </a:p>
+        </p:txBody>
+      </p:sp>
+      <p:sp>
+        <p:nvSpPr>
+          <p:cNvPr id="123" name="Google Shape;302;p39">
+            <a:extLst>
+              <a:ext uri="{FF2B5EF4-FFF2-40B4-BE49-F238E27FC236}">
+                <a16:creationId xmlns:a16="http://schemas.microsoft.com/office/drawing/2014/main" id="{233C0CAC-8F1B-4D72-ADAC-07A8C9A3D6C8}"/>
+              </a:ext>
+            </a:extLst>
+          </p:cNvPr>
+          <p:cNvSpPr txBox="1"/>
+          <p:nvPr/>
+        </p:nvSpPr>
+        <p:spPr>
+          <a:xfrm>
+            <a:off x="2163787" y="2811210"/>
+            <a:ext cx="283800" cy="162600"/>
+          </a:xfrm>
+          <a:prstGeom prst="rect">
+            <a:avLst/>
+          </a:prstGeom>
+          <a:noFill/>
+          <a:ln>
+            <a:noFill/>
+          </a:ln>
+        </p:spPr>
+        <p:txBody>
+          <a:bodyPr spcFirstLastPara="1" wrap="square" lIns="0" tIns="0" rIns="0" bIns="0" anchor="t" anchorCtr="0">
+            <a:noAutofit/>
+          </a:bodyPr>
+          <a:lstStyle/>
+          <a:p>
+            <a:pPr marL="0" marR="0" lvl="0" indent="0" algn="ctr" rtl="0">
+              <a:spcBef>
+                <a:spcPts val="0"/>
+              </a:spcBef>
+              <a:spcAft>
+                <a:spcPts val="0"/>
+              </a:spcAft>
+              <a:buNone/>
+            </a:pPr>
+            <a:r>
+              <a:rPr lang="en" sz="1100">
+                <a:solidFill>
+                  <a:srgbClr val="7030A0"/>
+                </a:solidFill>
+                <a:latin typeface="Calibri"/>
+                <a:ea typeface="Calibri"/>
+                <a:cs typeface="Calibri"/>
+                <a:sym typeface="Calibri"/>
+              </a:rPr>
+              <a:t>1..n</a:t>
+            </a:r>
+            <a:endParaRPr sz="1100">
+              <a:solidFill>
+                <a:srgbClr val="7030A0"/>
+              </a:solidFill>
+              <a:latin typeface="Calibri"/>
+              <a:ea typeface="Calibri"/>
+              <a:cs typeface="Calibri"/>
+              <a:sym typeface="Calibri"/>
+            </a:endParaRPr>
+          </a:p>
+        </p:txBody>
+      </p:sp>
+      <p:sp>
+        <p:nvSpPr>
+          <p:cNvPr id="125" name="Google Shape;303;p39">
+            <a:extLst>
+              <a:ext uri="{FF2B5EF4-FFF2-40B4-BE49-F238E27FC236}">
+                <a16:creationId xmlns:a16="http://schemas.microsoft.com/office/drawing/2014/main" id="{C7C71B8A-92B4-45B8-AA21-E977E7862BB6}"/>
+              </a:ext>
+            </a:extLst>
+          </p:cNvPr>
+          <p:cNvSpPr txBox="1"/>
+          <p:nvPr/>
+        </p:nvSpPr>
+        <p:spPr>
+          <a:xfrm>
+            <a:off x="2261364" y="3976677"/>
+            <a:ext cx="197400" cy="211200"/>
+          </a:xfrm>
+          <a:prstGeom prst="rect">
+            <a:avLst/>
+          </a:prstGeom>
+          <a:noFill/>
+          <a:ln>
+            <a:noFill/>
+          </a:ln>
+        </p:spPr>
+        <p:txBody>
+          <a:bodyPr spcFirstLastPara="1" wrap="square" lIns="0" tIns="0" rIns="0" bIns="0" anchor="t" anchorCtr="0">
+            <a:noAutofit/>
+          </a:bodyPr>
+          <a:lstStyle/>
+          <a:p>
+            <a:pPr marL="0" marR="0" lvl="0" indent="0" algn="ctr" rtl="0">
+              <a:spcBef>
+                <a:spcPts val="0"/>
+              </a:spcBef>
+              <a:spcAft>
+                <a:spcPts val="0"/>
+              </a:spcAft>
+              <a:buNone/>
+            </a:pPr>
+            <a:r>
+              <a:rPr lang="en" sz="1100">
+                <a:solidFill>
+                  <a:srgbClr val="7030A0"/>
+                </a:solidFill>
+                <a:latin typeface="Calibri"/>
+                <a:ea typeface="Calibri"/>
+                <a:cs typeface="Calibri"/>
+                <a:sym typeface="Calibri"/>
+              </a:rPr>
+              <a:t>1</a:t>
+            </a:r>
+            <a:endParaRPr sz="1100">
+              <a:solidFill>
+                <a:srgbClr val="7030A0"/>
+              </a:solidFill>
+              <a:latin typeface="Calibri"/>
+              <a:ea typeface="Calibri"/>
+              <a:cs typeface="Calibri"/>
+              <a:sym typeface="Calibri"/>
+            </a:endParaRPr>
+          </a:p>
+        </p:txBody>
+      </p:sp>
+      <p:sp>
+        <p:nvSpPr>
+          <p:cNvPr id="126" name="Google Shape;304;p39">
+            <a:extLst>
+              <a:ext uri="{FF2B5EF4-FFF2-40B4-BE49-F238E27FC236}">
+                <a16:creationId xmlns:a16="http://schemas.microsoft.com/office/drawing/2014/main" id="{E19C9DF1-8279-4A06-9C4F-4FE683EFA2BC}"/>
+              </a:ext>
+            </a:extLst>
+          </p:cNvPr>
+          <p:cNvSpPr txBox="1"/>
+          <p:nvPr/>
+        </p:nvSpPr>
+        <p:spPr>
+          <a:xfrm>
+            <a:off x="3276453" y="3277222"/>
+            <a:ext cx="197400" cy="211200"/>
+          </a:xfrm>
+          <a:prstGeom prst="rect">
+            <a:avLst/>
+          </a:prstGeom>
+          <a:noFill/>
+          <a:ln>
+            <a:noFill/>
+          </a:ln>
+        </p:spPr>
+        <p:txBody>
+          <a:bodyPr spcFirstLastPara="1" wrap="square" lIns="0" tIns="0" rIns="0" bIns="0" anchor="t" anchorCtr="0">
+            <a:noAutofit/>
+          </a:bodyPr>
+          <a:lstStyle/>
+          <a:p>
+            <a:pPr marL="0" marR="0" lvl="0" indent="0" algn="ctr" rtl="0">
+              <a:spcBef>
+                <a:spcPts val="0"/>
+              </a:spcBef>
+              <a:spcAft>
+                <a:spcPts val="0"/>
+              </a:spcAft>
+              <a:buNone/>
+            </a:pPr>
+            <a:r>
+              <a:rPr lang="en" sz="1100">
+                <a:solidFill>
+                  <a:srgbClr val="7030A0"/>
+                </a:solidFill>
+                <a:latin typeface="Calibri"/>
+                <a:ea typeface="Calibri"/>
+                <a:cs typeface="Calibri"/>
+                <a:sym typeface="Calibri"/>
+              </a:rPr>
+              <a:t>1</a:t>
+            </a:r>
+            <a:endParaRPr sz="1100">
+              <a:solidFill>
+                <a:srgbClr val="7030A0"/>
+              </a:solidFill>
+              <a:latin typeface="Calibri"/>
+              <a:ea typeface="Calibri"/>
+              <a:cs typeface="Calibri"/>
+              <a:sym typeface="Calibri"/>
+            </a:endParaRPr>
+          </a:p>
+        </p:txBody>
+      </p:sp>
+      <p:sp>
+        <p:nvSpPr>
+          <p:cNvPr id="127" name="Google Shape;305;p39">
+            <a:extLst>
+              <a:ext uri="{FF2B5EF4-FFF2-40B4-BE49-F238E27FC236}">
+                <a16:creationId xmlns:a16="http://schemas.microsoft.com/office/drawing/2014/main" id="{B1B4F10C-7062-4C4F-A867-C5A3546307EB}"/>
+              </a:ext>
+            </a:extLst>
+          </p:cNvPr>
+          <p:cNvSpPr/>
+          <p:nvPr/>
+        </p:nvSpPr>
+        <p:spPr>
+          <a:xfrm>
+            <a:off x="4413686" y="1824248"/>
+            <a:ext cx="1207500" cy="430500"/>
+          </a:xfrm>
+          <a:prstGeom prst="rect">
+            <a:avLst/>
+          </a:prstGeom>
+          <a:gradFill>
+            <a:gsLst>
+              <a:gs pos="0">
+                <a:srgbClr val="C8B2E9"/>
+              </a:gs>
+              <a:gs pos="35000">
+                <a:srgbClr val="D6CAED"/>
+              </a:gs>
+              <a:gs pos="100000">
+                <a:srgbClr val="EFE8FA"/>
+              </a:gs>
+            </a:gsLst>
+            <a:lin ang="16200000" scaled="0"/>
+          </a:gradFill>
+          <a:ln w="19050" cap="flat" cmpd="sng">
+            <a:solidFill>
+              <a:srgbClr val="7030A0"/>
+            </a:solidFill>
+            <a:prstDash val="solid"/>
+            <a:round/>
+            <a:headEnd type="none" w="sm" len="sm"/>
+            <a:tailEnd type="none" w="sm" len="sm"/>
+          </a:ln>
+        </p:spPr>
+        <p:txBody>
+          <a:bodyPr spcFirstLastPara="1" wrap="square" lIns="91425" tIns="45700" rIns="91425" bIns="45700" anchor="ctr" anchorCtr="0">
+            <a:noAutofit/>
+          </a:bodyPr>
+          <a:lstStyle/>
+          <a:p>
+            <a:pPr marL="0" marR="0" lvl="0" indent="0" algn="ctr" rtl="0">
+              <a:spcBef>
+                <a:spcPts val="0"/>
+              </a:spcBef>
+              <a:spcAft>
+                <a:spcPts val="0"/>
+              </a:spcAft>
+              <a:buNone/>
+            </a:pPr>
+            <a:r>
+              <a:rPr lang="en" sz="1050">
+                <a:solidFill>
+                  <a:srgbClr val="7030A0"/>
+                </a:solidFill>
+                <a:latin typeface="Calibri"/>
+                <a:ea typeface="Calibri"/>
+                <a:cs typeface="Calibri"/>
+                <a:sym typeface="Calibri"/>
+              </a:rPr>
+              <a:t>CardFolder</a:t>
+            </a:r>
+            <a:endParaRPr sz="1050">
+              <a:solidFill>
+                <a:srgbClr val="7030A0"/>
+              </a:solidFill>
+              <a:latin typeface="Calibri"/>
+              <a:ea typeface="Calibri"/>
+              <a:cs typeface="Calibri"/>
+              <a:sym typeface="Calibri"/>
+            </a:endParaRPr>
+          </a:p>
+        </p:txBody>
+      </p:sp>
+      <p:cxnSp>
+        <p:nvCxnSpPr>
+          <p:cNvPr id="128" name="Google Shape;306;p39">
+            <a:extLst>
+              <a:ext uri="{FF2B5EF4-FFF2-40B4-BE49-F238E27FC236}">
+                <a16:creationId xmlns:a16="http://schemas.microsoft.com/office/drawing/2014/main" id="{C89DFF6C-EE7F-4A64-A014-8FBB24AA85C8}"/>
+              </a:ext>
+            </a:extLst>
+          </p:cNvPr>
+          <p:cNvCxnSpPr>
+            <a:stCxn id="94" idx="1"/>
+            <a:endCxn id="93" idx="1"/>
+          </p:cNvCxnSpPr>
+          <p:nvPr/>
+        </p:nvCxnSpPr>
+        <p:spPr>
+          <a:xfrm>
+            <a:off x="4030323" y="3043700"/>
+            <a:ext cx="383700" cy="14700"/>
+          </a:xfrm>
+          <a:prstGeom prst="straightConnector1">
+            <a:avLst/>
+          </a:prstGeom>
+          <a:gradFill>
+            <a:gsLst>
+              <a:gs pos="0">
+                <a:srgbClr val="FFA09D"/>
+              </a:gs>
+              <a:gs pos="35000">
+                <a:srgbClr val="FFBCBC"/>
+              </a:gs>
+              <a:gs pos="100000">
+                <a:srgbClr val="FFE2E2"/>
+              </a:gs>
+            </a:gsLst>
+            <a:lin ang="16200000" scaled="0"/>
+          </a:gradFill>
+          <a:ln w="19050" cap="flat" cmpd="sng">
+            <a:solidFill>
+              <a:srgbClr val="7030A0"/>
+            </a:solidFill>
+            <a:prstDash val="solid"/>
+            <a:round/>
+            <a:headEnd type="none" w="sm" len="sm"/>
+            <a:tailEnd type="stealth" w="med" len="med"/>
+          </a:ln>
+        </p:spPr>
+      </p:cxnSp>
+      <p:sp>
+        <p:nvSpPr>
+          <p:cNvPr id="129" name="Google Shape;307;p39">
+            <a:extLst>
+              <a:ext uri="{FF2B5EF4-FFF2-40B4-BE49-F238E27FC236}">
+                <a16:creationId xmlns:a16="http://schemas.microsoft.com/office/drawing/2014/main" id="{C35B2F15-3D8E-42E8-B882-897EF741F10C}"/>
+              </a:ext>
+            </a:extLst>
+          </p:cNvPr>
+          <p:cNvSpPr/>
+          <p:nvPr/>
+        </p:nvSpPr>
+        <p:spPr>
+          <a:xfrm rot="-5400000">
+            <a:off x="3933951" y="1928861"/>
+            <a:ext cx="320400" cy="195600"/>
+          </a:xfrm>
+          <a:prstGeom prst="triangle">
+            <a:avLst>
+              <a:gd name="adj" fmla="val 44517"/>
+            </a:avLst>
+          </a:prstGeom>
+          <a:solidFill>
+            <a:srgbClr val="E5DFEC"/>
+          </a:solidFill>
+          <a:ln w="19050" cap="flat" cmpd="sng">
+            <a:solidFill>
+              <a:srgbClr val="7030A0"/>
+            </a:solidFill>
+            <a:prstDash val="solid"/>
+            <a:round/>
+            <a:headEnd type="none" w="sm" len="sm"/>
+            <a:tailEnd type="none" w="sm" len="sm"/>
+          </a:ln>
+        </p:spPr>
+        <p:txBody>
+          <a:bodyPr spcFirstLastPara="1" wrap="square" lIns="91425" tIns="45700" rIns="91425" bIns="45700" anchor="ctr" anchorCtr="0">
+            <a:noAutofit/>
+          </a:bodyPr>
+          <a:lstStyle/>
+          <a:p>
+            <a:pPr marL="0" marR="0" lvl="0" indent="0" algn="ctr" rtl="0">
+              <a:spcBef>
+                <a:spcPts val="0"/>
+              </a:spcBef>
+              <a:spcAft>
+                <a:spcPts val="0"/>
+              </a:spcAft>
+              <a:buNone/>
+            </a:pPr>
+            <a:endParaRPr sz="1050">
+              <a:solidFill>
+                <a:schemeClr val="dk1"/>
+              </a:solidFill>
+              <a:latin typeface="Calibri"/>
+              <a:ea typeface="Calibri"/>
+              <a:cs typeface="Calibri"/>
+              <a:sym typeface="Calibri"/>
+            </a:endParaRPr>
+          </a:p>
+        </p:txBody>
+      </p:sp>
+      <p:sp>
+        <p:nvSpPr>
+          <p:cNvPr id="130" name="Google Shape;308;p39">
+            <a:extLst>
+              <a:ext uri="{FF2B5EF4-FFF2-40B4-BE49-F238E27FC236}">
+                <a16:creationId xmlns:a16="http://schemas.microsoft.com/office/drawing/2014/main" id="{8C3DBA24-4388-4830-9E2F-BF5BD73F217E}"/>
+              </a:ext>
+            </a:extLst>
+          </p:cNvPr>
+          <p:cNvSpPr/>
+          <p:nvPr/>
+        </p:nvSpPr>
+        <p:spPr>
+          <a:xfrm>
+            <a:off x="3940476" y="3732200"/>
+            <a:ext cx="1350300" cy="409800"/>
+          </a:xfrm>
+          <a:prstGeom prst="rect">
+            <a:avLst/>
+          </a:prstGeom>
+          <a:gradFill>
+            <a:gsLst>
+              <a:gs pos="0">
+                <a:srgbClr val="C8B2E9"/>
+              </a:gs>
+              <a:gs pos="35000">
+                <a:srgbClr val="D6CAED"/>
+              </a:gs>
+              <a:gs pos="100000">
+                <a:srgbClr val="EFE8FA"/>
+              </a:gs>
+            </a:gsLst>
+            <a:lin ang="16200000" scaled="0"/>
+          </a:gradFill>
+          <a:ln w="19050" cap="flat" cmpd="sng">
+            <a:solidFill>
+              <a:srgbClr val="7030A0"/>
+            </a:solidFill>
+            <a:prstDash val="solid"/>
+            <a:round/>
+            <a:headEnd type="none" w="sm" len="sm"/>
+            <a:tailEnd type="none" w="sm" len="sm"/>
+          </a:ln>
+        </p:spPr>
+        <p:txBody>
+          <a:bodyPr spcFirstLastPara="1" wrap="square" lIns="91425" tIns="45700" rIns="91425" bIns="45700" anchor="ctr" anchorCtr="0">
+            <a:noAutofit/>
+          </a:bodyPr>
+          <a:lstStyle/>
+          <a:p>
+            <a:pPr marL="0" marR="0" lvl="0" indent="0" algn="ctr" rtl="0">
+              <a:spcBef>
+                <a:spcPts val="0"/>
+              </a:spcBef>
+              <a:spcAft>
+                <a:spcPts val="0"/>
+              </a:spcAft>
+              <a:buNone/>
+            </a:pPr>
+            <a:r>
+              <a:rPr lang="en" sz="1050">
+                <a:solidFill>
+                  <a:srgbClr val="7030A0"/>
+                </a:solidFill>
+                <a:latin typeface="Calibri"/>
+                <a:ea typeface="Calibri"/>
+                <a:cs typeface="Calibri"/>
+                <a:sym typeface="Calibri"/>
+              </a:rPr>
+              <a:t>&lt;&lt;interface&gt;&gt;</a:t>
+            </a:r>
+            <a:endParaRPr/>
+          </a:p>
+          <a:p>
+            <a:pPr marL="0" marR="0" lvl="0" indent="0" algn="ctr" rtl="0">
+              <a:spcBef>
+                <a:spcPts val="0"/>
+              </a:spcBef>
+              <a:spcAft>
+                <a:spcPts val="0"/>
+              </a:spcAft>
+              <a:buNone/>
+            </a:pPr>
+            <a:r>
+              <a:rPr lang="en" sz="1050">
+                <a:solidFill>
+                  <a:srgbClr val="7030A0"/>
+                </a:solidFill>
+                <a:latin typeface="Calibri"/>
+                <a:ea typeface="Calibri"/>
+                <a:cs typeface="Calibri"/>
+                <a:sym typeface="Calibri"/>
+              </a:rPr>
+              <a:t>ReadOnlyUserPrefs</a:t>
+            </a:r>
+            <a:endParaRPr sz="1050">
+              <a:solidFill>
+                <a:srgbClr val="7030A0"/>
+              </a:solidFill>
+              <a:latin typeface="Calibri"/>
+              <a:ea typeface="Calibri"/>
+              <a:cs typeface="Calibri"/>
+              <a:sym typeface="Calibri"/>
+            </a:endParaRPr>
+          </a:p>
+        </p:txBody>
+      </p:sp>
+      <p:sp>
+        <p:nvSpPr>
+          <p:cNvPr id="131" name="Google Shape;309;p39">
+            <a:extLst>
+              <a:ext uri="{FF2B5EF4-FFF2-40B4-BE49-F238E27FC236}">
+                <a16:creationId xmlns:a16="http://schemas.microsoft.com/office/drawing/2014/main" id="{C2578608-F60E-4177-995A-5C938AFC29B5}"/>
+              </a:ext>
+            </a:extLst>
+          </p:cNvPr>
+          <p:cNvSpPr/>
+          <p:nvPr/>
+        </p:nvSpPr>
+        <p:spPr>
+          <a:xfrm rot="5400000" flipH="1">
+            <a:off x="3664625" y="3810651"/>
+            <a:ext cx="320400" cy="231300"/>
+          </a:xfrm>
+          <a:prstGeom prst="triangle">
+            <a:avLst>
+              <a:gd name="adj" fmla="val 44517"/>
+            </a:avLst>
+          </a:prstGeom>
+          <a:solidFill>
+            <a:srgbClr val="E5DFEC"/>
+          </a:solidFill>
+          <a:ln w="19050" cap="flat" cmpd="sng">
+            <a:solidFill>
+              <a:srgbClr val="7030A0"/>
+            </a:solidFill>
+            <a:prstDash val="solid"/>
+            <a:round/>
+            <a:headEnd type="none" w="sm" len="sm"/>
+            <a:tailEnd type="none" w="sm" len="sm"/>
+          </a:ln>
+        </p:spPr>
+        <p:txBody>
+          <a:bodyPr spcFirstLastPara="1" wrap="square" lIns="91425" tIns="45700" rIns="91425" bIns="45700" anchor="ctr" anchorCtr="0">
+            <a:noAutofit/>
+          </a:bodyPr>
+          <a:lstStyle/>
+          <a:p>
+            <a:pPr marL="0" marR="0" lvl="0" indent="0" algn="ctr" rtl="0">
+              <a:spcBef>
+                <a:spcPts val="0"/>
+              </a:spcBef>
+              <a:spcAft>
+                <a:spcPts val="0"/>
+              </a:spcAft>
+              <a:buNone/>
+            </a:pPr>
+            <a:endParaRPr sz="1050">
+              <a:solidFill>
+                <a:schemeClr val="dk1"/>
+              </a:solidFill>
+              <a:latin typeface="Calibri"/>
+              <a:ea typeface="Calibri"/>
+              <a:cs typeface="Calibri"/>
+              <a:sym typeface="Calibri"/>
+            </a:endParaRPr>
+          </a:p>
+        </p:txBody>
+      </p:sp>
+      <p:cxnSp>
+        <p:nvCxnSpPr>
+          <p:cNvPr id="132" name="Google Shape;310;p39">
+            <a:extLst>
+              <a:ext uri="{FF2B5EF4-FFF2-40B4-BE49-F238E27FC236}">
+                <a16:creationId xmlns:a16="http://schemas.microsoft.com/office/drawing/2014/main" id="{BC3298DB-9B7C-4E34-9256-A96553CA2D3E}"/>
+              </a:ext>
+            </a:extLst>
+          </p:cNvPr>
+          <p:cNvCxnSpPr>
+            <a:stCxn id="131" idx="3"/>
+            <a:endCxn id="71" idx="3"/>
+          </p:cNvCxnSpPr>
+          <p:nvPr/>
+        </p:nvCxnSpPr>
+        <p:spPr>
+          <a:xfrm rot="10800000">
+            <a:off x="3381275" y="3939969"/>
+            <a:ext cx="327900" cy="3900"/>
+          </a:xfrm>
+          <a:prstGeom prst="bentConnector3">
+            <a:avLst>
+              <a:gd name="adj1" fmla="val 50016"/>
+            </a:avLst>
+          </a:prstGeom>
+          <a:gradFill>
+            <a:gsLst>
+              <a:gs pos="0">
+                <a:srgbClr val="FFA09D"/>
+              </a:gs>
+              <a:gs pos="35000">
+                <a:srgbClr val="FFBCBC"/>
+              </a:gs>
+              <a:gs pos="100000">
+                <a:srgbClr val="FFE2E2"/>
+              </a:gs>
+            </a:gsLst>
+            <a:lin ang="16200000" scaled="0"/>
+          </a:gradFill>
+          <a:ln w="19050" cap="flat" cmpd="sng">
+            <a:solidFill>
+              <a:srgbClr val="7030A0"/>
+            </a:solidFill>
+            <a:prstDash val="dot"/>
+            <a:round/>
+            <a:headEnd type="none" w="sm" len="sm"/>
+            <a:tailEnd type="none" w="sm" len="sm"/>
+          </a:ln>
+        </p:spPr>
+      </p:cxnSp>
+      <p:sp>
+        <p:nvSpPr>
+          <p:cNvPr id="133" name="Google Shape;299;p39">
+            <a:extLst>
+              <a:ext uri="{FF2B5EF4-FFF2-40B4-BE49-F238E27FC236}">
+                <a16:creationId xmlns:a16="http://schemas.microsoft.com/office/drawing/2014/main" id="{E69419BA-C841-4BC6-8D9F-A6E79CD765E3}"/>
+              </a:ext>
+            </a:extLst>
+          </p:cNvPr>
+          <p:cNvSpPr/>
+          <p:nvPr/>
+        </p:nvSpPr>
+        <p:spPr>
+          <a:xfrm flipH="1">
+            <a:off x="1263750" y="2231947"/>
+            <a:ext cx="320400" cy="231300"/>
+          </a:xfrm>
+          <a:prstGeom prst="triangle">
+            <a:avLst>
+              <a:gd name="adj" fmla="val 51294"/>
+            </a:avLst>
+          </a:prstGeom>
+          <a:solidFill>
+            <a:srgbClr val="E5DFEC"/>
+          </a:solidFill>
+          <a:ln w="19050" cap="flat" cmpd="sng">
+            <a:solidFill>
+              <a:srgbClr val="7030A0"/>
+            </a:solidFill>
+            <a:prstDash val="solid"/>
+            <a:round/>
+            <a:headEnd type="none" w="sm" len="sm"/>
+            <a:tailEnd type="none" w="sm" len="sm"/>
+          </a:ln>
+        </p:spPr>
+        <p:txBody>
+          <a:bodyPr spcFirstLastPara="1" wrap="square" lIns="91425" tIns="45700" rIns="91425" bIns="45700" anchor="ctr" anchorCtr="0">
+            <a:noAutofit/>
+          </a:bodyPr>
+          <a:lstStyle/>
+          <a:p>
+            <a:pPr marL="0" marR="0" lvl="0" indent="0" algn="ctr" rtl="0">
+              <a:spcBef>
+                <a:spcPts val="0"/>
+              </a:spcBef>
+              <a:spcAft>
+                <a:spcPts val="0"/>
+              </a:spcAft>
+              <a:buNone/>
+            </a:pPr>
+            <a:endParaRPr sz="1050">
+              <a:solidFill>
+                <a:schemeClr val="dk1"/>
+              </a:solidFill>
+              <a:latin typeface="Calibri"/>
+              <a:ea typeface="Calibri"/>
+              <a:cs typeface="Calibri"/>
+              <a:sym typeface="Calibri"/>
+            </a:endParaRPr>
+          </a:p>
+        </p:txBody>
+      </p:sp>
+      <p:sp>
+        <p:nvSpPr>
+          <p:cNvPr id="134" name="Google Shape;312;p39">
+            <a:extLst>
+              <a:ext uri="{FF2B5EF4-FFF2-40B4-BE49-F238E27FC236}">
+                <a16:creationId xmlns:a16="http://schemas.microsoft.com/office/drawing/2014/main" id="{9D757F9D-3B05-4E4D-8993-0C3FE6C5F5FD}"/>
+              </a:ext>
+            </a:extLst>
+          </p:cNvPr>
+          <p:cNvSpPr txBox="1"/>
+          <p:nvPr/>
+        </p:nvSpPr>
+        <p:spPr>
+          <a:xfrm>
+            <a:off x="5888577" y="3350162"/>
+            <a:ext cx="327900" cy="211200"/>
+          </a:xfrm>
+          <a:prstGeom prst="rect">
+            <a:avLst/>
+          </a:prstGeom>
+          <a:noFill/>
+          <a:ln>
+            <a:noFill/>
+          </a:ln>
+        </p:spPr>
+        <p:txBody>
+          <a:bodyPr spcFirstLastPara="1" wrap="square" lIns="0" tIns="0" rIns="0" bIns="0" anchor="t" anchorCtr="0">
+            <a:noAutofit/>
+          </a:bodyPr>
+          <a:lstStyle/>
+          <a:p>
+            <a:pPr marL="0" marR="0" lvl="0" indent="0" algn="ctr" rtl="0">
+              <a:spcBef>
+                <a:spcPts val="0"/>
+              </a:spcBef>
+              <a:spcAft>
+                <a:spcPts val="0"/>
+              </a:spcAft>
+              <a:buNone/>
+            </a:pPr>
+            <a:r>
+              <a:rPr lang="en" sz="1100" dirty="0">
+                <a:solidFill>
+                  <a:srgbClr val="7030A0"/>
+                </a:solidFill>
+                <a:latin typeface="Calibri"/>
+                <a:ea typeface="Calibri"/>
+                <a:cs typeface="Calibri"/>
+                <a:sym typeface="Calibri"/>
+              </a:rPr>
+              <a:t>1..n</a:t>
+            </a:r>
+            <a:endParaRPr sz="1100" dirty="0">
+              <a:solidFill>
+                <a:srgbClr val="7030A0"/>
+              </a:solidFill>
+              <a:latin typeface="Calibri"/>
+              <a:ea typeface="Calibri"/>
+              <a:cs typeface="Calibri"/>
+              <a:sym typeface="Calibri"/>
+            </a:endParaRPr>
+          </a:p>
+        </p:txBody>
+      </p:sp>
+      <p:sp>
+        <p:nvSpPr>
+          <p:cNvPr id="135" name="Google Shape;313;p39">
+            <a:extLst>
+              <a:ext uri="{FF2B5EF4-FFF2-40B4-BE49-F238E27FC236}">
+                <a16:creationId xmlns:a16="http://schemas.microsoft.com/office/drawing/2014/main" id="{3714D016-A5D3-4430-973D-B96BA5145BCD}"/>
+              </a:ext>
+            </a:extLst>
+          </p:cNvPr>
+          <p:cNvSpPr txBox="1"/>
+          <p:nvPr/>
+        </p:nvSpPr>
+        <p:spPr>
+          <a:xfrm rot="1981">
+            <a:off x="4726321" y="4099684"/>
+            <a:ext cx="1428955" cy="253480"/>
+          </a:xfrm>
+          <a:prstGeom prst="rect">
+            <a:avLst/>
+          </a:prstGeom>
+          <a:noFill/>
+          <a:ln>
+            <a:noFill/>
+          </a:ln>
+        </p:spPr>
+        <p:txBody>
+          <a:bodyPr spcFirstLastPara="1" wrap="square" lIns="91425" tIns="45700" rIns="91425" bIns="45700" anchor="t" anchorCtr="0">
+            <a:noAutofit/>
+          </a:bodyPr>
+          <a:lstStyle/>
+          <a:p>
+            <a:pPr marL="0" marR="0" lvl="0" indent="0" algn="r" rtl="0">
+              <a:spcBef>
+                <a:spcPts val="0"/>
+              </a:spcBef>
+              <a:spcAft>
+                <a:spcPts val="0"/>
+              </a:spcAft>
+              <a:buNone/>
+            </a:pPr>
+            <a:r>
+              <a:rPr lang="en" sz="1100" dirty="0">
+                <a:solidFill>
+                  <a:srgbClr val="7030A0"/>
+                </a:solidFill>
+                <a:latin typeface="Calibri"/>
+                <a:ea typeface="Calibri"/>
+                <a:cs typeface="Calibri"/>
+                <a:sym typeface="Calibri"/>
+              </a:rPr>
+              <a:t>filtered lists</a:t>
+            </a:r>
+            <a:endParaRPr sz="1100" dirty="0">
+              <a:solidFill>
+                <a:srgbClr val="7030A0"/>
+              </a:solidFill>
+              <a:latin typeface="Calibri"/>
+              <a:ea typeface="Calibri"/>
+              <a:cs typeface="Calibri"/>
+              <a:sym typeface="Calibri"/>
+            </a:endParaRPr>
+          </a:p>
+        </p:txBody>
+      </p:sp>
+      <p:sp>
+        <p:nvSpPr>
+          <p:cNvPr id="136" name="Google Shape;314;p39">
+            <a:extLst>
+              <a:ext uri="{FF2B5EF4-FFF2-40B4-BE49-F238E27FC236}">
+                <a16:creationId xmlns:a16="http://schemas.microsoft.com/office/drawing/2014/main" id="{F27EECE0-680A-4FAC-9B95-DE7736ACC581}"/>
+              </a:ext>
+            </a:extLst>
+          </p:cNvPr>
+          <p:cNvSpPr txBox="1"/>
+          <p:nvPr/>
+        </p:nvSpPr>
+        <p:spPr>
+          <a:xfrm>
+            <a:off x="7354823" y="3871873"/>
+            <a:ext cx="147600" cy="140100"/>
+          </a:xfrm>
+          <a:prstGeom prst="rect">
+            <a:avLst/>
+          </a:prstGeom>
+          <a:noFill/>
+          <a:ln>
+            <a:noFill/>
+          </a:ln>
+        </p:spPr>
+        <p:txBody>
+          <a:bodyPr spcFirstLastPara="1" wrap="square" lIns="0" tIns="0" rIns="0" bIns="0" anchor="t" anchorCtr="0">
+            <a:noAutofit/>
+          </a:bodyPr>
+          <a:lstStyle/>
+          <a:p>
+            <a:pPr marL="0" marR="0" lvl="0" indent="0" algn="ctr" rtl="0">
+              <a:spcBef>
+                <a:spcPts val="0"/>
+              </a:spcBef>
+              <a:spcAft>
+                <a:spcPts val="0"/>
+              </a:spcAft>
+              <a:buNone/>
+            </a:pPr>
+            <a:r>
+              <a:rPr lang="en" sz="1100">
+                <a:solidFill>
+                  <a:srgbClr val="7030A0"/>
+                </a:solidFill>
+                <a:latin typeface="Calibri"/>
+                <a:ea typeface="Calibri"/>
+                <a:cs typeface="Calibri"/>
+                <a:sym typeface="Calibri"/>
+              </a:rPr>
+              <a:t>*</a:t>
+            </a:r>
+            <a:endParaRPr sz="1100">
+              <a:solidFill>
+                <a:srgbClr val="7030A0"/>
+              </a:solidFill>
+              <a:latin typeface="Calibri"/>
+              <a:ea typeface="Calibri"/>
+              <a:cs typeface="Calibri"/>
+              <a:sym typeface="Calibri"/>
+            </a:endParaRPr>
+          </a:p>
+        </p:txBody>
+      </p:sp>
+      <p:cxnSp>
+        <p:nvCxnSpPr>
+          <p:cNvPr id="137" name="Google Shape;315;p39">
+            <a:extLst>
+              <a:ext uri="{FF2B5EF4-FFF2-40B4-BE49-F238E27FC236}">
+                <a16:creationId xmlns:a16="http://schemas.microsoft.com/office/drawing/2014/main" id="{DC5D0A70-09D5-4F76-9043-9D5058BD8796}"/>
+              </a:ext>
+            </a:extLst>
+          </p:cNvPr>
+          <p:cNvCxnSpPr>
+            <a:stCxn id="111" idx="3"/>
+            <a:endCxn id="90" idx="0"/>
+          </p:cNvCxnSpPr>
+          <p:nvPr/>
+        </p:nvCxnSpPr>
+        <p:spPr>
+          <a:xfrm rot="5400000">
+            <a:off x="3923766" y="1759588"/>
+            <a:ext cx="412800" cy="1774500"/>
+          </a:xfrm>
+          <a:prstGeom prst="bentConnector3">
+            <a:avLst>
+              <a:gd name="adj1" fmla="val 50015"/>
+            </a:avLst>
+          </a:prstGeom>
+          <a:gradFill>
+            <a:gsLst>
+              <a:gs pos="0">
+                <a:srgbClr val="FFA09D"/>
+              </a:gs>
+              <a:gs pos="35000">
+                <a:srgbClr val="FFBCBC"/>
+              </a:gs>
+              <a:gs pos="100000">
+                <a:srgbClr val="FFE2E2"/>
+              </a:gs>
+            </a:gsLst>
+            <a:lin ang="16200038" scaled="0"/>
+          </a:gradFill>
+          <a:ln w="19050" cap="flat" cmpd="sng">
+            <a:solidFill>
+              <a:srgbClr val="7030A0"/>
+            </a:solidFill>
+            <a:prstDash val="dot"/>
+            <a:round/>
+            <a:headEnd type="none" w="sm" len="sm"/>
+            <a:tailEnd type="none" w="med" len="med"/>
+          </a:ln>
+        </p:spPr>
+      </p:cxnSp>
+      <p:cxnSp>
+        <p:nvCxnSpPr>
+          <p:cNvPr id="138" name="Google Shape;316;p39">
+            <a:extLst>
+              <a:ext uri="{FF2B5EF4-FFF2-40B4-BE49-F238E27FC236}">
+                <a16:creationId xmlns:a16="http://schemas.microsoft.com/office/drawing/2014/main" id="{EF82B3E1-9CC6-42E0-BE5E-E06B4169898C}"/>
+              </a:ext>
+            </a:extLst>
+          </p:cNvPr>
+          <p:cNvCxnSpPr>
+            <a:stCxn id="129" idx="3"/>
+            <a:endCxn id="127" idx="1"/>
+          </p:cNvCxnSpPr>
+          <p:nvPr/>
+        </p:nvCxnSpPr>
+        <p:spPr>
+          <a:xfrm rot="10800000" flipH="1">
+            <a:off x="4191951" y="2039428"/>
+            <a:ext cx="221700" cy="4800"/>
+          </a:xfrm>
+          <a:prstGeom prst="straightConnector1">
+            <a:avLst/>
+          </a:prstGeom>
+          <a:noFill/>
+          <a:ln w="19050" cap="flat" cmpd="sng">
+            <a:solidFill>
+              <a:srgbClr val="7030A0"/>
+            </a:solidFill>
+            <a:prstDash val="dot"/>
+            <a:round/>
+            <a:headEnd type="none" w="med" len="med"/>
+            <a:tailEnd type="none" w="med" len="med"/>
+          </a:ln>
+        </p:spPr>
+      </p:cxnSp>
+      <p:sp>
+        <p:nvSpPr>
+          <p:cNvPr id="139" name="Google Shape;318;p39">
+            <a:extLst>
+              <a:ext uri="{FF2B5EF4-FFF2-40B4-BE49-F238E27FC236}">
+                <a16:creationId xmlns:a16="http://schemas.microsoft.com/office/drawing/2014/main" id="{2F52ABDB-FF23-4B95-8FD7-B9E140F123A8}"/>
+              </a:ext>
+            </a:extLst>
+          </p:cNvPr>
+          <p:cNvSpPr/>
+          <p:nvPr/>
+        </p:nvSpPr>
+        <p:spPr>
+          <a:xfrm rot="-5400000" flipH="1">
+            <a:off x="2018002" y="1913120"/>
+            <a:ext cx="320400" cy="231300"/>
+          </a:xfrm>
+          <a:prstGeom prst="triangle">
+            <a:avLst>
+              <a:gd name="adj" fmla="val 51294"/>
+            </a:avLst>
+          </a:prstGeom>
+          <a:solidFill>
+            <a:srgbClr val="E5DFEC"/>
+          </a:solidFill>
+          <a:ln w="19050" cap="flat" cmpd="sng">
+            <a:solidFill>
+              <a:srgbClr val="7030A0"/>
+            </a:solidFill>
+            <a:prstDash val="solid"/>
+            <a:round/>
+            <a:headEnd type="none" w="sm" len="sm"/>
+            <a:tailEnd type="none" w="sm" len="sm"/>
+          </a:ln>
+        </p:spPr>
+        <p:txBody>
+          <a:bodyPr spcFirstLastPara="1" wrap="square" lIns="91425" tIns="45700" rIns="91425" bIns="45700" anchor="ctr" anchorCtr="0">
+            <a:noAutofit/>
+          </a:bodyPr>
+          <a:lstStyle/>
+          <a:p>
+            <a:pPr marL="0" marR="0" lvl="0" indent="0" algn="ctr" rtl="0">
+              <a:spcBef>
+                <a:spcPts val="0"/>
+              </a:spcBef>
+              <a:spcAft>
+                <a:spcPts val="0"/>
+              </a:spcAft>
+              <a:buNone/>
+            </a:pPr>
+            <a:endParaRPr sz="1050">
+              <a:solidFill>
+                <a:schemeClr val="dk1"/>
+              </a:solidFill>
+              <a:latin typeface="Calibri"/>
+              <a:ea typeface="Calibri"/>
+              <a:cs typeface="Calibri"/>
+              <a:sym typeface="Calibri"/>
+            </a:endParaRPr>
+          </a:p>
+        </p:txBody>
+      </p:sp>
+      <p:cxnSp>
+        <p:nvCxnSpPr>
+          <p:cNvPr id="140" name="Google Shape;319;p39">
+            <a:extLst>
+              <a:ext uri="{FF2B5EF4-FFF2-40B4-BE49-F238E27FC236}">
+                <a16:creationId xmlns:a16="http://schemas.microsoft.com/office/drawing/2014/main" id="{6FD65557-D174-45DF-9388-60AA5F12D16D}"/>
+              </a:ext>
+            </a:extLst>
+          </p:cNvPr>
+          <p:cNvCxnSpPr>
+            <a:cxnSpLocks/>
+          </p:cNvCxnSpPr>
+          <p:nvPr/>
+        </p:nvCxnSpPr>
+        <p:spPr>
+          <a:xfrm>
+            <a:off x="1821152" y="4199648"/>
+            <a:ext cx="0" cy="718640"/>
+          </a:xfrm>
+          <a:prstGeom prst="straightConnector1">
+            <a:avLst/>
+          </a:prstGeom>
+          <a:noFill/>
+          <a:ln w="19050" cap="flat" cmpd="sng">
+            <a:solidFill>
+              <a:srgbClr val="7030A0"/>
+            </a:solidFill>
+            <a:prstDash val="solid"/>
+            <a:round/>
+            <a:headEnd type="none" w="med" len="med"/>
+            <a:tailEnd type="none" w="med" len="med"/>
+          </a:ln>
+        </p:spPr>
+      </p:cxnSp>
+      <p:cxnSp>
+        <p:nvCxnSpPr>
+          <p:cNvPr id="141" name="Google Shape;320;p39">
+            <a:extLst>
+              <a:ext uri="{FF2B5EF4-FFF2-40B4-BE49-F238E27FC236}">
+                <a16:creationId xmlns:a16="http://schemas.microsoft.com/office/drawing/2014/main" id="{B24E44BE-3B30-439F-BA76-96430A0CFBBC}"/>
+              </a:ext>
+            </a:extLst>
+          </p:cNvPr>
+          <p:cNvCxnSpPr>
+            <a:cxnSpLocks/>
+          </p:cNvCxnSpPr>
+          <p:nvPr/>
+        </p:nvCxnSpPr>
+        <p:spPr>
+          <a:xfrm flipH="1">
+            <a:off x="1831950" y="4625136"/>
+            <a:ext cx="4646836" cy="0"/>
+          </a:xfrm>
+          <a:prstGeom prst="straightConnector1">
+            <a:avLst/>
+          </a:prstGeom>
+          <a:noFill/>
+          <a:ln w="19050" cap="flat" cmpd="sng">
+            <a:solidFill>
+              <a:srgbClr val="7030A0"/>
+            </a:solidFill>
+            <a:prstDash val="solid"/>
+            <a:round/>
+            <a:headEnd type="none" w="med" len="med"/>
+            <a:tailEnd type="none" w="med" len="med"/>
+          </a:ln>
+        </p:spPr>
+      </p:cxnSp>
+      <p:cxnSp>
+        <p:nvCxnSpPr>
+          <p:cNvPr id="142" name="Google Shape;321;p39">
+            <a:extLst>
+              <a:ext uri="{FF2B5EF4-FFF2-40B4-BE49-F238E27FC236}">
+                <a16:creationId xmlns:a16="http://schemas.microsoft.com/office/drawing/2014/main" id="{8B924D58-1C6F-4CCA-8E19-287CAF65CA52}"/>
+              </a:ext>
+            </a:extLst>
+          </p:cNvPr>
+          <p:cNvCxnSpPr>
+            <a:cxnSpLocks/>
+          </p:cNvCxnSpPr>
+          <p:nvPr/>
+        </p:nvCxnSpPr>
+        <p:spPr>
+          <a:xfrm flipV="1">
+            <a:off x="6236731" y="3291823"/>
+            <a:ext cx="0" cy="1053420"/>
+          </a:xfrm>
+          <a:prstGeom prst="straightConnector1">
+            <a:avLst/>
+          </a:prstGeom>
+          <a:noFill/>
+          <a:ln w="19050" cap="flat" cmpd="sng">
+            <a:solidFill>
+              <a:srgbClr val="7030A0"/>
+            </a:solidFill>
+            <a:prstDash val="solid"/>
+            <a:round/>
+            <a:headEnd type="none" w="med" len="med"/>
+            <a:tailEnd type="stealth" w="med" len="med"/>
+          </a:ln>
+        </p:spPr>
+      </p:cxnSp>
+      <p:sp>
+        <p:nvSpPr>
+          <p:cNvPr id="143" name="Google Shape;322;p39">
+            <a:extLst>
+              <a:ext uri="{FF2B5EF4-FFF2-40B4-BE49-F238E27FC236}">
+                <a16:creationId xmlns:a16="http://schemas.microsoft.com/office/drawing/2014/main" id="{CE6EBD62-BAAB-42AE-8C33-0CAC2103C2E7}"/>
+              </a:ext>
+            </a:extLst>
+          </p:cNvPr>
+          <p:cNvSpPr txBox="1"/>
+          <p:nvPr/>
+        </p:nvSpPr>
+        <p:spPr>
+          <a:xfrm rot="1981">
+            <a:off x="3813584" y="4347318"/>
+            <a:ext cx="2430297" cy="292407"/>
+          </a:xfrm>
+          <a:prstGeom prst="rect">
+            <a:avLst/>
+          </a:prstGeom>
+          <a:noFill/>
+          <a:ln>
+            <a:noFill/>
+          </a:ln>
+        </p:spPr>
+        <p:txBody>
+          <a:bodyPr spcFirstLastPara="1" wrap="square" lIns="91425" tIns="45700" rIns="91425" bIns="45700" anchor="t" anchorCtr="0">
+            <a:noAutofit/>
+          </a:bodyPr>
+          <a:lstStyle/>
+          <a:p>
+            <a:pPr marL="0" marR="0" lvl="0" indent="0" algn="r" rtl="0">
+              <a:spcBef>
+                <a:spcPts val="0"/>
+              </a:spcBef>
+              <a:spcAft>
+                <a:spcPts val="0"/>
+              </a:spcAft>
+              <a:buNone/>
+            </a:pPr>
+            <a:r>
+              <a:rPr lang="en" sz="1100" dirty="0">
+                <a:solidFill>
+                  <a:srgbClr val="7030A0"/>
+                </a:solidFill>
+                <a:latin typeface="Calibri"/>
+                <a:ea typeface="Calibri"/>
+                <a:cs typeface="Calibri"/>
+                <a:sym typeface="Calibri"/>
+              </a:rPr>
+              <a:t>observable list</a:t>
+            </a:r>
+            <a:endParaRPr sz="1100" dirty="0">
+              <a:solidFill>
+                <a:srgbClr val="7030A0"/>
+              </a:solidFill>
+              <a:latin typeface="Calibri"/>
+              <a:ea typeface="Calibri"/>
+              <a:cs typeface="Calibri"/>
+              <a:sym typeface="Calibri"/>
+            </a:endParaRPr>
+          </a:p>
+        </p:txBody>
+      </p:sp>
+      <p:sp>
+        <p:nvSpPr>
+          <p:cNvPr id="144" name="Google Shape;323;p39">
+            <a:extLst>
+              <a:ext uri="{FF2B5EF4-FFF2-40B4-BE49-F238E27FC236}">
+                <a16:creationId xmlns:a16="http://schemas.microsoft.com/office/drawing/2014/main" id="{3CDB19EF-8FEB-44A7-9026-0FC01E9A8DA3}"/>
+              </a:ext>
+            </a:extLst>
+          </p:cNvPr>
+          <p:cNvSpPr txBox="1"/>
+          <p:nvPr/>
+        </p:nvSpPr>
+        <p:spPr>
+          <a:xfrm>
+            <a:off x="6667441" y="3357636"/>
+            <a:ext cx="327900" cy="211200"/>
+          </a:xfrm>
+          <a:prstGeom prst="rect">
+            <a:avLst/>
+          </a:prstGeom>
+          <a:noFill/>
+          <a:ln>
+            <a:noFill/>
+          </a:ln>
+        </p:spPr>
+        <p:txBody>
+          <a:bodyPr spcFirstLastPara="1" wrap="square" lIns="0" tIns="0" rIns="0" bIns="0" anchor="t" anchorCtr="0">
+            <a:noAutofit/>
+          </a:bodyPr>
+          <a:lstStyle/>
+          <a:p>
+            <a:pPr marL="0" marR="0" lvl="0" indent="0" algn="ctr" rtl="0">
+              <a:spcBef>
+                <a:spcPts val="0"/>
+              </a:spcBef>
+              <a:spcAft>
+                <a:spcPts val="0"/>
+              </a:spcAft>
+              <a:buNone/>
+            </a:pPr>
+            <a:r>
+              <a:rPr lang="en" sz="1100" dirty="0">
+                <a:solidFill>
+                  <a:srgbClr val="7030A0"/>
+                </a:solidFill>
+                <a:latin typeface="Calibri"/>
+                <a:ea typeface="Calibri"/>
+                <a:cs typeface="Calibri"/>
+                <a:sym typeface="Calibri"/>
+              </a:rPr>
+              <a:t>2</a:t>
+            </a:r>
+            <a:endParaRPr sz="1100" dirty="0">
+              <a:solidFill>
+                <a:srgbClr val="7030A0"/>
+              </a:solidFill>
+              <a:latin typeface="Calibri"/>
+              <a:ea typeface="Calibri"/>
+              <a:cs typeface="Calibri"/>
+              <a:sym typeface="Calibri"/>
+            </a:endParaRPr>
+          </a:p>
+        </p:txBody>
+      </p:sp>
+      <p:sp>
+        <p:nvSpPr>
+          <p:cNvPr id="145" name="Google Shape;324;p39">
+            <a:extLst>
+              <a:ext uri="{FF2B5EF4-FFF2-40B4-BE49-F238E27FC236}">
+                <a16:creationId xmlns:a16="http://schemas.microsoft.com/office/drawing/2014/main" id="{A3929C57-2133-4056-A5CC-1C8D9D49A8C7}"/>
+              </a:ext>
+            </a:extLst>
+          </p:cNvPr>
+          <p:cNvSpPr/>
+          <p:nvPr/>
+        </p:nvSpPr>
+        <p:spPr>
+          <a:xfrm>
+            <a:off x="7535862" y="4046926"/>
+            <a:ext cx="690000" cy="337500"/>
+          </a:xfrm>
+          <a:prstGeom prst="rect">
+            <a:avLst/>
+          </a:prstGeom>
+          <a:gradFill>
+            <a:gsLst>
+              <a:gs pos="0">
+                <a:srgbClr val="C8B2E9"/>
+              </a:gs>
+              <a:gs pos="35000">
+                <a:srgbClr val="D6CAED"/>
+              </a:gs>
+              <a:gs pos="100000">
+                <a:srgbClr val="EFE8FA"/>
+              </a:gs>
+            </a:gsLst>
+            <a:lin ang="16200038" scaled="0"/>
+          </a:gradFill>
+          <a:ln w="19050" cap="flat" cmpd="sng">
+            <a:solidFill>
+              <a:srgbClr val="7030A0"/>
+            </a:solidFill>
+            <a:prstDash val="solid"/>
+            <a:round/>
+            <a:headEnd type="none" w="sm" len="sm"/>
+            <a:tailEnd type="none" w="sm" len="sm"/>
+          </a:ln>
+        </p:spPr>
+        <p:txBody>
+          <a:bodyPr spcFirstLastPara="1" wrap="square" lIns="91425" tIns="45700" rIns="91425" bIns="45700" anchor="ctr" anchorCtr="0">
+            <a:noAutofit/>
+          </a:bodyPr>
+          <a:lstStyle/>
+          <a:p>
+            <a:pPr marL="0" marR="0" lvl="0" indent="0" algn="ctr" rtl="0">
+              <a:spcBef>
+                <a:spcPts val="0"/>
+              </a:spcBef>
+              <a:spcAft>
+                <a:spcPts val="0"/>
+              </a:spcAft>
+              <a:buNone/>
+            </a:pPr>
+            <a:r>
+              <a:rPr lang="en" sz="1050">
+                <a:solidFill>
+                  <a:srgbClr val="7030A0"/>
+                </a:solidFill>
+                <a:latin typeface="Calibri"/>
+                <a:ea typeface="Calibri"/>
+                <a:cs typeface="Calibri"/>
+                <a:sym typeface="Calibri"/>
+              </a:rPr>
+              <a:t>Score</a:t>
+            </a:r>
+            <a:endParaRPr sz="1050">
+              <a:solidFill>
+                <a:srgbClr val="7030A0"/>
+              </a:solidFill>
+              <a:latin typeface="Calibri"/>
+              <a:ea typeface="Calibri"/>
+              <a:cs typeface="Calibri"/>
+              <a:sym typeface="Calibri"/>
+            </a:endParaRPr>
+          </a:p>
+        </p:txBody>
+      </p:sp>
+      <p:cxnSp>
+        <p:nvCxnSpPr>
+          <p:cNvPr id="146" name="Google Shape;327;p39">
+            <a:extLst>
+              <a:ext uri="{FF2B5EF4-FFF2-40B4-BE49-F238E27FC236}">
+                <a16:creationId xmlns:a16="http://schemas.microsoft.com/office/drawing/2014/main" id="{9A9BD54F-5737-4231-B36E-958BBA78AED9}"/>
+              </a:ext>
+            </a:extLst>
+          </p:cNvPr>
+          <p:cNvCxnSpPr>
+            <a:endCxn id="145" idx="1"/>
+          </p:cNvCxnSpPr>
+          <p:nvPr/>
+        </p:nvCxnSpPr>
+        <p:spPr>
+          <a:xfrm>
+            <a:off x="7316562" y="4215676"/>
+            <a:ext cx="219300" cy="0"/>
+          </a:xfrm>
+          <a:prstGeom prst="straightConnector1">
+            <a:avLst/>
+          </a:prstGeom>
+          <a:noFill/>
+          <a:ln w="19050" cap="flat" cmpd="sng">
+            <a:solidFill>
+              <a:srgbClr val="7030A0"/>
+            </a:solidFill>
+            <a:prstDash val="solid"/>
+            <a:round/>
+            <a:headEnd type="none" w="med" len="med"/>
+            <a:tailEnd type="stealth" w="med" len="med"/>
+          </a:ln>
+        </p:spPr>
+      </p:cxnSp>
+      <p:cxnSp>
+        <p:nvCxnSpPr>
+          <p:cNvPr id="147" name="Google Shape;328;p39">
+            <a:extLst>
+              <a:ext uri="{FF2B5EF4-FFF2-40B4-BE49-F238E27FC236}">
+                <a16:creationId xmlns:a16="http://schemas.microsoft.com/office/drawing/2014/main" id="{D98654DD-2F3F-4A68-9CEA-87F6BCF4B302}"/>
+              </a:ext>
+            </a:extLst>
+          </p:cNvPr>
+          <p:cNvCxnSpPr>
+            <a:cxnSpLocks/>
+          </p:cNvCxnSpPr>
+          <p:nvPr/>
+        </p:nvCxnSpPr>
+        <p:spPr>
+          <a:xfrm flipH="1">
+            <a:off x="1827769" y="4903012"/>
+            <a:ext cx="4887699" cy="15276"/>
+          </a:xfrm>
+          <a:prstGeom prst="straightConnector1">
+            <a:avLst/>
+          </a:prstGeom>
+          <a:noFill/>
+          <a:ln w="19050" cap="flat" cmpd="sng">
+            <a:solidFill>
+              <a:srgbClr val="7030A0"/>
+            </a:solidFill>
+            <a:prstDash val="solid"/>
+            <a:round/>
+            <a:headEnd type="none" w="med" len="med"/>
+            <a:tailEnd type="none" w="med" len="med"/>
+          </a:ln>
+        </p:spPr>
+      </p:cxnSp>
+      <p:cxnSp>
+        <p:nvCxnSpPr>
+          <p:cNvPr id="148" name="Google Shape;329;p39">
+            <a:extLst>
+              <a:ext uri="{FF2B5EF4-FFF2-40B4-BE49-F238E27FC236}">
+                <a16:creationId xmlns:a16="http://schemas.microsoft.com/office/drawing/2014/main" id="{4E1285C7-A54A-458B-9999-E7ED5F143B27}"/>
+              </a:ext>
+            </a:extLst>
+          </p:cNvPr>
+          <p:cNvCxnSpPr>
+            <a:cxnSpLocks/>
+          </p:cNvCxnSpPr>
+          <p:nvPr/>
+        </p:nvCxnSpPr>
+        <p:spPr>
+          <a:xfrm flipV="1">
+            <a:off x="6707343" y="3283550"/>
+            <a:ext cx="1" cy="1615408"/>
+          </a:xfrm>
+          <a:prstGeom prst="straightConnector1">
+            <a:avLst/>
+          </a:prstGeom>
+          <a:noFill/>
+          <a:ln w="19050" cap="flat" cmpd="sng">
+            <a:solidFill>
+              <a:srgbClr val="7030A0"/>
+            </a:solidFill>
+            <a:prstDash val="solid"/>
+            <a:round/>
+            <a:headEnd type="none" w="med" len="med"/>
+            <a:tailEnd type="stealth" w="med" len="med"/>
+          </a:ln>
+        </p:spPr>
+      </p:cxnSp>
+      <p:sp>
+        <p:nvSpPr>
+          <p:cNvPr id="149" name="Google Shape;330;p39">
+            <a:extLst>
+              <a:ext uri="{FF2B5EF4-FFF2-40B4-BE49-F238E27FC236}">
+                <a16:creationId xmlns:a16="http://schemas.microsoft.com/office/drawing/2014/main" id="{BA00D055-6529-42BF-9237-569D748670B8}"/>
+              </a:ext>
+            </a:extLst>
+          </p:cNvPr>
+          <p:cNvSpPr txBox="1"/>
+          <p:nvPr/>
+        </p:nvSpPr>
+        <p:spPr>
+          <a:xfrm rot="1049">
+            <a:off x="3886241" y="4648593"/>
+            <a:ext cx="2576354" cy="273355"/>
+          </a:xfrm>
+          <a:prstGeom prst="rect">
+            <a:avLst/>
+          </a:prstGeom>
+          <a:noFill/>
+          <a:ln>
+            <a:noFill/>
+          </a:ln>
+        </p:spPr>
+        <p:txBody>
+          <a:bodyPr spcFirstLastPara="1" wrap="square" lIns="91425" tIns="45700" rIns="91425" bIns="45700" anchor="t" anchorCtr="0">
+            <a:noAutofit/>
+          </a:bodyPr>
+          <a:lstStyle/>
+          <a:p>
+            <a:pPr marL="0" marR="0" lvl="0" indent="0" algn="r" rtl="0">
+              <a:spcBef>
+                <a:spcPts val="0"/>
+              </a:spcBef>
+              <a:spcAft>
+                <a:spcPts val="0"/>
+              </a:spcAft>
+              <a:buNone/>
+            </a:pPr>
+            <a:r>
+              <a:rPr lang="en-SG" sz="1100" dirty="0">
+                <a:solidFill>
+                  <a:srgbClr val="7030A0"/>
+                </a:solidFill>
+                <a:latin typeface="Calibri"/>
+                <a:ea typeface="Calibri"/>
+                <a:cs typeface="Calibri"/>
+                <a:sym typeface="Calibri"/>
+              </a:rPr>
+              <a:t>simple object property</a:t>
+            </a:r>
+            <a:endParaRPr sz="1100" dirty="0">
+              <a:solidFill>
+                <a:srgbClr val="7030A0"/>
+              </a:solidFill>
+              <a:latin typeface="Calibri"/>
+              <a:ea typeface="Calibri"/>
+              <a:cs typeface="Calibri"/>
+              <a:sym typeface="Calibri"/>
+            </a:endParaRPr>
+          </a:p>
+        </p:txBody>
+      </p:sp>
+      <p:sp>
+        <p:nvSpPr>
+          <p:cNvPr id="150" name="Google Shape;331;p39">
+            <a:extLst>
+              <a:ext uri="{FF2B5EF4-FFF2-40B4-BE49-F238E27FC236}">
+                <a16:creationId xmlns:a16="http://schemas.microsoft.com/office/drawing/2014/main" id="{A125424D-2FC3-49F6-AE26-BE479FACDC7C}"/>
+              </a:ext>
+            </a:extLst>
+          </p:cNvPr>
+          <p:cNvSpPr txBox="1"/>
+          <p:nvPr/>
+        </p:nvSpPr>
+        <p:spPr>
+          <a:xfrm>
+            <a:off x="6396258" y="3345211"/>
+            <a:ext cx="327900" cy="211200"/>
+          </a:xfrm>
+          <a:prstGeom prst="rect">
+            <a:avLst/>
+          </a:prstGeom>
+          <a:noFill/>
+          <a:ln>
+            <a:noFill/>
+          </a:ln>
+        </p:spPr>
+        <p:txBody>
+          <a:bodyPr spcFirstLastPara="1" wrap="square" lIns="0" tIns="0" rIns="0" bIns="0" anchor="t" anchorCtr="0">
+            <a:noAutofit/>
+          </a:bodyPr>
+          <a:lstStyle/>
+          <a:p>
+            <a:pPr marL="0" marR="0" lvl="0" indent="0" algn="ctr" rtl="0">
+              <a:spcBef>
+                <a:spcPts val="0"/>
+              </a:spcBef>
+              <a:spcAft>
+                <a:spcPts val="0"/>
+              </a:spcAft>
+              <a:buNone/>
+            </a:pPr>
+            <a:r>
+              <a:rPr lang="en" sz="1100">
+                <a:solidFill>
+                  <a:srgbClr val="7030A0"/>
+                </a:solidFill>
+                <a:latin typeface="Calibri"/>
+                <a:ea typeface="Calibri"/>
+                <a:cs typeface="Calibri"/>
+                <a:sym typeface="Calibri"/>
+              </a:rPr>
+              <a:t>1</a:t>
+            </a:r>
+            <a:endParaRPr sz="1100">
+              <a:solidFill>
+                <a:srgbClr val="7030A0"/>
+              </a:solidFill>
+              <a:latin typeface="Calibri"/>
+              <a:ea typeface="Calibri"/>
+              <a:cs typeface="Calibri"/>
+              <a:sym typeface="Calibri"/>
+            </a:endParaRPr>
+          </a:p>
+        </p:txBody>
+      </p:sp>
+      <p:cxnSp>
+        <p:nvCxnSpPr>
+          <p:cNvPr id="151" name="Straight Connector 150">
+            <a:extLst>
+              <a:ext uri="{FF2B5EF4-FFF2-40B4-BE49-F238E27FC236}">
+                <a16:creationId xmlns:a16="http://schemas.microsoft.com/office/drawing/2014/main" id="{89E77884-9688-4472-AB03-2DC514EC315F}"/>
+              </a:ext>
+            </a:extLst>
+          </p:cNvPr>
+          <p:cNvCxnSpPr>
+            <a:cxnSpLocks/>
+          </p:cNvCxnSpPr>
+          <p:nvPr/>
+        </p:nvCxnSpPr>
+        <p:spPr>
+          <a:xfrm>
+            <a:off x="1827769" y="4345243"/>
+            <a:ext cx="4408962" cy="0"/>
+          </a:xfrm>
+          <a:prstGeom prst="line">
+            <a:avLst/>
+          </a:prstGeom>
+          <a:ln w="19050">
+            <a:solidFill>
+              <a:srgbClr val="7030A0"/>
+            </a:solidFill>
+          </a:ln>
+        </p:spPr>
+        <p:style>
+          <a:lnRef idx="1">
+            <a:schemeClr val="accent1"/>
+          </a:lnRef>
+          <a:fillRef idx="0">
+            <a:schemeClr val="accent1"/>
+          </a:fillRef>
+          <a:effectRef idx="0">
+            <a:schemeClr val="accent1"/>
+          </a:effectRef>
+          <a:fontRef idx="minor">
+            <a:schemeClr val="tx1"/>
+          </a:fontRef>
+        </p:style>
+      </p:cxnSp>
+      <p:cxnSp>
+        <p:nvCxnSpPr>
+          <p:cNvPr id="152" name="Google Shape;329;p39">
+            <a:extLst>
+              <a:ext uri="{FF2B5EF4-FFF2-40B4-BE49-F238E27FC236}">
+                <a16:creationId xmlns:a16="http://schemas.microsoft.com/office/drawing/2014/main" id="{E242202A-387A-4311-B41F-5680FA6D3F2D}"/>
+              </a:ext>
+            </a:extLst>
+          </p:cNvPr>
+          <p:cNvCxnSpPr>
+            <a:cxnSpLocks/>
+          </p:cNvCxnSpPr>
+          <p:nvPr/>
+        </p:nvCxnSpPr>
+        <p:spPr>
+          <a:xfrm flipV="1">
+            <a:off x="6471313" y="3277515"/>
+            <a:ext cx="1" cy="1347621"/>
+          </a:xfrm>
+          <a:prstGeom prst="straightConnector1">
+            <a:avLst/>
+          </a:prstGeom>
+          <a:noFill/>
+          <a:ln w="19050" cap="flat" cmpd="sng">
+            <a:solidFill>
+              <a:srgbClr val="7030A0"/>
+            </a:solidFill>
+            <a:prstDash val="solid"/>
+            <a:round/>
+            <a:headEnd type="none" w="med" len="med"/>
+            <a:tailEnd type="stealth" w="med" len="med"/>
+          </a:ln>
+        </p:spPr>
+      </p:cxnSp>
+      <p:cxnSp>
+        <p:nvCxnSpPr>
+          <p:cNvPr id="153" name="Google Shape;320;p39">
+            <a:extLst>
+              <a:ext uri="{FF2B5EF4-FFF2-40B4-BE49-F238E27FC236}">
+                <a16:creationId xmlns:a16="http://schemas.microsoft.com/office/drawing/2014/main" id="{E603F8F6-3527-46FB-8EBF-0DBB5D60D200}"/>
+              </a:ext>
+            </a:extLst>
+          </p:cNvPr>
+          <p:cNvCxnSpPr>
+            <a:cxnSpLocks/>
+            <a:stCxn id="112" idx="1"/>
+          </p:cNvCxnSpPr>
+          <p:nvPr/>
+        </p:nvCxnSpPr>
+        <p:spPr>
+          <a:xfrm flipH="1">
+            <a:off x="2292209" y="2026670"/>
+            <a:ext cx="197254" cy="2100"/>
+          </a:xfrm>
+          <a:prstGeom prst="straightConnector1">
+            <a:avLst/>
+          </a:prstGeom>
+          <a:noFill/>
+          <a:ln w="19050" cap="flat" cmpd="sng">
+            <a:solidFill>
+              <a:srgbClr val="7030A0"/>
+            </a:solidFill>
+            <a:prstDash val="solid"/>
+            <a:round/>
+            <a:headEnd type="none" w="med" len="med"/>
+            <a:tailEnd type="none" w="med" len="med"/>
+          </a:ln>
+        </p:spPr>
+      </p:cxnSp>
+      <p:cxnSp>
+        <p:nvCxnSpPr>
+          <p:cNvPr id="154" name="Google Shape;320;p39">
+            <a:extLst>
+              <a:ext uri="{FF2B5EF4-FFF2-40B4-BE49-F238E27FC236}">
+                <a16:creationId xmlns:a16="http://schemas.microsoft.com/office/drawing/2014/main" id="{9CF813BB-86F6-4B9C-8280-53B5F090B9EE}"/>
+              </a:ext>
+            </a:extLst>
+          </p:cNvPr>
+          <p:cNvCxnSpPr>
+            <a:cxnSpLocks/>
+          </p:cNvCxnSpPr>
+          <p:nvPr/>
+        </p:nvCxnSpPr>
+        <p:spPr>
+          <a:xfrm flipV="1">
+            <a:off x="7324247" y="3748378"/>
+            <a:ext cx="0" cy="478046"/>
+          </a:xfrm>
+          <a:prstGeom prst="straightConnector1">
+            <a:avLst/>
+          </a:prstGeom>
+          <a:noFill/>
+          <a:ln w="19050" cap="flat" cmpd="sng">
+            <a:solidFill>
+              <a:srgbClr val="7030A0"/>
+            </a:solidFill>
+            <a:prstDash val="solid"/>
+            <a:round/>
+            <a:headEnd type="none" w="med" len="med"/>
+            <a:tailEnd type="none" w="med" len="med"/>
+          </a:ln>
+        </p:spPr>
+      </p:cxnSp>
+    </p:spTree>
+    <p:extLst>
+      <p:ext uri="{BB962C8B-B14F-4D97-AF65-F5344CB8AC3E}">
+        <p14:creationId xmlns:p14="http://schemas.microsoft.com/office/powerpoint/2010/main" val="2396968029"/>
+      </p:ext>
+    </p:extLst>
+  </p:cSld>
+  <p:clrMapOvr>
+    <a:masterClrMapping/>
+  </p:clrMapOvr>
+</p:sld>
+</file>
+
+<file path=ppt/slides/slide2.xml><?xml version="1.0" encoding="utf-8"?>
+<p:sld xmlns:a="http://schemas.openxmlformats.org/drawingml/2006/main" xmlns:r="http://schemas.openxmlformats.org/officeDocument/2006/relationships" xmlns:p="http://schemas.openxmlformats.org/presentationml/2006/main">
+  <p:cSld>
+    <p:spTree>
+      <p:nvGrpSpPr>
+        <p:cNvPr id="1" name=""/>
+        <p:cNvGrpSpPr/>
+        <p:nvPr/>
+      </p:nvGrpSpPr>
+      <p:grpSpPr>
+        <a:xfrm>
+          <a:off x="0" y="0"/>
+          <a:ext cx="0" cy="0"/>
+          <a:chOff x="0" y="0"/>
+          <a:chExt cx="0" cy="0"/>
+        </a:xfrm>
+      </p:grpSpPr>
+      <p:sp>
+        <p:nvSpPr>
           <p:cNvPr id="118" name="Rectangle 65"/>
           <p:cNvSpPr/>
           <p:nvPr/>
@@ -5823,7 +9808,7 @@
     </p:spTree>
     <p:extLst>
       <p:ext uri="{BB962C8B-B14F-4D97-AF65-F5344CB8AC3E}">
-        <p14:creationId xmlns:p14="http://schemas.microsoft.com/office/powerpoint/2010/main" val="2396968029"/>
+        <p14:creationId xmlns:p14="http://schemas.microsoft.com/office/powerpoint/2010/main" val="168009875"/>
       </p:ext>
     </p:extLst>
   </p:cSld>

--- a/docs/diagrams/ModelComponentClassDiagram.pptx
+++ b/docs/diagrams/ModelComponentClassDiagram.pptx
@@ -11238,12 +11238,12 @@
           <a:p>
             <a:pPr algn="ctr"/>
             <a:r>
-              <a:rPr lang="en-US" sz="1050" err="1">
+              <a:rPr lang="en-US" sz="1050">
                 <a:solidFill>
                   <a:schemeClr val="bg1"/>
                 </a:solidFill>
               </a:rPr>
-              <a:t>Albun</a:t>
+              <a:t>Album</a:t>
             </a:r>
             <a:endParaRPr lang="en-SG" sz="1050">
               <a:solidFill>
@@ -14469,12 +14469,12 @@
           <a:p>
             <a:pPr algn="ctr"/>
             <a:r>
-              <a:rPr lang="en-US" sz="1050" err="1">
+              <a:rPr lang="en-US" sz="1050">
                 <a:solidFill>
                   <a:schemeClr val="bg1"/>
                 </a:solidFill>
               </a:rPr>
-              <a:t>Albun</a:t>
+              <a:t>Album</a:t>
             </a:r>
             <a:endParaRPr lang="en-SG" sz="1050">
               <a:solidFill>

--- a/docs/diagrams/ModelComponentClassDiagram.pptx
+++ b/docs/diagrams/ModelComponentClassDiagram.pptx
@@ -109,7 +109,7 @@
   </p:defaultTextStyle>
   <p:extLst>
     <p:ext uri="{EFAFB233-063F-42B5-8137-9DF3F51BA10A}">
-      <p15:sldGuideLst xmlns:p15="http://schemas.microsoft.com/office/powerpoint/2012/main">
+      <p15:sldGuideLst xmlns:p15="http://schemas.microsoft.com/office/powerpoint/2012/main" xmlns="">
         <p15:guide id="1" orient="horz" pos="1488">
           <p15:clr>
             <a:srgbClr val="A4A3A4"/>
@@ -208,7 +208,8 @@
           <a:p>
             <a:fld id="{F5CC4B3F-88C1-4FFA-B1B6-F41C21DC6924}" type="datetimeFigureOut">
               <a:rPr lang="en-US" smtClean="0"/>
-              <a:t>12/5/2018</a:t>
+              <a:pPr/>
+              <a:t>3/31/2019</a:t>
             </a:fld>
             <a:endParaRPr lang="en-US"/>
           </a:p>
@@ -366,6 +367,7 @@
           <a:p>
             <a:fld id="{5A7AB025-77E3-4BD1-A2FD-B3183DBA47A3}" type="slidenum">
               <a:rPr lang="en-US" smtClean="0"/>
+              <a:pPr/>
               <a:t>‹#›</a:t>
             </a:fld>
             <a:endParaRPr lang="en-US"/>
@@ -375,7 +377,7 @@
     </p:spTree>
     <p:extLst>
       <p:ext uri="{BB962C8B-B14F-4D97-AF65-F5344CB8AC3E}">
-        <p14:creationId xmlns:p14="http://schemas.microsoft.com/office/powerpoint/2010/main" val="2023976206"/>
+        <p14:creationId xmlns:p14="http://schemas.microsoft.com/office/powerpoint/2010/main" xmlns="" val="2023976206"/>
       </p:ext>
     </p:extLst>
   </p:cSld>
@@ -654,7 +656,8 @@
           <a:p>
             <a:fld id="{78C97017-6FC3-485B-9764-EAC9E56C1D49}" type="datetimeFigureOut">
               <a:rPr lang="en-US" smtClean="0"/>
-              <a:t>12/5/2018</a:t>
+              <a:pPr/>
+              <a:t>3/31/2019</a:t>
             </a:fld>
             <a:endParaRPr lang="en-US"/>
           </a:p>
@@ -696,6 +699,7 @@
           <a:p>
             <a:fld id="{FB34683C-161B-4520-BF45-B179E228CF2A}" type="slidenum">
               <a:rPr lang="en-US" smtClean="0"/>
+              <a:pPr/>
               <a:t>‹#›</a:t>
             </a:fld>
             <a:endParaRPr lang="en-US"/>
@@ -705,7 +709,7 @@
     </p:spTree>
     <p:extLst>
       <p:ext uri="{BB962C8B-B14F-4D97-AF65-F5344CB8AC3E}">
-        <p14:creationId xmlns:p14="http://schemas.microsoft.com/office/powerpoint/2010/main" val="3246593157"/>
+        <p14:creationId xmlns:p14="http://schemas.microsoft.com/office/powerpoint/2010/main" xmlns="" val="3246593157"/>
       </p:ext>
     </p:extLst>
   </p:cSld>
@@ -822,7 +826,8 @@
           <a:p>
             <a:fld id="{78C97017-6FC3-485B-9764-EAC9E56C1D49}" type="datetimeFigureOut">
               <a:rPr lang="en-US" smtClean="0"/>
-              <a:t>12/5/2018</a:t>
+              <a:pPr/>
+              <a:t>3/31/2019</a:t>
             </a:fld>
             <a:endParaRPr lang="en-US"/>
           </a:p>
@@ -864,6 +869,7 @@
           <a:p>
             <a:fld id="{FB34683C-161B-4520-BF45-B179E228CF2A}" type="slidenum">
               <a:rPr lang="en-US" smtClean="0"/>
+              <a:pPr/>
               <a:t>‹#›</a:t>
             </a:fld>
             <a:endParaRPr lang="en-US"/>
@@ -873,7 +879,7 @@
     </p:spTree>
     <p:extLst>
       <p:ext uri="{BB962C8B-B14F-4D97-AF65-F5344CB8AC3E}">
-        <p14:creationId xmlns:p14="http://schemas.microsoft.com/office/powerpoint/2010/main" val="2707025021"/>
+        <p14:creationId xmlns:p14="http://schemas.microsoft.com/office/powerpoint/2010/main" xmlns="" val="2707025021"/>
       </p:ext>
     </p:extLst>
   </p:cSld>
@@ -1000,7 +1006,8 @@
           <a:p>
             <a:fld id="{78C97017-6FC3-485B-9764-EAC9E56C1D49}" type="datetimeFigureOut">
               <a:rPr lang="en-US" smtClean="0"/>
-              <a:t>12/5/2018</a:t>
+              <a:pPr/>
+              <a:t>3/31/2019</a:t>
             </a:fld>
             <a:endParaRPr lang="en-US"/>
           </a:p>
@@ -1042,6 +1049,7 @@
           <a:p>
             <a:fld id="{FB34683C-161B-4520-BF45-B179E228CF2A}" type="slidenum">
               <a:rPr lang="en-US" smtClean="0"/>
+              <a:pPr/>
               <a:t>‹#›</a:t>
             </a:fld>
             <a:endParaRPr lang="en-US"/>
@@ -1051,7 +1059,7 @@
     </p:spTree>
     <p:extLst>
       <p:ext uri="{BB962C8B-B14F-4D97-AF65-F5344CB8AC3E}">
-        <p14:creationId xmlns:p14="http://schemas.microsoft.com/office/powerpoint/2010/main" val="568378986"/>
+        <p14:creationId xmlns:p14="http://schemas.microsoft.com/office/powerpoint/2010/main" xmlns="" val="568378986"/>
       </p:ext>
     </p:extLst>
   </p:cSld>
@@ -1168,7 +1176,8 @@
           <a:p>
             <a:fld id="{78C97017-6FC3-485B-9764-EAC9E56C1D49}" type="datetimeFigureOut">
               <a:rPr lang="en-US" smtClean="0"/>
-              <a:t>12/5/2018</a:t>
+              <a:pPr/>
+              <a:t>3/31/2019</a:t>
             </a:fld>
             <a:endParaRPr lang="en-US"/>
           </a:p>
@@ -1210,6 +1219,7 @@
           <a:p>
             <a:fld id="{FB34683C-161B-4520-BF45-B179E228CF2A}" type="slidenum">
               <a:rPr lang="en-US" smtClean="0"/>
+              <a:pPr/>
               <a:t>‹#›</a:t>
             </a:fld>
             <a:endParaRPr lang="en-US"/>
@@ -1219,7 +1229,7 @@
     </p:spTree>
     <p:extLst>
       <p:ext uri="{BB962C8B-B14F-4D97-AF65-F5344CB8AC3E}">
-        <p14:creationId xmlns:p14="http://schemas.microsoft.com/office/powerpoint/2010/main" val="266658052"/>
+        <p14:creationId xmlns:p14="http://schemas.microsoft.com/office/powerpoint/2010/main" xmlns="" val="266658052"/>
       </p:ext>
     </p:extLst>
   </p:cSld>
@@ -1413,7 +1423,8 @@
           <a:p>
             <a:fld id="{78C97017-6FC3-485B-9764-EAC9E56C1D49}" type="datetimeFigureOut">
               <a:rPr lang="en-US" smtClean="0"/>
-              <a:t>12/5/2018</a:t>
+              <a:pPr/>
+              <a:t>3/31/2019</a:t>
             </a:fld>
             <a:endParaRPr lang="en-US"/>
           </a:p>
@@ -1455,6 +1466,7 @@
           <a:p>
             <a:fld id="{FB34683C-161B-4520-BF45-B179E228CF2A}" type="slidenum">
               <a:rPr lang="en-US" smtClean="0"/>
+              <a:pPr/>
               <a:t>‹#›</a:t>
             </a:fld>
             <a:endParaRPr lang="en-US"/>
@@ -1464,7 +1476,7 @@
     </p:spTree>
     <p:extLst>
       <p:ext uri="{BB962C8B-B14F-4D97-AF65-F5344CB8AC3E}">
-        <p14:creationId xmlns:p14="http://schemas.microsoft.com/office/powerpoint/2010/main" val="474686344"/>
+        <p14:creationId xmlns:p14="http://schemas.microsoft.com/office/powerpoint/2010/main" xmlns="" val="474686344"/>
       </p:ext>
     </p:extLst>
   </p:cSld>
@@ -1698,7 +1710,8 @@
           <a:p>
             <a:fld id="{78C97017-6FC3-485B-9764-EAC9E56C1D49}" type="datetimeFigureOut">
               <a:rPr lang="en-US" smtClean="0"/>
-              <a:t>12/5/2018</a:t>
+              <a:pPr/>
+              <a:t>3/31/2019</a:t>
             </a:fld>
             <a:endParaRPr lang="en-US"/>
           </a:p>
@@ -1740,6 +1753,7 @@
           <a:p>
             <a:fld id="{FB34683C-161B-4520-BF45-B179E228CF2A}" type="slidenum">
               <a:rPr lang="en-US" smtClean="0"/>
+              <a:pPr/>
               <a:t>‹#›</a:t>
             </a:fld>
             <a:endParaRPr lang="en-US"/>
@@ -1749,7 +1763,7 @@
     </p:spTree>
     <p:extLst>
       <p:ext uri="{BB962C8B-B14F-4D97-AF65-F5344CB8AC3E}">
-        <p14:creationId xmlns:p14="http://schemas.microsoft.com/office/powerpoint/2010/main" val="562293251"/>
+        <p14:creationId xmlns:p14="http://schemas.microsoft.com/office/powerpoint/2010/main" xmlns="" val="562293251"/>
       </p:ext>
     </p:extLst>
   </p:cSld>
@@ -2117,7 +2131,8 @@
           <a:p>
             <a:fld id="{78C97017-6FC3-485B-9764-EAC9E56C1D49}" type="datetimeFigureOut">
               <a:rPr lang="en-US" smtClean="0"/>
-              <a:t>12/5/2018</a:t>
+              <a:pPr/>
+              <a:t>3/31/2019</a:t>
             </a:fld>
             <a:endParaRPr lang="en-US"/>
           </a:p>
@@ -2159,6 +2174,7 @@
           <a:p>
             <a:fld id="{FB34683C-161B-4520-BF45-B179E228CF2A}" type="slidenum">
               <a:rPr lang="en-US" smtClean="0"/>
+              <a:pPr/>
               <a:t>‹#›</a:t>
             </a:fld>
             <a:endParaRPr lang="en-US"/>
@@ -2168,7 +2184,7 @@
     </p:spTree>
     <p:extLst>
       <p:ext uri="{BB962C8B-B14F-4D97-AF65-F5344CB8AC3E}">
-        <p14:creationId xmlns:p14="http://schemas.microsoft.com/office/powerpoint/2010/main" val="1126424250"/>
+        <p14:creationId xmlns:p14="http://schemas.microsoft.com/office/powerpoint/2010/main" xmlns="" val="1126424250"/>
       </p:ext>
     </p:extLst>
   </p:cSld>
@@ -2234,7 +2250,8 @@
           <a:p>
             <a:fld id="{78C97017-6FC3-485B-9764-EAC9E56C1D49}" type="datetimeFigureOut">
               <a:rPr lang="en-US" smtClean="0"/>
-              <a:t>12/5/2018</a:t>
+              <a:pPr/>
+              <a:t>3/31/2019</a:t>
             </a:fld>
             <a:endParaRPr lang="en-US"/>
           </a:p>
@@ -2276,6 +2293,7 @@
           <a:p>
             <a:fld id="{FB34683C-161B-4520-BF45-B179E228CF2A}" type="slidenum">
               <a:rPr lang="en-US" smtClean="0"/>
+              <a:pPr/>
               <a:t>‹#›</a:t>
             </a:fld>
             <a:endParaRPr lang="en-US"/>
@@ -2285,7 +2303,7 @@
     </p:spTree>
     <p:extLst>
       <p:ext uri="{BB962C8B-B14F-4D97-AF65-F5344CB8AC3E}">
-        <p14:creationId xmlns:p14="http://schemas.microsoft.com/office/powerpoint/2010/main" val="4159724230"/>
+        <p14:creationId xmlns:p14="http://schemas.microsoft.com/office/powerpoint/2010/main" xmlns="" val="4159724230"/>
       </p:ext>
     </p:extLst>
   </p:cSld>
@@ -2329,7 +2347,8 @@
           <a:p>
             <a:fld id="{78C97017-6FC3-485B-9764-EAC9E56C1D49}" type="datetimeFigureOut">
               <a:rPr lang="en-US" smtClean="0"/>
-              <a:t>12/5/2018</a:t>
+              <a:pPr/>
+              <a:t>3/31/2019</a:t>
             </a:fld>
             <a:endParaRPr lang="en-US"/>
           </a:p>
@@ -2371,6 +2390,7 @@
           <a:p>
             <a:fld id="{FB34683C-161B-4520-BF45-B179E228CF2A}" type="slidenum">
               <a:rPr lang="en-US" smtClean="0"/>
+              <a:pPr/>
               <a:t>‹#›</a:t>
             </a:fld>
             <a:endParaRPr lang="en-US"/>
@@ -2380,7 +2400,7 @@
     </p:spTree>
     <p:extLst>
       <p:ext uri="{BB962C8B-B14F-4D97-AF65-F5344CB8AC3E}">
-        <p14:creationId xmlns:p14="http://schemas.microsoft.com/office/powerpoint/2010/main" val="1793928710"/>
+        <p14:creationId xmlns:p14="http://schemas.microsoft.com/office/powerpoint/2010/main" xmlns="" val="1793928710"/>
       </p:ext>
     </p:extLst>
   </p:cSld>
@@ -2604,7 +2624,8 @@
           <a:p>
             <a:fld id="{78C97017-6FC3-485B-9764-EAC9E56C1D49}" type="datetimeFigureOut">
               <a:rPr lang="en-US" smtClean="0"/>
-              <a:t>12/5/2018</a:t>
+              <a:pPr/>
+              <a:t>3/31/2019</a:t>
             </a:fld>
             <a:endParaRPr lang="en-US"/>
           </a:p>
@@ -2646,6 +2667,7 @@
           <a:p>
             <a:fld id="{FB34683C-161B-4520-BF45-B179E228CF2A}" type="slidenum">
               <a:rPr lang="en-US" smtClean="0"/>
+              <a:pPr/>
               <a:t>‹#›</a:t>
             </a:fld>
             <a:endParaRPr lang="en-US"/>
@@ -2655,7 +2677,7 @@
     </p:spTree>
     <p:extLst>
       <p:ext uri="{BB962C8B-B14F-4D97-AF65-F5344CB8AC3E}">
-        <p14:creationId xmlns:p14="http://schemas.microsoft.com/office/powerpoint/2010/main" val="2076802089"/>
+        <p14:creationId xmlns:p14="http://schemas.microsoft.com/office/powerpoint/2010/main" xmlns="" val="2076802089"/>
       </p:ext>
     </p:extLst>
   </p:cSld>
@@ -2856,7 +2878,8 @@
           <a:p>
             <a:fld id="{78C97017-6FC3-485B-9764-EAC9E56C1D49}" type="datetimeFigureOut">
               <a:rPr lang="en-US" smtClean="0"/>
-              <a:t>12/5/2018</a:t>
+              <a:pPr/>
+              <a:t>3/31/2019</a:t>
             </a:fld>
             <a:endParaRPr lang="en-US"/>
           </a:p>
@@ -2898,6 +2921,7 @@
           <a:p>
             <a:fld id="{FB34683C-161B-4520-BF45-B179E228CF2A}" type="slidenum">
               <a:rPr lang="en-US" smtClean="0"/>
+              <a:pPr/>
               <a:t>‹#›</a:t>
             </a:fld>
             <a:endParaRPr lang="en-US"/>
@@ -2907,7 +2931,7 @@
     </p:spTree>
     <p:extLst>
       <p:ext uri="{BB962C8B-B14F-4D97-AF65-F5344CB8AC3E}">
-        <p14:creationId xmlns:p14="http://schemas.microsoft.com/office/powerpoint/2010/main" val="201835938"/>
+        <p14:creationId xmlns:p14="http://schemas.microsoft.com/office/powerpoint/2010/main" xmlns="" val="201835938"/>
       </p:ext>
     </p:extLst>
   </p:cSld>
@@ -3067,7 +3091,8 @@
           <a:p>
             <a:fld id="{78C97017-6FC3-485B-9764-EAC9E56C1D49}" type="datetimeFigureOut">
               <a:rPr lang="en-US" smtClean="0"/>
-              <a:t>12/5/2018</a:t>
+              <a:pPr/>
+              <a:t>3/31/2019</a:t>
             </a:fld>
             <a:endParaRPr lang="en-US"/>
           </a:p>
@@ -3145,6 +3170,7 @@
           <a:p>
             <a:fld id="{FB34683C-161B-4520-BF45-B179E228CF2A}" type="slidenum">
               <a:rPr lang="en-US" smtClean="0"/>
+              <a:pPr/>
               <a:t>‹#›</a:t>
             </a:fld>
             <a:endParaRPr lang="en-US"/>
@@ -3154,7 +3180,7 @@
     </p:spTree>
     <p:extLst>
       <p:ext uri="{BB962C8B-B14F-4D97-AF65-F5344CB8AC3E}">
-        <p14:creationId xmlns:p14="http://schemas.microsoft.com/office/powerpoint/2010/main" val="2341400630"/>
+        <p14:creationId xmlns:p14="http://schemas.microsoft.com/office/powerpoint/2010/main" xmlns="" val="2341400630"/>
       </p:ext>
     </p:extLst>
   </p:cSld>
@@ -3992,12 +4018,12 @@
           <a:p>
             <a:pPr algn="ctr"/>
             <a:r>
-              <a:rPr lang="en-US" sz="1050" dirty="0" err="1">
+              <a:rPr lang="en-US" sz="1050" dirty="0" err="1" smtClean="0">
                 <a:solidFill>
                   <a:srgbClr val="7030A0"/>
                 </a:solidFill>
               </a:rPr>
-              <a:t>VersionedAddressBook</a:t>
+              <a:t>VersionedGradTrak</a:t>
             </a:r>
             <a:endParaRPr lang="en-SG" sz="1050" dirty="0">
               <a:solidFill>
@@ -4134,12 +4160,12 @@
           <a:p>
             <a:pPr algn="ctr"/>
             <a:r>
-              <a:rPr lang="en-US" sz="1050" dirty="0" err="1">
+              <a:rPr lang="en-US" sz="1050" dirty="0" err="1" smtClean="0">
                 <a:solidFill>
                   <a:srgbClr val="7030A0"/>
                 </a:solidFill>
               </a:rPr>
-              <a:t>UniquePersonList</a:t>
+              <a:t>UniqueModuleTakenList</a:t>
             </a:r>
             <a:endParaRPr lang="en-SG" sz="1050" dirty="0">
               <a:solidFill>
@@ -4237,12 +4263,12 @@
           <a:p>
             <a:pPr algn="ctr"/>
             <a:r>
-              <a:rPr lang="en-US" sz="1050" dirty="0">
+              <a:rPr lang="en-US" sz="1050" dirty="0" err="1" smtClean="0">
                 <a:solidFill>
                   <a:srgbClr val="7030A0"/>
                 </a:solidFill>
               </a:rPr>
-              <a:t>Person</a:t>
+              <a:t>ModuleTaken</a:t>
             </a:r>
             <a:endParaRPr lang="en-SG" sz="1050" dirty="0">
               <a:solidFill>
@@ -4379,12 +4405,12 @@
           <a:p>
             <a:pPr algn="ctr"/>
             <a:r>
-              <a:rPr lang="en-US" sz="1050" dirty="0">
+              <a:rPr lang="en-US" sz="1050" dirty="0" smtClean="0">
                 <a:solidFill>
                   <a:srgbClr val="7030A0"/>
                 </a:solidFill>
               </a:rPr>
-              <a:t>Name</a:t>
+              <a:t>Code</a:t>
             </a:r>
             <a:endParaRPr lang="en-SG" sz="1050" dirty="0">
               <a:solidFill>
@@ -4522,12 +4548,12 @@
           <a:p>
             <a:pPr algn="ctr"/>
             <a:r>
-              <a:rPr lang="en-US" sz="1050" dirty="0">
+              <a:rPr lang="en-US" sz="1050" dirty="0" smtClean="0">
                 <a:solidFill>
                   <a:srgbClr val="7030A0"/>
                 </a:solidFill>
               </a:rPr>
-              <a:t>Phone</a:t>
+              <a:t>Semester</a:t>
             </a:r>
             <a:endParaRPr lang="en-SG" sz="1050" dirty="0">
               <a:solidFill>
@@ -4619,12 +4645,12 @@
           <a:p>
             <a:pPr algn="ctr"/>
             <a:r>
-              <a:rPr lang="en-US" sz="1050" dirty="0">
+              <a:rPr lang="en-US" sz="1050" dirty="0" smtClean="0">
                 <a:solidFill>
                   <a:srgbClr val="7030A0"/>
                 </a:solidFill>
               </a:rPr>
-              <a:t>Email</a:t>
+              <a:t>Grade Range</a:t>
             </a:r>
             <a:endParaRPr lang="en-SG" sz="1050" dirty="0">
               <a:solidFill>
@@ -4684,7 +4710,7 @@
         <p:spPr>
           <a:xfrm>
             <a:off x="7712397" y="3533171"/>
-            <a:ext cx="708186" cy="285783"/>
+            <a:ext cx="745804" cy="285783"/>
           </a:xfrm>
           <a:prstGeom prst="rect">
             <a:avLst/>
@@ -4716,12 +4742,12 @@
           <a:p>
             <a:pPr algn="ctr"/>
             <a:r>
-              <a:rPr lang="en-US" sz="1050" dirty="0">
+              <a:rPr lang="en-US" sz="1050" dirty="0" smtClean="0">
                 <a:solidFill>
                   <a:srgbClr val="7030A0"/>
                 </a:solidFill>
               </a:rPr>
-              <a:t>Address</a:t>
+              <a:t>Workload</a:t>
             </a:r>
             <a:endParaRPr lang="en-SG" sz="1050" dirty="0">
               <a:solidFill>
@@ -4746,7 +4772,9 @@
             <a:ext cx="434402" cy="641172"/>
           </a:xfrm>
           <a:prstGeom prst="bentConnector3">
-            <a:avLst/>
+            <a:avLst>
+              <a:gd name="adj1" fmla="val 50000"/>
+            </a:avLst>
           </a:prstGeom>
           <a:ln w="19050">
             <a:solidFill>
@@ -4926,12 +4954,12 @@
               </a:rPr>
             </a:br>
             <a:r>
-              <a:rPr lang="en-US" sz="1050" dirty="0" err="1">
+              <a:rPr lang="en-US" sz="1050" dirty="0" err="1" smtClean="0">
                 <a:solidFill>
                   <a:srgbClr val="7030A0"/>
                 </a:solidFill>
               </a:rPr>
-              <a:t>ReadOnlyAddressBook</a:t>
+              <a:t>ReadOnlyGradTrak</a:t>
             </a:r>
             <a:endParaRPr lang="en-SG" sz="1050" dirty="0">
               <a:solidFill>
@@ -5027,6 +5055,14 @@
                 </a:solidFill>
               </a:rPr>
               <a:t>&lt;&lt;interface&gt;&gt;</a:t>
+            </a:r>
+            <a:r>
+              <a:rPr lang="en-US" sz="1050">
+                <a:solidFill>
+                  <a:srgbClr val="7030A0"/>
+                </a:solidFill>
+              </a:rPr>
+              <a:t/>
             </a:r>
             <a:br>
               <a:rPr lang="en-US" sz="1050">
@@ -5293,7 +5329,7 @@
           <p:cNvPr id="52" name="Rectangle 8">
             <a:extLst>
               <a:ext uri="{FF2B5EF4-FFF2-40B4-BE49-F238E27FC236}">
-                <a16:creationId xmlns:a16="http://schemas.microsoft.com/office/drawing/2014/main" id="{ABDCDBD2-131A-4B66-A2F2-43BBEE82C773}"/>
+                <a16:creationId xmlns:a16="http://schemas.microsoft.com/office/drawing/2014/main" xmlns="" id="{ABDCDBD2-131A-4B66-A2F2-43BBEE82C773}"/>
               </a:ext>
             </a:extLst>
           </p:cNvPr>
@@ -5355,7 +5391,7 @@
           <p:cNvPr id="53" name="Elbow Connector 78">
             <a:extLst>
               <a:ext uri="{FF2B5EF4-FFF2-40B4-BE49-F238E27FC236}">
-                <a16:creationId xmlns:a16="http://schemas.microsoft.com/office/drawing/2014/main" id="{B97967F8-618A-448B-81FD-CDFD4AF0EC64}"/>
+                <a16:creationId xmlns:a16="http://schemas.microsoft.com/office/drawing/2014/main" xmlns="" id="{B97967F8-618A-448B-81FD-CDFD4AF0EC64}"/>
               </a:ext>
             </a:extLst>
           </p:cNvPr>
@@ -5405,7 +5441,7 @@
           <p:cNvPr id="50" name="TextBox 49">
             <a:extLst>
               <a:ext uri="{FF2B5EF4-FFF2-40B4-BE49-F238E27FC236}">
-                <a16:creationId xmlns:a16="http://schemas.microsoft.com/office/drawing/2014/main" id="{B3FA9D57-880F-49C4-AD0B-A64E30D6F403}"/>
+                <a16:creationId xmlns:a16="http://schemas.microsoft.com/office/drawing/2014/main" xmlns="" id="{B3FA9D57-880F-49C4-AD0B-A64E30D6F403}"/>
               </a:ext>
             </a:extLst>
           </p:cNvPr>
@@ -5486,12 +5522,12 @@
           <a:p>
             <a:pPr algn="ctr"/>
             <a:r>
-              <a:rPr lang="en-US" sz="1050" dirty="0" err="1">
+              <a:rPr lang="en-US" sz="1050" dirty="0" err="1" smtClean="0">
                 <a:solidFill>
                   <a:srgbClr val="7030A0"/>
                 </a:solidFill>
               </a:rPr>
-              <a:t>AddressBook</a:t>
+              <a:t>GradTrak</a:t>
             </a:r>
             <a:endParaRPr lang="en-SG" sz="1050" dirty="0">
               <a:solidFill>
@@ -5643,7 +5679,7 @@
           <p:cNvPr id="57" name="Rectangle 8">
             <a:extLst>
               <a:ext uri="{FF2B5EF4-FFF2-40B4-BE49-F238E27FC236}">
-                <a16:creationId xmlns:a16="http://schemas.microsoft.com/office/drawing/2014/main" id="{6A42DA50-9012-4391-9EF3-285E4FA3FCD8}"/>
+                <a16:creationId xmlns:a16="http://schemas.microsoft.com/office/drawing/2014/main" xmlns="" id="{6A42DA50-9012-4391-9EF3-285E4FA3FCD8}"/>
               </a:ext>
             </a:extLst>
           </p:cNvPr>
@@ -5716,7 +5752,7 @@
           <p:cNvPr id="59" name="Isosceles Triangle 102">
             <a:extLst>
               <a:ext uri="{FF2B5EF4-FFF2-40B4-BE49-F238E27FC236}">
-                <a16:creationId xmlns:a16="http://schemas.microsoft.com/office/drawing/2014/main" id="{B263B2D7-6E76-465E-B40E-7E2A46254A84}"/>
+                <a16:creationId xmlns:a16="http://schemas.microsoft.com/office/drawing/2014/main" xmlns="" id="{B263B2D7-6E76-465E-B40E-7E2A46254A84}"/>
               </a:ext>
             </a:extLst>
           </p:cNvPr>
@@ -5774,7 +5810,7 @@
           <p:cNvPr id="67" name="Elbow Connector 63">
             <a:extLst>
               <a:ext uri="{FF2B5EF4-FFF2-40B4-BE49-F238E27FC236}">
-                <a16:creationId xmlns:a16="http://schemas.microsoft.com/office/drawing/2014/main" id="{BA3A25CD-7C1D-4B3B-B294-1B05ABCFECFD}"/>
+                <a16:creationId xmlns:a16="http://schemas.microsoft.com/office/drawing/2014/main" xmlns="" id="{BA3A25CD-7C1D-4B3B-B294-1B05ABCFECFD}"/>
               </a:ext>
             </a:extLst>
           </p:cNvPr>
@@ -5823,7 +5859,7 @@
     </p:spTree>
     <p:extLst>
       <p:ext uri="{BB962C8B-B14F-4D97-AF65-F5344CB8AC3E}">
-        <p14:creationId xmlns:p14="http://schemas.microsoft.com/office/powerpoint/2010/main" val="2396968029"/>
+        <p14:creationId xmlns:p14="http://schemas.microsoft.com/office/powerpoint/2010/main" xmlns="" val="2396968029"/>
       </p:ext>
     </p:extLst>
   </p:cSld>

--- a/docs/diagrams/ModelComponentClassDiagram.pptx
+++ b/docs/diagrams/ModelComponentClassDiagram.pptx
@@ -109,7 +109,7 @@
   </p:defaultTextStyle>
   <p:extLst>
     <p:ext uri="{EFAFB233-063F-42B5-8137-9DF3F51BA10A}">
-      <p15:sldGuideLst xmlns:p15="http://schemas.microsoft.com/office/powerpoint/2012/main">
+      <p15:sldGuideLst xmlns:p15="http://schemas.microsoft.com/office/powerpoint/2012/main" xmlns="">
         <p15:guide id="1" orient="horz" pos="1488">
           <p15:clr>
             <a:srgbClr val="A4A3A4"/>
@@ -208,7 +208,7 @@
           <a:p>
             <a:fld id="{F5CC4B3F-88C1-4FFA-B1B6-F41C21DC6924}" type="datetimeFigureOut">
               <a:rPr lang="en-US" smtClean="0"/>
-              <a:t>12/5/2018</a:t>
+              <a:t>3/31/2019</a:t>
             </a:fld>
             <a:endParaRPr lang="en-US"/>
           </a:p>
@@ -654,7 +654,7 @@
           <a:p>
             <a:fld id="{78C97017-6FC3-485B-9764-EAC9E56C1D49}" type="datetimeFigureOut">
               <a:rPr lang="en-US" smtClean="0"/>
-              <a:t>12/5/2018</a:t>
+              <a:t>3/31/2019</a:t>
             </a:fld>
             <a:endParaRPr lang="en-US"/>
           </a:p>
@@ -822,7 +822,7 @@
           <a:p>
             <a:fld id="{78C97017-6FC3-485B-9764-EAC9E56C1D49}" type="datetimeFigureOut">
               <a:rPr lang="en-US" smtClean="0"/>
-              <a:t>12/5/2018</a:t>
+              <a:t>3/31/2019</a:t>
             </a:fld>
             <a:endParaRPr lang="en-US"/>
           </a:p>
@@ -1000,7 +1000,7 @@
           <a:p>
             <a:fld id="{78C97017-6FC3-485B-9764-EAC9E56C1D49}" type="datetimeFigureOut">
               <a:rPr lang="en-US" smtClean="0"/>
-              <a:t>12/5/2018</a:t>
+              <a:t>3/31/2019</a:t>
             </a:fld>
             <a:endParaRPr lang="en-US"/>
           </a:p>
@@ -1168,7 +1168,7 @@
           <a:p>
             <a:fld id="{78C97017-6FC3-485B-9764-EAC9E56C1D49}" type="datetimeFigureOut">
               <a:rPr lang="en-US" smtClean="0"/>
-              <a:t>12/5/2018</a:t>
+              <a:t>3/31/2019</a:t>
             </a:fld>
             <a:endParaRPr lang="en-US"/>
           </a:p>
@@ -1413,7 +1413,7 @@
           <a:p>
             <a:fld id="{78C97017-6FC3-485B-9764-EAC9E56C1D49}" type="datetimeFigureOut">
               <a:rPr lang="en-US" smtClean="0"/>
-              <a:t>12/5/2018</a:t>
+              <a:t>3/31/2019</a:t>
             </a:fld>
             <a:endParaRPr lang="en-US"/>
           </a:p>
@@ -1698,7 +1698,7 @@
           <a:p>
             <a:fld id="{78C97017-6FC3-485B-9764-EAC9E56C1D49}" type="datetimeFigureOut">
               <a:rPr lang="en-US" smtClean="0"/>
-              <a:t>12/5/2018</a:t>
+              <a:t>3/31/2019</a:t>
             </a:fld>
             <a:endParaRPr lang="en-US"/>
           </a:p>
@@ -2117,7 +2117,7 @@
           <a:p>
             <a:fld id="{78C97017-6FC3-485B-9764-EAC9E56C1D49}" type="datetimeFigureOut">
               <a:rPr lang="en-US" smtClean="0"/>
-              <a:t>12/5/2018</a:t>
+              <a:t>3/31/2019</a:t>
             </a:fld>
             <a:endParaRPr lang="en-US"/>
           </a:p>
@@ -2234,7 +2234,7 @@
           <a:p>
             <a:fld id="{78C97017-6FC3-485B-9764-EAC9E56C1D49}" type="datetimeFigureOut">
               <a:rPr lang="en-US" smtClean="0"/>
-              <a:t>12/5/2018</a:t>
+              <a:t>3/31/2019</a:t>
             </a:fld>
             <a:endParaRPr lang="en-US"/>
           </a:p>
@@ -2329,7 +2329,7 @@
           <a:p>
             <a:fld id="{78C97017-6FC3-485B-9764-EAC9E56C1D49}" type="datetimeFigureOut">
               <a:rPr lang="en-US" smtClean="0"/>
-              <a:t>12/5/2018</a:t>
+              <a:t>3/31/2019</a:t>
             </a:fld>
             <a:endParaRPr lang="en-US"/>
           </a:p>
@@ -2604,7 +2604,7 @@
           <a:p>
             <a:fld id="{78C97017-6FC3-485B-9764-EAC9E56C1D49}" type="datetimeFigureOut">
               <a:rPr lang="en-US" smtClean="0"/>
-              <a:t>12/5/2018</a:t>
+              <a:t>3/31/2019</a:t>
             </a:fld>
             <a:endParaRPr lang="en-US"/>
           </a:p>
@@ -2856,7 +2856,7 @@
           <a:p>
             <a:fld id="{78C97017-6FC3-485B-9764-EAC9E56C1D49}" type="datetimeFigureOut">
               <a:rPr lang="en-US" smtClean="0"/>
-              <a:t>12/5/2018</a:t>
+              <a:t>3/31/2019</a:t>
             </a:fld>
             <a:endParaRPr lang="en-US"/>
           </a:p>
@@ -3067,7 +3067,7 @@
           <a:p>
             <a:fld id="{78C97017-6FC3-485B-9764-EAC9E56C1D49}" type="datetimeFigureOut">
               <a:rPr lang="en-US" smtClean="0"/>
-              <a:t>12/5/2018</a:t>
+              <a:t>3/31/2019</a:t>
             </a:fld>
             <a:endParaRPr lang="en-US"/>
           </a:p>
@@ -3450,8 +3450,8 @@
         </p:nvSpPr>
         <p:spPr>
           <a:xfrm>
-            <a:off x="1119865" y="1600200"/>
-            <a:ext cx="7490735" cy="3124200"/>
+            <a:off x="485496" y="1605662"/>
+            <a:ext cx="8582304" cy="3124200"/>
           </a:xfrm>
           <a:prstGeom prst="roundRect">
             <a:avLst>
@@ -3992,12 +3992,12 @@
           <a:p>
             <a:pPr algn="ctr"/>
             <a:r>
-              <a:rPr lang="en-US" sz="1050" dirty="0" err="1">
+              <a:rPr lang="en-US" sz="1050" dirty="0" err="1" smtClean="0">
                 <a:solidFill>
                   <a:srgbClr val="7030A0"/>
                 </a:solidFill>
               </a:rPr>
-              <a:t>VersionedAddressBook</a:t>
+              <a:t>VersionedTopDeck</a:t>
             </a:r>
             <a:endParaRPr lang="en-SG" sz="1050" dirty="0">
               <a:solidFill>
@@ -4134,12 +4134,12 @@
           <a:p>
             <a:pPr algn="ctr"/>
             <a:r>
-              <a:rPr lang="en-US" sz="1050" dirty="0" err="1">
+              <a:rPr lang="en-US" sz="1050" dirty="0" err="1" smtClean="0">
                 <a:solidFill>
                   <a:srgbClr val="7030A0"/>
                 </a:solidFill>
               </a:rPr>
-              <a:t>UniquePersonList</a:t>
+              <a:t>UniqueDeckList</a:t>
             </a:r>
             <a:endParaRPr lang="en-SG" sz="1050" dirty="0">
               <a:solidFill>
@@ -4237,12 +4237,12 @@
           <a:p>
             <a:pPr algn="ctr"/>
             <a:r>
-              <a:rPr lang="en-US" sz="1050" dirty="0">
+              <a:rPr lang="en-US" sz="1050" dirty="0" smtClean="0">
                 <a:solidFill>
                   <a:srgbClr val="7030A0"/>
                 </a:solidFill>
               </a:rPr>
-              <a:t>Person</a:t>
+              <a:t>Deck</a:t>
             </a:r>
             <a:endParaRPr lang="en-SG" sz="1050" dirty="0">
               <a:solidFill>
@@ -4346,7 +4346,7 @@
         </p:nvSpPr>
         <p:spPr>
           <a:xfrm>
-            <a:off x="7712397" y="2564238"/>
+            <a:off x="7244440" y="4222526"/>
             <a:ext cx="708186" cy="285783"/>
           </a:xfrm>
           <a:prstGeom prst="rect">
@@ -4402,7 +4402,7 @@
         </p:nvSpPr>
         <p:spPr>
           <a:xfrm>
-            <a:off x="7041947" y="2948201"/>
+            <a:off x="7021863" y="2956223"/>
             <a:ext cx="236048" cy="173380"/>
           </a:xfrm>
           <a:prstGeom prst="flowChartDecision">
@@ -4443,310 +4443,22 @@
       </p:sp>
       <p:cxnSp>
         <p:nvCxnSpPr>
-          <p:cNvPr id="79" name="Elbow Connector 78"/>
+          <p:cNvPr id="81" name="Elbow Connector 80"/>
           <p:cNvCxnSpPr>
-            <a:cxnSpLocks/>
+            <a:stCxn id="74" idx="2"/>
+            <a:endCxn id="76" idx="0"/>
           </p:cNvCxnSpPr>
           <p:nvPr/>
         </p:nvCxnSpPr>
         <p:spPr>
-          <a:xfrm flipV="1">
-            <a:off x="7277995" y="2706821"/>
-            <a:ext cx="434402" cy="327761"/>
+          <a:xfrm rot="5400000">
+            <a:off x="7667548" y="3859144"/>
+            <a:ext cx="294367" cy="432396"/>
           </a:xfrm>
           <a:prstGeom prst="bentConnector3">
-            <a:avLst/>
-          </a:prstGeom>
-          <a:ln w="19050">
-            <a:solidFill>
-              <a:srgbClr val="7030A0"/>
-            </a:solidFill>
-            <a:headEnd type="none" w="med" len="med"/>
-            <a:tailEnd type="arrow" w="med" len="med"/>
-          </a:ln>
-          <a:effectLst/>
-        </p:spPr>
-        <p:style>
-          <a:lnRef idx="1">
-            <a:schemeClr val="accent2"/>
-          </a:lnRef>
-          <a:fillRef idx="2">
-            <a:schemeClr val="accent2"/>
-          </a:fillRef>
-          <a:effectRef idx="1">
-            <a:schemeClr val="accent2"/>
-          </a:effectRef>
-          <a:fontRef idx="minor">
-            <a:schemeClr val="dk1"/>
-          </a:fontRef>
-        </p:style>
-      </p:cxnSp>
-      <p:sp>
-        <p:nvSpPr>
-          <p:cNvPr id="80" name="Rectangle 8"/>
-          <p:cNvSpPr/>
-          <p:nvPr/>
-        </p:nvSpPr>
-        <p:spPr>
-          <a:xfrm>
-            <a:off x="7712397" y="2887216"/>
-            <a:ext cx="708186" cy="285783"/>
-          </a:xfrm>
-          <a:prstGeom prst="rect">
-            <a:avLst/>
-          </a:prstGeom>
-          <a:ln w="19050">
-            <a:solidFill>
-              <a:srgbClr val="7030A0"/>
-            </a:solidFill>
-          </a:ln>
-          <a:effectLst/>
-        </p:spPr>
-        <p:style>
-          <a:lnRef idx="1">
-            <a:schemeClr val="accent4"/>
-          </a:lnRef>
-          <a:fillRef idx="2">
-            <a:schemeClr val="accent4"/>
-          </a:fillRef>
-          <a:effectRef idx="1">
-            <a:schemeClr val="accent4"/>
-          </a:effectRef>
-          <a:fontRef idx="minor">
-            <a:schemeClr val="dk1"/>
-          </a:fontRef>
-        </p:style>
-        <p:txBody>
-          <a:bodyPr rtlCol="0" anchor="ctr"/>
-          <a:lstStyle/>
-          <a:p>
-            <a:pPr algn="ctr"/>
-            <a:r>
-              <a:rPr lang="en-US" sz="1050" dirty="0">
-                <a:solidFill>
-                  <a:srgbClr val="7030A0"/>
-                </a:solidFill>
-              </a:rPr>
-              <a:t>Phone</a:t>
-            </a:r>
-            <a:endParaRPr lang="en-SG" sz="1050" dirty="0">
-              <a:solidFill>
-                <a:srgbClr val="7030A0"/>
-              </a:solidFill>
-            </a:endParaRPr>
-          </a:p>
-        </p:txBody>
-      </p:sp>
-      <p:cxnSp>
-        <p:nvCxnSpPr>
-          <p:cNvPr id="81" name="Elbow Connector 80"/>
-          <p:cNvCxnSpPr>
-            <a:stCxn id="78" idx="3"/>
-            <a:endCxn id="80" idx="1"/>
-          </p:cNvCxnSpPr>
-          <p:nvPr/>
-        </p:nvCxnSpPr>
-        <p:spPr>
-          <a:xfrm flipV="1">
-            <a:off x="7277995" y="3030108"/>
-            <a:ext cx="434402" cy="4783"/>
-          </a:xfrm>
-          <a:prstGeom prst="bentConnector3">
-            <a:avLst/>
-          </a:prstGeom>
-          <a:ln w="19050">
-            <a:solidFill>
-              <a:srgbClr val="7030A0"/>
-            </a:solidFill>
-            <a:headEnd type="none" w="med" len="med"/>
-            <a:tailEnd type="arrow" w="med" len="med"/>
-          </a:ln>
-          <a:effectLst/>
-        </p:spPr>
-        <p:style>
-          <a:lnRef idx="1">
-            <a:schemeClr val="accent2"/>
-          </a:lnRef>
-          <a:fillRef idx="2">
-            <a:schemeClr val="accent2"/>
-          </a:fillRef>
-          <a:effectRef idx="1">
-            <a:schemeClr val="accent2"/>
-          </a:effectRef>
-          <a:fontRef idx="minor">
-            <a:schemeClr val="dk1"/>
-          </a:fontRef>
-        </p:style>
-      </p:cxnSp>
-      <p:sp>
-        <p:nvSpPr>
-          <p:cNvPr id="83" name="Rectangle 8"/>
-          <p:cNvSpPr/>
-          <p:nvPr/>
-        </p:nvSpPr>
-        <p:spPr>
-          <a:xfrm>
-            <a:off x="7712397" y="3210194"/>
-            <a:ext cx="708186" cy="285783"/>
-          </a:xfrm>
-          <a:prstGeom prst="rect">
-            <a:avLst/>
-          </a:prstGeom>
-          <a:ln w="19050">
-            <a:solidFill>
-              <a:srgbClr val="7030A0"/>
-            </a:solidFill>
-          </a:ln>
-          <a:effectLst/>
-        </p:spPr>
-        <p:style>
-          <a:lnRef idx="1">
-            <a:schemeClr val="accent4"/>
-          </a:lnRef>
-          <a:fillRef idx="2">
-            <a:schemeClr val="accent4"/>
-          </a:fillRef>
-          <a:effectRef idx="1">
-            <a:schemeClr val="accent4"/>
-          </a:effectRef>
-          <a:fontRef idx="minor">
-            <a:schemeClr val="dk1"/>
-          </a:fontRef>
-        </p:style>
-        <p:txBody>
-          <a:bodyPr rtlCol="0" anchor="ctr"/>
-          <a:lstStyle/>
-          <a:p>
-            <a:pPr algn="ctr"/>
-            <a:r>
-              <a:rPr lang="en-US" sz="1050" dirty="0">
-                <a:solidFill>
-                  <a:srgbClr val="7030A0"/>
-                </a:solidFill>
-              </a:rPr>
-              <a:t>Email</a:t>
-            </a:r>
-            <a:endParaRPr lang="en-SG" sz="1050" dirty="0">
-              <a:solidFill>
-                <a:srgbClr val="7030A0"/>
-              </a:solidFill>
-            </a:endParaRPr>
-          </a:p>
-        </p:txBody>
-      </p:sp>
-      <p:cxnSp>
-        <p:nvCxnSpPr>
-          <p:cNvPr id="84" name="Elbow Connector 83"/>
-          <p:cNvCxnSpPr>
-            <a:stCxn id="78" idx="3"/>
-            <a:endCxn id="83" idx="1"/>
-          </p:cNvCxnSpPr>
-          <p:nvPr/>
-        </p:nvCxnSpPr>
-        <p:spPr>
-          <a:xfrm>
-            <a:off x="7277995" y="3034891"/>
-            <a:ext cx="434402" cy="318195"/>
-          </a:xfrm>
-          <a:prstGeom prst="bentConnector3">
-            <a:avLst/>
-          </a:prstGeom>
-          <a:ln w="19050">
-            <a:solidFill>
-              <a:srgbClr val="7030A0"/>
-            </a:solidFill>
-            <a:headEnd type="none" w="med" len="med"/>
-            <a:tailEnd type="arrow" w="med" len="med"/>
-          </a:ln>
-          <a:effectLst/>
-        </p:spPr>
-        <p:style>
-          <a:lnRef idx="1">
-            <a:schemeClr val="accent2"/>
-          </a:lnRef>
-          <a:fillRef idx="2">
-            <a:schemeClr val="accent2"/>
-          </a:fillRef>
-          <a:effectRef idx="1">
-            <a:schemeClr val="accent2"/>
-          </a:effectRef>
-          <a:fontRef idx="minor">
-            <a:schemeClr val="dk1"/>
-          </a:fontRef>
-        </p:style>
-      </p:cxnSp>
-      <p:sp>
-        <p:nvSpPr>
-          <p:cNvPr id="85" name="Rectangle 8"/>
-          <p:cNvSpPr/>
-          <p:nvPr/>
-        </p:nvSpPr>
-        <p:spPr>
-          <a:xfrm>
-            <a:off x="7712397" y="3533171"/>
-            <a:ext cx="708186" cy="285783"/>
-          </a:xfrm>
-          <a:prstGeom prst="rect">
-            <a:avLst/>
-          </a:prstGeom>
-          <a:ln w="19050">
-            <a:solidFill>
-              <a:srgbClr val="7030A0"/>
-            </a:solidFill>
-          </a:ln>
-          <a:effectLst/>
-        </p:spPr>
-        <p:style>
-          <a:lnRef idx="1">
-            <a:schemeClr val="accent4"/>
-          </a:lnRef>
-          <a:fillRef idx="2">
-            <a:schemeClr val="accent4"/>
-          </a:fillRef>
-          <a:effectRef idx="1">
-            <a:schemeClr val="accent4"/>
-          </a:effectRef>
-          <a:fontRef idx="minor">
-            <a:schemeClr val="dk1"/>
-          </a:fontRef>
-        </p:style>
-        <p:txBody>
-          <a:bodyPr rtlCol="0" anchor="ctr"/>
-          <a:lstStyle/>
-          <a:p>
-            <a:pPr algn="ctr"/>
-            <a:r>
-              <a:rPr lang="en-US" sz="1050" dirty="0">
-                <a:solidFill>
-                  <a:srgbClr val="7030A0"/>
-                </a:solidFill>
-              </a:rPr>
-              <a:t>Address</a:t>
-            </a:r>
-            <a:endParaRPr lang="en-SG" sz="1050" dirty="0">
-              <a:solidFill>
-                <a:srgbClr val="7030A0"/>
-              </a:solidFill>
-            </a:endParaRPr>
-          </a:p>
-        </p:txBody>
-      </p:sp>
-      <p:cxnSp>
-        <p:nvCxnSpPr>
-          <p:cNvPr id="86" name="Elbow Connector 85"/>
-          <p:cNvCxnSpPr>
-            <a:stCxn id="78" idx="3"/>
-            <a:endCxn id="85" idx="1"/>
-          </p:cNvCxnSpPr>
-          <p:nvPr/>
-        </p:nvCxnSpPr>
-        <p:spPr>
-          <a:xfrm>
-            <a:off x="7277995" y="3034891"/>
-            <a:ext cx="434402" cy="641172"/>
-          </a:xfrm>
-          <a:prstGeom prst="bentConnector3">
-            <a:avLst/>
+            <a:avLst>
+              <a:gd name="adj1" fmla="val 50000"/>
+            </a:avLst>
           </a:prstGeom>
           <a:ln w="19050">
             <a:solidFill>
@@ -4926,12 +4638,12 @@
               </a:rPr>
             </a:br>
             <a:r>
-              <a:rPr lang="en-US" sz="1050" dirty="0" err="1">
+              <a:rPr lang="en-US" sz="1050" dirty="0" err="1" smtClean="0">
                 <a:solidFill>
                   <a:srgbClr val="7030A0"/>
                 </a:solidFill>
               </a:rPr>
-              <a:t>ReadOnlyAddressBook</a:t>
+              <a:t>ReadOnlyTopDeck</a:t>
             </a:r>
             <a:endParaRPr lang="en-SG" sz="1050" dirty="0">
               <a:solidFill>
@@ -5029,7 +4741,7 @@
               <a:t>&lt;&lt;interface&gt;&gt;</a:t>
             </a:r>
             <a:br>
-              <a:rPr lang="en-US" sz="1050">
+              <a:rPr lang="en-US" sz="1050" dirty="0">
                 <a:solidFill>
                   <a:srgbClr val="7030A0"/>
                 </a:solidFill>
@@ -5293,7 +5005,7 @@
           <p:cNvPr id="52" name="Rectangle 8">
             <a:extLst>
               <a:ext uri="{FF2B5EF4-FFF2-40B4-BE49-F238E27FC236}">
-                <a16:creationId xmlns:a16="http://schemas.microsoft.com/office/drawing/2014/main" id="{ABDCDBD2-131A-4B66-A2F2-43BBEE82C773}"/>
+                <a16:creationId xmlns:a16="http://schemas.microsoft.com/office/drawing/2014/main" xmlns="" id="{ABDCDBD2-131A-4B66-A2F2-43BBEE82C773}"/>
               </a:ext>
             </a:extLst>
           </p:cNvPr>
@@ -5302,7 +5014,7 @@
         </p:nvSpPr>
         <p:spPr>
           <a:xfrm>
-            <a:off x="7712397" y="2228817"/>
+            <a:off x="8133713" y="4222526"/>
             <a:ext cx="708186" cy="285783"/>
           </a:xfrm>
           <a:prstGeom prst="rect">
@@ -5335,12 +5047,12 @@
           <a:p>
             <a:pPr algn="ctr"/>
             <a:r>
-              <a:rPr lang="en-US" sz="1050" dirty="0">
+              <a:rPr lang="en-US" sz="1050" dirty="0" smtClean="0">
                 <a:solidFill>
                   <a:srgbClr val="7030A0"/>
                 </a:solidFill>
               </a:rPr>
-              <a:t>Tag</a:t>
+              <a:t>Question</a:t>
             </a:r>
             <a:endParaRPr lang="en-SG" sz="1050" dirty="0">
               <a:solidFill>
@@ -5350,62 +5062,12 @@
           </a:p>
         </p:txBody>
       </p:sp>
-      <p:cxnSp>
-        <p:nvCxnSpPr>
-          <p:cNvPr id="53" name="Elbow Connector 78">
-            <a:extLst>
-              <a:ext uri="{FF2B5EF4-FFF2-40B4-BE49-F238E27FC236}">
-                <a16:creationId xmlns:a16="http://schemas.microsoft.com/office/drawing/2014/main" id="{B97967F8-618A-448B-81FD-CDFD4AF0EC64}"/>
-              </a:ext>
-            </a:extLst>
-          </p:cNvPr>
-          <p:cNvCxnSpPr>
-            <a:cxnSpLocks/>
-            <a:stCxn id="78" idx="3"/>
-            <a:endCxn id="52" idx="1"/>
-          </p:cNvCxnSpPr>
-          <p:nvPr/>
-        </p:nvCxnSpPr>
-        <p:spPr>
-          <a:xfrm flipV="1">
-            <a:off x="7277995" y="2371709"/>
-            <a:ext cx="434402" cy="663182"/>
-          </a:xfrm>
-          <a:prstGeom prst="bentConnector3">
-            <a:avLst>
-              <a:gd name="adj1" fmla="val 50000"/>
-            </a:avLst>
-          </a:prstGeom>
-          <a:ln w="19050">
-            <a:solidFill>
-              <a:srgbClr val="7030A0"/>
-            </a:solidFill>
-            <a:headEnd type="none" w="med" len="med"/>
-            <a:tailEnd type="arrow" w="med" len="med"/>
-          </a:ln>
-          <a:effectLst/>
-        </p:spPr>
-        <p:style>
-          <a:lnRef idx="1">
-            <a:schemeClr val="accent2"/>
-          </a:lnRef>
-          <a:fillRef idx="2">
-            <a:schemeClr val="accent2"/>
-          </a:fillRef>
-          <a:effectRef idx="1">
-            <a:schemeClr val="accent2"/>
-          </a:effectRef>
-          <a:fontRef idx="minor">
-            <a:schemeClr val="dk1"/>
-          </a:fontRef>
-        </p:style>
-      </p:cxnSp>
       <p:sp>
         <p:nvSpPr>
           <p:cNvPr id="50" name="TextBox 49">
             <a:extLst>
               <a:ext uri="{FF2B5EF4-FFF2-40B4-BE49-F238E27FC236}">
-                <a16:creationId xmlns:a16="http://schemas.microsoft.com/office/drawing/2014/main" id="{B3FA9D57-880F-49C4-AD0B-A64E30D6F403}"/>
+                <a16:creationId xmlns:a16="http://schemas.microsoft.com/office/drawing/2014/main" xmlns="" id="{B3FA9D57-880F-49C4-AD0B-A64E30D6F403}"/>
               </a:ext>
             </a:extLst>
           </p:cNvPr>
@@ -5414,7 +5076,7 @@
         </p:nvSpPr>
         <p:spPr>
           <a:xfrm>
-            <a:off x="7466243" y="2255711"/>
+            <a:off x="7823681" y="3442667"/>
             <a:ext cx="189257" cy="178683"/>
           </a:xfrm>
           <a:prstGeom prst="rect">
@@ -5486,12 +5148,12 @@
           <a:p>
             <a:pPr algn="ctr"/>
             <a:r>
-              <a:rPr lang="en-US" sz="1050" dirty="0" err="1">
+              <a:rPr lang="en-US" sz="1050" dirty="0" err="1" smtClean="0">
                 <a:solidFill>
                   <a:srgbClr val="7030A0"/>
                 </a:solidFill>
               </a:rPr>
-              <a:t>AddressBook</a:t>
+              <a:t>TopDeck</a:t>
             </a:r>
             <a:endParaRPr lang="en-SG" sz="1050" dirty="0">
               <a:solidFill>
@@ -5643,7 +5305,7 @@
           <p:cNvPr id="57" name="Rectangle 8">
             <a:extLst>
               <a:ext uri="{FF2B5EF4-FFF2-40B4-BE49-F238E27FC236}">
-                <a16:creationId xmlns:a16="http://schemas.microsoft.com/office/drawing/2014/main" id="{6A42DA50-9012-4391-9EF3-285E4FA3FCD8}"/>
+                <a16:creationId xmlns:a16="http://schemas.microsoft.com/office/drawing/2014/main" xmlns="" id="{6A42DA50-9012-4391-9EF3-285E4FA3FCD8}"/>
               </a:ext>
             </a:extLst>
           </p:cNvPr>
@@ -5716,7 +5378,7 @@
           <p:cNvPr id="59" name="Isosceles Triangle 102">
             <a:extLst>
               <a:ext uri="{FF2B5EF4-FFF2-40B4-BE49-F238E27FC236}">
-                <a16:creationId xmlns:a16="http://schemas.microsoft.com/office/drawing/2014/main" id="{B263B2D7-6E76-465E-B40E-7E2A46254A84}"/>
+                <a16:creationId xmlns:a16="http://schemas.microsoft.com/office/drawing/2014/main" xmlns="" id="{B263B2D7-6E76-465E-B40E-7E2A46254A84}"/>
               </a:ext>
             </a:extLst>
           </p:cNvPr>
@@ -5774,7 +5436,7 @@
           <p:cNvPr id="67" name="Elbow Connector 63">
             <a:extLst>
               <a:ext uri="{FF2B5EF4-FFF2-40B4-BE49-F238E27FC236}">
-                <a16:creationId xmlns:a16="http://schemas.microsoft.com/office/drawing/2014/main" id="{BA3A25CD-7C1D-4B3B-B294-1B05ABCFECFD}"/>
+                <a16:creationId xmlns:a16="http://schemas.microsoft.com/office/drawing/2014/main" xmlns="" id="{BA3A25CD-7C1D-4B3B-B294-1B05ABCFECFD}"/>
               </a:ext>
             </a:extLst>
           </p:cNvPr>
@@ -5802,6 +5464,327 @@
             <a:prstDash val="sysDot"/>
             <a:headEnd type="none" w="med" len="med"/>
             <a:tailEnd type="none" w="med" len="med"/>
+          </a:ln>
+          <a:effectLst/>
+        </p:spPr>
+        <p:style>
+          <a:lnRef idx="1">
+            <a:schemeClr val="accent2"/>
+          </a:lnRef>
+          <a:fillRef idx="2">
+            <a:schemeClr val="accent2"/>
+          </a:fillRef>
+          <a:effectRef idx="1">
+            <a:schemeClr val="accent2"/>
+          </a:effectRef>
+          <a:fontRef idx="minor">
+            <a:schemeClr val="dk1"/>
+          </a:fontRef>
+        </p:style>
+      </p:cxnSp>
+      <p:sp>
+        <p:nvSpPr>
+          <p:cNvPr id="56" name="Rectangle 8"/>
+          <p:cNvSpPr/>
+          <p:nvPr/>
+        </p:nvSpPr>
+        <p:spPr>
+          <a:xfrm>
+            <a:off x="7466241" y="2873944"/>
+            <a:ext cx="1117451" cy="346760"/>
+          </a:xfrm>
+          <a:prstGeom prst="rect">
+            <a:avLst/>
+          </a:prstGeom>
+          <a:ln w="19050">
+            <a:solidFill>
+              <a:srgbClr val="7030A0"/>
+            </a:solidFill>
+          </a:ln>
+          <a:effectLst/>
+        </p:spPr>
+        <p:style>
+          <a:lnRef idx="1">
+            <a:schemeClr val="accent4"/>
+          </a:lnRef>
+          <a:fillRef idx="2">
+            <a:schemeClr val="accent4"/>
+          </a:fillRef>
+          <a:effectRef idx="1">
+            <a:schemeClr val="accent4"/>
+          </a:effectRef>
+          <a:fontRef idx="minor">
+            <a:schemeClr val="dk1"/>
+          </a:fontRef>
+        </p:style>
+        <p:txBody>
+          <a:bodyPr rtlCol="0" anchor="ctr"/>
+          <a:lstStyle/>
+          <a:p>
+            <a:pPr algn="ctr"/>
+            <a:r>
+              <a:rPr lang="en-US" sz="1050" dirty="0" err="1" smtClean="0">
+                <a:solidFill>
+                  <a:srgbClr val="7030A0"/>
+                </a:solidFill>
+              </a:rPr>
+              <a:t>UniqueCardList</a:t>
+            </a:r>
+            <a:endParaRPr lang="en-SG" sz="1050" dirty="0">
+              <a:solidFill>
+                <a:srgbClr val="7030A0"/>
+              </a:solidFill>
+            </a:endParaRPr>
+          </a:p>
+        </p:txBody>
+      </p:sp>
+      <p:cxnSp>
+        <p:nvCxnSpPr>
+          <p:cNvPr id="71" name="Elbow Connector 70"/>
+          <p:cNvCxnSpPr/>
+          <p:nvPr/>
+        </p:nvCxnSpPr>
+        <p:spPr>
+          <a:xfrm flipV="1">
+            <a:off x="7257911" y="3047324"/>
+            <a:ext cx="188248" cy="1"/>
+          </a:xfrm>
+          <a:prstGeom prst="bentConnector3">
+            <a:avLst>
+              <a:gd name="adj1" fmla="val 50000"/>
+            </a:avLst>
+          </a:prstGeom>
+          <a:ln w="19050">
+            <a:solidFill>
+              <a:srgbClr val="7030A0"/>
+            </a:solidFill>
+            <a:headEnd type="none" w="med" len="med"/>
+            <a:tailEnd type="arrow" w="med" len="med"/>
+          </a:ln>
+          <a:effectLst/>
+        </p:spPr>
+        <p:style>
+          <a:lnRef idx="1">
+            <a:schemeClr val="accent2"/>
+          </a:lnRef>
+          <a:fillRef idx="2">
+            <a:schemeClr val="accent2"/>
+          </a:fillRef>
+          <a:effectRef idx="1">
+            <a:schemeClr val="accent2"/>
+          </a:effectRef>
+          <a:fontRef idx="minor">
+            <a:schemeClr val="dk1"/>
+          </a:fontRef>
+        </p:style>
+      </p:cxnSp>
+      <p:sp>
+        <p:nvSpPr>
+          <p:cNvPr id="73" name="TextBox 72"/>
+          <p:cNvSpPr txBox="1"/>
+          <p:nvPr/>
+        </p:nvSpPr>
+        <p:spPr>
+          <a:xfrm>
+            <a:off x="7183366" y="3078420"/>
+            <a:ext cx="189257" cy="178683"/>
+          </a:xfrm>
+          <a:prstGeom prst="rect">
+            <a:avLst/>
+          </a:prstGeom>
+          <a:noFill/>
+        </p:spPr>
+        <p:txBody>
+          <a:bodyPr wrap="square" lIns="0" tIns="0" rIns="0" bIns="0" rtlCol="0">
+            <a:noAutofit/>
+          </a:bodyPr>
+          <a:lstStyle/>
+          <a:p>
+            <a:pPr algn="ctr"/>
+            <a:r>
+              <a:rPr lang="en-US" sz="1100" dirty="0">
+                <a:solidFill>
+                  <a:srgbClr val="7030A0"/>
+                </a:solidFill>
+              </a:rPr>
+              <a:t>1</a:t>
+            </a:r>
+            <a:endParaRPr lang="en-SG" sz="1100" dirty="0">
+              <a:solidFill>
+                <a:srgbClr val="7030A0"/>
+              </a:solidFill>
+            </a:endParaRPr>
+          </a:p>
+        </p:txBody>
+      </p:sp>
+      <p:sp>
+        <p:nvSpPr>
+          <p:cNvPr id="74" name="Rectangle 8"/>
+          <p:cNvSpPr/>
+          <p:nvPr/>
+        </p:nvSpPr>
+        <p:spPr>
+          <a:xfrm>
+            <a:off x="7676836" y="3581399"/>
+            <a:ext cx="708186" cy="346760"/>
+          </a:xfrm>
+          <a:prstGeom prst="rect">
+            <a:avLst/>
+          </a:prstGeom>
+          <a:ln w="19050">
+            <a:solidFill>
+              <a:srgbClr val="7030A0"/>
+            </a:solidFill>
+          </a:ln>
+          <a:effectLst/>
+        </p:spPr>
+        <p:style>
+          <a:lnRef idx="1">
+            <a:schemeClr val="accent4"/>
+          </a:lnRef>
+          <a:fillRef idx="2">
+            <a:schemeClr val="accent4"/>
+          </a:fillRef>
+          <a:effectRef idx="1">
+            <a:schemeClr val="accent4"/>
+          </a:effectRef>
+          <a:fontRef idx="minor">
+            <a:schemeClr val="dk1"/>
+          </a:fontRef>
+        </p:style>
+        <p:txBody>
+          <a:bodyPr rtlCol="0" anchor="ctr"/>
+          <a:lstStyle/>
+          <a:p>
+            <a:pPr algn="ctr"/>
+            <a:r>
+              <a:rPr lang="en-US" sz="1050" dirty="0" smtClean="0">
+                <a:solidFill>
+                  <a:srgbClr val="7030A0"/>
+                </a:solidFill>
+              </a:rPr>
+              <a:t>Card</a:t>
+            </a:r>
+            <a:endParaRPr lang="en-SG" sz="1050" dirty="0">
+              <a:solidFill>
+                <a:srgbClr val="7030A0"/>
+              </a:solidFill>
+            </a:endParaRPr>
+          </a:p>
+        </p:txBody>
+      </p:sp>
+      <p:sp>
+        <p:nvSpPr>
+          <p:cNvPr id="87" name="Flowchart: Decision 96"/>
+          <p:cNvSpPr/>
+          <p:nvPr/>
+        </p:nvSpPr>
+        <p:spPr>
+          <a:xfrm>
+            <a:off x="7897665" y="3220704"/>
+            <a:ext cx="236048" cy="173380"/>
+          </a:xfrm>
+          <a:prstGeom prst="flowChartDecision">
+            <a:avLst/>
+          </a:prstGeom>
+          <a:noFill/>
+          <a:ln w="19050">
+            <a:solidFill>
+              <a:srgbClr val="7030A0"/>
+            </a:solidFill>
+          </a:ln>
+          <a:effectLst/>
+        </p:spPr>
+        <p:style>
+          <a:lnRef idx="1">
+            <a:schemeClr val="accent6"/>
+          </a:lnRef>
+          <a:fillRef idx="2">
+            <a:schemeClr val="accent6"/>
+          </a:fillRef>
+          <a:effectRef idx="1">
+            <a:schemeClr val="accent6"/>
+          </a:effectRef>
+          <a:fontRef idx="minor">
+            <a:schemeClr val="dk1"/>
+          </a:fontRef>
+        </p:style>
+        <p:txBody>
+          <a:bodyPr rtlCol="0" anchor="ctr"/>
+          <a:lstStyle/>
+          <a:p>
+            <a:pPr algn="ctr"/>
+            <a:endParaRPr lang="en-US" sz="1050"/>
+          </a:p>
+        </p:txBody>
+      </p:sp>
+      <p:cxnSp>
+        <p:nvCxnSpPr>
+          <p:cNvPr id="88" name="Elbow Connector 87"/>
+          <p:cNvCxnSpPr>
+            <a:endCxn id="74" idx="0"/>
+          </p:cNvCxnSpPr>
+          <p:nvPr/>
+        </p:nvCxnSpPr>
+        <p:spPr>
+          <a:xfrm rot="16200000" flipH="1">
+            <a:off x="7929003" y="3479473"/>
+            <a:ext cx="197888" cy="5963"/>
+          </a:xfrm>
+          <a:prstGeom prst="bentConnector3">
+            <a:avLst>
+              <a:gd name="adj1" fmla="val 50000"/>
+            </a:avLst>
+          </a:prstGeom>
+          <a:ln w="19050">
+            <a:solidFill>
+              <a:srgbClr val="7030A0"/>
+            </a:solidFill>
+            <a:headEnd type="none" w="med" len="med"/>
+            <a:tailEnd type="arrow" w="med" len="med"/>
+          </a:ln>
+          <a:effectLst/>
+        </p:spPr>
+        <p:style>
+          <a:lnRef idx="1">
+            <a:schemeClr val="accent2"/>
+          </a:lnRef>
+          <a:fillRef idx="2">
+            <a:schemeClr val="accent2"/>
+          </a:fillRef>
+          <a:effectRef idx="1">
+            <a:schemeClr val="accent2"/>
+          </a:effectRef>
+          <a:fontRef idx="minor">
+            <a:schemeClr val="dk1"/>
+          </a:fontRef>
+        </p:style>
+      </p:cxnSp>
+      <p:cxnSp>
+        <p:nvCxnSpPr>
+          <p:cNvPr id="91" name="Elbow Connector 90"/>
+          <p:cNvCxnSpPr>
+            <a:stCxn id="74" idx="2"/>
+            <a:endCxn id="52" idx="0"/>
+          </p:cNvCxnSpPr>
+          <p:nvPr/>
+        </p:nvCxnSpPr>
+        <p:spPr>
+          <a:xfrm rot="16200000" flipH="1">
+            <a:off x="8112184" y="3846903"/>
+            <a:ext cx="294367" cy="456877"/>
+          </a:xfrm>
+          <a:prstGeom prst="bentConnector3">
+            <a:avLst>
+              <a:gd name="adj1" fmla="val 50000"/>
+            </a:avLst>
+          </a:prstGeom>
+          <a:ln w="19050">
+            <a:solidFill>
+              <a:srgbClr val="7030A0"/>
+            </a:solidFill>
+            <a:headEnd type="none" w="med" len="med"/>
+            <a:tailEnd type="arrow" w="med" len="med"/>
           </a:ln>
           <a:effectLst/>
         </p:spPr>

--- a/docs/diagrams/ModelComponentClassDiagram.pptx
+++ b/docs/diagrams/ModelComponentClassDiagram.pptx
@@ -208,7 +208,7 @@
           <a:p>
             <a:fld id="{F5CC4B3F-88C1-4FFA-B1B6-F41C21DC6924}" type="datetimeFigureOut">
               <a:rPr lang="en-US" smtClean="0"/>
-              <a:t>12/5/2018</a:t>
+              <a:t>4/1/2019</a:t>
             </a:fld>
             <a:endParaRPr lang="en-US"/>
           </a:p>
@@ -654,7 +654,7 @@
           <a:p>
             <a:fld id="{78C97017-6FC3-485B-9764-EAC9E56C1D49}" type="datetimeFigureOut">
               <a:rPr lang="en-US" smtClean="0"/>
-              <a:t>12/5/2018</a:t>
+              <a:t>4/1/2019</a:t>
             </a:fld>
             <a:endParaRPr lang="en-US"/>
           </a:p>
@@ -822,7 +822,7 @@
           <a:p>
             <a:fld id="{78C97017-6FC3-485B-9764-EAC9E56C1D49}" type="datetimeFigureOut">
               <a:rPr lang="en-US" smtClean="0"/>
-              <a:t>12/5/2018</a:t>
+              <a:t>4/1/2019</a:t>
             </a:fld>
             <a:endParaRPr lang="en-US"/>
           </a:p>
@@ -1000,7 +1000,7 @@
           <a:p>
             <a:fld id="{78C97017-6FC3-485B-9764-EAC9E56C1D49}" type="datetimeFigureOut">
               <a:rPr lang="en-US" smtClean="0"/>
-              <a:t>12/5/2018</a:t>
+              <a:t>4/1/2019</a:t>
             </a:fld>
             <a:endParaRPr lang="en-US"/>
           </a:p>
@@ -1168,7 +1168,7 @@
           <a:p>
             <a:fld id="{78C97017-6FC3-485B-9764-EAC9E56C1D49}" type="datetimeFigureOut">
               <a:rPr lang="en-US" smtClean="0"/>
-              <a:t>12/5/2018</a:t>
+              <a:t>4/1/2019</a:t>
             </a:fld>
             <a:endParaRPr lang="en-US"/>
           </a:p>
@@ -1413,7 +1413,7 @@
           <a:p>
             <a:fld id="{78C97017-6FC3-485B-9764-EAC9E56C1D49}" type="datetimeFigureOut">
               <a:rPr lang="en-US" smtClean="0"/>
-              <a:t>12/5/2018</a:t>
+              <a:t>4/1/2019</a:t>
             </a:fld>
             <a:endParaRPr lang="en-US"/>
           </a:p>
@@ -1698,7 +1698,7 @@
           <a:p>
             <a:fld id="{78C97017-6FC3-485B-9764-EAC9E56C1D49}" type="datetimeFigureOut">
               <a:rPr lang="en-US" smtClean="0"/>
-              <a:t>12/5/2018</a:t>
+              <a:t>4/1/2019</a:t>
             </a:fld>
             <a:endParaRPr lang="en-US"/>
           </a:p>
@@ -2117,7 +2117,7 @@
           <a:p>
             <a:fld id="{78C97017-6FC3-485B-9764-EAC9E56C1D49}" type="datetimeFigureOut">
               <a:rPr lang="en-US" smtClean="0"/>
-              <a:t>12/5/2018</a:t>
+              <a:t>4/1/2019</a:t>
             </a:fld>
             <a:endParaRPr lang="en-US"/>
           </a:p>
@@ -2234,7 +2234,7 @@
           <a:p>
             <a:fld id="{78C97017-6FC3-485B-9764-EAC9E56C1D49}" type="datetimeFigureOut">
               <a:rPr lang="en-US" smtClean="0"/>
-              <a:t>12/5/2018</a:t>
+              <a:t>4/1/2019</a:t>
             </a:fld>
             <a:endParaRPr lang="en-US"/>
           </a:p>
@@ -2329,7 +2329,7 @@
           <a:p>
             <a:fld id="{78C97017-6FC3-485B-9764-EAC9E56C1D49}" type="datetimeFigureOut">
               <a:rPr lang="en-US" smtClean="0"/>
-              <a:t>12/5/2018</a:t>
+              <a:t>4/1/2019</a:t>
             </a:fld>
             <a:endParaRPr lang="en-US"/>
           </a:p>
@@ -2604,7 +2604,7 @@
           <a:p>
             <a:fld id="{78C97017-6FC3-485B-9764-EAC9E56C1D49}" type="datetimeFigureOut">
               <a:rPr lang="en-US" smtClean="0"/>
-              <a:t>12/5/2018</a:t>
+              <a:t>4/1/2019</a:t>
             </a:fld>
             <a:endParaRPr lang="en-US"/>
           </a:p>
@@ -2856,7 +2856,7 @@
           <a:p>
             <a:fld id="{78C97017-6FC3-485B-9764-EAC9E56C1D49}" type="datetimeFigureOut">
               <a:rPr lang="en-US" smtClean="0"/>
-              <a:t>12/5/2018</a:t>
+              <a:t>4/1/2019</a:t>
             </a:fld>
             <a:endParaRPr lang="en-US"/>
           </a:p>
@@ -3067,7 +3067,7 @@
           <a:p>
             <a:fld id="{78C97017-6FC3-485B-9764-EAC9E56C1D49}" type="datetimeFigureOut">
               <a:rPr lang="en-US" smtClean="0"/>
-              <a:t>12/5/2018</a:t>
+              <a:t>4/1/2019</a:t>
             </a:fld>
             <a:endParaRPr lang="en-US"/>
           </a:p>
@@ -3992,14 +3992,14 @@
           <a:p>
             <a:pPr algn="ctr"/>
             <a:r>
-              <a:rPr lang="en-US" sz="1050" dirty="0" err="1">
+              <a:rPr lang="en-US" sz="1000" dirty="0" err="1">
                 <a:solidFill>
                   <a:srgbClr val="7030A0"/>
                 </a:solidFill>
               </a:rPr>
-              <a:t>VersionedAddressBook</a:t>
-            </a:r>
-            <a:endParaRPr lang="en-SG" sz="1050" dirty="0">
+              <a:t>VersionedFinanceTracker</a:t>
+            </a:r>
+            <a:endParaRPr lang="en-SG" sz="1000" dirty="0">
               <a:solidFill>
                 <a:srgbClr val="7030A0"/>
               </a:solidFill>
@@ -4139,7 +4139,7 @@
                   <a:srgbClr val="7030A0"/>
                 </a:solidFill>
               </a:rPr>
-              <a:t>UniquePersonList</a:t>
+              <a:t>UniqueRecordList</a:t>
             </a:r>
             <a:endParaRPr lang="en-SG" sz="1050" dirty="0">
               <a:solidFill>
@@ -4242,7 +4242,7 @@
                   <a:srgbClr val="7030A0"/>
                 </a:solidFill>
               </a:rPr>
-              <a:t>Person</a:t>
+              <a:t>Record</a:t>
             </a:r>
             <a:endParaRPr lang="en-SG" sz="1050" dirty="0">
               <a:solidFill>
@@ -4346,8 +4346,8 @@
         </p:nvSpPr>
         <p:spPr>
           <a:xfrm>
-            <a:off x="7712397" y="2564238"/>
-            <a:ext cx="708186" cy="285783"/>
+            <a:off x="7712396" y="2564238"/>
+            <a:ext cx="812517" cy="285783"/>
           </a:xfrm>
           <a:prstGeom prst="rect">
             <a:avLst/>
@@ -4384,7 +4384,7 @@
                   <a:srgbClr val="7030A0"/>
                 </a:solidFill>
               </a:rPr>
-              <a:t>Name</a:t>
+              <a:t>Amount</a:t>
             </a:r>
             <a:endParaRPr lang="en-SG" sz="1050" dirty="0">
               <a:solidFill>
@@ -4490,7 +4490,7 @@
         <p:spPr>
           <a:xfrm>
             <a:off x="7712397" y="2887216"/>
-            <a:ext cx="708186" cy="285783"/>
+            <a:ext cx="812518" cy="285783"/>
           </a:xfrm>
           <a:prstGeom prst="rect">
             <a:avLst/>
@@ -4527,7 +4527,7 @@
                   <a:srgbClr val="7030A0"/>
                 </a:solidFill>
               </a:rPr>
-              <a:t>Phone</a:t>
+              <a:t>Date</a:t>
             </a:r>
             <a:endParaRPr lang="en-SG" sz="1050" dirty="0">
               <a:solidFill>
@@ -4541,6 +4541,7 @@
         <p:nvCxnSpPr>
           <p:cNvPr id="81" name="Elbow Connector 80"/>
           <p:cNvCxnSpPr>
+            <a:cxnSpLocks/>
             <a:stCxn id="78" idx="3"/>
             <a:endCxn id="80" idx="1"/>
           </p:cNvCxnSpPr>
@@ -4587,7 +4588,7 @@
         <p:spPr>
           <a:xfrm>
             <a:off x="7712397" y="3210194"/>
-            <a:ext cx="708186" cy="285783"/>
+            <a:ext cx="812519" cy="279461"/>
           </a:xfrm>
           <a:prstGeom prst="rect">
             <a:avLst/>
@@ -4624,7 +4625,7 @@
                   <a:srgbClr val="7030A0"/>
                 </a:solidFill>
               </a:rPr>
-              <a:t>Email</a:t>
+              <a:t>Description</a:t>
             </a:r>
             <a:endParaRPr lang="en-SG" sz="1050" dirty="0">
               <a:solidFill>
@@ -4638,6 +4639,7 @@
         <p:nvCxnSpPr>
           <p:cNvPr id="84" name="Elbow Connector 83"/>
           <p:cNvCxnSpPr>
+            <a:cxnSpLocks/>
             <a:stCxn id="78" idx="3"/>
             <a:endCxn id="83" idx="1"/>
           </p:cNvCxnSpPr>
@@ -4646,7 +4648,7 @@
         <p:spPr>
           <a:xfrm>
             <a:off x="7277995" y="3034891"/>
-            <a:ext cx="434402" cy="318195"/>
+            <a:ext cx="434402" cy="315034"/>
           </a:xfrm>
           <a:prstGeom prst="bentConnector3">
             <a:avLst/>
@@ -4683,8 +4685,8 @@
         </p:nvSpPr>
         <p:spPr>
           <a:xfrm>
-            <a:off x="7712397" y="3533171"/>
-            <a:ext cx="708186" cy="285783"/>
+            <a:off x="7712396" y="3533171"/>
+            <a:ext cx="812519" cy="285783"/>
           </a:xfrm>
           <a:prstGeom prst="rect">
             <a:avLst/>
@@ -4721,7 +4723,7 @@
                   <a:srgbClr val="7030A0"/>
                 </a:solidFill>
               </a:rPr>
-              <a:t>Address</a:t>
+              <a:t>Category</a:t>
             </a:r>
             <a:endParaRPr lang="en-SG" sz="1050" dirty="0">
               <a:solidFill>
@@ -4735,6 +4737,7 @@
         <p:nvCxnSpPr>
           <p:cNvPr id="86" name="Elbow Connector 85"/>
           <p:cNvCxnSpPr>
+            <a:cxnSpLocks/>
             <a:stCxn id="78" idx="3"/>
             <a:endCxn id="85" idx="1"/>
           </p:cNvCxnSpPr>
@@ -4743,7 +4746,7 @@
         <p:spPr>
           <a:xfrm>
             <a:off x="7277995" y="3034891"/>
-            <a:ext cx="434402" cy="641172"/>
+            <a:ext cx="434401" cy="641172"/>
           </a:xfrm>
           <a:prstGeom prst="bentConnector3">
             <a:avLst/>
@@ -4878,8 +4881,8 @@
         </p:nvSpPr>
         <p:spPr>
           <a:xfrm>
-            <a:off x="1260922" y="1998350"/>
-            <a:ext cx="1443661" cy="364396"/>
+            <a:off x="1119866" y="1946417"/>
+            <a:ext cx="1584718" cy="416329"/>
           </a:xfrm>
           <a:prstGeom prst="rect">
             <a:avLst/>
@@ -4931,7 +4934,7 @@
                   <a:srgbClr val="7030A0"/>
                 </a:solidFill>
               </a:rPr>
-              <a:t>ReadOnlyAddressBook</a:t>
+              <a:t>ReadOnlyFinanceTracker</a:t>
             </a:r>
             <a:endParaRPr lang="en-SG" sz="1050" dirty="0">
               <a:solidFill>
@@ -5303,7 +5306,7 @@
         <p:spPr>
           <a:xfrm>
             <a:off x="7712397" y="2228817"/>
-            <a:ext cx="708186" cy="285783"/>
+            <a:ext cx="812516" cy="285783"/>
           </a:xfrm>
           <a:prstGeom prst="rect">
             <a:avLst/>
@@ -5340,7 +5343,7 @@
                   <a:srgbClr val="7030A0"/>
                 </a:solidFill>
               </a:rPr>
-              <a:t>Tag</a:t>
+              <a:t>Name</a:t>
             </a:r>
             <a:endParaRPr lang="en-SG" sz="1050" dirty="0">
               <a:solidFill>
@@ -5429,14 +5432,6 @@
           <a:lstStyle/>
           <a:p>
             <a:pPr algn="ctr"/>
-            <a:r>
-              <a:rPr lang="en-US" sz="1100" dirty="0">
-                <a:solidFill>
-                  <a:srgbClr val="7030A0"/>
-                </a:solidFill>
-              </a:rPr>
-              <a:t>*</a:t>
-            </a:r>
             <a:endParaRPr lang="en-SG" sz="1100" dirty="0">
               <a:solidFill>
                 <a:srgbClr val="7030A0"/>
@@ -5491,7 +5486,7 @@
                   <a:srgbClr val="7030A0"/>
                 </a:solidFill>
               </a:rPr>
-              <a:t>AddressBook</a:t>
+              <a:t>FinanceTracker</a:t>
             </a:r>
             <a:endParaRPr lang="en-SG" sz="1050" dirty="0">
               <a:solidFill>

--- a/docs/diagrams/ModelComponentClassDiagram.pptx
+++ b/docs/diagrams/ModelComponentClassDiagram.pptx
@@ -109,7 +109,7 @@
   </p:defaultTextStyle>
   <p:extLst>
     <p:ext uri="{EFAFB233-063F-42B5-8137-9DF3F51BA10A}">
-      <p15:sldGuideLst xmlns:p15="http://schemas.microsoft.com/office/powerpoint/2012/main" xmlns="">
+      <p15:sldGuideLst xmlns:p15="http://schemas.microsoft.com/office/powerpoint/2012/main">
         <p15:guide id="1" orient="horz" pos="1488">
           <p15:clr>
             <a:srgbClr val="A4A3A4"/>
@@ -175,7 +175,7 @@
             </a:lvl1pPr>
           </a:lstStyle>
           <a:p>
-            <a:endParaRPr lang="en-US"/>
+            <a:endParaRPr lang="en-US" dirty="0"/>
           </a:p>
         </p:txBody>
       </p:sp>
@@ -209,9 +209,9 @@
             <a:fld id="{F5CC4B3F-88C1-4FFA-B1B6-F41C21DC6924}" type="datetimeFigureOut">
               <a:rPr lang="en-US" smtClean="0"/>
               <a:pPr/>
-              <a:t>3/31/2019</a:t>
+              <a:t>4/2/2019</a:t>
             </a:fld>
-            <a:endParaRPr lang="en-US"/>
+            <a:endParaRPr lang="en-US" dirty="0"/>
           </a:p>
         </p:txBody>
       </p:sp>
@@ -244,7 +244,7 @@
           <a:bodyPr vert="horz" lIns="91440" tIns="45720" rIns="91440" bIns="45720" rtlCol="0" anchor="ctr"/>
           <a:lstStyle/>
           <a:p>
-            <a:endParaRPr lang="en-US"/>
+            <a:endParaRPr lang="en-US" dirty="0"/>
           </a:p>
         </p:txBody>
       </p:sp>
@@ -334,7 +334,7 @@
             </a:lvl1pPr>
           </a:lstStyle>
           <a:p>
-            <a:endParaRPr lang="en-US"/>
+            <a:endParaRPr lang="en-US" dirty="0"/>
           </a:p>
         </p:txBody>
       </p:sp>
@@ -370,14 +370,14 @@
               <a:pPr/>
               <a:t>‹#›</a:t>
             </a:fld>
-            <a:endParaRPr lang="en-US"/>
+            <a:endParaRPr lang="en-US" dirty="0"/>
           </a:p>
         </p:txBody>
       </p:sp>
     </p:spTree>
     <p:extLst>
       <p:ext uri="{BB962C8B-B14F-4D97-AF65-F5344CB8AC3E}">
-        <p14:creationId xmlns:p14="http://schemas.microsoft.com/office/powerpoint/2010/main" xmlns="" val="2023976206"/>
+        <p14:creationId xmlns:p14="http://schemas.microsoft.com/office/powerpoint/2010/main" val="2023976206"/>
       </p:ext>
     </p:extLst>
   </p:cSld>
@@ -657,9 +657,9 @@
             <a:fld id="{78C97017-6FC3-485B-9764-EAC9E56C1D49}" type="datetimeFigureOut">
               <a:rPr lang="en-US" smtClean="0"/>
               <a:pPr/>
-              <a:t>3/31/2019</a:t>
+              <a:t>4/2/2019</a:t>
             </a:fld>
-            <a:endParaRPr lang="en-US"/>
+            <a:endParaRPr lang="en-US" dirty="0"/>
           </a:p>
         </p:txBody>
       </p:sp>
@@ -678,7 +678,7 @@
           <a:bodyPr/>
           <a:lstStyle/>
           <a:p>
-            <a:endParaRPr lang="en-US"/>
+            <a:endParaRPr lang="en-US" dirty="0"/>
           </a:p>
         </p:txBody>
       </p:sp>
@@ -702,14 +702,14 @@
               <a:pPr/>
               <a:t>‹#›</a:t>
             </a:fld>
-            <a:endParaRPr lang="en-US"/>
+            <a:endParaRPr lang="en-US" dirty="0"/>
           </a:p>
         </p:txBody>
       </p:sp>
     </p:spTree>
     <p:extLst>
       <p:ext uri="{BB962C8B-B14F-4D97-AF65-F5344CB8AC3E}">
-        <p14:creationId xmlns:p14="http://schemas.microsoft.com/office/powerpoint/2010/main" xmlns="" val="3246593157"/>
+        <p14:creationId xmlns:p14="http://schemas.microsoft.com/office/powerpoint/2010/main" val="3246593157"/>
       </p:ext>
     </p:extLst>
   </p:cSld>
@@ -827,9 +827,9 @@
             <a:fld id="{78C97017-6FC3-485B-9764-EAC9E56C1D49}" type="datetimeFigureOut">
               <a:rPr lang="en-US" smtClean="0"/>
               <a:pPr/>
-              <a:t>3/31/2019</a:t>
+              <a:t>4/2/2019</a:t>
             </a:fld>
-            <a:endParaRPr lang="en-US"/>
+            <a:endParaRPr lang="en-US" dirty="0"/>
           </a:p>
         </p:txBody>
       </p:sp>
@@ -848,7 +848,7 @@
           <a:bodyPr/>
           <a:lstStyle/>
           <a:p>
-            <a:endParaRPr lang="en-US"/>
+            <a:endParaRPr lang="en-US" dirty="0"/>
           </a:p>
         </p:txBody>
       </p:sp>
@@ -872,14 +872,14 @@
               <a:pPr/>
               <a:t>‹#›</a:t>
             </a:fld>
-            <a:endParaRPr lang="en-US"/>
+            <a:endParaRPr lang="en-US" dirty="0"/>
           </a:p>
         </p:txBody>
       </p:sp>
     </p:spTree>
     <p:extLst>
       <p:ext uri="{BB962C8B-B14F-4D97-AF65-F5344CB8AC3E}">
-        <p14:creationId xmlns:p14="http://schemas.microsoft.com/office/powerpoint/2010/main" xmlns="" val="2707025021"/>
+        <p14:creationId xmlns:p14="http://schemas.microsoft.com/office/powerpoint/2010/main" val="2707025021"/>
       </p:ext>
     </p:extLst>
   </p:cSld>
@@ -1007,9 +1007,9 @@
             <a:fld id="{78C97017-6FC3-485B-9764-EAC9E56C1D49}" type="datetimeFigureOut">
               <a:rPr lang="en-US" smtClean="0"/>
               <a:pPr/>
-              <a:t>3/31/2019</a:t>
+              <a:t>4/2/2019</a:t>
             </a:fld>
-            <a:endParaRPr lang="en-US"/>
+            <a:endParaRPr lang="en-US" dirty="0"/>
           </a:p>
         </p:txBody>
       </p:sp>
@@ -1028,7 +1028,7 @@
           <a:bodyPr/>
           <a:lstStyle/>
           <a:p>
-            <a:endParaRPr lang="en-US"/>
+            <a:endParaRPr lang="en-US" dirty="0"/>
           </a:p>
         </p:txBody>
       </p:sp>
@@ -1052,14 +1052,14 @@
               <a:pPr/>
               <a:t>‹#›</a:t>
             </a:fld>
-            <a:endParaRPr lang="en-US"/>
+            <a:endParaRPr lang="en-US" dirty="0"/>
           </a:p>
         </p:txBody>
       </p:sp>
     </p:spTree>
     <p:extLst>
       <p:ext uri="{BB962C8B-B14F-4D97-AF65-F5344CB8AC3E}">
-        <p14:creationId xmlns:p14="http://schemas.microsoft.com/office/powerpoint/2010/main" xmlns="" val="568378986"/>
+        <p14:creationId xmlns:p14="http://schemas.microsoft.com/office/powerpoint/2010/main" val="568378986"/>
       </p:ext>
     </p:extLst>
   </p:cSld>
@@ -1177,9 +1177,9 @@
             <a:fld id="{78C97017-6FC3-485B-9764-EAC9E56C1D49}" type="datetimeFigureOut">
               <a:rPr lang="en-US" smtClean="0"/>
               <a:pPr/>
-              <a:t>3/31/2019</a:t>
+              <a:t>4/2/2019</a:t>
             </a:fld>
-            <a:endParaRPr lang="en-US"/>
+            <a:endParaRPr lang="en-US" dirty="0"/>
           </a:p>
         </p:txBody>
       </p:sp>
@@ -1198,7 +1198,7 @@
           <a:bodyPr/>
           <a:lstStyle/>
           <a:p>
-            <a:endParaRPr lang="en-US"/>
+            <a:endParaRPr lang="en-US" dirty="0"/>
           </a:p>
         </p:txBody>
       </p:sp>
@@ -1222,14 +1222,14 @@
               <a:pPr/>
               <a:t>‹#›</a:t>
             </a:fld>
-            <a:endParaRPr lang="en-US"/>
+            <a:endParaRPr lang="en-US" dirty="0"/>
           </a:p>
         </p:txBody>
       </p:sp>
     </p:spTree>
     <p:extLst>
       <p:ext uri="{BB962C8B-B14F-4D97-AF65-F5344CB8AC3E}">
-        <p14:creationId xmlns:p14="http://schemas.microsoft.com/office/powerpoint/2010/main" xmlns="" val="266658052"/>
+        <p14:creationId xmlns:p14="http://schemas.microsoft.com/office/powerpoint/2010/main" val="266658052"/>
       </p:ext>
     </p:extLst>
   </p:cSld>
@@ -1424,9 +1424,9 @@
             <a:fld id="{78C97017-6FC3-485B-9764-EAC9E56C1D49}" type="datetimeFigureOut">
               <a:rPr lang="en-US" smtClean="0"/>
               <a:pPr/>
-              <a:t>3/31/2019</a:t>
+              <a:t>4/2/2019</a:t>
             </a:fld>
-            <a:endParaRPr lang="en-US"/>
+            <a:endParaRPr lang="en-US" dirty="0"/>
           </a:p>
         </p:txBody>
       </p:sp>
@@ -1445,7 +1445,7 @@
           <a:bodyPr/>
           <a:lstStyle/>
           <a:p>
-            <a:endParaRPr lang="en-US"/>
+            <a:endParaRPr lang="en-US" dirty="0"/>
           </a:p>
         </p:txBody>
       </p:sp>
@@ -1469,14 +1469,14 @@
               <a:pPr/>
               <a:t>‹#›</a:t>
             </a:fld>
-            <a:endParaRPr lang="en-US"/>
+            <a:endParaRPr lang="en-US" dirty="0"/>
           </a:p>
         </p:txBody>
       </p:sp>
     </p:spTree>
     <p:extLst>
       <p:ext uri="{BB962C8B-B14F-4D97-AF65-F5344CB8AC3E}">
-        <p14:creationId xmlns:p14="http://schemas.microsoft.com/office/powerpoint/2010/main" xmlns="" val="474686344"/>
+        <p14:creationId xmlns:p14="http://schemas.microsoft.com/office/powerpoint/2010/main" val="474686344"/>
       </p:ext>
     </p:extLst>
   </p:cSld>
@@ -1711,9 +1711,9 @@
             <a:fld id="{78C97017-6FC3-485B-9764-EAC9E56C1D49}" type="datetimeFigureOut">
               <a:rPr lang="en-US" smtClean="0"/>
               <a:pPr/>
-              <a:t>3/31/2019</a:t>
+              <a:t>4/2/2019</a:t>
             </a:fld>
-            <a:endParaRPr lang="en-US"/>
+            <a:endParaRPr lang="en-US" dirty="0"/>
           </a:p>
         </p:txBody>
       </p:sp>
@@ -1732,7 +1732,7 @@
           <a:bodyPr/>
           <a:lstStyle/>
           <a:p>
-            <a:endParaRPr lang="en-US"/>
+            <a:endParaRPr lang="en-US" dirty="0"/>
           </a:p>
         </p:txBody>
       </p:sp>
@@ -1756,14 +1756,14 @@
               <a:pPr/>
               <a:t>‹#›</a:t>
             </a:fld>
-            <a:endParaRPr lang="en-US"/>
+            <a:endParaRPr lang="en-US" dirty="0"/>
           </a:p>
         </p:txBody>
       </p:sp>
     </p:spTree>
     <p:extLst>
       <p:ext uri="{BB962C8B-B14F-4D97-AF65-F5344CB8AC3E}">
-        <p14:creationId xmlns:p14="http://schemas.microsoft.com/office/powerpoint/2010/main" xmlns="" val="562293251"/>
+        <p14:creationId xmlns:p14="http://schemas.microsoft.com/office/powerpoint/2010/main" val="562293251"/>
       </p:ext>
     </p:extLst>
   </p:cSld>
@@ -2132,9 +2132,9 @@
             <a:fld id="{78C97017-6FC3-485B-9764-EAC9E56C1D49}" type="datetimeFigureOut">
               <a:rPr lang="en-US" smtClean="0"/>
               <a:pPr/>
-              <a:t>3/31/2019</a:t>
+              <a:t>4/2/2019</a:t>
             </a:fld>
-            <a:endParaRPr lang="en-US"/>
+            <a:endParaRPr lang="en-US" dirty="0"/>
           </a:p>
         </p:txBody>
       </p:sp>
@@ -2153,7 +2153,7 @@
           <a:bodyPr/>
           <a:lstStyle/>
           <a:p>
-            <a:endParaRPr lang="en-US"/>
+            <a:endParaRPr lang="en-US" dirty="0"/>
           </a:p>
         </p:txBody>
       </p:sp>
@@ -2177,14 +2177,14 @@
               <a:pPr/>
               <a:t>‹#›</a:t>
             </a:fld>
-            <a:endParaRPr lang="en-US"/>
+            <a:endParaRPr lang="en-US" dirty="0"/>
           </a:p>
         </p:txBody>
       </p:sp>
     </p:spTree>
     <p:extLst>
       <p:ext uri="{BB962C8B-B14F-4D97-AF65-F5344CB8AC3E}">
-        <p14:creationId xmlns:p14="http://schemas.microsoft.com/office/powerpoint/2010/main" xmlns="" val="1126424250"/>
+        <p14:creationId xmlns:p14="http://schemas.microsoft.com/office/powerpoint/2010/main" val="1126424250"/>
       </p:ext>
     </p:extLst>
   </p:cSld>
@@ -2251,9 +2251,9 @@
             <a:fld id="{78C97017-6FC3-485B-9764-EAC9E56C1D49}" type="datetimeFigureOut">
               <a:rPr lang="en-US" smtClean="0"/>
               <a:pPr/>
-              <a:t>3/31/2019</a:t>
+              <a:t>4/2/2019</a:t>
             </a:fld>
-            <a:endParaRPr lang="en-US"/>
+            <a:endParaRPr lang="en-US" dirty="0"/>
           </a:p>
         </p:txBody>
       </p:sp>
@@ -2272,7 +2272,7 @@
           <a:bodyPr/>
           <a:lstStyle/>
           <a:p>
-            <a:endParaRPr lang="en-US"/>
+            <a:endParaRPr lang="en-US" dirty="0"/>
           </a:p>
         </p:txBody>
       </p:sp>
@@ -2296,14 +2296,14 @@
               <a:pPr/>
               <a:t>‹#›</a:t>
             </a:fld>
-            <a:endParaRPr lang="en-US"/>
+            <a:endParaRPr lang="en-US" dirty="0"/>
           </a:p>
         </p:txBody>
       </p:sp>
     </p:spTree>
     <p:extLst>
       <p:ext uri="{BB962C8B-B14F-4D97-AF65-F5344CB8AC3E}">
-        <p14:creationId xmlns:p14="http://schemas.microsoft.com/office/powerpoint/2010/main" xmlns="" val="4159724230"/>
+        <p14:creationId xmlns:p14="http://schemas.microsoft.com/office/powerpoint/2010/main" val="4159724230"/>
       </p:ext>
     </p:extLst>
   </p:cSld>
@@ -2348,9 +2348,9 @@
             <a:fld id="{78C97017-6FC3-485B-9764-EAC9E56C1D49}" type="datetimeFigureOut">
               <a:rPr lang="en-US" smtClean="0"/>
               <a:pPr/>
-              <a:t>3/31/2019</a:t>
+              <a:t>4/2/2019</a:t>
             </a:fld>
-            <a:endParaRPr lang="en-US"/>
+            <a:endParaRPr lang="en-US" dirty="0"/>
           </a:p>
         </p:txBody>
       </p:sp>
@@ -2369,7 +2369,7 @@
           <a:bodyPr/>
           <a:lstStyle/>
           <a:p>
-            <a:endParaRPr lang="en-US"/>
+            <a:endParaRPr lang="en-US" dirty="0"/>
           </a:p>
         </p:txBody>
       </p:sp>
@@ -2393,14 +2393,14 @@
               <a:pPr/>
               <a:t>‹#›</a:t>
             </a:fld>
-            <a:endParaRPr lang="en-US"/>
+            <a:endParaRPr lang="en-US" dirty="0"/>
           </a:p>
         </p:txBody>
       </p:sp>
     </p:spTree>
     <p:extLst>
       <p:ext uri="{BB962C8B-B14F-4D97-AF65-F5344CB8AC3E}">
-        <p14:creationId xmlns:p14="http://schemas.microsoft.com/office/powerpoint/2010/main" xmlns="" val="1793928710"/>
+        <p14:creationId xmlns:p14="http://schemas.microsoft.com/office/powerpoint/2010/main" val="1793928710"/>
       </p:ext>
     </p:extLst>
   </p:cSld>
@@ -2625,9 +2625,9 @@
             <a:fld id="{78C97017-6FC3-485B-9764-EAC9E56C1D49}" type="datetimeFigureOut">
               <a:rPr lang="en-US" smtClean="0"/>
               <a:pPr/>
-              <a:t>3/31/2019</a:t>
+              <a:t>4/2/2019</a:t>
             </a:fld>
-            <a:endParaRPr lang="en-US"/>
+            <a:endParaRPr lang="en-US" dirty="0"/>
           </a:p>
         </p:txBody>
       </p:sp>
@@ -2646,7 +2646,7 @@
           <a:bodyPr/>
           <a:lstStyle/>
           <a:p>
-            <a:endParaRPr lang="en-US"/>
+            <a:endParaRPr lang="en-US" dirty="0"/>
           </a:p>
         </p:txBody>
       </p:sp>
@@ -2670,14 +2670,14 @@
               <a:pPr/>
               <a:t>‹#›</a:t>
             </a:fld>
-            <a:endParaRPr lang="en-US"/>
+            <a:endParaRPr lang="en-US" dirty="0"/>
           </a:p>
         </p:txBody>
       </p:sp>
     </p:spTree>
     <p:extLst>
       <p:ext uri="{BB962C8B-B14F-4D97-AF65-F5344CB8AC3E}">
-        <p14:creationId xmlns:p14="http://schemas.microsoft.com/office/powerpoint/2010/main" xmlns="" val="2076802089"/>
+        <p14:creationId xmlns:p14="http://schemas.microsoft.com/office/powerpoint/2010/main" val="2076802089"/>
       </p:ext>
     </p:extLst>
   </p:cSld>
@@ -2792,7 +2792,7 @@
             </a:lvl9pPr>
           </a:lstStyle>
           <a:p>
-            <a:endParaRPr lang="en-US"/>
+            <a:endParaRPr lang="en-US" dirty="0"/>
           </a:p>
         </p:txBody>
       </p:sp>
@@ -2879,9 +2879,9 @@
             <a:fld id="{78C97017-6FC3-485B-9764-EAC9E56C1D49}" type="datetimeFigureOut">
               <a:rPr lang="en-US" smtClean="0"/>
               <a:pPr/>
-              <a:t>3/31/2019</a:t>
+              <a:t>4/2/2019</a:t>
             </a:fld>
-            <a:endParaRPr lang="en-US"/>
+            <a:endParaRPr lang="en-US" dirty="0"/>
           </a:p>
         </p:txBody>
       </p:sp>
@@ -2900,7 +2900,7 @@
           <a:bodyPr/>
           <a:lstStyle/>
           <a:p>
-            <a:endParaRPr lang="en-US"/>
+            <a:endParaRPr lang="en-US" dirty="0"/>
           </a:p>
         </p:txBody>
       </p:sp>
@@ -2924,14 +2924,14 @@
               <a:pPr/>
               <a:t>‹#›</a:t>
             </a:fld>
-            <a:endParaRPr lang="en-US"/>
+            <a:endParaRPr lang="en-US" dirty="0"/>
           </a:p>
         </p:txBody>
       </p:sp>
     </p:spTree>
     <p:extLst>
       <p:ext uri="{BB962C8B-B14F-4D97-AF65-F5344CB8AC3E}">
-        <p14:creationId xmlns:p14="http://schemas.microsoft.com/office/powerpoint/2010/main" xmlns="" val="201835938"/>
+        <p14:creationId xmlns:p14="http://schemas.microsoft.com/office/powerpoint/2010/main" val="201835938"/>
       </p:ext>
     </p:extLst>
   </p:cSld>
@@ -3092,9 +3092,9 @@
             <a:fld id="{78C97017-6FC3-485B-9764-EAC9E56C1D49}" type="datetimeFigureOut">
               <a:rPr lang="en-US" smtClean="0"/>
               <a:pPr/>
-              <a:t>3/31/2019</a:t>
+              <a:t>4/2/2019</a:t>
             </a:fld>
-            <a:endParaRPr lang="en-US"/>
+            <a:endParaRPr lang="en-US" dirty="0"/>
           </a:p>
         </p:txBody>
       </p:sp>
@@ -3131,7 +3131,7 @@
             </a:lvl1pPr>
           </a:lstStyle>
           <a:p>
-            <a:endParaRPr lang="en-US"/>
+            <a:endParaRPr lang="en-US" dirty="0"/>
           </a:p>
         </p:txBody>
       </p:sp>
@@ -3173,14 +3173,14 @@
               <a:pPr/>
               <a:t>‹#›</a:t>
             </a:fld>
-            <a:endParaRPr lang="en-US"/>
+            <a:endParaRPr lang="en-US" dirty="0"/>
           </a:p>
         </p:txBody>
       </p:sp>
     </p:spTree>
     <p:extLst>
       <p:ext uri="{BB962C8B-B14F-4D97-AF65-F5344CB8AC3E}">
-        <p14:creationId xmlns:p14="http://schemas.microsoft.com/office/powerpoint/2010/main" xmlns="" val="2341400630"/>
+        <p14:creationId xmlns:p14="http://schemas.microsoft.com/office/powerpoint/2010/main" val="2341400630"/>
       </p:ext>
     </p:extLst>
   </p:cSld>
@@ -3468,76 +3468,2462 @@
           <a:chExt cx="0" cy="0"/>
         </a:xfrm>
       </p:grpSpPr>
-      <p:sp>
-        <p:nvSpPr>
-          <p:cNvPr id="118" name="Rectangle 65"/>
-          <p:cNvSpPr/>
+      <p:grpSp>
+        <p:nvGrpSpPr>
+          <p:cNvPr id="3" name="Group 2">
+            <a:extLst>
+              <a:ext uri="{FF2B5EF4-FFF2-40B4-BE49-F238E27FC236}">
+                <a16:creationId xmlns:a16="http://schemas.microsoft.com/office/drawing/2014/main" id="{02DC6CA4-34E9-4142-A6B2-86656F128DDA}"/>
+              </a:ext>
+            </a:extLst>
+          </p:cNvPr>
+          <p:cNvGrpSpPr/>
           <p:nvPr/>
-        </p:nvSpPr>
-        <p:spPr>
+        </p:nvGrpSpPr>
+        <p:grpSpPr>
           <a:xfrm>
-            <a:off x="1119865" y="1600200"/>
-            <a:ext cx="7490735" cy="3124200"/>
+            <a:off x="304800" y="366284"/>
+            <a:ext cx="8524945" cy="4495800"/>
+            <a:chOff x="304800" y="366284"/>
+            <a:chExt cx="8524945" cy="4495800"/>
           </a:xfrm>
-          <a:prstGeom prst="roundRect">
-            <a:avLst>
-              <a:gd name="adj" fmla="val 3484"/>
-            </a:avLst>
-          </a:prstGeom>
-          <a:solidFill>
-            <a:schemeClr val="accent4">
-              <a:lumMod val="20000"/>
-              <a:lumOff val="80000"/>
-            </a:schemeClr>
-          </a:solidFill>
-          <a:ln w="19050">
-            <a:noFill/>
-          </a:ln>
-          <a:effectLst/>
-        </p:spPr>
-        <p:style>
-          <a:lnRef idx="1">
-            <a:schemeClr val="accent2"/>
-          </a:lnRef>
-          <a:fillRef idx="2">
-            <a:schemeClr val="accent2"/>
-          </a:fillRef>
-          <a:effectRef idx="1">
-            <a:schemeClr val="accent2"/>
-          </a:effectRef>
-          <a:fontRef idx="minor">
-            <a:schemeClr val="dk1"/>
-          </a:fontRef>
-        </p:style>
-        <p:txBody>
-          <a:bodyPr rtlCol="0" anchor="t"/>
-          <a:lstStyle/>
-          <a:p>
-            <a:r>
-              <a:rPr lang="en-US" sz="1200" b="1" dirty="0">
+        </p:grpSpPr>
+        <p:sp>
+          <p:nvSpPr>
+            <p:cNvPr id="71" name="Rectangle 65">
+              <a:extLst>
+                <a:ext uri="{FF2B5EF4-FFF2-40B4-BE49-F238E27FC236}">
+                  <a16:creationId xmlns:a16="http://schemas.microsoft.com/office/drawing/2014/main" id="{BB4358FB-593C-4D9E-9A0B-45D2EF9B066E}"/>
+                </a:ext>
+              </a:extLst>
+            </p:cNvPr>
+            <p:cNvSpPr/>
+            <p:nvPr/>
+          </p:nvSpPr>
+          <p:spPr>
+            <a:xfrm>
+              <a:off x="424609" y="366284"/>
+              <a:ext cx="8405136" cy="4495800"/>
+            </a:xfrm>
+            <a:prstGeom prst="roundRect">
+              <a:avLst>
+                <a:gd name="adj" fmla="val 3484"/>
+              </a:avLst>
+            </a:prstGeom>
+            <a:solidFill>
+              <a:schemeClr val="accent4">
+                <a:lumMod val="20000"/>
+                <a:lumOff val="80000"/>
+              </a:schemeClr>
+            </a:solidFill>
+            <a:ln w="19050">
+              <a:noFill/>
+            </a:ln>
+            <a:effectLst/>
+          </p:spPr>
+          <p:style>
+            <a:lnRef idx="1">
+              <a:schemeClr val="accent2"/>
+            </a:lnRef>
+            <a:fillRef idx="2">
+              <a:schemeClr val="accent2"/>
+            </a:fillRef>
+            <a:effectRef idx="1">
+              <a:schemeClr val="accent2"/>
+            </a:effectRef>
+            <a:fontRef idx="minor">
+              <a:schemeClr val="dk1"/>
+            </a:fontRef>
+          </p:style>
+          <p:txBody>
+            <a:bodyPr rtlCol="0" anchor="t"/>
+            <a:lstStyle/>
+            <a:p>
+              <a:r>
+                <a:rPr lang="en-US" sz="1200" b="1" dirty="0">
+                  <a:solidFill>
+                    <a:srgbClr val="7030A0"/>
+                  </a:solidFill>
+                </a:rPr>
+                <a:t>Model</a:t>
+              </a:r>
+              <a:endParaRPr lang="en-SG" sz="1200" b="1" dirty="0">
                 <a:solidFill>
                   <a:srgbClr val="7030A0"/>
                 </a:solidFill>
-              </a:rPr>
-              <a:t>Model</a:t>
-            </a:r>
-            <a:endParaRPr lang="en-SG" sz="1200" b="1" dirty="0">
+              </a:endParaRPr>
+            </a:p>
+          </p:txBody>
+        </p:sp>
+        <p:grpSp>
+          <p:nvGrpSpPr>
+            <p:cNvPr id="7" name="Group 6">
+              <a:extLst>
+                <a:ext uri="{FF2B5EF4-FFF2-40B4-BE49-F238E27FC236}">
+                  <a16:creationId xmlns:a16="http://schemas.microsoft.com/office/drawing/2014/main" id="{D982969B-04AE-407C-87F3-652BBF3E4AC6}"/>
+                </a:ext>
+              </a:extLst>
+            </p:cNvPr>
+            <p:cNvGrpSpPr/>
+            <p:nvPr/>
+          </p:nvGrpSpPr>
+          <p:grpSpPr>
+            <a:xfrm>
+              <a:off x="304800" y="762000"/>
+              <a:ext cx="8305801" cy="3959400"/>
+              <a:chOff x="910091" y="1998350"/>
+              <a:chExt cx="8132432" cy="3959400"/>
+            </a:xfrm>
+          </p:grpSpPr>
+          <p:sp>
+            <p:nvSpPr>
+              <p:cNvPr id="2" name="Rectangle 8"/>
+              <p:cNvSpPr/>
+              <p:nvPr/>
+            </p:nvSpPr>
+            <p:spPr>
+              <a:xfrm>
+                <a:off x="2825280" y="3463240"/>
+                <a:ext cx="1019406" cy="346760"/>
+              </a:xfrm>
+              <a:prstGeom prst="rect">
+                <a:avLst/>
+              </a:prstGeom>
+              <a:ln w="19050">
+                <a:solidFill>
+                  <a:srgbClr val="7030A0"/>
+                </a:solidFill>
+              </a:ln>
+              <a:effectLst/>
+            </p:spPr>
+            <p:style>
+              <a:lnRef idx="1">
+                <a:schemeClr val="accent4"/>
+              </a:lnRef>
+              <a:fillRef idx="2">
+                <a:schemeClr val="accent4"/>
+              </a:fillRef>
+              <a:effectRef idx="1">
+                <a:schemeClr val="accent4"/>
+              </a:effectRef>
+              <a:fontRef idx="minor">
+                <a:schemeClr val="dk1"/>
+              </a:fontRef>
+            </p:style>
+            <p:txBody>
+              <a:bodyPr rtlCol="0" anchor="ctr"/>
+              <a:lstStyle/>
+              <a:p>
+                <a:pPr algn="ctr"/>
+                <a:r>
+                  <a:rPr lang="en-US" sz="1050" dirty="0">
+                    <a:solidFill>
+                      <a:srgbClr val="7030A0"/>
+                    </a:solidFill>
+                  </a:rPr>
+                  <a:t>UserPrefs</a:t>
+                </a:r>
+                <a:endParaRPr lang="en-SG" sz="1050" dirty="0">
+                  <a:solidFill>
+                    <a:srgbClr val="7030A0"/>
+                  </a:solidFill>
+                </a:endParaRPr>
+              </a:p>
+            </p:txBody>
+          </p:sp>
+          <p:sp>
+            <p:nvSpPr>
+              <p:cNvPr id="9" name="Rectangle 62"/>
+              <p:cNvSpPr/>
+              <p:nvPr/>
+            </p:nvSpPr>
+            <p:spPr>
+              <a:xfrm rot="16200000">
+                <a:off x="818748" y="3940550"/>
+                <a:ext cx="2779236" cy="346760"/>
+              </a:xfrm>
+              <a:prstGeom prst="rect">
+                <a:avLst/>
+              </a:prstGeom>
               <a:solidFill>
                 <a:srgbClr val="7030A0"/>
               </a:solidFill>
-            </a:endParaRPr>
-          </a:p>
-        </p:txBody>
-      </p:sp>
-      <p:sp>
-        <p:nvSpPr>
-          <p:cNvPr id="2" name="Rectangle 8"/>
+              <a:ln w="19050">
+                <a:solidFill>
+                  <a:srgbClr val="7030A0"/>
+                </a:solidFill>
+              </a:ln>
+              <a:effectLst/>
+            </p:spPr>
+            <p:style>
+              <a:lnRef idx="1">
+                <a:schemeClr val="accent2"/>
+              </a:lnRef>
+              <a:fillRef idx="2">
+                <a:schemeClr val="accent2"/>
+              </a:fillRef>
+              <a:effectRef idx="1">
+                <a:schemeClr val="accent2"/>
+              </a:effectRef>
+              <a:fontRef idx="minor">
+                <a:schemeClr val="dk1"/>
+              </a:fontRef>
+            </p:style>
+            <p:txBody>
+              <a:bodyPr rtlCol="0" anchor="ctr"/>
+              <a:lstStyle/>
+              <a:p>
+                <a:pPr algn="ctr"/>
+                <a:r>
+                  <a:rPr lang="en-US" sz="1050" dirty="0">
+                    <a:solidFill>
+                      <a:schemeClr val="bg1"/>
+                    </a:solidFill>
+                  </a:rPr>
+                  <a:t>ModelManager</a:t>
+                </a:r>
+                <a:endParaRPr lang="en-SG" sz="1050" dirty="0">
+                  <a:solidFill>
+                    <a:schemeClr val="bg1"/>
+                  </a:solidFill>
+                </a:endParaRPr>
+              </a:p>
+            </p:txBody>
+          </p:sp>
+          <p:cxnSp>
+            <p:nvCxnSpPr>
+              <p:cNvPr id="107" name="Elbow Connector 106"/>
+              <p:cNvCxnSpPr>
+                <a:cxnSpLocks/>
+                <a:endCxn id="62" idx="2"/>
+              </p:cNvCxnSpPr>
+              <p:nvPr/>
+            </p:nvCxnSpPr>
+            <p:spPr>
+              <a:xfrm flipV="1">
+                <a:off x="2381747" y="3217550"/>
+                <a:ext cx="4764204" cy="2285998"/>
+              </a:xfrm>
+              <a:prstGeom prst="bentConnector2">
+                <a:avLst/>
+              </a:prstGeom>
+              <a:ln w="19050">
+                <a:solidFill>
+                  <a:srgbClr val="7030A0"/>
+                </a:solidFill>
+                <a:prstDash val="solid"/>
+                <a:headEnd type="none" w="med" len="med"/>
+                <a:tailEnd type="arrow" w="med" len="med"/>
+              </a:ln>
+              <a:effectLst/>
+            </p:spPr>
+            <p:style>
+              <a:lnRef idx="1">
+                <a:schemeClr val="accent2"/>
+              </a:lnRef>
+              <a:fillRef idx="2">
+                <a:schemeClr val="accent2"/>
+              </a:fillRef>
+              <a:effectRef idx="1">
+                <a:schemeClr val="accent2"/>
+              </a:effectRef>
+              <a:fontRef idx="minor">
+                <a:schemeClr val="dk1"/>
+              </a:fontRef>
+            </p:style>
+          </p:cxnSp>
+          <p:sp>
+            <p:nvSpPr>
+              <p:cNvPr id="119" name="Rectangle 62"/>
+              <p:cNvSpPr/>
+              <p:nvPr/>
+            </p:nvSpPr>
+            <p:spPr>
+              <a:xfrm rot="16200000">
+                <a:off x="956202" y="2861202"/>
+                <a:ext cx="1093635" cy="346760"/>
+              </a:xfrm>
+              <a:prstGeom prst="rect">
+                <a:avLst/>
+              </a:prstGeom>
+              <a:solidFill>
+                <a:srgbClr val="7030A0"/>
+              </a:solidFill>
+              <a:ln w="19050">
+                <a:solidFill>
+                  <a:srgbClr val="7030A0"/>
+                </a:solidFill>
+              </a:ln>
+              <a:effectLst/>
+            </p:spPr>
+            <p:style>
+              <a:lnRef idx="1">
+                <a:schemeClr val="accent2"/>
+              </a:lnRef>
+              <a:fillRef idx="2">
+                <a:schemeClr val="accent2"/>
+              </a:fillRef>
+              <a:effectRef idx="1">
+                <a:schemeClr val="accent2"/>
+              </a:effectRef>
+              <a:fontRef idx="minor">
+                <a:schemeClr val="dk1"/>
+              </a:fontRef>
+            </p:style>
+            <p:txBody>
+              <a:bodyPr rtlCol="0" anchor="ctr"/>
+              <a:lstStyle/>
+              <a:p>
+                <a:pPr algn="ctr"/>
+                <a:r>
+                  <a:rPr lang="en-US" sz="1050" dirty="0">
+                    <a:solidFill>
+                      <a:schemeClr val="bg1"/>
+                    </a:solidFill>
+                  </a:rPr>
+                  <a:t>&lt;&lt;interface&gt;&gt;</a:t>
+                </a:r>
+              </a:p>
+              <a:p>
+                <a:pPr algn="ctr"/>
+                <a:r>
+                  <a:rPr lang="en-US" sz="1050" dirty="0">
+                    <a:solidFill>
+                      <a:schemeClr val="bg1"/>
+                    </a:solidFill>
+                  </a:rPr>
+                  <a:t>Model</a:t>
+                </a:r>
+                <a:endParaRPr lang="en-SG" sz="1050" dirty="0">
+                  <a:solidFill>
+                    <a:schemeClr val="bg1"/>
+                  </a:solidFill>
+                </a:endParaRPr>
+              </a:p>
+            </p:txBody>
+          </p:sp>
+          <p:sp>
+            <p:nvSpPr>
+              <p:cNvPr id="120" name="Isosceles Triangle 102"/>
+              <p:cNvSpPr/>
+              <p:nvPr/>
+            </p:nvSpPr>
+            <p:spPr>
+              <a:xfrm rot="16200000">
+                <a:off x="1626910" y="2952291"/>
+                <a:ext cx="270504" cy="175523"/>
+              </a:xfrm>
+              <a:prstGeom prst="triangle">
+                <a:avLst/>
+              </a:prstGeom>
+              <a:solidFill>
+                <a:srgbClr val="7030A0"/>
+              </a:solidFill>
+              <a:ln w="19050">
+                <a:solidFill>
+                  <a:srgbClr val="7030A0"/>
+                </a:solidFill>
+              </a:ln>
+              <a:effectLst/>
+            </p:spPr>
+            <p:style>
+              <a:lnRef idx="1">
+                <a:schemeClr val="accent6"/>
+              </a:lnRef>
+              <a:fillRef idx="2">
+                <a:schemeClr val="accent6"/>
+              </a:fillRef>
+              <a:effectRef idx="1">
+                <a:schemeClr val="accent6"/>
+              </a:effectRef>
+              <a:fontRef idx="minor">
+                <a:schemeClr val="dk1"/>
+              </a:fontRef>
+            </p:style>
+            <p:txBody>
+              <a:bodyPr rtlCol="0" anchor="ctr"/>
+              <a:lstStyle/>
+              <a:p>
+                <a:pPr algn="ctr"/>
+                <a:endParaRPr lang="en-SG" sz="1050" dirty="0"/>
+              </a:p>
+            </p:txBody>
+          </p:sp>
+          <p:cxnSp>
+            <p:nvCxnSpPr>
+              <p:cNvPr id="58" name="Straight Arrow Connector 57"/>
+              <p:cNvCxnSpPr>
+                <a:cxnSpLocks/>
+                <a:stCxn id="42" idx="3"/>
+                <a:endCxn id="2" idx="1"/>
+              </p:cNvCxnSpPr>
+              <p:nvPr/>
+            </p:nvCxnSpPr>
+            <p:spPr>
+              <a:xfrm>
+                <a:off x="2609828" y="3636620"/>
+                <a:ext cx="215452" cy="0"/>
+              </a:xfrm>
+              <a:prstGeom prst="straightConnector1">
+                <a:avLst/>
+              </a:prstGeom>
+              <a:ln w="19050">
+                <a:solidFill>
+                  <a:srgbClr val="7030A0"/>
+                </a:solidFill>
+                <a:headEnd type="none" w="med" len="med"/>
+                <a:tailEnd type="arrow" w="med" len="med"/>
+              </a:ln>
+              <a:effectLst/>
+            </p:spPr>
+            <p:style>
+              <a:lnRef idx="1">
+                <a:schemeClr val="accent2"/>
+              </a:lnRef>
+              <a:fillRef idx="2">
+                <a:schemeClr val="accent2"/>
+              </a:fillRef>
+              <a:effectRef idx="1">
+                <a:schemeClr val="accent2"/>
+              </a:effectRef>
+              <a:fontRef idx="minor">
+                <a:schemeClr val="dk1"/>
+              </a:fontRef>
+            </p:style>
+          </p:cxnSp>
+          <p:cxnSp>
+            <p:nvCxnSpPr>
+              <p:cNvPr id="75" name="Elbow Connector 122"/>
+              <p:cNvCxnSpPr/>
+              <p:nvPr/>
+            </p:nvCxnSpPr>
+            <p:spPr>
+              <a:xfrm>
+                <a:off x="910091" y="3040053"/>
+                <a:ext cx="419548" cy="2860"/>
+              </a:xfrm>
+              <a:prstGeom prst="bentConnector3">
+                <a:avLst>
+                  <a:gd name="adj1" fmla="val 50000"/>
+                </a:avLst>
+              </a:prstGeom>
+              <a:ln w="19050">
+                <a:solidFill>
+                  <a:schemeClr val="bg1">
+                    <a:lumMod val="75000"/>
+                  </a:schemeClr>
+                </a:solidFill>
+                <a:prstDash val="sysDot"/>
+                <a:headEnd type="none" w="med" len="med"/>
+                <a:tailEnd type="arrow" w="med" len="med"/>
+              </a:ln>
+              <a:effectLst/>
+            </p:spPr>
+            <p:style>
+              <a:lnRef idx="1">
+                <a:schemeClr val="accent2"/>
+              </a:lnRef>
+              <a:fillRef idx="2">
+                <a:schemeClr val="accent2"/>
+              </a:fillRef>
+              <a:effectRef idx="1">
+                <a:schemeClr val="accent2"/>
+              </a:effectRef>
+              <a:fontRef idx="minor">
+                <a:schemeClr val="dk1"/>
+              </a:fontRef>
+            </p:style>
+          </p:cxnSp>
+          <p:cxnSp>
+            <p:nvCxnSpPr>
+              <p:cNvPr id="21" name="Straight Connector 20"/>
+              <p:cNvCxnSpPr>
+                <a:stCxn id="120" idx="3"/>
+              </p:cNvCxnSpPr>
+              <p:nvPr/>
+            </p:nvCxnSpPr>
+            <p:spPr>
+              <a:xfrm flipV="1">
+                <a:off x="1849924" y="3040052"/>
+                <a:ext cx="216105" cy="1"/>
+              </a:xfrm>
+              <a:prstGeom prst="line">
+                <a:avLst/>
+              </a:prstGeom>
+              <a:ln w="19050">
+                <a:solidFill>
+                  <a:srgbClr val="7030A0"/>
+                </a:solidFill>
+                <a:prstDash val="sysDot"/>
+                <a:headEnd type="none" w="med" len="med"/>
+                <a:tailEnd type="none" w="med" len="med"/>
+              </a:ln>
+              <a:effectLst/>
+            </p:spPr>
+            <p:style>
+              <a:lnRef idx="1">
+                <a:schemeClr val="accent2"/>
+              </a:lnRef>
+              <a:fillRef idx="2">
+                <a:schemeClr val="accent2"/>
+              </a:fillRef>
+              <a:effectRef idx="1">
+                <a:schemeClr val="accent2"/>
+              </a:effectRef>
+              <a:fontRef idx="minor">
+                <a:schemeClr val="dk1"/>
+              </a:fontRef>
+            </p:style>
+          </p:cxnSp>
+          <p:sp>
+            <p:nvSpPr>
+              <p:cNvPr id="42" name="Flowchart: Decision 96"/>
+              <p:cNvSpPr/>
+              <p:nvPr/>
+            </p:nvSpPr>
+            <p:spPr>
+              <a:xfrm>
+                <a:off x="2373780" y="3549930"/>
+                <a:ext cx="236048" cy="173380"/>
+              </a:xfrm>
+              <a:prstGeom prst="flowChartDecision">
+                <a:avLst/>
+              </a:prstGeom>
+              <a:noFill/>
+              <a:ln w="19050">
+                <a:solidFill>
+                  <a:srgbClr val="7030A0"/>
+                </a:solidFill>
+              </a:ln>
+              <a:effectLst/>
+            </p:spPr>
+            <p:style>
+              <a:lnRef idx="1">
+                <a:schemeClr val="accent6"/>
+              </a:lnRef>
+              <a:fillRef idx="2">
+                <a:schemeClr val="accent6"/>
+              </a:fillRef>
+              <a:effectRef idx="1">
+                <a:schemeClr val="accent6"/>
+              </a:effectRef>
+              <a:fontRef idx="minor">
+                <a:schemeClr val="dk1"/>
+              </a:fontRef>
+            </p:style>
+            <p:txBody>
+              <a:bodyPr rtlCol="0" anchor="ctr"/>
+              <a:lstStyle/>
+              <a:p>
+                <a:pPr algn="ctr"/>
+                <a:endParaRPr lang="en-US" sz="1050" dirty="0"/>
+              </a:p>
+            </p:txBody>
+          </p:sp>
+          <p:sp>
+            <p:nvSpPr>
+              <p:cNvPr id="46" name="Rectangle 8"/>
+              <p:cNvSpPr/>
+              <p:nvPr/>
+            </p:nvSpPr>
+            <p:spPr>
+              <a:xfrm>
+                <a:off x="2825280" y="2846162"/>
+                <a:ext cx="1490560" cy="334856"/>
+              </a:xfrm>
+              <a:prstGeom prst="rect">
+                <a:avLst/>
+              </a:prstGeom>
+              <a:ln w="19050">
+                <a:solidFill>
+                  <a:srgbClr val="7030A0"/>
+                </a:solidFill>
+              </a:ln>
+              <a:effectLst/>
+            </p:spPr>
+            <p:style>
+              <a:lnRef idx="1">
+                <a:schemeClr val="accent4"/>
+              </a:lnRef>
+              <a:fillRef idx="2">
+                <a:schemeClr val="accent4"/>
+              </a:fillRef>
+              <a:effectRef idx="1">
+                <a:schemeClr val="accent4"/>
+              </a:effectRef>
+              <a:fontRef idx="minor">
+                <a:schemeClr val="dk1"/>
+              </a:fontRef>
+            </p:style>
+            <p:txBody>
+              <a:bodyPr rtlCol="0" anchor="ctr"/>
+              <a:lstStyle/>
+              <a:p>
+                <a:pPr algn="ctr"/>
+                <a:r>
+                  <a:rPr lang="en-US" sz="1050" dirty="0">
+                    <a:solidFill>
+                      <a:srgbClr val="7030A0"/>
+                    </a:solidFill>
+                  </a:rPr>
+                  <a:t>VersionedGradTrak</a:t>
+                </a:r>
+                <a:endParaRPr lang="en-SG" sz="1050" dirty="0">
+                  <a:solidFill>
+                    <a:srgbClr val="7030A0"/>
+                  </a:solidFill>
+                </a:endParaRPr>
+              </a:p>
+            </p:txBody>
+          </p:sp>
+          <p:cxnSp>
+            <p:nvCxnSpPr>
+              <p:cNvPr id="47" name="Straight Arrow Connector 46"/>
+              <p:cNvCxnSpPr>
+                <a:stCxn id="48" idx="3"/>
+                <a:endCxn id="46" idx="1"/>
+              </p:cNvCxnSpPr>
+              <p:nvPr/>
+            </p:nvCxnSpPr>
+            <p:spPr>
+              <a:xfrm>
+                <a:off x="2624360" y="3003033"/>
+                <a:ext cx="200920" cy="10557"/>
+              </a:xfrm>
+              <a:prstGeom prst="straightConnector1">
+                <a:avLst/>
+              </a:prstGeom>
+              <a:ln w="19050">
+                <a:solidFill>
+                  <a:srgbClr val="7030A0"/>
+                </a:solidFill>
+                <a:headEnd type="none" w="med" len="med"/>
+                <a:tailEnd type="arrow" w="med" len="med"/>
+              </a:ln>
+              <a:effectLst/>
+            </p:spPr>
+            <p:style>
+              <a:lnRef idx="1">
+                <a:schemeClr val="accent2"/>
+              </a:lnRef>
+              <a:fillRef idx="2">
+                <a:schemeClr val="accent2"/>
+              </a:fillRef>
+              <a:effectRef idx="1">
+                <a:schemeClr val="accent2"/>
+              </a:effectRef>
+              <a:fontRef idx="minor">
+                <a:schemeClr val="dk1"/>
+              </a:fontRef>
+            </p:style>
+          </p:cxnSp>
+          <p:sp>
+            <p:nvSpPr>
+              <p:cNvPr id="48" name="Flowchart: Decision 96"/>
+              <p:cNvSpPr/>
+              <p:nvPr/>
+            </p:nvSpPr>
+            <p:spPr>
+              <a:xfrm>
+                <a:off x="2388312" y="2916343"/>
+                <a:ext cx="236048" cy="173380"/>
+              </a:xfrm>
+              <a:prstGeom prst="flowChartDecision">
+                <a:avLst/>
+              </a:prstGeom>
+              <a:noFill/>
+              <a:ln w="19050">
+                <a:solidFill>
+                  <a:srgbClr val="7030A0"/>
+                </a:solidFill>
+              </a:ln>
+              <a:effectLst/>
+            </p:spPr>
+            <p:style>
+              <a:lnRef idx="1">
+                <a:schemeClr val="accent6"/>
+              </a:lnRef>
+              <a:fillRef idx="2">
+                <a:schemeClr val="accent6"/>
+              </a:fillRef>
+              <a:effectRef idx="1">
+                <a:schemeClr val="accent6"/>
+              </a:effectRef>
+              <a:fontRef idx="minor">
+                <a:schemeClr val="dk1"/>
+              </a:fontRef>
+            </p:style>
+            <p:txBody>
+              <a:bodyPr rtlCol="0" anchor="ctr"/>
+              <a:lstStyle/>
+              <a:p>
+                <a:pPr algn="ctr"/>
+                <a:endParaRPr lang="en-US" sz="1050" dirty="0"/>
+              </a:p>
+            </p:txBody>
+          </p:sp>
+          <p:sp>
+            <p:nvSpPr>
+              <p:cNvPr id="49" name="Rectangle 8"/>
+              <p:cNvSpPr/>
+              <p:nvPr/>
+            </p:nvSpPr>
+            <p:spPr>
+              <a:xfrm>
+                <a:off x="4692650" y="2846162"/>
+                <a:ext cx="1554705" cy="346760"/>
+              </a:xfrm>
+              <a:prstGeom prst="rect">
+                <a:avLst/>
+              </a:prstGeom>
+              <a:ln w="19050">
+                <a:solidFill>
+                  <a:srgbClr val="7030A0"/>
+                </a:solidFill>
+              </a:ln>
+              <a:effectLst/>
+            </p:spPr>
+            <p:style>
+              <a:lnRef idx="1">
+                <a:schemeClr val="accent4"/>
+              </a:lnRef>
+              <a:fillRef idx="2">
+                <a:schemeClr val="accent4"/>
+              </a:fillRef>
+              <a:effectRef idx="1">
+                <a:schemeClr val="accent4"/>
+              </a:effectRef>
+              <a:fontRef idx="minor">
+                <a:schemeClr val="dk1"/>
+              </a:fontRef>
+            </p:style>
+            <p:txBody>
+              <a:bodyPr rtlCol="0" anchor="ctr"/>
+              <a:lstStyle/>
+              <a:p>
+                <a:pPr algn="ctr"/>
+                <a:r>
+                  <a:rPr lang="en-US" sz="1050" dirty="0">
+                    <a:solidFill>
+                      <a:srgbClr val="7030A0"/>
+                    </a:solidFill>
+                  </a:rPr>
+                  <a:t>UniqueModuleTakenList</a:t>
+                </a:r>
+                <a:endParaRPr lang="en-SG" sz="1050" dirty="0">
+                  <a:solidFill>
+                    <a:srgbClr val="7030A0"/>
+                  </a:solidFill>
+                </a:endParaRPr>
+              </a:p>
+            </p:txBody>
+          </p:sp>
+          <p:sp>
+            <p:nvSpPr>
+              <p:cNvPr id="51" name="Flowchart: Decision 96"/>
+              <p:cNvSpPr/>
+              <p:nvPr/>
+            </p:nvSpPr>
+            <p:spPr>
+              <a:xfrm>
+                <a:off x="4324972" y="2920532"/>
+                <a:ext cx="236048" cy="173380"/>
+              </a:xfrm>
+              <a:prstGeom prst="flowChartDecision">
+                <a:avLst/>
+              </a:prstGeom>
+              <a:solidFill>
+                <a:srgbClr val="7030A0"/>
+              </a:solidFill>
+              <a:ln w="19050">
+                <a:solidFill>
+                  <a:srgbClr val="7030A0"/>
+                </a:solidFill>
+              </a:ln>
+              <a:effectLst/>
+            </p:spPr>
+            <p:style>
+              <a:lnRef idx="1">
+                <a:schemeClr val="accent6"/>
+              </a:lnRef>
+              <a:fillRef idx="2">
+                <a:schemeClr val="accent6"/>
+              </a:fillRef>
+              <a:effectRef idx="1">
+                <a:schemeClr val="accent6"/>
+              </a:effectRef>
+              <a:fontRef idx="minor">
+                <a:schemeClr val="dk1"/>
+              </a:fontRef>
+            </p:style>
+            <p:txBody>
+              <a:bodyPr rtlCol="0" anchor="ctr"/>
+              <a:lstStyle/>
+              <a:p>
+                <a:pPr algn="ctr"/>
+                <a:endParaRPr lang="en-US" sz="1050" dirty="0"/>
+              </a:p>
+            </p:txBody>
+          </p:sp>
+          <p:sp>
+            <p:nvSpPr>
+              <p:cNvPr id="62" name="Rectangle 8"/>
+              <p:cNvSpPr/>
+              <p:nvPr/>
+            </p:nvSpPr>
+            <p:spPr>
+              <a:xfrm>
+                <a:off x="6666958" y="2870790"/>
+                <a:ext cx="957984" cy="346760"/>
+              </a:xfrm>
+              <a:prstGeom prst="rect">
+                <a:avLst/>
+              </a:prstGeom>
+              <a:ln w="19050">
+                <a:solidFill>
+                  <a:srgbClr val="7030A0"/>
+                </a:solidFill>
+              </a:ln>
+              <a:effectLst/>
+            </p:spPr>
+            <p:style>
+              <a:lnRef idx="1">
+                <a:schemeClr val="accent4"/>
+              </a:lnRef>
+              <a:fillRef idx="2">
+                <a:schemeClr val="accent4"/>
+              </a:fillRef>
+              <a:effectRef idx="1">
+                <a:schemeClr val="accent4"/>
+              </a:effectRef>
+              <a:fontRef idx="minor">
+                <a:schemeClr val="dk1"/>
+              </a:fontRef>
+            </p:style>
+            <p:txBody>
+              <a:bodyPr rtlCol="0" anchor="ctr"/>
+              <a:lstStyle/>
+              <a:p>
+                <a:pPr algn="ctr"/>
+                <a:r>
+                  <a:rPr lang="en-US" sz="1050" dirty="0">
+                    <a:solidFill>
+                      <a:srgbClr val="7030A0"/>
+                    </a:solidFill>
+                  </a:rPr>
+                  <a:t>ModuleTaken</a:t>
+                </a:r>
+                <a:endParaRPr lang="en-SG" sz="1050" dirty="0">
+                  <a:solidFill>
+                    <a:srgbClr val="7030A0"/>
+                  </a:solidFill>
+                </a:endParaRPr>
+              </a:p>
+            </p:txBody>
+          </p:sp>
+          <p:sp>
+            <p:nvSpPr>
+              <p:cNvPr id="63" name="Flowchart: Decision 96"/>
+              <p:cNvSpPr/>
+              <p:nvPr/>
+            </p:nvSpPr>
+            <p:spPr>
+              <a:xfrm>
+                <a:off x="6259687" y="2958639"/>
+                <a:ext cx="236048" cy="173380"/>
+              </a:xfrm>
+              <a:prstGeom prst="flowChartDecision">
+                <a:avLst/>
+              </a:prstGeom>
+              <a:noFill/>
+              <a:ln w="19050">
+                <a:solidFill>
+                  <a:srgbClr val="7030A0"/>
+                </a:solidFill>
+              </a:ln>
+              <a:effectLst/>
+            </p:spPr>
+            <p:style>
+              <a:lnRef idx="1">
+                <a:schemeClr val="accent6"/>
+              </a:lnRef>
+              <a:fillRef idx="2">
+                <a:schemeClr val="accent6"/>
+              </a:fillRef>
+              <a:effectRef idx="1">
+                <a:schemeClr val="accent6"/>
+              </a:effectRef>
+              <a:fontRef idx="minor">
+                <a:schemeClr val="dk1"/>
+              </a:fontRef>
+            </p:style>
+            <p:txBody>
+              <a:bodyPr rtlCol="0" anchor="ctr"/>
+              <a:lstStyle/>
+              <a:p>
+                <a:pPr algn="ctr"/>
+                <a:endParaRPr lang="en-US" sz="1050" dirty="0"/>
+              </a:p>
+            </p:txBody>
+          </p:sp>
+          <p:sp>
+            <p:nvSpPr>
+              <p:cNvPr id="76" name="Rectangle 8"/>
+              <p:cNvSpPr/>
+              <p:nvPr/>
+            </p:nvSpPr>
+            <p:spPr>
+              <a:xfrm>
+                <a:off x="8307663" y="2550767"/>
+                <a:ext cx="708186" cy="285783"/>
+              </a:xfrm>
+              <a:prstGeom prst="rect">
+                <a:avLst/>
+              </a:prstGeom>
+              <a:ln w="19050">
+                <a:solidFill>
+                  <a:srgbClr val="7030A0"/>
+                </a:solidFill>
+              </a:ln>
+              <a:effectLst/>
+            </p:spPr>
+            <p:style>
+              <a:lnRef idx="1">
+                <a:schemeClr val="accent4"/>
+              </a:lnRef>
+              <a:fillRef idx="2">
+                <a:schemeClr val="accent4"/>
+              </a:fillRef>
+              <a:effectRef idx="1">
+                <a:schemeClr val="accent4"/>
+              </a:effectRef>
+              <a:fontRef idx="minor">
+                <a:schemeClr val="dk1"/>
+              </a:fontRef>
+            </p:style>
+            <p:txBody>
+              <a:bodyPr rtlCol="0" anchor="ctr"/>
+              <a:lstStyle/>
+              <a:p>
+                <a:pPr algn="ctr"/>
+                <a:r>
+                  <a:rPr lang="en-US" sz="1050" dirty="0">
+                    <a:solidFill>
+                      <a:srgbClr val="7030A0"/>
+                    </a:solidFill>
+                  </a:rPr>
+                  <a:t>Code</a:t>
+                </a:r>
+                <a:endParaRPr lang="en-SG" sz="1050" dirty="0">
+                  <a:solidFill>
+                    <a:srgbClr val="7030A0"/>
+                  </a:solidFill>
+                </a:endParaRPr>
+              </a:p>
+            </p:txBody>
+          </p:sp>
+          <p:sp>
+            <p:nvSpPr>
+              <p:cNvPr id="78" name="Flowchart: Decision 96"/>
+              <p:cNvSpPr/>
+              <p:nvPr/>
+            </p:nvSpPr>
+            <p:spPr>
+              <a:xfrm>
+                <a:off x="7633999" y="2978460"/>
+                <a:ext cx="236048" cy="173380"/>
+              </a:xfrm>
+              <a:prstGeom prst="flowChartDecision">
+                <a:avLst/>
+              </a:prstGeom>
+              <a:solidFill>
+                <a:srgbClr val="7030A0"/>
+              </a:solidFill>
+              <a:ln w="19050">
+                <a:solidFill>
+                  <a:srgbClr val="7030A0"/>
+                </a:solidFill>
+              </a:ln>
+              <a:effectLst/>
+            </p:spPr>
+            <p:style>
+              <a:lnRef idx="1">
+                <a:schemeClr val="accent6"/>
+              </a:lnRef>
+              <a:fillRef idx="2">
+                <a:schemeClr val="accent6"/>
+              </a:fillRef>
+              <a:effectRef idx="1">
+                <a:schemeClr val="accent6"/>
+              </a:effectRef>
+              <a:fontRef idx="minor">
+                <a:schemeClr val="dk1"/>
+              </a:fontRef>
+            </p:style>
+            <p:txBody>
+              <a:bodyPr rtlCol="0" anchor="ctr"/>
+              <a:lstStyle/>
+              <a:p>
+                <a:pPr algn="ctr"/>
+                <a:endParaRPr lang="en-US" sz="1050" dirty="0"/>
+              </a:p>
+            </p:txBody>
+          </p:sp>
+          <p:cxnSp>
+            <p:nvCxnSpPr>
+              <p:cNvPr id="79" name="Elbow Connector 78"/>
+              <p:cNvCxnSpPr>
+                <a:cxnSpLocks/>
+                <a:stCxn id="78" idx="3"/>
+                <a:endCxn id="76" idx="1"/>
+              </p:cNvCxnSpPr>
+              <p:nvPr/>
+            </p:nvCxnSpPr>
+            <p:spPr>
+              <a:xfrm flipV="1">
+                <a:off x="7870047" y="2693659"/>
+                <a:ext cx="437616" cy="371491"/>
+              </a:xfrm>
+              <a:prstGeom prst="bentConnector3">
+                <a:avLst>
+                  <a:gd name="adj1" fmla="val 50000"/>
+                </a:avLst>
+              </a:prstGeom>
+              <a:ln w="19050">
+                <a:solidFill>
+                  <a:srgbClr val="7030A0"/>
+                </a:solidFill>
+                <a:headEnd type="none" w="med" len="med"/>
+                <a:tailEnd type="arrow" w="med" len="med"/>
+              </a:ln>
+              <a:effectLst/>
+            </p:spPr>
+            <p:style>
+              <a:lnRef idx="1">
+                <a:schemeClr val="accent2"/>
+              </a:lnRef>
+              <a:fillRef idx="2">
+                <a:schemeClr val="accent2"/>
+              </a:fillRef>
+              <a:effectRef idx="1">
+                <a:schemeClr val="accent2"/>
+              </a:effectRef>
+              <a:fontRef idx="minor">
+                <a:schemeClr val="dk1"/>
+              </a:fontRef>
+            </p:style>
+          </p:cxnSp>
+          <p:sp>
+            <p:nvSpPr>
+              <p:cNvPr id="80" name="Rectangle 8"/>
+              <p:cNvSpPr/>
+              <p:nvPr/>
+            </p:nvSpPr>
+            <p:spPr>
+              <a:xfrm>
+                <a:off x="8307663" y="2912750"/>
+                <a:ext cx="708186" cy="304800"/>
+              </a:xfrm>
+              <a:prstGeom prst="rect">
+                <a:avLst/>
+              </a:prstGeom>
+              <a:ln w="19050">
+                <a:solidFill>
+                  <a:srgbClr val="7030A0"/>
+                </a:solidFill>
+              </a:ln>
+              <a:effectLst/>
+            </p:spPr>
+            <p:style>
+              <a:lnRef idx="1">
+                <a:schemeClr val="accent4"/>
+              </a:lnRef>
+              <a:fillRef idx="2">
+                <a:schemeClr val="accent4"/>
+              </a:fillRef>
+              <a:effectRef idx="1">
+                <a:schemeClr val="accent4"/>
+              </a:effectRef>
+              <a:fontRef idx="minor">
+                <a:schemeClr val="dk1"/>
+              </a:fontRef>
+            </p:style>
+            <p:txBody>
+              <a:bodyPr rtlCol="0" anchor="ctr"/>
+              <a:lstStyle/>
+              <a:p>
+                <a:pPr algn="ctr"/>
+                <a:r>
+                  <a:rPr lang="en-US" sz="1050" dirty="0">
+                    <a:solidFill>
+                      <a:srgbClr val="7030A0"/>
+                    </a:solidFill>
+                  </a:rPr>
+                  <a:t>Semester</a:t>
+                </a:r>
+                <a:endParaRPr lang="en-SG" sz="1050" dirty="0">
+                  <a:solidFill>
+                    <a:srgbClr val="7030A0"/>
+                  </a:solidFill>
+                </a:endParaRPr>
+              </a:p>
+            </p:txBody>
+          </p:sp>
+          <p:cxnSp>
+            <p:nvCxnSpPr>
+              <p:cNvPr id="81" name="Elbow Connector 80"/>
+              <p:cNvCxnSpPr>
+                <a:cxnSpLocks/>
+                <a:stCxn id="78" idx="3"/>
+                <a:endCxn id="80" idx="1"/>
+              </p:cNvCxnSpPr>
+              <p:nvPr/>
+            </p:nvCxnSpPr>
+            <p:spPr>
+              <a:xfrm>
+                <a:off x="7870047" y="3065150"/>
+                <a:ext cx="437616" cy="12700"/>
+              </a:xfrm>
+              <a:prstGeom prst="bentConnector3">
+                <a:avLst>
+                  <a:gd name="adj1" fmla="val 52088"/>
+                </a:avLst>
+              </a:prstGeom>
+              <a:ln w="19050">
+                <a:solidFill>
+                  <a:srgbClr val="7030A0"/>
+                </a:solidFill>
+                <a:headEnd type="none" w="med" len="med"/>
+                <a:tailEnd type="arrow" w="med" len="med"/>
+              </a:ln>
+              <a:effectLst/>
+            </p:spPr>
+            <p:style>
+              <a:lnRef idx="1">
+                <a:schemeClr val="accent2"/>
+              </a:lnRef>
+              <a:fillRef idx="2">
+                <a:schemeClr val="accent2"/>
+              </a:fillRef>
+              <a:effectRef idx="1">
+                <a:schemeClr val="accent2"/>
+              </a:effectRef>
+              <a:fontRef idx="minor">
+                <a:schemeClr val="dk1"/>
+              </a:fontRef>
+            </p:style>
+          </p:cxnSp>
+          <p:sp>
+            <p:nvSpPr>
+              <p:cNvPr id="83" name="Rectangle 8"/>
+              <p:cNvSpPr/>
+              <p:nvPr/>
+            </p:nvSpPr>
+            <p:spPr>
+              <a:xfrm>
+                <a:off x="8307663" y="3294094"/>
+                <a:ext cx="708186" cy="304456"/>
+              </a:xfrm>
+              <a:prstGeom prst="rect">
+                <a:avLst/>
+              </a:prstGeom>
+              <a:ln w="19050">
+                <a:solidFill>
+                  <a:srgbClr val="7030A0"/>
+                </a:solidFill>
+              </a:ln>
+              <a:effectLst/>
+            </p:spPr>
+            <p:style>
+              <a:lnRef idx="1">
+                <a:schemeClr val="accent4"/>
+              </a:lnRef>
+              <a:fillRef idx="2">
+                <a:schemeClr val="accent4"/>
+              </a:fillRef>
+              <a:effectRef idx="1">
+                <a:schemeClr val="accent4"/>
+              </a:effectRef>
+              <a:fontRef idx="minor">
+                <a:schemeClr val="dk1"/>
+              </a:fontRef>
+            </p:style>
+            <p:txBody>
+              <a:bodyPr rtlCol="0" anchor="ctr"/>
+              <a:lstStyle/>
+              <a:p>
+                <a:pPr algn="ctr"/>
+                <a:r>
+                  <a:rPr lang="en-US" sz="1050" dirty="0">
+                    <a:solidFill>
+                      <a:srgbClr val="7030A0"/>
+                    </a:solidFill>
+                  </a:rPr>
+                  <a:t>Grade Range</a:t>
+                </a:r>
+                <a:endParaRPr lang="en-SG" sz="1050" dirty="0">
+                  <a:solidFill>
+                    <a:srgbClr val="7030A0"/>
+                  </a:solidFill>
+                </a:endParaRPr>
+              </a:p>
+            </p:txBody>
+          </p:sp>
+          <p:cxnSp>
+            <p:nvCxnSpPr>
+              <p:cNvPr id="84" name="Elbow Connector 83"/>
+              <p:cNvCxnSpPr>
+                <a:cxnSpLocks/>
+                <a:stCxn id="78" idx="3"/>
+                <a:endCxn id="83" idx="1"/>
+              </p:cNvCxnSpPr>
+              <p:nvPr/>
+            </p:nvCxnSpPr>
+            <p:spPr>
+              <a:xfrm>
+                <a:off x="7870047" y="3065150"/>
+                <a:ext cx="437616" cy="381172"/>
+              </a:xfrm>
+              <a:prstGeom prst="bentConnector3">
+                <a:avLst>
+                  <a:gd name="adj1" fmla="val 50000"/>
+                </a:avLst>
+              </a:prstGeom>
+              <a:ln w="19050">
+                <a:solidFill>
+                  <a:srgbClr val="7030A0"/>
+                </a:solidFill>
+                <a:headEnd type="none" w="med" len="med"/>
+                <a:tailEnd type="arrow" w="med" len="med"/>
+              </a:ln>
+              <a:effectLst/>
+            </p:spPr>
+            <p:style>
+              <a:lnRef idx="1">
+                <a:schemeClr val="accent2"/>
+              </a:lnRef>
+              <a:fillRef idx="2">
+                <a:schemeClr val="accent2"/>
+              </a:fillRef>
+              <a:effectRef idx="1">
+                <a:schemeClr val="accent2"/>
+              </a:effectRef>
+              <a:fontRef idx="minor">
+                <a:schemeClr val="dk1"/>
+              </a:fontRef>
+            </p:style>
+          </p:cxnSp>
+          <p:sp>
+            <p:nvSpPr>
+              <p:cNvPr id="85" name="Rectangle 8"/>
+              <p:cNvSpPr/>
+              <p:nvPr/>
+            </p:nvSpPr>
+            <p:spPr>
+              <a:xfrm>
+                <a:off x="8296719" y="3658944"/>
+                <a:ext cx="745804" cy="320606"/>
+              </a:xfrm>
+              <a:prstGeom prst="rect">
+                <a:avLst/>
+              </a:prstGeom>
+              <a:ln w="19050">
+                <a:solidFill>
+                  <a:srgbClr val="7030A0"/>
+                </a:solidFill>
+              </a:ln>
+              <a:effectLst/>
+            </p:spPr>
+            <p:style>
+              <a:lnRef idx="1">
+                <a:schemeClr val="accent4"/>
+              </a:lnRef>
+              <a:fillRef idx="2">
+                <a:schemeClr val="accent4"/>
+              </a:fillRef>
+              <a:effectRef idx="1">
+                <a:schemeClr val="accent4"/>
+              </a:effectRef>
+              <a:fontRef idx="minor">
+                <a:schemeClr val="dk1"/>
+              </a:fontRef>
+            </p:style>
+            <p:txBody>
+              <a:bodyPr rtlCol="0" anchor="ctr"/>
+              <a:lstStyle/>
+              <a:p>
+                <a:pPr algn="ctr"/>
+                <a:r>
+                  <a:rPr lang="en-US" sz="1050" dirty="0">
+                    <a:solidFill>
+                      <a:srgbClr val="7030A0"/>
+                    </a:solidFill>
+                  </a:rPr>
+                  <a:t>Workload</a:t>
+                </a:r>
+                <a:endParaRPr lang="en-SG" sz="1050" dirty="0">
+                  <a:solidFill>
+                    <a:srgbClr val="7030A0"/>
+                  </a:solidFill>
+                </a:endParaRPr>
+              </a:p>
+            </p:txBody>
+          </p:sp>
+          <p:cxnSp>
+            <p:nvCxnSpPr>
+              <p:cNvPr id="86" name="Elbow Connector 85"/>
+              <p:cNvCxnSpPr>
+                <a:cxnSpLocks/>
+                <a:stCxn id="78" idx="3"/>
+                <a:endCxn id="85" idx="1"/>
+              </p:cNvCxnSpPr>
+              <p:nvPr/>
+            </p:nvCxnSpPr>
+            <p:spPr>
+              <a:xfrm>
+                <a:off x="7870047" y="3065150"/>
+                <a:ext cx="426672" cy="754097"/>
+              </a:xfrm>
+              <a:prstGeom prst="bentConnector3">
+                <a:avLst>
+                  <a:gd name="adj1" fmla="val 50000"/>
+                </a:avLst>
+              </a:prstGeom>
+              <a:ln w="19050">
+                <a:solidFill>
+                  <a:srgbClr val="7030A0"/>
+                </a:solidFill>
+                <a:headEnd type="none" w="med" len="med"/>
+                <a:tailEnd type="arrow" w="med" len="med"/>
+              </a:ln>
+              <a:effectLst/>
+            </p:spPr>
+            <p:style>
+              <a:lnRef idx="1">
+                <a:schemeClr val="accent2"/>
+              </a:lnRef>
+              <a:fillRef idx="2">
+                <a:schemeClr val="accent2"/>
+              </a:fillRef>
+              <a:effectRef idx="1">
+                <a:schemeClr val="accent2"/>
+              </a:effectRef>
+              <a:fontRef idx="minor">
+                <a:schemeClr val="dk1"/>
+              </a:fontRef>
+            </p:style>
+          </p:cxnSp>
+          <p:cxnSp>
+            <p:nvCxnSpPr>
+              <p:cNvPr id="97" name="Elbow Connector 63"/>
+              <p:cNvCxnSpPr>
+                <a:cxnSpLocks/>
+                <a:stCxn id="99" idx="3"/>
+              </p:cNvCxnSpPr>
+              <p:nvPr/>
+            </p:nvCxnSpPr>
+            <p:spPr>
+              <a:xfrm rot="16200000" flipH="1">
+                <a:off x="3566454" y="2680653"/>
+                <a:ext cx="274076" cy="1"/>
+              </a:xfrm>
+              <a:prstGeom prst="bentConnector3">
+                <a:avLst>
+                  <a:gd name="adj1" fmla="val 50000"/>
+                </a:avLst>
+              </a:prstGeom>
+              <a:ln w="19050">
+                <a:solidFill>
+                  <a:srgbClr val="7030A0"/>
+                </a:solidFill>
+                <a:prstDash val="sysDot"/>
+                <a:headEnd type="none" w="med" len="med"/>
+                <a:tailEnd type="none" w="med" len="med"/>
+              </a:ln>
+              <a:effectLst/>
+            </p:spPr>
+            <p:style>
+              <a:lnRef idx="1">
+                <a:schemeClr val="accent2"/>
+              </a:lnRef>
+              <a:fillRef idx="2">
+                <a:schemeClr val="accent2"/>
+              </a:fillRef>
+              <a:effectRef idx="1">
+                <a:schemeClr val="accent2"/>
+              </a:effectRef>
+              <a:fontRef idx="minor">
+                <a:schemeClr val="dk1"/>
+              </a:fontRef>
+            </p:style>
+          </p:cxnSp>
+          <p:sp>
+            <p:nvSpPr>
+              <p:cNvPr id="99" name="Isosceles Triangle 102"/>
+              <p:cNvSpPr/>
+              <p:nvPr/>
+            </p:nvSpPr>
+            <p:spPr>
+              <a:xfrm rot="10800000" flipV="1">
+                <a:off x="3562299" y="2386554"/>
+                <a:ext cx="282387" cy="157062"/>
+              </a:xfrm>
+              <a:prstGeom prst="triangle">
+                <a:avLst/>
+              </a:prstGeom>
+              <a:solidFill>
+                <a:schemeClr val="accent4">
+                  <a:lumMod val="20000"/>
+                  <a:lumOff val="80000"/>
+                </a:schemeClr>
+              </a:solidFill>
+              <a:ln w="19050">
+                <a:solidFill>
+                  <a:srgbClr val="7030A0"/>
+                </a:solidFill>
+              </a:ln>
+              <a:effectLst/>
+            </p:spPr>
+            <p:style>
+              <a:lnRef idx="1">
+                <a:schemeClr val="accent4"/>
+              </a:lnRef>
+              <a:fillRef idx="2">
+                <a:schemeClr val="accent4"/>
+              </a:fillRef>
+              <a:effectRef idx="1">
+                <a:schemeClr val="accent4"/>
+              </a:effectRef>
+              <a:fontRef idx="minor">
+                <a:schemeClr val="dk1"/>
+              </a:fontRef>
+            </p:style>
+            <p:txBody>
+              <a:bodyPr rtlCol="0" anchor="ctr"/>
+              <a:lstStyle/>
+              <a:p>
+                <a:pPr algn="ctr"/>
+                <a:endParaRPr lang="en-SG" sz="1050" b="1" dirty="0">
+                  <a:solidFill>
+                    <a:srgbClr val="92D050"/>
+                  </a:solidFill>
+                </a:endParaRPr>
+              </a:p>
+            </p:txBody>
+          </p:sp>
+          <p:sp>
+            <p:nvSpPr>
+              <p:cNvPr id="100" name="Rectangle 8"/>
+              <p:cNvSpPr/>
+              <p:nvPr/>
+            </p:nvSpPr>
+            <p:spPr>
+              <a:xfrm>
+                <a:off x="1260922" y="1998350"/>
+                <a:ext cx="1443661" cy="364396"/>
+              </a:xfrm>
+              <a:prstGeom prst="rect">
+                <a:avLst/>
+              </a:prstGeom>
+              <a:ln w="19050">
+                <a:solidFill>
+                  <a:srgbClr val="7030A0"/>
+                </a:solidFill>
+              </a:ln>
+              <a:effectLst/>
+            </p:spPr>
+            <p:style>
+              <a:lnRef idx="1">
+                <a:schemeClr val="accent4"/>
+              </a:lnRef>
+              <a:fillRef idx="2">
+                <a:schemeClr val="accent4"/>
+              </a:fillRef>
+              <a:effectRef idx="1">
+                <a:schemeClr val="accent4"/>
+              </a:effectRef>
+              <a:fontRef idx="minor">
+                <a:schemeClr val="dk1"/>
+              </a:fontRef>
+            </p:style>
+            <p:txBody>
+              <a:bodyPr rtlCol="0" anchor="ctr"/>
+              <a:lstStyle/>
+              <a:p>
+                <a:pPr algn="ctr"/>
+                <a:r>
+                  <a:rPr lang="en-US" sz="1050" dirty="0">
+                    <a:solidFill>
+                      <a:srgbClr val="7030A0"/>
+                    </a:solidFill>
+                  </a:rPr>
+                  <a:t>&lt;&lt;interface&gt;&gt;</a:t>
+                </a:r>
+                <a:br>
+                  <a:rPr lang="en-US" sz="1050" dirty="0">
+                    <a:solidFill>
+                      <a:srgbClr val="7030A0"/>
+                    </a:solidFill>
+                  </a:rPr>
+                </a:br>
+                <a:r>
+                  <a:rPr lang="en-US" sz="1050" dirty="0">
+                    <a:solidFill>
+                      <a:srgbClr val="7030A0"/>
+                    </a:solidFill>
+                  </a:rPr>
+                  <a:t>ReadOnlyGradTrak</a:t>
+                </a:r>
+                <a:endParaRPr lang="en-SG" sz="1050" dirty="0">
+                  <a:solidFill>
+                    <a:srgbClr val="7030A0"/>
+                  </a:solidFill>
+                </a:endParaRPr>
+              </a:p>
+            </p:txBody>
+          </p:sp>
+          <p:sp>
+            <p:nvSpPr>
+              <p:cNvPr id="114" name="TextBox 113"/>
+              <p:cNvSpPr txBox="1"/>
+              <p:nvPr/>
+            </p:nvSpPr>
+            <p:spPr>
+              <a:xfrm>
+                <a:off x="7067490" y="4399628"/>
+                <a:ext cx="881018" cy="261610"/>
+              </a:xfrm>
+              <a:prstGeom prst="rect">
+                <a:avLst/>
+              </a:prstGeom>
+              <a:noFill/>
+            </p:spPr>
+            <p:txBody>
+              <a:bodyPr wrap="square" rtlCol="0">
+                <a:spAutoFit/>
+              </a:bodyPr>
+              <a:lstStyle/>
+              <a:p>
+                <a:pPr algn="r"/>
+                <a:r>
+                  <a:rPr lang="en-US" sz="1100" dirty="0">
+                    <a:solidFill>
+                      <a:srgbClr val="7030A0"/>
+                    </a:solidFill>
+                  </a:rPr>
+                  <a:t>filtered lists</a:t>
+                </a:r>
+                <a:endParaRPr lang="en-SG" sz="1100" dirty="0">
+                  <a:solidFill>
+                    <a:srgbClr val="7030A0"/>
+                  </a:solidFill>
+                </a:endParaRPr>
+              </a:p>
+            </p:txBody>
+          </p:sp>
+          <p:sp>
+            <p:nvSpPr>
+              <p:cNvPr id="122" name="Rectangle 8"/>
+              <p:cNvSpPr/>
+              <p:nvPr/>
+            </p:nvSpPr>
+            <p:spPr>
+              <a:xfrm>
+                <a:off x="4608445" y="5610990"/>
+                <a:ext cx="1066800" cy="346760"/>
+              </a:xfrm>
+              <a:prstGeom prst="rect">
+                <a:avLst/>
+              </a:prstGeom>
+              <a:ln w="19050">
+                <a:solidFill>
+                  <a:srgbClr val="7030A0"/>
+                </a:solidFill>
+              </a:ln>
+              <a:effectLst/>
+            </p:spPr>
+            <p:style>
+              <a:lnRef idx="1">
+                <a:schemeClr val="accent4"/>
+              </a:lnRef>
+              <a:fillRef idx="2">
+                <a:schemeClr val="accent4"/>
+              </a:fillRef>
+              <a:effectRef idx="1">
+                <a:schemeClr val="accent4"/>
+              </a:effectRef>
+              <a:fontRef idx="minor">
+                <a:schemeClr val="dk1"/>
+              </a:fontRef>
+            </p:style>
+            <p:txBody>
+              <a:bodyPr rtlCol="0" anchor="ctr"/>
+              <a:lstStyle/>
+              <a:p>
+                <a:pPr algn="ctr"/>
+                <a:r>
+                  <a:rPr lang="en-US" sz="1050" dirty="0">
+                    <a:solidFill>
+                      <a:srgbClr val="7030A0"/>
+                    </a:solidFill>
+                  </a:rPr>
+                  <a:t>&lt;&lt;interface&gt;&gt;</a:t>
+                </a:r>
+                <a:br>
+                  <a:rPr lang="en-US" sz="1050" dirty="0">
+                    <a:solidFill>
+                      <a:srgbClr val="7030A0"/>
+                    </a:solidFill>
+                  </a:rPr>
+                </a:br>
+                <a:r>
+                  <a:rPr lang="en-US" sz="1050" dirty="0">
+                    <a:solidFill>
+                      <a:srgbClr val="7030A0"/>
+                    </a:solidFill>
+                  </a:rPr>
+                  <a:t>ObservableList</a:t>
+                </a:r>
+                <a:endParaRPr lang="en-SG" sz="1050" dirty="0">
+                  <a:solidFill>
+                    <a:srgbClr val="7030A0"/>
+                  </a:solidFill>
+                </a:endParaRPr>
+              </a:p>
+            </p:txBody>
+          </p:sp>
+          <p:cxnSp>
+            <p:nvCxnSpPr>
+              <p:cNvPr id="124" name="Elbow Connector 122"/>
+              <p:cNvCxnSpPr>
+                <a:cxnSpLocks/>
+                <a:stCxn id="119" idx="1"/>
+              </p:cNvCxnSpPr>
+              <p:nvPr/>
+            </p:nvCxnSpPr>
+            <p:spPr>
+              <a:xfrm rot="16200000" flipH="1">
+                <a:off x="1954248" y="3130172"/>
+                <a:ext cx="2202969" cy="3105424"/>
+              </a:xfrm>
+              <a:prstGeom prst="bentConnector2">
+                <a:avLst/>
+              </a:prstGeom>
+              <a:ln w="19050">
+                <a:solidFill>
+                  <a:srgbClr val="7030A0"/>
+                </a:solidFill>
+                <a:prstDash val="sysDot"/>
+                <a:headEnd type="none" w="med" len="med"/>
+                <a:tailEnd type="arrow" w="med" len="med"/>
+              </a:ln>
+              <a:effectLst/>
+            </p:spPr>
+            <p:style>
+              <a:lnRef idx="1">
+                <a:schemeClr val="accent2"/>
+              </a:lnRef>
+              <a:fillRef idx="2">
+                <a:schemeClr val="accent2"/>
+              </a:fillRef>
+              <a:effectRef idx="1">
+                <a:schemeClr val="accent2"/>
+              </a:effectRef>
+              <a:fontRef idx="minor">
+                <a:schemeClr val="dk1"/>
+              </a:fontRef>
+            </p:style>
+          </p:cxnSp>
+          <p:sp>
+            <p:nvSpPr>
+              <p:cNvPr id="54" name="TextBox 53"/>
+              <p:cNvSpPr txBox="1"/>
+              <p:nvPr/>
+            </p:nvSpPr>
+            <p:spPr>
+              <a:xfrm>
+                <a:off x="4429979" y="3111479"/>
+                <a:ext cx="189257" cy="178683"/>
+              </a:xfrm>
+              <a:prstGeom prst="rect">
+                <a:avLst/>
+              </a:prstGeom>
+              <a:noFill/>
+            </p:spPr>
+            <p:txBody>
+              <a:bodyPr wrap="square" lIns="0" tIns="0" rIns="0" bIns="0" rtlCol="0">
+                <a:noAutofit/>
+              </a:bodyPr>
+              <a:lstStyle/>
+              <a:p>
+                <a:pPr algn="ctr"/>
+                <a:r>
+                  <a:rPr lang="en-US" sz="1100" dirty="0">
+                    <a:solidFill>
+                      <a:srgbClr val="7030A0"/>
+                    </a:solidFill>
+                  </a:rPr>
+                  <a:t>1</a:t>
+                </a:r>
+                <a:endParaRPr lang="en-SG" sz="1100" dirty="0">
+                  <a:solidFill>
+                    <a:srgbClr val="7030A0"/>
+                  </a:solidFill>
+                </a:endParaRPr>
+              </a:p>
+            </p:txBody>
+          </p:sp>
+          <p:sp>
+            <p:nvSpPr>
+              <p:cNvPr id="61" name="TextBox 60"/>
+              <p:cNvSpPr txBox="1"/>
+              <p:nvPr/>
+            </p:nvSpPr>
+            <p:spPr>
+              <a:xfrm>
+                <a:off x="6135256" y="3097917"/>
+                <a:ext cx="189257" cy="178683"/>
+              </a:xfrm>
+              <a:prstGeom prst="rect">
+                <a:avLst/>
+              </a:prstGeom>
+              <a:noFill/>
+            </p:spPr>
+            <p:txBody>
+              <a:bodyPr wrap="square" lIns="0" tIns="0" rIns="0" bIns="0" rtlCol="0">
+                <a:noAutofit/>
+              </a:bodyPr>
+              <a:lstStyle/>
+              <a:p>
+                <a:pPr algn="ctr"/>
+                <a:r>
+                  <a:rPr lang="en-US" sz="1100" dirty="0">
+                    <a:solidFill>
+                      <a:srgbClr val="7030A0"/>
+                    </a:solidFill>
+                  </a:rPr>
+                  <a:t>*</a:t>
+                </a:r>
+                <a:endParaRPr lang="en-SG" sz="1100" dirty="0">
+                  <a:solidFill>
+                    <a:srgbClr val="7030A0"/>
+                  </a:solidFill>
+                </a:endParaRPr>
+              </a:p>
+            </p:txBody>
+          </p:sp>
+          <p:sp>
+            <p:nvSpPr>
+              <p:cNvPr id="65" name="TextBox 64"/>
+              <p:cNvSpPr txBox="1"/>
+              <p:nvPr/>
+            </p:nvSpPr>
+            <p:spPr>
+              <a:xfrm>
+                <a:off x="2573394" y="2756715"/>
+                <a:ext cx="170110" cy="137542"/>
+              </a:xfrm>
+              <a:prstGeom prst="rect">
+                <a:avLst/>
+              </a:prstGeom>
+              <a:noFill/>
+            </p:spPr>
+            <p:txBody>
+              <a:bodyPr wrap="square" lIns="0" tIns="0" rIns="0" bIns="0" rtlCol="0">
+                <a:noAutofit/>
+              </a:bodyPr>
+              <a:lstStyle/>
+              <a:p>
+                <a:pPr algn="ctr"/>
+                <a:r>
+                  <a:rPr lang="en-US" sz="1100" dirty="0">
+                    <a:solidFill>
+                      <a:srgbClr val="7030A0"/>
+                    </a:solidFill>
+                  </a:rPr>
+                  <a:t>1</a:t>
+                </a:r>
+                <a:endParaRPr lang="en-SG" sz="1100" dirty="0">
+                  <a:solidFill>
+                    <a:srgbClr val="7030A0"/>
+                  </a:solidFill>
+                </a:endParaRPr>
+              </a:p>
+            </p:txBody>
+          </p:sp>
+          <p:sp>
+            <p:nvSpPr>
+              <p:cNvPr id="66" name="TextBox 65"/>
+              <p:cNvSpPr txBox="1"/>
+              <p:nvPr/>
+            </p:nvSpPr>
+            <p:spPr>
+              <a:xfrm>
+                <a:off x="2630191" y="3671851"/>
+                <a:ext cx="189257" cy="178683"/>
+              </a:xfrm>
+              <a:prstGeom prst="rect">
+                <a:avLst/>
+              </a:prstGeom>
+              <a:noFill/>
+            </p:spPr>
+            <p:txBody>
+              <a:bodyPr wrap="square" lIns="0" tIns="0" rIns="0" bIns="0" rtlCol="0">
+                <a:noAutofit/>
+              </a:bodyPr>
+              <a:lstStyle/>
+              <a:p>
+                <a:pPr algn="ctr"/>
+                <a:r>
+                  <a:rPr lang="en-US" sz="1100" dirty="0">
+                    <a:solidFill>
+                      <a:srgbClr val="7030A0"/>
+                    </a:solidFill>
+                  </a:rPr>
+                  <a:t>1</a:t>
+                </a:r>
+                <a:endParaRPr lang="en-SG" sz="1100" dirty="0">
+                  <a:solidFill>
+                    <a:srgbClr val="7030A0"/>
+                  </a:solidFill>
+                </a:endParaRPr>
+              </a:p>
+            </p:txBody>
+          </p:sp>
+          <p:sp>
+            <p:nvSpPr>
+              <p:cNvPr id="70" name="TextBox 69"/>
+              <p:cNvSpPr txBox="1"/>
+              <p:nvPr/>
+            </p:nvSpPr>
+            <p:spPr>
+              <a:xfrm>
+                <a:off x="6449896" y="3115067"/>
+                <a:ext cx="189257" cy="178683"/>
+              </a:xfrm>
+              <a:prstGeom prst="rect">
+                <a:avLst/>
+              </a:prstGeom>
+              <a:noFill/>
+            </p:spPr>
+            <p:txBody>
+              <a:bodyPr wrap="square" lIns="0" tIns="0" rIns="0" bIns="0" rtlCol="0">
+                <a:noAutofit/>
+              </a:bodyPr>
+              <a:lstStyle/>
+              <a:p>
+                <a:pPr algn="ctr"/>
+                <a:r>
+                  <a:rPr lang="en-US" sz="1100" dirty="0">
+                    <a:solidFill>
+                      <a:srgbClr val="7030A0"/>
+                    </a:solidFill>
+                  </a:rPr>
+                  <a:t>1</a:t>
+                </a:r>
+                <a:endParaRPr lang="en-SG" sz="1100" dirty="0">
+                  <a:solidFill>
+                    <a:srgbClr val="7030A0"/>
+                  </a:solidFill>
+                </a:endParaRPr>
+              </a:p>
+            </p:txBody>
+          </p:sp>
+          <p:sp>
+            <p:nvSpPr>
+              <p:cNvPr id="52" name="Rectangle 8">
+                <a:extLst>
+                  <a:ext uri="{FF2B5EF4-FFF2-40B4-BE49-F238E27FC236}">
+                    <a16:creationId xmlns:a16="http://schemas.microsoft.com/office/drawing/2014/main" id="{ABDCDBD2-131A-4B66-A2F2-43BBEE82C773}"/>
+                  </a:ext>
+                </a:extLst>
+              </p:cNvPr>
+              <p:cNvSpPr/>
+              <p:nvPr/>
+            </p:nvSpPr>
+            <p:spPr>
+              <a:xfrm>
+                <a:off x="8307663" y="2228817"/>
+                <a:ext cx="708186" cy="285783"/>
+              </a:xfrm>
+              <a:prstGeom prst="rect">
+                <a:avLst/>
+              </a:prstGeom>
+              <a:ln w="19050">
+                <a:solidFill>
+                  <a:srgbClr val="7030A0"/>
+                </a:solidFill>
+              </a:ln>
+              <a:effectLst/>
+            </p:spPr>
+            <p:style>
+              <a:lnRef idx="1">
+                <a:schemeClr val="accent4"/>
+              </a:lnRef>
+              <a:fillRef idx="2">
+                <a:schemeClr val="accent4"/>
+              </a:fillRef>
+              <a:effectRef idx="1">
+                <a:schemeClr val="accent4"/>
+              </a:effectRef>
+              <a:fontRef idx="minor">
+                <a:schemeClr val="dk1"/>
+              </a:fontRef>
+            </p:style>
+            <p:txBody>
+              <a:bodyPr rtlCol="0" anchor="ctr"/>
+              <a:lstStyle/>
+              <a:p>
+                <a:pPr algn="ctr"/>
+                <a:r>
+                  <a:rPr lang="en-US" sz="1050" dirty="0">
+                    <a:solidFill>
+                      <a:srgbClr val="7030A0"/>
+                    </a:solidFill>
+                  </a:rPr>
+                  <a:t>Tag</a:t>
+                </a:r>
+                <a:endParaRPr lang="en-SG" sz="1050" dirty="0">
+                  <a:solidFill>
+                    <a:srgbClr val="7030A0"/>
+                  </a:solidFill>
+                </a:endParaRPr>
+              </a:p>
+            </p:txBody>
+          </p:sp>
+          <p:cxnSp>
+            <p:nvCxnSpPr>
+              <p:cNvPr id="53" name="Elbow Connector 78">
+                <a:extLst>
+                  <a:ext uri="{FF2B5EF4-FFF2-40B4-BE49-F238E27FC236}">
+                    <a16:creationId xmlns:a16="http://schemas.microsoft.com/office/drawing/2014/main" id="{B97967F8-618A-448B-81FD-CDFD4AF0EC64}"/>
+                  </a:ext>
+                </a:extLst>
+              </p:cNvPr>
+              <p:cNvCxnSpPr>
+                <a:cxnSpLocks/>
+                <a:stCxn id="78" idx="3"/>
+                <a:endCxn id="52" idx="1"/>
+              </p:cNvCxnSpPr>
+              <p:nvPr/>
+            </p:nvCxnSpPr>
+            <p:spPr>
+              <a:xfrm flipV="1">
+                <a:off x="7870047" y="2371709"/>
+                <a:ext cx="437616" cy="693441"/>
+              </a:xfrm>
+              <a:prstGeom prst="bentConnector3">
+                <a:avLst>
+                  <a:gd name="adj1" fmla="val 50000"/>
+                </a:avLst>
+              </a:prstGeom>
+              <a:ln w="19050">
+                <a:solidFill>
+                  <a:srgbClr val="7030A0"/>
+                </a:solidFill>
+                <a:headEnd type="none" w="med" len="med"/>
+                <a:tailEnd type="arrow" w="med" len="med"/>
+              </a:ln>
+              <a:effectLst/>
+            </p:spPr>
+            <p:style>
+              <a:lnRef idx="1">
+                <a:schemeClr val="accent2"/>
+              </a:lnRef>
+              <a:fillRef idx="2">
+                <a:schemeClr val="accent2"/>
+              </a:fillRef>
+              <a:effectRef idx="1">
+                <a:schemeClr val="accent2"/>
+              </a:effectRef>
+              <a:fontRef idx="minor">
+                <a:schemeClr val="dk1"/>
+              </a:fontRef>
+            </p:style>
+          </p:cxnSp>
+          <p:sp>
+            <p:nvSpPr>
+              <p:cNvPr id="50" name="TextBox 49">
+                <a:extLst>
+                  <a:ext uri="{FF2B5EF4-FFF2-40B4-BE49-F238E27FC236}">
+                    <a16:creationId xmlns:a16="http://schemas.microsoft.com/office/drawing/2014/main" id="{B3FA9D57-880F-49C4-AD0B-A64E30D6F403}"/>
+                  </a:ext>
+                </a:extLst>
+              </p:cNvPr>
+              <p:cNvSpPr txBox="1"/>
+              <p:nvPr/>
+            </p:nvSpPr>
+            <p:spPr>
+              <a:xfrm>
+                <a:off x="8083383" y="2243311"/>
+                <a:ext cx="189257" cy="178683"/>
+              </a:xfrm>
+              <a:prstGeom prst="rect">
+                <a:avLst/>
+              </a:prstGeom>
+              <a:noFill/>
+            </p:spPr>
+            <p:txBody>
+              <a:bodyPr wrap="square" lIns="0" tIns="0" rIns="0" bIns="0" rtlCol="0">
+                <a:noAutofit/>
+              </a:bodyPr>
+              <a:lstStyle/>
+              <a:p>
+                <a:pPr algn="ctr"/>
+                <a:r>
+                  <a:rPr lang="en-US" sz="1100" dirty="0">
+                    <a:solidFill>
+                      <a:srgbClr val="7030A0"/>
+                    </a:solidFill>
+                  </a:rPr>
+                  <a:t>*</a:t>
+                </a:r>
+                <a:endParaRPr lang="en-SG" sz="1100" dirty="0">
+                  <a:solidFill>
+                    <a:srgbClr val="7030A0"/>
+                  </a:solidFill>
+                </a:endParaRPr>
+              </a:p>
+            </p:txBody>
+          </p:sp>
+          <p:sp>
+            <p:nvSpPr>
+              <p:cNvPr id="55" name="Rectangle 8"/>
+              <p:cNvSpPr/>
+              <p:nvPr/>
+            </p:nvSpPr>
+            <p:spPr>
+              <a:xfrm>
+                <a:off x="3170181" y="1998350"/>
+                <a:ext cx="1060683" cy="364396"/>
+              </a:xfrm>
+              <a:prstGeom prst="rect">
+                <a:avLst/>
+              </a:prstGeom>
+              <a:ln w="19050">
+                <a:solidFill>
+                  <a:srgbClr val="7030A0"/>
+                </a:solidFill>
+              </a:ln>
+              <a:effectLst/>
+            </p:spPr>
+            <p:style>
+              <a:lnRef idx="1">
+                <a:schemeClr val="accent4"/>
+              </a:lnRef>
+              <a:fillRef idx="2">
+                <a:schemeClr val="accent4"/>
+              </a:fillRef>
+              <a:effectRef idx="1">
+                <a:schemeClr val="accent4"/>
+              </a:effectRef>
+              <a:fontRef idx="minor">
+                <a:schemeClr val="dk1"/>
+              </a:fontRef>
+            </p:style>
+            <p:txBody>
+              <a:bodyPr rtlCol="0" anchor="ctr"/>
+              <a:lstStyle/>
+              <a:p>
+                <a:pPr algn="ctr"/>
+                <a:r>
+                  <a:rPr lang="en-US" sz="1050" dirty="0">
+                    <a:solidFill>
+                      <a:srgbClr val="7030A0"/>
+                    </a:solidFill>
+                  </a:rPr>
+                  <a:t>GradTrak</a:t>
+                </a:r>
+                <a:endParaRPr lang="en-SG" sz="1050" dirty="0">
+                  <a:solidFill>
+                    <a:srgbClr val="7030A0"/>
+                  </a:solidFill>
+                </a:endParaRPr>
+              </a:p>
+            </p:txBody>
+          </p:sp>
+          <p:cxnSp>
+            <p:nvCxnSpPr>
+              <p:cNvPr id="60" name="Straight Arrow Connector 59"/>
+              <p:cNvCxnSpPr>
+                <a:cxnSpLocks/>
+                <a:stCxn id="51" idx="1"/>
+                <a:endCxn id="49" idx="1"/>
+              </p:cNvCxnSpPr>
+              <p:nvPr/>
+            </p:nvCxnSpPr>
+            <p:spPr>
+              <a:xfrm>
+                <a:off x="4324972" y="3007222"/>
+                <a:ext cx="367678" cy="12320"/>
+              </a:xfrm>
+              <a:prstGeom prst="straightConnector1">
+                <a:avLst/>
+              </a:prstGeom>
+              <a:ln w="19050">
+                <a:solidFill>
+                  <a:srgbClr val="7030A0"/>
+                </a:solidFill>
+                <a:headEnd type="none" w="med" len="med"/>
+                <a:tailEnd type="arrow" w="med" len="med"/>
+              </a:ln>
+              <a:effectLst/>
+            </p:spPr>
+            <p:style>
+              <a:lnRef idx="1">
+                <a:schemeClr val="accent2"/>
+              </a:lnRef>
+              <a:fillRef idx="2">
+                <a:schemeClr val="accent2"/>
+              </a:fillRef>
+              <a:effectRef idx="1">
+                <a:schemeClr val="accent2"/>
+              </a:effectRef>
+              <a:fontRef idx="minor">
+                <a:schemeClr val="dk1"/>
+              </a:fontRef>
+            </p:style>
+          </p:cxnSp>
+          <p:sp>
+            <p:nvSpPr>
+              <p:cNvPr id="68" name="Isosceles Triangle 102"/>
+              <p:cNvSpPr/>
+              <p:nvPr/>
+            </p:nvSpPr>
+            <p:spPr>
+              <a:xfrm rot="16200000">
+                <a:off x="2669073" y="2069158"/>
+                <a:ext cx="271014" cy="187417"/>
+              </a:xfrm>
+              <a:prstGeom prst="triangle">
+                <a:avLst>
+                  <a:gd name="adj" fmla="val 44517"/>
+                </a:avLst>
+              </a:prstGeom>
+              <a:solidFill>
+                <a:schemeClr val="accent4">
+                  <a:lumMod val="20000"/>
+                  <a:lumOff val="80000"/>
+                </a:schemeClr>
+              </a:solidFill>
+              <a:ln w="19050">
+                <a:solidFill>
+                  <a:srgbClr val="7030A0"/>
+                </a:solidFill>
+              </a:ln>
+              <a:effectLst/>
+            </p:spPr>
+            <p:style>
+              <a:lnRef idx="1">
+                <a:schemeClr val="accent6"/>
+              </a:lnRef>
+              <a:fillRef idx="2">
+                <a:schemeClr val="accent6"/>
+              </a:fillRef>
+              <a:effectRef idx="1">
+                <a:schemeClr val="accent6"/>
+              </a:effectRef>
+              <a:fontRef idx="minor">
+                <a:schemeClr val="dk1"/>
+              </a:fontRef>
+            </p:style>
+            <p:txBody>
+              <a:bodyPr rtlCol="0" anchor="ctr"/>
+              <a:lstStyle/>
+              <a:p>
+                <a:pPr algn="ctr"/>
+                <a:endParaRPr lang="en-SG" sz="1050" dirty="0"/>
+              </a:p>
+            </p:txBody>
+          </p:sp>
+          <p:cxnSp>
+            <p:nvCxnSpPr>
+              <p:cNvPr id="69" name="Elbow Connector 63"/>
+              <p:cNvCxnSpPr>
+                <a:stCxn id="68" idx="3"/>
+                <a:endCxn id="55" idx="1"/>
+              </p:cNvCxnSpPr>
+              <p:nvPr/>
+            </p:nvCxnSpPr>
+            <p:spPr>
+              <a:xfrm>
+                <a:off x="2898289" y="2177727"/>
+                <a:ext cx="271892" cy="2821"/>
+              </a:xfrm>
+              <a:prstGeom prst="bentConnector3">
+                <a:avLst>
+                  <a:gd name="adj1" fmla="val 50000"/>
+                </a:avLst>
+              </a:prstGeom>
+              <a:ln w="19050">
+                <a:solidFill>
+                  <a:srgbClr val="7030A0"/>
+                </a:solidFill>
+                <a:prstDash val="sysDot"/>
+                <a:headEnd type="none" w="med" len="med"/>
+                <a:tailEnd type="none" w="med" len="med"/>
+              </a:ln>
+              <a:effectLst/>
+            </p:spPr>
+            <p:style>
+              <a:lnRef idx="1">
+                <a:schemeClr val="accent2"/>
+              </a:lnRef>
+              <a:fillRef idx="2">
+                <a:schemeClr val="accent2"/>
+              </a:fillRef>
+              <a:effectRef idx="1">
+                <a:schemeClr val="accent2"/>
+              </a:effectRef>
+              <a:fontRef idx="minor">
+                <a:schemeClr val="dk1"/>
+              </a:fontRef>
+            </p:style>
+          </p:cxnSp>
+          <p:sp>
+            <p:nvSpPr>
+              <p:cNvPr id="57" name="Rectangle 8">
+                <a:extLst>
+                  <a:ext uri="{FF2B5EF4-FFF2-40B4-BE49-F238E27FC236}">
+                    <a16:creationId xmlns:a16="http://schemas.microsoft.com/office/drawing/2014/main" id="{6A42DA50-9012-4391-9EF3-285E4FA3FCD8}"/>
+                  </a:ext>
+                </a:extLst>
+              </p:cNvPr>
+              <p:cNvSpPr/>
+              <p:nvPr/>
+            </p:nvSpPr>
+            <p:spPr>
+              <a:xfrm>
+                <a:off x="4690048" y="3460864"/>
+                <a:ext cx="1293486" cy="346760"/>
+              </a:xfrm>
+              <a:prstGeom prst="rect">
+                <a:avLst/>
+              </a:prstGeom>
+              <a:ln w="19050">
+                <a:solidFill>
+                  <a:srgbClr val="7030A0"/>
+                </a:solidFill>
+              </a:ln>
+              <a:effectLst/>
+            </p:spPr>
+            <p:style>
+              <a:lnRef idx="1">
+                <a:schemeClr val="accent4"/>
+              </a:lnRef>
+              <a:fillRef idx="2">
+                <a:schemeClr val="accent4"/>
+              </a:fillRef>
+              <a:effectRef idx="1">
+                <a:schemeClr val="accent4"/>
+              </a:effectRef>
+              <a:fontRef idx="minor">
+                <a:schemeClr val="dk1"/>
+              </a:fontRef>
+            </p:style>
+            <p:txBody>
+              <a:bodyPr rtlCol="0" anchor="ctr"/>
+              <a:lstStyle/>
+              <a:p>
+                <a:pPr algn="ctr"/>
+                <a:r>
+                  <a:rPr lang="en-US" sz="1050" dirty="0">
+                    <a:solidFill>
+                      <a:srgbClr val="7030A0"/>
+                    </a:solidFill>
+                  </a:rPr>
+                  <a:t>&lt;&lt;interface&gt;&gt;</a:t>
+                </a:r>
+              </a:p>
+              <a:p>
+                <a:pPr algn="ctr"/>
+                <a:r>
+                  <a:rPr lang="en-US" sz="1050" dirty="0">
+                    <a:solidFill>
+                      <a:srgbClr val="7030A0"/>
+                    </a:solidFill>
+                  </a:rPr>
+                  <a:t>ReadOnlyUserPrefs</a:t>
+                </a:r>
+                <a:endParaRPr lang="en-SG" sz="1050" dirty="0">
+                  <a:solidFill>
+                    <a:srgbClr val="7030A0"/>
+                  </a:solidFill>
+                </a:endParaRPr>
+              </a:p>
+            </p:txBody>
+          </p:sp>
+          <p:sp>
+            <p:nvSpPr>
+              <p:cNvPr id="59" name="Isosceles Triangle 102">
+                <a:extLst>
+                  <a:ext uri="{FF2B5EF4-FFF2-40B4-BE49-F238E27FC236}">
+                    <a16:creationId xmlns:a16="http://schemas.microsoft.com/office/drawing/2014/main" id="{B263B2D7-6E76-465E-B40E-7E2A46254A84}"/>
+                  </a:ext>
+                </a:extLst>
+              </p:cNvPr>
+              <p:cNvSpPr/>
+              <p:nvPr/>
+            </p:nvSpPr>
+            <p:spPr>
+              <a:xfrm rot="5400000" flipH="1">
+                <a:off x="4431989" y="3508527"/>
+                <a:ext cx="271014" cy="221497"/>
+              </a:xfrm>
+              <a:prstGeom prst="triangle">
+                <a:avLst>
+                  <a:gd name="adj" fmla="val 44516"/>
+                </a:avLst>
+              </a:prstGeom>
+              <a:solidFill>
+                <a:schemeClr val="accent4">
+                  <a:lumMod val="20000"/>
+                  <a:lumOff val="80000"/>
+                </a:schemeClr>
+              </a:solidFill>
+              <a:ln w="19050">
+                <a:solidFill>
+                  <a:srgbClr val="7030A0"/>
+                </a:solidFill>
+              </a:ln>
+              <a:effectLst/>
+            </p:spPr>
+            <p:style>
+              <a:lnRef idx="1">
+                <a:schemeClr val="accent6"/>
+              </a:lnRef>
+              <a:fillRef idx="2">
+                <a:schemeClr val="accent6"/>
+              </a:fillRef>
+              <a:effectRef idx="1">
+                <a:schemeClr val="accent6"/>
+              </a:effectRef>
+              <a:fontRef idx="minor">
+                <a:schemeClr val="dk1"/>
+              </a:fontRef>
+            </p:style>
+            <p:txBody>
+              <a:bodyPr rtlCol="0" anchor="ctr"/>
+              <a:lstStyle/>
+              <a:p>
+                <a:pPr algn="ctr"/>
+                <a:endParaRPr lang="en-SG" sz="1050" dirty="0"/>
+              </a:p>
+            </p:txBody>
+          </p:sp>
+          <p:cxnSp>
+            <p:nvCxnSpPr>
+              <p:cNvPr id="67" name="Elbow Connector 63">
+                <a:extLst>
+                  <a:ext uri="{FF2B5EF4-FFF2-40B4-BE49-F238E27FC236}">
+                    <a16:creationId xmlns:a16="http://schemas.microsoft.com/office/drawing/2014/main" id="{BA3A25CD-7C1D-4B3B-B294-1B05ABCFECFD}"/>
+                  </a:ext>
+                </a:extLst>
+              </p:cNvPr>
+              <p:cNvCxnSpPr>
+                <a:cxnSpLocks/>
+                <a:stCxn id="59" idx="3"/>
+                <a:endCxn id="2" idx="3"/>
+              </p:cNvCxnSpPr>
+              <p:nvPr/>
+            </p:nvCxnSpPr>
+            <p:spPr>
+              <a:xfrm rot="10800000" flipV="1">
+                <a:off x="3844686" y="3634138"/>
+                <a:ext cx="612062" cy="2482"/>
+              </a:xfrm>
+              <a:prstGeom prst="bentConnector3">
+                <a:avLst>
+                  <a:gd name="adj1" fmla="val 50000"/>
+                </a:avLst>
+              </a:prstGeom>
+              <a:ln w="19050">
+                <a:solidFill>
+                  <a:srgbClr val="7030A0"/>
+                </a:solidFill>
+                <a:prstDash val="sysDot"/>
+                <a:headEnd type="none" w="med" len="med"/>
+                <a:tailEnd type="none" w="med" len="med"/>
+              </a:ln>
+              <a:effectLst/>
+            </p:spPr>
+            <p:style>
+              <a:lnRef idx="1">
+                <a:schemeClr val="accent2"/>
+              </a:lnRef>
+              <a:fillRef idx="2">
+                <a:schemeClr val="accent2"/>
+              </a:fillRef>
+              <a:effectRef idx="1">
+                <a:schemeClr val="accent2"/>
+              </a:effectRef>
+              <a:fontRef idx="minor">
+                <a:schemeClr val="dk1"/>
+              </a:fontRef>
+            </p:style>
+          </p:cxnSp>
+          <p:sp>
+            <p:nvSpPr>
+              <p:cNvPr id="231" name="TextBox 230">
+                <a:extLst>
+                  <a:ext uri="{FF2B5EF4-FFF2-40B4-BE49-F238E27FC236}">
+                    <a16:creationId xmlns:a16="http://schemas.microsoft.com/office/drawing/2014/main" id="{8F5AC689-C531-4A39-BCF7-2D15C2E319AE}"/>
+                  </a:ext>
+                </a:extLst>
+              </p:cNvPr>
+              <p:cNvSpPr txBox="1"/>
+              <p:nvPr/>
+            </p:nvSpPr>
+            <p:spPr>
+              <a:xfrm>
+                <a:off x="7112150" y="4943908"/>
+                <a:ext cx="1054001" cy="430887"/>
+              </a:xfrm>
+              <a:prstGeom prst="rect">
+                <a:avLst/>
+              </a:prstGeom>
+              <a:noFill/>
+            </p:spPr>
+            <p:txBody>
+              <a:bodyPr wrap="square" rtlCol="0">
+                <a:spAutoFit/>
+              </a:bodyPr>
+              <a:lstStyle/>
+              <a:p>
+                <a:pPr algn="r"/>
+                <a:r>
+                  <a:rPr lang="en-US" sz="1100" dirty="0">
+                    <a:solidFill>
+                      <a:srgbClr val="7030A0"/>
+                    </a:solidFill>
+                  </a:rPr>
+                  <a:t>filtered/sorted lists</a:t>
+                </a:r>
+                <a:endParaRPr lang="en-SG" sz="1100" dirty="0">
+                  <a:solidFill>
+                    <a:srgbClr val="7030A0"/>
+                  </a:solidFill>
+                </a:endParaRPr>
+              </a:p>
+            </p:txBody>
+          </p:sp>
+        </p:grpSp>
+      </p:grpSp>
+      <p:sp>
+        <p:nvSpPr>
+          <p:cNvPr id="95" name="Rectangle 8">
+            <a:extLst>
+              <a:ext uri="{FF2B5EF4-FFF2-40B4-BE49-F238E27FC236}">
+                <a16:creationId xmlns:a16="http://schemas.microsoft.com/office/drawing/2014/main" id="{D419CE02-479C-43F3-9A04-CD3C87655E60}"/>
+              </a:ext>
+            </a:extLst>
+          </p:cNvPr>
           <p:cNvSpPr/>
           <p:nvPr/>
         </p:nvSpPr>
         <p:spPr>
           <a:xfrm>
-            <a:off x="2825280" y="3463240"/>
+            <a:off x="2293999" y="2728281"/>
             <a:ext cx="878211" cy="346760"/>
           </a:xfrm>
           <a:prstGeom prst="rect">
@@ -3570,12 +5956,12 @@
           <a:p>
             <a:pPr algn="ctr"/>
             <a:r>
-              <a:rPr lang="en-US" sz="1050" dirty="0" err="1">
+              <a:rPr lang="en-US" sz="1050" dirty="0">
                 <a:solidFill>
                   <a:srgbClr val="7030A0"/>
                 </a:solidFill>
               </a:rPr>
-              <a:t>UserPrefs</a:t>
+              <a:t>UserInfo</a:t>
             </a:r>
             <a:endParaRPr lang="en-SG" sz="1050" dirty="0">
               <a:solidFill>
@@ -3585,90 +5971,34 @@
           </a:p>
         </p:txBody>
       </p:sp>
-      <p:sp>
-        <p:nvSpPr>
-          <p:cNvPr id="9" name="Rectangle 62"/>
-          <p:cNvSpPr/>
-          <p:nvPr/>
-        </p:nvSpPr>
-        <p:spPr>
-          <a:xfrm rot="16200000">
-            <a:off x="1661548" y="3097750"/>
-            <a:ext cx="1093635" cy="346760"/>
-          </a:xfrm>
-          <a:prstGeom prst="rect">
-            <a:avLst/>
-          </a:prstGeom>
-          <a:solidFill>
-            <a:srgbClr val="7030A0"/>
-          </a:solidFill>
-          <a:ln w="19050">
-            <a:solidFill>
-              <a:srgbClr val="7030A0"/>
-            </a:solidFill>
-          </a:ln>
-          <a:effectLst/>
-        </p:spPr>
-        <p:style>
-          <a:lnRef idx="1">
-            <a:schemeClr val="accent2"/>
-          </a:lnRef>
-          <a:fillRef idx="2">
-            <a:schemeClr val="accent2"/>
-          </a:fillRef>
-          <a:effectRef idx="1">
-            <a:schemeClr val="accent2"/>
-          </a:effectRef>
-          <a:fontRef idx="minor">
-            <a:schemeClr val="dk1"/>
-          </a:fontRef>
-        </p:style>
-        <p:txBody>
-          <a:bodyPr rtlCol="0" anchor="ctr"/>
-          <a:lstStyle/>
-          <a:p>
-            <a:pPr algn="ctr"/>
-            <a:r>
-              <a:rPr lang="en-US" sz="1050" dirty="0" err="1">
-                <a:solidFill>
-                  <a:schemeClr val="bg1"/>
-                </a:solidFill>
-              </a:rPr>
-              <a:t>ModelManager</a:t>
-            </a:r>
-            <a:endParaRPr lang="en-SG" sz="1050" dirty="0">
-              <a:solidFill>
-                <a:schemeClr val="bg1"/>
-              </a:solidFill>
-            </a:endParaRPr>
-          </a:p>
-        </p:txBody>
-      </p:sp>
       <p:cxnSp>
         <p:nvCxnSpPr>
-          <p:cNvPr id="107" name="Elbow Connector 106"/>
+          <p:cNvPr id="96" name="Straight Arrow Connector 95">
+            <a:extLst>
+              <a:ext uri="{FF2B5EF4-FFF2-40B4-BE49-F238E27FC236}">
+                <a16:creationId xmlns:a16="http://schemas.microsoft.com/office/drawing/2014/main" id="{AA49CA13-11BE-4A15-BAA5-65407241D5E5}"/>
+              </a:ext>
+            </a:extLst>
+          </p:cNvPr>
           <p:cNvCxnSpPr>
             <a:cxnSpLocks/>
-            <a:stCxn id="9" idx="1"/>
-            <a:endCxn id="62" idx="2"/>
+            <a:stCxn id="98" idx="3"/>
+            <a:endCxn id="95" idx="1"/>
           </p:cNvCxnSpPr>
           <p:nvPr/>
         </p:nvCxnSpPr>
         <p:spPr>
-          <a:xfrm rot="5400000" flipH="1" flipV="1">
-            <a:off x="4131507" y="1281685"/>
-            <a:ext cx="613122" cy="4459404"/>
+          <a:xfrm flipV="1">
+            <a:off x="2064251" y="2901661"/>
+            <a:ext cx="229748" cy="2592"/>
           </a:xfrm>
-          <a:prstGeom prst="bentConnector3">
-            <a:avLst>
-              <a:gd name="adj1" fmla="val -26668"/>
-            </a:avLst>
+          <a:prstGeom prst="straightConnector1">
+            <a:avLst/>
           </a:prstGeom>
           <a:ln w="19050">
             <a:solidFill>
               <a:srgbClr val="7030A0"/>
             </a:solidFill>
-            <a:prstDash val="solid"/>
             <a:headEnd type="none" w="med" len="med"/>
             <a:tailEnd type="arrow" w="med" len="med"/>
           </a:ln>
@@ -3691,91 +6021,25 @@
       </p:cxnSp>
       <p:sp>
         <p:nvSpPr>
-          <p:cNvPr id="119" name="Rectangle 62"/>
+          <p:cNvPr id="98" name="Flowchart: Decision 96">
+            <a:extLst>
+              <a:ext uri="{FF2B5EF4-FFF2-40B4-BE49-F238E27FC236}">
+                <a16:creationId xmlns:a16="http://schemas.microsoft.com/office/drawing/2014/main" id="{2C025E8A-FCB2-4EB0-B1C2-9B82B90D816C}"/>
+              </a:ext>
+            </a:extLst>
+          </p:cNvPr>
           <p:cNvSpPr/>
           <p:nvPr/>
         </p:nvSpPr>
         <p:spPr>
-          <a:xfrm rot="16200000">
-            <a:off x="956202" y="2861202"/>
-            <a:ext cx="1093635" cy="346760"/>
+          <a:xfrm>
+            <a:off x="1828203" y="2817563"/>
+            <a:ext cx="236048" cy="173380"/>
           </a:xfrm>
-          <a:prstGeom prst="rect">
+          <a:prstGeom prst="flowChartDecision">
             <a:avLst/>
           </a:prstGeom>
-          <a:solidFill>
-            <a:srgbClr val="7030A0"/>
-          </a:solidFill>
-          <a:ln w="19050">
-            <a:solidFill>
-              <a:srgbClr val="7030A0"/>
-            </a:solidFill>
-          </a:ln>
-          <a:effectLst/>
-        </p:spPr>
-        <p:style>
-          <a:lnRef idx="1">
-            <a:schemeClr val="accent2"/>
-          </a:lnRef>
-          <a:fillRef idx="2">
-            <a:schemeClr val="accent2"/>
-          </a:fillRef>
-          <a:effectRef idx="1">
-            <a:schemeClr val="accent2"/>
-          </a:effectRef>
-          <a:fontRef idx="minor">
-            <a:schemeClr val="dk1"/>
-          </a:fontRef>
-        </p:style>
-        <p:txBody>
-          <a:bodyPr rtlCol="0" anchor="ctr"/>
-          <a:lstStyle/>
-          <a:p>
-            <a:pPr algn="ctr"/>
-            <a:r>
-              <a:rPr lang="en-US" sz="1050" dirty="0">
-                <a:solidFill>
-                  <a:schemeClr val="bg1"/>
-                </a:solidFill>
-              </a:rPr>
-              <a:t>&lt;&lt;interface&gt;&gt;</a:t>
-            </a:r>
-          </a:p>
-          <a:p>
-            <a:pPr algn="ctr"/>
-            <a:r>
-              <a:rPr lang="en-US" sz="1050" dirty="0">
-                <a:solidFill>
-                  <a:schemeClr val="bg1"/>
-                </a:solidFill>
-              </a:rPr>
-              <a:t>Model</a:t>
-            </a:r>
-            <a:endParaRPr lang="en-SG" sz="1050" dirty="0">
-              <a:solidFill>
-                <a:schemeClr val="bg1"/>
-              </a:solidFill>
-            </a:endParaRPr>
-          </a:p>
-        </p:txBody>
-      </p:sp>
-      <p:sp>
-        <p:nvSpPr>
-          <p:cNvPr id="120" name="Isosceles Triangle 102"/>
-          <p:cNvSpPr/>
-          <p:nvPr/>
-        </p:nvSpPr>
-        <p:spPr>
-          <a:xfrm rot="16200000">
-            <a:off x="1626910" y="2952291"/>
-            <a:ext cx="270504" cy="175523"/>
-          </a:xfrm>
-          <a:prstGeom prst="triangle">
-            <a:avLst/>
-          </a:prstGeom>
-          <a:solidFill>
-            <a:srgbClr val="7030A0"/>
-          </a:solidFill>
+          <a:noFill/>
           <a:ln w="19050">
             <a:solidFill>
               <a:srgbClr val="7030A0"/>
@@ -3802,24 +6066,550 @@
           <a:lstStyle/>
           <a:p>
             <a:pPr algn="ctr"/>
-            <a:endParaRPr lang="en-SG" sz="1050"/>
+            <a:endParaRPr lang="en-US" sz="1050" dirty="0"/>
+          </a:p>
+        </p:txBody>
+      </p:sp>
+      <p:sp>
+        <p:nvSpPr>
+          <p:cNvPr id="105" name="TextBox 104">
+            <a:extLst>
+              <a:ext uri="{FF2B5EF4-FFF2-40B4-BE49-F238E27FC236}">
+                <a16:creationId xmlns:a16="http://schemas.microsoft.com/office/drawing/2014/main" id="{03FF0070-A9DF-4DCE-8F4F-B02B2FDC55FA}"/>
+              </a:ext>
+            </a:extLst>
+          </p:cNvPr>
+          <p:cNvSpPr txBox="1"/>
+          <p:nvPr/>
+        </p:nvSpPr>
+        <p:spPr>
+          <a:xfrm>
+            <a:off x="2098134" y="2945517"/>
+            <a:ext cx="189257" cy="178683"/>
+          </a:xfrm>
+          <a:prstGeom prst="rect">
+            <a:avLst/>
+          </a:prstGeom>
+          <a:noFill/>
+        </p:spPr>
+        <p:txBody>
+          <a:bodyPr wrap="square" lIns="0" tIns="0" rIns="0" bIns="0" rtlCol="0">
+            <a:noAutofit/>
+          </a:bodyPr>
+          <a:lstStyle/>
+          <a:p>
+            <a:pPr algn="ctr"/>
+            <a:r>
+              <a:rPr lang="en-US" sz="1100" dirty="0">
+                <a:solidFill>
+                  <a:srgbClr val="7030A0"/>
+                </a:solidFill>
+              </a:rPr>
+              <a:t>1</a:t>
+            </a:r>
+            <a:endParaRPr lang="en-SG" sz="1100" dirty="0">
+              <a:solidFill>
+                <a:srgbClr val="7030A0"/>
+              </a:solidFill>
+            </a:endParaRPr>
           </a:p>
         </p:txBody>
       </p:sp>
       <p:cxnSp>
         <p:nvCxnSpPr>
-          <p:cNvPr id="58" name="Straight Arrow Connector 57"/>
+          <p:cNvPr id="189" name="Straight Arrow Connector 188">
+            <a:extLst>
+              <a:ext uri="{FF2B5EF4-FFF2-40B4-BE49-F238E27FC236}">
+                <a16:creationId xmlns:a16="http://schemas.microsoft.com/office/drawing/2014/main" id="{5BAE4628-D4BE-4FFC-A8BB-E3428FEEA178}"/>
+              </a:ext>
+            </a:extLst>
+          </p:cNvPr>
           <p:cNvCxnSpPr>
             <a:cxnSpLocks/>
-            <a:stCxn id="42" idx="3"/>
-            <a:endCxn id="2" idx="1"/>
+            <a:endCxn id="62" idx="1"/>
           </p:cNvCxnSpPr>
           <p:nvPr/>
         </p:nvCxnSpPr>
         <p:spPr>
           <a:xfrm>
-            <a:off x="2609828" y="3636620"/>
-            <a:ext cx="215452" cy="0"/>
+            <a:off x="6019800" y="1799918"/>
+            <a:ext cx="164593" cy="7902"/>
+          </a:xfrm>
+          <a:prstGeom prst="straightConnector1">
+            <a:avLst/>
+          </a:prstGeom>
+          <a:ln w="19050">
+            <a:solidFill>
+              <a:srgbClr val="7030A0"/>
+            </a:solidFill>
+            <a:headEnd type="none" w="med" len="med"/>
+            <a:tailEnd type="arrow" w="med" len="med"/>
+          </a:ln>
+          <a:effectLst/>
+        </p:spPr>
+        <p:style>
+          <a:lnRef idx="1">
+            <a:schemeClr val="accent2"/>
+          </a:lnRef>
+          <a:fillRef idx="2">
+            <a:schemeClr val="accent2"/>
+          </a:fillRef>
+          <a:effectRef idx="1">
+            <a:schemeClr val="accent2"/>
+          </a:effectRef>
+          <a:fontRef idx="minor">
+            <a:schemeClr val="dk1"/>
+          </a:fontRef>
+        </p:style>
+      </p:cxnSp>
+      <p:sp>
+        <p:nvSpPr>
+          <p:cNvPr id="196" name="Rectangle 8">
+            <a:extLst>
+              <a:ext uri="{FF2B5EF4-FFF2-40B4-BE49-F238E27FC236}">
+                <a16:creationId xmlns:a16="http://schemas.microsoft.com/office/drawing/2014/main" id="{71FBB893-8EF5-4891-8C8A-2873414F104B}"/>
+              </a:ext>
+            </a:extLst>
+          </p:cNvPr>
+          <p:cNvSpPr/>
+          <p:nvPr/>
+        </p:nvSpPr>
+        <p:spPr>
+          <a:xfrm>
+            <a:off x="7732390" y="3273154"/>
+            <a:ext cx="878211" cy="346760"/>
+          </a:xfrm>
+          <a:prstGeom prst="rect">
+            <a:avLst/>
+          </a:prstGeom>
+          <a:ln w="19050">
+            <a:solidFill>
+              <a:srgbClr val="7030A0"/>
+            </a:solidFill>
+          </a:ln>
+          <a:effectLst/>
+        </p:spPr>
+        <p:style>
+          <a:lnRef idx="1">
+            <a:schemeClr val="accent4"/>
+          </a:lnRef>
+          <a:fillRef idx="2">
+            <a:schemeClr val="accent4"/>
+          </a:fillRef>
+          <a:effectRef idx="1">
+            <a:schemeClr val="accent4"/>
+          </a:effectRef>
+          <a:fontRef idx="minor">
+            <a:schemeClr val="dk1"/>
+          </a:fontRef>
+        </p:style>
+        <p:txBody>
+          <a:bodyPr rtlCol="0" anchor="ctr"/>
+          <a:lstStyle/>
+          <a:p>
+            <a:pPr algn="ctr"/>
+            <a:r>
+              <a:rPr lang="en-US" sz="1050" dirty="0">
+                <a:solidFill>
+                  <a:srgbClr val="7030A0"/>
+                </a:solidFill>
+              </a:rPr>
+              <a:t>ModuleInfo</a:t>
+            </a:r>
+            <a:endParaRPr lang="en-SG" sz="1050" dirty="0">
+              <a:solidFill>
+                <a:srgbClr val="7030A0"/>
+              </a:solidFill>
+            </a:endParaRPr>
+          </a:p>
+        </p:txBody>
+      </p:sp>
+      <p:cxnSp>
+        <p:nvCxnSpPr>
+          <p:cNvPr id="197" name="Straight Arrow Connector 196">
+            <a:extLst>
+              <a:ext uri="{FF2B5EF4-FFF2-40B4-BE49-F238E27FC236}">
+                <a16:creationId xmlns:a16="http://schemas.microsoft.com/office/drawing/2014/main" id="{016B1E80-08D9-4AB9-8A53-E33A15200815}"/>
+              </a:ext>
+            </a:extLst>
+          </p:cNvPr>
+          <p:cNvCxnSpPr>
+            <a:cxnSpLocks/>
+            <a:endCxn id="196" idx="1"/>
+          </p:cNvCxnSpPr>
+          <p:nvPr/>
+        </p:nvCxnSpPr>
+        <p:spPr>
+          <a:xfrm>
+            <a:off x="6681734" y="3445599"/>
+            <a:ext cx="1050656" cy="935"/>
+          </a:xfrm>
+          <a:prstGeom prst="straightConnector1">
+            <a:avLst/>
+          </a:prstGeom>
+          <a:ln w="19050">
+            <a:solidFill>
+              <a:srgbClr val="7030A0"/>
+            </a:solidFill>
+            <a:headEnd type="none" w="med" len="med"/>
+            <a:tailEnd type="arrow" w="med" len="med"/>
+          </a:ln>
+          <a:effectLst/>
+        </p:spPr>
+        <p:style>
+          <a:lnRef idx="1">
+            <a:schemeClr val="accent2"/>
+          </a:lnRef>
+          <a:fillRef idx="2">
+            <a:schemeClr val="accent2"/>
+          </a:fillRef>
+          <a:effectRef idx="1">
+            <a:schemeClr val="accent2"/>
+          </a:effectRef>
+          <a:fontRef idx="minor">
+            <a:schemeClr val="dk1"/>
+          </a:fontRef>
+        </p:style>
+      </p:cxnSp>
+      <p:sp>
+        <p:nvSpPr>
+          <p:cNvPr id="202" name="Rectangle 8">
+            <a:extLst>
+              <a:ext uri="{FF2B5EF4-FFF2-40B4-BE49-F238E27FC236}">
+                <a16:creationId xmlns:a16="http://schemas.microsoft.com/office/drawing/2014/main" id="{A7C871B8-7FE3-4A3D-AA48-E5D85BB034F5}"/>
+              </a:ext>
+            </a:extLst>
+          </p:cNvPr>
+          <p:cNvSpPr/>
+          <p:nvPr/>
+        </p:nvSpPr>
+        <p:spPr>
+          <a:xfrm>
+            <a:off x="7732389" y="3768040"/>
+            <a:ext cx="878211" cy="346760"/>
+          </a:xfrm>
+          <a:prstGeom prst="rect">
+            <a:avLst/>
+          </a:prstGeom>
+          <a:ln w="19050">
+            <a:solidFill>
+              <a:srgbClr val="7030A0"/>
+            </a:solidFill>
+          </a:ln>
+          <a:effectLst/>
+        </p:spPr>
+        <p:style>
+          <a:lnRef idx="1">
+            <a:schemeClr val="accent4"/>
+          </a:lnRef>
+          <a:fillRef idx="2">
+            <a:schemeClr val="accent4"/>
+          </a:fillRef>
+          <a:effectRef idx="1">
+            <a:schemeClr val="accent4"/>
+          </a:effectRef>
+          <a:fontRef idx="minor">
+            <a:schemeClr val="dk1"/>
+          </a:fontRef>
+        </p:style>
+        <p:txBody>
+          <a:bodyPr rtlCol="0" anchor="ctr"/>
+          <a:lstStyle/>
+          <a:p>
+            <a:pPr algn="ctr"/>
+            <a:r>
+              <a:rPr lang="en-US" sz="1050" dirty="0">
+                <a:solidFill>
+                  <a:srgbClr val="7030A0"/>
+                </a:solidFill>
+              </a:rPr>
+              <a:t>RecModule</a:t>
+            </a:r>
+            <a:endParaRPr lang="en-SG" sz="1050" dirty="0">
+              <a:solidFill>
+                <a:srgbClr val="7030A0"/>
+              </a:solidFill>
+            </a:endParaRPr>
+          </a:p>
+        </p:txBody>
+      </p:sp>
+      <p:sp>
+        <p:nvSpPr>
+          <p:cNvPr id="207" name="Rectangle 8">
+            <a:extLst>
+              <a:ext uri="{FF2B5EF4-FFF2-40B4-BE49-F238E27FC236}">
+                <a16:creationId xmlns:a16="http://schemas.microsoft.com/office/drawing/2014/main" id="{BD87FDAC-3236-427E-8BDA-73648408121B}"/>
+              </a:ext>
+            </a:extLst>
+          </p:cNvPr>
+          <p:cNvSpPr/>
+          <p:nvPr/>
+        </p:nvSpPr>
+        <p:spPr>
+          <a:xfrm>
+            <a:off x="2272909" y="3243639"/>
+            <a:ext cx="878211" cy="346760"/>
+          </a:xfrm>
+          <a:prstGeom prst="rect">
+            <a:avLst/>
+          </a:prstGeom>
+          <a:ln w="19050">
+            <a:solidFill>
+              <a:srgbClr val="7030A0"/>
+            </a:solidFill>
+          </a:ln>
+          <a:effectLst/>
+        </p:spPr>
+        <p:style>
+          <a:lnRef idx="1">
+            <a:schemeClr val="accent4"/>
+          </a:lnRef>
+          <a:fillRef idx="2">
+            <a:schemeClr val="accent4"/>
+          </a:fillRef>
+          <a:effectRef idx="1">
+            <a:schemeClr val="accent4"/>
+          </a:effectRef>
+          <a:fontRef idx="minor">
+            <a:schemeClr val="dk1"/>
+          </a:fontRef>
+        </p:style>
+        <p:txBody>
+          <a:bodyPr rtlCol="0" anchor="ctr"/>
+          <a:lstStyle/>
+          <a:p>
+            <a:pPr algn="ctr"/>
+            <a:r>
+              <a:rPr lang="en-US" sz="1050" dirty="0">
+                <a:solidFill>
+                  <a:srgbClr val="7030A0"/>
+                </a:solidFill>
+              </a:rPr>
+              <a:t>CourseList</a:t>
+            </a:r>
+            <a:endParaRPr lang="en-SG" sz="1050" dirty="0">
+              <a:solidFill>
+                <a:srgbClr val="7030A0"/>
+              </a:solidFill>
+            </a:endParaRPr>
+          </a:p>
+        </p:txBody>
+      </p:sp>
+      <p:cxnSp>
+        <p:nvCxnSpPr>
+          <p:cNvPr id="208" name="Straight Arrow Connector 207">
+            <a:extLst>
+              <a:ext uri="{FF2B5EF4-FFF2-40B4-BE49-F238E27FC236}">
+                <a16:creationId xmlns:a16="http://schemas.microsoft.com/office/drawing/2014/main" id="{1EF073EC-5B9F-4837-9151-E351377214E2}"/>
+              </a:ext>
+            </a:extLst>
+          </p:cNvPr>
+          <p:cNvCxnSpPr>
+            <a:cxnSpLocks/>
+            <a:stCxn id="209" idx="3"/>
+            <a:endCxn id="207" idx="1"/>
+          </p:cNvCxnSpPr>
+          <p:nvPr/>
+        </p:nvCxnSpPr>
+        <p:spPr>
+          <a:xfrm flipV="1">
+            <a:off x="2043161" y="3417019"/>
+            <a:ext cx="229748" cy="2592"/>
+          </a:xfrm>
+          <a:prstGeom prst="straightConnector1">
+            <a:avLst/>
+          </a:prstGeom>
+          <a:ln w="19050">
+            <a:solidFill>
+              <a:srgbClr val="7030A0"/>
+            </a:solidFill>
+            <a:headEnd type="none" w="med" len="med"/>
+            <a:tailEnd type="arrow" w="med" len="med"/>
+          </a:ln>
+          <a:effectLst/>
+        </p:spPr>
+        <p:style>
+          <a:lnRef idx="1">
+            <a:schemeClr val="accent2"/>
+          </a:lnRef>
+          <a:fillRef idx="2">
+            <a:schemeClr val="accent2"/>
+          </a:fillRef>
+          <a:effectRef idx="1">
+            <a:schemeClr val="accent2"/>
+          </a:effectRef>
+          <a:fontRef idx="minor">
+            <a:schemeClr val="dk1"/>
+          </a:fontRef>
+        </p:style>
+      </p:cxnSp>
+      <p:sp>
+        <p:nvSpPr>
+          <p:cNvPr id="209" name="Flowchart: Decision 96">
+            <a:extLst>
+              <a:ext uri="{FF2B5EF4-FFF2-40B4-BE49-F238E27FC236}">
+                <a16:creationId xmlns:a16="http://schemas.microsoft.com/office/drawing/2014/main" id="{672B875A-A39F-45DE-B58B-24FA1A24492A}"/>
+              </a:ext>
+            </a:extLst>
+          </p:cNvPr>
+          <p:cNvSpPr/>
+          <p:nvPr/>
+        </p:nvSpPr>
+        <p:spPr>
+          <a:xfrm>
+            <a:off x="1807113" y="3332921"/>
+            <a:ext cx="236048" cy="173380"/>
+          </a:xfrm>
+          <a:prstGeom prst="flowChartDecision">
+            <a:avLst/>
+          </a:prstGeom>
+          <a:noFill/>
+          <a:ln w="19050">
+            <a:solidFill>
+              <a:srgbClr val="7030A0"/>
+            </a:solidFill>
+          </a:ln>
+          <a:effectLst/>
+        </p:spPr>
+        <p:style>
+          <a:lnRef idx="1">
+            <a:schemeClr val="accent6"/>
+          </a:lnRef>
+          <a:fillRef idx="2">
+            <a:schemeClr val="accent6"/>
+          </a:fillRef>
+          <a:effectRef idx="1">
+            <a:schemeClr val="accent6"/>
+          </a:effectRef>
+          <a:fontRef idx="minor">
+            <a:schemeClr val="dk1"/>
+          </a:fontRef>
+        </p:style>
+        <p:txBody>
+          <a:bodyPr rtlCol="0" anchor="ctr"/>
+          <a:lstStyle/>
+          <a:p>
+            <a:pPr algn="ctr"/>
+            <a:endParaRPr lang="en-US" sz="1050" dirty="0"/>
+          </a:p>
+        </p:txBody>
+      </p:sp>
+      <p:sp>
+        <p:nvSpPr>
+          <p:cNvPr id="210" name="TextBox 209">
+            <a:extLst>
+              <a:ext uri="{FF2B5EF4-FFF2-40B4-BE49-F238E27FC236}">
+                <a16:creationId xmlns:a16="http://schemas.microsoft.com/office/drawing/2014/main" id="{50CD174B-8088-4A19-9EEB-5070BFC1789D}"/>
+              </a:ext>
+            </a:extLst>
+          </p:cNvPr>
+          <p:cNvSpPr txBox="1"/>
+          <p:nvPr/>
+        </p:nvSpPr>
+        <p:spPr>
+          <a:xfrm>
+            <a:off x="2096743" y="3478917"/>
+            <a:ext cx="189257" cy="178683"/>
+          </a:xfrm>
+          <a:prstGeom prst="rect">
+            <a:avLst/>
+          </a:prstGeom>
+          <a:noFill/>
+        </p:spPr>
+        <p:txBody>
+          <a:bodyPr wrap="square" lIns="0" tIns="0" rIns="0" bIns="0" rtlCol="0">
+            <a:noAutofit/>
+          </a:bodyPr>
+          <a:lstStyle/>
+          <a:p>
+            <a:pPr algn="ctr"/>
+            <a:r>
+              <a:rPr lang="en-US" sz="1100" dirty="0">
+                <a:solidFill>
+                  <a:srgbClr val="7030A0"/>
+                </a:solidFill>
+              </a:rPr>
+              <a:t>1</a:t>
+            </a:r>
+            <a:endParaRPr lang="en-SG" sz="1100" dirty="0">
+              <a:solidFill>
+                <a:srgbClr val="7030A0"/>
+              </a:solidFill>
+            </a:endParaRPr>
+          </a:p>
+        </p:txBody>
+      </p:sp>
+      <p:sp>
+        <p:nvSpPr>
+          <p:cNvPr id="217" name="Flowchart: Decision 96">
+            <a:extLst>
+              <a:ext uri="{FF2B5EF4-FFF2-40B4-BE49-F238E27FC236}">
+                <a16:creationId xmlns:a16="http://schemas.microsoft.com/office/drawing/2014/main" id="{B760FC9F-F277-4A18-9990-BEB5C6D9B597}"/>
+              </a:ext>
+            </a:extLst>
+          </p:cNvPr>
+          <p:cNvSpPr/>
+          <p:nvPr/>
+        </p:nvSpPr>
+        <p:spPr>
+          <a:xfrm>
+            <a:off x="3174571" y="3316883"/>
+            <a:ext cx="236048" cy="173380"/>
+          </a:xfrm>
+          <a:prstGeom prst="flowChartDecision">
+            <a:avLst/>
+          </a:prstGeom>
+          <a:noFill/>
+          <a:ln w="19050">
+            <a:solidFill>
+              <a:srgbClr val="7030A0"/>
+            </a:solidFill>
+          </a:ln>
+          <a:effectLst/>
+        </p:spPr>
+        <p:style>
+          <a:lnRef idx="1">
+            <a:schemeClr val="accent6"/>
+          </a:lnRef>
+          <a:fillRef idx="2">
+            <a:schemeClr val="accent6"/>
+          </a:fillRef>
+          <a:effectRef idx="1">
+            <a:schemeClr val="accent6"/>
+          </a:effectRef>
+          <a:fontRef idx="minor">
+            <a:schemeClr val="dk1"/>
+          </a:fontRef>
+        </p:style>
+        <p:txBody>
+          <a:bodyPr rtlCol="0" anchor="ctr"/>
+          <a:lstStyle/>
+          <a:p>
+            <a:pPr algn="ctr"/>
+            <a:endParaRPr lang="en-US" sz="1050" dirty="0"/>
+          </a:p>
+        </p:txBody>
+      </p:sp>
+      <p:cxnSp>
+        <p:nvCxnSpPr>
+          <p:cNvPr id="218" name="Straight Arrow Connector 217">
+            <a:extLst>
+              <a:ext uri="{FF2B5EF4-FFF2-40B4-BE49-F238E27FC236}">
+                <a16:creationId xmlns:a16="http://schemas.microsoft.com/office/drawing/2014/main" id="{DA813FF7-9A6E-4CFB-9953-0CBE06BF363F}"/>
+              </a:ext>
+            </a:extLst>
+          </p:cNvPr>
+          <p:cNvCxnSpPr>
+            <a:cxnSpLocks/>
+            <a:stCxn id="217" idx="3"/>
+            <a:endCxn id="223" idx="1"/>
+          </p:cNvCxnSpPr>
+          <p:nvPr/>
+        </p:nvCxnSpPr>
+        <p:spPr>
+          <a:xfrm>
+            <a:off x="3410619" y="3403573"/>
+            <a:ext cx="235624" cy="1951"/>
           </a:xfrm>
           <a:prstGeom prst="straightConnector1">
             <a:avLst/>
@@ -3850,202 +6640,23 @@
       </p:cxnSp>
       <p:cxnSp>
         <p:nvCxnSpPr>
-          <p:cNvPr id="75" name="Elbow Connector 122"/>
-          <p:cNvCxnSpPr/>
-          <p:nvPr/>
-        </p:nvCxnSpPr>
-        <p:spPr>
-          <a:xfrm>
-            <a:off x="910091" y="3040053"/>
-            <a:ext cx="419548" cy="2860"/>
-          </a:xfrm>
-          <a:prstGeom prst="bentConnector3">
-            <a:avLst>
-              <a:gd name="adj1" fmla="val 50000"/>
-            </a:avLst>
-          </a:prstGeom>
-          <a:ln w="19050">
-            <a:solidFill>
-              <a:schemeClr val="bg1">
-                <a:lumMod val="75000"/>
-              </a:schemeClr>
-            </a:solidFill>
-            <a:prstDash val="sysDot"/>
-            <a:headEnd type="none" w="med" len="med"/>
-            <a:tailEnd type="arrow" w="med" len="med"/>
-          </a:ln>
-          <a:effectLst/>
-        </p:spPr>
-        <p:style>
-          <a:lnRef idx="1">
-            <a:schemeClr val="accent2"/>
-          </a:lnRef>
-          <a:fillRef idx="2">
-            <a:schemeClr val="accent2"/>
-          </a:fillRef>
-          <a:effectRef idx="1">
-            <a:schemeClr val="accent2"/>
-          </a:effectRef>
-          <a:fontRef idx="minor">
-            <a:schemeClr val="dk1"/>
-          </a:fontRef>
-        </p:style>
-      </p:cxnSp>
-      <p:cxnSp>
-        <p:nvCxnSpPr>
-          <p:cNvPr id="21" name="Straight Connector 20"/>
+          <p:cNvPr id="220" name="Straight Arrow Connector 219">
+            <a:extLst>
+              <a:ext uri="{FF2B5EF4-FFF2-40B4-BE49-F238E27FC236}">
+                <a16:creationId xmlns:a16="http://schemas.microsoft.com/office/drawing/2014/main" id="{B8444F1F-E66E-4401-921E-D8D2ED3C3978}"/>
+              </a:ext>
+            </a:extLst>
+          </p:cNvPr>
           <p:cNvCxnSpPr>
-            <a:stCxn id="120" idx="3"/>
-          </p:cNvCxnSpPr>
-          <p:nvPr/>
-        </p:nvCxnSpPr>
-        <p:spPr>
-          <a:xfrm flipV="1">
-            <a:off x="1849924" y="3040052"/>
-            <a:ext cx="216105" cy="1"/>
-          </a:xfrm>
-          <a:prstGeom prst="line">
-            <a:avLst/>
-          </a:prstGeom>
-          <a:ln w="19050">
-            <a:solidFill>
-              <a:srgbClr val="7030A0"/>
-            </a:solidFill>
-            <a:prstDash val="sysDot"/>
-            <a:headEnd type="none" w="med" len="med"/>
-            <a:tailEnd type="none" w="med" len="med"/>
-          </a:ln>
-          <a:effectLst/>
-        </p:spPr>
-        <p:style>
-          <a:lnRef idx="1">
-            <a:schemeClr val="accent2"/>
-          </a:lnRef>
-          <a:fillRef idx="2">
-            <a:schemeClr val="accent2"/>
-          </a:fillRef>
-          <a:effectRef idx="1">
-            <a:schemeClr val="accent2"/>
-          </a:effectRef>
-          <a:fontRef idx="minor">
-            <a:schemeClr val="dk1"/>
-          </a:fontRef>
-        </p:style>
-      </p:cxnSp>
-      <p:sp>
-        <p:nvSpPr>
-          <p:cNvPr id="42" name="Flowchart: Decision 96"/>
-          <p:cNvSpPr/>
-          <p:nvPr/>
-        </p:nvSpPr>
-        <p:spPr>
-          <a:xfrm>
-            <a:off x="2373780" y="3549930"/>
-            <a:ext cx="236048" cy="173380"/>
-          </a:xfrm>
-          <a:prstGeom prst="flowChartDecision">
-            <a:avLst/>
-          </a:prstGeom>
-          <a:noFill/>
-          <a:ln w="19050">
-            <a:solidFill>
-              <a:srgbClr val="7030A0"/>
-            </a:solidFill>
-          </a:ln>
-          <a:effectLst/>
-        </p:spPr>
-        <p:style>
-          <a:lnRef idx="1">
-            <a:schemeClr val="accent6"/>
-          </a:lnRef>
-          <a:fillRef idx="2">
-            <a:schemeClr val="accent6"/>
-          </a:fillRef>
-          <a:effectRef idx="1">
-            <a:schemeClr val="accent6"/>
-          </a:effectRef>
-          <a:fontRef idx="minor">
-            <a:schemeClr val="dk1"/>
-          </a:fontRef>
-        </p:style>
-        <p:txBody>
-          <a:bodyPr rtlCol="0" anchor="ctr"/>
-          <a:lstStyle/>
-          <a:p>
-            <a:pPr algn="ctr"/>
-            <a:endParaRPr lang="en-US" sz="1050"/>
-          </a:p>
-        </p:txBody>
-      </p:sp>
-      <p:sp>
-        <p:nvSpPr>
-          <p:cNvPr id="46" name="Rectangle 8"/>
-          <p:cNvSpPr/>
-          <p:nvPr/>
-        </p:nvSpPr>
-        <p:spPr>
-          <a:xfrm>
-            <a:off x="2825280" y="2846162"/>
-            <a:ext cx="1490560" cy="334856"/>
-          </a:xfrm>
-          <a:prstGeom prst="rect">
-            <a:avLst/>
-          </a:prstGeom>
-          <a:ln w="19050">
-            <a:solidFill>
-              <a:srgbClr val="7030A0"/>
-            </a:solidFill>
-          </a:ln>
-          <a:effectLst/>
-        </p:spPr>
-        <p:style>
-          <a:lnRef idx="1">
-            <a:schemeClr val="accent4"/>
-          </a:lnRef>
-          <a:fillRef idx="2">
-            <a:schemeClr val="accent4"/>
-          </a:fillRef>
-          <a:effectRef idx="1">
-            <a:schemeClr val="accent4"/>
-          </a:effectRef>
-          <a:fontRef idx="minor">
-            <a:schemeClr val="dk1"/>
-          </a:fontRef>
-        </p:style>
-        <p:txBody>
-          <a:bodyPr rtlCol="0" anchor="ctr"/>
-          <a:lstStyle/>
-          <a:p>
-            <a:pPr algn="ctr"/>
-            <a:r>
-              <a:rPr lang="en-US" sz="1050" dirty="0" err="1" smtClean="0">
-                <a:solidFill>
-                  <a:srgbClr val="7030A0"/>
-                </a:solidFill>
-              </a:rPr>
-              <a:t>VersionedGradTrak</a:t>
-            </a:r>
-            <a:endParaRPr lang="en-SG" sz="1050" dirty="0">
-              <a:solidFill>
-                <a:srgbClr val="7030A0"/>
-              </a:solidFill>
-            </a:endParaRPr>
-          </a:p>
-        </p:txBody>
-      </p:sp>
-      <p:cxnSp>
-        <p:nvCxnSpPr>
-          <p:cNvPr id="47" name="Straight Arrow Connector 46"/>
-          <p:cNvCxnSpPr>
-            <a:stCxn id="48" idx="3"/>
-            <a:endCxn id="46" idx="1"/>
+            <a:cxnSpLocks/>
+            <a:endCxn id="202" idx="1"/>
           </p:cNvCxnSpPr>
           <p:nvPr/>
         </p:nvCxnSpPr>
         <p:spPr>
           <a:xfrm>
-            <a:off x="2624360" y="3003033"/>
-            <a:ext cx="200920" cy="10557"/>
+            <a:off x="6681734" y="3941420"/>
+            <a:ext cx="1050655" cy="0"/>
           </a:xfrm>
           <a:prstGeom prst="straightConnector1">
             <a:avLst/>
@@ -4076,13 +6687,81 @@
       </p:cxnSp>
       <p:sp>
         <p:nvSpPr>
-          <p:cNvPr id="48" name="Flowchart: Decision 96"/>
+          <p:cNvPr id="223" name="Rectangle 8">
+            <a:extLst>
+              <a:ext uri="{FF2B5EF4-FFF2-40B4-BE49-F238E27FC236}">
+                <a16:creationId xmlns:a16="http://schemas.microsoft.com/office/drawing/2014/main" id="{EBCB4634-2E98-4970-B88F-6B1C4CB3865E}"/>
+              </a:ext>
+            </a:extLst>
+          </p:cNvPr>
           <p:cNvSpPr/>
           <p:nvPr/>
         </p:nvSpPr>
         <p:spPr>
           <a:xfrm>
-            <a:off x="2388312" y="2916343"/>
+            <a:off x="3646243" y="3232144"/>
+            <a:ext cx="878211" cy="346760"/>
+          </a:xfrm>
+          <a:prstGeom prst="rect">
+            <a:avLst/>
+          </a:prstGeom>
+          <a:ln w="19050">
+            <a:solidFill>
+              <a:srgbClr val="7030A0"/>
+            </a:solidFill>
+          </a:ln>
+          <a:effectLst/>
+        </p:spPr>
+        <p:style>
+          <a:lnRef idx="1">
+            <a:schemeClr val="accent4"/>
+          </a:lnRef>
+          <a:fillRef idx="2">
+            <a:schemeClr val="accent4"/>
+          </a:fillRef>
+          <a:effectRef idx="1">
+            <a:schemeClr val="accent4"/>
+          </a:effectRef>
+          <a:fontRef idx="minor">
+            <a:schemeClr val="dk1"/>
+          </a:fontRef>
+        </p:style>
+        <p:txBody>
+          <a:bodyPr rtlCol="0" anchor="ctr"/>
+          <a:lstStyle/>
+          <a:p>
+            <a:pPr algn="ctr"/>
+            <a:r>
+              <a:rPr lang="en-US" sz="1050" dirty="0">
+                <a:solidFill>
+                  <a:srgbClr val="7030A0"/>
+                </a:solidFill>
+              </a:rPr>
+              <a:t>Course</a:t>
+            </a:r>
+            <a:endParaRPr lang="en-SG" sz="1050" dirty="0">
+              <a:solidFill>
+                <a:srgbClr val="7030A0"/>
+              </a:solidFill>
+            </a:endParaRPr>
+          </a:p>
+        </p:txBody>
+      </p:sp>
+      <p:sp>
+        <p:nvSpPr>
+          <p:cNvPr id="234" name="Flowchart: Decision 96">
+            <a:extLst>
+              <a:ext uri="{FF2B5EF4-FFF2-40B4-BE49-F238E27FC236}">
+                <a16:creationId xmlns:a16="http://schemas.microsoft.com/office/drawing/2014/main" id="{EA236A6B-9483-4D16-8761-ABD9B675F765}"/>
+              </a:ext>
+            </a:extLst>
+          </p:cNvPr>
+          <p:cNvSpPr/>
+          <p:nvPr/>
+        </p:nvSpPr>
+        <p:spPr>
+          <a:xfrm>
+            <a:off x="1819566" y="3912850"/>
             <a:ext cx="236048" cy="173380"/>
           </a:xfrm>
           <a:prstGeom prst="flowChartDecision">
@@ -4115,20 +6794,117 @@
           <a:lstStyle/>
           <a:p>
             <a:pPr algn="ctr"/>
-            <a:endParaRPr lang="en-US" sz="1050"/>
-          </a:p>
-        </p:txBody>
-      </p:sp>
-      <p:sp>
-        <p:nvSpPr>
-          <p:cNvPr id="49" name="Rectangle 8"/>
+            <a:endParaRPr lang="en-US" sz="1050" dirty="0"/>
+          </a:p>
+        </p:txBody>
+      </p:sp>
+      <p:cxnSp>
+        <p:nvCxnSpPr>
+          <p:cNvPr id="235" name="Straight Arrow Connector 234">
+            <a:extLst>
+              <a:ext uri="{FF2B5EF4-FFF2-40B4-BE49-F238E27FC236}">
+                <a16:creationId xmlns:a16="http://schemas.microsoft.com/office/drawing/2014/main" id="{849411ED-EB4A-40C9-9406-99989AA6BA21}"/>
+              </a:ext>
+            </a:extLst>
+          </p:cNvPr>
+          <p:cNvCxnSpPr>
+            <a:cxnSpLocks/>
+          </p:cNvCxnSpPr>
+          <p:nvPr/>
+        </p:nvCxnSpPr>
+        <p:spPr>
+          <a:xfrm flipV="1">
+            <a:off x="2063220" y="3990626"/>
+            <a:ext cx="229748" cy="2592"/>
+          </a:xfrm>
+          <a:prstGeom prst="straightConnector1">
+            <a:avLst/>
+          </a:prstGeom>
+          <a:ln w="19050">
+            <a:solidFill>
+              <a:srgbClr val="7030A0"/>
+            </a:solidFill>
+            <a:headEnd type="none" w="med" len="med"/>
+            <a:tailEnd type="arrow" w="med" len="med"/>
+          </a:ln>
+          <a:effectLst/>
+        </p:spPr>
+        <p:style>
+          <a:lnRef idx="1">
+            <a:schemeClr val="accent2"/>
+          </a:lnRef>
+          <a:fillRef idx="2">
+            <a:schemeClr val="accent2"/>
+          </a:fillRef>
+          <a:effectRef idx="1">
+            <a:schemeClr val="accent2"/>
+          </a:effectRef>
+          <a:fontRef idx="minor">
+            <a:schemeClr val="dk1"/>
+          </a:fontRef>
+        </p:style>
+      </p:cxnSp>
+      <p:sp>
+        <p:nvSpPr>
+          <p:cNvPr id="236" name="TextBox 235">
+            <a:extLst>
+              <a:ext uri="{FF2B5EF4-FFF2-40B4-BE49-F238E27FC236}">
+                <a16:creationId xmlns:a16="http://schemas.microsoft.com/office/drawing/2014/main" id="{12218BBC-E78E-4CAB-B576-5C2040A44541}"/>
+              </a:ext>
+            </a:extLst>
+          </p:cNvPr>
+          <p:cNvSpPr txBox="1"/>
+          <p:nvPr/>
+        </p:nvSpPr>
+        <p:spPr>
+          <a:xfrm>
+            <a:off x="2116802" y="4052524"/>
+            <a:ext cx="189257" cy="178683"/>
+          </a:xfrm>
+          <a:prstGeom prst="rect">
+            <a:avLst/>
+          </a:prstGeom>
+          <a:noFill/>
+        </p:spPr>
+        <p:txBody>
+          <a:bodyPr wrap="square" lIns="0" tIns="0" rIns="0" bIns="0" rtlCol="0">
+            <a:noAutofit/>
+          </a:bodyPr>
+          <a:lstStyle/>
+          <a:p>
+            <a:pPr algn="ctr"/>
+            <a:r>
+              <a:rPr lang="en-US" sz="1100" dirty="0">
+                <a:solidFill>
+                  <a:srgbClr val="7030A0"/>
+                </a:solidFill>
+              </a:rPr>
+              <a:t>1</a:t>
+            </a:r>
+            <a:endParaRPr lang="en-SG" sz="1100" dirty="0">
+              <a:solidFill>
+                <a:srgbClr val="7030A0"/>
+              </a:solidFill>
+            </a:endParaRPr>
+          </a:p>
+        </p:txBody>
+      </p:sp>
+      <p:sp>
+        <p:nvSpPr>
+          <p:cNvPr id="237" name="Rectangle 8">
+            <a:extLst>
+              <a:ext uri="{FF2B5EF4-FFF2-40B4-BE49-F238E27FC236}">
+                <a16:creationId xmlns:a16="http://schemas.microsoft.com/office/drawing/2014/main" id="{C7D2B548-20C2-4B53-9046-AF903F39C4B3}"/>
+              </a:ext>
+            </a:extLst>
+          </p:cNvPr>
           <p:cNvSpPr/>
           <p:nvPr/>
         </p:nvSpPr>
         <p:spPr>
           <a:xfrm>
-            <a:off x="4692650" y="2846162"/>
-            <a:ext cx="1156969" cy="346760"/>
+            <a:off x="2302725" y="3817246"/>
+            <a:ext cx="1480428" cy="346760"/>
           </a:xfrm>
           <a:prstGeom prst="rect">
             <a:avLst/>
@@ -4160,12 +6936,12 @@
           <a:p>
             <a:pPr algn="ctr"/>
             <a:r>
-              <a:rPr lang="en-US" sz="1050" dirty="0" err="1" smtClean="0">
+              <a:rPr lang="en-US" sz="1050" dirty="0">
                 <a:solidFill>
                   <a:srgbClr val="7030A0"/>
                 </a:solidFill>
               </a:rPr>
-              <a:t>UniqueModuleTakenList</a:t>
+              <a:t>RequirementStatusList</a:t>
             </a:r>
             <a:endParaRPr lang="en-SG" sz="1050" dirty="0">
               <a:solidFill>
@@ -4177,14 +6953,377 @@
       </p:sp>
       <p:sp>
         <p:nvSpPr>
-          <p:cNvPr id="51" name="Flowchart: Decision 96"/>
+          <p:cNvPr id="244" name="Flowchart: Decision 96">
+            <a:extLst>
+              <a:ext uri="{FF2B5EF4-FFF2-40B4-BE49-F238E27FC236}">
+                <a16:creationId xmlns:a16="http://schemas.microsoft.com/office/drawing/2014/main" id="{A68C43C7-BF51-4589-92AE-71783EDAC938}"/>
+              </a:ext>
+            </a:extLst>
+          </p:cNvPr>
           <p:cNvSpPr/>
           <p:nvPr/>
         </p:nvSpPr>
         <p:spPr>
           <a:xfrm>
-            <a:off x="4324972" y="2920532"/>
+            <a:off x="1825521" y="3670024"/>
             <a:ext cx="236048" cy="173380"/>
+          </a:xfrm>
+          <a:prstGeom prst="flowChartDecision">
+            <a:avLst/>
+          </a:prstGeom>
+          <a:noFill/>
+          <a:ln w="19050">
+            <a:solidFill>
+              <a:srgbClr val="7030A0"/>
+            </a:solidFill>
+          </a:ln>
+          <a:effectLst/>
+        </p:spPr>
+        <p:style>
+          <a:lnRef idx="1">
+            <a:schemeClr val="accent6"/>
+          </a:lnRef>
+          <a:fillRef idx="2">
+            <a:schemeClr val="accent6"/>
+          </a:fillRef>
+          <a:effectRef idx="1">
+            <a:schemeClr val="accent6"/>
+          </a:effectRef>
+          <a:fontRef idx="minor">
+            <a:schemeClr val="dk1"/>
+          </a:fontRef>
+        </p:style>
+        <p:txBody>
+          <a:bodyPr rtlCol="0" anchor="ctr"/>
+          <a:lstStyle/>
+          <a:p>
+            <a:pPr algn="ctr"/>
+            <a:endParaRPr lang="en-US" sz="1050" dirty="0"/>
+          </a:p>
+        </p:txBody>
+      </p:sp>
+      <p:cxnSp>
+        <p:nvCxnSpPr>
+          <p:cNvPr id="246" name="Elbow Connector 106">
+            <a:extLst>
+              <a:ext uri="{FF2B5EF4-FFF2-40B4-BE49-F238E27FC236}">
+                <a16:creationId xmlns:a16="http://schemas.microsoft.com/office/drawing/2014/main" id="{3C688DBD-55E6-495B-9D6D-9F77A4A71A12}"/>
+              </a:ext>
+            </a:extLst>
+          </p:cNvPr>
+          <p:cNvCxnSpPr>
+            <a:cxnSpLocks/>
+            <a:stCxn id="244" idx="3"/>
+            <a:endCxn id="223" idx="2"/>
+          </p:cNvCxnSpPr>
+          <p:nvPr/>
+        </p:nvCxnSpPr>
+        <p:spPr>
+          <a:xfrm flipV="1">
+            <a:off x="2061569" y="3578904"/>
+            <a:ext cx="2023780" cy="177810"/>
+          </a:xfrm>
+          <a:prstGeom prst="bentConnector2">
+            <a:avLst/>
+          </a:prstGeom>
+          <a:ln w="19050">
+            <a:solidFill>
+              <a:srgbClr val="7030A0"/>
+            </a:solidFill>
+            <a:prstDash val="solid"/>
+            <a:headEnd type="none" w="med" len="med"/>
+            <a:tailEnd type="arrow" w="med" len="med"/>
+          </a:ln>
+          <a:effectLst/>
+        </p:spPr>
+        <p:style>
+          <a:lnRef idx="1">
+            <a:schemeClr val="accent2"/>
+          </a:lnRef>
+          <a:fillRef idx="2">
+            <a:schemeClr val="accent2"/>
+          </a:fillRef>
+          <a:effectRef idx="1">
+            <a:schemeClr val="accent2"/>
+          </a:effectRef>
+          <a:fontRef idx="minor">
+            <a:schemeClr val="dk1"/>
+          </a:fontRef>
+        </p:style>
+      </p:cxnSp>
+      <p:sp>
+        <p:nvSpPr>
+          <p:cNvPr id="249" name="TextBox 248">
+            <a:extLst>
+              <a:ext uri="{FF2B5EF4-FFF2-40B4-BE49-F238E27FC236}">
+                <a16:creationId xmlns:a16="http://schemas.microsoft.com/office/drawing/2014/main" id="{DFF611ED-8EE8-4F40-A2AA-757F18255666}"/>
+              </a:ext>
+            </a:extLst>
+          </p:cNvPr>
+          <p:cNvSpPr txBox="1"/>
+          <p:nvPr/>
+        </p:nvSpPr>
+        <p:spPr>
+          <a:xfrm>
+            <a:off x="3849343" y="3581400"/>
+            <a:ext cx="189257" cy="178683"/>
+          </a:xfrm>
+          <a:prstGeom prst="rect">
+            <a:avLst/>
+          </a:prstGeom>
+          <a:noFill/>
+        </p:spPr>
+        <p:txBody>
+          <a:bodyPr wrap="square" lIns="0" tIns="0" rIns="0" bIns="0" rtlCol="0">
+            <a:noAutofit/>
+          </a:bodyPr>
+          <a:lstStyle/>
+          <a:p>
+            <a:pPr algn="ctr"/>
+            <a:r>
+              <a:rPr lang="en-US" sz="1100" dirty="0">
+                <a:solidFill>
+                  <a:srgbClr val="7030A0"/>
+                </a:solidFill>
+              </a:rPr>
+              <a:t>1</a:t>
+            </a:r>
+            <a:endParaRPr lang="en-SG" sz="1100" dirty="0">
+              <a:solidFill>
+                <a:srgbClr val="7030A0"/>
+              </a:solidFill>
+            </a:endParaRPr>
+          </a:p>
+        </p:txBody>
+      </p:sp>
+      <p:cxnSp>
+        <p:nvCxnSpPr>
+          <p:cNvPr id="250" name="Straight Arrow Connector 249">
+            <a:extLst>
+              <a:ext uri="{FF2B5EF4-FFF2-40B4-BE49-F238E27FC236}">
+                <a16:creationId xmlns:a16="http://schemas.microsoft.com/office/drawing/2014/main" id="{7A449568-A0A8-4434-BBBA-0476F2CE5DC6}"/>
+              </a:ext>
+            </a:extLst>
+          </p:cNvPr>
+          <p:cNvCxnSpPr>
+            <a:cxnSpLocks/>
+            <a:stCxn id="251" idx="3"/>
+          </p:cNvCxnSpPr>
+          <p:nvPr/>
+        </p:nvCxnSpPr>
+        <p:spPr>
+          <a:xfrm>
+            <a:off x="4014368" y="3992378"/>
+            <a:ext cx="365889" cy="0"/>
+          </a:xfrm>
+          <a:prstGeom prst="straightConnector1">
+            <a:avLst/>
+          </a:prstGeom>
+          <a:ln w="19050">
+            <a:solidFill>
+              <a:srgbClr val="7030A0"/>
+            </a:solidFill>
+            <a:headEnd type="none" w="med" len="med"/>
+            <a:tailEnd type="arrow" w="med" len="med"/>
+          </a:ln>
+          <a:effectLst/>
+        </p:spPr>
+        <p:style>
+          <a:lnRef idx="1">
+            <a:schemeClr val="accent2"/>
+          </a:lnRef>
+          <a:fillRef idx="2">
+            <a:schemeClr val="accent2"/>
+          </a:fillRef>
+          <a:effectRef idx="1">
+            <a:schemeClr val="accent2"/>
+          </a:effectRef>
+          <a:fontRef idx="minor">
+            <a:schemeClr val="dk1"/>
+          </a:fontRef>
+        </p:style>
+      </p:cxnSp>
+      <p:sp>
+        <p:nvSpPr>
+          <p:cNvPr id="251" name="Flowchart: Decision 96">
+            <a:extLst>
+              <a:ext uri="{FF2B5EF4-FFF2-40B4-BE49-F238E27FC236}">
+                <a16:creationId xmlns:a16="http://schemas.microsoft.com/office/drawing/2014/main" id="{B949ACF6-731C-46BB-857C-E4FC114C0D01}"/>
+              </a:ext>
+            </a:extLst>
+          </p:cNvPr>
+          <p:cNvSpPr/>
+          <p:nvPr/>
+        </p:nvSpPr>
+        <p:spPr>
+          <a:xfrm>
+            <a:off x="3778320" y="3905688"/>
+            <a:ext cx="236048" cy="173380"/>
+          </a:xfrm>
+          <a:prstGeom prst="flowChartDecision">
+            <a:avLst/>
+          </a:prstGeom>
+          <a:noFill/>
+          <a:ln w="19050">
+            <a:solidFill>
+              <a:srgbClr val="7030A0"/>
+            </a:solidFill>
+          </a:ln>
+          <a:effectLst/>
+        </p:spPr>
+        <p:style>
+          <a:lnRef idx="1">
+            <a:schemeClr val="accent6"/>
+          </a:lnRef>
+          <a:fillRef idx="2">
+            <a:schemeClr val="accent6"/>
+          </a:fillRef>
+          <a:effectRef idx="1">
+            <a:schemeClr val="accent6"/>
+          </a:effectRef>
+          <a:fontRef idx="minor">
+            <a:schemeClr val="dk1"/>
+          </a:fontRef>
+        </p:style>
+        <p:txBody>
+          <a:bodyPr rtlCol="0" anchor="ctr"/>
+          <a:lstStyle/>
+          <a:p>
+            <a:pPr algn="ctr"/>
+            <a:endParaRPr lang="en-US" sz="1050" dirty="0"/>
+          </a:p>
+        </p:txBody>
+      </p:sp>
+      <p:sp>
+        <p:nvSpPr>
+          <p:cNvPr id="259" name="Rectangle 8">
+            <a:extLst>
+              <a:ext uri="{FF2B5EF4-FFF2-40B4-BE49-F238E27FC236}">
+                <a16:creationId xmlns:a16="http://schemas.microsoft.com/office/drawing/2014/main" id="{923932FF-FD3D-4DAD-BCE1-8B6AEEBF6FE3}"/>
+              </a:ext>
+            </a:extLst>
+          </p:cNvPr>
+          <p:cNvSpPr/>
+          <p:nvPr/>
+        </p:nvSpPr>
+        <p:spPr>
+          <a:xfrm>
+            <a:off x="4385975" y="3834506"/>
+            <a:ext cx="1255381" cy="346760"/>
+          </a:xfrm>
+          <a:prstGeom prst="rect">
+            <a:avLst/>
+          </a:prstGeom>
+          <a:ln w="19050">
+            <a:solidFill>
+              <a:srgbClr val="7030A0"/>
+            </a:solidFill>
+          </a:ln>
+          <a:effectLst/>
+        </p:spPr>
+        <p:style>
+          <a:lnRef idx="1">
+            <a:schemeClr val="accent4"/>
+          </a:lnRef>
+          <a:fillRef idx="2">
+            <a:schemeClr val="accent4"/>
+          </a:fillRef>
+          <a:effectRef idx="1">
+            <a:schemeClr val="accent4"/>
+          </a:effectRef>
+          <a:fontRef idx="minor">
+            <a:schemeClr val="dk1"/>
+          </a:fontRef>
+        </p:style>
+        <p:txBody>
+          <a:bodyPr rtlCol="0" anchor="ctr"/>
+          <a:lstStyle/>
+          <a:p>
+            <a:pPr algn="ctr"/>
+            <a:r>
+              <a:rPr lang="en-US" sz="1050" dirty="0">
+                <a:solidFill>
+                  <a:srgbClr val="7030A0"/>
+                </a:solidFill>
+              </a:rPr>
+              <a:t>RequirementStatus</a:t>
+            </a:r>
+            <a:endParaRPr lang="en-SG" sz="1050" dirty="0">
+              <a:solidFill>
+                <a:srgbClr val="7030A0"/>
+              </a:solidFill>
+            </a:endParaRPr>
+          </a:p>
+        </p:txBody>
+      </p:sp>
+      <p:cxnSp>
+        <p:nvCxnSpPr>
+          <p:cNvPr id="261" name="Elbow Connector 106">
+            <a:extLst>
+              <a:ext uri="{FF2B5EF4-FFF2-40B4-BE49-F238E27FC236}">
+                <a16:creationId xmlns:a16="http://schemas.microsoft.com/office/drawing/2014/main" id="{E43DEC71-2630-460F-B546-CBEB69C252FA}"/>
+              </a:ext>
+            </a:extLst>
+          </p:cNvPr>
+          <p:cNvCxnSpPr>
+            <a:cxnSpLocks/>
+            <a:stCxn id="265" idx="0"/>
+            <a:endCxn id="46" idx="2"/>
+          </p:cNvCxnSpPr>
+          <p:nvPr/>
+        </p:nvCxnSpPr>
+        <p:spPr>
+          <a:xfrm flipH="1" flipV="1">
+            <a:off x="3021985" y="1944668"/>
+            <a:ext cx="2854350" cy="2057469"/>
+          </a:xfrm>
+          <a:prstGeom prst="bentConnector4">
+            <a:avLst>
+              <a:gd name="adj1" fmla="val -22065"/>
+              <a:gd name="adj2" fmla="val 92648"/>
+            </a:avLst>
+          </a:prstGeom>
+          <a:ln w="19050">
+            <a:solidFill>
+              <a:srgbClr val="7030A0"/>
+            </a:solidFill>
+            <a:prstDash val="solid"/>
+            <a:headEnd type="none" w="med" len="med"/>
+            <a:tailEnd type="arrow" w="med" len="med"/>
+          </a:ln>
+          <a:effectLst/>
+        </p:spPr>
+        <p:style>
+          <a:lnRef idx="1">
+            <a:schemeClr val="accent2"/>
+          </a:lnRef>
+          <a:fillRef idx="2">
+            <a:schemeClr val="accent2"/>
+          </a:fillRef>
+          <a:effectRef idx="1">
+            <a:schemeClr val="accent2"/>
+          </a:effectRef>
+          <a:fontRef idx="minor">
+            <a:schemeClr val="dk1"/>
+          </a:fontRef>
+        </p:style>
+      </p:cxnSp>
+      <p:sp>
+        <p:nvSpPr>
+          <p:cNvPr id="265" name="Flowchart: Decision 96">
+            <a:extLst>
+              <a:ext uri="{FF2B5EF4-FFF2-40B4-BE49-F238E27FC236}">
+                <a16:creationId xmlns:a16="http://schemas.microsoft.com/office/drawing/2014/main" id="{EFF84FD9-B353-45F7-A785-8D95A9BEC724}"/>
+              </a:ext>
+            </a:extLst>
+          </p:cNvPr>
+          <p:cNvSpPr/>
+          <p:nvPr/>
+        </p:nvSpPr>
+        <p:spPr>
+          <a:xfrm rot="5283569">
+            <a:off x="5634950" y="3889367"/>
+            <a:ext cx="249459" cy="233444"/>
           </a:xfrm>
           <a:prstGeom prst="flowChartDecision">
             <a:avLst/>
@@ -4218,75 +7357,25 @@
           <a:lstStyle/>
           <a:p>
             <a:pPr algn="ctr"/>
-            <a:endParaRPr lang="en-US" sz="1050"/>
-          </a:p>
-        </p:txBody>
-      </p:sp>
-      <p:sp>
-        <p:nvSpPr>
-          <p:cNvPr id="62" name="Rectangle 8"/>
+            <a:endParaRPr lang="en-US" sz="1050" dirty="0"/>
+          </a:p>
+        </p:txBody>
+      </p:sp>
+      <p:sp>
+        <p:nvSpPr>
+          <p:cNvPr id="286" name="Flowchart: Decision 96">
+            <a:extLst>
+              <a:ext uri="{FF2B5EF4-FFF2-40B4-BE49-F238E27FC236}">
+                <a16:creationId xmlns:a16="http://schemas.microsoft.com/office/drawing/2014/main" id="{F690945E-AD48-471B-831E-9BC2DD966EC2}"/>
+              </a:ext>
+            </a:extLst>
+          </p:cNvPr>
           <p:cNvSpPr/>
           <p:nvPr/>
         </p:nvSpPr>
         <p:spPr>
           <a:xfrm>
-            <a:off x="6313677" y="2858066"/>
-            <a:ext cx="708186" cy="346760"/>
-          </a:xfrm>
-          <a:prstGeom prst="rect">
-            <a:avLst/>
-          </a:prstGeom>
-          <a:ln w="19050">
-            <a:solidFill>
-              <a:srgbClr val="7030A0"/>
-            </a:solidFill>
-          </a:ln>
-          <a:effectLst/>
-        </p:spPr>
-        <p:style>
-          <a:lnRef idx="1">
-            <a:schemeClr val="accent4"/>
-          </a:lnRef>
-          <a:fillRef idx="2">
-            <a:schemeClr val="accent4"/>
-          </a:fillRef>
-          <a:effectRef idx="1">
-            <a:schemeClr val="accent4"/>
-          </a:effectRef>
-          <a:fontRef idx="minor">
-            <a:schemeClr val="dk1"/>
-          </a:fontRef>
-        </p:style>
-        <p:txBody>
-          <a:bodyPr rtlCol="0" anchor="ctr"/>
-          <a:lstStyle/>
-          <a:p>
-            <a:pPr algn="ctr"/>
-            <a:r>
-              <a:rPr lang="en-US" sz="1050" dirty="0" err="1" smtClean="0">
-                <a:solidFill>
-                  <a:srgbClr val="7030A0"/>
-                </a:solidFill>
-              </a:rPr>
-              <a:t>ModuleTaken</a:t>
-            </a:r>
-            <a:endParaRPr lang="en-SG" sz="1050" dirty="0">
-              <a:solidFill>
-                <a:srgbClr val="7030A0"/>
-              </a:solidFill>
-            </a:endParaRPr>
-          </a:p>
-        </p:txBody>
-      </p:sp>
-      <p:sp>
-        <p:nvSpPr>
-          <p:cNvPr id="63" name="Flowchart: Decision 96"/>
-          <p:cNvSpPr/>
-          <p:nvPr/>
-        </p:nvSpPr>
-        <p:spPr>
-          <a:xfrm>
-            <a:off x="5858751" y="2941676"/>
+            <a:off x="4540148" y="3327817"/>
             <a:ext cx="236048" cy="173380"/>
           </a:xfrm>
           <a:prstGeom prst="flowChartDecision">
@@ -4319,117 +7408,26 @@
           <a:lstStyle/>
           <a:p>
             <a:pPr algn="ctr"/>
-            <a:endParaRPr lang="en-US" sz="1050"/>
-          </a:p>
-        </p:txBody>
-      </p:sp>
-      <p:cxnSp>
-        <p:nvCxnSpPr>
-          <p:cNvPr id="64" name="Elbow Connector 63"/>
-          <p:cNvCxnSpPr>
-            <a:stCxn id="63" idx="3"/>
-            <a:endCxn id="62" idx="1"/>
-          </p:cNvCxnSpPr>
+            <a:endParaRPr lang="en-US" sz="1050" dirty="0"/>
+          </a:p>
+        </p:txBody>
+      </p:sp>
+      <p:sp>
+        <p:nvSpPr>
+          <p:cNvPr id="289" name="Flowchart: Decision 96">
+            <a:extLst>
+              <a:ext uri="{FF2B5EF4-FFF2-40B4-BE49-F238E27FC236}">
+                <a16:creationId xmlns:a16="http://schemas.microsoft.com/office/drawing/2014/main" id="{711BBA3B-518C-4D51-A3C9-06FE7113287A}"/>
+              </a:ext>
+            </a:extLst>
+          </p:cNvPr>
+          <p:cNvSpPr/>
           <p:nvPr/>
-        </p:nvCxnSpPr>
+        </p:nvSpPr>
         <p:spPr>
           <a:xfrm>
-            <a:off x="6094799" y="3028366"/>
-            <a:ext cx="218878" cy="3080"/>
-          </a:xfrm>
-          <a:prstGeom prst="bentConnector3">
-            <a:avLst/>
-          </a:prstGeom>
-          <a:ln w="19050">
-            <a:solidFill>
-              <a:srgbClr val="7030A0"/>
-            </a:solidFill>
-            <a:headEnd type="none" w="med" len="med"/>
-            <a:tailEnd type="arrow" w="med" len="med"/>
-          </a:ln>
-          <a:effectLst/>
-        </p:spPr>
-        <p:style>
-          <a:lnRef idx="1">
-            <a:schemeClr val="accent2"/>
-          </a:lnRef>
-          <a:fillRef idx="2">
-            <a:schemeClr val="accent2"/>
-          </a:fillRef>
-          <a:effectRef idx="1">
-            <a:schemeClr val="accent2"/>
-          </a:effectRef>
-          <a:fontRef idx="minor">
-            <a:schemeClr val="dk1"/>
-          </a:fontRef>
-        </p:style>
-      </p:cxnSp>
-      <p:sp>
-        <p:nvSpPr>
-          <p:cNvPr id="76" name="Rectangle 8"/>
-          <p:cNvSpPr/>
-          <p:nvPr/>
-        </p:nvSpPr>
-        <p:spPr>
-          <a:xfrm>
-            <a:off x="7712397" y="2564238"/>
-            <a:ext cx="708186" cy="285783"/>
-          </a:xfrm>
-          <a:prstGeom prst="rect">
-            <a:avLst/>
-          </a:prstGeom>
-          <a:ln w="19050">
-            <a:solidFill>
-              <a:srgbClr val="7030A0"/>
-            </a:solidFill>
-          </a:ln>
-          <a:effectLst/>
-        </p:spPr>
-        <p:style>
-          <a:lnRef idx="1">
-            <a:schemeClr val="accent4"/>
-          </a:lnRef>
-          <a:fillRef idx="2">
-            <a:schemeClr val="accent4"/>
-          </a:fillRef>
-          <a:effectRef idx="1">
-            <a:schemeClr val="accent4"/>
-          </a:effectRef>
-          <a:fontRef idx="minor">
-            <a:schemeClr val="dk1"/>
-          </a:fontRef>
-        </p:style>
-        <p:txBody>
-          <a:bodyPr rtlCol="0" anchor="ctr"/>
-          <a:lstStyle/>
-          <a:p>
-            <a:pPr algn="ctr"/>
-            <a:r>
-              <a:rPr lang="en-US" sz="1050" dirty="0" smtClean="0">
-                <a:solidFill>
-                  <a:srgbClr val="7030A0"/>
-                </a:solidFill>
-              </a:rPr>
-              <a:t>Code</a:t>
-            </a:r>
-            <a:endParaRPr lang="en-SG" sz="1050" dirty="0">
-              <a:solidFill>
-                <a:srgbClr val="7030A0"/>
-              </a:solidFill>
-            </a:endParaRPr>
-          </a:p>
-        </p:txBody>
-      </p:sp>
-      <p:sp>
-        <p:nvSpPr>
-          <p:cNvPr id="78" name="Flowchart: Decision 96"/>
-          <p:cNvSpPr/>
-          <p:nvPr/>
-        </p:nvSpPr>
-        <p:spPr>
-          <a:xfrm>
-            <a:off x="7041947" y="2948201"/>
-            <a:ext cx="236048" cy="173380"/>
+            <a:off x="4535310" y="3327817"/>
+            <a:ext cx="241080" cy="173380"/>
           </a:xfrm>
           <a:prstGeom prst="flowChartDecision">
             <a:avLst/>
@@ -4463,1093 +7461,29 @@
           <a:lstStyle/>
           <a:p>
             <a:pPr algn="ctr"/>
-            <a:endParaRPr lang="en-US" sz="1050"/>
+            <a:endParaRPr lang="en-US" sz="1050" dirty="0"/>
           </a:p>
         </p:txBody>
       </p:sp>
       <p:cxnSp>
         <p:nvCxnSpPr>
-          <p:cNvPr id="79" name="Elbow Connector 78"/>
+          <p:cNvPr id="293" name="Straight Arrow Connector 292">
+            <a:extLst>
+              <a:ext uri="{FF2B5EF4-FFF2-40B4-BE49-F238E27FC236}">
+                <a16:creationId xmlns:a16="http://schemas.microsoft.com/office/drawing/2014/main" id="{D76A85BC-7411-4EC8-A1C4-682D2B7144F0}"/>
+              </a:ext>
+            </a:extLst>
+          </p:cNvPr>
           <p:cNvCxnSpPr>
             <a:cxnSpLocks/>
-          </p:cNvCxnSpPr>
-          <p:nvPr/>
-        </p:nvCxnSpPr>
-        <p:spPr>
-          <a:xfrm flipV="1">
-            <a:off x="7277995" y="2706821"/>
-            <a:ext cx="434402" cy="327761"/>
-          </a:xfrm>
-          <a:prstGeom prst="bentConnector3">
-            <a:avLst/>
-          </a:prstGeom>
-          <a:ln w="19050">
-            <a:solidFill>
-              <a:srgbClr val="7030A0"/>
-            </a:solidFill>
-            <a:headEnd type="none" w="med" len="med"/>
-            <a:tailEnd type="arrow" w="med" len="med"/>
-          </a:ln>
-          <a:effectLst/>
-        </p:spPr>
-        <p:style>
-          <a:lnRef idx="1">
-            <a:schemeClr val="accent2"/>
-          </a:lnRef>
-          <a:fillRef idx="2">
-            <a:schemeClr val="accent2"/>
-          </a:fillRef>
-          <a:effectRef idx="1">
-            <a:schemeClr val="accent2"/>
-          </a:effectRef>
-          <a:fontRef idx="minor">
-            <a:schemeClr val="dk1"/>
-          </a:fontRef>
-        </p:style>
-      </p:cxnSp>
-      <p:sp>
-        <p:nvSpPr>
-          <p:cNvPr id="80" name="Rectangle 8"/>
-          <p:cNvSpPr/>
-          <p:nvPr/>
-        </p:nvSpPr>
-        <p:spPr>
-          <a:xfrm>
-            <a:off x="7712397" y="2887216"/>
-            <a:ext cx="708186" cy="285783"/>
-          </a:xfrm>
-          <a:prstGeom prst="rect">
-            <a:avLst/>
-          </a:prstGeom>
-          <a:ln w="19050">
-            <a:solidFill>
-              <a:srgbClr val="7030A0"/>
-            </a:solidFill>
-          </a:ln>
-          <a:effectLst/>
-        </p:spPr>
-        <p:style>
-          <a:lnRef idx="1">
-            <a:schemeClr val="accent4"/>
-          </a:lnRef>
-          <a:fillRef idx="2">
-            <a:schemeClr val="accent4"/>
-          </a:fillRef>
-          <a:effectRef idx="1">
-            <a:schemeClr val="accent4"/>
-          </a:effectRef>
-          <a:fontRef idx="minor">
-            <a:schemeClr val="dk1"/>
-          </a:fontRef>
-        </p:style>
-        <p:txBody>
-          <a:bodyPr rtlCol="0" anchor="ctr"/>
-          <a:lstStyle/>
-          <a:p>
-            <a:pPr algn="ctr"/>
-            <a:r>
-              <a:rPr lang="en-US" sz="1050" dirty="0" smtClean="0">
-                <a:solidFill>
-                  <a:srgbClr val="7030A0"/>
-                </a:solidFill>
-              </a:rPr>
-              <a:t>Semester</a:t>
-            </a:r>
-            <a:endParaRPr lang="en-SG" sz="1050" dirty="0">
-              <a:solidFill>
-                <a:srgbClr val="7030A0"/>
-              </a:solidFill>
-            </a:endParaRPr>
-          </a:p>
-        </p:txBody>
-      </p:sp>
-      <p:cxnSp>
-        <p:nvCxnSpPr>
-          <p:cNvPr id="81" name="Elbow Connector 80"/>
-          <p:cNvCxnSpPr>
-            <a:stCxn id="78" idx="3"/>
-            <a:endCxn id="80" idx="1"/>
-          </p:cNvCxnSpPr>
-          <p:nvPr/>
-        </p:nvCxnSpPr>
-        <p:spPr>
-          <a:xfrm flipV="1">
-            <a:off x="7277995" y="3030108"/>
-            <a:ext cx="434402" cy="4783"/>
-          </a:xfrm>
-          <a:prstGeom prst="bentConnector3">
-            <a:avLst/>
-          </a:prstGeom>
-          <a:ln w="19050">
-            <a:solidFill>
-              <a:srgbClr val="7030A0"/>
-            </a:solidFill>
-            <a:headEnd type="none" w="med" len="med"/>
-            <a:tailEnd type="arrow" w="med" len="med"/>
-          </a:ln>
-          <a:effectLst/>
-        </p:spPr>
-        <p:style>
-          <a:lnRef idx="1">
-            <a:schemeClr val="accent2"/>
-          </a:lnRef>
-          <a:fillRef idx="2">
-            <a:schemeClr val="accent2"/>
-          </a:fillRef>
-          <a:effectRef idx="1">
-            <a:schemeClr val="accent2"/>
-          </a:effectRef>
-          <a:fontRef idx="minor">
-            <a:schemeClr val="dk1"/>
-          </a:fontRef>
-        </p:style>
-      </p:cxnSp>
-      <p:sp>
-        <p:nvSpPr>
-          <p:cNvPr id="83" name="Rectangle 8"/>
-          <p:cNvSpPr/>
-          <p:nvPr/>
-        </p:nvSpPr>
-        <p:spPr>
-          <a:xfrm>
-            <a:off x="7712397" y="3210194"/>
-            <a:ext cx="708186" cy="285783"/>
-          </a:xfrm>
-          <a:prstGeom prst="rect">
-            <a:avLst/>
-          </a:prstGeom>
-          <a:ln w="19050">
-            <a:solidFill>
-              <a:srgbClr val="7030A0"/>
-            </a:solidFill>
-          </a:ln>
-          <a:effectLst/>
-        </p:spPr>
-        <p:style>
-          <a:lnRef idx="1">
-            <a:schemeClr val="accent4"/>
-          </a:lnRef>
-          <a:fillRef idx="2">
-            <a:schemeClr val="accent4"/>
-          </a:fillRef>
-          <a:effectRef idx="1">
-            <a:schemeClr val="accent4"/>
-          </a:effectRef>
-          <a:fontRef idx="minor">
-            <a:schemeClr val="dk1"/>
-          </a:fontRef>
-        </p:style>
-        <p:txBody>
-          <a:bodyPr rtlCol="0" anchor="ctr"/>
-          <a:lstStyle/>
-          <a:p>
-            <a:pPr algn="ctr"/>
-            <a:r>
-              <a:rPr lang="en-US" sz="1050" dirty="0" smtClean="0">
-                <a:solidFill>
-                  <a:srgbClr val="7030A0"/>
-                </a:solidFill>
-              </a:rPr>
-              <a:t>Grade Range</a:t>
-            </a:r>
-            <a:endParaRPr lang="en-SG" sz="1050" dirty="0">
-              <a:solidFill>
-                <a:srgbClr val="7030A0"/>
-              </a:solidFill>
-            </a:endParaRPr>
-          </a:p>
-        </p:txBody>
-      </p:sp>
-      <p:cxnSp>
-        <p:nvCxnSpPr>
-          <p:cNvPr id="84" name="Elbow Connector 83"/>
-          <p:cNvCxnSpPr>
-            <a:stCxn id="78" idx="3"/>
-            <a:endCxn id="83" idx="1"/>
+            <a:stCxn id="289" idx="3"/>
           </p:cNvCxnSpPr>
           <p:nvPr/>
         </p:nvCxnSpPr>
         <p:spPr>
           <a:xfrm>
-            <a:off x="7277995" y="3034891"/>
-            <a:ext cx="434402" cy="318195"/>
-          </a:xfrm>
-          <a:prstGeom prst="bentConnector3">
-            <a:avLst/>
-          </a:prstGeom>
-          <a:ln w="19050">
-            <a:solidFill>
-              <a:srgbClr val="7030A0"/>
-            </a:solidFill>
-            <a:headEnd type="none" w="med" len="med"/>
-            <a:tailEnd type="arrow" w="med" len="med"/>
-          </a:ln>
-          <a:effectLst/>
-        </p:spPr>
-        <p:style>
-          <a:lnRef idx="1">
-            <a:schemeClr val="accent2"/>
-          </a:lnRef>
-          <a:fillRef idx="2">
-            <a:schemeClr val="accent2"/>
-          </a:fillRef>
-          <a:effectRef idx="1">
-            <a:schemeClr val="accent2"/>
-          </a:effectRef>
-          <a:fontRef idx="minor">
-            <a:schemeClr val="dk1"/>
-          </a:fontRef>
-        </p:style>
-      </p:cxnSp>
-      <p:sp>
-        <p:nvSpPr>
-          <p:cNvPr id="85" name="Rectangle 8"/>
-          <p:cNvSpPr/>
-          <p:nvPr/>
-        </p:nvSpPr>
-        <p:spPr>
-          <a:xfrm>
-            <a:off x="7712397" y="3533171"/>
-            <a:ext cx="745804" cy="285783"/>
-          </a:xfrm>
-          <a:prstGeom prst="rect">
-            <a:avLst/>
-          </a:prstGeom>
-          <a:ln w="19050">
-            <a:solidFill>
-              <a:srgbClr val="7030A0"/>
-            </a:solidFill>
-          </a:ln>
-          <a:effectLst/>
-        </p:spPr>
-        <p:style>
-          <a:lnRef idx="1">
-            <a:schemeClr val="accent4"/>
-          </a:lnRef>
-          <a:fillRef idx="2">
-            <a:schemeClr val="accent4"/>
-          </a:fillRef>
-          <a:effectRef idx="1">
-            <a:schemeClr val="accent4"/>
-          </a:effectRef>
-          <a:fontRef idx="minor">
-            <a:schemeClr val="dk1"/>
-          </a:fontRef>
-        </p:style>
-        <p:txBody>
-          <a:bodyPr rtlCol="0" anchor="ctr"/>
-          <a:lstStyle/>
-          <a:p>
-            <a:pPr algn="ctr"/>
-            <a:r>
-              <a:rPr lang="en-US" sz="1050" dirty="0" smtClean="0">
-                <a:solidFill>
-                  <a:srgbClr val="7030A0"/>
-                </a:solidFill>
-              </a:rPr>
-              <a:t>Workload</a:t>
-            </a:r>
-            <a:endParaRPr lang="en-SG" sz="1050" dirty="0">
-              <a:solidFill>
-                <a:srgbClr val="7030A0"/>
-              </a:solidFill>
-            </a:endParaRPr>
-          </a:p>
-        </p:txBody>
-      </p:sp>
-      <p:cxnSp>
-        <p:nvCxnSpPr>
-          <p:cNvPr id="86" name="Elbow Connector 85"/>
-          <p:cNvCxnSpPr>
-            <a:stCxn id="78" idx="3"/>
-            <a:endCxn id="85" idx="1"/>
-          </p:cNvCxnSpPr>
-          <p:nvPr/>
-        </p:nvCxnSpPr>
-        <p:spPr>
-          <a:xfrm>
-            <a:off x="7277995" y="3034891"/>
-            <a:ext cx="434402" cy="641172"/>
-          </a:xfrm>
-          <a:prstGeom prst="bentConnector3">
-            <a:avLst>
-              <a:gd name="adj1" fmla="val 50000"/>
-            </a:avLst>
-          </a:prstGeom>
-          <a:ln w="19050">
-            <a:solidFill>
-              <a:srgbClr val="7030A0"/>
-            </a:solidFill>
-            <a:headEnd type="none" w="med" len="med"/>
-            <a:tailEnd type="arrow" w="med" len="med"/>
-          </a:ln>
-          <a:effectLst/>
-        </p:spPr>
-        <p:style>
-          <a:lnRef idx="1">
-            <a:schemeClr val="accent2"/>
-          </a:lnRef>
-          <a:fillRef idx="2">
-            <a:schemeClr val="accent2"/>
-          </a:fillRef>
-          <a:effectRef idx="1">
-            <a:schemeClr val="accent2"/>
-          </a:effectRef>
-          <a:fontRef idx="minor">
-            <a:schemeClr val="dk1"/>
-          </a:fontRef>
-        </p:style>
-      </p:cxnSp>
-      <p:cxnSp>
-        <p:nvCxnSpPr>
-          <p:cNvPr id="97" name="Elbow Connector 63"/>
-          <p:cNvCxnSpPr>
-            <a:cxnSpLocks/>
-            <a:stCxn id="99" idx="3"/>
-          </p:cNvCxnSpPr>
-          <p:nvPr/>
-        </p:nvCxnSpPr>
-        <p:spPr>
-          <a:xfrm rot="16200000" flipH="1">
-            <a:off x="3566454" y="2680653"/>
-            <a:ext cx="274076" cy="1"/>
-          </a:xfrm>
-          <a:prstGeom prst="bentConnector3">
-            <a:avLst>
-              <a:gd name="adj1" fmla="val 50000"/>
-            </a:avLst>
-          </a:prstGeom>
-          <a:ln w="19050">
-            <a:solidFill>
-              <a:srgbClr val="7030A0"/>
-            </a:solidFill>
-            <a:prstDash val="sysDot"/>
-            <a:headEnd type="none" w="med" len="med"/>
-            <a:tailEnd type="none" w="med" len="med"/>
-          </a:ln>
-          <a:effectLst/>
-        </p:spPr>
-        <p:style>
-          <a:lnRef idx="1">
-            <a:schemeClr val="accent2"/>
-          </a:lnRef>
-          <a:fillRef idx="2">
-            <a:schemeClr val="accent2"/>
-          </a:fillRef>
-          <a:effectRef idx="1">
-            <a:schemeClr val="accent2"/>
-          </a:effectRef>
-          <a:fontRef idx="minor">
-            <a:schemeClr val="dk1"/>
-          </a:fontRef>
-        </p:style>
-      </p:cxnSp>
-      <p:sp>
-        <p:nvSpPr>
-          <p:cNvPr id="99" name="Isosceles Triangle 102"/>
-          <p:cNvSpPr/>
-          <p:nvPr/>
-        </p:nvSpPr>
-        <p:spPr>
-          <a:xfrm rot="10800000" flipV="1">
-            <a:off x="3562299" y="2386554"/>
-            <a:ext cx="282387" cy="157062"/>
-          </a:xfrm>
-          <a:prstGeom prst="triangle">
-            <a:avLst/>
-          </a:prstGeom>
-          <a:solidFill>
-            <a:schemeClr val="accent4">
-              <a:lumMod val="20000"/>
-              <a:lumOff val="80000"/>
-            </a:schemeClr>
-          </a:solidFill>
-          <a:ln w="19050">
-            <a:solidFill>
-              <a:srgbClr val="7030A0"/>
-            </a:solidFill>
-          </a:ln>
-          <a:effectLst/>
-        </p:spPr>
-        <p:style>
-          <a:lnRef idx="1">
-            <a:schemeClr val="accent4"/>
-          </a:lnRef>
-          <a:fillRef idx="2">
-            <a:schemeClr val="accent4"/>
-          </a:fillRef>
-          <a:effectRef idx="1">
-            <a:schemeClr val="accent4"/>
-          </a:effectRef>
-          <a:fontRef idx="minor">
-            <a:schemeClr val="dk1"/>
-          </a:fontRef>
-        </p:style>
-        <p:txBody>
-          <a:bodyPr rtlCol="0" anchor="ctr"/>
-          <a:lstStyle/>
-          <a:p>
-            <a:pPr algn="ctr"/>
-            <a:endParaRPr lang="en-SG" sz="1050" b="1">
-              <a:solidFill>
-                <a:srgbClr val="92D050"/>
-              </a:solidFill>
-            </a:endParaRPr>
-          </a:p>
-        </p:txBody>
-      </p:sp>
-      <p:sp>
-        <p:nvSpPr>
-          <p:cNvPr id="100" name="Rectangle 8"/>
-          <p:cNvSpPr/>
-          <p:nvPr/>
-        </p:nvSpPr>
-        <p:spPr>
-          <a:xfrm>
-            <a:off x="1260922" y="1998350"/>
-            <a:ext cx="1443661" cy="364396"/>
-          </a:xfrm>
-          <a:prstGeom prst="rect">
-            <a:avLst/>
-          </a:prstGeom>
-          <a:ln w="19050">
-            <a:solidFill>
-              <a:srgbClr val="7030A0"/>
-            </a:solidFill>
-          </a:ln>
-          <a:effectLst/>
-        </p:spPr>
-        <p:style>
-          <a:lnRef idx="1">
-            <a:schemeClr val="accent4"/>
-          </a:lnRef>
-          <a:fillRef idx="2">
-            <a:schemeClr val="accent4"/>
-          </a:fillRef>
-          <a:effectRef idx="1">
-            <a:schemeClr val="accent4"/>
-          </a:effectRef>
-          <a:fontRef idx="minor">
-            <a:schemeClr val="dk1"/>
-          </a:fontRef>
-        </p:style>
-        <p:txBody>
-          <a:bodyPr rtlCol="0" anchor="ctr"/>
-          <a:lstStyle/>
-          <a:p>
-            <a:pPr algn="ctr"/>
-            <a:r>
-              <a:rPr lang="en-US" sz="1050" dirty="0">
-                <a:solidFill>
-                  <a:srgbClr val="7030A0"/>
-                </a:solidFill>
-              </a:rPr>
-              <a:t>&lt;&lt;interface&gt;&gt;</a:t>
-            </a:r>
-            <a:br>
-              <a:rPr lang="en-US" sz="1050" dirty="0">
-                <a:solidFill>
-                  <a:srgbClr val="7030A0"/>
-                </a:solidFill>
-              </a:rPr>
-            </a:br>
-            <a:r>
-              <a:rPr lang="en-US" sz="1050" dirty="0" err="1" smtClean="0">
-                <a:solidFill>
-                  <a:srgbClr val="7030A0"/>
-                </a:solidFill>
-              </a:rPr>
-              <a:t>ReadOnlyGradTrak</a:t>
-            </a:r>
-            <a:endParaRPr lang="en-SG" sz="1050" dirty="0">
-              <a:solidFill>
-                <a:srgbClr val="7030A0"/>
-              </a:solidFill>
-            </a:endParaRPr>
-          </a:p>
-        </p:txBody>
-      </p:sp>
-      <p:sp>
-        <p:nvSpPr>
-          <p:cNvPr id="114" name="TextBox 113"/>
-          <p:cNvSpPr txBox="1"/>
-          <p:nvPr/>
-        </p:nvSpPr>
-        <p:spPr>
-          <a:xfrm rot="16200000">
-            <a:off x="6362886" y="3586305"/>
-            <a:ext cx="881018" cy="261610"/>
-          </a:xfrm>
-          <a:prstGeom prst="rect">
-            <a:avLst/>
-          </a:prstGeom>
-          <a:noFill/>
-        </p:spPr>
-        <p:txBody>
-          <a:bodyPr wrap="square" rtlCol="0">
-            <a:spAutoFit/>
-          </a:bodyPr>
-          <a:lstStyle/>
-          <a:p>
-            <a:pPr algn="r"/>
-            <a:r>
-              <a:rPr lang="en-US" sz="1100" dirty="0">
-                <a:solidFill>
-                  <a:srgbClr val="7030A0"/>
-                </a:solidFill>
-              </a:rPr>
-              <a:t>filtered list</a:t>
-            </a:r>
-            <a:endParaRPr lang="en-SG" sz="1100" dirty="0">
-              <a:solidFill>
-                <a:srgbClr val="7030A0"/>
-              </a:solidFill>
-            </a:endParaRPr>
-          </a:p>
-        </p:txBody>
-      </p:sp>
-      <p:sp>
-        <p:nvSpPr>
-          <p:cNvPr id="122" name="Rectangle 8"/>
-          <p:cNvSpPr/>
-          <p:nvPr/>
-        </p:nvSpPr>
-        <p:spPr>
-          <a:xfrm>
-            <a:off x="2057401" y="4239491"/>
-            <a:ext cx="1066800" cy="346760"/>
-          </a:xfrm>
-          <a:prstGeom prst="rect">
-            <a:avLst/>
-          </a:prstGeom>
-          <a:ln w="19050">
-            <a:solidFill>
-              <a:srgbClr val="7030A0"/>
-            </a:solidFill>
-          </a:ln>
-          <a:effectLst/>
-        </p:spPr>
-        <p:style>
-          <a:lnRef idx="1">
-            <a:schemeClr val="accent4"/>
-          </a:lnRef>
-          <a:fillRef idx="2">
-            <a:schemeClr val="accent4"/>
-          </a:fillRef>
-          <a:effectRef idx="1">
-            <a:schemeClr val="accent4"/>
-          </a:effectRef>
-          <a:fontRef idx="minor">
-            <a:schemeClr val="dk1"/>
-          </a:fontRef>
-        </p:style>
-        <p:txBody>
-          <a:bodyPr rtlCol="0" anchor="ctr"/>
-          <a:lstStyle/>
-          <a:p>
-            <a:pPr algn="ctr"/>
-            <a:r>
-              <a:rPr lang="en-US" sz="1050" dirty="0">
-                <a:solidFill>
-                  <a:srgbClr val="7030A0"/>
-                </a:solidFill>
-              </a:rPr>
-              <a:t>&lt;&lt;interface&gt;&gt;</a:t>
-            </a:r>
-            <a:r>
-              <a:rPr lang="en-US" sz="1050">
-                <a:solidFill>
-                  <a:srgbClr val="7030A0"/>
-                </a:solidFill>
-              </a:rPr>
-              <a:t/>
-            </a:r>
-            <a:br>
-              <a:rPr lang="en-US" sz="1050">
-                <a:solidFill>
-                  <a:srgbClr val="7030A0"/>
-                </a:solidFill>
-              </a:rPr>
-            </a:br>
-            <a:r>
-              <a:rPr lang="en-US" sz="1050" dirty="0" err="1">
-                <a:solidFill>
-                  <a:srgbClr val="7030A0"/>
-                </a:solidFill>
-              </a:rPr>
-              <a:t>ObservableList</a:t>
-            </a:r>
-            <a:endParaRPr lang="en-SG" sz="1050" dirty="0">
-              <a:solidFill>
-                <a:srgbClr val="7030A0"/>
-              </a:solidFill>
-            </a:endParaRPr>
-          </a:p>
-        </p:txBody>
-      </p:sp>
-      <p:cxnSp>
-        <p:nvCxnSpPr>
-          <p:cNvPr id="124" name="Elbow Connector 122"/>
-          <p:cNvCxnSpPr>
-            <a:stCxn id="119" idx="1"/>
-            <a:endCxn id="122" idx="1"/>
-          </p:cNvCxnSpPr>
-          <p:nvPr/>
-        </p:nvCxnSpPr>
-        <p:spPr>
-          <a:xfrm rot="16200000" flipH="1">
-            <a:off x="1364475" y="3719944"/>
-            <a:ext cx="831471" cy="554381"/>
-          </a:xfrm>
-          <a:prstGeom prst="bentConnector2">
-            <a:avLst/>
-          </a:prstGeom>
-          <a:ln w="19050">
-            <a:solidFill>
-              <a:srgbClr val="7030A0"/>
-            </a:solidFill>
-            <a:prstDash val="sysDot"/>
-            <a:headEnd type="none" w="med" len="med"/>
-            <a:tailEnd type="arrow" w="med" len="med"/>
-          </a:ln>
-          <a:effectLst/>
-        </p:spPr>
-        <p:style>
-          <a:lnRef idx="1">
-            <a:schemeClr val="accent2"/>
-          </a:lnRef>
-          <a:fillRef idx="2">
-            <a:schemeClr val="accent2"/>
-          </a:fillRef>
-          <a:effectRef idx="1">
-            <a:schemeClr val="accent2"/>
-          </a:effectRef>
-          <a:fontRef idx="minor">
-            <a:schemeClr val="dk1"/>
-          </a:fontRef>
-        </p:style>
-      </p:cxnSp>
-      <p:sp>
-        <p:nvSpPr>
-          <p:cNvPr id="54" name="TextBox 53"/>
-          <p:cNvSpPr txBox="1"/>
-          <p:nvPr/>
-        </p:nvSpPr>
-        <p:spPr>
-          <a:xfrm>
-            <a:off x="4429979" y="3111479"/>
-            <a:ext cx="189257" cy="178683"/>
-          </a:xfrm>
-          <a:prstGeom prst="rect">
-            <a:avLst/>
-          </a:prstGeom>
-          <a:noFill/>
-        </p:spPr>
-        <p:txBody>
-          <a:bodyPr wrap="square" lIns="0" tIns="0" rIns="0" bIns="0" rtlCol="0">
-            <a:noAutofit/>
-          </a:bodyPr>
-          <a:lstStyle/>
-          <a:p>
-            <a:pPr algn="ctr"/>
-            <a:r>
-              <a:rPr lang="en-US" sz="1100" dirty="0">
-                <a:solidFill>
-                  <a:srgbClr val="7030A0"/>
-                </a:solidFill>
-              </a:rPr>
-              <a:t>1</a:t>
-            </a:r>
-            <a:endParaRPr lang="en-SG" sz="1100" dirty="0">
-              <a:solidFill>
-                <a:srgbClr val="7030A0"/>
-              </a:solidFill>
-            </a:endParaRPr>
-          </a:p>
-        </p:txBody>
-      </p:sp>
-      <p:sp>
-        <p:nvSpPr>
-          <p:cNvPr id="61" name="TextBox 60"/>
-          <p:cNvSpPr txBox="1"/>
-          <p:nvPr/>
-        </p:nvSpPr>
-        <p:spPr>
-          <a:xfrm>
-            <a:off x="6135256" y="3097917"/>
-            <a:ext cx="189257" cy="178683"/>
-          </a:xfrm>
-          <a:prstGeom prst="rect">
-            <a:avLst/>
-          </a:prstGeom>
-          <a:noFill/>
-        </p:spPr>
-        <p:txBody>
-          <a:bodyPr wrap="square" lIns="0" tIns="0" rIns="0" bIns="0" rtlCol="0">
-            <a:noAutofit/>
-          </a:bodyPr>
-          <a:lstStyle/>
-          <a:p>
-            <a:pPr algn="ctr"/>
-            <a:r>
-              <a:rPr lang="en-US" sz="1100" dirty="0">
-                <a:solidFill>
-                  <a:srgbClr val="7030A0"/>
-                </a:solidFill>
-              </a:rPr>
-              <a:t>*</a:t>
-            </a:r>
-            <a:endParaRPr lang="en-SG" sz="1100" dirty="0">
-              <a:solidFill>
-                <a:srgbClr val="7030A0"/>
-              </a:solidFill>
-            </a:endParaRPr>
-          </a:p>
-        </p:txBody>
-      </p:sp>
-      <p:sp>
-        <p:nvSpPr>
-          <p:cNvPr id="65" name="TextBox 64"/>
-          <p:cNvSpPr txBox="1"/>
-          <p:nvPr/>
-        </p:nvSpPr>
-        <p:spPr>
-          <a:xfrm>
-            <a:off x="2573394" y="2756715"/>
-            <a:ext cx="170110" cy="137542"/>
-          </a:xfrm>
-          <a:prstGeom prst="rect">
-            <a:avLst/>
-          </a:prstGeom>
-          <a:noFill/>
-        </p:spPr>
-        <p:txBody>
-          <a:bodyPr wrap="square" lIns="0" tIns="0" rIns="0" bIns="0" rtlCol="0">
-            <a:noAutofit/>
-          </a:bodyPr>
-          <a:lstStyle/>
-          <a:p>
-            <a:pPr algn="ctr"/>
-            <a:r>
-              <a:rPr lang="en-US" sz="1100" dirty="0">
-                <a:solidFill>
-                  <a:srgbClr val="7030A0"/>
-                </a:solidFill>
-              </a:rPr>
-              <a:t>1</a:t>
-            </a:r>
-            <a:endParaRPr lang="en-SG" sz="1100" dirty="0">
-              <a:solidFill>
-                <a:srgbClr val="7030A0"/>
-              </a:solidFill>
-            </a:endParaRPr>
-          </a:p>
-        </p:txBody>
-      </p:sp>
-      <p:sp>
-        <p:nvSpPr>
-          <p:cNvPr id="66" name="TextBox 65"/>
-          <p:cNvSpPr txBox="1"/>
-          <p:nvPr/>
-        </p:nvSpPr>
-        <p:spPr>
-          <a:xfrm>
-            <a:off x="2630191" y="3667737"/>
-            <a:ext cx="189257" cy="178683"/>
-          </a:xfrm>
-          <a:prstGeom prst="rect">
-            <a:avLst/>
-          </a:prstGeom>
-          <a:noFill/>
-        </p:spPr>
-        <p:txBody>
-          <a:bodyPr wrap="square" lIns="0" tIns="0" rIns="0" bIns="0" rtlCol="0">
-            <a:noAutofit/>
-          </a:bodyPr>
-          <a:lstStyle/>
-          <a:p>
-            <a:pPr algn="ctr"/>
-            <a:r>
-              <a:rPr lang="en-US" sz="1100" dirty="0">
-                <a:solidFill>
-                  <a:srgbClr val="7030A0"/>
-                </a:solidFill>
-              </a:rPr>
-              <a:t>1</a:t>
-            </a:r>
-            <a:endParaRPr lang="en-SG" sz="1100" dirty="0">
-              <a:solidFill>
-                <a:srgbClr val="7030A0"/>
-              </a:solidFill>
-            </a:endParaRPr>
-          </a:p>
-        </p:txBody>
-      </p:sp>
-      <p:sp>
-        <p:nvSpPr>
-          <p:cNvPr id="70" name="TextBox 69"/>
-          <p:cNvSpPr txBox="1"/>
-          <p:nvPr/>
-        </p:nvSpPr>
-        <p:spPr>
-          <a:xfrm>
-            <a:off x="6449896" y="3204826"/>
-            <a:ext cx="189257" cy="178683"/>
-          </a:xfrm>
-          <a:prstGeom prst="rect">
-            <a:avLst/>
-          </a:prstGeom>
-          <a:noFill/>
-        </p:spPr>
-        <p:txBody>
-          <a:bodyPr wrap="square" lIns="0" tIns="0" rIns="0" bIns="0" rtlCol="0">
-            <a:noAutofit/>
-          </a:bodyPr>
-          <a:lstStyle/>
-          <a:p>
-            <a:pPr algn="ctr"/>
-            <a:r>
-              <a:rPr lang="en-US" sz="1100" dirty="0">
-                <a:solidFill>
-                  <a:srgbClr val="7030A0"/>
-                </a:solidFill>
-              </a:rPr>
-              <a:t>1</a:t>
-            </a:r>
-            <a:endParaRPr lang="en-SG" sz="1100" dirty="0">
-              <a:solidFill>
-                <a:srgbClr val="7030A0"/>
-              </a:solidFill>
-            </a:endParaRPr>
-          </a:p>
-        </p:txBody>
-      </p:sp>
-      <p:sp>
-        <p:nvSpPr>
-          <p:cNvPr id="52" name="Rectangle 8">
-            <a:extLst>
-              <a:ext uri="{FF2B5EF4-FFF2-40B4-BE49-F238E27FC236}">
-                <a16:creationId xmlns:a16="http://schemas.microsoft.com/office/drawing/2014/main" xmlns="" id="{ABDCDBD2-131A-4B66-A2F2-43BBEE82C773}"/>
-              </a:ext>
-            </a:extLst>
-          </p:cNvPr>
-          <p:cNvSpPr/>
-          <p:nvPr/>
-        </p:nvSpPr>
-        <p:spPr>
-          <a:xfrm>
-            <a:off x="7712397" y="2228817"/>
-            <a:ext cx="708186" cy="285783"/>
-          </a:xfrm>
-          <a:prstGeom prst="rect">
-            <a:avLst/>
-          </a:prstGeom>
-          <a:ln w="19050">
-            <a:solidFill>
-              <a:srgbClr val="7030A0"/>
-            </a:solidFill>
-          </a:ln>
-          <a:effectLst/>
-        </p:spPr>
-        <p:style>
-          <a:lnRef idx="1">
-            <a:schemeClr val="accent4"/>
-          </a:lnRef>
-          <a:fillRef idx="2">
-            <a:schemeClr val="accent4"/>
-          </a:fillRef>
-          <a:effectRef idx="1">
-            <a:schemeClr val="accent4"/>
-          </a:effectRef>
-          <a:fontRef idx="minor">
-            <a:schemeClr val="dk1"/>
-          </a:fontRef>
-        </p:style>
-        <p:txBody>
-          <a:bodyPr rtlCol="0" anchor="ctr"/>
-          <a:lstStyle/>
-          <a:p>
-            <a:pPr algn="ctr"/>
-            <a:r>
-              <a:rPr lang="en-US" sz="1050" dirty="0">
-                <a:solidFill>
-                  <a:srgbClr val="7030A0"/>
-                </a:solidFill>
-              </a:rPr>
-              <a:t>Tag</a:t>
-            </a:r>
-            <a:endParaRPr lang="en-SG" sz="1050" dirty="0">
-              <a:solidFill>
-                <a:srgbClr val="7030A0"/>
-              </a:solidFill>
-            </a:endParaRPr>
-          </a:p>
-        </p:txBody>
-      </p:sp>
-      <p:cxnSp>
-        <p:nvCxnSpPr>
-          <p:cNvPr id="53" name="Elbow Connector 78">
-            <a:extLst>
-              <a:ext uri="{FF2B5EF4-FFF2-40B4-BE49-F238E27FC236}">
-                <a16:creationId xmlns:a16="http://schemas.microsoft.com/office/drawing/2014/main" xmlns="" id="{B97967F8-618A-448B-81FD-CDFD4AF0EC64}"/>
-              </a:ext>
-            </a:extLst>
-          </p:cNvPr>
-          <p:cNvCxnSpPr>
-            <a:cxnSpLocks/>
-            <a:stCxn id="78" idx="3"/>
-            <a:endCxn id="52" idx="1"/>
-          </p:cNvCxnSpPr>
-          <p:nvPr/>
-        </p:nvCxnSpPr>
-        <p:spPr>
-          <a:xfrm flipV="1">
-            <a:off x="7277995" y="2371709"/>
-            <a:ext cx="434402" cy="663182"/>
-          </a:xfrm>
-          <a:prstGeom prst="bentConnector3">
-            <a:avLst>
-              <a:gd name="adj1" fmla="val 50000"/>
-            </a:avLst>
-          </a:prstGeom>
-          <a:ln w="19050">
-            <a:solidFill>
-              <a:srgbClr val="7030A0"/>
-            </a:solidFill>
-            <a:headEnd type="none" w="med" len="med"/>
-            <a:tailEnd type="arrow" w="med" len="med"/>
-          </a:ln>
-          <a:effectLst/>
-        </p:spPr>
-        <p:style>
-          <a:lnRef idx="1">
-            <a:schemeClr val="accent2"/>
-          </a:lnRef>
-          <a:fillRef idx="2">
-            <a:schemeClr val="accent2"/>
-          </a:fillRef>
-          <a:effectRef idx="1">
-            <a:schemeClr val="accent2"/>
-          </a:effectRef>
-          <a:fontRef idx="minor">
-            <a:schemeClr val="dk1"/>
-          </a:fontRef>
-        </p:style>
-      </p:cxnSp>
-      <p:sp>
-        <p:nvSpPr>
-          <p:cNvPr id="50" name="TextBox 49">
-            <a:extLst>
-              <a:ext uri="{FF2B5EF4-FFF2-40B4-BE49-F238E27FC236}">
-                <a16:creationId xmlns:a16="http://schemas.microsoft.com/office/drawing/2014/main" xmlns="" id="{B3FA9D57-880F-49C4-AD0B-A64E30D6F403}"/>
-              </a:ext>
-            </a:extLst>
-          </p:cNvPr>
-          <p:cNvSpPr txBox="1"/>
-          <p:nvPr/>
-        </p:nvSpPr>
-        <p:spPr>
-          <a:xfrm>
-            <a:off x="7466243" y="2255711"/>
-            <a:ext cx="189257" cy="178683"/>
-          </a:xfrm>
-          <a:prstGeom prst="rect">
-            <a:avLst/>
-          </a:prstGeom>
-          <a:noFill/>
-        </p:spPr>
-        <p:txBody>
-          <a:bodyPr wrap="square" lIns="0" tIns="0" rIns="0" bIns="0" rtlCol="0">
-            <a:noAutofit/>
-          </a:bodyPr>
-          <a:lstStyle/>
-          <a:p>
-            <a:pPr algn="ctr"/>
-            <a:r>
-              <a:rPr lang="en-US" sz="1100" dirty="0">
-                <a:solidFill>
-                  <a:srgbClr val="7030A0"/>
-                </a:solidFill>
-              </a:rPr>
-              <a:t>*</a:t>
-            </a:r>
-            <a:endParaRPr lang="en-SG" sz="1100" dirty="0">
-              <a:solidFill>
-                <a:srgbClr val="7030A0"/>
-              </a:solidFill>
-            </a:endParaRPr>
-          </a:p>
-        </p:txBody>
-      </p:sp>
-      <p:sp>
-        <p:nvSpPr>
-          <p:cNvPr id="55" name="Rectangle 8"/>
-          <p:cNvSpPr/>
-          <p:nvPr/>
-        </p:nvSpPr>
-        <p:spPr>
-          <a:xfrm>
-            <a:off x="3170181" y="1998350"/>
-            <a:ext cx="1060683" cy="364396"/>
-          </a:xfrm>
-          <a:prstGeom prst="rect">
-            <a:avLst/>
-          </a:prstGeom>
-          <a:ln w="19050">
-            <a:solidFill>
-              <a:srgbClr val="7030A0"/>
-            </a:solidFill>
-          </a:ln>
-          <a:effectLst/>
-        </p:spPr>
-        <p:style>
-          <a:lnRef idx="1">
-            <a:schemeClr val="accent4"/>
-          </a:lnRef>
-          <a:fillRef idx="2">
-            <a:schemeClr val="accent4"/>
-          </a:fillRef>
-          <a:effectRef idx="1">
-            <a:schemeClr val="accent4"/>
-          </a:effectRef>
-          <a:fontRef idx="minor">
-            <a:schemeClr val="dk1"/>
-          </a:fontRef>
-        </p:style>
-        <p:txBody>
-          <a:bodyPr rtlCol="0" anchor="ctr"/>
-          <a:lstStyle/>
-          <a:p>
-            <a:pPr algn="ctr"/>
-            <a:r>
-              <a:rPr lang="en-US" sz="1050" dirty="0" err="1" smtClean="0">
-                <a:solidFill>
-                  <a:srgbClr val="7030A0"/>
-                </a:solidFill>
-              </a:rPr>
-              <a:t>GradTrak</a:t>
-            </a:r>
-            <a:endParaRPr lang="en-SG" sz="1050" dirty="0">
-              <a:solidFill>
-                <a:srgbClr val="7030A0"/>
-              </a:solidFill>
-            </a:endParaRPr>
-          </a:p>
-        </p:txBody>
-      </p:sp>
-      <p:cxnSp>
-        <p:nvCxnSpPr>
-          <p:cNvPr id="60" name="Straight Arrow Connector 59"/>
-          <p:cNvCxnSpPr>
-            <a:stCxn id="51" idx="1"/>
-            <a:endCxn id="49" idx="1"/>
-          </p:cNvCxnSpPr>
-          <p:nvPr/>
-        </p:nvCxnSpPr>
-        <p:spPr>
-          <a:xfrm>
-            <a:off x="4324972" y="3007222"/>
-            <a:ext cx="367678" cy="12320"/>
+            <a:off x="4776390" y="3414507"/>
+            <a:ext cx="239126" cy="0"/>
           </a:xfrm>
           <a:prstGeom prst="straightConnector1">
             <a:avLst/>
@@ -5580,106 +7514,10 @@
       </p:cxnSp>
       <p:sp>
         <p:nvSpPr>
-          <p:cNvPr id="68" name="Isosceles Triangle 102"/>
-          <p:cNvSpPr/>
-          <p:nvPr/>
-        </p:nvSpPr>
-        <p:spPr>
-          <a:xfrm rot="16200000">
-            <a:off x="2669073" y="2069158"/>
-            <a:ext cx="271014" cy="187417"/>
-          </a:xfrm>
-          <a:prstGeom prst="triangle">
-            <a:avLst>
-              <a:gd name="adj" fmla="val 44517"/>
-            </a:avLst>
-          </a:prstGeom>
-          <a:solidFill>
-            <a:schemeClr val="accent4">
-              <a:lumMod val="20000"/>
-              <a:lumOff val="80000"/>
-            </a:schemeClr>
-          </a:solidFill>
-          <a:ln w="19050">
-            <a:solidFill>
-              <a:srgbClr val="7030A0"/>
-            </a:solidFill>
-          </a:ln>
-          <a:effectLst/>
-        </p:spPr>
-        <p:style>
-          <a:lnRef idx="1">
-            <a:schemeClr val="accent6"/>
-          </a:lnRef>
-          <a:fillRef idx="2">
-            <a:schemeClr val="accent6"/>
-          </a:fillRef>
-          <a:effectRef idx="1">
-            <a:schemeClr val="accent6"/>
-          </a:effectRef>
-          <a:fontRef idx="minor">
-            <a:schemeClr val="dk1"/>
-          </a:fontRef>
-        </p:style>
-        <p:txBody>
-          <a:bodyPr rtlCol="0" anchor="ctr"/>
-          <a:lstStyle/>
-          <a:p>
-            <a:pPr algn="ctr"/>
-            <a:endParaRPr lang="en-SG" sz="1050"/>
-          </a:p>
-        </p:txBody>
-      </p:sp>
-      <p:cxnSp>
-        <p:nvCxnSpPr>
-          <p:cNvPr id="69" name="Elbow Connector 63"/>
-          <p:cNvCxnSpPr>
-            <a:stCxn id="68" idx="3"/>
-            <a:endCxn id="55" idx="1"/>
-          </p:cNvCxnSpPr>
-          <p:nvPr/>
-        </p:nvCxnSpPr>
-        <p:spPr>
-          <a:xfrm>
-            <a:off x="2898289" y="2177727"/>
-            <a:ext cx="271892" cy="2821"/>
-          </a:xfrm>
-          <a:prstGeom prst="bentConnector3">
-            <a:avLst>
-              <a:gd name="adj1" fmla="val 50000"/>
-            </a:avLst>
-          </a:prstGeom>
-          <a:ln w="19050">
-            <a:solidFill>
-              <a:srgbClr val="7030A0"/>
-            </a:solidFill>
-            <a:prstDash val="sysDot"/>
-            <a:headEnd type="none" w="med" len="med"/>
-            <a:tailEnd type="none" w="med" len="med"/>
-          </a:ln>
-          <a:effectLst/>
-        </p:spPr>
-        <p:style>
-          <a:lnRef idx="1">
-            <a:schemeClr val="accent2"/>
-          </a:lnRef>
-          <a:fillRef idx="2">
-            <a:schemeClr val="accent2"/>
-          </a:fillRef>
-          <a:effectRef idx="1">
-            <a:schemeClr val="accent2"/>
-          </a:effectRef>
-          <a:fontRef idx="minor">
-            <a:schemeClr val="dk1"/>
-          </a:fontRef>
-        </p:style>
-      </p:cxnSp>
-      <p:sp>
-        <p:nvSpPr>
-          <p:cNvPr id="57" name="Rectangle 8">
+          <p:cNvPr id="297" name="Rectangle 8">
             <a:extLst>
               <a:ext uri="{FF2B5EF4-FFF2-40B4-BE49-F238E27FC236}">
-                <a16:creationId xmlns:a16="http://schemas.microsoft.com/office/drawing/2014/main" xmlns="" id="{6A42DA50-9012-4391-9EF3-285E4FA3FCD8}"/>
+                <a16:creationId xmlns:a16="http://schemas.microsoft.com/office/drawing/2014/main" id="{D0058E23-1F04-4090-8885-01D1D1E272CF}"/>
               </a:ext>
             </a:extLst>
           </p:cNvPr>
@@ -5688,8 +7526,8 @@
         </p:nvSpPr>
         <p:spPr>
           <a:xfrm>
-            <a:off x="4238892" y="3460864"/>
-            <a:ext cx="1293486" cy="346760"/>
+            <a:off x="5025791" y="3238003"/>
+            <a:ext cx="1040381" cy="346760"/>
           </a:xfrm>
           <a:prstGeom prst="rect">
             <a:avLst/>
@@ -5726,18 +7564,18 @@
                   <a:srgbClr val="7030A0"/>
                 </a:solidFill>
               </a:rPr>
-              <a:t>&lt;&lt;interface&gt;&gt;</a:t>
+              <a:t>Course</a:t>
             </a:r>
           </a:p>
           <a:p>
             <a:pPr algn="ctr"/>
             <a:r>
-              <a:rPr lang="en-US" sz="1050" dirty="0" err="1">
+              <a:rPr lang="en-US" sz="1050" dirty="0">
                 <a:solidFill>
                   <a:srgbClr val="7030A0"/>
                 </a:solidFill>
               </a:rPr>
-              <a:t>ReadOnlyUserPrefs</a:t>
+              <a:t>Requirements</a:t>
             </a:r>
             <a:endParaRPr lang="en-SG" sz="1050" dirty="0">
               <a:solidFill>
@@ -5747,97 +7585,39 @@
           </a:p>
         </p:txBody>
       </p:sp>
-      <p:sp>
-        <p:nvSpPr>
-          <p:cNvPr id="59" name="Isosceles Triangle 102">
+      <p:cxnSp>
+        <p:nvCxnSpPr>
+          <p:cNvPr id="303" name="Straight Arrow Connector 302">
             <a:extLst>
               <a:ext uri="{FF2B5EF4-FFF2-40B4-BE49-F238E27FC236}">
-                <a16:creationId xmlns:a16="http://schemas.microsoft.com/office/drawing/2014/main" xmlns="" id="{B263B2D7-6E76-465E-B40E-7E2A46254A84}"/>
-              </a:ext>
-            </a:extLst>
-          </p:cNvPr>
-          <p:cNvSpPr/>
-          <p:nvPr/>
-        </p:nvSpPr>
-        <p:spPr>
-          <a:xfrm rot="5400000" flipH="1">
-            <a:off x="3992636" y="3514414"/>
-            <a:ext cx="271014" cy="221497"/>
-          </a:xfrm>
-          <a:prstGeom prst="triangle">
-            <a:avLst>
-              <a:gd name="adj" fmla="val 44517"/>
-            </a:avLst>
-          </a:prstGeom>
-          <a:solidFill>
-            <a:schemeClr val="accent4">
-              <a:lumMod val="20000"/>
-              <a:lumOff val="80000"/>
-            </a:schemeClr>
-          </a:solidFill>
-          <a:ln w="19050">
-            <a:solidFill>
-              <a:srgbClr val="7030A0"/>
-            </a:solidFill>
-          </a:ln>
-          <a:effectLst/>
-        </p:spPr>
-        <p:style>
-          <a:lnRef idx="1">
-            <a:schemeClr val="accent6"/>
-          </a:lnRef>
-          <a:fillRef idx="2">
-            <a:schemeClr val="accent6"/>
-          </a:fillRef>
-          <a:effectRef idx="1">
-            <a:schemeClr val="accent6"/>
-          </a:effectRef>
-          <a:fontRef idx="minor">
-            <a:schemeClr val="dk1"/>
-          </a:fontRef>
-        </p:style>
-        <p:txBody>
-          <a:bodyPr rtlCol="0" anchor="ctr"/>
-          <a:lstStyle/>
-          <a:p>
-            <a:pPr algn="ctr"/>
-            <a:endParaRPr lang="en-SG" sz="1050"/>
-          </a:p>
-        </p:txBody>
-      </p:sp>
-      <p:cxnSp>
-        <p:nvCxnSpPr>
-          <p:cNvPr id="67" name="Elbow Connector 63">
-            <a:extLst>
-              <a:ext uri="{FF2B5EF4-FFF2-40B4-BE49-F238E27FC236}">
-                <a16:creationId xmlns:a16="http://schemas.microsoft.com/office/drawing/2014/main" xmlns="" id="{BA3A25CD-7C1D-4B3B-B294-1B05ABCFECFD}"/>
+                <a16:creationId xmlns:a16="http://schemas.microsoft.com/office/drawing/2014/main" id="{2ABC5511-CF11-4D57-A7F7-10ADCD49BBC7}"/>
               </a:ext>
             </a:extLst>
           </p:cNvPr>
           <p:cNvCxnSpPr>
             <a:cxnSpLocks/>
-            <a:stCxn id="59" idx="3"/>
-            <a:endCxn id="2" idx="3"/>
+            <a:stCxn id="265" idx="1"/>
+            <a:endCxn id="297" idx="3"/>
           </p:cNvCxnSpPr>
           <p:nvPr/>
         </p:nvCxnSpPr>
         <p:spPr>
-          <a:xfrm rot="10800000">
-            <a:off x="3703491" y="3636621"/>
-            <a:ext cx="313904" cy="3403"/>
+          <a:xfrm rot="5400000" flipH="1" flipV="1">
+            <a:off x="5675790" y="3491049"/>
+            <a:ext cx="470048" cy="310716"/>
           </a:xfrm>
-          <a:prstGeom prst="bentConnector3">
+          <a:prstGeom prst="bentConnector4">
             <a:avLst>
-              <a:gd name="adj1" fmla="val 50000"/>
+              <a:gd name="adj1" fmla="val 32401"/>
+              <a:gd name="adj2" fmla="val 173572"/>
             </a:avLst>
           </a:prstGeom>
           <a:ln w="19050">
             <a:solidFill>
               <a:srgbClr val="7030A0"/>
             </a:solidFill>
-            <a:prstDash val="sysDot"/>
             <a:headEnd type="none" w="med" len="med"/>
-            <a:tailEnd type="none" w="med" len="med"/>
+            <a:tailEnd type="arrow" w="med" len="med"/>
           </a:ln>
           <a:effectLst/>
         </p:spPr>
@@ -5856,10 +7636,100 @@
           </a:fontRef>
         </p:style>
       </p:cxnSp>
+      <p:sp>
+        <p:nvSpPr>
+          <p:cNvPr id="306" name="TextBox 305">
+            <a:extLst>
+              <a:ext uri="{FF2B5EF4-FFF2-40B4-BE49-F238E27FC236}">
+                <a16:creationId xmlns:a16="http://schemas.microsoft.com/office/drawing/2014/main" id="{2EC29FA7-410B-4D35-9840-42D562F61FDE}"/>
+              </a:ext>
+            </a:extLst>
+          </p:cNvPr>
+          <p:cNvSpPr txBox="1"/>
+          <p:nvPr/>
+        </p:nvSpPr>
+        <p:spPr>
+          <a:xfrm>
+            <a:off x="6128432" y="3441231"/>
+            <a:ext cx="189257" cy="178683"/>
+          </a:xfrm>
+          <a:prstGeom prst="rect">
+            <a:avLst/>
+          </a:prstGeom>
+          <a:noFill/>
+        </p:spPr>
+        <p:txBody>
+          <a:bodyPr wrap="square" lIns="0" tIns="0" rIns="0" bIns="0" rtlCol="0">
+            <a:noAutofit/>
+          </a:bodyPr>
+          <a:lstStyle/>
+          <a:p>
+            <a:pPr algn="ctr"/>
+            <a:r>
+              <a:rPr lang="en-US" sz="1100" dirty="0">
+                <a:solidFill>
+                  <a:srgbClr val="7030A0"/>
+                </a:solidFill>
+              </a:rPr>
+              <a:t>1</a:t>
+            </a:r>
+            <a:endParaRPr lang="en-SG" sz="1100" dirty="0">
+              <a:solidFill>
+                <a:srgbClr val="7030A0"/>
+              </a:solidFill>
+            </a:endParaRPr>
+          </a:p>
+        </p:txBody>
+      </p:sp>
+      <p:sp>
+        <p:nvSpPr>
+          <p:cNvPr id="307" name="TextBox 306">
+            <a:extLst>
+              <a:ext uri="{FF2B5EF4-FFF2-40B4-BE49-F238E27FC236}">
+                <a16:creationId xmlns:a16="http://schemas.microsoft.com/office/drawing/2014/main" id="{6C76E32D-BD1B-4167-9429-6C3FECC78184}"/>
+              </a:ext>
+            </a:extLst>
+          </p:cNvPr>
+          <p:cNvSpPr txBox="1"/>
+          <p:nvPr/>
+        </p:nvSpPr>
+        <p:spPr>
+          <a:xfrm>
+            <a:off x="2791041" y="1969945"/>
+            <a:ext cx="189257" cy="178683"/>
+          </a:xfrm>
+          <a:prstGeom prst="rect">
+            <a:avLst/>
+          </a:prstGeom>
+          <a:noFill/>
+        </p:spPr>
+        <p:txBody>
+          <a:bodyPr wrap="square" lIns="0" tIns="0" rIns="0" bIns="0" rtlCol="0">
+            <a:noAutofit/>
+          </a:bodyPr>
+          <a:lstStyle/>
+          <a:p>
+            <a:pPr algn="ctr"/>
+            <a:r>
+              <a:rPr lang="en-US" sz="1100" dirty="0">
+                <a:solidFill>
+                  <a:srgbClr val="7030A0"/>
+                </a:solidFill>
+              </a:rPr>
+              <a:t>1</a:t>
+            </a:r>
+            <a:endParaRPr lang="en-SG" sz="1100" dirty="0">
+              <a:solidFill>
+                <a:srgbClr val="7030A0"/>
+              </a:solidFill>
+            </a:endParaRPr>
+          </a:p>
+        </p:txBody>
+      </p:sp>
     </p:spTree>
     <p:extLst>
       <p:ext uri="{BB962C8B-B14F-4D97-AF65-F5344CB8AC3E}">
-        <p14:creationId xmlns:p14="http://schemas.microsoft.com/office/powerpoint/2010/main" xmlns="" val="2396968029"/>
+        <p14:creationId xmlns:p14="http://schemas.microsoft.com/office/powerpoint/2010/main" val="2396968029"/>
       </p:ext>
     </p:extLst>
   </p:cSld>

--- a/docs/diagrams/ModelComponentClassDiagram.pptx
+++ b/docs/diagrams/ModelComponentClassDiagram.pptx
@@ -208,7 +208,7 @@
           <a:p>
             <a:fld id="{F5CC4B3F-88C1-4FFA-B1B6-F41C21DC6924}" type="datetimeFigureOut">
               <a:rPr lang="en-US" smtClean="0"/>
-              <a:t>12/5/2018</a:t>
+              <a:t>4/2/2019</a:t>
             </a:fld>
             <a:endParaRPr lang="en-US"/>
           </a:p>
@@ -654,7 +654,7 @@
           <a:p>
             <a:fld id="{78C97017-6FC3-485B-9764-EAC9E56C1D49}" type="datetimeFigureOut">
               <a:rPr lang="en-US" smtClean="0"/>
-              <a:t>12/5/2018</a:t>
+              <a:t>4/2/2019</a:t>
             </a:fld>
             <a:endParaRPr lang="en-US"/>
           </a:p>
@@ -822,7 +822,7 @@
           <a:p>
             <a:fld id="{78C97017-6FC3-485B-9764-EAC9E56C1D49}" type="datetimeFigureOut">
               <a:rPr lang="en-US" smtClean="0"/>
-              <a:t>12/5/2018</a:t>
+              <a:t>4/2/2019</a:t>
             </a:fld>
             <a:endParaRPr lang="en-US"/>
           </a:p>
@@ -1000,7 +1000,7 @@
           <a:p>
             <a:fld id="{78C97017-6FC3-485B-9764-EAC9E56C1D49}" type="datetimeFigureOut">
               <a:rPr lang="en-US" smtClean="0"/>
-              <a:t>12/5/2018</a:t>
+              <a:t>4/2/2019</a:t>
             </a:fld>
             <a:endParaRPr lang="en-US"/>
           </a:p>
@@ -1168,7 +1168,7 @@
           <a:p>
             <a:fld id="{78C97017-6FC3-485B-9764-EAC9E56C1D49}" type="datetimeFigureOut">
               <a:rPr lang="en-US" smtClean="0"/>
-              <a:t>12/5/2018</a:t>
+              <a:t>4/2/2019</a:t>
             </a:fld>
             <a:endParaRPr lang="en-US"/>
           </a:p>
@@ -1413,7 +1413,7 @@
           <a:p>
             <a:fld id="{78C97017-6FC3-485B-9764-EAC9E56C1D49}" type="datetimeFigureOut">
               <a:rPr lang="en-US" smtClean="0"/>
-              <a:t>12/5/2018</a:t>
+              <a:t>4/2/2019</a:t>
             </a:fld>
             <a:endParaRPr lang="en-US"/>
           </a:p>
@@ -1698,7 +1698,7 @@
           <a:p>
             <a:fld id="{78C97017-6FC3-485B-9764-EAC9E56C1D49}" type="datetimeFigureOut">
               <a:rPr lang="en-US" smtClean="0"/>
-              <a:t>12/5/2018</a:t>
+              <a:t>4/2/2019</a:t>
             </a:fld>
             <a:endParaRPr lang="en-US"/>
           </a:p>
@@ -2117,7 +2117,7 @@
           <a:p>
             <a:fld id="{78C97017-6FC3-485B-9764-EAC9E56C1D49}" type="datetimeFigureOut">
               <a:rPr lang="en-US" smtClean="0"/>
-              <a:t>12/5/2018</a:t>
+              <a:t>4/2/2019</a:t>
             </a:fld>
             <a:endParaRPr lang="en-US"/>
           </a:p>
@@ -2234,7 +2234,7 @@
           <a:p>
             <a:fld id="{78C97017-6FC3-485B-9764-EAC9E56C1D49}" type="datetimeFigureOut">
               <a:rPr lang="en-US" smtClean="0"/>
-              <a:t>12/5/2018</a:t>
+              <a:t>4/2/2019</a:t>
             </a:fld>
             <a:endParaRPr lang="en-US"/>
           </a:p>
@@ -2329,7 +2329,7 @@
           <a:p>
             <a:fld id="{78C97017-6FC3-485B-9764-EAC9E56C1D49}" type="datetimeFigureOut">
               <a:rPr lang="en-US" smtClean="0"/>
-              <a:t>12/5/2018</a:t>
+              <a:t>4/2/2019</a:t>
             </a:fld>
             <a:endParaRPr lang="en-US"/>
           </a:p>
@@ -2604,7 +2604,7 @@
           <a:p>
             <a:fld id="{78C97017-6FC3-485B-9764-EAC9E56C1D49}" type="datetimeFigureOut">
               <a:rPr lang="en-US" smtClean="0"/>
-              <a:t>12/5/2018</a:t>
+              <a:t>4/2/2019</a:t>
             </a:fld>
             <a:endParaRPr lang="en-US"/>
           </a:p>
@@ -2856,7 +2856,7 @@
           <a:p>
             <a:fld id="{78C97017-6FC3-485B-9764-EAC9E56C1D49}" type="datetimeFigureOut">
               <a:rPr lang="en-US" smtClean="0"/>
-              <a:t>12/5/2018</a:t>
+              <a:t>4/2/2019</a:t>
             </a:fld>
             <a:endParaRPr lang="en-US"/>
           </a:p>
@@ -3067,7 +3067,7 @@
           <a:p>
             <a:fld id="{78C97017-6FC3-485B-9764-EAC9E56C1D49}" type="datetimeFigureOut">
               <a:rPr lang="en-US" smtClean="0"/>
-              <a:t>12/5/2018</a:t>
+              <a:t>4/2/2019</a:t>
             </a:fld>
             <a:endParaRPr lang="en-US"/>
           </a:p>
@@ -3450,8 +3450,8 @@
         </p:nvSpPr>
         <p:spPr>
           <a:xfrm>
-            <a:off x="1119865" y="1600200"/>
-            <a:ext cx="7490735" cy="3124200"/>
+            <a:off x="1110517" y="1627055"/>
+            <a:ext cx="7566935" cy="5003460"/>
           </a:xfrm>
           <a:prstGeom prst="roundRect">
             <a:avLst>
@@ -4735,6 +4735,7 @@
         <p:nvCxnSpPr>
           <p:cNvPr id="86" name="Elbow Connector 85"/>
           <p:cNvCxnSpPr>
+            <a:cxnSpLocks/>
             <a:stCxn id="78" idx="3"/>
             <a:endCxn id="85" idx="1"/>
           </p:cNvCxnSpPr>
@@ -5817,6 +5818,1365 @@
           </a:effectRef>
           <a:fontRef idx="minor">
             <a:schemeClr val="dk1"/>
+          </a:fontRef>
+        </p:style>
+      </p:cxnSp>
+      <p:cxnSp>
+        <p:nvCxnSpPr>
+          <p:cNvPr id="82" name="Elbow Connector 83">
+            <a:extLst>
+              <a:ext uri="{FF2B5EF4-FFF2-40B4-BE49-F238E27FC236}">
+                <a16:creationId xmlns:a16="http://schemas.microsoft.com/office/drawing/2014/main" id="{D01AF760-2BED-4337-B789-DF147F8E77B4}"/>
+              </a:ext>
+            </a:extLst>
+          </p:cNvPr>
+          <p:cNvCxnSpPr>
+            <a:cxnSpLocks/>
+            <a:stCxn id="78" idx="3"/>
+            <a:endCxn id="87" idx="1"/>
+          </p:cNvCxnSpPr>
+          <p:nvPr/>
+        </p:nvCxnSpPr>
+        <p:spPr>
+          <a:xfrm>
+            <a:off x="7277995" y="3034891"/>
+            <a:ext cx="434402" cy="951003"/>
+          </a:xfrm>
+          <a:prstGeom prst="bentConnector3">
+            <a:avLst>
+              <a:gd name="adj1" fmla="val 50000"/>
+            </a:avLst>
+          </a:prstGeom>
+          <a:ln w="19050">
+            <a:solidFill>
+              <a:srgbClr val="7030A0"/>
+            </a:solidFill>
+            <a:headEnd type="none" w="med" len="med"/>
+            <a:tailEnd type="arrow" w="med" len="med"/>
+          </a:ln>
+          <a:effectLst/>
+        </p:spPr>
+        <p:style>
+          <a:lnRef idx="1">
+            <a:schemeClr val="accent2"/>
+          </a:lnRef>
+          <a:fillRef idx="2">
+            <a:schemeClr val="accent2"/>
+          </a:fillRef>
+          <a:effectRef idx="1">
+            <a:schemeClr val="accent2"/>
+          </a:effectRef>
+          <a:fontRef idx="minor">
+            <a:schemeClr val="dk1"/>
+          </a:fontRef>
+        </p:style>
+      </p:cxnSp>
+      <p:sp>
+        <p:nvSpPr>
+          <p:cNvPr id="87" name="Rectangle 8">
+            <a:extLst>
+              <a:ext uri="{FF2B5EF4-FFF2-40B4-BE49-F238E27FC236}">
+                <a16:creationId xmlns:a16="http://schemas.microsoft.com/office/drawing/2014/main" id="{B0F5565D-9C24-428E-BDDC-D1627315D76F}"/>
+              </a:ext>
+            </a:extLst>
+          </p:cNvPr>
+          <p:cNvSpPr/>
+          <p:nvPr/>
+        </p:nvSpPr>
+        <p:spPr>
+          <a:xfrm>
+            <a:off x="7712397" y="3843002"/>
+            <a:ext cx="708186" cy="285783"/>
+          </a:xfrm>
+          <a:prstGeom prst="rect">
+            <a:avLst/>
+          </a:prstGeom>
+          <a:ln w="19050">
+            <a:solidFill>
+              <a:srgbClr val="7030A0"/>
+            </a:solidFill>
+          </a:ln>
+          <a:effectLst/>
+        </p:spPr>
+        <p:style>
+          <a:lnRef idx="1">
+            <a:schemeClr val="accent4"/>
+          </a:lnRef>
+          <a:fillRef idx="2">
+            <a:schemeClr val="accent4"/>
+          </a:fillRef>
+          <a:effectRef idx="1">
+            <a:schemeClr val="accent4"/>
+          </a:effectRef>
+          <a:fontRef idx="minor">
+            <a:schemeClr val="dk1"/>
+          </a:fontRef>
+        </p:style>
+        <p:txBody>
+          <a:bodyPr rtlCol="0" anchor="ctr"/>
+          <a:lstStyle/>
+          <a:p>
+            <a:pPr algn="ctr"/>
+            <a:r>
+              <a:rPr lang="en-US" sz="1050" dirty="0">
+                <a:solidFill>
+                  <a:srgbClr val="7030A0"/>
+                </a:solidFill>
+              </a:rPr>
+              <a:t>NRIC</a:t>
+            </a:r>
+            <a:endParaRPr lang="en-SG" sz="1050" dirty="0">
+              <a:solidFill>
+                <a:srgbClr val="7030A0"/>
+              </a:solidFill>
+            </a:endParaRPr>
+          </a:p>
+        </p:txBody>
+      </p:sp>
+      <p:sp>
+        <p:nvSpPr>
+          <p:cNvPr id="89" name="Rectangle 8">
+            <a:extLst>
+              <a:ext uri="{FF2B5EF4-FFF2-40B4-BE49-F238E27FC236}">
+                <a16:creationId xmlns:a16="http://schemas.microsoft.com/office/drawing/2014/main" id="{D01CCCC4-1B40-4635-B0E9-FA3497817D4C}"/>
+              </a:ext>
+            </a:extLst>
+          </p:cNvPr>
+          <p:cNvSpPr/>
+          <p:nvPr/>
+        </p:nvSpPr>
+        <p:spPr>
+          <a:xfrm>
+            <a:off x="7710493" y="4152833"/>
+            <a:ext cx="708186" cy="285783"/>
+          </a:xfrm>
+          <a:prstGeom prst="rect">
+            <a:avLst/>
+          </a:prstGeom>
+          <a:ln w="19050">
+            <a:solidFill>
+              <a:srgbClr val="7030A0"/>
+            </a:solidFill>
+          </a:ln>
+          <a:effectLst/>
+        </p:spPr>
+        <p:style>
+          <a:lnRef idx="1">
+            <a:schemeClr val="accent4"/>
+          </a:lnRef>
+          <a:fillRef idx="2">
+            <a:schemeClr val="accent4"/>
+          </a:fillRef>
+          <a:effectRef idx="1">
+            <a:schemeClr val="accent4"/>
+          </a:effectRef>
+          <a:fontRef idx="minor">
+            <a:schemeClr val="dk1"/>
+          </a:fontRef>
+        </p:style>
+        <p:txBody>
+          <a:bodyPr rtlCol="0" anchor="ctr"/>
+          <a:lstStyle/>
+          <a:p>
+            <a:pPr algn="ctr"/>
+            <a:r>
+              <a:rPr lang="en-US" sz="1050" dirty="0">
+                <a:solidFill>
+                  <a:srgbClr val="7030A0"/>
+                </a:solidFill>
+              </a:rPr>
+              <a:t>School</a:t>
+            </a:r>
+            <a:endParaRPr lang="en-SG" sz="1050" dirty="0">
+              <a:solidFill>
+                <a:srgbClr val="7030A0"/>
+              </a:solidFill>
+            </a:endParaRPr>
+          </a:p>
+        </p:txBody>
+      </p:sp>
+      <p:sp>
+        <p:nvSpPr>
+          <p:cNvPr id="90" name="Rectangle 8">
+            <a:extLst>
+              <a:ext uri="{FF2B5EF4-FFF2-40B4-BE49-F238E27FC236}">
+                <a16:creationId xmlns:a16="http://schemas.microsoft.com/office/drawing/2014/main" id="{03812DF1-B76D-4F9D-A189-82E274BF9550}"/>
+              </a:ext>
+            </a:extLst>
+          </p:cNvPr>
+          <p:cNvSpPr/>
+          <p:nvPr/>
+        </p:nvSpPr>
+        <p:spPr>
+          <a:xfrm>
+            <a:off x="7710493" y="4462664"/>
+            <a:ext cx="708186" cy="285783"/>
+          </a:xfrm>
+          <a:prstGeom prst="rect">
+            <a:avLst/>
+          </a:prstGeom>
+          <a:ln w="19050">
+            <a:solidFill>
+              <a:srgbClr val="7030A0"/>
+            </a:solidFill>
+          </a:ln>
+          <a:effectLst/>
+        </p:spPr>
+        <p:style>
+          <a:lnRef idx="1">
+            <a:schemeClr val="accent4"/>
+          </a:lnRef>
+          <a:fillRef idx="2">
+            <a:schemeClr val="accent4"/>
+          </a:fillRef>
+          <a:effectRef idx="1">
+            <a:schemeClr val="accent4"/>
+          </a:effectRef>
+          <a:fontRef idx="minor">
+            <a:schemeClr val="dk1"/>
+          </a:fontRef>
+        </p:style>
+        <p:txBody>
+          <a:bodyPr rtlCol="0" anchor="ctr"/>
+          <a:lstStyle/>
+          <a:p>
+            <a:pPr algn="ctr"/>
+            <a:r>
+              <a:rPr lang="en-US" sz="1050" dirty="0">
+                <a:solidFill>
+                  <a:srgbClr val="7030A0"/>
+                </a:solidFill>
+              </a:rPr>
+              <a:t>Race</a:t>
+            </a:r>
+            <a:endParaRPr lang="en-SG" sz="1050" dirty="0">
+              <a:solidFill>
+                <a:srgbClr val="7030A0"/>
+              </a:solidFill>
+            </a:endParaRPr>
+          </a:p>
+        </p:txBody>
+      </p:sp>
+      <p:sp>
+        <p:nvSpPr>
+          <p:cNvPr id="91" name="Rectangle 8">
+            <a:extLst>
+              <a:ext uri="{FF2B5EF4-FFF2-40B4-BE49-F238E27FC236}">
+                <a16:creationId xmlns:a16="http://schemas.microsoft.com/office/drawing/2014/main" id="{4DE80107-293E-4A95-A1A2-F4143C0E8218}"/>
+              </a:ext>
+            </a:extLst>
+          </p:cNvPr>
+          <p:cNvSpPr/>
+          <p:nvPr/>
+        </p:nvSpPr>
+        <p:spPr>
+          <a:xfrm>
+            <a:off x="7710493" y="4772495"/>
+            <a:ext cx="708186" cy="285783"/>
+          </a:xfrm>
+          <a:prstGeom prst="rect">
+            <a:avLst/>
+          </a:prstGeom>
+          <a:ln w="19050">
+            <a:solidFill>
+              <a:srgbClr val="7030A0"/>
+            </a:solidFill>
+          </a:ln>
+          <a:effectLst/>
+        </p:spPr>
+        <p:style>
+          <a:lnRef idx="1">
+            <a:schemeClr val="accent4"/>
+          </a:lnRef>
+          <a:fillRef idx="2">
+            <a:schemeClr val="accent4"/>
+          </a:fillRef>
+          <a:effectRef idx="1">
+            <a:schemeClr val="accent4"/>
+          </a:effectRef>
+          <a:fontRef idx="minor">
+            <a:schemeClr val="dk1"/>
+          </a:fontRef>
+        </p:style>
+        <p:txBody>
+          <a:bodyPr rtlCol="0" anchor="ctr"/>
+          <a:lstStyle/>
+          <a:p>
+            <a:pPr algn="ctr"/>
+            <a:r>
+              <a:rPr lang="en-US" sz="1050" dirty="0">
+                <a:solidFill>
+                  <a:srgbClr val="7030A0"/>
+                </a:solidFill>
+              </a:rPr>
+              <a:t>Grade</a:t>
+            </a:r>
+            <a:endParaRPr lang="en-SG" sz="1050" dirty="0">
+              <a:solidFill>
+                <a:srgbClr val="7030A0"/>
+              </a:solidFill>
+            </a:endParaRPr>
+          </a:p>
+        </p:txBody>
+      </p:sp>
+      <p:sp>
+        <p:nvSpPr>
+          <p:cNvPr id="92" name="Rectangle 8">
+            <a:extLst>
+              <a:ext uri="{FF2B5EF4-FFF2-40B4-BE49-F238E27FC236}">
+                <a16:creationId xmlns:a16="http://schemas.microsoft.com/office/drawing/2014/main" id="{4D7DDB7E-5D6B-4982-9C6B-6A46BCFA44E2}"/>
+              </a:ext>
+            </a:extLst>
+          </p:cNvPr>
+          <p:cNvSpPr/>
+          <p:nvPr/>
+        </p:nvSpPr>
+        <p:spPr>
+          <a:xfrm>
+            <a:off x="7710493" y="5082326"/>
+            <a:ext cx="708186" cy="285783"/>
+          </a:xfrm>
+          <a:prstGeom prst="rect">
+            <a:avLst/>
+          </a:prstGeom>
+          <a:ln w="19050">
+            <a:solidFill>
+              <a:srgbClr val="7030A0"/>
+            </a:solidFill>
+          </a:ln>
+          <a:effectLst/>
+        </p:spPr>
+        <p:style>
+          <a:lnRef idx="1">
+            <a:schemeClr val="accent4"/>
+          </a:lnRef>
+          <a:fillRef idx="2">
+            <a:schemeClr val="accent4"/>
+          </a:fillRef>
+          <a:effectRef idx="1">
+            <a:schemeClr val="accent4"/>
+          </a:effectRef>
+          <a:fontRef idx="minor">
+            <a:schemeClr val="dk1"/>
+          </a:fontRef>
+        </p:style>
+        <p:txBody>
+          <a:bodyPr rtlCol="0" anchor="ctr"/>
+          <a:lstStyle/>
+          <a:p>
+            <a:pPr algn="ctr"/>
+            <a:r>
+              <a:rPr lang="en-US" sz="1000" dirty="0" err="1">
+                <a:solidFill>
+                  <a:srgbClr val="7030A0"/>
+                </a:solidFill>
+              </a:rPr>
+              <a:t>JobsApply</a:t>
+            </a:r>
+            <a:endParaRPr lang="en-SG" sz="1000" dirty="0">
+              <a:solidFill>
+                <a:srgbClr val="7030A0"/>
+              </a:solidFill>
+            </a:endParaRPr>
+          </a:p>
+        </p:txBody>
+      </p:sp>
+      <p:sp>
+        <p:nvSpPr>
+          <p:cNvPr id="94" name="Rectangle 8">
+            <a:extLst>
+              <a:ext uri="{FF2B5EF4-FFF2-40B4-BE49-F238E27FC236}">
+                <a16:creationId xmlns:a16="http://schemas.microsoft.com/office/drawing/2014/main" id="{D903084F-0EA4-46DC-9E6E-1E09000C06C6}"/>
+              </a:ext>
+            </a:extLst>
+          </p:cNvPr>
+          <p:cNvSpPr/>
+          <p:nvPr/>
+        </p:nvSpPr>
+        <p:spPr>
+          <a:xfrm>
+            <a:off x="7710493" y="5392157"/>
+            <a:ext cx="708186" cy="285783"/>
+          </a:xfrm>
+          <a:prstGeom prst="rect">
+            <a:avLst/>
+          </a:prstGeom>
+          <a:ln w="19050">
+            <a:solidFill>
+              <a:srgbClr val="7030A0"/>
+            </a:solidFill>
+          </a:ln>
+          <a:effectLst/>
+        </p:spPr>
+        <p:style>
+          <a:lnRef idx="1">
+            <a:schemeClr val="accent4"/>
+          </a:lnRef>
+          <a:fillRef idx="2">
+            <a:schemeClr val="accent4"/>
+          </a:fillRef>
+          <a:effectRef idx="1">
+            <a:schemeClr val="accent4"/>
+          </a:effectRef>
+          <a:fontRef idx="minor">
+            <a:schemeClr val="dk1"/>
+          </a:fontRef>
+        </p:style>
+        <p:txBody>
+          <a:bodyPr rtlCol="0" anchor="ctr"/>
+          <a:lstStyle/>
+          <a:p>
+            <a:pPr algn="ctr"/>
+            <a:r>
+              <a:rPr lang="en-US" sz="1050" dirty="0">
+                <a:solidFill>
+                  <a:srgbClr val="7030A0"/>
+                </a:solidFill>
+              </a:rPr>
+              <a:t>Gender</a:t>
+            </a:r>
+            <a:endParaRPr lang="en-SG" sz="1050" dirty="0">
+              <a:solidFill>
+                <a:srgbClr val="7030A0"/>
+              </a:solidFill>
+            </a:endParaRPr>
+          </a:p>
+        </p:txBody>
+      </p:sp>
+      <p:cxnSp>
+        <p:nvCxnSpPr>
+          <p:cNvPr id="95" name="Elbow Connector 83">
+            <a:extLst>
+              <a:ext uri="{FF2B5EF4-FFF2-40B4-BE49-F238E27FC236}">
+                <a16:creationId xmlns:a16="http://schemas.microsoft.com/office/drawing/2014/main" id="{8AF92489-D19D-4806-8638-33438B46909D}"/>
+              </a:ext>
+            </a:extLst>
+          </p:cNvPr>
+          <p:cNvCxnSpPr>
+            <a:cxnSpLocks/>
+            <a:endCxn id="89" idx="1"/>
+          </p:cNvCxnSpPr>
+          <p:nvPr/>
+        </p:nvCxnSpPr>
+        <p:spPr>
+          <a:xfrm rot="16200000" flipH="1">
+            <a:off x="6961675" y="3546906"/>
+            <a:ext cx="1282341" cy="215295"/>
+          </a:xfrm>
+          <a:prstGeom prst="bentConnector2">
+            <a:avLst/>
+          </a:prstGeom>
+          <a:ln w="19050">
+            <a:solidFill>
+              <a:srgbClr val="7030A0"/>
+            </a:solidFill>
+            <a:headEnd type="none" w="med" len="med"/>
+            <a:tailEnd type="arrow" w="med" len="med"/>
+          </a:ln>
+          <a:effectLst/>
+        </p:spPr>
+        <p:style>
+          <a:lnRef idx="1">
+            <a:schemeClr val="accent2"/>
+          </a:lnRef>
+          <a:fillRef idx="2">
+            <a:schemeClr val="accent2"/>
+          </a:fillRef>
+          <a:effectRef idx="1">
+            <a:schemeClr val="accent2"/>
+          </a:effectRef>
+          <a:fontRef idx="minor">
+            <a:schemeClr val="dk1"/>
+          </a:fontRef>
+        </p:style>
+      </p:cxnSp>
+      <p:cxnSp>
+        <p:nvCxnSpPr>
+          <p:cNvPr id="98" name="Elbow Connector 83">
+            <a:extLst>
+              <a:ext uri="{FF2B5EF4-FFF2-40B4-BE49-F238E27FC236}">
+                <a16:creationId xmlns:a16="http://schemas.microsoft.com/office/drawing/2014/main" id="{1499EF5D-FDFC-40E1-835B-34719E9C8560}"/>
+              </a:ext>
+            </a:extLst>
+          </p:cNvPr>
+          <p:cNvCxnSpPr>
+            <a:cxnSpLocks/>
+            <a:stCxn id="78" idx="3"/>
+            <a:endCxn id="90" idx="1"/>
+          </p:cNvCxnSpPr>
+          <p:nvPr/>
+        </p:nvCxnSpPr>
+        <p:spPr>
+          <a:xfrm>
+            <a:off x="7277995" y="3034891"/>
+            <a:ext cx="432498" cy="1570665"/>
+          </a:xfrm>
+          <a:prstGeom prst="bentConnector3">
+            <a:avLst>
+              <a:gd name="adj1" fmla="val 50000"/>
+            </a:avLst>
+          </a:prstGeom>
+          <a:ln w="19050">
+            <a:solidFill>
+              <a:srgbClr val="7030A0"/>
+            </a:solidFill>
+            <a:headEnd type="none" w="med" len="med"/>
+            <a:tailEnd type="arrow" w="med" len="med"/>
+          </a:ln>
+          <a:effectLst/>
+        </p:spPr>
+        <p:style>
+          <a:lnRef idx="1">
+            <a:schemeClr val="accent2"/>
+          </a:lnRef>
+          <a:fillRef idx="2">
+            <a:schemeClr val="accent2"/>
+          </a:fillRef>
+          <a:effectRef idx="1">
+            <a:schemeClr val="accent2"/>
+          </a:effectRef>
+          <a:fontRef idx="minor">
+            <a:schemeClr val="dk1"/>
+          </a:fontRef>
+        </p:style>
+      </p:cxnSp>
+      <p:cxnSp>
+        <p:nvCxnSpPr>
+          <p:cNvPr id="102" name="Elbow Connector 83">
+            <a:extLst>
+              <a:ext uri="{FF2B5EF4-FFF2-40B4-BE49-F238E27FC236}">
+                <a16:creationId xmlns:a16="http://schemas.microsoft.com/office/drawing/2014/main" id="{D0DEDE0D-B592-48D5-812B-D44008F4B89F}"/>
+              </a:ext>
+            </a:extLst>
+          </p:cNvPr>
+          <p:cNvCxnSpPr>
+            <a:cxnSpLocks/>
+            <a:stCxn id="78" idx="3"/>
+            <a:endCxn id="91" idx="1"/>
+          </p:cNvCxnSpPr>
+          <p:nvPr/>
+        </p:nvCxnSpPr>
+        <p:spPr>
+          <a:xfrm>
+            <a:off x="7277995" y="3034891"/>
+            <a:ext cx="432498" cy="1880496"/>
+          </a:xfrm>
+          <a:prstGeom prst="bentConnector3">
+            <a:avLst>
+              <a:gd name="adj1" fmla="val 50000"/>
+            </a:avLst>
+          </a:prstGeom>
+          <a:ln w="19050">
+            <a:solidFill>
+              <a:srgbClr val="7030A0"/>
+            </a:solidFill>
+            <a:headEnd type="none" w="med" len="med"/>
+            <a:tailEnd type="arrow" w="med" len="med"/>
+          </a:ln>
+          <a:effectLst/>
+        </p:spPr>
+        <p:style>
+          <a:lnRef idx="1">
+            <a:schemeClr val="accent2"/>
+          </a:lnRef>
+          <a:fillRef idx="2">
+            <a:schemeClr val="accent2"/>
+          </a:fillRef>
+          <a:effectRef idx="1">
+            <a:schemeClr val="accent2"/>
+          </a:effectRef>
+          <a:fontRef idx="minor">
+            <a:schemeClr val="dk1"/>
+          </a:fontRef>
+        </p:style>
+      </p:cxnSp>
+      <p:cxnSp>
+        <p:nvCxnSpPr>
+          <p:cNvPr id="108" name="Elbow Connector 83">
+            <a:extLst>
+              <a:ext uri="{FF2B5EF4-FFF2-40B4-BE49-F238E27FC236}">
+                <a16:creationId xmlns:a16="http://schemas.microsoft.com/office/drawing/2014/main" id="{C187CCC0-912F-4FF6-A0F5-A2CAA783EA86}"/>
+              </a:ext>
+            </a:extLst>
+          </p:cNvPr>
+          <p:cNvCxnSpPr>
+            <a:cxnSpLocks/>
+            <a:stCxn id="78" idx="3"/>
+            <a:endCxn id="92" idx="1"/>
+          </p:cNvCxnSpPr>
+          <p:nvPr/>
+        </p:nvCxnSpPr>
+        <p:spPr>
+          <a:xfrm>
+            <a:off x="7277995" y="3034891"/>
+            <a:ext cx="432498" cy="2190327"/>
+          </a:xfrm>
+          <a:prstGeom prst="bentConnector3">
+            <a:avLst>
+              <a:gd name="adj1" fmla="val 50000"/>
+            </a:avLst>
+          </a:prstGeom>
+          <a:ln w="19050">
+            <a:solidFill>
+              <a:srgbClr val="7030A0"/>
+            </a:solidFill>
+            <a:headEnd type="none" w="med" len="med"/>
+            <a:tailEnd type="arrow" w="med" len="med"/>
+          </a:ln>
+          <a:effectLst/>
+        </p:spPr>
+        <p:style>
+          <a:lnRef idx="1">
+            <a:schemeClr val="accent2"/>
+          </a:lnRef>
+          <a:fillRef idx="2">
+            <a:schemeClr val="accent2"/>
+          </a:fillRef>
+          <a:effectRef idx="1">
+            <a:schemeClr val="accent2"/>
+          </a:effectRef>
+          <a:fontRef idx="minor">
+            <a:schemeClr val="dk1"/>
+          </a:fontRef>
+        </p:style>
+      </p:cxnSp>
+      <p:cxnSp>
+        <p:nvCxnSpPr>
+          <p:cNvPr id="111" name="Elbow Connector 83">
+            <a:extLst>
+              <a:ext uri="{FF2B5EF4-FFF2-40B4-BE49-F238E27FC236}">
+                <a16:creationId xmlns:a16="http://schemas.microsoft.com/office/drawing/2014/main" id="{286799BB-6165-4DAD-A704-7228E5F02C21}"/>
+              </a:ext>
+            </a:extLst>
+          </p:cNvPr>
+          <p:cNvCxnSpPr>
+            <a:cxnSpLocks/>
+            <a:stCxn id="78" idx="3"/>
+            <a:endCxn id="94" idx="1"/>
+          </p:cNvCxnSpPr>
+          <p:nvPr/>
+        </p:nvCxnSpPr>
+        <p:spPr>
+          <a:xfrm>
+            <a:off x="7277995" y="3034891"/>
+            <a:ext cx="432498" cy="2500158"/>
+          </a:xfrm>
+          <a:prstGeom prst="bentConnector3">
+            <a:avLst>
+              <a:gd name="adj1" fmla="val 50000"/>
+            </a:avLst>
+          </a:prstGeom>
+          <a:ln w="19050">
+            <a:solidFill>
+              <a:srgbClr val="7030A0"/>
+            </a:solidFill>
+            <a:headEnd type="none" w="med" len="med"/>
+            <a:tailEnd type="arrow" w="med" len="med"/>
+          </a:ln>
+          <a:effectLst/>
+        </p:spPr>
+        <p:style>
+          <a:lnRef idx="1">
+            <a:schemeClr val="accent2"/>
+          </a:lnRef>
+          <a:fillRef idx="2">
+            <a:schemeClr val="accent2"/>
+          </a:fillRef>
+          <a:effectRef idx="1">
+            <a:schemeClr val="accent2"/>
+          </a:effectRef>
+          <a:fontRef idx="minor">
+            <a:schemeClr val="dk1"/>
+          </a:fontRef>
+        </p:style>
+      </p:cxnSp>
+      <p:sp>
+        <p:nvSpPr>
+          <p:cNvPr id="115" name="Rectangle 8">
+            <a:extLst>
+              <a:ext uri="{FF2B5EF4-FFF2-40B4-BE49-F238E27FC236}">
+                <a16:creationId xmlns:a16="http://schemas.microsoft.com/office/drawing/2014/main" id="{3E2F5B6C-1AAB-4757-AA2A-3F11F9ED236B}"/>
+              </a:ext>
+            </a:extLst>
+          </p:cNvPr>
+          <p:cNvSpPr/>
+          <p:nvPr/>
+        </p:nvSpPr>
+        <p:spPr>
+          <a:xfrm>
+            <a:off x="7710493" y="5701988"/>
+            <a:ext cx="708186" cy="285783"/>
+          </a:xfrm>
+          <a:prstGeom prst="rect">
+            <a:avLst/>
+          </a:prstGeom>
+          <a:ln w="19050">
+            <a:solidFill>
+              <a:srgbClr val="7030A0"/>
+            </a:solidFill>
+          </a:ln>
+          <a:effectLst/>
+        </p:spPr>
+        <p:style>
+          <a:lnRef idx="1">
+            <a:schemeClr val="accent4"/>
+          </a:lnRef>
+          <a:fillRef idx="2">
+            <a:schemeClr val="accent4"/>
+          </a:fillRef>
+          <a:effectRef idx="1">
+            <a:schemeClr val="accent4"/>
+          </a:effectRef>
+          <a:fontRef idx="minor">
+            <a:schemeClr val="dk1"/>
+          </a:fontRef>
+        </p:style>
+        <p:txBody>
+          <a:bodyPr rtlCol="0" anchor="ctr"/>
+          <a:lstStyle/>
+          <a:p>
+            <a:pPr algn="ctr"/>
+            <a:r>
+              <a:rPr lang="en-US" sz="1050" dirty="0" err="1">
+                <a:solidFill>
+                  <a:srgbClr val="7030A0"/>
+                </a:solidFill>
+              </a:rPr>
+              <a:t>PastJob</a:t>
+            </a:r>
+            <a:endParaRPr lang="en-SG" sz="1050" dirty="0">
+              <a:solidFill>
+                <a:srgbClr val="7030A0"/>
+              </a:solidFill>
+            </a:endParaRPr>
+          </a:p>
+        </p:txBody>
+      </p:sp>
+      <p:cxnSp>
+        <p:nvCxnSpPr>
+          <p:cNvPr id="117" name="Elbow Connector 83">
+            <a:extLst>
+              <a:ext uri="{FF2B5EF4-FFF2-40B4-BE49-F238E27FC236}">
+                <a16:creationId xmlns:a16="http://schemas.microsoft.com/office/drawing/2014/main" id="{CF1D3C4D-3EF1-4B1D-AFD6-AA90DFBDEF12}"/>
+              </a:ext>
+            </a:extLst>
+          </p:cNvPr>
+          <p:cNvCxnSpPr>
+            <a:cxnSpLocks/>
+            <a:stCxn id="78" idx="3"/>
+            <a:endCxn id="115" idx="1"/>
+          </p:cNvCxnSpPr>
+          <p:nvPr/>
+        </p:nvCxnSpPr>
+        <p:spPr>
+          <a:xfrm>
+            <a:off x="7277995" y="3034891"/>
+            <a:ext cx="432498" cy="2809989"/>
+          </a:xfrm>
+          <a:prstGeom prst="bentConnector3">
+            <a:avLst>
+              <a:gd name="adj1" fmla="val 50000"/>
+            </a:avLst>
+          </a:prstGeom>
+          <a:ln w="19050">
+            <a:solidFill>
+              <a:srgbClr val="7030A0"/>
+            </a:solidFill>
+            <a:headEnd type="none" w="med" len="med"/>
+            <a:tailEnd type="arrow" w="med" len="med"/>
+          </a:ln>
+          <a:effectLst/>
+        </p:spPr>
+        <p:style>
+          <a:lnRef idx="1">
+            <a:schemeClr val="accent2"/>
+          </a:lnRef>
+          <a:fillRef idx="2">
+            <a:schemeClr val="accent2"/>
+          </a:fillRef>
+          <a:effectRef idx="1">
+            <a:schemeClr val="accent2"/>
+          </a:effectRef>
+          <a:fontRef idx="minor">
+            <a:schemeClr val="dk1"/>
+          </a:fontRef>
+        </p:style>
+      </p:cxnSp>
+      <p:sp>
+        <p:nvSpPr>
+          <p:cNvPr id="121" name="Rectangle 8">
+            <a:extLst>
+              <a:ext uri="{FF2B5EF4-FFF2-40B4-BE49-F238E27FC236}">
+                <a16:creationId xmlns:a16="http://schemas.microsoft.com/office/drawing/2014/main" id="{5AE62004-92E0-46C2-BC05-925446CC93BD}"/>
+              </a:ext>
+            </a:extLst>
+          </p:cNvPr>
+          <p:cNvSpPr/>
+          <p:nvPr/>
+        </p:nvSpPr>
+        <p:spPr>
+          <a:xfrm>
+            <a:off x="7710493" y="6009932"/>
+            <a:ext cx="708186" cy="285783"/>
+          </a:xfrm>
+          <a:prstGeom prst="rect">
+            <a:avLst/>
+          </a:prstGeom>
+          <a:ln w="19050">
+            <a:solidFill>
+              <a:srgbClr val="7030A0"/>
+            </a:solidFill>
+          </a:ln>
+          <a:effectLst/>
+        </p:spPr>
+        <p:style>
+          <a:lnRef idx="1">
+            <a:schemeClr val="accent4"/>
+          </a:lnRef>
+          <a:fillRef idx="2">
+            <a:schemeClr val="accent4"/>
+          </a:fillRef>
+          <a:effectRef idx="1">
+            <a:schemeClr val="accent4"/>
+          </a:effectRef>
+          <a:fontRef idx="minor">
+            <a:schemeClr val="dk1"/>
+          </a:fontRef>
+        </p:style>
+        <p:txBody>
+          <a:bodyPr rtlCol="0" anchor="ctr"/>
+          <a:lstStyle/>
+          <a:p>
+            <a:pPr algn="ctr"/>
+            <a:r>
+              <a:rPr lang="en-US" sz="1050" dirty="0">
+                <a:solidFill>
+                  <a:srgbClr val="7030A0"/>
+                </a:solidFill>
+              </a:rPr>
+              <a:t>Major</a:t>
+            </a:r>
+            <a:endParaRPr lang="en-SG" sz="1050" dirty="0">
+              <a:solidFill>
+                <a:srgbClr val="7030A0"/>
+              </a:solidFill>
+            </a:endParaRPr>
+          </a:p>
+        </p:txBody>
+      </p:sp>
+      <p:sp>
+        <p:nvSpPr>
+          <p:cNvPr id="123" name="Rectangle 8">
+            <a:extLst>
+              <a:ext uri="{FF2B5EF4-FFF2-40B4-BE49-F238E27FC236}">
+                <a16:creationId xmlns:a16="http://schemas.microsoft.com/office/drawing/2014/main" id="{7BDB700B-1441-481E-A1F2-D7B1FB4047F4}"/>
+              </a:ext>
+            </a:extLst>
+          </p:cNvPr>
+          <p:cNvSpPr/>
+          <p:nvPr/>
+        </p:nvSpPr>
+        <p:spPr>
+          <a:xfrm>
+            <a:off x="7716692" y="1918370"/>
+            <a:ext cx="708186" cy="285783"/>
+          </a:xfrm>
+          <a:prstGeom prst="rect">
+            <a:avLst/>
+          </a:prstGeom>
+          <a:ln w="19050">
+            <a:solidFill>
+              <a:srgbClr val="7030A0"/>
+            </a:solidFill>
+          </a:ln>
+          <a:effectLst/>
+        </p:spPr>
+        <p:style>
+          <a:lnRef idx="1">
+            <a:schemeClr val="accent4"/>
+          </a:lnRef>
+          <a:fillRef idx="2">
+            <a:schemeClr val="accent4"/>
+          </a:fillRef>
+          <a:effectRef idx="1">
+            <a:schemeClr val="accent4"/>
+          </a:effectRef>
+          <a:fontRef idx="minor">
+            <a:schemeClr val="dk1"/>
+          </a:fontRef>
+        </p:style>
+        <p:txBody>
+          <a:bodyPr rtlCol="0" anchor="ctr"/>
+          <a:lstStyle/>
+          <a:p>
+            <a:pPr algn="ctr"/>
+            <a:r>
+              <a:rPr lang="en-US" sz="1050" dirty="0">
+                <a:solidFill>
+                  <a:srgbClr val="7030A0"/>
+                </a:solidFill>
+              </a:rPr>
+              <a:t>Interview-Scores</a:t>
+            </a:r>
+            <a:endParaRPr lang="en-SG" sz="1050" dirty="0">
+              <a:solidFill>
+                <a:srgbClr val="7030A0"/>
+              </a:solidFill>
+            </a:endParaRPr>
+          </a:p>
+        </p:txBody>
+      </p:sp>
+      <p:cxnSp>
+        <p:nvCxnSpPr>
+          <p:cNvPr id="125" name="Elbow Connector 83">
+            <a:extLst>
+              <a:ext uri="{FF2B5EF4-FFF2-40B4-BE49-F238E27FC236}">
+                <a16:creationId xmlns:a16="http://schemas.microsoft.com/office/drawing/2014/main" id="{33AC26C9-F732-4B0C-8A46-577E7D92A7DC}"/>
+              </a:ext>
+            </a:extLst>
+          </p:cNvPr>
+          <p:cNvCxnSpPr>
+            <a:cxnSpLocks/>
+            <a:stCxn id="78" idx="3"/>
+            <a:endCxn id="121" idx="1"/>
+          </p:cNvCxnSpPr>
+          <p:nvPr/>
+        </p:nvCxnSpPr>
+        <p:spPr>
+          <a:xfrm>
+            <a:off x="7277995" y="3034891"/>
+            <a:ext cx="432498" cy="3117933"/>
+          </a:xfrm>
+          <a:prstGeom prst="bentConnector3">
+            <a:avLst>
+              <a:gd name="adj1" fmla="val 50000"/>
+            </a:avLst>
+          </a:prstGeom>
+          <a:ln w="19050">
+            <a:solidFill>
+              <a:srgbClr val="7030A0"/>
+            </a:solidFill>
+            <a:headEnd type="none" w="med" len="med"/>
+            <a:tailEnd type="arrow" w="med" len="med"/>
+          </a:ln>
+          <a:effectLst/>
+        </p:spPr>
+        <p:style>
+          <a:lnRef idx="1">
+            <a:schemeClr val="accent2"/>
+          </a:lnRef>
+          <a:fillRef idx="2">
+            <a:schemeClr val="accent2"/>
+          </a:fillRef>
+          <a:effectRef idx="1">
+            <a:schemeClr val="accent2"/>
+          </a:effectRef>
+          <a:fontRef idx="minor">
+            <a:schemeClr val="dk1"/>
+          </a:fontRef>
+        </p:style>
+      </p:cxnSp>
+      <p:cxnSp>
+        <p:nvCxnSpPr>
+          <p:cNvPr id="126" name="Elbow Connector 83">
+            <a:extLst>
+              <a:ext uri="{FF2B5EF4-FFF2-40B4-BE49-F238E27FC236}">
+                <a16:creationId xmlns:a16="http://schemas.microsoft.com/office/drawing/2014/main" id="{489B6EDF-B174-46D1-9C19-FF08D609CB59}"/>
+              </a:ext>
+            </a:extLst>
+          </p:cNvPr>
+          <p:cNvCxnSpPr>
+            <a:cxnSpLocks/>
+            <a:stCxn id="78" idx="3"/>
+            <a:endCxn id="123" idx="1"/>
+          </p:cNvCxnSpPr>
+          <p:nvPr/>
+        </p:nvCxnSpPr>
+        <p:spPr>
+          <a:xfrm flipV="1">
+            <a:off x="7277995" y="2061262"/>
+            <a:ext cx="438697" cy="973629"/>
+          </a:xfrm>
+          <a:prstGeom prst="bentConnector3">
+            <a:avLst>
+              <a:gd name="adj1" fmla="val 50000"/>
+            </a:avLst>
+          </a:prstGeom>
+          <a:ln w="19050">
+            <a:solidFill>
+              <a:srgbClr val="7030A0"/>
+            </a:solidFill>
+            <a:headEnd type="none" w="med" len="med"/>
+            <a:tailEnd type="arrow" w="med" len="med"/>
+          </a:ln>
+          <a:effectLst/>
+        </p:spPr>
+        <p:style>
+          <a:lnRef idx="1">
+            <a:schemeClr val="accent2"/>
+          </a:lnRef>
+          <a:fillRef idx="2">
+            <a:schemeClr val="accent2"/>
+          </a:fillRef>
+          <a:effectRef idx="1">
+            <a:schemeClr val="accent2"/>
+          </a:effectRef>
+          <a:fontRef idx="minor">
+            <a:schemeClr val="dk1"/>
+          </a:fontRef>
+        </p:style>
+      </p:cxnSp>
+      <p:sp>
+        <p:nvSpPr>
+          <p:cNvPr id="128" name="TextBox 127">
+            <a:extLst>
+              <a:ext uri="{FF2B5EF4-FFF2-40B4-BE49-F238E27FC236}">
+                <a16:creationId xmlns:a16="http://schemas.microsoft.com/office/drawing/2014/main" id="{6FA08ADC-8623-4DAC-A622-D94A6B4A042A}"/>
+              </a:ext>
+            </a:extLst>
+          </p:cNvPr>
+          <p:cNvSpPr txBox="1"/>
+          <p:nvPr/>
+        </p:nvSpPr>
+        <p:spPr>
+          <a:xfrm>
+            <a:off x="7433019" y="1836247"/>
+            <a:ext cx="255704" cy="212485"/>
+          </a:xfrm>
+          <a:prstGeom prst="rect">
+            <a:avLst/>
+          </a:prstGeom>
+          <a:noFill/>
+        </p:spPr>
+        <p:txBody>
+          <a:bodyPr wrap="square" lIns="0" tIns="0" rIns="0" bIns="0" rtlCol="0">
+            <a:noAutofit/>
+          </a:bodyPr>
+          <a:lstStyle/>
+          <a:p>
+            <a:pPr algn="ctr"/>
+            <a:r>
+              <a:rPr lang="en-US" sz="1100" dirty="0">
+                <a:solidFill>
+                  <a:srgbClr val="7030A0"/>
+                </a:solidFill>
+              </a:rPr>
+              <a:t>0..1</a:t>
+            </a:r>
+            <a:endParaRPr lang="en-SG" sz="1100" dirty="0">
+              <a:solidFill>
+                <a:srgbClr val="7030A0"/>
+              </a:solidFill>
+            </a:endParaRPr>
+          </a:p>
+        </p:txBody>
+      </p:sp>
+      <p:sp>
+        <p:nvSpPr>
+          <p:cNvPr id="129" name="TextBox 128">
+            <a:extLst>
+              <a:ext uri="{FF2B5EF4-FFF2-40B4-BE49-F238E27FC236}">
+                <a16:creationId xmlns:a16="http://schemas.microsoft.com/office/drawing/2014/main" id="{6867196E-B0E7-46DA-8BE9-C5D9FD78034E}"/>
+              </a:ext>
+            </a:extLst>
+          </p:cNvPr>
+          <p:cNvSpPr txBox="1"/>
+          <p:nvPr/>
+        </p:nvSpPr>
+        <p:spPr>
+          <a:xfrm>
+            <a:off x="7483221" y="5677940"/>
+            <a:ext cx="189257" cy="178683"/>
+          </a:xfrm>
+          <a:prstGeom prst="rect">
+            <a:avLst/>
+          </a:prstGeom>
+          <a:noFill/>
+        </p:spPr>
+        <p:txBody>
+          <a:bodyPr wrap="square" lIns="0" tIns="0" rIns="0" bIns="0" rtlCol="0">
+            <a:noAutofit/>
+          </a:bodyPr>
+          <a:lstStyle/>
+          <a:p>
+            <a:pPr algn="ctr"/>
+            <a:r>
+              <a:rPr lang="en-US" sz="1100" dirty="0">
+                <a:solidFill>
+                  <a:srgbClr val="7030A0"/>
+                </a:solidFill>
+              </a:rPr>
+              <a:t>*</a:t>
+            </a:r>
+            <a:endParaRPr lang="en-SG" sz="1100" dirty="0">
+              <a:solidFill>
+                <a:srgbClr val="7030A0"/>
+              </a:solidFill>
+            </a:endParaRPr>
+          </a:p>
+        </p:txBody>
+      </p:sp>
+      <p:cxnSp>
+        <p:nvCxnSpPr>
+          <p:cNvPr id="134" name="Elbow Connector 83">
+            <a:extLst>
+              <a:ext uri="{FF2B5EF4-FFF2-40B4-BE49-F238E27FC236}">
+                <a16:creationId xmlns:a16="http://schemas.microsoft.com/office/drawing/2014/main" id="{7382FC49-E172-4C2F-8E7F-EB5A6B75827C}"/>
+              </a:ext>
+            </a:extLst>
+          </p:cNvPr>
+          <p:cNvCxnSpPr>
+            <a:cxnSpLocks/>
+            <a:stCxn id="46" idx="3"/>
+            <a:endCxn id="138" idx="1"/>
+          </p:cNvCxnSpPr>
+          <p:nvPr/>
+        </p:nvCxnSpPr>
+        <p:spPr>
+          <a:xfrm flipV="1">
+            <a:off x="4315840" y="2190970"/>
+            <a:ext cx="420394" cy="822620"/>
+          </a:xfrm>
+          <a:prstGeom prst="bentConnector3">
+            <a:avLst>
+              <a:gd name="adj1" fmla="val 50000"/>
+            </a:avLst>
+          </a:prstGeom>
+          <a:ln w="19050">
+            <a:solidFill>
+              <a:srgbClr val="7030A0"/>
+            </a:solidFill>
+            <a:headEnd type="none" w="med" len="med"/>
+            <a:tailEnd type="arrow" w="med" len="med"/>
+          </a:ln>
+          <a:effectLst/>
+        </p:spPr>
+        <p:style>
+          <a:lnRef idx="1">
+            <a:schemeClr val="accent2"/>
+          </a:lnRef>
+          <a:fillRef idx="2">
+            <a:schemeClr val="accent2"/>
+          </a:fillRef>
+          <a:effectRef idx="1">
+            <a:schemeClr val="accent2"/>
+          </a:effectRef>
+          <a:fontRef idx="minor">
+            <a:schemeClr val="dk1"/>
+          </a:fontRef>
+        </p:style>
+      </p:cxnSp>
+      <p:sp>
+        <p:nvSpPr>
+          <p:cNvPr id="138" name="Rectangle 8">
+            <a:extLst>
+              <a:ext uri="{FF2B5EF4-FFF2-40B4-BE49-F238E27FC236}">
+                <a16:creationId xmlns:a16="http://schemas.microsoft.com/office/drawing/2014/main" id="{A3941E2D-B064-4BF9-AB8E-A992CA85EDD2}"/>
+              </a:ext>
+            </a:extLst>
+          </p:cNvPr>
+          <p:cNvSpPr/>
+          <p:nvPr/>
+        </p:nvSpPr>
+        <p:spPr>
+          <a:xfrm>
+            <a:off x="4736234" y="2008772"/>
+            <a:ext cx="1060683" cy="364396"/>
+          </a:xfrm>
+          <a:prstGeom prst="rect">
+            <a:avLst/>
+          </a:prstGeom>
+          <a:ln w="19050">
+            <a:solidFill>
+              <a:srgbClr val="7030A0"/>
+            </a:solidFill>
+          </a:ln>
+          <a:effectLst/>
+        </p:spPr>
+        <p:style>
+          <a:lnRef idx="1">
+            <a:schemeClr val="accent4"/>
+          </a:lnRef>
+          <a:fillRef idx="2">
+            <a:schemeClr val="accent4"/>
+          </a:fillRef>
+          <a:effectRef idx="1">
+            <a:schemeClr val="accent4"/>
+          </a:effectRef>
+          <a:fontRef idx="minor">
+            <a:schemeClr val="dk1"/>
+          </a:fontRef>
+        </p:style>
+        <p:txBody>
+          <a:bodyPr rtlCol="0" anchor="ctr"/>
+          <a:lstStyle/>
+          <a:p>
+            <a:pPr algn="ctr"/>
+            <a:r>
+              <a:rPr lang="en-US" sz="1050" dirty="0">
+                <a:solidFill>
+                  <a:srgbClr val="7030A0"/>
+                </a:solidFill>
+              </a:rPr>
+              <a:t>Interviews</a:t>
+            </a:r>
+            <a:endParaRPr lang="en-SG" sz="1050" dirty="0">
+              <a:solidFill>
+                <a:srgbClr val="7030A0"/>
+              </a:solidFill>
+            </a:endParaRPr>
+          </a:p>
+        </p:txBody>
+      </p:sp>
+      <p:sp>
+        <p:nvSpPr>
+          <p:cNvPr id="143" name="Rectangle 8">
+            <a:extLst>
+              <a:ext uri="{FF2B5EF4-FFF2-40B4-BE49-F238E27FC236}">
+                <a16:creationId xmlns:a16="http://schemas.microsoft.com/office/drawing/2014/main" id="{0A377CAF-F41F-419E-8528-CF9B27345C56}"/>
+              </a:ext>
+            </a:extLst>
+          </p:cNvPr>
+          <p:cNvSpPr/>
+          <p:nvPr/>
+        </p:nvSpPr>
+        <p:spPr>
+          <a:xfrm>
+            <a:off x="6143638" y="2003109"/>
+            <a:ext cx="1060683" cy="364396"/>
+          </a:xfrm>
+          <a:prstGeom prst="rect">
+            <a:avLst/>
+          </a:prstGeom>
+          <a:ln w="19050">
+            <a:solidFill>
+              <a:srgbClr val="7030A0"/>
+            </a:solidFill>
+          </a:ln>
+          <a:effectLst/>
+        </p:spPr>
+        <p:style>
+          <a:lnRef idx="1">
+            <a:schemeClr val="accent4"/>
+          </a:lnRef>
+          <a:fillRef idx="2">
+            <a:schemeClr val="accent4"/>
+          </a:fillRef>
+          <a:effectRef idx="1">
+            <a:schemeClr val="accent4"/>
+          </a:effectRef>
+          <a:fontRef idx="minor">
+            <a:schemeClr val="dk1"/>
+          </a:fontRef>
+        </p:style>
+        <p:txBody>
+          <a:bodyPr rtlCol="0" anchor="ctr"/>
+          <a:lstStyle/>
+          <a:p>
+            <a:pPr algn="ctr"/>
+            <a:r>
+              <a:rPr lang="en-US" sz="1050" dirty="0">
+                <a:solidFill>
+                  <a:srgbClr val="7030A0"/>
+                </a:solidFill>
+              </a:rPr>
+              <a:t>Calendar</a:t>
+            </a:r>
+            <a:endParaRPr lang="en-SG" sz="1050" dirty="0">
+              <a:solidFill>
+                <a:srgbClr val="7030A0"/>
+              </a:solidFill>
+            </a:endParaRPr>
+          </a:p>
+        </p:txBody>
+      </p:sp>
+      <p:cxnSp>
+        <p:nvCxnSpPr>
+          <p:cNvPr id="157" name="Straight Connector 156">
+            <a:extLst>
+              <a:ext uri="{FF2B5EF4-FFF2-40B4-BE49-F238E27FC236}">
+                <a16:creationId xmlns:a16="http://schemas.microsoft.com/office/drawing/2014/main" id="{9281EC3E-5E95-47DD-97C2-207D36D826DD}"/>
+              </a:ext>
+            </a:extLst>
+          </p:cNvPr>
+          <p:cNvCxnSpPr>
+            <a:cxnSpLocks/>
+            <a:stCxn id="143" idx="2"/>
+            <a:endCxn id="62" idx="0"/>
+          </p:cNvCxnSpPr>
+          <p:nvPr/>
+        </p:nvCxnSpPr>
+        <p:spPr>
+          <a:xfrm flipH="1">
+            <a:off x="6667770" y="2367505"/>
+            <a:ext cx="6210" cy="490561"/>
+          </a:xfrm>
+          <a:prstGeom prst="line">
+            <a:avLst/>
+          </a:prstGeom>
+          <a:ln w="19050"/>
+        </p:spPr>
+        <p:style>
+          <a:lnRef idx="1">
+            <a:schemeClr val="accent4"/>
+          </a:lnRef>
+          <a:fillRef idx="0">
+            <a:schemeClr val="accent4"/>
+          </a:fillRef>
+          <a:effectRef idx="0">
+            <a:schemeClr val="accent4"/>
+          </a:effectRef>
+          <a:fontRef idx="minor">
+            <a:schemeClr val="tx1"/>
+          </a:fontRef>
+        </p:style>
+      </p:cxnSp>
+      <p:cxnSp>
+        <p:nvCxnSpPr>
+          <p:cNvPr id="163" name="Connector: Elbow 162">
+            <a:extLst>
+              <a:ext uri="{FF2B5EF4-FFF2-40B4-BE49-F238E27FC236}">
+                <a16:creationId xmlns:a16="http://schemas.microsoft.com/office/drawing/2014/main" id="{3325A87F-FE63-40F0-AACA-CA5D46463970}"/>
+              </a:ext>
+            </a:extLst>
+          </p:cNvPr>
+          <p:cNvCxnSpPr>
+            <a:stCxn id="138" idx="3"/>
+          </p:cNvCxnSpPr>
+          <p:nvPr/>
+        </p:nvCxnSpPr>
+        <p:spPr>
+          <a:xfrm>
+            <a:off x="5796917" y="2190970"/>
+            <a:ext cx="870853" cy="411310"/>
+          </a:xfrm>
+          <a:prstGeom prst="bentConnector3">
+            <a:avLst>
+              <a:gd name="adj1" fmla="val 23474"/>
+            </a:avLst>
+          </a:prstGeom>
+          <a:ln w="19050" cap="flat" cmpd="sng" algn="ctr">
+            <a:solidFill>
+              <a:schemeClr val="accent4"/>
+            </a:solidFill>
+            <a:prstDash val="dash"/>
+            <a:round/>
+            <a:headEnd type="none" w="med" len="med"/>
+            <a:tailEnd type="none" w="med" len="med"/>
+          </a:ln>
+        </p:spPr>
+        <p:style>
+          <a:lnRef idx="0">
+            <a:scrgbClr r="0" g="0" b="0"/>
+          </a:lnRef>
+          <a:fillRef idx="0">
+            <a:scrgbClr r="0" g="0" b="0"/>
+          </a:fillRef>
+          <a:effectRef idx="0">
+            <a:scrgbClr r="0" g="0" b="0"/>
+          </a:effectRef>
+          <a:fontRef idx="minor">
+            <a:schemeClr val="tx1"/>
           </a:fontRef>
         </p:style>
       </p:cxnSp>

--- a/docs/diagrams/ModelComponentClassDiagram.pptx
+++ b/docs/diagrams/ModelComponentClassDiagram.pptx
@@ -208,7 +208,7 @@
           <a:p>
             <a:fld id="{F5CC4B3F-88C1-4FFA-B1B6-F41C21DC6924}" type="datetimeFigureOut">
               <a:rPr lang="en-US" smtClean="0"/>
-              <a:t>19-Mar-19</a:t>
+              <a:t>4/2/19</a:t>
             </a:fld>
             <a:endParaRPr lang="en-US"/>
           </a:p>
@@ -654,7 +654,7 @@
           <a:p>
             <a:fld id="{78C97017-6FC3-485B-9764-EAC9E56C1D49}" type="datetimeFigureOut">
               <a:rPr lang="en-US" smtClean="0"/>
-              <a:t>19-Mar-19</a:t>
+              <a:t>4/2/19</a:t>
             </a:fld>
             <a:endParaRPr lang="en-US"/>
           </a:p>
@@ -822,7 +822,7 @@
           <a:p>
             <a:fld id="{78C97017-6FC3-485B-9764-EAC9E56C1D49}" type="datetimeFigureOut">
               <a:rPr lang="en-US" smtClean="0"/>
-              <a:t>19-Mar-19</a:t>
+              <a:t>4/2/19</a:t>
             </a:fld>
             <a:endParaRPr lang="en-US"/>
           </a:p>
@@ -1000,7 +1000,7 @@
           <a:p>
             <a:fld id="{78C97017-6FC3-485B-9764-EAC9E56C1D49}" type="datetimeFigureOut">
               <a:rPr lang="en-US" smtClean="0"/>
-              <a:t>19-Mar-19</a:t>
+              <a:t>4/2/19</a:t>
             </a:fld>
             <a:endParaRPr lang="en-US"/>
           </a:p>
@@ -1168,7 +1168,7 @@
           <a:p>
             <a:fld id="{78C97017-6FC3-485B-9764-EAC9E56C1D49}" type="datetimeFigureOut">
               <a:rPr lang="en-US" smtClean="0"/>
-              <a:t>19-Mar-19</a:t>
+              <a:t>4/2/19</a:t>
             </a:fld>
             <a:endParaRPr lang="en-US"/>
           </a:p>
@@ -1413,7 +1413,7 @@
           <a:p>
             <a:fld id="{78C97017-6FC3-485B-9764-EAC9E56C1D49}" type="datetimeFigureOut">
               <a:rPr lang="en-US" smtClean="0"/>
-              <a:t>19-Mar-19</a:t>
+              <a:t>4/2/19</a:t>
             </a:fld>
             <a:endParaRPr lang="en-US"/>
           </a:p>
@@ -1698,7 +1698,7 @@
           <a:p>
             <a:fld id="{78C97017-6FC3-485B-9764-EAC9E56C1D49}" type="datetimeFigureOut">
               <a:rPr lang="en-US" smtClean="0"/>
-              <a:t>19-Mar-19</a:t>
+              <a:t>4/2/19</a:t>
             </a:fld>
             <a:endParaRPr lang="en-US"/>
           </a:p>
@@ -2117,7 +2117,7 @@
           <a:p>
             <a:fld id="{78C97017-6FC3-485B-9764-EAC9E56C1D49}" type="datetimeFigureOut">
               <a:rPr lang="en-US" smtClean="0"/>
-              <a:t>19-Mar-19</a:t>
+              <a:t>4/2/19</a:t>
             </a:fld>
             <a:endParaRPr lang="en-US"/>
           </a:p>
@@ -2234,7 +2234,7 @@
           <a:p>
             <a:fld id="{78C97017-6FC3-485B-9764-EAC9E56C1D49}" type="datetimeFigureOut">
               <a:rPr lang="en-US" smtClean="0"/>
-              <a:t>19-Mar-19</a:t>
+              <a:t>4/2/19</a:t>
             </a:fld>
             <a:endParaRPr lang="en-US"/>
           </a:p>
@@ -2329,7 +2329,7 @@
           <a:p>
             <a:fld id="{78C97017-6FC3-485B-9764-EAC9E56C1D49}" type="datetimeFigureOut">
               <a:rPr lang="en-US" smtClean="0"/>
-              <a:t>19-Mar-19</a:t>
+              <a:t>4/2/19</a:t>
             </a:fld>
             <a:endParaRPr lang="en-US"/>
           </a:p>
@@ -2604,7 +2604,7 @@
           <a:p>
             <a:fld id="{78C97017-6FC3-485B-9764-EAC9E56C1D49}" type="datetimeFigureOut">
               <a:rPr lang="en-US" smtClean="0"/>
-              <a:t>19-Mar-19</a:t>
+              <a:t>4/2/19</a:t>
             </a:fld>
             <a:endParaRPr lang="en-US"/>
           </a:p>
@@ -2856,7 +2856,7 @@
           <a:p>
             <a:fld id="{78C97017-6FC3-485B-9764-EAC9E56C1D49}" type="datetimeFigureOut">
               <a:rPr lang="en-US" smtClean="0"/>
-              <a:t>19-Mar-19</a:t>
+              <a:t>4/2/19</a:t>
             </a:fld>
             <a:endParaRPr lang="en-US"/>
           </a:p>
@@ -3072,7 +3072,7 @@
           <a:p>
             <a:fld id="{78C97017-6FC3-485B-9764-EAC9E56C1D49}" type="datetimeFigureOut">
               <a:rPr lang="en-US" smtClean="0"/>
-              <a:t>19-Mar-19</a:t>
+              <a:t>4/2/19</a:t>
             </a:fld>
             <a:endParaRPr lang="en-US"/>
           </a:p>
@@ -3455,8 +3455,8 @@
         </p:nvSpPr>
         <p:spPr>
           <a:xfrm>
-            <a:off x="438374" y="1600200"/>
-            <a:ext cx="8456045" cy="3733800"/>
+            <a:off x="438374" y="1385900"/>
+            <a:ext cx="8456045" cy="4066180"/>
           </a:xfrm>
           <a:prstGeom prst="roundRect">
             <a:avLst>
@@ -4354,8 +4354,8 @@
         </p:nvSpPr>
         <p:spPr>
           <a:xfrm>
-            <a:off x="7260863" y="2236888"/>
-            <a:ext cx="708186" cy="285783"/>
+            <a:off x="7260863" y="1909449"/>
+            <a:ext cx="780320" cy="285783"/>
           </a:xfrm>
           <a:prstGeom prst="rect">
             <a:avLst/>
@@ -4461,8 +4461,8 @@
         </p:nvCxnSpPr>
         <p:spPr>
           <a:xfrm flipV="1">
-            <a:off x="6836848" y="2379780"/>
-            <a:ext cx="424015" cy="646157"/>
+            <a:off x="6836848" y="2052341"/>
+            <a:ext cx="424015" cy="973596"/>
           </a:xfrm>
           <a:prstGeom prst="bentConnector3">
             <a:avLst>
@@ -4501,8 +4501,8 @@
         </p:nvSpPr>
         <p:spPr>
           <a:xfrm>
-            <a:off x="7260863" y="2559866"/>
-            <a:ext cx="708186" cy="285783"/>
+            <a:off x="7260863" y="2232427"/>
+            <a:ext cx="780320" cy="285783"/>
           </a:xfrm>
           <a:prstGeom prst="rect">
             <a:avLst/>
@@ -4561,8 +4561,8 @@
         </p:nvCxnSpPr>
         <p:spPr>
           <a:xfrm flipV="1">
-            <a:off x="6836848" y="2702758"/>
-            <a:ext cx="424015" cy="323179"/>
+            <a:off x="6836848" y="2375319"/>
+            <a:ext cx="424015" cy="650618"/>
           </a:xfrm>
           <a:prstGeom prst="bentConnector3">
             <a:avLst>
@@ -4601,8 +4601,8 @@
         </p:nvSpPr>
         <p:spPr>
           <a:xfrm>
-            <a:off x="7260863" y="2882844"/>
-            <a:ext cx="708186" cy="285783"/>
+            <a:off x="7260863" y="2555405"/>
+            <a:ext cx="780320" cy="285783"/>
           </a:xfrm>
           <a:prstGeom prst="rect">
             <a:avLst/>
@@ -4661,8 +4661,8 @@
         </p:nvCxnSpPr>
         <p:spPr>
           <a:xfrm flipV="1">
-            <a:off x="6836848" y="3025736"/>
-            <a:ext cx="424015" cy="201"/>
+            <a:off x="6836848" y="2698297"/>
+            <a:ext cx="424015" cy="327640"/>
           </a:xfrm>
           <a:prstGeom prst="bentConnector3">
             <a:avLst/>
@@ -4699,8 +4699,8 @@
         </p:nvSpPr>
         <p:spPr>
           <a:xfrm>
-            <a:off x="7260863" y="3205821"/>
-            <a:ext cx="708186" cy="285783"/>
+            <a:off x="7260863" y="2878382"/>
+            <a:ext cx="780320" cy="285783"/>
           </a:xfrm>
           <a:prstGeom prst="rect">
             <a:avLst/>
@@ -4758,9 +4758,9 @@
           <p:nvPr/>
         </p:nvCxnSpPr>
         <p:spPr>
-          <a:xfrm>
-            <a:off x="6836848" y="3025937"/>
-            <a:ext cx="424015" cy="322776"/>
+          <a:xfrm flipV="1">
+            <a:off x="6836848" y="3021274"/>
+            <a:ext cx="424015" cy="4663"/>
           </a:xfrm>
           <a:prstGeom prst="bentConnector3">
             <a:avLst/>
@@ -5045,14 +5045,6 @@
               </a:rPr>
               <a:t>&lt;&lt;interface&gt;&gt;</a:t>
             </a:r>
-            <a:r>
-              <a:rPr lang="en-US" sz="1050">
-                <a:solidFill>
-                  <a:srgbClr val="7030A0"/>
-                </a:solidFill>
-              </a:rPr>
-              <a:t/>
-            </a:r>
             <a:br>
               <a:rPr lang="en-US" sz="1050">
                 <a:solidFill>
@@ -5243,7 +5235,7 @@
         </p:nvSpPr>
         <p:spPr>
           <a:xfrm>
-            <a:off x="1948700" y="3667737"/>
+            <a:off x="1905000" y="3707517"/>
             <a:ext cx="189257" cy="178683"/>
           </a:xfrm>
           <a:prstGeom prst="rect">
@@ -5318,7 +5310,7 @@
           <p:cNvPr id="52" name="Rectangle 8">
             <a:extLst>
               <a:ext uri="{FF2B5EF4-FFF2-40B4-BE49-F238E27FC236}">
-                <a16:creationId xmlns="" xmlns:a16="http://schemas.microsoft.com/office/drawing/2014/main" id="{ABDCDBD2-131A-4B66-A2F2-43BBEE82C773}"/>
+                <a16:creationId xmlns:a16="http://schemas.microsoft.com/office/drawing/2014/main" id="{ABDCDBD2-131A-4B66-A2F2-43BBEE82C773}"/>
               </a:ext>
             </a:extLst>
           </p:cNvPr>
@@ -5327,8 +5319,8 @@
         </p:nvSpPr>
         <p:spPr>
           <a:xfrm>
-            <a:off x="7260863" y="1913136"/>
-            <a:ext cx="708186" cy="285783"/>
+            <a:off x="7260863" y="1585697"/>
+            <a:ext cx="780320" cy="285783"/>
           </a:xfrm>
           <a:prstGeom prst="rect">
             <a:avLst/>
@@ -5380,7 +5372,7 @@
           <p:cNvPr id="53" name="Elbow Connector 78">
             <a:extLst>
               <a:ext uri="{FF2B5EF4-FFF2-40B4-BE49-F238E27FC236}">
-                <a16:creationId xmlns="" xmlns:a16="http://schemas.microsoft.com/office/drawing/2014/main" id="{B97967F8-618A-448B-81FD-CDFD4AF0EC64}"/>
+                <a16:creationId xmlns:a16="http://schemas.microsoft.com/office/drawing/2014/main" id="{B97967F8-618A-448B-81FD-CDFD4AF0EC64}"/>
               </a:ext>
             </a:extLst>
           </p:cNvPr>
@@ -5393,8 +5385,8 @@
         </p:nvCxnSpPr>
         <p:spPr>
           <a:xfrm flipV="1">
-            <a:off x="6836848" y="2056028"/>
-            <a:ext cx="424015" cy="969909"/>
+            <a:off x="6836848" y="1728589"/>
+            <a:ext cx="424015" cy="1297348"/>
           </a:xfrm>
           <a:prstGeom prst="bentConnector3">
             <a:avLst>
@@ -5430,7 +5422,7 @@
           <p:cNvPr id="50" name="TextBox 49">
             <a:extLst>
               <a:ext uri="{FF2B5EF4-FFF2-40B4-BE49-F238E27FC236}">
-                <a16:creationId xmlns="" xmlns:a16="http://schemas.microsoft.com/office/drawing/2014/main" id="{B3FA9D57-880F-49C4-AD0B-A64E30D6F403}"/>
+                <a16:creationId xmlns:a16="http://schemas.microsoft.com/office/drawing/2014/main" id="{B3FA9D57-880F-49C4-AD0B-A64E30D6F403}"/>
               </a:ext>
             </a:extLst>
           </p:cNvPr>
@@ -5439,7 +5431,7 @@
         </p:nvSpPr>
         <p:spPr>
           <a:xfrm>
-            <a:off x="7014708" y="1899577"/>
+            <a:off x="7014708" y="1572138"/>
             <a:ext cx="189257" cy="178683"/>
           </a:xfrm>
           <a:prstGeom prst="rect">
@@ -5669,7 +5661,7 @@
           <p:cNvPr id="57" name="Rectangle 8">
             <a:extLst>
               <a:ext uri="{FF2B5EF4-FFF2-40B4-BE49-F238E27FC236}">
-                <a16:creationId xmlns="" xmlns:a16="http://schemas.microsoft.com/office/drawing/2014/main" id="{6A42DA50-9012-4391-9EF3-285E4FA3FCD8}"/>
+                <a16:creationId xmlns:a16="http://schemas.microsoft.com/office/drawing/2014/main" id="{6A42DA50-9012-4391-9EF3-285E4FA3FCD8}"/>
               </a:ext>
             </a:extLst>
           </p:cNvPr>
@@ -5742,7 +5734,7 @@
           <p:cNvPr id="59" name="Isosceles Triangle 102">
             <a:extLst>
               <a:ext uri="{FF2B5EF4-FFF2-40B4-BE49-F238E27FC236}">
-                <a16:creationId xmlns="" xmlns:a16="http://schemas.microsoft.com/office/drawing/2014/main" id="{B263B2D7-6E76-465E-B40E-7E2A46254A84}"/>
+                <a16:creationId xmlns:a16="http://schemas.microsoft.com/office/drawing/2014/main" id="{B263B2D7-6E76-465E-B40E-7E2A46254A84}"/>
               </a:ext>
             </a:extLst>
           </p:cNvPr>
@@ -5800,7 +5792,7 @@
           <p:cNvPr id="67" name="Elbow Connector 63">
             <a:extLst>
               <a:ext uri="{FF2B5EF4-FFF2-40B4-BE49-F238E27FC236}">
-                <a16:creationId xmlns="" xmlns:a16="http://schemas.microsoft.com/office/drawing/2014/main" id="{BA3A25CD-7C1D-4B3B-B294-1B05ABCFECFD}"/>
+                <a16:creationId xmlns:a16="http://schemas.microsoft.com/office/drawing/2014/main" id="{BA3A25CD-7C1D-4B3B-B294-1B05ABCFECFD}"/>
               </a:ext>
             </a:extLst>
           </p:cNvPr>
@@ -5851,7 +5843,7 @@
           <p:cNvPr id="72" name="Rectangle 8">
             <a:extLst>
               <a:ext uri="{FF2B5EF4-FFF2-40B4-BE49-F238E27FC236}">
-                <a16:creationId xmlns="" xmlns:a16="http://schemas.microsoft.com/office/drawing/2014/main" id="{CBA319B1-DCBE-1E40-BEAB-513323C29798}"/>
+                <a16:creationId xmlns:a16="http://schemas.microsoft.com/office/drawing/2014/main" id="{CBA319B1-DCBE-1E40-BEAB-513323C29798}"/>
               </a:ext>
             </a:extLst>
           </p:cNvPr>
@@ -5861,7 +5853,7 @@
         <p:spPr>
           <a:xfrm>
             <a:off x="7249923" y="4170319"/>
-            <a:ext cx="708186" cy="285783"/>
+            <a:ext cx="780320" cy="285783"/>
           </a:xfrm>
           <a:prstGeom prst="rect">
             <a:avLst/>
@@ -5913,7 +5905,7 @@
           <p:cNvPr id="87" name="Elbow Connector 86">
             <a:extLst>
               <a:ext uri="{FF2B5EF4-FFF2-40B4-BE49-F238E27FC236}">
-                <a16:creationId xmlns="" xmlns:a16="http://schemas.microsoft.com/office/drawing/2014/main" id="{DCB3B358-F21C-6542-B737-DFE2F9B3FED6}"/>
+                <a16:creationId xmlns:a16="http://schemas.microsoft.com/office/drawing/2014/main" id="{DCB3B358-F21C-6542-B737-DFE2F9B3FED6}"/>
               </a:ext>
             </a:extLst>
           </p:cNvPr>
@@ -5963,7 +5955,7 @@
           <p:cNvPr id="105" name="TextBox 104">
             <a:extLst>
               <a:ext uri="{FF2B5EF4-FFF2-40B4-BE49-F238E27FC236}">
-                <a16:creationId xmlns="" xmlns:a16="http://schemas.microsoft.com/office/drawing/2014/main" id="{B11F9329-C652-DC42-A28F-B8F2C6189045}"/>
+                <a16:creationId xmlns:a16="http://schemas.microsoft.com/office/drawing/2014/main" id="{B11F9329-C652-DC42-A28F-B8F2C6189045}"/>
               </a:ext>
             </a:extLst>
           </p:cNvPr>
@@ -6008,7 +6000,7 @@
           <p:cNvPr id="106" name="Flowchart: Decision 96">
             <a:extLst>
               <a:ext uri="{FF2B5EF4-FFF2-40B4-BE49-F238E27FC236}">
-                <a16:creationId xmlns="" xmlns:a16="http://schemas.microsoft.com/office/drawing/2014/main" id="{6A47F553-9EB2-A745-8BD1-8CD1006461DE}"/>
+                <a16:creationId xmlns:a16="http://schemas.microsoft.com/office/drawing/2014/main" id="{6A47F553-9EB2-A745-8BD1-8CD1006461DE}"/>
               </a:ext>
             </a:extLst>
           </p:cNvPr>
@@ -6061,7 +6053,7 @@
           <p:cNvPr id="108" name="Rectangle 8">
             <a:extLst>
               <a:ext uri="{FF2B5EF4-FFF2-40B4-BE49-F238E27FC236}">
-                <a16:creationId xmlns="" xmlns:a16="http://schemas.microsoft.com/office/drawing/2014/main" id="{9A5AA0EE-9C67-7044-B8B0-9431DED41B4B}"/>
+                <a16:creationId xmlns:a16="http://schemas.microsoft.com/office/drawing/2014/main" id="{9A5AA0EE-9C67-7044-B8B0-9431DED41B4B}"/>
               </a:ext>
             </a:extLst>
           </p:cNvPr>
@@ -6123,7 +6115,7 @@
           <p:cNvPr id="109" name="Elbow Connector 108">
             <a:extLst>
               <a:ext uri="{FF2B5EF4-FFF2-40B4-BE49-F238E27FC236}">
-                <a16:creationId xmlns="" xmlns:a16="http://schemas.microsoft.com/office/drawing/2014/main" id="{053E592F-91B2-1C4A-AC78-61C49DB35AA2}"/>
+                <a16:creationId xmlns:a16="http://schemas.microsoft.com/office/drawing/2014/main" id="{053E592F-91B2-1C4A-AC78-61C49DB35AA2}"/>
               </a:ext>
             </a:extLst>
           </p:cNvPr>
@@ -6173,7 +6165,7 @@
           <p:cNvPr id="110" name="Rectangle 8">
             <a:extLst>
               <a:ext uri="{FF2B5EF4-FFF2-40B4-BE49-F238E27FC236}">
-                <a16:creationId xmlns="" xmlns:a16="http://schemas.microsoft.com/office/drawing/2014/main" id="{27E6A32F-AF1E-BA47-ABCC-14B6FA19AFAC}"/>
+                <a16:creationId xmlns:a16="http://schemas.microsoft.com/office/drawing/2014/main" id="{27E6A32F-AF1E-BA47-ABCC-14B6FA19AFAC}"/>
               </a:ext>
             </a:extLst>
           </p:cNvPr>
@@ -6235,7 +6227,7 @@
           <p:cNvPr id="111" name="Elbow Connector 110">
             <a:extLst>
               <a:ext uri="{FF2B5EF4-FFF2-40B4-BE49-F238E27FC236}">
-                <a16:creationId xmlns="" xmlns:a16="http://schemas.microsoft.com/office/drawing/2014/main" id="{42D108CE-FA23-0D49-95C6-B01522AA44C2}"/>
+                <a16:creationId xmlns:a16="http://schemas.microsoft.com/office/drawing/2014/main" id="{42D108CE-FA23-0D49-95C6-B01522AA44C2}"/>
               </a:ext>
             </a:extLst>
           </p:cNvPr>
@@ -6285,7 +6277,7 @@
           <p:cNvPr id="112" name="Rectangle 8">
             <a:extLst>
               <a:ext uri="{FF2B5EF4-FFF2-40B4-BE49-F238E27FC236}">
-                <a16:creationId xmlns="" xmlns:a16="http://schemas.microsoft.com/office/drawing/2014/main" id="{92E4AB15-C7FE-974E-AF5D-DFC9A72C0590}"/>
+                <a16:creationId xmlns:a16="http://schemas.microsoft.com/office/drawing/2014/main" id="{92E4AB15-C7FE-974E-AF5D-DFC9A72C0590}"/>
               </a:ext>
             </a:extLst>
           </p:cNvPr>
@@ -6294,7 +6286,7 @@
         </p:nvSpPr>
         <p:spPr>
           <a:xfrm>
-            <a:off x="6388705" y="4970088"/>
+            <a:off x="6388705" y="4953000"/>
             <a:ext cx="825664" cy="285783"/>
           </a:xfrm>
           <a:prstGeom prst="rect">
@@ -6347,7 +6339,7 @@
           <p:cNvPr id="113" name="Elbow Connector 112">
             <a:extLst>
               <a:ext uri="{FF2B5EF4-FFF2-40B4-BE49-F238E27FC236}">
-                <a16:creationId xmlns="" xmlns:a16="http://schemas.microsoft.com/office/drawing/2014/main" id="{001B057F-8022-F34D-948D-F8C8543722BD}"/>
+                <a16:creationId xmlns:a16="http://schemas.microsoft.com/office/drawing/2014/main" id="{001B057F-8022-F34D-948D-F8C8543722BD}"/>
               </a:ext>
             </a:extLst>
           </p:cNvPr>
@@ -6360,8 +6352,8 @@
         </p:nvCxnSpPr>
         <p:spPr>
           <a:xfrm rot="5400000">
-            <a:off x="7065100" y="4420232"/>
-            <a:ext cx="286294" cy="813419"/>
+            <a:off x="7073644" y="4411688"/>
+            <a:ext cx="269206" cy="813419"/>
           </a:xfrm>
           <a:prstGeom prst="bentConnector3">
             <a:avLst>
@@ -6400,8 +6392,8 @@
         </p:nvSpPr>
         <p:spPr>
           <a:xfrm>
-            <a:off x="7260863" y="3531257"/>
-            <a:ext cx="708186" cy="285783"/>
+            <a:off x="7260863" y="3203818"/>
+            <a:ext cx="780320" cy="285783"/>
           </a:xfrm>
           <a:prstGeom prst="rect">
             <a:avLst/>
@@ -6433,7 +6425,7 @@
           <a:p>
             <a:pPr algn="ctr"/>
             <a:r>
-              <a:rPr lang="en-US" sz="1050" dirty="0" err="1" smtClean="0">
+              <a:rPr lang="en-US" sz="1050" dirty="0" err="1">
                 <a:solidFill>
                   <a:srgbClr val="7030A0"/>
                 </a:solidFill>
@@ -6456,8 +6448,8 @@
         </p:nvSpPr>
         <p:spPr>
           <a:xfrm>
-            <a:off x="7254513" y="3851656"/>
-            <a:ext cx="708186" cy="285783"/>
+            <a:off x="7254513" y="3524217"/>
+            <a:ext cx="780320" cy="285783"/>
           </a:xfrm>
           <a:prstGeom prst="rect">
             <a:avLst/>
@@ -6489,12 +6481,27 @@
           <a:p>
             <a:pPr algn="ctr"/>
             <a:r>
-              <a:rPr lang="en-US" sz="1050" dirty="0" err="1" smtClean="0">
+              <a:rPr lang="en-US" sz="1050" dirty="0">
                 <a:solidFill>
                   <a:srgbClr val="7030A0"/>
                 </a:solidFill>
               </a:rPr>
-              <a:t>OpeningHours</a:t>
+              <a:t>Opening</a:t>
+            </a:r>
+            <a:br>
+              <a:rPr lang="en-US" sz="1050" dirty="0">
+                <a:solidFill>
+                  <a:srgbClr val="7030A0"/>
+                </a:solidFill>
+              </a:rPr>
+            </a:br>
+            <a:r>
+              <a:rPr lang="en-US" sz="1050" dirty="0">
+                <a:solidFill>
+                  <a:srgbClr val="7030A0"/>
+                </a:solidFill>
+              </a:rPr>
+              <a:t>Hours</a:t>
             </a:r>
             <a:endParaRPr lang="en-SG" sz="1050" dirty="0">
               <a:solidFill>
@@ -6517,7 +6524,7 @@
         <p:spPr>
           <a:xfrm>
             <a:off x="6836848" y="3025937"/>
-            <a:ext cx="424015" cy="648212"/>
+            <a:ext cx="424015" cy="320773"/>
           </a:xfrm>
           <a:prstGeom prst="bentConnector3">
             <a:avLst>
@@ -6561,7 +6568,119 @@
         <p:spPr>
           <a:xfrm>
             <a:off x="6836848" y="3025937"/>
-            <a:ext cx="417665" cy="968611"/>
+            <a:ext cx="417665" cy="641172"/>
+          </a:xfrm>
+          <a:prstGeom prst="bentConnector3">
+            <a:avLst>
+              <a:gd name="adj1" fmla="val 50000"/>
+            </a:avLst>
+          </a:prstGeom>
+          <a:ln w="19050">
+            <a:solidFill>
+              <a:srgbClr val="7030A0"/>
+            </a:solidFill>
+            <a:headEnd type="none" w="med" len="med"/>
+            <a:tailEnd type="arrow" w="med" len="med"/>
+          </a:ln>
+          <a:effectLst/>
+        </p:spPr>
+        <p:style>
+          <a:lnRef idx="1">
+            <a:schemeClr val="accent2"/>
+          </a:lnRef>
+          <a:fillRef idx="2">
+            <a:schemeClr val="accent2"/>
+          </a:fillRef>
+          <a:effectRef idx="1">
+            <a:schemeClr val="accent2"/>
+          </a:effectRef>
+          <a:fontRef idx="minor">
+            <a:schemeClr val="dk1"/>
+          </a:fontRef>
+        </p:style>
+      </p:cxnSp>
+      <p:sp>
+        <p:nvSpPr>
+          <p:cNvPr id="71" name="Rectangle 8">
+            <a:extLst>
+              <a:ext uri="{FF2B5EF4-FFF2-40B4-BE49-F238E27FC236}">
+                <a16:creationId xmlns:a16="http://schemas.microsoft.com/office/drawing/2014/main" id="{D4678D17-C3AC-554A-920D-BC8D248032C0}"/>
+              </a:ext>
+            </a:extLst>
+          </p:cNvPr>
+          <p:cNvSpPr/>
+          <p:nvPr/>
+        </p:nvSpPr>
+        <p:spPr>
+          <a:xfrm>
+            <a:off x="7251369" y="3851277"/>
+            <a:ext cx="780320" cy="285783"/>
+          </a:xfrm>
+          <a:prstGeom prst="rect">
+            <a:avLst/>
+          </a:prstGeom>
+          <a:ln w="19050">
+            <a:solidFill>
+              <a:srgbClr val="7030A0"/>
+            </a:solidFill>
+          </a:ln>
+          <a:effectLst/>
+        </p:spPr>
+        <p:style>
+          <a:lnRef idx="1">
+            <a:schemeClr val="accent4"/>
+          </a:lnRef>
+          <a:fillRef idx="2">
+            <a:schemeClr val="accent4"/>
+          </a:fillRef>
+          <a:effectRef idx="1">
+            <a:schemeClr val="accent4"/>
+          </a:effectRef>
+          <a:fontRef idx="minor">
+            <a:schemeClr val="dk1"/>
+          </a:fontRef>
+        </p:style>
+        <p:txBody>
+          <a:bodyPr rtlCol="0" anchor="ctr"/>
+          <a:lstStyle/>
+          <a:p>
+            <a:pPr algn="ctr"/>
+            <a:r>
+              <a:rPr lang="en-US" sz="1050" dirty="0" err="1">
+                <a:solidFill>
+                  <a:srgbClr val="7030A0"/>
+                </a:solidFill>
+              </a:rPr>
+              <a:t>RestaurantSummary</a:t>
+            </a:r>
+            <a:endParaRPr lang="en-SG" sz="1050" dirty="0">
+              <a:solidFill>
+                <a:srgbClr val="7030A0"/>
+              </a:solidFill>
+            </a:endParaRPr>
+          </a:p>
+        </p:txBody>
+      </p:sp>
+      <p:cxnSp>
+        <p:nvCxnSpPr>
+          <p:cNvPr id="88" name="Elbow Connector 87">
+            <a:extLst>
+              <a:ext uri="{FF2B5EF4-FFF2-40B4-BE49-F238E27FC236}">
+                <a16:creationId xmlns:a16="http://schemas.microsoft.com/office/drawing/2014/main" id="{7866AA63-1999-C64B-BA32-4266C4A96682}"/>
+              </a:ext>
+            </a:extLst>
+          </p:cNvPr>
+          <p:cNvCxnSpPr>
+            <a:cxnSpLocks/>
+            <a:stCxn id="78" idx="3"/>
+            <a:endCxn id="71" idx="1"/>
+          </p:cNvCxnSpPr>
+          <p:nvPr/>
+        </p:nvCxnSpPr>
+        <p:spPr>
+          <a:xfrm>
+            <a:off x="6836848" y="3025937"/>
+            <a:ext cx="414521" cy="968232"/>
           </a:xfrm>
           <a:prstGeom prst="bentConnector3">
             <a:avLst>
@@ -6602,13 +6721,6 @@
   <p:clrMapOvr>
     <a:masterClrMapping/>
   </p:clrMapOvr>
-  <p:timing>
-    <p:tnLst>
-      <p:par>
-        <p:cTn id="1" dur="indefinite" restart="never" nodeType="tmRoot"/>
-      </p:par>
-    </p:tnLst>
-  </p:timing>
 </p:sld>
 </file>
 

--- a/docs/diagrams/ModelComponentClassDiagram.pptx
+++ b/docs/diagrams/ModelComponentClassDiagram.pptx
@@ -208,7 +208,7 @@
           <a:p>
             <a:fld id="{F5CC4B3F-88C1-4FFA-B1B6-F41C21DC6924}" type="datetimeFigureOut">
               <a:rPr lang="en-US" smtClean="0"/>
-              <a:t>4/2/19</a:t>
+              <a:t>4/5/19</a:t>
             </a:fld>
             <a:endParaRPr lang="en-US"/>
           </a:p>
@@ -654,7 +654,7 @@
           <a:p>
             <a:fld id="{78C97017-6FC3-485B-9764-EAC9E56C1D49}" type="datetimeFigureOut">
               <a:rPr lang="en-US" smtClean="0"/>
-              <a:t>4/2/19</a:t>
+              <a:t>4/5/19</a:t>
             </a:fld>
             <a:endParaRPr lang="en-US"/>
           </a:p>
@@ -822,7 +822,7 @@
           <a:p>
             <a:fld id="{78C97017-6FC3-485B-9764-EAC9E56C1D49}" type="datetimeFigureOut">
               <a:rPr lang="en-US" smtClean="0"/>
-              <a:t>4/2/19</a:t>
+              <a:t>4/5/19</a:t>
             </a:fld>
             <a:endParaRPr lang="en-US"/>
           </a:p>
@@ -1000,7 +1000,7 @@
           <a:p>
             <a:fld id="{78C97017-6FC3-485B-9764-EAC9E56C1D49}" type="datetimeFigureOut">
               <a:rPr lang="en-US" smtClean="0"/>
-              <a:t>4/2/19</a:t>
+              <a:t>4/5/19</a:t>
             </a:fld>
             <a:endParaRPr lang="en-US"/>
           </a:p>
@@ -1168,7 +1168,7 @@
           <a:p>
             <a:fld id="{78C97017-6FC3-485B-9764-EAC9E56C1D49}" type="datetimeFigureOut">
               <a:rPr lang="en-US" smtClean="0"/>
-              <a:t>4/2/19</a:t>
+              <a:t>4/5/19</a:t>
             </a:fld>
             <a:endParaRPr lang="en-US"/>
           </a:p>
@@ -1413,7 +1413,7 @@
           <a:p>
             <a:fld id="{78C97017-6FC3-485B-9764-EAC9E56C1D49}" type="datetimeFigureOut">
               <a:rPr lang="en-US" smtClean="0"/>
-              <a:t>4/2/19</a:t>
+              <a:t>4/5/19</a:t>
             </a:fld>
             <a:endParaRPr lang="en-US"/>
           </a:p>
@@ -1698,7 +1698,7 @@
           <a:p>
             <a:fld id="{78C97017-6FC3-485B-9764-EAC9E56C1D49}" type="datetimeFigureOut">
               <a:rPr lang="en-US" smtClean="0"/>
-              <a:t>4/2/19</a:t>
+              <a:t>4/5/19</a:t>
             </a:fld>
             <a:endParaRPr lang="en-US"/>
           </a:p>
@@ -2117,7 +2117,7 @@
           <a:p>
             <a:fld id="{78C97017-6FC3-485B-9764-EAC9E56C1D49}" type="datetimeFigureOut">
               <a:rPr lang="en-US" smtClean="0"/>
-              <a:t>4/2/19</a:t>
+              <a:t>4/5/19</a:t>
             </a:fld>
             <a:endParaRPr lang="en-US"/>
           </a:p>
@@ -2234,7 +2234,7 @@
           <a:p>
             <a:fld id="{78C97017-6FC3-485B-9764-EAC9E56C1D49}" type="datetimeFigureOut">
               <a:rPr lang="en-US" smtClean="0"/>
-              <a:t>4/2/19</a:t>
+              <a:t>4/5/19</a:t>
             </a:fld>
             <a:endParaRPr lang="en-US"/>
           </a:p>
@@ -2329,7 +2329,7 @@
           <a:p>
             <a:fld id="{78C97017-6FC3-485B-9764-EAC9E56C1D49}" type="datetimeFigureOut">
               <a:rPr lang="en-US" smtClean="0"/>
-              <a:t>4/2/19</a:t>
+              <a:t>4/5/19</a:t>
             </a:fld>
             <a:endParaRPr lang="en-US"/>
           </a:p>
@@ -2604,7 +2604,7 @@
           <a:p>
             <a:fld id="{78C97017-6FC3-485B-9764-EAC9E56C1D49}" type="datetimeFigureOut">
               <a:rPr lang="en-US" smtClean="0"/>
-              <a:t>4/2/19</a:t>
+              <a:t>4/5/19</a:t>
             </a:fld>
             <a:endParaRPr lang="en-US"/>
           </a:p>
@@ -2856,7 +2856,7 @@
           <a:p>
             <a:fld id="{78C97017-6FC3-485B-9764-EAC9E56C1D49}" type="datetimeFigureOut">
               <a:rPr lang="en-US" smtClean="0"/>
-              <a:t>4/2/19</a:t>
+              <a:t>4/5/19</a:t>
             </a:fld>
             <a:endParaRPr lang="en-US"/>
           </a:p>
@@ -3072,7 +3072,7 @@
           <a:p>
             <a:fld id="{78C97017-6FC3-485B-9764-EAC9E56C1D49}" type="datetimeFigureOut">
               <a:rPr lang="en-US" smtClean="0"/>
-              <a:t>4/2/19</a:t>
+              <a:t>4/5/19</a:t>
             </a:fld>
             <a:endParaRPr lang="en-US"/>
           </a:p>
@@ -6646,12 +6646,12 @@
           <a:p>
             <a:pPr algn="ctr"/>
             <a:r>
-              <a:rPr lang="en-US" sz="1050" dirty="0" err="1">
+              <a:rPr lang="en-US" sz="1050" dirty="0">
                 <a:solidFill>
                   <a:srgbClr val="7030A0"/>
                 </a:solidFill>
               </a:rPr>
-              <a:t>RestaurantSummary</a:t>
+              <a:t>Summary</a:t>
             </a:r>
             <a:endParaRPr lang="en-SG" sz="1050" dirty="0">
               <a:solidFill>

--- a/docs/diagrams/ModelComponentClassDiagram.pptx
+++ b/docs/diagrams/ModelComponentClassDiagram.pptx
@@ -5,10 +5,11 @@
     <p:sldMasterId id="2147483648" r:id="rId1"/>
   </p:sldMasterIdLst>
   <p:notesMasterIdLst>
-    <p:notesMasterId r:id="rId3"/>
+    <p:notesMasterId r:id="rId4"/>
   </p:notesMasterIdLst>
   <p:sldIdLst>
     <p:sldId id="263" r:id="rId2"/>
+    <p:sldId id="264" r:id="rId3"/>
   </p:sldIdLst>
   <p:sldSz cx="9144000" cy="6858000" type="screen4x3"/>
   <p:notesSz cx="6858000" cy="9144000"/>
@@ -208,7 +209,7 @@
           <a:p>
             <a:fld id="{F5CC4B3F-88C1-4FFA-B1B6-F41C21DC6924}" type="datetimeFigureOut">
               <a:rPr lang="en-US" smtClean="0"/>
-              <a:t>3/10/19</a:t>
+              <a:t>4/7/19</a:t>
             </a:fld>
             <a:endParaRPr lang="en-US"/>
           </a:p>
@@ -654,7 +655,7 @@
           <a:p>
             <a:fld id="{78C97017-6FC3-485B-9764-EAC9E56C1D49}" type="datetimeFigureOut">
               <a:rPr lang="en-US" smtClean="0"/>
-              <a:t>3/10/19</a:t>
+              <a:t>4/7/19</a:t>
             </a:fld>
             <a:endParaRPr lang="en-US"/>
           </a:p>
@@ -822,7 +823,7 @@
           <a:p>
             <a:fld id="{78C97017-6FC3-485B-9764-EAC9E56C1D49}" type="datetimeFigureOut">
               <a:rPr lang="en-US" smtClean="0"/>
-              <a:t>3/10/19</a:t>
+              <a:t>4/7/19</a:t>
             </a:fld>
             <a:endParaRPr lang="en-US"/>
           </a:p>
@@ -1000,7 +1001,7 @@
           <a:p>
             <a:fld id="{78C97017-6FC3-485B-9764-EAC9E56C1D49}" type="datetimeFigureOut">
               <a:rPr lang="en-US" smtClean="0"/>
-              <a:t>3/10/19</a:t>
+              <a:t>4/7/19</a:t>
             </a:fld>
             <a:endParaRPr lang="en-US"/>
           </a:p>
@@ -1168,7 +1169,7 @@
           <a:p>
             <a:fld id="{78C97017-6FC3-485B-9764-EAC9E56C1D49}" type="datetimeFigureOut">
               <a:rPr lang="en-US" smtClean="0"/>
-              <a:t>3/10/19</a:t>
+              <a:t>4/7/19</a:t>
             </a:fld>
             <a:endParaRPr lang="en-US"/>
           </a:p>
@@ -1413,7 +1414,7 @@
           <a:p>
             <a:fld id="{78C97017-6FC3-485B-9764-EAC9E56C1D49}" type="datetimeFigureOut">
               <a:rPr lang="en-US" smtClean="0"/>
-              <a:t>3/10/19</a:t>
+              <a:t>4/7/19</a:t>
             </a:fld>
             <a:endParaRPr lang="en-US"/>
           </a:p>
@@ -1698,7 +1699,7 @@
           <a:p>
             <a:fld id="{78C97017-6FC3-485B-9764-EAC9E56C1D49}" type="datetimeFigureOut">
               <a:rPr lang="en-US" smtClean="0"/>
-              <a:t>3/10/19</a:t>
+              <a:t>4/7/19</a:t>
             </a:fld>
             <a:endParaRPr lang="en-US"/>
           </a:p>
@@ -2117,7 +2118,7 @@
           <a:p>
             <a:fld id="{78C97017-6FC3-485B-9764-EAC9E56C1D49}" type="datetimeFigureOut">
               <a:rPr lang="en-US" smtClean="0"/>
-              <a:t>3/10/19</a:t>
+              <a:t>4/7/19</a:t>
             </a:fld>
             <a:endParaRPr lang="en-US"/>
           </a:p>
@@ -2234,7 +2235,7 @@
           <a:p>
             <a:fld id="{78C97017-6FC3-485B-9764-EAC9E56C1D49}" type="datetimeFigureOut">
               <a:rPr lang="en-US" smtClean="0"/>
-              <a:t>3/10/19</a:t>
+              <a:t>4/7/19</a:t>
             </a:fld>
             <a:endParaRPr lang="en-US"/>
           </a:p>
@@ -2329,7 +2330,7 @@
           <a:p>
             <a:fld id="{78C97017-6FC3-485B-9764-EAC9E56C1D49}" type="datetimeFigureOut">
               <a:rPr lang="en-US" smtClean="0"/>
-              <a:t>3/10/19</a:t>
+              <a:t>4/7/19</a:t>
             </a:fld>
             <a:endParaRPr lang="en-US"/>
           </a:p>
@@ -2604,7 +2605,7 @@
           <a:p>
             <a:fld id="{78C97017-6FC3-485B-9764-EAC9E56C1D49}" type="datetimeFigureOut">
               <a:rPr lang="en-US" smtClean="0"/>
-              <a:t>3/10/19</a:t>
+              <a:t>4/7/19</a:t>
             </a:fld>
             <a:endParaRPr lang="en-US"/>
           </a:p>
@@ -2856,7 +2857,7 @@
           <a:p>
             <a:fld id="{78C97017-6FC3-485B-9764-EAC9E56C1D49}" type="datetimeFigureOut">
               <a:rPr lang="en-US" smtClean="0"/>
-              <a:t>3/10/19</a:t>
+              <a:t>4/7/19</a:t>
             </a:fld>
             <a:endParaRPr lang="en-US"/>
           </a:p>
@@ -3067,7 +3068,7 @@
           <a:p>
             <a:fld id="{78C97017-6FC3-485B-9764-EAC9E56C1D49}" type="datetimeFigureOut">
               <a:rPr lang="en-US" smtClean="0"/>
-              <a:t>3/10/19</a:t>
+              <a:t>4/7/19</a:t>
             </a:fld>
             <a:endParaRPr lang="en-US"/>
           </a:p>
@@ -6498,6 +6499,3691 @@
     <p:extLst>
       <p:ext uri="{BB962C8B-B14F-4D97-AF65-F5344CB8AC3E}">
         <p14:creationId xmlns:p14="http://schemas.microsoft.com/office/powerpoint/2010/main" val="2396968029"/>
+      </p:ext>
+    </p:extLst>
+  </p:cSld>
+  <p:clrMapOvr>
+    <a:masterClrMapping/>
+  </p:clrMapOvr>
+</p:sld>
+</file>
+
+<file path=ppt/slides/slide2.xml><?xml version="1.0" encoding="utf-8"?>
+<p:sld xmlns:a="http://schemas.openxmlformats.org/drawingml/2006/main" xmlns:r="http://schemas.openxmlformats.org/officeDocument/2006/relationships" xmlns:p="http://schemas.openxmlformats.org/presentationml/2006/main">
+  <p:cSld>
+    <p:spTree>
+      <p:nvGrpSpPr>
+        <p:cNvPr id="1" name=""/>
+        <p:cNvGrpSpPr/>
+        <p:nvPr/>
+      </p:nvGrpSpPr>
+      <p:grpSpPr>
+        <a:xfrm>
+          <a:off x="0" y="0"/>
+          <a:ext cx="0" cy="0"/>
+          <a:chOff x="0" y="0"/>
+          <a:chExt cx="0" cy="0"/>
+        </a:xfrm>
+      </p:grpSpPr>
+      <p:sp>
+        <p:nvSpPr>
+          <p:cNvPr id="2" name="Rectangle 65">
+            <a:extLst>
+              <a:ext uri="{FF2B5EF4-FFF2-40B4-BE49-F238E27FC236}">
+                <a16:creationId xmlns:a16="http://schemas.microsoft.com/office/drawing/2014/main" id="{8D70D0C8-D9CD-8947-BBB8-E56BB66C2E88}"/>
+              </a:ext>
+            </a:extLst>
+          </p:cNvPr>
+          <p:cNvSpPr/>
+          <p:nvPr/>
+        </p:nvSpPr>
+        <p:spPr>
+          <a:xfrm>
+            <a:off x="269602" y="1453813"/>
+            <a:ext cx="8756426" cy="4714139"/>
+          </a:xfrm>
+          <a:prstGeom prst="roundRect">
+            <a:avLst>
+              <a:gd name="adj" fmla="val 3484"/>
+            </a:avLst>
+          </a:prstGeom>
+          <a:solidFill>
+            <a:schemeClr val="accent4">
+              <a:lumMod val="20000"/>
+              <a:lumOff val="80000"/>
+            </a:schemeClr>
+          </a:solidFill>
+          <a:ln w="19050">
+            <a:noFill/>
+          </a:ln>
+          <a:effectLst/>
+        </p:spPr>
+        <p:style>
+          <a:lnRef idx="1">
+            <a:schemeClr val="accent2"/>
+          </a:lnRef>
+          <a:fillRef idx="2">
+            <a:schemeClr val="accent2"/>
+          </a:fillRef>
+          <a:effectRef idx="1">
+            <a:schemeClr val="accent2"/>
+          </a:effectRef>
+          <a:fontRef idx="minor">
+            <a:schemeClr val="dk1"/>
+          </a:fontRef>
+        </p:style>
+        <p:txBody>
+          <a:bodyPr rtlCol="0" anchor="t"/>
+          <a:lstStyle/>
+          <a:p>
+            <a:r>
+              <a:rPr lang="en-US" sz="1200" b="1" dirty="0">
+                <a:solidFill>
+                  <a:srgbClr val="7030A0"/>
+                </a:solidFill>
+              </a:rPr>
+              <a:t>Model</a:t>
+            </a:r>
+            <a:endParaRPr lang="en-SG" sz="1200" b="1" dirty="0">
+              <a:solidFill>
+                <a:srgbClr val="7030A0"/>
+              </a:solidFill>
+            </a:endParaRPr>
+          </a:p>
+        </p:txBody>
+      </p:sp>
+      <p:sp>
+        <p:nvSpPr>
+          <p:cNvPr id="3" name="Rectangle 62">
+            <a:extLst>
+              <a:ext uri="{FF2B5EF4-FFF2-40B4-BE49-F238E27FC236}">
+                <a16:creationId xmlns:a16="http://schemas.microsoft.com/office/drawing/2014/main" id="{CC18B5CC-46D2-9043-A82E-BB28CA7870EE}"/>
+              </a:ext>
+            </a:extLst>
+          </p:cNvPr>
+          <p:cNvSpPr/>
+          <p:nvPr/>
+        </p:nvSpPr>
+        <p:spPr>
+          <a:xfrm rot="16200000">
+            <a:off x="76290" y="2795767"/>
+            <a:ext cx="1093635" cy="356319"/>
+          </a:xfrm>
+          <a:prstGeom prst="rect">
+            <a:avLst/>
+          </a:prstGeom>
+          <a:solidFill>
+            <a:srgbClr val="7030A0"/>
+          </a:solidFill>
+          <a:ln w="19050">
+            <a:solidFill>
+              <a:srgbClr val="7030A0"/>
+            </a:solidFill>
+          </a:ln>
+          <a:effectLst/>
+        </p:spPr>
+        <p:style>
+          <a:lnRef idx="1">
+            <a:schemeClr val="accent2"/>
+          </a:lnRef>
+          <a:fillRef idx="2">
+            <a:schemeClr val="accent2"/>
+          </a:fillRef>
+          <a:effectRef idx="1">
+            <a:schemeClr val="accent2"/>
+          </a:effectRef>
+          <a:fontRef idx="minor">
+            <a:schemeClr val="dk1"/>
+          </a:fontRef>
+        </p:style>
+        <p:txBody>
+          <a:bodyPr rtlCol="0" anchor="ctr"/>
+          <a:lstStyle/>
+          <a:p>
+            <a:pPr algn="ctr"/>
+            <a:r>
+              <a:rPr lang="en-US" sz="1050" dirty="0">
+                <a:solidFill>
+                  <a:schemeClr val="bg1"/>
+                </a:solidFill>
+              </a:rPr>
+              <a:t>&lt;&lt;interface&gt;&gt;</a:t>
+            </a:r>
+          </a:p>
+          <a:p>
+            <a:pPr algn="ctr"/>
+            <a:r>
+              <a:rPr lang="en-US" sz="1050" dirty="0">
+                <a:solidFill>
+                  <a:schemeClr val="bg1"/>
+                </a:solidFill>
+              </a:rPr>
+              <a:t>Model</a:t>
+            </a:r>
+            <a:endParaRPr lang="en-SG" sz="1050" dirty="0">
+              <a:solidFill>
+                <a:schemeClr val="bg1"/>
+              </a:solidFill>
+            </a:endParaRPr>
+          </a:p>
+        </p:txBody>
+      </p:sp>
+      <p:cxnSp>
+        <p:nvCxnSpPr>
+          <p:cNvPr id="4" name="Elbow Connector 122">
+            <a:extLst>
+              <a:ext uri="{FF2B5EF4-FFF2-40B4-BE49-F238E27FC236}">
+                <a16:creationId xmlns:a16="http://schemas.microsoft.com/office/drawing/2014/main" id="{81971C53-1737-0643-A9AE-4DD27F5852AD}"/>
+              </a:ext>
+            </a:extLst>
+          </p:cNvPr>
+          <p:cNvCxnSpPr>
+            <a:cxnSpLocks/>
+          </p:cNvCxnSpPr>
+          <p:nvPr/>
+        </p:nvCxnSpPr>
+        <p:spPr>
+          <a:xfrm>
+            <a:off x="25400" y="2979398"/>
+            <a:ext cx="431113" cy="4247"/>
+          </a:xfrm>
+          <a:prstGeom prst="bentConnector3">
+            <a:avLst>
+              <a:gd name="adj1" fmla="val 50000"/>
+            </a:avLst>
+          </a:prstGeom>
+          <a:ln w="19050">
+            <a:solidFill>
+              <a:schemeClr val="bg1">
+                <a:lumMod val="75000"/>
+              </a:schemeClr>
+            </a:solidFill>
+            <a:prstDash val="sysDot"/>
+            <a:headEnd type="none" w="med" len="med"/>
+            <a:tailEnd type="arrow" w="med" len="med"/>
+          </a:ln>
+          <a:effectLst/>
+        </p:spPr>
+        <p:style>
+          <a:lnRef idx="1">
+            <a:schemeClr val="accent2"/>
+          </a:lnRef>
+          <a:fillRef idx="2">
+            <a:schemeClr val="accent2"/>
+          </a:fillRef>
+          <a:effectRef idx="1">
+            <a:schemeClr val="accent2"/>
+          </a:effectRef>
+          <a:fontRef idx="minor">
+            <a:schemeClr val="dk1"/>
+          </a:fontRef>
+        </p:style>
+      </p:cxnSp>
+      <p:sp>
+        <p:nvSpPr>
+          <p:cNvPr id="5" name="Rectangle 62">
+            <a:extLst>
+              <a:ext uri="{FF2B5EF4-FFF2-40B4-BE49-F238E27FC236}">
+                <a16:creationId xmlns:a16="http://schemas.microsoft.com/office/drawing/2014/main" id="{D07823E9-CC88-A642-A367-41D276E512F5}"/>
+              </a:ext>
+            </a:extLst>
+          </p:cNvPr>
+          <p:cNvSpPr/>
+          <p:nvPr/>
+        </p:nvSpPr>
+        <p:spPr>
+          <a:xfrm rot="16200000">
+            <a:off x="-82914" y="3896864"/>
+            <a:ext cx="2822737" cy="356319"/>
+          </a:xfrm>
+          <a:prstGeom prst="rect">
+            <a:avLst/>
+          </a:prstGeom>
+          <a:solidFill>
+            <a:srgbClr val="7030A0"/>
+          </a:solidFill>
+          <a:ln w="19050">
+            <a:solidFill>
+              <a:srgbClr val="7030A0"/>
+            </a:solidFill>
+          </a:ln>
+          <a:effectLst/>
+        </p:spPr>
+        <p:style>
+          <a:lnRef idx="1">
+            <a:schemeClr val="accent2"/>
+          </a:lnRef>
+          <a:fillRef idx="2">
+            <a:schemeClr val="accent2"/>
+          </a:fillRef>
+          <a:effectRef idx="1">
+            <a:schemeClr val="accent2"/>
+          </a:effectRef>
+          <a:fontRef idx="minor">
+            <a:schemeClr val="dk1"/>
+          </a:fontRef>
+        </p:style>
+        <p:txBody>
+          <a:bodyPr rtlCol="0" anchor="ctr"/>
+          <a:lstStyle/>
+          <a:p>
+            <a:pPr algn="ctr"/>
+            <a:r>
+              <a:rPr lang="en-US" sz="1050" dirty="0">
+                <a:solidFill>
+                  <a:schemeClr val="bg1"/>
+                </a:solidFill>
+              </a:rPr>
+              <a:t>ModelManager</a:t>
+            </a:r>
+            <a:endParaRPr lang="en-SG" sz="1050" dirty="0">
+              <a:solidFill>
+                <a:schemeClr val="bg1"/>
+              </a:solidFill>
+            </a:endParaRPr>
+          </a:p>
+        </p:txBody>
+      </p:sp>
+      <p:sp>
+        <p:nvSpPr>
+          <p:cNvPr id="6" name="Isosceles Triangle 102">
+            <a:extLst>
+              <a:ext uri="{FF2B5EF4-FFF2-40B4-BE49-F238E27FC236}">
+                <a16:creationId xmlns:a16="http://schemas.microsoft.com/office/drawing/2014/main" id="{FDC7D8B5-B0ED-9B44-AF5D-BE6638E91DA1}"/>
+              </a:ext>
+            </a:extLst>
+          </p:cNvPr>
+          <p:cNvSpPr/>
+          <p:nvPr/>
+        </p:nvSpPr>
+        <p:spPr>
+          <a:xfrm rot="16200000">
+            <a:off x="744639" y="2889217"/>
+            <a:ext cx="270504" cy="180361"/>
+          </a:xfrm>
+          <a:prstGeom prst="triangle">
+            <a:avLst/>
+          </a:prstGeom>
+          <a:solidFill>
+            <a:srgbClr val="7030A0"/>
+          </a:solidFill>
+          <a:ln w="19050">
+            <a:solidFill>
+              <a:srgbClr val="7030A0"/>
+            </a:solidFill>
+          </a:ln>
+          <a:effectLst/>
+        </p:spPr>
+        <p:style>
+          <a:lnRef idx="1">
+            <a:schemeClr val="accent6"/>
+          </a:lnRef>
+          <a:fillRef idx="2">
+            <a:schemeClr val="accent6"/>
+          </a:fillRef>
+          <a:effectRef idx="1">
+            <a:schemeClr val="accent6"/>
+          </a:effectRef>
+          <a:fontRef idx="minor">
+            <a:schemeClr val="dk1"/>
+          </a:fontRef>
+        </p:style>
+        <p:txBody>
+          <a:bodyPr rtlCol="0" anchor="ctr"/>
+          <a:lstStyle/>
+          <a:p>
+            <a:pPr algn="ctr"/>
+            <a:endParaRPr lang="en-SG" sz="1050"/>
+          </a:p>
+        </p:txBody>
+      </p:sp>
+      <p:cxnSp>
+        <p:nvCxnSpPr>
+          <p:cNvPr id="7" name="Straight Connector 6">
+            <a:extLst>
+              <a:ext uri="{FF2B5EF4-FFF2-40B4-BE49-F238E27FC236}">
+                <a16:creationId xmlns:a16="http://schemas.microsoft.com/office/drawing/2014/main" id="{5520E220-CB91-4E4A-A2F0-C1600275F1FC}"/>
+              </a:ext>
+            </a:extLst>
+          </p:cNvPr>
+          <p:cNvCxnSpPr>
+            <a:stCxn id="6" idx="3"/>
+          </p:cNvCxnSpPr>
+          <p:nvPr/>
+        </p:nvCxnSpPr>
+        <p:spPr>
+          <a:xfrm>
+            <a:off x="970072" y="2979398"/>
+            <a:ext cx="211266" cy="0"/>
+          </a:xfrm>
+          <a:prstGeom prst="line">
+            <a:avLst/>
+          </a:prstGeom>
+          <a:ln w="19050">
+            <a:solidFill>
+              <a:srgbClr val="7030A0"/>
+            </a:solidFill>
+            <a:prstDash val="sysDot"/>
+            <a:headEnd type="none" w="med" len="med"/>
+            <a:tailEnd type="none" w="med" len="med"/>
+          </a:ln>
+          <a:effectLst/>
+        </p:spPr>
+        <p:style>
+          <a:lnRef idx="1">
+            <a:schemeClr val="accent2"/>
+          </a:lnRef>
+          <a:fillRef idx="2">
+            <a:schemeClr val="accent2"/>
+          </a:fillRef>
+          <a:effectRef idx="1">
+            <a:schemeClr val="accent2"/>
+          </a:effectRef>
+          <a:fontRef idx="minor">
+            <a:schemeClr val="dk1"/>
+          </a:fontRef>
+        </p:style>
+      </p:cxnSp>
+      <p:sp>
+        <p:nvSpPr>
+          <p:cNvPr id="8" name="Rectangle 8">
+            <a:extLst>
+              <a:ext uri="{FF2B5EF4-FFF2-40B4-BE49-F238E27FC236}">
+                <a16:creationId xmlns:a16="http://schemas.microsoft.com/office/drawing/2014/main" id="{480FC95E-F5A7-CC41-96AB-BE6B891F6436}"/>
+              </a:ext>
+            </a:extLst>
+          </p:cNvPr>
+          <p:cNvSpPr/>
+          <p:nvPr/>
+        </p:nvSpPr>
+        <p:spPr>
+          <a:xfrm>
+            <a:off x="1181338" y="5705981"/>
+            <a:ext cx="1096207" cy="346760"/>
+          </a:xfrm>
+          <a:prstGeom prst="rect">
+            <a:avLst/>
+          </a:prstGeom>
+          <a:ln w="19050">
+            <a:solidFill>
+              <a:srgbClr val="7030A0"/>
+            </a:solidFill>
+          </a:ln>
+          <a:effectLst/>
+        </p:spPr>
+        <p:style>
+          <a:lnRef idx="1">
+            <a:schemeClr val="accent4"/>
+          </a:lnRef>
+          <a:fillRef idx="2">
+            <a:schemeClr val="accent4"/>
+          </a:fillRef>
+          <a:effectRef idx="1">
+            <a:schemeClr val="accent4"/>
+          </a:effectRef>
+          <a:fontRef idx="minor">
+            <a:schemeClr val="dk1"/>
+          </a:fontRef>
+        </p:style>
+        <p:txBody>
+          <a:bodyPr rtlCol="0" anchor="ctr"/>
+          <a:lstStyle/>
+          <a:p>
+            <a:pPr algn="ctr"/>
+            <a:r>
+              <a:rPr lang="en-US" sz="1050" dirty="0">
+                <a:solidFill>
+                  <a:srgbClr val="7030A0"/>
+                </a:solidFill>
+              </a:rPr>
+              <a:t>&lt;&lt;interface&gt;&gt;</a:t>
+            </a:r>
+            <a:br>
+              <a:rPr lang="en-US" sz="1050" dirty="0">
+                <a:solidFill>
+                  <a:srgbClr val="7030A0"/>
+                </a:solidFill>
+              </a:rPr>
+            </a:br>
+            <a:r>
+              <a:rPr lang="en-US" sz="1050" dirty="0">
+                <a:solidFill>
+                  <a:srgbClr val="7030A0"/>
+                </a:solidFill>
+              </a:rPr>
+              <a:t>ObservableList</a:t>
+            </a:r>
+            <a:endParaRPr lang="en-SG" sz="1050" dirty="0">
+              <a:solidFill>
+                <a:srgbClr val="7030A0"/>
+              </a:solidFill>
+            </a:endParaRPr>
+          </a:p>
+        </p:txBody>
+      </p:sp>
+      <p:cxnSp>
+        <p:nvCxnSpPr>
+          <p:cNvPr id="9" name="Elbow Connector 122">
+            <a:extLst>
+              <a:ext uri="{FF2B5EF4-FFF2-40B4-BE49-F238E27FC236}">
+                <a16:creationId xmlns:a16="http://schemas.microsoft.com/office/drawing/2014/main" id="{5FCC3409-96A7-E440-8171-FFFD62E7FC14}"/>
+              </a:ext>
+            </a:extLst>
+          </p:cNvPr>
+          <p:cNvCxnSpPr>
+            <a:cxnSpLocks/>
+            <a:endCxn id="8" idx="1"/>
+          </p:cNvCxnSpPr>
+          <p:nvPr/>
+        </p:nvCxnSpPr>
+        <p:spPr>
+          <a:xfrm rot="16200000" flipH="1">
+            <a:off x="-278369" y="4419654"/>
+            <a:ext cx="2347676" cy="571737"/>
+          </a:xfrm>
+          <a:prstGeom prst="bentConnector2">
+            <a:avLst/>
+          </a:prstGeom>
+          <a:ln w="19050">
+            <a:solidFill>
+              <a:srgbClr val="7030A0"/>
+            </a:solidFill>
+            <a:prstDash val="sysDot"/>
+            <a:headEnd type="none" w="med" len="med"/>
+            <a:tailEnd type="arrow" w="med" len="med"/>
+          </a:ln>
+          <a:effectLst/>
+        </p:spPr>
+        <p:style>
+          <a:lnRef idx="1">
+            <a:schemeClr val="accent2"/>
+          </a:lnRef>
+          <a:fillRef idx="2">
+            <a:schemeClr val="accent2"/>
+          </a:fillRef>
+          <a:effectRef idx="1">
+            <a:schemeClr val="accent2"/>
+          </a:effectRef>
+          <a:fontRef idx="minor">
+            <a:schemeClr val="dk1"/>
+          </a:fontRef>
+        </p:style>
+      </p:cxnSp>
+      <p:sp>
+        <p:nvSpPr>
+          <p:cNvPr id="11" name="Rectangle 8">
+            <a:extLst>
+              <a:ext uri="{FF2B5EF4-FFF2-40B4-BE49-F238E27FC236}">
+                <a16:creationId xmlns:a16="http://schemas.microsoft.com/office/drawing/2014/main" id="{0C9C138C-27CE-AC4F-867D-F442137F7FBE}"/>
+              </a:ext>
+            </a:extLst>
+          </p:cNvPr>
+          <p:cNvSpPr/>
+          <p:nvPr/>
+        </p:nvSpPr>
+        <p:spPr>
+          <a:xfrm>
+            <a:off x="1940588" y="2785507"/>
+            <a:ext cx="1531649" cy="334856"/>
+          </a:xfrm>
+          <a:prstGeom prst="rect">
+            <a:avLst/>
+          </a:prstGeom>
+          <a:ln w="19050">
+            <a:solidFill>
+              <a:srgbClr val="7030A0"/>
+            </a:solidFill>
+          </a:ln>
+          <a:effectLst/>
+        </p:spPr>
+        <p:style>
+          <a:lnRef idx="1">
+            <a:schemeClr val="accent4"/>
+          </a:lnRef>
+          <a:fillRef idx="2">
+            <a:schemeClr val="accent4"/>
+          </a:fillRef>
+          <a:effectRef idx="1">
+            <a:schemeClr val="accent4"/>
+          </a:effectRef>
+          <a:fontRef idx="minor">
+            <a:schemeClr val="dk1"/>
+          </a:fontRef>
+        </p:style>
+        <p:txBody>
+          <a:bodyPr rtlCol="0" anchor="ctr"/>
+          <a:lstStyle/>
+          <a:p>
+            <a:pPr algn="ctr"/>
+            <a:r>
+              <a:rPr lang="en-US" sz="1050" dirty="0">
+                <a:solidFill>
+                  <a:srgbClr val="7030A0"/>
+                </a:solidFill>
+              </a:rPr>
+              <a:t>VersionedEquipmentManager</a:t>
+            </a:r>
+            <a:endParaRPr lang="en-SG" sz="1050" dirty="0">
+              <a:solidFill>
+                <a:srgbClr val="7030A0"/>
+              </a:solidFill>
+            </a:endParaRPr>
+          </a:p>
+        </p:txBody>
+      </p:sp>
+      <p:cxnSp>
+        <p:nvCxnSpPr>
+          <p:cNvPr id="12" name="Straight Arrow Connector 11">
+            <a:extLst>
+              <a:ext uri="{FF2B5EF4-FFF2-40B4-BE49-F238E27FC236}">
+                <a16:creationId xmlns:a16="http://schemas.microsoft.com/office/drawing/2014/main" id="{8B57FAF6-7456-E043-ABA8-545CDBB379AC}"/>
+              </a:ext>
+            </a:extLst>
+          </p:cNvPr>
+          <p:cNvCxnSpPr>
+            <a:cxnSpLocks/>
+            <a:stCxn id="13" idx="3"/>
+            <a:endCxn id="11" idx="1"/>
+          </p:cNvCxnSpPr>
+          <p:nvPr/>
+        </p:nvCxnSpPr>
+        <p:spPr>
+          <a:xfrm>
+            <a:off x="1746175" y="2942378"/>
+            <a:ext cx="194413" cy="10557"/>
+          </a:xfrm>
+          <a:prstGeom prst="straightConnector1">
+            <a:avLst/>
+          </a:prstGeom>
+          <a:ln w="19050">
+            <a:solidFill>
+              <a:srgbClr val="7030A0"/>
+            </a:solidFill>
+            <a:headEnd type="none" w="med" len="med"/>
+            <a:tailEnd type="arrow" w="med" len="med"/>
+          </a:ln>
+          <a:effectLst/>
+        </p:spPr>
+        <p:style>
+          <a:lnRef idx="1">
+            <a:schemeClr val="accent2"/>
+          </a:lnRef>
+          <a:fillRef idx="2">
+            <a:schemeClr val="accent2"/>
+          </a:fillRef>
+          <a:effectRef idx="1">
+            <a:schemeClr val="accent2"/>
+          </a:effectRef>
+          <a:fontRef idx="minor">
+            <a:schemeClr val="dk1"/>
+          </a:fontRef>
+        </p:style>
+      </p:cxnSp>
+      <p:sp>
+        <p:nvSpPr>
+          <p:cNvPr id="13" name="Flowchart: Decision 96">
+            <a:extLst>
+              <a:ext uri="{FF2B5EF4-FFF2-40B4-BE49-F238E27FC236}">
+                <a16:creationId xmlns:a16="http://schemas.microsoft.com/office/drawing/2014/main" id="{F96BE17F-0EA5-FF4A-A27B-2E84B18F5934}"/>
+              </a:ext>
+            </a:extLst>
+          </p:cNvPr>
+          <p:cNvSpPr/>
+          <p:nvPr/>
+        </p:nvSpPr>
+        <p:spPr>
+          <a:xfrm>
+            <a:off x="1503620" y="2855688"/>
+            <a:ext cx="242555" cy="173380"/>
+          </a:xfrm>
+          <a:prstGeom prst="flowChartDecision">
+            <a:avLst/>
+          </a:prstGeom>
+          <a:noFill/>
+          <a:ln w="19050">
+            <a:solidFill>
+              <a:srgbClr val="7030A0"/>
+            </a:solidFill>
+          </a:ln>
+          <a:effectLst/>
+        </p:spPr>
+        <p:style>
+          <a:lnRef idx="1">
+            <a:schemeClr val="accent6"/>
+          </a:lnRef>
+          <a:fillRef idx="2">
+            <a:schemeClr val="accent6"/>
+          </a:fillRef>
+          <a:effectRef idx="1">
+            <a:schemeClr val="accent6"/>
+          </a:effectRef>
+          <a:fontRef idx="minor">
+            <a:schemeClr val="dk1"/>
+          </a:fontRef>
+        </p:style>
+        <p:txBody>
+          <a:bodyPr rtlCol="0" anchor="ctr"/>
+          <a:lstStyle/>
+          <a:p>
+            <a:pPr algn="ctr"/>
+            <a:endParaRPr lang="en-US" sz="1050"/>
+          </a:p>
+        </p:txBody>
+      </p:sp>
+      <p:sp>
+        <p:nvSpPr>
+          <p:cNvPr id="14" name="TextBox 13">
+            <a:extLst>
+              <a:ext uri="{FF2B5EF4-FFF2-40B4-BE49-F238E27FC236}">
+                <a16:creationId xmlns:a16="http://schemas.microsoft.com/office/drawing/2014/main" id="{5A02E6EE-B871-3945-9AE1-72F7E893D6CF}"/>
+              </a:ext>
+            </a:extLst>
+          </p:cNvPr>
+          <p:cNvSpPr txBox="1"/>
+          <p:nvPr/>
+        </p:nvSpPr>
+        <p:spPr>
+          <a:xfrm>
+            <a:off x="1688702" y="2696060"/>
+            <a:ext cx="174799" cy="137542"/>
+          </a:xfrm>
+          <a:prstGeom prst="rect">
+            <a:avLst/>
+          </a:prstGeom>
+          <a:noFill/>
+        </p:spPr>
+        <p:txBody>
+          <a:bodyPr wrap="square" lIns="0" tIns="0" rIns="0" bIns="0" rtlCol="0">
+            <a:noAutofit/>
+          </a:bodyPr>
+          <a:lstStyle/>
+          <a:p>
+            <a:pPr algn="ctr"/>
+            <a:r>
+              <a:rPr lang="en-US" sz="1100" dirty="0">
+                <a:solidFill>
+                  <a:srgbClr val="7030A0"/>
+                </a:solidFill>
+              </a:rPr>
+              <a:t>1</a:t>
+            </a:r>
+            <a:endParaRPr lang="en-SG" sz="1100" dirty="0">
+              <a:solidFill>
+                <a:srgbClr val="7030A0"/>
+              </a:solidFill>
+            </a:endParaRPr>
+          </a:p>
+        </p:txBody>
+      </p:sp>
+      <p:cxnSp>
+        <p:nvCxnSpPr>
+          <p:cNvPr id="15" name="Elbow Connector 63">
+            <a:extLst>
+              <a:ext uri="{FF2B5EF4-FFF2-40B4-BE49-F238E27FC236}">
+                <a16:creationId xmlns:a16="http://schemas.microsoft.com/office/drawing/2014/main" id="{3713DEC4-F8A8-7443-8EA3-F386C0256BC1}"/>
+              </a:ext>
+            </a:extLst>
+          </p:cNvPr>
+          <p:cNvCxnSpPr>
+            <a:cxnSpLocks/>
+            <a:stCxn id="16" idx="3"/>
+          </p:cNvCxnSpPr>
+          <p:nvPr/>
+        </p:nvCxnSpPr>
+        <p:spPr>
+          <a:xfrm rot="5400000">
+            <a:off x="2683709" y="2618054"/>
+            <a:ext cx="274076" cy="3891"/>
+          </a:xfrm>
+          <a:prstGeom prst="bentConnector3">
+            <a:avLst>
+              <a:gd name="adj1" fmla="val 50000"/>
+            </a:avLst>
+          </a:prstGeom>
+          <a:ln w="19050">
+            <a:solidFill>
+              <a:srgbClr val="7030A0"/>
+            </a:solidFill>
+            <a:prstDash val="sysDot"/>
+            <a:headEnd type="none" w="med" len="med"/>
+            <a:tailEnd type="none" w="med" len="med"/>
+          </a:ln>
+          <a:effectLst/>
+        </p:spPr>
+        <p:style>
+          <a:lnRef idx="1">
+            <a:schemeClr val="accent2"/>
+          </a:lnRef>
+          <a:fillRef idx="2">
+            <a:schemeClr val="accent2"/>
+          </a:fillRef>
+          <a:effectRef idx="1">
+            <a:schemeClr val="accent2"/>
+          </a:effectRef>
+          <a:fontRef idx="minor">
+            <a:schemeClr val="dk1"/>
+          </a:fontRef>
+        </p:style>
+      </p:cxnSp>
+      <p:sp>
+        <p:nvSpPr>
+          <p:cNvPr id="16" name="Isosceles Triangle 102">
+            <a:extLst>
+              <a:ext uri="{FF2B5EF4-FFF2-40B4-BE49-F238E27FC236}">
+                <a16:creationId xmlns:a16="http://schemas.microsoft.com/office/drawing/2014/main" id="{E736BEEA-6EB7-3947-9173-69B734B580CD}"/>
+              </a:ext>
+            </a:extLst>
+          </p:cNvPr>
+          <p:cNvSpPr/>
+          <p:nvPr/>
+        </p:nvSpPr>
+        <p:spPr>
+          <a:xfrm rot="10800000" flipV="1">
+            <a:off x="2677607" y="2325899"/>
+            <a:ext cx="290171" cy="157062"/>
+          </a:xfrm>
+          <a:prstGeom prst="triangle">
+            <a:avLst/>
+          </a:prstGeom>
+          <a:solidFill>
+            <a:schemeClr val="accent4">
+              <a:lumMod val="20000"/>
+              <a:lumOff val="80000"/>
+            </a:schemeClr>
+          </a:solidFill>
+          <a:ln w="19050">
+            <a:solidFill>
+              <a:srgbClr val="7030A0"/>
+            </a:solidFill>
+          </a:ln>
+          <a:effectLst/>
+        </p:spPr>
+        <p:style>
+          <a:lnRef idx="1">
+            <a:schemeClr val="accent4"/>
+          </a:lnRef>
+          <a:fillRef idx="2">
+            <a:schemeClr val="accent4"/>
+          </a:fillRef>
+          <a:effectRef idx="1">
+            <a:schemeClr val="accent4"/>
+          </a:effectRef>
+          <a:fontRef idx="minor">
+            <a:schemeClr val="dk1"/>
+          </a:fontRef>
+        </p:style>
+        <p:txBody>
+          <a:bodyPr rtlCol="0" anchor="ctr"/>
+          <a:lstStyle/>
+          <a:p>
+            <a:pPr algn="ctr"/>
+            <a:endParaRPr lang="en-SG" sz="1050" b="1">
+              <a:solidFill>
+                <a:srgbClr val="92D050"/>
+              </a:solidFill>
+            </a:endParaRPr>
+          </a:p>
+        </p:txBody>
+      </p:sp>
+      <p:sp>
+        <p:nvSpPr>
+          <p:cNvPr id="17" name="Rectangle 8">
+            <a:extLst>
+              <a:ext uri="{FF2B5EF4-FFF2-40B4-BE49-F238E27FC236}">
+                <a16:creationId xmlns:a16="http://schemas.microsoft.com/office/drawing/2014/main" id="{AA6BF775-0613-8549-9AE4-8B8D540B1736}"/>
+              </a:ext>
+            </a:extLst>
+          </p:cNvPr>
+          <p:cNvSpPr/>
+          <p:nvPr/>
+        </p:nvSpPr>
+        <p:spPr>
+          <a:xfrm>
+            <a:off x="376231" y="1937695"/>
+            <a:ext cx="1483457" cy="364396"/>
+          </a:xfrm>
+          <a:prstGeom prst="rect">
+            <a:avLst/>
+          </a:prstGeom>
+          <a:ln w="19050">
+            <a:solidFill>
+              <a:srgbClr val="7030A0"/>
+            </a:solidFill>
+          </a:ln>
+          <a:effectLst/>
+        </p:spPr>
+        <p:style>
+          <a:lnRef idx="1">
+            <a:schemeClr val="accent4"/>
+          </a:lnRef>
+          <a:fillRef idx="2">
+            <a:schemeClr val="accent4"/>
+          </a:fillRef>
+          <a:effectRef idx="1">
+            <a:schemeClr val="accent4"/>
+          </a:effectRef>
+          <a:fontRef idx="minor">
+            <a:schemeClr val="dk1"/>
+          </a:fontRef>
+        </p:style>
+        <p:txBody>
+          <a:bodyPr rtlCol="0" anchor="ctr"/>
+          <a:lstStyle/>
+          <a:p>
+            <a:pPr algn="ctr"/>
+            <a:r>
+              <a:rPr lang="en-US" sz="800" dirty="0">
+                <a:solidFill>
+                  <a:srgbClr val="7030A0"/>
+                </a:solidFill>
+              </a:rPr>
+              <a:t>&lt;&lt;interface&gt;&gt;</a:t>
+            </a:r>
+            <a:br>
+              <a:rPr lang="en-US" sz="800" dirty="0">
+                <a:solidFill>
+                  <a:srgbClr val="7030A0"/>
+                </a:solidFill>
+              </a:rPr>
+            </a:br>
+            <a:r>
+              <a:rPr lang="en-US" sz="800" dirty="0">
+                <a:solidFill>
+                  <a:srgbClr val="7030A0"/>
+                </a:solidFill>
+              </a:rPr>
+              <a:t>ReadOnlyEquipmentManager</a:t>
+            </a:r>
+            <a:endParaRPr lang="en-SG" sz="800" dirty="0">
+              <a:solidFill>
+                <a:srgbClr val="7030A0"/>
+              </a:solidFill>
+            </a:endParaRPr>
+          </a:p>
+        </p:txBody>
+      </p:sp>
+      <p:sp>
+        <p:nvSpPr>
+          <p:cNvPr id="18" name="Rectangle 8">
+            <a:extLst>
+              <a:ext uri="{FF2B5EF4-FFF2-40B4-BE49-F238E27FC236}">
+                <a16:creationId xmlns:a16="http://schemas.microsoft.com/office/drawing/2014/main" id="{0FEC089C-6BDF-FC4D-86C2-08809E416A4B}"/>
+              </a:ext>
+            </a:extLst>
+          </p:cNvPr>
+          <p:cNvSpPr/>
+          <p:nvPr/>
+        </p:nvSpPr>
+        <p:spPr>
+          <a:xfrm>
+            <a:off x="2322055" y="1946717"/>
+            <a:ext cx="1089922" cy="364396"/>
+          </a:xfrm>
+          <a:prstGeom prst="rect">
+            <a:avLst/>
+          </a:prstGeom>
+          <a:ln w="19050">
+            <a:solidFill>
+              <a:srgbClr val="7030A0"/>
+            </a:solidFill>
+          </a:ln>
+          <a:effectLst/>
+        </p:spPr>
+        <p:style>
+          <a:lnRef idx="1">
+            <a:schemeClr val="accent4"/>
+          </a:lnRef>
+          <a:fillRef idx="2">
+            <a:schemeClr val="accent4"/>
+          </a:fillRef>
+          <a:effectRef idx="1">
+            <a:schemeClr val="accent4"/>
+          </a:effectRef>
+          <a:fontRef idx="minor">
+            <a:schemeClr val="dk1"/>
+          </a:fontRef>
+        </p:style>
+        <p:txBody>
+          <a:bodyPr rtlCol="0" anchor="ctr"/>
+          <a:lstStyle/>
+          <a:p>
+            <a:pPr algn="ctr"/>
+            <a:r>
+              <a:rPr lang="en-US" sz="800" dirty="0">
+                <a:solidFill>
+                  <a:srgbClr val="7030A0"/>
+                </a:solidFill>
+              </a:rPr>
+              <a:t>EquipmentManager</a:t>
+            </a:r>
+            <a:endParaRPr lang="en-SG" sz="800" dirty="0">
+              <a:solidFill>
+                <a:srgbClr val="7030A0"/>
+              </a:solidFill>
+            </a:endParaRPr>
+          </a:p>
+        </p:txBody>
+      </p:sp>
+      <p:sp>
+        <p:nvSpPr>
+          <p:cNvPr id="19" name="Isosceles Triangle 102">
+            <a:extLst>
+              <a:ext uri="{FF2B5EF4-FFF2-40B4-BE49-F238E27FC236}">
+                <a16:creationId xmlns:a16="http://schemas.microsoft.com/office/drawing/2014/main" id="{69CCF02C-9641-904E-AFAA-6CE1D99DBBE0}"/>
+              </a:ext>
+            </a:extLst>
+          </p:cNvPr>
+          <p:cNvSpPr/>
+          <p:nvPr/>
+        </p:nvSpPr>
+        <p:spPr>
+          <a:xfrm rot="16200000">
+            <a:off x="1823532" y="2014941"/>
+            <a:ext cx="271014" cy="192585"/>
+          </a:xfrm>
+          <a:prstGeom prst="triangle">
+            <a:avLst>
+              <a:gd name="adj" fmla="val 44517"/>
+            </a:avLst>
+          </a:prstGeom>
+          <a:solidFill>
+            <a:schemeClr val="accent4">
+              <a:lumMod val="20000"/>
+              <a:lumOff val="80000"/>
+            </a:schemeClr>
+          </a:solidFill>
+          <a:ln w="19050">
+            <a:solidFill>
+              <a:srgbClr val="7030A0"/>
+            </a:solidFill>
+          </a:ln>
+          <a:effectLst/>
+        </p:spPr>
+        <p:style>
+          <a:lnRef idx="1">
+            <a:schemeClr val="accent6"/>
+          </a:lnRef>
+          <a:fillRef idx="2">
+            <a:schemeClr val="accent6"/>
+          </a:fillRef>
+          <a:effectRef idx="1">
+            <a:schemeClr val="accent6"/>
+          </a:effectRef>
+          <a:fontRef idx="minor">
+            <a:schemeClr val="dk1"/>
+          </a:fontRef>
+        </p:style>
+        <p:txBody>
+          <a:bodyPr rtlCol="0" anchor="ctr"/>
+          <a:lstStyle/>
+          <a:p>
+            <a:pPr algn="ctr"/>
+            <a:endParaRPr lang="en-SG" sz="1050"/>
+          </a:p>
+        </p:txBody>
+      </p:sp>
+      <p:cxnSp>
+        <p:nvCxnSpPr>
+          <p:cNvPr id="20" name="Elbow Connector 63">
+            <a:extLst>
+              <a:ext uri="{FF2B5EF4-FFF2-40B4-BE49-F238E27FC236}">
+                <a16:creationId xmlns:a16="http://schemas.microsoft.com/office/drawing/2014/main" id="{994601E7-26DC-FF4A-94F5-54E62FCF9215}"/>
+              </a:ext>
+            </a:extLst>
+          </p:cNvPr>
+          <p:cNvCxnSpPr>
+            <a:stCxn id="19" idx="3"/>
+            <a:endCxn id="18" idx="1"/>
+          </p:cNvCxnSpPr>
+          <p:nvPr/>
+        </p:nvCxnSpPr>
+        <p:spPr>
+          <a:xfrm>
+            <a:off x="2055332" y="2126094"/>
+            <a:ext cx="266723" cy="2821"/>
+          </a:xfrm>
+          <a:prstGeom prst="bentConnector3">
+            <a:avLst>
+              <a:gd name="adj1" fmla="val 50000"/>
+            </a:avLst>
+          </a:prstGeom>
+          <a:ln w="19050">
+            <a:solidFill>
+              <a:srgbClr val="7030A0"/>
+            </a:solidFill>
+            <a:prstDash val="sysDot"/>
+            <a:headEnd type="none" w="med" len="med"/>
+            <a:tailEnd type="none" w="med" len="med"/>
+          </a:ln>
+          <a:effectLst/>
+        </p:spPr>
+        <p:style>
+          <a:lnRef idx="1">
+            <a:schemeClr val="accent2"/>
+          </a:lnRef>
+          <a:fillRef idx="2">
+            <a:schemeClr val="accent2"/>
+          </a:fillRef>
+          <a:effectRef idx="1">
+            <a:schemeClr val="accent2"/>
+          </a:effectRef>
+          <a:fontRef idx="minor">
+            <a:schemeClr val="dk1"/>
+          </a:fontRef>
+        </p:style>
+      </p:cxnSp>
+      <p:sp>
+        <p:nvSpPr>
+          <p:cNvPr id="21" name="Rectangle 8">
+            <a:extLst>
+              <a:ext uri="{FF2B5EF4-FFF2-40B4-BE49-F238E27FC236}">
+                <a16:creationId xmlns:a16="http://schemas.microsoft.com/office/drawing/2014/main" id="{C11ABB7C-861B-9342-B9C4-6B5F219F8A41}"/>
+              </a:ext>
+            </a:extLst>
+          </p:cNvPr>
+          <p:cNvSpPr/>
+          <p:nvPr/>
+        </p:nvSpPr>
+        <p:spPr>
+          <a:xfrm>
+            <a:off x="3807959" y="2785507"/>
+            <a:ext cx="1188862" cy="346760"/>
+          </a:xfrm>
+          <a:prstGeom prst="rect">
+            <a:avLst/>
+          </a:prstGeom>
+          <a:ln w="19050">
+            <a:solidFill>
+              <a:srgbClr val="7030A0"/>
+            </a:solidFill>
+          </a:ln>
+          <a:effectLst/>
+        </p:spPr>
+        <p:style>
+          <a:lnRef idx="1">
+            <a:schemeClr val="accent4"/>
+          </a:lnRef>
+          <a:fillRef idx="2">
+            <a:schemeClr val="accent4"/>
+          </a:fillRef>
+          <a:effectRef idx="1">
+            <a:schemeClr val="accent4"/>
+          </a:effectRef>
+          <a:fontRef idx="minor">
+            <a:schemeClr val="dk1"/>
+          </a:fontRef>
+        </p:style>
+        <p:txBody>
+          <a:bodyPr rtlCol="0" anchor="ctr"/>
+          <a:lstStyle/>
+          <a:p>
+            <a:pPr algn="ctr"/>
+            <a:r>
+              <a:rPr lang="en-US" sz="1050" dirty="0">
+                <a:solidFill>
+                  <a:srgbClr val="7030A0"/>
+                </a:solidFill>
+              </a:rPr>
+              <a:t>UniqueEquipmentList</a:t>
+            </a:r>
+            <a:endParaRPr lang="en-SG" sz="1050" dirty="0">
+              <a:solidFill>
+                <a:srgbClr val="7030A0"/>
+              </a:solidFill>
+            </a:endParaRPr>
+          </a:p>
+        </p:txBody>
+      </p:sp>
+      <p:sp>
+        <p:nvSpPr>
+          <p:cNvPr id="22" name="Rectangle 8">
+            <a:extLst>
+              <a:ext uri="{FF2B5EF4-FFF2-40B4-BE49-F238E27FC236}">
+                <a16:creationId xmlns:a16="http://schemas.microsoft.com/office/drawing/2014/main" id="{40E903F6-DC2F-984B-9044-09C8155F5A03}"/>
+              </a:ext>
+            </a:extLst>
+          </p:cNvPr>
+          <p:cNvSpPr/>
+          <p:nvPr/>
+        </p:nvSpPr>
+        <p:spPr>
+          <a:xfrm>
+            <a:off x="5428986" y="2797411"/>
+            <a:ext cx="727708" cy="346760"/>
+          </a:xfrm>
+          <a:prstGeom prst="rect">
+            <a:avLst/>
+          </a:prstGeom>
+          <a:ln w="19050">
+            <a:solidFill>
+              <a:srgbClr val="7030A0"/>
+            </a:solidFill>
+          </a:ln>
+          <a:effectLst/>
+        </p:spPr>
+        <p:style>
+          <a:lnRef idx="1">
+            <a:schemeClr val="accent4"/>
+          </a:lnRef>
+          <a:fillRef idx="2">
+            <a:schemeClr val="accent4"/>
+          </a:fillRef>
+          <a:effectRef idx="1">
+            <a:schemeClr val="accent4"/>
+          </a:effectRef>
+          <a:fontRef idx="minor">
+            <a:schemeClr val="dk1"/>
+          </a:fontRef>
+        </p:style>
+        <p:txBody>
+          <a:bodyPr rtlCol="0" anchor="ctr"/>
+          <a:lstStyle/>
+          <a:p>
+            <a:pPr algn="ctr"/>
+            <a:r>
+              <a:rPr lang="en-US" sz="900" dirty="0">
+                <a:solidFill>
+                  <a:srgbClr val="7030A0"/>
+                </a:solidFill>
+              </a:rPr>
+              <a:t>Equipment</a:t>
+            </a:r>
+            <a:endParaRPr lang="en-SG" sz="900" dirty="0">
+              <a:solidFill>
+                <a:srgbClr val="7030A0"/>
+              </a:solidFill>
+            </a:endParaRPr>
+          </a:p>
+        </p:txBody>
+      </p:sp>
+      <p:sp>
+        <p:nvSpPr>
+          <p:cNvPr id="23" name="Flowchart: Decision 96">
+            <a:extLst>
+              <a:ext uri="{FF2B5EF4-FFF2-40B4-BE49-F238E27FC236}">
+                <a16:creationId xmlns:a16="http://schemas.microsoft.com/office/drawing/2014/main" id="{0F3D05AC-A36C-F04B-A1F0-E979ED81C86D}"/>
+              </a:ext>
+            </a:extLst>
+          </p:cNvPr>
+          <p:cNvSpPr/>
+          <p:nvPr/>
+        </p:nvSpPr>
+        <p:spPr>
+          <a:xfrm>
+            <a:off x="5016498" y="2892707"/>
+            <a:ext cx="242555" cy="173380"/>
+          </a:xfrm>
+          <a:prstGeom prst="flowChartDecision">
+            <a:avLst/>
+          </a:prstGeom>
+          <a:noFill/>
+          <a:ln w="19050">
+            <a:solidFill>
+              <a:srgbClr val="7030A0"/>
+            </a:solidFill>
+          </a:ln>
+          <a:effectLst/>
+        </p:spPr>
+        <p:style>
+          <a:lnRef idx="1">
+            <a:schemeClr val="accent6"/>
+          </a:lnRef>
+          <a:fillRef idx="2">
+            <a:schemeClr val="accent6"/>
+          </a:fillRef>
+          <a:effectRef idx="1">
+            <a:schemeClr val="accent6"/>
+          </a:effectRef>
+          <a:fontRef idx="minor">
+            <a:schemeClr val="dk1"/>
+          </a:fontRef>
+        </p:style>
+        <p:txBody>
+          <a:bodyPr rtlCol="0" anchor="ctr"/>
+          <a:lstStyle/>
+          <a:p>
+            <a:pPr algn="ctr"/>
+            <a:endParaRPr lang="en-US" sz="1050"/>
+          </a:p>
+        </p:txBody>
+      </p:sp>
+      <p:cxnSp>
+        <p:nvCxnSpPr>
+          <p:cNvPr id="24" name="Elbow Connector 23">
+            <a:extLst>
+              <a:ext uri="{FF2B5EF4-FFF2-40B4-BE49-F238E27FC236}">
+                <a16:creationId xmlns:a16="http://schemas.microsoft.com/office/drawing/2014/main" id="{953D2A1E-C79A-2C4B-966C-90B518E2B346}"/>
+              </a:ext>
+            </a:extLst>
+          </p:cNvPr>
+          <p:cNvCxnSpPr>
+            <a:cxnSpLocks/>
+            <a:stCxn id="23" idx="3"/>
+            <a:endCxn id="22" idx="1"/>
+          </p:cNvCxnSpPr>
+          <p:nvPr/>
+        </p:nvCxnSpPr>
+        <p:spPr>
+          <a:xfrm flipV="1">
+            <a:off x="5259053" y="2970791"/>
+            <a:ext cx="169933" cy="8606"/>
+          </a:xfrm>
+          <a:prstGeom prst="bentConnector3">
+            <a:avLst/>
+          </a:prstGeom>
+          <a:ln w="19050">
+            <a:solidFill>
+              <a:srgbClr val="7030A0"/>
+            </a:solidFill>
+            <a:headEnd type="none" w="med" len="med"/>
+            <a:tailEnd type="arrow" w="med" len="med"/>
+          </a:ln>
+          <a:effectLst/>
+        </p:spPr>
+        <p:style>
+          <a:lnRef idx="1">
+            <a:schemeClr val="accent2"/>
+          </a:lnRef>
+          <a:fillRef idx="2">
+            <a:schemeClr val="accent2"/>
+          </a:fillRef>
+          <a:effectRef idx="1">
+            <a:schemeClr val="accent2"/>
+          </a:effectRef>
+          <a:fontRef idx="minor">
+            <a:schemeClr val="dk1"/>
+          </a:fontRef>
+        </p:style>
+      </p:cxnSp>
+      <p:sp>
+        <p:nvSpPr>
+          <p:cNvPr id="25" name="Flowchart: Decision 96">
+            <a:extLst>
+              <a:ext uri="{FF2B5EF4-FFF2-40B4-BE49-F238E27FC236}">
+                <a16:creationId xmlns:a16="http://schemas.microsoft.com/office/drawing/2014/main" id="{E8C2919E-13A6-7744-B0B5-217CCDD1C57D}"/>
+              </a:ext>
+            </a:extLst>
+          </p:cNvPr>
+          <p:cNvSpPr/>
+          <p:nvPr/>
+        </p:nvSpPr>
+        <p:spPr>
+          <a:xfrm>
+            <a:off x="6156694" y="2878798"/>
+            <a:ext cx="242555" cy="173380"/>
+          </a:xfrm>
+          <a:prstGeom prst="flowChartDecision">
+            <a:avLst/>
+          </a:prstGeom>
+          <a:solidFill>
+            <a:srgbClr val="7030A0"/>
+          </a:solidFill>
+          <a:ln w="19050">
+            <a:solidFill>
+              <a:srgbClr val="7030A0"/>
+            </a:solidFill>
+          </a:ln>
+          <a:effectLst/>
+        </p:spPr>
+        <p:style>
+          <a:lnRef idx="1">
+            <a:schemeClr val="accent6"/>
+          </a:lnRef>
+          <a:fillRef idx="2">
+            <a:schemeClr val="accent6"/>
+          </a:fillRef>
+          <a:effectRef idx="1">
+            <a:schemeClr val="accent6"/>
+          </a:effectRef>
+          <a:fontRef idx="minor">
+            <a:schemeClr val="dk1"/>
+          </a:fontRef>
+        </p:style>
+        <p:txBody>
+          <a:bodyPr rtlCol="0" anchor="ctr"/>
+          <a:lstStyle/>
+          <a:p>
+            <a:pPr algn="ctr"/>
+            <a:endParaRPr lang="en-US" sz="1050"/>
+          </a:p>
+        </p:txBody>
+      </p:sp>
+      <p:sp>
+        <p:nvSpPr>
+          <p:cNvPr id="26" name="TextBox 25">
+            <a:extLst>
+              <a:ext uri="{FF2B5EF4-FFF2-40B4-BE49-F238E27FC236}">
+                <a16:creationId xmlns:a16="http://schemas.microsoft.com/office/drawing/2014/main" id="{AE78A963-F98F-7440-8CC4-6423E9F52267}"/>
+              </a:ext>
+            </a:extLst>
+          </p:cNvPr>
+          <p:cNvSpPr txBox="1"/>
+          <p:nvPr/>
+        </p:nvSpPr>
+        <p:spPr>
+          <a:xfrm>
+            <a:off x="3620113" y="2739940"/>
+            <a:ext cx="194474" cy="178683"/>
+          </a:xfrm>
+          <a:prstGeom prst="rect">
+            <a:avLst/>
+          </a:prstGeom>
+          <a:noFill/>
+        </p:spPr>
+        <p:txBody>
+          <a:bodyPr wrap="square" lIns="0" tIns="0" rIns="0" bIns="0" rtlCol="0">
+            <a:noAutofit/>
+          </a:bodyPr>
+          <a:lstStyle/>
+          <a:p>
+            <a:pPr algn="ctr"/>
+            <a:r>
+              <a:rPr lang="en-US" sz="1100" dirty="0">
+                <a:solidFill>
+                  <a:srgbClr val="7030A0"/>
+                </a:solidFill>
+              </a:rPr>
+              <a:t>1</a:t>
+            </a:r>
+            <a:endParaRPr lang="en-SG" sz="1100" dirty="0">
+              <a:solidFill>
+                <a:srgbClr val="7030A0"/>
+              </a:solidFill>
+            </a:endParaRPr>
+          </a:p>
+        </p:txBody>
+      </p:sp>
+      <p:sp>
+        <p:nvSpPr>
+          <p:cNvPr id="27" name="TextBox 26">
+            <a:extLst>
+              <a:ext uri="{FF2B5EF4-FFF2-40B4-BE49-F238E27FC236}">
+                <a16:creationId xmlns:a16="http://schemas.microsoft.com/office/drawing/2014/main" id="{3D15231B-378C-7143-91D2-AC53304ABC6D}"/>
+              </a:ext>
+            </a:extLst>
+          </p:cNvPr>
+          <p:cNvSpPr txBox="1"/>
+          <p:nvPr/>
+        </p:nvSpPr>
+        <p:spPr>
+          <a:xfrm>
+            <a:off x="5259053" y="2786805"/>
+            <a:ext cx="194474" cy="178683"/>
+          </a:xfrm>
+          <a:prstGeom prst="rect">
+            <a:avLst/>
+          </a:prstGeom>
+          <a:noFill/>
+        </p:spPr>
+        <p:txBody>
+          <a:bodyPr wrap="square" lIns="0" tIns="0" rIns="0" bIns="0" rtlCol="0">
+            <a:noAutofit/>
+          </a:bodyPr>
+          <a:lstStyle/>
+          <a:p>
+            <a:pPr algn="ctr"/>
+            <a:r>
+              <a:rPr lang="en-US" sz="1100" dirty="0">
+                <a:solidFill>
+                  <a:srgbClr val="7030A0"/>
+                </a:solidFill>
+              </a:rPr>
+              <a:t>*</a:t>
+            </a:r>
+            <a:endParaRPr lang="en-SG" sz="1100" dirty="0">
+              <a:solidFill>
+                <a:srgbClr val="7030A0"/>
+              </a:solidFill>
+            </a:endParaRPr>
+          </a:p>
+        </p:txBody>
+      </p:sp>
+      <p:cxnSp>
+        <p:nvCxnSpPr>
+          <p:cNvPr id="28" name="Straight Arrow Connector 27">
+            <a:extLst>
+              <a:ext uri="{FF2B5EF4-FFF2-40B4-BE49-F238E27FC236}">
+                <a16:creationId xmlns:a16="http://schemas.microsoft.com/office/drawing/2014/main" id="{78F11056-F35C-1143-ACFA-F5A65EFC453D}"/>
+              </a:ext>
+            </a:extLst>
+          </p:cNvPr>
+          <p:cNvCxnSpPr>
+            <a:cxnSpLocks/>
+            <a:endCxn id="21" idx="1"/>
+          </p:cNvCxnSpPr>
+          <p:nvPr/>
+        </p:nvCxnSpPr>
+        <p:spPr>
+          <a:xfrm flipV="1">
+            <a:off x="3491705" y="2958887"/>
+            <a:ext cx="316254" cy="1296"/>
+          </a:xfrm>
+          <a:prstGeom prst="straightConnector1">
+            <a:avLst/>
+          </a:prstGeom>
+          <a:ln w="19050">
+            <a:solidFill>
+              <a:srgbClr val="7030A0"/>
+            </a:solidFill>
+            <a:headEnd type="none" w="med" len="med"/>
+            <a:tailEnd type="arrow" w="med" len="med"/>
+          </a:ln>
+          <a:effectLst/>
+        </p:spPr>
+        <p:style>
+          <a:lnRef idx="1">
+            <a:schemeClr val="accent2"/>
+          </a:lnRef>
+          <a:fillRef idx="2">
+            <a:schemeClr val="accent2"/>
+          </a:fillRef>
+          <a:effectRef idx="1">
+            <a:schemeClr val="accent2"/>
+          </a:effectRef>
+          <a:fontRef idx="minor">
+            <a:schemeClr val="dk1"/>
+          </a:fontRef>
+        </p:style>
+      </p:cxnSp>
+      <p:sp>
+        <p:nvSpPr>
+          <p:cNvPr id="30" name="Rectangle 8">
+            <a:extLst>
+              <a:ext uri="{FF2B5EF4-FFF2-40B4-BE49-F238E27FC236}">
+                <a16:creationId xmlns:a16="http://schemas.microsoft.com/office/drawing/2014/main" id="{AFA9F412-A5B5-6E44-891C-9F15E7170038}"/>
+              </a:ext>
+            </a:extLst>
+          </p:cNvPr>
+          <p:cNvSpPr/>
+          <p:nvPr/>
+        </p:nvSpPr>
+        <p:spPr>
+          <a:xfrm>
+            <a:off x="6845495" y="2198662"/>
+            <a:ext cx="1020894" cy="285783"/>
+          </a:xfrm>
+          <a:prstGeom prst="rect">
+            <a:avLst/>
+          </a:prstGeom>
+          <a:ln w="19050">
+            <a:solidFill>
+              <a:srgbClr val="7030A0"/>
+            </a:solidFill>
+          </a:ln>
+          <a:effectLst/>
+        </p:spPr>
+        <p:style>
+          <a:lnRef idx="1">
+            <a:schemeClr val="accent4"/>
+          </a:lnRef>
+          <a:fillRef idx="2">
+            <a:schemeClr val="accent4"/>
+          </a:fillRef>
+          <a:effectRef idx="1">
+            <a:schemeClr val="accent4"/>
+          </a:effectRef>
+          <a:fontRef idx="minor">
+            <a:schemeClr val="dk1"/>
+          </a:fontRef>
+        </p:style>
+        <p:txBody>
+          <a:bodyPr rtlCol="0" anchor="ctr"/>
+          <a:lstStyle/>
+          <a:p>
+            <a:pPr algn="ctr"/>
+            <a:r>
+              <a:rPr lang="en-US" sz="1050" dirty="0">
+                <a:solidFill>
+                  <a:srgbClr val="7030A0"/>
+                </a:solidFill>
+              </a:rPr>
+              <a:t>Serial Number</a:t>
+            </a:r>
+            <a:endParaRPr lang="en-SG" sz="1050" dirty="0">
+              <a:solidFill>
+                <a:srgbClr val="7030A0"/>
+              </a:solidFill>
+            </a:endParaRPr>
+          </a:p>
+        </p:txBody>
+      </p:sp>
+      <p:sp>
+        <p:nvSpPr>
+          <p:cNvPr id="35" name="Rectangle 8">
+            <a:extLst>
+              <a:ext uri="{FF2B5EF4-FFF2-40B4-BE49-F238E27FC236}">
+                <a16:creationId xmlns:a16="http://schemas.microsoft.com/office/drawing/2014/main" id="{293A8927-9E09-244C-B231-E312F0265C51}"/>
+              </a:ext>
+            </a:extLst>
+          </p:cNvPr>
+          <p:cNvSpPr/>
+          <p:nvPr/>
+        </p:nvSpPr>
+        <p:spPr>
+          <a:xfrm>
+            <a:off x="6851305" y="2550479"/>
+            <a:ext cx="1013365" cy="285783"/>
+          </a:xfrm>
+          <a:prstGeom prst="rect">
+            <a:avLst/>
+          </a:prstGeom>
+          <a:ln w="19050">
+            <a:solidFill>
+              <a:srgbClr val="7030A0"/>
+            </a:solidFill>
+          </a:ln>
+          <a:effectLst/>
+        </p:spPr>
+        <p:style>
+          <a:lnRef idx="1">
+            <a:schemeClr val="accent4"/>
+          </a:lnRef>
+          <a:fillRef idx="2">
+            <a:schemeClr val="accent4"/>
+          </a:fillRef>
+          <a:effectRef idx="1">
+            <a:schemeClr val="accent4"/>
+          </a:effectRef>
+          <a:fontRef idx="minor">
+            <a:schemeClr val="dk1"/>
+          </a:fontRef>
+        </p:style>
+        <p:txBody>
+          <a:bodyPr rtlCol="0" anchor="ctr"/>
+          <a:lstStyle/>
+          <a:p>
+            <a:pPr algn="ctr"/>
+            <a:r>
+              <a:rPr lang="en-US" sz="1050" dirty="0">
+                <a:solidFill>
+                  <a:srgbClr val="7030A0"/>
+                </a:solidFill>
+              </a:rPr>
+              <a:t>Tag</a:t>
+            </a:r>
+            <a:endParaRPr lang="en-SG" sz="1050" dirty="0">
+              <a:solidFill>
+                <a:srgbClr val="7030A0"/>
+              </a:solidFill>
+            </a:endParaRPr>
+          </a:p>
+        </p:txBody>
+      </p:sp>
+      <p:sp>
+        <p:nvSpPr>
+          <p:cNvPr id="36" name="Rectangle 8">
+            <a:extLst>
+              <a:ext uri="{FF2B5EF4-FFF2-40B4-BE49-F238E27FC236}">
+                <a16:creationId xmlns:a16="http://schemas.microsoft.com/office/drawing/2014/main" id="{A3DE7A67-7BA3-F44C-84C3-CE1D01B8685E}"/>
+              </a:ext>
+            </a:extLst>
+          </p:cNvPr>
+          <p:cNvSpPr/>
+          <p:nvPr/>
+        </p:nvSpPr>
+        <p:spPr>
+          <a:xfrm>
+            <a:off x="6841729" y="2905381"/>
+            <a:ext cx="1005835" cy="236049"/>
+          </a:xfrm>
+          <a:prstGeom prst="rect">
+            <a:avLst/>
+          </a:prstGeom>
+          <a:ln w="19050">
+            <a:solidFill>
+              <a:srgbClr val="7030A0"/>
+            </a:solidFill>
+          </a:ln>
+          <a:effectLst/>
+        </p:spPr>
+        <p:style>
+          <a:lnRef idx="1">
+            <a:schemeClr val="accent4"/>
+          </a:lnRef>
+          <a:fillRef idx="2">
+            <a:schemeClr val="accent4"/>
+          </a:fillRef>
+          <a:effectRef idx="1">
+            <a:schemeClr val="accent4"/>
+          </a:effectRef>
+          <a:fontRef idx="minor">
+            <a:schemeClr val="dk1"/>
+          </a:fontRef>
+        </p:style>
+        <p:txBody>
+          <a:bodyPr rtlCol="0" anchor="ctr"/>
+          <a:lstStyle/>
+          <a:p>
+            <a:pPr algn="ctr"/>
+            <a:r>
+              <a:rPr lang="en-US" sz="1050" dirty="0">
+                <a:solidFill>
+                  <a:srgbClr val="7030A0"/>
+                </a:solidFill>
+              </a:rPr>
+              <a:t>Client Name</a:t>
+            </a:r>
+            <a:endParaRPr lang="en-SG" sz="1050" dirty="0">
+              <a:solidFill>
+                <a:srgbClr val="7030A0"/>
+              </a:solidFill>
+            </a:endParaRPr>
+          </a:p>
+        </p:txBody>
+      </p:sp>
+      <p:sp>
+        <p:nvSpPr>
+          <p:cNvPr id="37" name="Rectangle 8">
+            <a:extLst>
+              <a:ext uri="{FF2B5EF4-FFF2-40B4-BE49-F238E27FC236}">
+                <a16:creationId xmlns:a16="http://schemas.microsoft.com/office/drawing/2014/main" id="{F99DA694-7D98-B14D-A799-5DBBC65DBD96}"/>
+              </a:ext>
+            </a:extLst>
+          </p:cNvPr>
+          <p:cNvSpPr/>
+          <p:nvPr/>
+        </p:nvSpPr>
+        <p:spPr>
+          <a:xfrm>
+            <a:off x="6845495" y="3203488"/>
+            <a:ext cx="1020894" cy="285783"/>
+          </a:xfrm>
+          <a:prstGeom prst="rect">
+            <a:avLst/>
+          </a:prstGeom>
+          <a:ln w="19050">
+            <a:solidFill>
+              <a:srgbClr val="7030A0"/>
+            </a:solidFill>
+          </a:ln>
+          <a:effectLst/>
+        </p:spPr>
+        <p:style>
+          <a:lnRef idx="1">
+            <a:schemeClr val="accent4"/>
+          </a:lnRef>
+          <a:fillRef idx="2">
+            <a:schemeClr val="accent4"/>
+          </a:fillRef>
+          <a:effectRef idx="1">
+            <a:schemeClr val="accent4"/>
+          </a:effectRef>
+          <a:fontRef idx="minor">
+            <a:schemeClr val="dk1"/>
+          </a:fontRef>
+        </p:style>
+        <p:txBody>
+          <a:bodyPr rtlCol="0" anchor="ctr"/>
+          <a:lstStyle/>
+          <a:p>
+            <a:pPr algn="ctr"/>
+            <a:r>
+              <a:rPr lang="en-US" sz="1000" dirty="0">
+                <a:solidFill>
+                  <a:srgbClr val="7030A0"/>
+                </a:solidFill>
+              </a:rPr>
+              <a:t>Client Address</a:t>
+            </a:r>
+            <a:endParaRPr lang="en-SG" sz="1000" dirty="0">
+              <a:solidFill>
+                <a:srgbClr val="7030A0"/>
+              </a:solidFill>
+            </a:endParaRPr>
+          </a:p>
+        </p:txBody>
+      </p:sp>
+      <p:cxnSp>
+        <p:nvCxnSpPr>
+          <p:cNvPr id="38" name="Elbow Connector 37">
+            <a:extLst>
+              <a:ext uri="{FF2B5EF4-FFF2-40B4-BE49-F238E27FC236}">
+                <a16:creationId xmlns:a16="http://schemas.microsoft.com/office/drawing/2014/main" id="{CAD76E71-5D27-EB41-B682-7C1DC94C3EBC}"/>
+              </a:ext>
+            </a:extLst>
+          </p:cNvPr>
+          <p:cNvCxnSpPr>
+            <a:cxnSpLocks/>
+            <a:endCxn id="39" idx="1"/>
+          </p:cNvCxnSpPr>
+          <p:nvPr/>
+        </p:nvCxnSpPr>
+        <p:spPr>
+          <a:xfrm rot="5400000" flipH="1" flipV="1">
+            <a:off x="6590139" y="2044006"/>
+            <a:ext cx="289234" cy="221477"/>
+          </a:xfrm>
+          <a:prstGeom prst="bentConnector2">
+            <a:avLst/>
+          </a:prstGeom>
+          <a:ln w="19050">
+            <a:solidFill>
+              <a:srgbClr val="7030A0"/>
+            </a:solidFill>
+            <a:headEnd type="none" w="med" len="med"/>
+            <a:tailEnd type="arrow" w="med" len="med"/>
+          </a:ln>
+        </p:spPr>
+        <p:style>
+          <a:lnRef idx="1">
+            <a:schemeClr val="accent1"/>
+          </a:lnRef>
+          <a:fillRef idx="0">
+            <a:schemeClr val="accent1"/>
+          </a:fillRef>
+          <a:effectRef idx="0">
+            <a:schemeClr val="accent1"/>
+          </a:effectRef>
+          <a:fontRef idx="minor">
+            <a:schemeClr val="tx1"/>
+          </a:fontRef>
+        </p:style>
+      </p:cxnSp>
+      <p:sp>
+        <p:nvSpPr>
+          <p:cNvPr id="39" name="Rectangle 8">
+            <a:extLst>
+              <a:ext uri="{FF2B5EF4-FFF2-40B4-BE49-F238E27FC236}">
+                <a16:creationId xmlns:a16="http://schemas.microsoft.com/office/drawing/2014/main" id="{1E2D9F2E-9844-8845-8472-59B6C3203B58}"/>
+              </a:ext>
+            </a:extLst>
+          </p:cNvPr>
+          <p:cNvSpPr/>
+          <p:nvPr/>
+        </p:nvSpPr>
+        <p:spPr>
+          <a:xfrm>
+            <a:off x="6845495" y="1867235"/>
+            <a:ext cx="1019175" cy="285783"/>
+          </a:xfrm>
+          <a:prstGeom prst="rect">
+            <a:avLst/>
+          </a:prstGeom>
+          <a:ln w="19050">
+            <a:solidFill>
+              <a:srgbClr val="7030A0"/>
+            </a:solidFill>
+          </a:ln>
+          <a:effectLst/>
+        </p:spPr>
+        <p:style>
+          <a:lnRef idx="1">
+            <a:schemeClr val="accent4"/>
+          </a:lnRef>
+          <a:fillRef idx="2">
+            <a:schemeClr val="accent4"/>
+          </a:fillRef>
+          <a:effectRef idx="1">
+            <a:schemeClr val="accent4"/>
+          </a:effectRef>
+          <a:fontRef idx="minor">
+            <a:schemeClr val="dk1"/>
+          </a:fontRef>
+        </p:style>
+        <p:txBody>
+          <a:bodyPr rtlCol="0" anchor="ctr"/>
+          <a:lstStyle/>
+          <a:p>
+            <a:pPr algn="ctr"/>
+            <a:r>
+              <a:rPr lang="en-US" sz="1100" dirty="0">
+                <a:solidFill>
+                  <a:srgbClr val="7030A0"/>
+                </a:solidFill>
+              </a:rPr>
+              <a:t>Date</a:t>
+            </a:r>
+            <a:endParaRPr lang="en-SG" sz="1100" dirty="0">
+              <a:solidFill>
+                <a:srgbClr val="7030A0"/>
+              </a:solidFill>
+            </a:endParaRPr>
+          </a:p>
+        </p:txBody>
+      </p:sp>
+      <p:cxnSp>
+        <p:nvCxnSpPr>
+          <p:cNvPr id="40" name="Elbow Connector 78">
+            <a:extLst>
+              <a:ext uri="{FF2B5EF4-FFF2-40B4-BE49-F238E27FC236}">
+                <a16:creationId xmlns:a16="http://schemas.microsoft.com/office/drawing/2014/main" id="{3C24C64A-872A-F741-BE4C-EDD5F28B8D2F}"/>
+              </a:ext>
+            </a:extLst>
+          </p:cNvPr>
+          <p:cNvCxnSpPr>
+            <a:cxnSpLocks/>
+          </p:cNvCxnSpPr>
+          <p:nvPr/>
+        </p:nvCxnSpPr>
+        <p:spPr>
+          <a:xfrm flipV="1">
+            <a:off x="6400896" y="2299358"/>
+            <a:ext cx="427895" cy="663182"/>
+          </a:xfrm>
+          <a:prstGeom prst="bentConnector3">
+            <a:avLst>
+              <a:gd name="adj1" fmla="val 52035"/>
+            </a:avLst>
+          </a:prstGeom>
+          <a:ln w="19050">
+            <a:solidFill>
+              <a:srgbClr val="7030A0"/>
+            </a:solidFill>
+            <a:headEnd type="none" w="med" len="med"/>
+            <a:tailEnd type="arrow" w="med" len="med"/>
+          </a:ln>
+          <a:effectLst/>
+        </p:spPr>
+        <p:style>
+          <a:lnRef idx="1">
+            <a:schemeClr val="accent2"/>
+          </a:lnRef>
+          <a:fillRef idx="2">
+            <a:schemeClr val="accent2"/>
+          </a:fillRef>
+          <a:effectRef idx="1">
+            <a:schemeClr val="accent2"/>
+          </a:effectRef>
+          <a:fontRef idx="minor">
+            <a:schemeClr val="dk1"/>
+          </a:fontRef>
+        </p:style>
+      </p:cxnSp>
+      <p:cxnSp>
+        <p:nvCxnSpPr>
+          <p:cNvPr id="50" name="Straight Arrow Connector 49">
+            <a:extLst>
+              <a:ext uri="{FF2B5EF4-FFF2-40B4-BE49-F238E27FC236}">
+                <a16:creationId xmlns:a16="http://schemas.microsoft.com/office/drawing/2014/main" id="{024BCD5D-2726-7045-A824-86273AF3622E}"/>
+              </a:ext>
+            </a:extLst>
+          </p:cNvPr>
+          <p:cNvCxnSpPr>
+            <a:cxnSpLocks/>
+          </p:cNvCxnSpPr>
+          <p:nvPr/>
+        </p:nvCxnSpPr>
+        <p:spPr>
+          <a:xfrm flipH="1" flipV="1">
+            <a:off x="6614843" y="2716844"/>
+            <a:ext cx="230652" cy="1"/>
+          </a:xfrm>
+          <a:prstGeom prst="straightConnector1">
+            <a:avLst/>
+          </a:prstGeom>
+          <a:ln w="19050">
+            <a:solidFill>
+              <a:srgbClr val="7030A0"/>
+            </a:solidFill>
+            <a:headEnd type="arrow" w="med" len="med"/>
+            <a:tailEnd type="none" w="med" len="med"/>
+          </a:ln>
+        </p:spPr>
+        <p:style>
+          <a:lnRef idx="1">
+            <a:schemeClr val="accent1"/>
+          </a:lnRef>
+          <a:fillRef idx="0">
+            <a:schemeClr val="accent1"/>
+          </a:fillRef>
+          <a:effectRef idx="0">
+            <a:schemeClr val="accent1"/>
+          </a:effectRef>
+          <a:fontRef idx="minor">
+            <a:schemeClr val="tx1"/>
+          </a:fontRef>
+        </p:style>
+      </p:cxnSp>
+      <p:cxnSp>
+        <p:nvCxnSpPr>
+          <p:cNvPr id="52" name="Elbow Connector 51">
+            <a:extLst>
+              <a:ext uri="{FF2B5EF4-FFF2-40B4-BE49-F238E27FC236}">
+                <a16:creationId xmlns:a16="http://schemas.microsoft.com/office/drawing/2014/main" id="{939AFCA1-41E0-4641-9624-1643D9DE76C1}"/>
+              </a:ext>
+            </a:extLst>
+          </p:cNvPr>
+          <p:cNvCxnSpPr>
+            <a:cxnSpLocks/>
+          </p:cNvCxnSpPr>
+          <p:nvPr/>
+        </p:nvCxnSpPr>
+        <p:spPr>
+          <a:xfrm>
+            <a:off x="6625753" y="2970791"/>
+            <a:ext cx="222076" cy="66210"/>
+          </a:xfrm>
+          <a:prstGeom prst="bentConnector3">
+            <a:avLst>
+              <a:gd name="adj1" fmla="val -978"/>
+            </a:avLst>
+          </a:prstGeom>
+          <a:ln w="19050">
+            <a:solidFill>
+              <a:srgbClr val="7030A0"/>
+            </a:solidFill>
+            <a:headEnd type="none" w="med" len="med"/>
+            <a:tailEnd type="arrow" w="med" len="med"/>
+          </a:ln>
+        </p:spPr>
+        <p:style>
+          <a:lnRef idx="1">
+            <a:schemeClr val="accent1"/>
+          </a:lnRef>
+          <a:fillRef idx="0">
+            <a:schemeClr val="accent1"/>
+          </a:fillRef>
+          <a:effectRef idx="0">
+            <a:schemeClr val="accent1"/>
+          </a:effectRef>
+          <a:fontRef idx="minor">
+            <a:schemeClr val="tx1"/>
+          </a:fontRef>
+        </p:style>
+      </p:cxnSp>
+      <p:cxnSp>
+        <p:nvCxnSpPr>
+          <p:cNvPr id="56" name="Elbow Connector 55">
+            <a:extLst>
+              <a:ext uri="{FF2B5EF4-FFF2-40B4-BE49-F238E27FC236}">
+                <a16:creationId xmlns:a16="http://schemas.microsoft.com/office/drawing/2014/main" id="{A505CDDF-5D96-B244-873D-24E631312A33}"/>
+              </a:ext>
+            </a:extLst>
+          </p:cNvPr>
+          <p:cNvCxnSpPr>
+            <a:cxnSpLocks/>
+          </p:cNvCxnSpPr>
+          <p:nvPr/>
+        </p:nvCxnSpPr>
+        <p:spPr>
+          <a:xfrm rot="16200000" flipH="1">
+            <a:off x="6567014" y="3050703"/>
+            <a:ext cx="325670" cy="211663"/>
+          </a:xfrm>
+          <a:prstGeom prst="bentConnector2">
+            <a:avLst/>
+          </a:prstGeom>
+          <a:ln w="19050">
+            <a:solidFill>
+              <a:srgbClr val="7030A0"/>
+            </a:solidFill>
+            <a:headEnd type="none" w="med" len="med"/>
+            <a:tailEnd type="arrow" w="med" len="med"/>
+          </a:ln>
+        </p:spPr>
+        <p:style>
+          <a:lnRef idx="1">
+            <a:schemeClr val="accent1"/>
+          </a:lnRef>
+          <a:fillRef idx="0">
+            <a:schemeClr val="accent1"/>
+          </a:fillRef>
+          <a:effectRef idx="0">
+            <a:schemeClr val="accent1"/>
+          </a:effectRef>
+          <a:fontRef idx="minor">
+            <a:schemeClr val="tx1"/>
+          </a:fontRef>
+        </p:style>
+      </p:cxnSp>
+      <p:cxnSp>
+        <p:nvCxnSpPr>
+          <p:cNvPr id="60" name="Elbow Connector 59">
+            <a:extLst>
+              <a:ext uri="{FF2B5EF4-FFF2-40B4-BE49-F238E27FC236}">
+                <a16:creationId xmlns:a16="http://schemas.microsoft.com/office/drawing/2014/main" id="{4C258FC2-D1E6-E149-BC93-316FF9C75BCB}"/>
+              </a:ext>
+            </a:extLst>
+          </p:cNvPr>
+          <p:cNvCxnSpPr>
+            <a:cxnSpLocks/>
+          </p:cNvCxnSpPr>
+          <p:nvPr/>
+        </p:nvCxnSpPr>
+        <p:spPr>
+          <a:xfrm rot="5400000" flipH="1" flipV="1">
+            <a:off x="2915433" y="1557192"/>
+            <a:ext cx="1290428" cy="4464385"/>
+          </a:xfrm>
+          <a:prstGeom prst="bentConnector3">
+            <a:avLst>
+              <a:gd name="adj1" fmla="val 79613"/>
+            </a:avLst>
+          </a:prstGeom>
+          <a:ln w="19050">
+            <a:solidFill>
+              <a:srgbClr val="7030A0"/>
+            </a:solidFill>
+            <a:prstDash val="solid"/>
+            <a:headEnd type="none" w="med" len="med"/>
+            <a:tailEnd type="arrow" w="med" len="med"/>
+          </a:ln>
+          <a:effectLst/>
+        </p:spPr>
+        <p:style>
+          <a:lnRef idx="1">
+            <a:schemeClr val="accent2"/>
+          </a:lnRef>
+          <a:fillRef idx="2">
+            <a:schemeClr val="accent2"/>
+          </a:fillRef>
+          <a:effectRef idx="1">
+            <a:schemeClr val="accent2"/>
+          </a:effectRef>
+          <a:fontRef idx="minor">
+            <a:schemeClr val="dk1"/>
+          </a:fontRef>
+        </p:style>
+      </p:cxnSp>
+      <p:sp>
+        <p:nvSpPr>
+          <p:cNvPr id="61" name="TextBox 60">
+            <a:extLst>
+              <a:ext uri="{FF2B5EF4-FFF2-40B4-BE49-F238E27FC236}">
+                <a16:creationId xmlns:a16="http://schemas.microsoft.com/office/drawing/2014/main" id="{69812983-51CE-B843-B8AE-AFBDC6AE9279}"/>
+              </a:ext>
+            </a:extLst>
+          </p:cNvPr>
+          <p:cNvSpPr txBox="1"/>
+          <p:nvPr/>
+        </p:nvSpPr>
+        <p:spPr>
+          <a:xfrm>
+            <a:off x="4945921" y="3184393"/>
+            <a:ext cx="881018" cy="261610"/>
+          </a:xfrm>
+          <a:prstGeom prst="rect">
+            <a:avLst/>
+          </a:prstGeom>
+          <a:noFill/>
+        </p:spPr>
+        <p:txBody>
+          <a:bodyPr wrap="square" rtlCol="0">
+            <a:spAutoFit/>
+          </a:bodyPr>
+          <a:lstStyle/>
+          <a:p>
+            <a:pPr algn="r"/>
+            <a:r>
+              <a:rPr lang="en-US" sz="1100" dirty="0">
+                <a:solidFill>
+                  <a:srgbClr val="7030A0"/>
+                </a:solidFill>
+              </a:rPr>
+              <a:t>filtered list</a:t>
+            </a:r>
+            <a:endParaRPr lang="en-SG" sz="1100" dirty="0">
+              <a:solidFill>
+                <a:srgbClr val="7030A0"/>
+              </a:solidFill>
+            </a:endParaRPr>
+          </a:p>
+        </p:txBody>
+      </p:sp>
+      <p:sp>
+        <p:nvSpPr>
+          <p:cNvPr id="64" name="Rectangle 8">
+            <a:extLst>
+              <a:ext uri="{FF2B5EF4-FFF2-40B4-BE49-F238E27FC236}">
+                <a16:creationId xmlns:a16="http://schemas.microsoft.com/office/drawing/2014/main" id="{509621A3-C15D-8E45-9B28-3A9AAB478DEB}"/>
+              </a:ext>
+            </a:extLst>
+          </p:cNvPr>
+          <p:cNvSpPr/>
+          <p:nvPr/>
+        </p:nvSpPr>
+        <p:spPr>
+          <a:xfrm>
+            <a:off x="1953062" y="4802976"/>
+            <a:ext cx="902420" cy="346760"/>
+          </a:xfrm>
+          <a:prstGeom prst="rect">
+            <a:avLst/>
+          </a:prstGeom>
+          <a:ln w="19050">
+            <a:solidFill>
+              <a:srgbClr val="7030A0"/>
+            </a:solidFill>
+          </a:ln>
+          <a:effectLst/>
+        </p:spPr>
+        <p:style>
+          <a:lnRef idx="1">
+            <a:schemeClr val="accent4"/>
+          </a:lnRef>
+          <a:fillRef idx="2">
+            <a:schemeClr val="accent4"/>
+          </a:fillRef>
+          <a:effectRef idx="1">
+            <a:schemeClr val="accent4"/>
+          </a:effectRef>
+          <a:fontRef idx="minor">
+            <a:schemeClr val="dk1"/>
+          </a:fontRef>
+        </p:style>
+        <p:txBody>
+          <a:bodyPr rtlCol="0" anchor="ctr"/>
+          <a:lstStyle/>
+          <a:p>
+            <a:pPr algn="ctr"/>
+            <a:r>
+              <a:rPr lang="en-US" sz="1050" dirty="0">
+                <a:solidFill>
+                  <a:srgbClr val="7030A0"/>
+                </a:solidFill>
+              </a:rPr>
+              <a:t>UserPrefs</a:t>
+            </a:r>
+            <a:endParaRPr lang="en-SG" sz="1050" dirty="0">
+              <a:solidFill>
+                <a:srgbClr val="7030A0"/>
+              </a:solidFill>
+            </a:endParaRPr>
+          </a:p>
+        </p:txBody>
+      </p:sp>
+      <p:cxnSp>
+        <p:nvCxnSpPr>
+          <p:cNvPr id="65" name="Straight Arrow Connector 64">
+            <a:extLst>
+              <a:ext uri="{FF2B5EF4-FFF2-40B4-BE49-F238E27FC236}">
+                <a16:creationId xmlns:a16="http://schemas.microsoft.com/office/drawing/2014/main" id="{5752EE56-FA97-BD42-87BB-71069FEF85E1}"/>
+              </a:ext>
+            </a:extLst>
+          </p:cNvPr>
+          <p:cNvCxnSpPr>
+            <a:cxnSpLocks/>
+            <a:endCxn id="64" idx="1"/>
+          </p:cNvCxnSpPr>
+          <p:nvPr/>
+        </p:nvCxnSpPr>
+        <p:spPr>
+          <a:xfrm>
+            <a:off x="1744116" y="4976356"/>
+            <a:ext cx="208946" cy="0"/>
+          </a:xfrm>
+          <a:prstGeom prst="straightConnector1">
+            <a:avLst/>
+          </a:prstGeom>
+          <a:ln w="19050">
+            <a:solidFill>
+              <a:srgbClr val="7030A0"/>
+            </a:solidFill>
+            <a:headEnd type="none" w="med" len="med"/>
+            <a:tailEnd type="arrow" w="med" len="med"/>
+          </a:ln>
+          <a:effectLst/>
+        </p:spPr>
+        <p:style>
+          <a:lnRef idx="1">
+            <a:schemeClr val="accent2"/>
+          </a:lnRef>
+          <a:fillRef idx="2">
+            <a:schemeClr val="accent2"/>
+          </a:fillRef>
+          <a:effectRef idx="1">
+            <a:schemeClr val="accent2"/>
+          </a:effectRef>
+          <a:fontRef idx="minor">
+            <a:schemeClr val="dk1"/>
+          </a:fontRef>
+        </p:style>
+      </p:cxnSp>
+      <p:sp>
+        <p:nvSpPr>
+          <p:cNvPr id="66" name="Flowchart: Decision 96">
+            <a:extLst>
+              <a:ext uri="{FF2B5EF4-FFF2-40B4-BE49-F238E27FC236}">
+                <a16:creationId xmlns:a16="http://schemas.microsoft.com/office/drawing/2014/main" id="{B3625C30-E2DD-C049-AD2B-B9F8DC720169}"/>
+              </a:ext>
+            </a:extLst>
+          </p:cNvPr>
+          <p:cNvSpPr/>
+          <p:nvPr/>
+        </p:nvSpPr>
+        <p:spPr>
+          <a:xfrm>
+            <a:off x="1513638" y="4896910"/>
+            <a:ext cx="242555" cy="173380"/>
+          </a:xfrm>
+          <a:prstGeom prst="flowChartDecision">
+            <a:avLst/>
+          </a:prstGeom>
+          <a:noFill/>
+          <a:ln w="19050">
+            <a:solidFill>
+              <a:srgbClr val="7030A0"/>
+            </a:solidFill>
+          </a:ln>
+          <a:effectLst/>
+        </p:spPr>
+        <p:style>
+          <a:lnRef idx="1">
+            <a:schemeClr val="accent6"/>
+          </a:lnRef>
+          <a:fillRef idx="2">
+            <a:schemeClr val="accent6"/>
+          </a:fillRef>
+          <a:effectRef idx="1">
+            <a:schemeClr val="accent6"/>
+          </a:effectRef>
+          <a:fontRef idx="minor">
+            <a:schemeClr val="dk1"/>
+          </a:fontRef>
+        </p:style>
+        <p:txBody>
+          <a:bodyPr rtlCol="0" anchor="ctr"/>
+          <a:lstStyle/>
+          <a:p>
+            <a:pPr algn="ctr"/>
+            <a:endParaRPr lang="en-US" sz="1050"/>
+          </a:p>
+        </p:txBody>
+      </p:sp>
+      <p:sp>
+        <p:nvSpPr>
+          <p:cNvPr id="67" name="TextBox 66">
+            <a:extLst>
+              <a:ext uri="{FF2B5EF4-FFF2-40B4-BE49-F238E27FC236}">
+                <a16:creationId xmlns:a16="http://schemas.microsoft.com/office/drawing/2014/main" id="{8A23039D-71E1-C946-9FF3-33EFAA02D2C7}"/>
+              </a:ext>
+            </a:extLst>
+          </p:cNvPr>
+          <p:cNvSpPr txBox="1"/>
+          <p:nvPr/>
+        </p:nvSpPr>
+        <p:spPr>
+          <a:xfrm>
+            <a:off x="1757973" y="5007473"/>
+            <a:ext cx="194474" cy="178683"/>
+          </a:xfrm>
+          <a:prstGeom prst="rect">
+            <a:avLst/>
+          </a:prstGeom>
+          <a:noFill/>
+        </p:spPr>
+        <p:txBody>
+          <a:bodyPr wrap="square" lIns="0" tIns="0" rIns="0" bIns="0" rtlCol="0">
+            <a:noAutofit/>
+          </a:bodyPr>
+          <a:lstStyle/>
+          <a:p>
+            <a:pPr algn="ctr"/>
+            <a:r>
+              <a:rPr lang="en-US" sz="1100" dirty="0">
+                <a:solidFill>
+                  <a:srgbClr val="7030A0"/>
+                </a:solidFill>
+              </a:rPr>
+              <a:t>1</a:t>
+            </a:r>
+            <a:endParaRPr lang="en-SG" sz="1100" dirty="0">
+              <a:solidFill>
+                <a:srgbClr val="7030A0"/>
+              </a:solidFill>
+            </a:endParaRPr>
+          </a:p>
+        </p:txBody>
+      </p:sp>
+      <p:sp>
+        <p:nvSpPr>
+          <p:cNvPr id="68" name="Rectangle 8">
+            <a:extLst>
+              <a:ext uri="{FF2B5EF4-FFF2-40B4-BE49-F238E27FC236}">
+                <a16:creationId xmlns:a16="http://schemas.microsoft.com/office/drawing/2014/main" id="{BD521878-CCF1-134E-91D0-2E58044F75B3}"/>
+              </a:ext>
+            </a:extLst>
+          </p:cNvPr>
+          <p:cNvSpPr/>
+          <p:nvPr/>
+        </p:nvSpPr>
+        <p:spPr>
+          <a:xfrm>
+            <a:off x="3366674" y="4800600"/>
+            <a:ext cx="1329142" cy="346760"/>
+          </a:xfrm>
+          <a:prstGeom prst="rect">
+            <a:avLst/>
+          </a:prstGeom>
+          <a:ln w="19050">
+            <a:solidFill>
+              <a:srgbClr val="7030A0"/>
+            </a:solidFill>
+          </a:ln>
+          <a:effectLst/>
+        </p:spPr>
+        <p:style>
+          <a:lnRef idx="1">
+            <a:schemeClr val="accent4"/>
+          </a:lnRef>
+          <a:fillRef idx="2">
+            <a:schemeClr val="accent4"/>
+          </a:fillRef>
+          <a:effectRef idx="1">
+            <a:schemeClr val="accent4"/>
+          </a:effectRef>
+          <a:fontRef idx="minor">
+            <a:schemeClr val="dk1"/>
+          </a:fontRef>
+        </p:style>
+        <p:txBody>
+          <a:bodyPr rtlCol="0" anchor="ctr"/>
+          <a:lstStyle/>
+          <a:p>
+            <a:pPr algn="ctr"/>
+            <a:r>
+              <a:rPr lang="en-US" sz="1050" dirty="0">
+                <a:solidFill>
+                  <a:srgbClr val="7030A0"/>
+                </a:solidFill>
+              </a:rPr>
+              <a:t>&lt;&lt;interface&gt;&gt;</a:t>
+            </a:r>
+          </a:p>
+          <a:p>
+            <a:pPr algn="ctr"/>
+            <a:r>
+              <a:rPr lang="en-US" sz="1050" dirty="0">
+                <a:solidFill>
+                  <a:srgbClr val="7030A0"/>
+                </a:solidFill>
+              </a:rPr>
+              <a:t>ReadOnlyUserPrefs</a:t>
+            </a:r>
+            <a:endParaRPr lang="en-SG" sz="1050" dirty="0">
+              <a:solidFill>
+                <a:srgbClr val="7030A0"/>
+              </a:solidFill>
+            </a:endParaRPr>
+          </a:p>
+        </p:txBody>
+      </p:sp>
+      <p:sp>
+        <p:nvSpPr>
+          <p:cNvPr id="69" name="Isosceles Triangle 102">
+            <a:extLst>
+              <a:ext uri="{FF2B5EF4-FFF2-40B4-BE49-F238E27FC236}">
+                <a16:creationId xmlns:a16="http://schemas.microsoft.com/office/drawing/2014/main" id="{C19F14A1-1E31-6F47-9BF0-6C0578F089ED}"/>
+              </a:ext>
+            </a:extLst>
+          </p:cNvPr>
+          <p:cNvSpPr/>
+          <p:nvPr/>
+        </p:nvSpPr>
+        <p:spPr>
+          <a:xfrm rot="5400000" flipH="1">
+            <a:off x="3123471" y="4851097"/>
+            <a:ext cx="271014" cy="227603"/>
+          </a:xfrm>
+          <a:prstGeom prst="triangle">
+            <a:avLst>
+              <a:gd name="adj" fmla="val 44517"/>
+            </a:avLst>
+          </a:prstGeom>
+          <a:solidFill>
+            <a:schemeClr val="accent4">
+              <a:lumMod val="20000"/>
+              <a:lumOff val="80000"/>
+            </a:schemeClr>
+          </a:solidFill>
+          <a:ln w="19050">
+            <a:solidFill>
+              <a:srgbClr val="7030A0"/>
+            </a:solidFill>
+          </a:ln>
+          <a:effectLst/>
+        </p:spPr>
+        <p:style>
+          <a:lnRef idx="1">
+            <a:schemeClr val="accent6"/>
+          </a:lnRef>
+          <a:fillRef idx="2">
+            <a:schemeClr val="accent6"/>
+          </a:fillRef>
+          <a:effectRef idx="1">
+            <a:schemeClr val="accent6"/>
+          </a:effectRef>
+          <a:fontRef idx="minor">
+            <a:schemeClr val="dk1"/>
+          </a:fontRef>
+        </p:style>
+        <p:txBody>
+          <a:bodyPr rtlCol="0" anchor="ctr"/>
+          <a:lstStyle/>
+          <a:p>
+            <a:pPr algn="ctr"/>
+            <a:endParaRPr lang="en-SG" sz="1050"/>
+          </a:p>
+        </p:txBody>
+      </p:sp>
+      <p:cxnSp>
+        <p:nvCxnSpPr>
+          <p:cNvPr id="70" name="Elbow Connector 63">
+            <a:extLst>
+              <a:ext uri="{FF2B5EF4-FFF2-40B4-BE49-F238E27FC236}">
+                <a16:creationId xmlns:a16="http://schemas.microsoft.com/office/drawing/2014/main" id="{48CF2F53-8EE4-BF49-96EC-65A6A76A99EE}"/>
+              </a:ext>
+            </a:extLst>
+          </p:cNvPr>
+          <p:cNvCxnSpPr>
+            <a:cxnSpLocks/>
+            <a:stCxn id="69" idx="3"/>
+            <a:endCxn id="64" idx="3"/>
+          </p:cNvCxnSpPr>
+          <p:nvPr/>
+        </p:nvCxnSpPr>
+        <p:spPr>
+          <a:xfrm rot="10800000">
+            <a:off x="2855483" y="4976357"/>
+            <a:ext cx="289695" cy="3403"/>
+          </a:xfrm>
+          <a:prstGeom prst="bentConnector3">
+            <a:avLst>
+              <a:gd name="adj1" fmla="val 50000"/>
+            </a:avLst>
+          </a:prstGeom>
+          <a:ln w="19050">
+            <a:solidFill>
+              <a:srgbClr val="7030A0"/>
+            </a:solidFill>
+            <a:prstDash val="sysDot"/>
+            <a:headEnd type="none" w="med" len="med"/>
+            <a:tailEnd type="none" w="med" len="med"/>
+          </a:ln>
+          <a:effectLst/>
+        </p:spPr>
+        <p:style>
+          <a:lnRef idx="1">
+            <a:schemeClr val="accent2"/>
+          </a:lnRef>
+          <a:fillRef idx="2">
+            <a:schemeClr val="accent2"/>
+          </a:fillRef>
+          <a:effectRef idx="1">
+            <a:schemeClr val="accent2"/>
+          </a:effectRef>
+          <a:fontRef idx="minor">
+            <a:schemeClr val="dk1"/>
+          </a:fontRef>
+        </p:style>
+      </p:cxnSp>
+      <p:sp>
+        <p:nvSpPr>
+          <p:cNvPr id="78" name="Rectangle 8">
+            <a:extLst>
+              <a:ext uri="{FF2B5EF4-FFF2-40B4-BE49-F238E27FC236}">
+                <a16:creationId xmlns:a16="http://schemas.microsoft.com/office/drawing/2014/main" id="{8684A56D-EAE1-A34B-A149-59B35D55FD87}"/>
+              </a:ext>
+            </a:extLst>
+          </p:cNvPr>
+          <p:cNvSpPr/>
+          <p:nvPr/>
+        </p:nvSpPr>
+        <p:spPr>
+          <a:xfrm>
+            <a:off x="3874344" y="1942615"/>
+            <a:ext cx="1188862" cy="346760"/>
+          </a:xfrm>
+          <a:prstGeom prst="rect">
+            <a:avLst/>
+          </a:prstGeom>
+          <a:solidFill>
+            <a:schemeClr val="accent5">
+              <a:lumMod val="50000"/>
+            </a:schemeClr>
+          </a:solidFill>
+          <a:ln w="19050">
+            <a:noFill/>
+          </a:ln>
+          <a:effectLst/>
+        </p:spPr>
+        <p:style>
+          <a:lnRef idx="1">
+            <a:schemeClr val="accent4"/>
+          </a:lnRef>
+          <a:fillRef idx="2">
+            <a:schemeClr val="accent4"/>
+          </a:fillRef>
+          <a:effectRef idx="1">
+            <a:schemeClr val="accent4"/>
+          </a:effectRef>
+          <a:fontRef idx="minor">
+            <a:schemeClr val="dk1"/>
+          </a:fontRef>
+        </p:style>
+        <p:txBody>
+          <a:bodyPr rtlCol="0" anchor="ctr"/>
+          <a:lstStyle/>
+          <a:p>
+            <a:pPr algn="ctr"/>
+            <a:r>
+              <a:rPr lang="en-US" sz="1050" dirty="0">
+                <a:solidFill>
+                  <a:schemeClr val="bg1"/>
+                </a:solidFill>
+              </a:rPr>
+              <a:t>UniqueNameList</a:t>
+            </a:r>
+            <a:endParaRPr lang="en-SG" sz="1050" dirty="0">
+              <a:solidFill>
+                <a:schemeClr val="bg1"/>
+              </a:solidFill>
+            </a:endParaRPr>
+          </a:p>
+        </p:txBody>
+      </p:sp>
+      <p:cxnSp>
+        <p:nvCxnSpPr>
+          <p:cNvPr id="82" name="Elbow Connector 81">
+            <a:extLst>
+              <a:ext uri="{FF2B5EF4-FFF2-40B4-BE49-F238E27FC236}">
+                <a16:creationId xmlns:a16="http://schemas.microsoft.com/office/drawing/2014/main" id="{AC6AD123-FE5A-9C46-A547-7B36557AD92A}"/>
+              </a:ext>
+            </a:extLst>
+          </p:cNvPr>
+          <p:cNvCxnSpPr>
+            <a:cxnSpLocks/>
+            <a:stCxn id="78" idx="3"/>
+          </p:cNvCxnSpPr>
+          <p:nvPr/>
+        </p:nvCxnSpPr>
+        <p:spPr>
+          <a:xfrm>
+            <a:off x="5063206" y="2115995"/>
+            <a:ext cx="1782289" cy="792009"/>
+          </a:xfrm>
+          <a:prstGeom prst="bentConnector3">
+            <a:avLst>
+              <a:gd name="adj1" fmla="val 79368"/>
+            </a:avLst>
+          </a:prstGeom>
+          <a:ln w="19050">
+            <a:solidFill>
+              <a:schemeClr val="accent5">
+                <a:lumMod val="50000"/>
+              </a:schemeClr>
+            </a:solidFill>
+            <a:headEnd type="none" w="med" len="med"/>
+            <a:tailEnd type="arrow" w="med" len="med"/>
+          </a:ln>
+        </p:spPr>
+        <p:style>
+          <a:lnRef idx="1">
+            <a:schemeClr val="accent1"/>
+          </a:lnRef>
+          <a:fillRef idx="0">
+            <a:schemeClr val="accent1"/>
+          </a:fillRef>
+          <a:effectRef idx="0">
+            <a:schemeClr val="accent1"/>
+          </a:effectRef>
+          <a:fontRef idx="minor">
+            <a:schemeClr val="tx1"/>
+          </a:fontRef>
+        </p:style>
+      </p:cxnSp>
+      <p:sp>
+        <p:nvSpPr>
+          <p:cNvPr id="88" name="Rectangle 8">
+            <a:extLst>
+              <a:ext uri="{FF2B5EF4-FFF2-40B4-BE49-F238E27FC236}">
+                <a16:creationId xmlns:a16="http://schemas.microsoft.com/office/drawing/2014/main" id="{372F1D99-C3CA-6942-8CCF-CF645757FEAE}"/>
+              </a:ext>
+            </a:extLst>
+          </p:cNvPr>
+          <p:cNvSpPr/>
+          <p:nvPr/>
+        </p:nvSpPr>
+        <p:spPr>
+          <a:xfrm>
+            <a:off x="6845496" y="3583442"/>
+            <a:ext cx="1020894" cy="285783"/>
+          </a:xfrm>
+          <a:prstGeom prst="rect">
+            <a:avLst/>
+          </a:prstGeom>
+          <a:ln w="19050">
+            <a:solidFill>
+              <a:srgbClr val="7030A0"/>
+            </a:solidFill>
+          </a:ln>
+          <a:effectLst/>
+        </p:spPr>
+        <p:style>
+          <a:lnRef idx="1">
+            <a:schemeClr val="accent4"/>
+          </a:lnRef>
+          <a:fillRef idx="2">
+            <a:schemeClr val="accent4"/>
+          </a:fillRef>
+          <a:effectRef idx="1">
+            <a:schemeClr val="accent4"/>
+          </a:effectRef>
+          <a:fontRef idx="minor">
+            <a:schemeClr val="dk1"/>
+          </a:fontRef>
+        </p:style>
+        <p:txBody>
+          <a:bodyPr rtlCol="0" anchor="ctr"/>
+          <a:lstStyle/>
+          <a:p>
+            <a:pPr algn="ctr"/>
+            <a:r>
+              <a:rPr lang="en-US" sz="900" dirty="0">
+                <a:solidFill>
+                  <a:srgbClr val="7030A0"/>
+                </a:solidFill>
+              </a:rPr>
+              <a:t>Count Equipment</a:t>
+            </a:r>
+            <a:endParaRPr lang="en-SG" sz="900" dirty="0">
+              <a:solidFill>
+                <a:srgbClr val="7030A0"/>
+              </a:solidFill>
+            </a:endParaRPr>
+          </a:p>
+        </p:txBody>
+      </p:sp>
+      <p:sp>
+        <p:nvSpPr>
+          <p:cNvPr id="89" name="Flowchart: Decision 96">
+            <a:extLst>
+              <a:ext uri="{FF2B5EF4-FFF2-40B4-BE49-F238E27FC236}">
+                <a16:creationId xmlns:a16="http://schemas.microsoft.com/office/drawing/2014/main" id="{8D2A6E5E-97C2-754D-9E7A-5A1A9211049F}"/>
+              </a:ext>
+            </a:extLst>
+          </p:cNvPr>
+          <p:cNvSpPr/>
+          <p:nvPr/>
+        </p:nvSpPr>
+        <p:spPr>
+          <a:xfrm>
+            <a:off x="5088559" y="2029304"/>
+            <a:ext cx="242555" cy="173380"/>
+          </a:xfrm>
+          <a:prstGeom prst="flowChartDecision">
+            <a:avLst/>
+          </a:prstGeom>
+          <a:solidFill>
+            <a:schemeClr val="accent5">
+              <a:lumMod val="50000"/>
+            </a:schemeClr>
+          </a:solidFill>
+          <a:ln w="19050">
+            <a:noFill/>
+          </a:ln>
+          <a:effectLst/>
+        </p:spPr>
+        <p:style>
+          <a:lnRef idx="1">
+            <a:schemeClr val="accent6"/>
+          </a:lnRef>
+          <a:fillRef idx="2">
+            <a:schemeClr val="accent6"/>
+          </a:fillRef>
+          <a:effectRef idx="1">
+            <a:schemeClr val="accent6"/>
+          </a:effectRef>
+          <a:fontRef idx="minor">
+            <a:schemeClr val="dk1"/>
+          </a:fontRef>
+        </p:style>
+        <p:txBody>
+          <a:bodyPr rtlCol="0" anchor="ctr"/>
+          <a:lstStyle/>
+          <a:p>
+            <a:pPr algn="ctr"/>
+            <a:endParaRPr lang="en-US" sz="1050">
+              <a:solidFill>
+                <a:schemeClr val="bg1"/>
+              </a:solidFill>
+            </a:endParaRPr>
+          </a:p>
+        </p:txBody>
+      </p:sp>
+      <p:cxnSp>
+        <p:nvCxnSpPr>
+          <p:cNvPr id="90" name="Elbow Connector 89">
+            <a:extLst>
+              <a:ext uri="{FF2B5EF4-FFF2-40B4-BE49-F238E27FC236}">
+                <a16:creationId xmlns:a16="http://schemas.microsoft.com/office/drawing/2014/main" id="{9E17F561-C9B1-4A4A-95BC-86247FD54370}"/>
+              </a:ext>
+            </a:extLst>
+          </p:cNvPr>
+          <p:cNvCxnSpPr>
+            <a:cxnSpLocks/>
+            <a:endCxn id="88" idx="1"/>
+          </p:cNvCxnSpPr>
+          <p:nvPr/>
+        </p:nvCxnSpPr>
+        <p:spPr>
+          <a:xfrm rot="16200000" flipH="1">
+            <a:off x="6529189" y="3410027"/>
+            <a:ext cx="411136" cy="221477"/>
+          </a:xfrm>
+          <a:prstGeom prst="bentConnector2">
+            <a:avLst/>
+          </a:prstGeom>
+          <a:ln w="19050">
+            <a:solidFill>
+              <a:srgbClr val="7030A0"/>
+            </a:solidFill>
+            <a:headEnd type="none" w="med" len="med"/>
+            <a:tailEnd type="arrow" w="med" len="med"/>
+          </a:ln>
+        </p:spPr>
+        <p:style>
+          <a:lnRef idx="1">
+            <a:schemeClr val="accent1"/>
+          </a:lnRef>
+          <a:fillRef idx="0">
+            <a:schemeClr val="accent1"/>
+          </a:fillRef>
+          <a:effectRef idx="0">
+            <a:schemeClr val="accent1"/>
+          </a:effectRef>
+          <a:fontRef idx="minor">
+            <a:schemeClr val="tx1"/>
+          </a:fontRef>
+        </p:style>
+      </p:cxnSp>
+      <p:sp>
+        <p:nvSpPr>
+          <p:cNvPr id="92" name="TextBox 91">
+            <a:extLst>
+              <a:ext uri="{FF2B5EF4-FFF2-40B4-BE49-F238E27FC236}">
+                <a16:creationId xmlns:a16="http://schemas.microsoft.com/office/drawing/2014/main" id="{E7110334-1FB0-6649-B8C6-EDD217BA0FA6}"/>
+              </a:ext>
+            </a:extLst>
+          </p:cNvPr>
+          <p:cNvSpPr txBox="1"/>
+          <p:nvPr/>
+        </p:nvSpPr>
+        <p:spPr>
+          <a:xfrm>
+            <a:off x="6641207" y="1825654"/>
+            <a:ext cx="194474" cy="178683"/>
+          </a:xfrm>
+          <a:prstGeom prst="rect">
+            <a:avLst/>
+          </a:prstGeom>
+          <a:noFill/>
+        </p:spPr>
+        <p:txBody>
+          <a:bodyPr wrap="square" lIns="0" tIns="0" rIns="0" bIns="0" rtlCol="0">
+            <a:noAutofit/>
+          </a:bodyPr>
+          <a:lstStyle/>
+          <a:p>
+            <a:pPr algn="ctr"/>
+            <a:r>
+              <a:rPr lang="en-US" sz="1100" dirty="0">
+                <a:solidFill>
+                  <a:srgbClr val="7030A0"/>
+                </a:solidFill>
+              </a:rPr>
+              <a:t>*</a:t>
+            </a:r>
+            <a:endParaRPr lang="en-SG" sz="1100" dirty="0">
+              <a:solidFill>
+                <a:srgbClr val="7030A0"/>
+              </a:solidFill>
+            </a:endParaRPr>
+          </a:p>
+        </p:txBody>
+      </p:sp>
+      <p:cxnSp>
+        <p:nvCxnSpPr>
+          <p:cNvPr id="95" name="Elbow Connector 94">
+            <a:extLst>
+              <a:ext uri="{FF2B5EF4-FFF2-40B4-BE49-F238E27FC236}">
+                <a16:creationId xmlns:a16="http://schemas.microsoft.com/office/drawing/2014/main" id="{7C50406D-4455-774B-8D19-64471D802C76}"/>
+              </a:ext>
+            </a:extLst>
+          </p:cNvPr>
+          <p:cNvCxnSpPr>
+            <a:cxnSpLocks/>
+            <a:stCxn id="11" idx="3"/>
+            <a:endCxn id="78" idx="1"/>
+          </p:cNvCxnSpPr>
+          <p:nvPr/>
+        </p:nvCxnSpPr>
+        <p:spPr>
+          <a:xfrm flipV="1">
+            <a:off x="3472237" y="2115995"/>
+            <a:ext cx="402107" cy="836940"/>
+          </a:xfrm>
+          <a:prstGeom prst="bentConnector3">
+            <a:avLst>
+              <a:gd name="adj1" fmla="val 34317"/>
+            </a:avLst>
+          </a:prstGeom>
+          <a:ln w="19050">
+            <a:solidFill>
+              <a:schemeClr val="accent5">
+                <a:lumMod val="50000"/>
+              </a:schemeClr>
+            </a:solidFill>
+            <a:headEnd type="none" w="med" len="med"/>
+            <a:tailEnd type="arrow" w="med" len="med"/>
+          </a:ln>
+        </p:spPr>
+        <p:style>
+          <a:lnRef idx="1">
+            <a:schemeClr val="accent1"/>
+          </a:lnRef>
+          <a:fillRef idx="0">
+            <a:schemeClr val="accent1"/>
+          </a:fillRef>
+          <a:effectRef idx="0">
+            <a:schemeClr val="accent1"/>
+          </a:effectRef>
+          <a:fontRef idx="minor">
+            <a:schemeClr val="tx1"/>
+          </a:fontRef>
+        </p:style>
+      </p:cxnSp>
+      <p:sp>
+        <p:nvSpPr>
+          <p:cNvPr id="102" name="TextBox 101">
+            <a:extLst>
+              <a:ext uri="{FF2B5EF4-FFF2-40B4-BE49-F238E27FC236}">
+                <a16:creationId xmlns:a16="http://schemas.microsoft.com/office/drawing/2014/main" id="{AFF7F1F7-583A-6349-BFE8-87A121251C85}"/>
+              </a:ext>
+            </a:extLst>
+          </p:cNvPr>
+          <p:cNvSpPr txBox="1"/>
+          <p:nvPr/>
+        </p:nvSpPr>
+        <p:spPr>
+          <a:xfrm>
+            <a:off x="3686799" y="1909689"/>
+            <a:ext cx="194474" cy="178683"/>
+          </a:xfrm>
+          <a:prstGeom prst="rect">
+            <a:avLst/>
+          </a:prstGeom>
+          <a:noFill/>
+        </p:spPr>
+        <p:txBody>
+          <a:bodyPr wrap="square" lIns="0" tIns="0" rIns="0" bIns="0" rtlCol="0">
+            <a:noAutofit/>
+          </a:bodyPr>
+          <a:lstStyle/>
+          <a:p>
+            <a:pPr algn="ctr"/>
+            <a:r>
+              <a:rPr lang="en-US" sz="1100" dirty="0">
+                <a:ln>
+                  <a:solidFill>
+                    <a:schemeClr val="accent5">
+                      <a:lumMod val="50000"/>
+                    </a:schemeClr>
+                  </a:solidFill>
+                </a:ln>
+                <a:solidFill>
+                  <a:srgbClr val="7030A0"/>
+                </a:solidFill>
+              </a:rPr>
+              <a:t>1</a:t>
+            </a:r>
+            <a:endParaRPr lang="en-SG" sz="1100" dirty="0">
+              <a:ln>
+                <a:solidFill>
+                  <a:schemeClr val="accent5">
+                    <a:lumMod val="50000"/>
+                  </a:schemeClr>
+                </a:solidFill>
+              </a:ln>
+              <a:solidFill>
+                <a:srgbClr val="7030A0"/>
+              </a:solidFill>
+            </a:endParaRPr>
+          </a:p>
+        </p:txBody>
+      </p:sp>
+      <p:cxnSp>
+        <p:nvCxnSpPr>
+          <p:cNvPr id="103" name="Elbow Connector 102">
+            <a:extLst>
+              <a:ext uri="{FF2B5EF4-FFF2-40B4-BE49-F238E27FC236}">
+                <a16:creationId xmlns:a16="http://schemas.microsoft.com/office/drawing/2014/main" id="{2FB3B310-0DA8-FA4E-9158-027B133EA6AC}"/>
+              </a:ext>
+            </a:extLst>
+          </p:cNvPr>
+          <p:cNvCxnSpPr>
+            <a:cxnSpLocks/>
+          </p:cNvCxnSpPr>
+          <p:nvPr/>
+        </p:nvCxnSpPr>
+        <p:spPr>
+          <a:xfrm rot="16200000" flipH="1">
+            <a:off x="6306012" y="3062541"/>
+            <a:ext cx="703745" cy="355597"/>
+          </a:xfrm>
+          <a:prstGeom prst="bentConnector3">
+            <a:avLst>
+              <a:gd name="adj1" fmla="val 100181"/>
+            </a:avLst>
+          </a:prstGeom>
+          <a:ln w="19050">
+            <a:solidFill>
+              <a:schemeClr val="accent5">
+                <a:lumMod val="50000"/>
+              </a:schemeClr>
+            </a:solidFill>
+            <a:headEnd type="none" w="med" len="med"/>
+            <a:tailEnd type="arrow" w="med" len="med"/>
+          </a:ln>
+        </p:spPr>
+        <p:style>
+          <a:lnRef idx="1">
+            <a:schemeClr val="accent1"/>
+          </a:lnRef>
+          <a:fillRef idx="0">
+            <a:schemeClr val="accent1"/>
+          </a:fillRef>
+          <a:effectRef idx="0">
+            <a:schemeClr val="accent1"/>
+          </a:effectRef>
+          <a:fontRef idx="minor">
+            <a:schemeClr val="tx1"/>
+          </a:fontRef>
+        </p:style>
+      </p:cxnSp>
+      <p:cxnSp>
+        <p:nvCxnSpPr>
+          <p:cNvPr id="107" name="Elbow Connector 106">
+            <a:extLst>
+              <a:ext uri="{FF2B5EF4-FFF2-40B4-BE49-F238E27FC236}">
+                <a16:creationId xmlns:a16="http://schemas.microsoft.com/office/drawing/2014/main" id="{4241EE77-22FC-2742-AAB3-A0BF2D64FAB5}"/>
+              </a:ext>
+            </a:extLst>
+          </p:cNvPr>
+          <p:cNvCxnSpPr>
+            <a:cxnSpLocks/>
+          </p:cNvCxnSpPr>
+          <p:nvPr/>
+        </p:nvCxnSpPr>
+        <p:spPr>
+          <a:xfrm rot="16200000" flipH="1">
+            <a:off x="2959307" y="3577393"/>
+            <a:ext cx="1438800" cy="201786"/>
+          </a:xfrm>
+          <a:prstGeom prst="bentConnector3">
+            <a:avLst>
+              <a:gd name="adj1" fmla="val 99859"/>
+            </a:avLst>
+          </a:prstGeom>
+          <a:ln w="19050">
+            <a:solidFill>
+              <a:srgbClr val="0070C0"/>
+            </a:solidFill>
+            <a:headEnd type="none" w="med" len="med"/>
+            <a:tailEnd type="arrow" w="med" len="med"/>
+          </a:ln>
+        </p:spPr>
+        <p:style>
+          <a:lnRef idx="1">
+            <a:schemeClr val="accent1"/>
+          </a:lnRef>
+          <a:fillRef idx="0">
+            <a:schemeClr val="accent1"/>
+          </a:fillRef>
+          <a:effectRef idx="0">
+            <a:schemeClr val="accent1"/>
+          </a:effectRef>
+          <a:fontRef idx="minor">
+            <a:schemeClr val="tx1"/>
+          </a:fontRef>
+        </p:style>
+      </p:cxnSp>
+      <p:sp>
+        <p:nvSpPr>
+          <p:cNvPr id="106" name="Rectangle 8">
+            <a:extLst>
+              <a:ext uri="{FF2B5EF4-FFF2-40B4-BE49-F238E27FC236}">
+                <a16:creationId xmlns:a16="http://schemas.microsoft.com/office/drawing/2014/main" id="{204BFB71-6EC4-0F43-AB53-62E809FEC428}"/>
+              </a:ext>
+            </a:extLst>
+          </p:cNvPr>
+          <p:cNvSpPr/>
+          <p:nvPr/>
+        </p:nvSpPr>
+        <p:spPr>
+          <a:xfrm>
+            <a:off x="3775142" y="4181085"/>
+            <a:ext cx="1280600" cy="346760"/>
+          </a:xfrm>
+          <a:prstGeom prst="rect">
+            <a:avLst/>
+          </a:prstGeom>
+          <a:solidFill>
+            <a:srgbClr val="0070C0"/>
+          </a:solidFill>
+          <a:ln w="19050">
+            <a:noFill/>
+          </a:ln>
+          <a:effectLst/>
+        </p:spPr>
+        <p:style>
+          <a:lnRef idx="1">
+            <a:schemeClr val="accent4"/>
+          </a:lnRef>
+          <a:fillRef idx="2">
+            <a:schemeClr val="accent4"/>
+          </a:fillRef>
+          <a:effectRef idx="1">
+            <a:schemeClr val="accent4"/>
+          </a:effectRef>
+          <a:fontRef idx="minor">
+            <a:schemeClr val="dk1"/>
+          </a:fontRef>
+        </p:style>
+        <p:txBody>
+          <a:bodyPr rtlCol="0" anchor="ctr"/>
+          <a:lstStyle/>
+          <a:p>
+            <a:pPr algn="ctr"/>
+            <a:r>
+              <a:rPr lang="en-US" sz="1050" dirty="0">
+                <a:solidFill>
+                  <a:schemeClr val="bg1"/>
+                </a:solidFill>
+              </a:rPr>
+              <a:t>UniqueWorklistList</a:t>
+            </a:r>
+            <a:endParaRPr lang="en-SG" sz="1050" dirty="0">
+              <a:solidFill>
+                <a:schemeClr val="bg1"/>
+              </a:solidFill>
+            </a:endParaRPr>
+          </a:p>
+        </p:txBody>
+      </p:sp>
+      <p:sp>
+        <p:nvSpPr>
+          <p:cNvPr id="112" name="TextBox 111">
+            <a:extLst>
+              <a:ext uri="{FF2B5EF4-FFF2-40B4-BE49-F238E27FC236}">
+                <a16:creationId xmlns:a16="http://schemas.microsoft.com/office/drawing/2014/main" id="{F53BDBBB-D534-6A43-BA53-880C366AEE05}"/>
+              </a:ext>
+            </a:extLst>
+          </p:cNvPr>
+          <p:cNvSpPr txBox="1"/>
+          <p:nvPr/>
+        </p:nvSpPr>
+        <p:spPr>
+          <a:xfrm>
+            <a:off x="3555804" y="4156607"/>
+            <a:ext cx="194474" cy="178683"/>
+          </a:xfrm>
+          <a:prstGeom prst="rect">
+            <a:avLst/>
+          </a:prstGeom>
+          <a:noFill/>
+          <a:ln>
+            <a:noFill/>
+          </a:ln>
+        </p:spPr>
+        <p:txBody>
+          <a:bodyPr wrap="square" lIns="0" tIns="0" rIns="0" bIns="0" rtlCol="0">
+            <a:noAutofit/>
+          </a:bodyPr>
+          <a:lstStyle/>
+          <a:p>
+            <a:pPr algn="ctr"/>
+            <a:r>
+              <a:rPr lang="en-US" sz="1100" dirty="0">
+                <a:ln>
+                  <a:solidFill>
+                    <a:srgbClr val="0070C0"/>
+                  </a:solidFill>
+                </a:ln>
+                <a:solidFill>
+                  <a:srgbClr val="7030A0"/>
+                </a:solidFill>
+              </a:rPr>
+              <a:t>1</a:t>
+            </a:r>
+            <a:endParaRPr lang="en-SG" sz="1100" dirty="0">
+              <a:ln>
+                <a:solidFill>
+                  <a:srgbClr val="0070C0"/>
+                </a:solidFill>
+              </a:ln>
+              <a:solidFill>
+                <a:srgbClr val="7030A0"/>
+              </a:solidFill>
+            </a:endParaRPr>
+          </a:p>
+        </p:txBody>
+      </p:sp>
+      <p:sp>
+        <p:nvSpPr>
+          <p:cNvPr id="113" name="Flowchart: Decision 96">
+            <a:extLst>
+              <a:ext uri="{FF2B5EF4-FFF2-40B4-BE49-F238E27FC236}">
+                <a16:creationId xmlns:a16="http://schemas.microsoft.com/office/drawing/2014/main" id="{77A2B2E2-FCFD-444B-A08C-9B8E8908E952}"/>
+              </a:ext>
+            </a:extLst>
+          </p:cNvPr>
+          <p:cNvSpPr/>
+          <p:nvPr/>
+        </p:nvSpPr>
+        <p:spPr>
+          <a:xfrm>
+            <a:off x="5055742" y="4279831"/>
+            <a:ext cx="242555" cy="173380"/>
+          </a:xfrm>
+          <a:prstGeom prst="flowChartDecision">
+            <a:avLst/>
+          </a:prstGeom>
+          <a:noFill/>
+          <a:ln w="19050">
+            <a:solidFill>
+              <a:srgbClr val="0070C0"/>
+            </a:solidFill>
+          </a:ln>
+          <a:effectLst/>
+        </p:spPr>
+        <p:style>
+          <a:lnRef idx="1">
+            <a:schemeClr val="accent6"/>
+          </a:lnRef>
+          <a:fillRef idx="2">
+            <a:schemeClr val="accent6"/>
+          </a:fillRef>
+          <a:effectRef idx="1">
+            <a:schemeClr val="accent6"/>
+          </a:effectRef>
+          <a:fontRef idx="minor">
+            <a:schemeClr val="dk1"/>
+          </a:fontRef>
+        </p:style>
+        <p:txBody>
+          <a:bodyPr rtlCol="0" anchor="ctr"/>
+          <a:lstStyle/>
+          <a:p>
+            <a:pPr algn="ctr"/>
+            <a:endParaRPr lang="en-US" sz="1050"/>
+          </a:p>
+        </p:txBody>
+      </p:sp>
+      <p:cxnSp>
+        <p:nvCxnSpPr>
+          <p:cNvPr id="114" name="Elbow Connector 113">
+            <a:extLst>
+              <a:ext uri="{FF2B5EF4-FFF2-40B4-BE49-F238E27FC236}">
+                <a16:creationId xmlns:a16="http://schemas.microsoft.com/office/drawing/2014/main" id="{FBDC1042-ADBA-0445-B501-41F5B5B2BFAD}"/>
+              </a:ext>
+            </a:extLst>
+          </p:cNvPr>
+          <p:cNvCxnSpPr>
+            <a:cxnSpLocks/>
+            <a:stCxn id="113" idx="3"/>
+          </p:cNvCxnSpPr>
+          <p:nvPr/>
+        </p:nvCxnSpPr>
+        <p:spPr>
+          <a:xfrm flipV="1">
+            <a:off x="5298297" y="4357915"/>
+            <a:ext cx="169933" cy="8606"/>
+          </a:xfrm>
+          <a:prstGeom prst="bentConnector3">
+            <a:avLst/>
+          </a:prstGeom>
+          <a:ln w="19050">
+            <a:solidFill>
+              <a:srgbClr val="0070C0"/>
+            </a:solidFill>
+            <a:headEnd type="none" w="med" len="med"/>
+            <a:tailEnd type="arrow" w="med" len="med"/>
+          </a:ln>
+          <a:effectLst/>
+        </p:spPr>
+        <p:style>
+          <a:lnRef idx="1">
+            <a:schemeClr val="accent2"/>
+          </a:lnRef>
+          <a:fillRef idx="2">
+            <a:schemeClr val="accent2"/>
+          </a:fillRef>
+          <a:effectRef idx="1">
+            <a:schemeClr val="accent2"/>
+          </a:effectRef>
+          <a:fontRef idx="minor">
+            <a:schemeClr val="dk1"/>
+          </a:fontRef>
+        </p:style>
+      </p:cxnSp>
+      <p:sp>
+        <p:nvSpPr>
+          <p:cNvPr id="115" name="TextBox 114">
+            <a:extLst>
+              <a:ext uri="{FF2B5EF4-FFF2-40B4-BE49-F238E27FC236}">
+                <a16:creationId xmlns:a16="http://schemas.microsoft.com/office/drawing/2014/main" id="{A9F3B826-8729-A246-AA9C-490D9B848426}"/>
+              </a:ext>
+            </a:extLst>
+          </p:cNvPr>
+          <p:cNvSpPr txBox="1"/>
+          <p:nvPr/>
+        </p:nvSpPr>
+        <p:spPr>
+          <a:xfrm>
+            <a:off x="5298297" y="4173929"/>
+            <a:ext cx="194474" cy="178683"/>
+          </a:xfrm>
+          <a:prstGeom prst="rect">
+            <a:avLst/>
+          </a:prstGeom>
+          <a:noFill/>
+        </p:spPr>
+        <p:txBody>
+          <a:bodyPr wrap="square" lIns="0" tIns="0" rIns="0" bIns="0" rtlCol="0">
+            <a:noAutofit/>
+          </a:bodyPr>
+          <a:lstStyle/>
+          <a:p>
+            <a:pPr algn="ctr"/>
+            <a:r>
+              <a:rPr lang="en-US" sz="1100" dirty="0">
+                <a:ln>
+                  <a:solidFill>
+                    <a:srgbClr val="0070C0"/>
+                  </a:solidFill>
+                </a:ln>
+                <a:solidFill>
+                  <a:srgbClr val="7030A0"/>
+                </a:solidFill>
+              </a:rPr>
+              <a:t>*</a:t>
+            </a:r>
+            <a:endParaRPr lang="en-SG" sz="1100" dirty="0">
+              <a:ln>
+                <a:solidFill>
+                  <a:srgbClr val="0070C0"/>
+                </a:solidFill>
+              </a:ln>
+              <a:solidFill>
+                <a:srgbClr val="7030A0"/>
+              </a:solidFill>
+            </a:endParaRPr>
+          </a:p>
+        </p:txBody>
+      </p:sp>
+      <p:sp>
+        <p:nvSpPr>
+          <p:cNvPr id="116" name="Rectangle 8">
+            <a:extLst>
+              <a:ext uri="{FF2B5EF4-FFF2-40B4-BE49-F238E27FC236}">
+                <a16:creationId xmlns:a16="http://schemas.microsoft.com/office/drawing/2014/main" id="{5611D9FB-C594-4642-8DB9-040AE8C47591}"/>
+              </a:ext>
+            </a:extLst>
+          </p:cNvPr>
+          <p:cNvSpPr/>
+          <p:nvPr/>
+        </p:nvSpPr>
+        <p:spPr>
+          <a:xfrm>
+            <a:off x="5453527" y="4181085"/>
+            <a:ext cx="727708" cy="346760"/>
+          </a:xfrm>
+          <a:prstGeom prst="rect">
+            <a:avLst/>
+          </a:prstGeom>
+          <a:solidFill>
+            <a:srgbClr val="0070C0"/>
+          </a:solidFill>
+          <a:ln w="19050">
+            <a:noFill/>
+          </a:ln>
+          <a:effectLst/>
+        </p:spPr>
+        <p:style>
+          <a:lnRef idx="1">
+            <a:schemeClr val="accent4"/>
+          </a:lnRef>
+          <a:fillRef idx="2">
+            <a:schemeClr val="accent4"/>
+          </a:fillRef>
+          <a:effectRef idx="1">
+            <a:schemeClr val="accent4"/>
+          </a:effectRef>
+          <a:fontRef idx="minor">
+            <a:schemeClr val="dk1"/>
+          </a:fontRef>
+        </p:style>
+        <p:txBody>
+          <a:bodyPr rtlCol="0" anchor="ctr"/>
+          <a:lstStyle/>
+          <a:p>
+            <a:pPr algn="ctr"/>
+            <a:r>
+              <a:rPr lang="en-US" sz="900" dirty="0">
+                <a:solidFill>
+                  <a:schemeClr val="bg1"/>
+                </a:solidFill>
+              </a:rPr>
+              <a:t>WorkList</a:t>
+            </a:r>
+            <a:endParaRPr lang="en-SG" sz="900" dirty="0">
+              <a:solidFill>
+                <a:schemeClr val="bg1"/>
+              </a:solidFill>
+            </a:endParaRPr>
+          </a:p>
+        </p:txBody>
+      </p:sp>
+      <p:sp>
+        <p:nvSpPr>
+          <p:cNvPr id="119" name="Flowchart: Decision 96">
+            <a:extLst>
+              <a:ext uri="{FF2B5EF4-FFF2-40B4-BE49-F238E27FC236}">
+                <a16:creationId xmlns:a16="http://schemas.microsoft.com/office/drawing/2014/main" id="{7D757B1D-A24F-7147-AC52-0F5000AFE520}"/>
+              </a:ext>
+            </a:extLst>
+          </p:cNvPr>
+          <p:cNvSpPr/>
+          <p:nvPr/>
+        </p:nvSpPr>
+        <p:spPr>
+          <a:xfrm>
+            <a:off x="6181235" y="4275528"/>
+            <a:ext cx="242555" cy="173380"/>
+          </a:xfrm>
+          <a:prstGeom prst="flowChartDecision">
+            <a:avLst/>
+          </a:prstGeom>
+          <a:solidFill>
+            <a:srgbClr val="0070C0"/>
+          </a:solidFill>
+          <a:ln w="19050">
+            <a:noFill/>
+          </a:ln>
+          <a:effectLst/>
+        </p:spPr>
+        <p:style>
+          <a:lnRef idx="1">
+            <a:schemeClr val="accent6"/>
+          </a:lnRef>
+          <a:fillRef idx="2">
+            <a:schemeClr val="accent6"/>
+          </a:fillRef>
+          <a:effectRef idx="1">
+            <a:schemeClr val="accent6"/>
+          </a:effectRef>
+          <a:fontRef idx="minor">
+            <a:schemeClr val="dk1"/>
+          </a:fontRef>
+        </p:style>
+        <p:txBody>
+          <a:bodyPr rtlCol="0" anchor="ctr"/>
+          <a:lstStyle/>
+          <a:p>
+            <a:pPr algn="ctr"/>
+            <a:endParaRPr lang="en-US" sz="1050"/>
+          </a:p>
+        </p:txBody>
+      </p:sp>
+      <p:cxnSp>
+        <p:nvCxnSpPr>
+          <p:cNvPr id="120" name="Elbow Connector 119">
+            <a:extLst>
+              <a:ext uri="{FF2B5EF4-FFF2-40B4-BE49-F238E27FC236}">
+                <a16:creationId xmlns:a16="http://schemas.microsoft.com/office/drawing/2014/main" id="{2077AB80-77DB-694A-B0DC-8CB39CB00E31}"/>
+              </a:ext>
+            </a:extLst>
+          </p:cNvPr>
+          <p:cNvCxnSpPr>
+            <a:cxnSpLocks/>
+            <a:stCxn id="119" idx="3"/>
+          </p:cNvCxnSpPr>
+          <p:nvPr/>
+        </p:nvCxnSpPr>
+        <p:spPr>
+          <a:xfrm>
+            <a:off x="6423790" y="4362218"/>
+            <a:ext cx="286664" cy="6177"/>
+          </a:xfrm>
+          <a:prstGeom prst="bentConnector3">
+            <a:avLst>
+              <a:gd name="adj1" fmla="val 50000"/>
+            </a:avLst>
+          </a:prstGeom>
+          <a:ln w="19050">
+            <a:solidFill>
+              <a:srgbClr val="0070C0"/>
+            </a:solidFill>
+            <a:headEnd type="none" w="med" len="med"/>
+            <a:tailEnd type="arrow" w="med" len="med"/>
+          </a:ln>
+        </p:spPr>
+        <p:style>
+          <a:lnRef idx="1">
+            <a:schemeClr val="accent1"/>
+          </a:lnRef>
+          <a:fillRef idx="0">
+            <a:schemeClr val="accent1"/>
+          </a:fillRef>
+          <a:effectRef idx="0">
+            <a:schemeClr val="accent1"/>
+          </a:effectRef>
+          <a:fontRef idx="minor">
+            <a:schemeClr val="tx1"/>
+          </a:fontRef>
+        </p:style>
+      </p:cxnSp>
+      <p:sp>
+        <p:nvSpPr>
+          <p:cNvPr id="123" name="Rectangle 8">
+            <a:extLst>
+              <a:ext uri="{FF2B5EF4-FFF2-40B4-BE49-F238E27FC236}">
+                <a16:creationId xmlns:a16="http://schemas.microsoft.com/office/drawing/2014/main" id="{3C348A1E-761E-A142-ACBB-D45B5281D626}"/>
+              </a:ext>
+            </a:extLst>
+          </p:cNvPr>
+          <p:cNvSpPr/>
+          <p:nvPr/>
+        </p:nvSpPr>
+        <p:spPr>
+          <a:xfrm>
+            <a:off x="6729849" y="4239890"/>
+            <a:ext cx="1005835" cy="236049"/>
+          </a:xfrm>
+          <a:prstGeom prst="rect">
+            <a:avLst/>
+          </a:prstGeom>
+          <a:solidFill>
+            <a:srgbClr val="0070C0"/>
+          </a:solidFill>
+          <a:ln w="19050">
+            <a:noFill/>
+          </a:ln>
+          <a:effectLst/>
+        </p:spPr>
+        <p:style>
+          <a:lnRef idx="1">
+            <a:schemeClr val="accent4"/>
+          </a:lnRef>
+          <a:fillRef idx="2">
+            <a:schemeClr val="accent4"/>
+          </a:fillRef>
+          <a:effectRef idx="1">
+            <a:schemeClr val="accent4"/>
+          </a:effectRef>
+          <a:fontRef idx="minor">
+            <a:schemeClr val="dk1"/>
+          </a:fontRef>
+        </p:style>
+        <p:txBody>
+          <a:bodyPr rtlCol="0" anchor="ctr"/>
+          <a:lstStyle/>
+          <a:p>
+            <a:pPr algn="ctr"/>
+            <a:r>
+              <a:rPr lang="en-SG" sz="1050" dirty="0">
+                <a:solidFill>
+                  <a:schemeClr val="bg1"/>
+                </a:solidFill>
+              </a:rPr>
+              <a:t>Assignee</a:t>
+            </a:r>
+          </a:p>
+        </p:txBody>
+      </p:sp>
+      <p:sp>
+        <p:nvSpPr>
+          <p:cNvPr id="127" name="Rectangle 8">
+            <a:extLst>
+              <a:ext uri="{FF2B5EF4-FFF2-40B4-BE49-F238E27FC236}">
+                <a16:creationId xmlns:a16="http://schemas.microsoft.com/office/drawing/2014/main" id="{91990865-94C8-AF41-BDB5-0EBC1B66D498}"/>
+              </a:ext>
+            </a:extLst>
+          </p:cNvPr>
+          <p:cNvSpPr/>
+          <p:nvPr/>
+        </p:nvSpPr>
+        <p:spPr>
+          <a:xfrm>
+            <a:off x="6736791" y="4623551"/>
+            <a:ext cx="1005835" cy="236049"/>
+          </a:xfrm>
+          <a:prstGeom prst="rect">
+            <a:avLst/>
+          </a:prstGeom>
+          <a:solidFill>
+            <a:srgbClr val="0070C0"/>
+          </a:solidFill>
+          <a:ln w="19050">
+            <a:noFill/>
+          </a:ln>
+          <a:effectLst/>
+        </p:spPr>
+        <p:style>
+          <a:lnRef idx="1">
+            <a:schemeClr val="accent4"/>
+          </a:lnRef>
+          <a:fillRef idx="2">
+            <a:schemeClr val="accent4"/>
+          </a:fillRef>
+          <a:effectRef idx="1">
+            <a:schemeClr val="accent4"/>
+          </a:effectRef>
+          <a:fontRef idx="minor">
+            <a:schemeClr val="dk1"/>
+          </a:fontRef>
+        </p:style>
+        <p:txBody>
+          <a:bodyPr rtlCol="0" anchor="ctr"/>
+          <a:lstStyle/>
+          <a:p>
+            <a:pPr algn="ctr"/>
+            <a:r>
+              <a:rPr lang="en-SG" sz="1050" dirty="0">
+                <a:solidFill>
+                  <a:schemeClr val="bg1"/>
+                </a:solidFill>
+              </a:rPr>
+              <a:t>WorkID</a:t>
+            </a:r>
+          </a:p>
+        </p:txBody>
+      </p:sp>
+      <p:cxnSp>
+        <p:nvCxnSpPr>
+          <p:cNvPr id="130" name="Elbow Connector 129">
+            <a:extLst>
+              <a:ext uri="{FF2B5EF4-FFF2-40B4-BE49-F238E27FC236}">
+                <a16:creationId xmlns:a16="http://schemas.microsoft.com/office/drawing/2014/main" id="{CA2E0799-9CF1-1E49-AAA7-FE9AC33A7189}"/>
+              </a:ext>
+            </a:extLst>
+          </p:cNvPr>
+          <p:cNvCxnSpPr>
+            <a:cxnSpLocks/>
+            <a:endCxn id="127" idx="1"/>
+          </p:cNvCxnSpPr>
+          <p:nvPr/>
+        </p:nvCxnSpPr>
+        <p:spPr>
+          <a:xfrm rot="16200000" flipH="1">
+            <a:off x="6434189" y="4438974"/>
+            <a:ext cx="388962" cy="216241"/>
+          </a:xfrm>
+          <a:prstGeom prst="bentConnector2">
+            <a:avLst/>
+          </a:prstGeom>
+          <a:ln w="19050">
+            <a:headEnd type="none" w="med" len="med"/>
+            <a:tailEnd type="arrow" w="med" len="med"/>
+          </a:ln>
+        </p:spPr>
+        <p:style>
+          <a:lnRef idx="1">
+            <a:schemeClr val="accent1"/>
+          </a:lnRef>
+          <a:fillRef idx="0">
+            <a:schemeClr val="accent1"/>
+          </a:fillRef>
+          <a:effectRef idx="0">
+            <a:schemeClr val="accent1"/>
+          </a:effectRef>
+          <a:fontRef idx="minor">
+            <a:schemeClr val="tx1"/>
+          </a:fontRef>
+        </p:style>
+      </p:cxnSp>
+      <p:cxnSp>
+        <p:nvCxnSpPr>
+          <p:cNvPr id="134" name="Elbow Connector 133">
+            <a:extLst>
+              <a:ext uri="{FF2B5EF4-FFF2-40B4-BE49-F238E27FC236}">
+                <a16:creationId xmlns:a16="http://schemas.microsoft.com/office/drawing/2014/main" id="{ED3F41DC-15CA-0840-B48A-BAE8F61FA626}"/>
+              </a:ext>
+            </a:extLst>
+          </p:cNvPr>
+          <p:cNvCxnSpPr>
+            <a:endCxn id="39" idx="3"/>
+          </p:cNvCxnSpPr>
+          <p:nvPr/>
+        </p:nvCxnSpPr>
+        <p:spPr>
+          <a:xfrm rot="5400000" flipH="1" flipV="1">
+            <a:off x="6016564" y="2514113"/>
+            <a:ext cx="2352091" cy="1344121"/>
+          </a:xfrm>
+          <a:prstGeom prst="bentConnector4">
+            <a:avLst>
+              <a:gd name="adj1" fmla="val 12908"/>
+              <a:gd name="adj2" fmla="val 117007"/>
+            </a:avLst>
+          </a:prstGeom>
+          <a:ln w="19050">
+            <a:solidFill>
+              <a:srgbClr val="0070C0"/>
+            </a:solidFill>
+            <a:tailEnd type="triangle"/>
+          </a:ln>
+        </p:spPr>
+        <p:style>
+          <a:lnRef idx="1">
+            <a:schemeClr val="accent1"/>
+          </a:lnRef>
+          <a:fillRef idx="0">
+            <a:schemeClr val="accent1"/>
+          </a:fillRef>
+          <a:effectRef idx="0">
+            <a:schemeClr val="accent1"/>
+          </a:effectRef>
+          <a:fontRef idx="minor">
+            <a:schemeClr val="tx1"/>
+          </a:fontRef>
+        </p:style>
+      </p:cxnSp>
+    </p:spTree>
+    <p:extLst>
+      <p:ext uri="{BB962C8B-B14F-4D97-AF65-F5344CB8AC3E}">
+        <p14:creationId xmlns:p14="http://schemas.microsoft.com/office/powerpoint/2010/main" val="3101471386"/>
       </p:ext>
     </p:extLst>
   </p:cSld>

--- a/docs/diagrams/ModelComponentClassDiagram.pptx
+++ b/docs/diagrams/ModelComponentClassDiagram.pptx
@@ -208,7 +208,7 @@
           <a:p>
             <a:fld id="{F5CC4B3F-88C1-4FFA-B1B6-F41C21DC6924}" type="datetimeFigureOut">
               <a:rPr lang="en-US" smtClean="0"/>
-              <a:t>3/26/2019</a:t>
+              <a:t>09-Apr-19</a:t>
             </a:fld>
             <a:endParaRPr lang="en-US"/>
           </a:p>
@@ -654,7 +654,7 @@
           <a:p>
             <a:fld id="{78C97017-6FC3-485B-9764-EAC9E56C1D49}" type="datetimeFigureOut">
               <a:rPr lang="en-US" smtClean="0"/>
-              <a:t>3/26/2019</a:t>
+              <a:t>09-Apr-19</a:t>
             </a:fld>
             <a:endParaRPr lang="en-US"/>
           </a:p>
@@ -822,7 +822,7 @@
           <a:p>
             <a:fld id="{78C97017-6FC3-485B-9764-EAC9E56C1D49}" type="datetimeFigureOut">
               <a:rPr lang="en-US" smtClean="0"/>
-              <a:t>3/26/2019</a:t>
+              <a:t>09-Apr-19</a:t>
             </a:fld>
             <a:endParaRPr lang="en-US"/>
           </a:p>
@@ -1000,7 +1000,7 @@
           <a:p>
             <a:fld id="{78C97017-6FC3-485B-9764-EAC9E56C1D49}" type="datetimeFigureOut">
               <a:rPr lang="en-US" smtClean="0"/>
-              <a:t>3/26/2019</a:t>
+              <a:t>09-Apr-19</a:t>
             </a:fld>
             <a:endParaRPr lang="en-US"/>
           </a:p>
@@ -1168,7 +1168,7 @@
           <a:p>
             <a:fld id="{78C97017-6FC3-485B-9764-EAC9E56C1D49}" type="datetimeFigureOut">
               <a:rPr lang="en-US" smtClean="0"/>
-              <a:t>3/26/2019</a:t>
+              <a:t>09-Apr-19</a:t>
             </a:fld>
             <a:endParaRPr lang="en-US"/>
           </a:p>
@@ -1413,7 +1413,7 @@
           <a:p>
             <a:fld id="{78C97017-6FC3-485B-9764-EAC9E56C1D49}" type="datetimeFigureOut">
               <a:rPr lang="en-US" smtClean="0"/>
-              <a:t>3/26/2019</a:t>
+              <a:t>09-Apr-19</a:t>
             </a:fld>
             <a:endParaRPr lang="en-US"/>
           </a:p>
@@ -1698,7 +1698,7 @@
           <a:p>
             <a:fld id="{78C97017-6FC3-485B-9764-EAC9E56C1D49}" type="datetimeFigureOut">
               <a:rPr lang="en-US" smtClean="0"/>
-              <a:t>3/26/2019</a:t>
+              <a:t>09-Apr-19</a:t>
             </a:fld>
             <a:endParaRPr lang="en-US"/>
           </a:p>
@@ -2117,7 +2117,7 @@
           <a:p>
             <a:fld id="{78C97017-6FC3-485B-9764-EAC9E56C1D49}" type="datetimeFigureOut">
               <a:rPr lang="en-US" smtClean="0"/>
-              <a:t>3/26/2019</a:t>
+              <a:t>09-Apr-19</a:t>
             </a:fld>
             <a:endParaRPr lang="en-US"/>
           </a:p>
@@ -2234,7 +2234,7 @@
           <a:p>
             <a:fld id="{78C97017-6FC3-485B-9764-EAC9E56C1D49}" type="datetimeFigureOut">
               <a:rPr lang="en-US" smtClean="0"/>
-              <a:t>3/26/2019</a:t>
+              <a:t>09-Apr-19</a:t>
             </a:fld>
             <a:endParaRPr lang="en-US"/>
           </a:p>
@@ -2329,7 +2329,7 @@
           <a:p>
             <a:fld id="{78C97017-6FC3-485B-9764-EAC9E56C1D49}" type="datetimeFigureOut">
               <a:rPr lang="en-US" smtClean="0"/>
-              <a:t>3/26/2019</a:t>
+              <a:t>09-Apr-19</a:t>
             </a:fld>
             <a:endParaRPr lang="en-US"/>
           </a:p>
@@ -2604,7 +2604,7 @@
           <a:p>
             <a:fld id="{78C97017-6FC3-485B-9764-EAC9E56C1D49}" type="datetimeFigureOut">
               <a:rPr lang="en-US" smtClean="0"/>
-              <a:t>3/26/2019</a:t>
+              <a:t>09-Apr-19</a:t>
             </a:fld>
             <a:endParaRPr lang="en-US"/>
           </a:p>
@@ -2856,7 +2856,7 @@
           <a:p>
             <a:fld id="{78C97017-6FC3-485B-9764-EAC9E56C1D49}" type="datetimeFigureOut">
               <a:rPr lang="en-US" smtClean="0"/>
-              <a:t>3/26/2019</a:t>
+              <a:t>09-Apr-19</a:t>
             </a:fld>
             <a:endParaRPr lang="en-US"/>
           </a:p>
@@ -3067,7 +3067,7 @@
           <a:p>
             <a:fld id="{78C97017-6FC3-485B-9764-EAC9E56C1D49}" type="datetimeFigureOut">
               <a:rPr lang="en-US" smtClean="0"/>
-              <a:t>3/26/2019</a:t>
+              <a:t>09-Apr-19</a:t>
             </a:fld>
             <a:endParaRPr lang="en-US"/>
           </a:p>
@@ -3450,8 +3450,8 @@
         </p:nvSpPr>
         <p:spPr>
           <a:xfrm>
-            <a:off x="1119865" y="1600200"/>
-            <a:ext cx="7566935" cy="3124200"/>
+            <a:off x="990601" y="1078240"/>
+            <a:ext cx="7696200" cy="5398760"/>
           </a:xfrm>
           <a:prstGeom prst="roundRect">
             <a:avLst>
@@ -3511,7 +3511,7 @@
         </p:nvSpPr>
         <p:spPr>
           <a:xfrm>
-            <a:off x="2825280" y="3463240"/>
+            <a:off x="2825280" y="5215840"/>
             <a:ext cx="878211" cy="346760"/>
           </a:xfrm>
           <a:prstGeom prst="rect">
@@ -3544,7 +3544,7 @@
           <a:p>
             <a:pPr algn="ctr"/>
             <a:r>
-              <a:rPr lang="en-US" sz="1050" dirty="0" err="1">
+              <a:rPr lang="en-US" sz="1050" dirty="0">
                 <a:solidFill>
                   <a:srgbClr val="7030A0"/>
                 </a:solidFill>
@@ -3567,7 +3567,7 @@
         </p:nvSpPr>
         <p:spPr>
           <a:xfrm rot="16200000">
-            <a:off x="1661548" y="3097750"/>
+            <a:off x="1661548" y="4850350"/>
             <a:ext cx="1093635" cy="346760"/>
           </a:xfrm>
           <a:prstGeom prst="rect">
@@ -3603,7 +3603,7 @@
           <a:p>
             <a:pPr algn="ctr"/>
             <a:r>
-              <a:rPr lang="en-US" sz="1050" dirty="0" err="1">
+              <a:rPr lang="en-US" sz="1050" dirty="0">
                 <a:solidFill>
                   <a:schemeClr val="bg1"/>
                 </a:solidFill>
@@ -3630,7 +3630,7 @@
         </p:nvCxnSpPr>
         <p:spPr>
           <a:xfrm rot="5400000" flipH="1" flipV="1">
-            <a:off x="4131507" y="1281685"/>
+            <a:off x="4131507" y="3034285"/>
             <a:ext cx="613122" cy="4459404"/>
           </a:xfrm>
           <a:prstGeom prst="bentConnector3">
@@ -3671,7 +3671,7 @@
         </p:nvSpPr>
         <p:spPr>
           <a:xfrm rot="16200000">
-            <a:off x="956202" y="2861202"/>
+            <a:off x="956202" y="4613802"/>
             <a:ext cx="1093635" cy="346760"/>
           </a:xfrm>
           <a:prstGeom prst="rect">
@@ -3741,7 +3741,7 @@
         </p:nvSpPr>
         <p:spPr>
           <a:xfrm rot="16200000">
-            <a:off x="1626910" y="2952291"/>
+            <a:off x="1626910" y="4704891"/>
             <a:ext cx="270504" cy="175523"/>
           </a:xfrm>
           <a:prstGeom prst="triangle">
@@ -3792,7 +3792,7 @@
         </p:nvCxnSpPr>
         <p:spPr>
           <a:xfrm>
-            <a:off x="2609828" y="3636620"/>
+            <a:off x="2609828" y="5389220"/>
             <a:ext cx="215452" cy="0"/>
           </a:xfrm>
           <a:prstGeom prst="straightConnector1">
@@ -3830,7 +3830,7 @@
         </p:nvCxnSpPr>
         <p:spPr>
           <a:xfrm>
-            <a:off x="910091" y="3040053"/>
+            <a:off x="910091" y="4792653"/>
             <a:ext cx="419548" cy="2860"/>
           </a:xfrm>
           <a:prstGeom prst="bentConnector3">
@@ -3875,7 +3875,7 @@
         </p:nvCxnSpPr>
         <p:spPr>
           <a:xfrm flipV="1">
-            <a:off x="1849924" y="3040052"/>
+            <a:off x="1849924" y="4792652"/>
             <a:ext cx="216105" cy="1"/>
           </a:xfrm>
           <a:prstGeom prst="line">
@@ -3914,7 +3914,7 @@
         </p:nvSpPr>
         <p:spPr>
           <a:xfrm>
-            <a:off x="2373780" y="3549930"/>
+            <a:off x="2373780" y="5302530"/>
             <a:ext cx="236048" cy="173380"/>
           </a:xfrm>
           <a:prstGeom prst="flowChartDecision">
@@ -3959,7 +3959,7 @@
         </p:nvSpPr>
         <p:spPr>
           <a:xfrm>
-            <a:off x="2825280" y="2846162"/>
+            <a:off x="2825280" y="4598762"/>
             <a:ext cx="1490560" cy="334856"/>
           </a:xfrm>
           <a:prstGeom prst="rect">
@@ -4018,7 +4018,7 @@
         </p:nvCxnSpPr>
         <p:spPr>
           <a:xfrm>
-            <a:off x="2624360" y="3003033"/>
+            <a:off x="2624360" y="4755633"/>
             <a:ext cx="200920" cy="10557"/>
           </a:xfrm>
           <a:prstGeom prst="straightConnector1">
@@ -4056,7 +4056,7 @@
         </p:nvSpPr>
         <p:spPr>
           <a:xfrm>
-            <a:off x="2388312" y="2916343"/>
+            <a:off x="2388312" y="4668943"/>
             <a:ext cx="236048" cy="173380"/>
           </a:xfrm>
           <a:prstGeom prst="flowChartDecision">
@@ -4101,7 +4101,7 @@
         </p:nvSpPr>
         <p:spPr>
           <a:xfrm>
-            <a:off x="4692650" y="2846162"/>
+            <a:off x="4692650" y="4598762"/>
             <a:ext cx="1156969" cy="346760"/>
           </a:xfrm>
           <a:prstGeom prst="rect">
@@ -4134,7 +4134,7 @@
           <a:p>
             <a:pPr algn="ctr"/>
             <a:r>
-              <a:rPr lang="en-US" sz="1050" dirty="0" err="1">
+              <a:rPr lang="en-US" sz="1050" dirty="0">
                 <a:solidFill>
                   <a:srgbClr val="7030A0"/>
                 </a:solidFill>
@@ -4157,7 +4157,7 @@
         </p:nvSpPr>
         <p:spPr>
           <a:xfrm>
-            <a:off x="4324972" y="2920532"/>
+            <a:off x="4324972" y="4673132"/>
             <a:ext cx="236048" cy="173380"/>
           </a:xfrm>
           <a:prstGeom prst="flowChartDecision">
@@ -4204,7 +4204,7 @@
         </p:nvSpPr>
         <p:spPr>
           <a:xfrm>
-            <a:off x="6313677" y="2858066"/>
+            <a:off x="6313677" y="4610666"/>
             <a:ext cx="708186" cy="346760"/>
           </a:xfrm>
           <a:prstGeom prst="rect">
@@ -4260,7 +4260,7 @@
         </p:nvSpPr>
         <p:spPr>
           <a:xfrm>
-            <a:off x="5858751" y="2941676"/>
+            <a:off x="5858751" y="4694276"/>
             <a:ext cx="236048" cy="173380"/>
           </a:xfrm>
           <a:prstGeom prst="flowChartDecision">
@@ -4308,7 +4308,7 @@
         </p:nvCxnSpPr>
         <p:spPr>
           <a:xfrm>
-            <a:off x="6094799" y="3028366"/>
+            <a:off x="6094799" y="4780966"/>
             <a:ext cx="218878" cy="3080"/>
           </a:xfrm>
           <a:prstGeom prst="bentConnector3">
@@ -4346,7 +4346,7 @@
         </p:nvSpPr>
         <p:spPr>
           <a:xfrm>
-            <a:off x="7610819" y="2219854"/>
+            <a:off x="7610819" y="3972454"/>
             <a:ext cx="929054" cy="285783"/>
           </a:xfrm>
           <a:prstGeom prst="rect">
@@ -4402,7 +4402,7 @@
         </p:nvSpPr>
         <p:spPr>
           <a:xfrm>
-            <a:off x="7041947" y="2948201"/>
+            <a:off x="7041947" y="4700801"/>
             <a:ext cx="236048" cy="173380"/>
           </a:xfrm>
           <a:prstGeom prst="flowChartDecision">
@@ -4453,7 +4453,7 @@
         </p:nvCxnSpPr>
         <p:spPr>
           <a:xfrm flipV="1">
-            <a:off x="7277995" y="2362746"/>
+            <a:off x="7277995" y="4115346"/>
             <a:ext cx="332824" cy="672145"/>
           </a:xfrm>
           <a:prstGeom prst="bentConnector3">
@@ -4493,7 +4493,7 @@
         </p:nvSpPr>
         <p:spPr>
           <a:xfrm>
-            <a:off x="7610818" y="3217416"/>
+            <a:off x="7610818" y="4970016"/>
             <a:ext cx="929057" cy="285783"/>
           </a:xfrm>
           <a:prstGeom prst="rect">
@@ -4553,7 +4553,7 @@
         </p:nvCxnSpPr>
         <p:spPr>
           <a:xfrm>
-            <a:off x="7277995" y="3034891"/>
+            <a:off x="7277995" y="4787491"/>
             <a:ext cx="332823" cy="325417"/>
           </a:xfrm>
           <a:prstGeom prst="bentConnector3">
@@ -4591,7 +4591,7 @@
         </p:nvSpPr>
         <p:spPr>
           <a:xfrm>
-            <a:off x="7610819" y="3540394"/>
+            <a:off x="7610819" y="5292994"/>
             <a:ext cx="929056" cy="285783"/>
           </a:xfrm>
           <a:prstGeom prst="rect">
@@ -4651,7 +4651,7 @@
         </p:nvCxnSpPr>
         <p:spPr>
           <a:xfrm>
-            <a:off x="7277995" y="3034891"/>
+            <a:off x="7277995" y="4787491"/>
             <a:ext cx="332824" cy="648395"/>
           </a:xfrm>
           <a:prstGeom prst="bentConnector3">
@@ -4689,7 +4689,7 @@
         </p:nvSpPr>
         <p:spPr>
           <a:xfrm>
-            <a:off x="7610818" y="3863371"/>
+            <a:off x="7610818" y="5615971"/>
             <a:ext cx="929055" cy="285783"/>
           </a:xfrm>
           <a:prstGeom prst="rect">
@@ -4749,7 +4749,7 @@
         </p:nvCxnSpPr>
         <p:spPr>
           <a:xfrm>
-            <a:off x="7277995" y="3034891"/>
+            <a:off x="7277995" y="4787491"/>
             <a:ext cx="332823" cy="971372"/>
           </a:xfrm>
           <a:prstGeom prst="bentConnector3">
@@ -4790,7 +4790,7 @@
         </p:nvCxnSpPr>
         <p:spPr>
           <a:xfrm rot="16200000" flipH="1">
-            <a:off x="3566454" y="2680653"/>
+            <a:off x="3566454" y="4433253"/>
             <a:ext cx="274076" cy="1"/>
           </a:xfrm>
           <a:prstGeom prst="bentConnector3">
@@ -4831,7 +4831,7 @@
         </p:nvSpPr>
         <p:spPr>
           <a:xfrm rot="10800000" flipV="1">
-            <a:off x="3562299" y="2386554"/>
+            <a:off x="3562299" y="4139154"/>
             <a:ext cx="282387" cy="157062"/>
           </a:xfrm>
           <a:prstGeom prst="triangle">
@@ -4885,7 +4885,7 @@
         </p:nvSpPr>
         <p:spPr>
           <a:xfrm>
-            <a:off x="1260922" y="1998350"/>
+            <a:off x="1260922" y="3750950"/>
             <a:ext cx="1443661" cy="364396"/>
           </a:xfrm>
           <a:prstGeom prst="rect">
@@ -4933,7 +4933,7 @@
               </a:rPr>
             </a:br>
             <a:r>
-              <a:rPr lang="en-US" sz="1050" dirty="0" err="1">
+              <a:rPr lang="en-US" sz="1050" dirty="0">
                 <a:solidFill>
                   <a:srgbClr val="7030A0"/>
                 </a:solidFill>
@@ -4956,7 +4956,7 @@
         </p:nvSpPr>
         <p:spPr>
           <a:xfrm rot="16200000">
-            <a:off x="6362886" y="3586305"/>
+            <a:off x="6362886" y="5338905"/>
             <a:ext cx="881018" cy="261610"/>
           </a:xfrm>
           <a:prstGeom prst="rect">
@@ -4995,7 +4995,7 @@
         </p:nvSpPr>
         <p:spPr>
           <a:xfrm>
-            <a:off x="2057401" y="4239491"/>
+            <a:off x="2057401" y="5992091"/>
             <a:ext cx="1066800" cy="346760"/>
           </a:xfrm>
           <a:prstGeom prst="rect">
@@ -5036,14 +5036,14 @@
               <a:t>&lt;&lt;interface&gt;&gt;</a:t>
             </a:r>
             <a:br>
-              <a:rPr lang="en-US" sz="1050">
+              <a:rPr lang="en-US" sz="1050" dirty="0">
                 <a:solidFill>
                   <a:srgbClr val="7030A0"/>
                 </a:solidFill>
               </a:rPr>
             </a:br>
             <a:r>
-              <a:rPr lang="en-US" sz="1050" dirty="0" err="1">
+              <a:rPr lang="en-US" sz="1050" dirty="0">
                 <a:solidFill>
                   <a:srgbClr val="7030A0"/>
                 </a:solidFill>
@@ -5069,7 +5069,7 @@
         </p:nvCxnSpPr>
         <p:spPr>
           <a:xfrm rot="16200000" flipH="1">
-            <a:off x="1364475" y="3719944"/>
+            <a:off x="1364475" y="5472544"/>
             <a:ext cx="831471" cy="554381"/>
           </a:xfrm>
           <a:prstGeom prst="bentConnector2">
@@ -5108,7 +5108,7 @@
         </p:nvSpPr>
         <p:spPr>
           <a:xfrm>
-            <a:off x="4429979" y="3111479"/>
+            <a:off x="4429979" y="4864079"/>
             <a:ext cx="189257" cy="178683"/>
           </a:xfrm>
           <a:prstGeom prst="rect">
@@ -5147,7 +5147,7 @@
         </p:nvSpPr>
         <p:spPr>
           <a:xfrm>
-            <a:off x="6135256" y="3097917"/>
+            <a:off x="6135256" y="4850517"/>
             <a:ext cx="189257" cy="178683"/>
           </a:xfrm>
           <a:prstGeom prst="rect">
@@ -5186,7 +5186,7 @@
         </p:nvSpPr>
         <p:spPr>
           <a:xfrm>
-            <a:off x="2573394" y="2756715"/>
+            <a:off x="2573394" y="4572000"/>
             <a:ext cx="170110" cy="137542"/>
           </a:xfrm>
           <a:prstGeom prst="rect">
@@ -5225,7 +5225,7 @@
         </p:nvSpPr>
         <p:spPr>
           <a:xfrm>
-            <a:off x="2630191" y="3667737"/>
+            <a:off x="2566807" y="5407793"/>
             <a:ext cx="189257" cy="178683"/>
           </a:xfrm>
           <a:prstGeom prst="rect">
@@ -5264,7 +5264,7 @@
         </p:nvSpPr>
         <p:spPr>
           <a:xfrm>
-            <a:off x="6449896" y="3204826"/>
+            <a:off x="6449896" y="4957426"/>
             <a:ext cx="189257" cy="178683"/>
           </a:xfrm>
           <a:prstGeom prst="rect">
@@ -5309,7 +5309,7 @@
         </p:nvSpPr>
         <p:spPr>
           <a:xfrm>
-            <a:off x="7610818" y="1878717"/>
+            <a:off x="7610818" y="3631317"/>
             <a:ext cx="929053" cy="285783"/>
           </a:xfrm>
           <a:prstGeom prst="rect">
@@ -5375,7 +5375,7 @@
         </p:nvCxnSpPr>
         <p:spPr>
           <a:xfrm flipV="1">
-            <a:off x="7277995" y="2021609"/>
+            <a:off x="7277995" y="3774209"/>
             <a:ext cx="332823" cy="1013282"/>
           </a:xfrm>
           <a:prstGeom prst="bentConnector3">
@@ -5421,7 +5421,7 @@
         </p:nvSpPr>
         <p:spPr>
           <a:xfrm>
-            <a:off x="7349778" y="1878717"/>
+            <a:off x="7349778" y="3631317"/>
             <a:ext cx="189257" cy="178683"/>
           </a:xfrm>
           <a:prstGeom prst="rect">
@@ -5460,7 +5460,7 @@
         </p:nvSpPr>
         <p:spPr>
           <a:xfrm>
-            <a:off x="3170181" y="1998350"/>
+            <a:off x="3170181" y="3750950"/>
             <a:ext cx="1060683" cy="364396"/>
           </a:xfrm>
           <a:prstGeom prst="rect">
@@ -5519,7 +5519,7 @@
         </p:nvCxnSpPr>
         <p:spPr>
           <a:xfrm>
-            <a:off x="4324972" y="3007222"/>
+            <a:off x="4324972" y="4759822"/>
             <a:ext cx="367678" cy="12320"/>
           </a:xfrm>
           <a:prstGeom prst="straightConnector1">
@@ -5557,7 +5557,7 @@
         </p:nvSpPr>
         <p:spPr>
           <a:xfrm rot="16200000">
-            <a:off x="2669073" y="2069158"/>
+            <a:off x="2669073" y="3821758"/>
             <a:ext cx="271014" cy="187417"/>
           </a:xfrm>
           <a:prstGeom prst="triangle">
@@ -5612,7 +5612,7 @@
         </p:nvCxnSpPr>
         <p:spPr>
           <a:xfrm>
-            <a:off x="2898289" y="2177727"/>
+            <a:off x="2898289" y="3930327"/>
             <a:ext cx="271892" cy="2821"/>
           </a:xfrm>
           <a:prstGeom prst="bentConnector3">
@@ -5659,7 +5659,7 @@
         </p:nvSpPr>
         <p:spPr>
           <a:xfrm>
-            <a:off x="4238892" y="3460864"/>
+            <a:off x="4238892" y="5213464"/>
             <a:ext cx="1293486" cy="346760"/>
           </a:xfrm>
           <a:prstGeom prst="rect">
@@ -5703,7 +5703,7 @@
           <a:p>
             <a:pPr algn="ctr"/>
             <a:r>
-              <a:rPr lang="en-US" sz="1050" dirty="0" err="1">
+              <a:rPr lang="en-US" sz="1050" dirty="0">
                 <a:solidFill>
                   <a:srgbClr val="7030A0"/>
                 </a:solidFill>
@@ -5732,7 +5732,7 @@
         </p:nvSpPr>
         <p:spPr>
           <a:xfrm rot="5400000" flipH="1">
-            <a:off x="3992636" y="3514414"/>
+            <a:off x="3992636" y="5267014"/>
             <a:ext cx="271014" cy="221497"/>
           </a:xfrm>
           <a:prstGeom prst="triangle">
@@ -5794,7 +5794,7 @@
         </p:nvCxnSpPr>
         <p:spPr>
           <a:xfrm rot="10800000">
-            <a:off x="3703491" y="3636621"/>
+            <a:off x="3703491" y="5389221"/>
             <a:ext cx="313904" cy="3403"/>
           </a:xfrm>
           <a:prstGeom prst="bentConnector3">
@@ -5841,7 +5841,7 @@
         </p:nvSpPr>
         <p:spPr>
           <a:xfrm>
-            <a:off x="7610818" y="2553535"/>
+            <a:off x="7610818" y="4306135"/>
             <a:ext cx="929058" cy="285783"/>
           </a:xfrm>
           <a:prstGeom prst="rect">
@@ -5905,7 +5905,7 @@
         </p:nvCxnSpPr>
         <p:spPr>
           <a:xfrm rot="5400000" flipH="1" flipV="1">
-            <a:off x="7365931" y="2787334"/>
+            <a:off x="7365931" y="4539934"/>
             <a:ext cx="326033" cy="169083"/>
           </a:xfrm>
           <a:prstGeom prst="bentConnector3">
@@ -5951,7 +5951,7 @@
         </p:nvSpPr>
         <p:spPr>
           <a:xfrm>
-            <a:off x="7613489" y="2885407"/>
+            <a:off x="7613489" y="4638007"/>
             <a:ext cx="920911" cy="285783"/>
           </a:xfrm>
           <a:prstGeom prst="rect">
@@ -6016,7 +6016,7 @@
         </p:nvCxnSpPr>
         <p:spPr>
           <a:xfrm flipV="1">
-            <a:off x="7278381" y="3028299"/>
+            <a:off x="7278381" y="4780899"/>
             <a:ext cx="335108" cy="2782"/>
           </a:xfrm>
           <a:prstGeom prst="bentConnector3">
@@ -6028,6 +6028,2724 @@
             </a:solidFill>
             <a:headEnd type="none" w="med" len="med"/>
             <a:tailEnd type="arrow" w="med" len="med"/>
+          </a:ln>
+          <a:effectLst/>
+        </p:spPr>
+        <p:style>
+          <a:lnRef idx="1">
+            <a:schemeClr val="accent2"/>
+          </a:lnRef>
+          <a:fillRef idx="2">
+            <a:schemeClr val="accent2"/>
+          </a:fillRef>
+          <a:effectRef idx="1">
+            <a:schemeClr val="accent2"/>
+          </a:effectRef>
+          <a:fontRef idx="minor">
+            <a:schemeClr val="dk1"/>
+          </a:fontRef>
+        </p:style>
+      </p:cxnSp>
+      <p:sp>
+        <p:nvSpPr>
+          <p:cNvPr id="74" name="Rectangle 8">
+            <a:extLst>
+              <a:ext uri="{FF2B5EF4-FFF2-40B4-BE49-F238E27FC236}">
+                <a16:creationId xmlns:a16="http://schemas.microsoft.com/office/drawing/2014/main" id="{E9D8443A-3380-42F4-B5B2-34690F6A6BC5}"/>
+              </a:ext>
+            </a:extLst>
+          </p:cNvPr>
+          <p:cNvSpPr/>
+          <p:nvPr/>
+        </p:nvSpPr>
+        <p:spPr>
+          <a:xfrm>
+            <a:off x="3160178" y="1913530"/>
+            <a:ext cx="762101" cy="346760"/>
+          </a:xfrm>
+          <a:prstGeom prst="rect">
+            <a:avLst/>
+          </a:prstGeom>
+          <a:ln w="19050">
+            <a:solidFill>
+              <a:srgbClr val="7030A0"/>
+            </a:solidFill>
+          </a:ln>
+          <a:effectLst/>
+        </p:spPr>
+        <p:style>
+          <a:lnRef idx="1">
+            <a:schemeClr val="accent4"/>
+          </a:lnRef>
+          <a:fillRef idx="2">
+            <a:schemeClr val="accent4"/>
+          </a:fillRef>
+          <a:effectRef idx="1">
+            <a:schemeClr val="accent4"/>
+          </a:effectRef>
+          <a:fontRef idx="minor">
+            <a:schemeClr val="dk1"/>
+          </a:fontRef>
+        </p:style>
+        <p:txBody>
+          <a:bodyPr rtlCol="0" anchor="ctr"/>
+          <a:lstStyle/>
+          <a:p>
+            <a:pPr algn="ctr"/>
+            <a:r>
+              <a:rPr lang="en-US" sz="1050" dirty="0">
+                <a:solidFill>
+                  <a:srgbClr val="7030A0"/>
+                </a:solidFill>
+              </a:rPr>
+              <a:t>ChartBook</a:t>
+            </a:r>
+            <a:endParaRPr lang="en-SG" sz="1050" dirty="0">
+              <a:solidFill>
+                <a:srgbClr val="7030A0"/>
+              </a:solidFill>
+            </a:endParaRPr>
+          </a:p>
+        </p:txBody>
+      </p:sp>
+      <p:sp>
+        <p:nvSpPr>
+          <p:cNvPr id="77" name="Rectangle 8">
+            <a:extLst>
+              <a:ext uri="{FF2B5EF4-FFF2-40B4-BE49-F238E27FC236}">
+                <a16:creationId xmlns:a16="http://schemas.microsoft.com/office/drawing/2014/main" id="{51527E48-EE1D-4CC4-8A5D-1884E1C72C80}"/>
+              </a:ext>
+            </a:extLst>
+          </p:cNvPr>
+          <p:cNvSpPr/>
+          <p:nvPr/>
+        </p:nvSpPr>
+        <p:spPr>
+          <a:xfrm>
+            <a:off x="4427484" y="1942053"/>
+            <a:ext cx="1107822" cy="346760"/>
+          </a:xfrm>
+          <a:prstGeom prst="rect">
+            <a:avLst/>
+          </a:prstGeom>
+          <a:ln w="19050">
+            <a:solidFill>
+              <a:srgbClr val="7030A0"/>
+            </a:solidFill>
+          </a:ln>
+          <a:effectLst/>
+        </p:spPr>
+        <p:style>
+          <a:lnRef idx="1">
+            <a:schemeClr val="accent4"/>
+          </a:lnRef>
+          <a:fillRef idx="2">
+            <a:schemeClr val="accent4"/>
+          </a:fillRef>
+          <a:effectRef idx="1">
+            <a:schemeClr val="accent4"/>
+          </a:effectRef>
+          <a:fontRef idx="minor">
+            <a:schemeClr val="dk1"/>
+          </a:fontRef>
+        </p:style>
+        <p:txBody>
+          <a:bodyPr rtlCol="0" anchor="ctr"/>
+          <a:lstStyle/>
+          <a:p>
+            <a:pPr algn="ctr"/>
+            <a:r>
+              <a:rPr lang="en-US" sz="1050" dirty="0">
+                <a:solidFill>
+                  <a:srgbClr val="7030A0"/>
+                </a:solidFill>
+              </a:rPr>
+              <a:t>RatingChartList</a:t>
+            </a:r>
+            <a:endParaRPr lang="en-SG" sz="1050" dirty="0">
+              <a:solidFill>
+                <a:srgbClr val="7030A0"/>
+              </a:solidFill>
+            </a:endParaRPr>
+          </a:p>
+        </p:txBody>
+      </p:sp>
+      <p:sp>
+        <p:nvSpPr>
+          <p:cNvPr id="82" name="Flowchart: Decision 96">
+            <a:extLst>
+              <a:ext uri="{FF2B5EF4-FFF2-40B4-BE49-F238E27FC236}">
+                <a16:creationId xmlns:a16="http://schemas.microsoft.com/office/drawing/2014/main" id="{0920CE23-C930-4DA7-B930-EB9D4B9E9C59}"/>
+              </a:ext>
+            </a:extLst>
+          </p:cNvPr>
+          <p:cNvSpPr/>
+          <p:nvPr/>
+        </p:nvSpPr>
+        <p:spPr>
+          <a:xfrm>
+            <a:off x="3938833" y="2032769"/>
+            <a:ext cx="236048" cy="173380"/>
+          </a:xfrm>
+          <a:prstGeom prst="flowChartDecision">
+            <a:avLst/>
+          </a:prstGeom>
+          <a:solidFill>
+            <a:srgbClr val="7030A0"/>
+          </a:solidFill>
+          <a:ln w="19050">
+            <a:solidFill>
+              <a:srgbClr val="7030A0"/>
+            </a:solidFill>
+          </a:ln>
+          <a:effectLst/>
+        </p:spPr>
+        <p:style>
+          <a:lnRef idx="1">
+            <a:schemeClr val="accent6"/>
+          </a:lnRef>
+          <a:fillRef idx="2">
+            <a:schemeClr val="accent6"/>
+          </a:fillRef>
+          <a:effectRef idx="1">
+            <a:schemeClr val="accent6"/>
+          </a:effectRef>
+          <a:fontRef idx="minor">
+            <a:schemeClr val="dk1"/>
+          </a:fontRef>
+        </p:style>
+        <p:txBody>
+          <a:bodyPr rtlCol="0" anchor="ctr"/>
+          <a:lstStyle/>
+          <a:p>
+            <a:pPr algn="ctr"/>
+            <a:endParaRPr lang="en-US" sz="1050"/>
+          </a:p>
+        </p:txBody>
+      </p:sp>
+      <p:cxnSp>
+        <p:nvCxnSpPr>
+          <p:cNvPr id="87" name="Elbow Connector 29">
+            <a:extLst>
+              <a:ext uri="{FF2B5EF4-FFF2-40B4-BE49-F238E27FC236}">
+                <a16:creationId xmlns:a16="http://schemas.microsoft.com/office/drawing/2014/main" id="{317D3EAB-E47E-4E7E-A8B2-0298699BBD78}"/>
+              </a:ext>
+            </a:extLst>
+          </p:cNvPr>
+          <p:cNvCxnSpPr>
+            <a:cxnSpLocks/>
+            <a:stCxn id="82" idx="3"/>
+            <a:endCxn id="77" idx="1"/>
+          </p:cNvCxnSpPr>
+          <p:nvPr/>
+        </p:nvCxnSpPr>
+        <p:spPr>
+          <a:xfrm flipV="1">
+            <a:off x="4174881" y="2115433"/>
+            <a:ext cx="252603" cy="4026"/>
+          </a:xfrm>
+          <a:prstGeom prst="bentConnector3">
+            <a:avLst/>
+          </a:prstGeom>
+          <a:ln w="19050">
+            <a:solidFill>
+              <a:srgbClr val="7030A0"/>
+            </a:solidFill>
+            <a:headEnd type="none" w="med" len="med"/>
+            <a:tailEnd type="arrow" w="med" len="med"/>
+          </a:ln>
+          <a:effectLst/>
+        </p:spPr>
+        <p:style>
+          <a:lnRef idx="1">
+            <a:schemeClr val="accent2"/>
+          </a:lnRef>
+          <a:fillRef idx="2">
+            <a:schemeClr val="accent2"/>
+          </a:fillRef>
+          <a:effectRef idx="1">
+            <a:schemeClr val="accent2"/>
+          </a:effectRef>
+          <a:fontRef idx="minor">
+            <a:schemeClr val="dk1"/>
+          </a:fontRef>
+        </p:style>
+      </p:cxnSp>
+      <p:sp>
+        <p:nvSpPr>
+          <p:cNvPr id="88" name="Rectangle 8">
+            <a:extLst>
+              <a:ext uri="{FF2B5EF4-FFF2-40B4-BE49-F238E27FC236}">
+                <a16:creationId xmlns:a16="http://schemas.microsoft.com/office/drawing/2014/main" id="{7267AF86-9516-4958-BF64-22165C578E27}"/>
+              </a:ext>
+            </a:extLst>
+          </p:cNvPr>
+          <p:cNvSpPr/>
+          <p:nvPr/>
+        </p:nvSpPr>
+        <p:spPr>
+          <a:xfrm>
+            <a:off x="5929805" y="1936685"/>
+            <a:ext cx="957980" cy="346760"/>
+          </a:xfrm>
+          <a:prstGeom prst="rect">
+            <a:avLst/>
+          </a:prstGeom>
+          <a:ln w="19050">
+            <a:solidFill>
+              <a:srgbClr val="7030A0"/>
+            </a:solidFill>
+          </a:ln>
+          <a:effectLst/>
+        </p:spPr>
+        <p:style>
+          <a:lnRef idx="1">
+            <a:schemeClr val="accent4"/>
+          </a:lnRef>
+          <a:fillRef idx="2">
+            <a:schemeClr val="accent4"/>
+          </a:fillRef>
+          <a:effectRef idx="1">
+            <a:schemeClr val="accent4"/>
+          </a:effectRef>
+          <a:fontRef idx="minor">
+            <a:schemeClr val="dk1"/>
+          </a:fontRef>
+        </p:style>
+        <p:txBody>
+          <a:bodyPr rtlCol="0" anchor="ctr"/>
+          <a:lstStyle/>
+          <a:p>
+            <a:pPr algn="ctr"/>
+            <a:r>
+              <a:rPr lang="en-US" sz="1050" dirty="0">
+                <a:solidFill>
+                  <a:srgbClr val="7030A0"/>
+                </a:solidFill>
+              </a:rPr>
+              <a:t>RatingChart</a:t>
+            </a:r>
+            <a:endParaRPr lang="en-SG" sz="1050" dirty="0">
+              <a:solidFill>
+                <a:srgbClr val="7030A0"/>
+              </a:solidFill>
+            </a:endParaRPr>
+          </a:p>
+        </p:txBody>
+      </p:sp>
+      <p:sp>
+        <p:nvSpPr>
+          <p:cNvPr id="89" name="Flowchart: Decision 96">
+            <a:extLst>
+              <a:ext uri="{FF2B5EF4-FFF2-40B4-BE49-F238E27FC236}">
+                <a16:creationId xmlns:a16="http://schemas.microsoft.com/office/drawing/2014/main" id="{9AAA3E7B-A5FB-4E65-ACB3-D48B4D2B7CA9}"/>
+              </a:ext>
+            </a:extLst>
+          </p:cNvPr>
+          <p:cNvSpPr/>
+          <p:nvPr/>
+        </p:nvSpPr>
+        <p:spPr>
+          <a:xfrm>
+            <a:off x="5534588" y="2019684"/>
+            <a:ext cx="236048" cy="173380"/>
+          </a:xfrm>
+          <a:prstGeom prst="flowChartDecision">
+            <a:avLst/>
+          </a:prstGeom>
+          <a:noFill/>
+          <a:ln w="19050">
+            <a:solidFill>
+              <a:srgbClr val="7030A0"/>
+            </a:solidFill>
+          </a:ln>
+          <a:effectLst/>
+        </p:spPr>
+        <p:style>
+          <a:lnRef idx="1">
+            <a:schemeClr val="accent6"/>
+          </a:lnRef>
+          <a:fillRef idx="2">
+            <a:schemeClr val="accent6"/>
+          </a:fillRef>
+          <a:effectRef idx="1">
+            <a:schemeClr val="accent6"/>
+          </a:effectRef>
+          <a:fontRef idx="minor">
+            <a:schemeClr val="dk1"/>
+          </a:fontRef>
+        </p:style>
+        <p:txBody>
+          <a:bodyPr rtlCol="0" anchor="ctr"/>
+          <a:lstStyle/>
+          <a:p>
+            <a:pPr algn="ctr"/>
+            <a:endParaRPr lang="en-US" sz="1050"/>
+          </a:p>
+        </p:txBody>
+      </p:sp>
+      <p:cxnSp>
+        <p:nvCxnSpPr>
+          <p:cNvPr id="90" name="Elbow Connector 63">
+            <a:extLst>
+              <a:ext uri="{FF2B5EF4-FFF2-40B4-BE49-F238E27FC236}">
+                <a16:creationId xmlns:a16="http://schemas.microsoft.com/office/drawing/2014/main" id="{5FDE1D62-EBE9-4EA5-8254-24C2DBC2D059}"/>
+              </a:ext>
+            </a:extLst>
+          </p:cNvPr>
+          <p:cNvCxnSpPr>
+            <a:cxnSpLocks/>
+            <a:stCxn id="89" idx="3"/>
+            <a:endCxn id="88" idx="1"/>
+          </p:cNvCxnSpPr>
+          <p:nvPr/>
+        </p:nvCxnSpPr>
+        <p:spPr>
+          <a:xfrm>
+            <a:off x="5770636" y="2106374"/>
+            <a:ext cx="159169" cy="3691"/>
+          </a:xfrm>
+          <a:prstGeom prst="bentConnector3">
+            <a:avLst/>
+          </a:prstGeom>
+          <a:ln w="19050">
+            <a:solidFill>
+              <a:srgbClr val="7030A0"/>
+            </a:solidFill>
+            <a:headEnd type="none" w="med" len="med"/>
+            <a:tailEnd type="arrow" w="med" len="med"/>
+          </a:ln>
+          <a:effectLst/>
+        </p:spPr>
+        <p:style>
+          <a:lnRef idx="1">
+            <a:schemeClr val="accent2"/>
+          </a:lnRef>
+          <a:fillRef idx="2">
+            <a:schemeClr val="accent2"/>
+          </a:fillRef>
+          <a:effectRef idx="1">
+            <a:schemeClr val="accent2"/>
+          </a:effectRef>
+          <a:fontRef idx="minor">
+            <a:schemeClr val="dk1"/>
+          </a:fontRef>
+        </p:style>
+      </p:cxnSp>
+      <p:sp>
+        <p:nvSpPr>
+          <p:cNvPr id="91" name="Flowchart: Decision 96">
+            <a:extLst>
+              <a:ext uri="{FF2B5EF4-FFF2-40B4-BE49-F238E27FC236}">
+                <a16:creationId xmlns:a16="http://schemas.microsoft.com/office/drawing/2014/main" id="{0FDFE2D3-D26D-4413-BAD7-0D49025B13D1}"/>
+              </a:ext>
+            </a:extLst>
+          </p:cNvPr>
+          <p:cNvSpPr/>
+          <p:nvPr/>
+        </p:nvSpPr>
+        <p:spPr>
+          <a:xfrm>
+            <a:off x="6902734" y="2026820"/>
+            <a:ext cx="236048" cy="173380"/>
+          </a:xfrm>
+          <a:prstGeom prst="flowChartDecision">
+            <a:avLst/>
+          </a:prstGeom>
+          <a:solidFill>
+            <a:srgbClr val="7030A0"/>
+          </a:solidFill>
+          <a:ln w="19050">
+            <a:solidFill>
+              <a:srgbClr val="7030A0"/>
+            </a:solidFill>
+          </a:ln>
+          <a:effectLst/>
+        </p:spPr>
+        <p:style>
+          <a:lnRef idx="1">
+            <a:schemeClr val="accent6"/>
+          </a:lnRef>
+          <a:fillRef idx="2">
+            <a:schemeClr val="accent6"/>
+          </a:fillRef>
+          <a:effectRef idx="1">
+            <a:schemeClr val="accent6"/>
+          </a:effectRef>
+          <a:fontRef idx="minor">
+            <a:schemeClr val="dk1"/>
+          </a:fontRef>
+        </p:style>
+        <p:txBody>
+          <a:bodyPr rtlCol="0" anchor="ctr"/>
+          <a:lstStyle/>
+          <a:p>
+            <a:pPr algn="ctr"/>
+            <a:endParaRPr lang="en-US" sz="1050"/>
+          </a:p>
+        </p:txBody>
+      </p:sp>
+      <p:sp>
+        <p:nvSpPr>
+          <p:cNvPr id="92" name="Rectangle 8">
+            <a:extLst>
+              <a:ext uri="{FF2B5EF4-FFF2-40B4-BE49-F238E27FC236}">
+                <a16:creationId xmlns:a16="http://schemas.microsoft.com/office/drawing/2014/main" id="{323D42A0-E519-43E9-B670-82943E54BE1F}"/>
+              </a:ext>
+            </a:extLst>
+          </p:cNvPr>
+          <p:cNvSpPr/>
+          <p:nvPr/>
+        </p:nvSpPr>
+        <p:spPr>
+          <a:xfrm>
+            <a:off x="7573182" y="1969598"/>
+            <a:ext cx="961217" cy="285783"/>
+          </a:xfrm>
+          <a:prstGeom prst="rect">
+            <a:avLst/>
+          </a:prstGeom>
+          <a:ln w="19050">
+            <a:solidFill>
+              <a:srgbClr val="7030A0"/>
+            </a:solidFill>
+          </a:ln>
+          <a:effectLst/>
+        </p:spPr>
+        <p:style>
+          <a:lnRef idx="1">
+            <a:schemeClr val="accent4"/>
+          </a:lnRef>
+          <a:fillRef idx="2">
+            <a:schemeClr val="accent4"/>
+          </a:fillRef>
+          <a:effectRef idx="1">
+            <a:schemeClr val="accent4"/>
+          </a:effectRef>
+          <a:fontRef idx="minor">
+            <a:schemeClr val="dk1"/>
+          </a:fontRef>
+        </p:style>
+        <p:txBody>
+          <a:bodyPr rtlCol="0" anchor="ctr"/>
+          <a:lstStyle/>
+          <a:p>
+            <a:pPr algn="ctr"/>
+            <a:r>
+              <a:rPr lang="en-US" sz="1050" dirty="0">
+                <a:solidFill>
+                  <a:srgbClr val="7030A0"/>
+                </a:solidFill>
+              </a:rPr>
+              <a:t>Rating</a:t>
+            </a:r>
+            <a:endParaRPr lang="en-SG" sz="1050" dirty="0">
+              <a:solidFill>
+                <a:srgbClr val="7030A0"/>
+              </a:solidFill>
+            </a:endParaRPr>
+          </a:p>
+        </p:txBody>
+      </p:sp>
+      <p:cxnSp>
+        <p:nvCxnSpPr>
+          <p:cNvPr id="93" name="Elbow Connector 80">
+            <a:extLst>
+              <a:ext uri="{FF2B5EF4-FFF2-40B4-BE49-F238E27FC236}">
+                <a16:creationId xmlns:a16="http://schemas.microsoft.com/office/drawing/2014/main" id="{5066A5C4-3508-43F9-87B0-6C63C9A66F59}"/>
+              </a:ext>
+            </a:extLst>
+          </p:cNvPr>
+          <p:cNvCxnSpPr>
+            <a:cxnSpLocks/>
+            <a:stCxn id="91" idx="3"/>
+            <a:endCxn id="92" idx="1"/>
+          </p:cNvCxnSpPr>
+          <p:nvPr/>
+        </p:nvCxnSpPr>
+        <p:spPr>
+          <a:xfrm flipV="1">
+            <a:off x="7138782" y="2112490"/>
+            <a:ext cx="434400" cy="1020"/>
+          </a:xfrm>
+          <a:prstGeom prst="bentConnector3">
+            <a:avLst/>
+          </a:prstGeom>
+          <a:ln w="19050">
+            <a:solidFill>
+              <a:srgbClr val="7030A0"/>
+            </a:solidFill>
+            <a:headEnd type="none" w="med" len="med"/>
+            <a:tailEnd type="arrow" w="med" len="med"/>
+          </a:ln>
+          <a:effectLst/>
+        </p:spPr>
+        <p:style>
+          <a:lnRef idx="1">
+            <a:schemeClr val="accent2"/>
+          </a:lnRef>
+          <a:fillRef idx="2">
+            <a:schemeClr val="accent2"/>
+          </a:fillRef>
+          <a:effectRef idx="1">
+            <a:schemeClr val="accent2"/>
+          </a:effectRef>
+          <a:fontRef idx="minor">
+            <a:schemeClr val="dk1"/>
+          </a:fontRef>
+        </p:style>
+      </p:cxnSp>
+      <p:sp>
+        <p:nvSpPr>
+          <p:cNvPr id="94" name="Rectangle 8">
+            <a:extLst>
+              <a:ext uri="{FF2B5EF4-FFF2-40B4-BE49-F238E27FC236}">
+                <a16:creationId xmlns:a16="http://schemas.microsoft.com/office/drawing/2014/main" id="{36187FF2-796A-432C-A6BB-0D8BB893E413}"/>
+              </a:ext>
+            </a:extLst>
+          </p:cNvPr>
+          <p:cNvSpPr/>
+          <p:nvPr/>
+        </p:nvSpPr>
+        <p:spPr>
+          <a:xfrm>
+            <a:off x="7571398" y="2323972"/>
+            <a:ext cx="961217" cy="285783"/>
+          </a:xfrm>
+          <a:prstGeom prst="rect">
+            <a:avLst/>
+          </a:prstGeom>
+          <a:ln w="19050">
+            <a:solidFill>
+              <a:srgbClr val="7030A0"/>
+            </a:solidFill>
+          </a:ln>
+          <a:effectLst/>
+        </p:spPr>
+        <p:style>
+          <a:lnRef idx="1">
+            <a:schemeClr val="accent4"/>
+          </a:lnRef>
+          <a:fillRef idx="2">
+            <a:schemeClr val="accent4"/>
+          </a:fillRef>
+          <a:effectRef idx="1">
+            <a:schemeClr val="accent4"/>
+          </a:effectRef>
+          <a:fontRef idx="minor">
+            <a:schemeClr val="dk1"/>
+          </a:fontRef>
+        </p:style>
+        <p:txBody>
+          <a:bodyPr rtlCol="0" anchor="ctr"/>
+          <a:lstStyle/>
+          <a:p>
+            <a:pPr algn="ctr"/>
+            <a:r>
+              <a:rPr lang="en-US" sz="1050" dirty="0">
+                <a:solidFill>
+                  <a:srgbClr val="7030A0"/>
+                </a:solidFill>
+              </a:rPr>
+              <a:t>Total</a:t>
+            </a:r>
+            <a:endParaRPr lang="en-SG" sz="1050" dirty="0">
+              <a:solidFill>
+                <a:srgbClr val="7030A0"/>
+              </a:solidFill>
+            </a:endParaRPr>
+          </a:p>
+        </p:txBody>
+      </p:sp>
+      <p:cxnSp>
+        <p:nvCxnSpPr>
+          <p:cNvPr id="95" name="Elbow Connector 83">
+            <a:extLst>
+              <a:ext uri="{FF2B5EF4-FFF2-40B4-BE49-F238E27FC236}">
+                <a16:creationId xmlns:a16="http://schemas.microsoft.com/office/drawing/2014/main" id="{F2B4B8AB-BA69-4144-9B66-855268BDEBF2}"/>
+              </a:ext>
+            </a:extLst>
+          </p:cNvPr>
+          <p:cNvCxnSpPr>
+            <a:cxnSpLocks/>
+            <a:stCxn id="91" idx="3"/>
+            <a:endCxn id="94" idx="1"/>
+          </p:cNvCxnSpPr>
+          <p:nvPr/>
+        </p:nvCxnSpPr>
+        <p:spPr>
+          <a:xfrm>
+            <a:off x="7138782" y="2113510"/>
+            <a:ext cx="432616" cy="353354"/>
+          </a:xfrm>
+          <a:prstGeom prst="bentConnector3">
+            <a:avLst/>
+          </a:prstGeom>
+          <a:ln w="19050">
+            <a:solidFill>
+              <a:srgbClr val="7030A0"/>
+            </a:solidFill>
+            <a:headEnd type="none" w="med" len="med"/>
+            <a:tailEnd type="arrow" w="med" len="med"/>
+          </a:ln>
+          <a:effectLst/>
+        </p:spPr>
+        <p:style>
+          <a:lnRef idx="1">
+            <a:schemeClr val="accent2"/>
+          </a:lnRef>
+          <a:fillRef idx="2">
+            <a:schemeClr val="accent2"/>
+          </a:fillRef>
+          <a:effectRef idx="1">
+            <a:schemeClr val="accent2"/>
+          </a:effectRef>
+          <a:fontRef idx="minor">
+            <a:schemeClr val="dk1"/>
+          </a:fontRef>
+        </p:style>
+      </p:cxnSp>
+      <p:sp>
+        <p:nvSpPr>
+          <p:cNvPr id="96" name="TextBox 95">
+            <a:extLst>
+              <a:ext uri="{FF2B5EF4-FFF2-40B4-BE49-F238E27FC236}">
+                <a16:creationId xmlns:a16="http://schemas.microsoft.com/office/drawing/2014/main" id="{6C778967-6513-4607-A749-2E4455FFE179}"/>
+              </a:ext>
+            </a:extLst>
+          </p:cNvPr>
+          <p:cNvSpPr txBox="1"/>
+          <p:nvPr/>
+        </p:nvSpPr>
+        <p:spPr>
+          <a:xfrm>
+            <a:off x="4138357" y="1916968"/>
+            <a:ext cx="189257" cy="178683"/>
+          </a:xfrm>
+          <a:prstGeom prst="rect">
+            <a:avLst/>
+          </a:prstGeom>
+          <a:noFill/>
+        </p:spPr>
+        <p:txBody>
+          <a:bodyPr wrap="square" lIns="0" tIns="0" rIns="0" bIns="0" rtlCol="0">
+            <a:noAutofit/>
+          </a:bodyPr>
+          <a:lstStyle/>
+          <a:p>
+            <a:pPr algn="ctr"/>
+            <a:r>
+              <a:rPr lang="en-US" sz="1100" dirty="0">
+                <a:solidFill>
+                  <a:srgbClr val="7030A0"/>
+                </a:solidFill>
+              </a:rPr>
+              <a:t>1</a:t>
+            </a:r>
+            <a:endParaRPr lang="en-SG" sz="1100" dirty="0">
+              <a:solidFill>
+                <a:srgbClr val="7030A0"/>
+              </a:solidFill>
+            </a:endParaRPr>
+          </a:p>
+        </p:txBody>
+      </p:sp>
+      <p:sp>
+        <p:nvSpPr>
+          <p:cNvPr id="98" name="TextBox 97">
+            <a:extLst>
+              <a:ext uri="{FF2B5EF4-FFF2-40B4-BE49-F238E27FC236}">
+                <a16:creationId xmlns:a16="http://schemas.microsoft.com/office/drawing/2014/main" id="{A8D4D508-0764-4DA8-91FA-7655DA84E635}"/>
+              </a:ext>
+            </a:extLst>
+          </p:cNvPr>
+          <p:cNvSpPr txBox="1"/>
+          <p:nvPr/>
+        </p:nvSpPr>
+        <p:spPr>
+          <a:xfrm>
+            <a:off x="5751384" y="2176536"/>
+            <a:ext cx="189257" cy="178683"/>
+          </a:xfrm>
+          <a:prstGeom prst="rect">
+            <a:avLst/>
+          </a:prstGeom>
+          <a:noFill/>
+        </p:spPr>
+        <p:txBody>
+          <a:bodyPr wrap="square" lIns="0" tIns="0" rIns="0" bIns="0" rtlCol="0">
+            <a:noAutofit/>
+          </a:bodyPr>
+          <a:lstStyle/>
+          <a:p>
+            <a:pPr algn="ctr"/>
+            <a:r>
+              <a:rPr lang="en-US" sz="1100" dirty="0">
+                <a:solidFill>
+                  <a:srgbClr val="7030A0"/>
+                </a:solidFill>
+              </a:rPr>
+              <a:t>*</a:t>
+            </a:r>
+            <a:endParaRPr lang="en-SG" sz="1100" dirty="0">
+              <a:solidFill>
+                <a:srgbClr val="7030A0"/>
+              </a:solidFill>
+            </a:endParaRPr>
+          </a:p>
+        </p:txBody>
+      </p:sp>
+      <p:sp>
+        <p:nvSpPr>
+          <p:cNvPr id="101" name="Rectangle 8">
+            <a:extLst>
+              <a:ext uri="{FF2B5EF4-FFF2-40B4-BE49-F238E27FC236}">
+                <a16:creationId xmlns:a16="http://schemas.microsoft.com/office/drawing/2014/main" id="{740EF0D9-12FD-48CC-BBC3-9D485F91318B}"/>
+              </a:ext>
+            </a:extLst>
+          </p:cNvPr>
+          <p:cNvSpPr/>
+          <p:nvPr/>
+        </p:nvSpPr>
+        <p:spPr>
+          <a:xfrm>
+            <a:off x="4421147" y="1285480"/>
+            <a:ext cx="1107822" cy="285783"/>
+          </a:xfrm>
+          <a:prstGeom prst="rect">
+            <a:avLst/>
+          </a:prstGeom>
+          <a:ln w="19050">
+            <a:solidFill>
+              <a:srgbClr val="7030A0"/>
+            </a:solidFill>
+          </a:ln>
+          <a:effectLst/>
+        </p:spPr>
+        <p:style>
+          <a:lnRef idx="1">
+            <a:schemeClr val="accent4"/>
+          </a:lnRef>
+          <a:fillRef idx="2">
+            <a:schemeClr val="accent4"/>
+          </a:fillRef>
+          <a:effectRef idx="1">
+            <a:schemeClr val="accent4"/>
+          </a:effectRef>
+          <a:fontRef idx="minor">
+            <a:schemeClr val="dk1"/>
+          </a:fontRef>
+        </p:style>
+        <p:txBody>
+          <a:bodyPr rtlCol="0" anchor="ctr"/>
+          <a:lstStyle/>
+          <a:p>
+            <a:pPr algn="ctr"/>
+            <a:r>
+              <a:rPr lang="en-US" sz="1050" dirty="0">
+                <a:solidFill>
+                  <a:srgbClr val="7030A0"/>
+                </a:solidFill>
+              </a:rPr>
+              <a:t>CountryChartList</a:t>
+            </a:r>
+            <a:endParaRPr lang="en-SG" sz="1050" dirty="0">
+              <a:solidFill>
+                <a:srgbClr val="7030A0"/>
+              </a:solidFill>
+            </a:endParaRPr>
+          </a:p>
+        </p:txBody>
+      </p:sp>
+      <p:cxnSp>
+        <p:nvCxnSpPr>
+          <p:cNvPr id="102" name="Elbow Connector 78">
+            <a:extLst>
+              <a:ext uri="{FF2B5EF4-FFF2-40B4-BE49-F238E27FC236}">
+                <a16:creationId xmlns:a16="http://schemas.microsoft.com/office/drawing/2014/main" id="{07259882-2947-48D3-BD8A-0FA5B31A81FE}"/>
+              </a:ext>
+            </a:extLst>
+          </p:cNvPr>
+          <p:cNvCxnSpPr>
+            <a:cxnSpLocks/>
+            <a:stCxn id="82" idx="3"/>
+            <a:endCxn id="101" idx="1"/>
+          </p:cNvCxnSpPr>
+          <p:nvPr/>
+        </p:nvCxnSpPr>
+        <p:spPr>
+          <a:xfrm flipV="1">
+            <a:off x="4174881" y="1428372"/>
+            <a:ext cx="246266" cy="691087"/>
+          </a:xfrm>
+          <a:prstGeom prst="bentConnector3">
+            <a:avLst>
+              <a:gd name="adj1" fmla="val 50000"/>
+            </a:avLst>
+          </a:prstGeom>
+          <a:ln w="19050">
+            <a:solidFill>
+              <a:srgbClr val="7030A0"/>
+            </a:solidFill>
+            <a:headEnd type="none" w="med" len="med"/>
+            <a:tailEnd type="arrow" w="med" len="med"/>
+          </a:ln>
+          <a:effectLst/>
+        </p:spPr>
+        <p:style>
+          <a:lnRef idx="1">
+            <a:schemeClr val="accent2"/>
+          </a:lnRef>
+          <a:fillRef idx="2">
+            <a:schemeClr val="accent2"/>
+          </a:fillRef>
+          <a:effectRef idx="1">
+            <a:schemeClr val="accent2"/>
+          </a:effectRef>
+          <a:fontRef idx="minor">
+            <a:schemeClr val="dk1"/>
+          </a:fontRef>
+        </p:style>
+      </p:cxnSp>
+      <p:sp>
+        <p:nvSpPr>
+          <p:cNvPr id="103" name="TextBox 102">
+            <a:extLst>
+              <a:ext uri="{FF2B5EF4-FFF2-40B4-BE49-F238E27FC236}">
+                <a16:creationId xmlns:a16="http://schemas.microsoft.com/office/drawing/2014/main" id="{3453DF86-93FB-4F6A-8118-D5688CFC3BD4}"/>
+              </a:ext>
+            </a:extLst>
+          </p:cNvPr>
+          <p:cNvSpPr txBox="1"/>
+          <p:nvPr/>
+        </p:nvSpPr>
+        <p:spPr>
+          <a:xfrm>
+            <a:off x="4142306" y="1222618"/>
+            <a:ext cx="189257" cy="178683"/>
+          </a:xfrm>
+          <a:prstGeom prst="rect">
+            <a:avLst/>
+          </a:prstGeom>
+          <a:noFill/>
+        </p:spPr>
+        <p:txBody>
+          <a:bodyPr wrap="square" lIns="0" tIns="0" rIns="0" bIns="0" rtlCol="0">
+            <a:noAutofit/>
+          </a:bodyPr>
+          <a:lstStyle/>
+          <a:p>
+            <a:pPr algn="ctr"/>
+            <a:r>
+              <a:rPr lang="en-US" sz="1100" dirty="0">
+                <a:solidFill>
+                  <a:srgbClr val="7030A0"/>
+                </a:solidFill>
+              </a:rPr>
+              <a:t>1</a:t>
+            </a:r>
+            <a:endParaRPr lang="en-SG" sz="1100" dirty="0">
+              <a:solidFill>
+                <a:srgbClr val="7030A0"/>
+              </a:solidFill>
+            </a:endParaRPr>
+          </a:p>
+        </p:txBody>
+      </p:sp>
+      <p:sp>
+        <p:nvSpPr>
+          <p:cNvPr id="104" name="Rectangle 8">
+            <a:extLst>
+              <a:ext uri="{FF2B5EF4-FFF2-40B4-BE49-F238E27FC236}">
+                <a16:creationId xmlns:a16="http://schemas.microsoft.com/office/drawing/2014/main" id="{A1509EFB-601A-4F5B-8820-398A6BC76025}"/>
+              </a:ext>
+            </a:extLst>
+          </p:cNvPr>
+          <p:cNvSpPr/>
+          <p:nvPr/>
+        </p:nvSpPr>
+        <p:spPr>
+          <a:xfrm>
+            <a:off x="4426766" y="2657680"/>
+            <a:ext cx="1107822" cy="346760"/>
+          </a:xfrm>
+          <a:prstGeom prst="rect">
+            <a:avLst/>
+          </a:prstGeom>
+          <a:ln w="19050">
+            <a:solidFill>
+              <a:srgbClr val="7030A0"/>
+            </a:solidFill>
+          </a:ln>
+          <a:effectLst/>
+        </p:spPr>
+        <p:style>
+          <a:lnRef idx="1">
+            <a:schemeClr val="accent4"/>
+          </a:lnRef>
+          <a:fillRef idx="2">
+            <a:schemeClr val="accent4"/>
+          </a:fillRef>
+          <a:effectRef idx="1">
+            <a:schemeClr val="accent4"/>
+          </a:effectRef>
+          <a:fontRef idx="minor">
+            <a:schemeClr val="dk1"/>
+          </a:fontRef>
+        </p:style>
+        <p:txBody>
+          <a:bodyPr rtlCol="0" anchor="ctr"/>
+          <a:lstStyle/>
+          <a:p>
+            <a:pPr algn="ctr"/>
+            <a:r>
+              <a:rPr lang="en-US" sz="1050" dirty="0">
+                <a:solidFill>
+                  <a:srgbClr val="7030A0"/>
+                </a:solidFill>
+              </a:rPr>
+              <a:t>YearChartList</a:t>
+            </a:r>
+            <a:endParaRPr lang="en-SG" sz="1050" dirty="0">
+              <a:solidFill>
+                <a:srgbClr val="7030A0"/>
+              </a:solidFill>
+            </a:endParaRPr>
+          </a:p>
+        </p:txBody>
+      </p:sp>
+      <p:cxnSp>
+        <p:nvCxnSpPr>
+          <p:cNvPr id="105" name="Elbow Connector 29">
+            <a:extLst>
+              <a:ext uri="{FF2B5EF4-FFF2-40B4-BE49-F238E27FC236}">
+                <a16:creationId xmlns:a16="http://schemas.microsoft.com/office/drawing/2014/main" id="{BFE8037A-D27D-4790-BB02-55DB6224F209}"/>
+              </a:ext>
+            </a:extLst>
+          </p:cNvPr>
+          <p:cNvCxnSpPr>
+            <a:cxnSpLocks/>
+            <a:stCxn id="82" idx="3"/>
+            <a:endCxn id="104" idx="1"/>
+          </p:cNvCxnSpPr>
+          <p:nvPr/>
+        </p:nvCxnSpPr>
+        <p:spPr>
+          <a:xfrm>
+            <a:off x="4174881" y="2119459"/>
+            <a:ext cx="251885" cy="711601"/>
+          </a:xfrm>
+          <a:prstGeom prst="bentConnector3">
+            <a:avLst>
+              <a:gd name="adj1" fmla="val 50000"/>
+            </a:avLst>
+          </a:prstGeom>
+          <a:ln w="19050">
+            <a:solidFill>
+              <a:srgbClr val="7030A0"/>
+            </a:solidFill>
+            <a:headEnd type="none" w="med" len="med"/>
+            <a:tailEnd type="arrow" w="med" len="med"/>
+          </a:ln>
+          <a:effectLst/>
+        </p:spPr>
+        <p:style>
+          <a:lnRef idx="1">
+            <a:schemeClr val="accent2"/>
+          </a:lnRef>
+          <a:fillRef idx="2">
+            <a:schemeClr val="accent2"/>
+          </a:fillRef>
+          <a:effectRef idx="1">
+            <a:schemeClr val="accent2"/>
+          </a:effectRef>
+          <a:fontRef idx="minor">
+            <a:schemeClr val="dk1"/>
+          </a:fontRef>
+        </p:style>
+      </p:cxnSp>
+      <p:sp>
+        <p:nvSpPr>
+          <p:cNvPr id="106" name="TextBox 105">
+            <a:extLst>
+              <a:ext uri="{FF2B5EF4-FFF2-40B4-BE49-F238E27FC236}">
+                <a16:creationId xmlns:a16="http://schemas.microsoft.com/office/drawing/2014/main" id="{6B3F5B5B-CCF9-4D32-8264-16D9B8961F98}"/>
+              </a:ext>
+            </a:extLst>
+          </p:cNvPr>
+          <p:cNvSpPr txBox="1"/>
+          <p:nvPr/>
+        </p:nvSpPr>
+        <p:spPr>
+          <a:xfrm>
+            <a:off x="4144263" y="2835086"/>
+            <a:ext cx="189257" cy="178683"/>
+          </a:xfrm>
+          <a:prstGeom prst="rect">
+            <a:avLst/>
+          </a:prstGeom>
+          <a:noFill/>
+        </p:spPr>
+        <p:txBody>
+          <a:bodyPr wrap="square" lIns="0" tIns="0" rIns="0" bIns="0" rtlCol="0">
+            <a:noAutofit/>
+          </a:bodyPr>
+          <a:lstStyle/>
+          <a:p>
+            <a:pPr algn="ctr"/>
+            <a:r>
+              <a:rPr lang="en-US" sz="1100" dirty="0">
+                <a:solidFill>
+                  <a:srgbClr val="7030A0"/>
+                </a:solidFill>
+              </a:rPr>
+              <a:t>1</a:t>
+            </a:r>
+            <a:endParaRPr lang="en-SG" sz="1100" dirty="0">
+              <a:solidFill>
+                <a:srgbClr val="7030A0"/>
+              </a:solidFill>
+            </a:endParaRPr>
+          </a:p>
+        </p:txBody>
+      </p:sp>
+      <p:sp>
+        <p:nvSpPr>
+          <p:cNvPr id="108" name="Rectangle 8">
+            <a:extLst>
+              <a:ext uri="{FF2B5EF4-FFF2-40B4-BE49-F238E27FC236}">
+                <a16:creationId xmlns:a16="http://schemas.microsoft.com/office/drawing/2014/main" id="{BEBDEE87-DCB9-4602-AF1E-ABD612BF3602}"/>
+              </a:ext>
+            </a:extLst>
+          </p:cNvPr>
+          <p:cNvSpPr/>
+          <p:nvPr/>
+        </p:nvSpPr>
+        <p:spPr>
+          <a:xfrm>
+            <a:off x="5932598" y="2643513"/>
+            <a:ext cx="957980" cy="346760"/>
+          </a:xfrm>
+          <a:prstGeom prst="rect">
+            <a:avLst/>
+          </a:prstGeom>
+          <a:ln w="19050">
+            <a:solidFill>
+              <a:srgbClr val="7030A0"/>
+            </a:solidFill>
+          </a:ln>
+          <a:effectLst/>
+        </p:spPr>
+        <p:style>
+          <a:lnRef idx="1">
+            <a:schemeClr val="accent4"/>
+          </a:lnRef>
+          <a:fillRef idx="2">
+            <a:schemeClr val="accent4"/>
+          </a:fillRef>
+          <a:effectRef idx="1">
+            <a:schemeClr val="accent4"/>
+          </a:effectRef>
+          <a:fontRef idx="minor">
+            <a:schemeClr val="dk1"/>
+          </a:fontRef>
+        </p:style>
+        <p:txBody>
+          <a:bodyPr rtlCol="0" anchor="ctr"/>
+          <a:lstStyle/>
+          <a:p>
+            <a:pPr algn="ctr"/>
+            <a:r>
+              <a:rPr lang="en-US" sz="1050" dirty="0">
+                <a:solidFill>
+                  <a:srgbClr val="7030A0"/>
+                </a:solidFill>
+              </a:rPr>
+              <a:t>YearChart</a:t>
+            </a:r>
+            <a:endParaRPr lang="en-SG" sz="1050" dirty="0">
+              <a:solidFill>
+                <a:srgbClr val="7030A0"/>
+              </a:solidFill>
+            </a:endParaRPr>
+          </a:p>
+        </p:txBody>
+      </p:sp>
+      <p:sp>
+        <p:nvSpPr>
+          <p:cNvPr id="109" name="Flowchart: Decision 96">
+            <a:extLst>
+              <a:ext uri="{FF2B5EF4-FFF2-40B4-BE49-F238E27FC236}">
+                <a16:creationId xmlns:a16="http://schemas.microsoft.com/office/drawing/2014/main" id="{B779FDC0-B080-41FC-ABD2-D7E43F8EAB61}"/>
+              </a:ext>
+            </a:extLst>
+          </p:cNvPr>
+          <p:cNvSpPr/>
+          <p:nvPr/>
+        </p:nvSpPr>
+        <p:spPr>
+          <a:xfrm>
+            <a:off x="5536564" y="2730499"/>
+            <a:ext cx="236048" cy="173380"/>
+          </a:xfrm>
+          <a:prstGeom prst="flowChartDecision">
+            <a:avLst/>
+          </a:prstGeom>
+          <a:noFill/>
+          <a:ln w="19050">
+            <a:solidFill>
+              <a:srgbClr val="7030A0"/>
+            </a:solidFill>
+          </a:ln>
+          <a:effectLst/>
+        </p:spPr>
+        <p:style>
+          <a:lnRef idx="1">
+            <a:schemeClr val="accent6"/>
+          </a:lnRef>
+          <a:fillRef idx="2">
+            <a:schemeClr val="accent6"/>
+          </a:fillRef>
+          <a:effectRef idx="1">
+            <a:schemeClr val="accent6"/>
+          </a:effectRef>
+          <a:fontRef idx="minor">
+            <a:schemeClr val="dk1"/>
+          </a:fontRef>
+        </p:style>
+        <p:txBody>
+          <a:bodyPr rtlCol="0" anchor="ctr"/>
+          <a:lstStyle/>
+          <a:p>
+            <a:pPr algn="ctr"/>
+            <a:endParaRPr lang="en-US" sz="1050"/>
+          </a:p>
+        </p:txBody>
+      </p:sp>
+      <p:cxnSp>
+        <p:nvCxnSpPr>
+          <p:cNvPr id="110" name="Elbow Connector 63">
+            <a:extLst>
+              <a:ext uri="{FF2B5EF4-FFF2-40B4-BE49-F238E27FC236}">
+                <a16:creationId xmlns:a16="http://schemas.microsoft.com/office/drawing/2014/main" id="{5DEF8B10-25DE-4D8D-A7DE-EB2C8A8498FE}"/>
+              </a:ext>
+            </a:extLst>
+          </p:cNvPr>
+          <p:cNvCxnSpPr>
+            <a:cxnSpLocks/>
+            <a:stCxn id="109" idx="3"/>
+            <a:endCxn id="108" idx="1"/>
+          </p:cNvCxnSpPr>
+          <p:nvPr/>
+        </p:nvCxnSpPr>
+        <p:spPr>
+          <a:xfrm flipV="1">
+            <a:off x="5772612" y="2816893"/>
+            <a:ext cx="159986" cy="296"/>
+          </a:xfrm>
+          <a:prstGeom prst="bentConnector3">
+            <a:avLst/>
+          </a:prstGeom>
+          <a:ln w="19050">
+            <a:solidFill>
+              <a:srgbClr val="7030A0"/>
+            </a:solidFill>
+            <a:headEnd type="none" w="med" len="med"/>
+            <a:tailEnd type="arrow" w="med" len="med"/>
+          </a:ln>
+          <a:effectLst/>
+        </p:spPr>
+        <p:style>
+          <a:lnRef idx="1">
+            <a:schemeClr val="accent2"/>
+          </a:lnRef>
+          <a:fillRef idx="2">
+            <a:schemeClr val="accent2"/>
+          </a:fillRef>
+          <a:effectRef idx="1">
+            <a:schemeClr val="accent2"/>
+          </a:effectRef>
+          <a:fontRef idx="minor">
+            <a:schemeClr val="dk1"/>
+          </a:fontRef>
+        </p:style>
+      </p:cxnSp>
+      <p:sp>
+        <p:nvSpPr>
+          <p:cNvPr id="111" name="TextBox 110">
+            <a:extLst>
+              <a:ext uri="{FF2B5EF4-FFF2-40B4-BE49-F238E27FC236}">
+                <a16:creationId xmlns:a16="http://schemas.microsoft.com/office/drawing/2014/main" id="{5A4D29CA-AE16-4478-B2D0-02B8FB43F368}"/>
+              </a:ext>
+            </a:extLst>
+          </p:cNvPr>
+          <p:cNvSpPr txBox="1"/>
+          <p:nvPr/>
+        </p:nvSpPr>
+        <p:spPr>
+          <a:xfrm>
+            <a:off x="5754122" y="2897573"/>
+            <a:ext cx="189257" cy="178683"/>
+          </a:xfrm>
+          <a:prstGeom prst="rect">
+            <a:avLst/>
+          </a:prstGeom>
+          <a:noFill/>
+        </p:spPr>
+        <p:txBody>
+          <a:bodyPr wrap="square" lIns="0" tIns="0" rIns="0" bIns="0" rtlCol="0">
+            <a:noAutofit/>
+          </a:bodyPr>
+          <a:lstStyle/>
+          <a:p>
+            <a:pPr algn="ctr"/>
+            <a:r>
+              <a:rPr lang="en-US" sz="1100" dirty="0">
+                <a:solidFill>
+                  <a:srgbClr val="7030A0"/>
+                </a:solidFill>
+              </a:rPr>
+              <a:t>*</a:t>
+            </a:r>
+            <a:endParaRPr lang="en-SG" sz="1100" dirty="0">
+              <a:solidFill>
+                <a:srgbClr val="7030A0"/>
+              </a:solidFill>
+            </a:endParaRPr>
+          </a:p>
+        </p:txBody>
+      </p:sp>
+      <p:sp>
+        <p:nvSpPr>
+          <p:cNvPr id="112" name="Rectangle 8">
+            <a:extLst>
+              <a:ext uri="{FF2B5EF4-FFF2-40B4-BE49-F238E27FC236}">
+                <a16:creationId xmlns:a16="http://schemas.microsoft.com/office/drawing/2014/main" id="{10F64DF6-EE13-4302-B32B-7C05B4E45DFF}"/>
+              </a:ext>
+            </a:extLst>
+          </p:cNvPr>
+          <p:cNvSpPr/>
+          <p:nvPr/>
+        </p:nvSpPr>
+        <p:spPr>
+          <a:xfrm>
+            <a:off x="5937448" y="1274281"/>
+            <a:ext cx="950337" cy="346760"/>
+          </a:xfrm>
+          <a:prstGeom prst="rect">
+            <a:avLst/>
+          </a:prstGeom>
+          <a:ln w="19050">
+            <a:solidFill>
+              <a:srgbClr val="7030A0"/>
+            </a:solidFill>
+          </a:ln>
+          <a:effectLst/>
+        </p:spPr>
+        <p:style>
+          <a:lnRef idx="1">
+            <a:schemeClr val="accent4"/>
+          </a:lnRef>
+          <a:fillRef idx="2">
+            <a:schemeClr val="accent4"/>
+          </a:fillRef>
+          <a:effectRef idx="1">
+            <a:schemeClr val="accent4"/>
+          </a:effectRef>
+          <a:fontRef idx="minor">
+            <a:schemeClr val="dk1"/>
+          </a:fontRef>
+        </p:style>
+        <p:txBody>
+          <a:bodyPr rtlCol="0" anchor="ctr"/>
+          <a:lstStyle/>
+          <a:p>
+            <a:pPr algn="ctr"/>
+            <a:r>
+              <a:rPr lang="en-US" sz="1050" dirty="0">
+                <a:solidFill>
+                  <a:srgbClr val="7030A0"/>
+                </a:solidFill>
+              </a:rPr>
+              <a:t>CountryChart</a:t>
+            </a:r>
+            <a:endParaRPr lang="en-SG" sz="1050" dirty="0">
+              <a:solidFill>
+                <a:srgbClr val="7030A0"/>
+              </a:solidFill>
+            </a:endParaRPr>
+          </a:p>
+        </p:txBody>
+      </p:sp>
+      <p:sp>
+        <p:nvSpPr>
+          <p:cNvPr id="113" name="Flowchart: Decision 96">
+            <a:extLst>
+              <a:ext uri="{FF2B5EF4-FFF2-40B4-BE49-F238E27FC236}">
+                <a16:creationId xmlns:a16="http://schemas.microsoft.com/office/drawing/2014/main" id="{9113237A-9F04-45A4-AA66-F2B51E592680}"/>
+              </a:ext>
+            </a:extLst>
+          </p:cNvPr>
+          <p:cNvSpPr/>
+          <p:nvPr/>
+        </p:nvSpPr>
+        <p:spPr>
+          <a:xfrm>
+            <a:off x="5542232" y="1357280"/>
+            <a:ext cx="236048" cy="173380"/>
+          </a:xfrm>
+          <a:prstGeom prst="flowChartDecision">
+            <a:avLst/>
+          </a:prstGeom>
+          <a:noFill/>
+          <a:ln w="19050">
+            <a:solidFill>
+              <a:srgbClr val="7030A0"/>
+            </a:solidFill>
+          </a:ln>
+          <a:effectLst/>
+        </p:spPr>
+        <p:style>
+          <a:lnRef idx="1">
+            <a:schemeClr val="accent6"/>
+          </a:lnRef>
+          <a:fillRef idx="2">
+            <a:schemeClr val="accent6"/>
+          </a:fillRef>
+          <a:effectRef idx="1">
+            <a:schemeClr val="accent6"/>
+          </a:effectRef>
+          <a:fontRef idx="minor">
+            <a:schemeClr val="dk1"/>
+          </a:fontRef>
+        </p:style>
+        <p:txBody>
+          <a:bodyPr rtlCol="0" anchor="ctr"/>
+          <a:lstStyle/>
+          <a:p>
+            <a:pPr algn="ctr"/>
+            <a:endParaRPr lang="en-US" sz="1050"/>
+          </a:p>
+        </p:txBody>
+      </p:sp>
+      <p:cxnSp>
+        <p:nvCxnSpPr>
+          <p:cNvPr id="115" name="Elbow Connector 63">
+            <a:extLst>
+              <a:ext uri="{FF2B5EF4-FFF2-40B4-BE49-F238E27FC236}">
+                <a16:creationId xmlns:a16="http://schemas.microsoft.com/office/drawing/2014/main" id="{D5489E73-EE70-4793-AC47-CF233F3CFB6D}"/>
+              </a:ext>
+            </a:extLst>
+          </p:cNvPr>
+          <p:cNvCxnSpPr>
+            <a:cxnSpLocks/>
+            <a:stCxn id="113" idx="3"/>
+            <a:endCxn id="112" idx="1"/>
+          </p:cNvCxnSpPr>
+          <p:nvPr/>
+        </p:nvCxnSpPr>
+        <p:spPr>
+          <a:xfrm>
+            <a:off x="5778280" y="1443970"/>
+            <a:ext cx="159168" cy="3691"/>
+          </a:xfrm>
+          <a:prstGeom prst="bentConnector3">
+            <a:avLst/>
+          </a:prstGeom>
+          <a:ln w="19050">
+            <a:solidFill>
+              <a:srgbClr val="7030A0"/>
+            </a:solidFill>
+            <a:headEnd type="none" w="med" len="med"/>
+            <a:tailEnd type="arrow" w="med" len="med"/>
+          </a:ln>
+          <a:effectLst/>
+        </p:spPr>
+        <p:style>
+          <a:lnRef idx="1">
+            <a:schemeClr val="accent2"/>
+          </a:lnRef>
+          <a:fillRef idx="2">
+            <a:schemeClr val="accent2"/>
+          </a:fillRef>
+          <a:effectRef idx="1">
+            <a:schemeClr val="accent2"/>
+          </a:effectRef>
+          <a:fontRef idx="minor">
+            <a:schemeClr val="dk1"/>
+          </a:fontRef>
+        </p:style>
+      </p:cxnSp>
+      <p:sp>
+        <p:nvSpPr>
+          <p:cNvPr id="116" name="TextBox 115">
+            <a:extLst>
+              <a:ext uri="{FF2B5EF4-FFF2-40B4-BE49-F238E27FC236}">
+                <a16:creationId xmlns:a16="http://schemas.microsoft.com/office/drawing/2014/main" id="{E2F4026E-DFAD-492F-ABE6-04827080399B}"/>
+              </a:ext>
+            </a:extLst>
+          </p:cNvPr>
+          <p:cNvSpPr txBox="1"/>
+          <p:nvPr/>
+        </p:nvSpPr>
+        <p:spPr>
+          <a:xfrm>
+            <a:off x="5759028" y="1514132"/>
+            <a:ext cx="189257" cy="178683"/>
+          </a:xfrm>
+          <a:prstGeom prst="rect">
+            <a:avLst/>
+          </a:prstGeom>
+          <a:noFill/>
+        </p:spPr>
+        <p:txBody>
+          <a:bodyPr wrap="square" lIns="0" tIns="0" rIns="0" bIns="0" rtlCol="0">
+            <a:noAutofit/>
+          </a:bodyPr>
+          <a:lstStyle/>
+          <a:p>
+            <a:pPr algn="ctr"/>
+            <a:r>
+              <a:rPr lang="en-US" sz="1100" dirty="0">
+                <a:solidFill>
+                  <a:srgbClr val="7030A0"/>
+                </a:solidFill>
+              </a:rPr>
+              <a:t>*</a:t>
+            </a:r>
+            <a:endParaRPr lang="en-SG" sz="1100" dirty="0">
+              <a:solidFill>
+                <a:srgbClr val="7030A0"/>
+              </a:solidFill>
+            </a:endParaRPr>
+          </a:p>
+        </p:txBody>
+      </p:sp>
+      <p:sp>
+        <p:nvSpPr>
+          <p:cNvPr id="117" name="Flowchart: Decision 96">
+            <a:extLst>
+              <a:ext uri="{FF2B5EF4-FFF2-40B4-BE49-F238E27FC236}">
+                <a16:creationId xmlns:a16="http://schemas.microsoft.com/office/drawing/2014/main" id="{B7B88C16-EBE0-470A-B308-5C13F4E8B946}"/>
+              </a:ext>
+            </a:extLst>
+          </p:cNvPr>
+          <p:cNvSpPr/>
+          <p:nvPr/>
+        </p:nvSpPr>
+        <p:spPr>
+          <a:xfrm>
+            <a:off x="6902734" y="2730499"/>
+            <a:ext cx="236048" cy="173380"/>
+          </a:xfrm>
+          <a:prstGeom prst="flowChartDecision">
+            <a:avLst/>
+          </a:prstGeom>
+          <a:solidFill>
+            <a:srgbClr val="7030A0"/>
+          </a:solidFill>
+          <a:ln w="19050">
+            <a:solidFill>
+              <a:srgbClr val="7030A0"/>
+            </a:solidFill>
+          </a:ln>
+          <a:effectLst/>
+        </p:spPr>
+        <p:style>
+          <a:lnRef idx="1">
+            <a:schemeClr val="accent6"/>
+          </a:lnRef>
+          <a:fillRef idx="2">
+            <a:schemeClr val="accent6"/>
+          </a:fillRef>
+          <a:effectRef idx="1">
+            <a:schemeClr val="accent6"/>
+          </a:effectRef>
+          <a:fontRef idx="minor">
+            <a:schemeClr val="dk1"/>
+          </a:fontRef>
+        </p:style>
+        <p:txBody>
+          <a:bodyPr rtlCol="0" anchor="ctr"/>
+          <a:lstStyle/>
+          <a:p>
+            <a:pPr algn="ctr"/>
+            <a:endParaRPr lang="en-US" sz="1050"/>
+          </a:p>
+        </p:txBody>
+      </p:sp>
+      <p:sp>
+        <p:nvSpPr>
+          <p:cNvPr id="121" name="Rectangle 8">
+            <a:extLst>
+              <a:ext uri="{FF2B5EF4-FFF2-40B4-BE49-F238E27FC236}">
+                <a16:creationId xmlns:a16="http://schemas.microsoft.com/office/drawing/2014/main" id="{58093545-321B-4F33-A6C1-31AF55CC03BB}"/>
+              </a:ext>
+            </a:extLst>
+          </p:cNvPr>
+          <p:cNvSpPr/>
+          <p:nvPr/>
+        </p:nvSpPr>
+        <p:spPr>
+          <a:xfrm>
+            <a:off x="7571398" y="2667218"/>
+            <a:ext cx="961217" cy="285783"/>
+          </a:xfrm>
+          <a:prstGeom prst="rect">
+            <a:avLst/>
+          </a:prstGeom>
+          <a:ln w="19050">
+            <a:solidFill>
+              <a:srgbClr val="7030A0"/>
+            </a:solidFill>
+          </a:ln>
+          <a:effectLst/>
+        </p:spPr>
+        <p:style>
+          <a:lnRef idx="1">
+            <a:schemeClr val="accent4"/>
+          </a:lnRef>
+          <a:fillRef idx="2">
+            <a:schemeClr val="accent4"/>
+          </a:fillRef>
+          <a:effectRef idx="1">
+            <a:schemeClr val="accent4"/>
+          </a:effectRef>
+          <a:fontRef idx="minor">
+            <a:schemeClr val="dk1"/>
+          </a:fontRef>
+        </p:style>
+        <p:txBody>
+          <a:bodyPr rtlCol="0" anchor="ctr"/>
+          <a:lstStyle/>
+          <a:p>
+            <a:pPr algn="ctr"/>
+            <a:r>
+              <a:rPr lang="en-US" sz="1050" dirty="0">
+                <a:solidFill>
+                  <a:srgbClr val="7030A0"/>
+                </a:solidFill>
+              </a:rPr>
+              <a:t>Year</a:t>
+            </a:r>
+            <a:endParaRPr lang="en-SG" sz="1050" dirty="0">
+              <a:solidFill>
+                <a:srgbClr val="7030A0"/>
+              </a:solidFill>
+            </a:endParaRPr>
+          </a:p>
+        </p:txBody>
+      </p:sp>
+      <p:cxnSp>
+        <p:nvCxnSpPr>
+          <p:cNvPr id="123" name="Elbow Connector 80">
+            <a:extLst>
+              <a:ext uri="{FF2B5EF4-FFF2-40B4-BE49-F238E27FC236}">
+                <a16:creationId xmlns:a16="http://schemas.microsoft.com/office/drawing/2014/main" id="{C3B50303-0693-4191-B9C0-EA704B376A35}"/>
+              </a:ext>
+            </a:extLst>
+          </p:cNvPr>
+          <p:cNvCxnSpPr>
+            <a:cxnSpLocks/>
+            <a:stCxn id="117" idx="3"/>
+            <a:endCxn id="121" idx="1"/>
+          </p:cNvCxnSpPr>
+          <p:nvPr/>
+        </p:nvCxnSpPr>
+        <p:spPr>
+          <a:xfrm flipV="1">
+            <a:off x="7138782" y="2810110"/>
+            <a:ext cx="432616" cy="7079"/>
+          </a:xfrm>
+          <a:prstGeom prst="bentConnector3">
+            <a:avLst/>
+          </a:prstGeom>
+          <a:ln w="19050">
+            <a:solidFill>
+              <a:srgbClr val="7030A0"/>
+            </a:solidFill>
+            <a:headEnd type="none" w="med" len="med"/>
+            <a:tailEnd type="arrow" w="med" len="med"/>
+          </a:ln>
+          <a:effectLst/>
+        </p:spPr>
+        <p:style>
+          <a:lnRef idx="1">
+            <a:schemeClr val="accent2"/>
+          </a:lnRef>
+          <a:fillRef idx="2">
+            <a:schemeClr val="accent2"/>
+          </a:fillRef>
+          <a:effectRef idx="1">
+            <a:schemeClr val="accent2"/>
+          </a:effectRef>
+          <a:fontRef idx="minor">
+            <a:schemeClr val="dk1"/>
+          </a:fontRef>
+        </p:style>
+      </p:cxnSp>
+      <p:sp>
+        <p:nvSpPr>
+          <p:cNvPr id="125" name="Rectangle 8">
+            <a:extLst>
+              <a:ext uri="{FF2B5EF4-FFF2-40B4-BE49-F238E27FC236}">
+                <a16:creationId xmlns:a16="http://schemas.microsoft.com/office/drawing/2014/main" id="{FD56F782-8D5D-4D60-AC57-12D314B8A116}"/>
+              </a:ext>
+            </a:extLst>
+          </p:cNvPr>
+          <p:cNvSpPr/>
+          <p:nvPr/>
+        </p:nvSpPr>
+        <p:spPr>
+          <a:xfrm>
+            <a:off x="7573183" y="3002714"/>
+            <a:ext cx="961217" cy="285783"/>
+          </a:xfrm>
+          <a:prstGeom prst="rect">
+            <a:avLst/>
+          </a:prstGeom>
+          <a:ln w="19050">
+            <a:solidFill>
+              <a:srgbClr val="7030A0"/>
+            </a:solidFill>
+          </a:ln>
+          <a:effectLst/>
+        </p:spPr>
+        <p:style>
+          <a:lnRef idx="1">
+            <a:schemeClr val="accent4"/>
+          </a:lnRef>
+          <a:fillRef idx="2">
+            <a:schemeClr val="accent4"/>
+          </a:fillRef>
+          <a:effectRef idx="1">
+            <a:schemeClr val="accent4"/>
+          </a:effectRef>
+          <a:fontRef idx="minor">
+            <a:schemeClr val="dk1"/>
+          </a:fontRef>
+        </p:style>
+        <p:txBody>
+          <a:bodyPr rtlCol="0" anchor="ctr"/>
+          <a:lstStyle/>
+          <a:p>
+            <a:pPr algn="ctr"/>
+            <a:r>
+              <a:rPr lang="en-US" sz="1050" dirty="0">
+                <a:solidFill>
+                  <a:srgbClr val="7030A0"/>
+                </a:solidFill>
+              </a:rPr>
+              <a:t>Total</a:t>
+            </a:r>
+            <a:endParaRPr lang="en-SG" sz="1050" dirty="0">
+              <a:solidFill>
+                <a:srgbClr val="7030A0"/>
+              </a:solidFill>
+            </a:endParaRPr>
+          </a:p>
+        </p:txBody>
+      </p:sp>
+      <p:cxnSp>
+        <p:nvCxnSpPr>
+          <p:cNvPr id="126" name="Elbow Connector 83">
+            <a:extLst>
+              <a:ext uri="{FF2B5EF4-FFF2-40B4-BE49-F238E27FC236}">
+                <a16:creationId xmlns:a16="http://schemas.microsoft.com/office/drawing/2014/main" id="{2333CDC6-0A16-40B4-804D-19F86D1E665A}"/>
+              </a:ext>
+            </a:extLst>
+          </p:cNvPr>
+          <p:cNvCxnSpPr>
+            <a:cxnSpLocks/>
+            <a:stCxn id="117" idx="3"/>
+            <a:endCxn id="125" idx="1"/>
+          </p:cNvCxnSpPr>
+          <p:nvPr/>
+        </p:nvCxnSpPr>
+        <p:spPr>
+          <a:xfrm>
+            <a:off x="7138782" y="2817189"/>
+            <a:ext cx="434401" cy="328417"/>
+          </a:xfrm>
+          <a:prstGeom prst="bentConnector3">
+            <a:avLst/>
+          </a:prstGeom>
+          <a:ln w="19050">
+            <a:solidFill>
+              <a:srgbClr val="7030A0"/>
+            </a:solidFill>
+            <a:headEnd type="none" w="med" len="med"/>
+            <a:tailEnd type="arrow" w="med" len="med"/>
+          </a:ln>
+          <a:effectLst/>
+        </p:spPr>
+        <p:style>
+          <a:lnRef idx="1">
+            <a:schemeClr val="accent2"/>
+          </a:lnRef>
+          <a:fillRef idx="2">
+            <a:schemeClr val="accent2"/>
+          </a:fillRef>
+          <a:effectRef idx="1">
+            <a:schemeClr val="accent2"/>
+          </a:effectRef>
+          <a:fontRef idx="minor">
+            <a:schemeClr val="dk1"/>
+          </a:fontRef>
+        </p:style>
+      </p:cxnSp>
+      <p:sp>
+        <p:nvSpPr>
+          <p:cNvPr id="127" name="Flowchart: Decision 96">
+            <a:extLst>
+              <a:ext uri="{FF2B5EF4-FFF2-40B4-BE49-F238E27FC236}">
+                <a16:creationId xmlns:a16="http://schemas.microsoft.com/office/drawing/2014/main" id="{5F42EBC6-5972-4683-AA7C-82D25DD03945}"/>
+              </a:ext>
+            </a:extLst>
+          </p:cNvPr>
+          <p:cNvSpPr/>
+          <p:nvPr/>
+        </p:nvSpPr>
+        <p:spPr>
+          <a:xfrm>
+            <a:off x="6887785" y="1359125"/>
+            <a:ext cx="236048" cy="173380"/>
+          </a:xfrm>
+          <a:prstGeom prst="flowChartDecision">
+            <a:avLst/>
+          </a:prstGeom>
+          <a:solidFill>
+            <a:srgbClr val="7030A0"/>
+          </a:solidFill>
+          <a:ln w="19050">
+            <a:solidFill>
+              <a:srgbClr val="7030A0"/>
+            </a:solidFill>
+          </a:ln>
+          <a:effectLst/>
+        </p:spPr>
+        <p:style>
+          <a:lnRef idx="1">
+            <a:schemeClr val="accent6"/>
+          </a:lnRef>
+          <a:fillRef idx="2">
+            <a:schemeClr val="accent6"/>
+          </a:fillRef>
+          <a:effectRef idx="1">
+            <a:schemeClr val="accent6"/>
+          </a:effectRef>
+          <a:fontRef idx="minor">
+            <a:schemeClr val="dk1"/>
+          </a:fontRef>
+        </p:style>
+        <p:txBody>
+          <a:bodyPr rtlCol="0" anchor="ctr"/>
+          <a:lstStyle/>
+          <a:p>
+            <a:pPr algn="ctr"/>
+            <a:endParaRPr lang="en-US" sz="1050"/>
+          </a:p>
+        </p:txBody>
+      </p:sp>
+      <p:sp>
+        <p:nvSpPr>
+          <p:cNvPr id="128" name="Rectangle 8">
+            <a:extLst>
+              <a:ext uri="{FF2B5EF4-FFF2-40B4-BE49-F238E27FC236}">
+                <a16:creationId xmlns:a16="http://schemas.microsoft.com/office/drawing/2014/main" id="{5FE8812B-D2F5-47C9-8B58-7F1546E86DC8}"/>
+              </a:ext>
+            </a:extLst>
+          </p:cNvPr>
+          <p:cNvSpPr/>
+          <p:nvPr/>
+        </p:nvSpPr>
+        <p:spPr>
+          <a:xfrm>
+            <a:off x="7558233" y="1293998"/>
+            <a:ext cx="961217" cy="285783"/>
+          </a:xfrm>
+          <a:prstGeom prst="rect">
+            <a:avLst/>
+          </a:prstGeom>
+          <a:ln w="19050">
+            <a:solidFill>
+              <a:srgbClr val="7030A0"/>
+            </a:solidFill>
+          </a:ln>
+          <a:effectLst/>
+        </p:spPr>
+        <p:style>
+          <a:lnRef idx="1">
+            <a:schemeClr val="accent4"/>
+          </a:lnRef>
+          <a:fillRef idx="2">
+            <a:schemeClr val="accent4"/>
+          </a:fillRef>
+          <a:effectRef idx="1">
+            <a:schemeClr val="accent4"/>
+          </a:effectRef>
+          <a:fontRef idx="minor">
+            <a:schemeClr val="dk1"/>
+          </a:fontRef>
+        </p:style>
+        <p:txBody>
+          <a:bodyPr rtlCol="0" anchor="ctr"/>
+          <a:lstStyle/>
+          <a:p>
+            <a:pPr algn="ctr"/>
+            <a:r>
+              <a:rPr lang="en-US" sz="1050" dirty="0">
+                <a:solidFill>
+                  <a:srgbClr val="7030A0"/>
+                </a:solidFill>
+              </a:rPr>
+              <a:t>CountryCode</a:t>
+            </a:r>
+            <a:endParaRPr lang="en-SG" sz="1050" dirty="0">
+              <a:solidFill>
+                <a:srgbClr val="7030A0"/>
+              </a:solidFill>
+            </a:endParaRPr>
+          </a:p>
+        </p:txBody>
+      </p:sp>
+      <p:cxnSp>
+        <p:nvCxnSpPr>
+          <p:cNvPr id="129" name="Elbow Connector 80">
+            <a:extLst>
+              <a:ext uri="{FF2B5EF4-FFF2-40B4-BE49-F238E27FC236}">
+                <a16:creationId xmlns:a16="http://schemas.microsoft.com/office/drawing/2014/main" id="{137ABC84-6984-4400-9550-E50BD8A4271D}"/>
+              </a:ext>
+            </a:extLst>
+          </p:cNvPr>
+          <p:cNvCxnSpPr>
+            <a:cxnSpLocks/>
+            <a:stCxn id="127" idx="3"/>
+            <a:endCxn id="128" idx="1"/>
+          </p:cNvCxnSpPr>
+          <p:nvPr/>
+        </p:nvCxnSpPr>
+        <p:spPr>
+          <a:xfrm flipV="1">
+            <a:off x="7123833" y="1436890"/>
+            <a:ext cx="434400" cy="8925"/>
+          </a:xfrm>
+          <a:prstGeom prst="bentConnector3">
+            <a:avLst>
+              <a:gd name="adj1" fmla="val 50000"/>
+            </a:avLst>
+          </a:prstGeom>
+          <a:ln w="19050">
+            <a:solidFill>
+              <a:srgbClr val="7030A0"/>
+            </a:solidFill>
+            <a:headEnd type="none" w="med" len="med"/>
+            <a:tailEnd type="arrow" w="med" len="med"/>
+          </a:ln>
+          <a:effectLst/>
+        </p:spPr>
+        <p:style>
+          <a:lnRef idx="1">
+            <a:schemeClr val="accent2"/>
+          </a:lnRef>
+          <a:fillRef idx="2">
+            <a:schemeClr val="accent2"/>
+          </a:fillRef>
+          <a:effectRef idx="1">
+            <a:schemeClr val="accent2"/>
+          </a:effectRef>
+          <a:fontRef idx="minor">
+            <a:schemeClr val="dk1"/>
+          </a:fontRef>
+        </p:style>
+      </p:cxnSp>
+      <p:sp>
+        <p:nvSpPr>
+          <p:cNvPr id="130" name="Rectangle 8">
+            <a:extLst>
+              <a:ext uri="{FF2B5EF4-FFF2-40B4-BE49-F238E27FC236}">
+                <a16:creationId xmlns:a16="http://schemas.microsoft.com/office/drawing/2014/main" id="{1075022E-45DC-4233-BB2F-D50A855C5FA3}"/>
+              </a:ext>
+            </a:extLst>
+          </p:cNvPr>
+          <p:cNvSpPr/>
+          <p:nvPr/>
+        </p:nvSpPr>
+        <p:spPr>
+          <a:xfrm>
+            <a:off x="7558233" y="1629494"/>
+            <a:ext cx="961217" cy="285783"/>
+          </a:xfrm>
+          <a:prstGeom prst="rect">
+            <a:avLst/>
+          </a:prstGeom>
+          <a:ln w="19050">
+            <a:solidFill>
+              <a:srgbClr val="7030A0"/>
+            </a:solidFill>
+          </a:ln>
+          <a:effectLst/>
+        </p:spPr>
+        <p:style>
+          <a:lnRef idx="1">
+            <a:schemeClr val="accent4"/>
+          </a:lnRef>
+          <a:fillRef idx="2">
+            <a:schemeClr val="accent4"/>
+          </a:fillRef>
+          <a:effectRef idx="1">
+            <a:schemeClr val="accent4"/>
+          </a:effectRef>
+          <a:fontRef idx="minor">
+            <a:schemeClr val="dk1"/>
+          </a:fontRef>
+        </p:style>
+        <p:txBody>
+          <a:bodyPr rtlCol="0" anchor="ctr"/>
+          <a:lstStyle/>
+          <a:p>
+            <a:pPr algn="ctr"/>
+            <a:r>
+              <a:rPr lang="en-US" sz="1050" dirty="0">
+                <a:solidFill>
+                  <a:srgbClr val="7030A0"/>
+                </a:solidFill>
+              </a:rPr>
+              <a:t>Total</a:t>
+            </a:r>
+            <a:endParaRPr lang="en-SG" sz="1050" dirty="0">
+              <a:solidFill>
+                <a:srgbClr val="7030A0"/>
+              </a:solidFill>
+            </a:endParaRPr>
+          </a:p>
+        </p:txBody>
+      </p:sp>
+      <p:cxnSp>
+        <p:nvCxnSpPr>
+          <p:cNvPr id="131" name="Elbow Connector 83">
+            <a:extLst>
+              <a:ext uri="{FF2B5EF4-FFF2-40B4-BE49-F238E27FC236}">
+                <a16:creationId xmlns:a16="http://schemas.microsoft.com/office/drawing/2014/main" id="{DAF698EC-13B1-45DC-95F4-8F634C96C5C5}"/>
+              </a:ext>
+            </a:extLst>
+          </p:cNvPr>
+          <p:cNvCxnSpPr>
+            <a:cxnSpLocks/>
+            <a:stCxn id="127" idx="3"/>
+            <a:endCxn id="130" idx="1"/>
+          </p:cNvCxnSpPr>
+          <p:nvPr/>
+        </p:nvCxnSpPr>
+        <p:spPr>
+          <a:xfrm>
+            <a:off x="7123833" y="1445815"/>
+            <a:ext cx="434400" cy="326571"/>
+          </a:xfrm>
+          <a:prstGeom prst="bentConnector3">
+            <a:avLst/>
+          </a:prstGeom>
+          <a:ln w="19050">
+            <a:solidFill>
+              <a:srgbClr val="7030A0"/>
+            </a:solidFill>
+            <a:headEnd type="none" w="med" len="med"/>
+            <a:tailEnd type="arrow" w="med" len="med"/>
+          </a:ln>
+          <a:effectLst/>
+        </p:spPr>
+        <p:style>
+          <a:lnRef idx="1">
+            <a:schemeClr val="accent2"/>
+          </a:lnRef>
+          <a:fillRef idx="2">
+            <a:schemeClr val="accent2"/>
+          </a:fillRef>
+          <a:effectRef idx="1">
+            <a:schemeClr val="accent2"/>
+          </a:effectRef>
+          <a:fontRef idx="minor">
+            <a:schemeClr val="dk1"/>
+          </a:fontRef>
+        </p:style>
+      </p:cxnSp>
+      <p:cxnSp>
+        <p:nvCxnSpPr>
+          <p:cNvPr id="133" name="Elbow Connector 63">
+            <a:extLst>
+              <a:ext uri="{FF2B5EF4-FFF2-40B4-BE49-F238E27FC236}">
+                <a16:creationId xmlns:a16="http://schemas.microsoft.com/office/drawing/2014/main" id="{FD3EA331-CB26-4E55-9D9C-3039054501ED}"/>
+              </a:ext>
+            </a:extLst>
+          </p:cNvPr>
+          <p:cNvCxnSpPr>
+            <a:cxnSpLocks/>
+          </p:cNvCxnSpPr>
+          <p:nvPr/>
+        </p:nvCxnSpPr>
+        <p:spPr>
+          <a:xfrm rot="16200000" flipV="1">
+            <a:off x="5498347" y="4143986"/>
+            <a:ext cx="1273820" cy="3"/>
+          </a:xfrm>
+          <a:prstGeom prst="bentConnector3">
+            <a:avLst>
+              <a:gd name="adj1" fmla="val 50000"/>
+            </a:avLst>
+          </a:prstGeom>
+          <a:ln w="19050">
+            <a:solidFill>
+              <a:srgbClr val="7030A0"/>
+            </a:solidFill>
+            <a:headEnd type="none" w="med" len="med"/>
+            <a:tailEnd type="none" w="med" len="med"/>
+          </a:ln>
+          <a:effectLst/>
+        </p:spPr>
+        <p:style>
+          <a:lnRef idx="1">
+            <a:schemeClr val="accent2"/>
+          </a:lnRef>
+          <a:fillRef idx="2">
+            <a:schemeClr val="accent2"/>
+          </a:fillRef>
+          <a:effectRef idx="1">
+            <a:schemeClr val="accent2"/>
+          </a:effectRef>
+          <a:fontRef idx="minor">
+            <a:schemeClr val="dk1"/>
+          </a:fontRef>
+        </p:style>
+      </p:cxnSp>
+      <p:cxnSp>
+        <p:nvCxnSpPr>
+          <p:cNvPr id="134" name="Elbow Connector 63">
+            <a:extLst>
+              <a:ext uri="{FF2B5EF4-FFF2-40B4-BE49-F238E27FC236}">
+                <a16:creationId xmlns:a16="http://schemas.microsoft.com/office/drawing/2014/main" id="{2D1A8CFE-9296-40D5-9BB4-1695558E44EA}"/>
+              </a:ext>
+            </a:extLst>
+          </p:cNvPr>
+          <p:cNvCxnSpPr>
+            <a:cxnSpLocks/>
+            <a:endCxn id="74" idx="2"/>
+          </p:cNvCxnSpPr>
+          <p:nvPr/>
+        </p:nvCxnSpPr>
+        <p:spPr>
+          <a:xfrm rot="10800000">
+            <a:off x="3541229" y="2260290"/>
+            <a:ext cx="2594026" cy="1249624"/>
+          </a:xfrm>
+          <a:prstGeom prst="bentConnector2">
+            <a:avLst/>
+          </a:prstGeom>
+          <a:ln w="19050">
+            <a:solidFill>
+              <a:srgbClr val="7030A0"/>
+            </a:solidFill>
+            <a:headEnd type="none" w="med" len="med"/>
+            <a:tailEnd type="arrow" w="med" len="med"/>
+          </a:ln>
+          <a:effectLst/>
+        </p:spPr>
+        <p:style>
+          <a:lnRef idx="1">
+            <a:schemeClr val="accent2"/>
+          </a:lnRef>
+          <a:fillRef idx="2">
+            <a:schemeClr val="accent2"/>
+          </a:fillRef>
+          <a:effectRef idx="1">
+            <a:schemeClr val="accent2"/>
+          </a:effectRef>
+          <a:fontRef idx="minor">
+            <a:schemeClr val="dk1"/>
+          </a:fontRef>
+        </p:style>
+      </p:cxnSp>
+      <p:sp>
+        <p:nvSpPr>
+          <p:cNvPr id="135" name="TextBox 134">
+            <a:extLst>
+              <a:ext uri="{FF2B5EF4-FFF2-40B4-BE49-F238E27FC236}">
+                <a16:creationId xmlns:a16="http://schemas.microsoft.com/office/drawing/2014/main" id="{E1B06DD6-C83F-4D13-9466-64194B0080F9}"/>
+              </a:ext>
+            </a:extLst>
+          </p:cNvPr>
+          <p:cNvSpPr txBox="1"/>
+          <p:nvPr/>
+        </p:nvSpPr>
+        <p:spPr>
+          <a:xfrm>
+            <a:off x="3544543" y="2362200"/>
+            <a:ext cx="189257" cy="178683"/>
+          </a:xfrm>
+          <a:prstGeom prst="rect">
+            <a:avLst/>
+          </a:prstGeom>
+          <a:noFill/>
+        </p:spPr>
+        <p:txBody>
+          <a:bodyPr wrap="square" lIns="0" tIns="0" rIns="0" bIns="0" rtlCol="0">
+            <a:noAutofit/>
+          </a:bodyPr>
+          <a:lstStyle/>
+          <a:p>
+            <a:pPr algn="ctr"/>
+            <a:r>
+              <a:rPr lang="en-US" sz="1100" dirty="0">
+                <a:solidFill>
+                  <a:srgbClr val="7030A0"/>
+                </a:solidFill>
+              </a:rPr>
+              <a:t>*</a:t>
+            </a:r>
+            <a:endParaRPr lang="en-SG" sz="1100" dirty="0">
+              <a:solidFill>
+                <a:srgbClr val="7030A0"/>
+              </a:solidFill>
+            </a:endParaRPr>
+          </a:p>
+        </p:txBody>
+      </p:sp>
+      <p:sp>
+        <p:nvSpPr>
+          <p:cNvPr id="142" name="Rectangle 8">
+            <a:extLst>
+              <a:ext uri="{FF2B5EF4-FFF2-40B4-BE49-F238E27FC236}">
+                <a16:creationId xmlns:a16="http://schemas.microsoft.com/office/drawing/2014/main" id="{13062B0E-5BC5-46F7-AC3A-50EEC33A692C}"/>
+              </a:ext>
+            </a:extLst>
+          </p:cNvPr>
+          <p:cNvSpPr/>
+          <p:nvPr/>
+        </p:nvSpPr>
+        <p:spPr>
+          <a:xfrm>
+            <a:off x="1260922" y="2381143"/>
+            <a:ext cx="1443661" cy="364396"/>
+          </a:xfrm>
+          <a:prstGeom prst="rect">
+            <a:avLst/>
+          </a:prstGeom>
+          <a:ln w="19050">
+            <a:solidFill>
+              <a:srgbClr val="7030A0"/>
+            </a:solidFill>
+          </a:ln>
+          <a:effectLst/>
+        </p:spPr>
+        <p:style>
+          <a:lnRef idx="1">
+            <a:schemeClr val="accent4"/>
+          </a:lnRef>
+          <a:fillRef idx="2">
+            <a:schemeClr val="accent4"/>
+          </a:fillRef>
+          <a:effectRef idx="1">
+            <a:schemeClr val="accent4"/>
+          </a:effectRef>
+          <a:fontRef idx="minor">
+            <a:schemeClr val="dk1"/>
+          </a:fontRef>
+        </p:style>
+        <p:txBody>
+          <a:bodyPr rtlCol="0" anchor="ctr"/>
+          <a:lstStyle/>
+          <a:p>
+            <a:pPr algn="ctr"/>
+            <a:r>
+              <a:rPr lang="en-US" sz="1050" dirty="0">
+                <a:solidFill>
+                  <a:srgbClr val="7030A0"/>
+                </a:solidFill>
+              </a:rPr>
+              <a:t>&lt;&lt;interface&gt;&gt;</a:t>
+            </a:r>
+            <a:br>
+              <a:rPr lang="en-US" sz="1050" dirty="0">
+                <a:solidFill>
+                  <a:srgbClr val="7030A0"/>
+                </a:solidFill>
+              </a:rPr>
+            </a:br>
+            <a:r>
+              <a:rPr lang="en-US" sz="1050" dirty="0">
+                <a:solidFill>
+                  <a:srgbClr val="7030A0"/>
+                </a:solidFill>
+              </a:rPr>
+              <a:t>ReadOnlyCountryChart</a:t>
+            </a:r>
+            <a:endParaRPr lang="en-SG" sz="1050" dirty="0">
+              <a:solidFill>
+                <a:srgbClr val="7030A0"/>
+              </a:solidFill>
+            </a:endParaRPr>
+          </a:p>
+        </p:txBody>
+      </p:sp>
+      <p:sp>
+        <p:nvSpPr>
+          <p:cNvPr id="143" name="Rectangle 8">
+            <a:extLst>
+              <a:ext uri="{FF2B5EF4-FFF2-40B4-BE49-F238E27FC236}">
+                <a16:creationId xmlns:a16="http://schemas.microsoft.com/office/drawing/2014/main" id="{6639D755-2714-47AA-BC13-8DC4EC057877}"/>
+              </a:ext>
+            </a:extLst>
+          </p:cNvPr>
+          <p:cNvSpPr/>
+          <p:nvPr/>
+        </p:nvSpPr>
+        <p:spPr>
+          <a:xfrm>
+            <a:off x="1261421" y="2839578"/>
+            <a:ext cx="1443661" cy="364396"/>
+          </a:xfrm>
+          <a:prstGeom prst="rect">
+            <a:avLst/>
+          </a:prstGeom>
+          <a:ln w="19050">
+            <a:solidFill>
+              <a:srgbClr val="7030A0"/>
+            </a:solidFill>
+          </a:ln>
+          <a:effectLst/>
+        </p:spPr>
+        <p:style>
+          <a:lnRef idx="1">
+            <a:schemeClr val="accent4"/>
+          </a:lnRef>
+          <a:fillRef idx="2">
+            <a:schemeClr val="accent4"/>
+          </a:fillRef>
+          <a:effectRef idx="1">
+            <a:schemeClr val="accent4"/>
+          </a:effectRef>
+          <a:fontRef idx="minor">
+            <a:schemeClr val="dk1"/>
+          </a:fontRef>
+        </p:style>
+        <p:txBody>
+          <a:bodyPr rtlCol="0" anchor="ctr"/>
+          <a:lstStyle/>
+          <a:p>
+            <a:pPr algn="ctr"/>
+            <a:r>
+              <a:rPr lang="en-US" sz="1050" dirty="0">
+                <a:solidFill>
+                  <a:srgbClr val="7030A0"/>
+                </a:solidFill>
+              </a:rPr>
+              <a:t>&lt;&lt;interface&gt;&gt;</a:t>
+            </a:r>
+            <a:br>
+              <a:rPr lang="en-US" sz="1050" dirty="0">
+                <a:solidFill>
+                  <a:srgbClr val="7030A0"/>
+                </a:solidFill>
+              </a:rPr>
+            </a:br>
+            <a:r>
+              <a:rPr lang="en-US" sz="1050" dirty="0">
+                <a:solidFill>
+                  <a:srgbClr val="7030A0"/>
+                </a:solidFill>
+              </a:rPr>
+              <a:t>ReadOnlyRatingChart</a:t>
+            </a:r>
+            <a:endParaRPr lang="en-SG" sz="1050" dirty="0">
+              <a:solidFill>
+                <a:srgbClr val="7030A0"/>
+              </a:solidFill>
+            </a:endParaRPr>
+          </a:p>
+        </p:txBody>
+      </p:sp>
+      <p:sp>
+        <p:nvSpPr>
+          <p:cNvPr id="144" name="Rectangle 8">
+            <a:extLst>
+              <a:ext uri="{FF2B5EF4-FFF2-40B4-BE49-F238E27FC236}">
+                <a16:creationId xmlns:a16="http://schemas.microsoft.com/office/drawing/2014/main" id="{ED53CA1C-CF1A-4E96-BCF6-961272A9EDFC}"/>
+              </a:ext>
+            </a:extLst>
+          </p:cNvPr>
+          <p:cNvSpPr/>
+          <p:nvPr/>
+        </p:nvSpPr>
+        <p:spPr>
+          <a:xfrm>
+            <a:off x="1260922" y="3293204"/>
+            <a:ext cx="1443661" cy="364396"/>
+          </a:xfrm>
+          <a:prstGeom prst="rect">
+            <a:avLst/>
+          </a:prstGeom>
+          <a:ln w="19050">
+            <a:solidFill>
+              <a:srgbClr val="7030A0"/>
+            </a:solidFill>
+          </a:ln>
+          <a:effectLst/>
+        </p:spPr>
+        <p:style>
+          <a:lnRef idx="1">
+            <a:schemeClr val="accent4"/>
+          </a:lnRef>
+          <a:fillRef idx="2">
+            <a:schemeClr val="accent4"/>
+          </a:fillRef>
+          <a:effectRef idx="1">
+            <a:schemeClr val="accent4"/>
+          </a:effectRef>
+          <a:fontRef idx="minor">
+            <a:schemeClr val="dk1"/>
+          </a:fontRef>
+        </p:style>
+        <p:txBody>
+          <a:bodyPr rtlCol="0" anchor="ctr"/>
+          <a:lstStyle/>
+          <a:p>
+            <a:pPr algn="ctr"/>
+            <a:r>
+              <a:rPr lang="en-US" sz="1050" dirty="0">
+                <a:solidFill>
+                  <a:srgbClr val="7030A0"/>
+                </a:solidFill>
+              </a:rPr>
+              <a:t>&lt;&lt;interface&gt;&gt;</a:t>
+            </a:r>
+            <a:br>
+              <a:rPr lang="en-US" sz="1050" dirty="0">
+                <a:solidFill>
+                  <a:srgbClr val="7030A0"/>
+                </a:solidFill>
+              </a:rPr>
+            </a:br>
+            <a:r>
+              <a:rPr lang="en-US" sz="1050" dirty="0">
+                <a:solidFill>
+                  <a:srgbClr val="7030A0"/>
+                </a:solidFill>
+              </a:rPr>
+              <a:t>ReadOnlyYearChart</a:t>
+            </a:r>
+            <a:endParaRPr lang="en-SG" sz="1050" dirty="0">
+              <a:solidFill>
+                <a:srgbClr val="7030A0"/>
+              </a:solidFill>
+            </a:endParaRPr>
+          </a:p>
+        </p:txBody>
+      </p:sp>
+      <p:sp>
+        <p:nvSpPr>
+          <p:cNvPr id="145" name="Isosceles Triangle 102">
+            <a:extLst>
+              <a:ext uri="{FF2B5EF4-FFF2-40B4-BE49-F238E27FC236}">
+                <a16:creationId xmlns:a16="http://schemas.microsoft.com/office/drawing/2014/main" id="{03195044-DD47-4914-9015-61986B2F6BB4}"/>
+              </a:ext>
+            </a:extLst>
+          </p:cNvPr>
+          <p:cNvSpPr/>
+          <p:nvPr/>
+        </p:nvSpPr>
+        <p:spPr>
+          <a:xfrm rot="16200000">
+            <a:off x="2669074" y="3381693"/>
+            <a:ext cx="271014" cy="187417"/>
+          </a:xfrm>
+          <a:prstGeom prst="triangle">
+            <a:avLst>
+              <a:gd name="adj" fmla="val 44517"/>
+            </a:avLst>
+          </a:prstGeom>
+          <a:solidFill>
+            <a:schemeClr val="accent4">
+              <a:lumMod val="20000"/>
+              <a:lumOff val="80000"/>
+            </a:schemeClr>
+          </a:solidFill>
+          <a:ln w="19050">
+            <a:solidFill>
+              <a:srgbClr val="7030A0"/>
+            </a:solidFill>
+          </a:ln>
+          <a:effectLst/>
+        </p:spPr>
+        <p:style>
+          <a:lnRef idx="1">
+            <a:schemeClr val="accent6"/>
+          </a:lnRef>
+          <a:fillRef idx="2">
+            <a:schemeClr val="accent6"/>
+          </a:fillRef>
+          <a:effectRef idx="1">
+            <a:schemeClr val="accent6"/>
+          </a:effectRef>
+          <a:fontRef idx="minor">
+            <a:schemeClr val="dk1"/>
+          </a:fontRef>
+        </p:style>
+        <p:txBody>
+          <a:bodyPr rtlCol="0" anchor="ctr"/>
+          <a:lstStyle/>
+          <a:p>
+            <a:pPr algn="ctr"/>
+            <a:endParaRPr lang="en-SG" sz="1050"/>
+          </a:p>
+        </p:txBody>
+      </p:sp>
+      <p:sp>
+        <p:nvSpPr>
+          <p:cNvPr id="146" name="Isosceles Triangle 102">
+            <a:extLst>
+              <a:ext uri="{FF2B5EF4-FFF2-40B4-BE49-F238E27FC236}">
+                <a16:creationId xmlns:a16="http://schemas.microsoft.com/office/drawing/2014/main" id="{4462205D-2044-4457-94B0-CEE188F086D8}"/>
+              </a:ext>
+            </a:extLst>
+          </p:cNvPr>
+          <p:cNvSpPr/>
+          <p:nvPr/>
+        </p:nvSpPr>
+        <p:spPr>
+          <a:xfrm rot="16200000">
+            <a:off x="2668510" y="2928067"/>
+            <a:ext cx="271014" cy="187417"/>
+          </a:xfrm>
+          <a:prstGeom prst="triangle">
+            <a:avLst>
+              <a:gd name="adj" fmla="val 44517"/>
+            </a:avLst>
+          </a:prstGeom>
+          <a:solidFill>
+            <a:schemeClr val="accent4">
+              <a:lumMod val="20000"/>
+              <a:lumOff val="80000"/>
+            </a:schemeClr>
+          </a:solidFill>
+          <a:ln w="19050">
+            <a:solidFill>
+              <a:srgbClr val="7030A0"/>
+            </a:solidFill>
+          </a:ln>
+          <a:effectLst/>
+        </p:spPr>
+        <p:style>
+          <a:lnRef idx="1">
+            <a:schemeClr val="accent6"/>
+          </a:lnRef>
+          <a:fillRef idx="2">
+            <a:schemeClr val="accent6"/>
+          </a:fillRef>
+          <a:effectRef idx="1">
+            <a:schemeClr val="accent6"/>
+          </a:effectRef>
+          <a:fontRef idx="minor">
+            <a:schemeClr val="dk1"/>
+          </a:fontRef>
+        </p:style>
+        <p:txBody>
+          <a:bodyPr rtlCol="0" anchor="ctr"/>
+          <a:lstStyle/>
+          <a:p>
+            <a:pPr algn="ctr"/>
+            <a:endParaRPr lang="en-SG" sz="1050"/>
+          </a:p>
+        </p:txBody>
+      </p:sp>
+      <p:sp>
+        <p:nvSpPr>
+          <p:cNvPr id="147" name="Isosceles Triangle 102">
+            <a:extLst>
+              <a:ext uri="{FF2B5EF4-FFF2-40B4-BE49-F238E27FC236}">
+                <a16:creationId xmlns:a16="http://schemas.microsoft.com/office/drawing/2014/main" id="{901D1989-75F5-4655-B11B-163F926AA148}"/>
+              </a:ext>
+            </a:extLst>
+          </p:cNvPr>
+          <p:cNvSpPr/>
+          <p:nvPr/>
+        </p:nvSpPr>
+        <p:spPr>
+          <a:xfrm rot="16200000">
+            <a:off x="2668510" y="2463672"/>
+            <a:ext cx="271014" cy="187417"/>
+          </a:xfrm>
+          <a:prstGeom prst="triangle">
+            <a:avLst>
+              <a:gd name="adj" fmla="val 44517"/>
+            </a:avLst>
+          </a:prstGeom>
+          <a:solidFill>
+            <a:schemeClr val="accent4">
+              <a:lumMod val="20000"/>
+              <a:lumOff val="80000"/>
+            </a:schemeClr>
+          </a:solidFill>
+          <a:ln w="19050">
+            <a:solidFill>
+              <a:srgbClr val="7030A0"/>
+            </a:solidFill>
+          </a:ln>
+          <a:effectLst/>
+        </p:spPr>
+        <p:style>
+          <a:lnRef idx="1">
+            <a:schemeClr val="accent6"/>
+          </a:lnRef>
+          <a:fillRef idx="2">
+            <a:schemeClr val="accent6"/>
+          </a:fillRef>
+          <a:effectRef idx="1">
+            <a:schemeClr val="accent6"/>
+          </a:effectRef>
+          <a:fontRef idx="minor">
+            <a:schemeClr val="dk1"/>
+          </a:fontRef>
+        </p:style>
+        <p:txBody>
+          <a:bodyPr rtlCol="0" anchor="ctr"/>
+          <a:lstStyle/>
+          <a:p>
+            <a:pPr algn="ctr"/>
+            <a:endParaRPr lang="en-SG" sz="1050"/>
+          </a:p>
+        </p:txBody>
+      </p:sp>
+      <p:cxnSp>
+        <p:nvCxnSpPr>
+          <p:cNvPr id="148" name="Elbow Connector 63">
+            <a:extLst>
+              <a:ext uri="{FF2B5EF4-FFF2-40B4-BE49-F238E27FC236}">
+                <a16:creationId xmlns:a16="http://schemas.microsoft.com/office/drawing/2014/main" id="{37F4E4D9-3BB3-4E32-B2D5-317D9B7D8E58}"/>
+              </a:ext>
+            </a:extLst>
+          </p:cNvPr>
+          <p:cNvCxnSpPr>
+            <a:cxnSpLocks/>
+            <a:stCxn id="145" idx="3"/>
+            <a:endCxn id="74" idx="1"/>
+          </p:cNvCxnSpPr>
+          <p:nvPr/>
+        </p:nvCxnSpPr>
+        <p:spPr>
+          <a:xfrm flipV="1">
+            <a:off x="2898290" y="2086910"/>
+            <a:ext cx="261888" cy="1403352"/>
+          </a:xfrm>
+          <a:prstGeom prst="bentConnector3">
+            <a:avLst>
+              <a:gd name="adj1" fmla="val 75800"/>
+            </a:avLst>
+          </a:prstGeom>
+          <a:ln w="19050">
+            <a:solidFill>
+              <a:srgbClr val="7030A0"/>
+            </a:solidFill>
+            <a:prstDash val="sysDot"/>
+            <a:headEnd type="none" w="med" len="med"/>
+            <a:tailEnd type="none" w="med" len="med"/>
+          </a:ln>
+          <a:effectLst/>
+        </p:spPr>
+        <p:style>
+          <a:lnRef idx="1">
+            <a:schemeClr val="accent2"/>
+          </a:lnRef>
+          <a:fillRef idx="2">
+            <a:schemeClr val="accent2"/>
+          </a:fillRef>
+          <a:effectRef idx="1">
+            <a:schemeClr val="accent2"/>
+          </a:effectRef>
+          <a:fontRef idx="minor">
+            <a:schemeClr val="dk1"/>
+          </a:fontRef>
+        </p:style>
+      </p:cxnSp>
+      <p:cxnSp>
+        <p:nvCxnSpPr>
+          <p:cNvPr id="149" name="Elbow Connector 63">
+            <a:extLst>
+              <a:ext uri="{FF2B5EF4-FFF2-40B4-BE49-F238E27FC236}">
+                <a16:creationId xmlns:a16="http://schemas.microsoft.com/office/drawing/2014/main" id="{0EC1DFD8-1380-4BA9-BD98-FFA4CBA3229A}"/>
+              </a:ext>
+            </a:extLst>
+          </p:cNvPr>
+          <p:cNvCxnSpPr>
+            <a:cxnSpLocks/>
+            <a:stCxn id="146" idx="3"/>
+          </p:cNvCxnSpPr>
+          <p:nvPr/>
+        </p:nvCxnSpPr>
+        <p:spPr>
+          <a:xfrm flipV="1">
+            <a:off x="2897726" y="3036367"/>
+            <a:ext cx="187418" cy="269"/>
+          </a:xfrm>
+          <a:prstGeom prst="bentConnector3">
+            <a:avLst>
+              <a:gd name="adj1" fmla="val 50000"/>
+            </a:avLst>
+          </a:prstGeom>
+          <a:ln w="19050">
+            <a:solidFill>
+              <a:srgbClr val="7030A0"/>
+            </a:solidFill>
+            <a:prstDash val="sysDot"/>
+            <a:headEnd type="none" w="med" len="med"/>
+            <a:tailEnd type="none" w="med" len="med"/>
+          </a:ln>
+          <a:effectLst/>
+        </p:spPr>
+        <p:style>
+          <a:lnRef idx="1">
+            <a:schemeClr val="accent2"/>
+          </a:lnRef>
+          <a:fillRef idx="2">
+            <a:schemeClr val="accent2"/>
+          </a:fillRef>
+          <a:effectRef idx="1">
+            <a:schemeClr val="accent2"/>
+          </a:effectRef>
+          <a:fontRef idx="minor">
+            <a:schemeClr val="dk1"/>
+          </a:fontRef>
+        </p:style>
+      </p:cxnSp>
+      <p:cxnSp>
+        <p:nvCxnSpPr>
+          <p:cNvPr id="151" name="Elbow Connector 63">
+            <a:extLst>
+              <a:ext uri="{FF2B5EF4-FFF2-40B4-BE49-F238E27FC236}">
+                <a16:creationId xmlns:a16="http://schemas.microsoft.com/office/drawing/2014/main" id="{9DAA3D98-567C-4DCF-81F7-59F8E3EFC312}"/>
+              </a:ext>
+            </a:extLst>
+          </p:cNvPr>
+          <p:cNvCxnSpPr>
+            <a:cxnSpLocks/>
+          </p:cNvCxnSpPr>
+          <p:nvPr/>
+        </p:nvCxnSpPr>
+        <p:spPr>
+          <a:xfrm flipV="1">
+            <a:off x="2892001" y="2561504"/>
+            <a:ext cx="187418" cy="269"/>
+          </a:xfrm>
+          <a:prstGeom prst="bentConnector3">
+            <a:avLst>
+              <a:gd name="adj1" fmla="val 42790"/>
+            </a:avLst>
+          </a:prstGeom>
+          <a:ln w="19050">
+            <a:solidFill>
+              <a:srgbClr val="7030A0"/>
+            </a:solidFill>
+            <a:prstDash val="sysDot"/>
+            <a:headEnd type="none" w="med" len="med"/>
+            <a:tailEnd type="none" w="med" len="med"/>
           </a:ln>
           <a:effectLst/>
         </p:spPr>

--- a/docs/diagrams/ModelComponentClassDiagram.pptx
+++ b/docs/diagrams/ModelComponentClassDiagram.pptx
@@ -212,7 +212,7 @@
           <a:p>
             <a:fld id="{F5CC4B3F-88C1-4FFA-B1B6-F41C21DC6924}" type="datetimeFigureOut">
               <a:rPr lang="en-US" smtClean="0"/>
-              <a:t>3/19/19</a:t>
+              <a:t>4/7/19</a:t>
             </a:fld>
             <a:endParaRPr lang="en-US"/>
           </a:p>
@@ -930,7 +930,7 @@
           <a:p>
             <a:fld id="{78C97017-6FC3-485B-9764-EAC9E56C1D49}" type="datetimeFigureOut">
               <a:rPr lang="en-US" smtClean="0"/>
-              <a:t>3/19/19</a:t>
+              <a:t>4/7/19</a:t>
             </a:fld>
             <a:endParaRPr lang="en-US"/>
           </a:p>
@@ -1098,7 +1098,7 @@
           <a:p>
             <a:fld id="{78C97017-6FC3-485B-9764-EAC9E56C1D49}" type="datetimeFigureOut">
               <a:rPr lang="en-US" smtClean="0"/>
-              <a:t>3/19/19</a:t>
+              <a:t>4/7/19</a:t>
             </a:fld>
             <a:endParaRPr lang="en-US"/>
           </a:p>
@@ -1276,7 +1276,7 @@
           <a:p>
             <a:fld id="{78C97017-6FC3-485B-9764-EAC9E56C1D49}" type="datetimeFigureOut">
               <a:rPr lang="en-US" smtClean="0"/>
-              <a:t>3/19/19</a:t>
+              <a:t>4/7/19</a:t>
             </a:fld>
             <a:endParaRPr lang="en-US"/>
           </a:p>
@@ -1444,7 +1444,7 @@
           <a:p>
             <a:fld id="{78C97017-6FC3-485B-9764-EAC9E56C1D49}" type="datetimeFigureOut">
               <a:rPr lang="en-US" smtClean="0"/>
-              <a:t>3/19/19</a:t>
+              <a:t>4/7/19</a:t>
             </a:fld>
             <a:endParaRPr lang="en-US"/>
           </a:p>
@@ -1689,7 +1689,7 @@
           <a:p>
             <a:fld id="{78C97017-6FC3-485B-9764-EAC9E56C1D49}" type="datetimeFigureOut">
               <a:rPr lang="en-US" smtClean="0"/>
-              <a:t>3/19/19</a:t>
+              <a:t>4/7/19</a:t>
             </a:fld>
             <a:endParaRPr lang="en-US"/>
           </a:p>
@@ -1974,7 +1974,7 @@
           <a:p>
             <a:fld id="{78C97017-6FC3-485B-9764-EAC9E56C1D49}" type="datetimeFigureOut">
               <a:rPr lang="en-US" smtClean="0"/>
-              <a:t>3/19/19</a:t>
+              <a:t>4/7/19</a:t>
             </a:fld>
             <a:endParaRPr lang="en-US"/>
           </a:p>
@@ -2393,7 +2393,7 @@
           <a:p>
             <a:fld id="{78C97017-6FC3-485B-9764-EAC9E56C1D49}" type="datetimeFigureOut">
               <a:rPr lang="en-US" smtClean="0"/>
-              <a:t>3/19/19</a:t>
+              <a:t>4/7/19</a:t>
             </a:fld>
             <a:endParaRPr lang="en-US"/>
           </a:p>
@@ -2510,7 +2510,7 @@
           <a:p>
             <a:fld id="{78C97017-6FC3-485B-9764-EAC9E56C1D49}" type="datetimeFigureOut">
               <a:rPr lang="en-US" smtClean="0"/>
-              <a:t>3/19/19</a:t>
+              <a:t>4/7/19</a:t>
             </a:fld>
             <a:endParaRPr lang="en-US"/>
           </a:p>
@@ -2605,7 +2605,7 @@
           <a:p>
             <a:fld id="{78C97017-6FC3-485B-9764-EAC9E56C1D49}" type="datetimeFigureOut">
               <a:rPr lang="en-US" smtClean="0"/>
-              <a:t>3/19/19</a:t>
+              <a:t>4/7/19</a:t>
             </a:fld>
             <a:endParaRPr lang="en-US"/>
           </a:p>
@@ -2880,7 +2880,7 @@
           <a:p>
             <a:fld id="{78C97017-6FC3-485B-9764-EAC9E56C1D49}" type="datetimeFigureOut">
               <a:rPr lang="en-US" smtClean="0"/>
-              <a:t>3/19/19</a:t>
+              <a:t>4/7/19</a:t>
             </a:fld>
             <a:endParaRPr lang="en-US"/>
           </a:p>
@@ -3132,7 +3132,7 @@
           <a:p>
             <a:fld id="{78C97017-6FC3-485B-9764-EAC9E56C1D49}" type="datetimeFigureOut">
               <a:rPr lang="en-US" smtClean="0"/>
-              <a:t>3/19/19</a:t>
+              <a:t>4/7/19</a:t>
             </a:fld>
             <a:endParaRPr lang="en-US"/>
           </a:p>
@@ -3343,7 +3343,7 @@
           <a:p>
             <a:fld id="{78C97017-6FC3-485B-9764-EAC9E56C1D49}" type="datetimeFigureOut">
               <a:rPr lang="en-US" smtClean="0"/>
-              <a:t>3/19/19</a:t>
+              <a:t>4/7/19</a:t>
             </a:fld>
             <a:endParaRPr lang="en-US"/>
           </a:p>
@@ -5576,7 +5576,7 @@
           <p:cNvPr id="52" name="Rectangle 8">
             <a:extLst>
               <a:ext uri="{FF2B5EF4-FFF2-40B4-BE49-F238E27FC236}">
-                <a16:creationId xmlns:a16="http://schemas.microsoft.com/office/drawing/2014/main" xmlns="" id="{ABDCDBD2-131A-4B66-A2F2-43BBEE82C773}"/>
+                <a16:creationId xmlns="" xmlns:a16="http://schemas.microsoft.com/office/drawing/2014/main" id="{ABDCDBD2-131A-4B66-A2F2-43BBEE82C773}"/>
               </a:ext>
             </a:extLst>
           </p:cNvPr>
@@ -5638,7 +5638,7 @@
           <p:cNvPr id="53" name="Elbow Connector 78">
             <a:extLst>
               <a:ext uri="{FF2B5EF4-FFF2-40B4-BE49-F238E27FC236}">
-                <a16:creationId xmlns:a16="http://schemas.microsoft.com/office/drawing/2014/main" xmlns="" id="{B97967F8-618A-448B-81FD-CDFD4AF0EC64}"/>
+                <a16:creationId xmlns="" xmlns:a16="http://schemas.microsoft.com/office/drawing/2014/main" id="{B97967F8-618A-448B-81FD-CDFD4AF0EC64}"/>
               </a:ext>
             </a:extLst>
           </p:cNvPr>
@@ -5688,7 +5688,7 @@
           <p:cNvPr id="50" name="TextBox 49">
             <a:extLst>
               <a:ext uri="{FF2B5EF4-FFF2-40B4-BE49-F238E27FC236}">
-                <a16:creationId xmlns:a16="http://schemas.microsoft.com/office/drawing/2014/main" xmlns="" id="{B3FA9D57-880F-49C4-AD0B-A64E30D6F403}"/>
+                <a16:creationId xmlns="" xmlns:a16="http://schemas.microsoft.com/office/drawing/2014/main" id="{B3FA9D57-880F-49C4-AD0B-A64E30D6F403}"/>
               </a:ext>
             </a:extLst>
           </p:cNvPr>
@@ -5926,7 +5926,7 @@
           <p:cNvPr id="57" name="Rectangle 8">
             <a:extLst>
               <a:ext uri="{FF2B5EF4-FFF2-40B4-BE49-F238E27FC236}">
-                <a16:creationId xmlns:a16="http://schemas.microsoft.com/office/drawing/2014/main" xmlns="" id="{6A42DA50-9012-4391-9EF3-285E4FA3FCD8}"/>
+                <a16:creationId xmlns="" xmlns:a16="http://schemas.microsoft.com/office/drawing/2014/main" id="{6A42DA50-9012-4391-9EF3-285E4FA3FCD8}"/>
               </a:ext>
             </a:extLst>
           </p:cNvPr>
@@ -5999,7 +5999,7 @@
           <p:cNvPr id="59" name="Isosceles Triangle 102">
             <a:extLst>
               <a:ext uri="{FF2B5EF4-FFF2-40B4-BE49-F238E27FC236}">
-                <a16:creationId xmlns:a16="http://schemas.microsoft.com/office/drawing/2014/main" xmlns="" id="{B263B2D7-6E76-465E-B40E-7E2A46254A84}"/>
+                <a16:creationId xmlns="" xmlns:a16="http://schemas.microsoft.com/office/drawing/2014/main" id="{B263B2D7-6E76-465E-B40E-7E2A46254A84}"/>
               </a:ext>
             </a:extLst>
           </p:cNvPr>
@@ -6057,7 +6057,7 @@
           <p:cNvPr id="67" name="Elbow Connector 63">
             <a:extLst>
               <a:ext uri="{FF2B5EF4-FFF2-40B4-BE49-F238E27FC236}">
-                <a16:creationId xmlns:a16="http://schemas.microsoft.com/office/drawing/2014/main" xmlns="" id="{BA3A25CD-7C1D-4B3B-B294-1B05ABCFECFD}"/>
+                <a16:creationId xmlns="" xmlns:a16="http://schemas.microsoft.com/office/drawing/2014/main" id="{BA3A25CD-7C1D-4B3B-B294-1B05ABCFECFD}"/>
               </a:ext>
             </a:extLst>
           </p:cNvPr>
@@ -7992,6 +7992,2113 @@
           <p:cNvPr id="52" name="Rectangle 8">
             <a:extLst>
               <a:ext uri="{FF2B5EF4-FFF2-40B4-BE49-F238E27FC236}">
+                <a16:creationId xmlns="" xmlns:a16="http://schemas.microsoft.com/office/drawing/2014/main" id="{ABDCDBD2-131A-4B66-A2F2-43BBEE82C773}"/>
+              </a:ext>
+            </a:extLst>
+          </p:cNvPr>
+          <p:cNvSpPr/>
+          <p:nvPr/>
+        </p:nvSpPr>
+        <p:spPr>
+          <a:xfrm>
+            <a:off x="7712397" y="2228817"/>
+            <a:ext cx="708186" cy="285783"/>
+          </a:xfrm>
+          <a:prstGeom prst="rect">
+            <a:avLst/>
+          </a:prstGeom>
+          <a:ln w="19050">
+            <a:solidFill>
+              <a:srgbClr val="7030A0"/>
+            </a:solidFill>
+          </a:ln>
+          <a:effectLst/>
+        </p:spPr>
+        <p:style>
+          <a:lnRef idx="1">
+            <a:schemeClr val="accent4"/>
+          </a:lnRef>
+          <a:fillRef idx="2">
+            <a:schemeClr val="accent4"/>
+          </a:fillRef>
+          <a:effectRef idx="1">
+            <a:schemeClr val="accent4"/>
+          </a:effectRef>
+          <a:fontRef idx="minor">
+            <a:schemeClr val="dk1"/>
+          </a:fontRef>
+        </p:style>
+        <p:txBody>
+          <a:bodyPr rtlCol="0" anchor="ctr"/>
+          <a:lstStyle/>
+          <a:p>
+            <a:pPr algn="ctr"/>
+            <a:r>
+              <a:rPr lang="en-US" sz="1050" dirty="0">
+                <a:solidFill>
+                  <a:srgbClr val="7030A0"/>
+                </a:solidFill>
+              </a:rPr>
+              <a:t>Tag</a:t>
+            </a:r>
+            <a:endParaRPr lang="en-SG" sz="1050" dirty="0">
+              <a:solidFill>
+                <a:srgbClr val="7030A0"/>
+              </a:solidFill>
+            </a:endParaRPr>
+          </a:p>
+        </p:txBody>
+      </p:sp>
+      <p:cxnSp>
+        <p:nvCxnSpPr>
+          <p:cNvPr id="53" name="Elbow Connector 78">
+            <a:extLst>
+              <a:ext uri="{FF2B5EF4-FFF2-40B4-BE49-F238E27FC236}">
+                <a16:creationId xmlns="" xmlns:a16="http://schemas.microsoft.com/office/drawing/2014/main" id="{B97967F8-618A-448B-81FD-CDFD4AF0EC64}"/>
+              </a:ext>
+            </a:extLst>
+          </p:cNvPr>
+          <p:cNvCxnSpPr>
+            <a:cxnSpLocks/>
+            <a:stCxn id="78" idx="3"/>
+            <a:endCxn id="52" idx="1"/>
+          </p:cNvCxnSpPr>
+          <p:nvPr/>
+        </p:nvCxnSpPr>
+        <p:spPr>
+          <a:xfrm flipV="1">
+            <a:off x="7277995" y="2371709"/>
+            <a:ext cx="434402" cy="663182"/>
+          </a:xfrm>
+          <a:prstGeom prst="bentConnector3">
+            <a:avLst>
+              <a:gd name="adj1" fmla="val 50000"/>
+            </a:avLst>
+          </a:prstGeom>
+          <a:ln w="19050">
+            <a:solidFill>
+              <a:srgbClr val="7030A0"/>
+            </a:solidFill>
+            <a:headEnd type="none" w="med" len="med"/>
+            <a:tailEnd type="arrow" w="med" len="med"/>
+          </a:ln>
+          <a:effectLst/>
+        </p:spPr>
+        <p:style>
+          <a:lnRef idx="1">
+            <a:schemeClr val="accent2"/>
+          </a:lnRef>
+          <a:fillRef idx="2">
+            <a:schemeClr val="accent2"/>
+          </a:fillRef>
+          <a:effectRef idx="1">
+            <a:schemeClr val="accent2"/>
+          </a:effectRef>
+          <a:fontRef idx="minor">
+            <a:schemeClr val="dk1"/>
+          </a:fontRef>
+        </p:style>
+      </p:cxnSp>
+      <p:sp>
+        <p:nvSpPr>
+          <p:cNvPr id="50" name="TextBox 49">
+            <a:extLst>
+              <a:ext uri="{FF2B5EF4-FFF2-40B4-BE49-F238E27FC236}">
+                <a16:creationId xmlns="" xmlns:a16="http://schemas.microsoft.com/office/drawing/2014/main" id="{B3FA9D57-880F-49C4-AD0B-A64E30D6F403}"/>
+              </a:ext>
+            </a:extLst>
+          </p:cNvPr>
+          <p:cNvSpPr txBox="1"/>
+          <p:nvPr/>
+        </p:nvSpPr>
+        <p:spPr>
+          <a:xfrm>
+            <a:off x="7466243" y="2255711"/>
+            <a:ext cx="189257" cy="178683"/>
+          </a:xfrm>
+          <a:prstGeom prst="rect">
+            <a:avLst/>
+          </a:prstGeom>
+          <a:noFill/>
+        </p:spPr>
+        <p:txBody>
+          <a:bodyPr wrap="square" lIns="0" tIns="0" rIns="0" bIns="0" rtlCol="0">
+            <a:noAutofit/>
+          </a:bodyPr>
+          <a:lstStyle/>
+          <a:p>
+            <a:pPr algn="ctr"/>
+            <a:r>
+              <a:rPr lang="en-US" sz="1100" dirty="0">
+                <a:solidFill>
+                  <a:srgbClr val="7030A0"/>
+                </a:solidFill>
+              </a:rPr>
+              <a:t>*</a:t>
+            </a:r>
+            <a:endParaRPr lang="en-SG" sz="1100" dirty="0">
+              <a:solidFill>
+                <a:srgbClr val="7030A0"/>
+              </a:solidFill>
+            </a:endParaRPr>
+          </a:p>
+        </p:txBody>
+      </p:sp>
+      <p:sp>
+        <p:nvSpPr>
+          <p:cNvPr id="55" name="Rectangle 8"/>
+          <p:cNvSpPr/>
+          <p:nvPr/>
+        </p:nvSpPr>
+        <p:spPr>
+          <a:xfrm>
+            <a:off x="3170181" y="1998350"/>
+            <a:ext cx="1060683" cy="364396"/>
+          </a:xfrm>
+          <a:prstGeom prst="rect">
+            <a:avLst/>
+          </a:prstGeom>
+          <a:ln w="19050">
+            <a:solidFill>
+              <a:srgbClr val="7030A0"/>
+            </a:solidFill>
+          </a:ln>
+          <a:effectLst/>
+        </p:spPr>
+        <p:style>
+          <a:lnRef idx="1">
+            <a:schemeClr val="accent4"/>
+          </a:lnRef>
+          <a:fillRef idx="2">
+            <a:schemeClr val="accent4"/>
+          </a:fillRef>
+          <a:effectRef idx="1">
+            <a:schemeClr val="accent4"/>
+          </a:effectRef>
+          <a:fontRef idx="minor">
+            <a:schemeClr val="dk1"/>
+          </a:fontRef>
+        </p:style>
+        <p:txBody>
+          <a:bodyPr rtlCol="0" anchor="ctr"/>
+          <a:lstStyle/>
+          <a:p>
+            <a:pPr algn="ctr"/>
+            <a:r>
+              <a:rPr lang="en-US" sz="1050" dirty="0" err="1">
+                <a:solidFill>
+                  <a:srgbClr val="7030A0"/>
+                </a:solidFill>
+              </a:rPr>
+              <a:t>AddressBook</a:t>
+            </a:r>
+            <a:endParaRPr lang="en-SG" sz="1050" dirty="0">
+              <a:solidFill>
+                <a:srgbClr val="7030A0"/>
+              </a:solidFill>
+            </a:endParaRPr>
+          </a:p>
+        </p:txBody>
+      </p:sp>
+      <p:cxnSp>
+        <p:nvCxnSpPr>
+          <p:cNvPr id="60" name="Straight Arrow Connector 59"/>
+          <p:cNvCxnSpPr>
+            <a:stCxn id="51" idx="1"/>
+            <a:endCxn id="49" idx="1"/>
+          </p:cNvCxnSpPr>
+          <p:nvPr/>
+        </p:nvCxnSpPr>
+        <p:spPr>
+          <a:xfrm>
+            <a:off x="4324972" y="3007222"/>
+            <a:ext cx="367678" cy="12320"/>
+          </a:xfrm>
+          <a:prstGeom prst="straightConnector1">
+            <a:avLst/>
+          </a:prstGeom>
+          <a:ln w="19050">
+            <a:solidFill>
+              <a:srgbClr val="7030A0"/>
+            </a:solidFill>
+            <a:headEnd type="none" w="med" len="med"/>
+            <a:tailEnd type="arrow" w="med" len="med"/>
+          </a:ln>
+          <a:effectLst/>
+        </p:spPr>
+        <p:style>
+          <a:lnRef idx="1">
+            <a:schemeClr val="accent2"/>
+          </a:lnRef>
+          <a:fillRef idx="2">
+            <a:schemeClr val="accent2"/>
+          </a:fillRef>
+          <a:effectRef idx="1">
+            <a:schemeClr val="accent2"/>
+          </a:effectRef>
+          <a:fontRef idx="minor">
+            <a:schemeClr val="dk1"/>
+          </a:fontRef>
+        </p:style>
+      </p:cxnSp>
+      <p:sp>
+        <p:nvSpPr>
+          <p:cNvPr id="68" name="Isosceles Triangle 102"/>
+          <p:cNvSpPr/>
+          <p:nvPr/>
+        </p:nvSpPr>
+        <p:spPr>
+          <a:xfrm rot="16200000">
+            <a:off x="2669073" y="2069158"/>
+            <a:ext cx="271014" cy="187417"/>
+          </a:xfrm>
+          <a:prstGeom prst="triangle">
+            <a:avLst>
+              <a:gd name="adj" fmla="val 44517"/>
+            </a:avLst>
+          </a:prstGeom>
+          <a:solidFill>
+            <a:schemeClr val="accent4">
+              <a:lumMod val="20000"/>
+              <a:lumOff val="80000"/>
+            </a:schemeClr>
+          </a:solidFill>
+          <a:ln w="19050">
+            <a:solidFill>
+              <a:srgbClr val="7030A0"/>
+            </a:solidFill>
+          </a:ln>
+          <a:effectLst/>
+        </p:spPr>
+        <p:style>
+          <a:lnRef idx="1">
+            <a:schemeClr val="accent6"/>
+          </a:lnRef>
+          <a:fillRef idx="2">
+            <a:schemeClr val="accent6"/>
+          </a:fillRef>
+          <a:effectRef idx="1">
+            <a:schemeClr val="accent6"/>
+          </a:effectRef>
+          <a:fontRef idx="minor">
+            <a:schemeClr val="dk1"/>
+          </a:fontRef>
+        </p:style>
+        <p:txBody>
+          <a:bodyPr rtlCol="0" anchor="ctr"/>
+          <a:lstStyle/>
+          <a:p>
+            <a:pPr algn="ctr"/>
+            <a:endParaRPr lang="en-SG" sz="1050"/>
+          </a:p>
+        </p:txBody>
+      </p:sp>
+      <p:cxnSp>
+        <p:nvCxnSpPr>
+          <p:cNvPr id="69" name="Elbow Connector 63"/>
+          <p:cNvCxnSpPr>
+            <a:stCxn id="68" idx="3"/>
+            <a:endCxn id="55" idx="1"/>
+          </p:cNvCxnSpPr>
+          <p:nvPr/>
+        </p:nvCxnSpPr>
+        <p:spPr>
+          <a:xfrm>
+            <a:off x="2898289" y="2177727"/>
+            <a:ext cx="271892" cy="2821"/>
+          </a:xfrm>
+          <a:prstGeom prst="bentConnector3">
+            <a:avLst>
+              <a:gd name="adj1" fmla="val 50000"/>
+            </a:avLst>
+          </a:prstGeom>
+          <a:ln w="19050">
+            <a:solidFill>
+              <a:srgbClr val="7030A0"/>
+            </a:solidFill>
+            <a:prstDash val="sysDot"/>
+            <a:headEnd type="none" w="med" len="med"/>
+            <a:tailEnd type="none" w="med" len="med"/>
+          </a:ln>
+          <a:effectLst/>
+        </p:spPr>
+        <p:style>
+          <a:lnRef idx="1">
+            <a:schemeClr val="accent2"/>
+          </a:lnRef>
+          <a:fillRef idx="2">
+            <a:schemeClr val="accent2"/>
+          </a:fillRef>
+          <a:effectRef idx="1">
+            <a:schemeClr val="accent2"/>
+          </a:effectRef>
+          <a:fontRef idx="minor">
+            <a:schemeClr val="dk1"/>
+          </a:fontRef>
+        </p:style>
+      </p:cxnSp>
+      <p:sp>
+        <p:nvSpPr>
+          <p:cNvPr id="57" name="Rectangle 8">
+            <a:extLst>
+              <a:ext uri="{FF2B5EF4-FFF2-40B4-BE49-F238E27FC236}">
+                <a16:creationId xmlns="" xmlns:a16="http://schemas.microsoft.com/office/drawing/2014/main" id="{6A42DA50-9012-4391-9EF3-285E4FA3FCD8}"/>
+              </a:ext>
+            </a:extLst>
+          </p:cNvPr>
+          <p:cNvSpPr/>
+          <p:nvPr/>
+        </p:nvSpPr>
+        <p:spPr>
+          <a:xfrm>
+            <a:off x="4238892" y="3460864"/>
+            <a:ext cx="1293486" cy="346760"/>
+          </a:xfrm>
+          <a:prstGeom prst="rect">
+            <a:avLst/>
+          </a:prstGeom>
+          <a:ln w="19050">
+            <a:solidFill>
+              <a:srgbClr val="7030A0"/>
+            </a:solidFill>
+          </a:ln>
+          <a:effectLst/>
+        </p:spPr>
+        <p:style>
+          <a:lnRef idx="1">
+            <a:schemeClr val="accent4"/>
+          </a:lnRef>
+          <a:fillRef idx="2">
+            <a:schemeClr val="accent4"/>
+          </a:fillRef>
+          <a:effectRef idx="1">
+            <a:schemeClr val="accent4"/>
+          </a:effectRef>
+          <a:fontRef idx="minor">
+            <a:schemeClr val="dk1"/>
+          </a:fontRef>
+        </p:style>
+        <p:txBody>
+          <a:bodyPr rtlCol="0" anchor="ctr"/>
+          <a:lstStyle/>
+          <a:p>
+            <a:pPr algn="ctr"/>
+            <a:r>
+              <a:rPr lang="en-US" sz="1050" dirty="0">
+                <a:solidFill>
+                  <a:srgbClr val="7030A0"/>
+                </a:solidFill>
+              </a:rPr>
+              <a:t>&lt;&lt;interface&gt;&gt;</a:t>
+            </a:r>
+          </a:p>
+          <a:p>
+            <a:pPr algn="ctr"/>
+            <a:r>
+              <a:rPr lang="en-US" sz="1050" dirty="0" err="1">
+                <a:solidFill>
+                  <a:srgbClr val="7030A0"/>
+                </a:solidFill>
+              </a:rPr>
+              <a:t>ReadOnlyUserPrefs</a:t>
+            </a:r>
+            <a:endParaRPr lang="en-SG" sz="1050" dirty="0">
+              <a:solidFill>
+                <a:srgbClr val="7030A0"/>
+              </a:solidFill>
+            </a:endParaRPr>
+          </a:p>
+        </p:txBody>
+      </p:sp>
+      <p:sp>
+        <p:nvSpPr>
+          <p:cNvPr id="59" name="Isosceles Triangle 102">
+            <a:extLst>
+              <a:ext uri="{FF2B5EF4-FFF2-40B4-BE49-F238E27FC236}">
+                <a16:creationId xmlns="" xmlns:a16="http://schemas.microsoft.com/office/drawing/2014/main" id="{B263B2D7-6E76-465E-B40E-7E2A46254A84}"/>
+              </a:ext>
+            </a:extLst>
+          </p:cNvPr>
+          <p:cNvSpPr/>
+          <p:nvPr/>
+        </p:nvSpPr>
+        <p:spPr>
+          <a:xfrm rot="5400000" flipH="1">
+            <a:off x="3992636" y="3514414"/>
+            <a:ext cx="271014" cy="221497"/>
+          </a:xfrm>
+          <a:prstGeom prst="triangle">
+            <a:avLst>
+              <a:gd name="adj" fmla="val 44517"/>
+            </a:avLst>
+          </a:prstGeom>
+          <a:solidFill>
+            <a:schemeClr val="accent4">
+              <a:lumMod val="20000"/>
+              <a:lumOff val="80000"/>
+            </a:schemeClr>
+          </a:solidFill>
+          <a:ln w="19050">
+            <a:solidFill>
+              <a:srgbClr val="7030A0"/>
+            </a:solidFill>
+          </a:ln>
+          <a:effectLst/>
+        </p:spPr>
+        <p:style>
+          <a:lnRef idx="1">
+            <a:schemeClr val="accent6"/>
+          </a:lnRef>
+          <a:fillRef idx="2">
+            <a:schemeClr val="accent6"/>
+          </a:fillRef>
+          <a:effectRef idx="1">
+            <a:schemeClr val="accent6"/>
+          </a:effectRef>
+          <a:fontRef idx="minor">
+            <a:schemeClr val="dk1"/>
+          </a:fontRef>
+        </p:style>
+        <p:txBody>
+          <a:bodyPr rtlCol="0" anchor="ctr"/>
+          <a:lstStyle/>
+          <a:p>
+            <a:pPr algn="ctr"/>
+            <a:endParaRPr lang="en-SG" sz="1050"/>
+          </a:p>
+        </p:txBody>
+      </p:sp>
+      <p:cxnSp>
+        <p:nvCxnSpPr>
+          <p:cNvPr id="67" name="Elbow Connector 63">
+            <a:extLst>
+              <a:ext uri="{FF2B5EF4-FFF2-40B4-BE49-F238E27FC236}">
+                <a16:creationId xmlns="" xmlns:a16="http://schemas.microsoft.com/office/drawing/2014/main" id="{BA3A25CD-7C1D-4B3B-B294-1B05ABCFECFD}"/>
+              </a:ext>
+            </a:extLst>
+          </p:cNvPr>
+          <p:cNvCxnSpPr>
+            <a:cxnSpLocks/>
+            <a:stCxn id="59" idx="3"/>
+            <a:endCxn id="2" idx="3"/>
+          </p:cNvCxnSpPr>
+          <p:nvPr/>
+        </p:nvCxnSpPr>
+        <p:spPr>
+          <a:xfrm rot="10800000">
+            <a:off x="3703491" y="3636621"/>
+            <a:ext cx="313904" cy="3403"/>
+          </a:xfrm>
+          <a:prstGeom prst="bentConnector3">
+            <a:avLst>
+              <a:gd name="adj1" fmla="val 50000"/>
+            </a:avLst>
+          </a:prstGeom>
+          <a:ln w="19050">
+            <a:solidFill>
+              <a:srgbClr val="7030A0"/>
+            </a:solidFill>
+            <a:prstDash val="sysDot"/>
+            <a:headEnd type="none" w="med" len="med"/>
+            <a:tailEnd type="none" w="med" len="med"/>
+          </a:ln>
+          <a:effectLst/>
+        </p:spPr>
+        <p:style>
+          <a:lnRef idx="1">
+            <a:schemeClr val="accent2"/>
+          </a:lnRef>
+          <a:fillRef idx="2">
+            <a:schemeClr val="accent2"/>
+          </a:fillRef>
+          <a:effectRef idx="1">
+            <a:schemeClr val="accent2"/>
+          </a:effectRef>
+          <a:fontRef idx="minor">
+            <a:schemeClr val="dk1"/>
+          </a:fontRef>
+        </p:style>
+      </p:cxnSp>
+      <p:sp>
+        <p:nvSpPr>
+          <p:cNvPr id="56" name="Rectangle 65"/>
+          <p:cNvSpPr/>
+          <p:nvPr/>
+        </p:nvSpPr>
+        <p:spPr>
+          <a:xfrm>
+            <a:off x="229022" y="1497232"/>
+            <a:ext cx="8610178" cy="4598768"/>
+          </a:xfrm>
+          <a:prstGeom prst="roundRect">
+            <a:avLst>
+              <a:gd name="adj" fmla="val 3484"/>
+            </a:avLst>
+          </a:prstGeom>
+          <a:solidFill>
+            <a:schemeClr val="accent4">
+              <a:lumMod val="20000"/>
+              <a:lumOff val="80000"/>
+            </a:schemeClr>
+          </a:solidFill>
+          <a:ln w="19050">
+            <a:noFill/>
+          </a:ln>
+          <a:effectLst/>
+        </p:spPr>
+        <p:style>
+          <a:lnRef idx="1">
+            <a:schemeClr val="accent2"/>
+          </a:lnRef>
+          <a:fillRef idx="2">
+            <a:schemeClr val="accent2"/>
+          </a:fillRef>
+          <a:effectRef idx="1">
+            <a:schemeClr val="accent2"/>
+          </a:effectRef>
+          <a:fontRef idx="minor">
+            <a:schemeClr val="dk1"/>
+          </a:fontRef>
+        </p:style>
+        <p:txBody>
+          <a:bodyPr rtlCol="0" anchor="t"/>
+          <a:lstStyle/>
+          <a:p>
+            <a:r>
+              <a:rPr lang="en-US" sz="1200" b="1" dirty="0">
+                <a:solidFill>
+                  <a:srgbClr val="7030A0"/>
+                </a:solidFill>
+              </a:rPr>
+              <a:t>Model</a:t>
+            </a:r>
+            <a:endParaRPr lang="en-SG" sz="1200" b="1" dirty="0">
+              <a:solidFill>
+                <a:srgbClr val="7030A0"/>
+              </a:solidFill>
+            </a:endParaRPr>
+          </a:p>
+        </p:txBody>
+      </p:sp>
+      <p:sp>
+        <p:nvSpPr>
+          <p:cNvPr id="71" name="Rectangle 8"/>
+          <p:cNvSpPr/>
+          <p:nvPr/>
+        </p:nvSpPr>
+        <p:spPr>
+          <a:xfrm>
+            <a:off x="2091245" y="4683189"/>
+            <a:ext cx="878211" cy="346760"/>
+          </a:xfrm>
+          <a:prstGeom prst="rect">
+            <a:avLst/>
+          </a:prstGeom>
+          <a:ln w="19050">
+            <a:solidFill>
+              <a:srgbClr val="7030A0"/>
+            </a:solidFill>
+          </a:ln>
+          <a:effectLst/>
+        </p:spPr>
+        <p:style>
+          <a:lnRef idx="1">
+            <a:schemeClr val="accent4"/>
+          </a:lnRef>
+          <a:fillRef idx="2">
+            <a:schemeClr val="accent4"/>
+          </a:fillRef>
+          <a:effectRef idx="1">
+            <a:schemeClr val="accent4"/>
+          </a:effectRef>
+          <a:fontRef idx="minor">
+            <a:schemeClr val="dk1"/>
+          </a:fontRef>
+        </p:style>
+        <p:txBody>
+          <a:bodyPr rtlCol="0" anchor="ctr"/>
+          <a:lstStyle/>
+          <a:p>
+            <a:pPr algn="ctr"/>
+            <a:r>
+              <a:rPr lang="en-US" sz="1050" dirty="0">
+                <a:solidFill>
+                  <a:srgbClr val="7030A0"/>
+                </a:solidFill>
+              </a:rPr>
+              <a:t>UserPrefs</a:t>
+            </a:r>
+            <a:endParaRPr lang="en-SG" sz="1050" dirty="0">
+              <a:solidFill>
+                <a:srgbClr val="7030A0"/>
+              </a:solidFill>
+            </a:endParaRPr>
+          </a:p>
+        </p:txBody>
+      </p:sp>
+      <p:sp>
+        <p:nvSpPr>
+          <p:cNvPr id="72" name="Rectangle 62"/>
+          <p:cNvSpPr/>
+          <p:nvPr/>
+        </p:nvSpPr>
+        <p:spPr>
+          <a:xfrm rot="16200000">
+            <a:off x="260131" y="3665276"/>
+            <a:ext cx="2228687" cy="346760"/>
+          </a:xfrm>
+          <a:prstGeom prst="rect">
+            <a:avLst/>
+          </a:prstGeom>
+          <a:solidFill>
+            <a:srgbClr val="7030A0"/>
+          </a:solidFill>
+          <a:ln w="19050">
+            <a:solidFill>
+              <a:srgbClr val="7030A0"/>
+            </a:solidFill>
+          </a:ln>
+          <a:effectLst/>
+        </p:spPr>
+        <p:style>
+          <a:lnRef idx="1">
+            <a:schemeClr val="accent2"/>
+          </a:lnRef>
+          <a:fillRef idx="2">
+            <a:schemeClr val="accent2"/>
+          </a:fillRef>
+          <a:effectRef idx="1">
+            <a:schemeClr val="accent2"/>
+          </a:effectRef>
+          <a:fontRef idx="minor">
+            <a:schemeClr val="dk1"/>
+          </a:fontRef>
+        </p:style>
+        <p:txBody>
+          <a:bodyPr rtlCol="0" anchor="ctr"/>
+          <a:lstStyle/>
+          <a:p>
+            <a:pPr algn="ctr"/>
+            <a:r>
+              <a:rPr lang="en-US" sz="1050" dirty="0">
+                <a:solidFill>
+                  <a:schemeClr val="bg1"/>
+                </a:solidFill>
+              </a:rPr>
+              <a:t>ModelManager</a:t>
+            </a:r>
+            <a:endParaRPr lang="en-SG" sz="1050" dirty="0">
+              <a:solidFill>
+                <a:schemeClr val="bg1"/>
+              </a:solidFill>
+            </a:endParaRPr>
+          </a:p>
+        </p:txBody>
+      </p:sp>
+      <p:sp>
+        <p:nvSpPr>
+          <p:cNvPr id="73" name="Rectangle 62"/>
+          <p:cNvSpPr/>
+          <p:nvPr/>
+        </p:nvSpPr>
+        <p:spPr>
+          <a:xfrm rot="16200000">
+            <a:off x="122311" y="2861202"/>
+            <a:ext cx="1093635" cy="346760"/>
+          </a:xfrm>
+          <a:prstGeom prst="rect">
+            <a:avLst/>
+          </a:prstGeom>
+          <a:solidFill>
+            <a:srgbClr val="7030A0"/>
+          </a:solidFill>
+          <a:ln w="19050">
+            <a:solidFill>
+              <a:srgbClr val="7030A0"/>
+            </a:solidFill>
+          </a:ln>
+          <a:effectLst/>
+        </p:spPr>
+        <p:style>
+          <a:lnRef idx="1">
+            <a:schemeClr val="accent2"/>
+          </a:lnRef>
+          <a:fillRef idx="2">
+            <a:schemeClr val="accent2"/>
+          </a:fillRef>
+          <a:effectRef idx="1">
+            <a:schemeClr val="accent2"/>
+          </a:effectRef>
+          <a:fontRef idx="minor">
+            <a:schemeClr val="dk1"/>
+          </a:fontRef>
+        </p:style>
+        <p:txBody>
+          <a:bodyPr rtlCol="0" anchor="ctr"/>
+          <a:lstStyle/>
+          <a:p>
+            <a:pPr algn="ctr"/>
+            <a:r>
+              <a:rPr lang="en-US" sz="1050" dirty="0">
+                <a:solidFill>
+                  <a:schemeClr val="bg1"/>
+                </a:solidFill>
+              </a:rPr>
+              <a:t>&lt;&lt;interface&gt;&gt;</a:t>
+            </a:r>
+          </a:p>
+          <a:p>
+            <a:pPr algn="ctr"/>
+            <a:r>
+              <a:rPr lang="en-US" sz="1050" dirty="0">
+                <a:solidFill>
+                  <a:schemeClr val="bg1"/>
+                </a:solidFill>
+              </a:rPr>
+              <a:t>Model</a:t>
+            </a:r>
+            <a:endParaRPr lang="en-SG" sz="1050" dirty="0">
+              <a:solidFill>
+                <a:schemeClr val="bg1"/>
+              </a:solidFill>
+            </a:endParaRPr>
+          </a:p>
+        </p:txBody>
+      </p:sp>
+      <p:sp>
+        <p:nvSpPr>
+          <p:cNvPr id="74" name="Isosceles Triangle 102"/>
+          <p:cNvSpPr/>
+          <p:nvPr/>
+        </p:nvSpPr>
+        <p:spPr>
+          <a:xfrm rot="16200000">
+            <a:off x="793019" y="2952291"/>
+            <a:ext cx="270504" cy="175523"/>
+          </a:xfrm>
+          <a:prstGeom prst="triangle">
+            <a:avLst/>
+          </a:prstGeom>
+          <a:solidFill>
+            <a:srgbClr val="7030A0"/>
+          </a:solidFill>
+          <a:ln w="19050">
+            <a:solidFill>
+              <a:srgbClr val="7030A0"/>
+            </a:solidFill>
+          </a:ln>
+          <a:effectLst/>
+        </p:spPr>
+        <p:style>
+          <a:lnRef idx="1">
+            <a:schemeClr val="accent6"/>
+          </a:lnRef>
+          <a:fillRef idx="2">
+            <a:schemeClr val="accent6"/>
+          </a:fillRef>
+          <a:effectRef idx="1">
+            <a:schemeClr val="accent6"/>
+          </a:effectRef>
+          <a:fontRef idx="minor">
+            <a:schemeClr val="dk1"/>
+          </a:fontRef>
+        </p:style>
+        <p:txBody>
+          <a:bodyPr rtlCol="0" anchor="ctr"/>
+          <a:lstStyle/>
+          <a:p>
+            <a:pPr algn="ctr"/>
+            <a:endParaRPr lang="en-SG" sz="1050"/>
+          </a:p>
+        </p:txBody>
+      </p:sp>
+      <p:cxnSp>
+        <p:nvCxnSpPr>
+          <p:cNvPr id="77" name="Straight Arrow Connector 76"/>
+          <p:cNvCxnSpPr>
+            <a:cxnSpLocks/>
+            <a:stCxn id="130" idx="3"/>
+            <a:endCxn id="56" idx="1"/>
+          </p:cNvCxnSpPr>
+          <p:nvPr/>
+        </p:nvCxnSpPr>
+        <p:spPr>
+          <a:xfrm>
+            <a:off x="1806346" y="4852397"/>
+            <a:ext cx="284899" cy="4172"/>
+          </a:xfrm>
+          <a:prstGeom prst="straightConnector1">
+            <a:avLst/>
+          </a:prstGeom>
+          <a:ln w="19050">
+            <a:solidFill>
+              <a:srgbClr val="7030A0"/>
+            </a:solidFill>
+            <a:headEnd type="none" w="med" len="med"/>
+            <a:tailEnd type="arrow" w="med" len="med"/>
+          </a:ln>
+          <a:effectLst/>
+        </p:spPr>
+        <p:style>
+          <a:lnRef idx="1">
+            <a:schemeClr val="accent2"/>
+          </a:lnRef>
+          <a:fillRef idx="2">
+            <a:schemeClr val="accent2"/>
+          </a:fillRef>
+          <a:effectRef idx="1">
+            <a:schemeClr val="accent2"/>
+          </a:effectRef>
+          <a:fontRef idx="minor">
+            <a:schemeClr val="dk1"/>
+          </a:fontRef>
+        </p:style>
+      </p:cxnSp>
+      <p:cxnSp>
+        <p:nvCxnSpPr>
+          <p:cNvPr id="82" name="Elbow Connector 122"/>
+          <p:cNvCxnSpPr/>
+          <p:nvPr/>
+        </p:nvCxnSpPr>
+        <p:spPr>
+          <a:xfrm>
+            <a:off x="76200" y="3040053"/>
+            <a:ext cx="419548" cy="2860"/>
+          </a:xfrm>
+          <a:prstGeom prst="bentConnector3">
+            <a:avLst>
+              <a:gd name="adj1" fmla="val 50000"/>
+            </a:avLst>
+          </a:prstGeom>
+          <a:ln w="19050">
+            <a:solidFill>
+              <a:schemeClr val="bg1">
+                <a:lumMod val="75000"/>
+              </a:schemeClr>
+            </a:solidFill>
+            <a:prstDash val="sysDot"/>
+            <a:headEnd type="none" w="med" len="med"/>
+            <a:tailEnd type="arrow" w="med" len="med"/>
+          </a:ln>
+          <a:effectLst/>
+        </p:spPr>
+        <p:style>
+          <a:lnRef idx="1">
+            <a:schemeClr val="accent2"/>
+          </a:lnRef>
+          <a:fillRef idx="2">
+            <a:schemeClr val="accent2"/>
+          </a:fillRef>
+          <a:effectRef idx="1">
+            <a:schemeClr val="accent2"/>
+          </a:effectRef>
+          <a:fontRef idx="minor">
+            <a:schemeClr val="dk1"/>
+          </a:fontRef>
+        </p:style>
+      </p:cxnSp>
+      <p:cxnSp>
+        <p:nvCxnSpPr>
+          <p:cNvPr id="87" name="Straight Connector 86"/>
+          <p:cNvCxnSpPr/>
+          <p:nvPr/>
+        </p:nvCxnSpPr>
+        <p:spPr>
+          <a:xfrm flipV="1">
+            <a:off x="1016033" y="3040052"/>
+            <a:ext cx="216105" cy="1"/>
+          </a:xfrm>
+          <a:prstGeom prst="line">
+            <a:avLst/>
+          </a:prstGeom>
+          <a:ln w="19050">
+            <a:solidFill>
+              <a:srgbClr val="7030A0"/>
+            </a:solidFill>
+            <a:prstDash val="sysDot"/>
+            <a:headEnd type="none" w="med" len="med"/>
+            <a:tailEnd type="none" w="med" len="med"/>
+          </a:ln>
+          <a:effectLst/>
+        </p:spPr>
+        <p:style>
+          <a:lnRef idx="1">
+            <a:schemeClr val="accent2"/>
+          </a:lnRef>
+          <a:fillRef idx="2">
+            <a:schemeClr val="accent2"/>
+          </a:fillRef>
+          <a:effectRef idx="1">
+            <a:schemeClr val="accent2"/>
+          </a:effectRef>
+          <a:fontRef idx="minor">
+            <a:schemeClr val="dk1"/>
+          </a:fontRef>
+        </p:style>
+      </p:cxnSp>
+      <p:sp>
+        <p:nvSpPr>
+          <p:cNvPr id="88" name="Flowchart: Decision 96"/>
+          <p:cNvSpPr/>
+          <p:nvPr/>
+        </p:nvSpPr>
+        <p:spPr>
+          <a:xfrm>
+            <a:off x="1570298" y="4765707"/>
+            <a:ext cx="236048" cy="173380"/>
+          </a:xfrm>
+          <a:prstGeom prst="flowChartDecision">
+            <a:avLst/>
+          </a:prstGeom>
+          <a:noFill/>
+          <a:ln w="19050">
+            <a:solidFill>
+              <a:srgbClr val="7030A0"/>
+            </a:solidFill>
+          </a:ln>
+          <a:effectLst/>
+        </p:spPr>
+        <p:style>
+          <a:lnRef idx="1">
+            <a:schemeClr val="accent6"/>
+          </a:lnRef>
+          <a:fillRef idx="2">
+            <a:schemeClr val="accent6"/>
+          </a:fillRef>
+          <a:effectRef idx="1">
+            <a:schemeClr val="accent6"/>
+          </a:effectRef>
+          <a:fontRef idx="minor">
+            <a:schemeClr val="dk1"/>
+          </a:fontRef>
+        </p:style>
+        <p:txBody>
+          <a:bodyPr rtlCol="0" anchor="ctr"/>
+          <a:lstStyle/>
+          <a:p>
+            <a:pPr algn="ctr"/>
+            <a:endParaRPr lang="en-US" sz="1050"/>
+          </a:p>
+        </p:txBody>
+      </p:sp>
+      <p:sp>
+        <p:nvSpPr>
+          <p:cNvPr id="89" name="Rectangle 8"/>
+          <p:cNvSpPr/>
+          <p:nvPr/>
+        </p:nvSpPr>
+        <p:spPr>
+          <a:xfrm>
+            <a:off x="1991389" y="2846162"/>
+            <a:ext cx="1490560" cy="334856"/>
+          </a:xfrm>
+          <a:prstGeom prst="rect">
+            <a:avLst/>
+          </a:prstGeom>
+          <a:ln w="19050">
+            <a:solidFill>
+              <a:srgbClr val="7030A0"/>
+            </a:solidFill>
+          </a:ln>
+          <a:effectLst/>
+        </p:spPr>
+        <p:style>
+          <a:lnRef idx="1">
+            <a:schemeClr val="accent4"/>
+          </a:lnRef>
+          <a:fillRef idx="2">
+            <a:schemeClr val="accent4"/>
+          </a:fillRef>
+          <a:effectRef idx="1">
+            <a:schemeClr val="accent4"/>
+          </a:effectRef>
+          <a:fontRef idx="minor">
+            <a:schemeClr val="dk1"/>
+          </a:fontRef>
+        </p:style>
+        <p:txBody>
+          <a:bodyPr rtlCol="0" anchor="ctr"/>
+          <a:lstStyle/>
+          <a:p>
+            <a:pPr algn="ctr"/>
+            <a:r>
+              <a:rPr lang="en-US" sz="1050" dirty="0" smtClean="0">
+                <a:solidFill>
+                  <a:srgbClr val="7030A0"/>
+                </a:solidFill>
+              </a:rPr>
+              <a:t>RestOrRant</a:t>
+            </a:r>
+            <a:endParaRPr lang="en-SG" sz="1050" dirty="0">
+              <a:solidFill>
+                <a:srgbClr val="7030A0"/>
+              </a:solidFill>
+            </a:endParaRPr>
+          </a:p>
+        </p:txBody>
+      </p:sp>
+      <p:cxnSp>
+        <p:nvCxnSpPr>
+          <p:cNvPr id="90" name="Straight Arrow Connector 89"/>
+          <p:cNvCxnSpPr>
+            <a:stCxn id="136" idx="3"/>
+            <a:endCxn id="134" idx="1"/>
+          </p:cNvCxnSpPr>
+          <p:nvPr/>
+        </p:nvCxnSpPr>
+        <p:spPr>
+          <a:xfrm>
+            <a:off x="1790469" y="3003033"/>
+            <a:ext cx="200920" cy="10557"/>
+          </a:xfrm>
+          <a:prstGeom prst="straightConnector1">
+            <a:avLst/>
+          </a:prstGeom>
+          <a:ln w="19050">
+            <a:solidFill>
+              <a:srgbClr val="7030A0"/>
+            </a:solidFill>
+            <a:headEnd type="none" w="med" len="med"/>
+            <a:tailEnd type="arrow" w="med" len="med"/>
+          </a:ln>
+          <a:effectLst/>
+        </p:spPr>
+        <p:style>
+          <a:lnRef idx="1">
+            <a:schemeClr val="accent2"/>
+          </a:lnRef>
+          <a:fillRef idx="2">
+            <a:schemeClr val="accent2"/>
+          </a:fillRef>
+          <a:effectRef idx="1">
+            <a:schemeClr val="accent2"/>
+          </a:effectRef>
+          <a:fontRef idx="minor">
+            <a:schemeClr val="dk1"/>
+          </a:fontRef>
+        </p:style>
+      </p:cxnSp>
+      <p:sp>
+        <p:nvSpPr>
+          <p:cNvPr id="91" name="Flowchart: Decision 96"/>
+          <p:cNvSpPr/>
+          <p:nvPr/>
+        </p:nvSpPr>
+        <p:spPr>
+          <a:xfrm>
+            <a:off x="1554421" y="2916343"/>
+            <a:ext cx="236048" cy="173380"/>
+          </a:xfrm>
+          <a:prstGeom prst="flowChartDecision">
+            <a:avLst/>
+          </a:prstGeom>
+          <a:noFill/>
+          <a:ln w="19050">
+            <a:solidFill>
+              <a:srgbClr val="7030A0"/>
+            </a:solidFill>
+          </a:ln>
+          <a:effectLst/>
+        </p:spPr>
+        <p:style>
+          <a:lnRef idx="1">
+            <a:schemeClr val="accent6"/>
+          </a:lnRef>
+          <a:fillRef idx="2">
+            <a:schemeClr val="accent6"/>
+          </a:fillRef>
+          <a:effectRef idx="1">
+            <a:schemeClr val="accent6"/>
+          </a:effectRef>
+          <a:fontRef idx="minor">
+            <a:schemeClr val="dk1"/>
+          </a:fontRef>
+        </p:style>
+        <p:txBody>
+          <a:bodyPr rtlCol="0" anchor="ctr"/>
+          <a:lstStyle/>
+          <a:p>
+            <a:pPr algn="ctr"/>
+            <a:endParaRPr lang="en-US" sz="1050"/>
+          </a:p>
+        </p:txBody>
+      </p:sp>
+      <p:sp>
+        <p:nvSpPr>
+          <p:cNvPr id="92" name="Rectangle 8"/>
+          <p:cNvSpPr/>
+          <p:nvPr/>
+        </p:nvSpPr>
+        <p:spPr>
+          <a:xfrm>
+            <a:off x="3858759" y="2846162"/>
+            <a:ext cx="1156969" cy="346760"/>
+          </a:xfrm>
+          <a:prstGeom prst="rect">
+            <a:avLst/>
+          </a:prstGeom>
+          <a:ln w="19050">
+            <a:solidFill>
+              <a:srgbClr val="7030A0"/>
+            </a:solidFill>
+          </a:ln>
+          <a:effectLst/>
+        </p:spPr>
+        <p:style>
+          <a:lnRef idx="1">
+            <a:schemeClr val="accent4"/>
+          </a:lnRef>
+          <a:fillRef idx="2">
+            <a:schemeClr val="accent4"/>
+          </a:fillRef>
+          <a:effectRef idx="1">
+            <a:schemeClr val="accent4"/>
+          </a:effectRef>
+          <a:fontRef idx="minor">
+            <a:schemeClr val="dk1"/>
+          </a:fontRef>
+        </p:style>
+        <p:txBody>
+          <a:bodyPr rtlCol="0" anchor="ctr"/>
+          <a:lstStyle/>
+          <a:p>
+            <a:pPr algn="ctr"/>
+            <a:r>
+              <a:rPr lang="en-US" sz="1050" dirty="0" smtClean="0">
+                <a:solidFill>
+                  <a:srgbClr val="7030A0"/>
+                </a:solidFill>
+              </a:rPr>
+              <a:t>UniqueTableList</a:t>
+            </a:r>
+            <a:endParaRPr lang="en-SG" sz="1050" dirty="0">
+              <a:solidFill>
+                <a:srgbClr val="7030A0"/>
+              </a:solidFill>
+            </a:endParaRPr>
+          </a:p>
+        </p:txBody>
+      </p:sp>
+      <p:sp>
+        <p:nvSpPr>
+          <p:cNvPr id="93" name="Flowchart: Decision 96"/>
+          <p:cNvSpPr/>
+          <p:nvPr/>
+        </p:nvSpPr>
+        <p:spPr>
+          <a:xfrm>
+            <a:off x="3491081" y="2920532"/>
+            <a:ext cx="236048" cy="173380"/>
+          </a:xfrm>
+          <a:prstGeom prst="flowChartDecision">
+            <a:avLst/>
+          </a:prstGeom>
+          <a:solidFill>
+            <a:srgbClr val="7030A0"/>
+          </a:solidFill>
+          <a:ln w="19050">
+            <a:solidFill>
+              <a:srgbClr val="7030A0"/>
+            </a:solidFill>
+          </a:ln>
+          <a:effectLst/>
+        </p:spPr>
+        <p:style>
+          <a:lnRef idx="1">
+            <a:schemeClr val="accent6"/>
+          </a:lnRef>
+          <a:fillRef idx="2">
+            <a:schemeClr val="accent6"/>
+          </a:fillRef>
+          <a:effectRef idx="1">
+            <a:schemeClr val="accent6"/>
+          </a:effectRef>
+          <a:fontRef idx="minor">
+            <a:schemeClr val="dk1"/>
+          </a:fontRef>
+        </p:style>
+        <p:txBody>
+          <a:bodyPr rtlCol="0" anchor="ctr"/>
+          <a:lstStyle/>
+          <a:p>
+            <a:pPr algn="ctr"/>
+            <a:endParaRPr lang="en-US" sz="1050"/>
+          </a:p>
+        </p:txBody>
+      </p:sp>
+      <p:sp>
+        <p:nvSpPr>
+          <p:cNvPr id="94" name="Rectangle 8"/>
+          <p:cNvSpPr/>
+          <p:nvPr/>
+        </p:nvSpPr>
+        <p:spPr>
+          <a:xfrm>
+            <a:off x="5479786" y="2858066"/>
+            <a:ext cx="708186" cy="346760"/>
+          </a:xfrm>
+          <a:prstGeom prst="rect">
+            <a:avLst/>
+          </a:prstGeom>
+          <a:ln w="19050">
+            <a:solidFill>
+              <a:srgbClr val="7030A0"/>
+            </a:solidFill>
+          </a:ln>
+          <a:effectLst/>
+        </p:spPr>
+        <p:style>
+          <a:lnRef idx="1">
+            <a:schemeClr val="accent4"/>
+          </a:lnRef>
+          <a:fillRef idx="2">
+            <a:schemeClr val="accent4"/>
+          </a:fillRef>
+          <a:effectRef idx="1">
+            <a:schemeClr val="accent4"/>
+          </a:effectRef>
+          <a:fontRef idx="minor">
+            <a:schemeClr val="dk1"/>
+          </a:fontRef>
+        </p:style>
+        <p:txBody>
+          <a:bodyPr rtlCol="0" anchor="ctr"/>
+          <a:lstStyle/>
+          <a:p>
+            <a:pPr algn="ctr"/>
+            <a:r>
+              <a:rPr lang="en-US" sz="1050" dirty="0" smtClean="0">
+                <a:solidFill>
+                  <a:srgbClr val="7030A0"/>
+                </a:solidFill>
+              </a:rPr>
+              <a:t>Table</a:t>
+            </a:r>
+            <a:endParaRPr lang="en-SG" sz="1050" dirty="0">
+              <a:solidFill>
+                <a:srgbClr val="7030A0"/>
+              </a:solidFill>
+            </a:endParaRPr>
+          </a:p>
+        </p:txBody>
+      </p:sp>
+      <p:sp>
+        <p:nvSpPr>
+          <p:cNvPr id="95" name="Flowchart: Decision 96"/>
+          <p:cNvSpPr/>
+          <p:nvPr/>
+        </p:nvSpPr>
+        <p:spPr>
+          <a:xfrm>
+            <a:off x="5024860" y="2941676"/>
+            <a:ext cx="236048" cy="173380"/>
+          </a:xfrm>
+          <a:prstGeom prst="flowChartDecision">
+            <a:avLst/>
+          </a:prstGeom>
+          <a:noFill/>
+          <a:ln w="19050">
+            <a:solidFill>
+              <a:srgbClr val="7030A0"/>
+            </a:solidFill>
+          </a:ln>
+          <a:effectLst/>
+        </p:spPr>
+        <p:style>
+          <a:lnRef idx="1">
+            <a:schemeClr val="accent6"/>
+          </a:lnRef>
+          <a:fillRef idx="2">
+            <a:schemeClr val="accent6"/>
+          </a:fillRef>
+          <a:effectRef idx="1">
+            <a:schemeClr val="accent6"/>
+          </a:effectRef>
+          <a:fontRef idx="minor">
+            <a:schemeClr val="dk1"/>
+          </a:fontRef>
+        </p:style>
+        <p:txBody>
+          <a:bodyPr rtlCol="0" anchor="ctr"/>
+          <a:lstStyle/>
+          <a:p>
+            <a:pPr algn="ctr"/>
+            <a:endParaRPr lang="en-US" sz="1050"/>
+          </a:p>
+        </p:txBody>
+      </p:sp>
+      <p:cxnSp>
+        <p:nvCxnSpPr>
+          <p:cNvPr id="96" name="Elbow Connector 95"/>
+          <p:cNvCxnSpPr>
+            <a:stCxn id="151" idx="3"/>
+            <a:endCxn id="150" idx="1"/>
+          </p:cNvCxnSpPr>
+          <p:nvPr/>
+        </p:nvCxnSpPr>
+        <p:spPr>
+          <a:xfrm>
+            <a:off x="5260908" y="3028366"/>
+            <a:ext cx="218878" cy="3080"/>
+          </a:xfrm>
+          <a:prstGeom prst="bentConnector3">
+            <a:avLst/>
+          </a:prstGeom>
+          <a:ln w="19050">
+            <a:solidFill>
+              <a:srgbClr val="7030A0"/>
+            </a:solidFill>
+            <a:headEnd type="none" w="med" len="med"/>
+            <a:tailEnd type="arrow" w="med" len="med"/>
+          </a:ln>
+          <a:effectLst/>
+        </p:spPr>
+        <p:style>
+          <a:lnRef idx="1">
+            <a:schemeClr val="accent2"/>
+          </a:lnRef>
+          <a:fillRef idx="2">
+            <a:schemeClr val="accent2"/>
+          </a:fillRef>
+          <a:effectRef idx="1">
+            <a:schemeClr val="accent2"/>
+          </a:effectRef>
+          <a:fontRef idx="minor">
+            <a:schemeClr val="dk1"/>
+          </a:fontRef>
+        </p:style>
+      </p:cxnSp>
+      <p:sp>
+        <p:nvSpPr>
+          <p:cNvPr id="98" name="Rectangle 8"/>
+          <p:cNvSpPr/>
+          <p:nvPr/>
+        </p:nvSpPr>
+        <p:spPr>
+          <a:xfrm>
+            <a:off x="6990807" y="5171570"/>
+            <a:ext cx="708186" cy="285783"/>
+          </a:xfrm>
+          <a:prstGeom prst="rect">
+            <a:avLst/>
+          </a:prstGeom>
+          <a:ln w="19050">
+            <a:solidFill>
+              <a:srgbClr val="7030A0"/>
+            </a:solidFill>
+          </a:ln>
+          <a:effectLst/>
+        </p:spPr>
+        <p:style>
+          <a:lnRef idx="1">
+            <a:schemeClr val="accent4"/>
+          </a:lnRef>
+          <a:fillRef idx="2">
+            <a:schemeClr val="accent4"/>
+          </a:fillRef>
+          <a:effectRef idx="1">
+            <a:schemeClr val="accent4"/>
+          </a:effectRef>
+          <a:fontRef idx="minor">
+            <a:schemeClr val="dk1"/>
+          </a:fontRef>
+        </p:style>
+        <p:txBody>
+          <a:bodyPr rtlCol="0" anchor="ctr"/>
+          <a:lstStyle/>
+          <a:p>
+            <a:pPr algn="ctr"/>
+            <a:r>
+              <a:rPr lang="en-US" sz="1050" dirty="0" smtClean="0">
+                <a:solidFill>
+                  <a:srgbClr val="7030A0"/>
+                </a:solidFill>
+              </a:rPr>
+              <a:t>Price</a:t>
+            </a:r>
+            <a:endParaRPr lang="en-SG" sz="1050" dirty="0">
+              <a:solidFill>
+                <a:srgbClr val="7030A0"/>
+              </a:solidFill>
+            </a:endParaRPr>
+          </a:p>
+        </p:txBody>
+      </p:sp>
+      <p:sp>
+        <p:nvSpPr>
+          <p:cNvPr id="101" name="Flowchart: Decision 96"/>
+          <p:cNvSpPr/>
+          <p:nvPr/>
+        </p:nvSpPr>
+        <p:spPr>
+          <a:xfrm>
+            <a:off x="6208056" y="2948201"/>
+            <a:ext cx="236048" cy="173380"/>
+          </a:xfrm>
+          <a:prstGeom prst="flowChartDecision">
+            <a:avLst/>
+          </a:prstGeom>
+          <a:solidFill>
+            <a:srgbClr val="7030A0"/>
+          </a:solidFill>
+          <a:ln w="19050">
+            <a:solidFill>
+              <a:srgbClr val="7030A0"/>
+            </a:solidFill>
+          </a:ln>
+          <a:effectLst/>
+        </p:spPr>
+        <p:style>
+          <a:lnRef idx="1">
+            <a:schemeClr val="accent6"/>
+          </a:lnRef>
+          <a:fillRef idx="2">
+            <a:schemeClr val="accent6"/>
+          </a:fillRef>
+          <a:effectRef idx="1">
+            <a:schemeClr val="accent6"/>
+          </a:effectRef>
+          <a:fontRef idx="minor">
+            <a:schemeClr val="dk1"/>
+          </a:fontRef>
+        </p:style>
+        <p:txBody>
+          <a:bodyPr rtlCol="0" anchor="ctr"/>
+          <a:lstStyle/>
+          <a:p>
+            <a:pPr algn="ctr"/>
+            <a:endParaRPr lang="en-US" sz="1050"/>
+          </a:p>
+        </p:txBody>
+      </p:sp>
+      <p:sp>
+        <p:nvSpPr>
+          <p:cNvPr id="102" name="Rectangle 8"/>
+          <p:cNvSpPr/>
+          <p:nvPr/>
+        </p:nvSpPr>
+        <p:spPr>
+          <a:xfrm>
+            <a:off x="6878505" y="2177586"/>
+            <a:ext cx="1426435" cy="318194"/>
+          </a:xfrm>
+          <a:prstGeom prst="rect">
+            <a:avLst/>
+          </a:prstGeom>
+          <a:ln w="19050">
+            <a:solidFill>
+              <a:srgbClr val="7030A0"/>
+            </a:solidFill>
+          </a:ln>
+          <a:effectLst/>
+        </p:spPr>
+        <p:style>
+          <a:lnRef idx="1">
+            <a:schemeClr val="accent4"/>
+          </a:lnRef>
+          <a:fillRef idx="2">
+            <a:schemeClr val="accent4"/>
+          </a:fillRef>
+          <a:effectRef idx="1">
+            <a:schemeClr val="accent4"/>
+          </a:effectRef>
+          <a:fontRef idx="minor">
+            <a:schemeClr val="dk1"/>
+          </a:fontRef>
+        </p:style>
+        <p:txBody>
+          <a:bodyPr rtlCol="0" anchor="ctr"/>
+          <a:lstStyle/>
+          <a:p>
+            <a:pPr algn="ctr"/>
+            <a:r>
+              <a:rPr lang="en-US" sz="1050" dirty="0" smtClean="0">
+                <a:solidFill>
+                  <a:srgbClr val="7030A0"/>
+                </a:solidFill>
+              </a:rPr>
+              <a:t>UniqueOrderItemList</a:t>
+            </a:r>
+            <a:endParaRPr lang="en-SG" sz="1050" dirty="0">
+              <a:solidFill>
+                <a:srgbClr val="7030A0"/>
+              </a:solidFill>
+            </a:endParaRPr>
+          </a:p>
+        </p:txBody>
+      </p:sp>
+      <p:cxnSp>
+        <p:nvCxnSpPr>
+          <p:cNvPr id="103" name="Elbow Connector 102"/>
+          <p:cNvCxnSpPr/>
+          <p:nvPr/>
+        </p:nvCxnSpPr>
+        <p:spPr>
+          <a:xfrm flipV="1">
+            <a:off x="6444104" y="2336683"/>
+            <a:ext cx="434401" cy="698208"/>
+          </a:xfrm>
+          <a:prstGeom prst="bentConnector3">
+            <a:avLst/>
+          </a:prstGeom>
+          <a:ln w="19050">
+            <a:solidFill>
+              <a:srgbClr val="7030A0"/>
+            </a:solidFill>
+            <a:headEnd type="none" w="med" len="med"/>
+            <a:tailEnd type="arrow" w="med" len="med"/>
+          </a:ln>
+          <a:effectLst/>
+        </p:spPr>
+        <p:style>
+          <a:lnRef idx="1">
+            <a:schemeClr val="accent2"/>
+          </a:lnRef>
+          <a:fillRef idx="2">
+            <a:schemeClr val="accent2"/>
+          </a:fillRef>
+          <a:effectRef idx="1">
+            <a:schemeClr val="accent2"/>
+          </a:effectRef>
+          <a:fontRef idx="minor">
+            <a:schemeClr val="dk1"/>
+          </a:fontRef>
+        </p:style>
+      </p:cxnSp>
+      <p:sp>
+        <p:nvSpPr>
+          <p:cNvPr id="104" name="Rectangle 8"/>
+          <p:cNvSpPr/>
+          <p:nvPr/>
+        </p:nvSpPr>
+        <p:spPr>
+          <a:xfrm>
+            <a:off x="6990807" y="4829271"/>
+            <a:ext cx="708186" cy="285783"/>
+          </a:xfrm>
+          <a:prstGeom prst="rect">
+            <a:avLst/>
+          </a:prstGeom>
+          <a:ln w="19050">
+            <a:solidFill>
+              <a:srgbClr val="7030A0"/>
+            </a:solidFill>
+          </a:ln>
+          <a:effectLst/>
+        </p:spPr>
+        <p:style>
+          <a:lnRef idx="1">
+            <a:schemeClr val="accent4"/>
+          </a:lnRef>
+          <a:fillRef idx="2">
+            <a:schemeClr val="accent4"/>
+          </a:fillRef>
+          <a:effectRef idx="1">
+            <a:schemeClr val="accent4"/>
+          </a:effectRef>
+          <a:fontRef idx="minor">
+            <a:schemeClr val="dk1"/>
+          </a:fontRef>
+        </p:style>
+        <p:txBody>
+          <a:bodyPr rtlCol="0" anchor="ctr"/>
+          <a:lstStyle/>
+          <a:p>
+            <a:pPr algn="ctr"/>
+            <a:r>
+              <a:rPr lang="en-US" sz="1050" dirty="0" smtClean="0">
+                <a:solidFill>
+                  <a:srgbClr val="7030A0"/>
+                </a:solidFill>
+              </a:rPr>
+              <a:t>Name</a:t>
+            </a:r>
+            <a:endParaRPr lang="en-SG" sz="1050" dirty="0">
+              <a:solidFill>
+                <a:srgbClr val="7030A0"/>
+              </a:solidFill>
+            </a:endParaRPr>
+          </a:p>
+        </p:txBody>
+      </p:sp>
+      <p:cxnSp>
+        <p:nvCxnSpPr>
+          <p:cNvPr id="105" name="Elbow Connector 63"/>
+          <p:cNvCxnSpPr>
+            <a:cxnSpLocks/>
+          </p:cNvCxnSpPr>
+          <p:nvPr/>
+        </p:nvCxnSpPr>
+        <p:spPr>
+          <a:xfrm rot="16200000" flipH="1">
+            <a:off x="2732563" y="2680653"/>
+            <a:ext cx="274076" cy="1"/>
+          </a:xfrm>
+          <a:prstGeom prst="bentConnector3">
+            <a:avLst>
+              <a:gd name="adj1" fmla="val 50000"/>
+            </a:avLst>
+          </a:prstGeom>
+          <a:ln w="19050">
+            <a:solidFill>
+              <a:srgbClr val="7030A0"/>
+            </a:solidFill>
+            <a:prstDash val="sysDot"/>
+            <a:headEnd type="none" w="med" len="med"/>
+            <a:tailEnd type="none" w="med" len="med"/>
+          </a:ln>
+          <a:effectLst/>
+        </p:spPr>
+        <p:style>
+          <a:lnRef idx="1">
+            <a:schemeClr val="accent2"/>
+          </a:lnRef>
+          <a:fillRef idx="2">
+            <a:schemeClr val="accent2"/>
+          </a:fillRef>
+          <a:effectRef idx="1">
+            <a:schemeClr val="accent2"/>
+          </a:effectRef>
+          <a:fontRef idx="minor">
+            <a:schemeClr val="dk1"/>
+          </a:fontRef>
+        </p:style>
+      </p:cxnSp>
+      <p:sp>
+        <p:nvSpPr>
+          <p:cNvPr id="106" name="Isosceles Triangle 102"/>
+          <p:cNvSpPr/>
+          <p:nvPr/>
+        </p:nvSpPr>
+        <p:spPr>
+          <a:xfrm rot="10800000" flipV="1">
+            <a:off x="2728408" y="2386554"/>
+            <a:ext cx="282387" cy="157062"/>
+          </a:xfrm>
+          <a:prstGeom prst="triangle">
+            <a:avLst/>
+          </a:prstGeom>
+          <a:solidFill>
+            <a:schemeClr val="accent4">
+              <a:lumMod val="20000"/>
+              <a:lumOff val="80000"/>
+            </a:schemeClr>
+          </a:solidFill>
+          <a:ln w="19050">
+            <a:solidFill>
+              <a:srgbClr val="7030A0"/>
+            </a:solidFill>
+          </a:ln>
+          <a:effectLst/>
+        </p:spPr>
+        <p:style>
+          <a:lnRef idx="1">
+            <a:schemeClr val="accent4"/>
+          </a:lnRef>
+          <a:fillRef idx="2">
+            <a:schemeClr val="accent4"/>
+          </a:fillRef>
+          <a:effectRef idx="1">
+            <a:schemeClr val="accent4"/>
+          </a:effectRef>
+          <a:fontRef idx="minor">
+            <a:schemeClr val="dk1"/>
+          </a:fontRef>
+        </p:style>
+        <p:txBody>
+          <a:bodyPr rtlCol="0" anchor="ctr"/>
+          <a:lstStyle/>
+          <a:p>
+            <a:pPr algn="ctr"/>
+            <a:endParaRPr lang="en-SG" sz="1050" b="1">
+              <a:solidFill>
+                <a:srgbClr val="92D050"/>
+              </a:solidFill>
+            </a:endParaRPr>
+          </a:p>
+        </p:txBody>
+      </p:sp>
+      <p:sp>
+        <p:nvSpPr>
+          <p:cNvPr id="108" name="Rectangle 8"/>
+          <p:cNvSpPr/>
+          <p:nvPr/>
+        </p:nvSpPr>
+        <p:spPr>
+          <a:xfrm>
+            <a:off x="2136876" y="1997804"/>
+            <a:ext cx="1443661" cy="364396"/>
+          </a:xfrm>
+          <a:prstGeom prst="rect">
+            <a:avLst/>
+          </a:prstGeom>
+          <a:ln w="19050">
+            <a:solidFill>
+              <a:srgbClr val="7030A0"/>
+            </a:solidFill>
+          </a:ln>
+          <a:effectLst/>
+        </p:spPr>
+        <p:style>
+          <a:lnRef idx="1">
+            <a:schemeClr val="accent4"/>
+          </a:lnRef>
+          <a:fillRef idx="2">
+            <a:schemeClr val="accent4"/>
+          </a:fillRef>
+          <a:effectRef idx="1">
+            <a:schemeClr val="accent4"/>
+          </a:effectRef>
+          <a:fontRef idx="minor">
+            <a:schemeClr val="dk1"/>
+          </a:fontRef>
+        </p:style>
+        <p:txBody>
+          <a:bodyPr rtlCol="0" anchor="ctr"/>
+          <a:lstStyle/>
+          <a:p>
+            <a:pPr algn="ctr"/>
+            <a:r>
+              <a:rPr lang="en-US" sz="1050" dirty="0">
+                <a:solidFill>
+                  <a:srgbClr val="7030A0"/>
+                </a:solidFill>
+              </a:rPr>
+              <a:t>&lt;&lt;interface&gt;&gt;</a:t>
+            </a:r>
+            <a:br>
+              <a:rPr lang="en-US" sz="1050" dirty="0">
+                <a:solidFill>
+                  <a:srgbClr val="7030A0"/>
+                </a:solidFill>
+              </a:rPr>
+            </a:br>
+            <a:r>
+              <a:rPr lang="en-US" sz="1050" dirty="0" smtClean="0">
+                <a:solidFill>
+                  <a:srgbClr val="7030A0"/>
+                </a:solidFill>
+              </a:rPr>
+              <a:t>ReadOnlyRestOrRant</a:t>
+            </a:r>
+            <a:endParaRPr lang="en-SG" sz="1050" dirty="0">
+              <a:solidFill>
+                <a:srgbClr val="7030A0"/>
+              </a:solidFill>
+            </a:endParaRPr>
+          </a:p>
+        </p:txBody>
+      </p:sp>
+      <p:sp>
+        <p:nvSpPr>
+          <p:cNvPr id="109" name="Rectangle 8"/>
+          <p:cNvSpPr/>
+          <p:nvPr/>
+        </p:nvSpPr>
+        <p:spPr>
+          <a:xfrm>
+            <a:off x="824129" y="5506729"/>
+            <a:ext cx="1066800" cy="322410"/>
+          </a:xfrm>
+          <a:prstGeom prst="rect">
+            <a:avLst/>
+          </a:prstGeom>
+          <a:ln w="19050">
+            <a:solidFill>
+              <a:srgbClr val="7030A0"/>
+            </a:solidFill>
+          </a:ln>
+          <a:effectLst/>
+        </p:spPr>
+        <p:style>
+          <a:lnRef idx="1">
+            <a:schemeClr val="accent4"/>
+          </a:lnRef>
+          <a:fillRef idx="2">
+            <a:schemeClr val="accent4"/>
+          </a:fillRef>
+          <a:effectRef idx="1">
+            <a:schemeClr val="accent4"/>
+          </a:effectRef>
+          <a:fontRef idx="minor">
+            <a:schemeClr val="dk1"/>
+          </a:fontRef>
+        </p:style>
+        <p:txBody>
+          <a:bodyPr rtlCol="0" anchor="ctr"/>
+          <a:lstStyle/>
+          <a:p>
+            <a:pPr algn="ctr"/>
+            <a:r>
+              <a:rPr lang="en-US" sz="1050" dirty="0">
+                <a:solidFill>
+                  <a:srgbClr val="7030A0"/>
+                </a:solidFill>
+              </a:rPr>
+              <a:t>&lt;&lt;interface&gt;&gt;</a:t>
+            </a:r>
+            <a:br>
+              <a:rPr lang="en-US" sz="1050" dirty="0">
+                <a:solidFill>
+                  <a:srgbClr val="7030A0"/>
+                </a:solidFill>
+              </a:rPr>
+            </a:br>
+            <a:r>
+              <a:rPr lang="en-US" sz="1050" dirty="0">
+                <a:solidFill>
+                  <a:srgbClr val="7030A0"/>
+                </a:solidFill>
+              </a:rPr>
+              <a:t>ObservableList</a:t>
+            </a:r>
+            <a:endParaRPr lang="en-SG" sz="1050" dirty="0">
+              <a:solidFill>
+                <a:srgbClr val="7030A0"/>
+              </a:solidFill>
+            </a:endParaRPr>
+          </a:p>
+        </p:txBody>
+      </p:sp>
+      <p:cxnSp>
+        <p:nvCxnSpPr>
+          <p:cNvPr id="110" name="Elbow Connector 122"/>
+          <p:cNvCxnSpPr/>
+          <p:nvPr/>
+        </p:nvCxnSpPr>
+        <p:spPr>
+          <a:xfrm rot="16200000" flipH="1">
+            <a:off x="-296638" y="4547167"/>
+            <a:ext cx="2086534" cy="155000"/>
+          </a:xfrm>
+          <a:prstGeom prst="bentConnector2">
+            <a:avLst/>
+          </a:prstGeom>
+          <a:ln w="19050">
+            <a:solidFill>
+              <a:srgbClr val="7030A0"/>
+            </a:solidFill>
+            <a:prstDash val="sysDot"/>
+            <a:headEnd type="none" w="med" len="med"/>
+            <a:tailEnd type="arrow" w="med" len="med"/>
+          </a:ln>
+          <a:effectLst/>
+        </p:spPr>
+        <p:style>
+          <a:lnRef idx="1">
+            <a:schemeClr val="accent2"/>
+          </a:lnRef>
+          <a:fillRef idx="2">
+            <a:schemeClr val="accent2"/>
+          </a:fillRef>
+          <a:effectRef idx="1">
+            <a:schemeClr val="accent2"/>
+          </a:effectRef>
+          <a:fontRef idx="minor">
+            <a:schemeClr val="dk1"/>
+          </a:fontRef>
+        </p:style>
+      </p:cxnSp>
+      <p:sp>
+        <p:nvSpPr>
+          <p:cNvPr id="111" name="TextBox 110"/>
+          <p:cNvSpPr txBox="1"/>
+          <p:nvPr/>
+        </p:nvSpPr>
+        <p:spPr>
+          <a:xfrm>
+            <a:off x="3647165" y="2783654"/>
+            <a:ext cx="189257" cy="178683"/>
+          </a:xfrm>
+          <a:prstGeom prst="rect">
+            <a:avLst/>
+          </a:prstGeom>
+          <a:noFill/>
+        </p:spPr>
+        <p:txBody>
+          <a:bodyPr wrap="square" lIns="0" tIns="0" rIns="0" bIns="0" rtlCol="0">
+            <a:noAutofit/>
+          </a:bodyPr>
+          <a:lstStyle/>
+          <a:p>
+            <a:pPr algn="ctr"/>
+            <a:r>
+              <a:rPr lang="en-US" sz="1100" dirty="0">
+                <a:solidFill>
+                  <a:srgbClr val="7030A0"/>
+                </a:solidFill>
+              </a:rPr>
+              <a:t>1</a:t>
+            </a:r>
+            <a:endParaRPr lang="en-SG" sz="1100" dirty="0">
+              <a:solidFill>
+                <a:srgbClr val="7030A0"/>
+              </a:solidFill>
+            </a:endParaRPr>
+          </a:p>
+        </p:txBody>
+      </p:sp>
+      <p:sp>
+        <p:nvSpPr>
+          <p:cNvPr id="112" name="TextBox 111"/>
+          <p:cNvSpPr txBox="1"/>
+          <p:nvPr/>
+        </p:nvSpPr>
+        <p:spPr>
+          <a:xfrm>
+            <a:off x="5257800" y="2819400"/>
+            <a:ext cx="189257" cy="178683"/>
+          </a:xfrm>
+          <a:prstGeom prst="rect">
+            <a:avLst/>
+          </a:prstGeom>
+          <a:noFill/>
+        </p:spPr>
+        <p:txBody>
+          <a:bodyPr wrap="square" lIns="0" tIns="0" rIns="0" bIns="0" rtlCol="0">
+            <a:noAutofit/>
+          </a:bodyPr>
+          <a:lstStyle/>
+          <a:p>
+            <a:pPr algn="ctr"/>
+            <a:r>
+              <a:rPr lang="en-US" sz="1100" dirty="0">
+                <a:solidFill>
+                  <a:srgbClr val="7030A0"/>
+                </a:solidFill>
+              </a:rPr>
+              <a:t>*</a:t>
+            </a:r>
+            <a:endParaRPr lang="en-SG" sz="1100" dirty="0">
+              <a:solidFill>
+                <a:srgbClr val="7030A0"/>
+              </a:solidFill>
+            </a:endParaRPr>
+          </a:p>
+        </p:txBody>
+      </p:sp>
+      <p:sp>
+        <p:nvSpPr>
+          <p:cNvPr id="113" name="TextBox 112"/>
+          <p:cNvSpPr txBox="1"/>
+          <p:nvPr/>
+        </p:nvSpPr>
+        <p:spPr>
+          <a:xfrm>
+            <a:off x="1811090" y="2756715"/>
+            <a:ext cx="170110" cy="137542"/>
+          </a:xfrm>
+          <a:prstGeom prst="rect">
+            <a:avLst/>
+          </a:prstGeom>
+          <a:noFill/>
+        </p:spPr>
+        <p:txBody>
+          <a:bodyPr wrap="square" lIns="0" tIns="0" rIns="0" bIns="0" rtlCol="0">
+            <a:noAutofit/>
+          </a:bodyPr>
+          <a:lstStyle/>
+          <a:p>
+            <a:pPr algn="ctr"/>
+            <a:r>
+              <a:rPr lang="en-US" sz="1100" dirty="0">
+                <a:solidFill>
+                  <a:srgbClr val="7030A0"/>
+                </a:solidFill>
+              </a:rPr>
+              <a:t>1</a:t>
+            </a:r>
+            <a:endParaRPr lang="en-SG" sz="1100" dirty="0">
+              <a:solidFill>
+                <a:srgbClr val="7030A0"/>
+              </a:solidFill>
+            </a:endParaRPr>
+          </a:p>
+        </p:txBody>
+      </p:sp>
+      <p:sp>
+        <p:nvSpPr>
+          <p:cNvPr id="115" name="TextBox 114"/>
+          <p:cNvSpPr txBox="1"/>
+          <p:nvPr/>
+        </p:nvSpPr>
+        <p:spPr>
+          <a:xfrm>
+            <a:off x="1872452" y="4621917"/>
+            <a:ext cx="189257" cy="178683"/>
+          </a:xfrm>
+          <a:prstGeom prst="rect">
+            <a:avLst/>
+          </a:prstGeom>
+          <a:noFill/>
+        </p:spPr>
+        <p:txBody>
+          <a:bodyPr wrap="square" lIns="0" tIns="0" rIns="0" bIns="0" rtlCol="0">
+            <a:noAutofit/>
+          </a:bodyPr>
+          <a:lstStyle/>
+          <a:p>
+            <a:pPr algn="ctr"/>
+            <a:r>
+              <a:rPr lang="en-US" sz="1100" dirty="0">
+                <a:solidFill>
+                  <a:srgbClr val="7030A0"/>
+                </a:solidFill>
+              </a:rPr>
+              <a:t>1</a:t>
+            </a:r>
+            <a:endParaRPr lang="en-SG" sz="1100" dirty="0">
+              <a:solidFill>
+                <a:srgbClr val="7030A0"/>
+              </a:solidFill>
+            </a:endParaRPr>
+          </a:p>
+        </p:txBody>
+      </p:sp>
+      <p:sp>
+        <p:nvSpPr>
+          <p:cNvPr id="116" name="TextBox 115"/>
+          <p:cNvSpPr txBox="1"/>
+          <p:nvPr/>
+        </p:nvSpPr>
+        <p:spPr>
+          <a:xfrm>
+            <a:off x="6694091" y="1726317"/>
+            <a:ext cx="189257" cy="178683"/>
+          </a:xfrm>
+          <a:prstGeom prst="rect">
+            <a:avLst/>
+          </a:prstGeom>
+          <a:noFill/>
+        </p:spPr>
+        <p:txBody>
+          <a:bodyPr wrap="square" lIns="0" tIns="0" rIns="0" bIns="0" rtlCol="0">
+            <a:noAutofit/>
+          </a:bodyPr>
+          <a:lstStyle/>
+          <a:p>
+            <a:pPr algn="ctr"/>
+            <a:r>
+              <a:rPr lang="en-US" sz="1100" dirty="0">
+                <a:solidFill>
+                  <a:srgbClr val="7030A0"/>
+                </a:solidFill>
+              </a:rPr>
+              <a:t>1</a:t>
+            </a:r>
+            <a:endParaRPr lang="en-SG" sz="1100" dirty="0">
+              <a:solidFill>
+                <a:srgbClr val="7030A0"/>
+              </a:solidFill>
+            </a:endParaRPr>
+          </a:p>
+        </p:txBody>
+      </p:sp>
+      <p:sp>
+        <p:nvSpPr>
+          <p:cNvPr id="117" name="Rectangle 8">
+            <a:extLst>
+              <a:ext uri="{FF2B5EF4-FFF2-40B4-BE49-F238E27FC236}">
                 <a16:creationId xmlns:a16="http://schemas.microsoft.com/office/drawing/2014/main" xmlns="" id="{ABDCDBD2-131A-4B66-A2F2-43BBEE82C773}"/>
               </a:ext>
             </a:extLst>
@@ -8001,8 +10108,8 @@
         </p:nvSpPr>
         <p:spPr>
           <a:xfrm>
-            <a:off x="7712397" y="2228817"/>
-            <a:ext cx="708186" cy="285783"/>
+            <a:off x="6878505" y="1774911"/>
+            <a:ext cx="1426435" cy="336873"/>
           </a:xfrm>
           <a:prstGeom prst="rect">
             <a:avLst/>
@@ -8034,12 +10141,12 @@
           <a:p>
             <a:pPr algn="ctr"/>
             <a:r>
-              <a:rPr lang="en-US" sz="1050" dirty="0">
+              <a:rPr lang="en-US" sz="1050" dirty="0" smtClean="0">
                 <a:solidFill>
                   <a:srgbClr val="7030A0"/>
                 </a:solidFill>
               </a:rPr>
-              <a:t>Tag</a:t>
+              <a:t>TableStatus</a:t>
             </a:r>
             <a:endParaRPr lang="en-SG" sz="1050" dirty="0">
               <a:solidFill>
@@ -8051,7 +10158,7 @@
       </p:sp>
       <p:cxnSp>
         <p:nvCxnSpPr>
-          <p:cNvPr id="53" name="Elbow Connector 78">
+          <p:cNvPr id="121" name="Elbow Connector 78">
             <a:extLst>
               <a:ext uri="{FF2B5EF4-FFF2-40B4-BE49-F238E27FC236}">
                 <a16:creationId xmlns:a16="http://schemas.microsoft.com/office/drawing/2014/main" xmlns="" id="{B97967F8-618A-448B-81FD-CDFD4AF0EC64}"/>
@@ -8060,2113 +10167,6 @@
           </p:cNvPr>
           <p:cNvCxnSpPr>
             <a:cxnSpLocks/>
-            <a:stCxn id="78" idx="3"/>
-            <a:endCxn id="52" idx="1"/>
-          </p:cNvCxnSpPr>
-          <p:nvPr/>
-        </p:nvCxnSpPr>
-        <p:spPr>
-          <a:xfrm flipV="1">
-            <a:off x="7277995" y="2371709"/>
-            <a:ext cx="434402" cy="663182"/>
-          </a:xfrm>
-          <a:prstGeom prst="bentConnector3">
-            <a:avLst>
-              <a:gd name="adj1" fmla="val 50000"/>
-            </a:avLst>
-          </a:prstGeom>
-          <a:ln w="19050">
-            <a:solidFill>
-              <a:srgbClr val="7030A0"/>
-            </a:solidFill>
-            <a:headEnd type="none" w="med" len="med"/>
-            <a:tailEnd type="arrow" w="med" len="med"/>
-          </a:ln>
-          <a:effectLst/>
-        </p:spPr>
-        <p:style>
-          <a:lnRef idx="1">
-            <a:schemeClr val="accent2"/>
-          </a:lnRef>
-          <a:fillRef idx="2">
-            <a:schemeClr val="accent2"/>
-          </a:fillRef>
-          <a:effectRef idx="1">
-            <a:schemeClr val="accent2"/>
-          </a:effectRef>
-          <a:fontRef idx="minor">
-            <a:schemeClr val="dk1"/>
-          </a:fontRef>
-        </p:style>
-      </p:cxnSp>
-      <p:sp>
-        <p:nvSpPr>
-          <p:cNvPr id="50" name="TextBox 49">
-            <a:extLst>
-              <a:ext uri="{FF2B5EF4-FFF2-40B4-BE49-F238E27FC236}">
-                <a16:creationId xmlns:a16="http://schemas.microsoft.com/office/drawing/2014/main" xmlns="" id="{B3FA9D57-880F-49C4-AD0B-A64E30D6F403}"/>
-              </a:ext>
-            </a:extLst>
-          </p:cNvPr>
-          <p:cNvSpPr txBox="1"/>
-          <p:nvPr/>
-        </p:nvSpPr>
-        <p:spPr>
-          <a:xfrm>
-            <a:off x="7466243" y="2255711"/>
-            <a:ext cx="189257" cy="178683"/>
-          </a:xfrm>
-          <a:prstGeom prst="rect">
-            <a:avLst/>
-          </a:prstGeom>
-          <a:noFill/>
-        </p:spPr>
-        <p:txBody>
-          <a:bodyPr wrap="square" lIns="0" tIns="0" rIns="0" bIns="0" rtlCol="0">
-            <a:noAutofit/>
-          </a:bodyPr>
-          <a:lstStyle/>
-          <a:p>
-            <a:pPr algn="ctr"/>
-            <a:r>
-              <a:rPr lang="en-US" sz="1100" dirty="0">
-                <a:solidFill>
-                  <a:srgbClr val="7030A0"/>
-                </a:solidFill>
-              </a:rPr>
-              <a:t>*</a:t>
-            </a:r>
-            <a:endParaRPr lang="en-SG" sz="1100" dirty="0">
-              <a:solidFill>
-                <a:srgbClr val="7030A0"/>
-              </a:solidFill>
-            </a:endParaRPr>
-          </a:p>
-        </p:txBody>
-      </p:sp>
-      <p:sp>
-        <p:nvSpPr>
-          <p:cNvPr id="55" name="Rectangle 8"/>
-          <p:cNvSpPr/>
-          <p:nvPr/>
-        </p:nvSpPr>
-        <p:spPr>
-          <a:xfrm>
-            <a:off x="3170181" y="1998350"/>
-            <a:ext cx="1060683" cy="364396"/>
-          </a:xfrm>
-          <a:prstGeom prst="rect">
-            <a:avLst/>
-          </a:prstGeom>
-          <a:ln w="19050">
-            <a:solidFill>
-              <a:srgbClr val="7030A0"/>
-            </a:solidFill>
-          </a:ln>
-          <a:effectLst/>
-        </p:spPr>
-        <p:style>
-          <a:lnRef idx="1">
-            <a:schemeClr val="accent4"/>
-          </a:lnRef>
-          <a:fillRef idx="2">
-            <a:schemeClr val="accent4"/>
-          </a:fillRef>
-          <a:effectRef idx="1">
-            <a:schemeClr val="accent4"/>
-          </a:effectRef>
-          <a:fontRef idx="minor">
-            <a:schemeClr val="dk1"/>
-          </a:fontRef>
-        </p:style>
-        <p:txBody>
-          <a:bodyPr rtlCol="0" anchor="ctr"/>
-          <a:lstStyle/>
-          <a:p>
-            <a:pPr algn="ctr"/>
-            <a:r>
-              <a:rPr lang="en-US" sz="1050" dirty="0" err="1">
-                <a:solidFill>
-                  <a:srgbClr val="7030A0"/>
-                </a:solidFill>
-              </a:rPr>
-              <a:t>AddressBook</a:t>
-            </a:r>
-            <a:endParaRPr lang="en-SG" sz="1050" dirty="0">
-              <a:solidFill>
-                <a:srgbClr val="7030A0"/>
-              </a:solidFill>
-            </a:endParaRPr>
-          </a:p>
-        </p:txBody>
-      </p:sp>
-      <p:cxnSp>
-        <p:nvCxnSpPr>
-          <p:cNvPr id="60" name="Straight Arrow Connector 59"/>
-          <p:cNvCxnSpPr>
-            <a:stCxn id="51" idx="1"/>
-            <a:endCxn id="49" idx="1"/>
-          </p:cNvCxnSpPr>
-          <p:nvPr/>
-        </p:nvCxnSpPr>
-        <p:spPr>
-          <a:xfrm>
-            <a:off x="4324972" y="3007222"/>
-            <a:ext cx="367678" cy="12320"/>
-          </a:xfrm>
-          <a:prstGeom prst="straightConnector1">
-            <a:avLst/>
-          </a:prstGeom>
-          <a:ln w="19050">
-            <a:solidFill>
-              <a:srgbClr val="7030A0"/>
-            </a:solidFill>
-            <a:headEnd type="none" w="med" len="med"/>
-            <a:tailEnd type="arrow" w="med" len="med"/>
-          </a:ln>
-          <a:effectLst/>
-        </p:spPr>
-        <p:style>
-          <a:lnRef idx="1">
-            <a:schemeClr val="accent2"/>
-          </a:lnRef>
-          <a:fillRef idx="2">
-            <a:schemeClr val="accent2"/>
-          </a:fillRef>
-          <a:effectRef idx="1">
-            <a:schemeClr val="accent2"/>
-          </a:effectRef>
-          <a:fontRef idx="minor">
-            <a:schemeClr val="dk1"/>
-          </a:fontRef>
-        </p:style>
-      </p:cxnSp>
-      <p:sp>
-        <p:nvSpPr>
-          <p:cNvPr id="68" name="Isosceles Triangle 102"/>
-          <p:cNvSpPr/>
-          <p:nvPr/>
-        </p:nvSpPr>
-        <p:spPr>
-          <a:xfrm rot="16200000">
-            <a:off x="2669073" y="2069158"/>
-            <a:ext cx="271014" cy="187417"/>
-          </a:xfrm>
-          <a:prstGeom prst="triangle">
-            <a:avLst>
-              <a:gd name="adj" fmla="val 44517"/>
-            </a:avLst>
-          </a:prstGeom>
-          <a:solidFill>
-            <a:schemeClr val="accent4">
-              <a:lumMod val="20000"/>
-              <a:lumOff val="80000"/>
-            </a:schemeClr>
-          </a:solidFill>
-          <a:ln w="19050">
-            <a:solidFill>
-              <a:srgbClr val="7030A0"/>
-            </a:solidFill>
-          </a:ln>
-          <a:effectLst/>
-        </p:spPr>
-        <p:style>
-          <a:lnRef idx="1">
-            <a:schemeClr val="accent6"/>
-          </a:lnRef>
-          <a:fillRef idx="2">
-            <a:schemeClr val="accent6"/>
-          </a:fillRef>
-          <a:effectRef idx="1">
-            <a:schemeClr val="accent6"/>
-          </a:effectRef>
-          <a:fontRef idx="minor">
-            <a:schemeClr val="dk1"/>
-          </a:fontRef>
-        </p:style>
-        <p:txBody>
-          <a:bodyPr rtlCol="0" anchor="ctr"/>
-          <a:lstStyle/>
-          <a:p>
-            <a:pPr algn="ctr"/>
-            <a:endParaRPr lang="en-SG" sz="1050"/>
-          </a:p>
-        </p:txBody>
-      </p:sp>
-      <p:cxnSp>
-        <p:nvCxnSpPr>
-          <p:cNvPr id="69" name="Elbow Connector 63"/>
-          <p:cNvCxnSpPr>
-            <a:stCxn id="68" idx="3"/>
-            <a:endCxn id="55" idx="1"/>
-          </p:cNvCxnSpPr>
-          <p:nvPr/>
-        </p:nvCxnSpPr>
-        <p:spPr>
-          <a:xfrm>
-            <a:off x="2898289" y="2177727"/>
-            <a:ext cx="271892" cy="2821"/>
-          </a:xfrm>
-          <a:prstGeom prst="bentConnector3">
-            <a:avLst>
-              <a:gd name="adj1" fmla="val 50000"/>
-            </a:avLst>
-          </a:prstGeom>
-          <a:ln w="19050">
-            <a:solidFill>
-              <a:srgbClr val="7030A0"/>
-            </a:solidFill>
-            <a:prstDash val="sysDot"/>
-            <a:headEnd type="none" w="med" len="med"/>
-            <a:tailEnd type="none" w="med" len="med"/>
-          </a:ln>
-          <a:effectLst/>
-        </p:spPr>
-        <p:style>
-          <a:lnRef idx="1">
-            <a:schemeClr val="accent2"/>
-          </a:lnRef>
-          <a:fillRef idx="2">
-            <a:schemeClr val="accent2"/>
-          </a:fillRef>
-          <a:effectRef idx="1">
-            <a:schemeClr val="accent2"/>
-          </a:effectRef>
-          <a:fontRef idx="minor">
-            <a:schemeClr val="dk1"/>
-          </a:fontRef>
-        </p:style>
-      </p:cxnSp>
-      <p:sp>
-        <p:nvSpPr>
-          <p:cNvPr id="57" name="Rectangle 8">
-            <a:extLst>
-              <a:ext uri="{FF2B5EF4-FFF2-40B4-BE49-F238E27FC236}">
-                <a16:creationId xmlns:a16="http://schemas.microsoft.com/office/drawing/2014/main" xmlns="" id="{6A42DA50-9012-4391-9EF3-285E4FA3FCD8}"/>
-              </a:ext>
-            </a:extLst>
-          </p:cNvPr>
-          <p:cNvSpPr/>
-          <p:nvPr/>
-        </p:nvSpPr>
-        <p:spPr>
-          <a:xfrm>
-            <a:off x="4238892" y="3460864"/>
-            <a:ext cx="1293486" cy="346760"/>
-          </a:xfrm>
-          <a:prstGeom prst="rect">
-            <a:avLst/>
-          </a:prstGeom>
-          <a:ln w="19050">
-            <a:solidFill>
-              <a:srgbClr val="7030A0"/>
-            </a:solidFill>
-          </a:ln>
-          <a:effectLst/>
-        </p:spPr>
-        <p:style>
-          <a:lnRef idx="1">
-            <a:schemeClr val="accent4"/>
-          </a:lnRef>
-          <a:fillRef idx="2">
-            <a:schemeClr val="accent4"/>
-          </a:fillRef>
-          <a:effectRef idx="1">
-            <a:schemeClr val="accent4"/>
-          </a:effectRef>
-          <a:fontRef idx="minor">
-            <a:schemeClr val="dk1"/>
-          </a:fontRef>
-        </p:style>
-        <p:txBody>
-          <a:bodyPr rtlCol="0" anchor="ctr"/>
-          <a:lstStyle/>
-          <a:p>
-            <a:pPr algn="ctr"/>
-            <a:r>
-              <a:rPr lang="en-US" sz="1050" dirty="0">
-                <a:solidFill>
-                  <a:srgbClr val="7030A0"/>
-                </a:solidFill>
-              </a:rPr>
-              <a:t>&lt;&lt;interface&gt;&gt;</a:t>
-            </a:r>
-          </a:p>
-          <a:p>
-            <a:pPr algn="ctr"/>
-            <a:r>
-              <a:rPr lang="en-US" sz="1050" dirty="0" err="1">
-                <a:solidFill>
-                  <a:srgbClr val="7030A0"/>
-                </a:solidFill>
-              </a:rPr>
-              <a:t>ReadOnlyUserPrefs</a:t>
-            </a:r>
-            <a:endParaRPr lang="en-SG" sz="1050" dirty="0">
-              <a:solidFill>
-                <a:srgbClr val="7030A0"/>
-              </a:solidFill>
-            </a:endParaRPr>
-          </a:p>
-        </p:txBody>
-      </p:sp>
-      <p:sp>
-        <p:nvSpPr>
-          <p:cNvPr id="59" name="Isosceles Triangle 102">
-            <a:extLst>
-              <a:ext uri="{FF2B5EF4-FFF2-40B4-BE49-F238E27FC236}">
-                <a16:creationId xmlns:a16="http://schemas.microsoft.com/office/drawing/2014/main" xmlns="" id="{B263B2D7-6E76-465E-B40E-7E2A46254A84}"/>
-              </a:ext>
-            </a:extLst>
-          </p:cNvPr>
-          <p:cNvSpPr/>
-          <p:nvPr/>
-        </p:nvSpPr>
-        <p:spPr>
-          <a:xfrm rot="5400000" flipH="1">
-            <a:off x="3992636" y="3514414"/>
-            <a:ext cx="271014" cy="221497"/>
-          </a:xfrm>
-          <a:prstGeom prst="triangle">
-            <a:avLst>
-              <a:gd name="adj" fmla="val 44517"/>
-            </a:avLst>
-          </a:prstGeom>
-          <a:solidFill>
-            <a:schemeClr val="accent4">
-              <a:lumMod val="20000"/>
-              <a:lumOff val="80000"/>
-            </a:schemeClr>
-          </a:solidFill>
-          <a:ln w="19050">
-            <a:solidFill>
-              <a:srgbClr val="7030A0"/>
-            </a:solidFill>
-          </a:ln>
-          <a:effectLst/>
-        </p:spPr>
-        <p:style>
-          <a:lnRef idx="1">
-            <a:schemeClr val="accent6"/>
-          </a:lnRef>
-          <a:fillRef idx="2">
-            <a:schemeClr val="accent6"/>
-          </a:fillRef>
-          <a:effectRef idx="1">
-            <a:schemeClr val="accent6"/>
-          </a:effectRef>
-          <a:fontRef idx="minor">
-            <a:schemeClr val="dk1"/>
-          </a:fontRef>
-        </p:style>
-        <p:txBody>
-          <a:bodyPr rtlCol="0" anchor="ctr"/>
-          <a:lstStyle/>
-          <a:p>
-            <a:pPr algn="ctr"/>
-            <a:endParaRPr lang="en-SG" sz="1050"/>
-          </a:p>
-        </p:txBody>
-      </p:sp>
-      <p:cxnSp>
-        <p:nvCxnSpPr>
-          <p:cNvPr id="67" name="Elbow Connector 63">
-            <a:extLst>
-              <a:ext uri="{FF2B5EF4-FFF2-40B4-BE49-F238E27FC236}">
-                <a16:creationId xmlns:a16="http://schemas.microsoft.com/office/drawing/2014/main" xmlns="" id="{BA3A25CD-7C1D-4B3B-B294-1B05ABCFECFD}"/>
-              </a:ext>
-            </a:extLst>
-          </p:cNvPr>
-          <p:cNvCxnSpPr>
-            <a:cxnSpLocks/>
-            <a:stCxn id="59" idx="3"/>
-            <a:endCxn id="2" idx="3"/>
-          </p:cNvCxnSpPr>
-          <p:nvPr/>
-        </p:nvCxnSpPr>
-        <p:spPr>
-          <a:xfrm rot="10800000">
-            <a:off x="3703491" y="3636621"/>
-            <a:ext cx="313904" cy="3403"/>
-          </a:xfrm>
-          <a:prstGeom prst="bentConnector3">
-            <a:avLst>
-              <a:gd name="adj1" fmla="val 50000"/>
-            </a:avLst>
-          </a:prstGeom>
-          <a:ln w="19050">
-            <a:solidFill>
-              <a:srgbClr val="7030A0"/>
-            </a:solidFill>
-            <a:prstDash val="sysDot"/>
-            <a:headEnd type="none" w="med" len="med"/>
-            <a:tailEnd type="none" w="med" len="med"/>
-          </a:ln>
-          <a:effectLst/>
-        </p:spPr>
-        <p:style>
-          <a:lnRef idx="1">
-            <a:schemeClr val="accent2"/>
-          </a:lnRef>
-          <a:fillRef idx="2">
-            <a:schemeClr val="accent2"/>
-          </a:fillRef>
-          <a:effectRef idx="1">
-            <a:schemeClr val="accent2"/>
-          </a:effectRef>
-          <a:fontRef idx="minor">
-            <a:schemeClr val="dk1"/>
-          </a:fontRef>
-        </p:style>
-      </p:cxnSp>
-      <p:sp>
-        <p:nvSpPr>
-          <p:cNvPr id="56" name="Rectangle 65"/>
-          <p:cNvSpPr/>
-          <p:nvPr/>
-        </p:nvSpPr>
-        <p:spPr>
-          <a:xfrm>
-            <a:off x="229022" y="1497232"/>
-            <a:ext cx="8610178" cy="4598768"/>
-          </a:xfrm>
-          <a:prstGeom prst="roundRect">
-            <a:avLst>
-              <a:gd name="adj" fmla="val 3484"/>
-            </a:avLst>
-          </a:prstGeom>
-          <a:solidFill>
-            <a:schemeClr val="accent4">
-              <a:lumMod val="20000"/>
-              <a:lumOff val="80000"/>
-            </a:schemeClr>
-          </a:solidFill>
-          <a:ln w="19050">
-            <a:noFill/>
-          </a:ln>
-          <a:effectLst/>
-        </p:spPr>
-        <p:style>
-          <a:lnRef idx="1">
-            <a:schemeClr val="accent2"/>
-          </a:lnRef>
-          <a:fillRef idx="2">
-            <a:schemeClr val="accent2"/>
-          </a:fillRef>
-          <a:effectRef idx="1">
-            <a:schemeClr val="accent2"/>
-          </a:effectRef>
-          <a:fontRef idx="minor">
-            <a:schemeClr val="dk1"/>
-          </a:fontRef>
-        </p:style>
-        <p:txBody>
-          <a:bodyPr rtlCol="0" anchor="t"/>
-          <a:lstStyle/>
-          <a:p>
-            <a:r>
-              <a:rPr lang="en-US" sz="1200" b="1" dirty="0">
-                <a:solidFill>
-                  <a:srgbClr val="7030A0"/>
-                </a:solidFill>
-              </a:rPr>
-              <a:t>Model</a:t>
-            </a:r>
-            <a:endParaRPr lang="en-SG" sz="1200" b="1" dirty="0">
-              <a:solidFill>
-                <a:srgbClr val="7030A0"/>
-              </a:solidFill>
-            </a:endParaRPr>
-          </a:p>
-        </p:txBody>
-      </p:sp>
-      <p:sp>
-        <p:nvSpPr>
-          <p:cNvPr id="71" name="Rectangle 8"/>
-          <p:cNvSpPr/>
-          <p:nvPr/>
-        </p:nvSpPr>
-        <p:spPr>
-          <a:xfrm>
-            <a:off x="2091245" y="4683189"/>
-            <a:ext cx="878211" cy="346760"/>
-          </a:xfrm>
-          <a:prstGeom prst="rect">
-            <a:avLst/>
-          </a:prstGeom>
-          <a:ln w="19050">
-            <a:solidFill>
-              <a:srgbClr val="7030A0"/>
-            </a:solidFill>
-          </a:ln>
-          <a:effectLst/>
-        </p:spPr>
-        <p:style>
-          <a:lnRef idx="1">
-            <a:schemeClr val="accent4"/>
-          </a:lnRef>
-          <a:fillRef idx="2">
-            <a:schemeClr val="accent4"/>
-          </a:fillRef>
-          <a:effectRef idx="1">
-            <a:schemeClr val="accent4"/>
-          </a:effectRef>
-          <a:fontRef idx="minor">
-            <a:schemeClr val="dk1"/>
-          </a:fontRef>
-        </p:style>
-        <p:txBody>
-          <a:bodyPr rtlCol="0" anchor="ctr"/>
-          <a:lstStyle/>
-          <a:p>
-            <a:pPr algn="ctr"/>
-            <a:r>
-              <a:rPr lang="en-US" sz="1050" dirty="0">
-                <a:solidFill>
-                  <a:srgbClr val="7030A0"/>
-                </a:solidFill>
-              </a:rPr>
-              <a:t>UserPrefs</a:t>
-            </a:r>
-            <a:endParaRPr lang="en-SG" sz="1050" dirty="0">
-              <a:solidFill>
-                <a:srgbClr val="7030A0"/>
-              </a:solidFill>
-            </a:endParaRPr>
-          </a:p>
-        </p:txBody>
-      </p:sp>
-      <p:sp>
-        <p:nvSpPr>
-          <p:cNvPr id="72" name="Rectangle 62"/>
-          <p:cNvSpPr/>
-          <p:nvPr/>
-        </p:nvSpPr>
-        <p:spPr>
-          <a:xfrm rot="16200000">
-            <a:off x="260131" y="3665276"/>
-            <a:ext cx="2228687" cy="346760"/>
-          </a:xfrm>
-          <a:prstGeom prst="rect">
-            <a:avLst/>
-          </a:prstGeom>
-          <a:solidFill>
-            <a:srgbClr val="7030A0"/>
-          </a:solidFill>
-          <a:ln w="19050">
-            <a:solidFill>
-              <a:srgbClr val="7030A0"/>
-            </a:solidFill>
-          </a:ln>
-          <a:effectLst/>
-        </p:spPr>
-        <p:style>
-          <a:lnRef idx="1">
-            <a:schemeClr val="accent2"/>
-          </a:lnRef>
-          <a:fillRef idx="2">
-            <a:schemeClr val="accent2"/>
-          </a:fillRef>
-          <a:effectRef idx="1">
-            <a:schemeClr val="accent2"/>
-          </a:effectRef>
-          <a:fontRef idx="minor">
-            <a:schemeClr val="dk1"/>
-          </a:fontRef>
-        </p:style>
-        <p:txBody>
-          <a:bodyPr rtlCol="0" anchor="ctr"/>
-          <a:lstStyle/>
-          <a:p>
-            <a:pPr algn="ctr"/>
-            <a:r>
-              <a:rPr lang="en-US" sz="1050" dirty="0">
-                <a:solidFill>
-                  <a:schemeClr val="bg1"/>
-                </a:solidFill>
-              </a:rPr>
-              <a:t>ModelManager</a:t>
-            </a:r>
-            <a:endParaRPr lang="en-SG" sz="1050" dirty="0">
-              <a:solidFill>
-                <a:schemeClr val="bg1"/>
-              </a:solidFill>
-            </a:endParaRPr>
-          </a:p>
-        </p:txBody>
-      </p:sp>
-      <p:sp>
-        <p:nvSpPr>
-          <p:cNvPr id="73" name="Rectangle 62"/>
-          <p:cNvSpPr/>
-          <p:nvPr/>
-        </p:nvSpPr>
-        <p:spPr>
-          <a:xfrm rot="16200000">
-            <a:off x="122311" y="2861202"/>
-            <a:ext cx="1093635" cy="346760"/>
-          </a:xfrm>
-          <a:prstGeom prst="rect">
-            <a:avLst/>
-          </a:prstGeom>
-          <a:solidFill>
-            <a:srgbClr val="7030A0"/>
-          </a:solidFill>
-          <a:ln w="19050">
-            <a:solidFill>
-              <a:srgbClr val="7030A0"/>
-            </a:solidFill>
-          </a:ln>
-          <a:effectLst/>
-        </p:spPr>
-        <p:style>
-          <a:lnRef idx="1">
-            <a:schemeClr val="accent2"/>
-          </a:lnRef>
-          <a:fillRef idx="2">
-            <a:schemeClr val="accent2"/>
-          </a:fillRef>
-          <a:effectRef idx="1">
-            <a:schemeClr val="accent2"/>
-          </a:effectRef>
-          <a:fontRef idx="minor">
-            <a:schemeClr val="dk1"/>
-          </a:fontRef>
-        </p:style>
-        <p:txBody>
-          <a:bodyPr rtlCol="0" anchor="ctr"/>
-          <a:lstStyle/>
-          <a:p>
-            <a:pPr algn="ctr"/>
-            <a:r>
-              <a:rPr lang="en-US" sz="1050" dirty="0">
-                <a:solidFill>
-                  <a:schemeClr val="bg1"/>
-                </a:solidFill>
-              </a:rPr>
-              <a:t>&lt;&lt;interface&gt;&gt;</a:t>
-            </a:r>
-          </a:p>
-          <a:p>
-            <a:pPr algn="ctr"/>
-            <a:r>
-              <a:rPr lang="en-US" sz="1050" dirty="0">
-                <a:solidFill>
-                  <a:schemeClr val="bg1"/>
-                </a:solidFill>
-              </a:rPr>
-              <a:t>Model</a:t>
-            </a:r>
-            <a:endParaRPr lang="en-SG" sz="1050" dirty="0">
-              <a:solidFill>
-                <a:schemeClr val="bg1"/>
-              </a:solidFill>
-            </a:endParaRPr>
-          </a:p>
-        </p:txBody>
-      </p:sp>
-      <p:sp>
-        <p:nvSpPr>
-          <p:cNvPr id="74" name="Isosceles Triangle 102"/>
-          <p:cNvSpPr/>
-          <p:nvPr/>
-        </p:nvSpPr>
-        <p:spPr>
-          <a:xfrm rot="16200000">
-            <a:off x="793019" y="2952291"/>
-            <a:ext cx="270504" cy="175523"/>
-          </a:xfrm>
-          <a:prstGeom prst="triangle">
-            <a:avLst/>
-          </a:prstGeom>
-          <a:solidFill>
-            <a:srgbClr val="7030A0"/>
-          </a:solidFill>
-          <a:ln w="19050">
-            <a:solidFill>
-              <a:srgbClr val="7030A0"/>
-            </a:solidFill>
-          </a:ln>
-          <a:effectLst/>
-        </p:spPr>
-        <p:style>
-          <a:lnRef idx="1">
-            <a:schemeClr val="accent6"/>
-          </a:lnRef>
-          <a:fillRef idx="2">
-            <a:schemeClr val="accent6"/>
-          </a:fillRef>
-          <a:effectRef idx="1">
-            <a:schemeClr val="accent6"/>
-          </a:effectRef>
-          <a:fontRef idx="minor">
-            <a:schemeClr val="dk1"/>
-          </a:fontRef>
-        </p:style>
-        <p:txBody>
-          <a:bodyPr rtlCol="0" anchor="ctr"/>
-          <a:lstStyle/>
-          <a:p>
-            <a:pPr algn="ctr"/>
-            <a:endParaRPr lang="en-SG" sz="1050"/>
-          </a:p>
-        </p:txBody>
-      </p:sp>
-      <p:cxnSp>
-        <p:nvCxnSpPr>
-          <p:cNvPr id="77" name="Straight Arrow Connector 76"/>
-          <p:cNvCxnSpPr>
-            <a:cxnSpLocks/>
-            <a:stCxn id="130" idx="3"/>
-            <a:endCxn id="56" idx="1"/>
-          </p:cNvCxnSpPr>
-          <p:nvPr/>
-        </p:nvCxnSpPr>
-        <p:spPr>
-          <a:xfrm>
-            <a:off x="1806346" y="4852397"/>
-            <a:ext cx="284899" cy="4172"/>
-          </a:xfrm>
-          <a:prstGeom prst="straightConnector1">
-            <a:avLst/>
-          </a:prstGeom>
-          <a:ln w="19050">
-            <a:solidFill>
-              <a:srgbClr val="7030A0"/>
-            </a:solidFill>
-            <a:headEnd type="none" w="med" len="med"/>
-            <a:tailEnd type="arrow" w="med" len="med"/>
-          </a:ln>
-          <a:effectLst/>
-        </p:spPr>
-        <p:style>
-          <a:lnRef idx="1">
-            <a:schemeClr val="accent2"/>
-          </a:lnRef>
-          <a:fillRef idx="2">
-            <a:schemeClr val="accent2"/>
-          </a:fillRef>
-          <a:effectRef idx="1">
-            <a:schemeClr val="accent2"/>
-          </a:effectRef>
-          <a:fontRef idx="minor">
-            <a:schemeClr val="dk1"/>
-          </a:fontRef>
-        </p:style>
-      </p:cxnSp>
-      <p:cxnSp>
-        <p:nvCxnSpPr>
-          <p:cNvPr id="82" name="Elbow Connector 122"/>
-          <p:cNvCxnSpPr/>
-          <p:nvPr/>
-        </p:nvCxnSpPr>
-        <p:spPr>
-          <a:xfrm>
-            <a:off x="76200" y="3040053"/>
-            <a:ext cx="419548" cy="2860"/>
-          </a:xfrm>
-          <a:prstGeom prst="bentConnector3">
-            <a:avLst>
-              <a:gd name="adj1" fmla="val 50000"/>
-            </a:avLst>
-          </a:prstGeom>
-          <a:ln w="19050">
-            <a:solidFill>
-              <a:schemeClr val="bg1">
-                <a:lumMod val="75000"/>
-              </a:schemeClr>
-            </a:solidFill>
-            <a:prstDash val="sysDot"/>
-            <a:headEnd type="none" w="med" len="med"/>
-            <a:tailEnd type="arrow" w="med" len="med"/>
-          </a:ln>
-          <a:effectLst/>
-        </p:spPr>
-        <p:style>
-          <a:lnRef idx="1">
-            <a:schemeClr val="accent2"/>
-          </a:lnRef>
-          <a:fillRef idx="2">
-            <a:schemeClr val="accent2"/>
-          </a:fillRef>
-          <a:effectRef idx="1">
-            <a:schemeClr val="accent2"/>
-          </a:effectRef>
-          <a:fontRef idx="minor">
-            <a:schemeClr val="dk1"/>
-          </a:fontRef>
-        </p:style>
-      </p:cxnSp>
-      <p:cxnSp>
-        <p:nvCxnSpPr>
-          <p:cNvPr id="87" name="Straight Connector 86"/>
-          <p:cNvCxnSpPr/>
-          <p:nvPr/>
-        </p:nvCxnSpPr>
-        <p:spPr>
-          <a:xfrm flipV="1">
-            <a:off x="1016033" y="3040052"/>
-            <a:ext cx="216105" cy="1"/>
-          </a:xfrm>
-          <a:prstGeom prst="line">
-            <a:avLst/>
-          </a:prstGeom>
-          <a:ln w="19050">
-            <a:solidFill>
-              <a:srgbClr val="7030A0"/>
-            </a:solidFill>
-            <a:prstDash val="sysDot"/>
-            <a:headEnd type="none" w="med" len="med"/>
-            <a:tailEnd type="none" w="med" len="med"/>
-          </a:ln>
-          <a:effectLst/>
-        </p:spPr>
-        <p:style>
-          <a:lnRef idx="1">
-            <a:schemeClr val="accent2"/>
-          </a:lnRef>
-          <a:fillRef idx="2">
-            <a:schemeClr val="accent2"/>
-          </a:fillRef>
-          <a:effectRef idx="1">
-            <a:schemeClr val="accent2"/>
-          </a:effectRef>
-          <a:fontRef idx="minor">
-            <a:schemeClr val="dk1"/>
-          </a:fontRef>
-        </p:style>
-      </p:cxnSp>
-      <p:sp>
-        <p:nvSpPr>
-          <p:cNvPr id="88" name="Flowchart: Decision 96"/>
-          <p:cNvSpPr/>
-          <p:nvPr/>
-        </p:nvSpPr>
-        <p:spPr>
-          <a:xfrm>
-            <a:off x="1570298" y="4765707"/>
-            <a:ext cx="236048" cy="173380"/>
-          </a:xfrm>
-          <a:prstGeom prst="flowChartDecision">
-            <a:avLst/>
-          </a:prstGeom>
-          <a:noFill/>
-          <a:ln w="19050">
-            <a:solidFill>
-              <a:srgbClr val="7030A0"/>
-            </a:solidFill>
-          </a:ln>
-          <a:effectLst/>
-        </p:spPr>
-        <p:style>
-          <a:lnRef idx="1">
-            <a:schemeClr val="accent6"/>
-          </a:lnRef>
-          <a:fillRef idx="2">
-            <a:schemeClr val="accent6"/>
-          </a:fillRef>
-          <a:effectRef idx="1">
-            <a:schemeClr val="accent6"/>
-          </a:effectRef>
-          <a:fontRef idx="minor">
-            <a:schemeClr val="dk1"/>
-          </a:fontRef>
-        </p:style>
-        <p:txBody>
-          <a:bodyPr rtlCol="0" anchor="ctr"/>
-          <a:lstStyle/>
-          <a:p>
-            <a:pPr algn="ctr"/>
-            <a:endParaRPr lang="en-US" sz="1050"/>
-          </a:p>
-        </p:txBody>
-      </p:sp>
-      <p:sp>
-        <p:nvSpPr>
-          <p:cNvPr id="89" name="Rectangle 8"/>
-          <p:cNvSpPr/>
-          <p:nvPr/>
-        </p:nvSpPr>
-        <p:spPr>
-          <a:xfrm>
-            <a:off x="1991389" y="2846162"/>
-            <a:ext cx="1490560" cy="334856"/>
-          </a:xfrm>
-          <a:prstGeom prst="rect">
-            <a:avLst/>
-          </a:prstGeom>
-          <a:ln w="19050">
-            <a:solidFill>
-              <a:srgbClr val="7030A0"/>
-            </a:solidFill>
-          </a:ln>
-          <a:effectLst/>
-        </p:spPr>
-        <p:style>
-          <a:lnRef idx="1">
-            <a:schemeClr val="accent4"/>
-          </a:lnRef>
-          <a:fillRef idx="2">
-            <a:schemeClr val="accent4"/>
-          </a:fillRef>
-          <a:effectRef idx="1">
-            <a:schemeClr val="accent4"/>
-          </a:effectRef>
-          <a:fontRef idx="minor">
-            <a:schemeClr val="dk1"/>
-          </a:fontRef>
-        </p:style>
-        <p:txBody>
-          <a:bodyPr rtlCol="0" anchor="ctr"/>
-          <a:lstStyle/>
-          <a:p>
-            <a:pPr algn="ctr"/>
-            <a:r>
-              <a:rPr lang="en-US" sz="1050" dirty="0" smtClean="0">
-                <a:solidFill>
-                  <a:srgbClr val="7030A0"/>
-                </a:solidFill>
-              </a:rPr>
-              <a:t>RestOrRant</a:t>
-            </a:r>
-            <a:endParaRPr lang="en-SG" sz="1050" dirty="0">
-              <a:solidFill>
-                <a:srgbClr val="7030A0"/>
-              </a:solidFill>
-            </a:endParaRPr>
-          </a:p>
-        </p:txBody>
-      </p:sp>
-      <p:cxnSp>
-        <p:nvCxnSpPr>
-          <p:cNvPr id="90" name="Straight Arrow Connector 89"/>
-          <p:cNvCxnSpPr>
-            <a:stCxn id="136" idx="3"/>
-            <a:endCxn id="134" idx="1"/>
-          </p:cNvCxnSpPr>
-          <p:nvPr/>
-        </p:nvCxnSpPr>
-        <p:spPr>
-          <a:xfrm>
-            <a:off x="1790469" y="3003033"/>
-            <a:ext cx="200920" cy="10557"/>
-          </a:xfrm>
-          <a:prstGeom prst="straightConnector1">
-            <a:avLst/>
-          </a:prstGeom>
-          <a:ln w="19050">
-            <a:solidFill>
-              <a:srgbClr val="7030A0"/>
-            </a:solidFill>
-            <a:headEnd type="none" w="med" len="med"/>
-            <a:tailEnd type="arrow" w="med" len="med"/>
-          </a:ln>
-          <a:effectLst/>
-        </p:spPr>
-        <p:style>
-          <a:lnRef idx="1">
-            <a:schemeClr val="accent2"/>
-          </a:lnRef>
-          <a:fillRef idx="2">
-            <a:schemeClr val="accent2"/>
-          </a:fillRef>
-          <a:effectRef idx="1">
-            <a:schemeClr val="accent2"/>
-          </a:effectRef>
-          <a:fontRef idx="minor">
-            <a:schemeClr val="dk1"/>
-          </a:fontRef>
-        </p:style>
-      </p:cxnSp>
-      <p:sp>
-        <p:nvSpPr>
-          <p:cNvPr id="91" name="Flowchart: Decision 96"/>
-          <p:cNvSpPr/>
-          <p:nvPr/>
-        </p:nvSpPr>
-        <p:spPr>
-          <a:xfrm>
-            <a:off x="1554421" y="2916343"/>
-            <a:ext cx="236048" cy="173380"/>
-          </a:xfrm>
-          <a:prstGeom prst="flowChartDecision">
-            <a:avLst/>
-          </a:prstGeom>
-          <a:noFill/>
-          <a:ln w="19050">
-            <a:solidFill>
-              <a:srgbClr val="7030A0"/>
-            </a:solidFill>
-          </a:ln>
-          <a:effectLst/>
-        </p:spPr>
-        <p:style>
-          <a:lnRef idx="1">
-            <a:schemeClr val="accent6"/>
-          </a:lnRef>
-          <a:fillRef idx="2">
-            <a:schemeClr val="accent6"/>
-          </a:fillRef>
-          <a:effectRef idx="1">
-            <a:schemeClr val="accent6"/>
-          </a:effectRef>
-          <a:fontRef idx="minor">
-            <a:schemeClr val="dk1"/>
-          </a:fontRef>
-        </p:style>
-        <p:txBody>
-          <a:bodyPr rtlCol="0" anchor="ctr"/>
-          <a:lstStyle/>
-          <a:p>
-            <a:pPr algn="ctr"/>
-            <a:endParaRPr lang="en-US" sz="1050"/>
-          </a:p>
-        </p:txBody>
-      </p:sp>
-      <p:sp>
-        <p:nvSpPr>
-          <p:cNvPr id="92" name="Rectangle 8"/>
-          <p:cNvSpPr/>
-          <p:nvPr/>
-        </p:nvSpPr>
-        <p:spPr>
-          <a:xfrm>
-            <a:off x="3858759" y="2846162"/>
-            <a:ext cx="1156969" cy="346760"/>
-          </a:xfrm>
-          <a:prstGeom prst="rect">
-            <a:avLst/>
-          </a:prstGeom>
-          <a:ln w="19050">
-            <a:solidFill>
-              <a:srgbClr val="7030A0"/>
-            </a:solidFill>
-          </a:ln>
-          <a:effectLst/>
-        </p:spPr>
-        <p:style>
-          <a:lnRef idx="1">
-            <a:schemeClr val="accent4"/>
-          </a:lnRef>
-          <a:fillRef idx="2">
-            <a:schemeClr val="accent4"/>
-          </a:fillRef>
-          <a:effectRef idx="1">
-            <a:schemeClr val="accent4"/>
-          </a:effectRef>
-          <a:fontRef idx="minor">
-            <a:schemeClr val="dk1"/>
-          </a:fontRef>
-        </p:style>
-        <p:txBody>
-          <a:bodyPr rtlCol="0" anchor="ctr"/>
-          <a:lstStyle/>
-          <a:p>
-            <a:pPr algn="ctr"/>
-            <a:r>
-              <a:rPr lang="en-US" sz="1050" dirty="0" smtClean="0">
-                <a:solidFill>
-                  <a:srgbClr val="7030A0"/>
-                </a:solidFill>
-              </a:rPr>
-              <a:t>UniqueTableList</a:t>
-            </a:r>
-            <a:endParaRPr lang="en-SG" sz="1050" dirty="0">
-              <a:solidFill>
-                <a:srgbClr val="7030A0"/>
-              </a:solidFill>
-            </a:endParaRPr>
-          </a:p>
-        </p:txBody>
-      </p:sp>
-      <p:sp>
-        <p:nvSpPr>
-          <p:cNvPr id="93" name="Flowchart: Decision 96"/>
-          <p:cNvSpPr/>
-          <p:nvPr/>
-        </p:nvSpPr>
-        <p:spPr>
-          <a:xfrm>
-            <a:off x="3491081" y="2920532"/>
-            <a:ext cx="236048" cy="173380"/>
-          </a:xfrm>
-          <a:prstGeom prst="flowChartDecision">
-            <a:avLst/>
-          </a:prstGeom>
-          <a:solidFill>
-            <a:srgbClr val="7030A0"/>
-          </a:solidFill>
-          <a:ln w="19050">
-            <a:solidFill>
-              <a:srgbClr val="7030A0"/>
-            </a:solidFill>
-          </a:ln>
-          <a:effectLst/>
-        </p:spPr>
-        <p:style>
-          <a:lnRef idx="1">
-            <a:schemeClr val="accent6"/>
-          </a:lnRef>
-          <a:fillRef idx="2">
-            <a:schemeClr val="accent6"/>
-          </a:fillRef>
-          <a:effectRef idx="1">
-            <a:schemeClr val="accent6"/>
-          </a:effectRef>
-          <a:fontRef idx="minor">
-            <a:schemeClr val="dk1"/>
-          </a:fontRef>
-        </p:style>
-        <p:txBody>
-          <a:bodyPr rtlCol="0" anchor="ctr"/>
-          <a:lstStyle/>
-          <a:p>
-            <a:pPr algn="ctr"/>
-            <a:endParaRPr lang="en-US" sz="1050"/>
-          </a:p>
-        </p:txBody>
-      </p:sp>
-      <p:sp>
-        <p:nvSpPr>
-          <p:cNvPr id="94" name="Rectangle 8"/>
-          <p:cNvSpPr/>
-          <p:nvPr/>
-        </p:nvSpPr>
-        <p:spPr>
-          <a:xfrm>
-            <a:off x="5479786" y="2858066"/>
-            <a:ext cx="708186" cy="346760"/>
-          </a:xfrm>
-          <a:prstGeom prst="rect">
-            <a:avLst/>
-          </a:prstGeom>
-          <a:ln w="19050">
-            <a:solidFill>
-              <a:srgbClr val="7030A0"/>
-            </a:solidFill>
-          </a:ln>
-          <a:effectLst/>
-        </p:spPr>
-        <p:style>
-          <a:lnRef idx="1">
-            <a:schemeClr val="accent4"/>
-          </a:lnRef>
-          <a:fillRef idx="2">
-            <a:schemeClr val="accent4"/>
-          </a:fillRef>
-          <a:effectRef idx="1">
-            <a:schemeClr val="accent4"/>
-          </a:effectRef>
-          <a:fontRef idx="minor">
-            <a:schemeClr val="dk1"/>
-          </a:fontRef>
-        </p:style>
-        <p:txBody>
-          <a:bodyPr rtlCol="0" anchor="ctr"/>
-          <a:lstStyle/>
-          <a:p>
-            <a:pPr algn="ctr"/>
-            <a:r>
-              <a:rPr lang="en-US" sz="1050" dirty="0" smtClean="0">
-                <a:solidFill>
-                  <a:srgbClr val="7030A0"/>
-                </a:solidFill>
-              </a:rPr>
-              <a:t>Table</a:t>
-            </a:r>
-            <a:endParaRPr lang="en-SG" sz="1050" dirty="0">
-              <a:solidFill>
-                <a:srgbClr val="7030A0"/>
-              </a:solidFill>
-            </a:endParaRPr>
-          </a:p>
-        </p:txBody>
-      </p:sp>
-      <p:sp>
-        <p:nvSpPr>
-          <p:cNvPr id="95" name="Flowchart: Decision 96"/>
-          <p:cNvSpPr/>
-          <p:nvPr/>
-        </p:nvSpPr>
-        <p:spPr>
-          <a:xfrm>
-            <a:off x="5024860" y="2941676"/>
-            <a:ext cx="236048" cy="173380"/>
-          </a:xfrm>
-          <a:prstGeom prst="flowChartDecision">
-            <a:avLst/>
-          </a:prstGeom>
-          <a:noFill/>
-          <a:ln w="19050">
-            <a:solidFill>
-              <a:srgbClr val="7030A0"/>
-            </a:solidFill>
-          </a:ln>
-          <a:effectLst/>
-        </p:spPr>
-        <p:style>
-          <a:lnRef idx="1">
-            <a:schemeClr val="accent6"/>
-          </a:lnRef>
-          <a:fillRef idx="2">
-            <a:schemeClr val="accent6"/>
-          </a:fillRef>
-          <a:effectRef idx="1">
-            <a:schemeClr val="accent6"/>
-          </a:effectRef>
-          <a:fontRef idx="minor">
-            <a:schemeClr val="dk1"/>
-          </a:fontRef>
-        </p:style>
-        <p:txBody>
-          <a:bodyPr rtlCol="0" anchor="ctr"/>
-          <a:lstStyle/>
-          <a:p>
-            <a:pPr algn="ctr"/>
-            <a:endParaRPr lang="en-US" sz="1050"/>
-          </a:p>
-        </p:txBody>
-      </p:sp>
-      <p:cxnSp>
-        <p:nvCxnSpPr>
-          <p:cNvPr id="96" name="Elbow Connector 95"/>
-          <p:cNvCxnSpPr>
-            <a:stCxn id="151" idx="3"/>
-            <a:endCxn id="150" idx="1"/>
-          </p:cNvCxnSpPr>
-          <p:nvPr/>
-        </p:nvCxnSpPr>
-        <p:spPr>
-          <a:xfrm>
-            <a:off x="5260908" y="3028366"/>
-            <a:ext cx="218878" cy="3080"/>
-          </a:xfrm>
-          <a:prstGeom prst="bentConnector3">
-            <a:avLst/>
-          </a:prstGeom>
-          <a:ln w="19050">
-            <a:solidFill>
-              <a:srgbClr val="7030A0"/>
-            </a:solidFill>
-            <a:headEnd type="none" w="med" len="med"/>
-            <a:tailEnd type="arrow" w="med" len="med"/>
-          </a:ln>
-          <a:effectLst/>
-        </p:spPr>
-        <p:style>
-          <a:lnRef idx="1">
-            <a:schemeClr val="accent2"/>
-          </a:lnRef>
-          <a:fillRef idx="2">
-            <a:schemeClr val="accent2"/>
-          </a:fillRef>
-          <a:effectRef idx="1">
-            <a:schemeClr val="accent2"/>
-          </a:effectRef>
-          <a:fontRef idx="minor">
-            <a:schemeClr val="dk1"/>
-          </a:fontRef>
-        </p:style>
-      </p:cxnSp>
-      <p:sp>
-        <p:nvSpPr>
-          <p:cNvPr id="98" name="Rectangle 8"/>
-          <p:cNvSpPr/>
-          <p:nvPr/>
-        </p:nvSpPr>
-        <p:spPr>
-          <a:xfrm>
-            <a:off x="6990807" y="5171570"/>
-            <a:ext cx="708186" cy="285783"/>
-          </a:xfrm>
-          <a:prstGeom prst="rect">
-            <a:avLst/>
-          </a:prstGeom>
-          <a:ln w="19050">
-            <a:solidFill>
-              <a:srgbClr val="7030A0"/>
-            </a:solidFill>
-          </a:ln>
-          <a:effectLst/>
-        </p:spPr>
-        <p:style>
-          <a:lnRef idx="1">
-            <a:schemeClr val="accent4"/>
-          </a:lnRef>
-          <a:fillRef idx="2">
-            <a:schemeClr val="accent4"/>
-          </a:fillRef>
-          <a:effectRef idx="1">
-            <a:schemeClr val="accent4"/>
-          </a:effectRef>
-          <a:fontRef idx="minor">
-            <a:schemeClr val="dk1"/>
-          </a:fontRef>
-        </p:style>
-        <p:txBody>
-          <a:bodyPr rtlCol="0" anchor="ctr"/>
-          <a:lstStyle/>
-          <a:p>
-            <a:pPr algn="ctr"/>
-            <a:r>
-              <a:rPr lang="en-US" sz="1050" dirty="0" smtClean="0">
-                <a:solidFill>
-                  <a:srgbClr val="7030A0"/>
-                </a:solidFill>
-              </a:rPr>
-              <a:t>Price</a:t>
-            </a:r>
-            <a:endParaRPr lang="en-SG" sz="1050" dirty="0">
-              <a:solidFill>
-                <a:srgbClr val="7030A0"/>
-              </a:solidFill>
-            </a:endParaRPr>
-          </a:p>
-        </p:txBody>
-      </p:sp>
-      <p:sp>
-        <p:nvSpPr>
-          <p:cNvPr id="101" name="Flowchart: Decision 96"/>
-          <p:cNvSpPr/>
-          <p:nvPr/>
-        </p:nvSpPr>
-        <p:spPr>
-          <a:xfrm>
-            <a:off x="6208056" y="2948201"/>
-            <a:ext cx="236048" cy="173380"/>
-          </a:xfrm>
-          <a:prstGeom prst="flowChartDecision">
-            <a:avLst/>
-          </a:prstGeom>
-          <a:solidFill>
-            <a:srgbClr val="7030A0"/>
-          </a:solidFill>
-          <a:ln w="19050">
-            <a:solidFill>
-              <a:srgbClr val="7030A0"/>
-            </a:solidFill>
-          </a:ln>
-          <a:effectLst/>
-        </p:spPr>
-        <p:style>
-          <a:lnRef idx="1">
-            <a:schemeClr val="accent6"/>
-          </a:lnRef>
-          <a:fillRef idx="2">
-            <a:schemeClr val="accent6"/>
-          </a:fillRef>
-          <a:effectRef idx="1">
-            <a:schemeClr val="accent6"/>
-          </a:effectRef>
-          <a:fontRef idx="minor">
-            <a:schemeClr val="dk1"/>
-          </a:fontRef>
-        </p:style>
-        <p:txBody>
-          <a:bodyPr rtlCol="0" anchor="ctr"/>
-          <a:lstStyle/>
-          <a:p>
-            <a:pPr algn="ctr"/>
-            <a:endParaRPr lang="en-US" sz="1050"/>
-          </a:p>
-        </p:txBody>
-      </p:sp>
-      <p:sp>
-        <p:nvSpPr>
-          <p:cNvPr id="102" name="Rectangle 8"/>
-          <p:cNvSpPr/>
-          <p:nvPr/>
-        </p:nvSpPr>
-        <p:spPr>
-          <a:xfrm>
-            <a:off x="6878505" y="2177586"/>
-            <a:ext cx="1426435" cy="318194"/>
-          </a:xfrm>
-          <a:prstGeom prst="rect">
-            <a:avLst/>
-          </a:prstGeom>
-          <a:ln w="19050">
-            <a:solidFill>
-              <a:srgbClr val="7030A0"/>
-            </a:solidFill>
-          </a:ln>
-          <a:effectLst/>
-        </p:spPr>
-        <p:style>
-          <a:lnRef idx="1">
-            <a:schemeClr val="accent4"/>
-          </a:lnRef>
-          <a:fillRef idx="2">
-            <a:schemeClr val="accent4"/>
-          </a:fillRef>
-          <a:effectRef idx="1">
-            <a:schemeClr val="accent4"/>
-          </a:effectRef>
-          <a:fontRef idx="minor">
-            <a:schemeClr val="dk1"/>
-          </a:fontRef>
-        </p:style>
-        <p:txBody>
-          <a:bodyPr rtlCol="0" anchor="ctr"/>
-          <a:lstStyle/>
-          <a:p>
-            <a:pPr algn="ctr"/>
-            <a:r>
-              <a:rPr lang="en-US" sz="1050" dirty="0" smtClean="0">
-                <a:solidFill>
-                  <a:srgbClr val="7030A0"/>
-                </a:solidFill>
-              </a:rPr>
-              <a:t>UniqueOrderItemList</a:t>
-            </a:r>
-            <a:endParaRPr lang="en-SG" sz="1050" dirty="0">
-              <a:solidFill>
-                <a:srgbClr val="7030A0"/>
-              </a:solidFill>
-            </a:endParaRPr>
-          </a:p>
-        </p:txBody>
-      </p:sp>
-      <p:cxnSp>
-        <p:nvCxnSpPr>
-          <p:cNvPr id="103" name="Elbow Connector 102"/>
-          <p:cNvCxnSpPr/>
-          <p:nvPr/>
-        </p:nvCxnSpPr>
-        <p:spPr>
-          <a:xfrm flipV="1">
-            <a:off x="6444104" y="2336683"/>
-            <a:ext cx="434401" cy="698208"/>
-          </a:xfrm>
-          <a:prstGeom prst="bentConnector3">
-            <a:avLst/>
-          </a:prstGeom>
-          <a:ln w="19050">
-            <a:solidFill>
-              <a:srgbClr val="7030A0"/>
-            </a:solidFill>
-            <a:headEnd type="none" w="med" len="med"/>
-            <a:tailEnd type="arrow" w="med" len="med"/>
-          </a:ln>
-          <a:effectLst/>
-        </p:spPr>
-        <p:style>
-          <a:lnRef idx="1">
-            <a:schemeClr val="accent2"/>
-          </a:lnRef>
-          <a:fillRef idx="2">
-            <a:schemeClr val="accent2"/>
-          </a:fillRef>
-          <a:effectRef idx="1">
-            <a:schemeClr val="accent2"/>
-          </a:effectRef>
-          <a:fontRef idx="minor">
-            <a:schemeClr val="dk1"/>
-          </a:fontRef>
-        </p:style>
-      </p:cxnSp>
-      <p:sp>
-        <p:nvSpPr>
-          <p:cNvPr id="104" name="Rectangle 8"/>
-          <p:cNvSpPr/>
-          <p:nvPr/>
-        </p:nvSpPr>
-        <p:spPr>
-          <a:xfrm>
-            <a:off x="6990807" y="4829271"/>
-            <a:ext cx="708186" cy="285783"/>
-          </a:xfrm>
-          <a:prstGeom prst="rect">
-            <a:avLst/>
-          </a:prstGeom>
-          <a:ln w="19050">
-            <a:solidFill>
-              <a:srgbClr val="7030A0"/>
-            </a:solidFill>
-          </a:ln>
-          <a:effectLst/>
-        </p:spPr>
-        <p:style>
-          <a:lnRef idx="1">
-            <a:schemeClr val="accent4"/>
-          </a:lnRef>
-          <a:fillRef idx="2">
-            <a:schemeClr val="accent4"/>
-          </a:fillRef>
-          <a:effectRef idx="1">
-            <a:schemeClr val="accent4"/>
-          </a:effectRef>
-          <a:fontRef idx="minor">
-            <a:schemeClr val="dk1"/>
-          </a:fontRef>
-        </p:style>
-        <p:txBody>
-          <a:bodyPr rtlCol="0" anchor="ctr"/>
-          <a:lstStyle/>
-          <a:p>
-            <a:pPr algn="ctr"/>
-            <a:r>
-              <a:rPr lang="en-US" sz="1050" dirty="0" smtClean="0">
-                <a:solidFill>
-                  <a:srgbClr val="7030A0"/>
-                </a:solidFill>
-              </a:rPr>
-              <a:t>Name</a:t>
-            </a:r>
-            <a:endParaRPr lang="en-SG" sz="1050" dirty="0">
-              <a:solidFill>
-                <a:srgbClr val="7030A0"/>
-              </a:solidFill>
-            </a:endParaRPr>
-          </a:p>
-        </p:txBody>
-      </p:sp>
-      <p:cxnSp>
-        <p:nvCxnSpPr>
-          <p:cNvPr id="105" name="Elbow Connector 63"/>
-          <p:cNvCxnSpPr>
-            <a:cxnSpLocks/>
-          </p:cNvCxnSpPr>
-          <p:nvPr/>
-        </p:nvCxnSpPr>
-        <p:spPr>
-          <a:xfrm rot="16200000" flipH="1">
-            <a:off x="2732563" y="2680653"/>
-            <a:ext cx="274076" cy="1"/>
-          </a:xfrm>
-          <a:prstGeom prst="bentConnector3">
-            <a:avLst>
-              <a:gd name="adj1" fmla="val 50000"/>
-            </a:avLst>
-          </a:prstGeom>
-          <a:ln w="19050">
-            <a:solidFill>
-              <a:srgbClr val="7030A0"/>
-            </a:solidFill>
-            <a:prstDash val="sysDot"/>
-            <a:headEnd type="none" w="med" len="med"/>
-            <a:tailEnd type="none" w="med" len="med"/>
-          </a:ln>
-          <a:effectLst/>
-        </p:spPr>
-        <p:style>
-          <a:lnRef idx="1">
-            <a:schemeClr val="accent2"/>
-          </a:lnRef>
-          <a:fillRef idx="2">
-            <a:schemeClr val="accent2"/>
-          </a:fillRef>
-          <a:effectRef idx="1">
-            <a:schemeClr val="accent2"/>
-          </a:effectRef>
-          <a:fontRef idx="minor">
-            <a:schemeClr val="dk1"/>
-          </a:fontRef>
-        </p:style>
-      </p:cxnSp>
-      <p:sp>
-        <p:nvSpPr>
-          <p:cNvPr id="106" name="Isosceles Triangle 102"/>
-          <p:cNvSpPr/>
-          <p:nvPr/>
-        </p:nvSpPr>
-        <p:spPr>
-          <a:xfrm rot="10800000" flipV="1">
-            <a:off x="2728408" y="2386554"/>
-            <a:ext cx="282387" cy="157062"/>
-          </a:xfrm>
-          <a:prstGeom prst="triangle">
-            <a:avLst/>
-          </a:prstGeom>
-          <a:solidFill>
-            <a:schemeClr val="accent4">
-              <a:lumMod val="20000"/>
-              <a:lumOff val="80000"/>
-            </a:schemeClr>
-          </a:solidFill>
-          <a:ln w="19050">
-            <a:solidFill>
-              <a:srgbClr val="7030A0"/>
-            </a:solidFill>
-          </a:ln>
-          <a:effectLst/>
-        </p:spPr>
-        <p:style>
-          <a:lnRef idx="1">
-            <a:schemeClr val="accent4"/>
-          </a:lnRef>
-          <a:fillRef idx="2">
-            <a:schemeClr val="accent4"/>
-          </a:fillRef>
-          <a:effectRef idx="1">
-            <a:schemeClr val="accent4"/>
-          </a:effectRef>
-          <a:fontRef idx="minor">
-            <a:schemeClr val="dk1"/>
-          </a:fontRef>
-        </p:style>
-        <p:txBody>
-          <a:bodyPr rtlCol="0" anchor="ctr"/>
-          <a:lstStyle/>
-          <a:p>
-            <a:pPr algn="ctr"/>
-            <a:endParaRPr lang="en-SG" sz="1050" b="1">
-              <a:solidFill>
-                <a:srgbClr val="92D050"/>
-              </a:solidFill>
-            </a:endParaRPr>
-          </a:p>
-        </p:txBody>
-      </p:sp>
-      <p:sp>
-        <p:nvSpPr>
-          <p:cNvPr id="108" name="Rectangle 8"/>
-          <p:cNvSpPr/>
-          <p:nvPr/>
-        </p:nvSpPr>
-        <p:spPr>
-          <a:xfrm>
-            <a:off x="2136876" y="1997804"/>
-            <a:ext cx="1443661" cy="364396"/>
-          </a:xfrm>
-          <a:prstGeom prst="rect">
-            <a:avLst/>
-          </a:prstGeom>
-          <a:ln w="19050">
-            <a:solidFill>
-              <a:srgbClr val="7030A0"/>
-            </a:solidFill>
-          </a:ln>
-          <a:effectLst/>
-        </p:spPr>
-        <p:style>
-          <a:lnRef idx="1">
-            <a:schemeClr val="accent4"/>
-          </a:lnRef>
-          <a:fillRef idx="2">
-            <a:schemeClr val="accent4"/>
-          </a:fillRef>
-          <a:effectRef idx="1">
-            <a:schemeClr val="accent4"/>
-          </a:effectRef>
-          <a:fontRef idx="minor">
-            <a:schemeClr val="dk1"/>
-          </a:fontRef>
-        </p:style>
-        <p:txBody>
-          <a:bodyPr rtlCol="0" anchor="ctr"/>
-          <a:lstStyle/>
-          <a:p>
-            <a:pPr algn="ctr"/>
-            <a:r>
-              <a:rPr lang="en-US" sz="1050" dirty="0">
-                <a:solidFill>
-                  <a:srgbClr val="7030A0"/>
-                </a:solidFill>
-              </a:rPr>
-              <a:t>&lt;&lt;interface&gt;&gt;</a:t>
-            </a:r>
-            <a:br>
-              <a:rPr lang="en-US" sz="1050" dirty="0">
-                <a:solidFill>
-                  <a:srgbClr val="7030A0"/>
-                </a:solidFill>
-              </a:rPr>
-            </a:br>
-            <a:r>
-              <a:rPr lang="en-US" sz="1050" dirty="0" smtClean="0">
-                <a:solidFill>
-                  <a:srgbClr val="7030A0"/>
-                </a:solidFill>
-              </a:rPr>
-              <a:t>ReadOnlyRestOrRant</a:t>
-            </a:r>
-            <a:endParaRPr lang="en-SG" sz="1050" dirty="0">
-              <a:solidFill>
-                <a:srgbClr val="7030A0"/>
-              </a:solidFill>
-            </a:endParaRPr>
-          </a:p>
-        </p:txBody>
-      </p:sp>
-      <p:sp>
-        <p:nvSpPr>
-          <p:cNvPr id="109" name="Rectangle 8"/>
-          <p:cNvSpPr/>
-          <p:nvPr/>
-        </p:nvSpPr>
-        <p:spPr>
-          <a:xfrm>
-            <a:off x="824129" y="5506729"/>
-            <a:ext cx="1066800" cy="322410"/>
-          </a:xfrm>
-          <a:prstGeom prst="rect">
-            <a:avLst/>
-          </a:prstGeom>
-          <a:ln w="19050">
-            <a:solidFill>
-              <a:srgbClr val="7030A0"/>
-            </a:solidFill>
-          </a:ln>
-          <a:effectLst/>
-        </p:spPr>
-        <p:style>
-          <a:lnRef idx="1">
-            <a:schemeClr val="accent4"/>
-          </a:lnRef>
-          <a:fillRef idx="2">
-            <a:schemeClr val="accent4"/>
-          </a:fillRef>
-          <a:effectRef idx="1">
-            <a:schemeClr val="accent4"/>
-          </a:effectRef>
-          <a:fontRef idx="minor">
-            <a:schemeClr val="dk1"/>
-          </a:fontRef>
-        </p:style>
-        <p:txBody>
-          <a:bodyPr rtlCol="0" anchor="ctr"/>
-          <a:lstStyle/>
-          <a:p>
-            <a:pPr algn="ctr"/>
-            <a:r>
-              <a:rPr lang="en-US" sz="1050" dirty="0">
-                <a:solidFill>
-                  <a:srgbClr val="7030A0"/>
-                </a:solidFill>
-              </a:rPr>
-              <a:t>&lt;&lt;interface&gt;&gt;</a:t>
-            </a:r>
-            <a:br>
-              <a:rPr lang="en-US" sz="1050" dirty="0">
-                <a:solidFill>
-                  <a:srgbClr val="7030A0"/>
-                </a:solidFill>
-              </a:rPr>
-            </a:br>
-            <a:r>
-              <a:rPr lang="en-US" sz="1050" dirty="0">
-                <a:solidFill>
-                  <a:srgbClr val="7030A0"/>
-                </a:solidFill>
-              </a:rPr>
-              <a:t>ObservableList</a:t>
-            </a:r>
-            <a:endParaRPr lang="en-SG" sz="1050" dirty="0">
-              <a:solidFill>
-                <a:srgbClr val="7030A0"/>
-              </a:solidFill>
-            </a:endParaRPr>
-          </a:p>
-        </p:txBody>
-      </p:sp>
-      <p:cxnSp>
-        <p:nvCxnSpPr>
-          <p:cNvPr id="110" name="Elbow Connector 122"/>
-          <p:cNvCxnSpPr/>
-          <p:nvPr/>
-        </p:nvCxnSpPr>
-        <p:spPr>
-          <a:xfrm rot="16200000" flipH="1">
-            <a:off x="-296638" y="4547167"/>
-            <a:ext cx="2086534" cy="155000"/>
-          </a:xfrm>
-          <a:prstGeom prst="bentConnector2">
-            <a:avLst/>
-          </a:prstGeom>
-          <a:ln w="19050">
-            <a:solidFill>
-              <a:srgbClr val="7030A0"/>
-            </a:solidFill>
-            <a:prstDash val="sysDot"/>
-            <a:headEnd type="none" w="med" len="med"/>
-            <a:tailEnd type="arrow" w="med" len="med"/>
-          </a:ln>
-          <a:effectLst/>
-        </p:spPr>
-        <p:style>
-          <a:lnRef idx="1">
-            <a:schemeClr val="accent2"/>
-          </a:lnRef>
-          <a:fillRef idx="2">
-            <a:schemeClr val="accent2"/>
-          </a:fillRef>
-          <a:effectRef idx="1">
-            <a:schemeClr val="accent2"/>
-          </a:effectRef>
-          <a:fontRef idx="minor">
-            <a:schemeClr val="dk1"/>
-          </a:fontRef>
-        </p:style>
-      </p:cxnSp>
-      <p:sp>
-        <p:nvSpPr>
-          <p:cNvPr id="111" name="TextBox 110"/>
-          <p:cNvSpPr txBox="1"/>
-          <p:nvPr/>
-        </p:nvSpPr>
-        <p:spPr>
-          <a:xfrm>
-            <a:off x="3647165" y="2783654"/>
-            <a:ext cx="189257" cy="178683"/>
-          </a:xfrm>
-          <a:prstGeom prst="rect">
-            <a:avLst/>
-          </a:prstGeom>
-          <a:noFill/>
-        </p:spPr>
-        <p:txBody>
-          <a:bodyPr wrap="square" lIns="0" tIns="0" rIns="0" bIns="0" rtlCol="0">
-            <a:noAutofit/>
-          </a:bodyPr>
-          <a:lstStyle/>
-          <a:p>
-            <a:pPr algn="ctr"/>
-            <a:r>
-              <a:rPr lang="en-US" sz="1100" dirty="0">
-                <a:solidFill>
-                  <a:srgbClr val="7030A0"/>
-                </a:solidFill>
-              </a:rPr>
-              <a:t>1</a:t>
-            </a:r>
-            <a:endParaRPr lang="en-SG" sz="1100" dirty="0">
-              <a:solidFill>
-                <a:srgbClr val="7030A0"/>
-              </a:solidFill>
-            </a:endParaRPr>
-          </a:p>
-        </p:txBody>
-      </p:sp>
-      <p:sp>
-        <p:nvSpPr>
-          <p:cNvPr id="112" name="TextBox 111"/>
-          <p:cNvSpPr txBox="1"/>
-          <p:nvPr/>
-        </p:nvSpPr>
-        <p:spPr>
-          <a:xfrm>
-            <a:off x="5257800" y="2819400"/>
-            <a:ext cx="189257" cy="178683"/>
-          </a:xfrm>
-          <a:prstGeom prst="rect">
-            <a:avLst/>
-          </a:prstGeom>
-          <a:noFill/>
-        </p:spPr>
-        <p:txBody>
-          <a:bodyPr wrap="square" lIns="0" tIns="0" rIns="0" bIns="0" rtlCol="0">
-            <a:noAutofit/>
-          </a:bodyPr>
-          <a:lstStyle/>
-          <a:p>
-            <a:pPr algn="ctr"/>
-            <a:r>
-              <a:rPr lang="en-US" sz="1100" dirty="0">
-                <a:solidFill>
-                  <a:srgbClr val="7030A0"/>
-                </a:solidFill>
-              </a:rPr>
-              <a:t>*</a:t>
-            </a:r>
-            <a:endParaRPr lang="en-SG" sz="1100" dirty="0">
-              <a:solidFill>
-                <a:srgbClr val="7030A0"/>
-              </a:solidFill>
-            </a:endParaRPr>
-          </a:p>
-        </p:txBody>
-      </p:sp>
-      <p:sp>
-        <p:nvSpPr>
-          <p:cNvPr id="113" name="TextBox 112"/>
-          <p:cNvSpPr txBox="1"/>
-          <p:nvPr/>
-        </p:nvSpPr>
-        <p:spPr>
-          <a:xfrm>
-            <a:off x="1811090" y="2756715"/>
-            <a:ext cx="170110" cy="137542"/>
-          </a:xfrm>
-          <a:prstGeom prst="rect">
-            <a:avLst/>
-          </a:prstGeom>
-          <a:noFill/>
-        </p:spPr>
-        <p:txBody>
-          <a:bodyPr wrap="square" lIns="0" tIns="0" rIns="0" bIns="0" rtlCol="0">
-            <a:noAutofit/>
-          </a:bodyPr>
-          <a:lstStyle/>
-          <a:p>
-            <a:pPr algn="ctr"/>
-            <a:r>
-              <a:rPr lang="en-US" sz="1100" dirty="0">
-                <a:solidFill>
-                  <a:srgbClr val="7030A0"/>
-                </a:solidFill>
-              </a:rPr>
-              <a:t>1</a:t>
-            </a:r>
-            <a:endParaRPr lang="en-SG" sz="1100" dirty="0">
-              <a:solidFill>
-                <a:srgbClr val="7030A0"/>
-              </a:solidFill>
-            </a:endParaRPr>
-          </a:p>
-        </p:txBody>
-      </p:sp>
-      <p:sp>
-        <p:nvSpPr>
-          <p:cNvPr id="115" name="TextBox 114"/>
-          <p:cNvSpPr txBox="1"/>
-          <p:nvPr/>
-        </p:nvSpPr>
-        <p:spPr>
-          <a:xfrm>
-            <a:off x="1872452" y="4621917"/>
-            <a:ext cx="189257" cy="178683"/>
-          </a:xfrm>
-          <a:prstGeom prst="rect">
-            <a:avLst/>
-          </a:prstGeom>
-          <a:noFill/>
-        </p:spPr>
-        <p:txBody>
-          <a:bodyPr wrap="square" lIns="0" tIns="0" rIns="0" bIns="0" rtlCol="0">
-            <a:noAutofit/>
-          </a:bodyPr>
-          <a:lstStyle/>
-          <a:p>
-            <a:pPr algn="ctr"/>
-            <a:r>
-              <a:rPr lang="en-US" sz="1100" dirty="0">
-                <a:solidFill>
-                  <a:srgbClr val="7030A0"/>
-                </a:solidFill>
-              </a:rPr>
-              <a:t>1</a:t>
-            </a:r>
-            <a:endParaRPr lang="en-SG" sz="1100" dirty="0">
-              <a:solidFill>
-                <a:srgbClr val="7030A0"/>
-              </a:solidFill>
-            </a:endParaRPr>
-          </a:p>
-        </p:txBody>
-      </p:sp>
-      <p:sp>
-        <p:nvSpPr>
-          <p:cNvPr id="116" name="TextBox 115"/>
-          <p:cNvSpPr txBox="1"/>
-          <p:nvPr/>
-        </p:nvSpPr>
-        <p:spPr>
-          <a:xfrm>
-            <a:off x="6694091" y="1726317"/>
-            <a:ext cx="189257" cy="178683"/>
-          </a:xfrm>
-          <a:prstGeom prst="rect">
-            <a:avLst/>
-          </a:prstGeom>
-          <a:noFill/>
-        </p:spPr>
-        <p:txBody>
-          <a:bodyPr wrap="square" lIns="0" tIns="0" rIns="0" bIns="0" rtlCol="0">
-            <a:noAutofit/>
-          </a:bodyPr>
-          <a:lstStyle/>
-          <a:p>
-            <a:pPr algn="ctr"/>
-            <a:r>
-              <a:rPr lang="en-US" sz="1100" dirty="0">
-                <a:solidFill>
-                  <a:srgbClr val="7030A0"/>
-                </a:solidFill>
-              </a:rPr>
-              <a:t>1</a:t>
-            </a:r>
-            <a:endParaRPr lang="en-SG" sz="1100" dirty="0">
-              <a:solidFill>
-                <a:srgbClr val="7030A0"/>
-              </a:solidFill>
-            </a:endParaRPr>
-          </a:p>
-        </p:txBody>
-      </p:sp>
-      <p:sp>
-        <p:nvSpPr>
-          <p:cNvPr id="117" name="Rectangle 8">
-            <a:extLst>
-              <a:ext uri="{FF2B5EF4-FFF2-40B4-BE49-F238E27FC236}">
-                <a16:creationId xmlns="" xmlns:a16="http://schemas.microsoft.com/office/drawing/2014/main" id="{ABDCDBD2-131A-4B66-A2F2-43BBEE82C773}"/>
-              </a:ext>
-            </a:extLst>
-          </p:cNvPr>
-          <p:cNvSpPr/>
-          <p:nvPr/>
-        </p:nvSpPr>
-        <p:spPr>
-          <a:xfrm>
-            <a:off x="6878505" y="1774911"/>
-            <a:ext cx="1426435" cy="336873"/>
-          </a:xfrm>
-          <a:prstGeom prst="rect">
-            <a:avLst/>
-          </a:prstGeom>
-          <a:ln w="19050">
-            <a:solidFill>
-              <a:srgbClr val="7030A0"/>
-            </a:solidFill>
-          </a:ln>
-          <a:effectLst/>
-        </p:spPr>
-        <p:style>
-          <a:lnRef idx="1">
-            <a:schemeClr val="accent4"/>
-          </a:lnRef>
-          <a:fillRef idx="2">
-            <a:schemeClr val="accent4"/>
-          </a:fillRef>
-          <a:effectRef idx="1">
-            <a:schemeClr val="accent4"/>
-          </a:effectRef>
-          <a:fontRef idx="minor">
-            <a:schemeClr val="dk1"/>
-          </a:fontRef>
-        </p:style>
-        <p:txBody>
-          <a:bodyPr rtlCol="0" anchor="ctr"/>
-          <a:lstStyle/>
-          <a:p>
-            <a:pPr algn="ctr"/>
-            <a:r>
-              <a:rPr lang="en-US" sz="1050" dirty="0" smtClean="0">
-                <a:solidFill>
-                  <a:srgbClr val="7030A0"/>
-                </a:solidFill>
-              </a:rPr>
-              <a:t>TableStatus</a:t>
-            </a:r>
-            <a:endParaRPr lang="en-SG" sz="1050" dirty="0">
-              <a:solidFill>
-                <a:srgbClr val="7030A0"/>
-              </a:solidFill>
-            </a:endParaRPr>
-          </a:p>
-        </p:txBody>
-      </p:sp>
-      <p:cxnSp>
-        <p:nvCxnSpPr>
-          <p:cNvPr id="121" name="Elbow Connector 78">
-            <a:extLst>
-              <a:ext uri="{FF2B5EF4-FFF2-40B4-BE49-F238E27FC236}">
-                <a16:creationId xmlns="" xmlns:a16="http://schemas.microsoft.com/office/drawing/2014/main" id="{B97967F8-618A-448B-81FD-CDFD4AF0EC64}"/>
-              </a:ext>
-            </a:extLst>
-          </p:cNvPr>
-          <p:cNvCxnSpPr>
-            <a:cxnSpLocks/>
             <a:endCxn id="140" idx="1"/>
           </p:cNvCxnSpPr>
           <p:nvPr/>
@@ -10251,7 +10251,7 @@
           <p:cNvPr id="125" name="Rectangle 8">
             <a:extLst>
               <a:ext uri="{FF2B5EF4-FFF2-40B4-BE49-F238E27FC236}">
-                <a16:creationId xmlns="" xmlns:a16="http://schemas.microsoft.com/office/drawing/2014/main" id="{6A42DA50-9012-4391-9EF3-285E4FA3FCD8}"/>
+                <a16:creationId xmlns:a16="http://schemas.microsoft.com/office/drawing/2014/main" xmlns="" id="{6A42DA50-9012-4391-9EF3-285E4FA3FCD8}"/>
               </a:ext>
             </a:extLst>
           </p:cNvPr>
@@ -10324,7 +10324,7 @@
           <p:cNvPr id="126" name="Isosceles Triangle 102">
             <a:extLst>
               <a:ext uri="{FF2B5EF4-FFF2-40B4-BE49-F238E27FC236}">
-                <a16:creationId xmlns="" xmlns:a16="http://schemas.microsoft.com/office/drawing/2014/main" id="{B263B2D7-6E76-465E-B40E-7E2A46254A84}"/>
+                <a16:creationId xmlns:a16="http://schemas.microsoft.com/office/drawing/2014/main" xmlns="" id="{B263B2D7-6E76-465E-B40E-7E2A46254A84}"/>
               </a:ext>
             </a:extLst>
           </p:cNvPr>
@@ -10382,7 +10382,7 @@
           <p:cNvPr id="127" name="Elbow Connector 63">
             <a:extLst>
               <a:ext uri="{FF2B5EF4-FFF2-40B4-BE49-F238E27FC236}">
-                <a16:creationId xmlns="" xmlns:a16="http://schemas.microsoft.com/office/drawing/2014/main" id="{BA3A25CD-7C1D-4B3B-B294-1B05ABCFECFD}"/>
+                <a16:creationId xmlns:a16="http://schemas.microsoft.com/office/drawing/2014/main" xmlns="" id="{BA3A25CD-7C1D-4B3B-B294-1B05ABCFECFD}"/>
               </a:ext>
             </a:extLst>
           </p:cNvPr>
@@ -13147,7 +13147,7 @@
           <p:cNvPr id="57" name="Rectangle 8">
             <a:extLst>
               <a:ext uri="{FF2B5EF4-FFF2-40B4-BE49-F238E27FC236}">
-                <a16:creationId xmlns:a16="http://schemas.microsoft.com/office/drawing/2014/main" xmlns="" id="{6A42DA50-9012-4391-9EF3-285E4FA3FCD8}"/>
+                <a16:creationId xmlns="" xmlns:a16="http://schemas.microsoft.com/office/drawing/2014/main" id="{6A42DA50-9012-4391-9EF3-285E4FA3FCD8}"/>
               </a:ext>
             </a:extLst>
           </p:cNvPr>
@@ -13220,7 +13220,7 @@
           <p:cNvPr id="59" name="Isosceles Triangle 102">
             <a:extLst>
               <a:ext uri="{FF2B5EF4-FFF2-40B4-BE49-F238E27FC236}">
-                <a16:creationId xmlns:a16="http://schemas.microsoft.com/office/drawing/2014/main" xmlns="" id="{B263B2D7-6E76-465E-B40E-7E2A46254A84}"/>
+                <a16:creationId xmlns="" xmlns:a16="http://schemas.microsoft.com/office/drawing/2014/main" id="{B263B2D7-6E76-465E-B40E-7E2A46254A84}"/>
               </a:ext>
             </a:extLst>
           </p:cNvPr>
@@ -13278,7 +13278,7 @@
           <p:cNvPr id="67" name="Elbow Connector 63">
             <a:extLst>
               <a:ext uri="{FF2B5EF4-FFF2-40B4-BE49-F238E27FC236}">
-                <a16:creationId xmlns:a16="http://schemas.microsoft.com/office/drawing/2014/main" xmlns="" id="{BA3A25CD-7C1D-4B3B-B294-1B05ABCFECFD}"/>
+                <a16:creationId xmlns="" xmlns:a16="http://schemas.microsoft.com/office/drawing/2014/main" id="{BA3A25CD-7C1D-4B3B-B294-1B05ABCFECFD}"/>
               </a:ext>
             </a:extLst>
           </p:cNvPr>
@@ -14908,7 +14908,7 @@
           <p:cNvPr id="121" name="Rectangle 8">
             <a:extLst>
               <a:ext uri="{FF2B5EF4-FFF2-40B4-BE49-F238E27FC236}">
-                <a16:creationId xmlns:a16="http://schemas.microsoft.com/office/drawing/2014/main" xmlns="" id="{ABDCDBD2-131A-4B66-A2F2-43BBEE82C773}"/>
+                <a16:creationId xmlns="" xmlns:a16="http://schemas.microsoft.com/office/drawing/2014/main" id="{ABDCDBD2-131A-4B66-A2F2-43BBEE82C773}"/>
               </a:ext>
             </a:extLst>
           </p:cNvPr>
@@ -14970,7 +14970,7 @@
           <p:cNvPr id="123" name="Elbow Connector 78">
             <a:extLst>
               <a:ext uri="{FF2B5EF4-FFF2-40B4-BE49-F238E27FC236}">
-                <a16:creationId xmlns:a16="http://schemas.microsoft.com/office/drawing/2014/main" xmlns="" id="{B97967F8-618A-448B-81FD-CDFD4AF0EC64}"/>
+                <a16:creationId xmlns="" xmlns:a16="http://schemas.microsoft.com/office/drawing/2014/main" id="{B97967F8-618A-448B-81FD-CDFD4AF0EC64}"/>
               </a:ext>
             </a:extLst>
           </p:cNvPr>
@@ -15423,7 +15423,7 @@
           <p:cNvPr id="134" name="Elbow Connector 78">
             <a:extLst>
               <a:ext uri="{FF2B5EF4-FFF2-40B4-BE49-F238E27FC236}">
-                <a16:creationId xmlns:a16="http://schemas.microsoft.com/office/drawing/2014/main" xmlns="" id="{B97967F8-618A-448B-81FD-CDFD4AF0EC64}"/>
+                <a16:creationId xmlns="" xmlns:a16="http://schemas.microsoft.com/office/drawing/2014/main" id="{B97967F8-618A-448B-81FD-CDFD4AF0EC64}"/>
               </a:ext>
             </a:extLst>
           </p:cNvPr>
@@ -16071,7 +16071,7 @@
           <p:cNvPr id="148" name="Rectangle 8">
             <a:extLst>
               <a:ext uri="{FF2B5EF4-FFF2-40B4-BE49-F238E27FC236}">
-                <a16:creationId xmlns:a16="http://schemas.microsoft.com/office/drawing/2014/main" xmlns="" id="{ABDCDBD2-131A-4B66-A2F2-43BBEE82C773}"/>
+                <a16:creationId xmlns="" xmlns:a16="http://schemas.microsoft.com/office/drawing/2014/main" id="{ABDCDBD2-131A-4B66-A2F2-43BBEE82C773}"/>
               </a:ext>
             </a:extLst>
           </p:cNvPr>
@@ -16133,7 +16133,7 @@
           <p:cNvPr id="149" name="Elbow Connector 78">
             <a:extLst>
               <a:ext uri="{FF2B5EF4-FFF2-40B4-BE49-F238E27FC236}">
-                <a16:creationId xmlns:a16="http://schemas.microsoft.com/office/drawing/2014/main" xmlns="" id="{B97967F8-618A-448B-81FD-CDFD4AF0EC64}"/>
+                <a16:creationId xmlns="" xmlns:a16="http://schemas.microsoft.com/office/drawing/2014/main" id="{B97967F8-618A-448B-81FD-CDFD4AF0EC64}"/>
               </a:ext>
             </a:extLst>
           </p:cNvPr>
@@ -16183,7 +16183,7 @@
           <p:cNvPr id="151" name="Elbow Connector 78">
             <a:extLst>
               <a:ext uri="{FF2B5EF4-FFF2-40B4-BE49-F238E27FC236}">
-                <a16:creationId xmlns:a16="http://schemas.microsoft.com/office/drawing/2014/main" xmlns="" id="{B97967F8-618A-448B-81FD-CDFD4AF0EC64}"/>
+                <a16:creationId xmlns="" xmlns:a16="http://schemas.microsoft.com/office/drawing/2014/main" id="{B97967F8-618A-448B-81FD-CDFD4AF0EC64}"/>
               </a:ext>
             </a:extLst>
           </p:cNvPr>
@@ -16833,7 +16833,7 @@
           <p:cNvPr id="167" name="Rectangle 8">
             <a:extLst>
               <a:ext uri="{FF2B5EF4-FFF2-40B4-BE49-F238E27FC236}">
-                <a16:creationId xmlns:a16="http://schemas.microsoft.com/office/drawing/2014/main" xmlns="" id="{ABDCDBD2-131A-4B66-A2F2-43BBEE82C773}"/>
+                <a16:creationId xmlns="" xmlns:a16="http://schemas.microsoft.com/office/drawing/2014/main" id="{ABDCDBD2-131A-4B66-A2F2-43BBEE82C773}"/>
               </a:ext>
             </a:extLst>
           </p:cNvPr>
@@ -16895,7 +16895,7 @@
           <p:cNvPr id="168" name="Elbow Connector 78">
             <a:extLst>
               <a:ext uri="{FF2B5EF4-FFF2-40B4-BE49-F238E27FC236}">
-                <a16:creationId xmlns:a16="http://schemas.microsoft.com/office/drawing/2014/main" xmlns="" id="{B97967F8-618A-448B-81FD-CDFD4AF0EC64}"/>
+                <a16:creationId xmlns="" xmlns:a16="http://schemas.microsoft.com/office/drawing/2014/main" id="{B97967F8-618A-448B-81FD-CDFD4AF0EC64}"/>
               </a:ext>
             </a:extLst>
           </p:cNvPr>
@@ -16945,7 +16945,7 @@
           <p:cNvPr id="178" name="Elbow Connector 78">
             <a:extLst>
               <a:ext uri="{FF2B5EF4-FFF2-40B4-BE49-F238E27FC236}">
-                <a16:creationId xmlns:a16="http://schemas.microsoft.com/office/drawing/2014/main" xmlns="" id="{B97967F8-618A-448B-81FD-CDFD4AF0EC64}"/>
+                <a16:creationId xmlns="" xmlns:a16="http://schemas.microsoft.com/office/drawing/2014/main" id="{B97967F8-618A-448B-81FD-CDFD4AF0EC64}"/>
               </a:ext>
             </a:extLst>
           </p:cNvPr>
@@ -16992,7 +16992,7 @@
           <p:cNvPr id="186" name="Elbow Connector 78">
             <a:extLst>
               <a:ext uri="{FF2B5EF4-FFF2-40B4-BE49-F238E27FC236}">
-                <a16:creationId xmlns:a16="http://schemas.microsoft.com/office/drawing/2014/main" xmlns="" id="{B97967F8-618A-448B-81FD-CDFD4AF0EC64}"/>
+                <a16:creationId xmlns="" xmlns:a16="http://schemas.microsoft.com/office/drawing/2014/main" id="{B97967F8-618A-448B-81FD-CDFD4AF0EC64}"/>
               </a:ext>
             </a:extLst>
           </p:cNvPr>
@@ -17040,7 +17040,7 @@
           <p:cNvPr id="191" name="Elbow Connector 78">
             <a:extLst>
               <a:ext uri="{FF2B5EF4-FFF2-40B4-BE49-F238E27FC236}">
-                <a16:creationId xmlns:a16="http://schemas.microsoft.com/office/drawing/2014/main" xmlns="" id="{B97967F8-618A-448B-81FD-CDFD4AF0EC64}"/>
+                <a16:creationId xmlns="" xmlns:a16="http://schemas.microsoft.com/office/drawing/2014/main" id="{B97967F8-618A-448B-81FD-CDFD4AF0EC64}"/>
               </a:ext>
             </a:extLst>
           </p:cNvPr>
@@ -17088,7 +17088,7 @@
           <p:cNvPr id="194" name="Elbow Connector 78">
             <a:extLst>
               <a:ext uri="{FF2B5EF4-FFF2-40B4-BE49-F238E27FC236}">
-                <a16:creationId xmlns:a16="http://schemas.microsoft.com/office/drawing/2014/main" xmlns="" id="{B97967F8-618A-448B-81FD-CDFD4AF0EC64}"/>
+                <a16:creationId xmlns="" xmlns:a16="http://schemas.microsoft.com/office/drawing/2014/main" id="{B97967F8-618A-448B-81FD-CDFD4AF0EC64}"/>
               </a:ext>
             </a:extLst>
           </p:cNvPr>
@@ -18323,7 +18323,7 @@
           <p:cNvPr id="57" name="Rectangle 8">
             <a:extLst>
               <a:ext uri="{FF2B5EF4-FFF2-40B4-BE49-F238E27FC236}">
-                <a16:creationId xmlns:a16="http://schemas.microsoft.com/office/drawing/2014/main" xmlns="" id="{6A42DA50-9012-4391-9EF3-285E4FA3FCD8}"/>
+                <a16:creationId xmlns="" xmlns:a16="http://schemas.microsoft.com/office/drawing/2014/main" id="{6A42DA50-9012-4391-9EF3-285E4FA3FCD8}"/>
               </a:ext>
             </a:extLst>
           </p:cNvPr>
@@ -18396,7 +18396,7 @@
           <p:cNvPr id="59" name="Isosceles Triangle 102">
             <a:extLst>
               <a:ext uri="{FF2B5EF4-FFF2-40B4-BE49-F238E27FC236}">
-                <a16:creationId xmlns:a16="http://schemas.microsoft.com/office/drawing/2014/main" xmlns="" id="{B263B2D7-6E76-465E-B40E-7E2A46254A84}"/>
+                <a16:creationId xmlns="" xmlns:a16="http://schemas.microsoft.com/office/drawing/2014/main" id="{B263B2D7-6E76-465E-B40E-7E2A46254A84}"/>
               </a:ext>
             </a:extLst>
           </p:cNvPr>
@@ -18454,7 +18454,7 @@
           <p:cNvPr id="67" name="Elbow Connector 63">
             <a:extLst>
               <a:ext uri="{FF2B5EF4-FFF2-40B4-BE49-F238E27FC236}">
-                <a16:creationId xmlns:a16="http://schemas.microsoft.com/office/drawing/2014/main" xmlns="" id="{BA3A25CD-7C1D-4B3B-B294-1B05ABCFECFD}"/>
+                <a16:creationId xmlns="" xmlns:a16="http://schemas.microsoft.com/office/drawing/2014/main" id="{BA3A25CD-7C1D-4B3B-B294-1B05ABCFECFD}"/>
               </a:ext>
             </a:extLst>
           </p:cNvPr>
@@ -20084,7 +20084,7 @@
           <p:cNvPr id="121" name="Rectangle 8">
             <a:extLst>
               <a:ext uri="{FF2B5EF4-FFF2-40B4-BE49-F238E27FC236}">
-                <a16:creationId xmlns:a16="http://schemas.microsoft.com/office/drawing/2014/main" xmlns="" id="{ABDCDBD2-131A-4B66-A2F2-43BBEE82C773}"/>
+                <a16:creationId xmlns="" xmlns:a16="http://schemas.microsoft.com/office/drawing/2014/main" id="{ABDCDBD2-131A-4B66-A2F2-43BBEE82C773}"/>
               </a:ext>
             </a:extLst>
           </p:cNvPr>
@@ -20146,7 +20146,7 @@
           <p:cNvPr id="123" name="Elbow Connector 78">
             <a:extLst>
               <a:ext uri="{FF2B5EF4-FFF2-40B4-BE49-F238E27FC236}">
-                <a16:creationId xmlns:a16="http://schemas.microsoft.com/office/drawing/2014/main" xmlns="" id="{B97967F8-618A-448B-81FD-CDFD4AF0EC64}"/>
+                <a16:creationId xmlns="" xmlns:a16="http://schemas.microsoft.com/office/drawing/2014/main" id="{B97967F8-618A-448B-81FD-CDFD4AF0EC64}"/>
               </a:ext>
             </a:extLst>
           </p:cNvPr>
@@ -20599,7 +20599,7 @@
           <p:cNvPr id="134" name="Elbow Connector 78">
             <a:extLst>
               <a:ext uri="{FF2B5EF4-FFF2-40B4-BE49-F238E27FC236}">
-                <a16:creationId xmlns:a16="http://schemas.microsoft.com/office/drawing/2014/main" xmlns="" id="{B97967F8-618A-448B-81FD-CDFD4AF0EC64}"/>
+                <a16:creationId xmlns="" xmlns:a16="http://schemas.microsoft.com/office/drawing/2014/main" id="{B97967F8-618A-448B-81FD-CDFD4AF0EC64}"/>
               </a:ext>
             </a:extLst>
           </p:cNvPr>
@@ -21247,7 +21247,7 @@
           <p:cNvPr id="148" name="Rectangle 8">
             <a:extLst>
               <a:ext uri="{FF2B5EF4-FFF2-40B4-BE49-F238E27FC236}">
-                <a16:creationId xmlns:a16="http://schemas.microsoft.com/office/drawing/2014/main" xmlns="" id="{ABDCDBD2-131A-4B66-A2F2-43BBEE82C773}"/>
+                <a16:creationId xmlns="" xmlns:a16="http://schemas.microsoft.com/office/drawing/2014/main" id="{ABDCDBD2-131A-4B66-A2F2-43BBEE82C773}"/>
               </a:ext>
             </a:extLst>
           </p:cNvPr>
@@ -21309,7 +21309,7 @@
           <p:cNvPr id="149" name="Elbow Connector 78">
             <a:extLst>
               <a:ext uri="{FF2B5EF4-FFF2-40B4-BE49-F238E27FC236}">
-                <a16:creationId xmlns:a16="http://schemas.microsoft.com/office/drawing/2014/main" xmlns="" id="{B97967F8-618A-448B-81FD-CDFD4AF0EC64}"/>
+                <a16:creationId xmlns="" xmlns:a16="http://schemas.microsoft.com/office/drawing/2014/main" id="{B97967F8-618A-448B-81FD-CDFD4AF0EC64}"/>
               </a:ext>
             </a:extLst>
           </p:cNvPr>
@@ -21359,7 +21359,7 @@
           <p:cNvPr id="151" name="Elbow Connector 78">
             <a:extLst>
               <a:ext uri="{FF2B5EF4-FFF2-40B4-BE49-F238E27FC236}">
-                <a16:creationId xmlns:a16="http://schemas.microsoft.com/office/drawing/2014/main" xmlns="" id="{B97967F8-618A-448B-81FD-CDFD4AF0EC64}"/>
+                <a16:creationId xmlns="" xmlns:a16="http://schemas.microsoft.com/office/drawing/2014/main" id="{B97967F8-618A-448B-81FD-CDFD4AF0EC64}"/>
               </a:ext>
             </a:extLst>
           </p:cNvPr>
@@ -22009,7 +22009,7 @@
           <p:cNvPr id="167" name="Rectangle 8">
             <a:extLst>
               <a:ext uri="{FF2B5EF4-FFF2-40B4-BE49-F238E27FC236}">
-                <a16:creationId xmlns:a16="http://schemas.microsoft.com/office/drawing/2014/main" xmlns="" id="{ABDCDBD2-131A-4B66-A2F2-43BBEE82C773}"/>
+                <a16:creationId xmlns="" xmlns:a16="http://schemas.microsoft.com/office/drawing/2014/main" id="{ABDCDBD2-131A-4B66-A2F2-43BBEE82C773}"/>
               </a:ext>
             </a:extLst>
           </p:cNvPr>
@@ -22071,7 +22071,7 @@
           <p:cNvPr id="168" name="Elbow Connector 78">
             <a:extLst>
               <a:ext uri="{FF2B5EF4-FFF2-40B4-BE49-F238E27FC236}">
-                <a16:creationId xmlns:a16="http://schemas.microsoft.com/office/drawing/2014/main" xmlns="" id="{B97967F8-618A-448B-81FD-CDFD4AF0EC64}"/>
+                <a16:creationId xmlns="" xmlns:a16="http://schemas.microsoft.com/office/drawing/2014/main" id="{B97967F8-618A-448B-81FD-CDFD4AF0EC64}"/>
               </a:ext>
             </a:extLst>
           </p:cNvPr>
@@ -22154,8 +22154,8 @@
         </p:nvSpPr>
         <p:spPr>
           <a:xfrm>
-            <a:off x="360970" y="956310"/>
-            <a:ext cx="9544614" cy="5505762"/>
+            <a:off x="381000" y="956310"/>
+            <a:ext cx="10688030" cy="5505762"/>
           </a:xfrm>
           <a:prstGeom prst="roundRect">
             <a:avLst>
@@ -23309,7 +23309,7 @@
           <p:cNvPr id="57" name="Rectangle 8">
             <a:extLst>
               <a:ext uri="{FF2B5EF4-FFF2-40B4-BE49-F238E27FC236}">
-                <a16:creationId xmlns:a16="http://schemas.microsoft.com/office/drawing/2014/main" xmlns="" id="{6A42DA50-9012-4391-9EF3-285E4FA3FCD8}"/>
+                <a16:creationId xmlns="" xmlns:a16="http://schemas.microsoft.com/office/drawing/2014/main" id="{6A42DA50-9012-4391-9EF3-285E4FA3FCD8}"/>
               </a:ext>
             </a:extLst>
           </p:cNvPr>
@@ -23382,7 +23382,7 @@
           <p:cNvPr id="59" name="Isosceles Triangle 102">
             <a:extLst>
               <a:ext uri="{FF2B5EF4-FFF2-40B4-BE49-F238E27FC236}">
-                <a16:creationId xmlns:a16="http://schemas.microsoft.com/office/drawing/2014/main" xmlns="" id="{B263B2D7-6E76-465E-B40E-7E2A46254A84}"/>
+                <a16:creationId xmlns="" xmlns:a16="http://schemas.microsoft.com/office/drawing/2014/main" id="{B263B2D7-6E76-465E-B40E-7E2A46254A84}"/>
               </a:ext>
             </a:extLst>
           </p:cNvPr>
@@ -23440,7 +23440,7 @@
           <p:cNvPr id="67" name="Elbow Connector 63">
             <a:extLst>
               <a:ext uri="{FF2B5EF4-FFF2-40B4-BE49-F238E27FC236}">
-                <a16:creationId xmlns:a16="http://schemas.microsoft.com/office/drawing/2014/main" xmlns="" id="{BA3A25CD-7C1D-4B3B-B294-1B05ABCFECFD}"/>
+                <a16:creationId xmlns="" xmlns:a16="http://schemas.microsoft.com/office/drawing/2014/main" id="{BA3A25CD-7C1D-4B3B-B294-1B05ABCFECFD}"/>
               </a:ext>
             </a:extLst>
           </p:cNvPr>
@@ -25072,7 +25072,7 @@
           <p:cNvPr id="121" name="Rectangle 8">
             <a:extLst>
               <a:ext uri="{FF2B5EF4-FFF2-40B4-BE49-F238E27FC236}">
-                <a16:creationId xmlns:a16="http://schemas.microsoft.com/office/drawing/2014/main" xmlns="" id="{ABDCDBD2-131A-4B66-A2F2-43BBEE82C773}"/>
+                <a16:creationId xmlns="" xmlns:a16="http://schemas.microsoft.com/office/drawing/2014/main" id="{ABDCDBD2-131A-4B66-A2F2-43BBEE82C773}"/>
               </a:ext>
             </a:extLst>
           </p:cNvPr>
@@ -25134,7 +25134,7 @@
           <p:cNvPr id="123" name="Elbow Connector 78">
             <a:extLst>
               <a:ext uri="{FF2B5EF4-FFF2-40B4-BE49-F238E27FC236}">
-                <a16:creationId xmlns:a16="http://schemas.microsoft.com/office/drawing/2014/main" xmlns="" id="{B97967F8-618A-448B-81FD-CDFD4AF0EC64}"/>
+                <a16:creationId xmlns="" xmlns:a16="http://schemas.microsoft.com/office/drawing/2014/main" id="{B97967F8-618A-448B-81FD-CDFD4AF0EC64}"/>
               </a:ext>
             </a:extLst>
           </p:cNvPr>
@@ -25587,7 +25587,7 @@
           <p:cNvPr id="134" name="Elbow Connector 78">
             <a:extLst>
               <a:ext uri="{FF2B5EF4-FFF2-40B4-BE49-F238E27FC236}">
-                <a16:creationId xmlns:a16="http://schemas.microsoft.com/office/drawing/2014/main" xmlns="" id="{B97967F8-618A-448B-81FD-CDFD4AF0EC64}"/>
+                <a16:creationId xmlns="" xmlns:a16="http://schemas.microsoft.com/office/drawing/2014/main" id="{B97967F8-618A-448B-81FD-CDFD4AF0EC64}"/>
               </a:ext>
             </a:extLst>
           </p:cNvPr>
@@ -26235,7 +26235,7 @@
           <p:cNvPr id="148" name="Rectangle 8">
             <a:extLst>
               <a:ext uri="{FF2B5EF4-FFF2-40B4-BE49-F238E27FC236}">
-                <a16:creationId xmlns:a16="http://schemas.microsoft.com/office/drawing/2014/main" xmlns="" id="{ABDCDBD2-131A-4B66-A2F2-43BBEE82C773}"/>
+                <a16:creationId xmlns="" xmlns:a16="http://schemas.microsoft.com/office/drawing/2014/main" id="{ABDCDBD2-131A-4B66-A2F2-43BBEE82C773}"/>
               </a:ext>
             </a:extLst>
           </p:cNvPr>
@@ -26297,7 +26297,7 @@
           <p:cNvPr id="149" name="Elbow Connector 78">
             <a:extLst>
               <a:ext uri="{FF2B5EF4-FFF2-40B4-BE49-F238E27FC236}">
-                <a16:creationId xmlns:a16="http://schemas.microsoft.com/office/drawing/2014/main" xmlns="" id="{B97967F8-618A-448B-81FD-CDFD4AF0EC64}"/>
+                <a16:creationId xmlns="" xmlns:a16="http://schemas.microsoft.com/office/drawing/2014/main" id="{B97967F8-618A-448B-81FD-CDFD4AF0EC64}"/>
               </a:ext>
             </a:extLst>
           </p:cNvPr>
@@ -26347,7 +26347,7 @@
           <p:cNvPr id="151" name="Elbow Connector 78">
             <a:extLst>
               <a:ext uri="{FF2B5EF4-FFF2-40B4-BE49-F238E27FC236}">
-                <a16:creationId xmlns:a16="http://schemas.microsoft.com/office/drawing/2014/main" xmlns="" id="{B97967F8-618A-448B-81FD-CDFD4AF0EC64}"/>
+                <a16:creationId xmlns="" xmlns:a16="http://schemas.microsoft.com/office/drawing/2014/main" id="{B97967F8-618A-448B-81FD-CDFD4AF0EC64}"/>
               </a:ext>
             </a:extLst>
           </p:cNvPr>
@@ -26436,15 +26436,7 @@
                   <a:srgbClr val="7030A0"/>
                 </a:solidFill>
               </a:rPr>
-              <a:t>DailyRevenue</a:t>
-            </a:r>
-            <a:r>
-              <a:rPr lang="en-US" sz="1050" smtClean="0">
-                <a:solidFill>
-                  <a:srgbClr val="7030A0"/>
-                </a:solidFill>
-              </a:rPr>
-              <a:t>List</a:t>
+              <a:t>DailyRevenueList</a:t>
             </a:r>
             <a:endParaRPr lang="en-SG" sz="1050" dirty="0">
               <a:solidFill>
@@ -27005,7 +26997,7 @@
           <p:cNvPr id="167" name="Rectangle 8">
             <a:extLst>
               <a:ext uri="{FF2B5EF4-FFF2-40B4-BE49-F238E27FC236}">
-                <a16:creationId xmlns:a16="http://schemas.microsoft.com/office/drawing/2014/main" xmlns="" id="{ABDCDBD2-131A-4B66-A2F2-43BBEE82C773}"/>
+                <a16:creationId xmlns="" xmlns:a16="http://schemas.microsoft.com/office/drawing/2014/main" id="{ABDCDBD2-131A-4B66-A2F2-43BBEE82C773}"/>
               </a:ext>
             </a:extLst>
           </p:cNvPr>
@@ -27067,7 +27059,7 @@
           <p:cNvPr id="168" name="Elbow Connector 78">
             <a:extLst>
               <a:ext uri="{FF2B5EF4-FFF2-40B4-BE49-F238E27FC236}">
-                <a16:creationId xmlns:a16="http://schemas.microsoft.com/office/drawing/2014/main" xmlns="" id="{B97967F8-618A-448B-81FD-CDFD4AF0EC64}"/>
+                <a16:creationId xmlns="" xmlns:a16="http://schemas.microsoft.com/office/drawing/2014/main" id="{B97967F8-618A-448B-81FD-CDFD4AF0EC64}"/>
               </a:ext>
             </a:extLst>
           </p:cNvPr>
@@ -27156,7 +27148,7 @@
           <p:cNvPr id="114" name="Elbow Connector 78">
             <a:extLst>
               <a:ext uri="{FF2B5EF4-FFF2-40B4-BE49-F238E27FC236}">
-                <a16:creationId xmlns:a16="http://schemas.microsoft.com/office/drawing/2014/main" xmlns="" id="{B97967F8-618A-448B-81FD-CDFD4AF0EC64}"/>
+                <a16:creationId xmlns="" xmlns:a16="http://schemas.microsoft.com/office/drawing/2014/main" id="{B97967F8-618A-448B-81FD-CDFD4AF0EC64}"/>
               </a:ext>
             </a:extLst>
           </p:cNvPr>
@@ -27202,7 +27194,7 @@
           <p:cNvPr id="150" name="Elbow Connector 78">
             <a:extLst>
               <a:ext uri="{FF2B5EF4-FFF2-40B4-BE49-F238E27FC236}">
-                <a16:creationId xmlns:a16="http://schemas.microsoft.com/office/drawing/2014/main" xmlns="" id="{B97967F8-618A-448B-81FD-CDFD4AF0EC64}"/>
+                <a16:creationId xmlns="" xmlns:a16="http://schemas.microsoft.com/office/drawing/2014/main" id="{B97967F8-618A-448B-81FD-CDFD4AF0EC64}"/>
               </a:ext>
             </a:extLst>
           </p:cNvPr>
@@ -27250,7 +27242,7 @@
           <p:cNvPr id="152" name="Elbow Connector 78">
             <a:extLst>
               <a:ext uri="{FF2B5EF4-FFF2-40B4-BE49-F238E27FC236}">
-                <a16:creationId xmlns:a16="http://schemas.microsoft.com/office/drawing/2014/main" xmlns="" id="{B97967F8-618A-448B-81FD-CDFD4AF0EC64}"/>
+                <a16:creationId xmlns="" xmlns:a16="http://schemas.microsoft.com/office/drawing/2014/main" id="{B97967F8-618A-448B-81FD-CDFD4AF0EC64}"/>
               </a:ext>
             </a:extLst>
           </p:cNvPr>
@@ -27298,7 +27290,7 @@
           <p:cNvPr id="153" name="Elbow Connector 78">
             <a:extLst>
               <a:ext uri="{FF2B5EF4-FFF2-40B4-BE49-F238E27FC236}">
-                <a16:creationId xmlns:a16="http://schemas.microsoft.com/office/drawing/2014/main" xmlns="" id="{B97967F8-618A-448B-81FD-CDFD4AF0EC64}"/>
+                <a16:creationId xmlns="" xmlns:a16="http://schemas.microsoft.com/office/drawing/2014/main" id="{B97967F8-618A-448B-81FD-CDFD4AF0EC64}"/>
               </a:ext>
             </a:extLst>
           </p:cNvPr>
@@ -27346,7 +27338,7 @@
           <p:cNvPr id="169" name="Rectangle 8">
             <a:extLst>
               <a:ext uri="{FF2B5EF4-FFF2-40B4-BE49-F238E27FC236}">
-                <a16:creationId xmlns:a16="http://schemas.microsoft.com/office/drawing/2014/main" xmlns="" id="{ABDCDBD2-131A-4B66-A2F2-43BBEE82C773}"/>
+                <a16:creationId xmlns="" xmlns:a16="http://schemas.microsoft.com/office/drawing/2014/main" id="{ABDCDBD2-131A-4B66-A2F2-43BBEE82C773}"/>
               </a:ext>
             </a:extLst>
           </p:cNvPr>
@@ -27494,17 +27486,20 @@
       <p:cxnSp>
         <p:nvCxnSpPr>
           <p:cNvPr id="27" name="Elbow Connector 26"/>
-          <p:cNvCxnSpPr/>
+          <p:cNvCxnSpPr>
+            <a:stCxn id="171" idx="1"/>
+            <a:endCxn id="116" idx="3"/>
+          </p:cNvCxnSpPr>
           <p:nvPr/>
         </p:nvCxnSpPr>
         <p:spPr>
-          <a:xfrm rot="16200000" flipV="1">
-            <a:off x="8410470" y="3459091"/>
-            <a:ext cx="2233757" cy="147704"/>
+          <a:xfrm flipH="1" flipV="1">
+            <a:off x="9601200" y="2246047"/>
+            <a:ext cx="308249" cy="2553726"/>
           </a:xfrm>
           <a:prstGeom prst="bentConnector3">
             <a:avLst>
-              <a:gd name="adj1" fmla="val 68843"/>
+              <a:gd name="adj1" fmla="val -283746"/>
             </a:avLst>
           </a:prstGeom>
           <a:ln w="19050">
@@ -27536,8 +27531,8 @@
           <p:nvPr/>
         </p:nvSpPr>
         <p:spPr>
-          <a:xfrm rot="5400000">
-            <a:off x="9493666" y="4443486"/>
+          <a:xfrm rot="10800000">
+            <a:off x="9673401" y="4713083"/>
             <a:ext cx="236048" cy="173380"/>
           </a:xfrm>
           <a:prstGeom prst="flowChartDecision">
@@ -27576,6 +27571,113 @@
           </a:p>
         </p:txBody>
       </p:sp>
+      <p:sp>
+        <p:nvSpPr>
+          <p:cNvPr id="172" name="Rectangle 8"/>
+          <p:cNvSpPr/>
+          <p:nvPr/>
+        </p:nvSpPr>
+        <p:spPr>
+          <a:xfrm>
+            <a:off x="9521701" y="2671080"/>
+            <a:ext cx="1124392" cy="346760"/>
+          </a:xfrm>
+          <a:prstGeom prst="rect">
+            <a:avLst/>
+          </a:prstGeom>
+          <a:ln w="19050">
+            <a:solidFill>
+              <a:srgbClr val="7030A0"/>
+            </a:solidFill>
+          </a:ln>
+          <a:effectLst/>
+        </p:spPr>
+        <p:style>
+          <a:lnRef idx="1">
+            <a:schemeClr val="accent4"/>
+          </a:lnRef>
+          <a:fillRef idx="2">
+            <a:schemeClr val="accent4"/>
+          </a:fillRef>
+          <a:effectRef idx="1">
+            <a:schemeClr val="accent4"/>
+          </a:effectRef>
+          <a:fontRef idx="minor">
+            <a:schemeClr val="dk1"/>
+          </a:fontRef>
+        </p:style>
+        <p:txBody>
+          <a:bodyPr rtlCol="0" anchor="ctr"/>
+          <a:lstStyle/>
+          <a:p>
+            <a:pPr algn="ctr"/>
+            <a:r>
+              <a:rPr lang="en-US" sz="1050" dirty="0" smtClean="0">
+                <a:solidFill>
+                  <a:srgbClr val="7030A0"/>
+                </a:solidFill>
+              </a:rPr>
+              <a:t>OrderItem</a:t>
+            </a:r>
+            <a:r>
+              <a:rPr lang="en-SG" sz="1050" dirty="0" smtClean="0">
+                <a:solidFill>
+                  <a:srgbClr val="7030A0"/>
+                </a:solidFill>
+              </a:rPr>
+              <a:t>Status</a:t>
+            </a:r>
+            <a:endParaRPr lang="en-SG" sz="1050" dirty="0">
+              <a:solidFill>
+                <a:srgbClr val="7030A0"/>
+              </a:solidFill>
+            </a:endParaRPr>
+          </a:p>
+        </p:txBody>
+      </p:sp>
+      <p:cxnSp>
+        <p:nvCxnSpPr>
+          <p:cNvPr id="173" name="Elbow Connector 172"/>
+          <p:cNvCxnSpPr>
+            <a:stCxn id="133" idx="3"/>
+            <a:endCxn id="172" idx="1"/>
+          </p:cNvCxnSpPr>
+          <p:nvPr/>
+        </p:nvCxnSpPr>
+        <p:spPr>
+          <a:xfrm flipV="1">
+            <a:off x="8185567" y="2844460"/>
+            <a:ext cx="1336134" cy="5360"/>
+          </a:xfrm>
+          <a:prstGeom prst="bentConnector3">
+            <a:avLst>
+              <a:gd name="adj1" fmla="val 96131"/>
+            </a:avLst>
+          </a:prstGeom>
+          <a:ln w="19050">
+            <a:solidFill>
+              <a:srgbClr val="7030A0"/>
+            </a:solidFill>
+            <a:headEnd type="none" w="med" len="med"/>
+            <a:tailEnd type="arrow" w="med" len="med"/>
+          </a:ln>
+          <a:effectLst/>
+        </p:spPr>
+        <p:style>
+          <a:lnRef idx="1">
+            <a:schemeClr val="accent2"/>
+          </a:lnRef>
+          <a:fillRef idx="2">
+            <a:schemeClr val="accent2"/>
+          </a:fillRef>
+          <a:effectRef idx="1">
+            <a:schemeClr val="accent2"/>
+          </a:effectRef>
+          <a:fontRef idx="minor">
+            <a:schemeClr val="dk1"/>
+          </a:fontRef>
+        </p:style>
+      </p:cxnSp>
     </p:spTree>
     <p:extLst>
       <p:ext uri="{BB962C8B-B14F-4D97-AF65-F5344CB8AC3E}">

--- a/docs/diagrams/ModelComponentClassDiagram.pptx
+++ b/docs/diagrams/ModelComponentClassDiagram.pptx
@@ -208,7 +208,7 @@
           <a:p>
             <a:fld id="{F5CC4B3F-88C1-4FFA-B1B6-F41C21DC6924}" type="datetimeFigureOut">
               <a:rPr lang="en-US" smtClean="0"/>
-              <a:t>12/5/2018</a:t>
+              <a:t>4/11/2019</a:t>
             </a:fld>
             <a:endParaRPr lang="en-US"/>
           </a:p>
@@ -654,7 +654,7 @@
           <a:p>
             <a:fld id="{78C97017-6FC3-485B-9764-EAC9E56C1D49}" type="datetimeFigureOut">
               <a:rPr lang="en-US" smtClean="0"/>
-              <a:t>12/5/2018</a:t>
+              <a:t>4/11/2019</a:t>
             </a:fld>
             <a:endParaRPr lang="en-US"/>
           </a:p>
@@ -822,7 +822,7 @@
           <a:p>
             <a:fld id="{78C97017-6FC3-485B-9764-EAC9E56C1D49}" type="datetimeFigureOut">
               <a:rPr lang="en-US" smtClean="0"/>
-              <a:t>12/5/2018</a:t>
+              <a:t>4/11/2019</a:t>
             </a:fld>
             <a:endParaRPr lang="en-US"/>
           </a:p>
@@ -1000,7 +1000,7 @@
           <a:p>
             <a:fld id="{78C97017-6FC3-485B-9764-EAC9E56C1D49}" type="datetimeFigureOut">
               <a:rPr lang="en-US" smtClean="0"/>
-              <a:t>12/5/2018</a:t>
+              <a:t>4/11/2019</a:t>
             </a:fld>
             <a:endParaRPr lang="en-US"/>
           </a:p>
@@ -1168,7 +1168,7 @@
           <a:p>
             <a:fld id="{78C97017-6FC3-485B-9764-EAC9E56C1D49}" type="datetimeFigureOut">
               <a:rPr lang="en-US" smtClean="0"/>
-              <a:t>12/5/2018</a:t>
+              <a:t>4/11/2019</a:t>
             </a:fld>
             <a:endParaRPr lang="en-US"/>
           </a:p>
@@ -1413,7 +1413,7 @@
           <a:p>
             <a:fld id="{78C97017-6FC3-485B-9764-EAC9E56C1D49}" type="datetimeFigureOut">
               <a:rPr lang="en-US" smtClean="0"/>
-              <a:t>12/5/2018</a:t>
+              <a:t>4/11/2019</a:t>
             </a:fld>
             <a:endParaRPr lang="en-US"/>
           </a:p>
@@ -1698,7 +1698,7 @@
           <a:p>
             <a:fld id="{78C97017-6FC3-485B-9764-EAC9E56C1D49}" type="datetimeFigureOut">
               <a:rPr lang="en-US" smtClean="0"/>
-              <a:t>12/5/2018</a:t>
+              <a:t>4/11/2019</a:t>
             </a:fld>
             <a:endParaRPr lang="en-US"/>
           </a:p>
@@ -2117,7 +2117,7 @@
           <a:p>
             <a:fld id="{78C97017-6FC3-485B-9764-EAC9E56C1D49}" type="datetimeFigureOut">
               <a:rPr lang="en-US" smtClean="0"/>
-              <a:t>12/5/2018</a:t>
+              <a:t>4/11/2019</a:t>
             </a:fld>
             <a:endParaRPr lang="en-US"/>
           </a:p>
@@ -2234,7 +2234,7 @@
           <a:p>
             <a:fld id="{78C97017-6FC3-485B-9764-EAC9E56C1D49}" type="datetimeFigureOut">
               <a:rPr lang="en-US" smtClean="0"/>
-              <a:t>12/5/2018</a:t>
+              <a:t>4/11/2019</a:t>
             </a:fld>
             <a:endParaRPr lang="en-US"/>
           </a:p>
@@ -2329,7 +2329,7 @@
           <a:p>
             <a:fld id="{78C97017-6FC3-485B-9764-EAC9E56C1D49}" type="datetimeFigureOut">
               <a:rPr lang="en-US" smtClean="0"/>
-              <a:t>12/5/2018</a:t>
+              <a:t>4/11/2019</a:t>
             </a:fld>
             <a:endParaRPr lang="en-US"/>
           </a:p>
@@ -2604,7 +2604,7 @@
           <a:p>
             <a:fld id="{78C97017-6FC3-485B-9764-EAC9E56C1D49}" type="datetimeFigureOut">
               <a:rPr lang="en-US" smtClean="0"/>
-              <a:t>12/5/2018</a:t>
+              <a:t>4/11/2019</a:t>
             </a:fld>
             <a:endParaRPr lang="en-US"/>
           </a:p>
@@ -2856,7 +2856,7 @@
           <a:p>
             <a:fld id="{78C97017-6FC3-485B-9764-EAC9E56C1D49}" type="datetimeFigureOut">
               <a:rPr lang="en-US" smtClean="0"/>
-              <a:t>12/5/2018</a:t>
+              <a:t>4/11/2019</a:t>
             </a:fld>
             <a:endParaRPr lang="en-US"/>
           </a:p>
@@ -3067,7 +3067,7 @@
           <a:p>
             <a:fld id="{78C97017-6FC3-485B-9764-EAC9E56C1D49}" type="datetimeFigureOut">
               <a:rPr lang="en-US" smtClean="0"/>
-              <a:t>12/5/2018</a:t>
+              <a:t>4/11/2019</a:t>
             </a:fld>
             <a:endParaRPr lang="en-US"/>
           </a:p>
@@ -3450,8 +3450,8 @@
         </p:nvSpPr>
         <p:spPr>
           <a:xfrm>
-            <a:off x="1119865" y="1600200"/>
-            <a:ext cx="7490735" cy="3124200"/>
+            <a:off x="45264" y="1316301"/>
+            <a:ext cx="8684750" cy="3877471"/>
           </a:xfrm>
           <a:prstGeom prst="roundRect">
             <a:avLst>
@@ -3503,6 +3503,104 @@
           </a:p>
         </p:txBody>
       </p:sp>
+      <p:cxnSp>
+        <p:nvCxnSpPr>
+          <p:cNvPr id="112" name="Elbow Connector 63">
+            <a:extLst>
+              <a:ext uri="{FF2B5EF4-FFF2-40B4-BE49-F238E27FC236}">
+                <a16:creationId xmlns:a16="http://schemas.microsoft.com/office/drawing/2014/main" id="{AFD87E83-A6EB-45CE-8AB2-E590ABA69220}"/>
+              </a:ext>
+            </a:extLst>
+          </p:cNvPr>
+          <p:cNvCxnSpPr>
+            <a:cxnSpLocks/>
+          </p:cNvCxnSpPr>
+          <p:nvPr/>
+        </p:nvCxnSpPr>
+        <p:spPr>
+          <a:xfrm rot="5400000" flipH="1" flipV="1">
+            <a:off x="3190024" y="2209850"/>
+            <a:ext cx="228710" cy="13619"/>
+          </a:xfrm>
+          <a:prstGeom prst="bentConnector3">
+            <a:avLst>
+              <a:gd name="adj1" fmla="val -643"/>
+            </a:avLst>
+          </a:prstGeom>
+          <a:ln w="19050">
+            <a:solidFill>
+              <a:srgbClr val="7030A0"/>
+            </a:solidFill>
+            <a:prstDash val="sysDot"/>
+            <a:headEnd type="none" w="med" len="med"/>
+            <a:tailEnd type="none" w="med" len="med"/>
+          </a:ln>
+          <a:effectLst/>
+        </p:spPr>
+        <p:style>
+          <a:lnRef idx="1">
+            <a:schemeClr val="accent2"/>
+          </a:lnRef>
+          <a:fillRef idx="2">
+            <a:schemeClr val="accent2"/>
+          </a:fillRef>
+          <a:effectRef idx="1">
+            <a:schemeClr val="accent2"/>
+          </a:effectRef>
+          <a:fontRef idx="minor">
+            <a:schemeClr val="dk1"/>
+          </a:fontRef>
+        </p:style>
+      </p:cxnSp>
+      <p:cxnSp>
+        <p:nvCxnSpPr>
+          <p:cNvPr id="115" name="Elbow Connector 73">
+            <a:extLst>
+              <a:ext uri="{FF2B5EF4-FFF2-40B4-BE49-F238E27FC236}">
+                <a16:creationId xmlns:a16="http://schemas.microsoft.com/office/drawing/2014/main" id="{EDE13387-005D-48D1-9D69-C56E794FDCE5}"/>
+              </a:ext>
+            </a:extLst>
+          </p:cNvPr>
+          <p:cNvCxnSpPr>
+            <a:cxnSpLocks/>
+          </p:cNvCxnSpPr>
+          <p:nvPr/>
+        </p:nvCxnSpPr>
+        <p:spPr>
+          <a:xfrm rot="16200000" flipH="1">
+            <a:off x="3212123" y="2987854"/>
+            <a:ext cx="184513" cy="1"/>
+          </a:xfrm>
+          <a:prstGeom prst="bentConnector3">
+            <a:avLst>
+              <a:gd name="adj1" fmla="val 162331"/>
+            </a:avLst>
+          </a:prstGeom>
+          <a:ln w="19050">
+            <a:solidFill>
+              <a:srgbClr val="7030A0"/>
+            </a:solidFill>
+            <a:prstDash val="sysDot"/>
+            <a:headEnd type="none" w="med" len="med"/>
+            <a:tailEnd type="none" w="med" len="med"/>
+          </a:ln>
+          <a:effectLst/>
+        </p:spPr>
+        <p:style>
+          <a:lnRef idx="1">
+            <a:schemeClr val="accent2"/>
+          </a:lnRef>
+          <a:fillRef idx="2">
+            <a:schemeClr val="accent2"/>
+          </a:fillRef>
+          <a:effectRef idx="1">
+            <a:schemeClr val="accent2"/>
+          </a:effectRef>
+          <a:fontRef idx="minor">
+            <a:schemeClr val="dk1"/>
+          </a:fontRef>
+        </p:style>
+      </p:cxnSp>
       <p:sp>
         <p:nvSpPr>
           <p:cNvPr id="2" name="Rectangle 8"/>
@@ -3511,7 +3609,7 @@
         </p:nvSpPr>
         <p:spPr>
           <a:xfrm>
-            <a:off x="2825280" y="3463240"/>
+            <a:off x="1715482" y="3962400"/>
             <a:ext cx="878211" cy="346760"/>
           </a:xfrm>
           <a:prstGeom prst="rect">
@@ -3567,8 +3665,8 @@
         </p:nvSpPr>
         <p:spPr>
           <a:xfrm rot="16200000">
-            <a:off x="1661548" y="3097750"/>
-            <a:ext cx="1093635" cy="346760"/>
+            <a:off x="-481238" y="3277581"/>
+            <a:ext cx="3054116" cy="346760"/>
           </a:xfrm>
           <a:prstGeom prst="rect">
             <a:avLst/>
@@ -3623,19 +3721,17 @@
           <p:cNvPr id="107" name="Elbow Connector 106"/>
           <p:cNvCxnSpPr>
             <a:cxnSpLocks/>
-            <a:stCxn id="9" idx="1"/>
-            <a:endCxn id="62" idx="2"/>
           </p:cNvCxnSpPr>
           <p:nvPr/>
         </p:nvCxnSpPr>
         <p:spPr>
-          <a:xfrm rot="5400000" flipH="1" flipV="1">
-            <a:off x="4131507" y="1281685"/>
-            <a:ext cx="613122" cy="4459404"/>
+          <a:xfrm flipV="1">
+            <a:off x="1214692" y="3410160"/>
+            <a:ext cx="5194515" cy="1567859"/>
           </a:xfrm>
           <a:prstGeom prst="bentConnector3">
             <a:avLst>
-              <a:gd name="adj1" fmla="val -26668"/>
+              <a:gd name="adj1" fmla="val 99998"/>
             </a:avLst>
           </a:prstGeom>
           <a:ln w="19050">
@@ -3671,8 +3767,8 @@
         </p:nvSpPr>
         <p:spPr>
           <a:xfrm rot="16200000">
-            <a:off x="956202" y="2861202"/>
-            <a:ext cx="1093635" cy="346760"/>
+            <a:off x="-472737" y="3277581"/>
+            <a:ext cx="1773447" cy="346760"/>
           </a:xfrm>
           <a:prstGeom prst="rect">
             <a:avLst/>
@@ -3741,7 +3837,7 @@
         </p:nvSpPr>
         <p:spPr>
           <a:xfrm rot="16200000">
-            <a:off x="1626910" y="2952291"/>
+            <a:off x="538986" y="3363199"/>
             <a:ext cx="270504" cy="175523"/>
           </a:xfrm>
           <a:prstGeom prst="triangle">
@@ -3792,8 +3888,8 @@
         </p:nvCxnSpPr>
         <p:spPr>
           <a:xfrm>
-            <a:off x="2609828" y="3636620"/>
-            <a:ext cx="215452" cy="0"/>
+            <a:off x="1469196" y="4135780"/>
+            <a:ext cx="246286" cy="0"/>
           </a:xfrm>
           <a:prstGeom prst="straightConnector1">
             <a:avLst/>
@@ -3825,17 +3921,19 @@
       <p:cxnSp>
         <p:nvCxnSpPr>
           <p:cNvPr id="75" name="Elbow Connector 122"/>
-          <p:cNvCxnSpPr/>
+          <p:cNvCxnSpPr>
+            <a:cxnSpLocks/>
+          </p:cNvCxnSpPr>
           <p:nvPr/>
         </p:nvCxnSpPr>
         <p:spPr>
           <a:xfrm>
-            <a:off x="910091" y="3040053"/>
+            <a:off x="-190948" y="3426140"/>
             <a:ext cx="419548" cy="2860"/>
           </a:xfrm>
           <a:prstGeom prst="bentConnector3">
             <a:avLst>
-              <a:gd name="adj1" fmla="val 50000"/>
+              <a:gd name="adj1" fmla="val 42419"/>
             </a:avLst>
           </a:prstGeom>
           <a:ln w="19050">
@@ -3875,7 +3973,7 @@
         </p:nvCxnSpPr>
         <p:spPr>
           <a:xfrm flipV="1">
-            <a:off x="1849924" y="3040052"/>
+            <a:off x="762000" y="3450960"/>
             <a:ext cx="216105" cy="1"/>
           </a:xfrm>
           <a:prstGeom prst="line">
@@ -3914,7 +4012,7 @@
         </p:nvSpPr>
         <p:spPr>
           <a:xfrm>
-            <a:off x="2373780" y="3549930"/>
+            <a:off x="1233148" y="4049090"/>
             <a:ext cx="236048" cy="173380"/>
           </a:xfrm>
           <a:prstGeom prst="flowChartDecision">
@@ -3959,8 +4057,8 @@
         </p:nvSpPr>
         <p:spPr>
           <a:xfrm>
-            <a:off x="2825280" y="2846162"/>
-            <a:ext cx="1490560" cy="334856"/>
+            <a:off x="2582549" y="3058220"/>
+            <a:ext cx="1443660" cy="334856"/>
           </a:xfrm>
           <a:prstGeom prst="rect">
             <a:avLst/>
@@ -4011,6 +4109,7 @@
         <p:nvCxnSpPr>
           <p:cNvPr id="47" name="Straight Arrow Connector 46"/>
           <p:cNvCxnSpPr>
+            <a:cxnSpLocks/>
             <a:stCxn id="48" idx="3"/>
             <a:endCxn id="46" idx="1"/>
           </p:cNvCxnSpPr>
@@ -4018,8 +4117,8 @@
         </p:nvCxnSpPr>
         <p:spPr>
           <a:xfrm>
-            <a:off x="2624360" y="3003033"/>
-            <a:ext cx="200920" cy="10557"/>
+            <a:off x="1456434" y="3221288"/>
+            <a:ext cx="1126115" cy="4360"/>
           </a:xfrm>
           <a:prstGeom prst="straightConnector1">
             <a:avLst/>
@@ -4056,7 +4155,7 @@
         </p:nvSpPr>
         <p:spPr>
           <a:xfrm>
-            <a:off x="2388312" y="2916343"/>
+            <a:off x="1220386" y="3134598"/>
             <a:ext cx="236048" cy="173380"/>
           </a:xfrm>
           <a:prstGeom prst="flowChartDecision">
@@ -4101,7 +4200,7 @@
         </p:nvSpPr>
         <p:spPr>
           <a:xfrm>
-            <a:off x="4692650" y="2846162"/>
+            <a:off x="4842887" y="3065445"/>
             <a:ext cx="1156969" cy="346760"/>
           </a:xfrm>
           <a:prstGeom prst="rect">
@@ -4151,21 +4250,75 @@
       </p:sp>
       <p:sp>
         <p:nvSpPr>
-          <p:cNvPr id="51" name="Flowchart: Decision 96"/>
+          <p:cNvPr id="62" name="Rectangle 8"/>
           <p:cNvSpPr/>
           <p:nvPr/>
         </p:nvSpPr>
         <p:spPr>
           <a:xfrm>
-            <a:off x="4324972" y="2920532"/>
+            <a:off x="6400800" y="3061200"/>
+            <a:ext cx="708186" cy="346760"/>
+          </a:xfrm>
+          <a:prstGeom prst="rect">
+            <a:avLst/>
+          </a:prstGeom>
+          <a:ln w="19050">
+            <a:solidFill>
+              <a:srgbClr val="7030A0"/>
+            </a:solidFill>
+          </a:ln>
+          <a:effectLst/>
+        </p:spPr>
+        <p:style>
+          <a:lnRef idx="1">
+            <a:schemeClr val="accent4"/>
+          </a:lnRef>
+          <a:fillRef idx="2">
+            <a:schemeClr val="accent4"/>
+          </a:fillRef>
+          <a:effectRef idx="1">
+            <a:schemeClr val="accent4"/>
+          </a:effectRef>
+          <a:fontRef idx="minor">
+            <a:schemeClr val="dk1"/>
+          </a:fontRef>
+        </p:style>
+        <p:txBody>
+          <a:bodyPr rtlCol="0" anchor="ctr"/>
+          <a:lstStyle/>
+          <a:p>
+            <a:pPr algn="ctr"/>
+            <a:r>
+              <a:rPr lang="en-US" sz="1050" dirty="0">
+                <a:solidFill>
+                  <a:srgbClr val="7030A0"/>
+                </a:solidFill>
+              </a:rPr>
+              <a:t>Person</a:t>
+            </a:r>
+            <a:endParaRPr lang="en-SG" sz="1050" dirty="0">
+              <a:solidFill>
+                <a:srgbClr val="7030A0"/>
+              </a:solidFill>
+            </a:endParaRPr>
+          </a:p>
+        </p:txBody>
+      </p:sp>
+      <p:sp>
+        <p:nvSpPr>
+          <p:cNvPr id="63" name="Flowchart: Decision 96"/>
+          <p:cNvSpPr/>
+          <p:nvPr/>
+        </p:nvSpPr>
+        <p:spPr>
+          <a:xfrm>
+            <a:off x="5997980" y="3147890"/>
             <a:ext cx="236048" cy="173380"/>
           </a:xfrm>
           <a:prstGeom prst="flowChartDecision">
             <a:avLst/>
           </a:prstGeom>
-          <a:solidFill>
-            <a:srgbClr val="7030A0"/>
-          </a:solidFill>
+          <a:noFill/>
           <a:ln w="19050">
             <a:solidFill>
               <a:srgbClr val="7030A0"/>
@@ -4198,14 +4351,14 @@
       </p:sp>
       <p:sp>
         <p:nvSpPr>
-          <p:cNvPr id="62" name="Rectangle 8"/>
+          <p:cNvPr id="76" name="Rectangle 8"/>
           <p:cNvSpPr/>
           <p:nvPr/>
         </p:nvSpPr>
         <p:spPr>
           <a:xfrm>
-            <a:off x="6313677" y="2858066"/>
-            <a:ext cx="708186" cy="346760"/>
+            <a:off x="7750014" y="2744967"/>
+            <a:ext cx="708186" cy="285783"/>
           </a:xfrm>
           <a:prstGeom prst="rect">
             <a:avLst/>
@@ -4242,7 +4395,7 @@
                   <a:srgbClr val="7030A0"/>
                 </a:solidFill>
               </a:rPr>
-              <a:t>Person</a:t>
+              <a:t>Name</a:t>
             </a:r>
             <a:endParaRPr lang="en-SG" sz="1050" dirty="0">
               <a:solidFill>
@@ -4254,19 +4407,21 @@
       </p:sp>
       <p:sp>
         <p:nvSpPr>
-          <p:cNvPr id="63" name="Flowchart: Decision 96"/>
+          <p:cNvPr id="78" name="Flowchart: Decision 96"/>
           <p:cNvSpPr/>
           <p:nvPr/>
         </p:nvSpPr>
         <p:spPr>
           <a:xfrm>
-            <a:off x="5858751" y="2941676"/>
-            <a:ext cx="236048" cy="173380"/>
+            <a:off x="7117177" y="3146819"/>
+            <a:ext cx="236048" cy="181126"/>
           </a:xfrm>
           <a:prstGeom prst="flowChartDecision">
             <a:avLst/>
           </a:prstGeom>
-          <a:noFill/>
+          <a:solidFill>
+            <a:srgbClr val="7030A0"/>
+          </a:solidFill>
           <a:ln w="19050">
             <a:solidFill>
               <a:srgbClr val="7030A0"/>
@@ -4297,56 +4452,15 @@
           </a:p>
         </p:txBody>
       </p:sp>
-      <p:cxnSp>
-        <p:nvCxnSpPr>
-          <p:cNvPr id="64" name="Elbow Connector 63"/>
-          <p:cNvCxnSpPr>
-            <a:stCxn id="63" idx="3"/>
-            <a:endCxn id="62" idx="1"/>
-          </p:cNvCxnSpPr>
-          <p:nvPr/>
-        </p:nvCxnSpPr>
-        <p:spPr>
-          <a:xfrm>
-            <a:off x="6094799" y="3028366"/>
-            <a:ext cx="218878" cy="3080"/>
-          </a:xfrm>
-          <a:prstGeom prst="bentConnector3">
-            <a:avLst/>
-          </a:prstGeom>
-          <a:ln w="19050">
-            <a:solidFill>
-              <a:srgbClr val="7030A0"/>
-            </a:solidFill>
-            <a:headEnd type="none" w="med" len="med"/>
-            <a:tailEnd type="arrow" w="med" len="med"/>
-          </a:ln>
-          <a:effectLst/>
-        </p:spPr>
-        <p:style>
-          <a:lnRef idx="1">
-            <a:schemeClr val="accent2"/>
-          </a:lnRef>
-          <a:fillRef idx="2">
-            <a:schemeClr val="accent2"/>
-          </a:fillRef>
-          <a:effectRef idx="1">
-            <a:schemeClr val="accent2"/>
-          </a:effectRef>
-          <a:fontRef idx="minor">
-            <a:schemeClr val="dk1"/>
-          </a:fontRef>
-        </p:style>
-      </p:cxnSp>
-      <p:sp>
-        <p:nvSpPr>
-          <p:cNvPr id="76" name="Rectangle 8"/>
+      <p:sp>
+        <p:nvSpPr>
+          <p:cNvPr id="80" name="Rectangle 8"/>
           <p:cNvSpPr/>
           <p:nvPr/>
         </p:nvSpPr>
         <p:spPr>
           <a:xfrm>
-            <a:off x="7712397" y="2564238"/>
+            <a:off x="7750014" y="3089535"/>
             <a:ext cx="708186" cy="285783"/>
           </a:xfrm>
           <a:prstGeom prst="rect">
@@ -4384,7 +4498,7 @@
                   <a:srgbClr val="7030A0"/>
                 </a:solidFill>
               </a:rPr>
-              <a:t>Name</a:t>
+              <a:t>Phone</a:t>
             </a:r>
             <a:endParaRPr lang="en-SG" sz="1050" dirty="0">
               <a:solidFill>
@@ -4394,65 +4508,20 @@
           </a:p>
         </p:txBody>
       </p:sp>
-      <p:sp>
-        <p:nvSpPr>
-          <p:cNvPr id="78" name="Flowchart: Decision 96"/>
-          <p:cNvSpPr/>
-          <p:nvPr/>
-        </p:nvSpPr>
-        <p:spPr>
-          <a:xfrm>
-            <a:off x="7041947" y="2948201"/>
-            <a:ext cx="236048" cy="173380"/>
-          </a:xfrm>
-          <a:prstGeom prst="flowChartDecision">
-            <a:avLst/>
-          </a:prstGeom>
-          <a:solidFill>
-            <a:srgbClr val="7030A0"/>
-          </a:solidFill>
-          <a:ln w="19050">
-            <a:solidFill>
-              <a:srgbClr val="7030A0"/>
-            </a:solidFill>
-          </a:ln>
-          <a:effectLst/>
-        </p:spPr>
-        <p:style>
-          <a:lnRef idx="1">
-            <a:schemeClr val="accent6"/>
-          </a:lnRef>
-          <a:fillRef idx="2">
-            <a:schemeClr val="accent6"/>
-          </a:fillRef>
-          <a:effectRef idx="1">
-            <a:schemeClr val="accent6"/>
-          </a:effectRef>
-          <a:fontRef idx="minor">
-            <a:schemeClr val="dk1"/>
-          </a:fontRef>
-        </p:style>
-        <p:txBody>
-          <a:bodyPr rtlCol="0" anchor="ctr"/>
-          <a:lstStyle/>
-          <a:p>
-            <a:pPr algn="ctr"/>
-            <a:endParaRPr lang="en-US" sz="1050"/>
-          </a:p>
-        </p:txBody>
-      </p:sp>
       <p:cxnSp>
         <p:nvCxnSpPr>
-          <p:cNvPr id="79" name="Elbow Connector 78"/>
+          <p:cNvPr id="81" name="Elbow Connector 80"/>
           <p:cNvCxnSpPr>
             <a:cxnSpLocks/>
+            <a:stCxn id="78" idx="3"/>
+            <a:endCxn id="80" idx="1"/>
           </p:cNvCxnSpPr>
           <p:nvPr/>
         </p:nvCxnSpPr>
         <p:spPr>
           <a:xfrm flipV="1">
-            <a:off x="7277995" y="2706821"/>
-            <a:ext cx="434402" cy="327761"/>
+            <a:off x="7353225" y="3232427"/>
+            <a:ext cx="396789" cy="4955"/>
           </a:xfrm>
           <a:prstGeom prst="bentConnector3">
             <a:avLst/>
@@ -4483,13 +4552,13 @@
       </p:cxnSp>
       <p:sp>
         <p:nvSpPr>
-          <p:cNvPr id="80" name="Rectangle 8"/>
+          <p:cNvPr id="83" name="Rectangle 8"/>
           <p:cNvSpPr/>
           <p:nvPr/>
         </p:nvSpPr>
         <p:spPr>
           <a:xfrm>
-            <a:off x="7712397" y="2887216"/>
+            <a:off x="7750014" y="3443051"/>
             <a:ext cx="708186" cy="285783"/>
           </a:xfrm>
           <a:prstGeom prst="rect">
@@ -4527,7 +4596,7 @@
                   <a:srgbClr val="7030A0"/>
                 </a:solidFill>
               </a:rPr>
-              <a:t>Phone</a:t>
+              <a:t>Email</a:t>
             </a:r>
             <a:endParaRPr lang="en-SG" sz="1050" dirty="0">
               <a:solidFill>
@@ -4539,20 +4608,23 @@
       </p:sp>
       <p:cxnSp>
         <p:nvCxnSpPr>
-          <p:cNvPr id="81" name="Elbow Connector 80"/>
+          <p:cNvPr id="84" name="Elbow Connector 83"/>
           <p:cNvCxnSpPr>
+            <a:cxnSpLocks/>
             <a:stCxn id="78" idx="3"/>
-            <a:endCxn id="80" idx="1"/>
+            <a:endCxn id="83" idx="1"/>
           </p:cNvCxnSpPr>
           <p:nvPr/>
         </p:nvCxnSpPr>
         <p:spPr>
-          <a:xfrm flipV="1">
-            <a:off x="7277995" y="3030108"/>
-            <a:ext cx="434402" cy="4783"/>
+          <a:xfrm>
+            <a:off x="7353225" y="3237382"/>
+            <a:ext cx="396789" cy="348561"/>
           </a:xfrm>
           <a:prstGeom prst="bentConnector3">
-            <a:avLst/>
+            <a:avLst>
+              <a:gd name="adj1" fmla="val 50000"/>
+            </a:avLst>
           </a:prstGeom>
           <a:ln w="19050">
             <a:solidFill>
@@ -4580,13 +4652,13 @@
       </p:cxnSp>
       <p:sp>
         <p:nvSpPr>
-          <p:cNvPr id="83" name="Rectangle 8"/>
+          <p:cNvPr id="85" name="Rectangle 8"/>
           <p:cNvSpPr/>
           <p:nvPr/>
         </p:nvSpPr>
         <p:spPr>
           <a:xfrm>
-            <a:off x="7712397" y="3210194"/>
+            <a:off x="7750014" y="3786872"/>
             <a:ext cx="708186" cy="285783"/>
           </a:xfrm>
           <a:prstGeom prst="rect">
@@ -4624,7 +4696,7 @@
                   <a:srgbClr val="7030A0"/>
                 </a:solidFill>
               </a:rPr>
-              <a:t>Email</a:t>
+              <a:t>Remark</a:t>
             </a:r>
             <a:endParaRPr lang="en-SG" sz="1050" dirty="0">
               <a:solidFill>
@@ -4636,20 +4708,23 @@
       </p:sp>
       <p:cxnSp>
         <p:nvCxnSpPr>
-          <p:cNvPr id="84" name="Elbow Connector 83"/>
+          <p:cNvPr id="86" name="Elbow Connector 85"/>
           <p:cNvCxnSpPr>
+            <a:cxnSpLocks/>
             <a:stCxn id="78" idx="3"/>
-            <a:endCxn id="83" idx="1"/>
+            <a:endCxn id="85" idx="1"/>
           </p:cNvCxnSpPr>
           <p:nvPr/>
         </p:nvCxnSpPr>
         <p:spPr>
           <a:xfrm>
-            <a:off x="7277995" y="3034891"/>
-            <a:ext cx="434402" cy="318195"/>
+            <a:off x="7353225" y="3237382"/>
+            <a:ext cx="396789" cy="692382"/>
           </a:xfrm>
           <a:prstGeom prst="bentConnector3">
-            <a:avLst/>
+            <a:avLst>
+              <a:gd name="adj1" fmla="val 50000"/>
+            </a:avLst>
           </a:prstGeom>
           <a:ln w="19050">
             <a:solidFill>
@@ -4677,14 +4752,53 @@
       </p:cxnSp>
       <p:sp>
         <p:nvSpPr>
-          <p:cNvPr id="85" name="Rectangle 8"/>
+          <p:cNvPr id="114" name="TextBox 113"/>
+          <p:cNvSpPr txBox="1"/>
+          <p:nvPr/>
+        </p:nvSpPr>
+        <p:spPr>
+          <a:xfrm rot="16200000">
+            <a:off x="5858178" y="3998338"/>
+            <a:ext cx="881018" cy="261610"/>
+          </a:xfrm>
+          <a:prstGeom prst="rect">
+            <a:avLst/>
+          </a:prstGeom>
+          <a:noFill/>
+        </p:spPr>
+        <p:txBody>
+          <a:bodyPr wrap="square" rtlCol="0">
+            <a:spAutoFit/>
+          </a:bodyPr>
+          <a:lstStyle/>
+          <a:p>
+            <a:pPr algn="r"/>
+            <a:r>
+              <a:rPr lang="en-US" sz="1100" dirty="0">
+                <a:solidFill>
+                  <a:srgbClr val="7030A0"/>
+                </a:solidFill>
+              </a:rPr>
+              <a:t>filtered list</a:t>
+            </a:r>
+            <a:endParaRPr lang="en-SG" sz="1100" dirty="0">
+              <a:solidFill>
+                <a:srgbClr val="7030A0"/>
+              </a:solidFill>
+            </a:endParaRPr>
+          </a:p>
+        </p:txBody>
+      </p:sp>
+      <p:sp>
+        <p:nvSpPr>
+          <p:cNvPr id="122" name="Rectangle 8"/>
           <p:cNvSpPr/>
           <p:nvPr/>
         </p:nvSpPr>
         <p:spPr>
           <a:xfrm>
-            <a:off x="7712397" y="3533171"/>
-            <a:ext cx="708186" cy="285783"/>
+            <a:off x="1371600" y="1568137"/>
+            <a:ext cx="1066800" cy="346760"/>
           </a:xfrm>
           <a:prstGeom prst="rect">
             <a:avLst/>
@@ -4721,7 +4835,22 @@
                   <a:srgbClr val="7030A0"/>
                 </a:solidFill>
               </a:rPr>
-              <a:t>Address</a:t>
+              <a:t>&lt;&lt;interface&gt;&gt;</a:t>
+            </a:r>
+            <a:br>
+              <a:rPr lang="en-US" sz="1050" dirty="0">
+                <a:solidFill>
+                  <a:srgbClr val="7030A0"/>
+                </a:solidFill>
+              </a:rPr>
+            </a:br>
+            <a:r>
+              <a:rPr lang="en-US" sz="1050" dirty="0" err="1">
+                <a:solidFill>
+                  <a:srgbClr val="7030A0"/>
+                </a:solidFill>
+              </a:rPr>
+              <a:t>ObservableList</a:t>
             </a:r>
             <a:endParaRPr lang="en-SG" sz="1050" dirty="0">
               <a:solidFill>
@@ -4733,25 +4862,27 @@
       </p:sp>
       <p:cxnSp>
         <p:nvCxnSpPr>
-          <p:cNvPr id="86" name="Elbow Connector 85"/>
+          <p:cNvPr id="124" name="Elbow Connector 122"/>
           <p:cNvCxnSpPr>
-            <a:stCxn id="78" idx="3"/>
-            <a:endCxn id="85" idx="1"/>
+            <a:cxnSpLocks/>
+            <a:stCxn id="119" idx="3"/>
+            <a:endCxn id="122" idx="1"/>
           </p:cNvCxnSpPr>
           <p:nvPr/>
         </p:nvCxnSpPr>
         <p:spPr>
-          <a:xfrm>
-            <a:off x="7277995" y="3034891"/>
-            <a:ext cx="434402" cy="641172"/>
-          </a:xfrm>
-          <a:prstGeom prst="bentConnector3">
+          <a:xfrm rot="5400000" flipH="1" flipV="1">
+            <a:off x="481433" y="1674071"/>
+            <a:ext cx="822721" cy="957614"/>
+          </a:xfrm>
+          <a:prstGeom prst="bentConnector2">
             <a:avLst/>
           </a:prstGeom>
           <a:ln w="19050">
             <a:solidFill>
               <a:srgbClr val="7030A0"/>
             </a:solidFill>
+            <a:prstDash val="sysDot"/>
             <a:headEnd type="none" w="med" len="med"/>
             <a:tailEnd type="arrow" w="med" len="med"/>
           </a:ln>
@@ -4772,70 +4903,182 @@
           </a:fontRef>
         </p:style>
       </p:cxnSp>
-      <p:cxnSp>
-        <p:nvCxnSpPr>
-          <p:cNvPr id="97" name="Elbow Connector 63"/>
-          <p:cNvCxnSpPr>
-            <a:cxnSpLocks/>
-            <a:stCxn id="99" idx="3"/>
-          </p:cNvCxnSpPr>
+      <p:sp>
+        <p:nvSpPr>
+          <p:cNvPr id="54" name="TextBox 53"/>
+          <p:cNvSpPr txBox="1"/>
           <p:nvPr/>
-        </p:nvCxnSpPr>
-        <p:spPr>
-          <a:xfrm rot="16200000" flipH="1">
-            <a:off x="3566454" y="2680653"/>
-            <a:ext cx="274076" cy="1"/>
-          </a:xfrm>
-          <a:prstGeom prst="bentConnector3">
-            <a:avLst>
-              <a:gd name="adj1" fmla="val 50000"/>
-            </a:avLst>
-          </a:prstGeom>
-          <a:ln w="19050">
-            <a:solidFill>
-              <a:srgbClr val="7030A0"/>
-            </a:solidFill>
-            <a:prstDash val="sysDot"/>
-            <a:headEnd type="none" w="med" len="med"/>
-            <a:tailEnd type="none" w="med" len="med"/>
-          </a:ln>
-          <a:effectLst/>
-        </p:spPr>
-        <p:style>
-          <a:lnRef idx="1">
-            <a:schemeClr val="accent2"/>
-          </a:lnRef>
-          <a:fillRef idx="2">
-            <a:schemeClr val="accent2"/>
-          </a:fillRef>
-          <a:effectRef idx="1">
-            <a:schemeClr val="accent2"/>
-          </a:effectRef>
-          <a:fontRef idx="minor">
-            <a:schemeClr val="dk1"/>
-          </a:fontRef>
-        </p:style>
-      </p:cxnSp>
-      <p:sp>
-        <p:nvSpPr>
-          <p:cNvPr id="99" name="Isosceles Triangle 102"/>
+        </p:nvSpPr>
+        <p:spPr>
+          <a:xfrm>
+            <a:off x="6215242" y="3489952"/>
+            <a:ext cx="189257" cy="178683"/>
+          </a:xfrm>
+          <a:prstGeom prst="rect">
+            <a:avLst/>
+          </a:prstGeom>
+          <a:noFill/>
+        </p:spPr>
+        <p:txBody>
+          <a:bodyPr wrap="square" lIns="0" tIns="0" rIns="0" bIns="0" rtlCol="0">
+            <a:noAutofit/>
+          </a:bodyPr>
+          <a:lstStyle/>
+          <a:p>
+            <a:pPr algn="ctr"/>
+            <a:r>
+              <a:rPr lang="en-US" sz="1100" dirty="0">
+                <a:solidFill>
+                  <a:srgbClr val="7030A0"/>
+                </a:solidFill>
+              </a:rPr>
+              <a:t>1</a:t>
+            </a:r>
+            <a:endParaRPr lang="en-SG" sz="1100" dirty="0">
+              <a:solidFill>
+                <a:srgbClr val="7030A0"/>
+              </a:solidFill>
+            </a:endParaRPr>
+          </a:p>
+        </p:txBody>
+      </p:sp>
+      <p:sp>
+        <p:nvSpPr>
+          <p:cNvPr id="61" name="TextBox 60"/>
+          <p:cNvSpPr txBox="1"/>
+          <p:nvPr/>
+        </p:nvSpPr>
+        <p:spPr>
+          <a:xfrm>
+            <a:off x="6254919" y="3060311"/>
+            <a:ext cx="189257" cy="178683"/>
+          </a:xfrm>
+          <a:prstGeom prst="rect">
+            <a:avLst/>
+          </a:prstGeom>
+          <a:noFill/>
+        </p:spPr>
+        <p:txBody>
+          <a:bodyPr wrap="square" lIns="0" tIns="0" rIns="0" bIns="0" rtlCol="0">
+            <a:noAutofit/>
+          </a:bodyPr>
+          <a:lstStyle/>
+          <a:p>
+            <a:pPr algn="ctr"/>
+            <a:r>
+              <a:rPr lang="en-US" sz="1100" dirty="0">
+                <a:solidFill>
+                  <a:srgbClr val="7030A0"/>
+                </a:solidFill>
+              </a:rPr>
+              <a:t>*</a:t>
+            </a:r>
+            <a:endParaRPr lang="en-SG" sz="1100" dirty="0">
+              <a:solidFill>
+                <a:srgbClr val="7030A0"/>
+              </a:solidFill>
+            </a:endParaRPr>
+          </a:p>
+        </p:txBody>
+      </p:sp>
+      <p:sp>
+        <p:nvSpPr>
+          <p:cNvPr id="65" name="TextBox 64"/>
+          <p:cNvSpPr txBox="1"/>
+          <p:nvPr/>
+        </p:nvSpPr>
+        <p:spPr>
+          <a:xfrm>
+            <a:off x="4718361" y="3019591"/>
+            <a:ext cx="170110" cy="137542"/>
+          </a:xfrm>
+          <a:prstGeom prst="rect">
+            <a:avLst/>
+          </a:prstGeom>
+          <a:noFill/>
+        </p:spPr>
+        <p:txBody>
+          <a:bodyPr wrap="square" lIns="0" tIns="0" rIns="0" bIns="0" rtlCol="0">
+            <a:noAutofit/>
+          </a:bodyPr>
+          <a:lstStyle/>
+          <a:p>
+            <a:pPr algn="ctr"/>
+            <a:r>
+              <a:rPr lang="en-US" sz="1100" dirty="0">
+                <a:solidFill>
+                  <a:srgbClr val="7030A0"/>
+                </a:solidFill>
+              </a:rPr>
+              <a:t>1</a:t>
+            </a:r>
+            <a:endParaRPr lang="en-SG" sz="1100" dirty="0">
+              <a:solidFill>
+                <a:srgbClr val="7030A0"/>
+              </a:solidFill>
+            </a:endParaRPr>
+          </a:p>
+        </p:txBody>
+      </p:sp>
+      <p:sp>
+        <p:nvSpPr>
+          <p:cNvPr id="50" name="TextBox 49">
+            <a:extLst>
+              <a:ext uri="{FF2B5EF4-FFF2-40B4-BE49-F238E27FC236}">
+                <a16:creationId xmlns:a16="http://schemas.microsoft.com/office/drawing/2014/main" id="{B3FA9D57-880F-49C4-AD0B-A64E30D6F403}"/>
+              </a:ext>
+            </a:extLst>
+          </p:cNvPr>
+          <p:cNvSpPr txBox="1"/>
+          <p:nvPr/>
+        </p:nvSpPr>
+        <p:spPr>
+          <a:xfrm>
+            <a:off x="7637331" y="2278214"/>
+            <a:ext cx="189257" cy="178683"/>
+          </a:xfrm>
+          <a:prstGeom prst="rect">
+            <a:avLst/>
+          </a:prstGeom>
+          <a:noFill/>
+        </p:spPr>
+        <p:txBody>
+          <a:bodyPr wrap="square" lIns="0" tIns="0" rIns="0" bIns="0" rtlCol="0">
+            <a:noAutofit/>
+          </a:bodyPr>
+          <a:lstStyle/>
+          <a:p>
+            <a:pPr algn="ctr"/>
+            <a:r>
+              <a:rPr lang="en-US" sz="1100" dirty="0">
+                <a:solidFill>
+                  <a:srgbClr val="7030A0"/>
+                </a:solidFill>
+              </a:rPr>
+              <a:t>*</a:t>
+            </a:r>
+            <a:endParaRPr lang="en-SG" sz="1100" dirty="0">
+              <a:solidFill>
+                <a:srgbClr val="7030A0"/>
+              </a:solidFill>
+            </a:endParaRPr>
+          </a:p>
+        </p:txBody>
+      </p:sp>
+      <p:sp>
+        <p:nvSpPr>
+          <p:cNvPr id="55" name="Rectangle 8"/>
           <p:cNvSpPr/>
           <p:nvPr/>
         </p:nvSpPr>
         <p:spPr>
-          <a:xfrm rot="10800000" flipV="1">
-            <a:off x="3562299" y="2386554"/>
-            <a:ext cx="282387" cy="157062"/>
-          </a:xfrm>
-          <a:prstGeom prst="triangle">
+          <a:xfrm>
+            <a:off x="2774038" y="2331014"/>
+            <a:ext cx="1060683" cy="364396"/>
+          </a:xfrm>
+          <a:prstGeom prst="rect">
             <a:avLst/>
           </a:prstGeom>
-          <a:solidFill>
-            <a:schemeClr val="accent4">
-              <a:lumMod val="20000"/>
-              <a:lumOff val="80000"/>
-            </a:schemeClr>
-          </a:solidFill>
           <a:ln w="19050">
             <a:solidFill>
               <a:srgbClr val="7030A0"/>
@@ -4862,9 +5105,17 @@
           <a:lstStyle/>
           <a:p>
             <a:pPr algn="ctr"/>
-            <a:endParaRPr lang="en-SG" sz="1050" b="1">
+            <a:r>
+              <a:rPr lang="en-US" sz="1050" dirty="0" err="1">
+                <a:solidFill>
+                  <a:srgbClr val="7030A0"/>
+                </a:solidFill>
+              </a:rPr>
+              <a:t>AddressBook</a:t>
+            </a:r>
+            <a:endParaRPr lang="en-SG" sz="1050" dirty="0">
               <a:solidFill>
-                <a:srgbClr val="92D050"/>
+                <a:srgbClr val="7030A0"/>
               </a:solidFill>
             </a:endParaRPr>
           </a:p>
@@ -4872,14 +5123,20 @@
       </p:sp>
       <p:sp>
         <p:nvSpPr>
-          <p:cNvPr id="100" name="Rectangle 8"/>
+          <p:cNvPr id="57" name="Rectangle 8">
+            <a:extLst>
+              <a:ext uri="{FF2B5EF4-FFF2-40B4-BE49-F238E27FC236}">
+                <a16:creationId xmlns:a16="http://schemas.microsoft.com/office/drawing/2014/main" id="{6A42DA50-9012-4391-9EF3-285E4FA3FCD8}"/>
+              </a:ext>
+            </a:extLst>
+          </p:cNvPr>
           <p:cNvSpPr/>
           <p:nvPr/>
         </p:nvSpPr>
         <p:spPr>
           <a:xfrm>
-            <a:off x="1260922" y="1998350"/>
-            <a:ext cx="1443661" cy="364396"/>
+            <a:off x="2995149" y="3969390"/>
+            <a:ext cx="1293486" cy="346760"/>
           </a:xfrm>
           <a:prstGeom prst="rect">
             <a:avLst/>
@@ -4918,780 +5175,6 @@
               </a:rPr>
               <a:t>&lt;&lt;interface&gt;&gt;</a:t>
             </a:r>
-            <a:br>
-              <a:rPr lang="en-US" sz="1050" dirty="0">
-                <a:solidFill>
-                  <a:srgbClr val="7030A0"/>
-                </a:solidFill>
-              </a:rPr>
-            </a:br>
-            <a:r>
-              <a:rPr lang="en-US" sz="1050" dirty="0" err="1">
-                <a:solidFill>
-                  <a:srgbClr val="7030A0"/>
-                </a:solidFill>
-              </a:rPr>
-              <a:t>ReadOnlyAddressBook</a:t>
-            </a:r>
-            <a:endParaRPr lang="en-SG" sz="1050" dirty="0">
-              <a:solidFill>
-                <a:srgbClr val="7030A0"/>
-              </a:solidFill>
-            </a:endParaRPr>
-          </a:p>
-        </p:txBody>
-      </p:sp>
-      <p:sp>
-        <p:nvSpPr>
-          <p:cNvPr id="114" name="TextBox 113"/>
-          <p:cNvSpPr txBox="1"/>
-          <p:nvPr/>
-        </p:nvSpPr>
-        <p:spPr>
-          <a:xfrm rot="16200000">
-            <a:off x="6362886" y="3586305"/>
-            <a:ext cx="881018" cy="261610"/>
-          </a:xfrm>
-          <a:prstGeom prst="rect">
-            <a:avLst/>
-          </a:prstGeom>
-          <a:noFill/>
-        </p:spPr>
-        <p:txBody>
-          <a:bodyPr wrap="square" rtlCol="0">
-            <a:spAutoFit/>
-          </a:bodyPr>
-          <a:lstStyle/>
-          <a:p>
-            <a:pPr algn="r"/>
-            <a:r>
-              <a:rPr lang="en-US" sz="1100" dirty="0">
-                <a:solidFill>
-                  <a:srgbClr val="7030A0"/>
-                </a:solidFill>
-              </a:rPr>
-              <a:t>filtered list</a:t>
-            </a:r>
-            <a:endParaRPr lang="en-SG" sz="1100" dirty="0">
-              <a:solidFill>
-                <a:srgbClr val="7030A0"/>
-              </a:solidFill>
-            </a:endParaRPr>
-          </a:p>
-        </p:txBody>
-      </p:sp>
-      <p:sp>
-        <p:nvSpPr>
-          <p:cNvPr id="122" name="Rectangle 8"/>
-          <p:cNvSpPr/>
-          <p:nvPr/>
-        </p:nvSpPr>
-        <p:spPr>
-          <a:xfrm>
-            <a:off x="2057401" y="4239491"/>
-            <a:ext cx="1066800" cy="346760"/>
-          </a:xfrm>
-          <a:prstGeom prst="rect">
-            <a:avLst/>
-          </a:prstGeom>
-          <a:ln w="19050">
-            <a:solidFill>
-              <a:srgbClr val="7030A0"/>
-            </a:solidFill>
-          </a:ln>
-          <a:effectLst/>
-        </p:spPr>
-        <p:style>
-          <a:lnRef idx="1">
-            <a:schemeClr val="accent4"/>
-          </a:lnRef>
-          <a:fillRef idx="2">
-            <a:schemeClr val="accent4"/>
-          </a:fillRef>
-          <a:effectRef idx="1">
-            <a:schemeClr val="accent4"/>
-          </a:effectRef>
-          <a:fontRef idx="minor">
-            <a:schemeClr val="dk1"/>
-          </a:fontRef>
-        </p:style>
-        <p:txBody>
-          <a:bodyPr rtlCol="0" anchor="ctr"/>
-          <a:lstStyle/>
-          <a:p>
-            <a:pPr algn="ctr"/>
-            <a:r>
-              <a:rPr lang="en-US" sz="1050" dirty="0">
-                <a:solidFill>
-                  <a:srgbClr val="7030A0"/>
-                </a:solidFill>
-              </a:rPr>
-              <a:t>&lt;&lt;interface&gt;&gt;</a:t>
-            </a:r>
-            <a:br>
-              <a:rPr lang="en-US" sz="1050">
-                <a:solidFill>
-                  <a:srgbClr val="7030A0"/>
-                </a:solidFill>
-              </a:rPr>
-            </a:br>
-            <a:r>
-              <a:rPr lang="en-US" sz="1050" dirty="0" err="1">
-                <a:solidFill>
-                  <a:srgbClr val="7030A0"/>
-                </a:solidFill>
-              </a:rPr>
-              <a:t>ObservableList</a:t>
-            </a:r>
-            <a:endParaRPr lang="en-SG" sz="1050" dirty="0">
-              <a:solidFill>
-                <a:srgbClr val="7030A0"/>
-              </a:solidFill>
-            </a:endParaRPr>
-          </a:p>
-        </p:txBody>
-      </p:sp>
-      <p:cxnSp>
-        <p:nvCxnSpPr>
-          <p:cNvPr id="124" name="Elbow Connector 122"/>
-          <p:cNvCxnSpPr>
-            <a:stCxn id="119" idx="1"/>
-            <a:endCxn id="122" idx="1"/>
-          </p:cNvCxnSpPr>
-          <p:nvPr/>
-        </p:nvCxnSpPr>
-        <p:spPr>
-          <a:xfrm rot="16200000" flipH="1">
-            <a:off x="1364475" y="3719944"/>
-            <a:ext cx="831471" cy="554381"/>
-          </a:xfrm>
-          <a:prstGeom prst="bentConnector2">
-            <a:avLst/>
-          </a:prstGeom>
-          <a:ln w="19050">
-            <a:solidFill>
-              <a:srgbClr val="7030A0"/>
-            </a:solidFill>
-            <a:prstDash val="sysDot"/>
-            <a:headEnd type="none" w="med" len="med"/>
-            <a:tailEnd type="arrow" w="med" len="med"/>
-          </a:ln>
-          <a:effectLst/>
-        </p:spPr>
-        <p:style>
-          <a:lnRef idx="1">
-            <a:schemeClr val="accent2"/>
-          </a:lnRef>
-          <a:fillRef idx="2">
-            <a:schemeClr val="accent2"/>
-          </a:fillRef>
-          <a:effectRef idx="1">
-            <a:schemeClr val="accent2"/>
-          </a:effectRef>
-          <a:fontRef idx="minor">
-            <a:schemeClr val="dk1"/>
-          </a:fontRef>
-        </p:style>
-      </p:cxnSp>
-      <p:sp>
-        <p:nvSpPr>
-          <p:cNvPr id="54" name="TextBox 53"/>
-          <p:cNvSpPr txBox="1"/>
-          <p:nvPr/>
-        </p:nvSpPr>
-        <p:spPr>
-          <a:xfrm>
-            <a:off x="4429979" y="3111479"/>
-            <a:ext cx="189257" cy="178683"/>
-          </a:xfrm>
-          <a:prstGeom prst="rect">
-            <a:avLst/>
-          </a:prstGeom>
-          <a:noFill/>
-        </p:spPr>
-        <p:txBody>
-          <a:bodyPr wrap="square" lIns="0" tIns="0" rIns="0" bIns="0" rtlCol="0">
-            <a:noAutofit/>
-          </a:bodyPr>
-          <a:lstStyle/>
-          <a:p>
-            <a:pPr algn="ctr"/>
-            <a:r>
-              <a:rPr lang="en-US" sz="1100" dirty="0">
-                <a:solidFill>
-                  <a:srgbClr val="7030A0"/>
-                </a:solidFill>
-              </a:rPr>
-              <a:t>1</a:t>
-            </a:r>
-            <a:endParaRPr lang="en-SG" sz="1100" dirty="0">
-              <a:solidFill>
-                <a:srgbClr val="7030A0"/>
-              </a:solidFill>
-            </a:endParaRPr>
-          </a:p>
-        </p:txBody>
-      </p:sp>
-      <p:sp>
-        <p:nvSpPr>
-          <p:cNvPr id="61" name="TextBox 60"/>
-          <p:cNvSpPr txBox="1"/>
-          <p:nvPr/>
-        </p:nvSpPr>
-        <p:spPr>
-          <a:xfrm>
-            <a:off x="6135256" y="3097917"/>
-            <a:ext cx="189257" cy="178683"/>
-          </a:xfrm>
-          <a:prstGeom prst="rect">
-            <a:avLst/>
-          </a:prstGeom>
-          <a:noFill/>
-        </p:spPr>
-        <p:txBody>
-          <a:bodyPr wrap="square" lIns="0" tIns="0" rIns="0" bIns="0" rtlCol="0">
-            <a:noAutofit/>
-          </a:bodyPr>
-          <a:lstStyle/>
-          <a:p>
-            <a:pPr algn="ctr"/>
-            <a:r>
-              <a:rPr lang="en-US" sz="1100" dirty="0">
-                <a:solidFill>
-                  <a:srgbClr val="7030A0"/>
-                </a:solidFill>
-              </a:rPr>
-              <a:t>*</a:t>
-            </a:r>
-            <a:endParaRPr lang="en-SG" sz="1100" dirty="0">
-              <a:solidFill>
-                <a:srgbClr val="7030A0"/>
-              </a:solidFill>
-            </a:endParaRPr>
-          </a:p>
-        </p:txBody>
-      </p:sp>
-      <p:sp>
-        <p:nvSpPr>
-          <p:cNvPr id="65" name="TextBox 64"/>
-          <p:cNvSpPr txBox="1"/>
-          <p:nvPr/>
-        </p:nvSpPr>
-        <p:spPr>
-          <a:xfrm>
-            <a:off x="2573394" y="2756715"/>
-            <a:ext cx="170110" cy="137542"/>
-          </a:xfrm>
-          <a:prstGeom prst="rect">
-            <a:avLst/>
-          </a:prstGeom>
-          <a:noFill/>
-        </p:spPr>
-        <p:txBody>
-          <a:bodyPr wrap="square" lIns="0" tIns="0" rIns="0" bIns="0" rtlCol="0">
-            <a:noAutofit/>
-          </a:bodyPr>
-          <a:lstStyle/>
-          <a:p>
-            <a:pPr algn="ctr"/>
-            <a:r>
-              <a:rPr lang="en-US" sz="1100" dirty="0">
-                <a:solidFill>
-                  <a:srgbClr val="7030A0"/>
-                </a:solidFill>
-              </a:rPr>
-              <a:t>1</a:t>
-            </a:r>
-            <a:endParaRPr lang="en-SG" sz="1100" dirty="0">
-              <a:solidFill>
-                <a:srgbClr val="7030A0"/>
-              </a:solidFill>
-            </a:endParaRPr>
-          </a:p>
-        </p:txBody>
-      </p:sp>
-      <p:sp>
-        <p:nvSpPr>
-          <p:cNvPr id="66" name="TextBox 65"/>
-          <p:cNvSpPr txBox="1"/>
-          <p:nvPr/>
-        </p:nvSpPr>
-        <p:spPr>
-          <a:xfrm>
-            <a:off x="2630191" y="3667737"/>
-            <a:ext cx="189257" cy="178683"/>
-          </a:xfrm>
-          <a:prstGeom prst="rect">
-            <a:avLst/>
-          </a:prstGeom>
-          <a:noFill/>
-        </p:spPr>
-        <p:txBody>
-          <a:bodyPr wrap="square" lIns="0" tIns="0" rIns="0" bIns="0" rtlCol="0">
-            <a:noAutofit/>
-          </a:bodyPr>
-          <a:lstStyle/>
-          <a:p>
-            <a:pPr algn="ctr"/>
-            <a:r>
-              <a:rPr lang="en-US" sz="1100" dirty="0">
-                <a:solidFill>
-                  <a:srgbClr val="7030A0"/>
-                </a:solidFill>
-              </a:rPr>
-              <a:t>1</a:t>
-            </a:r>
-            <a:endParaRPr lang="en-SG" sz="1100" dirty="0">
-              <a:solidFill>
-                <a:srgbClr val="7030A0"/>
-              </a:solidFill>
-            </a:endParaRPr>
-          </a:p>
-        </p:txBody>
-      </p:sp>
-      <p:sp>
-        <p:nvSpPr>
-          <p:cNvPr id="70" name="TextBox 69"/>
-          <p:cNvSpPr txBox="1"/>
-          <p:nvPr/>
-        </p:nvSpPr>
-        <p:spPr>
-          <a:xfrm>
-            <a:off x="6449896" y="3204826"/>
-            <a:ext cx="189257" cy="178683"/>
-          </a:xfrm>
-          <a:prstGeom prst="rect">
-            <a:avLst/>
-          </a:prstGeom>
-          <a:noFill/>
-        </p:spPr>
-        <p:txBody>
-          <a:bodyPr wrap="square" lIns="0" tIns="0" rIns="0" bIns="0" rtlCol="0">
-            <a:noAutofit/>
-          </a:bodyPr>
-          <a:lstStyle/>
-          <a:p>
-            <a:pPr algn="ctr"/>
-            <a:r>
-              <a:rPr lang="en-US" sz="1100" dirty="0">
-                <a:solidFill>
-                  <a:srgbClr val="7030A0"/>
-                </a:solidFill>
-              </a:rPr>
-              <a:t>1</a:t>
-            </a:r>
-            <a:endParaRPr lang="en-SG" sz="1100" dirty="0">
-              <a:solidFill>
-                <a:srgbClr val="7030A0"/>
-              </a:solidFill>
-            </a:endParaRPr>
-          </a:p>
-        </p:txBody>
-      </p:sp>
-      <p:sp>
-        <p:nvSpPr>
-          <p:cNvPr id="52" name="Rectangle 8">
-            <a:extLst>
-              <a:ext uri="{FF2B5EF4-FFF2-40B4-BE49-F238E27FC236}">
-                <a16:creationId xmlns:a16="http://schemas.microsoft.com/office/drawing/2014/main" id="{ABDCDBD2-131A-4B66-A2F2-43BBEE82C773}"/>
-              </a:ext>
-            </a:extLst>
-          </p:cNvPr>
-          <p:cNvSpPr/>
-          <p:nvPr/>
-        </p:nvSpPr>
-        <p:spPr>
-          <a:xfrm>
-            <a:off x="7712397" y="2228817"/>
-            <a:ext cx="708186" cy="285783"/>
-          </a:xfrm>
-          <a:prstGeom prst="rect">
-            <a:avLst/>
-          </a:prstGeom>
-          <a:ln w="19050">
-            <a:solidFill>
-              <a:srgbClr val="7030A0"/>
-            </a:solidFill>
-          </a:ln>
-          <a:effectLst/>
-        </p:spPr>
-        <p:style>
-          <a:lnRef idx="1">
-            <a:schemeClr val="accent4"/>
-          </a:lnRef>
-          <a:fillRef idx="2">
-            <a:schemeClr val="accent4"/>
-          </a:fillRef>
-          <a:effectRef idx="1">
-            <a:schemeClr val="accent4"/>
-          </a:effectRef>
-          <a:fontRef idx="minor">
-            <a:schemeClr val="dk1"/>
-          </a:fontRef>
-        </p:style>
-        <p:txBody>
-          <a:bodyPr rtlCol="0" anchor="ctr"/>
-          <a:lstStyle/>
-          <a:p>
-            <a:pPr algn="ctr"/>
-            <a:r>
-              <a:rPr lang="en-US" sz="1050" dirty="0">
-                <a:solidFill>
-                  <a:srgbClr val="7030A0"/>
-                </a:solidFill>
-              </a:rPr>
-              <a:t>Tag</a:t>
-            </a:r>
-            <a:endParaRPr lang="en-SG" sz="1050" dirty="0">
-              <a:solidFill>
-                <a:srgbClr val="7030A0"/>
-              </a:solidFill>
-            </a:endParaRPr>
-          </a:p>
-        </p:txBody>
-      </p:sp>
-      <p:cxnSp>
-        <p:nvCxnSpPr>
-          <p:cNvPr id="53" name="Elbow Connector 78">
-            <a:extLst>
-              <a:ext uri="{FF2B5EF4-FFF2-40B4-BE49-F238E27FC236}">
-                <a16:creationId xmlns:a16="http://schemas.microsoft.com/office/drawing/2014/main" id="{B97967F8-618A-448B-81FD-CDFD4AF0EC64}"/>
-              </a:ext>
-            </a:extLst>
-          </p:cNvPr>
-          <p:cNvCxnSpPr>
-            <a:cxnSpLocks/>
-            <a:stCxn id="78" idx="3"/>
-            <a:endCxn id="52" idx="1"/>
-          </p:cNvCxnSpPr>
-          <p:nvPr/>
-        </p:nvCxnSpPr>
-        <p:spPr>
-          <a:xfrm flipV="1">
-            <a:off x="7277995" y="2371709"/>
-            <a:ext cx="434402" cy="663182"/>
-          </a:xfrm>
-          <a:prstGeom prst="bentConnector3">
-            <a:avLst>
-              <a:gd name="adj1" fmla="val 50000"/>
-            </a:avLst>
-          </a:prstGeom>
-          <a:ln w="19050">
-            <a:solidFill>
-              <a:srgbClr val="7030A0"/>
-            </a:solidFill>
-            <a:headEnd type="none" w="med" len="med"/>
-            <a:tailEnd type="arrow" w="med" len="med"/>
-          </a:ln>
-          <a:effectLst/>
-        </p:spPr>
-        <p:style>
-          <a:lnRef idx="1">
-            <a:schemeClr val="accent2"/>
-          </a:lnRef>
-          <a:fillRef idx="2">
-            <a:schemeClr val="accent2"/>
-          </a:fillRef>
-          <a:effectRef idx="1">
-            <a:schemeClr val="accent2"/>
-          </a:effectRef>
-          <a:fontRef idx="minor">
-            <a:schemeClr val="dk1"/>
-          </a:fontRef>
-        </p:style>
-      </p:cxnSp>
-      <p:sp>
-        <p:nvSpPr>
-          <p:cNvPr id="50" name="TextBox 49">
-            <a:extLst>
-              <a:ext uri="{FF2B5EF4-FFF2-40B4-BE49-F238E27FC236}">
-                <a16:creationId xmlns:a16="http://schemas.microsoft.com/office/drawing/2014/main" id="{B3FA9D57-880F-49C4-AD0B-A64E30D6F403}"/>
-              </a:ext>
-            </a:extLst>
-          </p:cNvPr>
-          <p:cNvSpPr txBox="1"/>
-          <p:nvPr/>
-        </p:nvSpPr>
-        <p:spPr>
-          <a:xfrm>
-            <a:off x="7466243" y="2255711"/>
-            <a:ext cx="189257" cy="178683"/>
-          </a:xfrm>
-          <a:prstGeom prst="rect">
-            <a:avLst/>
-          </a:prstGeom>
-          <a:noFill/>
-        </p:spPr>
-        <p:txBody>
-          <a:bodyPr wrap="square" lIns="0" tIns="0" rIns="0" bIns="0" rtlCol="0">
-            <a:noAutofit/>
-          </a:bodyPr>
-          <a:lstStyle/>
-          <a:p>
-            <a:pPr algn="ctr"/>
-            <a:r>
-              <a:rPr lang="en-US" sz="1100" dirty="0">
-                <a:solidFill>
-                  <a:srgbClr val="7030A0"/>
-                </a:solidFill>
-              </a:rPr>
-              <a:t>*</a:t>
-            </a:r>
-            <a:endParaRPr lang="en-SG" sz="1100" dirty="0">
-              <a:solidFill>
-                <a:srgbClr val="7030A0"/>
-              </a:solidFill>
-            </a:endParaRPr>
-          </a:p>
-        </p:txBody>
-      </p:sp>
-      <p:sp>
-        <p:nvSpPr>
-          <p:cNvPr id="55" name="Rectangle 8"/>
-          <p:cNvSpPr/>
-          <p:nvPr/>
-        </p:nvSpPr>
-        <p:spPr>
-          <a:xfrm>
-            <a:off x="3170181" y="1998350"/>
-            <a:ext cx="1060683" cy="364396"/>
-          </a:xfrm>
-          <a:prstGeom prst="rect">
-            <a:avLst/>
-          </a:prstGeom>
-          <a:ln w="19050">
-            <a:solidFill>
-              <a:srgbClr val="7030A0"/>
-            </a:solidFill>
-          </a:ln>
-          <a:effectLst/>
-        </p:spPr>
-        <p:style>
-          <a:lnRef idx="1">
-            <a:schemeClr val="accent4"/>
-          </a:lnRef>
-          <a:fillRef idx="2">
-            <a:schemeClr val="accent4"/>
-          </a:fillRef>
-          <a:effectRef idx="1">
-            <a:schemeClr val="accent4"/>
-          </a:effectRef>
-          <a:fontRef idx="minor">
-            <a:schemeClr val="dk1"/>
-          </a:fontRef>
-        </p:style>
-        <p:txBody>
-          <a:bodyPr rtlCol="0" anchor="ctr"/>
-          <a:lstStyle/>
-          <a:p>
-            <a:pPr algn="ctr"/>
-            <a:r>
-              <a:rPr lang="en-US" sz="1050" dirty="0" err="1">
-                <a:solidFill>
-                  <a:srgbClr val="7030A0"/>
-                </a:solidFill>
-              </a:rPr>
-              <a:t>AddressBook</a:t>
-            </a:r>
-            <a:endParaRPr lang="en-SG" sz="1050" dirty="0">
-              <a:solidFill>
-                <a:srgbClr val="7030A0"/>
-              </a:solidFill>
-            </a:endParaRPr>
-          </a:p>
-        </p:txBody>
-      </p:sp>
-      <p:cxnSp>
-        <p:nvCxnSpPr>
-          <p:cNvPr id="60" name="Straight Arrow Connector 59"/>
-          <p:cNvCxnSpPr>
-            <a:stCxn id="51" idx="1"/>
-            <a:endCxn id="49" idx="1"/>
-          </p:cNvCxnSpPr>
-          <p:nvPr/>
-        </p:nvCxnSpPr>
-        <p:spPr>
-          <a:xfrm>
-            <a:off x="4324972" y="3007222"/>
-            <a:ext cx="367678" cy="12320"/>
-          </a:xfrm>
-          <a:prstGeom prst="straightConnector1">
-            <a:avLst/>
-          </a:prstGeom>
-          <a:ln w="19050">
-            <a:solidFill>
-              <a:srgbClr val="7030A0"/>
-            </a:solidFill>
-            <a:headEnd type="none" w="med" len="med"/>
-            <a:tailEnd type="arrow" w="med" len="med"/>
-          </a:ln>
-          <a:effectLst/>
-        </p:spPr>
-        <p:style>
-          <a:lnRef idx="1">
-            <a:schemeClr val="accent2"/>
-          </a:lnRef>
-          <a:fillRef idx="2">
-            <a:schemeClr val="accent2"/>
-          </a:fillRef>
-          <a:effectRef idx="1">
-            <a:schemeClr val="accent2"/>
-          </a:effectRef>
-          <a:fontRef idx="minor">
-            <a:schemeClr val="dk1"/>
-          </a:fontRef>
-        </p:style>
-      </p:cxnSp>
-      <p:sp>
-        <p:nvSpPr>
-          <p:cNvPr id="68" name="Isosceles Triangle 102"/>
-          <p:cNvSpPr/>
-          <p:nvPr/>
-        </p:nvSpPr>
-        <p:spPr>
-          <a:xfrm rot="16200000">
-            <a:off x="2669073" y="2069158"/>
-            <a:ext cx="271014" cy="187417"/>
-          </a:xfrm>
-          <a:prstGeom prst="triangle">
-            <a:avLst>
-              <a:gd name="adj" fmla="val 44517"/>
-            </a:avLst>
-          </a:prstGeom>
-          <a:solidFill>
-            <a:schemeClr val="accent4">
-              <a:lumMod val="20000"/>
-              <a:lumOff val="80000"/>
-            </a:schemeClr>
-          </a:solidFill>
-          <a:ln w="19050">
-            <a:solidFill>
-              <a:srgbClr val="7030A0"/>
-            </a:solidFill>
-          </a:ln>
-          <a:effectLst/>
-        </p:spPr>
-        <p:style>
-          <a:lnRef idx="1">
-            <a:schemeClr val="accent6"/>
-          </a:lnRef>
-          <a:fillRef idx="2">
-            <a:schemeClr val="accent6"/>
-          </a:fillRef>
-          <a:effectRef idx="1">
-            <a:schemeClr val="accent6"/>
-          </a:effectRef>
-          <a:fontRef idx="minor">
-            <a:schemeClr val="dk1"/>
-          </a:fontRef>
-        </p:style>
-        <p:txBody>
-          <a:bodyPr rtlCol="0" anchor="ctr"/>
-          <a:lstStyle/>
-          <a:p>
-            <a:pPr algn="ctr"/>
-            <a:endParaRPr lang="en-SG" sz="1050"/>
-          </a:p>
-        </p:txBody>
-      </p:sp>
-      <p:cxnSp>
-        <p:nvCxnSpPr>
-          <p:cNvPr id="69" name="Elbow Connector 63"/>
-          <p:cNvCxnSpPr>
-            <a:stCxn id="68" idx="3"/>
-            <a:endCxn id="55" idx="1"/>
-          </p:cNvCxnSpPr>
-          <p:nvPr/>
-        </p:nvCxnSpPr>
-        <p:spPr>
-          <a:xfrm>
-            <a:off x="2898289" y="2177727"/>
-            <a:ext cx="271892" cy="2821"/>
-          </a:xfrm>
-          <a:prstGeom prst="bentConnector3">
-            <a:avLst>
-              <a:gd name="adj1" fmla="val 50000"/>
-            </a:avLst>
-          </a:prstGeom>
-          <a:ln w="19050">
-            <a:solidFill>
-              <a:srgbClr val="7030A0"/>
-            </a:solidFill>
-            <a:prstDash val="sysDot"/>
-            <a:headEnd type="none" w="med" len="med"/>
-            <a:tailEnd type="none" w="med" len="med"/>
-          </a:ln>
-          <a:effectLst/>
-        </p:spPr>
-        <p:style>
-          <a:lnRef idx="1">
-            <a:schemeClr val="accent2"/>
-          </a:lnRef>
-          <a:fillRef idx="2">
-            <a:schemeClr val="accent2"/>
-          </a:fillRef>
-          <a:effectRef idx="1">
-            <a:schemeClr val="accent2"/>
-          </a:effectRef>
-          <a:fontRef idx="minor">
-            <a:schemeClr val="dk1"/>
-          </a:fontRef>
-        </p:style>
-      </p:cxnSp>
-      <p:sp>
-        <p:nvSpPr>
-          <p:cNvPr id="57" name="Rectangle 8">
-            <a:extLst>
-              <a:ext uri="{FF2B5EF4-FFF2-40B4-BE49-F238E27FC236}">
-                <a16:creationId xmlns:a16="http://schemas.microsoft.com/office/drawing/2014/main" id="{6A42DA50-9012-4391-9EF3-285E4FA3FCD8}"/>
-              </a:ext>
-            </a:extLst>
-          </p:cNvPr>
-          <p:cNvSpPr/>
-          <p:nvPr/>
-        </p:nvSpPr>
-        <p:spPr>
-          <a:xfrm>
-            <a:off x="4238892" y="3460864"/>
-            <a:ext cx="1293486" cy="346760"/>
-          </a:xfrm>
-          <a:prstGeom prst="rect">
-            <a:avLst/>
-          </a:prstGeom>
-          <a:ln w="19050">
-            <a:solidFill>
-              <a:srgbClr val="7030A0"/>
-            </a:solidFill>
-          </a:ln>
-          <a:effectLst/>
-        </p:spPr>
-        <p:style>
-          <a:lnRef idx="1">
-            <a:schemeClr val="accent4"/>
-          </a:lnRef>
-          <a:fillRef idx="2">
-            <a:schemeClr val="accent4"/>
-          </a:fillRef>
-          <a:effectRef idx="1">
-            <a:schemeClr val="accent4"/>
-          </a:effectRef>
-          <a:fontRef idx="minor">
-            <a:schemeClr val="dk1"/>
-          </a:fontRef>
-        </p:style>
-        <p:txBody>
-          <a:bodyPr rtlCol="0" anchor="ctr"/>
-          <a:lstStyle/>
-          <a:p>
-            <a:pPr algn="ctr"/>
-            <a:r>
-              <a:rPr lang="en-US" sz="1050" dirty="0">
-                <a:solidFill>
-                  <a:srgbClr val="7030A0"/>
-                </a:solidFill>
-              </a:rPr>
-              <a:t>&lt;&lt;interface&gt;&gt;</a:t>
-            </a:r>
           </a:p>
           <a:p>
             <a:pPr algn="ctr"/>
@@ -5725,12 +5208,12 @@
         </p:nvSpPr>
         <p:spPr>
           <a:xfrm rot="5400000" flipH="1">
-            <a:off x="3992636" y="3514414"/>
+            <a:off x="2753345" y="4027384"/>
             <a:ext cx="271014" cy="221497"/>
           </a:xfrm>
           <a:prstGeom prst="triangle">
             <a:avLst>
-              <a:gd name="adj" fmla="val 44517"/>
+              <a:gd name="adj" fmla="val 50863"/>
             </a:avLst>
           </a:prstGeom>
           <a:solidFill>
@@ -5787,8 +5270,8 @@
         </p:nvCxnSpPr>
         <p:spPr>
           <a:xfrm rot="10800000">
-            <a:off x="3703491" y="3636621"/>
-            <a:ext cx="313904" cy="3403"/>
+            <a:off x="2593694" y="4135780"/>
+            <a:ext cx="184411" cy="14"/>
           </a:xfrm>
           <a:prstGeom prst="bentConnector3">
             <a:avLst>
@@ -5820,6 +5303,1717 @@
           </a:fontRef>
         </p:style>
       </p:cxnSp>
+      <p:cxnSp>
+        <p:nvCxnSpPr>
+          <p:cNvPr id="108" name="Straight Arrow Connector 107">
+            <a:extLst>
+              <a:ext uri="{FF2B5EF4-FFF2-40B4-BE49-F238E27FC236}">
+                <a16:creationId xmlns:a16="http://schemas.microsoft.com/office/drawing/2014/main" id="{581325C6-90C1-9143-B72F-29C22B709A28}"/>
+              </a:ext>
+            </a:extLst>
+          </p:cNvPr>
+          <p:cNvCxnSpPr>
+            <a:cxnSpLocks/>
+            <a:stCxn id="63" idx="3"/>
+            <a:endCxn id="62" idx="1"/>
+          </p:cNvCxnSpPr>
+          <p:nvPr/>
+        </p:nvCxnSpPr>
+        <p:spPr>
+          <a:xfrm>
+            <a:off x="6234028" y="3234580"/>
+            <a:ext cx="166772" cy="0"/>
+          </a:xfrm>
+          <a:prstGeom prst="straightConnector1">
+            <a:avLst/>
+          </a:prstGeom>
+          <a:ln w="19050">
+            <a:solidFill>
+              <a:srgbClr val="7030A0"/>
+            </a:solidFill>
+            <a:headEnd type="none" w="med" len="med"/>
+            <a:tailEnd type="arrow" w="med" len="med"/>
+          </a:ln>
+          <a:effectLst/>
+        </p:spPr>
+        <p:style>
+          <a:lnRef idx="1">
+            <a:schemeClr val="accent2"/>
+          </a:lnRef>
+          <a:fillRef idx="2">
+            <a:schemeClr val="accent2"/>
+          </a:fillRef>
+          <a:effectRef idx="1">
+            <a:schemeClr val="accent2"/>
+          </a:effectRef>
+          <a:fontRef idx="minor">
+            <a:schemeClr val="dk1"/>
+          </a:fontRef>
+        </p:style>
+      </p:cxnSp>
+      <p:cxnSp>
+        <p:nvCxnSpPr>
+          <p:cNvPr id="134" name="Elbow Connector 133">
+            <a:extLst>
+              <a:ext uri="{FF2B5EF4-FFF2-40B4-BE49-F238E27FC236}">
+                <a16:creationId xmlns:a16="http://schemas.microsoft.com/office/drawing/2014/main" id="{FFE30C1B-5DD9-6A4D-BB3B-D6F4DE670CC3}"/>
+              </a:ext>
+            </a:extLst>
+          </p:cNvPr>
+          <p:cNvCxnSpPr>
+            <a:cxnSpLocks/>
+            <a:endCxn id="76" idx="1"/>
+          </p:cNvCxnSpPr>
+          <p:nvPr/>
+        </p:nvCxnSpPr>
+        <p:spPr>
+          <a:xfrm flipV="1">
+            <a:off x="7318542" y="2887859"/>
+            <a:ext cx="431472" cy="349706"/>
+          </a:xfrm>
+          <a:prstGeom prst="bentConnector3">
+            <a:avLst>
+              <a:gd name="adj1" fmla="val 52943"/>
+            </a:avLst>
+          </a:prstGeom>
+          <a:ln w="19050">
+            <a:solidFill>
+              <a:srgbClr val="7030A0"/>
+            </a:solidFill>
+            <a:headEnd type="none" w="med" len="med"/>
+            <a:tailEnd type="arrow" w="med" len="med"/>
+          </a:ln>
+          <a:effectLst/>
+        </p:spPr>
+        <p:style>
+          <a:lnRef idx="1">
+            <a:schemeClr val="accent2"/>
+          </a:lnRef>
+          <a:fillRef idx="2">
+            <a:schemeClr val="accent2"/>
+          </a:fillRef>
+          <a:effectRef idx="1">
+            <a:schemeClr val="accent2"/>
+          </a:effectRef>
+          <a:fontRef idx="minor">
+            <a:schemeClr val="dk1"/>
+          </a:fontRef>
+        </p:style>
+      </p:cxnSp>
+      <p:sp>
+        <p:nvSpPr>
+          <p:cNvPr id="113" name="Isosceles Triangle 102">
+            <a:extLst>
+              <a:ext uri="{FF2B5EF4-FFF2-40B4-BE49-F238E27FC236}">
+                <a16:creationId xmlns:a16="http://schemas.microsoft.com/office/drawing/2014/main" id="{CA556371-A7A4-405D-8BEF-11484C6A0C9D}"/>
+              </a:ext>
+            </a:extLst>
+          </p:cNvPr>
+          <p:cNvSpPr/>
+          <p:nvPr/>
+        </p:nvSpPr>
+        <p:spPr>
+          <a:xfrm rot="10800000" flipV="1">
+            <a:off x="3163186" y="2714551"/>
+            <a:ext cx="282387" cy="181048"/>
+          </a:xfrm>
+          <a:prstGeom prst="triangle">
+            <a:avLst/>
+          </a:prstGeom>
+          <a:solidFill>
+            <a:schemeClr val="accent4">
+              <a:lumMod val="20000"/>
+              <a:lumOff val="80000"/>
+            </a:schemeClr>
+          </a:solidFill>
+          <a:ln w="19050">
+            <a:solidFill>
+              <a:srgbClr val="7030A0"/>
+            </a:solidFill>
+          </a:ln>
+          <a:effectLst/>
+        </p:spPr>
+        <p:style>
+          <a:lnRef idx="1">
+            <a:schemeClr val="accent4"/>
+          </a:lnRef>
+          <a:fillRef idx="2">
+            <a:schemeClr val="accent4"/>
+          </a:fillRef>
+          <a:effectRef idx="1">
+            <a:schemeClr val="accent4"/>
+          </a:effectRef>
+          <a:fontRef idx="minor">
+            <a:schemeClr val="dk1"/>
+          </a:fontRef>
+        </p:style>
+        <p:txBody>
+          <a:bodyPr rtlCol="0" anchor="ctr"/>
+          <a:lstStyle/>
+          <a:p>
+            <a:pPr algn="ctr"/>
+            <a:endParaRPr lang="en-SG" sz="1050" b="1">
+              <a:solidFill>
+                <a:srgbClr val="92D050"/>
+              </a:solidFill>
+            </a:endParaRPr>
+          </a:p>
+        </p:txBody>
+      </p:sp>
+      <p:sp>
+        <p:nvSpPr>
+          <p:cNvPr id="116" name="Isosceles Triangle 102">
+            <a:extLst>
+              <a:ext uri="{FF2B5EF4-FFF2-40B4-BE49-F238E27FC236}">
+                <a16:creationId xmlns:a16="http://schemas.microsoft.com/office/drawing/2014/main" id="{1BB5F5BC-A0C7-4435-813E-388F8F7DEB21}"/>
+              </a:ext>
+            </a:extLst>
+          </p:cNvPr>
+          <p:cNvSpPr/>
+          <p:nvPr/>
+        </p:nvSpPr>
+        <p:spPr>
+          <a:xfrm rot="10800000" flipV="1">
+            <a:off x="3163186" y="1945242"/>
+            <a:ext cx="282387" cy="157062"/>
+          </a:xfrm>
+          <a:prstGeom prst="triangle">
+            <a:avLst/>
+          </a:prstGeom>
+          <a:solidFill>
+            <a:schemeClr val="accent4">
+              <a:lumMod val="20000"/>
+              <a:lumOff val="80000"/>
+            </a:schemeClr>
+          </a:solidFill>
+          <a:ln w="19050">
+            <a:solidFill>
+              <a:srgbClr val="7030A0"/>
+            </a:solidFill>
+          </a:ln>
+          <a:effectLst/>
+        </p:spPr>
+        <p:style>
+          <a:lnRef idx="1">
+            <a:schemeClr val="accent4"/>
+          </a:lnRef>
+          <a:fillRef idx="2">
+            <a:schemeClr val="accent4"/>
+          </a:fillRef>
+          <a:effectRef idx="1">
+            <a:schemeClr val="accent4"/>
+          </a:effectRef>
+          <a:fontRef idx="minor">
+            <a:schemeClr val="dk1"/>
+          </a:fontRef>
+        </p:style>
+        <p:txBody>
+          <a:bodyPr rtlCol="0" anchor="ctr"/>
+          <a:lstStyle/>
+          <a:p>
+            <a:pPr algn="ctr"/>
+            <a:endParaRPr lang="en-SG" sz="1050" b="1">
+              <a:solidFill>
+                <a:srgbClr val="92D050"/>
+              </a:solidFill>
+            </a:endParaRPr>
+          </a:p>
+        </p:txBody>
+      </p:sp>
+      <p:cxnSp>
+        <p:nvCxnSpPr>
+          <p:cNvPr id="123" name="Straight Arrow Connector 122">
+            <a:extLst>
+              <a:ext uri="{FF2B5EF4-FFF2-40B4-BE49-F238E27FC236}">
+                <a16:creationId xmlns:a16="http://schemas.microsoft.com/office/drawing/2014/main" id="{C1BF3140-CF0E-4CD6-B729-048F4DB361D2}"/>
+              </a:ext>
+            </a:extLst>
+          </p:cNvPr>
+          <p:cNvCxnSpPr>
+            <a:cxnSpLocks/>
+            <a:stCxn id="125" idx="3"/>
+            <a:endCxn id="49" idx="1"/>
+          </p:cNvCxnSpPr>
+          <p:nvPr/>
+        </p:nvCxnSpPr>
+        <p:spPr>
+          <a:xfrm flipV="1">
+            <a:off x="4267200" y="3238825"/>
+            <a:ext cx="575687" cy="4998"/>
+          </a:xfrm>
+          <a:prstGeom prst="straightConnector1">
+            <a:avLst/>
+          </a:prstGeom>
+          <a:ln w="19050">
+            <a:solidFill>
+              <a:srgbClr val="7030A0"/>
+            </a:solidFill>
+            <a:headEnd type="none" w="med" len="med"/>
+            <a:tailEnd type="arrow" w="med" len="med"/>
+          </a:ln>
+          <a:effectLst/>
+        </p:spPr>
+        <p:style>
+          <a:lnRef idx="1">
+            <a:schemeClr val="accent2"/>
+          </a:lnRef>
+          <a:fillRef idx="2">
+            <a:schemeClr val="accent2"/>
+          </a:fillRef>
+          <a:effectRef idx="1">
+            <a:schemeClr val="accent2"/>
+          </a:effectRef>
+          <a:fontRef idx="minor">
+            <a:schemeClr val="dk1"/>
+          </a:fontRef>
+        </p:style>
+      </p:cxnSp>
+      <p:sp>
+        <p:nvSpPr>
+          <p:cNvPr id="125" name="Flowchart: Decision 96">
+            <a:extLst>
+              <a:ext uri="{FF2B5EF4-FFF2-40B4-BE49-F238E27FC236}">
+                <a16:creationId xmlns:a16="http://schemas.microsoft.com/office/drawing/2014/main" id="{17206BA8-48D1-4BED-AB62-CF8BD0E16760}"/>
+              </a:ext>
+            </a:extLst>
+          </p:cNvPr>
+          <p:cNvSpPr/>
+          <p:nvPr/>
+        </p:nvSpPr>
+        <p:spPr>
+          <a:xfrm>
+            <a:off x="4031152" y="3157133"/>
+            <a:ext cx="236048" cy="173380"/>
+          </a:xfrm>
+          <a:prstGeom prst="flowChartDecision">
+            <a:avLst/>
+          </a:prstGeom>
+          <a:solidFill>
+            <a:srgbClr val="7030A0"/>
+          </a:solidFill>
+          <a:ln w="19050">
+            <a:solidFill>
+              <a:srgbClr val="7030A0"/>
+            </a:solidFill>
+          </a:ln>
+          <a:effectLst/>
+        </p:spPr>
+        <p:style>
+          <a:lnRef idx="1">
+            <a:schemeClr val="accent6"/>
+          </a:lnRef>
+          <a:fillRef idx="2">
+            <a:schemeClr val="accent6"/>
+          </a:fillRef>
+          <a:effectRef idx="1">
+            <a:schemeClr val="accent6"/>
+          </a:effectRef>
+          <a:fontRef idx="minor">
+            <a:schemeClr val="dk1"/>
+          </a:fontRef>
+        </p:style>
+        <p:txBody>
+          <a:bodyPr rtlCol="0" anchor="ctr"/>
+          <a:lstStyle/>
+          <a:p>
+            <a:pPr algn="ctr"/>
+            <a:endParaRPr lang="en-US" sz="1050" dirty="0"/>
+          </a:p>
+        </p:txBody>
+      </p:sp>
+      <p:sp>
+        <p:nvSpPr>
+          <p:cNvPr id="154" name="Isosceles Triangle 102">
+            <a:extLst>
+              <a:ext uri="{FF2B5EF4-FFF2-40B4-BE49-F238E27FC236}">
+                <a16:creationId xmlns:a16="http://schemas.microsoft.com/office/drawing/2014/main" id="{2C193D8F-ECFC-4A1B-8A64-641E87F72D0F}"/>
+              </a:ext>
+            </a:extLst>
+          </p:cNvPr>
+          <p:cNvSpPr/>
+          <p:nvPr/>
+        </p:nvSpPr>
+        <p:spPr>
+          <a:xfrm rot="10800000" flipV="1">
+            <a:off x="6605664" y="3416965"/>
+            <a:ext cx="282387" cy="181048"/>
+          </a:xfrm>
+          <a:prstGeom prst="triangle">
+            <a:avLst/>
+          </a:prstGeom>
+          <a:solidFill>
+            <a:schemeClr val="accent4">
+              <a:lumMod val="20000"/>
+              <a:lumOff val="80000"/>
+            </a:schemeClr>
+          </a:solidFill>
+          <a:ln w="19050">
+            <a:solidFill>
+              <a:srgbClr val="7030A0"/>
+            </a:solidFill>
+          </a:ln>
+          <a:effectLst/>
+        </p:spPr>
+        <p:style>
+          <a:lnRef idx="1">
+            <a:schemeClr val="accent4"/>
+          </a:lnRef>
+          <a:fillRef idx="2">
+            <a:schemeClr val="accent4"/>
+          </a:fillRef>
+          <a:effectRef idx="1">
+            <a:schemeClr val="accent4"/>
+          </a:effectRef>
+          <a:fontRef idx="minor">
+            <a:schemeClr val="dk1"/>
+          </a:fontRef>
+        </p:style>
+        <p:txBody>
+          <a:bodyPr rtlCol="0" anchor="ctr"/>
+          <a:lstStyle/>
+          <a:p>
+            <a:pPr algn="ctr"/>
+            <a:endParaRPr lang="en-SG" sz="1050" b="1">
+              <a:solidFill>
+                <a:srgbClr val="92D050"/>
+              </a:solidFill>
+            </a:endParaRPr>
+          </a:p>
+        </p:txBody>
+      </p:sp>
+      <p:cxnSp>
+        <p:nvCxnSpPr>
+          <p:cNvPr id="155" name="Elbow Connector 73">
+            <a:extLst>
+              <a:ext uri="{FF2B5EF4-FFF2-40B4-BE49-F238E27FC236}">
+                <a16:creationId xmlns:a16="http://schemas.microsoft.com/office/drawing/2014/main" id="{9069AF4E-023F-4BD5-8072-03859742E63E}"/>
+              </a:ext>
+            </a:extLst>
+          </p:cNvPr>
+          <p:cNvCxnSpPr>
+            <a:cxnSpLocks/>
+            <a:stCxn id="154" idx="3"/>
+            <a:endCxn id="241" idx="0"/>
+          </p:cNvCxnSpPr>
+          <p:nvPr/>
+        </p:nvCxnSpPr>
+        <p:spPr>
+          <a:xfrm rot="16200000" flipH="1">
+            <a:off x="6694555" y="3650314"/>
+            <a:ext cx="531131" cy="426527"/>
+          </a:xfrm>
+          <a:prstGeom prst="bentConnector3">
+            <a:avLst>
+              <a:gd name="adj1" fmla="val 50000"/>
+            </a:avLst>
+          </a:prstGeom>
+          <a:ln w="19050">
+            <a:solidFill>
+              <a:srgbClr val="7030A0"/>
+            </a:solidFill>
+            <a:prstDash val="sysDot"/>
+            <a:headEnd type="none" w="med" len="med"/>
+            <a:tailEnd type="none" w="med" len="med"/>
+          </a:ln>
+          <a:effectLst/>
+        </p:spPr>
+        <p:style>
+          <a:lnRef idx="1">
+            <a:schemeClr val="accent2"/>
+          </a:lnRef>
+          <a:fillRef idx="2">
+            <a:schemeClr val="accent2"/>
+          </a:fillRef>
+          <a:effectRef idx="1">
+            <a:schemeClr val="accent2"/>
+          </a:effectRef>
+          <a:fontRef idx="minor">
+            <a:schemeClr val="dk1"/>
+          </a:fontRef>
+        </p:style>
+      </p:cxnSp>
+      <p:cxnSp>
+        <p:nvCxnSpPr>
+          <p:cNvPr id="157" name="Elbow Connector 73">
+            <a:extLst>
+              <a:ext uri="{FF2B5EF4-FFF2-40B4-BE49-F238E27FC236}">
+                <a16:creationId xmlns:a16="http://schemas.microsoft.com/office/drawing/2014/main" id="{54FFA195-600D-4F1E-B020-A4D2D49CA096}"/>
+              </a:ext>
+            </a:extLst>
+          </p:cNvPr>
+          <p:cNvCxnSpPr>
+            <a:cxnSpLocks/>
+            <a:stCxn id="154" idx="3"/>
+            <a:endCxn id="240" idx="1"/>
+          </p:cNvCxnSpPr>
+          <p:nvPr/>
+        </p:nvCxnSpPr>
+        <p:spPr>
+          <a:xfrm rot="16200000" flipH="1">
+            <a:off x="6196274" y="4148596"/>
+            <a:ext cx="1178828" cy="77662"/>
+          </a:xfrm>
+          <a:prstGeom prst="bentConnector2">
+            <a:avLst/>
+          </a:prstGeom>
+          <a:ln w="19050">
+            <a:solidFill>
+              <a:srgbClr val="7030A0"/>
+            </a:solidFill>
+            <a:prstDash val="sysDot"/>
+            <a:headEnd type="none" w="med" len="med"/>
+            <a:tailEnd type="none" w="med" len="med"/>
+          </a:ln>
+          <a:effectLst/>
+        </p:spPr>
+        <p:style>
+          <a:lnRef idx="1">
+            <a:schemeClr val="accent2"/>
+          </a:lnRef>
+          <a:fillRef idx="2">
+            <a:schemeClr val="accent2"/>
+          </a:fillRef>
+          <a:effectRef idx="1">
+            <a:schemeClr val="accent2"/>
+          </a:effectRef>
+          <a:fontRef idx="minor">
+            <a:schemeClr val="dk1"/>
+          </a:fontRef>
+        </p:style>
+      </p:cxnSp>
+      <p:sp>
+        <p:nvSpPr>
+          <p:cNvPr id="158" name="Rectangle 8">
+            <a:extLst>
+              <a:ext uri="{FF2B5EF4-FFF2-40B4-BE49-F238E27FC236}">
+                <a16:creationId xmlns:a16="http://schemas.microsoft.com/office/drawing/2014/main" id="{D5F33D29-6377-49BD-9EF6-3F000388DCA0}"/>
+              </a:ext>
+            </a:extLst>
+          </p:cNvPr>
+          <p:cNvSpPr/>
+          <p:nvPr/>
+        </p:nvSpPr>
+        <p:spPr>
+          <a:xfrm>
+            <a:off x="5042021" y="2098071"/>
+            <a:ext cx="708186" cy="346760"/>
+          </a:xfrm>
+          <a:prstGeom prst="rect">
+            <a:avLst/>
+          </a:prstGeom>
+          <a:ln w="19050">
+            <a:solidFill>
+              <a:srgbClr val="7030A0"/>
+            </a:solidFill>
+          </a:ln>
+          <a:effectLst/>
+        </p:spPr>
+        <p:style>
+          <a:lnRef idx="1">
+            <a:schemeClr val="accent4"/>
+          </a:lnRef>
+          <a:fillRef idx="2">
+            <a:schemeClr val="accent4"/>
+          </a:fillRef>
+          <a:effectRef idx="1">
+            <a:schemeClr val="accent4"/>
+          </a:effectRef>
+          <a:fontRef idx="minor">
+            <a:schemeClr val="dk1"/>
+          </a:fontRef>
+        </p:style>
+        <p:txBody>
+          <a:bodyPr rtlCol="0" anchor="ctr"/>
+          <a:lstStyle/>
+          <a:p>
+            <a:pPr algn="ctr"/>
+            <a:r>
+              <a:rPr lang="en-US" sz="1050" dirty="0">
+                <a:solidFill>
+                  <a:srgbClr val="7030A0"/>
+                </a:solidFill>
+              </a:rPr>
+              <a:t>Landlord</a:t>
+            </a:r>
+            <a:endParaRPr lang="en-SG" sz="1050" dirty="0">
+              <a:solidFill>
+                <a:srgbClr val="7030A0"/>
+              </a:solidFill>
+            </a:endParaRPr>
+          </a:p>
+        </p:txBody>
+      </p:sp>
+      <p:sp>
+        <p:nvSpPr>
+          <p:cNvPr id="159" name="Rectangle 8">
+            <a:extLst>
+              <a:ext uri="{FF2B5EF4-FFF2-40B4-BE49-F238E27FC236}">
+                <a16:creationId xmlns:a16="http://schemas.microsoft.com/office/drawing/2014/main" id="{15AAA013-3ED8-4A37-BED7-B5EDE5400B82}"/>
+              </a:ext>
+            </a:extLst>
+          </p:cNvPr>
+          <p:cNvSpPr/>
+          <p:nvPr/>
+        </p:nvSpPr>
+        <p:spPr>
+          <a:xfrm>
+            <a:off x="5035044" y="1550571"/>
+            <a:ext cx="708186" cy="346760"/>
+          </a:xfrm>
+          <a:prstGeom prst="rect">
+            <a:avLst/>
+          </a:prstGeom>
+          <a:ln w="19050">
+            <a:solidFill>
+              <a:srgbClr val="7030A0"/>
+            </a:solidFill>
+          </a:ln>
+          <a:effectLst/>
+        </p:spPr>
+        <p:style>
+          <a:lnRef idx="1">
+            <a:schemeClr val="accent4"/>
+          </a:lnRef>
+          <a:fillRef idx="2">
+            <a:schemeClr val="accent4"/>
+          </a:fillRef>
+          <a:effectRef idx="1">
+            <a:schemeClr val="accent4"/>
+          </a:effectRef>
+          <a:fontRef idx="minor">
+            <a:schemeClr val="dk1"/>
+          </a:fontRef>
+        </p:style>
+        <p:txBody>
+          <a:bodyPr rtlCol="0" anchor="ctr"/>
+          <a:lstStyle/>
+          <a:p>
+            <a:pPr algn="ctr"/>
+            <a:r>
+              <a:rPr lang="en-US" sz="1050" dirty="0">
+                <a:solidFill>
+                  <a:srgbClr val="7030A0"/>
+                </a:solidFill>
+              </a:rPr>
+              <a:t>Seller</a:t>
+            </a:r>
+            <a:endParaRPr lang="en-SG" sz="1050" dirty="0">
+              <a:solidFill>
+                <a:srgbClr val="7030A0"/>
+              </a:solidFill>
+            </a:endParaRPr>
+          </a:p>
+        </p:txBody>
+      </p:sp>
+      <p:sp>
+        <p:nvSpPr>
+          <p:cNvPr id="171" name="Rectangle 8">
+            <a:extLst>
+              <a:ext uri="{FF2B5EF4-FFF2-40B4-BE49-F238E27FC236}">
+                <a16:creationId xmlns:a16="http://schemas.microsoft.com/office/drawing/2014/main" id="{1BB926A5-1B76-4D0C-9B81-71EDBF7B77A8}"/>
+              </a:ext>
+            </a:extLst>
+          </p:cNvPr>
+          <p:cNvSpPr/>
+          <p:nvPr/>
+        </p:nvSpPr>
+        <p:spPr>
+          <a:xfrm>
+            <a:off x="6423589" y="1914040"/>
+            <a:ext cx="708186" cy="346760"/>
+          </a:xfrm>
+          <a:prstGeom prst="rect">
+            <a:avLst/>
+          </a:prstGeom>
+          <a:ln w="19050">
+            <a:solidFill>
+              <a:srgbClr val="7030A0"/>
+            </a:solidFill>
+          </a:ln>
+          <a:effectLst/>
+        </p:spPr>
+        <p:style>
+          <a:lnRef idx="1">
+            <a:schemeClr val="accent4"/>
+          </a:lnRef>
+          <a:fillRef idx="2">
+            <a:schemeClr val="accent4"/>
+          </a:fillRef>
+          <a:effectRef idx="1">
+            <a:schemeClr val="accent4"/>
+          </a:effectRef>
+          <a:fontRef idx="minor">
+            <a:schemeClr val="dk1"/>
+          </a:fontRef>
+        </p:style>
+        <p:txBody>
+          <a:bodyPr rtlCol="0" anchor="ctr"/>
+          <a:lstStyle/>
+          <a:p>
+            <a:pPr algn="ctr"/>
+            <a:r>
+              <a:rPr lang="en-US" sz="1050" dirty="0">
+                <a:solidFill>
+                  <a:srgbClr val="7030A0"/>
+                </a:solidFill>
+              </a:rPr>
+              <a:t>Property</a:t>
+            </a:r>
+            <a:endParaRPr lang="en-SG" sz="1050" dirty="0">
+              <a:solidFill>
+                <a:srgbClr val="7030A0"/>
+              </a:solidFill>
+            </a:endParaRPr>
+          </a:p>
+        </p:txBody>
+      </p:sp>
+      <p:sp>
+        <p:nvSpPr>
+          <p:cNvPr id="173" name="Flowchart: Decision 96">
+            <a:extLst>
+              <a:ext uri="{FF2B5EF4-FFF2-40B4-BE49-F238E27FC236}">
+                <a16:creationId xmlns:a16="http://schemas.microsoft.com/office/drawing/2014/main" id="{54321AB3-B181-4368-B46D-D96DD9F370CA}"/>
+              </a:ext>
+            </a:extLst>
+          </p:cNvPr>
+          <p:cNvSpPr/>
+          <p:nvPr/>
+        </p:nvSpPr>
+        <p:spPr>
+          <a:xfrm>
+            <a:off x="7129790" y="1996097"/>
+            <a:ext cx="236048" cy="181126"/>
+          </a:xfrm>
+          <a:prstGeom prst="flowChartDecision">
+            <a:avLst/>
+          </a:prstGeom>
+          <a:solidFill>
+            <a:srgbClr val="7030A0"/>
+          </a:solidFill>
+          <a:ln w="19050">
+            <a:solidFill>
+              <a:srgbClr val="7030A0"/>
+            </a:solidFill>
+          </a:ln>
+          <a:effectLst/>
+        </p:spPr>
+        <p:style>
+          <a:lnRef idx="1">
+            <a:schemeClr val="accent6"/>
+          </a:lnRef>
+          <a:fillRef idx="2">
+            <a:schemeClr val="accent6"/>
+          </a:fillRef>
+          <a:effectRef idx="1">
+            <a:schemeClr val="accent6"/>
+          </a:effectRef>
+          <a:fontRef idx="minor">
+            <a:schemeClr val="dk1"/>
+          </a:fontRef>
+        </p:style>
+        <p:txBody>
+          <a:bodyPr rtlCol="0" anchor="ctr"/>
+          <a:lstStyle/>
+          <a:p>
+            <a:pPr algn="ctr"/>
+            <a:endParaRPr lang="en-US" sz="1050"/>
+          </a:p>
+        </p:txBody>
+      </p:sp>
+      <p:sp>
+        <p:nvSpPr>
+          <p:cNvPr id="174" name="Rectangle 8">
+            <a:extLst>
+              <a:ext uri="{FF2B5EF4-FFF2-40B4-BE49-F238E27FC236}">
+                <a16:creationId xmlns:a16="http://schemas.microsoft.com/office/drawing/2014/main" id="{002BABB3-BAEC-4A53-B3AF-E8DA97B45BE0}"/>
+              </a:ext>
+            </a:extLst>
+          </p:cNvPr>
+          <p:cNvSpPr/>
+          <p:nvPr/>
+        </p:nvSpPr>
+        <p:spPr>
+          <a:xfrm>
+            <a:off x="7777572" y="1592496"/>
+            <a:ext cx="708186" cy="285783"/>
+          </a:xfrm>
+          <a:prstGeom prst="rect">
+            <a:avLst/>
+          </a:prstGeom>
+          <a:ln w="19050">
+            <a:solidFill>
+              <a:srgbClr val="7030A0"/>
+            </a:solidFill>
+          </a:ln>
+          <a:effectLst/>
+        </p:spPr>
+        <p:style>
+          <a:lnRef idx="1">
+            <a:schemeClr val="accent4"/>
+          </a:lnRef>
+          <a:fillRef idx="2">
+            <a:schemeClr val="accent4"/>
+          </a:fillRef>
+          <a:effectRef idx="1">
+            <a:schemeClr val="accent4"/>
+          </a:effectRef>
+          <a:fontRef idx="minor">
+            <a:schemeClr val="dk1"/>
+          </a:fontRef>
+        </p:style>
+        <p:txBody>
+          <a:bodyPr rtlCol="0" anchor="ctr"/>
+          <a:lstStyle/>
+          <a:p>
+            <a:pPr algn="ctr"/>
+            <a:r>
+              <a:rPr lang="en-US" sz="1050" dirty="0">
+                <a:solidFill>
+                  <a:srgbClr val="7030A0"/>
+                </a:solidFill>
+              </a:rPr>
+              <a:t>Address</a:t>
+            </a:r>
+            <a:endParaRPr lang="en-SG" sz="1050" dirty="0">
+              <a:solidFill>
+                <a:srgbClr val="7030A0"/>
+              </a:solidFill>
+            </a:endParaRPr>
+          </a:p>
+        </p:txBody>
+      </p:sp>
+      <p:cxnSp>
+        <p:nvCxnSpPr>
+          <p:cNvPr id="175" name="Elbow Connector 80">
+            <a:extLst>
+              <a:ext uri="{FF2B5EF4-FFF2-40B4-BE49-F238E27FC236}">
+                <a16:creationId xmlns:a16="http://schemas.microsoft.com/office/drawing/2014/main" id="{2166F84F-43BE-4B89-8BB3-299A7C761043}"/>
+              </a:ext>
+            </a:extLst>
+          </p:cNvPr>
+          <p:cNvCxnSpPr>
+            <a:cxnSpLocks/>
+            <a:stCxn id="173" idx="3"/>
+            <a:endCxn id="174" idx="1"/>
+          </p:cNvCxnSpPr>
+          <p:nvPr/>
+        </p:nvCxnSpPr>
+        <p:spPr>
+          <a:xfrm flipV="1">
+            <a:off x="7365838" y="1735388"/>
+            <a:ext cx="411734" cy="351272"/>
+          </a:xfrm>
+          <a:prstGeom prst="bentConnector3">
+            <a:avLst/>
+          </a:prstGeom>
+          <a:ln w="19050">
+            <a:solidFill>
+              <a:srgbClr val="7030A0"/>
+            </a:solidFill>
+            <a:headEnd type="none" w="med" len="med"/>
+            <a:tailEnd type="arrow" w="med" len="med"/>
+          </a:ln>
+          <a:effectLst/>
+        </p:spPr>
+        <p:style>
+          <a:lnRef idx="1">
+            <a:schemeClr val="accent2"/>
+          </a:lnRef>
+          <a:fillRef idx="2">
+            <a:schemeClr val="accent2"/>
+          </a:fillRef>
+          <a:effectRef idx="1">
+            <a:schemeClr val="accent2"/>
+          </a:effectRef>
+          <a:fontRef idx="minor">
+            <a:schemeClr val="dk1"/>
+          </a:fontRef>
+        </p:style>
+      </p:cxnSp>
+      <p:sp>
+        <p:nvSpPr>
+          <p:cNvPr id="176" name="Rectangle 8">
+            <a:extLst>
+              <a:ext uri="{FF2B5EF4-FFF2-40B4-BE49-F238E27FC236}">
+                <a16:creationId xmlns:a16="http://schemas.microsoft.com/office/drawing/2014/main" id="{A4D8753C-66BA-431D-8AC8-AF9A2A6E5201}"/>
+              </a:ext>
+            </a:extLst>
+          </p:cNvPr>
+          <p:cNvSpPr/>
+          <p:nvPr/>
+        </p:nvSpPr>
+        <p:spPr>
+          <a:xfrm>
+            <a:off x="7777572" y="1946012"/>
+            <a:ext cx="708186" cy="285783"/>
+          </a:xfrm>
+          <a:prstGeom prst="rect">
+            <a:avLst/>
+          </a:prstGeom>
+          <a:ln w="19050">
+            <a:solidFill>
+              <a:srgbClr val="7030A0"/>
+            </a:solidFill>
+          </a:ln>
+          <a:effectLst/>
+        </p:spPr>
+        <p:style>
+          <a:lnRef idx="1">
+            <a:schemeClr val="accent4"/>
+          </a:lnRef>
+          <a:fillRef idx="2">
+            <a:schemeClr val="accent4"/>
+          </a:fillRef>
+          <a:effectRef idx="1">
+            <a:schemeClr val="accent4"/>
+          </a:effectRef>
+          <a:fontRef idx="minor">
+            <a:schemeClr val="dk1"/>
+          </a:fontRef>
+        </p:style>
+        <p:txBody>
+          <a:bodyPr rtlCol="0" anchor="ctr"/>
+          <a:lstStyle/>
+          <a:p>
+            <a:pPr algn="ctr"/>
+            <a:r>
+              <a:rPr lang="en-US" sz="1050" dirty="0">
+                <a:solidFill>
+                  <a:srgbClr val="7030A0"/>
+                </a:solidFill>
+              </a:rPr>
+              <a:t>Price</a:t>
+            </a:r>
+            <a:endParaRPr lang="en-SG" sz="1050" dirty="0">
+              <a:solidFill>
+                <a:srgbClr val="7030A0"/>
+              </a:solidFill>
+            </a:endParaRPr>
+          </a:p>
+        </p:txBody>
+      </p:sp>
+      <p:cxnSp>
+        <p:nvCxnSpPr>
+          <p:cNvPr id="177" name="Elbow Connector 83">
+            <a:extLst>
+              <a:ext uri="{FF2B5EF4-FFF2-40B4-BE49-F238E27FC236}">
+                <a16:creationId xmlns:a16="http://schemas.microsoft.com/office/drawing/2014/main" id="{E99FA680-72EB-4673-AE9A-71CC0DC3CA5C}"/>
+              </a:ext>
+            </a:extLst>
+          </p:cNvPr>
+          <p:cNvCxnSpPr>
+            <a:cxnSpLocks/>
+            <a:stCxn id="173" idx="3"/>
+            <a:endCxn id="176" idx="1"/>
+          </p:cNvCxnSpPr>
+          <p:nvPr/>
+        </p:nvCxnSpPr>
+        <p:spPr>
+          <a:xfrm>
+            <a:off x="7365838" y="2086660"/>
+            <a:ext cx="411734" cy="2244"/>
+          </a:xfrm>
+          <a:prstGeom prst="bentConnector3">
+            <a:avLst>
+              <a:gd name="adj1" fmla="val 50000"/>
+            </a:avLst>
+          </a:prstGeom>
+          <a:ln w="19050">
+            <a:solidFill>
+              <a:srgbClr val="7030A0"/>
+            </a:solidFill>
+            <a:headEnd type="none" w="med" len="med"/>
+            <a:tailEnd type="arrow" w="med" len="med"/>
+          </a:ln>
+          <a:effectLst/>
+        </p:spPr>
+        <p:style>
+          <a:lnRef idx="1">
+            <a:schemeClr val="accent2"/>
+          </a:lnRef>
+          <a:fillRef idx="2">
+            <a:schemeClr val="accent2"/>
+          </a:fillRef>
+          <a:effectRef idx="1">
+            <a:schemeClr val="accent2"/>
+          </a:effectRef>
+          <a:fontRef idx="minor">
+            <a:schemeClr val="dk1"/>
+          </a:fontRef>
+        </p:style>
+      </p:cxnSp>
+      <p:sp>
+        <p:nvSpPr>
+          <p:cNvPr id="178" name="Rectangle 8">
+            <a:extLst>
+              <a:ext uri="{FF2B5EF4-FFF2-40B4-BE49-F238E27FC236}">
+                <a16:creationId xmlns:a16="http://schemas.microsoft.com/office/drawing/2014/main" id="{747C87B9-7743-4E21-A6FB-F9711EB1249E}"/>
+              </a:ext>
+            </a:extLst>
+          </p:cNvPr>
+          <p:cNvSpPr/>
+          <p:nvPr/>
+        </p:nvSpPr>
+        <p:spPr>
+          <a:xfrm>
+            <a:off x="7777572" y="2289833"/>
+            <a:ext cx="708186" cy="285783"/>
+          </a:xfrm>
+          <a:prstGeom prst="rect">
+            <a:avLst/>
+          </a:prstGeom>
+          <a:ln w="19050">
+            <a:solidFill>
+              <a:srgbClr val="7030A0"/>
+            </a:solidFill>
+          </a:ln>
+          <a:effectLst/>
+        </p:spPr>
+        <p:style>
+          <a:lnRef idx="1">
+            <a:schemeClr val="accent4"/>
+          </a:lnRef>
+          <a:fillRef idx="2">
+            <a:schemeClr val="accent4"/>
+          </a:fillRef>
+          <a:effectRef idx="1">
+            <a:schemeClr val="accent4"/>
+          </a:effectRef>
+          <a:fontRef idx="minor">
+            <a:schemeClr val="dk1"/>
+          </a:fontRef>
+        </p:style>
+        <p:txBody>
+          <a:bodyPr rtlCol="0" anchor="ctr"/>
+          <a:lstStyle/>
+          <a:p>
+            <a:pPr algn="ctr"/>
+            <a:r>
+              <a:rPr lang="en-US" sz="1050" dirty="0">
+                <a:solidFill>
+                  <a:srgbClr val="7030A0"/>
+                </a:solidFill>
+              </a:rPr>
+              <a:t>Tag</a:t>
+            </a:r>
+            <a:endParaRPr lang="en-SG" sz="1050" dirty="0">
+              <a:solidFill>
+                <a:srgbClr val="7030A0"/>
+              </a:solidFill>
+            </a:endParaRPr>
+          </a:p>
+        </p:txBody>
+      </p:sp>
+      <p:cxnSp>
+        <p:nvCxnSpPr>
+          <p:cNvPr id="179" name="Elbow Connector 85">
+            <a:extLst>
+              <a:ext uri="{FF2B5EF4-FFF2-40B4-BE49-F238E27FC236}">
+                <a16:creationId xmlns:a16="http://schemas.microsoft.com/office/drawing/2014/main" id="{1A1DC297-AB6A-4974-A1A2-4B94B37312A4}"/>
+              </a:ext>
+            </a:extLst>
+          </p:cNvPr>
+          <p:cNvCxnSpPr>
+            <a:cxnSpLocks/>
+            <a:stCxn id="173" idx="3"/>
+            <a:endCxn id="178" idx="1"/>
+          </p:cNvCxnSpPr>
+          <p:nvPr/>
+        </p:nvCxnSpPr>
+        <p:spPr>
+          <a:xfrm>
+            <a:off x="7365838" y="2086660"/>
+            <a:ext cx="411734" cy="346065"/>
+          </a:xfrm>
+          <a:prstGeom prst="bentConnector3">
+            <a:avLst>
+              <a:gd name="adj1" fmla="val 50000"/>
+            </a:avLst>
+          </a:prstGeom>
+          <a:ln w="19050">
+            <a:solidFill>
+              <a:srgbClr val="7030A0"/>
+            </a:solidFill>
+            <a:headEnd type="none" w="med" len="med"/>
+            <a:tailEnd type="arrow" w="med" len="med"/>
+          </a:ln>
+          <a:effectLst/>
+        </p:spPr>
+        <p:style>
+          <a:lnRef idx="1">
+            <a:schemeClr val="accent2"/>
+          </a:lnRef>
+          <a:fillRef idx="2">
+            <a:schemeClr val="accent2"/>
+          </a:fillRef>
+          <a:effectRef idx="1">
+            <a:schemeClr val="accent2"/>
+          </a:effectRef>
+          <a:fontRef idx="minor">
+            <a:schemeClr val="dk1"/>
+          </a:fontRef>
+        </p:style>
+      </p:cxnSp>
+      <p:cxnSp>
+        <p:nvCxnSpPr>
+          <p:cNvPr id="204" name="Elbow Connector 133">
+            <a:extLst>
+              <a:ext uri="{FF2B5EF4-FFF2-40B4-BE49-F238E27FC236}">
+                <a16:creationId xmlns:a16="http://schemas.microsoft.com/office/drawing/2014/main" id="{ED7E2E4D-714F-47DE-B9B5-3BED63EA53C2}"/>
+              </a:ext>
+            </a:extLst>
+          </p:cNvPr>
+          <p:cNvCxnSpPr>
+            <a:cxnSpLocks/>
+            <a:stCxn id="283" idx="3"/>
+            <a:endCxn id="171" idx="1"/>
+          </p:cNvCxnSpPr>
+          <p:nvPr/>
+        </p:nvCxnSpPr>
+        <p:spPr>
+          <a:xfrm>
+            <a:off x="5996058" y="1737631"/>
+            <a:ext cx="427531" cy="349789"/>
+          </a:xfrm>
+          <a:prstGeom prst="bentConnector3">
+            <a:avLst>
+              <a:gd name="adj1" fmla="val 50000"/>
+            </a:avLst>
+          </a:prstGeom>
+          <a:ln w="19050">
+            <a:solidFill>
+              <a:srgbClr val="7030A0"/>
+            </a:solidFill>
+            <a:headEnd type="none" w="med" len="med"/>
+            <a:tailEnd type="arrow" w="med" len="med"/>
+          </a:ln>
+          <a:effectLst/>
+        </p:spPr>
+        <p:style>
+          <a:lnRef idx="1">
+            <a:schemeClr val="accent2"/>
+          </a:lnRef>
+          <a:fillRef idx="2">
+            <a:schemeClr val="accent2"/>
+          </a:fillRef>
+          <a:effectRef idx="1">
+            <a:schemeClr val="accent2"/>
+          </a:effectRef>
+          <a:fontRef idx="minor">
+            <a:schemeClr val="dk1"/>
+          </a:fontRef>
+        </p:style>
+      </p:cxnSp>
+      <p:cxnSp>
+        <p:nvCxnSpPr>
+          <p:cNvPr id="211" name="Elbow Connector 133">
+            <a:extLst>
+              <a:ext uri="{FF2B5EF4-FFF2-40B4-BE49-F238E27FC236}">
+                <a16:creationId xmlns:a16="http://schemas.microsoft.com/office/drawing/2014/main" id="{AFDE356A-10F6-458E-BE4F-E3957839D7B1}"/>
+              </a:ext>
+            </a:extLst>
+          </p:cNvPr>
+          <p:cNvCxnSpPr>
+            <a:cxnSpLocks/>
+            <a:stCxn id="284" idx="3"/>
+            <a:endCxn id="171" idx="1"/>
+          </p:cNvCxnSpPr>
+          <p:nvPr/>
+        </p:nvCxnSpPr>
+        <p:spPr>
+          <a:xfrm flipV="1">
+            <a:off x="6002730" y="2087420"/>
+            <a:ext cx="420859" cy="184030"/>
+          </a:xfrm>
+          <a:prstGeom prst="bentConnector3">
+            <a:avLst>
+              <a:gd name="adj1" fmla="val 50000"/>
+            </a:avLst>
+          </a:prstGeom>
+          <a:ln w="19050">
+            <a:solidFill>
+              <a:srgbClr val="7030A0"/>
+            </a:solidFill>
+            <a:headEnd type="none" w="med" len="med"/>
+            <a:tailEnd type="arrow" w="med" len="med"/>
+          </a:ln>
+          <a:effectLst/>
+        </p:spPr>
+        <p:style>
+          <a:lnRef idx="1">
+            <a:schemeClr val="accent2"/>
+          </a:lnRef>
+          <a:fillRef idx="2">
+            <a:schemeClr val="accent2"/>
+          </a:fillRef>
+          <a:effectRef idx="1">
+            <a:schemeClr val="accent2"/>
+          </a:effectRef>
+          <a:fontRef idx="minor">
+            <a:schemeClr val="dk1"/>
+          </a:fontRef>
+        </p:style>
+      </p:cxnSp>
+      <p:sp>
+        <p:nvSpPr>
+          <p:cNvPr id="228" name="Isosceles Triangle 102">
+            <a:extLst>
+              <a:ext uri="{FF2B5EF4-FFF2-40B4-BE49-F238E27FC236}">
+                <a16:creationId xmlns:a16="http://schemas.microsoft.com/office/drawing/2014/main" id="{C4EFA4B1-07EB-4269-A765-11702CD9ED8E}"/>
+              </a:ext>
+            </a:extLst>
+          </p:cNvPr>
+          <p:cNvSpPr/>
+          <p:nvPr/>
+        </p:nvSpPr>
+        <p:spPr>
+          <a:xfrm rot="10800000">
+            <a:off x="6597938" y="2871146"/>
+            <a:ext cx="282387" cy="181048"/>
+          </a:xfrm>
+          <a:prstGeom prst="triangle">
+            <a:avLst/>
+          </a:prstGeom>
+          <a:solidFill>
+            <a:schemeClr val="accent4">
+              <a:lumMod val="20000"/>
+              <a:lumOff val="80000"/>
+            </a:schemeClr>
+          </a:solidFill>
+          <a:ln w="19050">
+            <a:solidFill>
+              <a:srgbClr val="7030A0"/>
+            </a:solidFill>
+          </a:ln>
+          <a:effectLst/>
+        </p:spPr>
+        <p:style>
+          <a:lnRef idx="1">
+            <a:schemeClr val="accent4"/>
+          </a:lnRef>
+          <a:fillRef idx="2">
+            <a:schemeClr val="accent4"/>
+          </a:fillRef>
+          <a:effectRef idx="1">
+            <a:schemeClr val="accent4"/>
+          </a:effectRef>
+          <a:fontRef idx="minor">
+            <a:schemeClr val="dk1"/>
+          </a:fontRef>
+        </p:style>
+        <p:txBody>
+          <a:bodyPr rtlCol="0" anchor="ctr"/>
+          <a:lstStyle/>
+          <a:p>
+            <a:pPr algn="ctr"/>
+            <a:endParaRPr lang="en-SG" sz="1050" b="1">
+              <a:solidFill>
+                <a:srgbClr val="92D050"/>
+              </a:solidFill>
+            </a:endParaRPr>
+          </a:p>
+        </p:txBody>
+      </p:sp>
+      <p:cxnSp>
+        <p:nvCxnSpPr>
+          <p:cNvPr id="229" name="Elbow Connector 73">
+            <a:extLst>
+              <a:ext uri="{FF2B5EF4-FFF2-40B4-BE49-F238E27FC236}">
+                <a16:creationId xmlns:a16="http://schemas.microsoft.com/office/drawing/2014/main" id="{AA1A5379-81E7-405D-88AA-F3E836817552}"/>
+              </a:ext>
+            </a:extLst>
+          </p:cNvPr>
+          <p:cNvCxnSpPr>
+            <a:cxnSpLocks/>
+            <a:stCxn id="228" idx="3"/>
+            <a:endCxn id="159" idx="1"/>
+          </p:cNvCxnSpPr>
+          <p:nvPr/>
+        </p:nvCxnSpPr>
+        <p:spPr>
+          <a:xfrm rot="16200000" flipV="1">
+            <a:off x="5313491" y="1445505"/>
+            <a:ext cx="1147195" cy="1704087"/>
+          </a:xfrm>
+          <a:prstGeom prst="bentConnector4">
+            <a:avLst>
+              <a:gd name="adj1" fmla="val 9232"/>
+              <a:gd name="adj2" fmla="val 106335"/>
+            </a:avLst>
+          </a:prstGeom>
+          <a:ln w="19050">
+            <a:solidFill>
+              <a:srgbClr val="7030A0"/>
+            </a:solidFill>
+            <a:prstDash val="sysDot"/>
+            <a:headEnd type="none" w="med" len="med"/>
+            <a:tailEnd type="none" w="med" len="med"/>
+          </a:ln>
+          <a:effectLst/>
+        </p:spPr>
+        <p:style>
+          <a:lnRef idx="1">
+            <a:schemeClr val="accent2"/>
+          </a:lnRef>
+          <a:fillRef idx="2">
+            <a:schemeClr val="accent2"/>
+          </a:fillRef>
+          <a:effectRef idx="1">
+            <a:schemeClr val="accent2"/>
+          </a:effectRef>
+          <a:fontRef idx="minor">
+            <a:schemeClr val="dk1"/>
+          </a:fontRef>
+        </p:style>
+      </p:cxnSp>
+      <p:cxnSp>
+        <p:nvCxnSpPr>
+          <p:cNvPr id="231" name="Elbow Connector 73">
+            <a:extLst>
+              <a:ext uri="{FF2B5EF4-FFF2-40B4-BE49-F238E27FC236}">
+                <a16:creationId xmlns:a16="http://schemas.microsoft.com/office/drawing/2014/main" id="{85AABAF3-5475-4A5B-9B50-4E43A89138B4}"/>
+              </a:ext>
+            </a:extLst>
+          </p:cNvPr>
+          <p:cNvCxnSpPr>
+            <a:cxnSpLocks/>
+            <a:stCxn id="228" idx="3"/>
+            <a:endCxn id="158" idx="2"/>
+          </p:cNvCxnSpPr>
+          <p:nvPr/>
+        </p:nvCxnSpPr>
+        <p:spPr>
+          <a:xfrm rot="16200000" flipV="1">
+            <a:off x="5854466" y="1986480"/>
+            <a:ext cx="426315" cy="1343017"/>
+          </a:xfrm>
+          <a:prstGeom prst="bentConnector3">
+            <a:avLst>
+              <a:gd name="adj1" fmla="val 50000"/>
+            </a:avLst>
+          </a:prstGeom>
+          <a:ln w="19050">
+            <a:solidFill>
+              <a:srgbClr val="7030A0"/>
+            </a:solidFill>
+            <a:prstDash val="sysDot"/>
+            <a:headEnd type="none" w="med" len="med"/>
+            <a:tailEnd type="none" w="med" len="med"/>
+          </a:ln>
+          <a:effectLst/>
+        </p:spPr>
+        <p:style>
+          <a:lnRef idx="1">
+            <a:schemeClr val="accent2"/>
+          </a:lnRef>
+          <a:fillRef idx="2">
+            <a:schemeClr val="accent2"/>
+          </a:fillRef>
+          <a:effectRef idx="1">
+            <a:schemeClr val="accent2"/>
+          </a:effectRef>
+          <a:fontRef idx="minor">
+            <a:schemeClr val="dk1"/>
+          </a:fontRef>
+        </p:style>
+      </p:cxnSp>
+      <p:sp>
+        <p:nvSpPr>
+          <p:cNvPr id="240" name="Rectangle 8">
+            <a:extLst>
+              <a:ext uri="{FF2B5EF4-FFF2-40B4-BE49-F238E27FC236}">
+                <a16:creationId xmlns:a16="http://schemas.microsoft.com/office/drawing/2014/main" id="{749C7885-3485-4224-BF12-0465C2D36C2D}"/>
+              </a:ext>
+            </a:extLst>
+          </p:cNvPr>
+          <p:cNvSpPr/>
+          <p:nvPr/>
+        </p:nvSpPr>
+        <p:spPr>
+          <a:xfrm>
+            <a:off x="6824519" y="4603461"/>
+            <a:ext cx="708186" cy="346760"/>
+          </a:xfrm>
+          <a:prstGeom prst="rect">
+            <a:avLst/>
+          </a:prstGeom>
+          <a:ln w="19050">
+            <a:solidFill>
+              <a:srgbClr val="7030A0"/>
+            </a:solidFill>
+          </a:ln>
+          <a:effectLst/>
+        </p:spPr>
+        <p:style>
+          <a:lnRef idx="1">
+            <a:schemeClr val="accent4"/>
+          </a:lnRef>
+          <a:fillRef idx="2">
+            <a:schemeClr val="accent4"/>
+          </a:fillRef>
+          <a:effectRef idx="1">
+            <a:schemeClr val="accent4"/>
+          </a:effectRef>
+          <a:fontRef idx="minor">
+            <a:schemeClr val="dk1"/>
+          </a:fontRef>
+        </p:style>
+        <p:txBody>
+          <a:bodyPr rtlCol="0" anchor="ctr"/>
+          <a:lstStyle/>
+          <a:p>
+            <a:pPr algn="ctr"/>
+            <a:r>
+              <a:rPr lang="en-US" sz="1050" dirty="0">
+                <a:solidFill>
+                  <a:srgbClr val="7030A0"/>
+                </a:solidFill>
+              </a:rPr>
+              <a:t>Tenant</a:t>
+            </a:r>
+            <a:endParaRPr lang="en-SG" sz="1050" dirty="0">
+              <a:solidFill>
+                <a:srgbClr val="7030A0"/>
+              </a:solidFill>
+            </a:endParaRPr>
+          </a:p>
+        </p:txBody>
+      </p:sp>
+      <p:sp>
+        <p:nvSpPr>
+          <p:cNvPr id="241" name="Rectangle 8">
+            <a:extLst>
+              <a:ext uri="{FF2B5EF4-FFF2-40B4-BE49-F238E27FC236}">
+                <a16:creationId xmlns:a16="http://schemas.microsoft.com/office/drawing/2014/main" id="{3D861265-0400-424B-9235-4067680F5A9A}"/>
+              </a:ext>
+            </a:extLst>
+          </p:cNvPr>
+          <p:cNvSpPr/>
+          <p:nvPr/>
+        </p:nvSpPr>
+        <p:spPr>
+          <a:xfrm>
+            <a:off x="6819291" y="4129144"/>
+            <a:ext cx="708186" cy="346760"/>
+          </a:xfrm>
+          <a:prstGeom prst="rect">
+            <a:avLst/>
+          </a:prstGeom>
+          <a:ln w="19050">
+            <a:solidFill>
+              <a:srgbClr val="7030A0"/>
+            </a:solidFill>
+          </a:ln>
+          <a:effectLst/>
+        </p:spPr>
+        <p:style>
+          <a:lnRef idx="1">
+            <a:schemeClr val="accent4"/>
+          </a:lnRef>
+          <a:fillRef idx="2">
+            <a:schemeClr val="accent4"/>
+          </a:fillRef>
+          <a:effectRef idx="1">
+            <a:schemeClr val="accent4"/>
+          </a:effectRef>
+          <a:fontRef idx="minor">
+            <a:schemeClr val="dk1"/>
+          </a:fontRef>
+        </p:style>
+        <p:txBody>
+          <a:bodyPr rtlCol="0" anchor="ctr"/>
+          <a:lstStyle/>
+          <a:p>
+            <a:pPr algn="ctr"/>
+            <a:r>
+              <a:rPr lang="en-US" sz="1050" dirty="0">
+                <a:solidFill>
+                  <a:srgbClr val="7030A0"/>
+                </a:solidFill>
+              </a:rPr>
+              <a:t>Buyer</a:t>
+            </a:r>
+            <a:endParaRPr lang="en-SG" sz="1050" dirty="0">
+              <a:solidFill>
+                <a:srgbClr val="7030A0"/>
+              </a:solidFill>
+            </a:endParaRPr>
+          </a:p>
+        </p:txBody>
+      </p:sp>
+      <p:sp>
+        <p:nvSpPr>
+          <p:cNvPr id="271" name="TextBox 270">
+            <a:extLst>
+              <a:ext uri="{FF2B5EF4-FFF2-40B4-BE49-F238E27FC236}">
+                <a16:creationId xmlns:a16="http://schemas.microsoft.com/office/drawing/2014/main" id="{927322AC-8882-47F9-88E8-E6EC061A0643}"/>
+              </a:ext>
+            </a:extLst>
+          </p:cNvPr>
+          <p:cNvSpPr txBox="1"/>
+          <p:nvPr/>
+        </p:nvSpPr>
+        <p:spPr>
+          <a:xfrm>
+            <a:off x="1570966" y="4155540"/>
+            <a:ext cx="189257" cy="178683"/>
+          </a:xfrm>
+          <a:prstGeom prst="rect">
+            <a:avLst/>
+          </a:prstGeom>
+          <a:noFill/>
+        </p:spPr>
+        <p:txBody>
+          <a:bodyPr wrap="square" lIns="0" tIns="0" rIns="0" bIns="0" rtlCol="0">
+            <a:noAutofit/>
+          </a:bodyPr>
+          <a:lstStyle/>
+          <a:p>
+            <a:pPr algn="ctr"/>
+            <a:r>
+              <a:rPr lang="en-US" sz="1100" dirty="0">
+                <a:solidFill>
+                  <a:srgbClr val="7030A0"/>
+                </a:solidFill>
+              </a:rPr>
+              <a:t>1</a:t>
+            </a:r>
+            <a:endParaRPr lang="en-SG" sz="1100" dirty="0">
+              <a:solidFill>
+                <a:srgbClr val="7030A0"/>
+              </a:solidFill>
+            </a:endParaRPr>
+          </a:p>
+        </p:txBody>
+      </p:sp>
+      <p:sp>
+        <p:nvSpPr>
+          <p:cNvPr id="274" name="TextBox 273">
+            <a:extLst>
+              <a:ext uri="{FF2B5EF4-FFF2-40B4-BE49-F238E27FC236}">
+                <a16:creationId xmlns:a16="http://schemas.microsoft.com/office/drawing/2014/main" id="{50E0CEB6-1B49-4EC8-98C9-1BD432109E83}"/>
+              </a:ext>
+            </a:extLst>
+          </p:cNvPr>
+          <p:cNvSpPr txBox="1"/>
+          <p:nvPr/>
+        </p:nvSpPr>
+        <p:spPr>
+          <a:xfrm>
+            <a:off x="1209031" y="2922284"/>
+            <a:ext cx="189257" cy="178683"/>
+          </a:xfrm>
+          <a:prstGeom prst="rect">
+            <a:avLst/>
+          </a:prstGeom>
+          <a:noFill/>
+        </p:spPr>
+        <p:txBody>
+          <a:bodyPr wrap="square" lIns="0" tIns="0" rIns="0" bIns="0" rtlCol="0">
+            <a:noAutofit/>
+          </a:bodyPr>
+          <a:lstStyle/>
+          <a:p>
+            <a:pPr algn="ctr"/>
+            <a:r>
+              <a:rPr lang="en-US" sz="1100" dirty="0">
+                <a:solidFill>
+                  <a:srgbClr val="7030A0"/>
+                </a:solidFill>
+              </a:rPr>
+              <a:t>1</a:t>
+            </a:r>
+            <a:endParaRPr lang="en-SG" sz="1100" dirty="0">
+              <a:solidFill>
+                <a:srgbClr val="7030A0"/>
+              </a:solidFill>
+            </a:endParaRPr>
+          </a:p>
+        </p:txBody>
+      </p:sp>
+      <p:sp>
+        <p:nvSpPr>
+          <p:cNvPr id="283" name="Flowchart: Decision 96">
+            <a:extLst>
+              <a:ext uri="{FF2B5EF4-FFF2-40B4-BE49-F238E27FC236}">
+                <a16:creationId xmlns:a16="http://schemas.microsoft.com/office/drawing/2014/main" id="{A181130A-5608-4E89-971C-2593370C0E2E}"/>
+              </a:ext>
+            </a:extLst>
+          </p:cNvPr>
+          <p:cNvSpPr/>
+          <p:nvPr/>
+        </p:nvSpPr>
+        <p:spPr>
+          <a:xfrm>
+            <a:off x="5760010" y="1647068"/>
+            <a:ext cx="236048" cy="181126"/>
+          </a:xfrm>
+          <a:prstGeom prst="flowChartDecision">
+            <a:avLst/>
+          </a:prstGeom>
+          <a:solidFill>
+            <a:srgbClr val="7030A0"/>
+          </a:solidFill>
+          <a:ln w="19050">
+            <a:solidFill>
+              <a:srgbClr val="7030A0"/>
+            </a:solidFill>
+          </a:ln>
+          <a:effectLst/>
+        </p:spPr>
+        <p:style>
+          <a:lnRef idx="1">
+            <a:schemeClr val="accent6"/>
+          </a:lnRef>
+          <a:fillRef idx="2">
+            <a:schemeClr val="accent6"/>
+          </a:fillRef>
+          <a:effectRef idx="1">
+            <a:schemeClr val="accent6"/>
+          </a:effectRef>
+          <a:fontRef idx="minor">
+            <a:schemeClr val="dk1"/>
+          </a:fontRef>
+        </p:style>
+        <p:txBody>
+          <a:bodyPr rtlCol="0" anchor="ctr"/>
+          <a:lstStyle/>
+          <a:p>
+            <a:pPr algn="ctr"/>
+            <a:endParaRPr lang="en-US" sz="1050"/>
+          </a:p>
+        </p:txBody>
+      </p:sp>
+      <p:sp>
+        <p:nvSpPr>
+          <p:cNvPr id="284" name="Flowchart: Decision 96">
+            <a:extLst>
+              <a:ext uri="{FF2B5EF4-FFF2-40B4-BE49-F238E27FC236}">
+                <a16:creationId xmlns:a16="http://schemas.microsoft.com/office/drawing/2014/main" id="{4F06F7FF-1862-4524-8F3F-D6C2164219CA}"/>
+              </a:ext>
+            </a:extLst>
+          </p:cNvPr>
+          <p:cNvSpPr/>
+          <p:nvPr/>
+        </p:nvSpPr>
+        <p:spPr>
+          <a:xfrm>
+            <a:off x="5766682" y="2180887"/>
+            <a:ext cx="236048" cy="181126"/>
+          </a:xfrm>
+          <a:prstGeom prst="flowChartDecision">
+            <a:avLst/>
+          </a:prstGeom>
+          <a:solidFill>
+            <a:srgbClr val="7030A0"/>
+          </a:solidFill>
+          <a:ln w="19050">
+            <a:solidFill>
+              <a:srgbClr val="7030A0"/>
+            </a:solidFill>
+          </a:ln>
+          <a:effectLst/>
+        </p:spPr>
+        <p:style>
+          <a:lnRef idx="1">
+            <a:schemeClr val="accent6"/>
+          </a:lnRef>
+          <a:fillRef idx="2">
+            <a:schemeClr val="accent6"/>
+          </a:fillRef>
+          <a:effectRef idx="1">
+            <a:schemeClr val="accent6"/>
+          </a:effectRef>
+          <a:fontRef idx="minor">
+            <a:schemeClr val="dk1"/>
+          </a:fontRef>
+        </p:style>
+        <p:txBody>
+          <a:bodyPr rtlCol="0" anchor="ctr"/>
+          <a:lstStyle/>
+          <a:p>
+            <a:pPr algn="ctr"/>
+            <a:endParaRPr lang="en-US" sz="1050"/>
+          </a:p>
+        </p:txBody>
+      </p:sp>
+      <p:sp>
+        <p:nvSpPr>
+          <p:cNvPr id="95" name="Rectangle 8">
+            <a:extLst>
+              <a:ext uri="{FF2B5EF4-FFF2-40B4-BE49-F238E27FC236}">
+                <a16:creationId xmlns:a16="http://schemas.microsoft.com/office/drawing/2014/main" id="{70BE87AF-A4B0-474D-8086-D5B217CBD71A}"/>
+              </a:ext>
+            </a:extLst>
+          </p:cNvPr>
+          <p:cNvSpPr/>
+          <p:nvPr/>
+        </p:nvSpPr>
+        <p:spPr>
+          <a:xfrm>
+            <a:off x="2582549" y="1559507"/>
+            <a:ext cx="1443661" cy="364396"/>
+          </a:xfrm>
+          <a:prstGeom prst="rect">
+            <a:avLst/>
+          </a:prstGeom>
+          <a:ln w="19050">
+            <a:solidFill>
+              <a:srgbClr val="7030A0"/>
+            </a:solidFill>
+          </a:ln>
+          <a:effectLst/>
+        </p:spPr>
+        <p:style>
+          <a:lnRef idx="1">
+            <a:schemeClr val="accent4"/>
+          </a:lnRef>
+          <a:fillRef idx="2">
+            <a:schemeClr val="accent4"/>
+          </a:fillRef>
+          <a:effectRef idx="1">
+            <a:schemeClr val="accent4"/>
+          </a:effectRef>
+          <a:fontRef idx="minor">
+            <a:schemeClr val="dk1"/>
+          </a:fontRef>
+        </p:style>
+        <p:txBody>
+          <a:bodyPr rtlCol="0" anchor="ctr"/>
+          <a:lstStyle/>
+          <a:p>
+            <a:pPr algn="ctr"/>
+            <a:r>
+              <a:rPr lang="en-US" sz="1050" dirty="0">
+                <a:solidFill>
+                  <a:srgbClr val="7030A0"/>
+                </a:solidFill>
+              </a:rPr>
+              <a:t>&lt;&lt;interface&gt;&gt;</a:t>
+            </a:r>
+            <a:br>
+              <a:rPr lang="en-US" sz="1050" dirty="0">
+                <a:solidFill>
+                  <a:srgbClr val="7030A0"/>
+                </a:solidFill>
+              </a:rPr>
+            </a:br>
+            <a:r>
+              <a:rPr lang="en-US" sz="1050" dirty="0" err="1">
+                <a:solidFill>
+                  <a:srgbClr val="7030A0"/>
+                </a:solidFill>
+              </a:rPr>
+              <a:t>ReadOnlyAddressBook</a:t>
+            </a:r>
+            <a:endParaRPr lang="en-SG" sz="1050" dirty="0">
+              <a:solidFill>
+                <a:srgbClr val="7030A0"/>
+              </a:solidFill>
+            </a:endParaRPr>
+          </a:p>
+        </p:txBody>
+      </p:sp>
     </p:spTree>
     <p:extLst>
       <p:ext uri="{BB962C8B-B14F-4D97-AF65-F5344CB8AC3E}">

--- a/docs/diagrams/ModelComponentClassDiagram.pptx
+++ b/docs/diagrams/ModelComponentClassDiagram.pptx
@@ -212,7 +212,7 @@
           <a:p>
             <a:fld id="{F5CC4B3F-88C1-4FFA-B1B6-F41C21DC6924}" type="datetimeFigureOut">
               <a:rPr lang="en-US" smtClean="0"/>
-              <a:t>4/7/19</a:t>
+              <a:t>4/11/19</a:t>
             </a:fld>
             <a:endParaRPr lang="en-US"/>
           </a:p>
@@ -930,7 +930,7 @@
           <a:p>
             <a:fld id="{78C97017-6FC3-485B-9764-EAC9E56C1D49}" type="datetimeFigureOut">
               <a:rPr lang="en-US" smtClean="0"/>
-              <a:t>4/7/19</a:t>
+              <a:t>4/11/19</a:t>
             </a:fld>
             <a:endParaRPr lang="en-US"/>
           </a:p>
@@ -1098,7 +1098,7 @@
           <a:p>
             <a:fld id="{78C97017-6FC3-485B-9764-EAC9E56C1D49}" type="datetimeFigureOut">
               <a:rPr lang="en-US" smtClean="0"/>
-              <a:t>4/7/19</a:t>
+              <a:t>4/11/19</a:t>
             </a:fld>
             <a:endParaRPr lang="en-US"/>
           </a:p>
@@ -1276,7 +1276,7 @@
           <a:p>
             <a:fld id="{78C97017-6FC3-485B-9764-EAC9E56C1D49}" type="datetimeFigureOut">
               <a:rPr lang="en-US" smtClean="0"/>
-              <a:t>4/7/19</a:t>
+              <a:t>4/11/19</a:t>
             </a:fld>
             <a:endParaRPr lang="en-US"/>
           </a:p>
@@ -1444,7 +1444,7 @@
           <a:p>
             <a:fld id="{78C97017-6FC3-485B-9764-EAC9E56C1D49}" type="datetimeFigureOut">
               <a:rPr lang="en-US" smtClean="0"/>
-              <a:t>4/7/19</a:t>
+              <a:t>4/11/19</a:t>
             </a:fld>
             <a:endParaRPr lang="en-US"/>
           </a:p>
@@ -1689,7 +1689,7 @@
           <a:p>
             <a:fld id="{78C97017-6FC3-485B-9764-EAC9E56C1D49}" type="datetimeFigureOut">
               <a:rPr lang="en-US" smtClean="0"/>
-              <a:t>4/7/19</a:t>
+              <a:t>4/11/19</a:t>
             </a:fld>
             <a:endParaRPr lang="en-US"/>
           </a:p>
@@ -1974,7 +1974,7 @@
           <a:p>
             <a:fld id="{78C97017-6FC3-485B-9764-EAC9E56C1D49}" type="datetimeFigureOut">
               <a:rPr lang="en-US" smtClean="0"/>
-              <a:t>4/7/19</a:t>
+              <a:t>4/11/19</a:t>
             </a:fld>
             <a:endParaRPr lang="en-US"/>
           </a:p>
@@ -2393,7 +2393,7 @@
           <a:p>
             <a:fld id="{78C97017-6FC3-485B-9764-EAC9E56C1D49}" type="datetimeFigureOut">
               <a:rPr lang="en-US" smtClean="0"/>
-              <a:t>4/7/19</a:t>
+              <a:t>4/11/19</a:t>
             </a:fld>
             <a:endParaRPr lang="en-US"/>
           </a:p>
@@ -2510,7 +2510,7 @@
           <a:p>
             <a:fld id="{78C97017-6FC3-485B-9764-EAC9E56C1D49}" type="datetimeFigureOut">
               <a:rPr lang="en-US" smtClean="0"/>
-              <a:t>4/7/19</a:t>
+              <a:t>4/11/19</a:t>
             </a:fld>
             <a:endParaRPr lang="en-US"/>
           </a:p>
@@ -2605,7 +2605,7 @@
           <a:p>
             <a:fld id="{78C97017-6FC3-485B-9764-EAC9E56C1D49}" type="datetimeFigureOut">
               <a:rPr lang="en-US" smtClean="0"/>
-              <a:t>4/7/19</a:t>
+              <a:t>4/11/19</a:t>
             </a:fld>
             <a:endParaRPr lang="en-US"/>
           </a:p>
@@ -2880,7 +2880,7 @@
           <a:p>
             <a:fld id="{78C97017-6FC3-485B-9764-EAC9E56C1D49}" type="datetimeFigureOut">
               <a:rPr lang="en-US" smtClean="0"/>
-              <a:t>4/7/19</a:t>
+              <a:t>4/11/19</a:t>
             </a:fld>
             <a:endParaRPr lang="en-US"/>
           </a:p>
@@ -3132,7 +3132,7 @@
           <a:p>
             <a:fld id="{78C97017-6FC3-485B-9764-EAC9E56C1D49}" type="datetimeFigureOut">
               <a:rPr lang="en-US" smtClean="0"/>
-              <a:t>4/7/19</a:t>
+              <a:t>4/11/19</a:t>
             </a:fld>
             <a:endParaRPr lang="en-US"/>
           </a:p>
@@ -3343,7 +3343,7 @@
           <a:p>
             <a:fld id="{78C97017-6FC3-485B-9764-EAC9E56C1D49}" type="datetimeFigureOut">
               <a:rPr lang="en-US" smtClean="0"/>
-              <a:t>4/7/19</a:t>
+              <a:t>4/11/19</a:t>
             </a:fld>
             <a:endParaRPr lang="en-US"/>
           </a:p>
@@ -5576,7 +5576,7 @@
           <p:cNvPr id="52" name="Rectangle 8">
             <a:extLst>
               <a:ext uri="{FF2B5EF4-FFF2-40B4-BE49-F238E27FC236}">
-                <a16:creationId xmlns="" xmlns:a16="http://schemas.microsoft.com/office/drawing/2014/main" id="{ABDCDBD2-131A-4B66-A2F2-43BBEE82C773}"/>
+                <a16:creationId xmlns:a16="http://schemas.microsoft.com/office/drawing/2014/main" xmlns="" id="{ABDCDBD2-131A-4B66-A2F2-43BBEE82C773}"/>
               </a:ext>
             </a:extLst>
           </p:cNvPr>
@@ -5638,7 +5638,7 @@
           <p:cNvPr id="53" name="Elbow Connector 78">
             <a:extLst>
               <a:ext uri="{FF2B5EF4-FFF2-40B4-BE49-F238E27FC236}">
-                <a16:creationId xmlns="" xmlns:a16="http://schemas.microsoft.com/office/drawing/2014/main" id="{B97967F8-618A-448B-81FD-CDFD4AF0EC64}"/>
+                <a16:creationId xmlns:a16="http://schemas.microsoft.com/office/drawing/2014/main" xmlns="" id="{B97967F8-618A-448B-81FD-CDFD4AF0EC64}"/>
               </a:ext>
             </a:extLst>
           </p:cNvPr>
@@ -5688,7 +5688,7 @@
           <p:cNvPr id="50" name="TextBox 49">
             <a:extLst>
               <a:ext uri="{FF2B5EF4-FFF2-40B4-BE49-F238E27FC236}">
-                <a16:creationId xmlns="" xmlns:a16="http://schemas.microsoft.com/office/drawing/2014/main" id="{B3FA9D57-880F-49C4-AD0B-A64E30D6F403}"/>
+                <a16:creationId xmlns:a16="http://schemas.microsoft.com/office/drawing/2014/main" xmlns="" id="{B3FA9D57-880F-49C4-AD0B-A64E30D6F403}"/>
               </a:ext>
             </a:extLst>
           </p:cNvPr>
@@ -5926,7 +5926,7 @@
           <p:cNvPr id="57" name="Rectangle 8">
             <a:extLst>
               <a:ext uri="{FF2B5EF4-FFF2-40B4-BE49-F238E27FC236}">
-                <a16:creationId xmlns="" xmlns:a16="http://schemas.microsoft.com/office/drawing/2014/main" id="{6A42DA50-9012-4391-9EF3-285E4FA3FCD8}"/>
+                <a16:creationId xmlns:a16="http://schemas.microsoft.com/office/drawing/2014/main" xmlns="" id="{6A42DA50-9012-4391-9EF3-285E4FA3FCD8}"/>
               </a:ext>
             </a:extLst>
           </p:cNvPr>
@@ -5999,7 +5999,7 @@
           <p:cNvPr id="59" name="Isosceles Triangle 102">
             <a:extLst>
               <a:ext uri="{FF2B5EF4-FFF2-40B4-BE49-F238E27FC236}">
-                <a16:creationId xmlns="" xmlns:a16="http://schemas.microsoft.com/office/drawing/2014/main" id="{B263B2D7-6E76-465E-B40E-7E2A46254A84}"/>
+                <a16:creationId xmlns:a16="http://schemas.microsoft.com/office/drawing/2014/main" xmlns="" id="{B263B2D7-6E76-465E-B40E-7E2A46254A84}"/>
               </a:ext>
             </a:extLst>
           </p:cNvPr>
@@ -6057,7 +6057,7 @@
           <p:cNvPr id="67" name="Elbow Connector 63">
             <a:extLst>
               <a:ext uri="{FF2B5EF4-FFF2-40B4-BE49-F238E27FC236}">
-                <a16:creationId xmlns="" xmlns:a16="http://schemas.microsoft.com/office/drawing/2014/main" id="{BA3A25CD-7C1D-4B3B-B294-1B05ABCFECFD}"/>
+                <a16:creationId xmlns:a16="http://schemas.microsoft.com/office/drawing/2014/main" xmlns="" id="{BA3A25CD-7C1D-4B3B-B294-1B05ABCFECFD}"/>
               </a:ext>
             </a:extLst>
           </p:cNvPr>
@@ -7992,6 +7992,2113 @@
           <p:cNvPr id="52" name="Rectangle 8">
             <a:extLst>
               <a:ext uri="{FF2B5EF4-FFF2-40B4-BE49-F238E27FC236}">
+                <a16:creationId xmlns:a16="http://schemas.microsoft.com/office/drawing/2014/main" xmlns="" id="{ABDCDBD2-131A-4B66-A2F2-43BBEE82C773}"/>
+              </a:ext>
+            </a:extLst>
+          </p:cNvPr>
+          <p:cNvSpPr/>
+          <p:nvPr/>
+        </p:nvSpPr>
+        <p:spPr>
+          <a:xfrm>
+            <a:off x="7712397" y="2228817"/>
+            <a:ext cx="708186" cy="285783"/>
+          </a:xfrm>
+          <a:prstGeom prst="rect">
+            <a:avLst/>
+          </a:prstGeom>
+          <a:ln w="19050">
+            <a:solidFill>
+              <a:srgbClr val="7030A0"/>
+            </a:solidFill>
+          </a:ln>
+          <a:effectLst/>
+        </p:spPr>
+        <p:style>
+          <a:lnRef idx="1">
+            <a:schemeClr val="accent4"/>
+          </a:lnRef>
+          <a:fillRef idx="2">
+            <a:schemeClr val="accent4"/>
+          </a:fillRef>
+          <a:effectRef idx="1">
+            <a:schemeClr val="accent4"/>
+          </a:effectRef>
+          <a:fontRef idx="minor">
+            <a:schemeClr val="dk1"/>
+          </a:fontRef>
+        </p:style>
+        <p:txBody>
+          <a:bodyPr rtlCol="0" anchor="ctr"/>
+          <a:lstStyle/>
+          <a:p>
+            <a:pPr algn="ctr"/>
+            <a:r>
+              <a:rPr lang="en-US" sz="1050" dirty="0">
+                <a:solidFill>
+                  <a:srgbClr val="7030A0"/>
+                </a:solidFill>
+              </a:rPr>
+              <a:t>Tag</a:t>
+            </a:r>
+            <a:endParaRPr lang="en-SG" sz="1050" dirty="0">
+              <a:solidFill>
+                <a:srgbClr val="7030A0"/>
+              </a:solidFill>
+            </a:endParaRPr>
+          </a:p>
+        </p:txBody>
+      </p:sp>
+      <p:cxnSp>
+        <p:nvCxnSpPr>
+          <p:cNvPr id="53" name="Elbow Connector 78">
+            <a:extLst>
+              <a:ext uri="{FF2B5EF4-FFF2-40B4-BE49-F238E27FC236}">
+                <a16:creationId xmlns:a16="http://schemas.microsoft.com/office/drawing/2014/main" xmlns="" id="{B97967F8-618A-448B-81FD-CDFD4AF0EC64}"/>
+              </a:ext>
+            </a:extLst>
+          </p:cNvPr>
+          <p:cNvCxnSpPr>
+            <a:cxnSpLocks/>
+            <a:stCxn id="78" idx="3"/>
+            <a:endCxn id="52" idx="1"/>
+          </p:cNvCxnSpPr>
+          <p:nvPr/>
+        </p:nvCxnSpPr>
+        <p:spPr>
+          <a:xfrm flipV="1">
+            <a:off x="7277995" y="2371709"/>
+            <a:ext cx="434402" cy="663182"/>
+          </a:xfrm>
+          <a:prstGeom prst="bentConnector3">
+            <a:avLst>
+              <a:gd name="adj1" fmla="val 50000"/>
+            </a:avLst>
+          </a:prstGeom>
+          <a:ln w="19050">
+            <a:solidFill>
+              <a:srgbClr val="7030A0"/>
+            </a:solidFill>
+            <a:headEnd type="none" w="med" len="med"/>
+            <a:tailEnd type="arrow" w="med" len="med"/>
+          </a:ln>
+          <a:effectLst/>
+        </p:spPr>
+        <p:style>
+          <a:lnRef idx="1">
+            <a:schemeClr val="accent2"/>
+          </a:lnRef>
+          <a:fillRef idx="2">
+            <a:schemeClr val="accent2"/>
+          </a:fillRef>
+          <a:effectRef idx="1">
+            <a:schemeClr val="accent2"/>
+          </a:effectRef>
+          <a:fontRef idx="minor">
+            <a:schemeClr val="dk1"/>
+          </a:fontRef>
+        </p:style>
+      </p:cxnSp>
+      <p:sp>
+        <p:nvSpPr>
+          <p:cNvPr id="50" name="TextBox 49">
+            <a:extLst>
+              <a:ext uri="{FF2B5EF4-FFF2-40B4-BE49-F238E27FC236}">
+                <a16:creationId xmlns:a16="http://schemas.microsoft.com/office/drawing/2014/main" xmlns="" id="{B3FA9D57-880F-49C4-AD0B-A64E30D6F403}"/>
+              </a:ext>
+            </a:extLst>
+          </p:cNvPr>
+          <p:cNvSpPr txBox="1"/>
+          <p:nvPr/>
+        </p:nvSpPr>
+        <p:spPr>
+          <a:xfrm>
+            <a:off x="7466243" y="2255711"/>
+            <a:ext cx="189257" cy="178683"/>
+          </a:xfrm>
+          <a:prstGeom prst="rect">
+            <a:avLst/>
+          </a:prstGeom>
+          <a:noFill/>
+        </p:spPr>
+        <p:txBody>
+          <a:bodyPr wrap="square" lIns="0" tIns="0" rIns="0" bIns="0" rtlCol="0">
+            <a:noAutofit/>
+          </a:bodyPr>
+          <a:lstStyle/>
+          <a:p>
+            <a:pPr algn="ctr"/>
+            <a:r>
+              <a:rPr lang="en-US" sz="1100" dirty="0">
+                <a:solidFill>
+                  <a:srgbClr val="7030A0"/>
+                </a:solidFill>
+              </a:rPr>
+              <a:t>*</a:t>
+            </a:r>
+            <a:endParaRPr lang="en-SG" sz="1100" dirty="0">
+              <a:solidFill>
+                <a:srgbClr val="7030A0"/>
+              </a:solidFill>
+            </a:endParaRPr>
+          </a:p>
+        </p:txBody>
+      </p:sp>
+      <p:sp>
+        <p:nvSpPr>
+          <p:cNvPr id="55" name="Rectangle 8"/>
+          <p:cNvSpPr/>
+          <p:nvPr/>
+        </p:nvSpPr>
+        <p:spPr>
+          <a:xfrm>
+            <a:off x="3170181" y="1998350"/>
+            <a:ext cx="1060683" cy="364396"/>
+          </a:xfrm>
+          <a:prstGeom prst="rect">
+            <a:avLst/>
+          </a:prstGeom>
+          <a:ln w="19050">
+            <a:solidFill>
+              <a:srgbClr val="7030A0"/>
+            </a:solidFill>
+          </a:ln>
+          <a:effectLst/>
+        </p:spPr>
+        <p:style>
+          <a:lnRef idx="1">
+            <a:schemeClr val="accent4"/>
+          </a:lnRef>
+          <a:fillRef idx="2">
+            <a:schemeClr val="accent4"/>
+          </a:fillRef>
+          <a:effectRef idx="1">
+            <a:schemeClr val="accent4"/>
+          </a:effectRef>
+          <a:fontRef idx="minor">
+            <a:schemeClr val="dk1"/>
+          </a:fontRef>
+        </p:style>
+        <p:txBody>
+          <a:bodyPr rtlCol="0" anchor="ctr"/>
+          <a:lstStyle/>
+          <a:p>
+            <a:pPr algn="ctr"/>
+            <a:r>
+              <a:rPr lang="en-US" sz="1050" dirty="0" err="1">
+                <a:solidFill>
+                  <a:srgbClr val="7030A0"/>
+                </a:solidFill>
+              </a:rPr>
+              <a:t>AddressBook</a:t>
+            </a:r>
+            <a:endParaRPr lang="en-SG" sz="1050" dirty="0">
+              <a:solidFill>
+                <a:srgbClr val="7030A0"/>
+              </a:solidFill>
+            </a:endParaRPr>
+          </a:p>
+        </p:txBody>
+      </p:sp>
+      <p:cxnSp>
+        <p:nvCxnSpPr>
+          <p:cNvPr id="60" name="Straight Arrow Connector 59"/>
+          <p:cNvCxnSpPr>
+            <a:stCxn id="51" idx="1"/>
+            <a:endCxn id="49" idx="1"/>
+          </p:cNvCxnSpPr>
+          <p:nvPr/>
+        </p:nvCxnSpPr>
+        <p:spPr>
+          <a:xfrm>
+            <a:off x="4324972" y="3007222"/>
+            <a:ext cx="367678" cy="12320"/>
+          </a:xfrm>
+          <a:prstGeom prst="straightConnector1">
+            <a:avLst/>
+          </a:prstGeom>
+          <a:ln w="19050">
+            <a:solidFill>
+              <a:srgbClr val="7030A0"/>
+            </a:solidFill>
+            <a:headEnd type="none" w="med" len="med"/>
+            <a:tailEnd type="arrow" w="med" len="med"/>
+          </a:ln>
+          <a:effectLst/>
+        </p:spPr>
+        <p:style>
+          <a:lnRef idx="1">
+            <a:schemeClr val="accent2"/>
+          </a:lnRef>
+          <a:fillRef idx="2">
+            <a:schemeClr val="accent2"/>
+          </a:fillRef>
+          <a:effectRef idx="1">
+            <a:schemeClr val="accent2"/>
+          </a:effectRef>
+          <a:fontRef idx="minor">
+            <a:schemeClr val="dk1"/>
+          </a:fontRef>
+        </p:style>
+      </p:cxnSp>
+      <p:sp>
+        <p:nvSpPr>
+          <p:cNvPr id="68" name="Isosceles Triangle 102"/>
+          <p:cNvSpPr/>
+          <p:nvPr/>
+        </p:nvSpPr>
+        <p:spPr>
+          <a:xfrm rot="16200000">
+            <a:off x="2669073" y="2069158"/>
+            <a:ext cx="271014" cy="187417"/>
+          </a:xfrm>
+          <a:prstGeom prst="triangle">
+            <a:avLst>
+              <a:gd name="adj" fmla="val 44517"/>
+            </a:avLst>
+          </a:prstGeom>
+          <a:solidFill>
+            <a:schemeClr val="accent4">
+              <a:lumMod val="20000"/>
+              <a:lumOff val="80000"/>
+            </a:schemeClr>
+          </a:solidFill>
+          <a:ln w="19050">
+            <a:solidFill>
+              <a:srgbClr val="7030A0"/>
+            </a:solidFill>
+          </a:ln>
+          <a:effectLst/>
+        </p:spPr>
+        <p:style>
+          <a:lnRef idx="1">
+            <a:schemeClr val="accent6"/>
+          </a:lnRef>
+          <a:fillRef idx="2">
+            <a:schemeClr val="accent6"/>
+          </a:fillRef>
+          <a:effectRef idx="1">
+            <a:schemeClr val="accent6"/>
+          </a:effectRef>
+          <a:fontRef idx="minor">
+            <a:schemeClr val="dk1"/>
+          </a:fontRef>
+        </p:style>
+        <p:txBody>
+          <a:bodyPr rtlCol="0" anchor="ctr"/>
+          <a:lstStyle/>
+          <a:p>
+            <a:pPr algn="ctr"/>
+            <a:endParaRPr lang="en-SG" sz="1050"/>
+          </a:p>
+        </p:txBody>
+      </p:sp>
+      <p:cxnSp>
+        <p:nvCxnSpPr>
+          <p:cNvPr id="69" name="Elbow Connector 63"/>
+          <p:cNvCxnSpPr>
+            <a:stCxn id="68" idx="3"/>
+            <a:endCxn id="55" idx="1"/>
+          </p:cNvCxnSpPr>
+          <p:nvPr/>
+        </p:nvCxnSpPr>
+        <p:spPr>
+          <a:xfrm>
+            <a:off x="2898289" y="2177727"/>
+            <a:ext cx="271892" cy="2821"/>
+          </a:xfrm>
+          <a:prstGeom prst="bentConnector3">
+            <a:avLst>
+              <a:gd name="adj1" fmla="val 50000"/>
+            </a:avLst>
+          </a:prstGeom>
+          <a:ln w="19050">
+            <a:solidFill>
+              <a:srgbClr val="7030A0"/>
+            </a:solidFill>
+            <a:prstDash val="sysDot"/>
+            <a:headEnd type="none" w="med" len="med"/>
+            <a:tailEnd type="none" w="med" len="med"/>
+          </a:ln>
+          <a:effectLst/>
+        </p:spPr>
+        <p:style>
+          <a:lnRef idx="1">
+            <a:schemeClr val="accent2"/>
+          </a:lnRef>
+          <a:fillRef idx="2">
+            <a:schemeClr val="accent2"/>
+          </a:fillRef>
+          <a:effectRef idx="1">
+            <a:schemeClr val="accent2"/>
+          </a:effectRef>
+          <a:fontRef idx="minor">
+            <a:schemeClr val="dk1"/>
+          </a:fontRef>
+        </p:style>
+      </p:cxnSp>
+      <p:sp>
+        <p:nvSpPr>
+          <p:cNvPr id="57" name="Rectangle 8">
+            <a:extLst>
+              <a:ext uri="{FF2B5EF4-FFF2-40B4-BE49-F238E27FC236}">
+                <a16:creationId xmlns:a16="http://schemas.microsoft.com/office/drawing/2014/main" xmlns="" id="{6A42DA50-9012-4391-9EF3-285E4FA3FCD8}"/>
+              </a:ext>
+            </a:extLst>
+          </p:cNvPr>
+          <p:cNvSpPr/>
+          <p:nvPr/>
+        </p:nvSpPr>
+        <p:spPr>
+          <a:xfrm>
+            <a:off x="4238892" y="3460864"/>
+            <a:ext cx="1293486" cy="346760"/>
+          </a:xfrm>
+          <a:prstGeom prst="rect">
+            <a:avLst/>
+          </a:prstGeom>
+          <a:ln w="19050">
+            <a:solidFill>
+              <a:srgbClr val="7030A0"/>
+            </a:solidFill>
+          </a:ln>
+          <a:effectLst/>
+        </p:spPr>
+        <p:style>
+          <a:lnRef idx="1">
+            <a:schemeClr val="accent4"/>
+          </a:lnRef>
+          <a:fillRef idx="2">
+            <a:schemeClr val="accent4"/>
+          </a:fillRef>
+          <a:effectRef idx="1">
+            <a:schemeClr val="accent4"/>
+          </a:effectRef>
+          <a:fontRef idx="minor">
+            <a:schemeClr val="dk1"/>
+          </a:fontRef>
+        </p:style>
+        <p:txBody>
+          <a:bodyPr rtlCol="0" anchor="ctr"/>
+          <a:lstStyle/>
+          <a:p>
+            <a:pPr algn="ctr"/>
+            <a:r>
+              <a:rPr lang="en-US" sz="1050" dirty="0">
+                <a:solidFill>
+                  <a:srgbClr val="7030A0"/>
+                </a:solidFill>
+              </a:rPr>
+              <a:t>&lt;&lt;interface&gt;&gt;</a:t>
+            </a:r>
+          </a:p>
+          <a:p>
+            <a:pPr algn="ctr"/>
+            <a:r>
+              <a:rPr lang="en-US" sz="1050" dirty="0" err="1">
+                <a:solidFill>
+                  <a:srgbClr val="7030A0"/>
+                </a:solidFill>
+              </a:rPr>
+              <a:t>ReadOnlyUserPrefs</a:t>
+            </a:r>
+            <a:endParaRPr lang="en-SG" sz="1050" dirty="0">
+              <a:solidFill>
+                <a:srgbClr val="7030A0"/>
+              </a:solidFill>
+            </a:endParaRPr>
+          </a:p>
+        </p:txBody>
+      </p:sp>
+      <p:sp>
+        <p:nvSpPr>
+          <p:cNvPr id="59" name="Isosceles Triangle 102">
+            <a:extLst>
+              <a:ext uri="{FF2B5EF4-FFF2-40B4-BE49-F238E27FC236}">
+                <a16:creationId xmlns:a16="http://schemas.microsoft.com/office/drawing/2014/main" xmlns="" id="{B263B2D7-6E76-465E-B40E-7E2A46254A84}"/>
+              </a:ext>
+            </a:extLst>
+          </p:cNvPr>
+          <p:cNvSpPr/>
+          <p:nvPr/>
+        </p:nvSpPr>
+        <p:spPr>
+          <a:xfrm rot="5400000" flipH="1">
+            <a:off x="3992636" y="3514414"/>
+            <a:ext cx="271014" cy="221497"/>
+          </a:xfrm>
+          <a:prstGeom prst="triangle">
+            <a:avLst>
+              <a:gd name="adj" fmla="val 44517"/>
+            </a:avLst>
+          </a:prstGeom>
+          <a:solidFill>
+            <a:schemeClr val="accent4">
+              <a:lumMod val="20000"/>
+              <a:lumOff val="80000"/>
+            </a:schemeClr>
+          </a:solidFill>
+          <a:ln w="19050">
+            <a:solidFill>
+              <a:srgbClr val="7030A0"/>
+            </a:solidFill>
+          </a:ln>
+          <a:effectLst/>
+        </p:spPr>
+        <p:style>
+          <a:lnRef idx="1">
+            <a:schemeClr val="accent6"/>
+          </a:lnRef>
+          <a:fillRef idx="2">
+            <a:schemeClr val="accent6"/>
+          </a:fillRef>
+          <a:effectRef idx="1">
+            <a:schemeClr val="accent6"/>
+          </a:effectRef>
+          <a:fontRef idx="minor">
+            <a:schemeClr val="dk1"/>
+          </a:fontRef>
+        </p:style>
+        <p:txBody>
+          <a:bodyPr rtlCol="0" anchor="ctr"/>
+          <a:lstStyle/>
+          <a:p>
+            <a:pPr algn="ctr"/>
+            <a:endParaRPr lang="en-SG" sz="1050"/>
+          </a:p>
+        </p:txBody>
+      </p:sp>
+      <p:cxnSp>
+        <p:nvCxnSpPr>
+          <p:cNvPr id="67" name="Elbow Connector 63">
+            <a:extLst>
+              <a:ext uri="{FF2B5EF4-FFF2-40B4-BE49-F238E27FC236}">
+                <a16:creationId xmlns:a16="http://schemas.microsoft.com/office/drawing/2014/main" xmlns="" id="{BA3A25CD-7C1D-4B3B-B294-1B05ABCFECFD}"/>
+              </a:ext>
+            </a:extLst>
+          </p:cNvPr>
+          <p:cNvCxnSpPr>
+            <a:cxnSpLocks/>
+            <a:stCxn id="59" idx="3"/>
+            <a:endCxn id="2" idx="3"/>
+          </p:cNvCxnSpPr>
+          <p:nvPr/>
+        </p:nvCxnSpPr>
+        <p:spPr>
+          <a:xfrm rot="10800000">
+            <a:off x="3703491" y="3636621"/>
+            <a:ext cx="313904" cy="3403"/>
+          </a:xfrm>
+          <a:prstGeom prst="bentConnector3">
+            <a:avLst>
+              <a:gd name="adj1" fmla="val 50000"/>
+            </a:avLst>
+          </a:prstGeom>
+          <a:ln w="19050">
+            <a:solidFill>
+              <a:srgbClr val="7030A0"/>
+            </a:solidFill>
+            <a:prstDash val="sysDot"/>
+            <a:headEnd type="none" w="med" len="med"/>
+            <a:tailEnd type="none" w="med" len="med"/>
+          </a:ln>
+          <a:effectLst/>
+        </p:spPr>
+        <p:style>
+          <a:lnRef idx="1">
+            <a:schemeClr val="accent2"/>
+          </a:lnRef>
+          <a:fillRef idx="2">
+            <a:schemeClr val="accent2"/>
+          </a:fillRef>
+          <a:effectRef idx="1">
+            <a:schemeClr val="accent2"/>
+          </a:effectRef>
+          <a:fontRef idx="minor">
+            <a:schemeClr val="dk1"/>
+          </a:fontRef>
+        </p:style>
+      </p:cxnSp>
+      <p:sp>
+        <p:nvSpPr>
+          <p:cNvPr id="56" name="Rectangle 65"/>
+          <p:cNvSpPr/>
+          <p:nvPr/>
+        </p:nvSpPr>
+        <p:spPr>
+          <a:xfrm>
+            <a:off x="229022" y="1497232"/>
+            <a:ext cx="8610178" cy="4598768"/>
+          </a:xfrm>
+          <a:prstGeom prst="roundRect">
+            <a:avLst>
+              <a:gd name="adj" fmla="val 3484"/>
+            </a:avLst>
+          </a:prstGeom>
+          <a:solidFill>
+            <a:schemeClr val="accent4">
+              <a:lumMod val="20000"/>
+              <a:lumOff val="80000"/>
+            </a:schemeClr>
+          </a:solidFill>
+          <a:ln w="19050">
+            <a:noFill/>
+          </a:ln>
+          <a:effectLst/>
+        </p:spPr>
+        <p:style>
+          <a:lnRef idx="1">
+            <a:schemeClr val="accent2"/>
+          </a:lnRef>
+          <a:fillRef idx="2">
+            <a:schemeClr val="accent2"/>
+          </a:fillRef>
+          <a:effectRef idx="1">
+            <a:schemeClr val="accent2"/>
+          </a:effectRef>
+          <a:fontRef idx="minor">
+            <a:schemeClr val="dk1"/>
+          </a:fontRef>
+        </p:style>
+        <p:txBody>
+          <a:bodyPr rtlCol="0" anchor="t"/>
+          <a:lstStyle/>
+          <a:p>
+            <a:r>
+              <a:rPr lang="en-US" sz="1200" b="1" dirty="0">
+                <a:solidFill>
+                  <a:srgbClr val="7030A0"/>
+                </a:solidFill>
+              </a:rPr>
+              <a:t>Model</a:t>
+            </a:r>
+            <a:endParaRPr lang="en-SG" sz="1200" b="1" dirty="0">
+              <a:solidFill>
+                <a:srgbClr val="7030A0"/>
+              </a:solidFill>
+            </a:endParaRPr>
+          </a:p>
+        </p:txBody>
+      </p:sp>
+      <p:sp>
+        <p:nvSpPr>
+          <p:cNvPr id="71" name="Rectangle 8"/>
+          <p:cNvSpPr/>
+          <p:nvPr/>
+        </p:nvSpPr>
+        <p:spPr>
+          <a:xfrm>
+            <a:off x="2091245" y="4683189"/>
+            <a:ext cx="878211" cy="346760"/>
+          </a:xfrm>
+          <a:prstGeom prst="rect">
+            <a:avLst/>
+          </a:prstGeom>
+          <a:ln w="19050">
+            <a:solidFill>
+              <a:srgbClr val="7030A0"/>
+            </a:solidFill>
+          </a:ln>
+          <a:effectLst/>
+        </p:spPr>
+        <p:style>
+          <a:lnRef idx="1">
+            <a:schemeClr val="accent4"/>
+          </a:lnRef>
+          <a:fillRef idx="2">
+            <a:schemeClr val="accent4"/>
+          </a:fillRef>
+          <a:effectRef idx="1">
+            <a:schemeClr val="accent4"/>
+          </a:effectRef>
+          <a:fontRef idx="minor">
+            <a:schemeClr val="dk1"/>
+          </a:fontRef>
+        </p:style>
+        <p:txBody>
+          <a:bodyPr rtlCol="0" anchor="ctr"/>
+          <a:lstStyle/>
+          <a:p>
+            <a:pPr algn="ctr"/>
+            <a:r>
+              <a:rPr lang="en-US" sz="1050" dirty="0">
+                <a:solidFill>
+                  <a:srgbClr val="7030A0"/>
+                </a:solidFill>
+              </a:rPr>
+              <a:t>UserPrefs</a:t>
+            </a:r>
+            <a:endParaRPr lang="en-SG" sz="1050" dirty="0">
+              <a:solidFill>
+                <a:srgbClr val="7030A0"/>
+              </a:solidFill>
+            </a:endParaRPr>
+          </a:p>
+        </p:txBody>
+      </p:sp>
+      <p:sp>
+        <p:nvSpPr>
+          <p:cNvPr id="72" name="Rectangle 62"/>
+          <p:cNvSpPr/>
+          <p:nvPr/>
+        </p:nvSpPr>
+        <p:spPr>
+          <a:xfrm rot="16200000">
+            <a:off x="260131" y="3665276"/>
+            <a:ext cx="2228687" cy="346760"/>
+          </a:xfrm>
+          <a:prstGeom prst="rect">
+            <a:avLst/>
+          </a:prstGeom>
+          <a:solidFill>
+            <a:srgbClr val="7030A0"/>
+          </a:solidFill>
+          <a:ln w="19050">
+            <a:solidFill>
+              <a:srgbClr val="7030A0"/>
+            </a:solidFill>
+          </a:ln>
+          <a:effectLst/>
+        </p:spPr>
+        <p:style>
+          <a:lnRef idx="1">
+            <a:schemeClr val="accent2"/>
+          </a:lnRef>
+          <a:fillRef idx="2">
+            <a:schemeClr val="accent2"/>
+          </a:fillRef>
+          <a:effectRef idx="1">
+            <a:schemeClr val="accent2"/>
+          </a:effectRef>
+          <a:fontRef idx="minor">
+            <a:schemeClr val="dk1"/>
+          </a:fontRef>
+        </p:style>
+        <p:txBody>
+          <a:bodyPr rtlCol="0" anchor="ctr"/>
+          <a:lstStyle/>
+          <a:p>
+            <a:pPr algn="ctr"/>
+            <a:r>
+              <a:rPr lang="en-US" sz="1050" dirty="0">
+                <a:solidFill>
+                  <a:schemeClr val="bg1"/>
+                </a:solidFill>
+              </a:rPr>
+              <a:t>ModelManager</a:t>
+            </a:r>
+            <a:endParaRPr lang="en-SG" sz="1050" dirty="0">
+              <a:solidFill>
+                <a:schemeClr val="bg1"/>
+              </a:solidFill>
+            </a:endParaRPr>
+          </a:p>
+        </p:txBody>
+      </p:sp>
+      <p:sp>
+        <p:nvSpPr>
+          <p:cNvPr id="73" name="Rectangle 62"/>
+          <p:cNvSpPr/>
+          <p:nvPr/>
+        </p:nvSpPr>
+        <p:spPr>
+          <a:xfrm rot="16200000">
+            <a:off x="122311" y="2861202"/>
+            <a:ext cx="1093635" cy="346760"/>
+          </a:xfrm>
+          <a:prstGeom prst="rect">
+            <a:avLst/>
+          </a:prstGeom>
+          <a:solidFill>
+            <a:srgbClr val="7030A0"/>
+          </a:solidFill>
+          <a:ln w="19050">
+            <a:solidFill>
+              <a:srgbClr val="7030A0"/>
+            </a:solidFill>
+          </a:ln>
+          <a:effectLst/>
+        </p:spPr>
+        <p:style>
+          <a:lnRef idx="1">
+            <a:schemeClr val="accent2"/>
+          </a:lnRef>
+          <a:fillRef idx="2">
+            <a:schemeClr val="accent2"/>
+          </a:fillRef>
+          <a:effectRef idx="1">
+            <a:schemeClr val="accent2"/>
+          </a:effectRef>
+          <a:fontRef idx="minor">
+            <a:schemeClr val="dk1"/>
+          </a:fontRef>
+        </p:style>
+        <p:txBody>
+          <a:bodyPr rtlCol="0" anchor="ctr"/>
+          <a:lstStyle/>
+          <a:p>
+            <a:pPr algn="ctr"/>
+            <a:r>
+              <a:rPr lang="en-US" sz="1050" dirty="0">
+                <a:solidFill>
+                  <a:schemeClr val="bg1"/>
+                </a:solidFill>
+              </a:rPr>
+              <a:t>&lt;&lt;interface&gt;&gt;</a:t>
+            </a:r>
+          </a:p>
+          <a:p>
+            <a:pPr algn="ctr"/>
+            <a:r>
+              <a:rPr lang="en-US" sz="1050" dirty="0">
+                <a:solidFill>
+                  <a:schemeClr val="bg1"/>
+                </a:solidFill>
+              </a:rPr>
+              <a:t>Model</a:t>
+            </a:r>
+            <a:endParaRPr lang="en-SG" sz="1050" dirty="0">
+              <a:solidFill>
+                <a:schemeClr val="bg1"/>
+              </a:solidFill>
+            </a:endParaRPr>
+          </a:p>
+        </p:txBody>
+      </p:sp>
+      <p:sp>
+        <p:nvSpPr>
+          <p:cNvPr id="74" name="Isosceles Triangle 102"/>
+          <p:cNvSpPr/>
+          <p:nvPr/>
+        </p:nvSpPr>
+        <p:spPr>
+          <a:xfrm rot="16200000">
+            <a:off x="793019" y="2952291"/>
+            <a:ext cx="270504" cy="175523"/>
+          </a:xfrm>
+          <a:prstGeom prst="triangle">
+            <a:avLst/>
+          </a:prstGeom>
+          <a:solidFill>
+            <a:srgbClr val="7030A0"/>
+          </a:solidFill>
+          <a:ln w="19050">
+            <a:solidFill>
+              <a:srgbClr val="7030A0"/>
+            </a:solidFill>
+          </a:ln>
+          <a:effectLst/>
+        </p:spPr>
+        <p:style>
+          <a:lnRef idx="1">
+            <a:schemeClr val="accent6"/>
+          </a:lnRef>
+          <a:fillRef idx="2">
+            <a:schemeClr val="accent6"/>
+          </a:fillRef>
+          <a:effectRef idx="1">
+            <a:schemeClr val="accent6"/>
+          </a:effectRef>
+          <a:fontRef idx="minor">
+            <a:schemeClr val="dk1"/>
+          </a:fontRef>
+        </p:style>
+        <p:txBody>
+          <a:bodyPr rtlCol="0" anchor="ctr"/>
+          <a:lstStyle/>
+          <a:p>
+            <a:pPr algn="ctr"/>
+            <a:endParaRPr lang="en-SG" sz="1050"/>
+          </a:p>
+        </p:txBody>
+      </p:sp>
+      <p:cxnSp>
+        <p:nvCxnSpPr>
+          <p:cNvPr id="77" name="Straight Arrow Connector 76"/>
+          <p:cNvCxnSpPr>
+            <a:cxnSpLocks/>
+            <a:stCxn id="130" idx="3"/>
+            <a:endCxn id="56" idx="1"/>
+          </p:cNvCxnSpPr>
+          <p:nvPr/>
+        </p:nvCxnSpPr>
+        <p:spPr>
+          <a:xfrm>
+            <a:off x="1806346" y="4852397"/>
+            <a:ext cx="284899" cy="4172"/>
+          </a:xfrm>
+          <a:prstGeom prst="straightConnector1">
+            <a:avLst/>
+          </a:prstGeom>
+          <a:ln w="19050">
+            <a:solidFill>
+              <a:srgbClr val="7030A0"/>
+            </a:solidFill>
+            <a:headEnd type="none" w="med" len="med"/>
+            <a:tailEnd type="arrow" w="med" len="med"/>
+          </a:ln>
+          <a:effectLst/>
+        </p:spPr>
+        <p:style>
+          <a:lnRef idx="1">
+            <a:schemeClr val="accent2"/>
+          </a:lnRef>
+          <a:fillRef idx="2">
+            <a:schemeClr val="accent2"/>
+          </a:fillRef>
+          <a:effectRef idx="1">
+            <a:schemeClr val="accent2"/>
+          </a:effectRef>
+          <a:fontRef idx="minor">
+            <a:schemeClr val="dk1"/>
+          </a:fontRef>
+        </p:style>
+      </p:cxnSp>
+      <p:cxnSp>
+        <p:nvCxnSpPr>
+          <p:cNvPr id="82" name="Elbow Connector 122"/>
+          <p:cNvCxnSpPr/>
+          <p:nvPr/>
+        </p:nvCxnSpPr>
+        <p:spPr>
+          <a:xfrm>
+            <a:off x="76200" y="3040053"/>
+            <a:ext cx="419548" cy="2860"/>
+          </a:xfrm>
+          <a:prstGeom prst="bentConnector3">
+            <a:avLst>
+              <a:gd name="adj1" fmla="val 50000"/>
+            </a:avLst>
+          </a:prstGeom>
+          <a:ln w="19050">
+            <a:solidFill>
+              <a:schemeClr val="bg1">
+                <a:lumMod val="75000"/>
+              </a:schemeClr>
+            </a:solidFill>
+            <a:prstDash val="sysDot"/>
+            <a:headEnd type="none" w="med" len="med"/>
+            <a:tailEnd type="arrow" w="med" len="med"/>
+          </a:ln>
+          <a:effectLst/>
+        </p:spPr>
+        <p:style>
+          <a:lnRef idx="1">
+            <a:schemeClr val="accent2"/>
+          </a:lnRef>
+          <a:fillRef idx="2">
+            <a:schemeClr val="accent2"/>
+          </a:fillRef>
+          <a:effectRef idx="1">
+            <a:schemeClr val="accent2"/>
+          </a:effectRef>
+          <a:fontRef idx="minor">
+            <a:schemeClr val="dk1"/>
+          </a:fontRef>
+        </p:style>
+      </p:cxnSp>
+      <p:cxnSp>
+        <p:nvCxnSpPr>
+          <p:cNvPr id="87" name="Straight Connector 86"/>
+          <p:cNvCxnSpPr/>
+          <p:nvPr/>
+        </p:nvCxnSpPr>
+        <p:spPr>
+          <a:xfrm flipV="1">
+            <a:off x="1016033" y="3040052"/>
+            <a:ext cx="216105" cy="1"/>
+          </a:xfrm>
+          <a:prstGeom prst="line">
+            <a:avLst/>
+          </a:prstGeom>
+          <a:ln w="19050">
+            <a:solidFill>
+              <a:srgbClr val="7030A0"/>
+            </a:solidFill>
+            <a:prstDash val="sysDot"/>
+            <a:headEnd type="none" w="med" len="med"/>
+            <a:tailEnd type="none" w="med" len="med"/>
+          </a:ln>
+          <a:effectLst/>
+        </p:spPr>
+        <p:style>
+          <a:lnRef idx="1">
+            <a:schemeClr val="accent2"/>
+          </a:lnRef>
+          <a:fillRef idx="2">
+            <a:schemeClr val="accent2"/>
+          </a:fillRef>
+          <a:effectRef idx="1">
+            <a:schemeClr val="accent2"/>
+          </a:effectRef>
+          <a:fontRef idx="minor">
+            <a:schemeClr val="dk1"/>
+          </a:fontRef>
+        </p:style>
+      </p:cxnSp>
+      <p:sp>
+        <p:nvSpPr>
+          <p:cNvPr id="88" name="Flowchart: Decision 96"/>
+          <p:cNvSpPr/>
+          <p:nvPr/>
+        </p:nvSpPr>
+        <p:spPr>
+          <a:xfrm>
+            <a:off x="1570298" y="4765707"/>
+            <a:ext cx="236048" cy="173380"/>
+          </a:xfrm>
+          <a:prstGeom prst="flowChartDecision">
+            <a:avLst/>
+          </a:prstGeom>
+          <a:noFill/>
+          <a:ln w="19050">
+            <a:solidFill>
+              <a:srgbClr val="7030A0"/>
+            </a:solidFill>
+          </a:ln>
+          <a:effectLst/>
+        </p:spPr>
+        <p:style>
+          <a:lnRef idx="1">
+            <a:schemeClr val="accent6"/>
+          </a:lnRef>
+          <a:fillRef idx="2">
+            <a:schemeClr val="accent6"/>
+          </a:fillRef>
+          <a:effectRef idx="1">
+            <a:schemeClr val="accent6"/>
+          </a:effectRef>
+          <a:fontRef idx="minor">
+            <a:schemeClr val="dk1"/>
+          </a:fontRef>
+        </p:style>
+        <p:txBody>
+          <a:bodyPr rtlCol="0" anchor="ctr"/>
+          <a:lstStyle/>
+          <a:p>
+            <a:pPr algn="ctr"/>
+            <a:endParaRPr lang="en-US" sz="1050"/>
+          </a:p>
+        </p:txBody>
+      </p:sp>
+      <p:sp>
+        <p:nvSpPr>
+          <p:cNvPr id="89" name="Rectangle 8"/>
+          <p:cNvSpPr/>
+          <p:nvPr/>
+        </p:nvSpPr>
+        <p:spPr>
+          <a:xfrm>
+            <a:off x="1991389" y="2846162"/>
+            <a:ext cx="1490560" cy="334856"/>
+          </a:xfrm>
+          <a:prstGeom prst="rect">
+            <a:avLst/>
+          </a:prstGeom>
+          <a:ln w="19050">
+            <a:solidFill>
+              <a:srgbClr val="7030A0"/>
+            </a:solidFill>
+          </a:ln>
+          <a:effectLst/>
+        </p:spPr>
+        <p:style>
+          <a:lnRef idx="1">
+            <a:schemeClr val="accent4"/>
+          </a:lnRef>
+          <a:fillRef idx="2">
+            <a:schemeClr val="accent4"/>
+          </a:fillRef>
+          <a:effectRef idx="1">
+            <a:schemeClr val="accent4"/>
+          </a:effectRef>
+          <a:fontRef idx="minor">
+            <a:schemeClr val="dk1"/>
+          </a:fontRef>
+        </p:style>
+        <p:txBody>
+          <a:bodyPr rtlCol="0" anchor="ctr"/>
+          <a:lstStyle/>
+          <a:p>
+            <a:pPr algn="ctr"/>
+            <a:r>
+              <a:rPr lang="en-US" sz="1050" dirty="0" smtClean="0">
+                <a:solidFill>
+                  <a:srgbClr val="7030A0"/>
+                </a:solidFill>
+              </a:rPr>
+              <a:t>RestOrRant</a:t>
+            </a:r>
+            <a:endParaRPr lang="en-SG" sz="1050" dirty="0">
+              <a:solidFill>
+                <a:srgbClr val="7030A0"/>
+              </a:solidFill>
+            </a:endParaRPr>
+          </a:p>
+        </p:txBody>
+      </p:sp>
+      <p:cxnSp>
+        <p:nvCxnSpPr>
+          <p:cNvPr id="90" name="Straight Arrow Connector 89"/>
+          <p:cNvCxnSpPr>
+            <a:stCxn id="136" idx="3"/>
+            <a:endCxn id="134" idx="1"/>
+          </p:cNvCxnSpPr>
+          <p:nvPr/>
+        </p:nvCxnSpPr>
+        <p:spPr>
+          <a:xfrm>
+            <a:off x="1790469" y="3003033"/>
+            <a:ext cx="200920" cy="10557"/>
+          </a:xfrm>
+          <a:prstGeom prst="straightConnector1">
+            <a:avLst/>
+          </a:prstGeom>
+          <a:ln w="19050">
+            <a:solidFill>
+              <a:srgbClr val="7030A0"/>
+            </a:solidFill>
+            <a:headEnd type="none" w="med" len="med"/>
+            <a:tailEnd type="arrow" w="med" len="med"/>
+          </a:ln>
+          <a:effectLst/>
+        </p:spPr>
+        <p:style>
+          <a:lnRef idx="1">
+            <a:schemeClr val="accent2"/>
+          </a:lnRef>
+          <a:fillRef idx="2">
+            <a:schemeClr val="accent2"/>
+          </a:fillRef>
+          <a:effectRef idx="1">
+            <a:schemeClr val="accent2"/>
+          </a:effectRef>
+          <a:fontRef idx="minor">
+            <a:schemeClr val="dk1"/>
+          </a:fontRef>
+        </p:style>
+      </p:cxnSp>
+      <p:sp>
+        <p:nvSpPr>
+          <p:cNvPr id="91" name="Flowchart: Decision 96"/>
+          <p:cNvSpPr/>
+          <p:nvPr/>
+        </p:nvSpPr>
+        <p:spPr>
+          <a:xfrm>
+            <a:off x="1554421" y="2916343"/>
+            <a:ext cx="236048" cy="173380"/>
+          </a:xfrm>
+          <a:prstGeom prst="flowChartDecision">
+            <a:avLst/>
+          </a:prstGeom>
+          <a:noFill/>
+          <a:ln w="19050">
+            <a:solidFill>
+              <a:srgbClr val="7030A0"/>
+            </a:solidFill>
+          </a:ln>
+          <a:effectLst/>
+        </p:spPr>
+        <p:style>
+          <a:lnRef idx="1">
+            <a:schemeClr val="accent6"/>
+          </a:lnRef>
+          <a:fillRef idx="2">
+            <a:schemeClr val="accent6"/>
+          </a:fillRef>
+          <a:effectRef idx="1">
+            <a:schemeClr val="accent6"/>
+          </a:effectRef>
+          <a:fontRef idx="minor">
+            <a:schemeClr val="dk1"/>
+          </a:fontRef>
+        </p:style>
+        <p:txBody>
+          <a:bodyPr rtlCol="0" anchor="ctr"/>
+          <a:lstStyle/>
+          <a:p>
+            <a:pPr algn="ctr"/>
+            <a:endParaRPr lang="en-US" sz="1050"/>
+          </a:p>
+        </p:txBody>
+      </p:sp>
+      <p:sp>
+        <p:nvSpPr>
+          <p:cNvPr id="92" name="Rectangle 8"/>
+          <p:cNvSpPr/>
+          <p:nvPr/>
+        </p:nvSpPr>
+        <p:spPr>
+          <a:xfrm>
+            <a:off x="3858759" y="2846162"/>
+            <a:ext cx="1156969" cy="346760"/>
+          </a:xfrm>
+          <a:prstGeom prst="rect">
+            <a:avLst/>
+          </a:prstGeom>
+          <a:ln w="19050">
+            <a:solidFill>
+              <a:srgbClr val="7030A0"/>
+            </a:solidFill>
+          </a:ln>
+          <a:effectLst/>
+        </p:spPr>
+        <p:style>
+          <a:lnRef idx="1">
+            <a:schemeClr val="accent4"/>
+          </a:lnRef>
+          <a:fillRef idx="2">
+            <a:schemeClr val="accent4"/>
+          </a:fillRef>
+          <a:effectRef idx="1">
+            <a:schemeClr val="accent4"/>
+          </a:effectRef>
+          <a:fontRef idx="minor">
+            <a:schemeClr val="dk1"/>
+          </a:fontRef>
+        </p:style>
+        <p:txBody>
+          <a:bodyPr rtlCol="0" anchor="ctr"/>
+          <a:lstStyle/>
+          <a:p>
+            <a:pPr algn="ctr"/>
+            <a:r>
+              <a:rPr lang="en-US" sz="1050" dirty="0" smtClean="0">
+                <a:solidFill>
+                  <a:srgbClr val="7030A0"/>
+                </a:solidFill>
+              </a:rPr>
+              <a:t>UniqueTableList</a:t>
+            </a:r>
+            <a:endParaRPr lang="en-SG" sz="1050" dirty="0">
+              <a:solidFill>
+                <a:srgbClr val="7030A0"/>
+              </a:solidFill>
+            </a:endParaRPr>
+          </a:p>
+        </p:txBody>
+      </p:sp>
+      <p:sp>
+        <p:nvSpPr>
+          <p:cNvPr id="93" name="Flowchart: Decision 96"/>
+          <p:cNvSpPr/>
+          <p:nvPr/>
+        </p:nvSpPr>
+        <p:spPr>
+          <a:xfrm>
+            <a:off x="3491081" y="2920532"/>
+            <a:ext cx="236048" cy="173380"/>
+          </a:xfrm>
+          <a:prstGeom prst="flowChartDecision">
+            <a:avLst/>
+          </a:prstGeom>
+          <a:solidFill>
+            <a:srgbClr val="7030A0"/>
+          </a:solidFill>
+          <a:ln w="19050">
+            <a:solidFill>
+              <a:srgbClr val="7030A0"/>
+            </a:solidFill>
+          </a:ln>
+          <a:effectLst/>
+        </p:spPr>
+        <p:style>
+          <a:lnRef idx="1">
+            <a:schemeClr val="accent6"/>
+          </a:lnRef>
+          <a:fillRef idx="2">
+            <a:schemeClr val="accent6"/>
+          </a:fillRef>
+          <a:effectRef idx="1">
+            <a:schemeClr val="accent6"/>
+          </a:effectRef>
+          <a:fontRef idx="minor">
+            <a:schemeClr val="dk1"/>
+          </a:fontRef>
+        </p:style>
+        <p:txBody>
+          <a:bodyPr rtlCol="0" anchor="ctr"/>
+          <a:lstStyle/>
+          <a:p>
+            <a:pPr algn="ctr"/>
+            <a:endParaRPr lang="en-US" sz="1050"/>
+          </a:p>
+        </p:txBody>
+      </p:sp>
+      <p:sp>
+        <p:nvSpPr>
+          <p:cNvPr id="94" name="Rectangle 8"/>
+          <p:cNvSpPr/>
+          <p:nvPr/>
+        </p:nvSpPr>
+        <p:spPr>
+          <a:xfrm>
+            <a:off x="5479786" y="2858066"/>
+            <a:ext cx="708186" cy="346760"/>
+          </a:xfrm>
+          <a:prstGeom prst="rect">
+            <a:avLst/>
+          </a:prstGeom>
+          <a:ln w="19050">
+            <a:solidFill>
+              <a:srgbClr val="7030A0"/>
+            </a:solidFill>
+          </a:ln>
+          <a:effectLst/>
+        </p:spPr>
+        <p:style>
+          <a:lnRef idx="1">
+            <a:schemeClr val="accent4"/>
+          </a:lnRef>
+          <a:fillRef idx="2">
+            <a:schemeClr val="accent4"/>
+          </a:fillRef>
+          <a:effectRef idx="1">
+            <a:schemeClr val="accent4"/>
+          </a:effectRef>
+          <a:fontRef idx="minor">
+            <a:schemeClr val="dk1"/>
+          </a:fontRef>
+        </p:style>
+        <p:txBody>
+          <a:bodyPr rtlCol="0" anchor="ctr"/>
+          <a:lstStyle/>
+          <a:p>
+            <a:pPr algn="ctr"/>
+            <a:r>
+              <a:rPr lang="en-US" sz="1050" dirty="0" smtClean="0">
+                <a:solidFill>
+                  <a:srgbClr val="7030A0"/>
+                </a:solidFill>
+              </a:rPr>
+              <a:t>Table</a:t>
+            </a:r>
+            <a:endParaRPr lang="en-SG" sz="1050" dirty="0">
+              <a:solidFill>
+                <a:srgbClr val="7030A0"/>
+              </a:solidFill>
+            </a:endParaRPr>
+          </a:p>
+        </p:txBody>
+      </p:sp>
+      <p:sp>
+        <p:nvSpPr>
+          <p:cNvPr id="95" name="Flowchart: Decision 96"/>
+          <p:cNvSpPr/>
+          <p:nvPr/>
+        </p:nvSpPr>
+        <p:spPr>
+          <a:xfrm>
+            <a:off x="5024860" y="2941676"/>
+            <a:ext cx="236048" cy="173380"/>
+          </a:xfrm>
+          <a:prstGeom prst="flowChartDecision">
+            <a:avLst/>
+          </a:prstGeom>
+          <a:noFill/>
+          <a:ln w="19050">
+            <a:solidFill>
+              <a:srgbClr val="7030A0"/>
+            </a:solidFill>
+          </a:ln>
+          <a:effectLst/>
+        </p:spPr>
+        <p:style>
+          <a:lnRef idx="1">
+            <a:schemeClr val="accent6"/>
+          </a:lnRef>
+          <a:fillRef idx="2">
+            <a:schemeClr val="accent6"/>
+          </a:fillRef>
+          <a:effectRef idx="1">
+            <a:schemeClr val="accent6"/>
+          </a:effectRef>
+          <a:fontRef idx="minor">
+            <a:schemeClr val="dk1"/>
+          </a:fontRef>
+        </p:style>
+        <p:txBody>
+          <a:bodyPr rtlCol="0" anchor="ctr"/>
+          <a:lstStyle/>
+          <a:p>
+            <a:pPr algn="ctr"/>
+            <a:endParaRPr lang="en-US" sz="1050"/>
+          </a:p>
+        </p:txBody>
+      </p:sp>
+      <p:cxnSp>
+        <p:nvCxnSpPr>
+          <p:cNvPr id="96" name="Elbow Connector 95"/>
+          <p:cNvCxnSpPr>
+            <a:stCxn id="151" idx="3"/>
+            <a:endCxn id="150" idx="1"/>
+          </p:cNvCxnSpPr>
+          <p:nvPr/>
+        </p:nvCxnSpPr>
+        <p:spPr>
+          <a:xfrm>
+            <a:off x="5260908" y="3028366"/>
+            <a:ext cx="218878" cy="3080"/>
+          </a:xfrm>
+          <a:prstGeom prst="bentConnector3">
+            <a:avLst/>
+          </a:prstGeom>
+          <a:ln w="19050">
+            <a:solidFill>
+              <a:srgbClr val="7030A0"/>
+            </a:solidFill>
+            <a:headEnd type="none" w="med" len="med"/>
+            <a:tailEnd type="arrow" w="med" len="med"/>
+          </a:ln>
+          <a:effectLst/>
+        </p:spPr>
+        <p:style>
+          <a:lnRef idx="1">
+            <a:schemeClr val="accent2"/>
+          </a:lnRef>
+          <a:fillRef idx="2">
+            <a:schemeClr val="accent2"/>
+          </a:fillRef>
+          <a:effectRef idx="1">
+            <a:schemeClr val="accent2"/>
+          </a:effectRef>
+          <a:fontRef idx="minor">
+            <a:schemeClr val="dk1"/>
+          </a:fontRef>
+        </p:style>
+      </p:cxnSp>
+      <p:sp>
+        <p:nvSpPr>
+          <p:cNvPr id="98" name="Rectangle 8"/>
+          <p:cNvSpPr/>
+          <p:nvPr/>
+        </p:nvSpPr>
+        <p:spPr>
+          <a:xfrm>
+            <a:off x="6990807" y="5171570"/>
+            <a:ext cx="708186" cy="285783"/>
+          </a:xfrm>
+          <a:prstGeom prst="rect">
+            <a:avLst/>
+          </a:prstGeom>
+          <a:ln w="19050">
+            <a:solidFill>
+              <a:srgbClr val="7030A0"/>
+            </a:solidFill>
+          </a:ln>
+          <a:effectLst/>
+        </p:spPr>
+        <p:style>
+          <a:lnRef idx="1">
+            <a:schemeClr val="accent4"/>
+          </a:lnRef>
+          <a:fillRef idx="2">
+            <a:schemeClr val="accent4"/>
+          </a:fillRef>
+          <a:effectRef idx="1">
+            <a:schemeClr val="accent4"/>
+          </a:effectRef>
+          <a:fontRef idx="minor">
+            <a:schemeClr val="dk1"/>
+          </a:fontRef>
+        </p:style>
+        <p:txBody>
+          <a:bodyPr rtlCol="0" anchor="ctr"/>
+          <a:lstStyle/>
+          <a:p>
+            <a:pPr algn="ctr"/>
+            <a:r>
+              <a:rPr lang="en-US" sz="1050" dirty="0" smtClean="0">
+                <a:solidFill>
+                  <a:srgbClr val="7030A0"/>
+                </a:solidFill>
+              </a:rPr>
+              <a:t>Price</a:t>
+            </a:r>
+            <a:endParaRPr lang="en-SG" sz="1050" dirty="0">
+              <a:solidFill>
+                <a:srgbClr val="7030A0"/>
+              </a:solidFill>
+            </a:endParaRPr>
+          </a:p>
+        </p:txBody>
+      </p:sp>
+      <p:sp>
+        <p:nvSpPr>
+          <p:cNvPr id="101" name="Flowchart: Decision 96"/>
+          <p:cNvSpPr/>
+          <p:nvPr/>
+        </p:nvSpPr>
+        <p:spPr>
+          <a:xfrm>
+            <a:off x="6208056" y="2948201"/>
+            <a:ext cx="236048" cy="173380"/>
+          </a:xfrm>
+          <a:prstGeom prst="flowChartDecision">
+            <a:avLst/>
+          </a:prstGeom>
+          <a:solidFill>
+            <a:srgbClr val="7030A0"/>
+          </a:solidFill>
+          <a:ln w="19050">
+            <a:solidFill>
+              <a:srgbClr val="7030A0"/>
+            </a:solidFill>
+          </a:ln>
+          <a:effectLst/>
+        </p:spPr>
+        <p:style>
+          <a:lnRef idx="1">
+            <a:schemeClr val="accent6"/>
+          </a:lnRef>
+          <a:fillRef idx="2">
+            <a:schemeClr val="accent6"/>
+          </a:fillRef>
+          <a:effectRef idx="1">
+            <a:schemeClr val="accent6"/>
+          </a:effectRef>
+          <a:fontRef idx="minor">
+            <a:schemeClr val="dk1"/>
+          </a:fontRef>
+        </p:style>
+        <p:txBody>
+          <a:bodyPr rtlCol="0" anchor="ctr"/>
+          <a:lstStyle/>
+          <a:p>
+            <a:pPr algn="ctr"/>
+            <a:endParaRPr lang="en-US" sz="1050"/>
+          </a:p>
+        </p:txBody>
+      </p:sp>
+      <p:sp>
+        <p:nvSpPr>
+          <p:cNvPr id="102" name="Rectangle 8"/>
+          <p:cNvSpPr/>
+          <p:nvPr/>
+        </p:nvSpPr>
+        <p:spPr>
+          <a:xfrm>
+            <a:off x="6878505" y="2177586"/>
+            <a:ext cx="1426435" cy="318194"/>
+          </a:xfrm>
+          <a:prstGeom prst="rect">
+            <a:avLst/>
+          </a:prstGeom>
+          <a:ln w="19050">
+            <a:solidFill>
+              <a:srgbClr val="7030A0"/>
+            </a:solidFill>
+          </a:ln>
+          <a:effectLst/>
+        </p:spPr>
+        <p:style>
+          <a:lnRef idx="1">
+            <a:schemeClr val="accent4"/>
+          </a:lnRef>
+          <a:fillRef idx="2">
+            <a:schemeClr val="accent4"/>
+          </a:fillRef>
+          <a:effectRef idx="1">
+            <a:schemeClr val="accent4"/>
+          </a:effectRef>
+          <a:fontRef idx="minor">
+            <a:schemeClr val="dk1"/>
+          </a:fontRef>
+        </p:style>
+        <p:txBody>
+          <a:bodyPr rtlCol="0" anchor="ctr"/>
+          <a:lstStyle/>
+          <a:p>
+            <a:pPr algn="ctr"/>
+            <a:r>
+              <a:rPr lang="en-US" sz="1050" dirty="0" smtClean="0">
+                <a:solidFill>
+                  <a:srgbClr val="7030A0"/>
+                </a:solidFill>
+              </a:rPr>
+              <a:t>UniqueOrderItemList</a:t>
+            </a:r>
+            <a:endParaRPr lang="en-SG" sz="1050" dirty="0">
+              <a:solidFill>
+                <a:srgbClr val="7030A0"/>
+              </a:solidFill>
+            </a:endParaRPr>
+          </a:p>
+        </p:txBody>
+      </p:sp>
+      <p:cxnSp>
+        <p:nvCxnSpPr>
+          <p:cNvPr id="103" name="Elbow Connector 102"/>
+          <p:cNvCxnSpPr/>
+          <p:nvPr/>
+        </p:nvCxnSpPr>
+        <p:spPr>
+          <a:xfrm flipV="1">
+            <a:off x="6444104" y="2336683"/>
+            <a:ext cx="434401" cy="698208"/>
+          </a:xfrm>
+          <a:prstGeom prst="bentConnector3">
+            <a:avLst/>
+          </a:prstGeom>
+          <a:ln w="19050">
+            <a:solidFill>
+              <a:srgbClr val="7030A0"/>
+            </a:solidFill>
+            <a:headEnd type="none" w="med" len="med"/>
+            <a:tailEnd type="arrow" w="med" len="med"/>
+          </a:ln>
+          <a:effectLst/>
+        </p:spPr>
+        <p:style>
+          <a:lnRef idx="1">
+            <a:schemeClr val="accent2"/>
+          </a:lnRef>
+          <a:fillRef idx="2">
+            <a:schemeClr val="accent2"/>
+          </a:fillRef>
+          <a:effectRef idx="1">
+            <a:schemeClr val="accent2"/>
+          </a:effectRef>
+          <a:fontRef idx="minor">
+            <a:schemeClr val="dk1"/>
+          </a:fontRef>
+        </p:style>
+      </p:cxnSp>
+      <p:sp>
+        <p:nvSpPr>
+          <p:cNvPr id="104" name="Rectangle 8"/>
+          <p:cNvSpPr/>
+          <p:nvPr/>
+        </p:nvSpPr>
+        <p:spPr>
+          <a:xfrm>
+            <a:off x="6990807" y="4829271"/>
+            <a:ext cx="708186" cy="285783"/>
+          </a:xfrm>
+          <a:prstGeom prst="rect">
+            <a:avLst/>
+          </a:prstGeom>
+          <a:ln w="19050">
+            <a:solidFill>
+              <a:srgbClr val="7030A0"/>
+            </a:solidFill>
+          </a:ln>
+          <a:effectLst/>
+        </p:spPr>
+        <p:style>
+          <a:lnRef idx="1">
+            <a:schemeClr val="accent4"/>
+          </a:lnRef>
+          <a:fillRef idx="2">
+            <a:schemeClr val="accent4"/>
+          </a:fillRef>
+          <a:effectRef idx="1">
+            <a:schemeClr val="accent4"/>
+          </a:effectRef>
+          <a:fontRef idx="minor">
+            <a:schemeClr val="dk1"/>
+          </a:fontRef>
+        </p:style>
+        <p:txBody>
+          <a:bodyPr rtlCol="0" anchor="ctr"/>
+          <a:lstStyle/>
+          <a:p>
+            <a:pPr algn="ctr"/>
+            <a:r>
+              <a:rPr lang="en-US" sz="1050" dirty="0" smtClean="0">
+                <a:solidFill>
+                  <a:srgbClr val="7030A0"/>
+                </a:solidFill>
+              </a:rPr>
+              <a:t>Name</a:t>
+            </a:r>
+            <a:endParaRPr lang="en-SG" sz="1050" dirty="0">
+              <a:solidFill>
+                <a:srgbClr val="7030A0"/>
+              </a:solidFill>
+            </a:endParaRPr>
+          </a:p>
+        </p:txBody>
+      </p:sp>
+      <p:cxnSp>
+        <p:nvCxnSpPr>
+          <p:cNvPr id="105" name="Elbow Connector 63"/>
+          <p:cNvCxnSpPr>
+            <a:cxnSpLocks/>
+          </p:cNvCxnSpPr>
+          <p:nvPr/>
+        </p:nvCxnSpPr>
+        <p:spPr>
+          <a:xfrm rot="16200000" flipH="1">
+            <a:off x="2732563" y="2680653"/>
+            <a:ext cx="274076" cy="1"/>
+          </a:xfrm>
+          <a:prstGeom prst="bentConnector3">
+            <a:avLst>
+              <a:gd name="adj1" fmla="val 50000"/>
+            </a:avLst>
+          </a:prstGeom>
+          <a:ln w="19050">
+            <a:solidFill>
+              <a:srgbClr val="7030A0"/>
+            </a:solidFill>
+            <a:prstDash val="sysDot"/>
+            <a:headEnd type="none" w="med" len="med"/>
+            <a:tailEnd type="none" w="med" len="med"/>
+          </a:ln>
+          <a:effectLst/>
+        </p:spPr>
+        <p:style>
+          <a:lnRef idx="1">
+            <a:schemeClr val="accent2"/>
+          </a:lnRef>
+          <a:fillRef idx="2">
+            <a:schemeClr val="accent2"/>
+          </a:fillRef>
+          <a:effectRef idx="1">
+            <a:schemeClr val="accent2"/>
+          </a:effectRef>
+          <a:fontRef idx="minor">
+            <a:schemeClr val="dk1"/>
+          </a:fontRef>
+        </p:style>
+      </p:cxnSp>
+      <p:sp>
+        <p:nvSpPr>
+          <p:cNvPr id="106" name="Isosceles Triangle 102"/>
+          <p:cNvSpPr/>
+          <p:nvPr/>
+        </p:nvSpPr>
+        <p:spPr>
+          <a:xfrm rot="10800000" flipV="1">
+            <a:off x="2728408" y="2386554"/>
+            <a:ext cx="282387" cy="157062"/>
+          </a:xfrm>
+          <a:prstGeom prst="triangle">
+            <a:avLst/>
+          </a:prstGeom>
+          <a:solidFill>
+            <a:schemeClr val="accent4">
+              <a:lumMod val="20000"/>
+              <a:lumOff val="80000"/>
+            </a:schemeClr>
+          </a:solidFill>
+          <a:ln w="19050">
+            <a:solidFill>
+              <a:srgbClr val="7030A0"/>
+            </a:solidFill>
+          </a:ln>
+          <a:effectLst/>
+        </p:spPr>
+        <p:style>
+          <a:lnRef idx="1">
+            <a:schemeClr val="accent4"/>
+          </a:lnRef>
+          <a:fillRef idx="2">
+            <a:schemeClr val="accent4"/>
+          </a:fillRef>
+          <a:effectRef idx="1">
+            <a:schemeClr val="accent4"/>
+          </a:effectRef>
+          <a:fontRef idx="minor">
+            <a:schemeClr val="dk1"/>
+          </a:fontRef>
+        </p:style>
+        <p:txBody>
+          <a:bodyPr rtlCol="0" anchor="ctr"/>
+          <a:lstStyle/>
+          <a:p>
+            <a:pPr algn="ctr"/>
+            <a:endParaRPr lang="en-SG" sz="1050" b="1">
+              <a:solidFill>
+                <a:srgbClr val="92D050"/>
+              </a:solidFill>
+            </a:endParaRPr>
+          </a:p>
+        </p:txBody>
+      </p:sp>
+      <p:sp>
+        <p:nvSpPr>
+          <p:cNvPr id="108" name="Rectangle 8"/>
+          <p:cNvSpPr/>
+          <p:nvPr/>
+        </p:nvSpPr>
+        <p:spPr>
+          <a:xfrm>
+            <a:off x="2136876" y="1997804"/>
+            <a:ext cx="1443661" cy="364396"/>
+          </a:xfrm>
+          <a:prstGeom prst="rect">
+            <a:avLst/>
+          </a:prstGeom>
+          <a:ln w="19050">
+            <a:solidFill>
+              <a:srgbClr val="7030A0"/>
+            </a:solidFill>
+          </a:ln>
+          <a:effectLst/>
+        </p:spPr>
+        <p:style>
+          <a:lnRef idx="1">
+            <a:schemeClr val="accent4"/>
+          </a:lnRef>
+          <a:fillRef idx="2">
+            <a:schemeClr val="accent4"/>
+          </a:fillRef>
+          <a:effectRef idx="1">
+            <a:schemeClr val="accent4"/>
+          </a:effectRef>
+          <a:fontRef idx="minor">
+            <a:schemeClr val="dk1"/>
+          </a:fontRef>
+        </p:style>
+        <p:txBody>
+          <a:bodyPr rtlCol="0" anchor="ctr"/>
+          <a:lstStyle/>
+          <a:p>
+            <a:pPr algn="ctr"/>
+            <a:r>
+              <a:rPr lang="en-US" sz="1050" dirty="0">
+                <a:solidFill>
+                  <a:srgbClr val="7030A0"/>
+                </a:solidFill>
+              </a:rPr>
+              <a:t>&lt;&lt;interface&gt;&gt;</a:t>
+            </a:r>
+            <a:br>
+              <a:rPr lang="en-US" sz="1050" dirty="0">
+                <a:solidFill>
+                  <a:srgbClr val="7030A0"/>
+                </a:solidFill>
+              </a:rPr>
+            </a:br>
+            <a:r>
+              <a:rPr lang="en-US" sz="1050" dirty="0" smtClean="0">
+                <a:solidFill>
+                  <a:srgbClr val="7030A0"/>
+                </a:solidFill>
+              </a:rPr>
+              <a:t>ReadOnlyRestOrRant</a:t>
+            </a:r>
+            <a:endParaRPr lang="en-SG" sz="1050" dirty="0">
+              <a:solidFill>
+                <a:srgbClr val="7030A0"/>
+              </a:solidFill>
+            </a:endParaRPr>
+          </a:p>
+        </p:txBody>
+      </p:sp>
+      <p:sp>
+        <p:nvSpPr>
+          <p:cNvPr id="109" name="Rectangle 8"/>
+          <p:cNvSpPr/>
+          <p:nvPr/>
+        </p:nvSpPr>
+        <p:spPr>
+          <a:xfrm>
+            <a:off x="824129" y="5506729"/>
+            <a:ext cx="1066800" cy="322410"/>
+          </a:xfrm>
+          <a:prstGeom prst="rect">
+            <a:avLst/>
+          </a:prstGeom>
+          <a:ln w="19050">
+            <a:solidFill>
+              <a:srgbClr val="7030A0"/>
+            </a:solidFill>
+          </a:ln>
+          <a:effectLst/>
+        </p:spPr>
+        <p:style>
+          <a:lnRef idx="1">
+            <a:schemeClr val="accent4"/>
+          </a:lnRef>
+          <a:fillRef idx="2">
+            <a:schemeClr val="accent4"/>
+          </a:fillRef>
+          <a:effectRef idx="1">
+            <a:schemeClr val="accent4"/>
+          </a:effectRef>
+          <a:fontRef idx="minor">
+            <a:schemeClr val="dk1"/>
+          </a:fontRef>
+        </p:style>
+        <p:txBody>
+          <a:bodyPr rtlCol="0" anchor="ctr"/>
+          <a:lstStyle/>
+          <a:p>
+            <a:pPr algn="ctr"/>
+            <a:r>
+              <a:rPr lang="en-US" sz="1050" dirty="0">
+                <a:solidFill>
+                  <a:srgbClr val="7030A0"/>
+                </a:solidFill>
+              </a:rPr>
+              <a:t>&lt;&lt;interface&gt;&gt;</a:t>
+            </a:r>
+            <a:br>
+              <a:rPr lang="en-US" sz="1050" dirty="0">
+                <a:solidFill>
+                  <a:srgbClr val="7030A0"/>
+                </a:solidFill>
+              </a:rPr>
+            </a:br>
+            <a:r>
+              <a:rPr lang="en-US" sz="1050" dirty="0">
+                <a:solidFill>
+                  <a:srgbClr val="7030A0"/>
+                </a:solidFill>
+              </a:rPr>
+              <a:t>ObservableList</a:t>
+            </a:r>
+            <a:endParaRPr lang="en-SG" sz="1050" dirty="0">
+              <a:solidFill>
+                <a:srgbClr val="7030A0"/>
+              </a:solidFill>
+            </a:endParaRPr>
+          </a:p>
+        </p:txBody>
+      </p:sp>
+      <p:cxnSp>
+        <p:nvCxnSpPr>
+          <p:cNvPr id="110" name="Elbow Connector 122"/>
+          <p:cNvCxnSpPr/>
+          <p:nvPr/>
+        </p:nvCxnSpPr>
+        <p:spPr>
+          <a:xfrm rot="16200000" flipH="1">
+            <a:off x="-296638" y="4547167"/>
+            <a:ext cx="2086534" cy="155000"/>
+          </a:xfrm>
+          <a:prstGeom prst="bentConnector2">
+            <a:avLst/>
+          </a:prstGeom>
+          <a:ln w="19050">
+            <a:solidFill>
+              <a:srgbClr val="7030A0"/>
+            </a:solidFill>
+            <a:prstDash val="sysDot"/>
+            <a:headEnd type="none" w="med" len="med"/>
+            <a:tailEnd type="arrow" w="med" len="med"/>
+          </a:ln>
+          <a:effectLst/>
+        </p:spPr>
+        <p:style>
+          <a:lnRef idx="1">
+            <a:schemeClr val="accent2"/>
+          </a:lnRef>
+          <a:fillRef idx="2">
+            <a:schemeClr val="accent2"/>
+          </a:fillRef>
+          <a:effectRef idx="1">
+            <a:schemeClr val="accent2"/>
+          </a:effectRef>
+          <a:fontRef idx="minor">
+            <a:schemeClr val="dk1"/>
+          </a:fontRef>
+        </p:style>
+      </p:cxnSp>
+      <p:sp>
+        <p:nvSpPr>
+          <p:cNvPr id="111" name="TextBox 110"/>
+          <p:cNvSpPr txBox="1"/>
+          <p:nvPr/>
+        </p:nvSpPr>
+        <p:spPr>
+          <a:xfrm>
+            <a:off x="3647165" y="2783654"/>
+            <a:ext cx="189257" cy="178683"/>
+          </a:xfrm>
+          <a:prstGeom prst="rect">
+            <a:avLst/>
+          </a:prstGeom>
+          <a:noFill/>
+        </p:spPr>
+        <p:txBody>
+          <a:bodyPr wrap="square" lIns="0" tIns="0" rIns="0" bIns="0" rtlCol="0">
+            <a:noAutofit/>
+          </a:bodyPr>
+          <a:lstStyle/>
+          <a:p>
+            <a:pPr algn="ctr"/>
+            <a:r>
+              <a:rPr lang="en-US" sz="1100" dirty="0">
+                <a:solidFill>
+                  <a:srgbClr val="7030A0"/>
+                </a:solidFill>
+              </a:rPr>
+              <a:t>1</a:t>
+            </a:r>
+            <a:endParaRPr lang="en-SG" sz="1100" dirty="0">
+              <a:solidFill>
+                <a:srgbClr val="7030A0"/>
+              </a:solidFill>
+            </a:endParaRPr>
+          </a:p>
+        </p:txBody>
+      </p:sp>
+      <p:sp>
+        <p:nvSpPr>
+          <p:cNvPr id="112" name="TextBox 111"/>
+          <p:cNvSpPr txBox="1"/>
+          <p:nvPr/>
+        </p:nvSpPr>
+        <p:spPr>
+          <a:xfrm>
+            <a:off x="5257800" y="2819400"/>
+            <a:ext cx="189257" cy="178683"/>
+          </a:xfrm>
+          <a:prstGeom prst="rect">
+            <a:avLst/>
+          </a:prstGeom>
+          <a:noFill/>
+        </p:spPr>
+        <p:txBody>
+          <a:bodyPr wrap="square" lIns="0" tIns="0" rIns="0" bIns="0" rtlCol="0">
+            <a:noAutofit/>
+          </a:bodyPr>
+          <a:lstStyle/>
+          <a:p>
+            <a:pPr algn="ctr"/>
+            <a:r>
+              <a:rPr lang="en-US" sz="1100" dirty="0">
+                <a:solidFill>
+                  <a:srgbClr val="7030A0"/>
+                </a:solidFill>
+              </a:rPr>
+              <a:t>*</a:t>
+            </a:r>
+            <a:endParaRPr lang="en-SG" sz="1100" dirty="0">
+              <a:solidFill>
+                <a:srgbClr val="7030A0"/>
+              </a:solidFill>
+            </a:endParaRPr>
+          </a:p>
+        </p:txBody>
+      </p:sp>
+      <p:sp>
+        <p:nvSpPr>
+          <p:cNvPr id="113" name="TextBox 112"/>
+          <p:cNvSpPr txBox="1"/>
+          <p:nvPr/>
+        </p:nvSpPr>
+        <p:spPr>
+          <a:xfrm>
+            <a:off x="1811090" y="2756715"/>
+            <a:ext cx="170110" cy="137542"/>
+          </a:xfrm>
+          <a:prstGeom prst="rect">
+            <a:avLst/>
+          </a:prstGeom>
+          <a:noFill/>
+        </p:spPr>
+        <p:txBody>
+          <a:bodyPr wrap="square" lIns="0" tIns="0" rIns="0" bIns="0" rtlCol="0">
+            <a:noAutofit/>
+          </a:bodyPr>
+          <a:lstStyle/>
+          <a:p>
+            <a:pPr algn="ctr"/>
+            <a:r>
+              <a:rPr lang="en-US" sz="1100" dirty="0">
+                <a:solidFill>
+                  <a:srgbClr val="7030A0"/>
+                </a:solidFill>
+              </a:rPr>
+              <a:t>1</a:t>
+            </a:r>
+            <a:endParaRPr lang="en-SG" sz="1100" dirty="0">
+              <a:solidFill>
+                <a:srgbClr val="7030A0"/>
+              </a:solidFill>
+            </a:endParaRPr>
+          </a:p>
+        </p:txBody>
+      </p:sp>
+      <p:sp>
+        <p:nvSpPr>
+          <p:cNvPr id="115" name="TextBox 114"/>
+          <p:cNvSpPr txBox="1"/>
+          <p:nvPr/>
+        </p:nvSpPr>
+        <p:spPr>
+          <a:xfrm>
+            <a:off x="1872452" y="4621917"/>
+            <a:ext cx="189257" cy="178683"/>
+          </a:xfrm>
+          <a:prstGeom prst="rect">
+            <a:avLst/>
+          </a:prstGeom>
+          <a:noFill/>
+        </p:spPr>
+        <p:txBody>
+          <a:bodyPr wrap="square" lIns="0" tIns="0" rIns="0" bIns="0" rtlCol="0">
+            <a:noAutofit/>
+          </a:bodyPr>
+          <a:lstStyle/>
+          <a:p>
+            <a:pPr algn="ctr"/>
+            <a:r>
+              <a:rPr lang="en-US" sz="1100" dirty="0">
+                <a:solidFill>
+                  <a:srgbClr val="7030A0"/>
+                </a:solidFill>
+              </a:rPr>
+              <a:t>1</a:t>
+            </a:r>
+            <a:endParaRPr lang="en-SG" sz="1100" dirty="0">
+              <a:solidFill>
+                <a:srgbClr val="7030A0"/>
+              </a:solidFill>
+            </a:endParaRPr>
+          </a:p>
+        </p:txBody>
+      </p:sp>
+      <p:sp>
+        <p:nvSpPr>
+          <p:cNvPr id="116" name="TextBox 115"/>
+          <p:cNvSpPr txBox="1"/>
+          <p:nvPr/>
+        </p:nvSpPr>
+        <p:spPr>
+          <a:xfrm>
+            <a:off x="6694091" y="1726317"/>
+            <a:ext cx="189257" cy="178683"/>
+          </a:xfrm>
+          <a:prstGeom prst="rect">
+            <a:avLst/>
+          </a:prstGeom>
+          <a:noFill/>
+        </p:spPr>
+        <p:txBody>
+          <a:bodyPr wrap="square" lIns="0" tIns="0" rIns="0" bIns="0" rtlCol="0">
+            <a:noAutofit/>
+          </a:bodyPr>
+          <a:lstStyle/>
+          <a:p>
+            <a:pPr algn="ctr"/>
+            <a:r>
+              <a:rPr lang="en-US" sz="1100" dirty="0">
+                <a:solidFill>
+                  <a:srgbClr val="7030A0"/>
+                </a:solidFill>
+              </a:rPr>
+              <a:t>1</a:t>
+            </a:r>
+            <a:endParaRPr lang="en-SG" sz="1100" dirty="0">
+              <a:solidFill>
+                <a:srgbClr val="7030A0"/>
+              </a:solidFill>
+            </a:endParaRPr>
+          </a:p>
+        </p:txBody>
+      </p:sp>
+      <p:sp>
+        <p:nvSpPr>
+          <p:cNvPr id="117" name="Rectangle 8">
+            <a:extLst>
+              <a:ext uri="{FF2B5EF4-FFF2-40B4-BE49-F238E27FC236}">
                 <a16:creationId xmlns="" xmlns:a16="http://schemas.microsoft.com/office/drawing/2014/main" id="{ABDCDBD2-131A-4B66-A2F2-43BBEE82C773}"/>
               </a:ext>
             </a:extLst>
@@ -8001,8 +10108,8 @@
         </p:nvSpPr>
         <p:spPr>
           <a:xfrm>
-            <a:off x="7712397" y="2228817"/>
-            <a:ext cx="708186" cy="285783"/>
+            <a:off x="6878505" y="1774911"/>
+            <a:ext cx="1426435" cy="336873"/>
           </a:xfrm>
           <a:prstGeom prst="rect">
             <a:avLst/>
@@ -8034,12 +10141,12 @@
           <a:p>
             <a:pPr algn="ctr"/>
             <a:r>
-              <a:rPr lang="en-US" sz="1050" dirty="0">
+              <a:rPr lang="en-US" sz="1050" dirty="0" smtClean="0">
                 <a:solidFill>
                   <a:srgbClr val="7030A0"/>
                 </a:solidFill>
               </a:rPr>
-              <a:t>Tag</a:t>
+              <a:t>TableStatus</a:t>
             </a:r>
             <a:endParaRPr lang="en-SG" sz="1050" dirty="0">
               <a:solidFill>
@@ -8051,7 +10158,7 @@
       </p:sp>
       <p:cxnSp>
         <p:nvCxnSpPr>
-          <p:cNvPr id="53" name="Elbow Connector 78">
+          <p:cNvPr id="121" name="Elbow Connector 78">
             <a:extLst>
               <a:ext uri="{FF2B5EF4-FFF2-40B4-BE49-F238E27FC236}">
                 <a16:creationId xmlns="" xmlns:a16="http://schemas.microsoft.com/office/drawing/2014/main" id="{B97967F8-618A-448B-81FD-CDFD4AF0EC64}"/>
@@ -8060,2113 +10167,6 @@
           </p:cNvPr>
           <p:cNvCxnSpPr>
             <a:cxnSpLocks/>
-            <a:stCxn id="78" idx="3"/>
-            <a:endCxn id="52" idx="1"/>
-          </p:cNvCxnSpPr>
-          <p:nvPr/>
-        </p:nvCxnSpPr>
-        <p:spPr>
-          <a:xfrm flipV="1">
-            <a:off x="7277995" y="2371709"/>
-            <a:ext cx="434402" cy="663182"/>
-          </a:xfrm>
-          <a:prstGeom prst="bentConnector3">
-            <a:avLst>
-              <a:gd name="adj1" fmla="val 50000"/>
-            </a:avLst>
-          </a:prstGeom>
-          <a:ln w="19050">
-            <a:solidFill>
-              <a:srgbClr val="7030A0"/>
-            </a:solidFill>
-            <a:headEnd type="none" w="med" len="med"/>
-            <a:tailEnd type="arrow" w="med" len="med"/>
-          </a:ln>
-          <a:effectLst/>
-        </p:spPr>
-        <p:style>
-          <a:lnRef idx="1">
-            <a:schemeClr val="accent2"/>
-          </a:lnRef>
-          <a:fillRef idx="2">
-            <a:schemeClr val="accent2"/>
-          </a:fillRef>
-          <a:effectRef idx="1">
-            <a:schemeClr val="accent2"/>
-          </a:effectRef>
-          <a:fontRef idx="minor">
-            <a:schemeClr val="dk1"/>
-          </a:fontRef>
-        </p:style>
-      </p:cxnSp>
-      <p:sp>
-        <p:nvSpPr>
-          <p:cNvPr id="50" name="TextBox 49">
-            <a:extLst>
-              <a:ext uri="{FF2B5EF4-FFF2-40B4-BE49-F238E27FC236}">
-                <a16:creationId xmlns="" xmlns:a16="http://schemas.microsoft.com/office/drawing/2014/main" id="{B3FA9D57-880F-49C4-AD0B-A64E30D6F403}"/>
-              </a:ext>
-            </a:extLst>
-          </p:cNvPr>
-          <p:cNvSpPr txBox="1"/>
-          <p:nvPr/>
-        </p:nvSpPr>
-        <p:spPr>
-          <a:xfrm>
-            <a:off x="7466243" y="2255711"/>
-            <a:ext cx="189257" cy="178683"/>
-          </a:xfrm>
-          <a:prstGeom prst="rect">
-            <a:avLst/>
-          </a:prstGeom>
-          <a:noFill/>
-        </p:spPr>
-        <p:txBody>
-          <a:bodyPr wrap="square" lIns="0" tIns="0" rIns="0" bIns="0" rtlCol="0">
-            <a:noAutofit/>
-          </a:bodyPr>
-          <a:lstStyle/>
-          <a:p>
-            <a:pPr algn="ctr"/>
-            <a:r>
-              <a:rPr lang="en-US" sz="1100" dirty="0">
-                <a:solidFill>
-                  <a:srgbClr val="7030A0"/>
-                </a:solidFill>
-              </a:rPr>
-              <a:t>*</a:t>
-            </a:r>
-            <a:endParaRPr lang="en-SG" sz="1100" dirty="0">
-              <a:solidFill>
-                <a:srgbClr val="7030A0"/>
-              </a:solidFill>
-            </a:endParaRPr>
-          </a:p>
-        </p:txBody>
-      </p:sp>
-      <p:sp>
-        <p:nvSpPr>
-          <p:cNvPr id="55" name="Rectangle 8"/>
-          <p:cNvSpPr/>
-          <p:nvPr/>
-        </p:nvSpPr>
-        <p:spPr>
-          <a:xfrm>
-            <a:off x="3170181" y="1998350"/>
-            <a:ext cx="1060683" cy="364396"/>
-          </a:xfrm>
-          <a:prstGeom prst="rect">
-            <a:avLst/>
-          </a:prstGeom>
-          <a:ln w="19050">
-            <a:solidFill>
-              <a:srgbClr val="7030A0"/>
-            </a:solidFill>
-          </a:ln>
-          <a:effectLst/>
-        </p:spPr>
-        <p:style>
-          <a:lnRef idx="1">
-            <a:schemeClr val="accent4"/>
-          </a:lnRef>
-          <a:fillRef idx="2">
-            <a:schemeClr val="accent4"/>
-          </a:fillRef>
-          <a:effectRef idx="1">
-            <a:schemeClr val="accent4"/>
-          </a:effectRef>
-          <a:fontRef idx="minor">
-            <a:schemeClr val="dk1"/>
-          </a:fontRef>
-        </p:style>
-        <p:txBody>
-          <a:bodyPr rtlCol="0" anchor="ctr"/>
-          <a:lstStyle/>
-          <a:p>
-            <a:pPr algn="ctr"/>
-            <a:r>
-              <a:rPr lang="en-US" sz="1050" dirty="0" err="1">
-                <a:solidFill>
-                  <a:srgbClr val="7030A0"/>
-                </a:solidFill>
-              </a:rPr>
-              <a:t>AddressBook</a:t>
-            </a:r>
-            <a:endParaRPr lang="en-SG" sz="1050" dirty="0">
-              <a:solidFill>
-                <a:srgbClr val="7030A0"/>
-              </a:solidFill>
-            </a:endParaRPr>
-          </a:p>
-        </p:txBody>
-      </p:sp>
-      <p:cxnSp>
-        <p:nvCxnSpPr>
-          <p:cNvPr id="60" name="Straight Arrow Connector 59"/>
-          <p:cNvCxnSpPr>
-            <a:stCxn id="51" idx="1"/>
-            <a:endCxn id="49" idx="1"/>
-          </p:cNvCxnSpPr>
-          <p:nvPr/>
-        </p:nvCxnSpPr>
-        <p:spPr>
-          <a:xfrm>
-            <a:off x="4324972" y="3007222"/>
-            <a:ext cx="367678" cy="12320"/>
-          </a:xfrm>
-          <a:prstGeom prst="straightConnector1">
-            <a:avLst/>
-          </a:prstGeom>
-          <a:ln w="19050">
-            <a:solidFill>
-              <a:srgbClr val="7030A0"/>
-            </a:solidFill>
-            <a:headEnd type="none" w="med" len="med"/>
-            <a:tailEnd type="arrow" w="med" len="med"/>
-          </a:ln>
-          <a:effectLst/>
-        </p:spPr>
-        <p:style>
-          <a:lnRef idx="1">
-            <a:schemeClr val="accent2"/>
-          </a:lnRef>
-          <a:fillRef idx="2">
-            <a:schemeClr val="accent2"/>
-          </a:fillRef>
-          <a:effectRef idx="1">
-            <a:schemeClr val="accent2"/>
-          </a:effectRef>
-          <a:fontRef idx="minor">
-            <a:schemeClr val="dk1"/>
-          </a:fontRef>
-        </p:style>
-      </p:cxnSp>
-      <p:sp>
-        <p:nvSpPr>
-          <p:cNvPr id="68" name="Isosceles Triangle 102"/>
-          <p:cNvSpPr/>
-          <p:nvPr/>
-        </p:nvSpPr>
-        <p:spPr>
-          <a:xfrm rot="16200000">
-            <a:off x="2669073" y="2069158"/>
-            <a:ext cx="271014" cy="187417"/>
-          </a:xfrm>
-          <a:prstGeom prst="triangle">
-            <a:avLst>
-              <a:gd name="adj" fmla="val 44517"/>
-            </a:avLst>
-          </a:prstGeom>
-          <a:solidFill>
-            <a:schemeClr val="accent4">
-              <a:lumMod val="20000"/>
-              <a:lumOff val="80000"/>
-            </a:schemeClr>
-          </a:solidFill>
-          <a:ln w="19050">
-            <a:solidFill>
-              <a:srgbClr val="7030A0"/>
-            </a:solidFill>
-          </a:ln>
-          <a:effectLst/>
-        </p:spPr>
-        <p:style>
-          <a:lnRef idx="1">
-            <a:schemeClr val="accent6"/>
-          </a:lnRef>
-          <a:fillRef idx="2">
-            <a:schemeClr val="accent6"/>
-          </a:fillRef>
-          <a:effectRef idx="1">
-            <a:schemeClr val="accent6"/>
-          </a:effectRef>
-          <a:fontRef idx="minor">
-            <a:schemeClr val="dk1"/>
-          </a:fontRef>
-        </p:style>
-        <p:txBody>
-          <a:bodyPr rtlCol="0" anchor="ctr"/>
-          <a:lstStyle/>
-          <a:p>
-            <a:pPr algn="ctr"/>
-            <a:endParaRPr lang="en-SG" sz="1050"/>
-          </a:p>
-        </p:txBody>
-      </p:sp>
-      <p:cxnSp>
-        <p:nvCxnSpPr>
-          <p:cNvPr id="69" name="Elbow Connector 63"/>
-          <p:cNvCxnSpPr>
-            <a:stCxn id="68" idx="3"/>
-            <a:endCxn id="55" idx="1"/>
-          </p:cNvCxnSpPr>
-          <p:nvPr/>
-        </p:nvCxnSpPr>
-        <p:spPr>
-          <a:xfrm>
-            <a:off x="2898289" y="2177727"/>
-            <a:ext cx="271892" cy="2821"/>
-          </a:xfrm>
-          <a:prstGeom prst="bentConnector3">
-            <a:avLst>
-              <a:gd name="adj1" fmla="val 50000"/>
-            </a:avLst>
-          </a:prstGeom>
-          <a:ln w="19050">
-            <a:solidFill>
-              <a:srgbClr val="7030A0"/>
-            </a:solidFill>
-            <a:prstDash val="sysDot"/>
-            <a:headEnd type="none" w="med" len="med"/>
-            <a:tailEnd type="none" w="med" len="med"/>
-          </a:ln>
-          <a:effectLst/>
-        </p:spPr>
-        <p:style>
-          <a:lnRef idx="1">
-            <a:schemeClr val="accent2"/>
-          </a:lnRef>
-          <a:fillRef idx="2">
-            <a:schemeClr val="accent2"/>
-          </a:fillRef>
-          <a:effectRef idx="1">
-            <a:schemeClr val="accent2"/>
-          </a:effectRef>
-          <a:fontRef idx="minor">
-            <a:schemeClr val="dk1"/>
-          </a:fontRef>
-        </p:style>
-      </p:cxnSp>
-      <p:sp>
-        <p:nvSpPr>
-          <p:cNvPr id="57" name="Rectangle 8">
-            <a:extLst>
-              <a:ext uri="{FF2B5EF4-FFF2-40B4-BE49-F238E27FC236}">
-                <a16:creationId xmlns="" xmlns:a16="http://schemas.microsoft.com/office/drawing/2014/main" id="{6A42DA50-9012-4391-9EF3-285E4FA3FCD8}"/>
-              </a:ext>
-            </a:extLst>
-          </p:cNvPr>
-          <p:cNvSpPr/>
-          <p:nvPr/>
-        </p:nvSpPr>
-        <p:spPr>
-          <a:xfrm>
-            <a:off x="4238892" y="3460864"/>
-            <a:ext cx="1293486" cy="346760"/>
-          </a:xfrm>
-          <a:prstGeom prst="rect">
-            <a:avLst/>
-          </a:prstGeom>
-          <a:ln w="19050">
-            <a:solidFill>
-              <a:srgbClr val="7030A0"/>
-            </a:solidFill>
-          </a:ln>
-          <a:effectLst/>
-        </p:spPr>
-        <p:style>
-          <a:lnRef idx="1">
-            <a:schemeClr val="accent4"/>
-          </a:lnRef>
-          <a:fillRef idx="2">
-            <a:schemeClr val="accent4"/>
-          </a:fillRef>
-          <a:effectRef idx="1">
-            <a:schemeClr val="accent4"/>
-          </a:effectRef>
-          <a:fontRef idx="minor">
-            <a:schemeClr val="dk1"/>
-          </a:fontRef>
-        </p:style>
-        <p:txBody>
-          <a:bodyPr rtlCol="0" anchor="ctr"/>
-          <a:lstStyle/>
-          <a:p>
-            <a:pPr algn="ctr"/>
-            <a:r>
-              <a:rPr lang="en-US" sz="1050" dirty="0">
-                <a:solidFill>
-                  <a:srgbClr val="7030A0"/>
-                </a:solidFill>
-              </a:rPr>
-              <a:t>&lt;&lt;interface&gt;&gt;</a:t>
-            </a:r>
-          </a:p>
-          <a:p>
-            <a:pPr algn="ctr"/>
-            <a:r>
-              <a:rPr lang="en-US" sz="1050" dirty="0" err="1">
-                <a:solidFill>
-                  <a:srgbClr val="7030A0"/>
-                </a:solidFill>
-              </a:rPr>
-              <a:t>ReadOnlyUserPrefs</a:t>
-            </a:r>
-            <a:endParaRPr lang="en-SG" sz="1050" dirty="0">
-              <a:solidFill>
-                <a:srgbClr val="7030A0"/>
-              </a:solidFill>
-            </a:endParaRPr>
-          </a:p>
-        </p:txBody>
-      </p:sp>
-      <p:sp>
-        <p:nvSpPr>
-          <p:cNvPr id="59" name="Isosceles Triangle 102">
-            <a:extLst>
-              <a:ext uri="{FF2B5EF4-FFF2-40B4-BE49-F238E27FC236}">
-                <a16:creationId xmlns="" xmlns:a16="http://schemas.microsoft.com/office/drawing/2014/main" id="{B263B2D7-6E76-465E-B40E-7E2A46254A84}"/>
-              </a:ext>
-            </a:extLst>
-          </p:cNvPr>
-          <p:cNvSpPr/>
-          <p:nvPr/>
-        </p:nvSpPr>
-        <p:spPr>
-          <a:xfrm rot="5400000" flipH="1">
-            <a:off x="3992636" y="3514414"/>
-            <a:ext cx="271014" cy="221497"/>
-          </a:xfrm>
-          <a:prstGeom prst="triangle">
-            <a:avLst>
-              <a:gd name="adj" fmla="val 44517"/>
-            </a:avLst>
-          </a:prstGeom>
-          <a:solidFill>
-            <a:schemeClr val="accent4">
-              <a:lumMod val="20000"/>
-              <a:lumOff val="80000"/>
-            </a:schemeClr>
-          </a:solidFill>
-          <a:ln w="19050">
-            <a:solidFill>
-              <a:srgbClr val="7030A0"/>
-            </a:solidFill>
-          </a:ln>
-          <a:effectLst/>
-        </p:spPr>
-        <p:style>
-          <a:lnRef idx="1">
-            <a:schemeClr val="accent6"/>
-          </a:lnRef>
-          <a:fillRef idx="2">
-            <a:schemeClr val="accent6"/>
-          </a:fillRef>
-          <a:effectRef idx="1">
-            <a:schemeClr val="accent6"/>
-          </a:effectRef>
-          <a:fontRef idx="minor">
-            <a:schemeClr val="dk1"/>
-          </a:fontRef>
-        </p:style>
-        <p:txBody>
-          <a:bodyPr rtlCol="0" anchor="ctr"/>
-          <a:lstStyle/>
-          <a:p>
-            <a:pPr algn="ctr"/>
-            <a:endParaRPr lang="en-SG" sz="1050"/>
-          </a:p>
-        </p:txBody>
-      </p:sp>
-      <p:cxnSp>
-        <p:nvCxnSpPr>
-          <p:cNvPr id="67" name="Elbow Connector 63">
-            <a:extLst>
-              <a:ext uri="{FF2B5EF4-FFF2-40B4-BE49-F238E27FC236}">
-                <a16:creationId xmlns="" xmlns:a16="http://schemas.microsoft.com/office/drawing/2014/main" id="{BA3A25CD-7C1D-4B3B-B294-1B05ABCFECFD}"/>
-              </a:ext>
-            </a:extLst>
-          </p:cNvPr>
-          <p:cNvCxnSpPr>
-            <a:cxnSpLocks/>
-            <a:stCxn id="59" idx="3"/>
-            <a:endCxn id="2" idx="3"/>
-          </p:cNvCxnSpPr>
-          <p:nvPr/>
-        </p:nvCxnSpPr>
-        <p:spPr>
-          <a:xfrm rot="10800000">
-            <a:off x="3703491" y="3636621"/>
-            <a:ext cx="313904" cy="3403"/>
-          </a:xfrm>
-          <a:prstGeom prst="bentConnector3">
-            <a:avLst>
-              <a:gd name="adj1" fmla="val 50000"/>
-            </a:avLst>
-          </a:prstGeom>
-          <a:ln w="19050">
-            <a:solidFill>
-              <a:srgbClr val="7030A0"/>
-            </a:solidFill>
-            <a:prstDash val="sysDot"/>
-            <a:headEnd type="none" w="med" len="med"/>
-            <a:tailEnd type="none" w="med" len="med"/>
-          </a:ln>
-          <a:effectLst/>
-        </p:spPr>
-        <p:style>
-          <a:lnRef idx="1">
-            <a:schemeClr val="accent2"/>
-          </a:lnRef>
-          <a:fillRef idx="2">
-            <a:schemeClr val="accent2"/>
-          </a:fillRef>
-          <a:effectRef idx="1">
-            <a:schemeClr val="accent2"/>
-          </a:effectRef>
-          <a:fontRef idx="minor">
-            <a:schemeClr val="dk1"/>
-          </a:fontRef>
-        </p:style>
-      </p:cxnSp>
-      <p:sp>
-        <p:nvSpPr>
-          <p:cNvPr id="56" name="Rectangle 65"/>
-          <p:cNvSpPr/>
-          <p:nvPr/>
-        </p:nvSpPr>
-        <p:spPr>
-          <a:xfrm>
-            <a:off x="229022" y="1497232"/>
-            <a:ext cx="8610178" cy="4598768"/>
-          </a:xfrm>
-          <a:prstGeom prst="roundRect">
-            <a:avLst>
-              <a:gd name="adj" fmla="val 3484"/>
-            </a:avLst>
-          </a:prstGeom>
-          <a:solidFill>
-            <a:schemeClr val="accent4">
-              <a:lumMod val="20000"/>
-              <a:lumOff val="80000"/>
-            </a:schemeClr>
-          </a:solidFill>
-          <a:ln w="19050">
-            <a:noFill/>
-          </a:ln>
-          <a:effectLst/>
-        </p:spPr>
-        <p:style>
-          <a:lnRef idx="1">
-            <a:schemeClr val="accent2"/>
-          </a:lnRef>
-          <a:fillRef idx="2">
-            <a:schemeClr val="accent2"/>
-          </a:fillRef>
-          <a:effectRef idx="1">
-            <a:schemeClr val="accent2"/>
-          </a:effectRef>
-          <a:fontRef idx="minor">
-            <a:schemeClr val="dk1"/>
-          </a:fontRef>
-        </p:style>
-        <p:txBody>
-          <a:bodyPr rtlCol="0" anchor="t"/>
-          <a:lstStyle/>
-          <a:p>
-            <a:r>
-              <a:rPr lang="en-US" sz="1200" b="1" dirty="0">
-                <a:solidFill>
-                  <a:srgbClr val="7030A0"/>
-                </a:solidFill>
-              </a:rPr>
-              <a:t>Model</a:t>
-            </a:r>
-            <a:endParaRPr lang="en-SG" sz="1200" b="1" dirty="0">
-              <a:solidFill>
-                <a:srgbClr val="7030A0"/>
-              </a:solidFill>
-            </a:endParaRPr>
-          </a:p>
-        </p:txBody>
-      </p:sp>
-      <p:sp>
-        <p:nvSpPr>
-          <p:cNvPr id="71" name="Rectangle 8"/>
-          <p:cNvSpPr/>
-          <p:nvPr/>
-        </p:nvSpPr>
-        <p:spPr>
-          <a:xfrm>
-            <a:off x="2091245" y="4683189"/>
-            <a:ext cx="878211" cy="346760"/>
-          </a:xfrm>
-          <a:prstGeom prst="rect">
-            <a:avLst/>
-          </a:prstGeom>
-          <a:ln w="19050">
-            <a:solidFill>
-              <a:srgbClr val="7030A0"/>
-            </a:solidFill>
-          </a:ln>
-          <a:effectLst/>
-        </p:spPr>
-        <p:style>
-          <a:lnRef idx="1">
-            <a:schemeClr val="accent4"/>
-          </a:lnRef>
-          <a:fillRef idx="2">
-            <a:schemeClr val="accent4"/>
-          </a:fillRef>
-          <a:effectRef idx="1">
-            <a:schemeClr val="accent4"/>
-          </a:effectRef>
-          <a:fontRef idx="minor">
-            <a:schemeClr val="dk1"/>
-          </a:fontRef>
-        </p:style>
-        <p:txBody>
-          <a:bodyPr rtlCol="0" anchor="ctr"/>
-          <a:lstStyle/>
-          <a:p>
-            <a:pPr algn="ctr"/>
-            <a:r>
-              <a:rPr lang="en-US" sz="1050" dirty="0">
-                <a:solidFill>
-                  <a:srgbClr val="7030A0"/>
-                </a:solidFill>
-              </a:rPr>
-              <a:t>UserPrefs</a:t>
-            </a:r>
-            <a:endParaRPr lang="en-SG" sz="1050" dirty="0">
-              <a:solidFill>
-                <a:srgbClr val="7030A0"/>
-              </a:solidFill>
-            </a:endParaRPr>
-          </a:p>
-        </p:txBody>
-      </p:sp>
-      <p:sp>
-        <p:nvSpPr>
-          <p:cNvPr id="72" name="Rectangle 62"/>
-          <p:cNvSpPr/>
-          <p:nvPr/>
-        </p:nvSpPr>
-        <p:spPr>
-          <a:xfrm rot="16200000">
-            <a:off x="260131" y="3665276"/>
-            <a:ext cx="2228687" cy="346760"/>
-          </a:xfrm>
-          <a:prstGeom prst="rect">
-            <a:avLst/>
-          </a:prstGeom>
-          <a:solidFill>
-            <a:srgbClr val="7030A0"/>
-          </a:solidFill>
-          <a:ln w="19050">
-            <a:solidFill>
-              <a:srgbClr val="7030A0"/>
-            </a:solidFill>
-          </a:ln>
-          <a:effectLst/>
-        </p:spPr>
-        <p:style>
-          <a:lnRef idx="1">
-            <a:schemeClr val="accent2"/>
-          </a:lnRef>
-          <a:fillRef idx="2">
-            <a:schemeClr val="accent2"/>
-          </a:fillRef>
-          <a:effectRef idx="1">
-            <a:schemeClr val="accent2"/>
-          </a:effectRef>
-          <a:fontRef idx="minor">
-            <a:schemeClr val="dk1"/>
-          </a:fontRef>
-        </p:style>
-        <p:txBody>
-          <a:bodyPr rtlCol="0" anchor="ctr"/>
-          <a:lstStyle/>
-          <a:p>
-            <a:pPr algn="ctr"/>
-            <a:r>
-              <a:rPr lang="en-US" sz="1050" dirty="0">
-                <a:solidFill>
-                  <a:schemeClr val="bg1"/>
-                </a:solidFill>
-              </a:rPr>
-              <a:t>ModelManager</a:t>
-            </a:r>
-            <a:endParaRPr lang="en-SG" sz="1050" dirty="0">
-              <a:solidFill>
-                <a:schemeClr val="bg1"/>
-              </a:solidFill>
-            </a:endParaRPr>
-          </a:p>
-        </p:txBody>
-      </p:sp>
-      <p:sp>
-        <p:nvSpPr>
-          <p:cNvPr id="73" name="Rectangle 62"/>
-          <p:cNvSpPr/>
-          <p:nvPr/>
-        </p:nvSpPr>
-        <p:spPr>
-          <a:xfrm rot="16200000">
-            <a:off x="122311" y="2861202"/>
-            <a:ext cx="1093635" cy="346760"/>
-          </a:xfrm>
-          <a:prstGeom prst="rect">
-            <a:avLst/>
-          </a:prstGeom>
-          <a:solidFill>
-            <a:srgbClr val="7030A0"/>
-          </a:solidFill>
-          <a:ln w="19050">
-            <a:solidFill>
-              <a:srgbClr val="7030A0"/>
-            </a:solidFill>
-          </a:ln>
-          <a:effectLst/>
-        </p:spPr>
-        <p:style>
-          <a:lnRef idx="1">
-            <a:schemeClr val="accent2"/>
-          </a:lnRef>
-          <a:fillRef idx="2">
-            <a:schemeClr val="accent2"/>
-          </a:fillRef>
-          <a:effectRef idx="1">
-            <a:schemeClr val="accent2"/>
-          </a:effectRef>
-          <a:fontRef idx="minor">
-            <a:schemeClr val="dk1"/>
-          </a:fontRef>
-        </p:style>
-        <p:txBody>
-          <a:bodyPr rtlCol="0" anchor="ctr"/>
-          <a:lstStyle/>
-          <a:p>
-            <a:pPr algn="ctr"/>
-            <a:r>
-              <a:rPr lang="en-US" sz="1050" dirty="0">
-                <a:solidFill>
-                  <a:schemeClr val="bg1"/>
-                </a:solidFill>
-              </a:rPr>
-              <a:t>&lt;&lt;interface&gt;&gt;</a:t>
-            </a:r>
-          </a:p>
-          <a:p>
-            <a:pPr algn="ctr"/>
-            <a:r>
-              <a:rPr lang="en-US" sz="1050" dirty="0">
-                <a:solidFill>
-                  <a:schemeClr val="bg1"/>
-                </a:solidFill>
-              </a:rPr>
-              <a:t>Model</a:t>
-            </a:r>
-            <a:endParaRPr lang="en-SG" sz="1050" dirty="0">
-              <a:solidFill>
-                <a:schemeClr val="bg1"/>
-              </a:solidFill>
-            </a:endParaRPr>
-          </a:p>
-        </p:txBody>
-      </p:sp>
-      <p:sp>
-        <p:nvSpPr>
-          <p:cNvPr id="74" name="Isosceles Triangle 102"/>
-          <p:cNvSpPr/>
-          <p:nvPr/>
-        </p:nvSpPr>
-        <p:spPr>
-          <a:xfrm rot="16200000">
-            <a:off x="793019" y="2952291"/>
-            <a:ext cx="270504" cy="175523"/>
-          </a:xfrm>
-          <a:prstGeom prst="triangle">
-            <a:avLst/>
-          </a:prstGeom>
-          <a:solidFill>
-            <a:srgbClr val="7030A0"/>
-          </a:solidFill>
-          <a:ln w="19050">
-            <a:solidFill>
-              <a:srgbClr val="7030A0"/>
-            </a:solidFill>
-          </a:ln>
-          <a:effectLst/>
-        </p:spPr>
-        <p:style>
-          <a:lnRef idx="1">
-            <a:schemeClr val="accent6"/>
-          </a:lnRef>
-          <a:fillRef idx="2">
-            <a:schemeClr val="accent6"/>
-          </a:fillRef>
-          <a:effectRef idx="1">
-            <a:schemeClr val="accent6"/>
-          </a:effectRef>
-          <a:fontRef idx="minor">
-            <a:schemeClr val="dk1"/>
-          </a:fontRef>
-        </p:style>
-        <p:txBody>
-          <a:bodyPr rtlCol="0" anchor="ctr"/>
-          <a:lstStyle/>
-          <a:p>
-            <a:pPr algn="ctr"/>
-            <a:endParaRPr lang="en-SG" sz="1050"/>
-          </a:p>
-        </p:txBody>
-      </p:sp>
-      <p:cxnSp>
-        <p:nvCxnSpPr>
-          <p:cNvPr id="77" name="Straight Arrow Connector 76"/>
-          <p:cNvCxnSpPr>
-            <a:cxnSpLocks/>
-            <a:stCxn id="130" idx="3"/>
-            <a:endCxn id="56" idx="1"/>
-          </p:cNvCxnSpPr>
-          <p:nvPr/>
-        </p:nvCxnSpPr>
-        <p:spPr>
-          <a:xfrm>
-            <a:off x="1806346" y="4852397"/>
-            <a:ext cx="284899" cy="4172"/>
-          </a:xfrm>
-          <a:prstGeom prst="straightConnector1">
-            <a:avLst/>
-          </a:prstGeom>
-          <a:ln w="19050">
-            <a:solidFill>
-              <a:srgbClr val="7030A0"/>
-            </a:solidFill>
-            <a:headEnd type="none" w="med" len="med"/>
-            <a:tailEnd type="arrow" w="med" len="med"/>
-          </a:ln>
-          <a:effectLst/>
-        </p:spPr>
-        <p:style>
-          <a:lnRef idx="1">
-            <a:schemeClr val="accent2"/>
-          </a:lnRef>
-          <a:fillRef idx="2">
-            <a:schemeClr val="accent2"/>
-          </a:fillRef>
-          <a:effectRef idx="1">
-            <a:schemeClr val="accent2"/>
-          </a:effectRef>
-          <a:fontRef idx="minor">
-            <a:schemeClr val="dk1"/>
-          </a:fontRef>
-        </p:style>
-      </p:cxnSp>
-      <p:cxnSp>
-        <p:nvCxnSpPr>
-          <p:cNvPr id="82" name="Elbow Connector 122"/>
-          <p:cNvCxnSpPr/>
-          <p:nvPr/>
-        </p:nvCxnSpPr>
-        <p:spPr>
-          <a:xfrm>
-            <a:off x="76200" y="3040053"/>
-            <a:ext cx="419548" cy="2860"/>
-          </a:xfrm>
-          <a:prstGeom prst="bentConnector3">
-            <a:avLst>
-              <a:gd name="adj1" fmla="val 50000"/>
-            </a:avLst>
-          </a:prstGeom>
-          <a:ln w="19050">
-            <a:solidFill>
-              <a:schemeClr val="bg1">
-                <a:lumMod val="75000"/>
-              </a:schemeClr>
-            </a:solidFill>
-            <a:prstDash val="sysDot"/>
-            <a:headEnd type="none" w="med" len="med"/>
-            <a:tailEnd type="arrow" w="med" len="med"/>
-          </a:ln>
-          <a:effectLst/>
-        </p:spPr>
-        <p:style>
-          <a:lnRef idx="1">
-            <a:schemeClr val="accent2"/>
-          </a:lnRef>
-          <a:fillRef idx="2">
-            <a:schemeClr val="accent2"/>
-          </a:fillRef>
-          <a:effectRef idx="1">
-            <a:schemeClr val="accent2"/>
-          </a:effectRef>
-          <a:fontRef idx="minor">
-            <a:schemeClr val="dk1"/>
-          </a:fontRef>
-        </p:style>
-      </p:cxnSp>
-      <p:cxnSp>
-        <p:nvCxnSpPr>
-          <p:cNvPr id="87" name="Straight Connector 86"/>
-          <p:cNvCxnSpPr/>
-          <p:nvPr/>
-        </p:nvCxnSpPr>
-        <p:spPr>
-          <a:xfrm flipV="1">
-            <a:off x="1016033" y="3040052"/>
-            <a:ext cx="216105" cy="1"/>
-          </a:xfrm>
-          <a:prstGeom prst="line">
-            <a:avLst/>
-          </a:prstGeom>
-          <a:ln w="19050">
-            <a:solidFill>
-              <a:srgbClr val="7030A0"/>
-            </a:solidFill>
-            <a:prstDash val="sysDot"/>
-            <a:headEnd type="none" w="med" len="med"/>
-            <a:tailEnd type="none" w="med" len="med"/>
-          </a:ln>
-          <a:effectLst/>
-        </p:spPr>
-        <p:style>
-          <a:lnRef idx="1">
-            <a:schemeClr val="accent2"/>
-          </a:lnRef>
-          <a:fillRef idx="2">
-            <a:schemeClr val="accent2"/>
-          </a:fillRef>
-          <a:effectRef idx="1">
-            <a:schemeClr val="accent2"/>
-          </a:effectRef>
-          <a:fontRef idx="minor">
-            <a:schemeClr val="dk1"/>
-          </a:fontRef>
-        </p:style>
-      </p:cxnSp>
-      <p:sp>
-        <p:nvSpPr>
-          <p:cNvPr id="88" name="Flowchart: Decision 96"/>
-          <p:cNvSpPr/>
-          <p:nvPr/>
-        </p:nvSpPr>
-        <p:spPr>
-          <a:xfrm>
-            <a:off x="1570298" y="4765707"/>
-            <a:ext cx="236048" cy="173380"/>
-          </a:xfrm>
-          <a:prstGeom prst="flowChartDecision">
-            <a:avLst/>
-          </a:prstGeom>
-          <a:noFill/>
-          <a:ln w="19050">
-            <a:solidFill>
-              <a:srgbClr val="7030A0"/>
-            </a:solidFill>
-          </a:ln>
-          <a:effectLst/>
-        </p:spPr>
-        <p:style>
-          <a:lnRef idx="1">
-            <a:schemeClr val="accent6"/>
-          </a:lnRef>
-          <a:fillRef idx="2">
-            <a:schemeClr val="accent6"/>
-          </a:fillRef>
-          <a:effectRef idx="1">
-            <a:schemeClr val="accent6"/>
-          </a:effectRef>
-          <a:fontRef idx="minor">
-            <a:schemeClr val="dk1"/>
-          </a:fontRef>
-        </p:style>
-        <p:txBody>
-          <a:bodyPr rtlCol="0" anchor="ctr"/>
-          <a:lstStyle/>
-          <a:p>
-            <a:pPr algn="ctr"/>
-            <a:endParaRPr lang="en-US" sz="1050"/>
-          </a:p>
-        </p:txBody>
-      </p:sp>
-      <p:sp>
-        <p:nvSpPr>
-          <p:cNvPr id="89" name="Rectangle 8"/>
-          <p:cNvSpPr/>
-          <p:nvPr/>
-        </p:nvSpPr>
-        <p:spPr>
-          <a:xfrm>
-            <a:off x="1991389" y="2846162"/>
-            <a:ext cx="1490560" cy="334856"/>
-          </a:xfrm>
-          <a:prstGeom prst="rect">
-            <a:avLst/>
-          </a:prstGeom>
-          <a:ln w="19050">
-            <a:solidFill>
-              <a:srgbClr val="7030A0"/>
-            </a:solidFill>
-          </a:ln>
-          <a:effectLst/>
-        </p:spPr>
-        <p:style>
-          <a:lnRef idx="1">
-            <a:schemeClr val="accent4"/>
-          </a:lnRef>
-          <a:fillRef idx="2">
-            <a:schemeClr val="accent4"/>
-          </a:fillRef>
-          <a:effectRef idx="1">
-            <a:schemeClr val="accent4"/>
-          </a:effectRef>
-          <a:fontRef idx="minor">
-            <a:schemeClr val="dk1"/>
-          </a:fontRef>
-        </p:style>
-        <p:txBody>
-          <a:bodyPr rtlCol="0" anchor="ctr"/>
-          <a:lstStyle/>
-          <a:p>
-            <a:pPr algn="ctr"/>
-            <a:r>
-              <a:rPr lang="en-US" sz="1050" dirty="0" smtClean="0">
-                <a:solidFill>
-                  <a:srgbClr val="7030A0"/>
-                </a:solidFill>
-              </a:rPr>
-              <a:t>RestOrRant</a:t>
-            </a:r>
-            <a:endParaRPr lang="en-SG" sz="1050" dirty="0">
-              <a:solidFill>
-                <a:srgbClr val="7030A0"/>
-              </a:solidFill>
-            </a:endParaRPr>
-          </a:p>
-        </p:txBody>
-      </p:sp>
-      <p:cxnSp>
-        <p:nvCxnSpPr>
-          <p:cNvPr id="90" name="Straight Arrow Connector 89"/>
-          <p:cNvCxnSpPr>
-            <a:stCxn id="136" idx="3"/>
-            <a:endCxn id="134" idx="1"/>
-          </p:cNvCxnSpPr>
-          <p:nvPr/>
-        </p:nvCxnSpPr>
-        <p:spPr>
-          <a:xfrm>
-            <a:off x="1790469" y="3003033"/>
-            <a:ext cx="200920" cy="10557"/>
-          </a:xfrm>
-          <a:prstGeom prst="straightConnector1">
-            <a:avLst/>
-          </a:prstGeom>
-          <a:ln w="19050">
-            <a:solidFill>
-              <a:srgbClr val="7030A0"/>
-            </a:solidFill>
-            <a:headEnd type="none" w="med" len="med"/>
-            <a:tailEnd type="arrow" w="med" len="med"/>
-          </a:ln>
-          <a:effectLst/>
-        </p:spPr>
-        <p:style>
-          <a:lnRef idx="1">
-            <a:schemeClr val="accent2"/>
-          </a:lnRef>
-          <a:fillRef idx="2">
-            <a:schemeClr val="accent2"/>
-          </a:fillRef>
-          <a:effectRef idx="1">
-            <a:schemeClr val="accent2"/>
-          </a:effectRef>
-          <a:fontRef idx="minor">
-            <a:schemeClr val="dk1"/>
-          </a:fontRef>
-        </p:style>
-      </p:cxnSp>
-      <p:sp>
-        <p:nvSpPr>
-          <p:cNvPr id="91" name="Flowchart: Decision 96"/>
-          <p:cNvSpPr/>
-          <p:nvPr/>
-        </p:nvSpPr>
-        <p:spPr>
-          <a:xfrm>
-            <a:off x="1554421" y="2916343"/>
-            <a:ext cx="236048" cy="173380"/>
-          </a:xfrm>
-          <a:prstGeom prst="flowChartDecision">
-            <a:avLst/>
-          </a:prstGeom>
-          <a:noFill/>
-          <a:ln w="19050">
-            <a:solidFill>
-              <a:srgbClr val="7030A0"/>
-            </a:solidFill>
-          </a:ln>
-          <a:effectLst/>
-        </p:spPr>
-        <p:style>
-          <a:lnRef idx="1">
-            <a:schemeClr val="accent6"/>
-          </a:lnRef>
-          <a:fillRef idx="2">
-            <a:schemeClr val="accent6"/>
-          </a:fillRef>
-          <a:effectRef idx="1">
-            <a:schemeClr val="accent6"/>
-          </a:effectRef>
-          <a:fontRef idx="minor">
-            <a:schemeClr val="dk1"/>
-          </a:fontRef>
-        </p:style>
-        <p:txBody>
-          <a:bodyPr rtlCol="0" anchor="ctr"/>
-          <a:lstStyle/>
-          <a:p>
-            <a:pPr algn="ctr"/>
-            <a:endParaRPr lang="en-US" sz="1050"/>
-          </a:p>
-        </p:txBody>
-      </p:sp>
-      <p:sp>
-        <p:nvSpPr>
-          <p:cNvPr id="92" name="Rectangle 8"/>
-          <p:cNvSpPr/>
-          <p:nvPr/>
-        </p:nvSpPr>
-        <p:spPr>
-          <a:xfrm>
-            <a:off x="3858759" y="2846162"/>
-            <a:ext cx="1156969" cy="346760"/>
-          </a:xfrm>
-          <a:prstGeom prst="rect">
-            <a:avLst/>
-          </a:prstGeom>
-          <a:ln w="19050">
-            <a:solidFill>
-              <a:srgbClr val="7030A0"/>
-            </a:solidFill>
-          </a:ln>
-          <a:effectLst/>
-        </p:spPr>
-        <p:style>
-          <a:lnRef idx="1">
-            <a:schemeClr val="accent4"/>
-          </a:lnRef>
-          <a:fillRef idx="2">
-            <a:schemeClr val="accent4"/>
-          </a:fillRef>
-          <a:effectRef idx="1">
-            <a:schemeClr val="accent4"/>
-          </a:effectRef>
-          <a:fontRef idx="minor">
-            <a:schemeClr val="dk1"/>
-          </a:fontRef>
-        </p:style>
-        <p:txBody>
-          <a:bodyPr rtlCol="0" anchor="ctr"/>
-          <a:lstStyle/>
-          <a:p>
-            <a:pPr algn="ctr"/>
-            <a:r>
-              <a:rPr lang="en-US" sz="1050" dirty="0" smtClean="0">
-                <a:solidFill>
-                  <a:srgbClr val="7030A0"/>
-                </a:solidFill>
-              </a:rPr>
-              <a:t>UniqueTableList</a:t>
-            </a:r>
-            <a:endParaRPr lang="en-SG" sz="1050" dirty="0">
-              <a:solidFill>
-                <a:srgbClr val="7030A0"/>
-              </a:solidFill>
-            </a:endParaRPr>
-          </a:p>
-        </p:txBody>
-      </p:sp>
-      <p:sp>
-        <p:nvSpPr>
-          <p:cNvPr id="93" name="Flowchart: Decision 96"/>
-          <p:cNvSpPr/>
-          <p:nvPr/>
-        </p:nvSpPr>
-        <p:spPr>
-          <a:xfrm>
-            <a:off x="3491081" y="2920532"/>
-            <a:ext cx="236048" cy="173380"/>
-          </a:xfrm>
-          <a:prstGeom prst="flowChartDecision">
-            <a:avLst/>
-          </a:prstGeom>
-          <a:solidFill>
-            <a:srgbClr val="7030A0"/>
-          </a:solidFill>
-          <a:ln w="19050">
-            <a:solidFill>
-              <a:srgbClr val="7030A0"/>
-            </a:solidFill>
-          </a:ln>
-          <a:effectLst/>
-        </p:spPr>
-        <p:style>
-          <a:lnRef idx="1">
-            <a:schemeClr val="accent6"/>
-          </a:lnRef>
-          <a:fillRef idx="2">
-            <a:schemeClr val="accent6"/>
-          </a:fillRef>
-          <a:effectRef idx="1">
-            <a:schemeClr val="accent6"/>
-          </a:effectRef>
-          <a:fontRef idx="minor">
-            <a:schemeClr val="dk1"/>
-          </a:fontRef>
-        </p:style>
-        <p:txBody>
-          <a:bodyPr rtlCol="0" anchor="ctr"/>
-          <a:lstStyle/>
-          <a:p>
-            <a:pPr algn="ctr"/>
-            <a:endParaRPr lang="en-US" sz="1050"/>
-          </a:p>
-        </p:txBody>
-      </p:sp>
-      <p:sp>
-        <p:nvSpPr>
-          <p:cNvPr id="94" name="Rectangle 8"/>
-          <p:cNvSpPr/>
-          <p:nvPr/>
-        </p:nvSpPr>
-        <p:spPr>
-          <a:xfrm>
-            <a:off x="5479786" y="2858066"/>
-            <a:ext cx="708186" cy="346760"/>
-          </a:xfrm>
-          <a:prstGeom prst="rect">
-            <a:avLst/>
-          </a:prstGeom>
-          <a:ln w="19050">
-            <a:solidFill>
-              <a:srgbClr val="7030A0"/>
-            </a:solidFill>
-          </a:ln>
-          <a:effectLst/>
-        </p:spPr>
-        <p:style>
-          <a:lnRef idx="1">
-            <a:schemeClr val="accent4"/>
-          </a:lnRef>
-          <a:fillRef idx="2">
-            <a:schemeClr val="accent4"/>
-          </a:fillRef>
-          <a:effectRef idx="1">
-            <a:schemeClr val="accent4"/>
-          </a:effectRef>
-          <a:fontRef idx="minor">
-            <a:schemeClr val="dk1"/>
-          </a:fontRef>
-        </p:style>
-        <p:txBody>
-          <a:bodyPr rtlCol="0" anchor="ctr"/>
-          <a:lstStyle/>
-          <a:p>
-            <a:pPr algn="ctr"/>
-            <a:r>
-              <a:rPr lang="en-US" sz="1050" dirty="0" smtClean="0">
-                <a:solidFill>
-                  <a:srgbClr val="7030A0"/>
-                </a:solidFill>
-              </a:rPr>
-              <a:t>Table</a:t>
-            </a:r>
-            <a:endParaRPr lang="en-SG" sz="1050" dirty="0">
-              <a:solidFill>
-                <a:srgbClr val="7030A0"/>
-              </a:solidFill>
-            </a:endParaRPr>
-          </a:p>
-        </p:txBody>
-      </p:sp>
-      <p:sp>
-        <p:nvSpPr>
-          <p:cNvPr id="95" name="Flowchart: Decision 96"/>
-          <p:cNvSpPr/>
-          <p:nvPr/>
-        </p:nvSpPr>
-        <p:spPr>
-          <a:xfrm>
-            <a:off x="5024860" y="2941676"/>
-            <a:ext cx="236048" cy="173380"/>
-          </a:xfrm>
-          <a:prstGeom prst="flowChartDecision">
-            <a:avLst/>
-          </a:prstGeom>
-          <a:noFill/>
-          <a:ln w="19050">
-            <a:solidFill>
-              <a:srgbClr val="7030A0"/>
-            </a:solidFill>
-          </a:ln>
-          <a:effectLst/>
-        </p:spPr>
-        <p:style>
-          <a:lnRef idx="1">
-            <a:schemeClr val="accent6"/>
-          </a:lnRef>
-          <a:fillRef idx="2">
-            <a:schemeClr val="accent6"/>
-          </a:fillRef>
-          <a:effectRef idx="1">
-            <a:schemeClr val="accent6"/>
-          </a:effectRef>
-          <a:fontRef idx="minor">
-            <a:schemeClr val="dk1"/>
-          </a:fontRef>
-        </p:style>
-        <p:txBody>
-          <a:bodyPr rtlCol="0" anchor="ctr"/>
-          <a:lstStyle/>
-          <a:p>
-            <a:pPr algn="ctr"/>
-            <a:endParaRPr lang="en-US" sz="1050"/>
-          </a:p>
-        </p:txBody>
-      </p:sp>
-      <p:cxnSp>
-        <p:nvCxnSpPr>
-          <p:cNvPr id="96" name="Elbow Connector 95"/>
-          <p:cNvCxnSpPr>
-            <a:stCxn id="151" idx="3"/>
-            <a:endCxn id="150" idx="1"/>
-          </p:cNvCxnSpPr>
-          <p:nvPr/>
-        </p:nvCxnSpPr>
-        <p:spPr>
-          <a:xfrm>
-            <a:off x="5260908" y="3028366"/>
-            <a:ext cx="218878" cy="3080"/>
-          </a:xfrm>
-          <a:prstGeom prst="bentConnector3">
-            <a:avLst/>
-          </a:prstGeom>
-          <a:ln w="19050">
-            <a:solidFill>
-              <a:srgbClr val="7030A0"/>
-            </a:solidFill>
-            <a:headEnd type="none" w="med" len="med"/>
-            <a:tailEnd type="arrow" w="med" len="med"/>
-          </a:ln>
-          <a:effectLst/>
-        </p:spPr>
-        <p:style>
-          <a:lnRef idx="1">
-            <a:schemeClr val="accent2"/>
-          </a:lnRef>
-          <a:fillRef idx="2">
-            <a:schemeClr val="accent2"/>
-          </a:fillRef>
-          <a:effectRef idx="1">
-            <a:schemeClr val="accent2"/>
-          </a:effectRef>
-          <a:fontRef idx="minor">
-            <a:schemeClr val="dk1"/>
-          </a:fontRef>
-        </p:style>
-      </p:cxnSp>
-      <p:sp>
-        <p:nvSpPr>
-          <p:cNvPr id="98" name="Rectangle 8"/>
-          <p:cNvSpPr/>
-          <p:nvPr/>
-        </p:nvSpPr>
-        <p:spPr>
-          <a:xfrm>
-            <a:off x="6990807" y="5171570"/>
-            <a:ext cx="708186" cy="285783"/>
-          </a:xfrm>
-          <a:prstGeom prst="rect">
-            <a:avLst/>
-          </a:prstGeom>
-          <a:ln w="19050">
-            <a:solidFill>
-              <a:srgbClr val="7030A0"/>
-            </a:solidFill>
-          </a:ln>
-          <a:effectLst/>
-        </p:spPr>
-        <p:style>
-          <a:lnRef idx="1">
-            <a:schemeClr val="accent4"/>
-          </a:lnRef>
-          <a:fillRef idx="2">
-            <a:schemeClr val="accent4"/>
-          </a:fillRef>
-          <a:effectRef idx="1">
-            <a:schemeClr val="accent4"/>
-          </a:effectRef>
-          <a:fontRef idx="minor">
-            <a:schemeClr val="dk1"/>
-          </a:fontRef>
-        </p:style>
-        <p:txBody>
-          <a:bodyPr rtlCol="0" anchor="ctr"/>
-          <a:lstStyle/>
-          <a:p>
-            <a:pPr algn="ctr"/>
-            <a:r>
-              <a:rPr lang="en-US" sz="1050" dirty="0" smtClean="0">
-                <a:solidFill>
-                  <a:srgbClr val="7030A0"/>
-                </a:solidFill>
-              </a:rPr>
-              <a:t>Price</a:t>
-            </a:r>
-            <a:endParaRPr lang="en-SG" sz="1050" dirty="0">
-              <a:solidFill>
-                <a:srgbClr val="7030A0"/>
-              </a:solidFill>
-            </a:endParaRPr>
-          </a:p>
-        </p:txBody>
-      </p:sp>
-      <p:sp>
-        <p:nvSpPr>
-          <p:cNvPr id="101" name="Flowchart: Decision 96"/>
-          <p:cNvSpPr/>
-          <p:nvPr/>
-        </p:nvSpPr>
-        <p:spPr>
-          <a:xfrm>
-            <a:off x="6208056" y="2948201"/>
-            <a:ext cx="236048" cy="173380"/>
-          </a:xfrm>
-          <a:prstGeom prst="flowChartDecision">
-            <a:avLst/>
-          </a:prstGeom>
-          <a:solidFill>
-            <a:srgbClr val="7030A0"/>
-          </a:solidFill>
-          <a:ln w="19050">
-            <a:solidFill>
-              <a:srgbClr val="7030A0"/>
-            </a:solidFill>
-          </a:ln>
-          <a:effectLst/>
-        </p:spPr>
-        <p:style>
-          <a:lnRef idx="1">
-            <a:schemeClr val="accent6"/>
-          </a:lnRef>
-          <a:fillRef idx="2">
-            <a:schemeClr val="accent6"/>
-          </a:fillRef>
-          <a:effectRef idx="1">
-            <a:schemeClr val="accent6"/>
-          </a:effectRef>
-          <a:fontRef idx="minor">
-            <a:schemeClr val="dk1"/>
-          </a:fontRef>
-        </p:style>
-        <p:txBody>
-          <a:bodyPr rtlCol="0" anchor="ctr"/>
-          <a:lstStyle/>
-          <a:p>
-            <a:pPr algn="ctr"/>
-            <a:endParaRPr lang="en-US" sz="1050"/>
-          </a:p>
-        </p:txBody>
-      </p:sp>
-      <p:sp>
-        <p:nvSpPr>
-          <p:cNvPr id="102" name="Rectangle 8"/>
-          <p:cNvSpPr/>
-          <p:nvPr/>
-        </p:nvSpPr>
-        <p:spPr>
-          <a:xfrm>
-            <a:off x="6878505" y="2177586"/>
-            <a:ext cx="1426435" cy="318194"/>
-          </a:xfrm>
-          <a:prstGeom prst="rect">
-            <a:avLst/>
-          </a:prstGeom>
-          <a:ln w="19050">
-            <a:solidFill>
-              <a:srgbClr val="7030A0"/>
-            </a:solidFill>
-          </a:ln>
-          <a:effectLst/>
-        </p:spPr>
-        <p:style>
-          <a:lnRef idx="1">
-            <a:schemeClr val="accent4"/>
-          </a:lnRef>
-          <a:fillRef idx="2">
-            <a:schemeClr val="accent4"/>
-          </a:fillRef>
-          <a:effectRef idx="1">
-            <a:schemeClr val="accent4"/>
-          </a:effectRef>
-          <a:fontRef idx="minor">
-            <a:schemeClr val="dk1"/>
-          </a:fontRef>
-        </p:style>
-        <p:txBody>
-          <a:bodyPr rtlCol="0" anchor="ctr"/>
-          <a:lstStyle/>
-          <a:p>
-            <a:pPr algn="ctr"/>
-            <a:r>
-              <a:rPr lang="en-US" sz="1050" dirty="0" smtClean="0">
-                <a:solidFill>
-                  <a:srgbClr val="7030A0"/>
-                </a:solidFill>
-              </a:rPr>
-              <a:t>UniqueOrderItemList</a:t>
-            </a:r>
-            <a:endParaRPr lang="en-SG" sz="1050" dirty="0">
-              <a:solidFill>
-                <a:srgbClr val="7030A0"/>
-              </a:solidFill>
-            </a:endParaRPr>
-          </a:p>
-        </p:txBody>
-      </p:sp>
-      <p:cxnSp>
-        <p:nvCxnSpPr>
-          <p:cNvPr id="103" name="Elbow Connector 102"/>
-          <p:cNvCxnSpPr/>
-          <p:nvPr/>
-        </p:nvCxnSpPr>
-        <p:spPr>
-          <a:xfrm flipV="1">
-            <a:off x="6444104" y="2336683"/>
-            <a:ext cx="434401" cy="698208"/>
-          </a:xfrm>
-          <a:prstGeom prst="bentConnector3">
-            <a:avLst/>
-          </a:prstGeom>
-          <a:ln w="19050">
-            <a:solidFill>
-              <a:srgbClr val="7030A0"/>
-            </a:solidFill>
-            <a:headEnd type="none" w="med" len="med"/>
-            <a:tailEnd type="arrow" w="med" len="med"/>
-          </a:ln>
-          <a:effectLst/>
-        </p:spPr>
-        <p:style>
-          <a:lnRef idx="1">
-            <a:schemeClr val="accent2"/>
-          </a:lnRef>
-          <a:fillRef idx="2">
-            <a:schemeClr val="accent2"/>
-          </a:fillRef>
-          <a:effectRef idx="1">
-            <a:schemeClr val="accent2"/>
-          </a:effectRef>
-          <a:fontRef idx="minor">
-            <a:schemeClr val="dk1"/>
-          </a:fontRef>
-        </p:style>
-      </p:cxnSp>
-      <p:sp>
-        <p:nvSpPr>
-          <p:cNvPr id="104" name="Rectangle 8"/>
-          <p:cNvSpPr/>
-          <p:nvPr/>
-        </p:nvSpPr>
-        <p:spPr>
-          <a:xfrm>
-            <a:off x="6990807" y="4829271"/>
-            <a:ext cx="708186" cy="285783"/>
-          </a:xfrm>
-          <a:prstGeom prst="rect">
-            <a:avLst/>
-          </a:prstGeom>
-          <a:ln w="19050">
-            <a:solidFill>
-              <a:srgbClr val="7030A0"/>
-            </a:solidFill>
-          </a:ln>
-          <a:effectLst/>
-        </p:spPr>
-        <p:style>
-          <a:lnRef idx="1">
-            <a:schemeClr val="accent4"/>
-          </a:lnRef>
-          <a:fillRef idx="2">
-            <a:schemeClr val="accent4"/>
-          </a:fillRef>
-          <a:effectRef idx="1">
-            <a:schemeClr val="accent4"/>
-          </a:effectRef>
-          <a:fontRef idx="minor">
-            <a:schemeClr val="dk1"/>
-          </a:fontRef>
-        </p:style>
-        <p:txBody>
-          <a:bodyPr rtlCol="0" anchor="ctr"/>
-          <a:lstStyle/>
-          <a:p>
-            <a:pPr algn="ctr"/>
-            <a:r>
-              <a:rPr lang="en-US" sz="1050" dirty="0" smtClean="0">
-                <a:solidFill>
-                  <a:srgbClr val="7030A0"/>
-                </a:solidFill>
-              </a:rPr>
-              <a:t>Name</a:t>
-            </a:r>
-            <a:endParaRPr lang="en-SG" sz="1050" dirty="0">
-              <a:solidFill>
-                <a:srgbClr val="7030A0"/>
-              </a:solidFill>
-            </a:endParaRPr>
-          </a:p>
-        </p:txBody>
-      </p:sp>
-      <p:cxnSp>
-        <p:nvCxnSpPr>
-          <p:cNvPr id="105" name="Elbow Connector 63"/>
-          <p:cNvCxnSpPr>
-            <a:cxnSpLocks/>
-          </p:cNvCxnSpPr>
-          <p:nvPr/>
-        </p:nvCxnSpPr>
-        <p:spPr>
-          <a:xfrm rot="16200000" flipH="1">
-            <a:off x="2732563" y="2680653"/>
-            <a:ext cx="274076" cy="1"/>
-          </a:xfrm>
-          <a:prstGeom prst="bentConnector3">
-            <a:avLst>
-              <a:gd name="adj1" fmla="val 50000"/>
-            </a:avLst>
-          </a:prstGeom>
-          <a:ln w="19050">
-            <a:solidFill>
-              <a:srgbClr val="7030A0"/>
-            </a:solidFill>
-            <a:prstDash val="sysDot"/>
-            <a:headEnd type="none" w="med" len="med"/>
-            <a:tailEnd type="none" w="med" len="med"/>
-          </a:ln>
-          <a:effectLst/>
-        </p:spPr>
-        <p:style>
-          <a:lnRef idx="1">
-            <a:schemeClr val="accent2"/>
-          </a:lnRef>
-          <a:fillRef idx="2">
-            <a:schemeClr val="accent2"/>
-          </a:fillRef>
-          <a:effectRef idx="1">
-            <a:schemeClr val="accent2"/>
-          </a:effectRef>
-          <a:fontRef idx="minor">
-            <a:schemeClr val="dk1"/>
-          </a:fontRef>
-        </p:style>
-      </p:cxnSp>
-      <p:sp>
-        <p:nvSpPr>
-          <p:cNvPr id="106" name="Isosceles Triangle 102"/>
-          <p:cNvSpPr/>
-          <p:nvPr/>
-        </p:nvSpPr>
-        <p:spPr>
-          <a:xfrm rot="10800000" flipV="1">
-            <a:off x="2728408" y="2386554"/>
-            <a:ext cx="282387" cy="157062"/>
-          </a:xfrm>
-          <a:prstGeom prst="triangle">
-            <a:avLst/>
-          </a:prstGeom>
-          <a:solidFill>
-            <a:schemeClr val="accent4">
-              <a:lumMod val="20000"/>
-              <a:lumOff val="80000"/>
-            </a:schemeClr>
-          </a:solidFill>
-          <a:ln w="19050">
-            <a:solidFill>
-              <a:srgbClr val="7030A0"/>
-            </a:solidFill>
-          </a:ln>
-          <a:effectLst/>
-        </p:spPr>
-        <p:style>
-          <a:lnRef idx="1">
-            <a:schemeClr val="accent4"/>
-          </a:lnRef>
-          <a:fillRef idx="2">
-            <a:schemeClr val="accent4"/>
-          </a:fillRef>
-          <a:effectRef idx="1">
-            <a:schemeClr val="accent4"/>
-          </a:effectRef>
-          <a:fontRef idx="minor">
-            <a:schemeClr val="dk1"/>
-          </a:fontRef>
-        </p:style>
-        <p:txBody>
-          <a:bodyPr rtlCol="0" anchor="ctr"/>
-          <a:lstStyle/>
-          <a:p>
-            <a:pPr algn="ctr"/>
-            <a:endParaRPr lang="en-SG" sz="1050" b="1">
-              <a:solidFill>
-                <a:srgbClr val="92D050"/>
-              </a:solidFill>
-            </a:endParaRPr>
-          </a:p>
-        </p:txBody>
-      </p:sp>
-      <p:sp>
-        <p:nvSpPr>
-          <p:cNvPr id="108" name="Rectangle 8"/>
-          <p:cNvSpPr/>
-          <p:nvPr/>
-        </p:nvSpPr>
-        <p:spPr>
-          <a:xfrm>
-            <a:off x="2136876" y="1997804"/>
-            <a:ext cx="1443661" cy="364396"/>
-          </a:xfrm>
-          <a:prstGeom prst="rect">
-            <a:avLst/>
-          </a:prstGeom>
-          <a:ln w="19050">
-            <a:solidFill>
-              <a:srgbClr val="7030A0"/>
-            </a:solidFill>
-          </a:ln>
-          <a:effectLst/>
-        </p:spPr>
-        <p:style>
-          <a:lnRef idx="1">
-            <a:schemeClr val="accent4"/>
-          </a:lnRef>
-          <a:fillRef idx="2">
-            <a:schemeClr val="accent4"/>
-          </a:fillRef>
-          <a:effectRef idx="1">
-            <a:schemeClr val="accent4"/>
-          </a:effectRef>
-          <a:fontRef idx="minor">
-            <a:schemeClr val="dk1"/>
-          </a:fontRef>
-        </p:style>
-        <p:txBody>
-          <a:bodyPr rtlCol="0" anchor="ctr"/>
-          <a:lstStyle/>
-          <a:p>
-            <a:pPr algn="ctr"/>
-            <a:r>
-              <a:rPr lang="en-US" sz="1050" dirty="0">
-                <a:solidFill>
-                  <a:srgbClr val="7030A0"/>
-                </a:solidFill>
-              </a:rPr>
-              <a:t>&lt;&lt;interface&gt;&gt;</a:t>
-            </a:r>
-            <a:br>
-              <a:rPr lang="en-US" sz="1050" dirty="0">
-                <a:solidFill>
-                  <a:srgbClr val="7030A0"/>
-                </a:solidFill>
-              </a:rPr>
-            </a:br>
-            <a:r>
-              <a:rPr lang="en-US" sz="1050" dirty="0" smtClean="0">
-                <a:solidFill>
-                  <a:srgbClr val="7030A0"/>
-                </a:solidFill>
-              </a:rPr>
-              <a:t>ReadOnlyRestOrRant</a:t>
-            </a:r>
-            <a:endParaRPr lang="en-SG" sz="1050" dirty="0">
-              <a:solidFill>
-                <a:srgbClr val="7030A0"/>
-              </a:solidFill>
-            </a:endParaRPr>
-          </a:p>
-        </p:txBody>
-      </p:sp>
-      <p:sp>
-        <p:nvSpPr>
-          <p:cNvPr id="109" name="Rectangle 8"/>
-          <p:cNvSpPr/>
-          <p:nvPr/>
-        </p:nvSpPr>
-        <p:spPr>
-          <a:xfrm>
-            <a:off x="824129" y="5506729"/>
-            <a:ext cx="1066800" cy="322410"/>
-          </a:xfrm>
-          <a:prstGeom prst="rect">
-            <a:avLst/>
-          </a:prstGeom>
-          <a:ln w="19050">
-            <a:solidFill>
-              <a:srgbClr val="7030A0"/>
-            </a:solidFill>
-          </a:ln>
-          <a:effectLst/>
-        </p:spPr>
-        <p:style>
-          <a:lnRef idx="1">
-            <a:schemeClr val="accent4"/>
-          </a:lnRef>
-          <a:fillRef idx="2">
-            <a:schemeClr val="accent4"/>
-          </a:fillRef>
-          <a:effectRef idx="1">
-            <a:schemeClr val="accent4"/>
-          </a:effectRef>
-          <a:fontRef idx="minor">
-            <a:schemeClr val="dk1"/>
-          </a:fontRef>
-        </p:style>
-        <p:txBody>
-          <a:bodyPr rtlCol="0" anchor="ctr"/>
-          <a:lstStyle/>
-          <a:p>
-            <a:pPr algn="ctr"/>
-            <a:r>
-              <a:rPr lang="en-US" sz="1050" dirty="0">
-                <a:solidFill>
-                  <a:srgbClr val="7030A0"/>
-                </a:solidFill>
-              </a:rPr>
-              <a:t>&lt;&lt;interface&gt;&gt;</a:t>
-            </a:r>
-            <a:br>
-              <a:rPr lang="en-US" sz="1050" dirty="0">
-                <a:solidFill>
-                  <a:srgbClr val="7030A0"/>
-                </a:solidFill>
-              </a:rPr>
-            </a:br>
-            <a:r>
-              <a:rPr lang="en-US" sz="1050" dirty="0">
-                <a:solidFill>
-                  <a:srgbClr val="7030A0"/>
-                </a:solidFill>
-              </a:rPr>
-              <a:t>ObservableList</a:t>
-            </a:r>
-            <a:endParaRPr lang="en-SG" sz="1050" dirty="0">
-              <a:solidFill>
-                <a:srgbClr val="7030A0"/>
-              </a:solidFill>
-            </a:endParaRPr>
-          </a:p>
-        </p:txBody>
-      </p:sp>
-      <p:cxnSp>
-        <p:nvCxnSpPr>
-          <p:cNvPr id="110" name="Elbow Connector 122"/>
-          <p:cNvCxnSpPr/>
-          <p:nvPr/>
-        </p:nvCxnSpPr>
-        <p:spPr>
-          <a:xfrm rot="16200000" flipH="1">
-            <a:off x="-296638" y="4547167"/>
-            <a:ext cx="2086534" cy="155000"/>
-          </a:xfrm>
-          <a:prstGeom prst="bentConnector2">
-            <a:avLst/>
-          </a:prstGeom>
-          <a:ln w="19050">
-            <a:solidFill>
-              <a:srgbClr val="7030A0"/>
-            </a:solidFill>
-            <a:prstDash val="sysDot"/>
-            <a:headEnd type="none" w="med" len="med"/>
-            <a:tailEnd type="arrow" w="med" len="med"/>
-          </a:ln>
-          <a:effectLst/>
-        </p:spPr>
-        <p:style>
-          <a:lnRef idx="1">
-            <a:schemeClr val="accent2"/>
-          </a:lnRef>
-          <a:fillRef idx="2">
-            <a:schemeClr val="accent2"/>
-          </a:fillRef>
-          <a:effectRef idx="1">
-            <a:schemeClr val="accent2"/>
-          </a:effectRef>
-          <a:fontRef idx="minor">
-            <a:schemeClr val="dk1"/>
-          </a:fontRef>
-        </p:style>
-      </p:cxnSp>
-      <p:sp>
-        <p:nvSpPr>
-          <p:cNvPr id="111" name="TextBox 110"/>
-          <p:cNvSpPr txBox="1"/>
-          <p:nvPr/>
-        </p:nvSpPr>
-        <p:spPr>
-          <a:xfrm>
-            <a:off x="3647165" y="2783654"/>
-            <a:ext cx="189257" cy="178683"/>
-          </a:xfrm>
-          <a:prstGeom prst="rect">
-            <a:avLst/>
-          </a:prstGeom>
-          <a:noFill/>
-        </p:spPr>
-        <p:txBody>
-          <a:bodyPr wrap="square" lIns="0" tIns="0" rIns="0" bIns="0" rtlCol="0">
-            <a:noAutofit/>
-          </a:bodyPr>
-          <a:lstStyle/>
-          <a:p>
-            <a:pPr algn="ctr"/>
-            <a:r>
-              <a:rPr lang="en-US" sz="1100" dirty="0">
-                <a:solidFill>
-                  <a:srgbClr val="7030A0"/>
-                </a:solidFill>
-              </a:rPr>
-              <a:t>1</a:t>
-            </a:r>
-            <a:endParaRPr lang="en-SG" sz="1100" dirty="0">
-              <a:solidFill>
-                <a:srgbClr val="7030A0"/>
-              </a:solidFill>
-            </a:endParaRPr>
-          </a:p>
-        </p:txBody>
-      </p:sp>
-      <p:sp>
-        <p:nvSpPr>
-          <p:cNvPr id="112" name="TextBox 111"/>
-          <p:cNvSpPr txBox="1"/>
-          <p:nvPr/>
-        </p:nvSpPr>
-        <p:spPr>
-          <a:xfrm>
-            <a:off x="5257800" y="2819400"/>
-            <a:ext cx="189257" cy="178683"/>
-          </a:xfrm>
-          <a:prstGeom prst="rect">
-            <a:avLst/>
-          </a:prstGeom>
-          <a:noFill/>
-        </p:spPr>
-        <p:txBody>
-          <a:bodyPr wrap="square" lIns="0" tIns="0" rIns="0" bIns="0" rtlCol="0">
-            <a:noAutofit/>
-          </a:bodyPr>
-          <a:lstStyle/>
-          <a:p>
-            <a:pPr algn="ctr"/>
-            <a:r>
-              <a:rPr lang="en-US" sz="1100" dirty="0">
-                <a:solidFill>
-                  <a:srgbClr val="7030A0"/>
-                </a:solidFill>
-              </a:rPr>
-              <a:t>*</a:t>
-            </a:r>
-            <a:endParaRPr lang="en-SG" sz="1100" dirty="0">
-              <a:solidFill>
-                <a:srgbClr val="7030A0"/>
-              </a:solidFill>
-            </a:endParaRPr>
-          </a:p>
-        </p:txBody>
-      </p:sp>
-      <p:sp>
-        <p:nvSpPr>
-          <p:cNvPr id="113" name="TextBox 112"/>
-          <p:cNvSpPr txBox="1"/>
-          <p:nvPr/>
-        </p:nvSpPr>
-        <p:spPr>
-          <a:xfrm>
-            <a:off x="1811090" y="2756715"/>
-            <a:ext cx="170110" cy="137542"/>
-          </a:xfrm>
-          <a:prstGeom prst="rect">
-            <a:avLst/>
-          </a:prstGeom>
-          <a:noFill/>
-        </p:spPr>
-        <p:txBody>
-          <a:bodyPr wrap="square" lIns="0" tIns="0" rIns="0" bIns="0" rtlCol="0">
-            <a:noAutofit/>
-          </a:bodyPr>
-          <a:lstStyle/>
-          <a:p>
-            <a:pPr algn="ctr"/>
-            <a:r>
-              <a:rPr lang="en-US" sz="1100" dirty="0">
-                <a:solidFill>
-                  <a:srgbClr val="7030A0"/>
-                </a:solidFill>
-              </a:rPr>
-              <a:t>1</a:t>
-            </a:r>
-            <a:endParaRPr lang="en-SG" sz="1100" dirty="0">
-              <a:solidFill>
-                <a:srgbClr val="7030A0"/>
-              </a:solidFill>
-            </a:endParaRPr>
-          </a:p>
-        </p:txBody>
-      </p:sp>
-      <p:sp>
-        <p:nvSpPr>
-          <p:cNvPr id="115" name="TextBox 114"/>
-          <p:cNvSpPr txBox="1"/>
-          <p:nvPr/>
-        </p:nvSpPr>
-        <p:spPr>
-          <a:xfrm>
-            <a:off x="1872452" y="4621917"/>
-            <a:ext cx="189257" cy="178683"/>
-          </a:xfrm>
-          <a:prstGeom prst="rect">
-            <a:avLst/>
-          </a:prstGeom>
-          <a:noFill/>
-        </p:spPr>
-        <p:txBody>
-          <a:bodyPr wrap="square" lIns="0" tIns="0" rIns="0" bIns="0" rtlCol="0">
-            <a:noAutofit/>
-          </a:bodyPr>
-          <a:lstStyle/>
-          <a:p>
-            <a:pPr algn="ctr"/>
-            <a:r>
-              <a:rPr lang="en-US" sz="1100" dirty="0">
-                <a:solidFill>
-                  <a:srgbClr val="7030A0"/>
-                </a:solidFill>
-              </a:rPr>
-              <a:t>1</a:t>
-            </a:r>
-            <a:endParaRPr lang="en-SG" sz="1100" dirty="0">
-              <a:solidFill>
-                <a:srgbClr val="7030A0"/>
-              </a:solidFill>
-            </a:endParaRPr>
-          </a:p>
-        </p:txBody>
-      </p:sp>
-      <p:sp>
-        <p:nvSpPr>
-          <p:cNvPr id="116" name="TextBox 115"/>
-          <p:cNvSpPr txBox="1"/>
-          <p:nvPr/>
-        </p:nvSpPr>
-        <p:spPr>
-          <a:xfrm>
-            <a:off x="6694091" y="1726317"/>
-            <a:ext cx="189257" cy="178683"/>
-          </a:xfrm>
-          <a:prstGeom prst="rect">
-            <a:avLst/>
-          </a:prstGeom>
-          <a:noFill/>
-        </p:spPr>
-        <p:txBody>
-          <a:bodyPr wrap="square" lIns="0" tIns="0" rIns="0" bIns="0" rtlCol="0">
-            <a:noAutofit/>
-          </a:bodyPr>
-          <a:lstStyle/>
-          <a:p>
-            <a:pPr algn="ctr"/>
-            <a:r>
-              <a:rPr lang="en-US" sz="1100" dirty="0">
-                <a:solidFill>
-                  <a:srgbClr val="7030A0"/>
-                </a:solidFill>
-              </a:rPr>
-              <a:t>1</a:t>
-            </a:r>
-            <a:endParaRPr lang="en-SG" sz="1100" dirty="0">
-              <a:solidFill>
-                <a:srgbClr val="7030A0"/>
-              </a:solidFill>
-            </a:endParaRPr>
-          </a:p>
-        </p:txBody>
-      </p:sp>
-      <p:sp>
-        <p:nvSpPr>
-          <p:cNvPr id="117" name="Rectangle 8">
-            <a:extLst>
-              <a:ext uri="{FF2B5EF4-FFF2-40B4-BE49-F238E27FC236}">
-                <a16:creationId xmlns:a16="http://schemas.microsoft.com/office/drawing/2014/main" xmlns="" id="{ABDCDBD2-131A-4B66-A2F2-43BBEE82C773}"/>
-              </a:ext>
-            </a:extLst>
-          </p:cNvPr>
-          <p:cNvSpPr/>
-          <p:nvPr/>
-        </p:nvSpPr>
-        <p:spPr>
-          <a:xfrm>
-            <a:off x="6878505" y="1774911"/>
-            <a:ext cx="1426435" cy="336873"/>
-          </a:xfrm>
-          <a:prstGeom prst="rect">
-            <a:avLst/>
-          </a:prstGeom>
-          <a:ln w="19050">
-            <a:solidFill>
-              <a:srgbClr val="7030A0"/>
-            </a:solidFill>
-          </a:ln>
-          <a:effectLst/>
-        </p:spPr>
-        <p:style>
-          <a:lnRef idx="1">
-            <a:schemeClr val="accent4"/>
-          </a:lnRef>
-          <a:fillRef idx="2">
-            <a:schemeClr val="accent4"/>
-          </a:fillRef>
-          <a:effectRef idx="1">
-            <a:schemeClr val="accent4"/>
-          </a:effectRef>
-          <a:fontRef idx="minor">
-            <a:schemeClr val="dk1"/>
-          </a:fontRef>
-        </p:style>
-        <p:txBody>
-          <a:bodyPr rtlCol="0" anchor="ctr"/>
-          <a:lstStyle/>
-          <a:p>
-            <a:pPr algn="ctr"/>
-            <a:r>
-              <a:rPr lang="en-US" sz="1050" dirty="0" smtClean="0">
-                <a:solidFill>
-                  <a:srgbClr val="7030A0"/>
-                </a:solidFill>
-              </a:rPr>
-              <a:t>TableStatus</a:t>
-            </a:r>
-            <a:endParaRPr lang="en-SG" sz="1050" dirty="0">
-              <a:solidFill>
-                <a:srgbClr val="7030A0"/>
-              </a:solidFill>
-            </a:endParaRPr>
-          </a:p>
-        </p:txBody>
-      </p:sp>
-      <p:cxnSp>
-        <p:nvCxnSpPr>
-          <p:cNvPr id="121" name="Elbow Connector 78">
-            <a:extLst>
-              <a:ext uri="{FF2B5EF4-FFF2-40B4-BE49-F238E27FC236}">
-                <a16:creationId xmlns:a16="http://schemas.microsoft.com/office/drawing/2014/main" xmlns="" id="{B97967F8-618A-448B-81FD-CDFD4AF0EC64}"/>
-              </a:ext>
-            </a:extLst>
-          </p:cNvPr>
-          <p:cNvCxnSpPr>
-            <a:cxnSpLocks/>
             <a:endCxn id="140" idx="1"/>
           </p:cNvCxnSpPr>
           <p:nvPr/>
@@ -10251,7 +10251,7 @@
           <p:cNvPr id="125" name="Rectangle 8">
             <a:extLst>
               <a:ext uri="{FF2B5EF4-FFF2-40B4-BE49-F238E27FC236}">
-                <a16:creationId xmlns:a16="http://schemas.microsoft.com/office/drawing/2014/main" xmlns="" id="{6A42DA50-9012-4391-9EF3-285E4FA3FCD8}"/>
+                <a16:creationId xmlns="" xmlns:a16="http://schemas.microsoft.com/office/drawing/2014/main" id="{6A42DA50-9012-4391-9EF3-285E4FA3FCD8}"/>
               </a:ext>
             </a:extLst>
           </p:cNvPr>
@@ -10324,7 +10324,7 @@
           <p:cNvPr id="126" name="Isosceles Triangle 102">
             <a:extLst>
               <a:ext uri="{FF2B5EF4-FFF2-40B4-BE49-F238E27FC236}">
-                <a16:creationId xmlns:a16="http://schemas.microsoft.com/office/drawing/2014/main" xmlns="" id="{B263B2D7-6E76-465E-B40E-7E2A46254A84}"/>
+                <a16:creationId xmlns="" xmlns:a16="http://schemas.microsoft.com/office/drawing/2014/main" id="{B263B2D7-6E76-465E-B40E-7E2A46254A84}"/>
               </a:ext>
             </a:extLst>
           </p:cNvPr>
@@ -10382,7 +10382,7 @@
           <p:cNvPr id="127" name="Elbow Connector 63">
             <a:extLst>
               <a:ext uri="{FF2B5EF4-FFF2-40B4-BE49-F238E27FC236}">
-                <a16:creationId xmlns:a16="http://schemas.microsoft.com/office/drawing/2014/main" xmlns="" id="{BA3A25CD-7C1D-4B3B-B294-1B05ABCFECFD}"/>
+                <a16:creationId xmlns="" xmlns:a16="http://schemas.microsoft.com/office/drawing/2014/main" id="{BA3A25CD-7C1D-4B3B-B294-1B05ABCFECFD}"/>
               </a:ext>
             </a:extLst>
           </p:cNvPr>
@@ -13147,7 +13147,7 @@
           <p:cNvPr id="57" name="Rectangle 8">
             <a:extLst>
               <a:ext uri="{FF2B5EF4-FFF2-40B4-BE49-F238E27FC236}">
-                <a16:creationId xmlns="" xmlns:a16="http://schemas.microsoft.com/office/drawing/2014/main" id="{6A42DA50-9012-4391-9EF3-285E4FA3FCD8}"/>
+                <a16:creationId xmlns:a16="http://schemas.microsoft.com/office/drawing/2014/main" xmlns="" id="{6A42DA50-9012-4391-9EF3-285E4FA3FCD8}"/>
               </a:ext>
             </a:extLst>
           </p:cNvPr>
@@ -13220,7 +13220,7 @@
           <p:cNvPr id="59" name="Isosceles Triangle 102">
             <a:extLst>
               <a:ext uri="{FF2B5EF4-FFF2-40B4-BE49-F238E27FC236}">
-                <a16:creationId xmlns="" xmlns:a16="http://schemas.microsoft.com/office/drawing/2014/main" id="{B263B2D7-6E76-465E-B40E-7E2A46254A84}"/>
+                <a16:creationId xmlns:a16="http://schemas.microsoft.com/office/drawing/2014/main" xmlns="" id="{B263B2D7-6E76-465E-B40E-7E2A46254A84}"/>
               </a:ext>
             </a:extLst>
           </p:cNvPr>
@@ -13278,7 +13278,7 @@
           <p:cNvPr id="67" name="Elbow Connector 63">
             <a:extLst>
               <a:ext uri="{FF2B5EF4-FFF2-40B4-BE49-F238E27FC236}">
-                <a16:creationId xmlns="" xmlns:a16="http://schemas.microsoft.com/office/drawing/2014/main" id="{BA3A25CD-7C1D-4B3B-B294-1B05ABCFECFD}"/>
+                <a16:creationId xmlns:a16="http://schemas.microsoft.com/office/drawing/2014/main" xmlns="" id="{BA3A25CD-7C1D-4B3B-B294-1B05ABCFECFD}"/>
               </a:ext>
             </a:extLst>
           </p:cNvPr>
@@ -13898,7 +13898,7 @@
               </a:rPr>
             </a:br>
             <a:r>
-              <a:rPr lang="en-US" sz="1050" dirty="0" err="1" smtClean="0">
+              <a:rPr lang="en-US" sz="1050" dirty="0" smtClean="0">
                 <a:solidFill>
                   <a:srgbClr val="7030A0"/>
                 </a:solidFill>
@@ -14304,7 +14304,7 @@
               </a:rPr>
             </a:br>
             <a:r>
-              <a:rPr lang="en-US" sz="1050" dirty="0" err="1" smtClean="0">
+              <a:rPr lang="en-US" sz="1050" dirty="0" smtClean="0">
                 <a:solidFill>
                   <a:srgbClr val="7030A0"/>
                 </a:solidFill>
@@ -14472,7 +14472,7 @@
               </a:rPr>
             </a:br>
             <a:r>
-              <a:rPr lang="en-US" sz="1050" dirty="0" err="1" smtClean="0">
+              <a:rPr lang="en-US" sz="1050" dirty="0" smtClean="0">
                 <a:solidFill>
                   <a:srgbClr val="7030A0"/>
                 </a:solidFill>
@@ -14908,7 +14908,7 @@
           <p:cNvPr id="121" name="Rectangle 8">
             <a:extLst>
               <a:ext uri="{FF2B5EF4-FFF2-40B4-BE49-F238E27FC236}">
-                <a16:creationId xmlns="" xmlns:a16="http://schemas.microsoft.com/office/drawing/2014/main" id="{ABDCDBD2-131A-4B66-A2F2-43BBEE82C773}"/>
+                <a16:creationId xmlns:a16="http://schemas.microsoft.com/office/drawing/2014/main" xmlns="" id="{ABDCDBD2-131A-4B66-A2F2-43BBEE82C773}"/>
               </a:ext>
             </a:extLst>
           </p:cNvPr>
@@ -14970,7 +14970,7 @@
           <p:cNvPr id="123" name="Elbow Connector 78">
             <a:extLst>
               <a:ext uri="{FF2B5EF4-FFF2-40B4-BE49-F238E27FC236}">
-                <a16:creationId xmlns="" xmlns:a16="http://schemas.microsoft.com/office/drawing/2014/main" id="{B97967F8-618A-448B-81FD-CDFD4AF0EC64}"/>
+                <a16:creationId xmlns:a16="http://schemas.microsoft.com/office/drawing/2014/main" xmlns="" id="{B97967F8-618A-448B-81FD-CDFD4AF0EC64}"/>
               </a:ext>
             </a:extLst>
           </p:cNvPr>
@@ -15423,7 +15423,7 @@
           <p:cNvPr id="134" name="Elbow Connector 78">
             <a:extLst>
               <a:ext uri="{FF2B5EF4-FFF2-40B4-BE49-F238E27FC236}">
-                <a16:creationId xmlns="" xmlns:a16="http://schemas.microsoft.com/office/drawing/2014/main" id="{B97967F8-618A-448B-81FD-CDFD4AF0EC64}"/>
+                <a16:creationId xmlns:a16="http://schemas.microsoft.com/office/drawing/2014/main" xmlns="" id="{B97967F8-618A-448B-81FD-CDFD4AF0EC64}"/>
               </a:ext>
             </a:extLst>
           </p:cNvPr>
@@ -16071,7 +16071,7 @@
           <p:cNvPr id="148" name="Rectangle 8">
             <a:extLst>
               <a:ext uri="{FF2B5EF4-FFF2-40B4-BE49-F238E27FC236}">
-                <a16:creationId xmlns="" xmlns:a16="http://schemas.microsoft.com/office/drawing/2014/main" id="{ABDCDBD2-131A-4B66-A2F2-43BBEE82C773}"/>
+                <a16:creationId xmlns:a16="http://schemas.microsoft.com/office/drawing/2014/main" xmlns="" id="{ABDCDBD2-131A-4B66-A2F2-43BBEE82C773}"/>
               </a:ext>
             </a:extLst>
           </p:cNvPr>
@@ -16133,7 +16133,7 @@
           <p:cNvPr id="149" name="Elbow Connector 78">
             <a:extLst>
               <a:ext uri="{FF2B5EF4-FFF2-40B4-BE49-F238E27FC236}">
-                <a16:creationId xmlns="" xmlns:a16="http://schemas.microsoft.com/office/drawing/2014/main" id="{B97967F8-618A-448B-81FD-CDFD4AF0EC64}"/>
+                <a16:creationId xmlns:a16="http://schemas.microsoft.com/office/drawing/2014/main" xmlns="" id="{B97967F8-618A-448B-81FD-CDFD4AF0EC64}"/>
               </a:ext>
             </a:extLst>
           </p:cNvPr>
@@ -16183,7 +16183,7 @@
           <p:cNvPr id="151" name="Elbow Connector 78">
             <a:extLst>
               <a:ext uri="{FF2B5EF4-FFF2-40B4-BE49-F238E27FC236}">
-                <a16:creationId xmlns="" xmlns:a16="http://schemas.microsoft.com/office/drawing/2014/main" id="{B97967F8-618A-448B-81FD-CDFD4AF0EC64}"/>
+                <a16:creationId xmlns:a16="http://schemas.microsoft.com/office/drawing/2014/main" xmlns="" id="{B97967F8-618A-448B-81FD-CDFD4AF0EC64}"/>
               </a:ext>
             </a:extLst>
           </p:cNvPr>
@@ -16833,7 +16833,7 @@
           <p:cNvPr id="167" name="Rectangle 8">
             <a:extLst>
               <a:ext uri="{FF2B5EF4-FFF2-40B4-BE49-F238E27FC236}">
-                <a16:creationId xmlns="" xmlns:a16="http://schemas.microsoft.com/office/drawing/2014/main" id="{ABDCDBD2-131A-4B66-A2F2-43BBEE82C773}"/>
+                <a16:creationId xmlns:a16="http://schemas.microsoft.com/office/drawing/2014/main" xmlns="" id="{ABDCDBD2-131A-4B66-A2F2-43BBEE82C773}"/>
               </a:ext>
             </a:extLst>
           </p:cNvPr>
@@ -16895,7 +16895,7 @@
           <p:cNvPr id="168" name="Elbow Connector 78">
             <a:extLst>
               <a:ext uri="{FF2B5EF4-FFF2-40B4-BE49-F238E27FC236}">
-                <a16:creationId xmlns="" xmlns:a16="http://schemas.microsoft.com/office/drawing/2014/main" id="{B97967F8-618A-448B-81FD-CDFD4AF0EC64}"/>
+                <a16:creationId xmlns:a16="http://schemas.microsoft.com/office/drawing/2014/main" xmlns="" id="{B97967F8-618A-448B-81FD-CDFD4AF0EC64}"/>
               </a:ext>
             </a:extLst>
           </p:cNvPr>
@@ -16945,7 +16945,7 @@
           <p:cNvPr id="178" name="Elbow Connector 78">
             <a:extLst>
               <a:ext uri="{FF2B5EF4-FFF2-40B4-BE49-F238E27FC236}">
-                <a16:creationId xmlns="" xmlns:a16="http://schemas.microsoft.com/office/drawing/2014/main" id="{B97967F8-618A-448B-81FD-CDFD4AF0EC64}"/>
+                <a16:creationId xmlns:a16="http://schemas.microsoft.com/office/drawing/2014/main" xmlns="" id="{B97967F8-618A-448B-81FD-CDFD4AF0EC64}"/>
               </a:ext>
             </a:extLst>
           </p:cNvPr>
@@ -16992,7 +16992,7 @@
           <p:cNvPr id="186" name="Elbow Connector 78">
             <a:extLst>
               <a:ext uri="{FF2B5EF4-FFF2-40B4-BE49-F238E27FC236}">
-                <a16:creationId xmlns="" xmlns:a16="http://schemas.microsoft.com/office/drawing/2014/main" id="{B97967F8-618A-448B-81FD-CDFD4AF0EC64}"/>
+                <a16:creationId xmlns:a16="http://schemas.microsoft.com/office/drawing/2014/main" xmlns="" id="{B97967F8-618A-448B-81FD-CDFD4AF0EC64}"/>
               </a:ext>
             </a:extLst>
           </p:cNvPr>
@@ -17040,7 +17040,7 @@
           <p:cNvPr id="191" name="Elbow Connector 78">
             <a:extLst>
               <a:ext uri="{FF2B5EF4-FFF2-40B4-BE49-F238E27FC236}">
-                <a16:creationId xmlns="" xmlns:a16="http://schemas.microsoft.com/office/drawing/2014/main" id="{B97967F8-618A-448B-81FD-CDFD4AF0EC64}"/>
+                <a16:creationId xmlns:a16="http://schemas.microsoft.com/office/drawing/2014/main" xmlns="" id="{B97967F8-618A-448B-81FD-CDFD4AF0EC64}"/>
               </a:ext>
             </a:extLst>
           </p:cNvPr>
@@ -17088,7 +17088,7 @@
           <p:cNvPr id="194" name="Elbow Connector 78">
             <a:extLst>
               <a:ext uri="{FF2B5EF4-FFF2-40B4-BE49-F238E27FC236}">
-                <a16:creationId xmlns="" xmlns:a16="http://schemas.microsoft.com/office/drawing/2014/main" id="{B97967F8-618A-448B-81FD-CDFD4AF0EC64}"/>
+                <a16:creationId xmlns:a16="http://schemas.microsoft.com/office/drawing/2014/main" xmlns="" id="{B97967F8-618A-448B-81FD-CDFD4AF0EC64}"/>
               </a:ext>
             </a:extLst>
           </p:cNvPr>
@@ -18323,7 +18323,7 @@
           <p:cNvPr id="57" name="Rectangle 8">
             <a:extLst>
               <a:ext uri="{FF2B5EF4-FFF2-40B4-BE49-F238E27FC236}">
-                <a16:creationId xmlns="" xmlns:a16="http://schemas.microsoft.com/office/drawing/2014/main" id="{6A42DA50-9012-4391-9EF3-285E4FA3FCD8}"/>
+                <a16:creationId xmlns:a16="http://schemas.microsoft.com/office/drawing/2014/main" xmlns="" id="{6A42DA50-9012-4391-9EF3-285E4FA3FCD8}"/>
               </a:ext>
             </a:extLst>
           </p:cNvPr>
@@ -18396,7 +18396,7 @@
           <p:cNvPr id="59" name="Isosceles Triangle 102">
             <a:extLst>
               <a:ext uri="{FF2B5EF4-FFF2-40B4-BE49-F238E27FC236}">
-                <a16:creationId xmlns="" xmlns:a16="http://schemas.microsoft.com/office/drawing/2014/main" id="{B263B2D7-6E76-465E-B40E-7E2A46254A84}"/>
+                <a16:creationId xmlns:a16="http://schemas.microsoft.com/office/drawing/2014/main" xmlns="" id="{B263B2D7-6E76-465E-B40E-7E2A46254A84}"/>
               </a:ext>
             </a:extLst>
           </p:cNvPr>
@@ -18454,7 +18454,7 @@
           <p:cNvPr id="67" name="Elbow Connector 63">
             <a:extLst>
               <a:ext uri="{FF2B5EF4-FFF2-40B4-BE49-F238E27FC236}">
-                <a16:creationId xmlns="" xmlns:a16="http://schemas.microsoft.com/office/drawing/2014/main" id="{BA3A25CD-7C1D-4B3B-B294-1B05ABCFECFD}"/>
+                <a16:creationId xmlns:a16="http://schemas.microsoft.com/office/drawing/2014/main" xmlns="" id="{BA3A25CD-7C1D-4B3B-B294-1B05ABCFECFD}"/>
               </a:ext>
             </a:extLst>
           </p:cNvPr>
@@ -19074,7 +19074,7 @@
               </a:rPr>
             </a:br>
             <a:r>
-              <a:rPr lang="en-US" sz="1050" dirty="0" err="1" smtClean="0">
+              <a:rPr lang="en-US" sz="1050" dirty="0" smtClean="0">
                 <a:solidFill>
                   <a:srgbClr val="7030A0"/>
                 </a:solidFill>
@@ -19480,7 +19480,7 @@
               </a:rPr>
             </a:br>
             <a:r>
-              <a:rPr lang="en-US" sz="1050" dirty="0" err="1" smtClean="0">
+              <a:rPr lang="en-US" sz="1050" dirty="0" smtClean="0">
                 <a:solidFill>
                   <a:srgbClr val="7030A0"/>
                 </a:solidFill>
@@ -19648,7 +19648,7 @@
               </a:rPr>
             </a:br>
             <a:r>
-              <a:rPr lang="en-US" sz="1050" dirty="0" err="1" smtClean="0">
+              <a:rPr lang="en-US" sz="1050" dirty="0" smtClean="0">
                 <a:solidFill>
                   <a:srgbClr val="7030A0"/>
                 </a:solidFill>
@@ -20084,7 +20084,7 @@
           <p:cNvPr id="121" name="Rectangle 8">
             <a:extLst>
               <a:ext uri="{FF2B5EF4-FFF2-40B4-BE49-F238E27FC236}">
-                <a16:creationId xmlns="" xmlns:a16="http://schemas.microsoft.com/office/drawing/2014/main" id="{ABDCDBD2-131A-4B66-A2F2-43BBEE82C773}"/>
+                <a16:creationId xmlns:a16="http://schemas.microsoft.com/office/drawing/2014/main" xmlns="" id="{ABDCDBD2-131A-4B66-A2F2-43BBEE82C773}"/>
               </a:ext>
             </a:extLst>
           </p:cNvPr>
@@ -20146,7 +20146,7 @@
           <p:cNvPr id="123" name="Elbow Connector 78">
             <a:extLst>
               <a:ext uri="{FF2B5EF4-FFF2-40B4-BE49-F238E27FC236}">
-                <a16:creationId xmlns="" xmlns:a16="http://schemas.microsoft.com/office/drawing/2014/main" id="{B97967F8-618A-448B-81FD-CDFD4AF0EC64}"/>
+                <a16:creationId xmlns:a16="http://schemas.microsoft.com/office/drawing/2014/main" xmlns="" id="{B97967F8-618A-448B-81FD-CDFD4AF0EC64}"/>
               </a:ext>
             </a:extLst>
           </p:cNvPr>
@@ -20599,7 +20599,7 @@
           <p:cNvPr id="134" name="Elbow Connector 78">
             <a:extLst>
               <a:ext uri="{FF2B5EF4-FFF2-40B4-BE49-F238E27FC236}">
-                <a16:creationId xmlns="" xmlns:a16="http://schemas.microsoft.com/office/drawing/2014/main" id="{B97967F8-618A-448B-81FD-CDFD4AF0EC64}"/>
+                <a16:creationId xmlns:a16="http://schemas.microsoft.com/office/drawing/2014/main" xmlns="" id="{B97967F8-618A-448B-81FD-CDFD4AF0EC64}"/>
               </a:ext>
             </a:extLst>
           </p:cNvPr>
@@ -21247,7 +21247,7 @@
           <p:cNvPr id="148" name="Rectangle 8">
             <a:extLst>
               <a:ext uri="{FF2B5EF4-FFF2-40B4-BE49-F238E27FC236}">
-                <a16:creationId xmlns="" xmlns:a16="http://schemas.microsoft.com/office/drawing/2014/main" id="{ABDCDBD2-131A-4B66-A2F2-43BBEE82C773}"/>
+                <a16:creationId xmlns:a16="http://schemas.microsoft.com/office/drawing/2014/main" xmlns="" id="{ABDCDBD2-131A-4B66-A2F2-43BBEE82C773}"/>
               </a:ext>
             </a:extLst>
           </p:cNvPr>
@@ -21309,7 +21309,7 @@
           <p:cNvPr id="149" name="Elbow Connector 78">
             <a:extLst>
               <a:ext uri="{FF2B5EF4-FFF2-40B4-BE49-F238E27FC236}">
-                <a16:creationId xmlns="" xmlns:a16="http://schemas.microsoft.com/office/drawing/2014/main" id="{B97967F8-618A-448B-81FD-CDFD4AF0EC64}"/>
+                <a16:creationId xmlns:a16="http://schemas.microsoft.com/office/drawing/2014/main" xmlns="" id="{B97967F8-618A-448B-81FD-CDFD4AF0EC64}"/>
               </a:ext>
             </a:extLst>
           </p:cNvPr>
@@ -21359,7 +21359,7 @@
           <p:cNvPr id="151" name="Elbow Connector 78">
             <a:extLst>
               <a:ext uri="{FF2B5EF4-FFF2-40B4-BE49-F238E27FC236}">
-                <a16:creationId xmlns="" xmlns:a16="http://schemas.microsoft.com/office/drawing/2014/main" id="{B97967F8-618A-448B-81FD-CDFD4AF0EC64}"/>
+                <a16:creationId xmlns:a16="http://schemas.microsoft.com/office/drawing/2014/main" xmlns="" id="{B97967F8-618A-448B-81FD-CDFD4AF0EC64}"/>
               </a:ext>
             </a:extLst>
           </p:cNvPr>
@@ -22009,7 +22009,7 @@
           <p:cNvPr id="167" name="Rectangle 8">
             <a:extLst>
               <a:ext uri="{FF2B5EF4-FFF2-40B4-BE49-F238E27FC236}">
-                <a16:creationId xmlns="" xmlns:a16="http://schemas.microsoft.com/office/drawing/2014/main" id="{ABDCDBD2-131A-4B66-A2F2-43BBEE82C773}"/>
+                <a16:creationId xmlns:a16="http://schemas.microsoft.com/office/drawing/2014/main" xmlns="" id="{ABDCDBD2-131A-4B66-A2F2-43BBEE82C773}"/>
               </a:ext>
             </a:extLst>
           </p:cNvPr>
@@ -22071,7 +22071,7 @@
           <p:cNvPr id="168" name="Elbow Connector 78">
             <a:extLst>
               <a:ext uri="{FF2B5EF4-FFF2-40B4-BE49-F238E27FC236}">
-                <a16:creationId xmlns="" xmlns:a16="http://schemas.microsoft.com/office/drawing/2014/main" id="{B97967F8-618A-448B-81FD-CDFD4AF0EC64}"/>
+                <a16:creationId xmlns:a16="http://schemas.microsoft.com/office/drawing/2014/main" xmlns="" id="{B97967F8-618A-448B-81FD-CDFD4AF0EC64}"/>
               </a:ext>
             </a:extLst>
           </p:cNvPr>
@@ -22155,7 +22155,7 @@
         <p:spPr>
           <a:xfrm>
             <a:off x="381000" y="956310"/>
-            <a:ext cx="10688030" cy="5505762"/>
+            <a:ext cx="10744200" cy="5596890"/>
           </a:xfrm>
           <a:prstGeom prst="roundRect">
             <a:avLst>
@@ -22248,7 +22248,7 @@
           <a:p>
             <a:pPr algn="ctr"/>
             <a:r>
-              <a:rPr lang="en-US" sz="1050" dirty="0" err="1">
+              <a:rPr lang="en-US" sz="1050" dirty="0">
                 <a:solidFill>
                   <a:srgbClr val="7030A0"/>
                 </a:solidFill>
@@ -23002,23 +23002,15 @@
               </a:rPr>
               <a:t>&lt;&lt;interface&gt;&gt;</a:t>
             </a:r>
-            <a:r>
-              <a:rPr lang="en-US" sz="1050">
+            <a:br>
+              <a:rPr lang="en-US" sz="1050" dirty="0">
                 <a:solidFill>
                   <a:srgbClr val="7030A0"/>
                 </a:solidFill>
               </a:rPr>
-              <a:t/>
-            </a:r>
-            <a:br>
-              <a:rPr lang="en-US" sz="1050">
-                <a:solidFill>
-                  <a:srgbClr val="7030A0"/>
-                </a:solidFill>
-              </a:rPr>
             </a:br>
             <a:r>
-              <a:rPr lang="en-US" sz="1050" dirty="0" err="1">
+              <a:rPr lang="en-US" sz="1050" dirty="0">
                 <a:solidFill>
                   <a:srgbClr val="7030A0"/>
                 </a:solidFill>
@@ -23309,7 +23301,7 @@
           <p:cNvPr id="57" name="Rectangle 8">
             <a:extLst>
               <a:ext uri="{FF2B5EF4-FFF2-40B4-BE49-F238E27FC236}">
-                <a16:creationId xmlns="" xmlns:a16="http://schemas.microsoft.com/office/drawing/2014/main" id="{6A42DA50-9012-4391-9EF3-285E4FA3FCD8}"/>
+                <a16:creationId xmlns:a16="http://schemas.microsoft.com/office/drawing/2014/main" xmlns="" id="{6A42DA50-9012-4391-9EF3-285E4FA3FCD8}"/>
               </a:ext>
             </a:extLst>
           </p:cNvPr>
@@ -23362,7 +23354,7 @@
           <a:p>
             <a:pPr algn="ctr"/>
             <a:r>
-              <a:rPr lang="en-US" sz="1050" dirty="0" err="1">
+              <a:rPr lang="en-US" sz="1050" dirty="0">
                 <a:solidFill>
                   <a:srgbClr val="7030A0"/>
                 </a:solidFill>
@@ -23382,7 +23374,7 @@
           <p:cNvPr id="59" name="Isosceles Triangle 102">
             <a:extLst>
               <a:ext uri="{FF2B5EF4-FFF2-40B4-BE49-F238E27FC236}">
-                <a16:creationId xmlns="" xmlns:a16="http://schemas.microsoft.com/office/drawing/2014/main" id="{B263B2D7-6E76-465E-B40E-7E2A46254A84}"/>
+                <a16:creationId xmlns:a16="http://schemas.microsoft.com/office/drawing/2014/main" xmlns="" id="{B263B2D7-6E76-465E-B40E-7E2A46254A84}"/>
               </a:ext>
             </a:extLst>
           </p:cNvPr>
@@ -23440,7 +23432,7 @@
           <p:cNvPr id="67" name="Elbow Connector 63">
             <a:extLst>
               <a:ext uri="{FF2B5EF4-FFF2-40B4-BE49-F238E27FC236}">
-                <a16:creationId xmlns="" xmlns:a16="http://schemas.microsoft.com/office/drawing/2014/main" id="{BA3A25CD-7C1D-4B3B-B294-1B05ABCFECFD}"/>
+                <a16:creationId xmlns:a16="http://schemas.microsoft.com/office/drawing/2014/main" xmlns="" id="{BA3A25CD-7C1D-4B3B-B294-1B05ABCFECFD}"/>
               </a:ext>
             </a:extLst>
           </p:cNvPr>
@@ -23991,7 +23983,7 @@
               </a:rPr>
             </a:br>
             <a:r>
-              <a:rPr lang="en-US" sz="1050" dirty="0" err="1" smtClean="0">
+              <a:rPr lang="en-US" sz="1050" dirty="0" smtClean="0">
                 <a:solidFill>
                   <a:srgbClr val="7030A0"/>
                 </a:solidFill>
@@ -24062,7 +24054,7 @@
               </a:rPr>
             </a:br>
             <a:r>
-              <a:rPr lang="en-US" sz="1050" dirty="0" err="1" smtClean="0">
+              <a:rPr lang="en-US" sz="1050" dirty="0" smtClean="0">
                 <a:solidFill>
                   <a:srgbClr val="7030A0"/>
                 </a:solidFill>
@@ -24468,7 +24460,7 @@
               </a:rPr>
             </a:br>
             <a:r>
-              <a:rPr lang="en-US" sz="1050" dirty="0" err="1" smtClean="0">
+              <a:rPr lang="en-US" sz="1050" dirty="0" smtClean="0">
                 <a:solidFill>
                   <a:srgbClr val="7030A0"/>
                 </a:solidFill>
@@ -24636,7 +24628,7 @@
               </a:rPr>
             </a:br>
             <a:r>
-              <a:rPr lang="en-US" sz="1050" dirty="0" err="1" smtClean="0">
+              <a:rPr lang="en-US" sz="1050" dirty="0" smtClean="0">
                 <a:solidFill>
                   <a:srgbClr val="7030A0"/>
                 </a:solidFill>
@@ -25072,7 +25064,7 @@
           <p:cNvPr id="121" name="Rectangle 8">
             <a:extLst>
               <a:ext uri="{FF2B5EF4-FFF2-40B4-BE49-F238E27FC236}">
-                <a16:creationId xmlns="" xmlns:a16="http://schemas.microsoft.com/office/drawing/2014/main" id="{ABDCDBD2-131A-4B66-A2F2-43BBEE82C773}"/>
+                <a16:creationId xmlns:a16="http://schemas.microsoft.com/office/drawing/2014/main" xmlns="" id="{ABDCDBD2-131A-4B66-A2F2-43BBEE82C773}"/>
               </a:ext>
             </a:extLst>
           </p:cNvPr>
@@ -25134,7 +25126,7 @@
           <p:cNvPr id="123" name="Elbow Connector 78">
             <a:extLst>
               <a:ext uri="{FF2B5EF4-FFF2-40B4-BE49-F238E27FC236}">
-                <a16:creationId xmlns="" xmlns:a16="http://schemas.microsoft.com/office/drawing/2014/main" id="{B97967F8-618A-448B-81FD-CDFD4AF0EC64}"/>
+                <a16:creationId xmlns:a16="http://schemas.microsoft.com/office/drawing/2014/main" xmlns="" id="{B97967F8-618A-448B-81FD-CDFD4AF0EC64}"/>
               </a:ext>
             </a:extLst>
           </p:cNvPr>
@@ -25587,7 +25579,7 @@
           <p:cNvPr id="134" name="Elbow Connector 78">
             <a:extLst>
               <a:ext uri="{FF2B5EF4-FFF2-40B4-BE49-F238E27FC236}">
-                <a16:creationId xmlns="" xmlns:a16="http://schemas.microsoft.com/office/drawing/2014/main" id="{B97967F8-618A-448B-81FD-CDFD4AF0EC64}"/>
+                <a16:creationId xmlns:a16="http://schemas.microsoft.com/office/drawing/2014/main" xmlns="" id="{B97967F8-618A-448B-81FD-CDFD4AF0EC64}"/>
               </a:ext>
             </a:extLst>
           </p:cNvPr>
@@ -26235,7 +26227,7 @@
           <p:cNvPr id="148" name="Rectangle 8">
             <a:extLst>
               <a:ext uri="{FF2B5EF4-FFF2-40B4-BE49-F238E27FC236}">
-                <a16:creationId xmlns="" xmlns:a16="http://schemas.microsoft.com/office/drawing/2014/main" id="{ABDCDBD2-131A-4B66-A2F2-43BBEE82C773}"/>
+                <a16:creationId xmlns:a16="http://schemas.microsoft.com/office/drawing/2014/main" xmlns="" id="{ABDCDBD2-131A-4B66-A2F2-43BBEE82C773}"/>
               </a:ext>
             </a:extLst>
           </p:cNvPr>
@@ -26297,7 +26289,7 @@
           <p:cNvPr id="149" name="Elbow Connector 78">
             <a:extLst>
               <a:ext uri="{FF2B5EF4-FFF2-40B4-BE49-F238E27FC236}">
-                <a16:creationId xmlns="" xmlns:a16="http://schemas.microsoft.com/office/drawing/2014/main" id="{B97967F8-618A-448B-81FD-CDFD4AF0EC64}"/>
+                <a16:creationId xmlns:a16="http://schemas.microsoft.com/office/drawing/2014/main" xmlns="" id="{B97967F8-618A-448B-81FD-CDFD4AF0EC64}"/>
               </a:ext>
             </a:extLst>
           </p:cNvPr>
@@ -26347,7 +26339,7 @@
           <p:cNvPr id="151" name="Elbow Connector 78">
             <a:extLst>
               <a:ext uri="{FF2B5EF4-FFF2-40B4-BE49-F238E27FC236}">
-                <a16:creationId xmlns="" xmlns:a16="http://schemas.microsoft.com/office/drawing/2014/main" id="{B97967F8-618A-448B-81FD-CDFD4AF0EC64}"/>
+                <a16:creationId xmlns:a16="http://schemas.microsoft.com/office/drawing/2014/main" xmlns="" id="{B97967F8-618A-448B-81FD-CDFD4AF0EC64}"/>
               </a:ext>
             </a:extLst>
           </p:cNvPr>
@@ -26578,8 +26570,8 @@
         </p:nvSpPr>
         <p:spPr>
           <a:xfrm>
-            <a:off x="7051898" y="3945839"/>
-            <a:ext cx="976597" cy="370537"/>
+            <a:off x="7051898" y="3926583"/>
+            <a:ext cx="892092" cy="370537"/>
           </a:xfrm>
           <a:prstGeom prst="rect">
             <a:avLst/>
@@ -26616,7 +26608,7 @@
                   <a:srgbClr val="7030A0"/>
                 </a:solidFill>
               </a:rPr>
-              <a:t>DailyRevenue</a:t>
+              <a:t>Revenue</a:t>
             </a:r>
             <a:endParaRPr lang="en-SG" sz="1050" dirty="0">
               <a:solidFill>
@@ -26756,7 +26748,7 @@
         </p:nvSpPr>
         <p:spPr>
           <a:xfrm>
-            <a:off x="7138598" y="4892954"/>
+            <a:off x="8267278" y="5542644"/>
             <a:ext cx="708186" cy="285783"/>
           </a:xfrm>
           <a:prstGeom prst="rect">
@@ -26812,7 +26804,7 @@
         </p:nvSpPr>
         <p:spPr>
           <a:xfrm rot="5400000">
-            <a:off x="7365238" y="4339484"/>
+            <a:off x="7610385" y="4339484"/>
             <a:ext cx="236048" cy="173380"/>
           </a:xfrm>
           <a:prstGeom prst="flowChartDecision">
@@ -26857,19 +26849,17 @@
           <p:cNvCxnSpPr>
             <a:cxnSpLocks/>
             <a:stCxn id="163" idx="3"/>
-            <a:endCxn id="165" idx="0"/>
+            <a:endCxn id="165" idx="1"/>
           </p:cNvCxnSpPr>
           <p:nvPr/>
         </p:nvCxnSpPr>
         <p:spPr>
-          <a:xfrm rot="5400000">
-            <a:off x="6903584" y="4318484"/>
-            <a:ext cx="353964" cy="805392"/>
-          </a:xfrm>
-          <a:prstGeom prst="bentConnector3">
-            <a:avLst>
-              <a:gd name="adj1" fmla="val 50000"/>
-            </a:avLst>
+          <a:xfrm rot="16200000" flipH="1">
+            <a:off x="7676026" y="4596581"/>
+            <a:ext cx="645901" cy="541134"/>
+          </a:xfrm>
+          <a:prstGeom prst="bentConnector2">
+            <a:avLst/>
           </a:prstGeom>
           <a:ln w="19050">
             <a:solidFill>
@@ -26903,7 +26893,7 @@
         </p:nvSpPr>
         <p:spPr>
           <a:xfrm>
-            <a:off x="6323777" y="4898162"/>
+            <a:off x="8269543" y="5047207"/>
             <a:ext cx="708186" cy="285783"/>
           </a:xfrm>
           <a:prstGeom prst="rect">
@@ -26956,16 +26946,16 @@
           <p:cNvPr id="166" name="Elbow Connector 165"/>
           <p:cNvCxnSpPr>
             <a:stCxn id="163" idx="3"/>
-            <a:endCxn id="162" idx="0"/>
+            <a:endCxn id="162" idx="1"/>
           </p:cNvCxnSpPr>
           <p:nvPr/>
         </p:nvCxnSpPr>
         <p:spPr>
           <a:xfrm rot="16200000" flipH="1">
-            <a:off x="7313598" y="4713861"/>
-            <a:ext cx="348756" cy="9429"/>
-          </a:xfrm>
-          <a:prstGeom prst="bentConnector3">
+            <a:off x="7427174" y="4845432"/>
+            <a:ext cx="1141338" cy="538869"/>
+          </a:xfrm>
+          <a:prstGeom prst="bentConnector2">
             <a:avLst/>
           </a:prstGeom>
           <a:ln w="19050">
@@ -26997,7 +26987,7 @@
           <p:cNvPr id="167" name="Rectangle 8">
             <a:extLst>
               <a:ext uri="{FF2B5EF4-FFF2-40B4-BE49-F238E27FC236}">
-                <a16:creationId xmlns="" xmlns:a16="http://schemas.microsoft.com/office/drawing/2014/main" id="{ABDCDBD2-131A-4B66-A2F2-43BBEE82C773}"/>
+                <a16:creationId xmlns:a16="http://schemas.microsoft.com/office/drawing/2014/main" xmlns="" id="{ABDCDBD2-131A-4B66-A2F2-43BBEE82C773}"/>
               </a:ext>
             </a:extLst>
           </p:cNvPr>
@@ -27006,7 +26996,7 @@
         </p:nvSpPr>
         <p:spPr>
           <a:xfrm>
-            <a:off x="7962067" y="4890934"/>
+            <a:off x="8267278" y="6083803"/>
             <a:ext cx="708186" cy="285783"/>
           </a:xfrm>
           <a:prstGeom prst="rect">
@@ -27059,26 +27049,24 @@
           <p:cNvPr id="168" name="Elbow Connector 78">
             <a:extLst>
               <a:ext uri="{FF2B5EF4-FFF2-40B4-BE49-F238E27FC236}">
-                <a16:creationId xmlns="" xmlns:a16="http://schemas.microsoft.com/office/drawing/2014/main" id="{B97967F8-618A-448B-81FD-CDFD4AF0EC64}"/>
+                <a16:creationId xmlns:a16="http://schemas.microsoft.com/office/drawing/2014/main" xmlns="" id="{B97967F8-618A-448B-81FD-CDFD4AF0EC64}"/>
               </a:ext>
             </a:extLst>
           </p:cNvPr>
           <p:cNvCxnSpPr>
             <a:cxnSpLocks/>
             <a:stCxn id="163" idx="3"/>
-            <a:endCxn id="167" idx="0"/>
+            <a:endCxn id="167" idx="1"/>
           </p:cNvCxnSpPr>
           <p:nvPr/>
         </p:nvCxnSpPr>
         <p:spPr>
           <a:xfrm rot="16200000" flipH="1">
-            <a:off x="7726343" y="4301117"/>
-            <a:ext cx="346736" cy="832898"/>
-          </a:xfrm>
-          <a:prstGeom prst="bentConnector3">
-            <a:avLst>
-              <a:gd name="adj1" fmla="val 50000"/>
-            </a:avLst>
+            <a:off x="7156595" y="5116011"/>
+            <a:ext cx="1682497" cy="538869"/>
+          </a:xfrm>
+          <a:prstGeom prst="bentConnector2">
+            <a:avLst/>
           </a:prstGeom>
           <a:ln w="19050">
             <a:solidFill>
@@ -27148,7 +27136,7 @@
           <p:cNvPr id="114" name="Elbow Connector 78">
             <a:extLst>
               <a:ext uri="{FF2B5EF4-FFF2-40B4-BE49-F238E27FC236}">
-                <a16:creationId xmlns="" xmlns:a16="http://schemas.microsoft.com/office/drawing/2014/main" id="{B97967F8-618A-448B-81FD-CDFD4AF0EC64}"/>
+                <a16:creationId xmlns:a16="http://schemas.microsoft.com/office/drawing/2014/main" xmlns="" id="{B97967F8-618A-448B-81FD-CDFD4AF0EC64}"/>
               </a:ext>
             </a:extLst>
           </p:cNvPr>
@@ -27194,7 +27182,7 @@
           <p:cNvPr id="150" name="Elbow Connector 78">
             <a:extLst>
               <a:ext uri="{FF2B5EF4-FFF2-40B4-BE49-F238E27FC236}">
-                <a16:creationId xmlns="" xmlns:a16="http://schemas.microsoft.com/office/drawing/2014/main" id="{B97967F8-618A-448B-81FD-CDFD4AF0EC64}"/>
+                <a16:creationId xmlns:a16="http://schemas.microsoft.com/office/drawing/2014/main" xmlns="" id="{B97967F8-618A-448B-81FD-CDFD4AF0EC64}"/>
               </a:ext>
             </a:extLst>
           </p:cNvPr>
@@ -27242,7 +27230,7 @@
           <p:cNvPr id="152" name="Elbow Connector 78">
             <a:extLst>
               <a:ext uri="{FF2B5EF4-FFF2-40B4-BE49-F238E27FC236}">
-                <a16:creationId xmlns="" xmlns:a16="http://schemas.microsoft.com/office/drawing/2014/main" id="{B97967F8-618A-448B-81FD-CDFD4AF0EC64}"/>
+                <a16:creationId xmlns:a16="http://schemas.microsoft.com/office/drawing/2014/main" xmlns="" id="{B97967F8-618A-448B-81FD-CDFD4AF0EC64}"/>
               </a:ext>
             </a:extLst>
           </p:cNvPr>
@@ -27290,7 +27278,7 @@
           <p:cNvPr id="153" name="Elbow Connector 78">
             <a:extLst>
               <a:ext uri="{FF2B5EF4-FFF2-40B4-BE49-F238E27FC236}">
-                <a16:creationId xmlns="" xmlns:a16="http://schemas.microsoft.com/office/drawing/2014/main" id="{B97967F8-618A-448B-81FD-CDFD4AF0EC64}"/>
+                <a16:creationId xmlns:a16="http://schemas.microsoft.com/office/drawing/2014/main" xmlns="" id="{B97967F8-618A-448B-81FD-CDFD4AF0EC64}"/>
               </a:ext>
             </a:extLst>
           </p:cNvPr>
@@ -27338,7 +27326,7 @@
           <p:cNvPr id="169" name="Rectangle 8">
             <a:extLst>
               <a:ext uri="{FF2B5EF4-FFF2-40B4-BE49-F238E27FC236}">
-                <a16:creationId xmlns="" xmlns:a16="http://schemas.microsoft.com/office/drawing/2014/main" id="{ABDCDBD2-131A-4B66-A2F2-43BBEE82C773}"/>
+                <a16:creationId xmlns:a16="http://schemas.microsoft.com/office/drawing/2014/main" xmlns="" id="{ABDCDBD2-131A-4B66-A2F2-43BBEE82C773}"/>
               </a:ext>
             </a:extLst>
           </p:cNvPr>
@@ -27347,7 +27335,7 @@
         </p:nvSpPr>
         <p:spPr>
           <a:xfrm>
-            <a:off x="8945577" y="4649821"/>
+            <a:off x="9405674" y="4629972"/>
             <a:ext cx="708186" cy="285783"/>
           </a:xfrm>
           <a:prstGeom prst="rect">
@@ -27395,47 +27383,6 @@
           </a:p>
         </p:txBody>
       </p:sp>
-      <p:cxnSp>
-        <p:nvCxnSpPr>
-          <p:cNvPr id="10" name="Elbow Connector 9"/>
-          <p:cNvCxnSpPr>
-            <a:stCxn id="169" idx="1"/>
-          </p:cNvCxnSpPr>
-          <p:nvPr/>
-        </p:nvCxnSpPr>
-        <p:spPr>
-          <a:xfrm rot="10800000">
-            <a:off x="7492691" y="4611709"/>
-            <a:ext cx="1452886" cy="181004"/>
-          </a:xfrm>
-          <a:prstGeom prst="bentConnector3">
-            <a:avLst>
-              <a:gd name="adj1" fmla="val 25025"/>
-            </a:avLst>
-          </a:prstGeom>
-          <a:ln w="19050">
-            <a:solidFill>
-              <a:srgbClr val="7030A0"/>
-            </a:solidFill>
-            <a:headEnd type="none" w="med" len="med"/>
-            <a:tailEnd type="none" w="med" len="med"/>
-          </a:ln>
-        </p:spPr>
-        <p:style>
-          <a:lnRef idx="1">
-            <a:schemeClr val="accent1"/>
-          </a:lnRef>
-          <a:fillRef idx="0">
-            <a:schemeClr val="accent1"/>
-          </a:fillRef>
-          <a:effectRef idx="0">
-            <a:schemeClr val="accent1"/>
-          </a:effectRef>
-          <a:fontRef idx="minor">
-            <a:schemeClr val="tx1"/>
-          </a:fontRef>
-        </p:style>
-      </p:cxnSp>
       <p:sp>
         <p:nvSpPr>
           <p:cNvPr id="170" name="Flowchart: Decision 96"/>
@@ -27443,8 +27390,8 @@
           <p:nvPr/>
         </p:nvSpPr>
         <p:spPr>
-          <a:xfrm rot="10800000">
-            <a:off x="8689891" y="4702211"/>
+          <a:xfrm rot="16200000">
+            <a:off x="9641743" y="4959374"/>
             <a:ext cx="236048" cy="173380"/>
           </a:xfrm>
           <a:prstGeom prst="flowChartDecision">
@@ -27495,11 +27442,11 @@
         <p:spPr>
           <a:xfrm flipH="1" flipV="1">
             <a:off x="9601200" y="2246047"/>
-            <a:ext cx="308249" cy="2553726"/>
+            <a:ext cx="768346" cy="2533877"/>
           </a:xfrm>
           <a:prstGeom prst="bentConnector3">
             <a:avLst>
-              <a:gd name="adj1" fmla="val -283746"/>
+              <a:gd name="adj1" fmla="val -53036"/>
             </a:avLst>
           </a:prstGeom>
           <a:ln w="19050">
@@ -27532,7 +27479,7 @@
         </p:nvSpPr>
         <p:spPr>
           <a:xfrm rot="10800000">
-            <a:off x="9673401" y="4713083"/>
+            <a:off x="10133498" y="4693234"/>
             <a:ext cx="236048" cy="173380"/>
           </a:xfrm>
           <a:prstGeom prst="flowChartDecision">
@@ -27678,6 +27625,1660 @@
           </a:fontRef>
         </p:style>
       </p:cxnSp>
+      <p:sp>
+        <p:nvSpPr>
+          <p:cNvPr id="174" name="Rectangle 8">
+            <a:extLst>
+              <a:ext uri="{FF2B5EF4-FFF2-40B4-BE49-F238E27FC236}">
+                <a16:creationId xmlns:a16="http://schemas.microsoft.com/office/drawing/2014/main" xmlns="" id="{ABDCDBD2-131A-4B66-A2F2-43BBEE82C773}"/>
+              </a:ext>
+            </a:extLst>
+          </p:cNvPr>
+          <p:cNvSpPr/>
+          <p:nvPr/>
+        </p:nvSpPr>
+        <p:spPr>
+          <a:xfrm>
+            <a:off x="10235579" y="5647984"/>
+            <a:ext cx="708186" cy="285783"/>
+          </a:xfrm>
+          <a:prstGeom prst="rect">
+            <a:avLst/>
+          </a:prstGeom>
+          <a:ln w="19050">
+            <a:solidFill>
+              <a:srgbClr val="7030A0"/>
+            </a:solidFill>
+          </a:ln>
+          <a:effectLst/>
+        </p:spPr>
+        <p:style>
+          <a:lnRef idx="1">
+            <a:schemeClr val="accent4"/>
+          </a:lnRef>
+          <a:fillRef idx="2">
+            <a:schemeClr val="accent4"/>
+          </a:fillRef>
+          <a:effectRef idx="1">
+            <a:schemeClr val="accent4"/>
+          </a:effectRef>
+          <a:fontRef idx="minor">
+            <a:schemeClr val="dk1"/>
+          </a:fontRef>
+        </p:style>
+        <p:txBody>
+          <a:bodyPr rtlCol="0" anchor="ctr"/>
+          <a:lstStyle/>
+          <a:p>
+            <a:pPr algn="ctr"/>
+            <a:r>
+              <a:rPr lang="en-US" sz="1050" dirty="0" smtClean="0">
+                <a:solidFill>
+                  <a:srgbClr val="7030A0"/>
+                </a:solidFill>
+              </a:rPr>
+              <a:t>Date</a:t>
+            </a:r>
+            <a:endParaRPr lang="en-SG" sz="1050" dirty="0">
+              <a:solidFill>
+                <a:srgbClr val="7030A0"/>
+              </a:solidFill>
+            </a:endParaRPr>
+          </a:p>
+        </p:txBody>
+      </p:sp>
+      <p:sp>
+        <p:nvSpPr>
+          <p:cNvPr id="176" name="Flowchart: Decision 96"/>
+          <p:cNvSpPr/>
+          <p:nvPr/>
+        </p:nvSpPr>
+        <p:spPr>
+          <a:xfrm>
+            <a:off x="9973924" y="5704186"/>
+            <a:ext cx="236048" cy="173380"/>
+          </a:xfrm>
+          <a:prstGeom prst="flowChartDecision">
+            <a:avLst/>
+          </a:prstGeom>
+          <a:solidFill>
+            <a:srgbClr val="7030A0"/>
+          </a:solidFill>
+          <a:ln w="19050">
+            <a:solidFill>
+              <a:srgbClr val="7030A0"/>
+            </a:solidFill>
+          </a:ln>
+          <a:effectLst/>
+        </p:spPr>
+        <p:style>
+          <a:lnRef idx="1">
+            <a:schemeClr val="accent6"/>
+          </a:lnRef>
+          <a:fillRef idx="2">
+            <a:schemeClr val="accent6"/>
+          </a:fillRef>
+          <a:effectRef idx="1">
+            <a:schemeClr val="accent6"/>
+          </a:effectRef>
+          <a:fontRef idx="minor">
+            <a:schemeClr val="dk1"/>
+          </a:fontRef>
+        </p:style>
+        <p:txBody>
+          <a:bodyPr rtlCol="0" anchor="ctr"/>
+          <a:lstStyle/>
+          <a:p>
+            <a:pPr algn="ctr"/>
+            <a:endParaRPr lang="en-US" sz="1050"/>
+          </a:p>
+        </p:txBody>
+      </p:sp>
+      <p:cxnSp>
+        <p:nvCxnSpPr>
+          <p:cNvPr id="178" name="Elbow Connector 78">
+            <a:extLst>
+              <a:ext uri="{FF2B5EF4-FFF2-40B4-BE49-F238E27FC236}">
+                <a16:creationId xmlns:a16="http://schemas.microsoft.com/office/drawing/2014/main" xmlns="" id="{B97967F8-618A-448B-81FD-CDFD4AF0EC64}"/>
+              </a:ext>
+            </a:extLst>
+          </p:cNvPr>
+          <p:cNvCxnSpPr>
+            <a:cxnSpLocks/>
+            <a:stCxn id="170" idx="1"/>
+            <a:endCxn id="167" idx="3"/>
+          </p:cNvCxnSpPr>
+          <p:nvPr/>
+        </p:nvCxnSpPr>
+        <p:spPr>
+          <a:xfrm rot="5400000">
+            <a:off x="8836313" y="5303240"/>
+            <a:ext cx="1062607" cy="784303"/>
+          </a:xfrm>
+          <a:prstGeom prst="bentConnector2">
+            <a:avLst/>
+          </a:prstGeom>
+          <a:ln w="19050">
+            <a:solidFill>
+              <a:srgbClr val="7030A0"/>
+            </a:solidFill>
+            <a:headEnd type="none" w="med" len="med"/>
+            <a:tailEnd type="arrow" w="med" len="med"/>
+          </a:ln>
+          <a:effectLst/>
+        </p:spPr>
+        <p:style>
+          <a:lnRef idx="1">
+            <a:schemeClr val="accent2"/>
+          </a:lnRef>
+          <a:fillRef idx="2">
+            <a:schemeClr val="accent2"/>
+          </a:fillRef>
+          <a:effectRef idx="1">
+            <a:schemeClr val="accent2"/>
+          </a:effectRef>
+          <a:fontRef idx="minor">
+            <a:schemeClr val="dk1"/>
+          </a:fontRef>
+        </p:style>
+      </p:cxnSp>
+      <p:cxnSp>
+        <p:nvCxnSpPr>
+          <p:cNvPr id="179" name="Elbow Connector 78">
+            <a:extLst>
+              <a:ext uri="{FF2B5EF4-FFF2-40B4-BE49-F238E27FC236}">
+                <a16:creationId xmlns:a16="http://schemas.microsoft.com/office/drawing/2014/main" xmlns="" id="{B97967F8-618A-448B-81FD-CDFD4AF0EC64}"/>
+              </a:ext>
+            </a:extLst>
+          </p:cNvPr>
+          <p:cNvCxnSpPr>
+            <a:cxnSpLocks/>
+            <a:stCxn id="170" idx="1"/>
+            <a:endCxn id="162" idx="3"/>
+          </p:cNvCxnSpPr>
+          <p:nvPr/>
+        </p:nvCxnSpPr>
+        <p:spPr>
+          <a:xfrm rot="5400000">
+            <a:off x="9106892" y="5032661"/>
+            <a:ext cx="521448" cy="784303"/>
+          </a:xfrm>
+          <a:prstGeom prst="bentConnector2">
+            <a:avLst/>
+          </a:prstGeom>
+          <a:ln w="19050">
+            <a:solidFill>
+              <a:srgbClr val="7030A0"/>
+            </a:solidFill>
+            <a:headEnd type="none" w="med" len="med"/>
+            <a:tailEnd type="arrow" w="med" len="med"/>
+          </a:ln>
+          <a:effectLst/>
+        </p:spPr>
+        <p:style>
+          <a:lnRef idx="1">
+            <a:schemeClr val="accent2"/>
+          </a:lnRef>
+          <a:fillRef idx="2">
+            <a:schemeClr val="accent2"/>
+          </a:fillRef>
+          <a:effectRef idx="1">
+            <a:schemeClr val="accent2"/>
+          </a:effectRef>
+          <a:fontRef idx="minor">
+            <a:schemeClr val="dk1"/>
+          </a:fontRef>
+        </p:style>
+      </p:cxnSp>
+      <p:cxnSp>
+        <p:nvCxnSpPr>
+          <p:cNvPr id="180" name="Elbow Connector 78">
+            <a:extLst>
+              <a:ext uri="{FF2B5EF4-FFF2-40B4-BE49-F238E27FC236}">
+                <a16:creationId xmlns:a16="http://schemas.microsoft.com/office/drawing/2014/main" xmlns="" id="{B97967F8-618A-448B-81FD-CDFD4AF0EC64}"/>
+              </a:ext>
+            </a:extLst>
+          </p:cNvPr>
+          <p:cNvCxnSpPr>
+            <a:cxnSpLocks/>
+            <a:stCxn id="170" idx="1"/>
+            <a:endCxn id="165" idx="3"/>
+          </p:cNvCxnSpPr>
+          <p:nvPr/>
+        </p:nvCxnSpPr>
+        <p:spPr>
+          <a:xfrm rot="5400000">
+            <a:off x="9355743" y="4786074"/>
+            <a:ext cx="26011" cy="782038"/>
+          </a:xfrm>
+          <a:prstGeom prst="bentConnector2">
+            <a:avLst/>
+          </a:prstGeom>
+          <a:ln w="19050">
+            <a:solidFill>
+              <a:srgbClr val="7030A0"/>
+            </a:solidFill>
+            <a:headEnd type="none" w="med" len="med"/>
+            <a:tailEnd type="arrow" w="med" len="med"/>
+          </a:ln>
+          <a:effectLst/>
+        </p:spPr>
+        <p:style>
+          <a:lnRef idx="1">
+            <a:schemeClr val="accent2"/>
+          </a:lnRef>
+          <a:fillRef idx="2">
+            <a:schemeClr val="accent2"/>
+          </a:fillRef>
+          <a:effectRef idx="1">
+            <a:schemeClr val="accent2"/>
+          </a:effectRef>
+          <a:fontRef idx="minor">
+            <a:schemeClr val="dk1"/>
+          </a:fontRef>
+        </p:style>
+      </p:cxnSp>
+      <p:cxnSp>
+        <p:nvCxnSpPr>
+          <p:cNvPr id="182" name="Elbow Connector 181"/>
+          <p:cNvCxnSpPr>
+            <a:cxnSpLocks/>
+            <a:stCxn id="176" idx="1"/>
+          </p:cNvCxnSpPr>
+          <p:nvPr/>
+        </p:nvCxnSpPr>
+        <p:spPr>
+          <a:xfrm rot="10800000">
+            <a:off x="8994808" y="5317232"/>
+            <a:ext cx="979116" cy="473644"/>
+          </a:xfrm>
+          <a:prstGeom prst="bentConnector3">
+            <a:avLst>
+              <a:gd name="adj1" fmla="val 9615"/>
+            </a:avLst>
+          </a:prstGeom>
+          <a:ln w="19050">
+            <a:solidFill>
+              <a:srgbClr val="7030A0"/>
+            </a:solidFill>
+            <a:headEnd type="none" w="med" len="med"/>
+            <a:tailEnd type="arrow" w="med" len="med"/>
+          </a:ln>
+          <a:effectLst/>
+        </p:spPr>
+        <p:style>
+          <a:lnRef idx="1">
+            <a:schemeClr val="accent2"/>
+          </a:lnRef>
+          <a:fillRef idx="2">
+            <a:schemeClr val="accent2"/>
+          </a:fillRef>
+          <a:effectRef idx="1">
+            <a:schemeClr val="accent2"/>
+          </a:effectRef>
+          <a:fontRef idx="minor">
+            <a:schemeClr val="dk1"/>
+          </a:fontRef>
+        </p:style>
+      </p:cxnSp>
+      <p:cxnSp>
+        <p:nvCxnSpPr>
+          <p:cNvPr id="192" name="Elbow Connector 191"/>
+          <p:cNvCxnSpPr>
+            <a:cxnSpLocks/>
+            <a:stCxn id="176" idx="1"/>
+          </p:cNvCxnSpPr>
+          <p:nvPr/>
+        </p:nvCxnSpPr>
+        <p:spPr>
+          <a:xfrm rot="10800000">
+            <a:off x="8994808" y="5790876"/>
+            <a:ext cx="979117" cy="1"/>
+          </a:xfrm>
+          <a:prstGeom prst="bentConnector3">
+            <a:avLst>
+              <a:gd name="adj1" fmla="val 50000"/>
+            </a:avLst>
+          </a:prstGeom>
+          <a:ln w="19050">
+            <a:solidFill>
+              <a:srgbClr val="7030A0"/>
+            </a:solidFill>
+            <a:headEnd type="none" w="med" len="med"/>
+            <a:tailEnd type="arrow" w="med" len="med"/>
+          </a:ln>
+          <a:effectLst/>
+        </p:spPr>
+        <p:style>
+          <a:lnRef idx="1">
+            <a:schemeClr val="accent2"/>
+          </a:lnRef>
+          <a:fillRef idx="2">
+            <a:schemeClr val="accent2"/>
+          </a:fillRef>
+          <a:effectRef idx="1">
+            <a:schemeClr val="accent2"/>
+          </a:effectRef>
+          <a:fontRef idx="minor">
+            <a:schemeClr val="dk1"/>
+          </a:fontRef>
+        </p:style>
+      </p:cxnSp>
+      <p:cxnSp>
+        <p:nvCxnSpPr>
+          <p:cNvPr id="207" name="Elbow Connector 206"/>
+          <p:cNvCxnSpPr>
+            <a:cxnSpLocks/>
+            <a:stCxn id="176" idx="1"/>
+          </p:cNvCxnSpPr>
+          <p:nvPr/>
+        </p:nvCxnSpPr>
+        <p:spPr>
+          <a:xfrm rot="10800000" flipV="1">
+            <a:off x="8994808" y="5790876"/>
+            <a:ext cx="979116" cy="539470"/>
+          </a:xfrm>
+          <a:prstGeom prst="bentConnector3">
+            <a:avLst>
+              <a:gd name="adj1" fmla="val 9615"/>
+            </a:avLst>
+          </a:prstGeom>
+          <a:ln w="19050">
+            <a:solidFill>
+              <a:srgbClr val="7030A0"/>
+            </a:solidFill>
+            <a:headEnd type="none" w="med" len="med"/>
+            <a:tailEnd type="arrow" w="med" len="med"/>
+          </a:ln>
+          <a:effectLst/>
+        </p:spPr>
+        <p:style>
+          <a:lnRef idx="1">
+            <a:schemeClr val="accent2"/>
+          </a:lnRef>
+          <a:fillRef idx="2">
+            <a:schemeClr val="accent2"/>
+          </a:fillRef>
+          <a:effectRef idx="1">
+            <a:schemeClr val="accent2"/>
+          </a:effectRef>
+          <a:fontRef idx="minor">
+            <a:schemeClr val="dk1"/>
+          </a:fontRef>
+        </p:style>
+      </p:cxnSp>
+      <p:sp>
+        <p:nvSpPr>
+          <p:cNvPr id="248" name="Isosceles Triangle 102"/>
+          <p:cNvSpPr/>
+          <p:nvPr/>
+        </p:nvSpPr>
+        <p:spPr>
+          <a:xfrm rot="10800000" flipV="1">
+            <a:off x="7175180" y="4311932"/>
+            <a:ext cx="282387" cy="157062"/>
+          </a:xfrm>
+          <a:prstGeom prst="triangle">
+            <a:avLst/>
+          </a:prstGeom>
+          <a:solidFill>
+            <a:schemeClr val="accent4">
+              <a:lumMod val="20000"/>
+              <a:lumOff val="80000"/>
+            </a:schemeClr>
+          </a:solidFill>
+          <a:ln w="19050">
+            <a:solidFill>
+              <a:srgbClr val="7030A0"/>
+            </a:solidFill>
+          </a:ln>
+          <a:effectLst/>
+        </p:spPr>
+        <p:style>
+          <a:lnRef idx="1">
+            <a:schemeClr val="accent4"/>
+          </a:lnRef>
+          <a:fillRef idx="2">
+            <a:schemeClr val="accent4"/>
+          </a:fillRef>
+          <a:effectRef idx="1">
+            <a:schemeClr val="accent4"/>
+          </a:effectRef>
+          <a:fontRef idx="minor">
+            <a:schemeClr val="dk1"/>
+          </a:fontRef>
+        </p:style>
+        <p:txBody>
+          <a:bodyPr rtlCol="0" anchor="ctr"/>
+          <a:lstStyle/>
+          <a:p>
+            <a:pPr algn="ctr"/>
+            <a:endParaRPr lang="en-SG" sz="1050" b="1">
+              <a:solidFill>
+                <a:srgbClr val="92D050"/>
+              </a:solidFill>
+            </a:endParaRPr>
+          </a:p>
+        </p:txBody>
+      </p:sp>
+      <p:sp>
+        <p:nvSpPr>
+          <p:cNvPr id="249" name="Rectangle 8"/>
+          <p:cNvSpPr/>
+          <p:nvPr/>
+        </p:nvSpPr>
+        <p:spPr>
+          <a:xfrm>
+            <a:off x="5366353" y="4926301"/>
+            <a:ext cx="1350461" cy="346760"/>
+          </a:xfrm>
+          <a:prstGeom prst="rect">
+            <a:avLst/>
+          </a:prstGeom>
+          <a:ln w="19050">
+            <a:solidFill>
+              <a:srgbClr val="7030A0"/>
+            </a:solidFill>
+          </a:ln>
+          <a:effectLst/>
+        </p:spPr>
+        <p:style>
+          <a:lnRef idx="1">
+            <a:schemeClr val="accent4"/>
+          </a:lnRef>
+          <a:fillRef idx="2">
+            <a:schemeClr val="accent4"/>
+          </a:fillRef>
+          <a:effectRef idx="1">
+            <a:schemeClr val="accent4"/>
+          </a:effectRef>
+          <a:fontRef idx="minor">
+            <a:schemeClr val="dk1"/>
+          </a:fontRef>
+        </p:style>
+        <p:txBody>
+          <a:bodyPr rtlCol="0" anchor="ctr"/>
+          <a:lstStyle/>
+          <a:p>
+            <a:pPr algn="ctr"/>
+            <a:r>
+              <a:rPr lang="en-US" sz="1050" dirty="0" smtClean="0">
+                <a:solidFill>
+                  <a:srgbClr val="7030A0"/>
+                </a:solidFill>
+              </a:rPr>
+              <a:t>DailyRevenue</a:t>
+            </a:r>
+            <a:endParaRPr lang="en-SG" sz="1050" dirty="0">
+              <a:solidFill>
+                <a:srgbClr val="7030A0"/>
+              </a:solidFill>
+            </a:endParaRPr>
+          </a:p>
+        </p:txBody>
+      </p:sp>
+      <p:sp>
+        <p:nvSpPr>
+          <p:cNvPr id="251" name="Rectangle 8"/>
+          <p:cNvSpPr/>
+          <p:nvPr/>
+        </p:nvSpPr>
+        <p:spPr>
+          <a:xfrm>
+            <a:off x="5364536" y="5376233"/>
+            <a:ext cx="1350461" cy="346760"/>
+          </a:xfrm>
+          <a:prstGeom prst="rect">
+            <a:avLst/>
+          </a:prstGeom>
+          <a:ln w="19050">
+            <a:solidFill>
+              <a:srgbClr val="7030A0"/>
+            </a:solidFill>
+          </a:ln>
+          <a:effectLst/>
+        </p:spPr>
+        <p:style>
+          <a:lnRef idx="1">
+            <a:schemeClr val="accent4"/>
+          </a:lnRef>
+          <a:fillRef idx="2">
+            <a:schemeClr val="accent4"/>
+          </a:fillRef>
+          <a:effectRef idx="1">
+            <a:schemeClr val="accent4"/>
+          </a:effectRef>
+          <a:fontRef idx="minor">
+            <a:schemeClr val="dk1"/>
+          </a:fontRef>
+        </p:style>
+        <p:txBody>
+          <a:bodyPr rtlCol="0" anchor="ctr"/>
+          <a:lstStyle/>
+          <a:p>
+            <a:pPr algn="ctr"/>
+            <a:r>
+              <a:rPr lang="en-US" sz="1050" dirty="0" smtClean="0">
+                <a:solidFill>
+                  <a:srgbClr val="7030A0"/>
+                </a:solidFill>
+              </a:rPr>
+              <a:t>MonthlyRevenue</a:t>
+            </a:r>
+            <a:endParaRPr lang="en-SG" sz="1050" dirty="0">
+              <a:solidFill>
+                <a:srgbClr val="7030A0"/>
+              </a:solidFill>
+            </a:endParaRPr>
+          </a:p>
+        </p:txBody>
+      </p:sp>
+      <p:sp>
+        <p:nvSpPr>
+          <p:cNvPr id="252" name="Rectangle 8"/>
+          <p:cNvSpPr/>
+          <p:nvPr/>
+        </p:nvSpPr>
+        <p:spPr>
+          <a:xfrm>
+            <a:off x="5364535" y="5828427"/>
+            <a:ext cx="1350461" cy="346760"/>
+          </a:xfrm>
+          <a:prstGeom prst="rect">
+            <a:avLst/>
+          </a:prstGeom>
+          <a:ln w="19050">
+            <a:solidFill>
+              <a:srgbClr val="7030A0"/>
+            </a:solidFill>
+          </a:ln>
+          <a:effectLst/>
+        </p:spPr>
+        <p:style>
+          <a:lnRef idx="1">
+            <a:schemeClr val="accent4"/>
+          </a:lnRef>
+          <a:fillRef idx="2">
+            <a:schemeClr val="accent4"/>
+          </a:fillRef>
+          <a:effectRef idx="1">
+            <a:schemeClr val="accent4"/>
+          </a:effectRef>
+          <a:fontRef idx="minor">
+            <a:schemeClr val="dk1"/>
+          </a:fontRef>
+        </p:style>
+        <p:txBody>
+          <a:bodyPr rtlCol="0" anchor="ctr"/>
+          <a:lstStyle/>
+          <a:p>
+            <a:pPr algn="ctr"/>
+            <a:r>
+              <a:rPr lang="en-US" sz="1050" dirty="0" smtClean="0">
+                <a:solidFill>
+                  <a:srgbClr val="7030A0"/>
+                </a:solidFill>
+              </a:rPr>
+              <a:t>YearlyRevenue</a:t>
+            </a:r>
+            <a:endParaRPr lang="en-SG" sz="1050" dirty="0">
+              <a:solidFill>
+                <a:srgbClr val="7030A0"/>
+              </a:solidFill>
+            </a:endParaRPr>
+          </a:p>
+        </p:txBody>
+      </p:sp>
+      <p:cxnSp>
+        <p:nvCxnSpPr>
+          <p:cNvPr id="254" name="Elbow Connector 78">
+            <a:extLst>
+              <a:ext uri="{FF2B5EF4-FFF2-40B4-BE49-F238E27FC236}">
+                <a16:creationId xmlns:a16="http://schemas.microsoft.com/office/drawing/2014/main" xmlns="" id="{B97967F8-618A-448B-81FD-CDFD4AF0EC64}"/>
+              </a:ext>
+            </a:extLst>
+          </p:cNvPr>
+          <p:cNvCxnSpPr>
+            <a:cxnSpLocks/>
+            <a:stCxn id="248" idx="3"/>
+            <a:endCxn id="249" idx="3"/>
+          </p:cNvCxnSpPr>
+          <p:nvPr/>
+        </p:nvCxnSpPr>
+        <p:spPr>
+          <a:xfrm rot="5400000">
+            <a:off x="6701251" y="4484558"/>
+            <a:ext cx="630687" cy="599559"/>
+          </a:xfrm>
+          <a:prstGeom prst="bentConnector2">
+            <a:avLst/>
+          </a:prstGeom>
+          <a:ln w="19050">
+            <a:solidFill>
+              <a:srgbClr val="7030A0"/>
+            </a:solidFill>
+            <a:headEnd type="none" w="med" len="med"/>
+            <a:tailEnd type="none" w="med" len="med"/>
+          </a:ln>
+          <a:effectLst/>
+        </p:spPr>
+        <p:style>
+          <a:lnRef idx="1">
+            <a:schemeClr val="accent2"/>
+          </a:lnRef>
+          <a:fillRef idx="2">
+            <a:schemeClr val="accent2"/>
+          </a:fillRef>
+          <a:effectRef idx="1">
+            <a:schemeClr val="accent2"/>
+          </a:effectRef>
+          <a:fontRef idx="minor">
+            <a:schemeClr val="dk1"/>
+          </a:fontRef>
+        </p:style>
+      </p:cxnSp>
+      <p:cxnSp>
+        <p:nvCxnSpPr>
+          <p:cNvPr id="257" name="Elbow Connector 78">
+            <a:extLst>
+              <a:ext uri="{FF2B5EF4-FFF2-40B4-BE49-F238E27FC236}">
+                <a16:creationId xmlns:a16="http://schemas.microsoft.com/office/drawing/2014/main" xmlns="" id="{B97967F8-618A-448B-81FD-CDFD4AF0EC64}"/>
+              </a:ext>
+            </a:extLst>
+          </p:cNvPr>
+          <p:cNvCxnSpPr>
+            <a:cxnSpLocks/>
+            <a:stCxn id="248" idx="3"/>
+            <a:endCxn id="251" idx="3"/>
+          </p:cNvCxnSpPr>
+          <p:nvPr/>
+        </p:nvCxnSpPr>
+        <p:spPr>
+          <a:xfrm rot="5400000">
+            <a:off x="6475376" y="4708615"/>
+            <a:ext cx="1080619" cy="601376"/>
+          </a:xfrm>
+          <a:prstGeom prst="bentConnector2">
+            <a:avLst/>
+          </a:prstGeom>
+          <a:ln w="19050">
+            <a:solidFill>
+              <a:srgbClr val="7030A0"/>
+            </a:solidFill>
+            <a:headEnd type="none" w="med" len="med"/>
+            <a:tailEnd type="none" w="med" len="med"/>
+          </a:ln>
+          <a:effectLst/>
+        </p:spPr>
+        <p:style>
+          <a:lnRef idx="1">
+            <a:schemeClr val="accent2"/>
+          </a:lnRef>
+          <a:fillRef idx="2">
+            <a:schemeClr val="accent2"/>
+          </a:fillRef>
+          <a:effectRef idx="1">
+            <a:schemeClr val="accent2"/>
+          </a:effectRef>
+          <a:fontRef idx="minor">
+            <a:schemeClr val="dk1"/>
+          </a:fontRef>
+        </p:style>
+      </p:cxnSp>
+      <p:cxnSp>
+        <p:nvCxnSpPr>
+          <p:cNvPr id="261" name="Elbow Connector 78">
+            <a:extLst>
+              <a:ext uri="{FF2B5EF4-FFF2-40B4-BE49-F238E27FC236}">
+                <a16:creationId xmlns:a16="http://schemas.microsoft.com/office/drawing/2014/main" xmlns="" id="{B97967F8-618A-448B-81FD-CDFD4AF0EC64}"/>
+              </a:ext>
+            </a:extLst>
+          </p:cNvPr>
+          <p:cNvCxnSpPr>
+            <a:cxnSpLocks/>
+            <a:stCxn id="248" idx="3"/>
+            <a:endCxn id="252" idx="3"/>
+          </p:cNvCxnSpPr>
+          <p:nvPr/>
+        </p:nvCxnSpPr>
+        <p:spPr>
+          <a:xfrm rot="5400000">
+            <a:off x="6249279" y="4934712"/>
+            <a:ext cx="1532813" cy="601377"/>
+          </a:xfrm>
+          <a:prstGeom prst="bentConnector2">
+            <a:avLst/>
+          </a:prstGeom>
+          <a:ln w="19050">
+            <a:solidFill>
+              <a:srgbClr val="7030A0"/>
+            </a:solidFill>
+            <a:headEnd type="none" w="med" len="med"/>
+            <a:tailEnd type="none" w="med" len="med"/>
+          </a:ln>
+          <a:effectLst/>
+        </p:spPr>
+        <p:style>
+          <a:lnRef idx="1">
+            <a:schemeClr val="accent2"/>
+          </a:lnRef>
+          <a:fillRef idx="2">
+            <a:schemeClr val="accent2"/>
+          </a:fillRef>
+          <a:effectRef idx="1">
+            <a:schemeClr val="accent2"/>
+          </a:effectRef>
+          <a:fontRef idx="minor">
+            <a:schemeClr val="dk1"/>
+          </a:fontRef>
+        </p:style>
+      </p:cxnSp>
+      <p:sp>
+        <p:nvSpPr>
+          <p:cNvPr id="286" name="TextBox 285"/>
+          <p:cNvSpPr txBox="1"/>
+          <p:nvPr/>
+        </p:nvSpPr>
+        <p:spPr>
+          <a:xfrm>
+            <a:off x="8423898" y="1447800"/>
+            <a:ext cx="189257" cy="178683"/>
+          </a:xfrm>
+          <a:prstGeom prst="rect">
+            <a:avLst/>
+          </a:prstGeom>
+          <a:noFill/>
+        </p:spPr>
+        <p:txBody>
+          <a:bodyPr wrap="square" lIns="0" tIns="0" rIns="0" bIns="0" rtlCol="0">
+            <a:noAutofit/>
+          </a:bodyPr>
+          <a:lstStyle/>
+          <a:p>
+            <a:pPr algn="ctr"/>
+            <a:r>
+              <a:rPr lang="en-US" sz="1100" dirty="0">
+                <a:solidFill>
+                  <a:srgbClr val="7030A0"/>
+                </a:solidFill>
+              </a:rPr>
+              <a:t>1</a:t>
+            </a:r>
+            <a:endParaRPr lang="en-SG" sz="1100" dirty="0">
+              <a:solidFill>
+                <a:srgbClr val="7030A0"/>
+              </a:solidFill>
+            </a:endParaRPr>
+          </a:p>
+        </p:txBody>
+      </p:sp>
+      <p:sp>
+        <p:nvSpPr>
+          <p:cNvPr id="287" name="TextBox 286"/>
+          <p:cNvSpPr txBox="1"/>
+          <p:nvPr/>
+        </p:nvSpPr>
+        <p:spPr>
+          <a:xfrm>
+            <a:off x="8435611" y="2023046"/>
+            <a:ext cx="189257" cy="178683"/>
+          </a:xfrm>
+          <a:prstGeom prst="rect">
+            <a:avLst/>
+          </a:prstGeom>
+          <a:noFill/>
+        </p:spPr>
+        <p:txBody>
+          <a:bodyPr wrap="square" lIns="0" tIns="0" rIns="0" bIns="0" rtlCol="0">
+            <a:noAutofit/>
+          </a:bodyPr>
+          <a:lstStyle/>
+          <a:p>
+            <a:pPr algn="ctr"/>
+            <a:r>
+              <a:rPr lang="en-US" sz="1100" dirty="0">
+                <a:solidFill>
+                  <a:srgbClr val="7030A0"/>
+                </a:solidFill>
+              </a:rPr>
+              <a:t>1</a:t>
+            </a:r>
+            <a:endParaRPr lang="en-SG" sz="1100" dirty="0">
+              <a:solidFill>
+                <a:srgbClr val="7030A0"/>
+              </a:solidFill>
+            </a:endParaRPr>
+          </a:p>
+        </p:txBody>
+      </p:sp>
+      <p:sp>
+        <p:nvSpPr>
+          <p:cNvPr id="288" name="TextBox 287"/>
+          <p:cNvSpPr txBox="1"/>
+          <p:nvPr/>
+        </p:nvSpPr>
+        <p:spPr>
+          <a:xfrm>
+            <a:off x="9102882" y="2431229"/>
+            <a:ext cx="189257" cy="178683"/>
+          </a:xfrm>
+          <a:prstGeom prst="rect">
+            <a:avLst/>
+          </a:prstGeom>
+          <a:noFill/>
+        </p:spPr>
+        <p:txBody>
+          <a:bodyPr wrap="square" lIns="0" tIns="0" rIns="0" bIns="0" rtlCol="0">
+            <a:noAutofit/>
+          </a:bodyPr>
+          <a:lstStyle/>
+          <a:p>
+            <a:pPr algn="ctr"/>
+            <a:r>
+              <a:rPr lang="en-US" sz="1100" dirty="0">
+                <a:solidFill>
+                  <a:srgbClr val="7030A0"/>
+                </a:solidFill>
+              </a:rPr>
+              <a:t>1</a:t>
+            </a:r>
+            <a:endParaRPr lang="en-SG" sz="1100" dirty="0">
+              <a:solidFill>
+                <a:srgbClr val="7030A0"/>
+              </a:solidFill>
+            </a:endParaRPr>
+          </a:p>
+        </p:txBody>
+      </p:sp>
+      <p:sp>
+        <p:nvSpPr>
+          <p:cNvPr id="289" name="TextBox 288"/>
+          <p:cNvSpPr txBox="1"/>
+          <p:nvPr/>
+        </p:nvSpPr>
+        <p:spPr>
+          <a:xfrm>
+            <a:off x="9352041" y="2590800"/>
+            <a:ext cx="189257" cy="178683"/>
+          </a:xfrm>
+          <a:prstGeom prst="rect">
+            <a:avLst/>
+          </a:prstGeom>
+          <a:noFill/>
+        </p:spPr>
+        <p:txBody>
+          <a:bodyPr wrap="square" lIns="0" tIns="0" rIns="0" bIns="0" rtlCol="0">
+            <a:noAutofit/>
+          </a:bodyPr>
+          <a:lstStyle/>
+          <a:p>
+            <a:pPr algn="ctr"/>
+            <a:r>
+              <a:rPr lang="en-US" sz="1100" dirty="0">
+                <a:solidFill>
+                  <a:srgbClr val="7030A0"/>
+                </a:solidFill>
+              </a:rPr>
+              <a:t>1</a:t>
+            </a:r>
+            <a:endParaRPr lang="en-SG" sz="1100" dirty="0">
+              <a:solidFill>
+                <a:srgbClr val="7030A0"/>
+              </a:solidFill>
+            </a:endParaRPr>
+          </a:p>
+        </p:txBody>
+      </p:sp>
+      <p:sp>
+        <p:nvSpPr>
+          <p:cNvPr id="290" name="TextBox 289"/>
+          <p:cNvSpPr txBox="1"/>
+          <p:nvPr/>
+        </p:nvSpPr>
+        <p:spPr>
+          <a:xfrm>
+            <a:off x="9121294" y="3097376"/>
+            <a:ext cx="189257" cy="178683"/>
+          </a:xfrm>
+          <a:prstGeom prst="rect">
+            <a:avLst/>
+          </a:prstGeom>
+          <a:noFill/>
+        </p:spPr>
+        <p:txBody>
+          <a:bodyPr wrap="square" lIns="0" tIns="0" rIns="0" bIns="0" rtlCol="0">
+            <a:noAutofit/>
+          </a:bodyPr>
+          <a:lstStyle/>
+          <a:p>
+            <a:pPr algn="ctr"/>
+            <a:r>
+              <a:rPr lang="en-US" sz="1100" dirty="0">
+                <a:solidFill>
+                  <a:srgbClr val="7030A0"/>
+                </a:solidFill>
+              </a:rPr>
+              <a:t>1</a:t>
+            </a:r>
+            <a:endParaRPr lang="en-SG" sz="1100" dirty="0">
+              <a:solidFill>
+                <a:srgbClr val="7030A0"/>
+              </a:solidFill>
+            </a:endParaRPr>
+          </a:p>
+        </p:txBody>
+      </p:sp>
+      <p:sp>
+        <p:nvSpPr>
+          <p:cNvPr id="291" name="TextBox 290"/>
+          <p:cNvSpPr txBox="1"/>
+          <p:nvPr/>
+        </p:nvSpPr>
+        <p:spPr>
+          <a:xfrm>
+            <a:off x="8581519" y="3211603"/>
+            <a:ext cx="189257" cy="178683"/>
+          </a:xfrm>
+          <a:prstGeom prst="rect">
+            <a:avLst/>
+          </a:prstGeom>
+          <a:noFill/>
+        </p:spPr>
+        <p:txBody>
+          <a:bodyPr wrap="square" lIns="0" tIns="0" rIns="0" bIns="0" rtlCol="0">
+            <a:noAutofit/>
+          </a:bodyPr>
+          <a:lstStyle/>
+          <a:p>
+            <a:pPr algn="ctr"/>
+            <a:r>
+              <a:rPr lang="en-US" sz="1100" dirty="0">
+                <a:solidFill>
+                  <a:srgbClr val="7030A0"/>
+                </a:solidFill>
+              </a:rPr>
+              <a:t>1</a:t>
+            </a:r>
+            <a:endParaRPr lang="en-SG" sz="1100" dirty="0">
+              <a:solidFill>
+                <a:srgbClr val="7030A0"/>
+              </a:solidFill>
+            </a:endParaRPr>
+          </a:p>
+        </p:txBody>
+      </p:sp>
+      <p:sp>
+        <p:nvSpPr>
+          <p:cNvPr id="292" name="TextBox 291"/>
+          <p:cNvSpPr txBox="1"/>
+          <p:nvPr/>
+        </p:nvSpPr>
+        <p:spPr>
+          <a:xfrm>
+            <a:off x="8582234" y="3614625"/>
+            <a:ext cx="189257" cy="178683"/>
+          </a:xfrm>
+          <a:prstGeom prst="rect">
+            <a:avLst/>
+          </a:prstGeom>
+          <a:noFill/>
+        </p:spPr>
+        <p:txBody>
+          <a:bodyPr wrap="square" lIns="0" tIns="0" rIns="0" bIns="0" rtlCol="0">
+            <a:noAutofit/>
+          </a:bodyPr>
+          <a:lstStyle/>
+          <a:p>
+            <a:pPr algn="ctr"/>
+            <a:r>
+              <a:rPr lang="en-US" sz="1100" dirty="0">
+                <a:solidFill>
+                  <a:srgbClr val="7030A0"/>
+                </a:solidFill>
+              </a:rPr>
+              <a:t>1</a:t>
+            </a:r>
+            <a:endParaRPr lang="en-SG" sz="1100" dirty="0">
+              <a:solidFill>
+                <a:srgbClr val="7030A0"/>
+              </a:solidFill>
+            </a:endParaRPr>
+          </a:p>
+        </p:txBody>
+      </p:sp>
+      <p:sp>
+        <p:nvSpPr>
+          <p:cNvPr id="293" name="TextBox 292"/>
+          <p:cNvSpPr txBox="1"/>
+          <p:nvPr/>
+        </p:nvSpPr>
+        <p:spPr>
+          <a:xfrm>
+            <a:off x="8569143" y="4000198"/>
+            <a:ext cx="189257" cy="178683"/>
+          </a:xfrm>
+          <a:prstGeom prst="rect">
+            <a:avLst/>
+          </a:prstGeom>
+          <a:noFill/>
+        </p:spPr>
+        <p:txBody>
+          <a:bodyPr wrap="square" lIns="0" tIns="0" rIns="0" bIns="0" rtlCol="0">
+            <a:noAutofit/>
+          </a:bodyPr>
+          <a:lstStyle/>
+          <a:p>
+            <a:pPr algn="ctr"/>
+            <a:r>
+              <a:rPr lang="en-US" sz="1100" dirty="0">
+                <a:solidFill>
+                  <a:srgbClr val="7030A0"/>
+                </a:solidFill>
+              </a:rPr>
+              <a:t>1</a:t>
+            </a:r>
+            <a:endParaRPr lang="en-SG" sz="1100" dirty="0">
+              <a:solidFill>
+                <a:srgbClr val="7030A0"/>
+              </a:solidFill>
+            </a:endParaRPr>
+          </a:p>
+        </p:txBody>
+      </p:sp>
+      <p:sp>
+        <p:nvSpPr>
+          <p:cNvPr id="294" name="TextBox 293"/>
+          <p:cNvSpPr txBox="1"/>
+          <p:nvPr/>
+        </p:nvSpPr>
+        <p:spPr>
+          <a:xfrm>
+            <a:off x="9633039" y="2020874"/>
+            <a:ext cx="189257" cy="178683"/>
+          </a:xfrm>
+          <a:prstGeom prst="rect">
+            <a:avLst/>
+          </a:prstGeom>
+          <a:noFill/>
+        </p:spPr>
+        <p:txBody>
+          <a:bodyPr wrap="square" lIns="0" tIns="0" rIns="0" bIns="0" rtlCol="0">
+            <a:noAutofit/>
+          </a:bodyPr>
+          <a:lstStyle/>
+          <a:p>
+            <a:pPr algn="ctr"/>
+            <a:r>
+              <a:rPr lang="en-US" sz="1100" dirty="0">
+                <a:solidFill>
+                  <a:srgbClr val="7030A0"/>
+                </a:solidFill>
+              </a:rPr>
+              <a:t>1</a:t>
+            </a:r>
+            <a:endParaRPr lang="en-SG" sz="1100" dirty="0">
+              <a:solidFill>
+                <a:srgbClr val="7030A0"/>
+              </a:solidFill>
+            </a:endParaRPr>
+          </a:p>
+        </p:txBody>
+      </p:sp>
+      <p:sp>
+        <p:nvSpPr>
+          <p:cNvPr id="295" name="TextBox 294"/>
+          <p:cNvSpPr txBox="1"/>
+          <p:nvPr/>
+        </p:nvSpPr>
+        <p:spPr>
+          <a:xfrm>
+            <a:off x="7867721" y="4953000"/>
+            <a:ext cx="438079" cy="238369"/>
+          </a:xfrm>
+          <a:prstGeom prst="rect">
+            <a:avLst/>
+          </a:prstGeom>
+          <a:noFill/>
+        </p:spPr>
+        <p:txBody>
+          <a:bodyPr wrap="square" lIns="0" tIns="0" rIns="0" bIns="0" rtlCol="0">
+            <a:noAutofit/>
+          </a:bodyPr>
+          <a:lstStyle/>
+          <a:p>
+            <a:pPr algn="ctr"/>
+            <a:r>
+              <a:rPr lang="en-US" sz="1100" smtClean="0">
+                <a:solidFill>
+                  <a:srgbClr val="7030A0"/>
+                </a:solidFill>
+              </a:rPr>
+              <a:t>0..1</a:t>
+            </a:r>
+            <a:endParaRPr lang="en-SG" sz="1100" dirty="0">
+              <a:solidFill>
+                <a:srgbClr val="7030A0"/>
+              </a:solidFill>
+            </a:endParaRPr>
+          </a:p>
+        </p:txBody>
+      </p:sp>
+      <p:sp>
+        <p:nvSpPr>
+          <p:cNvPr id="296" name="TextBox 295"/>
+          <p:cNvSpPr txBox="1"/>
+          <p:nvPr/>
+        </p:nvSpPr>
+        <p:spPr>
+          <a:xfrm>
+            <a:off x="7882951" y="5438557"/>
+            <a:ext cx="438079" cy="238369"/>
+          </a:xfrm>
+          <a:prstGeom prst="rect">
+            <a:avLst/>
+          </a:prstGeom>
+          <a:noFill/>
+        </p:spPr>
+        <p:txBody>
+          <a:bodyPr wrap="square" lIns="0" tIns="0" rIns="0" bIns="0" rtlCol="0">
+            <a:noAutofit/>
+          </a:bodyPr>
+          <a:lstStyle/>
+          <a:p>
+            <a:pPr algn="ctr"/>
+            <a:r>
+              <a:rPr lang="en-US" sz="1100" smtClean="0">
+                <a:solidFill>
+                  <a:srgbClr val="7030A0"/>
+                </a:solidFill>
+              </a:rPr>
+              <a:t>0..1</a:t>
+            </a:r>
+            <a:endParaRPr lang="en-SG" sz="1100" dirty="0">
+              <a:solidFill>
+                <a:srgbClr val="7030A0"/>
+              </a:solidFill>
+            </a:endParaRPr>
+          </a:p>
+        </p:txBody>
+      </p:sp>
+      <p:sp>
+        <p:nvSpPr>
+          <p:cNvPr id="297" name="TextBox 296"/>
+          <p:cNvSpPr txBox="1"/>
+          <p:nvPr/>
+        </p:nvSpPr>
+        <p:spPr>
+          <a:xfrm>
+            <a:off x="7867721" y="6000338"/>
+            <a:ext cx="438079" cy="238369"/>
+          </a:xfrm>
+          <a:prstGeom prst="rect">
+            <a:avLst/>
+          </a:prstGeom>
+          <a:noFill/>
+        </p:spPr>
+        <p:txBody>
+          <a:bodyPr wrap="square" lIns="0" tIns="0" rIns="0" bIns="0" rtlCol="0">
+            <a:noAutofit/>
+          </a:bodyPr>
+          <a:lstStyle/>
+          <a:p>
+            <a:pPr algn="ctr"/>
+            <a:r>
+              <a:rPr lang="en-US" sz="1100" smtClean="0">
+                <a:solidFill>
+                  <a:srgbClr val="7030A0"/>
+                </a:solidFill>
+              </a:rPr>
+              <a:t>0..1</a:t>
+            </a:r>
+            <a:endParaRPr lang="en-SG" sz="1100" dirty="0">
+              <a:solidFill>
+                <a:srgbClr val="7030A0"/>
+              </a:solidFill>
+            </a:endParaRPr>
+          </a:p>
+        </p:txBody>
+      </p:sp>
+      <p:sp>
+        <p:nvSpPr>
+          <p:cNvPr id="298" name="TextBox 297"/>
+          <p:cNvSpPr txBox="1"/>
+          <p:nvPr/>
+        </p:nvSpPr>
+        <p:spPr>
+          <a:xfrm>
+            <a:off x="8996493" y="4947612"/>
+            <a:ext cx="189257" cy="178683"/>
+          </a:xfrm>
+          <a:prstGeom prst="rect">
+            <a:avLst/>
+          </a:prstGeom>
+          <a:noFill/>
+        </p:spPr>
+        <p:txBody>
+          <a:bodyPr wrap="square" lIns="0" tIns="0" rIns="0" bIns="0" rtlCol="0">
+            <a:noAutofit/>
+          </a:bodyPr>
+          <a:lstStyle/>
+          <a:p>
+            <a:pPr algn="ctr"/>
+            <a:r>
+              <a:rPr lang="en-US" sz="1100" dirty="0">
+                <a:solidFill>
+                  <a:srgbClr val="7030A0"/>
+                </a:solidFill>
+              </a:rPr>
+              <a:t>1</a:t>
+            </a:r>
+            <a:endParaRPr lang="en-SG" sz="1100" dirty="0">
+              <a:solidFill>
+                <a:srgbClr val="7030A0"/>
+              </a:solidFill>
+            </a:endParaRPr>
+          </a:p>
+        </p:txBody>
+      </p:sp>
+      <p:sp>
+        <p:nvSpPr>
+          <p:cNvPr id="299" name="TextBox 298"/>
+          <p:cNvSpPr txBox="1"/>
+          <p:nvPr/>
+        </p:nvSpPr>
+        <p:spPr>
+          <a:xfrm>
+            <a:off x="8987366" y="5453302"/>
+            <a:ext cx="189257" cy="178683"/>
+          </a:xfrm>
+          <a:prstGeom prst="rect">
+            <a:avLst/>
+          </a:prstGeom>
+          <a:noFill/>
+        </p:spPr>
+        <p:txBody>
+          <a:bodyPr wrap="square" lIns="0" tIns="0" rIns="0" bIns="0" rtlCol="0">
+            <a:noAutofit/>
+          </a:bodyPr>
+          <a:lstStyle/>
+          <a:p>
+            <a:pPr algn="ctr"/>
+            <a:r>
+              <a:rPr lang="en-US" sz="1100" dirty="0">
+                <a:solidFill>
+                  <a:srgbClr val="7030A0"/>
+                </a:solidFill>
+              </a:rPr>
+              <a:t>1</a:t>
+            </a:r>
+            <a:endParaRPr lang="en-SG" sz="1100" dirty="0">
+              <a:solidFill>
+                <a:srgbClr val="7030A0"/>
+              </a:solidFill>
+            </a:endParaRPr>
+          </a:p>
+        </p:txBody>
+      </p:sp>
+      <p:sp>
+        <p:nvSpPr>
+          <p:cNvPr id="300" name="TextBox 299"/>
+          <p:cNvSpPr txBox="1"/>
+          <p:nvPr/>
+        </p:nvSpPr>
+        <p:spPr>
+          <a:xfrm>
+            <a:off x="8996492" y="6010692"/>
+            <a:ext cx="189257" cy="178683"/>
+          </a:xfrm>
+          <a:prstGeom prst="rect">
+            <a:avLst/>
+          </a:prstGeom>
+          <a:noFill/>
+        </p:spPr>
+        <p:txBody>
+          <a:bodyPr wrap="square" lIns="0" tIns="0" rIns="0" bIns="0" rtlCol="0">
+            <a:noAutofit/>
+          </a:bodyPr>
+          <a:lstStyle/>
+          <a:p>
+            <a:pPr algn="ctr"/>
+            <a:r>
+              <a:rPr lang="en-US" sz="1100" dirty="0">
+                <a:solidFill>
+                  <a:srgbClr val="7030A0"/>
+                </a:solidFill>
+              </a:rPr>
+              <a:t>1</a:t>
+            </a:r>
+            <a:endParaRPr lang="en-SG" sz="1100" dirty="0">
+              <a:solidFill>
+                <a:srgbClr val="7030A0"/>
+              </a:solidFill>
+            </a:endParaRPr>
+          </a:p>
+        </p:txBody>
+      </p:sp>
+      <p:sp>
+        <p:nvSpPr>
+          <p:cNvPr id="301" name="TextBox 300"/>
+          <p:cNvSpPr txBox="1"/>
+          <p:nvPr/>
+        </p:nvSpPr>
+        <p:spPr>
+          <a:xfrm>
+            <a:off x="9075480" y="5286891"/>
+            <a:ext cx="189257" cy="178683"/>
+          </a:xfrm>
+          <a:prstGeom prst="rect">
+            <a:avLst/>
+          </a:prstGeom>
+          <a:noFill/>
+        </p:spPr>
+        <p:txBody>
+          <a:bodyPr wrap="square" lIns="0" tIns="0" rIns="0" bIns="0" rtlCol="0">
+            <a:noAutofit/>
+          </a:bodyPr>
+          <a:lstStyle/>
+          <a:p>
+            <a:pPr algn="ctr"/>
+            <a:r>
+              <a:rPr lang="en-US" sz="1100" dirty="0">
+                <a:solidFill>
+                  <a:srgbClr val="7030A0"/>
+                </a:solidFill>
+              </a:rPr>
+              <a:t>1</a:t>
+            </a:r>
+            <a:endParaRPr lang="en-SG" sz="1100" dirty="0">
+              <a:solidFill>
+                <a:srgbClr val="7030A0"/>
+              </a:solidFill>
+            </a:endParaRPr>
+          </a:p>
+        </p:txBody>
+      </p:sp>
+      <p:sp>
+        <p:nvSpPr>
+          <p:cNvPr id="302" name="TextBox 301"/>
+          <p:cNvSpPr txBox="1"/>
+          <p:nvPr/>
+        </p:nvSpPr>
+        <p:spPr>
+          <a:xfrm>
+            <a:off x="9066353" y="5792581"/>
+            <a:ext cx="189257" cy="178683"/>
+          </a:xfrm>
+          <a:prstGeom prst="rect">
+            <a:avLst/>
+          </a:prstGeom>
+          <a:noFill/>
+        </p:spPr>
+        <p:txBody>
+          <a:bodyPr wrap="square" lIns="0" tIns="0" rIns="0" bIns="0" rtlCol="0">
+            <a:noAutofit/>
+          </a:bodyPr>
+          <a:lstStyle/>
+          <a:p>
+            <a:pPr algn="ctr"/>
+            <a:r>
+              <a:rPr lang="en-US" sz="1100" dirty="0">
+                <a:solidFill>
+                  <a:srgbClr val="7030A0"/>
+                </a:solidFill>
+              </a:rPr>
+              <a:t>1</a:t>
+            </a:r>
+            <a:endParaRPr lang="en-SG" sz="1100" dirty="0">
+              <a:solidFill>
+                <a:srgbClr val="7030A0"/>
+              </a:solidFill>
+            </a:endParaRPr>
+          </a:p>
+        </p:txBody>
+      </p:sp>
+      <p:sp>
+        <p:nvSpPr>
+          <p:cNvPr id="303" name="TextBox 302"/>
+          <p:cNvSpPr txBox="1"/>
+          <p:nvPr/>
+        </p:nvSpPr>
+        <p:spPr>
+          <a:xfrm>
+            <a:off x="9075479" y="6349971"/>
+            <a:ext cx="189257" cy="178683"/>
+          </a:xfrm>
+          <a:prstGeom prst="rect">
+            <a:avLst/>
+          </a:prstGeom>
+          <a:noFill/>
+        </p:spPr>
+        <p:txBody>
+          <a:bodyPr wrap="square" lIns="0" tIns="0" rIns="0" bIns="0" rtlCol="0">
+            <a:noAutofit/>
+          </a:bodyPr>
+          <a:lstStyle/>
+          <a:p>
+            <a:pPr algn="ctr"/>
+            <a:r>
+              <a:rPr lang="en-US" sz="1100" dirty="0">
+                <a:solidFill>
+                  <a:srgbClr val="7030A0"/>
+                </a:solidFill>
+              </a:rPr>
+              <a:t>1</a:t>
+            </a:r>
+            <a:endParaRPr lang="en-SG" sz="1100" dirty="0">
+              <a:solidFill>
+                <a:srgbClr val="7030A0"/>
+              </a:solidFill>
+            </a:endParaRPr>
+          </a:p>
+        </p:txBody>
+      </p:sp>
+      <p:cxnSp>
+        <p:nvCxnSpPr>
+          <p:cNvPr id="304" name="Elbow Connector 78">
+            <a:extLst>
+              <a:ext uri="{FF2B5EF4-FFF2-40B4-BE49-F238E27FC236}">
+                <a16:creationId xmlns:a16="http://schemas.microsoft.com/office/drawing/2014/main" xmlns="" id="{B97967F8-618A-448B-81FD-CDFD4AF0EC64}"/>
+              </a:ext>
+            </a:extLst>
+          </p:cNvPr>
+          <p:cNvCxnSpPr>
+            <a:cxnSpLocks/>
+          </p:cNvCxnSpPr>
+          <p:nvPr/>
+        </p:nvCxnSpPr>
+        <p:spPr>
+          <a:xfrm>
+            <a:off x="1664747" y="1911791"/>
+            <a:ext cx="5367216" cy="474752"/>
+          </a:xfrm>
+          <a:prstGeom prst="bentConnector3">
+            <a:avLst>
+              <a:gd name="adj1" fmla="val 96966"/>
+            </a:avLst>
+          </a:prstGeom>
+          <a:ln w="19050">
+            <a:solidFill>
+              <a:srgbClr val="7030A0"/>
+            </a:solidFill>
+            <a:headEnd type="none" w="med" len="med"/>
+            <a:tailEnd type="arrow" w="med" len="med"/>
+          </a:ln>
+          <a:effectLst/>
+        </p:spPr>
+        <p:style>
+          <a:lnRef idx="1">
+            <a:schemeClr val="accent2"/>
+          </a:lnRef>
+          <a:fillRef idx="2">
+            <a:schemeClr val="accent2"/>
+          </a:fillRef>
+          <a:effectRef idx="1">
+            <a:schemeClr val="accent2"/>
+          </a:effectRef>
+          <a:fontRef idx="minor">
+            <a:schemeClr val="dk1"/>
+          </a:fontRef>
+        </p:style>
+      </p:cxnSp>
+      <p:sp>
+        <p:nvSpPr>
+          <p:cNvPr id="310" name="TextBox 309"/>
+          <p:cNvSpPr txBox="1"/>
+          <p:nvPr/>
+        </p:nvSpPr>
+        <p:spPr>
+          <a:xfrm>
+            <a:off x="6877770" y="2408004"/>
+            <a:ext cx="189257" cy="178683"/>
+          </a:xfrm>
+          <a:prstGeom prst="rect">
+            <a:avLst/>
+          </a:prstGeom>
+          <a:noFill/>
+        </p:spPr>
+        <p:txBody>
+          <a:bodyPr wrap="square" lIns="0" tIns="0" rIns="0" bIns="0" rtlCol="0">
+            <a:noAutofit/>
+          </a:bodyPr>
+          <a:lstStyle/>
+          <a:p>
+            <a:pPr algn="ctr"/>
+            <a:r>
+              <a:rPr lang="en-US" sz="1100" dirty="0">
+                <a:solidFill>
+                  <a:srgbClr val="7030A0"/>
+                </a:solidFill>
+              </a:rPr>
+              <a:t>1</a:t>
+            </a:r>
+            <a:endParaRPr lang="en-SG" sz="1100" dirty="0">
+              <a:solidFill>
+                <a:srgbClr val="7030A0"/>
+              </a:solidFill>
+            </a:endParaRPr>
+          </a:p>
+        </p:txBody>
+      </p:sp>
+      <p:sp>
+        <p:nvSpPr>
+          <p:cNvPr id="311" name="TextBox 310"/>
+          <p:cNvSpPr txBox="1"/>
+          <p:nvPr/>
+        </p:nvSpPr>
+        <p:spPr>
+          <a:xfrm>
+            <a:off x="6877770" y="3003055"/>
+            <a:ext cx="189257" cy="178683"/>
+          </a:xfrm>
+          <a:prstGeom prst="rect">
+            <a:avLst/>
+          </a:prstGeom>
+          <a:noFill/>
+        </p:spPr>
+        <p:txBody>
+          <a:bodyPr wrap="square" lIns="0" tIns="0" rIns="0" bIns="0" rtlCol="0">
+            <a:noAutofit/>
+          </a:bodyPr>
+          <a:lstStyle/>
+          <a:p>
+            <a:pPr algn="ctr"/>
+            <a:r>
+              <a:rPr lang="en-US" sz="1100" dirty="0">
+                <a:solidFill>
+                  <a:srgbClr val="7030A0"/>
+                </a:solidFill>
+              </a:rPr>
+              <a:t>1</a:t>
+            </a:r>
+            <a:endParaRPr lang="en-SG" sz="1100" dirty="0">
+              <a:solidFill>
+                <a:srgbClr val="7030A0"/>
+              </a:solidFill>
+            </a:endParaRPr>
+          </a:p>
+        </p:txBody>
+      </p:sp>
+      <p:sp>
+        <p:nvSpPr>
+          <p:cNvPr id="312" name="TextBox 311"/>
+          <p:cNvSpPr txBox="1"/>
+          <p:nvPr/>
+        </p:nvSpPr>
+        <p:spPr>
+          <a:xfrm>
+            <a:off x="6870365" y="3601037"/>
+            <a:ext cx="189257" cy="178683"/>
+          </a:xfrm>
+          <a:prstGeom prst="rect">
+            <a:avLst/>
+          </a:prstGeom>
+          <a:noFill/>
+        </p:spPr>
+        <p:txBody>
+          <a:bodyPr wrap="square" lIns="0" tIns="0" rIns="0" bIns="0" rtlCol="0">
+            <a:noAutofit/>
+          </a:bodyPr>
+          <a:lstStyle/>
+          <a:p>
+            <a:pPr algn="ctr"/>
+            <a:r>
+              <a:rPr lang="en-US" sz="1100" dirty="0">
+                <a:solidFill>
+                  <a:srgbClr val="7030A0"/>
+                </a:solidFill>
+              </a:rPr>
+              <a:t>1</a:t>
+            </a:r>
+            <a:endParaRPr lang="en-SG" sz="1100" dirty="0">
+              <a:solidFill>
+                <a:srgbClr val="7030A0"/>
+              </a:solidFill>
+            </a:endParaRPr>
+          </a:p>
+        </p:txBody>
+      </p:sp>
+      <p:sp>
+        <p:nvSpPr>
+          <p:cNvPr id="313" name="TextBox 312"/>
+          <p:cNvSpPr txBox="1"/>
+          <p:nvPr/>
+        </p:nvSpPr>
+        <p:spPr>
+          <a:xfrm>
+            <a:off x="6890300" y="4269375"/>
+            <a:ext cx="189257" cy="178683"/>
+          </a:xfrm>
+          <a:prstGeom prst="rect">
+            <a:avLst/>
+          </a:prstGeom>
+          <a:noFill/>
+        </p:spPr>
+        <p:txBody>
+          <a:bodyPr wrap="square" lIns="0" tIns="0" rIns="0" bIns="0" rtlCol="0">
+            <a:noAutofit/>
+          </a:bodyPr>
+          <a:lstStyle/>
+          <a:p>
+            <a:pPr algn="ctr"/>
+            <a:r>
+              <a:rPr lang="en-US" sz="1100" dirty="0">
+                <a:solidFill>
+                  <a:srgbClr val="7030A0"/>
+                </a:solidFill>
+              </a:rPr>
+              <a:t>1</a:t>
+            </a:r>
+            <a:endParaRPr lang="en-SG" sz="1100" dirty="0">
+              <a:solidFill>
+                <a:srgbClr val="7030A0"/>
+              </a:solidFill>
+            </a:endParaRPr>
+          </a:p>
+        </p:txBody>
+      </p:sp>
     </p:spTree>
     <p:extLst>
       <p:ext uri="{BB962C8B-B14F-4D97-AF65-F5344CB8AC3E}">

--- a/docs/diagrams/ModelComponentClassDiagram.pptx
+++ b/docs/diagrams/ModelComponentClassDiagram.pptx
@@ -208,7 +208,7 @@
           <a:p>
             <a:fld id="{F5CC4B3F-88C1-4FFA-B1B6-F41C21DC6924}" type="datetimeFigureOut">
               <a:rPr lang="en-US" smtClean="0"/>
-              <a:t>4/1/2019</a:t>
+              <a:t>4/11/2019</a:t>
             </a:fld>
             <a:endParaRPr lang="en-US"/>
           </a:p>
@@ -654,7 +654,7 @@
           <a:p>
             <a:fld id="{78C97017-6FC3-485B-9764-EAC9E56C1D49}" type="datetimeFigureOut">
               <a:rPr lang="en-US" smtClean="0"/>
-              <a:t>4/1/2019</a:t>
+              <a:t>4/11/2019</a:t>
             </a:fld>
             <a:endParaRPr lang="en-US"/>
           </a:p>
@@ -822,7 +822,7 @@
           <a:p>
             <a:fld id="{78C97017-6FC3-485B-9764-EAC9E56C1D49}" type="datetimeFigureOut">
               <a:rPr lang="en-US" smtClean="0"/>
-              <a:t>4/1/2019</a:t>
+              <a:t>4/11/2019</a:t>
             </a:fld>
             <a:endParaRPr lang="en-US"/>
           </a:p>
@@ -1000,7 +1000,7 @@
           <a:p>
             <a:fld id="{78C97017-6FC3-485B-9764-EAC9E56C1D49}" type="datetimeFigureOut">
               <a:rPr lang="en-US" smtClean="0"/>
-              <a:t>4/1/2019</a:t>
+              <a:t>4/11/2019</a:t>
             </a:fld>
             <a:endParaRPr lang="en-US"/>
           </a:p>
@@ -1168,7 +1168,7 @@
           <a:p>
             <a:fld id="{78C97017-6FC3-485B-9764-EAC9E56C1D49}" type="datetimeFigureOut">
               <a:rPr lang="en-US" smtClean="0"/>
-              <a:t>4/1/2019</a:t>
+              <a:t>4/11/2019</a:t>
             </a:fld>
             <a:endParaRPr lang="en-US"/>
           </a:p>
@@ -1413,7 +1413,7 @@
           <a:p>
             <a:fld id="{78C97017-6FC3-485B-9764-EAC9E56C1D49}" type="datetimeFigureOut">
               <a:rPr lang="en-US" smtClean="0"/>
-              <a:t>4/1/2019</a:t>
+              <a:t>4/11/2019</a:t>
             </a:fld>
             <a:endParaRPr lang="en-US"/>
           </a:p>
@@ -1698,7 +1698,7 @@
           <a:p>
             <a:fld id="{78C97017-6FC3-485B-9764-EAC9E56C1D49}" type="datetimeFigureOut">
               <a:rPr lang="en-US" smtClean="0"/>
-              <a:t>4/1/2019</a:t>
+              <a:t>4/11/2019</a:t>
             </a:fld>
             <a:endParaRPr lang="en-US"/>
           </a:p>
@@ -2117,7 +2117,7 @@
           <a:p>
             <a:fld id="{78C97017-6FC3-485B-9764-EAC9E56C1D49}" type="datetimeFigureOut">
               <a:rPr lang="en-US" smtClean="0"/>
-              <a:t>4/1/2019</a:t>
+              <a:t>4/11/2019</a:t>
             </a:fld>
             <a:endParaRPr lang="en-US"/>
           </a:p>
@@ -2234,7 +2234,7 @@
           <a:p>
             <a:fld id="{78C97017-6FC3-485B-9764-EAC9E56C1D49}" type="datetimeFigureOut">
               <a:rPr lang="en-US" smtClean="0"/>
-              <a:t>4/1/2019</a:t>
+              <a:t>4/11/2019</a:t>
             </a:fld>
             <a:endParaRPr lang="en-US"/>
           </a:p>
@@ -2329,7 +2329,7 @@
           <a:p>
             <a:fld id="{78C97017-6FC3-485B-9764-EAC9E56C1D49}" type="datetimeFigureOut">
               <a:rPr lang="en-US" smtClean="0"/>
-              <a:t>4/1/2019</a:t>
+              <a:t>4/11/2019</a:t>
             </a:fld>
             <a:endParaRPr lang="en-US"/>
           </a:p>
@@ -2604,7 +2604,7 @@
           <a:p>
             <a:fld id="{78C97017-6FC3-485B-9764-EAC9E56C1D49}" type="datetimeFigureOut">
               <a:rPr lang="en-US" smtClean="0"/>
-              <a:t>4/1/2019</a:t>
+              <a:t>4/11/2019</a:t>
             </a:fld>
             <a:endParaRPr lang="en-US"/>
           </a:p>
@@ -2856,7 +2856,7 @@
           <a:p>
             <a:fld id="{78C97017-6FC3-485B-9764-EAC9E56C1D49}" type="datetimeFigureOut">
               <a:rPr lang="en-US" smtClean="0"/>
-              <a:t>4/1/2019</a:t>
+              <a:t>4/11/2019</a:t>
             </a:fld>
             <a:endParaRPr lang="en-US"/>
           </a:p>
@@ -3067,7 +3067,7 @@
           <a:p>
             <a:fld id="{78C97017-6FC3-485B-9764-EAC9E56C1D49}" type="datetimeFigureOut">
               <a:rPr lang="en-US" smtClean="0"/>
-              <a:t>4/1/2019</a:t>
+              <a:t>4/11/2019</a:t>
             </a:fld>
             <a:endParaRPr lang="en-US"/>
           </a:p>
@@ -3450,8 +3450,8 @@
         </p:nvSpPr>
         <p:spPr>
           <a:xfrm>
-            <a:off x="1119865" y="1600200"/>
-            <a:ext cx="7490735" cy="3124200"/>
+            <a:off x="910091" y="609600"/>
+            <a:ext cx="7700509" cy="4114800"/>
           </a:xfrm>
           <a:prstGeom prst="roundRect">
             <a:avLst>
@@ -4685,7 +4685,7 @@
         </p:nvSpPr>
         <p:spPr>
           <a:xfrm>
-            <a:off x="7712396" y="3533171"/>
+            <a:off x="6257955" y="1982253"/>
             <a:ext cx="812519" cy="285783"/>
           </a:xfrm>
           <a:prstGeom prst="rect">
@@ -4735,21 +4735,607 @@
       </p:sp>
       <p:cxnSp>
         <p:nvCxnSpPr>
-          <p:cNvPr id="86" name="Elbow Connector 85"/>
+          <p:cNvPr id="97" name="Elbow Connector 63"/>
+          <p:cNvCxnSpPr>
+            <a:cxnSpLocks/>
+            <a:stCxn id="99" idx="3"/>
+          </p:cNvCxnSpPr>
+          <p:nvPr/>
+        </p:nvCxnSpPr>
+        <p:spPr>
+          <a:xfrm rot="16200000" flipH="1">
+            <a:off x="3566454" y="2680653"/>
+            <a:ext cx="274076" cy="1"/>
+          </a:xfrm>
+          <a:prstGeom prst="bentConnector3">
+            <a:avLst>
+              <a:gd name="adj1" fmla="val 50000"/>
+            </a:avLst>
+          </a:prstGeom>
+          <a:ln w="19050">
+            <a:solidFill>
+              <a:srgbClr val="7030A0"/>
+            </a:solidFill>
+            <a:prstDash val="sysDot"/>
+            <a:headEnd type="none" w="med" len="med"/>
+            <a:tailEnd type="none" w="med" len="med"/>
+          </a:ln>
+          <a:effectLst/>
+        </p:spPr>
+        <p:style>
+          <a:lnRef idx="1">
+            <a:schemeClr val="accent2"/>
+          </a:lnRef>
+          <a:fillRef idx="2">
+            <a:schemeClr val="accent2"/>
+          </a:fillRef>
+          <a:effectRef idx="1">
+            <a:schemeClr val="accent2"/>
+          </a:effectRef>
+          <a:fontRef idx="minor">
+            <a:schemeClr val="dk1"/>
+          </a:fontRef>
+        </p:style>
+      </p:cxnSp>
+      <p:sp>
+        <p:nvSpPr>
+          <p:cNvPr id="99" name="Isosceles Triangle 102"/>
+          <p:cNvSpPr/>
+          <p:nvPr/>
+        </p:nvSpPr>
+        <p:spPr>
+          <a:xfrm rot="10800000" flipV="1">
+            <a:off x="3562299" y="2386554"/>
+            <a:ext cx="282387" cy="157062"/>
+          </a:xfrm>
+          <a:prstGeom prst="triangle">
+            <a:avLst/>
+          </a:prstGeom>
+          <a:solidFill>
+            <a:schemeClr val="accent4">
+              <a:lumMod val="20000"/>
+              <a:lumOff val="80000"/>
+            </a:schemeClr>
+          </a:solidFill>
+          <a:ln w="19050">
+            <a:solidFill>
+              <a:srgbClr val="7030A0"/>
+            </a:solidFill>
+          </a:ln>
+          <a:effectLst/>
+        </p:spPr>
+        <p:style>
+          <a:lnRef idx="1">
+            <a:schemeClr val="accent4"/>
+          </a:lnRef>
+          <a:fillRef idx="2">
+            <a:schemeClr val="accent4"/>
+          </a:fillRef>
+          <a:effectRef idx="1">
+            <a:schemeClr val="accent4"/>
+          </a:effectRef>
+          <a:fontRef idx="minor">
+            <a:schemeClr val="dk1"/>
+          </a:fontRef>
+        </p:style>
+        <p:txBody>
+          <a:bodyPr rtlCol="0" anchor="ctr"/>
+          <a:lstStyle/>
+          <a:p>
+            <a:pPr algn="ctr"/>
+            <a:endParaRPr lang="en-SG" sz="1050" b="1">
+              <a:solidFill>
+                <a:srgbClr val="92D050"/>
+              </a:solidFill>
+            </a:endParaRPr>
+          </a:p>
+        </p:txBody>
+      </p:sp>
+      <p:sp>
+        <p:nvSpPr>
+          <p:cNvPr id="100" name="Rectangle 8"/>
+          <p:cNvSpPr/>
+          <p:nvPr/>
+        </p:nvSpPr>
+        <p:spPr>
+          <a:xfrm>
+            <a:off x="1119866" y="1946417"/>
+            <a:ext cx="1584718" cy="416329"/>
+          </a:xfrm>
+          <a:prstGeom prst="rect">
+            <a:avLst/>
+          </a:prstGeom>
+          <a:ln w="19050">
+            <a:solidFill>
+              <a:srgbClr val="7030A0"/>
+            </a:solidFill>
+          </a:ln>
+          <a:effectLst/>
+        </p:spPr>
+        <p:style>
+          <a:lnRef idx="1">
+            <a:schemeClr val="accent4"/>
+          </a:lnRef>
+          <a:fillRef idx="2">
+            <a:schemeClr val="accent4"/>
+          </a:fillRef>
+          <a:effectRef idx="1">
+            <a:schemeClr val="accent4"/>
+          </a:effectRef>
+          <a:fontRef idx="minor">
+            <a:schemeClr val="dk1"/>
+          </a:fontRef>
+        </p:style>
+        <p:txBody>
+          <a:bodyPr rtlCol="0" anchor="ctr"/>
+          <a:lstStyle/>
+          <a:p>
+            <a:pPr algn="ctr"/>
+            <a:r>
+              <a:rPr lang="en-US" sz="1050" dirty="0">
+                <a:solidFill>
+                  <a:srgbClr val="7030A0"/>
+                </a:solidFill>
+              </a:rPr>
+              <a:t>&lt;&lt;interface&gt;&gt;</a:t>
+            </a:r>
+            <a:br>
+              <a:rPr lang="en-US" sz="1050" dirty="0">
+                <a:solidFill>
+                  <a:srgbClr val="7030A0"/>
+                </a:solidFill>
+              </a:rPr>
+            </a:br>
+            <a:r>
+              <a:rPr lang="en-US" sz="1050" dirty="0" err="1">
+                <a:solidFill>
+                  <a:srgbClr val="7030A0"/>
+                </a:solidFill>
+              </a:rPr>
+              <a:t>ReadOnlyFinanceTracker</a:t>
+            </a:r>
+            <a:endParaRPr lang="en-SG" sz="1050" dirty="0">
+              <a:solidFill>
+                <a:srgbClr val="7030A0"/>
+              </a:solidFill>
+            </a:endParaRPr>
+          </a:p>
+        </p:txBody>
+      </p:sp>
+      <p:sp>
+        <p:nvSpPr>
+          <p:cNvPr id="114" name="TextBox 113"/>
+          <p:cNvSpPr txBox="1"/>
+          <p:nvPr/>
+        </p:nvSpPr>
+        <p:spPr>
+          <a:xfrm rot="16200000">
+            <a:off x="6362886" y="3586305"/>
+            <a:ext cx="881018" cy="261610"/>
+          </a:xfrm>
+          <a:prstGeom prst="rect">
+            <a:avLst/>
+          </a:prstGeom>
+          <a:noFill/>
+        </p:spPr>
+        <p:txBody>
+          <a:bodyPr wrap="square" rtlCol="0">
+            <a:spAutoFit/>
+          </a:bodyPr>
+          <a:lstStyle/>
+          <a:p>
+            <a:pPr algn="r"/>
+            <a:r>
+              <a:rPr lang="en-US" sz="1100" dirty="0">
+                <a:solidFill>
+                  <a:srgbClr val="7030A0"/>
+                </a:solidFill>
+              </a:rPr>
+              <a:t>filtered list</a:t>
+            </a:r>
+            <a:endParaRPr lang="en-SG" sz="1100" dirty="0">
+              <a:solidFill>
+                <a:srgbClr val="7030A0"/>
+              </a:solidFill>
+            </a:endParaRPr>
+          </a:p>
+        </p:txBody>
+      </p:sp>
+      <p:sp>
+        <p:nvSpPr>
+          <p:cNvPr id="122" name="Rectangle 8"/>
+          <p:cNvSpPr/>
+          <p:nvPr/>
+        </p:nvSpPr>
+        <p:spPr>
+          <a:xfrm>
+            <a:off x="2057401" y="4239491"/>
+            <a:ext cx="1066800" cy="346760"/>
+          </a:xfrm>
+          <a:prstGeom prst="rect">
+            <a:avLst/>
+          </a:prstGeom>
+          <a:ln w="19050">
+            <a:solidFill>
+              <a:srgbClr val="7030A0"/>
+            </a:solidFill>
+          </a:ln>
+          <a:effectLst/>
+        </p:spPr>
+        <p:style>
+          <a:lnRef idx="1">
+            <a:schemeClr val="accent4"/>
+          </a:lnRef>
+          <a:fillRef idx="2">
+            <a:schemeClr val="accent4"/>
+          </a:fillRef>
+          <a:effectRef idx="1">
+            <a:schemeClr val="accent4"/>
+          </a:effectRef>
+          <a:fontRef idx="minor">
+            <a:schemeClr val="dk1"/>
+          </a:fontRef>
+        </p:style>
+        <p:txBody>
+          <a:bodyPr rtlCol="0" anchor="ctr"/>
+          <a:lstStyle/>
+          <a:p>
+            <a:pPr algn="ctr"/>
+            <a:r>
+              <a:rPr lang="en-US" sz="1050" dirty="0">
+                <a:solidFill>
+                  <a:srgbClr val="7030A0"/>
+                </a:solidFill>
+              </a:rPr>
+              <a:t>&lt;&lt;interface&gt;&gt;</a:t>
+            </a:r>
+            <a:br>
+              <a:rPr lang="en-US" sz="1050">
+                <a:solidFill>
+                  <a:srgbClr val="7030A0"/>
+                </a:solidFill>
+              </a:rPr>
+            </a:br>
+            <a:r>
+              <a:rPr lang="en-US" sz="1050" dirty="0" err="1">
+                <a:solidFill>
+                  <a:srgbClr val="7030A0"/>
+                </a:solidFill>
+              </a:rPr>
+              <a:t>ObservableList</a:t>
+            </a:r>
+            <a:endParaRPr lang="en-SG" sz="1050" dirty="0">
+              <a:solidFill>
+                <a:srgbClr val="7030A0"/>
+              </a:solidFill>
+            </a:endParaRPr>
+          </a:p>
+        </p:txBody>
+      </p:sp>
+      <p:cxnSp>
+        <p:nvCxnSpPr>
+          <p:cNvPr id="124" name="Elbow Connector 122"/>
+          <p:cNvCxnSpPr>
+            <a:stCxn id="119" idx="1"/>
+            <a:endCxn id="122" idx="1"/>
+          </p:cNvCxnSpPr>
+          <p:nvPr/>
+        </p:nvCxnSpPr>
+        <p:spPr>
+          <a:xfrm rot="16200000" flipH="1">
+            <a:off x="1364475" y="3719944"/>
+            <a:ext cx="831471" cy="554381"/>
+          </a:xfrm>
+          <a:prstGeom prst="bentConnector2">
+            <a:avLst/>
+          </a:prstGeom>
+          <a:ln w="19050">
+            <a:solidFill>
+              <a:srgbClr val="7030A0"/>
+            </a:solidFill>
+            <a:prstDash val="sysDot"/>
+            <a:headEnd type="none" w="med" len="med"/>
+            <a:tailEnd type="arrow" w="med" len="med"/>
+          </a:ln>
+          <a:effectLst/>
+        </p:spPr>
+        <p:style>
+          <a:lnRef idx="1">
+            <a:schemeClr val="accent2"/>
+          </a:lnRef>
+          <a:fillRef idx="2">
+            <a:schemeClr val="accent2"/>
+          </a:fillRef>
+          <a:effectRef idx="1">
+            <a:schemeClr val="accent2"/>
+          </a:effectRef>
+          <a:fontRef idx="minor">
+            <a:schemeClr val="dk1"/>
+          </a:fontRef>
+        </p:style>
+      </p:cxnSp>
+      <p:sp>
+        <p:nvSpPr>
+          <p:cNvPr id="54" name="TextBox 53"/>
+          <p:cNvSpPr txBox="1"/>
+          <p:nvPr/>
+        </p:nvSpPr>
+        <p:spPr>
+          <a:xfrm>
+            <a:off x="4429979" y="3111479"/>
+            <a:ext cx="189257" cy="178683"/>
+          </a:xfrm>
+          <a:prstGeom prst="rect">
+            <a:avLst/>
+          </a:prstGeom>
+          <a:noFill/>
+        </p:spPr>
+        <p:txBody>
+          <a:bodyPr wrap="square" lIns="0" tIns="0" rIns="0" bIns="0" rtlCol="0">
+            <a:noAutofit/>
+          </a:bodyPr>
+          <a:lstStyle/>
+          <a:p>
+            <a:pPr algn="ctr"/>
+            <a:r>
+              <a:rPr lang="en-US" sz="1100" dirty="0">
+                <a:solidFill>
+                  <a:srgbClr val="7030A0"/>
+                </a:solidFill>
+              </a:rPr>
+              <a:t>1</a:t>
+            </a:r>
+            <a:endParaRPr lang="en-SG" sz="1100" dirty="0">
+              <a:solidFill>
+                <a:srgbClr val="7030A0"/>
+              </a:solidFill>
+            </a:endParaRPr>
+          </a:p>
+        </p:txBody>
+      </p:sp>
+      <p:sp>
+        <p:nvSpPr>
+          <p:cNvPr id="61" name="TextBox 60"/>
+          <p:cNvSpPr txBox="1"/>
+          <p:nvPr/>
+        </p:nvSpPr>
+        <p:spPr>
+          <a:xfrm>
+            <a:off x="6135256" y="3097917"/>
+            <a:ext cx="189257" cy="178683"/>
+          </a:xfrm>
+          <a:prstGeom prst="rect">
+            <a:avLst/>
+          </a:prstGeom>
+          <a:noFill/>
+        </p:spPr>
+        <p:txBody>
+          <a:bodyPr wrap="square" lIns="0" tIns="0" rIns="0" bIns="0" rtlCol="0">
+            <a:noAutofit/>
+          </a:bodyPr>
+          <a:lstStyle/>
+          <a:p>
+            <a:pPr algn="ctr"/>
+            <a:r>
+              <a:rPr lang="en-US" sz="1100" dirty="0">
+                <a:solidFill>
+                  <a:srgbClr val="7030A0"/>
+                </a:solidFill>
+              </a:rPr>
+              <a:t>*</a:t>
+            </a:r>
+            <a:endParaRPr lang="en-SG" sz="1100" dirty="0">
+              <a:solidFill>
+                <a:srgbClr val="7030A0"/>
+              </a:solidFill>
+            </a:endParaRPr>
+          </a:p>
+        </p:txBody>
+      </p:sp>
+      <p:sp>
+        <p:nvSpPr>
+          <p:cNvPr id="65" name="TextBox 64"/>
+          <p:cNvSpPr txBox="1"/>
+          <p:nvPr/>
+        </p:nvSpPr>
+        <p:spPr>
+          <a:xfrm>
+            <a:off x="2573394" y="2756715"/>
+            <a:ext cx="170110" cy="137542"/>
+          </a:xfrm>
+          <a:prstGeom prst="rect">
+            <a:avLst/>
+          </a:prstGeom>
+          <a:noFill/>
+        </p:spPr>
+        <p:txBody>
+          <a:bodyPr wrap="square" lIns="0" tIns="0" rIns="0" bIns="0" rtlCol="0">
+            <a:noAutofit/>
+          </a:bodyPr>
+          <a:lstStyle/>
+          <a:p>
+            <a:pPr algn="ctr"/>
+            <a:r>
+              <a:rPr lang="en-US" sz="1100" dirty="0">
+                <a:solidFill>
+                  <a:srgbClr val="7030A0"/>
+                </a:solidFill>
+              </a:rPr>
+              <a:t>1</a:t>
+            </a:r>
+            <a:endParaRPr lang="en-SG" sz="1100" dirty="0">
+              <a:solidFill>
+                <a:srgbClr val="7030A0"/>
+              </a:solidFill>
+            </a:endParaRPr>
+          </a:p>
+        </p:txBody>
+      </p:sp>
+      <p:sp>
+        <p:nvSpPr>
+          <p:cNvPr id="66" name="TextBox 65"/>
+          <p:cNvSpPr txBox="1"/>
+          <p:nvPr/>
+        </p:nvSpPr>
+        <p:spPr>
+          <a:xfrm>
+            <a:off x="2630191" y="3667737"/>
+            <a:ext cx="189257" cy="178683"/>
+          </a:xfrm>
+          <a:prstGeom prst="rect">
+            <a:avLst/>
+          </a:prstGeom>
+          <a:noFill/>
+        </p:spPr>
+        <p:txBody>
+          <a:bodyPr wrap="square" lIns="0" tIns="0" rIns="0" bIns="0" rtlCol="0">
+            <a:noAutofit/>
+          </a:bodyPr>
+          <a:lstStyle/>
+          <a:p>
+            <a:pPr algn="ctr"/>
+            <a:r>
+              <a:rPr lang="en-US" sz="1100" dirty="0">
+                <a:solidFill>
+                  <a:srgbClr val="7030A0"/>
+                </a:solidFill>
+              </a:rPr>
+              <a:t>1</a:t>
+            </a:r>
+            <a:endParaRPr lang="en-SG" sz="1100" dirty="0">
+              <a:solidFill>
+                <a:srgbClr val="7030A0"/>
+              </a:solidFill>
+            </a:endParaRPr>
+          </a:p>
+        </p:txBody>
+      </p:sp>
+      <p:sp>
+        <p:nvSpPr>
+          <p:cNvPr id="70" name="TextBox 69"/>
+          <p:cNvSpPr txBox="1"/>
+          <p:nvPr/>
+        </p:nvSpPr>
+        <p:spPr>
+          <a:xfrm>
+            <a:off x="6449896" y="3204826"/>
+            <a:ext cx="189257" cy="178683"/>
+          </a:xfrm>
+          <a:prstGeom prst="rect">
+            <a:avLst/>
+          </a:prstGeom>
+          <a:noFill/>
+        </p:spPr>
+        <p:txBody>
+          <a:bodyPr wrap="square" lIns="0" tIns="0" rIns="0" bIns="0" rtlCol="0">
+            <a:noAutofit/>
+          </a:bodyPr>
+          <a:lstStyle/>
+          <a:p>
+            <a:pPr algn="ctr"/>
+            <a:r>
+              <a:rPr lang="en-US" sz="1100" dirty="0">
+                <a:solidFill>
+                  <a:srgbClr val="7030A0"/>
+                </a:solidFill>
+              </a:rPr>
+              <a:t>1</a:t>
+            </a:r>
+            <a:endParaRPr lang="en-SG" sz="1100" dirty="0">
+              <a:solidFill>
+                <a:srgbClr val="7030A0"/>
+              </a:solidFill>
+            </a:endParaRPr>
+          </a:p>
+        </p:txBody>
+      </p:sp>
+      <p:sp>
+        <p:nvSpPr>
+          <p:cNvPr id="52" name="Rectangle 8">
+            <a:extLst>
+              <a:ext uri="{FF2B5EF4-FFF2-40B4-BE49-F238E27FC236}">
+                <a16:creationId xmlns:a16="http://schemas.microsoft.com/office/drawing/2014/main" id="{ABDCDBD2-131A-4B66-A2F2-43BBEE82C773}"/>
+              </a:ext>
+            </a:extLst>
+          </p:cNvPr>
+          <p:cNvSpPr/>
+          <p:nvPr/>
+        </p:nvSpPr>
+        <p:spPr>
+          <a:xfrm>
+            <a:off x="7712397" y="2228817"/>
+            <a:ext cx="812516" cy="285783"/>
+          </a:xfrm>
+          <a:prstGeom prst="rect">
+            <a:avLst/>
+          </a:prstGeom>
+          <a:ln w="19050">
+            <a:solidFill>
+              <a:srgbClr val="7030A0"/>
+            </a:solidFill>
+          </a:ln>
+          <a:effectLst/>
+        </p:spPr>
+        <p:style>
+          <a:lnRef idx="1">
+            <a:schemeClr val="accent4"/>
+          </a:lnRef>
+          <a:fillRef idx="2">
+            <a:schemeClr val="accent4"/>
+          </a:fillRef>
+          <a:effectRef idx="1">
+            <a:schemeClr val="accent4"/>
+          </a:effectRef>
+          <a:fontRef idx="minor">
+            <a:schemeClr val="dk1"/>
+          </a:fontRef>
+        </p:style>
+        <p:txBody>
+          <a:bodyPr rtlCol="0" anchor="ctr"/>
+          <a:lstStyle/>
+          <a:p>
+            <a:pPr algn="ctr"/>
+            <a:r>
+              <a:rPr lang="en-US" sz="1050" dirty="0">
+                <a:solidFill>
+                  <a:srgbClr val="7030A0"/>
+                </a:solidFill>
+              </a:rPr>
+              <a:t>Name</a:t>
+            </a:r>
+            <a:endParaRPr lang="en-SG" sz="1050" dirty="0">
+              <a:solidFill>
+                <a:srgbClr val="7030A0"/>
+              </a:solidFill>
+            </a:endParaRPr>
+          </a:p>
+        </p:txBody>
+      </p:sp>
+      <p:cxnSp>
+        <p:nvCxnSpPr>
+          <p:cNvPr id="53" name="Elbow Connector 78">
+            <a:extLst>
+              <a:ext uri="{FF2B5EF4-FFF2-40B4-BE49-F238E27FC236}">
+                <a16:creationId xmlns:a16="http://schemas.microsoft.com/office/drawing/2014/main" id="{B97967F8-618A-448B-81FD-CDFD4AF0EC64}"/>
+              </a:ext>
+            </a:extLst>
+          </p:cNvPr>
           <p:cNvCxnSpPr>
             <a:cxnSpLocks/>
             <a:stCxn id="78" idx="3"/>
-            <a:endCxn id="85" idx="1"/>
+            <a:endCxn id="52" idx="1"/>
           </p:cNvCxnSpPr>
           <p:nvPr/>
         </p:nvCxnSpPr>
         <p:spPr>
-          <a:xfrm>
-            <a:off x="7277995" y="3034891"/>
-            <a:ext cx="434401" cy="641172"/>
+          <a:xfrm flipV="1">
+            <a:off x="7277995" y="2371709"/>
+            <a:ext cx="434402" cy="663182"/>
           </a:xfrm>
           <a:prstGeom prst="bentConnector3">
-            <a:avLst/>
+            <a:avLst>
+              <a:gd name="adj1" fmla="val 50000"/>
+            </a:avLst>
           </a:prstGeom>
           <a:ln w="19050">
             <a:solidFill>
@@ -4757,6 +5343,377 @@
             </a:solidFill>
             <a:headEnd type="none" w="med" len="med"/>
             <a:tailEnd type="arrow" w="med" len="med"/>
+          </a:ln>
+          <a:effectLst/>
+        </p:spPr>
+        <p:style>
+          <a:lnRef idx="1">
+            <a:schemeClr val="accent2"/>
+          </a:lnRef>
+          <a:fillRef idx="2">
+            <a:schemeClr val="accent2"/>
+          </a:fillRef>
+          <a:effectRef idx="1">
+            <a:schemeClr val="accent2"/>
+          </a:effectRef>
+          <a:fontRef idx="minor">
+            <a:schemeClr val="dk1"/>
+          </a:fontRef>
+        </p:style>
+      </p:cxnSp>
+      <p:sp>
+        <p:nvSpPr>
+          <p:cNvPr id="50" name="TextBox 49">
+            <a:extLst>
+              <a:ext uri="{FF2B5EF4-FFF2-40B4-BE49-F238E27FC236}">
+                <a16:creationId xmlns:a16="http://schemas.microsoft.com/office/drawing/2014/main" id="{B3FA9D57-880F-49C4-AD0B-A64E30D6F403}"/>
+              </a:ext>
+            </a:extLst>
+          </p:cNvPr>
+          <p:cNvSpPr txBox="1"/>
+          <p:nvPr/>
+        </p:nvSpPr>
+        <p:spPr>
+          <a:xfrm>
+            <a:off x="7466243" y="2255711"/>
+            <a:ext cx="189257" cy="178683"/>
+          </a:xfrm>
+          <a:prstGeom prst="rect">
+            <a:avLst/>
+          </a:prstGeom>
+          <a:noFill/>
+        </p:spPr>
+        <p:txBody>
+          <a:bodyPr wrap="square" lIns="0" tIns="0" rIns="0" bIns="0" rtlCol="0">
+            <a:noAutofit/>
+          </a:bodyPr>
+          <a:lstStyle/>
+          <a:p>
+            <a:pPr algn="ctr"/>
+            <a:endParaRPr lang="en-SG" sz="1100" dirty="0">
+              <a:solidFill>
+                <a:srgbClr val="7030A0"/>
+              </a:solidFill>
+            </a:endParaRPr>
+          </a:p>
+        </p:txBody>
+      </p:sp>
+      <p:sp>
+        <p:nvSpPr>
+          <p:cNvPr id="55" name="Rectangle 8"/>
+          <p:cNvSpPr/>
+          <p:nvPr/>
+        </p:nvSpPr>
+        <p:spPr>
+          <a:xfrm>
+            <a:off x="3170181" y="1998350"/>
+            <a:ext cx="1060683" cy="364396"/>
+          </a:xfrm>
+          <a:prstGeom prst="rect">
+            <a:avLst/>
+          </a:prstGeom>
+          <a:ln w="19050">
+            <a:solidFill>
+              <a:srgbClr val="7030A0"/>
+            </a:solidFill>
+          </a:ln>
+          <a:effectLst/>
+        </p:spPr>
+        <p:style>
+          <a:lnRef idx="1">
+            <a:schemeClr val="accent4"/>
+          </a:lnRef>
+          <a:fillRef idx="2">
+            <a:schemeClr val="accent4"/>
+          </a:fillRef>
+          <a:effectRef idx="1">
+            <a:schemeClr val="accent4"/>
+          </a:effectRef>
+          <a:fontRef idx="minor">
+            <a:schemeClr val="dk1"/>
+          </a:fontRef>
+        </p:style>
+        <p:txBody>
+          <a:bodyPr rtlCol="0" anchor="ctr"/>
+          <a:lstStyle/>
+          <a:p>
+            <a:pPr algn="ctr"/>
+            <a:r>
+              <a:rPr lang="en-US" sz="1050" dirty="0" err="1">
+                <a:solidFill>
+                  <a:srgbClr val="7030A0"/>
+                </a:solidFill>
+              </a:rPr>
+              <a:t>FinanceTracker</a:t>
+            </a:r>
+            <a:endParaRPr lang="en-SG" sz="1050" dirty="0">
+              <a:solidFill>
+                <a:srgbClr val="7030A0"/>
+              </a:solidFill>
+            </a:endParaRPr>
+          </a:p>
+        </p:txBody>
+      </p:sp>
+      <p:sp>
+        <p:nvSpPr>
+          <p:cNvPr id="68" name="Isosceles Triangle 102"/>
+          <p:cNvSpPr/>
+          <p:nvPr/>
+        </p:nvSpPr>
+        <p:spPr>
+          <a:xfrm rot="16200000">
+            <a:off x="2669073" y="2069158"/>
+            <a:ext cx="271014" cy="187417"/>
+          </a:xfrm>
+          <a:prstGeom prst="triangle">
+            <a:avLst>
+              <a:gd name="adj" fmla="val 44517"/>
+            </a:avLst>
+          </a:prstGeom>
+          <a:solidFill>
+            <a:schemeClr val="accent4">
+              <a:lumMod val="20000"/>
+              <a:lumOff val="80000"/>
+            </a:schemeClr>
+          </a:solidFill>
+          <a:ln w="19050">
+            <a:solidFill>
+              <a:srgbClr val="7030A0"/>
+            </a:solidFill>
+          </a:ln>
+          <a:effectLst/>
+        </p:spPr>
+        <p:style>
+          <a:lnRef idx="1">
+            <a:schemeClr val="accent6"/>
+          </a:lnRef>
+          <a:fillRef idx="2">
+            <a:schemeClr val="accent6"/>
+          </a:fillRef>
+          <a:effectRef idx="1">
+            <a:schemeClr val="accent6"/>
+          </a:effectRef>
+          <a:fontRef idx="minor">
+            <a:schemeClr val="dk1"/>
+          </a:fontRef>
+        </p:style>
+        <p:txBody>
+          <a:bodyPr rtlCol="0" anchor="ctr"/>
+          <a:lstStyle/>
+          <a:p>
+            <a:pPr algn="ctr"/>
+            <a:endParaRPr lang="en-SG" sz="1050"/>
+          </a:p>
+        </p:txBody>
+      </p:sp>
+      <p:cxnSp>
+        <p:nvCxnSpPr>
+          <p:cNvPr id="69" name="Elbow Connector 63"/>
+          <p:cNvCxnSpPr>
+            <a:stCxn id="68" idx="3"/>
+            <a:endCxn id="55" idx="1"/>
+          </p:cNvCxnSpPr>
+          <p:nvPr/>
+        </p:nvCxnSpPr>
+        <p:spPr>
+          <a:xfrm>
+            <a:off x="2898289" y="2177727"/>
+            <a:ext cx="271892" cy="2821"/>
+          </a:xfrm>
+          <a:prstGeom prst="bentConnector3">
+            <a:avLst>
+              <a:gd name="adj1" fmla="val 50000"/>
+            </a:avLst>
+          </a:prstGeom>
+          <a:ln w="19050">
+            <a:solidFill>
+              <a:srgbClr val="7030A0"/>
+            </a:solidFill>
+            <a:prstDash val="sysDot"/>
+            <a:headEnd type="none" w="med" len="med"/>
+            <a:tailEnd type="none" w="med" len="med"/>
+          </a:ln>
+          <a:effectLst/>
+        </p:spPr>
+        <p:style>
+          <a:lnRef idx="1">
+            <a:schemeClr val="accent2"/>
+          </a:lnRef>
+          <a:fillRef idx="2">
+            <a:schemeClr val="accent2"/>
+          </a:fillRef>
+          <a:effectRef idx="1">
+            <a:schemeClr val="accent2"/>
+          </a:effectRef>
+          <a:fontRef idx="minor">
+            <a:schemeClr val="dk1"/>
+          </a:fontRef>
+        </p:style>
+      </p:cxnSp>
+      <p:sp>
+        <p:nvSpPr>
+          <p:cNvPr id="57" name="Rectangle 8">
+            <a:extLst>
+              <a:ext uri="{FF2B5EF4-FFF2-40B4-BE49-F238E27FC236}">
+                <a16:creationId xmlns:a16="http://schemas.microsoft.com/office/drawing/2014/main" id="{6A42DA50-9012-4391-9EF3-285E4FA3FCD8}"/>
+              </a:ext>
+            </a:extLst>
+          </p:cNvPr>
+          <p:cNvSpPr/>
+          <p:nvPr/>
+        </p:nvSpPr>
+        <p:spPr>
+          <a:xfrm>
+            <a:off x="4238892" y="3460864"/>
+            <a:ext cx="1293486" cy="346760"/>
+          </a:xfrm>
+          <a:prstGeom prst="rect">
+            <a:avLst/>
+          </a:prstGeom>
+          <a:ln w="19050">
+            <a:solidFill>
+              <a:srgbClr val="7030A0"/>
+            </a:solidFill>
+          </a:ln>
+          <a:effectLst/>
+        </p:spPr>
+        <p:style>
+          <a:lnRef idx="1">
+            <a:schemeClr val="accent4"/>
+          </a:lnRef>
+          <a:fillRef idx="2">
+            <a:schemeClr val="accent4"/>
+          </a:fillRef>
+          <a:effectRef idx="1">
+            <a:schemeClr val="accent4"/>
+          </a:effectRef>
+          <a:fontRef idx="minor">
+            <a:schemeClr val="dk1"/>
+          </a:fontRef>
+        </p:style>
+        <p:txBody>
+          <a:bodyPr rtlCol="0" anchor="ctr"/>
+          <a:lstStyle/>
+          <a:p>
+            <a:pPr algn="ctr"/>
+            <a:r>
+              <a:rPr lang="en-US" sz="1050" dirty="0">
+                <a:solidFill>
+                  <a:srgbClr val="7030A0"/>
+                </a:solidFill>
+              </a:rPr>
+              <a:t>&lt;&lt;interface&gt;&gt;</a:t>
+            </a:r>
+          </a:p>
+          <a:p>
+            <a:pPr algn="ctr"/>
+            <a:r>
+              <a:rPr lang="en-US" sz="1050" dirty="0" err="1">
+                <a:solidFill>
+                  <a:srgbClr val="7030A0"/>
+                </a:solidFill>
+              </a:rPr>
+              <a:t>ReadOnlyUserPrefs</a:t>
+            </a:r>
+            <a:endParaRPr lang="en-SG" sz="1050" dirty="0">
+              <a:solidFill>
+                <a:srgbClr val="7030A0"/>
+              </a:solidFill>
+            </a:endParaRPr>
+          </a:p>
+        </p:txBody>
+      </p:sp>
+      <p:sp>
+        <p:nvSpPr>
+          <p:cNvPr id="59" name="Isosceles Triangle 102">
+            <a:extLst>
+              <a:ext uri="{FF2B5EF4-FFF2-40B4-BE49-F238E27FC236}">
+                <a16:creationId xmlns:a16="http://schemas.microsoft.com/office/drawing/2014/main" id="{B263B2D7-6E76-465E-B40E-7E2A46254A84}"/>
+              </a:ext>
+            </a:extLst>
+          </p:cNvPr>
+          <p:cNvSpPr/>
+          <p:nvPr/>
+        </p:nvSpPr>
+        <p:spPr>
+          <a:xfrm rot="5400000" flipH="1">
+            <a:off x="3992636" y="3514414"/>
+            <a:ext cx="271014" cy="221497"/>
+          </a:xfrm>
+          <a:prstGeom prst="triangle">
+            <a:avLst>
+              <a:gd name="adj" fmla="val 44517"/>
+            </a:avLst>
+          </a:prstGeom>
+          <a:solidFill>
+            <a:schemeClr val="accent4">
+              <a:lumMod val="20000"/>
+              <a:lumOff val="80000"/>
+            </a:schemeClr>
+          </a:solidFill>
+          <a:ln w="19050">
+            <a:solidFill>
+              <a:srgbClr val="7030A0"/>
+            </a:solidFill>
+          </a:ln>
+          <a:effectLst/>
+        </p:spPr>
+        <p:style>
+          <a:lnRef idx="1">
+            <a:schemeClr val="accent6"/>
+          </a:lnRef>
+          <a:fillRef idx="2">
+            <a:schemeClr val="accent6"/>
+          </a:fillRef>
+          <a:effectRef idx="1">
+            <a:schemeClr val="accent6"/>
+          </a:effectRef>
+          <a:fontRef idx="minor">
+            <a:schemeClr val="dk1"/>
+          </a:fontRef>
+        </p:style>
+        <p:txBody>
+          <a:bodyPr rtlCol="0" anchor="ctr"/>
+          <a:lstStyle/>
+          <a:p>
+            <a:pPr algn="ctr"/>
+            <a:endParaRPr lang="en-SG" sz="1050"/>
+          </a:p>
+        </p:txBody>
+      </p:sp>
+      <p:cxnSp>
+        <p:nvCxnSpPr>
+          <p:cNvPr id="67" name="Elbow Connector 63">
+            <a:extLst>
+              <a:ext uri="{FF2B5EF4-FFF2-40B4-BE49-F238E27FC236}">
+                <a16:creationId xmlns:a16="http://schemas.microsoft.com/office/drawing/2014/main" id="{BA3A25CD-7C1D-4B3B-B294-1B05ABCFECFD}"/>
+              </a:ext>
+            </a:extLst>
+          </p:cNvPr>
+          <p:cNvCxnSpPr>
+            <a:cxnSpLocks/>
+            <a:stCxn id="59" idx="3"/>
+            <a:endCxn id="2" idx="3"/>
+          </p:cNvCxnSpPr>
+          <p:nvPr/>
+        </p:nvCxnSpPr>
+        <p:spPr>
+          <a:xfrm rot="10800000">
+            <a:off x="3703491" y="3636621"/>
+            <a:ext cx="313904" cy="3403"/>
+          </a:xfrm>
+          <a:prstGeom prst="bentConnector3">
+            <a:avLst>
+              <a:gd name="adj1" fmla="val 50000"/>
+            </a:avLst>
+          </a:prstGeom>
+          <a:ln w="19050">
+            <a:solidFill>
+              <a:srgbClr val="7030A0"/>
+            </a:solidFill>
+            <a:prstDash val="sysDot"/>
+            <a:headEnd type="none" w="med" len="med"/>
+            <a:tailEnd type="none" w="med" len="med"/>
           </a:ln>
           <a:effectLst/>
         </p:spPr>
@@ -4777,30 +5734,30 @@
       </p:cxnSp>
       <p:cxnSp>
         <p:nvCxnSpPr>
-          <p:cNvPr id="97" name="Elbow Connector 63"/>
-          <p:cNvCxnSpPr>
-            <a:cxnSpLocks/>
-            <a:stCxn id="99" idx="3"/>
-          </p:cNvCxnSpPr>
+          <p:cNvPr id="56" name="Straight Arrow Connector 55">
+            <a:extLst>
+              <a:ext uri="{FF2B5EF4-FFF2-40B4-BE49-F238E27FC236}">
+                <a16:creationId xmlns:a16="http://schemas.microsoft.com/office/drawing/2014/main" id="{4A5DED9B-0D9C-441F-B8CC-467FFF3784E6}"/>
+              </a:ext>
+            </a:extLst>
+          </p:cNvPr>
+          <p:cNvCxnSpPr/>
           <p:nvPr/>
         </p:nvCxnSpPr>
         <p:spPr>
-          <a:xfrm rot="16200000" flipH="1">
-            <a:off x="3566454" y="2680653"/>
-            <a:ext cx="274076" cy="1"/>
-          </a:xfrm>
-          <a:prstGeom prst="bentConnector3">
-            <a:avLst>
-              <a:gd name="adj1" fmla="val 50000"/>
-            </a:avLst>
+          <a:xfrm>
+            <a:off x="4324972" y="3007222"/>
+            <a:ext cx="367678" cy="12320"/>
+          </a:xfrm>
+          <a:prstGeom prst="straightConnector1">
+            <a:avLst/>
           </a:prstGeom>
           <a:ln w="19050">
             <a:solidFill>
               <a:srgbClr val="7030A0"/>
             </a:solidFill>
-            <a:prstDash val="sysDot"/>
             <a:headEnd type="none" w="med" len="med"/>
-            <a:tailEnd type="none" w="med" len="med"/>
+            <a:tailEnd type="arrow" w="med" len="med"/>
           </a:ln>
           <a:effectLst/>
         </p:spPr>
@@ -4819,263 +5776,37 @@
           </a:fontRef>
         </p:style>
       </p:cxnSp>
-      <p:sp>
-        <p:nvSpPr>
-          <p:cNvPr id="99" name="Isosceles Triangle 102"/>
-          <p:cNvSpPr/>
+      <p:cxnSp>
+        <p:nvCxnSpPr>
+          <p:cNvPr id="72" name="Elbow Connector 106">
+            <a:extLst>
+              <a:ext uri="{FF2B5EF4-FFF2-40B4-BE49-F238E27FC236}">
+                <a16:creationId xmlns:a16="http://schemas.microsoft.com/office/drawing/2014/main" id="{462BC69C-89CC-4ADF-8FF7-E3ABDD7B82E5}"/>
+              </a:ext>
+            </a:extLst>
+          </p:cNvPr>
+          <p:cNvCxnSpPr>
+            <a:cxnSpLocks/>
+            <a:stCxn id="51" idx="0"/>
+            <a:endCxn id="73" idx="2"/>
+          </p:cNvCxnSpPr>
           <p:nvPr/>
-        </p:nvSpPr>
-        <p:spPr>
-          <a:xfrm rot="10800000" flipV="1">
-            <a:off x="3562299" y="2386554"/>
-            <a:ext cx="282387" cy="157062"/>
-          </a:xfrm>
-          <a:prstGeom prst="triangle">
-            <a:avLst/>
-          </a:prstGeom>
-          <a:solidFill>
-            <a:schemeClr val="accent4">
-              <a:lumMod val="20000"/>
-              <a:lumOff val="80000"/>
-            </a:schemeClr>
-          </a:solidFill>
+        </p:nvCxnSpPr>
+        <p:spPr>
+          <a:xfrm rot="5400000" flipH="1" flipV="1">
+            <a:off x="4473766" y="2322818"/>
+            <a:ext cx="566945" cy="628485"/>
+          </a:xfrm>
+          <a:prstGeom prst="bentConnector3">
+            <a:avLst>
+              <a:gd name="adj1" fmla="val 50000"/>
+            </a:avLst>
+          </a:prstGeom>
           <a:ln w="19050">
             <a:solidFill>
               <a:srgbClr val="7030A0"/>
             </a:solidFill>
-          </a:ln>
-          <a:effectLst/>
-        </p:spPr>
-        <p:style>
-          <a:lnRef idx="1">
-            <a:schemeClr val="accent4"/>
-          </a:lnRef>
-          <a:fillRef idx="2">
-            <a:schemeClr val="accent4"/>
-          </a:fillRef>
-          <a:effectRef idx="1">
-            <a:schemeClr val="accent4"/>
-          </a:effectRef>
-          <a:fontRef idx="minor">
-            <a:schemeClr val="dk1"/>
-          </a:fontRef>
-        </p:style>
-        <p:txBody>
-          <a:bodyPr rtlCol="0" anchor="ctr"/>
-          <a:lstStyle/>
-          <a:p>
-            <a:pPr algn="ctr"/>
-            <a:endParaRPr lang="en-SG" sz="1050" b="1">
-              <a:solidFill>
-                <a:srgbClr val="92D050"/>
-              </a:solidFill>
-            </a:endParaRPr>
-          </a:p>
-        </p:txBody>
-      </p:sp>
-      <p:sp>
-        <p:nvSpPr>
-          <p:cNvPr id="100" name="Rectangle 8"/>
-          <p:cNvSpPr/>
-          <p:nvPr/>
-        </p:nvSpPr>
-        <p:spPr>
-          <a:xfrm>
-            <a:off x="1119866" y="1946417"/>
-            <a:ext cx="1584718" cy="416329"/>
-          </a:xfrm>
-          <a:prstGeom prst="rect">
-            <a:avLst/>
-          </a:prstGeom>
-          <a:ln w="19050">
-            <a:solidFill>
-              <a:srgbClr val="7030A0"/>
-            </a:solidFill>
-          </a:ln>
-          <a:effectLst/>
-        </p:spPr>
-        <p:style>
-          <a:lnRef idx="1">
-            <a:schemeClr val="accent4"/>
-          </a:lnRef>
-          <a:fillRef idx="2">
-            <a:schemeClr val="accent4"/>
-          </a:fillRef>
-          <a:effectRef idx="1">
-            <a:schemeClr val="accent4"/>
-          </a:effectRef>
-          <a:fontRef idx="minor">
-            <a:schemeClr val="dk1"/>
-          </a:fontRef>
-        </p:style>
-        <p:txBody>
-          <a:bodyPr rtlCol="0" anchor="ctr"/>
-          <a:lstStyle/>
-          <a:p>
-            <a:pPr algn="ctr"/>
-            <a:r>
-              <a:rPr lang="en-US" sz="1050" dirty="0">
-                <a:solidFill>
-                  <a:srgbClr val="7030A0"/>
-                </a:solidFill>
-              </a:rPr>
-              <a:t>&lt;&lt;interface&gt;&gt;</a:t>
-            </a:r>
-            <a:br>
-              <a:rPr lang="en-US" sz="1050" dirty="0">
-                <a:solidFill>
-                  <a:srgbClr val="7030A0"/>
-                </a:solidFill>
-              </a:rPr>
-            </a:br>
-            <a:r>
-              <a:rPr lang="en-US" sz="1050" dirty="0" err="1">
-                <a:solidFill>
-                  <a:srgbClr val="7030A0"/>
-                </a:solidFill>
-              </a:rPr>
-              <a:t>ReadOnlyFinanceTracker</a:t>
-            </a:r>
-            <a:endParaRPr lang="en-SG" sz="1050" dirty="0">
-              <a:solidFill>
-                <a:srgbClr val="7030A0"/>
-              </a:solidFill>
-            </a:endParaRPr>
-          </a:p>
-        </p:txBody>
-      </p:sp>
-      <p:sp>
-        <p:nvSpPr>
-          <p:cNvPr id="114" name="TextBox 113"/>
-          <p:cNvSpPr txBox="1"/>
-          <p:nvPr/>
-        </p:nvSpPr>
-        <p:spPr>
-          <a:xfrm rot="16200000">
-            <a:off x="6362886" y="3586305"/>
-            <a:ext cx="881018" cy="261610"/>
-          </a:xfrm>
-          <a:prstGeom prst="rect">
-            <a:avLst/>
-          </a:prstGeom>
-          <a:noFill/>
-        </p:spPr>
-        <p:txBody>
-          <a:bodyPr wrap="square" rtlCol="0">
-            <a:spAutoFit/>
-          </a:bodyPr>
-          <a:lstStyle/>
-          <a:p>
-            <a:pPr algn="r"/>
-            <a:r>
-              <a:rPr lang="en-US" sz="1100" dirty="0">
-                <a:solidFill>
-                  <a:srgbClr val="7030A0"/>
-                </a:solidFill>
-              </a:rPr>
-              <a:t>filtered list</a:t>
-            </a:r>
-            <a:endParaRPr lang="en-SG" sz="1100" dirty="0">
-              <a:solidFill>
-                <a:srgbClr val="7030A0"/>
-              </a:solidFill>
-            </a:endParaRPr>
-          </a:p>
-        </p:txBody>
-      </p:sp>
-      <p:sp>
-        <p:nvSpPr>
-          <p:cNvPr id="122" name="Rectangle 8"/>
-          <p:cNvSpPr/>
-          <p:nvPr/>
-        </p:nvSpPr>
-        <p:spPr>
-          <a:xfrm>
-            <a:off x="2057401" y="4239491"/>
-            <a:ext cx="1066800" cy="346760"/>
-          </a:xfrm>
-          <a:prstGeom prst="rect">
-            <a:avLst/>
-          </a:prstGeom>
-          <a:ln w="19050">
-            <a:solidFill>
-              <a:srgbClr val="7030A0"/>
-            </a:solidFill>
-          </a:ln>
-          <a:effectLst/>
-        </p:spPr>
-        <p:style>
-          <a:lnRef idx="1">
-            <a:schemeClr val="accent4"/>
-          </a:lnRef>
-          <a:fillRef idx="2">
-            <a:schemeClr val="accent4"/>
-          </a:fillRef>
-          <a:effectRef idx="1">
-            <a:schemeClr val="accent4"/>
-          </a:effectRef>
-          <a:fontRef idx="minor">
-            <a:schemeClr val="dk1"/>
-          </a:fontRef>
-        </p:style>
-        <p:txBody>
-          <a:bodyPr rtlCol="0" anchor="ctr"/>
-          <a:lstStyle/>
-          <a:p>
-            <a:pPr algn="ctr"/>
-            <a:r>
-              <a:rPr lang="en-US" sz="1050" dirty="0">
-                <a:solidFill>
-                  <a:srgbClr val="7030A0"/>
-                </a:solidFill>
-              </a:rPr>
-              <a:t>&lt;&lt;interface&gt;&gt;</a:t>
-            </a:r>
-            <a:br>
-              <a:rPr lang="en-US" sz="1050">
-                <a:solidFill>
-                  <a:srgbClr val="7030A0"/>
-                </a:solidFill>
-              </a:rPr>
-            </a:br>
-            <a:r>
-              <a:rPr lang="en-US" sz="1050" dirty="0" err="1">
-                <a:solidFill>
-                  <a:srgbClr val="7030A0"/>
-                </a:solidFill>
-              </a:rPr>
-              <a:t>ObservableList</a:t>
-            </a:r>
-            <a:endParaRPr lang="en-SG" sz="1050" dirty="0">
-              <a:solidFill>
-                <a:srgbClr val="7030A0"/>
-              </a:solidFill>
-            </a:endParaRPr>
-          </a:p>
-        </p:txBody>
-      </p:sp>
-      <p:cxnSp>
-        <p:nvCxnSpPr>
-          <p:cNvPr id="124" name="Elbow Connector 122"/>
-          <p:cNvCxnSpPr>
-            <a:stCxn id="119" idx="1"/>
-            <a:endCxn id="122" idx="1"/>
-          </p:cNvCxnSpPr>
-          <p:nvPr/>
-        </p:nvCxnSpPr>
-        <p:spPr>
-          <a:xfrm rot="16200000" flipH="1">
-            <a:off x="1364475" y="3719944"/>
-            <a:ext cx="831471" cy="554381"/>
-          </a:xfrm>
-          <a:prstGeom prst="bentConnector2">
-            <a:avLst/>
-          </a:prstGeom>
-          <a:ln w="19050">
-            <a:solidFill>
-              <a:srgbClr val="7030A0"/>
-            </a:solidFill>
-            <a:prstDash val="sysDot"/>
+            <a:prstDash val="solid"/>
             <a:headEnd type="none" w="med" len="med"/>
             <a:tailEnd type="arrow" w="med" len="med"/>
           </a:ln>
@@ -5098,205 +5829,10 @@
       </p:cxnSp>
       <p:sp>
         <p:nvSpPr>
-          <p:cNvPr id="54" name="TextBox 53"/>
-          <p:cNvSpPr txBox="1"/>
-          <p:nvPr/>
-        </p:nvSpPr>
-        <p:spPr>
-          <a:xfrm>
-            <a:off x="4429979" y="3111479"/>
-            <a:ext cx="189257" cy="178683"/>
-          </a:xfrm>
-          <a:prstGeom prst="rect">
-            <a:avLst/>
-          </a:prstGeom>
-          <a:noFill/>
-        </p:spPr>
-        <p:txBody>
-          <a:bodyPr wrap="square" lIns="0" tIns="0" rIns="0" bIns="0" rtlCol="0">
-            <a:noAutofit/>
-          </a:bodyPr>
-          <a:lstStyle/>
-          <a:p>
-            <a:pPr algn="ctr"/>
-            <a:r>
-              <a:rPr lang="en-US" sz="1100" dirty="0">
-                <a:solidFill>
-                  <a:srgbClr val="7030A0"/>
-                </a:solidFill>
-              </a:rPr>
-              <a:t>1</a:t>
-            </a:r>
-            <a:endParaRPr lang="en-SG" sz="1100" dirty="0">
-              <a:solidFill>
-                <a:srgbClr val="7030A0"/>
-              </a:solidFill>
-            </a:endParaRPr>
-          </a:p>
-        </p:txBody>
-      </p:sp>
-      <p:sp>
-        <p:nvSpPr>
-          <p:cNvPr id="61" name="TextBox 60"/>
-          <p:cNvSpPr txBox="1"/>
-          <p:nvPr/>
-        </p:nvSpPr>
-        <p:spPr>
-          <a:xfrm>
-            <a:off x="6135256" y="3097917"/>
-            <a:ext cx="189257" cy="178683"/>
-          </a:xfrm>
-          <a:prstGeom prst="rect">
-            <a:avLst/>
-          </a:prstGeom>
-          <a:noFill/>
-        </p:spPr>
-        <p:txBody>
-          <a:bodyPr wrap="square" lIns="0" tIns="0" rIns="0" bIns="0" rtlCol="0">
-            <a:noAutofit/>
-          </a:bodyPr>
-          <a:lstStyle/>
-          <a:p>
-            <a:pPr algn="ctr"/>
-            <a:r>
-              <a:rPr lang="en-US" sz="1100" dirty="0">
-                <a:solidFill>
-                  <a:srgbClr val="7030A0"/>
-                </a:solidFill>
-              </a:rPr>
-              <a:t>*</a:t>
-            </a:r>
-            <a:endParaRPr lang="en-SG" sz="1100" dirty="0">
-              <a:solidFill>
-                <a:srgbClr val="7030A0"/>
-              </a:solidFill>
-            </a:endParaRPr>
-          </a:p>
-        </p:txBody>
-      </p:sp>
-      <p:sp>
-        <p:nvSpPr>
-          <p:cNvPr id="65" name="TextBox 64"/>
-          <p:cNvSpPr txBox="1"/>
-          <p:nvPr/>
-        </p:nvSpPr>
-        <p:spPr>
-          <a:xfrm>
-            <a:off x="2573394" y="2756715"/>
-            <a:ext cx="170110" cy="137542"/>
-          </a:xfrm>
-          <a:prstGeom prst="rect">
-            <a:avLst/>
-          </a:prstGeom>
-          <a:noFill/>
-        </p:spPr>
-        <p:txBody>
-          <a:bodyPr wrap="square" lIns="0" tIns="0" rIns="0" bIns="0" rtlCol="0">
-            <a:noAutofit/>
-          </a:bodyPr>
-          <a:lstStyle/>
-          <a:p>
-            <a:pPr algn="ctr"/>
-            <a:r>
-              <a:rPr lang="en-US" sz="1100" dirty="0">
-                <a:solidFill>
-                  <a:srgbClr val="7030A0"/>
-                </a:solidFill>
-              </a:rPr>
-              <a:t>1</a:t>
-            </a:r>
-            <a:endParaRPr lang="en-SG" sz="1100" dirty="0">
-              <a:solidFill>
-                <a:srgbClr val="7030A0"/>
-              </a:solidFill>
-            </a:endParaRPr>
-          </a:p>
-        </p:txBody>
-      </p:sp>
-      <p:sp>
-        <p:nvSpPr>
-          <p:cNvPr id="66" name="TextBox 65"/>
-          <p:cNvSpPr txBox="1"/>
-          <p:nvPr/>
-        </p:nvSpPr>
-        <p:spPr>
-          <a:xfrm>
-            <a:off x="2630191" y="3667737"/>
-            <a:ext cx="189257" cy="178683"/>
-          </a:xfrm>
-          <a:prstGeom prst="rect">
-            <a:avLst/>
-          </a:prstGeom>
-          <a:noFill/>
-        </p:spPr>
-        <p:txBody>
-          <a:bodyPr wrap="square" lIns="0" tIns="0" rIns="0" bIns="0" rtlCol="0">
-            <a:noAutofit/>
-          </a:bodyPr>
-          <a:lstStyle/>
-          <a:p>
-            <a:pPr algn="ctr"/>
-            <a:r>
-              <a:rPr lang="en-US" sz="1100" dirty="0">
-                <a:solidFill>
-                  <a:srgbClr val="7030A0"/>
-                </a:solidFill>
-              </a:rPr>
-              <a:t>1</a:t>
-            </a:r>
-            <a:endParaRPr lang="en-SG" sz="1100" dirty="0">
-              <a:solidFill>
-                <a:srgbClr val="7030A0"/>
-              </a:solidFill>
-            </a:endParaRPr>
-          </a:p>
-        </p:txBody>
-      </p:sp>
-      <p:sp>
-        <p:nvSpPr>
-          <p:cNvPr id="70" name="TextBox 69"/>
-          <p:cNvSpPr txBox="1"/>
-          <p:nvPr/>
-        </p:nvSpPr>
-        <p:spPr>
-          <a:xfrm>
-            <a:off x="6449896" y="3204826"/>
-            <a:ext cx="189257" cy="178683"/>
-          </a:xfrm>
-          <a:prstGeom prst="rect">
-            <a:avLst/>
-          </a:prstGeom>
-          <a:noFill/>
-        </p:spPr>
-        <p:txBody>
-          <a:bodyPr wrap="square" lIns="0" tIns="0" rIns="0" bIns="0" rtlCol="0">
-            <a:noAutofit/>
-          </a:bodyPr>
-          <a:lstStyle/>
-          <a:p>
-            <a:pPr algn="ctr"/>
-            <a:r>
-              <a:rPr lang="en-US" sz="1100" dirty="0">
-                <a:solidFill>
-                  <a:srgbClr val="7030A0"/>
-                </a:solidFill>
-              </a:rPr>
-              <a:t>1</a:t>
-            </a:r>
-            <a:endParaRPr lang="en-SG" sz="1100" dirty="0">
-              <a:solidFill>
-                <a:srgbClr val="7030A0"/>
-              </a:solidFill>
-            </a:endParaRPr>
-          </a:p>
-        </p:txBody>
-      </p:sp>
-      <p:sp>
-        <p:nvSpPr>
-          <p:cNvPr id="52" name="Rectangle 8">
+          <p:cNvPr id="73" name="Rectangle 8">
             <a:extLst>
               <a:ext uri="{FF2B5EF4-FFF2-40B4-BE49-F238E27FC236}">
-                <a16:creationId xmlns:a16="http://schemas.microsoft.com/office/drawing/2014/main" id="{ABDCDBD2-131A-4B66-A2F2-43BBEE82C773}"/>
+                <a16:creationId xmlns:a16="http://schemas.microsoft.com/office/drawing/2014/main" id="{D0865136-27AA-46B9-9D1E-A562EBABE3B5}"/>
               </a:ext>
             </a:extLst>
           </p:cNvPr>
@@ -5305,8 +5841,8 @@
         </p:nvSpPr>
         <p:spPr>
           <a:xfrm>
-            <a:off x="7712397" y="2228817"/>
-            <a:ext cx="812516" cy="285783"/>
+            <a:off x="4492996" y="2006827"/>
+            <a:ext cx="1156969" cy="346760"/>
           </a:xfrm>
           <a:prstGeom prst="rect">
             <a:avLst/>
@@ -5338,12 +5874,12 @@
           <a:p>
             <a:pPr algn="ctr"/>
             <a:r>
-              <a:rPr lang="en-US" sz="1050" dirty="0">
+              <a:rPr lang="en-US" sz="1050" dirty="0" err="1">
                 <a:solidFill>
                   <a:srgbClr val="7030A0"/>
                 </a:solidFill>
               </a:rPr>
-              <a:t>Name</a:t>
+              <a:t>TotalBudget</a:t>
             </a:r>
             <a:endParaRPr lang="en-SG" sz="1050" dirty="0">
               <a:solidFill>
@@ -5353,36 +5889,195 @@
           </a:p>
         </p:txBody>
       </p:sp>
+      <p:sp>
+        <p:nvSpPr>
+          <p:cNvPr id="74" name="TextBox 73">
+            <a:extLst>
+              <a:ext uri="{FF2B5EF4-FFF2-40B4-BE49-F238E27FC236}">
+                <a16:creationId xmlns:a16="http://schemas.microsoft.com/office/drawing/2014/main" id="{0AF665B4-AE9E-4CB1-BA32-75595166EEF1}"/>
+              </a:ext>
+            </a:extLst>
+          </p:cNvPr>
+          <p:cNvSpPr txBox="1"/>
+          <p:nvPr/>
+        </p:nvSpPr>
+        <p:spPr>
+          <a:xfrm>
+            <a:off x="4893731" y="2417149"/>
+            <a:ext cx="189257" cy="178683"/>
+          </a:xfrm>
+          <a:prstGeom prst="rect">
+            <a:avLst/>
+          </a:prstGeom>
+          <a:noFill/>
+        </p:spPr>
+        <p:txBody>
+          <a:bodyPr wrap="square" lIns="0" tIns="0" rIns="0" bIns="0" rtlCol="0">
+            <a:noAutofit/>
+          </a:bodyPr>
+          <a:lstStyle/>
+          <a:p>
+            <a:pPr algn="ctr"/>
+            <a:r>
+              <a:rPr lang="en-US" sz="1100" dirty="0">
+                <a:solidFill>
+                  <a:srgbClr val="7030A0"/>
+                </a:solidFill>
+              </a:rPr>
+              <a:t>1</a:t>
+            </a:r>
+            <a:endParaRPr lang="en-SG" sz="1100" dirty="0">
+              <a:solidFill>
+                <a:srgbClr val="7030A0"/>
+              </a:solidFill>
+            </a:endParaRPr>
+          </a:p>
+        </p:txBody>
+      </p:sp>
+      <p:sp>
+        <p:nvSpPr>
+          <p:cNvPr id="77" name="Flowchart: Decision 96">
+            <a:extLst>
+              <a:ext uri="{FF2B5EF4-FFF2-40B4-BE49-F238E27FC236}">
+                <a16:creationId xmlns:a16="http://schemas.microsoft.com/office/drawing/2014/main" id="{50FD01D9-FD04-4DEA-89DC-B401C5422152}"/>
+              </a:ext>
+            </a:extLst>
+          </p:cNvPr>
+          <p:cNvSpPr/>
+          <p:nvPr/>
+        </p:nvSpPr>
+        <p:spPr>
+          <a:xfrm>
+            <a:off x="5649965" y="2107753"/>
+            <a:ext cx="236048" cy="173380"/>
+          </a:xfrm>
+          <a:prstGeom prst="flowChartDecision">
+            <a:avLst/>
+          </a:prstGeom>
+          <a:solidFill>
+            <a:srgbClr val="7030A0"/>
+          </a:solidFill>
+          <a:ln w="19050">
+            <a:solidFill>
+              <a:srgbClr val="7030A0"/>
+            </a:solidFill>
+          </a:ln>
+          <a:effectLst/>
+        </p:spPr>
+        <p:style>
+          <a:lnRef idx="1">
+            <a:schemeClr val="accent6"/>
+          </a:lnRef>
+          <a:fillRef idx="2">
+            <a:schemeClr val="accent6"/>
+          </a:fillRef>
+          <a:effectRef idx="1">
+            <a:schemeClr val="accent6"/>
+          </a:effectRef>
+          <a:fontRef idx="minor">
+            <a:schemeClr val="dk1"/>
+          </a:fontRef>
+        </p:style>
+        <p:txBody>
+          <a:bodyPr rtlCol="0" anchor="ctr"/>
+          <a:lstStyle/>
+          <a:p>
+            <a:pPr algn="ctr"/>
+            <a:endParaRPr lang="en-US" sz="1050"/>
+          </a:p>
+        </p:txBody>
+      </p:sp>
+      <p:sp>
+        <p:nvSpPr>
+          <p:cNvPr id="88" name="Rectangle 8">
+            <a:extLst>
+              <a:ext uri="{FF2B5EF4-FFF2-40B4-BE49-F238E27FC236}">
+                <a16:creationId xmlns:a16="http://schemas.microsoft.com/office/drawing/2014/main" id="{7DAE10C0-6F74-42D9-956D-0E82BD23B362}"/>
+              </a:ext>
+            </a:extLst>
+          </p:cNvPr>
+          <p:cNvSpPr/>
+          <p:nvPr/>
+        </p:nvSpPr>
+        <p:spPr>
+          <a:xfrm>
+            <a:off x="6094799" y="1162462"/>
+            <a:ext cx="1156969" cy="346760"/>
+          </a:xfrm>
+          <a:prstGeom prst="rect">
+            <a:avLst/>
+          </a:prstGeom>
+          <a:ln w="19050">
+            <a:solidFill>
+              <a:srgbClr val="7030A0"/>
+            </a:solidFill>
+          </a:ln>
+          <a:effectLst/>
+        </p:spPr>
+        <p:style>
+          <a:lnRef idx="1">
+            <a:schemeClr val="accent4"/>
+          </a:lnRef>
+          <a:fillRef idx="2">
+            <a:schemeClr val="accent4"/>
+          </a:fillRef>
+          <a:effectRef idx="1">
+            <a:schemeClr val="accent4"/>
+          </a:effectRef>
+          <a:fontRef idx="minor">
+            <a:schemeClr val="dk1"/>
+          </a:fontRef>
+        </p:style>
+        <p:txBody>
+          <a:bodyPr rtlCol="0" anchor="ctr"/>
+          <a:lstStyle/>
+          <a:p>
+            <a:pPr algn="ctr"/>
+            <a:r>
+              <a:rPr lang="en-US" sz="1050" dirty="0" err="1">
+                <a:solidFill>
+                  <a:srgbClr val="7030A0"/>
+                </a:solidFill>
+              </a:rPr>
+              <a:t>CategoryBudget</a:t>
+            </a:r>
+            <a:endParaRPr lang="en-SG" sz="1050" dirty="0">
+              <a:solidFill>
+                <a:srgbClr val="7030A0"/>
+              </a:solidFill>
+            </a:endParaRPr>
+          </a:p>
+        </p:txBody>
+      </p:sp>
       <p:cxnSp>
         <p:nvCxnSpPr>
-          <p:cNvPr id="53" name="Elbow Connector 78">
+          <p:cNvPr id="90" name="Elbow Connector 106">
             <a:extLst>
               <a:ext uri="{FF2B5EF4-FFF2-40B4-BE49-F238E27FC236}">
-                <a16:creationId xmlns:a16="http://schemas.microsoft.com/office/drawing/2014/main" id="{B97967F8-618A-448B-81FD-CDFD4AF0EC64}"/>
+                <a16:creationId xmlns:a16="http://schemas.microsoft.com/office/drawing/2014/main" id="{7B494536-6821-4F73-9B07-70AB71675F47}"/>
               </a:ext>
             </a:extLst>
           </p:cNvPr>
           <p:cNvCxnSpPr>
             <a:cxnSpLocks/>
-            <a:stCxn id="78" idx="3"/>
-            <a:endCxn id="52" idx="1"/>
+            <a:stCxn id="77" idx="0"/>
+            <a:endCxn id="88" idx="1"/>
           </p:cNvCxnSpPr>
           <p:nvPr/>
         </p:nvCxnSpPr>
         <p:spPr>
-          <a:xfrm flipV="1">
-            <a:off x="7277995" y="2371709"/>
-            <a:ext cx="434402" cy="663182"/>
-          </a:xfrm>
-          <a:prstGeom prst="bentConnector3">
-            <a:avLst>
-              <a:gd name="adj1" fmla="val 50000"/>
-            </a:avLst>
+          <a:xfrm rot="5400000" flipH="1" flipV="1">
+            <a:off x="5545439" y="1558393"/>
+            <a:ext cx="771911" cy="326810"/>
+          </a:xfrm>
+          <a:prstGeom prst="bentConnector2">
+            <a:avLst/>
           </a:prstGeom>
           <a:ln w="19050">
             <a:solidFill>
               <a:srgbClr val="7030A0"/>
             </a:solidFill>
+            <a:prstDash val="solid"/>
             <a:headEnd type="none" w="med" len="med"/>
             <a:tailEnd type="arrow" w="med" len="med"/>
           </a:ln>
@@ -5405,10 +6100,10 @@
       </p:cxnSp>
       <p:sp>
         <p:nvSpPr>
-          <p:cNvPr id="50" name="TextBox 49">
+          <p:cNvPr id="91" name="TextBox 90">
             <a:extLst>
               <a:ext uri="{FF2B5EF4-FFF2-40B4-BE49-F238E27FC236}">
-                <a16:creationId xmlns:a16="http://schemas.microsoft.com/office/drawing/2014/main" id="{B3FA9D57-880F-49C4-AD0B-A64E30D6F403}"/>
+                <a16:creationId xmlns:a16="http://schemas.microsoft.com/office/drawing/2014/main" id="{0FDD5B0C-E0BF-4892-8847-696CC55FF448}"/>
               </a:ext>
             </a:extLst>
           </p:cNvPr>
@@ -5417,8 +6112,8 @@
         </p:nvSpPr>
         <p:spPr>
           <a:xfrm>
-            <a:off x="7466243" y="2255711"/>
-            <a:ext cx="189257" cy="178683"/>
+            <a:off x="5835356" y="1162463"/>
+            <a:ext cx="236048" cy="217918"/>
           </a:xfrm>
           <a:prstGeom prst="rect">
             <a:avLst/>
@@ -5432,6 +6127,14 @@
           <a:lstStyle/>
           <a:p>
             <a:pPr algn="ctr"/>
+            <a:r>
+              <a:rPr lang="en-US" sz="1100" dirty="0">
+                <a:solidFill>
+                  <a:srgbClr val="7030A0"/>
+                </a:solidFill>
+              </a:rPr>
+              <a:t>*</a:t>
+            </a:r>
             <a:endParaRPr lang="en-SG" sz="1100" dirty="0">
               <a:solidFill>
                 <a:srgbClr val="7030A0"/>
@@ -5442,18 +6145,25 @@
       </p:sp>
       <p:sp>
         <p:nvSpPr>
-          <p:cNvPr id="55" name="Rectangle 8"/>
+          <p:cNvPr id="92" name="Flowchart: Decision 96">
+            <a:extLst>
+              <a:ext uri="{FF2B5EF4-FFF2-40B4-BE49-F238E27FC236}">
+                <a16:creationId xmlns:a16="http://schemas.microsoft.com/office/drawing/2014/main" id="{3C1D4C87-AFEA-4E15-82B4-6421BE046631}"/>
+              </a:ext>
+            </a:extLst>
+          </p:cNvPr>
           <p:cNvSpPr/>
           <p:nvPr/>
         </p:nvSpPr>
         <p:spPr>
-          <a:xfrm>
-            <a:off x="3170181" y="1998350"/>
-            <a:ext cx="1060683" cy="364396"/>
-          </a:xfrm>
-          <a:prstGeom prst="rect">
+          <a:xfrm rot="16200000">
+            <a:off x="6538629" y="2639735"/>
+            <a:ext cx="236048" cy="173380"/>
+          </a:xfrm>
+          <a:prstGeom prst="flowChartDecision">
             <a:avLst/>
           </a:prstGeom>
+          <a:noFill/>
           <a:ln w="19050">
             <a:solidFill>
               <a:srgbClr val="7030A0"/>
@@ -5463,13 +6173,13 @@
         </p:spPr>
         <p:style>
           <a:lnRef idx="1">
-            <a:schemeClr val="accent4"/>
+            <a:schemeClr val="accent6"/>
           </a:lnRef>
           <a:fillRef idx="2">
-            <a:schemeClr val="accent4"/>
+            <a:schemeClr val="accent6"/>
           </a:fillRef>
           <a:effectRef idx="1">
-            <a:schemeClr val="accent4"/>
+            <a:schemeClr val="accent6"/>
           </a:effectRef>
           <a:fontRef idx="minor">
             <a:schemeClr val="dk1"/>
@@ -5480,15 +6190,48 @@
           <a:lstStyle/>
           <a:p>
             <a:pPr algn="ctr"/>
-            <a:r>
-              <a:rPr lang="en-US" sz="1050" dirty="0" err="1">
+            <a:endParaRPr lang="en-US" sz="1050"/>
+          </a:p>
+        </p:txBody>
+      </p:sp>
+      <p:sp>
+        <p:nvSpPr>
+          <p:cNvPr id="95" name="TextBox 94">
+            <a:extLst>
+              <a:ext uri="{FF2B5EF4-FFF2-40B4-BE49-F238E27FC236}">
+                <a16:creationId xmlns:a16="http://schemas.microsoft.com/office/drawing/2014/main" id="{D775EC04-5CBF-4F45-BBE9-6DF8653792CA}"/>
+              </a:ext>
+            </a:extLst>
+          </p:cNvPr>
+          <p:cNvSpPr txBox="1"/>
+          <p:nvPr/>
+        </p:nvSpPr>
+        <p:spPr>
+          <a:xfrm>
+            <a:off x="6444001" y="2256337"/>
+            <a:ext cx="189257" cy="178683"/>
+          </a:xfrm>
+          <a:prstGeom prst="rect">
+            <a:avLst/>
+          </a:prstGeom>
+          <a:noFill/>
+        </p:spPr>
+        <p:txBody>
+          <a:bodyPr wrap="square" lIns="0" tIns="0" rIns="0" bIns="0" rtlCol="0">
+            <a:noAutofit/>
+          </a:bodyPr>
+          <a:lstStyle/>
+          <a:p>
+            <a:pPr algn="ctr"/>
+            <a:r>
+              <a:rPr lang="en-US" sz="1100" dirty="0">
                 <a:solidFill>
                   <a:srgbClr val="7030A0"/>
                 </a:solidFill>
               </a:rPr>
-              <a:t>FinanceTracker</a:t>
-            </a:r>
-            <a:endParaRPr lang="en-SG" sz="1050" dirty="0">
+              <a:t>1</a:t>
+            </a:r>
+            <a:endParaRPr lang="en-SG" sz="1100" dirty="0">
               <a:solidFill>
                 <a:srgbClr val="7030A0"/>
               </a:solidFill>
@@ -5496,19 +6239,75 @@
           </a:p>
         </p:txBody>
       </p:sp>
+      <p:sp>
+        <p:nvSpPr>
+          <p:cNvPr id="102" name="Flowchart: Decision 96">
+            <a:extLst>
+              <a:ext uri="{FF2B5EF4-FFF2-40B4-BE49-F238E27FC236}">
+                <a16:creationId xmlns:a16="http://schemas.microsoft.com/office/drawing/2014/main" id="{F62BB88D-CD3A-4B7E-BD0C-6318CA20BD9A}"/>
+              </a:ext>
+            </a:extLst>
+          </p:cNvPr>
+          <p:cNvSpPr/>
+          <p:nvPr/>
+        </p:nvSpPr>
+        <p:spPr>
+          <a:xfrm rot="16200000">
+            <a:off x="6539349" y="1558319"/>
+            <a:ext cx="236048" cy="173380"/>
+          </a:xfrm>
+          <a:prstGeom prst="flowChartDecision">
+            <a:avLst/>
+          </a:prstGeom>
+          <a:noFill/>
+          <a:ln w="19050">
+            <a:solidFill>
+              <a:srgbClr val="7030A0"/>
+            </a:solidFill>
+          </a:ln>
+          <a:effectLst/>
+        </p:spPr>
+        <p:style>
+          <a:lnRef idx="1">
+            <a:schemeClr val="accent6"/>
+          </a:lnRef>
+          <a:fillRef idx="2">
+            <a:schemeClr val="accent6"/>
+          </a:fillRef>
+          <a:effectRef idx="1">
+            <a:schemeClr val="accent6"/>
+          </a:effectRef>
+          <a:fontRef idx="minor">
+            <a:schemeClr val="dk1"/>
+          </a:fontRef>
+        </p:style>
+        <p:txBody>
+          <a:bodyPr rtlCol="0" anchor="ctr"/>
+          <a:lstStyle/>
+          <a:p>
+            <a:pPr algn="ctr"/>
+            <a:endParaRPr lang="en-US" sz="1050"/>
+          </a:p>
+        </p:txBody>
+      </p:sp>
       <p:cxnSp>
         <p:nvCxnSpPr>
-          <p:cNvPr id="60" name="Straight Arrow Connector 59"/>
+          <p:cNvPr id="103" name="Straight Arrow Connector 102">
+            <a:extLst>
+              <a:ext uri="{FF2B5EF4-FFF2-40B4-BE49-F238E27FC236}">
+                <a16:creationId xmlns:a16="http://schemas.microsoft.com/office/drawing/2014/main" id="{086B0C84-58C3-4B6C-8595-A564D051E46F}"/>
+              </a:ext>
+            </a:extLst>
+          </p:cNvPr>
           <p:cNvCxnSpPr>
-            <a:stCxn id="51" idx="1"/>
-            <a:endCxn id="49" idx="1"/>
+            <a:cxnSpLocks/>
           </p:cNvCxnSpPr>
           <p:nvPr/>
         </p:nvCxnSpPr>
         <p:spPr>
-          <a:xfrm>
-            <a:off x="4324972" y="3007222"/>
-            <a:ext cx="367678" cy="12320"/>
+          <a:xfrm flipH="1" flipV="1">
+            <a:off x="6649061" y="2268037"/>
+            <a:ext cx="7592" cy="340364"/>
           </a:xfrm>
           <a:prstGeom prst="straightConnector1">
             <a:avLst/>
@@ -5537,84 +6336,36 @@
           </a:fontRef>
         </p:style>
       </p:cxnSp>
-      <p:sp>
-        <p:nvSpPr>
-          <p:cNvPr id="68" name="Isosceles Triangle 102"/>
-          <p:cNvSpPr/>
+      <p:cxnSp>
+        <p:nvCxnSpPr>
+          <p:cNvPr id="104" name="Straight Arrow Connector 103">
+            <a:extLst>
+              <a:ext uri="{FF2B5EF4-FFF2-40B4-BE49-F238E27FC236}">
+                <a16:creationId xmlns:a16="http://schemas.microsoft.com/office/drawing/2014/main" id="{F8B5B2C9-7A07-4402-9439-653B3CDE84B0}"/>
+              </a:ext>
+            </a:extLst>
+          </p:cNvPr>
+          <p:cNvCxnSpPr>
+            <a:cxnSpLocks/>
+            <a:stCxn id="102" idx="1"/>
+            <a:endCxn id="85" idx="0"/>
+          </p:cNvCxnSpPr>
           <p:nvPr/>
-        </p:nvSpPr>
-        <p:spPr>
-          <a:xfrm rot="16200000">
-            <a:off x="2669073" y="2069158"/>
-            <a:ext cx="271014" cy="187417"/>
-          </a:xfrm>
-          <a:prstGeom prst="triangle">
-            <a:avLst>
-              <a:gd name="adj" fmla="val 44517"/>
-            </a:avLst>
-          </a:prstGeom>
-          <a:solidFill>
-            <a:schemeClr val="accent4">
-              <a:lumMod val="20000"/>
-              <a:lumOff val="80000"/>
-            </a:schemeClr>
-          </a:solidFill>
+        </p:nvCxnSpPr>
+        <p:spPr>
+          <a:xfrm>
+            <a:off x="6657373" y="1763033"/>
+            <a:ext cx="6842" cy="219220"/>
+          </a:xfrm>
+          <a:prstGeom prst="straightConnector1">
+            <a:avLst/>
+          </a:prstGeom>
           <a:ln w="19050">
             <a:solidFill>
               <a:srgbClr val="7030A0"/>
             </a:solidFill>
-          </a:ln>
-          <a:effectLst/>
-        </p:spPr>
-        <p:style>
-          <a:lnRef idx="1">
-            <a:schemeClr val="accent6"/>
-          </a:lnRef>
-          <a:fillRef idx="2">
-            <a:schemeClr val="accent6"/>
-          </a:fillRef>
-          <a:effectRef idx="1">
-            <a:schemeClr val="accent6"/>
-          </a:effectRef>
-          <a:fontRef idx="minor">
-            <a:schemeClr val="dk1"/>
-          </a:fontRef>
-        </p:style>
-        <p:txBody>
-          <a:bodyPr rtlCol="0" anchor="ctr"/>
-          <a:lstStyle/>
-          <a:p>
-            <a:pPr algn="ctr"/>
-            <a:endParaRPr lang="en-SG" sz="1050"/>
-          </a:p>
-        </p:txBody>
-      </p:sp>
-      <p:cxnSp>
-        <p:nvCxnSpPr>
-          <p:cNvPr id="69" name="Elbow Connector 63"/>
-          <p:cNvCxnSpPr>
-            <a:stCxn id="68" idx="3"/>
-            <a:endCxn id="55" idx="1"/>
-          </p:cNvCxnSpPr>
-          <p:nvPr/>
-        </p:nvCxnSpPr>
-        <p:spPr>
-          <a:xfrm>
-            <a:off x="2898289" y="2177727"/>
-            <a:ext cx="271892" cy="2821"/>
-          </a:xfrm>
-          <a:prstGeom prst="bentConnector3">
-            <a:avLst>
-              <a:gd name="adj1" fmla="val 50000"/>
-            </a:avLst>
-          </a:prstGeom>
-          <a:ln w="19050">
-            <a:solidFill>
-              <a:srgbClr val="7030A0"/>
-            </a:solidFill>
-            <a:prstDash val="sysDot"/>
             <a:headEnd type="none" w="med" len="med"/>
-            <a:tailEnd type="none" w="med" len="med"/>
+            <a:tailEnd type="arrow" w="med" len="med"/>
           </a:ln>
           <a:effectLst/>
         </p:spPr>
@@ -5635,10 +6386,55 @@
       </p:cxnSp>
       <p:sp>
         <p:nvSpPr>
-          <p:cNvPr id="57" name="Rectangle 8">
+          <p:cNvPr id="105" name="TextBox 104">
             <a:extLst>
               <a:ext uri="{FF2B5EF4-FFF2-40B4-BE49-F238E27FC236}">
-                <a16:creationId xmlns:a16="http://schemas.microsoft.com/office/drawing/2014/main" id="{6A42DA50-9012-4391-9EF3-285E4FA3FCD8}"/>
+                <a16:creationId xmlns:a16="http://schemas.microsoft.com/office/drawing/2014/main" id="{A34F2AFF-3A1C-4CE4-8FEC-A48F57002925}"/>
+              </a:ext>
+            </a:extLst>
+          </p:cNvPr>
+          <p:cNvSpPr txBox="1"/>
+          <p:nvPr/>
+        </p:nvSpPr>
+        <p:spPr>
+          <a:xfrm>
+            <a:off x="6465797" y="1770237"/>
+            <a:ext cx="189257" cy="178683"/>
+          </a:xfrm>
+          <a:prstGeom prst="rect">
+            <a:avLst/>
+          </a:prstGeom>
+          <a:noFill/>
+        </p:spPr>
+        <p:txBody>
+          <a:bodyPr wrap="square" lIns="0" tIns="0" rIns="0" bIns="0" rtlCol="0">
+            <a:noAutofit/>
+          </a:bodyPr>
+          <a:lstStyle/>
+          <a:p>
+            <a:pPr algn="ctr"/>
+            <a:r>
+              <a:rPr lang="en-US" sz="1100" dirty="0">
+                <a:solidFill>
+                  <a:srgbClr val="7030A0"/>
+                </a:solidFill>
+              </a:rPr>
+              <a:t>1</a:t>
+            </a:r>
+            <a:endParaRPr lang="en-SG" sz="1100" dirty="0">
+              <a:solidFill>
+                <a:srgbClr val="7030A0"/>
+              </a:solidFill>
+            </a:endParaRPr>
+          </a:p>
+        </p:txBody>
+      </p:sp>
+      <p:sp>
+        <p:nvSpPr>
+          <p:cNvPr id="106" name="Isosceles Triangle 102">
+            <a:extLst>
+              <a:ext uri="{FF2B5EF4-FFF2-40B4-BE49-F238E27FC236}">
+                <a16:creationId xmlns:a16="http://schemas.microsoft.com/office/drawing/2014/main" id="{95F1E6B0-F380-4E3D-8222-1449C8256855}"/>
               </a:ext>
             </a:extLst>
           </p:cNvPr>
@@ -5646,13 +6442,19 @@
           <p:nvPr/>
         </p:nvSpPr>
         <p:spPr>
-          <a:xfrm>
-            <a:off x="4238892" y="3460864"/>
-            <a:ext cx="1293486" cy="346760"/>
-          </a:xfrm>
-          <a:prstGeom prst="rect">
+          <a:xfrm rot="10800000" flipV="1">
+            <a:off x="4930286" y="1547749"/>
+            <a:ext cx="282387" cy="157062"/>
+          </a:xfrm>
+          <a:prstGeom prst="triangle">
             <a:avLst/>
           </a:prstGeom>
+          <a:solidFill>
+            <a:schemeClr val="accent4">
+              <a:lumMod val="20000"/>
+              <a:lumOff val="80000"/>
+            </a:schemeClr>
+          </a:solidFill>
           <a:ln w="19050">
             <a:solidFill>
               <a:srgbClr val="7030A0"/>
@@ -5679,111 +6481,32 @@
           <a:lstStyle/>
           <a:p>
             <a:pPr algn="ctr"/>
-            <a:r>
-              <a:rPr lang="en-US" sz="1050" dirty="0">
-                <a:solidFill>
-                  <a:srgbClr val="7030A0"/>
-                </a:solidFill>
-              </a:rPr>
-              <a:t>&lt;&lt;interface&gt;&gt;</a:t>
-            </a:r>
-          </a:p>
-          <a:p>
-            <a:pPr algn="ctr"/>
-            <a:r>
-              <a:rPr lang="en-US" sz="1050" dirty="0" err="1">
-                <a:solidFill>
-                  <a:srgbClr val="7030A0"/>
-                </a:solidFill>
-              </a:rPr>
-              <a:t>ReadOnlyUserPrefs</a:t>
-            </a:r>
-            <a:endParaRPr lang="en-SG" sz="1050" dirty="0">
+            <a:endParaRPr lang="en-SG" sz="1050" b="1">
               <a:solidFill>
-                <a:srgbClr val="7030A0"/>
+                <a:srgbClr val="92D050"/>
               </a:solidFill>
             </a:endParaRPr>
           </a:p>
         </p:txBody>
       </p:sp>
-      <p:sp>
-        <p:nvSpPr>
-          <p:cNvPr id="59" name="Isosceles Triangle 102">
+      <p:cxnSp>
+        <p:nvCxnSpPr>
+          <p:cNvPr id="108" name="Elbow Connector 63">
             <a:extLst>
               <a:ext uri="{FF2B5EF4-FFF2-40B4-BE49-F238E27FC236}">
-                <a16:creationId xmlns:a16="http://schemas.microsoft.com/office/drawing/2014/main" id="{B263B2D7-6E76-465E-B40E-7E2A46254A84}"/>
-              </a:ext>
-            </a:extLst>
-          </p:cNvPr>
-          <p:cNvSpPr/>
-          <p:nvPr/>
-        </p:nvSpPr>
-        <p:spPr>
-          <a:xfrm rot="5400000" flipH="1">
-            <a:off x="3992636" y="3514414"/>
-            <a:ext cx="271014" cy="221497"/>
-          </a:xfrm>
-          <a:prstGeom prst="triangle">
-            <a:avLst>
-              <a:gd name="adj" fmla="val 44517"/>
-            </a:avLst>
-          </a:prstGeom>
-          <a:solidFill>
-            <a:schemeClr val="accent4">
-              <a:lumMod val="20000"/>
-              <a:lumOff val="80000"/>
-            </a:schemeClr>
-          </a:solidFill>
-          <a:ln w="19050">
-            <a:solidFill>
-              <a:srgbClr val="7030A0"/>
-            </a:solidFill>
-          </a:ln>
-          <a:effectLst/>
-        </p:spPr>
-        <p:style>
-          <a:lnRef idx="1">
-            <a:schemeClr val="accent6"/>
-          </a:lnRef>
-          <a:fillRef idx="2">
-            <a:schemeClr val="accent6"/>
-          </a:fillRef>
-          <a:effectRef idx="1">
-            <a:schemeClr val="accent6"/>
-          </a:effectRef>
-          <a:fontRef idx="minor">
-            <a:schemeClr val="dk1"/>
-          </a:fontRef>
-        </p:style>
-        <p:txBody>
-          <a:bodyPr rtlCol="0" anchor="ctr"/>
-          <a:lstStyle/>
-          <a:p>
-            <a:pPr algn="ctr"/>
-            <a:endParaRPr lang="en-SG" sz="1050"/>
-          </a:p>
-        </p:txBody>
-      </p:sp>
-      <p:cxnSp>
-        <p:nvCxnSpPr>
-          <p:cNvPr id="67" name="Elbow Connector 63">
-            <a:extLst>
-              <a:ext uri="{FF2B5EF4-FFF2-40B4-BE49-F238E27FC236}">
-                <a16:creationId xmlns:a16="http://schemas.microsoft.com/office/drawing/2014/main" id="{BA3A25CD-7C1D-4B3B-B294-1B05ABCFECFD}"/>
+                <a16:creationId xmlns:a16="http://schemas.microsoft.com/office/drawing/2014/main" id="{6E660294-63F8-423C-B004-550EF8B38174}"/>
               </a:ext>
             </a:extLst>
           </p:cNvPr>
           <p:cNvCxnSpPr>
             <a:cxnSpLocks/>
-            <a:stCxn id="59" idx="3"/>
-            <a:endCxn id="2" idx="3"/>
           </p:cNvCxnSpPr>
           <p:nvPr/>
         </p:nvCxnSpPr>
         <p:spPr>
-          <a:xfrm rot="10800000">
-            <a:off x="3703491" y="3636621"/>
-            <a:ext cx="313904" cy="3403"/>
+          <a:xfrm rot="16200000" flipH="1">
+            <a:off x="4937282" y="1863472"/>
+            <a:ext cx="274076" cy="1"/>
           </a:xfrm>
           <a:prstGeom prst="bentConnector3">
             <a:avLst>
@@ -5815,6 +6538,179 @@
           </a:fontRef>
         </p:style>
       </p:cxnSp>
+      <p:sp>
+        <p:nvSpPr>
+          <p:cNvPr id="109" name="Rectangle 8">
+            <a:extLst>
+              <a:ext uri="{FF2B5EF4-FFF2-40B4-BE49-F238E27FC236}">
+                <a16:creationId xmlns:a16="http://schemas.microsoft.com/office/drawing/2014/main" id="{BFD0F71B-2289-451A-B167-F0E461A6A795}"/>
+              </a:ext>
+            </a:extLst>
+          </p:cNvPr>
+          <p:cNvSpPr/>
+          <p:nvPr/>
+        </p:nvSpPr>
+        <p:spPr>
+          <a:xfrm>
+            <a:off x="4503776" y="1175494"/>
+            <a:ext cx="1060683" cy="364396"/>
+          </a:xfrm>
+          <a:prstGeom prst="rect">
+            <a:avLst/>
+          </a:prstGeom>
+          <a:ln w="19050">
+            <a:solidFill>
+              <a:srgbClr val="7030A0"/>
+            </a:solidFill>
+          </a:ln>
+          <a:effectLst/>
+        </p:spPr>
+        <p:style>
+          <a:lnRef idx="1">
+            <a:schemeClr val="accent4"/>
+          </a:lnRef>
+          <a:fillRef idx="2">
+            <a:schemeClr val="accent4"/>
+          </a:fillRef>
+          <a:effectRef idx="1">
+            <a:schemeClr val="accent4"/>
+          </a:effectRef>
+          <a:fontRef idx="minor">
+            <a:schemeClr val="dk1"/>
+          </a:fontRef>
+        </p:style>
+        <p:txBody>
+          <a:bodyPr rtlCol="0" anchor="ctr"/>
+          <a:lstStyle/>
+          <a:p>
+            <a:pPr algn="ctr"/>
+            <a:r>
+              <a:rPr lang="en-US" sz="1050" dirty="0">
+                <a:solidFill>
+                  <a:srgbClr val="7030A0"/>
+                </a:solidFill>
+              </a:rPr>
+              <a:t>Budget</a:t>
+            </a:r>
+            <a:endParaRPr lang="en-SG" sz="1050" dirty="0">
+              <a:solidFill>
+                <a:srgbClr val="7030A0"/>
+              </a:solidFill>
+            </a:endParaRPr>
+          </a:p>
+        </p:txBody>
+      </p:sp>
+      <p:cxnSp>
+        <p:nvCxnSpPr>
+          <p:cNvPr id="110" name="Elbow Connector 63">
+            <a:extLst>
+              <a:ext uri="{FF2B5EF4-FFF2-40B4-BE49-F238E27FC236}">
+                <a16:creationId xmlns:a16="http://schemas.microsoft.com/office/drawing/2014/main" id="{F18DD4F0-3E59-49B2-BDE1-F925415CB53D}"/>
+              </a:ext>
+            </a:extLst>
+          </p:cNvPr>
+          <p:cNvCxnSpPr>
+            <a:cxnSpLocks/>
+            <a:stCxn id="111" idx="3"/>
+            <a:endCxn id="88" idx="0"/>
+          </p:cNvCxnSpPr>
+          <p:nvPr/>
+        </p:nvCxnSpPr>
+        <p:spPr>
+          <a:xfrm rot="16200000" flipH="1">
+            <a:off x="5771946" y="261124"/>
+            <a:ext cx="183150" cy="1619526"/>
+          </a:xfrm>
+          <a:prstGeom prst="bentConnector3">
+            <a:avLst>
+              <a:gd name="adj1" fmla="val -124816"/>
+            </a:avLst>
+          </a:prstGeom>
+          <a:ln w="19050">
+            <a:solidFill>
+              <a:srgbClr val="7030A0"/>
+            </a:solidFill>
+            <a:prstDash val="sysDot"/>
+            <a:headEnd type="none" w="med" len="med"/>
+            <a:tailEnd type="none" w="med" len="med"/>
+          </a:ln>
+          <a:effectLst/>
+        </p:spPr>
+        <p:style>
+          <a:lnRef idx="1">
+            <a:schemeClr val="accent2"/>
+          </a:lnRef>
+          <a:fillRef idx="2">
+            <a:schemeClr val="accent2"/>
+          </a:fillRef>
+          <a:effectRef idx="1">
+            <a:schemeClr val="accent2"/>
+          </a:effectRef>
+          <a:fontRef idx="minor">
+            <a:schemeClr val="dk1"/>
+          </a:fontRef>
+        </p:style>
+      </p:cxnSp>
+      <p:sp>
+        <p:nvSpPr>
+          <p:cNvPr id="111" name="Isosceles Triangle 102">
+            <a:extLst>
+              <a:ext uri="{FF2B5EF4-FFF2-40B4-BE49-F238E27FC236}">
+                <a16:creationId xmlns:a16="http://schemas.microsoft.com/office/drawing/2014/main" id="{140C1446-EAE8-46A3-B5F4-A817A1F76125}"/>
+              </a:ext>
+            </a:extLst>
+          </p:cNvPr>
+          <p:cNvSpPr/>
+          <p:nvPr/>
+        </p:nvSpPr>
+        <p:spPr>
+          <a:xfrm flipV="1">
+            <a:off x="4912564" y="979312"/>
+            <a:ext cx="282387" cy="157062"/>
+          </a:xfrm>
+          <a:prstGeom prst="triangle">
+            <a:avLst/>
+          </a:prstGeom>
+          <a:solidFill>
+            <a:schemeClr val="accent4">
+              <a:lumMod val="20000"/>
+              <a:lumOff val="80000"/>
+            </a:schemeClr>
+          </a:solidFill>
+          <a:ln w="19050">
+            <a:solidFill>
+              <a:srgbClr val="7030A0"/>
+            </a:solidFill>
+          </a:ln>
+          <a:effectLst/>
+        </p:spPr>
+        <p:style>
+          <a:lnRef idx="1">
+            <a:schemeClr val="accent4"/>
+          </a:lnRef>
+          <a:fillRef idx="2">
+            <a:schemeClr val="accent4"/>
+          </a:fillRef>
+          <a:effectRef idx="1">
+            <a:schemeClr val="accent4"/>
+          </a:effectRef>
+          <a:fontRef idx="minor">
+            <a:schemeClr val="dk1"/>
+          </a:fontRef>
+        </p:style>
+        <p:txBody>
+          <a:bodyPr rtlCol="0" anchor="ctr"/>
+          <a:lstStyle/>
+          <a:p>
+            <a:pPr algn="ctr"/>
+            <a:endParaRPr lang="en-SG" sz="1050" b="1">
+              <a:solidFill>
+                <a:srgbClr val="92D050"/>
+              </a:solidFill>
+            </a:endParaRPr>
+          </a:p>
+        </p:txBody>
+      </p:sp>
     </p:spTree>
     <p:extLst>
       <p:ext uri="{BB962C8B-B14F-4D97-AF65-F5344CB8AC3E}">

--- a/docs/diagrams/ModelComponentClassDiagram.pptx
+++ b/docs/diagrams/ModelComponentClassDiagram.pptx
@@ -6513,11 +6513,11 @@
               <a:gd name="adj1" fmla="val 50000"/>
             </a:avLst>
           </a:prstGeom>
-          <a:ln w="19050">
+          <a:ln w="19050" cmpd="sng">
             <a:solidFill>
               <a:srgbClr val="7030A0"/>
             </a:solidFill>
-            <a:prstDash val="sysDot"/>
+            <a:prstDash val="solid"/>
             <a:headEnd type="none" w="med" len="med"/>
             <a:tailEnd type="none" w="med" len="med"/>
           </a:ln>
@@ -6626,11 +6626,11 @@
               <a:gd name="adj1" fmla="val -124816"/>
             </a:avLst>
           </a:prstGeom>
-          <a:ln w="19050">
+          <a:ln w="19050" cmpd="sng">
             <a:solidFill>
               <a:srgbClr val="7030A0"/>
             </a:solidFill>
-            <a:prstDash val="sysDot"/>
+            <a:prstDash val="solid"/>
             <a:headEnd type="none" w="med" len="med"/>
             <a:tailEnd type="none" w="med" len="med"/>
           </a:ln>

--- a/docs/diagrams/ModelComponentClassDiagram.pptx
+++ b/docs/diagrams/ModelComponentClassDiagram.pptx
@@ -208,7 +208,7 @@
           <a:p>
             <a:fld id="{F5CC4B3F-88C1-4FFA-B1B6-F41C21DC6924}" type="datetimeFigureOut">
               <a:rPr lang="en-US" smtClean="0"/>
-              <a:t>3/4/2019</a:t>
+              <a:t>4/12/2019</a:t>
             </a:fld>
             <a:endParaRPr lang="en-US"/>
           </a:p>
@@ -654,7 +654,7 @@
           <a:p>
             <a:fld id="{78C97017-6FC3-485B-9764-EAC9E56C1D49}" type="datetimeFigureOut">
               <a:rPr lang="en-US" smtClean="0"/>
-              <a:t>3/4/2019</a:t>
+              <a:t>4/12/2019</a:t>
             </a:fld>
             <a:endParaRPr lang="en-US"/>
           </a:p>
@@ -822,7 +822,7 @@
           <a:p>
             <a:fld id="{78C97017-6FC3-485B-9764-EAC9E56C1D49}" type="datetimeFigureOut">
               <a:rPr lang="en-US" smtClean="0"/>
-              <a:t>3/4/2019</a:t>
+              <a:t>4/12/2019</a:t>
             </a:fld>
             <a:endParaRPr lang="en-US"/>
           </a:p>
@@ -1000,7 +1000,7 @@
           <a:p>
             <a:fld id="{78C97017-6FC3-485B-9764-EAC9E56C1D49}" type="datetimeFigureOut">
               <a:rPr lang="en-US" smtClean="0"/>
-              <a:t>3/4/2019</a:t>
+              <a:t>4/12/2019</a:t>
             </a:fld>
             <a:endParaRPr lang="en-US"/>
           </a:p>
@@ -1168,7 +1168,7 @@
           <a:p>
             <a:fld id="{78C97017-6FC3-485B-9764-EAC9E56C1D49}" type="datetimeFigureOut">
               <a:rPr lang="en-US" smtClean="0"/>
-              <a:t>3/4/2019</a:t>
+              <a:t>4/12/2019</a:t>
             </a:fld>
             <a:endParaRPr lang="en-US"/>
           </a:p>
@@ -1413,7 +1413,7 @@
           <a:p>
             <a:fld id="{78C97017-6FC3-485B-9764-EAC9E56C1D49}" type="datetimeFigureOut">
               <a:rPr lang="en-US" smtClean="0"/>
-              <a:t>3/4/2019</a:t>
+              <a:t>4/12/2019</a:t>
             </a:fld>
             <a:endParaRPr lang="en-US"/>
           </a:p>
@@ -1698,7 +1698,7 @@
           <a:p>
             <a:fld id="{78C97017-6FC3-485B-9764-EAC9E56C1D49}" type="datetimeFigureOut">
               <a:rPr lang="en-US" smtClean="0"/>
-              <a:t>3/4/2019</a:t>
+              <a:t>4/12/2019</a:t>
             </a:fld>
             <a:endParaRPr lang="en-US"/>
           </a:p>
@@ -2117,7 +2117,7 @@
           <a:p>
             <a:fld id="{78C97017-6FC3-485B-9764-EAC9E56C1D49}" type="datetimeFigureOut">
               <a:rPr lang="en-US" smtClean="0"/>
-              <a:t>3/4/2019</a:t>
+              <a:t>4/12/2019</a:t>
             </a:fld>
             <a:endParaRPr lang="en-US"/>
           </a:p>
@@ -2234,7 +2234,7 @@
           <a:p>
             <a:fld id="{78C97017-6FC3-485B-9764-EAC9E56C1D49}" type="datetimeFigureOut">
               <a:rPr lang="en-US" smtClean="0"/>
-              <a:t>3/4/2019</a:t>
+              <a:t>4/12/2019</a:t>
             </a:fld>
             <a:endParaRPr lang="en-US"/>
           </a:p>
@@ -2329,7 +2329,7 @@
           <a:p>
             <a:fld id="{78C97017-6FC3-485B-9764-EAC9E56C1D49}" type="datetimeFigureOut">
               <a:rPr lang="en-US" smtClean="0"/>
-              <a:t>3/4/2019</a:t>
+              <a:t>4/12/2019</a:t>
             </a:fld>
             <a:endParaRPr lang="en-US"/>
           </a:p>
@@ -2604,7 +2604,7 @@
           <a:p>
             <a:fld id="{78C97017-6FC3-485B-9764-EAC9E56C1D49}" type="datetimeFigureOut">
               <a:rPr lang="en-US" smtClean="0"/>
-              <a:t>3/4/2019</a:t>
+              <a:t>4/12/2019</a:t>
             </a:fld>
             <a:endParaRPr lang="en-US"/>
           </a:p>
@@ -2856,7 +2856,7 @@
           <a:p>
             <a:fld id="{78C97017-6FC3-485B-9764-EAC9E56C1D49}" type="datetimeFigureOut">
               <a:rPr lang="en-US" smtClean="0"/>
-              <a:t>3/4/2019</a:t>
+              <a:t>4/12/2019</a:t>
             </a:fld>
             <a:endParaRPr lang="en-US"/>
           </a:p>
@@ -3067,7 +3067,7 @@
           <a:p>
             <a:fld id="{78C97017-6FC3-485B-9764-EAC9E56C1D49}" type="datetimeFigureOut">
               <a:rPr lang="en-US" smtClean="0"/>
-              <a:t>3/4/2019</a:t>
+              <a:t>4/12/2019</a:t>
             </a:fld>
             <a:endParaRPr lang="en-US"/>
           </a:p>
@@ -3450,7 +3450,7 @@
         </p:nvSpPr>
         <p:spPr>
           <a:xfrm>
-            <a:off x="1119865" y="1600200"/>
+            <a:off x="1119865" y="1638720"/>
             <a:ext cx="7490735" cy="3124200"/>
           </a:xfrm>
           <a:prstGeom prst="roundRect">
@@ -4198,62 +4198,6 @@
       </p:sp>
       <p:sp>
         <p:nvSpPr>
-          <p:cNvPr id="62" name="Rectangle 8"/>
-          <p:cNvSpPr/>
-          <p:nvPr/>
-        </p:nvSpPr>
-        <p:spPr>
-          <a:xfrm>
-            <a:off x="6313677" y="2858066"/>
-            <a:ext cx="708186" cy="346760"/>
-          </a:xfrm>
-          <a:prstGeom prst="rect">
-            <a:avLst/>
-          </a:prstGeom>
-          <a:ln w="19050">
-            <a:solidFill>
-              <a:srgbClr val="7030A0"/>
-            </a:solidFill>
-          </a:ln>
-          <a:effectLst/>
-        </p:spPr>
-        <p:style>
-          <a:lnRef idx="1">
-            <a:schemeClr val="accent4"/>
-          </a:lnRef>
-          <a:fillRef idx="2">
-            <a:schemeClr val="accent4"/>
-          </a:fillRef>
-          <a:effectRef idx="1">
-            <a:schemeClr val="accent4"/>
-          </a:effectRef>
-          <a:fontRef idx="minor">
-            <a:schemeClr val="dk1"/>
-          </a:fontRef>
-        </p:style>
-        <p:txBody>
-          <a:bodyPr rtlCol="0" anchor="ctr"/>
-          <a:lstStyle/>
-          <a:p>
-            <a:pPr algn="ctr"/>
-            <a:r>
-              <a:rPr lang="en-US" sz="1050" dirty="0">
-                <a:solidFill>
-                  <a:srgbClr val="7030A0"/>
-                </a:solidFill>
-              </a:rPr>
-              <a:t>Book</a:t>
-            </a:r>
-            <a:endParaRPr lang="en-SG" sz="1050" dirty="0">
-              <a:solidFill>
-                <a:srgbClr val="7030A0"/>
-              </a:solidFill>
-            </a:endParaRPr>
-          </a:p>
-        </p:txBody>
-      </p:sp>
-      <p:sp>
-        <p:nvSpPr>
           <p:cNvPr id="63" name="Flowchart: Decision 96"/>
           <p:cNvSpPr/>
           <p:nvPr/>
@@ -4346,7 +4290,7 @@
         </p:nvSpPr>
         <p:spPr>
           <a:xfrm>
-            <a:off x="7712397" y="2564238"/>
+            <a:off x="7723726" y="3229678"/>
             <a:ext cx="708186" cy="285783"/>
           </a:xfrm>
           <a:prstGeom prst="rect">
@@ -4446,13 +4390,14 @@
           <p:cNvPr id="79" name="Elbow Connector 78"/>
           <p:cNvCxnSpPr>
             <a:cxnSpLocks/>
+            <a:endCxn id="76" idx="1"/>
           </p:cNvCxnSpPr>
           <p:nvPr/>
         </p:nvCxnSpPr>
         <p:spPr>
-          <a:xfrm flipV="1">
-            <a:off x="7277995" y="2706821"/>
-            <a:ext cx="434402" cy="327761"/>
+          <a:xfrm>
+            <a:off x="7277995" y="3034583"/>
+            <a:ext cx="445731" cy="337987"/>
           </a:xfrm>
           <a:prstGeom prst="bentConnector3">
             <a:avLst/>
@@ -4489,7 +4434,7 @@
         </p:nvSpPr>
         <p:spPr>
           <a:xfrm>
-            <a:off x="7712397" y="2887216"/>
+            <a:off x="7723726" y="3552656"/>
             <a:ext cx="708186" cy="285783"/>
           </a:xfrm>
           <a:prstGeom prst="rect">
@@ -4547,9 +4492,9 @@
           <p:nvPr/>
         </p:nvCxnSpPr>
         <p:spPr>
-          <a:xfrm flipV="1">
-            <a:off x="7277995" y="3030108"/>
-            <a:ext cx="434402" cy="4783"/>
+          <a:xfrm>
+            <a:off x="7277995" y="3034891"/>
+            <a:ext cx="445731" cy="660657"/>
           </a:xfrm>
           <a:prstGeom prst="bentConnector3">
             <a:avLst/>
@@ -4586,7 +4531,7 @@
         </p:nvSpPr>
         <p:spPr>
           <a:xfrm>
-            <a:off x="7712397" y="3210194"/>
+            <a:off x="7723726" y="3875634"/>
             <a:ext cx="708186" cy="285783"/>
           </a:xfrm>
           <a:prstGeom prst="rect">
@@ -4646,105 +4591,7 @@
         <p:spPr>
           <a:xfrm>
             <a:off x="7277995" y="3034891"/>
-            <a:ext cx="434402" cy="318195"/>
-          </a:xfrm>
-          <a:prstGeom prst="bentConnector3">
-            <a:avLst/>
-          </a:prstGeom>
-          <a:ln w="19050">
-            <a:solidFill>
-              <a:srgbClr val="7030A0"/>
-            </a:solidFill>
-            <a:headEnd type="none" w="med" len="med"/>
-            <a:tailEnd type="arrow" w="med" len="med"/>
-          </a:ln>
-          <a:effectLst/>
-        </p:spPr>
-        <p:style>
-          <a:lnRef idx="1">
-            <a:schemeClr val="accent2"/>
-          </a:lnRef>
-          <a:fillRef idx="2">
-            <a:schemeClr val="accent2"/>
-          </a:fillRef>
-          <a:effectRef idx="1">
-            <a:schemeClr val="accent2"/>
-          </a:effectRef>
-          <a:fontRef idx="minor">
-            <a:schemeClr val="dk1"/>
-          </a:fontRef>
-        </p:style>
-      </p:cxnSp>
-      <p:sp>
-        <p:nvSpPr>
-          <p:cNvPr id="85" name="Rectangle 8"/>
-          <p:cNvSpPr/>
-          <p:nvPr/>
-        </p:nvSpPr>
-        <p:spPr>
-          <a:xfrm>
-            <a:off x="7712396" y="3533171"/>
-            <a:ext cx="812519" cy="285783"/>
-          </a:xfrm>
-          <a:prstGeom prst="rect">
-            <a:avLst/>
-          </a:prstGeom>
-          <a:ln w="19050">
-            <a:solidFill>
-              <a:srgbClr val="7030A0"/>
-            </a:solidFill>
-          </a:ln>
-          <a:effectLst/>
-        </p:spPr>
-        <p:style>
-          <a:lnRef idx="1">
-            <a:schemeClr val="accent4"/>
-          </a:lnRef>
-          <a:fillRef idx="2">
-            <a:schemeClr val="accent4"/>
-          </a:fillRef>
-          <a:effectRef idx="1">
-            <a:schemeClr val="accent4"/>
-          </a:effectRef>
-          <a:fontRef idx="minor">
-            <a:schemeClr val="dk1"/>
-          </a:fontRef>
-        </p:style>
-        <p:txBody>
-          <a:bodyPr rtlCol="0" anchor="ctr"/>
-          <a:lstStyle/>
-          <a:p>
-            <a:pPr algn="ctr"/>
-            <a:r>
-              <a:rPr lang="en-US" sz="1050" dirty="0" err="1">
-                <a:solidFill>
-                  <a:srgbClr val="7030A0"/>
-                </a:solidFill>
-              </a:rPr>
-              <a:t>ReviewList</a:t>
-            </a:r>
-            <a:endParaRPr lang="en-SG" sz="1050" dirty="0">
-              <a:solidFill>
-                <a:srgbClr val="7030A0"/>
-              </a:solidFill>
-            </a:endParaRPr>
-          </a:p>
-        </p:txBody>
-      </p:sp>
-      <p:cxnSp>
-        <p:nvCxnSpPr>
-          <p:cNvPr id="86" name="Elbow Connector 85"/>
-          <p:cNvCxnSpPr>
-            <a:cxnSpLocks/>
-            <a:stCxn id="78" idx="3"/>
-            <a:endCxn id="85" idx="1"/>
-          </p:cNvCxnSpPr>
-          <p:nvPr/>
-        </p:nvCxnSpPr>
-        <p:spPr>
-          <a:xfrm>
-            <a:off x="7277995" y="3034891"/>
-            <a:ext cx="434401" cy="641172"/>
+            <a:ext cx="445731" cy="983635"/>
           </a:xfrm>
           <a:prstGeom prst="bentConnector3">
             <a:avLst/>
@@ -4873,84 +4720,13 @@
       </p:sp>
       <p:sp>
         <p:nvSpPr>
-          <p:cNvPr id="100" name="Rectangle 8"/>
-          <p:cNvSpPr/>
-          <p:nvPr/>
-        </p:nvSpPr>
-        <p:spPr>
-          <a:xfrm>
-            <a:off x="1260922" y="1998350"/>
-            <a:ext cx="1443661" cy="364396"/>
-          </a:xfrm>
-          <a:prstGeom prst="rect">
-            <a:avLst/>
-          </a:prstGeom>
-          <a:ln w="19050">
-            <a:solidFill>
-              <a:srgbClr val="7030A0"/>
-            </a:solidFill>
-          </a:ln>
-          <a:effectLst/>
-        </p:spPr>
-        <p:style>
-          <a:lnRef idx="1">
-            <a:schemeClr val="accent4"/>
-          </a:lnRef>
-          <a:fillRef idx="2">
-            <a:schemeClr val="accent4"/>
-          </a:fillRef>
-          <a:effectRef idx="1">
-            <a:schemeClr val="accent4"/>
-          </a:effectRef>
-          <a:fontRef idx="minor">
-            <a:schemeClr val="dk1"/>
-          </a:fontRef>
-        </p:style>
-        <p:txBody>
-          <a:bodyPr rtlCol="0" anchor="ctr"/>
-          <a:lstStyle/>
-          <a:p>
-            <a:pPr algn="ctr"/>
-            <a:r>
-              <a:rPr lang="en-US" sz="1050" dirty="0">
-                <a:solidFill>
-                  <a:srgbClr val="7030A0"/>
-                </a:solidFill>
-              </a:rPr>
-              <a:t>&lt;&lt;interface&gt;&gt;</a:t>
-            </a:r>
-            <a:br>
-              <a:rPr lang="en-US" sz="1050" dirty="0">
-                <a:solidFill>
-                  <a:srgbClr val="7030A0"/>
-                </a:solidFill>
-              </a:rPr>
-            </a:br>
-            <a:r>
-              <a:rPr lang="en-US" sz="1050" dirty="0" err="1">
-                <a:solidFill>
-                  <a:srgbClr val="7030A0"/>
-                </a:solidFill>
-              </a:rPr>
-              <a:t>ReadOnlyBookShelf</a:t>
-            </a:r>
-            <a:endParaRPr lang="en-SG" sz="1050" dirty="0">
-              <a:solidFill>
-                <a:srgbClr val="7030A0"/>
-              </a:solidFill>
-            </a:endParaRPr>
-          </a:p>
-        </p:txBody>
-      </p:sp>
-      <p:sp>
-        <p:nvSpPr>
           <p:cNvPr id="114" name="TextBox 113"/>
           <p:cNvSpPr txBox="1"/>
           <p:nvPr/>
         </p:nvSpPr>
         <p:spPr>
-          <a:xfrm rot="16200000">
-            <a:off x="6362886" y="3586305"/>
+          <a:xfrm>
+            <a:off x="5503476" y="1800498"/>
             <a:ext cx="881018" cy="261610"/>
           </a:xfrm>
           <a:prstGeom prst="rect">
@@ -5252,45 +5028,6 @@
       </p:sp>
       <p:sp>
         <p:nvSpPr>
-          <p:cNvPr id="70" name="TextBox 69"/>
-          <p:cNvSpPr txBox="1"/>
-          <p:nvPr/>
-        </p:nvSpPr>
-        <p:spPr>
-          <a:xfrm>
-            <a:off x="6449896" y="3204826"/>
-            <a:ext cx="189257" cy="178683"/>
-          </a:xfrm>
-          <a:prstGeom prst="rect">
-            <a:avLst/>
-          </a:prstGeom>
-          <a:noFill/>
-        </p:spPr>
-        <p:txBody>
-          <a:bodyPr wrap="square" lIns="0" tIns="0" rIns="0" bIns="0" rtlCol="0">
-            <a:noAutofit/>
-          </a:bodyPr>
-          <a:lstStyle/>
-          <a:p>
-            <a:pPr algn="ctr"/>
-            <a:r>
-              <a:rPr lang="en-US" sz="1100" dirty="0">
-                <a:solidFill>
-                  <a:srgbClr val="7030A0"/>
-                </a:solidFill>
-              </a:rPr>
-              <a:t>1</a:t>
-            </a:r>
-            <a:endParaRPr lang="en-SG" sz="1100" dirty="0">
-              <a:solidFill>
-                <a:srgbClr val="7030A0"/>
-              </a:solidFill>
-            </a:endParaRPr>
-          </a:p>
-        </p:txBody>
-      </p:sp>
-      <p:sp>
-        <p:nvSpPr>
           <p:cNvPr id="52" name="Rectangle 8">
             <a:extLst>
               <a:ext uri="{FF2B5EF4-FFF2-40B4-BE49-F238E27FC236}">
@@ -5303,7 +5040,7 @@
         </p:nvSpPr>
         <p:spPr>
           <a:xfrm>
-            <a:off x="7712397" y="2228817"/>
+            <a:off x="7723726" y="2894257"/>
             <a:ext cx="708186" cy="285783"/>
           </a:xfrm>
           <a:prstGeom prst="rect">
@@ -5368,9 +5105,9 @@
           <p:nvPr/>
         </p:nvCxnSpPr>
         <p:spPr>
-          <a:xfrm flipV="1">
-            <a:off x="7277995" y="2371709"/>
-            <a:ext cx="434402" cy="663182"/>
+          <a:xfrm>
+            <a:off x="7277995" y="3034891"/>
+            <a:ext cx="445731" cy="2258"/>
           </a:xfrm>
           <a:prstGeom prst="bentConnector3">
             <a:avLst>
@@ -5415,7 +5152,7 @@
         </p:nvSpPr>
         <p:spPr>
           <a:xfrm>
-            <a:off x="7466243" y="2255711"/>
+            <a:off x="7477572" y="2921151"/>
             <a:ext cx="189257" cy="178683"/>
           </a:xfrm>
           <a:prstGeom prst="rect">
@@ -5506,6 +5243,7 @@
         <p:nvCxnSpPr>
           <p:cNvPr id="60" name="Straight Arrow Connector 59"/>
           <p:cNvCxnSpPr>
+            <a:cxnSpLocks/>
             <a:stCxn id="51" idx="1"/>
             <a:endCxn id="49" idx="1"/>
           </p:cNvCxnSpPr>
@@ -5821,6 +5559,1050 @@
           </a:fontRef>
         </p:style>
       </p:cxnSp>
+      <p:sp>
+        <p:nvSpPr>
+          <p:cNvPr id="56" name="Rectangle 8">
+            <a:extLst>
+              <a:ext uri="{FF2B5EF4-FFF2-40B4-BE49-F238E27FC236}">
+                <a16:creationId xmlns:a16="http://schemas.microsoft.com/office/drawing/2014/main" id="{CB93F3AE-6C27-4DDF-B776-B206B58921B9}"/>
+              </a:ext>
+            </a:extLst>
+          </p:cNvPr>
+          <p:cNvSpPr/>
+          <p:nvPr/>
+        </p:nvSpPr>
+        <p:spPr>
+          <a:xfrm>
+            <a:off x="4663465" y="2313702"/>
+            <a:ext cx="1156969" cy="346760"/>
+          </a:xfrm>
+          <a:prstGeom prst="rect">
+            <a:avLst/>
+          </a:prstGeom>
+          <a:ln w="19050">
+            <a:solidFill>
+              <a:srgbClr val="7030A0"/>
+            </a:solidFill>
+          </a:ln>
+          <a:effectLst/>
+        </p:spPr>
+        <p:style>
+          <a:lnRef idx="1">
+            <a:schemeClr val="accent4"/>
+          </a:lnRef>
+          <a:fillRef idx="2">
+            <a:schemeClr val="accent4"/>
+          </a:fillRef>
+          <a:effectRef idx="1">
+            <a:schemeClr val="accent4"/>
+          </a:effectRef>
+          <a:fontRef idx="minor">
+            <a:schemeClr val="dk1"/>
+          </a:fontRef>
+        </p:style>
+        <p:txBody>
+          <a:bodyPr rtlCol="0" anchor="ctr"/>
+          <a:lstStyle/>
+          <a:p>
+            <a:pPr algn="ctr"/>
+            <a:r>
+              <a:rPr lang="en-US" sz="1050" dirty="0" err="1">
+                <a:solidFill>
+                  <a:srgbClr val="7030A0"/>
+                </a:solidFill>
+              </a:rPr>
+              <a:t>UniqueReviewList</a:t>
+            </a:r>
+            <a:endParaRPr lang="en-SG" sz="1050" dirty="0">
+              <a:solidFill>
+                <a:srgbClr val="7030A0"/>
+              </a:solidFill>
+            </a:endParaRPr>
+          </a:p>
+        </p:txBody>
+      </p:sp>
+      <p:cxnSp>
+        <p:nvCxnSpPr>
+          <p:cNvPr id="71" name="Straight Arrow Connector 59">
+            <a:extLst>
+              <a:ext uri="{FF2B5EF4-FFF2-40B4-BE49-F238E27FC236}">
+                <a16:creationId xmlns:a16="http://schemas.microsoft.com/office/drawing/2014/main" id="{6AE8808C-B958-4C81-BA4A-3B991A28FB37}"/>
+              </a:ext>
+            </a:extLst>
+          </p:cNvPr>
+          <p:cNvCxnSpPr>
+            <a:cxnSpLocks/>
+          </p:cNvCxnSpPr>
+          <p:nvPr/>
+        </p:nvCxnSpPr>
+        <p:spPr>
+          <a:xfrm flipV="1">
+            <a:off x="4117211" y="2495135"/>
+            <a:ext cx="547164" cy="2905"/>
+          </a:xfrm>
+          <a:prstGeom prst="straightConnector1">
+            <a:avLst/>
+          </a:prstGeom>
+          <a:ln w="19050">
+            <a:solidFill>
+              <a:srgbClr val="7030A0"/>
+            </a:solidFill>
+            <a:headEnd type="none" w="med" len="med"/>
+            <a:tailEnd type="arrow" w="med" len="med"/>
+          </a:ln>
+          <a:effectLst/>
+        </p:spPr>
+        <p:style>
+          <a:lnRef idx="1">
+            <a:schemeClr val="accent2"/>
+          </a:lnRef>
+          <a:fillRef idx="2">
+            <a:schemeClr val="accent2"/>
+          </a:fillRef>
+          <a:effectRef idx="1">
+            <a:schemeClr val="accent2"/>
+          </a:effectRef>
+          <a:fontRef idx="minor">
+            <a:schemeClr val="dk1"/>
+          </a:fontRef>
+        </p:style>
+      </p:cxnSp>
+      <p:sp>
+        <p:nvSpPr>
+          <p:cNvPr id="73" name="Flowchart: Decision 96">
+            <a:extLst>
+              <a:ext uri="{FF2B5EF4-FFF2-40B4-BE49-F238E27FC236}">
+                <a16:creationId xmlns:a16="http://schemas.microsoft.com/office/drawing/2014/main" id="{2F66E0BC-CBE8-4BEE-A7C3-A5180714AB7B}"/>
+              </a:ext>
+            </a:extLst>
+          </p:cNvPr>
+          <p:cNvSpPr/>
+          <p:nvPr/>
+        </p:nvSpPr>
+        <p:spPr>
+          <a:xfrm>
+            <a:off x="3999187" y="2660462"/>
+            <a:ext cx="236048" cy="173380"/>
+          </a:xfrm>
+          <a:prstGeom prst="flowChartDecision">
+            <a:avLst/>
+          </a:prstGeom>
+          <a:solidFill>
+            <a:srgbClr val="7030A0"/>
+          </a:solidFill>
+          <a:ln w="19050">
+            <a:solidFill>
+              <a:srgbClr val="7030A0"/>
+            </a:solidFill>
+          </a:ln>
+          <a:effectLst/>
+        </p:spPr>
+        <p:style>
+          <a:lnRef idx="1">
+            <a:schemeClr val="accent6"/>
+          </a:lnRef>
+          <a:fillRef idx="2">
+            <a:schemeClr val="accent6"/>
+          </a:fillRef>
+          <a:effectRef idx="1">
+            <a:schemeClr val="accent6"/>
+          </a:effectRef>
+          <a:fontRef idx="minor">
+            <a:schemeClr val="dk1"/>
+          </a:fontRef>
+        </p:style>
+        <p:txBody>
+          <a:bodyPr rtlCol="0" anchor="ctr"/>
+          <a:lstStyle/>
+          <a:p>
+            <a:pPr algn="ctr"/>
+            <a:endParaRPr lang="en-US" sz="1050"/>
+          </a:p>
+        </p:txBody>
+      </p:sp>
+      <p:cxnSp>
+        <p:nvCxnSpPr>
+          <p:cNvPr id="74" name="Straight Arrow Connector 59">
+            <a:extLst>
+              <a:ext uri="{FF2B5EF4-FFF2-40B4-BE49-F238E27FC236}">
+                <a16:creationId xmlns:a16="http://schemas.microsoft.com/office/drawing/2014/main" id="{C42AF0C1-1475-4897-896D-7DBF72A510A1}"/>
+              </a:ext>
+            </a:extLst>
+          </p:cNvPr>
+          <p:cNvCxnSpPr>
+            <a:cxnSpLocks/>
+            <a:endCxn id="73" idx="2"/>
+          </p:cNvCxnSpPr>
+          <p:nvPr/>
+        </p:nvCxnSpPr>
+        <p:spPr>
+          <a:xfrm>
+            <a:off x="4117211" y="2499493"/>
+            <a:ext cx="0" cy="334349"/>
+          </a:xfrm>
+          <a:prstGeom prst="straightConnector1">
+            <a:avLst/>
+          </a:prstGeom>
+          <a:ln w="19050">
+            <a:solidFill>
+              <a:srgbClr val="7030A0"/>
+            </a:solidFill>
+            <a:headEnd type="none" w="med" len="med"/>
+            <a:tailEnd type="arrow" w="med" len="med"/>
+          </a:ln>
+          <a:effectLst/>
+        </p:spPr>
+        <p:style>
+          <a:lnRef idx="1">
+            <a:schemeClr val="accent2"/>
+          </a:lnRef>
+          <a:fillRef idx="2">
+            <a:schemeClr val="accent2"/>
+          </a:fillRef>
+          <a:effectRef idx="1">
+            <a:schemeClr val="accent2"/>
+          </a:effectRef>
+          <a:fontRef idx="minor">
+            <a:schemeClr val="dk1"/>
+          </a:fontRef>
+        </p:style>
+      </p:cxnSp>
+      <p:sp>
+        <p:nvSpPr>
+          <p:cNvPr id="77" name="TextBox 53">
+            <a:extLst>
+              <a:ext uri="{FF2B5EF4-FFF2-40B4-BE49-F238E27FC236}">
+                <a16:creationId xmlns:a16="http://schemas.microsoft.com/office/drawing/2014/main" id="{15F05578-F53D-44F5-9C15-A38251C17EBE}"/>
+              </a:ext>
+            </a:extLst>
+          </p:cNvPr>
+          <p:cNvSpPr txBox="1"/>
+          <p:nvPr/>
+        </p:nvSpPr>
+        <p:spPr>
+          <a:xfrm>
+            <a:off x="4125418" y="2521848"/>
+            <a:ext cx="189257" cy="178683"/>
+          </a:xfrm>
+          <a:prstGeom prst="rect">
+            <a:avLst/>
+          </a:prstGeom>
+          <a:noFill/>
+        </p:spPr>
+        <p:txBody>
+          <a:bodyPr wrap="square" lIns="0" tIns="0" rIns="0" bIns="0" rtlCol="0">
+            <a:noAutofit/>
+          </a:bodyPr>
+          <a:lstStyle/>
+          <a:p>
+            <a:pPr algn="ctr"/>
+            <a:r>
+              <a:rPr lang="en-US" sz="1100" dirty="0">
+                <a:solidFill>
+                  <a:srgbClr val="7030A0"/>
+                </a:solidFill>
+              </a:rPr>
+              <a:t>1</a:t>
+            </a:r>
+            <a:endParaRPr lang="en-SG" sz="1100" dirty="0">
+              <a:solidFill>
+                <a:srgbClr val="7030A0"/>
+              </a:solidFill>
+            </a:endParaRPr>
+          </a:p>
+        </p:txBody>
+      </p:sp>
+      <p:sp>
+        <p:nvSpPr>
+          <p:cNvPr id="82" name="Rectangle 8">
+            <a:extLst>
+              <a:ext uri="{FF2B5EF4-FFF2-40B4-BE49-F238E27FC236}">
+                <a16:creationId xmlns:a16="http://schemas.microsoft.com/office/drawing/2014/main" id="{A350D097-130E-4D8F-BECB-FD3E7C3520D0}"/>
+              </a:ext>
+            </a:extLst>
+          </p:cNvPr>
+          <p:cNvSpPr/>
+          <p:nvPr/>
+        </p:nvSpPr>
+        <p:spPr>
+          <a:xfrm>
+            <a:off x="6280887" y="2283172"/>
+            <a:ext cx="708186" cy="346760"/>
+          </a:xfrm>
+          <a:prstGeom prst="rect">
+            <a:avLst/>
+          </a:prstGeom>
+          <a:ln w="19050">
+            <a:solidFill>
+              <a:srgbClr val="7030A0"/>
+            </a:solidFill>
+          </a:ln>
+          <a:effectLst/>
+        </p:spPr>
+        <p:style>
+          <a:lnRef idx="1">
+            <a:schemeClr val="accent4"/>
+          </a:lnRef>
+          <a:fillRef idx="2">
+            <a:schemeClr val="accent4"/>
+          </a:fillRef>
+          <a:effectRef idx="1">
+            <a:schemeClr val="accent4"/>
+          </a:effectRef>
+          <a:fontRef idx="minor">
+            <a:schemeClr val="dk1"/>
+          </a:fontRef>
+        </p:style>
+        <p:txBody>
+          <a:bodyPr rtlCol="0" anchor="ctr"/>
+          <a:lstStyle/>
+          <a:p>
+            <a:pPr algn="ctr"/>
+            <a:r>
+              <a:rPr lang="en-US" sz="1050" dirty="0">
+                <a:solidFill>
+                  <a:srgbClr val="7030A0"/>
+                </a:solidFill>
+              </a:rPr>
+              <a:t>Review</a:t>
+            </a:r>
+            <a:endParaRPr lang="en-SG" sz="1050" dirty="0">
+              <a:solidFill>
+                <a:srgbClr val="7030A0"/>
+              </a:solidFill>
+            </a:endParaRPr>
+          </a:p>
+        </p:txBody>
+      </p:sp>
+      <p:sp>
+        <p:nvSpPr>
+          <p:cNvPr id="87" name="Flowchart: Decision 96">
+            <a:extLst>
+              <a:ext uri="{FF2B5EF4-FFF2-40B4-BE49-F238E27FC236}">
+                <a16:creationId xmlns:a16="http://schemas.microsoft.com/office/drawing/2014/main" id="{D9674B37-6D95-402C-8FC2-0223BD75F585}"/>
+              </a:ext>
+            </a:extLst>
+          </p:cNvPr>
+          <p:cNvSpPr/>
+          <p:nvPr/>
+        </p:nvSpPr>
+        <p:spPr>
+          <a:xfrm>
+            <a:off x="5825961" y="2366782"/>
+            <a:ext cx="236048" cy="173380"/>
+          </a:xfrm>
+          <a:prstGeom prst="flowChartDecision">
+            <a:avLst/>
+          </a:prstGeom>
+          <a:noFill/>
+          <a:ln w="19050">
+            <a:solidFill>
+              <a:srgbClr val="7030A0"/>
+            </a:solidFill>
+          </a:ln>
+          <a:effectLst/>
+        </p:spPr>
+        <p:style>
+          <a:lnRef idx="1">
+            <a:schemeClr val="accent6"/>
+          </a:lnRef>
+          <a:fillRef idx="2">
+            <a:schemeClr val="accent6"/>
+          </a:fillRef>
+          <a:effectRef idx="1">
+            <a:schemeClr val="accent6"/>
+          </a:effectRef>
+          <a:fontRef idx="minor">
+            <a:schemeClr val="dk1"/>
+          </a:fontRef>
+        </p:style>
+        <p:txBody>
+          <a:bodyPr rtlCol="0" anchor="ctr"/>
+          <a:lstStyle/>
+          <a:p>
+            <a:pPr algn="ctr"/>
+            <a:endParaRPr lang="en-US" sz="1050"/>
+          </a:p>
+        </p:txBody>
+      </p:sp>
+      <p:cxnSp>
+        <p:nvCxnSpPr>
+          <p:cNvPr id="88" name="Elbow Connector 63">
+            <a:extLst>
+              <a:ext uri="{FF2B5EF4-FFF2-40B4-BE49-F238E27FC236}">
+                <a16:creationId xmlns:a16="http://schemas.microsoft.com/office/drawing/2014/main" id="{E0664BF5-AE98-4F34-A74B-DB091CB5EBA2}"/>
+              </a:ext>
+            </a:extLst>
+          </p:cNvPr>
+          <p:cNvCxnSpPr>
+            <a:stCxn id="87" idx="3"/>
+            <a:endCxn id="82" idx="1"/>
+          </p:cNvCxnSpPr>
+          <p:nvPr/>
+        </p:nvCxnSpPr>
+        <p:spPr>
+          <a:xfrm>
+            <a:off x="6062009" y="2453472"/>
+            <a:ext cx="218878" cy="3080"/>
+          </a:xfrm>
+          <a:prstGeom prst="bentConnector3">
+            <a:avLst/>
+          </a:prstGeom>
+          <a:ln w="19050">
+            <a:solidFill>
+              <a:srgbClr val="7030A0"/>
+            </a:solidFill>
+            <a:headEnd type="none" w="med" len="med"/>
+            <a:tailEnd type="arrow" w="med" len="med"/>
+          </a:ln>
+          <a:effectLst/>
+        </p:spPr>
+        <p:style>
+          <a:lnRef idx="1">
+            <a:schemeClr val="accent2"/>
+          </a:lnRef>
+          <a:fillRef idx="2">
+            <a:schemeClr val="accent2"/>
+          </a:fillRef>
+          <a:effectRef idx="1">
+            <a:schemeClr val="accent2"/>
+          </a:effectRef>
+          <a:fontRef idx="minor">
+            <a:schemeClr val="dk1"/>
+          </a:fontRef>
+        </p:style>
+      </p:cxnSp>
+      <p:sp>
+        <p:nvSpPr>
+          <p:cNvPr id="89" name="Flowchart: Decision 96">
+            <a:extLst>
+              <a:ext uri="{FF2B5EF4-FFF2-40B4-BE49-F238E27FC236}">
+                <a16:creationId xmlns:a16="http://schemas.microsoft.com/office/drawing/2014/main" id="{33948478-E782-4D83-9426-914486D9B5BC}"/>
+              </a:ext>
+            </a:extLst>
+          </p:cNvPr>
+          <p:cNvSpPr/>
+          <p:nvPr/>
+        </p:nvSpPr>
+        <p:spPr>
+          <a:xfrm>
+            <a:off x="7009157" y="2373307"/>
+            <a:ext cx="236048" cy="173380"/>
+          </a:xfrm>
+          <a:prstGeom prst="flowChartDecision">
+            <a:avLst/>
+          </a:prstGeom>
+          <a:solidFill>
+            <a:srgbClr val="7030A0"/>
+          </a:solidFill>
+          <a:ln w="19050">
+            <a:solidFill>
+              <a:srgbClr val="7030A0"/>
+            </a:solidFill>
+          </a:ln>
+          <a:effectLst/>
+        </p:spPr>
+        <p:style>
+          <a:lnRef idx="1">
+            <a:schemeClr val="accent6"/>
+          </a:lnRef>
+          <a:fillRef idx="2">
+            <a:schemeClr val="accent6"/>
+          </a:fillRef>
+          <a:effectRef idx="1">
+            <a:schemeClr val="accent6"/>
+          </a:effectRef>
+          <a:fontRef idx="minor">
+            <a:schemeClr val="dk1"/>
+          </a:fontRef>
+        </p:style>
+        <p:txBody>
+          <a:bodyPr rtlCol="0" anchor="ctr"/>
+          <a:lstStyle/>
+          <a:p>
+            <a:pPr algn="ctr"/>
+            <a:endParaRPr lang="en-US" sz="1050"/>
+          </a:p>
+        </p:txBody>
+      </p:sp>
+      <p:sp>
+        <p:nvSpPr>
+          <p:cNvPr id="90" name="TextBox 60">
+            <a:extLst>
+              <a:ext uri="{FF2B5EF4-FFF2-40B4-BE49-F238E27FC236}">
+                <a16:creationId xmlns:a16="http://schemas.microsoft.com/office/drawing/2014/main" id="{F87F864B-B260-463B-8513-511CA3EA8E71}"/>
+              </a:ext>
+            </a:extLst>
+          </p:cNvPr>
+          <p:cNvSpPr txBox="1"/>
+          <p:nvPr/>
+        </p:nvSpPr>
+        <p:spPr>
+          <a:xfrm>
+            <a:off x="6102466" y="2523023"/>
+            <a:ext cx="189257" cy="178683"/>
+          </a:xfrm>
+          <a:prstGeom prst="rect">
+            <a:avLst/>
+          </a:prstGeom>
+          <a:noFill/>
+        </p:spPr>
+        <p:txBody>
+          <a:bodyPr wrap="square" lIns="0" tIns="0" rIns="0" bIns="0" rtlCol="0">
+            <a:noAutofit/>
+          </a:bodyPr>
+          <a:lstStyle/>
+          <a:p>
+            <a:pPr algn="ctr"/>
+            <a:r>
+              <a:rPr lang="en-US" sz="1100" dirty="0">
+                <a:solidFill>
+                  <a:srgbClr val="7030A0"/>
+                </a:solidFill>
+              </a:rPr>
+              <a:t>*</a:t>
+            </a:r>
+            <a:endParaRPr lang="en-SG" sz="1100" dirty="0">
+              <a:solidFill>
+                <a:srgbClr val="7030A0"/>
+              </a:solidFill>
+            </a:endParaRPr>
+          </a:p>
+        </p:txBody>
+      </p:sp>
+      <p:sp>
+        <p:nvSpPr>
+          <p:cNvPr id="91" name="TextBox 69">
+            <a:extLst>
+              <a:ext uri="{FF2B5EF4-FFF2-40B4-BE49-F238E27FC236}">
+                <a16:creationId xmlns:a16="http://schemas.microsoft.com/office/drawing/2014/main" id="{EA933C8B-1F36-40B9-AC7D-4B616429B694}"/>
+              </a:ext>
+            </a:extLst>
+          </p:cNvPr>
+          <p:cNvSpPr txBox="1"/>
+          <p:nvPr/>
+        </p:nvSpPr>
+        <p:spPr>
+          <a:xfrm>
+            <a:off x="6439201" y="1999144"/>
+            <a:ext cx="189257" cy="178683"/>
+          </a:xfrm>
+          <a:prstGeom prst="rect">
+            <a:avLst/>
+          </a:prstGeom>
+          <a:noFill/>
+        </p:spPr>
+        <p:txBody>
+          <a:bodyPr wrap="square" lIns="0" tIns="0" rIns="0" bIns="0" rtlCol="0">
+            <a:noAutofit/>
+          </a:bodyPr>
+          <a:lstStyle/>
+          <a:p>
+            <a:pPr algn="ctr"/>
+            <a:r>
+              <a:rPr lang="en-US" sz="1100" dirty="0">
+                <a:solidFill>
+                  <a:srgbClr val="7030A0"/>
+                </a:solidFill>
+              </a:rPr>
+              <a:t>1</a:t>
+            </a:r>
+            <a:endParaRPr lang="en-SG" sz="1100" dirty="0">
+              <a:solidFill>
+                <a:srgbClr val="7030A0"/>
+              </a:solidFill>
+            </a:endParaRPr>
+          </a:p>
+        </p:txBody>
+      </p:sp>
+      <p:sp>
+        <p:nvSpPr>
+          <p:cNvPr id="92" name="Rectangle 8">
+            <a:extLst>
+              <a:ext uri="{FF2B5EF4-FFF2-40B4-BE49-F238E27FC236}">
+                <a16:creationId xmlns:a16="http://schemas.microsoft.com/office/drawing/2014/main" id="{18797DE4-FD66-4FA7-B99A-17807FB9EBDF}"/>
+              </a:ext>
+            </a:extLst>
+          </p:cNvPr>
+          <p:cNvSpPr/>
+          <p:nvPr/>
+        </p:nvSpPr>
+        <p:spPr>
+          <a:xfrm>
+            <a:off x="7669151" y="2226273"/>
+            <a:ext cx="864358" cy="285783"/>
+          </a:xfrm>
+          <a:prstGeom prst="rect">
+            <a:avLst/>
+          </a:prstGeom>
+          <a:ln w="19050">
+            <a:solidFill>
+              <a:srgbClr val="7030A0"/>
+            </a:solidFill>
+          </a:ln>
+          <a:effectLst/>
+        </p:spPr>
+        <p:style>
+          <a:lnRef idx="1">
+            <a:schemeClr val="accent4"/>
+          </a:lnRef>
+          <a:fillRef idx="2">
+            <a:schemeClr val="accent4"/>
+          </a:fillRef>
+          <a:effectRef idx="1">
+            <a:schemeClr val="accent4"/>
+          </a:effectRef>
+          <a:fontRef idx="minor">
+            <a:schemeClr val="dk1"/>
+          </a:fontRef>
+        </p:style>
+        <p:txBody>
+          <a:bodyPr rtlCol="0" anchor="ctr"/>
+          <a:lstStyle/>
+          <a:p>
+            <a:pPr algn="ctr"/>
+            <a:r>
+              <a:rPr lang="en-US" sz="1050" dirty="0">
+                <a:solidFill>
+                  <a:srgbClr val="7030A0"/>
+                </a:solidFill>
+              </a:rPr>
+              <a:t>Review-Title</a:t>
+            </a:r>
+            <a:endParaRPr lang="en-SG" sz="1050" dirty="0">
+              <a:solidFill>
+                <a:srgbClr val="7030A0"/>
+              </a:solidFill>
+            </a:endParaRPr>
+          </a:p>
+        </p:txBody>
+      </p:sp>
+      <p:cxnSp>
+        <p:nvCxnSpPr>
+          <p:cNvPr id="93" name="Elbow Connector 78">
+            <a:extLst>
+              <a:ext uri="{FF2B5EF4-FFF2-40B4-BE49-F238E27FC236}">
+                <a16:creationId xmlns:a16="http://schemas.microsoft.com/office/drawing/2014/main" id="{7740C6A8-3BBC-45E9-BB22-48E613D1A797}"/>
+              </a:ext>
+            </a:extLst>
+          </p:cNvPr>
+          <p:cNvCxnSpPr>
+            <a:cxnSpLocks/>
+            <a:endCxn id="92" idx="1"/>
+          </p:cNvCxnSpPr>
+          <p:nvPr/>
+        </p:nvCxnSpPr>
+        <p:spPr>
+          <a:xfrm flipV="1">
+            <a:off x="7235640" y="2369165"/>
+            <a:ext cx="433511" cy="97548"/>
+          </a:xfrm>
+          <a:prstGeom prst="bentConnector3">
+            <a:avLst>
+              <a:gd name="adj1" fmla="val 50000"/>
+            </a:avLst>
+          </a:prstGeom>
+          <a:ln w="19050">
+            <a:solidFill>
+              <a:srgbClr val="7030A0"/>
+            </a:solidFill>
+            <a:headEnd type="none" w="med" len="med"/>
+            <a:tailEnd type="arrow" w="med" len="med"/>
+          </a:ln>
+          <a:effectLst/>
+        </p:spPr>
+        <p:style>
+          <a:lnRef idx="1">
+            <a:schemeClr val="accent2"/>
+          </a:lnRef>
+          <a:fillRef idx="2">
+            <a:schemeClr val="accent2"/>
+          </a:fillRef>
+          <a:effectRef idx="1">
+            <a:schemeClr val="accent2"/>
+          </a:effectRef>
+          <a:fontRef idx="minor">
+            <a:schemeClr val="dk1"/>
+          </a:fontRef>
+        </p:style>
+      </p:cxnSp>
+      <p:sp>
+        <p:nvSpPr>
+          <p:cNvPr id="101" name="Rectangle 8">
+            <a:extLst>
+              <a:ext uri="{FF2B5EF4-FFF2-40B4-BE49-F238E27FC236}">
+                <a16:creationId xmlns:a16="http://schemas.microsoft.com/office/drawing/2014/main" id="{CB30FF37-2CF9-4B09-B181-A56E7D7A7B4E}"/>
+              </a:ext>
+            </a:extLst>
+          </p:cNvPr>
+          <p:cNvSpPr/>
+          <p:nvPr/>
+        </p:nvSpPr>
+        <p:spPr>
+          <a:xfrm>
+            <a:off x="7669151" y="1890852"/>
+            <a:ext cx="864358" cy="285783"/>
+          </a:xfrm>
+          <a:prstGeom prst="rect">
+            <a:avLst/>
+          </a:prstGeom>
+          <a:ln w="19050">
+            <a:solidFill>
+              <a:srgbClr val="7030A0"/>
+            </a:solidFill>
+          </a:ln>
+          <a:effectLst/>
+        </p:spPr>
+        <p:style>
+          <a:lnRef idx="1">
+            <a:schemeClr val="accent4"/>
+          </a:lnRef>
+          <a:fillRef idx="2">
+            <a:schemeClr val="accent4"/>
+          </a:fillRef>
+          <a:effectRef idx="1">
+            <a:schemeClr val="accent4"/>
+          </a:effectRef>
+          <a:fontRef idx="minor">
+            <a:schemeClr val="dk1"/>
+          </a:fontRef>
+        </p:style>
+        <p:txBody>
+          <a:bodyPr rtlCol="0" anchor="ctr"/>
+          <a:lstStyle/>
+          <a:p>
+            <a:pPr algn="ctr"/>
+            <a:r>
+              <a:rPr lang="en-US" sz="1050" dirty="0">
+                <a:solidFill>
+                  <a:srgbClr val="7030A0"/>
+                </a:solidFill>
+              </a:rPr>
+              <a:t>Book-Name</a:t>
+            </a:r>
+            <a:endParaRPr lang="en-SG" sz="1050" dirty="0">
+              <a:solidFill>
+                <a:srgbClr val="7030A0"/>
+              </a:solidFill>
+            </a:endParaRPr>
+          </a:p>
+        </p:txBody>
+      </p:sp>
+      <p:cxnSp>
+        <p:nvCxnSpPr>
+          <p:cNvPr id="102" name="Elbow Connector 78">
+            <a:extLst>
+              <a:ext uri="{FF2B5EF4-FFF2-40B4-BE49-F238E27FC236}">
+                <a16:creationId xmlns:a16="http://schemas.microsoft.com/office/drawing/2014/main" id="{4CCA74E3-DA36-4924-A080-24AD42EDC67F}"/>
+              </a:ext>
+            </a:extLst>
+          </p:cNvPr>
+          <p:cNvCxnSpPr>
+            <a:cxnSpLocks/>
+            <a:endCxn id="101" idx="1"/>
+          </p:cNvCxnSpPr>
+          <p:nvPr/>
+        </p:nvCxnSpPr>
+        <p:spPr>
+          <a:xfrm rot="5400000" flipH="1" flipV="1">
+            <a:off x="7391628" y="2091643"/>
+            <a:ext cx="335421" cy="219625"/>
+          </a:xfrm>
+          <a:prstGeom prst="bentConnector2">
+            <a:avLst/>
+          </a:prstGeom>
+          <a:ln w="19050">
+            <a:solidFill>
+              <a:srgbClr val="7030A0"/>
+            </a:solidFill>
+            <a:headEnd type="none" w="med" len="med"/>
+            <a:tailEnd type="arrow" w="med" len="med"/>
+          </a:ln>
+          <a:effectLst/>
+        </p:spPr>
+        <p:style>
+          <a:lnRef idx="1">
+            <a:schemeClr val="accent2"/>
+          </a:lnRef>
+          <a:fillRef idx="2">
+            <a:schemeClr val="accent2"/>
+          </a:fillRef>
+          <a:effectRef idx="1">
+            <a:schemeClr val="accent2"/>
+          </a:effectRef>
+          <a:fontRef idx="minor">
+            <a:schemeClr val="dk1"/>
+          </a:fontRef>
+        </p:style>
+      </p:cxnSp>
+      <p:cxnSp>
+        <p:nvCxnSpPr>
+          <p:cNvPr id="104" name="Elbow Connector 106">
+            <a:extLst>
+              <a:ext uri="{FF2B5EF4-FFF2-40B4-BE49-F238E27FC236}">
+                <a16:creationId xmlns:a16="http://schemas.microsoft.com/office/drawing/2014/main" id="{3AD1EED7-6AFF-4F29-8CD6-CC4DF088D82D}"/>
+              </a:ext>
+            </a:extLst>
+          </p:cNvPr>
+          <p:cNvCxnSpPr>
+            <a:cxnSpLocks/>
+            <a:stCxn id="9" idx="3"/>
+            <a:endCxn id="82" idx="0"/>
+          </p:cNvCxnSpPr>
+          <p:nvPr/>
+        </p:nvCxnSpPr>
+        <p:spPr>
+          <a:xfrm rot="5400000" flipH="1" flipV="1">
+            <a:off x="4201103" y="290436"/>
+            <a:ext cx="441141" cy="4426614"/>
+          </a:xfrm>
+          <a:prstGeom prst="bentConnector3">
+            <a:avLst>
+              <a:gd name="adj1" fmla="val 206168"/>
+            </a:avLst>
+          </a:prstGeom>
+          <a:ln w="19050">
+            <a:solidFill>
+              <a:srgbClr val="7030A0"/>
+            </a:solidFill>
+            <a:prstDash val="solid"/>
+            <a:headEnd type="none" w="med" len="med"/>
+            <a:tailEnd type="arrow" w="med" len="med"/>
+          </a:ln>
+          <a:effectLst/>
+        </p:spPr>
+        <p:style>
+          <a:lnRef idx="1">
+            <a:schemeClr val="accent2"/>
+          </a:lnRef>
+          <a:fillRef idx="2">
+            <a:schemeClr val="accent2"/>
+          </a:fillRef>
+          <a:effectRef idx="1">
+            <a:schemeClr val="accent2"/>
+          </a:effectRef>
+          <a:fontRef idx="minor">
+            <a:schemeClr val="dk1"/>
+          </a:fontRef>
+        </p:style>
+      </p:cxnSp>
+      <p:sp>
+        <p:nvSpPr>
+          <p:cNvPr id="105" name="TextBox 113">
+            <a:extLst>
+              <a:ext uri="{FF2B5EF4-FFF2-40B4-BE49-F238E27FC236}">
+                <a16:creationId xmlns:a16="http://schemas.microsoft.com/office/drawing/2014/main" id="{105334CA-CCF5-4F60-BD33-7C92BF2CFD69}"/>
+              </a:ext>
+            </a:extLst>
+          </p:cNvPr>
+          <p:cNvSpPr txBox="1"/>
+          <p:nvPr/>
+        </p:nvSpPr>
+        <p:spPr>
+          <a:xfrm rot="16200000">
+            <a:off x="6046360" y="3521701"/>
+            <a:ext cx="881018" cy="261610"/>
+          </a:xfrm>
+          <a:prstGeom prst="rect">
+            <a:avLst/>
+          </a:prstGeom>
+          <a:noFill/>
+        </p:spPr>
+        <p:txBody>
+          <a:bodyPr wrap="square" rtlCol="0">
+            <a:spAutoFit/>
+          </a:bodyPr>
+          <a:lstStyle/>
+          <a:p>
+            <a:pPr algn="r"/>
+            <a:r>
+              <a:rPr lang="en-US" sz="1100" dirty="0">
+                <a:solidFill>
+                  <a:srgbClr val="7030A0"/>
+                </a:solidFill>
+              </a:rPr>
+              <a:t>filtered list</a:t>
+            </a:r>
+            <a:endParaRPr lang="en-SG" sz="1100" dirty="0">
+              <a:solidFill>
+                <a:srgbClr val="7030A0"/>
+              </a:solidFill>
+            </a:endParaRPr>
+          </a:p>
+        </p:txBody>
+      </p:sp>
+      <p:sp>
+        <p:nvSpPr>
+          <p:cNvPr id="106" name="TextBox 69">
+            <a:extLst>
+              <a:ext uri="{FF2B5EF4-FFF2-40B4-BE49-F238E27FC236}">
+                <a16:creationId xmlns:a16="http://schemas.microsoft.com/office/drawing/2014/main" id="{CCCB5E18-9C39-445D-BDA2-83F89CFDC3AC}"/>
+              </a:ext>
+            </a:extLst>
+          </p:cNvPr>
+          <p:cNvSpPr txBox="1"/>
+          <p:nvPr/>
+        </p:nvSpPr>
+        <p:spPr>
+          <a:xfrm>
+            <a:off x="6691748" y="3265032"/>
+            <a:ext cx="189257" cy="178683"/>
+          </a:xfrm>
+          <a:prstGeom prst="rect">
+            <a:avLst/>
+          </a:prstGeom>
+          <a:noFill/>
+        </p:spPr>
+        <p:txBody>
+          <a:bodyPr wrap="square" lIns="0" tIns="0" rIns="0" bIns="0" rtlCol="0">
+            <a:noAutofit/>
+          </a:bodyPr>
+          <a:lstStyle/>
+          <a:p>
+            <a:pPr algn="ctr"/>
+            <a:r>
+              <a:rPr lang="en-US" sz="1100" dirty="0">
+                <a:solidFill>
+                  <a:srgbClr val="7030A0"/>
+                </a:solidFill>
+              </a:rPr>
+              <a:t>1</a:t>
+            </a:r>
+            <a:endParaRPr lang="en-SG" sz="1100" dirty="0">
+              <a:solidFill>
+                <a:srgbClr val="7030A0"/>
+              </a:solidFill>
+            </a:endParaRPr>
+          </a:p>
+        </p:txBody>
+      </p:sp>
+      <p:sp>
+        <p:nvSpPr>
+          <p:cNvPr id="62" name="Rectangle 8"/>
+          <p:cNvSpPr/>
+          <p:nvPr/>
+        </p:nvSpPr>
+        <p:spPr>
+          <a:xfrm>
+            <a:off x="6313677" y="2858066"/>
+            <a:ext cx="708186" cy="346760"/>
+          </a:xfrm>
+          <a:prstGeom prst="rect">
+            <a:avLst/>
+          </a:prstGeom>
+          <a:ln w="19050">
+            <a:solidFill>
+              <a:srgbClr val="7030A0"/>
+            </a:solidFill>
+          </a:ln>
+          <a:effectLst/>
+        </p:spPr>
+        <p:style>
+          <a:lnRef idx="1">
+            <a:schemeClr val="accent4"/>
+          </a:lnRef>
+          <a:fillRef idx="2">
+            <a:schemeClr val="accent4"/>
+          </a:fillRef>
+          <a:effectRef idx="1">
+            <a:schemeClr val="accent4"/>
+          </a:effectRef>
+          <a:fontRef idx="minor">
+            <a:schemeClr val="dk1"/>
+          </a:fontRef>
+        </p:style>
+        <p:txBody>
+          <a:bodyPr rtlCol="0" anchor="ctr"/>
+          <a:lstStyle/>
+          <a:p>
+            <a:pPr algn="ctr"/>
+            <a:r>
+              <a:rPr lang="en-US" sz="1050" dirty="0">
+                <a:solidFill>
+                  <a:srgbClr val="7030A0"/>
+                </a:solidFill>
+              </a:rPr>
+              <a:t>Book</a:t>
+            </a:r>
+            <a:endParaRPr lang="en-SG" sz="1050" dirty="0">
+              <a:solidFill>
+                <a:srgbClr val="7030A0"/>
+              </a:solidFill>
+            </a:endParaRPr>
+          </a:p>
+        </p:txBody>
+      </p:sp>
+      <p:sp>
+        <p:nvSpPr>
+          <p:cNvPr id="100" name="Rectangle 8"/>
+          <p:cNvSpPr/>
+          <p:nvPr/>
+        </p:nvSpPr>
+        <p:spPr>
+          <a:xfrm>
+            <a:off x="1260922" y="1998350"/>
+            <a:ext cx="1443661" cy="364396"/>
+          </a:xfrm>
+          <a:prstGeom prst="rect">
+            <a:avLst/>
+          </a:prstGeom>
+          <a:ln w="19050">
+            <a:solidFill>
+              <a:srgbClr val="7030A0"/>
+            </a:solidFill>
+          </a:ln>
+          <a:effectLst/>
+        </p:spPr>
+        <p:style>
+          <a:lnRef idx="1">
+            <a:schemeClr val="accent4"/>
+          </a:lnRef>
+          <a:fillRef idx="2">
+            <a:schemeClr val="accent4"/>
+          </a:fillRef>
+          <a:effectRef idx="1">
+            <a:schemeClr val="accent4"/>
+          </a:effectRef>
+          <a:fontRef idx="minor">
+            <a:schemeClr val="dk1"/>
+          </a:fontRef>
+        </p:style>
+        <p:txBody>
+          <a:bodyPr rtlCol="0" anchor="ctr"/>
+          <a:lstStyle/>
+          <a:p>
+            <a:pPr algn="ctr"/>
+            <a:r>
+              <a:rPr lang="en-US" sz="1050" dirty="0">
+                <a:solidFill>
+                  <a:srgbClr val="7030A0"/>
+                </a:solidFill>
+              </a:rPr>
+              <a:t>&lt;&lt;interface&gt;&gt;</a:t>
+            </a:r>
+            <a:br>
+              <a:rPr lang="en-US" sz="1050" dirty="0">
+                <a:solidFill>
+                  <a:srgbClr val="7030A0"/>
+                </a:solidFill>
+              </a:rPr>
+            </a:br>
+            <a:r>
+              <a:rPr lang="en-US" sz="1050" dirty="0" err="1">
+                <a:solidFill>
+                  <a:srgbClr val="7030A0"/>
+                </a:solidFill>
+              </a:rPr>
+              <a:t>ReadOnlyBookShelf</a:t>
+            </a:r>
+            <a:endParaRPr lang="en-SG" sz="1050" dirty="0">
+              <a:solidFill>
+                <a:srgbClr val="7030A0"/>
+              </a:solidFill>
+            </a:endParaRPr>
+          </a:p>
+        </p:txBody>
+      </p:sp>
     </p:spTree>
     <p:extLst>
       <p:ext uri="{BB962C8B-B14F-4D97-AF65-F5344CB8AC3E}">

--- a/docs/diagrams/ModelComponentClassDiagram.pptx
+++ b/docs/diagrams/ModelComponentClassDiagram.pptx
@@ -208,7 +208,7 @@
           <a:p>
             <a:fld id="{F5CC4B3F-88C1-4FFA-B1B6-F41C21DC6924}" type="datetimeFigureOut">
               <a:rPr lang="en-US" smtClean="0"/>
-              <a:t>3/5/19</a:t>
+              <a:t>4/13/19</a:t>
             </a:fld>
             <a:endParaRPr lang="en-US"/>
           </a:p>
@@ -654,7 +654,7 @@
           <a:p>
             <a:fld id="{78C97017-6FC3-485B-9764-EAC9E56C1D49}" type="datetimeFigureOut">
               <a:rPr lang="en-US" smtClean="0"/>
-              <a:t>3/5/19</a:t>
+              <a:t>4/13/19</a:t>
             </a:fld>
             <a:endParaRPr lang="en-US"/>
           </a:p>
@@ -822,7 +822,7 @@
           <a:p>
             <a:fld id="{78C97017-6FC3-485B-9764-EAC9E56C1D49}" type="datetimeFigureOut">
               <a:rPr lang="en-US" smtClean="0"/>
-              <a:t>3/5/19</a:t>
+              <a:t>4/13/19</a:t>
             </a:fld>
             <a:endParaRPr lang="en-US"/>
           </a:p>
@@ -1000,7 +1000,7 @@
           <a:p>
             <a:fld id="{78C97017-6FC3-485B-9764-EAC9E56C1D49}" type="datetimeFigureOut">
               <a:rPr lang="en-US" smtClean="0"/>
-              <a:t>3/5/19</a:t>
+              <a:t>4/13/19</a:t>
             </a:fld>
             <a:endParaRPr lang="en-US"/>
           </a:p>
@@ -1168,7 +1168,7 @@
           <a:p>
             <a:fld id="{78C97017-6FC3-485B-9764-EAC9E56C1D49}" type="datetimeFigureOut">
               <a:rPr lang="en-US" smtClean="0"/>
-              <a:t>3/5/19</a:t>
+              <a:t>4/13/19</a:t>
             </a:fld>
             <a:endParaRPr lang="en-US"/>
           </a:p>
@@ -1413,7 +1413,7 @@
           <a:p>
             <a:fld id="{78C97017-6FC3-485B-9764-EAC9E56C1D49}" type="datetimeFigureOut">
               <a:rPr lang="en-US" smtClean="0"/>
-              <a:t>3/5/19</a:t>
+              <a:t>4/13/19</a:t>
             </a:fld>
             <a:endParaRPr lang="en-US"/>
           </a:p>
@@ -1698,7 +1698,7 @@
           <a:p>
             <a:fld id="{78C97017-6FC3-485B-9764-EAC9E56C1D49}" type="datetimeFigureOut">
               <a:rPr lang="en-US" smtClean="0"/>
-              <a:t>3/5/19</a:t>
+              <a:t>4/13/19</a:t>
             </a:fld>
             <a:endParaRPr lang="en-US"/>
           </a:p>
@@ -2117,7 +2117,7 @@
           <a:p>
             <a:fld id="{78C97017-6FC3-485B-9764-EAC9E56C1D49}" type="datetimeFigureOut">
               <a:rPr lang="en-US" smtClean="0"/>
-              <a:t>3/5/19</a:t>
+              <a:t>4/13/19</a:t>
             </a:fld>
             <a:endParaRPr lang="en-US"/>
           </a:p>
@@ -2234,7 +2234,7 @@
           <a:p>
             <a:fld id="{78C97017-6FC3-485B-9764-EAC9E56C1D49}" type="datetimeFigureOut">
               <a:rPr lang="en-US" smtClean="0"/>
-              <a:t>3/5/19</a:t>
+              <a:t>4/13/19</a:t>
             </a:fld>
             <a:endParaRPr lang="en-US"/>
           </a:p>
@@ -2329,7 +2329,7 @@
           <a:p>
             <a:fld id="{78C97017-6FC3-485B-9764-EAC9E56C1D49}" type="datetimeFigureOut">
               <a:rPr lang="en-US" smtClean="0"/>
-              <a:t>3/5/19</a:t>
+              <a:t>4/13/19</a:t>
             </a:fld>
             <a:endParaRPr lang="en-US"/>
           </a:p>
@@ -2604,7 +2604,7 @@
           <a:p>
             <a:fld id="{78C97017-6FC3-485B-9764-EAC9E56C1D49}" type="datetimeFigureOut">
               <a:rPr lang="en-US" smtClean="0"/>
-              <a:t>3/5/19</a:t>
+              <a:t>4/13/19</a:t>
             </a:fld>
             <a:endParaRPr lang="en-US"/>
           </a:p>
@@ -2856,7 +2856,7 @@
           <a:p>
             <a:fld id="{78C97017-6FC3-485B-9764-EAC9E56C1D49}" type="datetimeFigureOut">
               <a:rPr lang="en-US" smtClean="0"/>
-              <a:t>3/5/19</a:t>
+              <a:t>4/13/19</a:t>
             </a:fld>
             <a:endParaRPr lang="en-US"/>
           </a:p>
@@ -3067,7 +3067,7 @@
           <a:p>
             <a:fld id="{78C97017-6FC3-485B-9764-EAC9E56C1D49}" type="datetimeFigureOut">
               <a:rPr lang="en-US" smtClean="0"/>
-              <a:t>3/5/19</a:t>
+              <a:t>4/13/19</a:t>
             </a:fld>
             <a:endParaRPr lang="en-US"/>
           </a:p>
@@ -3450,8 +3450,8 @@
         </p:nvSpPr>
         <p:spPr>
           <a:xfrm>
-            <a:off x="1119865" y="1600200"/>
-            <a:ext cx="7490735" cy="3124200"/>
+            <a:off x="1119865" y="315744"/>
+            <a:ext cx="6652535" cy="6069550"/>
           </a:xfrm>
           <a:prstGeom prst="roundRect">
             <a:avLst>
@@ -3511,7 +3511,7 @@
         </p:nvSpPr>
         <p:spPr>
           <a:xfrm>
-            <a:off x="2825280" y="3463240"/>
+            <a:off x="3833436" y="3574697"/>
             <a:ext cx="878211" cy="346760"/>
           </a:xfrm>
           <a:prstGeom prst="rect">
@@ -3567,8 +3567,8 @@
         </p:nvSpPr>
         <p:spPr>
           <a:xfrm rot="16200000">
-            <a:off x="1661548" y="3097750"/>
-            <a:ext cx="1093635" cy="346760"/>
+            <a:off x="2229530" y="2545868"/>
+            <a:ext cx="1274333" cy="346760"/>
           </a:xfrm>
           <a:prstGeom prst="rect">
             <a:avLst/>
@@ -3608,7 +3608,7 @@
                   <a:schemeClr val="bg1"/>
                 </a:solidFill>
               </a:rPr>
-              <a:t>ModelManager</a:t>
+              <a:t>CustomerManager</a:t>
             </a:r>
             <a:endParaRPr lang="en-SG" sz="1050" dirty="0">
               <a:solidFill>
@@ -3618,31 +3618,101 @@
           </a:p>
         </p:txBody>
       </p:sp>
-      <p:cxnSp>
-        <p:nvCxnSpPr>
-          <p:cNvPr id="107" name="Elbow Connector 106"/>
-          <p:cNvCxnSpPr>
-            <a:cxnSpLocks/>
-            <a:stCxn id="9" idx="1"/>
-            <a:endCxn id="62" idx="2"/>
-          </p:cNvCxnSpPr>
+      <p:sp>
+        <p:nvSpPr>
+          <p:cNvPr id="119" name="Rectangle 62"/>
+          <p:cNvSpPr/>
           <p:nvPr/>
-        </p:nvCxnSpPr>
-        <p:spPr>
-          <a:xfrm rot="5400000" flipH="1" flipV="1">
-            <a:off x="4131507" y="1281685"/>
-            <a:ext cx="613122" cy="4459404"/>
-          </a:xfrm>
-          <a:prstGeom prst="bentConnector3">
-            <a:avLst>
-              <a:gd name="adj1" fmla="val -26668"/>
-            </a:avLst>
-          </a:prstGeom>
+        </p:nvSpPr>
+        <p:spPr>
+          <a:xfrm rot="16200000">
+            <a:off x="845063" y="3122282"/>
+            <a:ext cx="1093635" cy="346760"/>
+          </a:xfrm>
+          <a:prstGeom prst="rect">
+            <a:avLst/>
+          </a:prstGeom>
+          <a:solidFill>
+            <a:srgbClr val="7030A0"/>
+          </a:solidFill>
           <a:ln w="19050">
             <a:solidFill>
               <a:srgbClr val="7030A0"/>
             </a:solidFill>
-            <a:prstDash val="solid"/>
+          </a:ln>
+          <a:effectLst/>
+        </p:spPr>
+        <p:style>
+          <a:lnRef idx="1">
+            <a:schemeClr val="accent2"/>
+          </a:lnRef>
+          <a:fillRef idx="2">
+            <a:schemeClr val="accent2"/>
+          </a:fillRef>
+          <a:effectRef idx="1">
+            <a:schemeClr val="accent2"/>
+          </a:effectRef>
+          <a:fontRef idx="minor">
+            <a:schemeClr val="dk1"/>
+          </a:fontRef>
+        </p:style>
+        <p:txBody>
+          <a:bodyPr rtlCol="0" anchor="ctr"/>
+          <a:lstStyle/>
+          <a:p>
+            <a:pPr algn="ctr"/>
+            <a:r>
+              <a:rPr lang="en-US" sz="1050" dirty="0">
+                <a:solidFill>
+                  <a:schemeClr val="bg1"/>
+                </a:solidFill>
+              </a:rPr>
+              <a:t>&lt;&lt;interface&gt;&gt;</a:t>
+            </a:r>
+          </a:p>
+          <a:p>
+            <a:pPr algn="ctr"/>
+            <a:r>
+              <a:rPr lang="en-US" sz="1050" dirty="0">
+                <a:solidFill>
+                  <a:schemeClr val="bg1"/>
+                </a:solidFill>
+              </a:rPr>
+              <a:t>Model</a:t>
+            </a:r>
+            <a:endParaRPr lang="en-SG" sz="1050" dirty="0">
+              <a:solidFill>
+                <a:schemeClr val="bg1"/>
+              </a:solidFill>
+            </a:endParaRPr>
+          </a:p>
+        </p:txBody>
+      </p:sp>
+      <p:cxnSp>
+        <p:nvCxnSpPr>
+          <p:cNvPr id="75" name="Elbow Connector 122"/>
+          <p:cNvCxnSpPr>
+            <a:cxnSpLocks/>
+          </p:cNvCxnSpPr>
+          <p:nvPr/>
+        </p:nvCxnSpPr>
+        <p:spPr>
+          <a:xfrm flipV="1">
+            <a:off x="872068" y="3295663"/>
+            <a:ext cx="332768" cy="5471"/>
+          </a:xfrm>
+          <a:prstGeom prst="bentConnector3">
+            <a:avLst>
+              <a:gd name="adj1" fmla="val 50000"/>
+            </a:avLst>
+          </a:prstGeom>
+          <a:ln w="19050">
+            <a:solidFill>
+              <a:schemeClr val="bg1">
+                <a:lumMod val="75000"/>
+              </a:schemeClr>
+            </a:solidFill>
+            <a:prstDash val="sysDot"/>
             <a:headEnd type="none" w="med" len="med"/>
             <a:tailEnd type="arrow" w="med" len="med"/>
           </a:ln>
@@ -3665,14 +3735,494 @@
       </p:cxnSp>
       <p:sp>
         <p:nvSpPr>
-          <p:cNvPr id="119" name="Rectangle 62"/>
+          <p:cNvPr id="46" name="Rectangle 8"/>
           <p:cNvSpPr/>
           <p:nvPr/>
         </p:nvSpPr>
         <p:spPr>
+          <a:xfrm>
+            <a:off x="3833436" y="2920446"/>
+            <a:ext cx="1490560" cy="375217"/>
+          </a:xfrm>
+          <a:prstGeom prst="rect">
+            <a:avLst/>
+          </a:prstGeom>
+          <a:ln w="19050">
+            <a:solidFill>
+              <a:srgbClr val="7030A0"/>
+            </a:solidFill>
+          </a:ln>
+          <a:effectLst/>
+        </p:spPr>
+        <p:style>
+          <a:lnRef idx="1">
+            <a:schemeClr val="accent4"/>
+          </a:lnRef>
+          <a:fillRef idx="2">
+            <a:schemeClr val="accent4"/>
+          </a:fillRef>
+          <a:effectRef idx="1">
+            <a:schemeClr val="accent4"/>
+          </a:effectRef>
+          <a:fontRef idx="minor">
+            <a:schemeClr val="dk1"/>
+          </a:fontRef>
+        </p:style>
+        <p:txBody>
+          <a:bodyPr rtlCol="0" anchor="ctr"/>
+          <a:lstStyle/>
+          <a:p>
+            <a:pPr algn="ctr"/>
+            <a:r>
+              <a:rPr lang="en-US" sz="1050" dirty="0" err="1">
+                <a:solidFill>
+                  <a:srgbClr val="7030A0"/>
+                </a:solidFill>
+              </a:rPr>
+              <a:t>VersionedHotel</a:t>
+            </a:r>
+            <a:endParaRPr lang="en-US" sz="1050" dirty="0">
+              <a:solidFill>
+                <a:srgbClr val="7030A0"/>
+              </a:solidFill>
+            </a:endParaRPr>
+          </a:p>
+          <a:p>
+            <a:pPr algn="ctr"/>
+            <a:r>
+              <a:rPr lang="en-US" sz="1050" dirty="0" err="1">
+                <a:solidFill>
+                  <a:srgbClr val="7030A0"/>
+                </a:solidFill>
+              </a:rPr>
+              <a:t>ManagementSystem</a:t>
+            </a:r>
+            <a:endParaRPr lang="en-SG" sz="1050" dirty="0">
+              <a:solidFill>
+                <a:srgbClr val="7030A0"/>
+              </a:solidFill>
+            </a:endParaRPr>
+          </a:p>
+        </p:txBody>
+      </p:sp>
+      <p:sp>
+        <p:nvSpPr>
+          <p:cNvPr id="49" name="Rectangle 8"/>
+          <p:cNvSpPr/>
+          <p:nvPr/>
+        </p:nvSpPr>
+        <p:spPr>
+          <a:xfrm>
+            <a:off x="6494483" y="2526387"/>
+            <a:ext cx="1156969" cy="346760"/>
+          </a:xfrm>
+          <a:prstGeom prst="rect">
+            <a:avLst/>
+          </a:prstGeom>
+          <a:ln w="19050">
+            <a:solidFill>
+              <a:srgbClr val="7030A0"/>
+            </a:solidFill>
+          </a:ln>
+          <a:effectLst/>
+        </p:spPr>
+        <p:style>
+          <a:lnRef idx="1">
+            <a:schemeClr val="accent4"/>
+          </a:lnRef>
+          <a:fillRef idx="2">
+            <a:schemeClr val="accent4"/>
+          </a:fillRef>
+          <a:effectRef idx="1">
+            <a:schemeClr val="accent4"/>
+          </a:effectRef>
+          <a:fontRef idx="minor">
+            <a:schemeClr val="dk1"/>
+          </a:fontRef>
+        </p:style>
+        <p:txBody>
+          <a:bodyPr rtlCol="0" anchor="ctr"/>
+          <a:lstStyle/>
+          <a:p>
+            <a:pPr algn="ctr"/>
+            <a:r>
+              <a:rPr lang="en-US" sz="1050" dirty="0" err="1">
+                <a:solidFill>
+                  <a:srgbClr val="7030A0"/>
+                </a:solidFill>
+              </a:rPr>
+              <a:t>UniqueCustomerList</a:t>
+            </a:r>
+            <a:endParaRPr lang="en-SG" sz="1050" dirty="0">
+              <a:solidFill>
+                <a:srgbClr val="7030A0"/>
+              </a:solidFill>
+            </a:endParaRPr>
+          </a:p>
+        </p:txBody>
+      </p:sp>
+      <p:sp>
+        <p:nvSpPr>
+          <p:cNvPr id="100" name="Rectangle 8"/>
+          <p:cNvSpPr/>
+          <p:nvPr/>
+        </p:nvSpPr>
+        <p:spPr>
+          <a:xfrm>
+            <a:off x="3856885" y="1470258"/>
+            <a:ext cx="1443661" cy="469904"/>
+          </a:xfrm>
+          <a:prstGeom prst="rect">
+            <a:avLst/>
+          </a:prstGeom>
+          <a:ln w="19050">
+            <a:solidFill>
+              <a:srgbClr val="7030A0"/>
+            </a:solidFill>
+          </a:ln>
+          <a:effectLst/>
+        </p:spPr>
+        <p:style>
+          <a:lnRef idx="1">
+            <a:schemeClr val="accent4"/>
+          </a:lnRef>
+          <a:fillRef idx="2">
+            <a:schemeClr val="accent4"/>
+          </a:fillRef>
+          <a:effectRef idx="1">
+            <a:schemeClr val="accent4"/>
+          </a:effectRef>
+          <a:fontRef idx="minor">
+            <a:schemeClr val="dk1"/>
+          </a:fontRef>
+        </p:style>
+        <p:txBody>
+          <a:bodyPr rtlCol="0" anchor="ctr"/>
+          <a:lstStyle/>
+          <a:p>
+            <a:pPr algn="ctr"/>
+            <a:r>
+              <a:rPr lang="en-US" sz="1050" dirty="0">
+                <a:solidFill>
+                  <a:srgbClr val="7030A0"/>
+                </a:solidFill>
+              </a:rPr>
+              <a:t>&lt;&lt;interface&gt;&gt;</a:t>
+            </a:r>
+            <a:br>
+              <a:rPr lang="en-US" sz="1050" dirty="0">
+                <a:solidFill>
+                  <a:srgbClr val="7030A0"/>
+                </a:solidFill>
+              </a:rPr>
+            </a:br>
+            <a:r>
+              <a:rPr lang="en-US" sz="1050" dirty="0" err="1">
+                <a:solidFill>
+                  <a:srgbClr val="7030A0"/>
+                </a:solidFill>
+              </a:rPr>
+              <a:t>ReadOnlyHotel</a:t>
+            </a:r>
+            <a:endParaRPr lang="en-US" sz="1050" dirty="0">
+              <a:solidFill>
+                <a:srgbClr val="7030A0"/>
+              </a:solidFill>
+            </a:endParaRPr>
+          </a:p>
+          <a:p>
+            <a:pPr algn="ctr"/>
+            <a:r>
+              <a:rPr lang="en-US" sz="1050" dirty="0" err="1">
+                <a:solidFill>
+                  <a:srgbClr val="7030A0"/>
+                </a:solidFill>
+              </a:rPr>
+              <a:t>ManagementSystem</a:t>
+            </a:r>
+            <a:endParaRPr lang="en-SG" sz="1050" dirty="0">
+              <a:solidFill>
+                <a:srgbClr val="7030A0"/>
+              </a:solidFill>
+            </a:endParaRPr>
+          </a:p>
+        </p:txBody>
+      </p:sp>
+      <p:sp>
+        <p:nvSpPr>
+          <p:cNvPr id="65" name="TextBox 64"/>
+          <p:cNvSpPr txBox="1"/>
+          <p:nvPr/>
+        </p:nvSpPr>
+        <p:spPr>
+          <a:xfrm>
+            <a:off x="3064673" y="2650478"/>
+            <a:ext cx="170110" cy="137542"/>
+          </a:xfrm>
+          <a:prstGeom prst="rect">
+            <a:avLst/>
+          </a:prstGeom>
+          <a:noFill/>
+        </p:spPr>
+        <p:txBody>
+          <a:bodyPr wrap="square" lIns="0" tIns="0" rIns="0" bIns="0" rtlCol="0">
+            <a:noAutofit/>
+          </a:bodyPr>
+          <a:lstStyle/>
+          <a:p>
+            <a:pPr algn="ctr"/>
+            <a:endParaRPr lang="en-SG" sz="1100" dirty="0">
+              <a:solidFill>
+                <a:srgbClr val="7030A0"/>
+              </a:solidFill>
+            </a:endParaRPr>
+          </a:p>
+        </p:txBody>
+      </p:sp>
+      <p:sp>
+        <p:nvSpPr>
+          <p:cNvPr id="66" name="TextBox 65"/>
+          <p:cNvSpPr txBox="1"/>
+          <p:nvPr/>
+        </p:nvSpPr>
+        <p:spPr>
+          <a:xfrm>
+            <a:off x="3055100" y="3275433"/>
+            <a:ext cx="189257" cy="178683"/>
+          </a:xfrm>
+          <a:prstGeom prst="rect">
+            <a:avLst/>
+          </a:prstGeom>
+          <a:noFill/>
+        </p:spPr>
+        <p:txBody>
+          <a:bodyPr wrap="square" lIns="0" tIns="0" rIns="0" bIns="0" rtlCol="0">
+            <a:noAutofit/>
+          </a:bodyPr>
+          <a:lstStyle/>
+          <a:p>
+            <a:pPr algn="ctr"/>
+            <a:endParaRPr lang="en-SG" sz="1100" dirty="0">
+              <a:solidFill>
+                <a:srgbClr val="7030A0"/>
+              </a:solidFill>
+            </a:endParaRPr>
+          </a:p>
+        </p:txBody>
+      </p:sp>
+      <p:sp>
+        <p:nvSpPr>
+          <p:cNvPr id="70" name="TextBox 69"/>
+          <p:cNvSpPr txBox="1"/>
+          <p:nvPr/>
+        </p:nvSpPr>
+        <p:spPr>
+          <a:xfrm>
+            <a:off x="7346212" y="3119726"/>
+            <a:ext cx="189257" cy="178683"/>
+          </a:xfrm>
+          <a:prstGeom prst="rect">
+            <a:avLst/>
+          </a:prstGeom>
+          <a:noFill/>
+        </p:spPr>
+        <p:txBody>
+          <a:bodyPr wrap="square" lIns="0" tIns="0" rIns="0" bIns="0" rtlCol="0">
+            <a:noAutofit/>
+          </a:bodyPr>
+          <a:lstStyle/>
+          <a:p>
+            <a:pPr algn="ctr"/>
+            <a:endParaRPr lang="en-SG" sz="1100" dirty="0">
+              <a:solidFill>
+                <a:srgbClr val="7030A0"/>
+              </a:solidFill>
+            </a:endParaRPr>
+          </a:p>
+        </p:txBody>
+      </p:sp>
+      <p:sp>
+        <p:nvSpPr>
+          <p:cNvPr id="50" name="TextBox 49">
+            <a:extLst>
+              <a:ext uri="{FF2B5EF4-FFF2-40B4-BE49-F238E27FC236}">
+                <a16:creationId xmlns:a16="http://schemas.microsoft.com/office/drawing/2014/main" id="{B3FA9D57-880F-49C4-AD0B-A64E30D6F403}"/>
+              </a:ext>
+            </a:extLst>
+          </p:cNvPr>
+          <p:cNvSpPr txBox="1"/>
+          <p:nvPr/>
+        </p:nvSpPr>
+        <p:spPr>
+          <a:xfrm>
+            <a:off x="7466243" y="2255711"/>
+            <a:ext cx="189257" cy="178683"/>
+          </a:xfrm>
+          <a:prstGeom prst="rect">
+            <a:avLst/>
+          </a:prstGeom>
+          <a:noFill/>
+        </p:spPr>
+        <p:txBody>
+          <a:bodyPr wrap="square" lIns="0" tIns="0" rIns="0" bIns="0" rtlCol="0">
+            <a:noAutofit/>
+          </a:bodyPr>
+          <a:lstStyle/>
+          <a:p>
+            <a:pPr algn="ctr"/>
+            <a:endParaRPr lang="en-SG" sz="1100" dirty="0">
+              <a:solidFill>
+                <a:srgbClr val="7030A0"/>
+              </a:solidFill>
+            </a:endParaRPr>
+          </a:p>
+        </p:txBody>
+      </p:sp>
+      <p:sp>
+        <p:nvSpPr>
+          <p:cNvPr id="55" name="Rectangle 8"/>
+          <p:cNvSpPr/>
+          <p:nvPr/>
+        </p:nvSpPr>
+        <p:spPr>
+          <a:xfrm>
+            <a:off x="3894830" y="2234335"/>
+            <a:ext cx="1259798" cy="364396"/>
+          </a:xfrm>
+          <a:prstGeom prst="rect">
+            <a:avLst/>
+          </a:prstGeom>
+          <a:ln w="19050">
+            <a:solidFill>
+              <a:srgbClr val="7030A0"/>
+            </a:solidFill>
+          </a:ln>
+          <a:effectLst/>
+        </p:spPr>
+        <p:style>
+          <a:lnRef idx="1">
+            <a:schemeClr val="accent4"/>
+          </a:lnRef>
+          <a:fillRef idx="2">
+            <a:schemeClr val="accent4"/>
+          </a:fillRef>
+          <a:effectRef idx="1">
+            <a:schemeClr val="accent4"/>
+          </a:effectRef>
+          <a:fontRef idx="minor">
+            <a:schemeClr val="dk1"/>
+          </a:fontRef>
+        </p:style>
+        <p:txBody>
+          <a:bodyPr rtlCol="0" anchor="ctr"/>
+          <a:lstStyle/>
+          <a:p>
+            <a:pPr algn="ctr"/>
+            <a:r>
+              <a:rPr lang="en-US" sz="1050" dirty="0" err="1">
+                <a:solidFill>
+                  <a:srgbClr val="7030A0"/>
+                </a:solidFill>
+              </a:rPr>
+              <a:t>HotelManagementSystem</a:t>
+            </a:r>
+            <a:endParaRPr lang="en-SG" sz="1050" dirty="0">
+              <a:solidFill>
+                <a:srgbClr val="7030A0"/>
+              </a:solidFill>
+            </a:endParaRPr>
+          </a:p>
+        </p:txBody>
+      </p:sp>
+      <p:sp>
+        <p:nvSpPr>
+          <p:cNvPr id="57" name="Rectangle 8">
+            <a:extLst>
+              <a:ext uri="{FF2B5EF4-FFF2-40B4-BE49-F238E27FC236}">
+                <a16:creationId xmlns:a16="http://schemas.microsoft.com/office/drawing/2014/main" id="{6A42DA50-9012-4391-9EF3-285E4FA3FCD8}"/>
+              </a:ext>
+            </a:extLst>
+          </p:cNvPr>
+          <p:cNvSpPr/>
+          <p:nvPr/>
+        </p:nvSpPr>
+        <p:spPr>
+          <a:xfrm>
+            <a:off x="3949787" y="4256219"/>
+            <a:ext cx="1293486" cy="346760"/>
+          </a:xfrm>
+          <a:prstGeom prst="rect">
+            <a:avLst/>
+          </a:prstGeom>
+          <a:ln w="19050">
+            <a:solidFill>
+              <a:srgbClr val="7030A0"/>
+            </a:solidFill>
+          </a:ln>
+          <a:effectLst/>
+        </p:spPr>
+        <p:style>
+          <a:lnRef idx="1">
+            <a:schemeClr val="accent4"/>
+          </a:lnRef>
+          <a:fillRef idx="2">
+            <a:schemeClr val="accent4"/>
+          </a:fillRef>
+          <a:effectRef idx="1">
+            <a:schemeClr val="accent4"/>
+          </a:effectRef>
+          <a:fontRef idx="minor">
+            <a:schemeClr val="dk1"/>
+          </a:fontRef>
+        </p:style>
+        <p:txBody>
+          <a:bodyPr rtlCol="0" anchor="ctr"/>
+          <a:lstStyle/>
+          <a:p>
+            <a:pPr algn="ctr"/>
+            <a:r>
+              <a:rPr lang="en-US" sz="1050" dirty="0">
+                <a:solidFill>
+                  <a:srgbClr val="7030A0"/>
+                </a:solidFill>
+              </a:rPr>
+              <a:t>&lt;&lt;interface&gt;&gt;</a:t>
+            </a:r>
+          </a:p>
+          <a:p>
+            <a:pPr algn="ctr"/>
+            <a:r>
+              <a:rPr lang="en-US" sz="1050" dirty="0" err="1">
+                <a:solidFill>
+                  <a:srgbClr val="7030A0"/>
+                </a:solidFill>
+              </a:rPr>
+              <a:t>ReadOnlyUserPrefs</a:t>
+            </a:r>
+            <a:endParaRPr lang="en-SG" sz="1050" dirty="0">
+              <a:solidFill>
+                <a:srgbClr val="7030A0"/>
+              </a:solidFill>
+            </a:endParaRPr>
+          </a:p>
+        </p:txBody>
+      </p:sp>
+      <p:sp>
+        <p:nvSpPr>
+          <p:cNvPr id="56" name="Rectangle 62">
+            <a:extLst>
+              <a:ext uri="{FF2B5EF4-FFF2-40B4-BE49-F238E27FC236}">
+                <a16:creationId xmlns:a16="http://schemas.microsoft.com/office/drawing/2014/main" id="{3DAEBD95-1DC5-7F4F-9FA0-3E2891385FE9}"/>
+              </a:ext>
+            </a:extLst>
+          </p:cNvPr>
+          <p:cNvSpPr/>
+          <p:nvPr/>
+        </p:nvSpPr>
+        <p:spPr>
           <a:xfrm rot="16200000">
-            <a:off x="956202" y="2861202"/>
-            <a:ext cx="1093635" cy="346760"/>
+            <a:off x="1558820" y="2526387"/>
+            <a:ext cx="1274333" cy="346760"/>
           </a:xfrm>
           <a:prstGeom prst="rect">
             <a:avLst/>
@@ -3707,23 +4257,12 @@
           <a:p>
             <a:pPr algn="ctr"/>
             <a:r>
-              <a:rPr lang="en-US" sz="1050" dirty="0">
+              <a:rPr lang="en-US" sz="1050" dirty="0" err="1">
                 <a:solidFill>
                   <a:schemeClr val="bg1"/>
                 </a:solidFill>
               </a:rPr>
-              <a:t>&lt;&lt;interface&gt;&gt;</a:t>
-            </a:r>
-          </a:p>
-          <a:p>
-            <a:pPr algn="ctr"/>
-            <a:r>
-              <a:rPr lang="en-US" sz="1050" dirty="0">
-                <a:solidFill>
-                  <a:schemeClr val="bg1"/>
-                </a:solidFill>
-              </a:rPr>
-              <a:t>Model</a:t>
+              <a:t>CustomerModel</a:t>
             </a:r>
             <a:endParaRPr lang="en-SG" sz="1050" dirty="0">
               <a:solidFill>
@@ -3735,16 +4274,22 @@
       </p:sp>
       <p:sp>
         <p:nvSpPr>
-          <p:cNvPr id="120" name="Isosceles Triangle 102"/>
+          <p:cNvPr id="89" name="Rectangle 62">
+            <a:extLst>
+              <a:ext uri="{FF2B5EF4-FFF2-40B4-BE49-F238E27FC236}">
+                <a16:creationId xmlns:a16="http://schemas.microsoft.com/office/drawing/2014/main" id="{46DDFC6D-93E6-524F-BF8D-2E9C317C20C8}"/>
+              </a:ext>
+            </a:extLst>
+          </p:cNvPr>
           <p:cNvSpPr/>
           <p:nvPr/>
         </p:nvSpPr>
         <p:spPr>
           <a:xfrm rot="16200000">
-            <a:off x="1626910" y="2952291"/>
-            <a:ext cx="270504" cy="175523"/>
-          </a:xfrm>
-          <a:prstGeom prst="triangle">
+            <a:off x="1558821" y="3979727"/>
+            <a:ext cx="1274333" cy="346760"/>
+          </a:xfrm>
+          <a:prstGeom prst="rect">
             <a:avLst/>
           </a:prstGeom>
           <a:solidFill>
@@ -3754,56 +4299,6 @@
             <a:solidFill>
               <a:srgbClr val="7030A0"/>
             </a:solidFill>
-          </a:ln>
-          <a:effectLst/>
-        </p:spPr>
-        <p:style>
-          <a:lnRef idx="1">
-            <a:schemeClr val="accent6"/>
-          </a:lnRef>
-          <a:fillRef idx="2">
-            <a:schemeClr val="accent6"/>
-          </a:fillRef>
-          <a:effectRef idx="1">
-            <a:schemeClr val="accent6"/>
-          </a:effectRef>
-          <a:fontRef idx="minor">
-            <a:schemeClr val="dk1"/>
-          </a:fontRef>
-        </p:style>
-        <p:txBody>
-          <a:bodyPr rtlCol="0" anchor="ctr"/>
-          <a:lstStyle/>
-          <a:p>
-            <a:pPr algn="ctr"/>
-            <a:endParaRPr lang="en-SG" sz="1050"/>
-          </a:p>
-        </p:txBody>
-      </p:sp>
-      <p:cxnSp>
-        <p:nvCxnSpPr>
-          <p:cNvPr id="58" name="Straight Arrow Connector 57"/>
-          <p:cNvCxnSpPr>
-            <a:cxnSpLocks/>
-            <a:stCxn id="42" idx="3"/>
-            <a:endCxn id="2" idx="1"/>
-          </p:cNvCxnSpPr>
-          <p:nvPr/>
-        </p:nvCxnSpPr>
-        <p:spPr>
-          <a:xfrm>
-            <a:off x="2609828" y="3636620"/>
-            <a:ext cx="215452" cy="0"/>
-          </a:xfrm>
-          <a:prstGeom prst="straightConnector1">
-            <a:avLst/>
-          </a:prstGeom>
-          <a:ln w="19050">
-            <a:solidFill>
-              <a:srgbClr val="7030A0"/>
-            </a:solidFill>
-            <a:headEnd type="none" w="med" len="med"/>
-            <a:tailEnd type="arrow" w="med" len="med"/>
           </a:ln>
           <a:effectLst/>
         </p:spPr>
@@ -3821,32 +4316,54 @@
             <a:schemeClr val="dk1"/>
           </a:fontRef>
         </p:style>
-      </p:cxnSp>
-      <p:cxnSp>
-        <p:nvCxnSpPr>
-          <p:cNvPr id="75" name="Elbow Connector 122"/>
-          <p:cNvCxnSpPr/>
+        <p:txBody>
+          <a:bodyPr rtlCol="0" anchor="ctr"/>
+          <a:lstStyle/>
+          <a:p>
+            <a:pPr algn="ctr"/>
+            <a:r>
+              <a:rPr lang="en-US" sz="1050" dirty="0" err="1">
+                <a:solidFill>
+                  <a:schemeClr val="bg1"/>
+                </a:solidFill>
+              </a:rPr>
+              <a:t>BookingModel</a:t>
+            </a:r>
+            <a:endParaRPr lang="en-SG" sz="1050" dirty="0">
+              <a:solidFill>
+                <a:schemeClr val="bg1"/>
+              </a:solidFill>
+            </a:endParaRPr>
+          </a:p>
+        </p:txBody>
+      </p:sp>
+      <p:sp>
+        <p:nvSpPr>
+          <p:cNvPr id="90" name="Rectangle 62">
+            <a:extLst>
+              <a:ext uri="{FF2B5EF4-FFF2-40B4-BE49-F238E27FC236}">
+                <a16:creationId xmlns:a16="http://schemas.microsoft.com/office/drawing/2014/main" id="{6A639DC8-6958-9F4B-8EB8-783B13AA406A}"/>
+              </a:ext>
+            </a:extLst>
+          </p:cNvPr>
+          <p:cNvSpPr/>
           <p:nvPr/>
-        </p:nvCxnSpPr>
-        <p:spPr>
-          <a:xfrm>
-            <a:off x="910091" y="3040053"/>
-            <a:ext cx="419548" cy="2860"/>
-          </a:xfrm>
-          <a:prstGeom prst="bentConnector3">
-            <a:avLst>
-              <a:gd name="adj1" fmla="val 50000"/>
-            </a:avLst>
-          </a:prstGeom>
+        </p:nvSpPr>
+        <p:spPr>
+          <a:xfrm rot="16200000">
+            <a:off x="1558821" y="1063747"/>
+            <a:ext cx="1274333" cy="346760"/>
+          </a:xfrm>
+          <a:prstGeom prst="rect">
+            <a:avLst/>
+          </a:prstGeom>
+          <a:solidFill>
+            <a:srgbClr val="7030A0"/>
+          </a:solidFill>
           <a:ln w="19050">
             <a:solidFill>
-              <a:schemeClr val="bg1">
-                <a:lumMod val="75000"/>
-              </a:schemeClr>
+              <a:srgbClr val="7030A0"/>
             </a:solidFill>
-            <a:prstDash val="sysDot"/>
-            <a:headEnd type="none" w="med" len="med"/>
-            <a:tailEnd type="arrow" w="med" len="med"/>
           </a:ln>
           <a:effectLst/>
         </p:spPr>
@@ -3864,30 +4381,54 @@
             <a:schemeClr val="dk1"/>
           </a:fontRef>
         </p:style>
-      </p:cxnSp>
-      <p:cxnSp>
-        <p:nvCxnSpPr>
-          <p:cNvPr id="21" name="Straight Connector 20"/>
-          <p:cNvCxnSpPr>
-            <a:stCxn id="120" idx="3"/>
-          </p:cNvCxnSpPr>
+        <p:txBody>
+          <a:bodyPr rtlCol="0" anchor="ctr"/>
+          <a:lstStyle/>
+          <a:p>
+            <a:pPr algn="ctr"/>
+            <a:r>
+              <a:rPr lang="en-US" sz="1050" dirty="0" err="1">
+                <a:solidFill>
+                  <a:schemeClr val="bg1"/>
+                </a:solidFill>
+              </a:rPr>
+              <a:t>ReservationModel</a:t>
+            </a:r>
+            <a:endParaRPr lang="en-SG" sz="1050" dirty="0">
+              <a:solidFill>
+                <a:schemeClr val="bg1"/>
+              </a:solidFill>
+            </a:endParaRPr>
+          </a:p>
+        </p:txBody>
+      </p:sp>
+      <p:sp>
+        <p:nvSpPr>
+          <p:cNvPr id="91" name="Rectangle 62">
+            <a:extLst>
+              <a:ext uri="{FF2B5EF4-FFF2-40B4-BE49-F238E27FC236}">
+                <a16:creationId xmlns:a16="http://schemas.microsoft.com/office/drawing/2014/main" id="{653886DB-F149-274D-86C1-9047DB33AA05}"/>
+              </a:ext>
+            </a:extLst>
+          </p:cNvPr>
+          <p:cNvSpPr/>
           <p:nvPr/>
-        </p:nvCxnSpPr>
-        <p:spPr>
-          <a:xfrm flipV="1">
-            <a:off x="1849924" y="3040052"/>
-            <a:ext cx="216105" cy="1"/>
-          </a:xfrm>
-          <a:prstGeom prst="line">
+        </p:nvSpPr>
+        <p:spPr>
+          <a:xfrm rot="16200000">
+            <a:off x="1558820" y="5447493"/>
+            <a:ext cx="1274333" cy="346760"/>
+          </a:xfrm>
+          <a:prstGeom prst="rect">
             <a:avLst/>
           </a:prstGeom>
+          <a:solidFill>
+            <a:srgbClr val="7030A0"/>
+          </a:solidFill>
           <a:ln w="19050">
             <a:solidFill>
               <a:srgbClr val="7030A0"/>
             </a:solidFill>
-            <a:prstDash val="sysDot"/>
-            <a:headEnd type="none" w="med" len="med"/>
-            <a:tailEnd type="none" w="med" len="med"/>
           </a:ln>
           <a:effectLst/>
         </p:spPr>
@@ -3905,22 +4446,50 @@
             <a:schemeClr val="dk1"/>
           </a:fontRef>
         </p:style>
-      </p:cxnSp>
-      <p:sp>
-        <p:nvSpPr>
-          <p:cNvPr id="42" name="Flowchart: Decision 96"/>
+        <p:txBody>
+          <a:bodyPr rtlCol="0" anchor="ctr"/>
+          <a:lstStyle/>
+          <a:p>
+            <a:pPr algn="ctr"/>
+            <a:r>
+              <a:rPr lang="en-US" sz="1050" dirty="0" err="1">
+                <a:solidFill>
+                  <a:schemeClr val="bg1"/>
+                </a:solidFill>
+              </a:rPr>
+              <a:t>BillModel</a:t>
+            </a:r>
+            <a:endParaRPr lang="en-SG" sz="1050" dirty="0">
+              <a:solidFill>
+                <a:schemeClr val="bg1"/>
+              </a:solidFill>
+            </a:endParaRPr>
+          </a:p>
+        </p:txBody>
+      </p:sp>
+      <p:sp>
+        <p:nvSpPr>
+          <p:cNvPr id="92" name="Rectangle 62">
+            <a:extLst>
+              <a:ext uri="{FF2B5EF4-FFF2-40B4-BE49-F238E27FC236}">
+                <a16:creationId xmlns:a16="http://schemas.microsoft.com/office/drawing/2014/main" id="{1AD6C2B3-A9A2-5F4D-B28B-75F55AF4BA32}"/>
+              </a:ext>
+            </a:extLst>
+          </p:cNvPr>
           <p:cNvSpPr/>
           <p:nvPr/>
         </p:nvSpPr>
         <p:spPr>
-          <a:xfrm>
-            <a:off x="2373780" y="3549930"/>
-            <a:ext cx="236048" cy="173380"/>
-          </a:xfrm>
-          <a:prstGeom prst="flowChartDecision">
+          <a:xfrm rot="16200000">
+            <a:off x="2141572" y="978699"/>
+            <a:ext cx="1433508" cy="346760"/>
+          </a:xfrm>
+          <a:prstGeom prst="rect">
             <a:avLst/>
           </a:prstGeom>
-          <a:noFill/>
+          <a:solidFill>
+            <a:srgbClr val="7030A0"/>
+          </a:solidFill>
           <a:ln w="19050">
             <a:solidFill>
               <a:srgbClr val="7030A0"/>
@@ -3930,13 +4499,13 @@
         </p:spPr>
         <p:style>
           <a:lnRef idx="1">
-            <a:schemeClr val="accent6"/>
+            <a:schemeClr val="accent2"/>
           </a:lnRef>
           <a:fillRef idx="2">
-            <a:schemeClr val="accent6"/>
+            <a:schemeClr val="accent2"/>
           </a:fillRef>
           <a:effectRef idx="1">
-            <a:schemeClr val="accent6"/>
+            <a:schemeClr val="accent2"/>
           </a:effectRef>
           <a:fontRef idx="minor">
             <a:schemeClr val="dk1"/>
@@ -3947,20 +4516,1516 @@
           <a:lstStyle/>
           <a:p>
             <a:pPr algn="ctr"/>
-            <a:endParaRPr lang="en-US" sz="1050"/>
-          </a:p>
-        </p:txBody>
-      </p:sp>
-      <p:sp>
-        <p:nvSpPr>
-          <p:cNvPr id="46" name="Rectangle 8"/>
+            <a:r>
+              <a:rPr lang="en-US" sz="1050" dirty="0" err="1">
+                <a:solidFill>
+                  <a:schemeClr val="bg1"/>
+                </a:solidFill>
+              </a:rPr>
+              <a:t>ReservatiomManager</a:t>
+            </a:r>
+            <a:endParaRPr lang="en-SG" sz="1050" dirty="0">
+              <a:solidFill>
+                <a:schemeClr val="bg1"/>
+              </a:solidFill>
+            </a:endParaRPr>
+          </a:p>
+        </p:txBody>
+      </p:sp>
+      <p:sp>
+        <p:nvSpPr>
+          <p:cNvPr id="93" name="Rectangle 62">
+            <a:extLst>
+              <a:ext uri="{FF2B5EF4-FFF2-40B4-BE49-F238E27FC236}">
+                <a16:creationId xmlns:a16="http://schemas.microsoft.com/office/drawing/2014/main" id="{66212881-B8F6-9F4A-ABC1-B989DE65A531}"/>
+              </a:ext>
+            </a:extLst>
+          </p:cNvPr>
           <p:cNvSpPr/>
           <p:nvPr/>
         </p:nvSpPr>
         <p:spPr>
+          <a:xfrm rot="16200000">
+            <a:off x="2219484" y="4024022"/>
+            <a:ext cx="1274333" cy="346760"/>
+          </a:xfrm>
+          <a:prstGeom prst="rect">
+            <a:avLst/>
+          </a:prstGeom>
+          <a:solidFill>
+            <a:srgbClr val="7030A0"/>
+          </a:solidFill>
+          <a:ln w="19050">
+            <a:solidFill>
+              <a:srgbClr val="7030A0"/>
+            </a:solidFill>
+          </a:ln>
+          <a:effectLst/>
+        </p:spPr>
+        <p:style>
+          <a:lnRef idx="1">
+            <a:schemeClr val="accent2"/>
+          </a:lnRef>
+          <a:fillRef idx="2">
+            <a:schemeClr val="accent2"/>
+          </a:fillRef>
+          <a:effectRef idx="1">
+            <a:schemeClr val="accent2"/>
+          </a:effectRef>
+          <a:fontRef idx="minor">
+            <a:schemeClr val="dk1"/>
+          </a:fontRef>
+        </p:style>
+        <p:txBody>
+          <a:bodyPr rtlCol="0" anchor="ctr"/>
+          <a:lstStyle/>
+          <a:p>
+            <a:pPr algn="ctr"/>
+            <a:r>
+              <a:rPr lang="en-US" sz="1050" dirty="0" err="1">
+                <a:solidFill>
+                  <a:schemeClr val="bg1"/>
+                </a:solidFill>
+              </a:rPr>
+              <a:t>BookingManager</a:t>
+            </a:r>
+            <a:endParaRPr lang="en-SG" sz="1050" dirty="0">
+              <a:solidFill>
+                <a:schemeClr val="bg1"/>
+              </a:solidFill>
+            </a:endParaRPr>
+          </a:p>
+        </p:txBody>
+      </p:sp>
+      <p:sp>
+        <p:nvSpPr>
+          <p:cNvPr id="94" name="Rectangle 62">
+            <a:extLst>
+              <a:ext uri="{FF2B5EF4-FFF2-40B4-BE49-F238E27FC236}">
+                <a16:creationId xmlns:a16="http://schemas.microsoft.com/office/drawing/2014/main" id="{0C0BE03B-AB19-934F-920F-AF24A369992D}"/>
+              </a:ext>
+            </a:extLst>
+          </p:cNvPr>
+          <p:cNvSpPr/>
+          <p:nvPr/>
+        </p:nvSpPr>
+        <p:spPr>
+          <a:xfrm rot="16200000">
+            <a:off x="2219484" y="5447493"/>
+            <a:ext cx="1274333" cy="346760"/>
+          </a:xfrm>
+          <a:prstGeom prst="rect">
+            <a:avLst/>
+          </a:prstGeom>
+          <a:solidFill>
+            <a:srgbClr val="7030A0"/>
+          </a:solidFill>
+          <a:ln w="19050">
+            <a:solidFill>
+              <a:srgbClr val="7030A0"/>
+            </a:solidFill>
+          </a:ln>
+          <a:effectLst/>
+        </p:spPr>
+        <p:style>
+          <a:lnRef idx="1">
+            <a:schemeClr val="accent2"/>
+          </a:lnRef>
+          <a:fillRef idx="2">
+            <a:schemeClr val="accent2"/>
+          </a:fillRef>
+          <a:effectRef idx="1">
+            <a:schemeClr val="accent2"/>
+          </a:effectRef>
+          <a:fontRef idx="minor">
+            <a:schemeClr val="dk1"/>
+          </a:fontRef>
+        </p:style>
+        <p:txBody>
+          <a:bodyPr rtlCol="0" anchor="ctr"/>
+          <a:lstStyle/>
+          <a:p>
+            <a:pPr algn="ctr"/>
+            <a:r>
+              <a:rPr lang="en-US" sz="1050" dirty="0" err="1">
+                <a:solidFill>
+                  <a:schemeClr val="bg1"/>
+                </a:solidFill>
+              </a:rPr>
+              <a:t>BillManager</a:t>
+            </a:r>
+            <a:endParaRPr lang="en-SG" sz="1050" dirty="0">
+              <a:solidFill>
+                <a:schemeClr val="bg1"/>
+              </a:solidFill>
+            </a:endParaRPr>
+          </a:p>
+        </p:txBody>
+      </p:sp>
+      <p:sp>
+        <p:nvSpPr>
+          <p:cNvPr id="28" name="Triangle 27">
+            <a:extLst>
+              <a:ext uri="{FF2B5EF4-FFF2-40B4-BE49-F238E27FC236}">
+                <a16:creationId xmlns:a16="http://schemas.microsoft.com/office/drawing/2014/main" id="{26ADBE18-C46A-6340-9CB2-6ADA92D82EFD}"/>
+              </a:ext>
+            </a:extLst>
+          </p:cNvPr>
+          <p:cNvSpPr/>
+          <p:nvPr/>
+        </p:nvSpPr>
+        <p:spPr>
+          <a:xfrm rot="16200000">
+            <a:off x="1517181" y="3196116"/>
+            <a:ext cx="263539" cy="167379"/>
+          </a:xfrm>
+          <a:prstGeom prst="triangle">
+            <a:avLst/>
+          </a:prstGeom>
+          <a:solidFill>
+            <a:schemeClr val="accent4"/>
+          </a:solidFill>
+        </p:spPr>
+        <p:style>
+          <a:lnRef idx="2">
+            <a:schemeClr val="accent1">
+              <a:shade val="50000"/>
+            </a:schemeClr>
+          </a:lnRef>
+          <a:fillRef idx="1">
+            <a:schemeClr val="accent1"/>
+          </a:fillRef>
+          <a:effectRef idx="0">
+            <a:schemeClr val="accent1"/>
+          </a:effectRef>
+          <a:fontRef idx="minor">
+            <a:schemeClr val="lt1"/>
+          </a:fontRef>
+        </p:style>
+        <p:txBody>
+          <a:bodyPr rtlCol="0" anchor="ctr"/>
+          <a:lstStyle/>
+          <a:p>
+            <a:pPr algn="ctr"/>
+            <a:endParaRPr lang="en-US"/>
+          </a:p>
+        </p:txBody>
+      </p:sp>
+      <p:cxnSp>
+        <p:nvCxnSpPr>
+          <p:cNvPr id="40" name="Elbow Connector 39">
+            <a:extLst>
+              <a:ext uri="{FF2B5EF4-FFF2-40B4-BE49-F238E27FC236}">
+                <a16:creationId xmlns:a16="http://schemas.microsoft.com/office/drawing/2014/main" id="{60B6B810-5495-6146-A856-19AAA3F39132}"/>
+              </a:ext>
+            </a:extLst>
+          </p:cNvPr>
+          <p:cNvCxnSpPr>
+            <a:endCxn id="56" idx="0"/>
+          </p:cNvCxnSpPr>
+          <p:nvPr/>
+        </p:nvCxnSpPr>
+        <p:spPr>
+          <a:xfrm rot="5400000" flipH="1" flipV="1">
+            <a:off x="1578592" y="2831419"/>
+            <a:ext cx="575666" cy="312362"/>
+          </a:xfrm>
+          <a:prstGeom prst="bentConnector4">
+            <a:avLst>
+              <a:gd name="adj1" fmla="val 34941"/>
+              <a:gd name="adj2" fmla="val -1358"/>
+            </a:avLst>
+          </a:prstGeom>
+          <a:ln w="9525" cap="flat" cmpd="sng" algn="ctr">
+            <a:solidFill>
+              <a:schemeClr val="accent5"/>
+            </a:solidFill>
+            <a:prstDash val="dash"/>
+            <a:round/>
+            <a:headEnd type="none" w="med" len="med"/>
+            <a:tailEnd type="none" w="med" len="med"/>
+          </a:ln>
+        </p:spPr>
+        <p:style>
+          <a:lnRef idx="0">
+            <a:scrgbClr r="0" g="0" b="0"/>
+          </a:lnRef>
+          <a:fillRef idx="0">
+            <a:scrgbClr r="0" g="0" b="0"/>
+          </a:fillRef>
+          <a:effectRef idx="0">
+            <a:scrgbClr r="0" g="0" b="0"/>
+          </a:effectRef>
+          <a:fontRef idx="minor">
+            <a:schemeClr val="tx1"/>
+          </a:fontRef>
+        </p:style>
+      </p:cxnSp>
+      <p:cxnSp>
+        <p:nvCxnSpPr>
+          <p:cNvPr id="44" name="Elbow Connector 43">
+            <a:extLst>
+              <a:ext uri="{FF2B5EF4-FFF2-40B4-BE49-F238E27FC236}">
+                <a16:creationId xmlns:a16="http://schemas.microsoft.com/office/drawing/2014/main" id="{D30E5924-18AD-E844-BBF5-B6566D9C7875}"/>
+              </a:ext>
+            </a:extLst>
+          </p:cNvPr>
+          <p:cNvCxnSpPr>
+            <a:stCxn id="28" idx="3"/>
+            <a:endCxn id="89" idx="0"/>
+          </p:cNvCxnSpPr>
+          <p:nvPr/>
+        </p:nvCxnSpPr>
+        <p:spPr>
           <a:xfrm>
-            <a:off x="2825280" y="2846162"/>
-            <a:ext cx="1490560" cy="334856"/>
+            <a:off x="1732640" y="3279805"/>
+            <a:ext cx="289967" cy="873302"/>
+          </a:xfrm>
+          <a:prstGeom prst="bentConnector5">
+            <a:avLst>
+              <a:gd name="adj1" fmla="val -3239"/>
+              <a:gd name="adj2" fmla="val 99370"/>
+              <a:gd name="adj3" fmla="val 21163"/>
+            </a:avLst>
+          </a:prstGeom>
+          <a:ln w="9525" cap="flat" cmpd="sng" algn="ctr">
+            <a:solidFill>
+              <a:schemeClr val="accent5"/>
+            </a:solidFill>
+            <a:prstDash val="dash"/>
+            <a:round/>
+            <a:headEnd type="none" w="med" len="med"/>
+            <a:tailEnd type="none" w="med" len="med"/>
+          </a:ln>
+        </p:spPr>
+        <p:style>
+          <a:lnRef idx="0">
+            <a:scrgbClr r="0" g="0" b="0"/>
+          </a:lnRef>
+          <a:fillRef idx="0">
+            <a:scrgbClr r="0" g="0" b="0"/>
+          </a:fillRef>
+          <a:effectRef idx="0">
+            <a:scrgbClr r="0" g="0" b="0"/>
+          </a:effectRef>
+          <a:fontRef idx="minor">
+            <a:schemeClr val="tx1"/>
+          </a:fontRef>
+        </p:style>
+      </p:cxnSp>
+      <p:cxnSp>
+        <p:nvCxnSpPr>
+          <p:cNvPr id="104" name="Elbow Connector 103">
+            <a:extLst>
+              <a:ext uri="{FF2B5EF4-FFF2-40B4-BE49-F238E27FC236}">
+                <a16:creationId xmlns:a16="http://schemas.microsoft.com/office/drawing/2014/main" id="{CA6EB1AC-E023-B54D-8BC5-61D42D6E8857}"/>
+              </a:ext>
+            </a:extLst>
+          </p:cNvPr>
+          <p:cNvCxnSpPr>
+            <a:stCxn id="28" idx="3"/>
+            <a:endCxn id="90" idx="0"/>
+          </p:cNvCxnSpPr>
+          <p:nvPr/>
+        </p:nvCxnSpPr>
+        <p:spPr>
+          <a:xfrm flipV="1">
+            <a:off x="1732640" y="1237127"/>
+            <a:ext cx="289967" cy="2042678"/>
+          </a:xfrm>
+          <a:prstGeom prst="bentConnector5">
+            <a:avLst>
+              <a:gd name="adj1" fmla="val -3239"/>
+              <a:gd name="adj2" fmla="val 47805"/>
+              <a:gd name="adj3" fmla="val -4756"/>
+            </a:avLst>
+          </a:prstGeom>
+          <a:ln w="9525" cap="flat" cmpd="sng" algn="ctr">
+            <a:solidFill>
+              <a:schemeClr val="accent5"/>
+            </a:solidFill>
+            <a:prstDash val="dash"/>
+            <a:round/>
+            <a:headEnd type="none" w="med" len="med"/>
+            <a:tailEnd type="none" w="med" len="med"/>
+          </a:ln>
+        </p:spPr>
+        <p:style>
+          <a:lnRef idx="0">
+            <a:scrgbClr r="0" g="0" b="0"/>
+          </a:lnRef>
+          <a:fillRef idx="0">
+            <a:scrgbClr r="0" g="0" b="0"/>
+          </a:fillRef>
+          <a:effectRef idx="0">
+            <a:scrgbClr r="0" g="0" b="0"/>
+          </a:effectRef>
+          <a:fontRef idx="minor">
+            <a:schemeClr val="tx1"/>
+          </a:fontRef>
+        </p:style>
+      </p:cxnSp>
+      <p:cxnSp>
+        <p:nvCxnSpPr>
+          <p:cNvPr id="109" name="Elbow Connector 108">
+            <a:extLst>
+              <a:ext uri="{FF2B5EF4-FFF2-40B4-BE49-F238E27FC236}">
+                <a16:creationId xmlns:a16="http://schemas.microsoft.com/office/drawing/2014/main" id="{F6B627D0-6ED7-5F42-8CBF-90D83E4C3012}"/>
+              </a:ext>
+            </a:extLst>
+          </p:cNvPr>
+          <p:cNvCxnSpPr>
+            <a:stCxn id="28" idx="3"/>
+            <a:endCxn id="91" idx="0"/>
+          </p:cNvCxnSpPr>
+          <p:nvPr/>
+        </p:nvCxnSpPr>
+        <p:spPr>
+          <a:xfrm>
+            <a:off x="1732640" y="3279805"/>
+            <a:ext cx="289966" cy="2341068"/>
+          </a:xfrm>
+          <a:prstGeom prst="bentConnector5">
+            <a:avLst>
+              <a:gd name="adj1" fmla="val -3240"/>
+              <a:gd name="adj2" fmla="val 48084"/>
+              <a:gd name="adj3" fmla="val -4756"/>
+            </a:avLst>
+          </a:prstGeom>
+          <a:ln w="9525" cap="flat" cmpd="sng" algn="ctr">
+            <a:solidFill>
+              <a:schemeClr val="accent5"/>
+            </a:solidFill>
+            <a:prstDash val="dash"/>
+            <a:round/>
+            <a:headEnd type="none" w="med" len="med"/>
+            <a:tailEnd type="none" w="med" len="med"/>
+          </a:ln>
+        </p:spPr>
+        <p:style>
+          <a:lnRef idx="0">
+            <a:scrgbClr r="0" g="0" b="0"/>
+          </a:lnRef>
+          <a:fillRef idx="0">
+            <a:scrgbClr r="0" g="0" b="0"/>
+          </a:fillRef>
+          <a:effectRef idx="0">
+            <a:scrgbClr r="0" g="0" b="0"/>
+          </a:effectRef>
+          <a:fontRef idx="minor">
+            <a:schemeClr val="tx1"/>
+          </a:fontRef>
+        </p:style>
+      </p:cxnSp>
+      <p:cxnSp>
+        <p:nvCxnSpPr>
+          <p:cNvPr id="121" name="Straight Arrow Connector 120">
+            <a:extLst>
+              <a:ext uri="{FF2B5EF4-FFF2-40B4-BE49-F238E27FC236}">
+                <a16:creationId xmlns:a16="http://schemas.microsoft.com/office/drawing/2014/main" id="{F288A1E3-115F-4A49-BDE6-AB3339DC9196}"/>
+              </a:ext>
+            </a:extLst>
+          </p:cNvPr>
+          <p:cNvCxnSpPr>
+            <a:stCxn id="92" idx="0"/>
+            <a:endCxn id="90" idx="2"/>
+          </p:cNvCxnSpPr>
+          <p:nvPr/>
+        </p:nvCxnSpPr>
+        <p:spPr>
+          <a:xfrm flipH="1">
+            <a:off x="2369368" y="1152079"/>
+            <a:ext cx="315578" cy="85048"/>
+          </a:xfrm>
+          <a:prstGeom prst="straightConnector1">
+            <a:avLst/>
+          </a:prstGeom>
+          <a:ln w="9525" cap="flat" cmpd="sng" algn="ctr">
+            <a:solidFill>
+              <a:schemeClr val="accent5"/>
+            </a:solidFill>
+            <a:prstDash val="dash"/>
+            <a:round/>
+            <a:headEnd type="none" w="med" len="med"/>
+            <a:tailEnd type="triangle" w="med" len="med"/>
+          </a:ln>
+        </p:spPr>
+        <p:style>
+          <a:lnRef idx="0">
+            <a:scrgbClr r="0" g="0" b="0"/>
+          </a:lnRef>
+          <a:fillRef idx="0">
+            <a:scrgbClr r="0" g="0" b="0"/>
+          </a:fillRef>
+          <a:effectRef idx="0">
+            <a:scrgbClr r="0" g="0" b="0"/>
+          </a:effectRef>
+          <a:fontRef idx="minor">
+            <a:schemeClr val="tx1"/>
+          </a:fontRef>
+        </p:style>
+      </p:cxnSp>
+      <p:cxnSp>
+        <p:nvCxnSpPr>
+          <p:cNvPr id="127" name="Straight Arrow Connector 126">
+            <a:extLst>
+              <a:ext uri="{FF2B5EF4-FFF2-40B4-BE49-F238E27FC236}">
+                <a16:creationId xmlns:a16="http://schemas.microsoft.com/office/drawing/2014/main" id="{71BB6AB0-5A41-9E49-B578-FAED4CD7800E}"/>
+              </a:ext>
+            </a:extLst>
+          </p:cNvPr>
+          <p:cNvCxnSpPr>
+            <a:stCxn id="9" idx="0"/>
+            <a:endCxn id="56" idx="2"/>
+          </p:cNvCxnSpPr>
+          <p:nvPr/>
+        </p:nvCxnSpPr>
+        <p:spPr>
+          <a:xfrm flipH="1" flipV="1">
+            <a:off x="2369367" y="2699767"/>
+            <a:ext cx="323950" cy="19481"/>
+          </a:xfrm>
+          <a:prstGeom prst="straightConnector1">
+            <a:avLst/>
+          </a:prstGeom>
+          <a:ln w="9525" cap="flat" cmpd="sng" algn="ctr">
+            <a:solidFill>
+              <a:schemeClr val="accent5"/>
+            </a:solidFill>
+            <a:prstDash val="dash"/>
+            <a:round/>
+            <a:headEnd type="none" w="med" len="med"/>
+            <a:tailEnd type="triangle" w="med" len="med"/>
+          </a:ln>
+        </p:spPr>
+        <p:style>
+          <a:lnRef idx="0">
+            <a:scrgbClr r="0" g="0" b="0"/>
+          </a:lnRef>
+          <a:fillRef idx="0">
+            <a:scrgbClr r="0" g="0" b="0"/>
+          </a:fillRef>
+          <a:effectRef idx="0">
+            <a:scrgbClr r="0" g="0" b="0"/>
+          </a:effectRef>
+          <a:fontRef idx="minor">
+            <a:schemeClr val="tx1"/>
+          </a:fontRef>
+        </p:style>
+      </p:cxnSp>
+      <p:cxnSp>
+        <p:nvCxnSpPr>
+          <p:cNvPr id="129" name="Straight Arrow Connector 128">
+            <a:extLst>
+              <a:ext uri="{FF2B5EF4-FFF2-40B4-BE49-F238E27FC236}">
+                <a16:creationId xmlns:a16="http://schemas.microsoft.com/office/drawing/2014/main" id="{29AA14F8-857F-8846-9D28-E9050143677A}"/>
+              </a:ext>
+            </a:extLst>
+          </p:cNvPr>
+          <p:cNvCxnSpPr>
+            <a:stCxn id="93" idx="0"/>
+            <a:endCxn id="89" idx="2"/>
+          </p:cNvCxnSpPr>
+          <p:nvPr/>
+        </p:nvCxnSpPr>
+        <p:spPr>
+          <a:xfrm flipH="1" flipV="1">
+            <a:off x="2369368" y="4153107"/>
+            <a:ext cx="313903" cy="44295"/>
+          </a:xfrm>
+          <a:prstGeom prst="straightConnector1">
+            <a:avLst/>
+          </a:prstGeom>
+          <a:ln w="9525" cap="flat" cmpd="sng" algn="ctr">
+            <a:solidFill>
+              <a:schemeClr val="accent5"/>
+            </a:solidFill>
+            <a:prstDash val="dash"/>
+            <a:round/>
+            <a:headEnd type="none" w="med" len="med"/>
+            <a:tailEnd type="triangle" w="med" len="med"/>
+          </a:ln>
+        </p:spPr>
+        <p:style>
+          <a:lnRef idx="0">
+            <a:scrgbClr r="0" g="0" b="0"/>
+          </a:lnRef>
+          <a:fillRef idx="0">
+            <a:scrgbClr r="0" g="0" b="0"/>
+          </a:fillRef>
+          <a:effectRef idx="0">
+            <a:scrgbClr r="0" g="0" b="0"/>
+          </a:effectRef>
+          <a:fontRef idx="minor">
+            <a:schemeClr val="tx1"/>
+          </a:fontRef>
+        </p:style>
+      </p:cxnSp>
+      <p:cxnSp>
+        <p:nvCxnSpPr>
+          <p:cNvPr id="131" name="Straight Arrow Connector 130">
+            <a:extLst>
+              <a:ext uri="{FF2B5EF4-FFF2-40B4-BE49-F238E27FC236}">
+                <a16:creationId xmlns:a16="http://schemas.microsoft.com/office/drawing/2014/main" id="{E85302A6-B4E4-E040-9D29-FC3DC2F9729D}"/>
+              </a:ext>
+            </a:extLst>
+          </p:cNvPr>
+          <p:cNvCxnSpPr>
+            <a:stCxn id="94" idx="0"/>
+            <a:endCxn id="91" idx="2"/>
+          </p:cNvCxnSpPr>
+          <p:nvPr/>
+        </p:nvCxnSpPr>
+        <p:spPr>
+          <a:xfrm flipH="1">
+            <a:off x="2369367" y="5620873"/>
+            <a:ext cx="313904" cy="0"/>
+          </a:xfrm>
+          <a:prstGeom prst="straightConnector1">
+            <a:avLst/>
+          </a:prstGeom>
+          <a:ln w="9525" cap="flat" cmpd="sng" algn="ctr">
+            <a:solidFill>
+              <a:schemeClr val="accent5"/>
+            </a:solidFill>
+            <a:prstDash val="dash"/>
+            <a:round/>
+            <a:headEnd type="none" w="med" len="med"/>
+            <a:tailEnd type="triangle" w="med" len="med"/>
+          </a:ln>
+        </p:spPr>
+        <p:style>
+          <a:lnRef idx="0">
+            <a:scrgbClr r="0" g="0" b="0"/>
+          </a:lnRef>
+          <a:fillRef idx="0">
+            <a:scrgbClr r="0" g="0" b="0"/>
+          </a:fillRef>
+          <a:effectRef idx="0">
+            <a:scrgbClr r="0" g="0" b="0"/>
+          </a:effectRef>
+          <a:fontRef idx="minor">
+            <a:schemeClr val="tx1"/>
+          </a:fontRef>
+        </p:style>
+      </p:cxnSp>
+      <p:sp>
+        <p:nvSpPr>
+          <p:cNvPr id="134" name="Triangle 133">
+            <a:extLst>
+              <a:ext uri="{FF2B5EF4-FFF2-40B4-BE49-F238E27FC236}">
+                <a16:creationId xmlns:a16="http://schemas.microsoft.com/office/drawing/2014/main" id="{473D4127-79F5-1241-A44E-F6F7F2632490}"/>
+              </a:ext>
+            </a:extLst>
+          </p:cNvPr>
+          <p:cNvSpPr/>
+          <p:nvPr/>
+        </p:nvSpPr>
+        <p:spPr>
+          <a:xfrm>
+            <a:off x="4465497" y="2581441"/>
+            <a:ext cx="170110" cy="132767"/>
+          </a:xfrm>
+          <a:prstGeom prst="triangle">
+            <a:avLst/>
+          </a:prstGeom>
+          <a:noFill/>
+        </p:spPr>
+        <p:style>
+          <a:lnRef idx="2">
+            <a:schemeClr val="accent1">
+              <a:shade val="50000"/>
+            </a:schemeClr>
+          </a:lnRef>
+          <a:fillRef idx="1">
+            <a:schemeClr val="accent1"/>
+          </a:fillRef>
+          <a:effectRef idx="0">
+            <a:schemeClr val="accent1"/>
+          </a:effectRef>
+          <a:fontRef idx="minor">
+            <a:schemeClr val="lt1"/>
+          </a:fontRef>
+        </p:style>
+        <p:txBody>
+          <a:bodyPr rtlCol="0" anchor="ctr"/>
+          <a:lstStyle/>
+          <a:p>
+            <a:pPr algn="ctr"/>
+            <a:endParaRPr lang="en-US"/>
+          </a:p>
+        </p:txBody>
+      </p:sp>
+      <p:sp>
+        <p:nvSpPr>
+          <p:cNvPr id="138" name="Triangle 137">
+            <a:extLst>
+              <a:ext uri="{FF2B5EF4-FFF2-40B4-BE49-F238E27FC236}">
+                <a16:creationId xmlns:a16="http://schemas.microsoft.com/office/drawing/2014/main" id="{8B98F146-9043-554E-A995-A4F741321604}"/>
+              </a:ext>
+            </a:extLst>
+          </p:cNvPr>
+          <p:cNvSpPr/>
+          <p:nvPr/>
+        </p:nvSpPr>
+        <p:spPr>
+          <a:xfrm>
+            <a:off x="4467358" y="1955301"/>
+            <a:ext cx="170110" cy="132767"/>
+          </a:xfrm>
+          <a:prstGeom prst="triangle">
+            <a:avLst/>
+          </a:prstGeom>
+          <a:noFill/>
+        </p:spPr>
+        <p:style>
+          <a:lnRef idx="2">
+            <a:schemeClr val="accent1">
+              <a:shade val="50000"/>
+            </a:schemeClr>
+          </a:lnRef>
+          <a:fillRef idx="1">
+            <a:schemeClr val="accent1"/>
+          </a:fillRef>
+          <a:effectRef idx="0">
+            <a:schemeClr val="accent1"/>
+          </a:effectRef>
+          <a:fontRef idx="minor">
+            <a:schemeClr val="lt1"/>
+          </a:fontRef>
+        </p:style>
+        <p:txBody>
+          <a:bodyPr rtlCol="0" anchor="ctr"/>
+          <a:lstStyle/>
+          <a:p>
+            <a:pPr algn="ctr"/>
+            <a:endParaRPr lang="en-US"/>
+          </a:p>
+        </p:txBody>
+      </p:sp>
+      <p:cxnSp>
+        <p:nvCxnSpPr>
+          <p:cNvPr id="140" name="Straight Arrow Connector 139">
+            <a:extLst>
+              <a:ext uri="{FF2B5EF4-FFF2-40B4-BE49-F238E27FC236}">
+                <a16:creationId xmlns:a16="http://schemas.microsoft.com/office/drawing/2014/main" id="{3D802214-5C1B-1347-9FC0-F1E98134B991}"/>
+              </a:ext>
+            </a:extLst>
+          </p:cNvPr>
+          <p:cNvCxnSpPr>
+            <a:stCxn id="46" idx="0"/>
+            <a:endCxn id="134" idx="3"/>
+          </p:cNvCxnSpPr>
+          <p:nvPr/>
+        </p:nvCxnSpPr>
+        <p:spPr>
+          <a:xfrm flipH="1" flipV="1">
+            <a:off x="4550552" y="2714208"/>
+            <a:ext cx="28164" cy="206238"/>
+          </a:xfrm>
+          <a:prstGeom prst="straightConnector1">
+            <a:avLst/>
+          </a:prstGeom>
+          <a:ln w="9525" cap="flat" cmpd="sng" algn="ctr">
+            <a:solidFill>
+              <a:schemeClr val="accent5"/>
+            </a:solidFill>
+            <a:prstDash val="dash"/>
+            <a:round/>
+            <a:headEnd type="none" w="med" len="med"/>
+            <a:tailEnd type="none" w="med" len="med"/>
+          </a:ln>
+        </p:spPr>
+        <p:style>
+          <a:lnRef idx="0">
+            <a:scrgbClr r="0" g="0" b="0"/>
+          </a:lnRef>
+          <a:fillRef idx="0">
+            <a:scrgbClr r="0" g="0" b="0"/>
+          </a:fillRef>
+          <a:effectRef idx="0">
+            <a:scrgbClr r="0" g="0" b="0"/>
+          </a:effectRef>
+          <a:fontRef idx="minor">
+            <a:schemeClr val="tx1"/>
+          </a:fontRef>
+        </p:style>
+      </p:cxnSp>
+      <p:cxnSp>
+        <p:nvCxnSpPr>
+          <p:cNvPr id="144" name="Straight Arrow Connector 143">
+            <a:extLst>
+              <a:ext uri="{FF2B5EF4-FFF2-40B4-BE49-F238E27FC236}">
+                <a16:creationId xmlns:a16="http://schemas.microsoft.com/office/drawing/2014/main" id="{04A31EC2-231C-D84D-9850-E276ECC11A1E}"/>
+              </a:ext>
+            </a:extLst>
+          </p:cNvPr>
+          <p:cNvCxnSpPr>
+            <a:stCxn id="55" idx="0"/>
+            <a:endCxn id="138" idx="3"/>
+          </p:cNvCxnSpPr>
+          <p:nvPr/>
+        </p:nvCxnSpPr>
+        <p:spPr>
+          <a:xfrm flipV="1">
+            <a:off x="4524729" y="2088068"/>
+            <a:ext cx="27684" cy="146267"/>
+          </a:xfrm>
+          <a:prstGeom prst="straightConnector1">
+            <a:avLst/>
+          </a:prstGeom>
+          <a:ln w="9525" cap="flat" cmpd="sng" algn="ctr">
+            <a:solidFill>
+              <a:schemeClr val="accent5"/>
+            </a:solidFill>
+            <a:prstDash val="dash"/>
+            <a:round/>
+            <a:headEnd type="none" w="med" len="med"/>
+            <a:tailEnd type="none" w="med" len="med"/>
+          </a:ln>
+        </p:spPr>
+        <p:style>
+          <a:lnRef idx="0">
+            <a:scrgbClr r="0" g="0" b="0"/>
+          </a:lnRef>
+          <a:fillRef idx="0">
+            <a:scrgbClr r="0" g="0" b="0"/>
+          </a:fillRef>
+          <a:effectRef idx="0">
+            <a:scrgbClr r="0" g="0" b="0"/>
+          </a:effectRef>
+          <a:fontRef idx="minor">
+            <a:schemeClr val="tx1"/>
+          </a:fontRef>
+        </p:style>
+      </p:cxnSp>
+      <p:sp>
+        <p:nvSpPr>
+          <p:cNvPr id="145" name="Triangle 144">
+            <a:extLst>
+              <a:ext uri="{FF2B5EF4-FFF2-40B4-BE49-F238E27FC236}">
+                <a16:creationId xmlns:a16="http://schemas.microsoft.com/office/drawing/2014/main" id="{D6BEC55A-30E9-A04C-9D46-63F61719270C}"/>
+              </a:ext>
+            </a:extLst>
+          </p:cNvPr>
+          <p:cNvSpPr/>
+          <p:nvPr/>
+        </p:nvSpPr>
+        <p:spPr>
+          <a:xfrm rot="10800000">
+            <a:off x="4335235" y="4131018"/>
+            <a:ext cx="170110" cy="132767"/>
+          </a:xfrm>
+          <a:prstGeom prst="triangle">
+            <a:avLst/>
+          </a:prstGeom>
+          <a:noFill/>
+        </p:spPr>
+        <p:style>
+          <a:lnRef idx="2">
+            <a:schemeClr val="accent1">
+              <a:shade val="50000"/>
+            </a:schemeClr>
+          </a:lnRef>
+          <a:fillRef idx="1">
+            <a:schemeClr val="accent1"/>
+          </a:fillRef>
+          <a:effectRef idx="0">
+            <a:schemeClr val="accent1"/>
+          </a:effectRef>
+          <a:fontRef idx="minor">
+            <a:schemeClr val="lt1"/>
+          </a:fontRef>
+        </p:style>
+        <p:txBody>
+          <a:bodyPr rtlCol="0" anchor="ctr"/>
+          <a:lstStyle/>
+          <a:p>
+            <a:pPr algn="ctr"/>
+            <a:endParaRPr lang="en-US"/>
+          </a:p>
+        </p:txBody>
+      </p:sp>
+      <p:cxnSp>
+        <p:nvCxnSpPr>
+          <p:cNvPr id="147" name="Straight Arrow Connector 146">
+            <a:extLst>
+              <a:ext uri="{FF2B5EF4-FFF2-40B4-BE49-F238E27FC236}">
+                <a16:creationId xmlns:a16="http://schemas.microsoft.com/office/drawing/2014/main" id="{686EF381-64B0-0F43-8FB2-4CCD1AE0450E}"/>
+              </a:ext>
+            </a:extLst>
+          </p:cNvPr>
+          <p:cNvCxnSpPr>
+            <a:cxnSpLocks/>
+            <a:stCxn id="2" idx="2"/>
+            <a:endCxn id="145" idx="3"/>
+          </p:cNvCxnSpPr>
+          <p:nvPr/>
+        </p:nvCxnSpPr>
+        <p:spPr>
+          <a:xfrm>
+            <a:off x="4272542" y="3921457"/>
+            <a:ext cx="147748" cy="209561"/>
+          </a:xfrm>
+          <a:prstGeom prst="straightConnector1">
+            <a:avLst/>
+          </a:prstGeom>
+          <a:ln w="9525" cap="flat" cmpd="sng" algn="ctr">
+            <a:solidFill>
+              <a:schemeClr val="accent5"/>
+            </a:solidFill>
+            <a:prstDash val="dash"/>
+            <a:round/>
+            <a:headEnd type="none" w="med" len="med"/>
+            <a:tailEnd type="none" w="med" len="med"/>
+          </a:ln>
+        </p:spPr>
+        <p:style>
+          <a:lnRef idx="0">
+            <a:scrgbClr r="0" g="0" b="0"/>
+          </a:lnRef>
+          <a:fillRef idx="0">
+            <a:scrgbClr r="0" g="0" b="0"/>
+          </a:fillRef>
+          <a:effectRef idx="0">
+            <a:scrgbClr r="0" g="0" b="0"/>
+          </a:effectRef>
+          <a:fontRef idx="minor">
+            <a:schemeClr val="tx1"/>
+          </a:fontRef>
+        </p:style>
+      </p:cxnSp>
+      <p:sp>
+        <p:nvSpPr>
+          <p:cNvPr id="148" name="Diamond 147">
+            <a:extLst>
+              <a:ext uri="{FF2B5EF4-FFF2-40B4-BE49-F238E27FC236}">
+                <a16:creationId xmlns:a16="http://schemas.microsoft.com/office/drawing/2014/main" id="{78C05A25-B420-B648-A509-23A4DABC5E85}"/>
+              </a:ext>
+            </a:extLst>
+          </p:cNvPr>
+          <p:cNvSpPr/>
+          <p:nvPr/>
+        </p:nvSpPr>
+        <p:spPr>
+          <a:xfrm>
+            <a:off x="3055100" y="2647824"/>
+            <a:ext cx="232560" cy="169503"/>
+          </a:xfrm>
+          <a:prstGeom prst="diamond">
+            <a:avLst/>
+          </a:prstGeom>
+          <a:noFill/>
+        </p:spPr>
+        <p:style>
+          <a:lnRef idx="2">
+            <a:schemeClr val="accent1">
+              <a:shade val="50000"/>
+            </a:schemeClr>
+          </a:lnRef>
+          <a:fillRef idx="1">
+            <a:schemeClr val="accent1"/>
+          </a:fillRef>
+          <a:effectRef idx="0">
+            <a:schemeClr val="accent1"/>
+          </a:effectRef>
+          <a:fontRef idx="minor">
+            <a:schemeClr val="lt1"/>
+          </a:fontRef>
+        </p:style>
+        <p:txBody>
+          <a:bodyPr rtlCol="0" anchor="ctr"/>
+          <a:lstStyle/>
+          <a:p>
+            <a:pPr algn="ctr"/>
+            <a:endParaRPr lang="en-US"/>
+          </a:p>
+        </p:txBody>
+      </p:sp>
+      <p:sp>
+        <p:nvSpPr>
+          <p:cNvPr id="149" name="Diamond 148">
+            <a:extLst>
+              <a:ext uri="{FF2B5EF4-FFF2-40B4-BE49-F238E27FC236}">
+                <a16:creationId xmlns:a16="http://schemas.microsoft.com/office/drawing/2014/main" id="{F2444672-6B1C-DC4C-877A-CB049531584E}"/>
+              </a:ext>
+            </a:extLst>
+          </p:cNvPr>
+          <p:cNvSpPr/>
+          <p:nvPr/>
+        </p:nvSpPr>
+        <p:spPr>
+          <a:xfrm>
+            <a:off x="3046943" y="1025100"/>
+            <a:ext cx="232560" cy="169503"/>
+          </a:xfrm>
+          <a:prstGeom prst="diamond">
+            <a:avLst/>
+          </a:prstGeom>
+          <a:noFill/>
+        </p:spPr>
+        <p:style>
+          <a:lnRef idx="2">
+            <a:schemeClr val="accent1">
+              <a:shade val="50000"/>
+            </a:schemeClr>
+          </a:lnRef>
+          <a:fillRef idx="1">
+            <a:schemeClr val="accent1"/>
+          </a:fillRef>
+          <a:effectRef idx="0">
+            <a:schemeClr val="accent1"/>
+          </a:effectRef>
+          <a:fontRef idx="minor">
+            <a:schemeClr val="lt1"/>
+          </a:fontRef>
+        </p:style>
+        <p:txBody>
+          <a:bodyPr rtlCol="0" anchor="ctr"/>
+          <a:lstStyle/>
+          <a:p>
+            <a:pPr algn="ctr"/>
+            <a:endParaRPr lang="en-US"/>
+          </a:p>
+        </p:txBody>
+      </p:sp>
+      <p:sp>
+        <p:nvSpPr>
+          <p:cNvPr id="150" name="Diamond 149">
+            <a:extLst>
+              <a:ext uri="{FF2B5EF4-FFF2-40B4-BE49-F238E27FC236}">
+                <a16:creationId xmlns:a16="http://schemas.microsoft.com/office/drawing/2014/main" id="{59926937-AF9A-F343-9A6C-B111E827CB79}"/>
+              </a:ext>
+            </a:extLst>
+          </p:cNvPr>
+          <p:cNvSpPr/>
+          <p:nvPr/>
+        </p:nvSpPr>
+        <p:spPr>
+          <a:xfrm>
+            <a:off x="3033448" y="4153107"/>
+            <a:ext cx="232560" cy="169503"/>
+          </a:xfrm>
+          <a:prstGeom prst="diamond">
+            <a:avLst/>
+          </a:prstGeom>
+          <a:noFill/>
+        </p:spPr>
+        <p:style>
+          <a:lnRef idx="2">
+            <a:schemeClr val="accent1">
+              <a:shade val="50000"/>
+            </a:schemeClr>
+          </a:lnRef>
+          <a:fillRef idx="1">
+            <a:schemeClr val="accent1"/>
+          </a:fillRef>
+          <a:effectRef idx="0">
+            <a:schemeClr val="accent1"/>
+          </a:effectRef>
+          <a:fontRef idx="minor">
+            <a:schemeClr val="lt1"/>
+          </a:fontRef>
+        </p:style>
+        <p:txBody>
+          <a:bodyPr rtlCol="0" anchor="ctr"/>
+          <a:lstStyle/>
+          <a:p>
+            <a:pPr algn="ctr"/>
+            <a:endParaRPr lang="en-US"/>
+          </a:p>
+        </p:txBody>
+      </p:sp>
+      <p:sp>
+        <p:nvSpPr>
+          <p:cNvPr id="151" name="Diamond 150">
+            <a:extLst>
+              <a:ext uri="{FF2B5EF4-FFF2-40B4-BE49-F238E27FC236}">
+                <a16:creationId xmlns:a16="http://schemas.microsoft.com/office/drawing/2014/main" id="{4692B717-DE06-E64F-AC0B-8F635823EA84}"/>
+              </a:ext>
+            </a:extLst>
+          </p:cNvPr>
+          <p:cNvSpPr/>
+          <p:nvPr/>
+        </p:nvSpPr>
+        <p:spPr>
+          <a:xfrm>
+            <a:off x="3031654" y="5546509"/>
+            <a:ext cx="232560" cy="169503"/>
+          </a:xfrm>
+          <a:prstGeom prst="diamond">
+            <a:avLst/>
+          </a:prstGeom>
+          <a:noFill/>
+        </p:spPr>
+        <p:style>
+          <a:lnRef idx="2">
+            <a:schemeClr val="accent1">
+              <a:shade val="50000"/>
+            </a:schemeClr>
+          </a:lnRef>
+          <a:fillRef idx="1">
+            <a:schemeClr val="accent1"/>
+          </a:fillRef>
+          <a:effectRef idx="0">
+            <a:schemeClr val="accent1"/>
+          </a:effectRef>
+          <a:fontRef idx="minor">
+            <a:schemeClr val="lt1"/>
+          </a:fontRef>
+        </p:style>
+        <p:txBody>
+          <a:bodyPr rtlCol="0" anchor="ctr"/>
+          <a:lstStyle/>
+          <a:p>
+            <a:pPr algn="ctr"/>
+            <a:endParaRPr lang="en-US"/>
+          </a:p>
+        </p:txBody>
+      </p:sp>
+      <p:cxnSp>
+        <p:nvCxnSpPr>
+          <p:cNvPr id="155" name="Elbow Connector 154">
+            <a:extLst>
+              <a:ext uri="{FF2B5EF4-FFF2-40B4-BE49-F238E27FC236}">
+                <a16:creationId xmlns:a16="http://schemas.microsoft.com/office/drawing/2014/main" id="{D9B6855A-C1E9-124B-878E-DF3710F77483}"/>
+              </a:ext>
+            </a:extLst>
+          </p:cNvPr>
+          <p:cNvCxnSpPr>
+            <a:stCxn id="149" idx="3"/>
+            <a:endCxn id="46" idx="1"/>
+          </p:cNvCxnSpPr>
+          <p:nvPr/>
+        </p:nvCxnSpPr>
+        <p:spPr>
+          <a:xfrm>
+            <a:off x="3279503" y="1109852"/>
+            <a:ext cx="553933" cy="1998203"/>
+          </a:xfrm>
+          <a:prstGeom prst="bentConnector3">
+            <a:avLst>
+              <a:gd name="adj1" fmla="val 70352"/>
+            </a:avLst>
+          </a:prstGeom>
+          <a:ln>
+            <a:tailEnd type="triangle"/>
+          </a:ln>
+        </p:spPr>
+        <p:style>
+          <a:lnRef idx="1">
+            <a:schemeClr val="accent1"/>
+          </a:lnRef>
+          <a:fillRef idx="0">
+            <a:schemeClr val="accent1"/>
+          </a:fillRef>
+          <a:effectRef idx="0">
+            <a:schemeClr val="accent1"/>
+          </a:effectRef>
+          <a:fontRef idx="minor">
+            <a:schemeClr val="tx1"/>
+          </a:fontRef>
+        </p:style>
+      </p:cxnSp>
+      <p:cxnSp>
+        <p:nvCxnSpPr>
+          <p:cNvPr id="157" name="Elbow Connector 156">
+            <a:extLst>
+              <a:ext uri="{FF2B5EF4-FFF2-40B4-BE49-F238E27FC236}">
+                <a16:creationId xmlns:a16="http://schemas.microsoft.com/office/drawing/2014/main" id="{A98776C3-8C0F-D04C-903C-705A777D3D54}"/>
+              </a:ext>
+            </a:extLst>
+          </p:cNvPr>
+          <p:cNvCxnSpPr>
+            <a:stCxn id="149" idx="3"/>
+            <a:endCxn id="2" idx="1"/>
+          </p:cNvCxnSpPr>
+          <p:nvPr/>
+        </p:nvCxnSpPr>
+        <p:spPr>
+          <a:xfrm>
+            <a:off x="3279503" y="1109852"/>
+            <a:ext cx="553933" cy="2638225"/>
+          </a:xfrm>
+          <a:prstGeom prst="bentConnector3">
+            <a:avLst>
+              <a:gd name="adj1" fmla="val 50000"/>
+            </a:avLst>
+          </a:prstGeom>
+          <a:ln>
+            <a:tailEnd type="triangle"/>
+          </a:ln>
+        </p:spPr>
+        <p:style>
+          <a:lnRef idx="1">
+            <a:schemeClr val="accent1"/>
+          </a:lnRef>
+          <a:fillRef idx="0">
+            <a:schemeClr val="accent1"/>
+          </a:fillRef>
+          <a:effectRef idx="0">
+            <a:schemeClr val="accent1"/>
+          </a:effectRef>
+          <a:fontRef idx="minor">
+            <a:schemeClr val="tx1"/>
+          </a:fontRef>
+        </p:style>
+      </p:cxnSp>
+      <p:cxnSp>
+        <p:nvCxnSpPr>
+          <p:cNvPr id="158" name="Elbow Connector 157">
+            <a:extLst>
+              <a:ext uri="{FF2B5EF4-FFF2-40B4-BE49-F238E27FC236}">
+                <a16:creationId xmlns:a16="http://schemas.microsoft.com/office/drawing/2014/main" id="{47B428CF-7C9B-FB42-ABA9-1F2F69894116}"/>
+              </a:ext>
+            </a:extLst>
+          </p:cNvPr>
+          <p:cNvCxnSpPr>
+            <a:cxnSpLocks/>
+            <a:stCxn id="148" idx="3"/>
+            <a:endCxn id="46" idx="1"/>
+          </p:cNvCxnSpPr>
+          <p:nvPr/>
+        </p:nvCxnSpPr>
+        <p:spPr>
+          <a:xfrm>
+            <a:off x="3287660" y="2732576"/>
+            <a:ext cx="545776" cy="375479"/>
+          </a:xfrm>
+          <a:prstGeom prst="bentConnector3">
+            <a:avLst>
+              <a:gd name="adj1" fmla="val 70656"/>
+            </a:avLst>
+          </a:prstGeom>
+          <a:ln>
+            <a:tailEnd type="triangle"/>
+          </a:ln>
+        </p:spPr>
+        <p:style>
+          <a:lnRef idx="1">
+            <a:schemeClr val="accent1"/>
+          </a:lnRef>
+          <a:fillRef idx="0">
+            <a:schemeClr val="accent1"/>
+          </a:fillRef>
+          <a:effectRef idx="0">
+            <a:schemeClr val="accent1"/>
+          </a:effectRef>
+          <a:fontRef idx="minor">
+            <a:schemeClr val="tx1"/>
+          </a:fontRef>
+        </p:style>
+      </p:cxnSp>
+      <p:cxnSp>
+        <p:nvCxnSpPr>
+          <p:cNvPr id="161" name="Elbow Connector 160">
+            <a:extLst>
+              <a:ext uri="{FF2B5EF4-FFF2-40B4-BE49-F238E27FC236}">
+                <a16:creationId xmlns:a16="http://schemas.microsoft.com/office/drawing/2014/main" id="{C5A164BF-D2F8-494E-8E16-D9C61BE329CA}"/>
+              </a:ext>
+            </a:extLst>
+          </p:cNvPr>
+          <p:cNvCxnSpPr>
+            <a:cxnSpLocks/>
+            <a:stCxn id="148" idx="3"/>
+            <a:endCxn id="2" idx="1"/>
+          </p:cNvCxnSpPr>
+          <p:nvPr/>
+        </p:nvCxnSpPr>
+        <p:spPr>
+          <a:xfrm>
+            <a:off x="3287660" y="2732576"/>
+            <a:ext cx="545776" cy="1015501"/>
+          </a:xfrm>
+          <a:prstGeom prst="bentConnector3">
+            <a:avLst>
+              <a:gd name="adj1" fmla="val 50000"/>
+            </a:avLst>
+          </a:prstGeom>
+          <a:ln>
+            <a:tailEnd type="triangle"/>
+          </a:ln>
+        </p:spPr>
+        <p:style>
+          <a:lnRef idx="1">
+            <a:schemeClr val="accent1"/>
+          </a:lnRef>
+          <a:fillRef idx="0">
+            <a:schemeClr val="accent1"/>
+          </a:fillRef>
+          <a:effectRef idx="0">
+            <a:schemeClr val="accent1"/>
+          </a:effectRef>
+          <a:fontRef idx="minor">
+            <a:schemeClr val="tx1"/>
+          </a:fontRef>
+        </p:style>
+      </p:cxnSp>
+      <p:cxnSp>
+        <p:nvCxnSpPr>
+          <p:cNvPr id="164" name="Elbow Connector 163">
+            <a:extLst>
+              <a:ext uri="{FF2B5EF4-FFF2-40B4-BE49-F238E27FC236}">
+                <a16:creationId xmlns:a16="http://schemas.microsoft.com/office/drawing/2014/main" id="{2776F15A-CB87-4849-BF51-F9486A69A63C}"/>
+              </a:ext>
+            </a:extLst>
+          </p:cNvPr>
+          <p:cNvCxnSpPr>
+            <a:cxnSpLocks/>
+            <a:stCxn id="150" idx="3"/>
+            <a:endCxn id="46" idx="1"/>
+          </p:cNvCxnSpPr>
+          <p:nvPr/>
+        </p:nvCxnSpPr>
+        <p:spPr>
+          <a:xfrm flipV="1">
+            <a:off x="3266008" y="3108055"/>
+            <a:ext cx="567428" cy="1129804"/>
+          </a:xfrm>
+          <a:prstGeom prst="bentConnector3">
+            <a:avLst>
+              <a:gd name="adj1" fmla="val 69868"/>
+            </a:avLst>
+          </a:prstGeom>
+          <a:ln>
+            <a:tailEnd type="triangle"/>
+          </a:ln>
+        </p:spPr>
+        <p:style>
+          <a:lnRef idx="1">
+            <a:schemeClr val="accent1"/>
+          </a:lnRef>
+          <a:fillRef idx="0">
+            <a:schemeClr val="accent1"/>
+          </a:fillRef>
+          <a:effectRef idx="0">
+            <a:schemeClr val="accent1"/>
+          </a:effectRef>
+          <a:fontRef idx="minor">
+            <a:schemeClr val="tx1"/>
+          </a:fontRef>
+        </p:style>
+      </p:cxnSp>
+      <p:cxnSp>
+        <p:nvCxnSpPr>
+          <p:cNvPr id="167" name="Elbow Connector 166">
+            <a:extLst>
+              <a:ext uri="{FF2B5EF4-FFF2-40B4-BE49-F238E27FC236}">
+                <a16:creationId xmlns:a16="http://schemas.microsoft.com/office/drawing/2014/main" id="{19438992-3486-4D4C-8F94-09EAC9E363D0}"/>
+              </a:ext>
+            </a:extLst>
+          </p:cNvPr>
+          <p:cNvCxnSpPr>
+            <a:cxnSpLocks/>
+            <a:endCxn id="2" idx="1"/>
+          </p:cNvCxnSpPr>
+          <p:nvPr/>
+        </p:nvCxnSpPr>
+        <p:spPr>
+          <a:xfrm flipV="1">
+            <a:off x="3279427" y="3748077"/>
+            <a:ext cx="554009" cy="489783"/>
+          </a:xfrm>
+          <a:prstGeom prst="bentConnector3">
+            <a:avLst>
+              <a:gd name="adj1" fmla="val 50000"/>
+            </a:avLst>
+          </a:prstGeom>
+          <a:ln>
+            <a:tailEnd type="triangle"/>
+          </a:ln>
+        </p:spPr>
+        <p:style>
+          <a:lnRef idx="1">
+            <a:schemeClr val="accent1"/>
+          </a:lnRef>
+          <a:fillRef idx="0">
+            <a:schemeClr val="accent1"/>
+          </a:fillRef>
+          <a:effectRef idx="0">
+            <a:schemeClr val="accent1"/>
+          </a:effectRef>
+          <a:fontRef idx="minor">
+            <a:schemeClr val="tx1"/>
+          </a:fontRef>
+        </p:style>
+      </p:cxnSp>
+      <p:cxnSp>
+        <p:nvCxnSpPr>
+          <p:cNvPr id="170" name="Elbow Connector 169">
+            <a:extLst>
+              <a:ext uri="{FF2B5EF4-FFF2-40B4-BE49-F238E27FC236}">
+                <a16:creationId xmlns:a16="http://schemas.microsoft.com/office/drawing/2014/main" id="{1E1D4C2C-F498-2F45-BBE7-9022A2D036F2}"/>
+              </a:ext>
+            </a:extLst>
+          </p:cNvPr>
+          <p:cNvCxnSpPr>
+            <a:cxnSpLocks/>
+            <a:stCxn id="151" idx="3"/>
+            <a:endCxn id="2" idx="1"/>
+          </p:cNvCxnSpPr>
+          <p:nvPr/>
+        </p:nvCxnSpPr>
+        <p:spPr>
+          <a:xfrm flipV="1">
+            <a:off x="3264214" y="3748077"/>
+            <a:ext cx="569222" cy="1883184"/>
+          </a:xfrm>
+          <a:prstGeom prst="bentConnector3">
+            <a:avLst>
+              <a:gd name="adj1" fmla="val 50000"/>
+            </a:avLst>
+          </a:prstGeom>
+          <a:ln>
+            <a:tailEnd type="triangle"/>
+          </a:ln>
+        </p:spPr>
+        <p:style>
+          <a:lnRef idx="1">
+            <a:schemeClr val="accent1"/>
+          </a:lnRef>
+          <a:fillRef idx="0">
+            <a:schemeClr val="accent1"/>
+          </a:fillRef>
+          <a:effectRef idx="0">
+            <a:schemeClr val="accent1"/>
+          </a:effectRef>
+          <a:fontRef idx="minor">
+            <a:schemeClr val="tx1"/>
+          </a:fontRef>
+        </p:style>
+      </p:cxnSp>
+      <p:cxnSp>
+        <p:nvCxnSpPr>
+          <p:cNvPr id="173" name="Elbow Connector 172">
+            <a:extLst>
+              <a:ext uri="{FF2B5EF4-FFF2-40B4-BE49-F238E27FC236}">
+                <a16:creationId xmlns:a16="http://schemas.microsoft.com/office/drawing/2014/main" id="{A5A5669A-EEEB-6044-8373-D0C76B08F73F}"/>
+              </a:ext>
+            </a:extLst>
+          </p:cNvPr>
+          <p:cNvCxnSpPr>
+            <a:cxnSpLocks/>
+            <a:stCxn id="151" idx="3"/>
+            <a:endCxn id="46" idx="1"/>
+          </p:cNvCxnSpPr>
+          <p:nvPr/>
+        </p:nvCxnSpPr>
+        <p:spPr>
+          <a:xfrm flipV="1">
+            <a:off x="3264214" y="3108055"/>
+            <a:ext cx="569222" cy="2523206"/>
+          </a:xfrm>
+          <a:prstGeom prst="bentConnector3">
+            <a:avLst>
+              <a:gd name="adj1" fmla="val 69805"/>
+            </a:avLst>
+          </a:prstGeom>
+          <a:ln>
+            <a:tailEnd type="triangle"/>
+          </a:ln>
+        </p:spPr>
+        <p:style>
+          <a:lnRef idx="1">
+            <a:schemeClr val="accent1"/>
+          </a:lnRef>
+          <a:fillRef idx="0">
+            <a:schemeClr val="accent1"/>
+          </a:fillRef>
+          <a:effectRef idx="0">
+            <a:schemeClr val="accent1"/>
+          </a:effectRef>
+          <a:fontRef idx="minor">
+            <a:schemeClr val="tx1"/>
+          </a:fontRef>
+        </p:style>
+      </p:cxnSp>
+      <p:sp>
+        <p:nvSpPr>
+          <p:cNvPr id="197" name="TextBox 196">
+            <a:extLst>
+              <a:ext uri="{FF2B5EF4-FFF2-40B4-BE49-F238E27FC236}">
+                <a16:creationId xmlns:a16="http://schemas.microsoft.com/office/drawing/2014/main" id="{D8D2ED82-25FF-0A4A-ACE0-B1618072DF0F}"/>
+              </a:ext>
+            </a:extLst>
+          </p:cNvPr>
+          <p:cNvSpPr txBox="1"/>
+          <p:nvPr/>
+        </p:nvSpPr>
+        <p:spPr>
+          <a:xfrm>
+            <a:off x="3643640" y="2880630"/>
+            <a:ext cx="277005" cy="246221"/>
+          </a:xfrm>
+          <a:prstGeom prst="rect">
+            <a:avLst/>
+          </a:prstGeom>
+          <a:noFill/>
+        </p:spPr>
+        <p:txBody>
+          <a:bodyPr wrap="square" rtlCol="0">
+            <a:spAutoFit/>
+          </a:bodyPr>
+          <a:lstStyle/>
+          <a:p>
+            <a:r>
+              <a:rPr lang="en-US" sz="1000" dirty="0"/>
+              <a:t>1</a:t>
+            </a:r>
+          </a:p>
+        </p:txBody>
+      </p:sp>
+      <p:sp>
+        <p:nvSpPr>
+          <p:cNvPr id="198" name="TextBox 197">
+            <a:extLst>
+              <a:ext uri="{FF2B5EF4-FFF2-40B4-BE49-F238E27FC236}">
+                <a16:creationId xmlns:a16="http://schemas.microsoft.com/office/drawing/2014/main" id="{D4E18558-D5EE-154E-BFB4-51A1A81E7F13}"/>
+              </a:ext>
+            </a:extLst>
+          </p:cNvPr>
+          <p:cNvSpPr txBox="1"/>
+          <p:nvPr/>
+        </p:nvSpPr>
+        <p:spPr>
+          <a:xfrm>
+            <a:off x="3620946" y="3534954"/>
+            <a:ext cx="277005" cy="246221"/>
+          </a:xfrm>
+          <a:prstGeom prst="rect">
+            <a:avLst/>
+          </a:prstGeom>
+          <a:noFill/>
+        </p:spPr>
+        <p:txBody>
+          <a:bodyPr wrap="square" rtlCol="0">
+            <a:spAutoFit/>
+          </a:bodyPr>
+          <a:lstStyle/>
+          <a:p>
+            <a:r>
+              <a:rPr lang="en-US" sz="1000" dirty="0"/>
+              <a:t>1</a:t>
+            </a:r>
+          </a:p>
+        </p:txBody>
+      </p:sp>
+      <p:sp>
+        <p:nvSpPr>
+          <p:cNvPr id="199" name="Rectangle 8">
+            <a:extLst>
+              <a:ext uri="{FF2B5EF4-FFF2-40B4-BE49-F238E27FC236}">
+                <a16:creationId xmlns:a16="http://schemas.microsoft.com/office/drawing/2014/main" id="{4D2E60B0-C269-5845-BA0B-23BECEACC071}"/>
+              </a:ext>
+            </a:extLst>
+          </p:cNvPr>
+          <p:cNvSpPr/>
+          <p:nvPr/>
+        </p:nvSpPr>
+        <p:spPr>
+          <a:xfrm>
+            <a:off x="6498911" y="4093826"/>
+            <a:ext cx="1156969" cy="346760"/>
           </a:xfrm>
           <a:prstGeom prst="rect">
             <a:avLst/>
@@ -3997,7 +6062,7 @@
                   <a:srgbClr val="7030A0"/>
                 </a:solidFill>
               </a:rPr>
-              <a:t>VersionedAddressBook</a:t>
+              <a:t>BookingList</a:t>
             </a:r>
             <a:endParaRPr lang="en-SG" sz="1050" dirty="0">
               <a:solidFill>
@@ -4007,101 +6072,21 @@
           </a:p>
         </p:txBody>
       </p:sp>
-      <p:cxnSp>
-        <p:nvCxnSpPr>
-          <p:cNvPr id="47" name="Straight Arrow Connector 46"/>
-          <p:cNvCxnSpPr>
-            <a:stCxn id="48" idx="3"/>
-            <a:endCxn id="46" idx="1"/>
-          </p:cNvCxnSpPr>
-          <p:nvPr/>
-        </p:nvCxnSpPr>
-        <p:spPr>
-          <a:xfrm>
-            <a:off x="2624360" y="3003033"/>
-            <a:ext cx="200920" cy="10557"/>
-          </a:xfrm>
-          <a:prstGeom prst="straightConnector1">
-            <a:avLst/>
-          </a:prstGeom>
-          <a:ln w="19050">
-            <a:solidFill>
-              <a:srgbClr val="7030A0"/>
-            </a:solidFill>
-            <a:headEnd type="none" w="med" len="med"/>
-            <a:tailEnd type="arrow" w="med" len="med"/>
-          </a:ln>
-          <a:effectLst/>
-        </p:spPr>
-        <p:style>
-          <a:lnRef idx="1">
-            <a:schemeClr val="accent2"/>
-          </a:lnRef>
-          <a:fillRef idx="2">
-            <a:schemeClr val="accent2"/>
-          </a:fillRef>
-          <a:effectRef idx="1">
-            <a:schemeClr val="accent2"/>
-          </a:effectRef>
-          <a:fontRef idx="minor">
-            <a:schemeClr val="dk1"/>
-          </a:fontRef>
-        </p:style>
-      </p:cxnSp>
-      <p:sp>
-        <p:nvSpPr>
-          <p:cNvPr id="48" name="Flowchart: Decision 96"/>
+      <p:sp>
+        <p:nvSpPr>
+          <p:cNvPr id="201" name="Rectangle 8">
+            <a:extLst>
+              <a:ext uri="{FF2B5EF4-FFF2-40B4-BE49-F238E27FC236}">
+                <a16:creationId xmlns:a16="http://schemas.microsoft.com/office/drawing/2014/main" id="{744BFEB1-5F78-EB41-BDFE-3ED03F4D4173}"/>
+              </a:ext>
+            </a:extLst>
+          </p:cNvPr>
           <p:cNvSpPr/>
           <p:nvPr/>
         </p:nvSpPr>
         <p:spPr>
           <a:xfrm>
-            <a:off x="2388312" y="2916343"/>
-            <a:ext cx="236048" cy="173380"/>
-          </a:xfrm>
-          <a:prstGeom prst="flowChartDecision">
-            <a:avLst/>
-          </a:prstGeom>
-          <a:noFill/>
-          <a:ln w="19050">
-            <a:solidFill>
-              <a:srgbClr val="7030A0"/>
-            </a:solidFill>
-          </a:ln>
-          <a:effectLst/>
-        </p:spPr>
-        <p:style>
-          <a:lnRef idx="1">
-            <a:schemeClr val="accent6"/>
-          </a:lnRef>
-          <a:fillRef idx="2">
-            <a:schemeClr val="accent6"/>
-          </a:fillRef>
-          <a:effectRef idx="1">
-            <a:schemeClr val="accent6"/>
-          </a:effectRef>
-          <a:fontRef idx="minor">
-            <a:schemeClr val="dk1"/>
-          </a:fontRef>
-        </p:style>
-        <p:txBody>
-          <a:bodyPr rtlCol="0" anchor="ctr"/>
-          <a:lstStyle/>
-          <a:p>
-            <a:pPr algn="ctr"/>
-            <a:endParaRPr lang="en-US" sz="1050"/>
-          </a:p>
-        </p:txBody>
-      </p:sp>
-      <p:sp>
-        <p:nvSpPr>
-          <p:cNvPr id="49" name="Rectangle 8"/>
-          <p:cNvSpPr/>
-          <p:nvPr/>
-        </p:nvSpPr>
-        <p:spPr>
-          <a:xfrm>
-            <a:off x="4692650" y="2846162"/>
+            <a:off x="6494482" y="936471"/>
             <a:ext cx="1156969" cy="346760"/>
           </a:xfrm>
           <a:prstGeom prst="rect">
@@ -4139,7 +6124,7 @@
                   <a:srgbClr val="7030A0"/>
                 </a:solidFill>
               </a:rPr>
-              <a:t>UniquePersonList</a:t>
+              <a:t>ReservationList</a:t>
             </a:r>
             <a:endParaRPr lang="en-SG" sz="1050" dirty="0">
               <a:solidFill>
@@ -4151,61 +6136,20 @@
       </p:sp>
       <p:sp>
         <p:nvSpPr>
-          <p:cNvPr id="51" name="Flowchart: Decision 96"/>
+          <p:cNvPr id="202" name="Rectangle 8">
+            <a:extLst>
+              <a:ext uri="{FF2B5EF4-FFF2-40B4-BE49-F238E27FC236}">
+                <a16:creationId xmlns:a16="http://schemas.microsoft.com/office/drawing/2014/main" id="{086E0864-5058-7A4A-8D50-BFC49299EFE1}"/>
+              </a:ext>
+            </a:extLst>
+          </p:cNvPr>
           <p:cNvSpPr/>
           <p:nvPr/>
         </p:nvSpPr>
         <p:spPr>
           <a:xfrm>
-            <a:off x="4324972" y="2920532"/>
-            <a:ext cx="236048" cy="173380"/>
-          </a:xfrm>
-          <a:prstGeom prst="flowChartDecision">
-            <a:avLst/>
-          </a:prstGeom>
-          <a:solidFill>
-            <a:srgbClr val="7030A0"/>
-          </a:solidFill>
-          <a:ln w="19050">
-            <a:solidFill>
-              <a:srgbClr val="7030A0"/>
-            </a:solidFill>
-          </a:ln>
-          <a:effectLst/>
-        </p:spPr>
-        <p:style>
-          <a:lnRef idx="1">
-            <a:schemeClr val="accent6"/>
-          </a:lnRef>
-          <a:fillRef idx="2">
-            <a:schemeClr val="accent6"/>
-          </a:fillRef>
-          <a:effectRef idx="1">
-            <a:schemeClr val="accent6"/>
-          </a:effectRef>
-          <a:fontRef idx="minor">
-            <a:schemeClr val="dk1"/>
-          </a:fontRef>
-        </p:style>
-        <p:txBody>
-          <a:bodyPr rtlCol="0" anchor="ctr"/>
-          <a:lstStyle/>
-          <a:p>
-            <a:pPr algn="ctr"/>
-            <a:endParaRPr lang="en-US" sz="1050"/>
-          </a:p>
-        </p:txBody>
-      </p:sp>
-      <p:sp>
-        <p:nvSpPr>
-          <p:cNvPr id="62" name="Rectangle 8"/>
-          <p:cNvSpPr/>
-          <p:nvPr/>
-        </p:nvSpPr>
-        <p:spPr>
-          <a:xfrm>
-            <a:off x="6313677" y="2858066"/>
-            <a:ext cx="708186" cy="346760"/>
+            <a:off x="6494481" y="1487874"/>
+            <a:ext cx="1156969" cy="346760"/>
           </a:xfrm>
           <a:prstGeom prst="rect">
             <a:avLst/>
@@ -4237,14 +6181,14 @@
           <a:p>
             <a:pPr algn="ctr"/>
             <a:r>
-              <a:rPr lang="en-US" sz="1030" dirty="0">
+              <a:rPr lang="en-US" sz="1050" dirty="0" err="1">
                 <a:solidFill>
                   <a:srgbClr val="7030A0"/>
                 </a:solidFill>
               </a:rPr>
-              <a:t>Customer</a:t>
-            </a:r>
-            <a:endParaRPr lang="en-SG" sz="1030" dirty="0">
+              <a:t>RoomTypeList</a:t>
+            </a:r>
+            <a:endParaRPr lang="en-SG" sz="1050" dirty="0">
               <a:solidFill>
                 <a:srgbClr val="7030A0"/>
               </a:solidFill>
@@ -4254,101 +6198,20 @@
       </p:sp>
       <p:sp>
         <p:nvSpPr>
-          <p:cNvPr id="63" name="Flowchart: Decision 96"/>
+          <p:cNvPr id="203" name="Rectangle 8">
+            <a:extLst>
+              <a:ext uri="{FF2B5EF4-FFF2-40B4-BE49-F238E27FC236}">
+                <a16:creationId xmlns:a16="http://schemas.microsoft.com/office/drawing/2014/main" id="{FD894E15-F108-7D4C-904E-CC358B48EDE5}"/>
+              </a:ext>
+            </a:extLst>
+          </p:cNvPr>
           <p:cNvSpPr/>
           <p:nvPr/>
         </p:nvSpPr>
         <p:spPr>
           <a:xfrm>
-            <a:off x="5858751" y="2941676"/>
-            <a:ext cx="236048" cy="173380"/>
-          </a:xfrm>
-          <a:prstGeom prst="flowChartDecision">
-            <a:avLst/>
-          </a:prstGeom>
-          <a:noFill/>
-          <a:ln w="19050">
-            <a:solidFill>
-              <a:srgbClr val="7030A0"/>
-            </a:solidFill>
-          </a:ln>
-          <a:effectLst/>
-        </p:spPr>
-        <p:style>
-          <a:lnRef idx="1">
-            <a:schemeClr val="accent6"/>
-          </a:lnRef>
-          <a:fillRef idx="2">
-            <a:schemeClr val="accent6"/>
-          </a:fillRef>
-          <a:effectRef idx="1">
-            <a:schemeClr val="accent6"/>
-          </a:effectRef>
-          <a:fontRef idx="minor">
-            <a:schemeClr val="dk1"/>
-          </a:fontRef>
-        </p:style>
-        <p:txBody>
-          <a:bodyPr rtlCol="0" anchor="ctr"/>
-          <a:lstStyle/>
-          <a:p>
-            <a:pPr algn="ctr"/>
-            <a:endParaRPr lang="en-US" sz="1050"/>
-          </a:p>
-        </p:txBody>
-      </p:sp>
-      <p:cxnSp>
-        <p:nvCxnSpPr>
-          <p:cNvPr id="64" name="Elbow Connector 63"/>
-          <p:cNvCxnSpPr>
-            <a:cxnSpLocks/>
-            <a:stCxn id="63" idx="3"/>
-            <a:endCxn id="62" idx="1"/>
-          </p:cNvCxnSpPr>
-          <p:nvPr/>
-        </p:nvCxnSpPr>
-        <p:spPr>
-          <a:xfrm>
-            <a:off x="6094799" y="3028366"/>
-            <a:ext cx="218878" cy="3080"/>
-          </a:xfrm>
-          <a:prstGeom prst="bentConnector3">
-            <a:avLst/>
-          </a:prstGeom>
-          <a:ln w="19050">
-            <a:solidFill>
-              <a:srgbClr val="7030A0"/>
-            </a:solidFill>
-            <a:headEnd type="none" w="med" len="med"/>
-            <a:tailEnd type="arrow" w="med" len="med"/>
-          </a:ln>
-          <a:effectLst/>
-        </p:spPr>
-        <p:style>
-          <a:lnRef idx="1">
-            <a:schemeClr val="accent2"/>
-          </a:lnRef>
-          <a:fillRef idx="2">
-            <a:schemeClr val="accent2"/>
-          </a:fillRef>
-          <a:effectRef idx="1">
-            <a:schemeClr val="accent2"/>
-          </a:effectRef>
-          <a:fontRef idx="minor">
-            <a:schemeClr val="dk1"/>
-          </a:fontRef>
-        </p:style>
-      </p:cxnSp>
-      <p:sp>
-        <p:nvSpPr>
-          <p:cNvPr id="76" name="Rectangle 8"/>
-          <p:cNvSpPr/>
-          <p:nvPr/>
-        </p:nvSpPr>
-        <p:spPr>
-          <a:xfrm>
-            <a:off x="7712397" y="2564238"/>
-            <a:ext cx="708186" cy="285783"/>
+            <a:off x="6494481" y="4611081"/>
+            <a:ext cx="1156969" cy="346760"/>
           </a:xfrm>
           <a:prstGeom prst="rect">
             <a:avLst/>
@@ -4380,12 +6243,12 @@
           <a:p>
             <a:pPr algn="ctr"/>
             <a:r>
-              <a:rPr lang="en-US" sz="1050" dirty="0">
+              <a:rPr lang="en-US" sz="1050" dirty="0" err="1">
                 <a:solidFill>
                   <a:srgbClr val="7030A0"/>
                 </a:solidFill>
               </a:rPr>
-              <a:t>Name</a:t>
+              <a:t>ServiceTypeList</a:t>
             </a:r>
             <a:endParaRPr lang="en-SG" sz="1050" dirty="0">
               <a:solidFill>
@@ -4395,1018 +6258,221 @@
           </a:p>
         </p:txBody>
       </p:sp>
-      <p:sp>
-        <p:nvSpPr>
-          <p:cNvPr id="78" name="Flowchart: Decision 96"/>
-          <p:cNvSpPr/>
+      <p:cxnSp>
+        <p:nvCxnSpPr>
+          <p:cNvPr id="205" name="Elbow Connector 204">
+            <a:extLst>
+              <a:ext uri="{FF2B5EF4-FFF2-40B4-BE49-F238E27FC236}">
+                <a16:creationId xmlns:a16="http://schemas.microsoft.com/office/drawing/2014/main" id="{0676160E-4B4C-C94D-8014-DF1E8A55CF61}"/>
+              </a:ext>
+            </a:extLst>
+          </p:cNvPr>
+          <p:cNvCxnSpPr>
+            <a:stCxn id="46" idx="3"/>
+            <a:endCxn id="201" idx="1"/>
+          </p:cNvCxnSpPr>
           <p:nvPr/>
-        </p:nvSpPr>
-        <p:spPr>
-          <a:xfrm>
-            <a:off x="7041947" y="2948201"/>
-            <a:ext cx="236048" cy="173380"/>
-          </a:xfrm>
-          <a:prstGeom prst="flowChartDecision">
+        </p:nvCxnSpPr>
+        <p:spPr>
+          <a:xfrm flipV="1">
+            <a:off x="5323996" y="1109851"/>
+            <a:ext cx="1170486" cy="1998204"/>
+          </a:xfrm>
+          <a:prstGeom prst="bentConnector3">
             <a:avLst/>
           </a:prstGeom>
-          <a:solidFill>
-            <a:srgbClr val="7030A0"/>
-          </a:solidFill>
-          <a:ln w="19050">
-            <a:solidFill>
-              <a:srgbClr val="7030A0"/>
-            </a:solidFill>
+          <a:ln>
+            <a:headEnd type="diamond" w="lg" len="lg"/>
+            <a:tailEnd type="none"/>
           </a:ln>
-          <a:effectLst/>
         </p:spPr>
         <p:style>
           <a:lnRef idx="1">
-            <a:schemeClr val="accent6"/>
+            <a:schemeClr val="accent1"/>
           </a:lnRef>
-          <a:fillRef idx="2">
-            <a:schemeClr val="accent6"/>
+          <a:fillRef idx="0">
+            <a:schemeClr val="accent1"/>
           </a:fillRef>
-          <a:effectRef idx="1">
-            <a:schemeClr val="accent6"/>
+          <a:effectRef idx="0">
+            <a:schemeClr val="accent1"/>
           </a:effectRef>
           <a:fontRef idx="minor">
-            <a:schemeClr val="dk1"/>
+            <a:schemeClr val="tx1"/>
           </a:fontRef>
         </p:style>
-        <p:txBody>
-          <a:bodyPr rtlCol="0" anchor="ctr"/>
-          <a:lstStyle/>
-          <a:p>
-            <a:pPr algn="ctr"/>
-            <a:endParaRPr lang="en-US" sz="1050"/>
-          </a:p>
-        </p:txBody>
-      </p:sp>
+      </p:cxnSp>
       <p:cxnSp>
         <p:nvCxnSpPr>
-          <p:cNvPr id="79" name="Elbow Connector 78"/>
+          <p:cNvPr id="223" name="Elbow Connector 222">
+            <a:extLst>
+              <a:ext uri="{FF2B5EF4-FFF2-40B4-BE49-F238E27FC236}">
+                <a16:creationId xmlns:a16="http://schemas.microsoft.com/office/drawing/2014/main" id="{1827730A-05F0-D34C-9679-DC87E290F756}"/>
+              </a:ext>
+            </a:extLst>
+          </p:cNvPr>
+          <p:cNvCxnSpPr>
+            <a:cxnSpLocks/>
+            <a:endCxn id="203" idx="1"/>
+          </p:cNvCxnSpPr>
+          <p:nvPr/>
+        </p:nvCxnSpPr>
+        <p:spPr>
+          <a:xfrm rot="16200000" flipH="1">
+            <a:off x="5369492" y="3659472"/>
+            <a:ext cx="1664736" cy="585241"/>
+          </a:xfrm>
+          <a:prstGeom prst="bentConnector2">
+            <a:avLst/>
+          </a:prstGeom>
+          <a:ln>
+            <a:tailEnd type="none"/>
+          </a:ln>
+        </p:spPr>
+        <p:style>
+          <a:lnRef idx="1">
+            <a:schemeClr val="accent1"/>
+          </a:lnRef>
+          <a:fillRef idx="0">
+            <a:schemeClr val="accent1"/>
+          </a:fillRef>
+          <a:effectRef idx="0">
+            <a:schemeClr val="accent1"/>
+          </a:effectRef>
+          <a:fontRef idx="minor">
+            <a:schemeClr val="tx1"/>
+          </a:fontRef>
+        </p:style>
+      </p:cxnSp>
+      <p:cxnSp>
+        <p:nvCxnSpPr>
+          <p:cNvPr id="226" name="Straight Arrow Connector 225">
+            <a:extLst>
+              <a:ext uri="{FF2B5EF4-FFF2-40B4-BE49-F238E27FC236}">
+                <a16:creationId xmlns:a16="http://schemas.microsoft.com/office/drawing/2014/main" id="{02C49B29-FD18-8641-909E-E070C97F9BDD}"/>
+              </a:ext>
+            </a:extLst>
+          </p:cNvPr>
+          <p:cNvCxnSpPr>
+            <a:cxnSpLocks/>
+            <a:endCxn id="202" idx="1"/>
+          </p:cNvCxnSpPr>
+          <p:nvPr/>
+        </p:nvCxnSpPr>
+        <p:spPr>
+          <a:xfrm>
+            <a:off x="5909239" y="1661254"/>
+            <a:ext cx="585242" cy="0"/>
+          </a:xfrm>
+          <a:prstGeom prst="straightConnector1">
+            <a:avLst/>
+          </a:prstGeom>
+          <a:ln>
+            <a:tailEnd type="none"/>
+          </a:ln>
+        </p:spPr>
+        <p:style>
+          <a:lnRef idx="1">
+            <a:schemeClr val="accent1"/>
+          </a:lnRef>
+          <a:fillRef idx="0">
+            <a:schemeClr val="accent1"/>
+          </a:fillRef>
+          <a:effectRef idx="0">
+            <a:schemeClr val="accent1"/>
+          </a:effectRef>
+          <a:fontRef idx="minor">
+            <a:schemeClr val="tx1"/>
+          </a:fontRef>
+        </p:style>
+      </p:cxnSp>
+      <p:cxnSp>
+        <p:nvCxnSpPr>
+          <p:cNvPr id="228" name="Straight Arrow Connector 227">
+            <a:extLst>
+              <a:ext uri="{FF2B5EF4-FFF2-40B4-BE49-F238E27FC236}">
+                <a16:creationId xmlns:a16="http://schemas.microsoft.com/office/drawing/2014/main" id="{2AC6E353-15C5-4C46-9D20-78B06D9B5686}"/>
+              </a:ext>
+            </a:extLst>
+          </p:cNvPr>
           <p:cNvCxnSpPr>
             <a:cxnSpLocks/>
           </p:cNvCxnSpPr>
           <p:nvPr/>
         </p:nvCxnSpPr>
         <p:spPr>
-          <a:xfrm flipV="1">
-            <a:off x="7277995" y="2706821"/>
-            <a:ext cx="434402" cy="327761"/>
-          </a:xfrm>
-          <a:prstGeom prst="bentConnector3">
+          <a:xfrm>
+            <a:off x="5909239" y="2699767"/>
+            <a:ext cx="585242" cy="0"/>
+          </a:xfrm>
+          <a:prstGeom prst="straightConnector1">
             <a:avLst/>
           </a:prstGeom>
-          <a:ln w="19050">
-            <a:solidFill>
-              <a:srgbClr val="7030A0"/>
-            </a:solidFill>
-            <a:headEnd type="none" w="med" len="med"/>
-            <a:tailEnd type="arrow" w="med" len="med"/>
+          <a:ln>
+            <a:tailEnd type="none"/>
           </a:ln>
-          <a:effectLst/>
         </p:spPr>
         <p:style>
           <a:lnRef idx="1">
-            <a:schemeClr val="accent2"/>
+            <a:schemeClr val="accent1"/>
           </a:lnRef>
-          <a:fillRef idx="2">
-            <a:schemeClr val="accent2"/>
+          <a:fillRef idx="0">
+            <a:schemeClr val="accent1"/>
           </a:fillRef>
-          <a:effectRef idx="1">
-            <a:schemeClr val="accent2"/>
+          <a:effectRef idx="0">
+            <a:schemeClr val="accent1"/>
           </a:effectRef>
           <a:fontRef idx="minor">
-            <a:schemeClr val="dk1"/>
-          </a:fontRef>
-        </p:style>
-      </p:cxnSp>
-      <p:sp>
-        <p:nvSpPr>
-          <p:cNvPr id="80" name="Rectangle 8"/>
-          <p:cNvSpPr/>
-          <p:nvPr/>
-        </p:nvSpPr>
-        <p:spPr>
-          <a:xfrm>
-            <a:off x="7712397" y="2887216"/>
-            <a:ext cx="708186" cy="285783"/>
-          </a:xfrm>
-          <a:prstGeom prst="rect">
-            <a:avLst/>
-          </a:prstGeom>
-          <a:ln w="19050">
-            <a:solidFill>
-              <a:srgbClr val="7030A0"/>
-            </a:solidFill>
-          </a:ln>
-          <a:effectLst/>
-        </p:spPr>
-        <p:style>
-          <a:lnRef idx="1">
-            <a:schemeClr val="accent4"/>
-          </a:lnRef>
-          <a:fillRef idx="2">
-            <a:schemeClr val="accent4"/>
-          </a:fillRef>
-          <a:effectRef idx="1">
-            <a:schemeClr val="accent4"/>
-          </a:effectRef>
-          <a:fontRef idx="minor">
-            <a:schemeClr val="dk1"/>
-          </a:fontRef>
-        </p:style>
-        <p:txBody>
-          <a:bodyPr rtlCol="0" anchor="ctr"/>
-          <a:lstStyle/>
-          <a:p>
-            <a:pPr algn="ctr"/>
-            <a:r>
-              <a:rPr lang="en-US" sz="1050" dirty="0">
-                <a:solidFill>
-                  <a:srgbClr val="7030A0"/>
-                </a:solidFill>
-              </a:rPr>
-              <a:t>Phone</a:t>
-            </a:r>
-            <a:endParaRPr lang="en-SG" sz="1050" dirty="0">
-              <a:solidFill>
-                <a:srgbClr val="7030A0"/>
-              </a:solidFill>
-            </a:endParaRPr>
-          </a:p>
-        </p:txBody>
-      </p:sp>
-      <p:cxnSp>
-        <p:nvCxnSpPr>
-          <p:cNvPr id="81" name="Elbow Connector 80"/>
-          <p:cNvCxnSpPr>
-            <a:stCxn id="78" idx="3"/>
-            <a:endCxn id="80" idx="1"/>
-          </p:cNvCxnSpPr>
-          <p:nvPr/>
-        </p:nvCxnSpPr>
-        <p:spPr>
-          <a:xfrm flipV="1">
-            <a:off x="7277995" y="3030108"/>
-            <a:ext cx="434402" cy="4783"/>
-          </a:xfrm>
-          <a:prstGeom prst="bentConnector3">
-            <a:avLst/>
-          </a:prstGeom>
-          <a:ln w="19050">
-            <a:solidFill>
-              <a:srgbClr val="7030A0"/>
-            </a:solidFill>
-            <a:headEnd type="none" w="med" len="med"/>
-            <a:tailEnd type="arrow" w="med" len="med"/>
-          </a:ln>
-          <a:effectLst/>
-        </p:spPr>
-        <p:style>
-          <a:lnRef idx="1">
-            <a:schemeClr val="accent2"/>
-          </a:lnRef>
-          <a:fillRef idx="2">
-            <a:schemeClr val="accent2"/>
-          </a:fillRef>
-          <a:effectRef idx="1">
-            <a:schemeClr val="accent2"/>
-          </a:effectRef>
-          <a:fontRef idx="minor">
-            <a:schemeClr val="dk1"/>
-          </a:fontRef>
-        </p:style>
-      </p:cxnSp>
-      <p:sp>
-        <p:nvSpPr>
-          <p:cNvPr id="83" name="Rectangle 8"/>
-          <p:cNvSpPr/>
-          <p:nvPr/>
-        </p:nvSpPr>
-        <p:spPr>
-          <a:xfrm>
-            <a:off x="7712397" y="3210194"/>
-            <a:ext cx="708186" cy="285783"/>
-          </a:xfrm>
-          <a:prstGeom prst="rect">
-            <a:avLst/>
-          </a:prstGeom>
-          <a:ln w="19050">
-            <a:solidFill>
-              <a:srgbClr val="7030A0"/>
-            </a:solidFill>
-          </a:ln>
-          <a:effectLst/>
-        </p:spPr>
-        <p:style>
-          <a:lnRef idx="1">
-            <a:schemeClr val="accent4"/>
-          </a:lnRef>
-          <a:fillRef idx="2">
-            <a:schemeClr val="accent4"/>
-          </a:fillRef>
-          <a:effectRef idx="1">
-            <a:schemeClr val="accent4"/>
-          </a:effectRef>
-          <a:fontRef idx="minor">
-            <a:schemeClr val="dk1"/>
-          </a:fontRef>
-        </p:style>
-        <p:txBody>
-          <a:bodyPr rtlCol="0" anchor="ctr"/>
-          <a:lstStyle/>
-          <a:p>
-            <a:pPr algn="ctr"/>
-            <a:r>
-              <a:rPr lang="en-US" sz="1050" dirty="0">
-                <a:solidFill>
-                  <a:srgbClr val="7030A0"/>
-                </a:solidFill>
-              </a:rPr>
-              <a:t>Email</a:t>
-            </a:r>
-            <a:endParaRPr lang="en-SG" sz="1050" dirty="0">
-              <a:solidFill>
-                <a:srgbClr val="7030A0"/>
-              </a:solidFill>
-            </a:endParaRPr>
-          </a:p>
-        </p:txBody>
-      </p:sp>
-      <p:cxnSp>
-        <p:nvCxnSpPr>
-          <p:cNvPr id="84" name="Elbow Connector 83"/>
-          <p:cNvCxnSpPr>
-            <a:stCxn id="78" idx="3"/>
-            <a:endCxn id="83" idx="1"/>
-          </p:cNvCxnSpPr>
-          <p:nvPr/>
-        </p:nvCxnSpPr>
-        <p:spPr>
-          <a:xfrm>
-            <a:off x="7277995" y="3034891"/>
-            <a:ext cx="434402" cy="318195"/>
-          </a:xfrm>
-          <a:prstGeom prst="bentConnector3">
-            <a:avLst/>
-          </a:prstGeom>
-          <a:ln w="19050">
-            <a:solidFill>
-              <a:srgbClr val="7030A0"/>
-            </a:solidFill>
-            <a:headEnd type="none" w="med" len="med"/>
-            <a:tailEnd type="arrow" w="med" len="med"/>
-          </a:ln>
-          <a:effectLst/>
-        </p:spPr>
-        <p:style>
-          <a:lnRef idx="1">
-            <a:schemeClr val="accent2"/>
-          </a:lnRef>
-          <a:fillRef idx="2">
-            <a:schemeClr val="accent2"/>
-          </a:fillRef>
-          <a:effectRef idx="1">
-            <a:schemeClr val="accent2"/>
-          </a:effectRef>
-          <a:fontRef idx="minor">
-            <a:schemeClr val="dk1"/>
-          </a:fontRef>
-        </p:style>
-      </p:cxnSp>
-      <p:sp>
-        <p:nvSpPr>
-          <p:cNvPr id="85" name="Rectangle 8"/>
-          <p:cNvSpPr/>
-          <p:nvPr/>
-        </p:nvSpPr>
-        <p:spPr>
-          <a:xfrm>
-            <a:off x="7712397" y="3533171"/>
-            <a:ext cx="708186" cy="285783"/>
-          </a:xfrm>
-          <a:prstGeom prst="rect">
-            <a:avLst/>
-          </a:prstGeom>
-          <a:ln w="19050">
-            <a:solidFill>
-              <a:srgbClr val="7030A0"/>
-            </a:solidFill>
-          </a:ln>
-          <a:effectLst/>
-        </p:spPr>
-        <p:style>
-          <a:lnRef idx="1">
-            <a:schemeClr val="accent4"/>
-          </a:lnRef>
-          <a:fillRef idx="2">
-            <a:schemeClr val="accent4"/>
-          </a:fillRef>
-          <a:effectRef idx="1">
-            <a:schemeClr val="accent4"/>
-          </a:effectRef>
-          <a:fontRef idx="minor">
-            <a:schemeClr val="dk1"/>
-          </a:fontRef>
-        </p:style>
-        <p:txBody>
-          <a:bodyPr rtlCol="0" anchor="ctr"/>
-          <a:lstStyle/>
-          <a:p>
-            <a:pPr algn="ctr"/>
-            <a:r>
-              <a:rPr lang="en-US" sz="1050" dirty="0">
-                <a:solidFill>
-                  <a:srgbClr val="7030A0"/>
-                </a:solidFill>
-              </a:rPr>
-              <a:t>Address</a:t>
-            </a:r>
-            <a:endParaRPr lang="en-SG" sz="1050" dirty="0">
-              <a:solidFill>
-                <a:srgbClr val="7030A0"/>
-              </a:solidFill>
-            </a:endParaRPr>
-          </a:p>
-        </p:txBody>
-      </p:sp>
-      <p:cxnSp>
-        <p:nvCxnSpPr>
-          <p:cNvPr id="86" name="Elbow Connector 85"/>
-          <p:cNvCxnSpPr>
-            <a:stCxn id="78" idx="3"/>
-            <a:endCxn id="85" idx="1"/>
-          </p:cNvCxnSpPr>
-          <p:nvPr/>
-        </p:nvCxnSpPr>
-        <p:spPr>
-          <a:xfrm>
-            <a:off x="7277995" y="3034891"/>
-            <a:ext cx="434402" cy="641172"/>
-          </a:xfrm>
-          <a:prstGeom prst="bentConnector3">
-            <a:avLst/>
-          </a:prstGeom>
-          <a:ln w="19050">
-            <a:solidFill>
-              <a:srgbClr val="7030A0"/>
-            </a:solidFill>
-            <a:headEnd type="none" w="med" len="med"/>
-            <a:tailEnd type="arrow" w="med" len="med"/>
-          </a:ln>
-          <a:effectLst/>
-        </p:spPr>
-        <p:style>
-          <a:lnRef idx="1">
-            <a:schemeClr val="accent2"/>
-          </a:lnRef>
-          <a:fillRef idx="2">
-            <a:schemeClr val="accent2"/>
-          </a:fillRef>
-          <a:effectRef idx="1">
-            <a:schemeClr val="accent2"/>
-          </a:effectRef>
-          <a:fontRef idx="minor">
-            <a:schemeClr val="dk1"/>
+            <a:schemeClr val="tx1"/>
           </a:fontRef>
         </p:style>
       </p:cxnSp>
       <p:cxnSp>
         <p:nvCxnSpPr>
-          <p:cNvPr id="97" name="Elbow Connector 63"/>
-          <p:cNvCxnSpPr>
-            <a:cxnSpLocks/>
-            <a:stCxn id="99" idx="3"/>
-          </p:cNvCxnSpPr>
-          <p:nvPr/>
-        </p:nvCxnSpPr>
-        <p:spPr>
-          <a:xfrm rot="16200000" flipH="1">
-            <a:off x="3566454" y="2680653"/>
-            <a:ext cx="274076" cy="1"/>
-          </a:xfrm>
-          <a:prstGeom prst="bentConnector3">
-            <a:avLst>
-              <a:gd name="adj1" fmla="val 50000"/>
-            </a:avLst>
-          </a:prstGeom>
-          <a:ln w="19050">
-            <a:solidFill>
-              <a:srgbClr val="7030A0"/>
-            </a:solidFill>
-            <a:prstDash val="sysDot"/>
-            <a:headEnd type="none" w="med" len="med"/>
-            <a:tailEnd type="none" w="med" len="med"/>
-          </a:ln>
-          <a:effectLst/>
-        </p:spPr>
-        <p:style>
-          <a:lnRef idx="1">
-            <a:schemeClr val="accent2"/>
-          </a:lnRef>
-          <a:fillRef idx="2">
-            <a:schemeClr val="accent2"/>
-          </a:fillRef>
-          <a:effectRef idx="1">
-            <a:schemeClr val="accent2"/>
-          </a:effectRef>
-          <a:fontRef idx="minor">
-            <a:schemeClr val="dk1"/>
-          </a:fontRef>
-        </p:style>
-      </p:cxnSp>
-      <p:sp>
-        <p:nvSpPr>
-          <p:cNvPr id="99" name="Isosceles Triangle 102"/>
-          <p:cNvSpPr/>
-          <p:nvPr/>
-        </p:nvSpPr>
-        <p:spPr>
-          <a:xfrm rot="10800000" flipV="1">
-            <a:off x="3562299" y="2386554"/>
-            <a:ext cx="282387" cy="157062"/>
-          </a:xfrm>
-          <a:prstGeom prst="triangle">
-            <a:avLst/>
-          </a:prstGeom>
-          <a:solidFill>
-            <a:schemeClr val="accent4">
-              <a:lumMod val="20000"/>
-              <a:lumOff val="80000"/>
-            </a:schemeClr>
-          </a:solidFill>
-          <a:ln w="19050">
-            <a:solidFill>
-              <a:srgbClr val="7030A0"/>
-            </a:solidFill>
-          </a:ln>
-          <a:effectLst/>
-        </p:spPr>
-        <p:style>
-          <a:lnRef idx="1">
-            <a:schemeClr val="accent4"/>
-          </a:lnRef>
-          <a:fillRef idx="2">
-            <a:schemeClr val="accent4"/>
-          </a:fillRef>
-          <a:effectRef idx="1">
-            <a:schemeClr val="accent4"/>
-          </a:effectRef>
-          <a:fontRef idx="minor">
-            <a:schemeClr val="dk1"/>
-          </a:fontRef>
-        </p:style>
-        <p:txBody>
-          <a:bodyPr rtlCol="0" anchor="ctr"/>
-          <a:lstStyle/>
-          <a:p>
-            <a:pPr algn="ctr"/>
-            <a:endParaRPr lang="en-SG" sz="1050" b="1">
-              <a:solidFill>
-                <a:srgbClr val="92D050"/>
-              </a:solidFill>
-            </a:endParaRPr>
-          </a:p>
-        </p:txBody>
-      </p:sp>
-      <p:sp>
-        <p:nvSpPr>
-          <p:cNvPr id="100" name="Rectangle 8"/>
-          <p:cNvSpPr/>
-          <p:nvPr/>
-        </p:nvSpPr>
-        <p:spPr>
-          <a:xfrm>
-            <a:off x="1260922" y="1998350"/>
-            <a:ext cx="1443661" cy="364396"/>
-          </a:xfrm>
-          <a:prstGeom prst="rect">
-            <a:avLst/>
-          </a:prstGeom>
-          <a:ln w="19050">
-            <a:solidFill>
-              <a:srgbClr val="7030A0"/>
-            </a:solidFill>
-          </a:ln>
-          <a:effectLst/>
-        </p:spPr>
-        <p:style>
-          <a:lnRef idx="1">
-            <a:schemeClr val="accent4"/>
-          </a:lnRef>
-          <a:fillRef idx="2">
-            <a:schemeClr val="accent4"/>
-          </a:fillRef>
-          <a:effectRef idx="1">
-            <a:schemeClr val="accent4"/>
-          </a:effectRef>
-          <a:fontRef idx="minor">
-            <a:schemeClr val="dk1"/>
-          </a:fontRef>
-        </p:style>
-        <p:txBody>
-          <a:bodyPr rtlCol="0" anchor="ctr"/>
-          <a:lstStyle/>
-          <a:p>
-            <a:pPr algn="ctr"/>
-            <a:r>
-              <a:rPr lang="en-US" sz="1050" dirty="0">
-                <a:solidFill>
-                  <a:srgbClr val="7030A0"/>
-                </a:solidFill>
-              </a:rPr>
-              <a:t>&lt;&lt;interface&gt;&gt;</a:t>
-            </a:r>
-            <a:br>
-              <a:rPr lang="en-US" sz="1050" dirty="0">
-                <a:solidFill>
-                  <a:srgbClr val="7030A0"/>
-                </a:solidFill>
-              </a:rPr>
-            </a:br>
-            <a:r>
-              <a:rPr lang="en-US" sz="1050" dirty="0" err="1">
-                <a:solidFill>
-                  <a:srgbClr val="7030A0"/>
-                </a:solidFill>
-              </a:rPr>
-              <a:t>ReadOnlyAddressBook</a:t>
-            </a:r>
-            <a:endParaRPr lang="en-SG" sz="1050" dirty="0">
-              <a:solidFill>
-                <a:srgbClr val="7030A0"/>
-              </a:solidFill>
-            </a:endParaRPr>
-          </a:p>
-        </p:txBody>
-      </p:sp>
-      <p:sp>
-        <p:nvSpPr>
-          <p:cNvPr id="114" name="TextBox 113"/>
-          <p:cNvSpPr txBox="1"/>
-          <p:nvPr/>
-        </p:nvSpPr>
-        <p:spPr>
-          <a:xfrm rot="16200000">
-            <a:off x="6362886" y="3586305"/>
-            <a:ext cx="881018" cy="261610"/>
-          </a:xfrm>
-          <a:prstGeom prst="rect">
-            <a:avLst/>
-          </a:prstGeom>
-          <a:noFill/>
-        </p:spPr>
-        <p:txBody>
-          <a:bodyPr wrap="square" rtlCol="0">
-            <a:spAutoFit/>
-          </a:bodyPr>
-          <a:lstStyle/>
-          <a:p>
-            <a:pPr algn="r"/>
-            <a:r>
-              <a:rPr lang="en-US" sz="1100" dirty="0">
-                <a:solidFill>
-                  <a:srgbClr val="7030A0"/>
-                </a:solidFill>
-              </a:rPr>
-              <a:t>filtered list</a:t>
-            </a:r>
-            <a:endParaRPr lang="en-SG" sz="1100" dirty="0">
-              <a:solidFill>
-                <a:srgbClr val="7030A0"/>
-              </a:solidFill>
-            </a:endParaRPr>
-          </a:p>
-        </p:txBody>
-      </p:sp>
-      <p:sp>
-        <p:nvSpPr>
-          <p:cNvPr id="122" name="Rectangle 8"/>
-          <p:cNvSpPr/>
-          <p:nvPr/>
-        </p:nvSpPr>
-        <p:spPr>
-          <a:xfrm>
-            <a:off x="2057401" y="4239491"/>
-            <a:ext cx="1066800" cy="346760"/>
-          </a:xfrm>
-          <a:prstGeom prst="rect">
-            <a:avLst/>
-          </a:prstGeom>
-          <a:ln w="19050">
-            <a:solidFill>
-              <a:srgbClr val="7030A0"/>
-            </a:solidFill>
-          </a:ln>
-          <a:effectLst/>
-        </p:spPr>
-        <p:style>
-          <a:lnRef idx="1">
-            <a:schemeClr val="accent4"/>
-          </a:lnRef>
-          <a:fillRef idx="2">
-            <a:schemeClr val="accent4"/>
-          </a:fillRef>
-          <a:effectRef idx="1">
-            <a:schemeClr val="accent4"/>
-          </a:effectRef>
-          <a:fontRef idx="minor">
-            <a:schemeClr val="dk1"/>
-          </a:fontRef>
-        </p:style>
-        <p:txBody>
-          <a:bodyPr rtlCol="0" anchor="ctr"/>
-          <a:lstStyle/>
-          <a:p>
-            <a:pPr algn="ctr"/>
-            <a:r>
-              <a:rPr lang="en-US" sz="1050" dirty="0">
-                <a:solidFill>
-                  <a:srgbClr val="7030A0"/>
-                </a:solidFill>
-              </a:rPr>
-              <a:t>&lt;&lt;interface&gt;&gt;</a:t>
-            </a:r>
-            <a:br>
-              <a:rPr lang="en-US" sz="1050">
-                <a:solidFill>
-                  <a:srgbClr val="7030A0"/>
-                </a:solidFill>
-              </a:rPr>
-            </a:br>
-            <a:r>
-              <a:rPr lang="en-US" sz="1050" dirty="0" err="1">
-                <a:solidFill>
-                  <a:srgbClr val="7030A0"/>
-                </a:solidFill>
-              </a:rPr>
-              <a:t>ObservableList</a:t>
-            </a:r>
-            <a:endParaRPr lang="en-SG" sz="1050" dirty="0">
-              <a:solidFill>
-                <a:srgbClr val="7030A0"/>
-              </a:solidFill>
-            </a:endParaRPr>
-          </a:p>
-        </p:txBody>
-      </p:sp>
-      <p:cxnSp>
-        <p:nvCxnSpPr>
-          <p:cNvPr id="124" name="Elbow Connector 122"/>
-          <p:cNvCxnSpPr>
-            <a:stCxn id="119" idx="1"/>
-            <a:endCxn id="122" idx="1"/>
-          </p:cNvCxnSpPr>
-          <p:nvPr/>
-        </p:nvCxnSpPr>
-        <p:spPr>
-          <a:xfrm rot="16200000" flipH="1">
-            <a:off x="1364475" y="3719944"/>
-            <a:ext cx="831471" cy="554381"/>
-          </a:xfrm>
-          <a:prstGeom prst="bentConnector2">
-            <a:avLst/>
-          </a:prstGeom>
-          <a:ln w="19050">
-            <a:solidFill>
-              <a:srgbClr val="7030A0"/>
-            </a:solidFill>
-            <a:prstDash val="sysDot"/>
-            <a:headEnd type="none" w="med" len="med"/>
-            <a:tailEnd type="arrow" w="med" len="med"/>
-          </a:ln>
-          <a:effectLst/>
-        </p:spPr>
-        <p:style>
-          <a:lnRef idx="1">
-            <a:schemeClr val="accent2"/>
-          </a:lnRef>
-          <a:fillRef idx="2">
-            <a:schemeClr val="accent2"/>
-          </a:fillRef>
-          <a:effectRef idx="1">
-            <a:schemeClr val="accent2"/>
-          </a:effectRef>
-          <a:fontRef idx="minor">
-            <a:schemeClr val="dk1"/>
-          </a:fontRef>
-        </p:style>
-      </p:cxnSp>
-      <p:sp>
-        <p:nvSpPr>
-          <p:cNvPr id="54" name="TextBox 53"/>
-          <p:cNvSpPr txBox="1"/>
-          <p:nvPr/>
-        </p:nvSpPr>
-        <p:spPr>
-          <a:xfrm>
-            <a:off x="4429979" y="3111479"/>
-            <a:ext cx="189257" cy="178683"/>
-          </a:xfrm>
-          <a:prstGeom prst="rect">
-            <a:avLst/>
-          </a:prstGeom>
-          <a:noFill/>
-        </p:spPr>
-        <p:txBody>
-          <a:bodyPr wrap="square" lIns="0" tIns="0" rIns="0" bIns="0" rtlCol="0">
-            <a:noAutofit/>
-          </a:bodyPr>
-          <a:lstStyle/>
-          <a:p>
-            <a:pPr algn="ctr"/>
-            <a:r>
-              <a:rPr lang="en-US" sz="1100" dirty="0">
-                <a:solidFill>
-                  <a:srgbClr val="7030A0"/>
-                </a:solidFill>
-              </a:rPr>
-              <a:t>1</a:t>
-            </a:r>
-            <a:endParaRPr lang="en-SG" sz="1100" dirty="0">
-              <a:solidFill>
-                <a:srgbClr val="7030A0"/>
-              </a:solidFill>
-            </a:endParaRPr>
-          </a:p>
-        </p:txBody>
-      </p:sp>
-      <p:sp>
-        <p:nvSpPr>
-          <p:cNvPr id="61" name="TextBox 60"/>
-          <p:cNvSpPr txBox="1"/>
-          <p:nvPr/>
-        </p:nvSpPr>
-        <p:spPr>
-          <a:xfrm>
-            <a:off x="6135256" y="3097917"/>
-            <a:ext cx="189257" cy="178683"/>
-          </a:xfrm>
-          <a:prstGeom prst="rect">
-            <a:avLst/>
-          </a:prstGeom>
-          <a:noFill/>
-        </p:spPr>
-        <p:txBody>
-          <a:bodyPr wrap="square" lIns="0" tIns="0" rIns="0" bIns="0" rtlCol="0">
-            <a:noAutofit/>
-          </a:bodyPr>
-          <a:lstStyle/>
-          <a:p>
-            <a:pPr algn="ctr"/>
-            <a:r>
-              <a:rPr lang="en-US" sz="1100" dirty="0">
-                <a:solidFill>
-                  <a:srgbClr val="7030A0"/>
-                </a:solidFill>
-              </a:rPr>
-              <a:t>*</a:t>
-            </a:r>
-            <a:endParaRPr lang="en-SG" sz="1100" dirty="0">
-              <a:solidFill>
-                <a:srgbClr val="7030A0"/>
-              </a:solidFill>
-            </a:endParaRPr>
-          </a:p>
-        </p:txBody>
-      </p:sp>
-      <p:sp>
-        <p:nvSpPr>
-          <p:cNvPr id="65" name="TextBox 64"/>
-          <p:cNvSpPr txBox="1"/>
-          <p:nvPr/>
-        </p:nvSpPr>
-        <p:spPr>
-          <a:xfrm>
-            <a:off x="2573394" y="2756715"/>
-            <a:ext cx="170110" cy="137542"/>
-          </a:xfrm>
-          <a:prstGeom prst="rect">
-            <a:avLst/>
-          </a:prstGeom>
-          <a:noFill/>
-        </p:spPr>
-        <p:txBody>
-          <a:bodyPr wrap="square" lIns="0" tIns="0" rIns="0" bIns="0" rtlCol="0">
-            <a:noAutofit/>
-          </a:bodyPr>
-          <a:lstStyle/>
-          <a:p>
-            <a:pPr algn="ctr"/>
-            <a:r>
-              <a:rPr lang="en-US" sz="1100" dirty="0">
-                <a:solidFill>
-                  <a:srgbClr val="7030A0"/>
-                </a:solidFill>
-              </a:rPr>
-              <a:t>1</a:t>
-            </a:r>
-            <a:endParaRPr lang="en-SG" sz="1100" dirty="0">
-              <a:solidFill>
-                <a:srgbClr val="7030A0"/>
-              </a:solidFill>
-            </a:endParaRPr>
-          </a:p>
-        </p:txBody>
-      </p:sp>
-      <p:sp>
-        <p:nvSpPr>
-          <p:cNvPr id="66" name="TextBox 65"/>
-          <p:cNvSpPr txBox="1"/>
-          <p:nvPr/>
-        </p:nvSpPr>
-        <p:spPr>
-          <a:xfrm>
-            <a:off x="2630191" y="3667737"/>
-            <a:ext cx="189257" cy="178683"/>
-          </a:xfrm>
-          <a:prstGeom prst="rect">
-            <a:avLst/>
-          </a:prstGeom>
-          <a:noFill/>
-        </p:spPr>
-        <p:txBody>
-          <a:bodyPr wrap="square" lIns="0" tIns="0" rIns="0" bIns="0" rtlCol="0">
-            <a:noAutofit/>
-          </a:bodyPr>
-          <a:lstStyle/>
-          <a:p>
-            <a:pPr algn="ctr"/>
-            <a:r>
-              <a:rPr lang="en-US" sz="1100" dirty="0">
-                <a:solidFill>
-                  <a:srgbClr val="7030A0"/>
-                </a:solidFill>
-              </a:rPr>
-              <a:t>1</a:t>
-            </a:r>
-            <a:endParaRPr lang="en-SG" sz="1100" dirty="0">
-              <a:solidFill>
-                <a:srgbClr val="7030A0"/>
-              </a:solidFill>
-            </a:endParaRPr>
-          </a:p>
-        </p:txBody>
-      </p:sp>
-      <p:sp>
-        <p:nvSpPr>
-          <p:cNvPr id="70" name="TextBox 69"/>
-          <p:cNvSpPr txBox="1"/>
-          <p:nvPr/>
-        </p:nvSpPr>
-        <p:spPr>
-          <a:xfrm>
-            <a:off x="6449896" y="3204826"/>
-            <a:ext cx="189257" cy="178683"/>
-          </a:xfrm>
-          <a:prstGeom prst="rect">
-            <a:avLst/>
-          </a:prstGeom>
-          <a:noFill/>
-        </p:spPr>
-        <p:txBody>
-          <a:bodyPr wrap="square" lIns="0" tIns="0" rIns="0" bIns="0" rtlCol="0">
-            <a:noAutofit/>
-          </a:bodyPr>
-          <a:lstStyle/>
-          <a:p>
-            <a:pPr algn="ctr"/>
-            <a:r>
-              <a:rPr lang="en-US" sz="1100" dirty="0">
-                <a:solidFill>
-                  <a:srgbClr val="7030A0"/>
-                </a:solidFill>
-              </a:rPr>
-              <a:t>1</a:t>
-            </a:r>
-            <a:endParaRPr lang="en-SG" sz="1100" dirty="0">
-              <a:solidFill>
-                <a:srgbClr val="7030A0"/>
-              </a:solidFill>
-            </a:endParaRPr>
-          </a:p>
-        </p:txBody>
-      </p:sp>
-      <p:sp>
-        <p:nvSpPr>
-          <p:cNvPr id="52" name="Rectangle 8">
+          <p:cNvPr id="229" name="Straight Arrow Connector 228">
             <a:extLst>
               <a:ext uri="{FF2B5EF4-FFF2-40B4-BE49-F238E27FC236}">
-                <a16:creationId xmlns:a16="http://schemas.microsoft.com/office/drawing/2014/main" id="{ABDCDBD2-131A-4B66-A2F2-43BBEE82C773}"/>
-              </a:ext>
-            </a:extLst>
-          </p:cNvPr>
-          <p:cNvSpPr/>
-          <p:nvPr/>
-        </p:nvSpPr>
-        <p:spPr>
-          <a:xfrm>
-            <a:off x="7712397" y="2228817"/>
-            <a:ext cx="708186" cy="285783"/>
-          </a:xfrm>
-          <a:prstGeom prst="rect">
-            <a:avLst/>
-          </a:prstGeom>
-          <a:ln w="19050">
-            <a:solidFill>
-              <a:srgbClr val="7030A0"/>
-            </a:solidFill>
-          </a:ln>
-          <a:effectLst/>
-        </p:spPr>
-        <p:style>
-          <a:lnRef idx="1">
-            <a:schemeClr val="accent4"/>
-          </a:lnRef>
-          <a:fillRef idx="2">
-            <a:schemeClr val="accent4"/>
-          </a:fillRef>
-          <a:effectRef idx="1">
-            <a:schemeClr val="accent4"/>
-          </a:effectRef>
-          <a:fontRef idx="minor">
-            <a:schemeClr val="dk1"/>
-          </a:fontRef>
-        </p:style>
-        <p:txBody>
-          <a:bodyPr rtlCol="0" anchor="ctr"/>
-          <a:lstStyle/>
-          <a:p>
-            <a:pPr algn="ctr"/>
-            <a:r>
-              <a:rPr lang="en-US" sz="1050" dirty="0">
-                <a:solidFill>
-                  <a:srgbClr val="7030A0"/>
-                </a:solidFill>
-              </a:rPr>
-              <a:t>Tag</a:t>
-            </a:r>
-            <a:endParaRPr lang="en-SG" sz="1050" dirty="0">
-              <a:solidFill>
-                <a:srgbClr val="7030A0"/>
-              </a:solidFill>
-            </a:endParaRPr>
-          </a:p>
-        </p:txBody>
-      </p:sp>
-      <p:cxnSp>
-        <p:nvCxnSpPr>
-          <p:cNvPr id="53" name="Elbow Connector 78">
-            <a:extLst>
-              <a:ext uri="{FF2B5EF4-FFF2-40B4-BE49-F238E27FC236}">
-                <a16:creationId xmlns:a16="http://schemas.microsoft.com/office/drawing/2014/main" id="{B97967F8-618A-448B-81FD-CDFD4AF0EC64}"/>
+                <a16:creationId xmlns:a16="http://schemas.microsoft.com/office/drawing/2014/main" id="{2450E889-C3AF-E84E-8129-3281B707BA6A}"/>
               </a:ext>
             </a:extLst>
           </p:cNvPr>
           <p:cNvCxnSpPr>
             <a:cxnSpLocks/>
-            <a:stCxn id="78" idx="3"/>
-            <a:endCxn id="52" idx="1"/>
           </p:cNvCxnSpPr>
           <p:nvPr/>
         </p:nvCxnSpPr>
         <p:spPr>
-          <a:xfrm flipV="1">
-            <a:off x="7277995" y="2371709"/>
-            <a:ext cx="434402" cy="663182"/>
-          </a:xfrm>
-          <a:prstGeom prst="bentConnector3">
-            <a:avLst>
-              <a:gd name="adj1" fmla="val 50000"/>
-            </a:avLst>
-          </a:prstGeom>
-          <a:ln w="19050">
-            <a:solidFill>
-              <a:srgbClr val="7030A0"/>
-            </a:solidFill>
-            <a:headEnd type="none" w="med" len="med"/>
-            <a:tailEnd type="arrow" w="med" len="med"/>
+          <a:xfrm>
+            <a:off x="5909239" y="4263785"/>
+            <a:ext cx="585242" cy="0"/>
+          </a:xfrm>
+          <a:prstGeom prst="straightConnector1">
+            <a:avLst/>
+          </a:prstGeom>
+          <a:ln>
+            <a:tailEnd type="none"/>
           </a:ln>
-          <a:effectLst/>
         </p:spPr>
         <p:style>
           <a:lnRef idx="1">
-            <a:schemeClr val="accent2"/>
+            <a:schemeClr val="accent1"/>
           </a:lnRef>
-          <a:fillRef idx="2">
-            <a:schemeClr val="accent2"/>
+          <a:fillRef idx="0">
+            <a:schemeClr val="accent1"/>
           </a:fillRef>
-          <a:effectRef idx="1">
-            <a:schemeClr val="accent2"/>
+          <a:effectRef idx="0">
+            <a:schemeClr val="accent1"/>
           </a:effectRef>
           <a:fontRef idx="minor">
-            <a:schemeClr val="dk1"/>
+            <a:schemeClr val="tx1"/>
           </a:fontRef>
         </p:style>
       </p:cxnSp>
       <p:sp>
         <p:nvSpPr>
-          <p:cNvPr id="50" name="TextBox 49">
+          <p:cNvPr id="230" name="TextBox 229">
             <a:extLst>
               <a:ext uri="{FF2B5EF4-FFF2-40B4-BE49-F238E27FC236}">
-                <a16:creationId xmlns:a16="http://schemas.microsoft.com/office/drawing/2014/main" id="{B3FA9D57-880F-49C4-AD0B-A64E30D6F403}"/>
+                <a16:creationId xmlns:a16="http://schemas.microsoft.com/office/drawing/2014/main" id="{045B9FE4-3491-0C44-B7BF-4FE3D4CA222E}"/>
               </a:ext>
             </a:extLst>
           </p:cNvPr>
@@ -5415,8 +6481,8 @@
         </p:nvSpPr>
         <p:spPr>
           <a:xfrm>
-            <a:off x="7466243" y="2255711"/>
-            <a:ext cx="189257" cy="178683"/>
+            <a:off x="6246685" y="902122"/>
+            <a:ext cx="277005" cy="246221"/>
           </a:xfrm>
           <a:prstGeom prst="rect">
             <a:avLst/>
@@ -5424,403 +6490,158 @@
           <a:noFill/>
         </p:spPr>
         <p:txBody>
-          <a:bodyPr wrap="square" lIns="0" tIns="0" rIns="0" bIns="0" rtlCol="0">
-            <a:noAutofit/>
+          <a:bodyPr wrap="square" rtlCol="0">
+            <a:spAutoFit/>
           </a:bodyPr>
           <a:lstStyle/>
           <a:p>
-            <a:pPr algn="ctr"/>
-            <a:r>
-              <a:rPr lang="en-US" sz="1100" dirty="0">
-                <a:solidFill>
-                  <a:srgbClr val="7030A0"/>
-                </a:solidFill>
-              </a:rPr>
-              <a:t>*</a:t>
-            </a:r>
-            <a:endParaRPr lang="en-SG" sz="1100" dirty="0">
-              <a:solidFill>
-                <a:srgbClr val="7030A0"/>
-              </a:solidFill>
-            </a:endParaRPr>
-          </a:p>
-        </p:txBody>
-      </p:sp>
-      <p:sp>
-        <p:nvSpPr>
-          <p:cNvPr id="55" name="Rectangle 8"/>
-          <p:cNvSpPr/>
-          <p:nvPr/>
-        </p:nvSpPr>
-        <p:spPr>
-          <a:xfrm>
-            <a:off x="3170181" y="1998350"/>
-            <a:ext cx="1060683" cy="364396"/>
-          </a:xfrm>
-          <a:prstGeom prst="rect">
-            <a:avLst/>
-          </a:prstGeom>
-          <a:ln w="19050">
-            <a:solidFill>
-              <a:srgbClr val="7030A0"/>
-            </a:solidFill>
-          </a:ln>
-          <a:effectLst/>
-        </p:spPr>
-        <p:style>
-          <a:lnRef idx="1">
-            <a:schemeClr val="accent4"/>
-          </a:lnRef>
-          <a:fillRef idx="2">
-            <a:schemeClr val="accent4"/>
-          </a:fillRef>
-          <a:effectRef idx="1">
-            <a:schemeClr val="accent4"/>
-          </a:effectRef>
-          <a:fontRef idx="minor">
-            <a:schemeClr val="dk1"/>
-          </a:fontRef>
-        </p:style>
-        <p:txBody>
-          <a:bodyPr rtlCol="0" anchor="ctr"/>
-          <a:lstStyle/>
-          <a:p>
-            <a:pPr algn="ctr"/>
-            <a:r>
-              <a:rPr lang="en-US" sz="1050" dirty="0" err="1">
-                <a:solidFill>
-                  <a:srgbClr val="7030A0"/>
-                </a:solidFill>
-              </a:rPr>
-              <a:t>AddressBook</a:t>
-            </a:r>
-            <a:endParaRPr lang="en-SG" sz="1050" dirty="0">
-              <a:solidFill>
-                <a:srgbClr val="7030A0"/>
-              </a:solidFill>
-            </a:endParaRPr>
-          </a:p>
-        </p:txBody>
-      </p:sp>
-      <p:cxnSp>
-        <p:nvCxnSpPr>
-          <p:cNvPr id="60" name="Straight Arrow Connector 59"/>
-          <p:cNvCxnSpPr>
-            <a:stCxn id="51" idx="1"/>
-            <a:endCxn id="49" idx="1"/>
-          </p:cNvCxnSpPr>
-          <p:nvPr/>
-        </p:nvCxnSpPr>
-        <p:spPr>
-          <a:xfrm>
-            <a:off x="4324972" y="3007222"/>
-            <a:ext cx="367678" cy="12320"/>
-          </a:xfrm>
-          <a:prstGeom prst="straightConnector1">
-            <a:avLst/>
-          </a:prstGeom>
-          <a:ln w="19050">
-            <a:solidFill>
-              <a:srgbClr val="7030A0"/>
-            </a:solidFill>
-            <a:headEnd type="none" w="med" len="med"/>
-            <a:tailEnd type="arrow" w="med" len="med"/>
-          </a:ln>
-          <a:effectLst/>
-        </p:spPr>
-        <p:style>
-          <a:lnRef idx="1">
-            <a:schemeClr val="accent2"/>
-          </a:lnRef>
-          <a:fillRef idx="2">
-            <a:schemeClr val="accent2"/>
-          </a:fillRef>
-          <a:effectRef idx="1">
-            <a:schemeClr val="accent2"/>
-          </a:effectRef>
-          <a:fontRef idx="minor">
-            <a:schemeClr val="dk1"/>
-          </a:fontRef>
-        </p:style>
-      </p:cxnSp>
-      <p:sp>
-        <p:nvSpPr>
-          <p:cNvPr id="68" name="Isosceles Triangle 102"/>
-          <p:cNvSpPr/>
-          <p:nvPr/>
-        </p:nvSpPr>
-        <p:spPr>
-          <a:xfrm rot="16200000">
-            <a:off x="2669073" y="2069158"/>
-            <a:ext cx="271014" cy="187417"/>
-          </a:xfrm>
-          <a:prstGeom prst="triangle">
-            <a:avLst>
-              <a:gd name="adj" fmla="val 44517"/>
-            </a:avLst>
-          </a:prstGeom>
-          <a:solidFill>
-            <a:schemeClr val="accent4">
-              <a:lumMod val="20000"/>
-              <a:lumOff val="80000"/>
-            </a:schemeClr>
-          </a:solidFill>
-          <a:ln w="19050">
-            <a:solidFill>
-              <a:srgbClr val="7030A0"/>
-            </a:solidFill>
-          </a:ln>
-          <a:effectLst/>
-        </p:spPr>
-        <p:style>
-          <a:lnRef idx="1">
-            <a:schemeClr val="accent6"/>
-          </a:lnRef>
-          <a:fillRef idx="2">
-            <a:schemeClr val="accent6"/>
-          </a:fillRef>
-          <a:effectRef idx="1">
-            <a:schemeClr val="accent6"/>
-          </a:effectRef>
-          <a:fontRef idx="minor">
-            <a:schemeClr val="dk1"/>
-          </a:fontRef>
-        </p:style>
-        <p:txBody>
-          <a:bodyPr rtlCol="0" anchor="ctr"/>
-          <a:lstStyle/>
-          <a:p>
-            <a:pPr algn="ctr"/>
-            <a:endParaRPr lang="en-SG" sz="1050"/>
-          </a:p>
-        </p:txBody>
-      </p:sp>
-      <p:cxnSp>
-        <p:nvCxnSpPr>
-          <p:cNvPr id="69" name="Elbow Connector 63"/>
-          <p:cNvCxnSpPr>
-            <a:stCxn id="68" idx="3"/>
-            <a:endCxn id="55" idx="1"/>
-          </p:cNvCxnSpPr>
-          <p:nvPr/>
-        </p:nvCxnSpPr>
-        <p:spPr>
-          <a:xfrm>
-            <a:off x="2898289" y="2177727"/>
-            <a:ext cx="271892" cy="2821"/>
-          </a:xfrm>
-          <a:prstGeom prst="bentConnector3">
-            <a:avLst>
-              <a:gd name="adj1" fmla="val 50000"/>
-            </a:avLst>
-          </a:prstGeom>
-          <a:ln w="19050">
-            <a:solidFill>
-              <a:srgbClr val="7030A0"/>
-            </a:solidFill>
-            <a:prstDash val="sysDot"/>
-            <a:headEnd type="none" w="med" len="med"/>
-            <a:tailEnd type="none" w="med" len="med"/>
-          </a:ln>
-          <a:effectLst/>
-        </p:spPr>
-        <p:style>
-          <a:lnRef idx="1">
-            <a:schemeClr val="accent2"/>
-          </a:lnRef>
-          <a:fillRef idx="2">
-            <a:schemeClr val="accent2"/>
-          </a:fillRef>
-          <a:effectRef idx="1">
-            <a:schemeClr val="accent2"/>
-          </a:effectRef>
-          <a:fontRef idx="minor">
-            <a:schemeClr val="dk1"/>
-          </a:fontRef>
-        </p:style>
-      </p:cxnSp>
-      <p:sp>
-        <p:nvSpPr>
-          <p:cNvPr id="57" name="Rectangle 8">
+            <a:r>
+              <a:rPr lang="en-US" sz="1000" dirty="0"/>
+              <a:t>1</a:t>
+            </a:r>
+          </a:p>
+        </p:txBody>
+      </p:sp>
+      <p:sp>
+        <p:nvSpPr>
+          <p:cNvPr id="231" name="TextBox 230">
             <a:extLst>
               <a:ext uri="{FF2B5EF4-FFF2-40B4-BE49-F238E27FC236}">
-                <a16:creationId xmlns:a16="http://schemas.microsoft.com/office/drawing/2014/main" id="{6A42DA50-9012-4391-9EF3-285E4FA3FCD8}"/>
+                <a16:creationId xmlns:a16="http://schemas.microsoft.com/office/drawing/2014/main" id="{5A239A55-85C6-6B49-AA01-8519642AEE8C}"/>
               </a:ext>
             </a:extLst>
           </p:cNvPr>
-          <p:cNvSpPr/>
+          <p:cNvSpPr txBox="1"/>
           <p:nvPr/>
         </p:nvSpPr>
         <p:spPr>
           <a:xfrm>
-            <a:off x="4238892" y="3460864"/>
-            <a:ext cx="1293486" cy="346760"/>
+            <a:off x="6240927" y="1479986"/>
+            <a:ext cx="277005" cy="246221"/>
           </a:xfrm>
           <a:prstGeom prst="rect">
             <a:avLst/>
           </a:prstGeom>
-          <a:ln w="19050">
-            <a:solidFill>
-              <a:srgbClr val="7030A0"/>
-            </a:solidFill>
-          </a:ln>
-          <a:effectLst/>
-        </p:spPr>
-        <p:style>
-          <a:lnRef idx="1">
-            <a:schemeClr val="accent4"/>
-          </a:lnRef>
-          <a:fillRef idx="2">
-            <a:schemeClr val="accent4"/>
-          </a:fillRef>
-          <a:effectRef idx="1">
-            <a:schemeClr val="accent4"/>
-          </a:effectRef>
-          <a:fontRef idx="minor">
-            <a:schemeClr val="dk1"/>
-          </a:fontRef>
-        </p:style>
-        <p:txBody>
-          <a:bodyPr rtlCol="0" anchor="ctr"/>
-          <a:lstStyle/>
-          <a:p>
-            <a:pPr algn="ctr"/>
-            <a:r>
-              <a:rPr lang="en-US" sz="1050" dirty="0">
-                <a:solidFill>
-                  <a:srgbClr val="7030A0"/>
-                </a:solidFill>
-              </a:rPr>
-              <a:t>&lt;&lt;interface&gt;&gt;</a:t>
-            </a:r>
-          </a:p>
-          <a:p>
-            <a:pPr algn="ctr"/>
-            <a:r>
-              <a:rPr lang="en-US" sz="1050" dirty="0" err="1">
-                <a:solidFill>
-                  <a:srgbClr val="7030A0"/>
-                </a:solidFill>
-              </a:rPr>
-              <a:t>ReadOnlyUserPrefs</a:t>
-            </a:r>
-            <a:endParaRPr lang="en-SG" sz="1050" dirty="0">
-              <a:solidFill>
-                <a:srgbClr val="7030A0"/>
-              </a:solidFill>
-            </a:endParaRPr>
-          </a:p>
-        </p:txBody>
-      </p:sp>
-      <p:sp>
-        <p:nvSpPr>
-          <p:cNvPr id="59" name="Isosceles Triangle 102">
+          <a:noFill/>
+        </p:spPr>
+        <p:txBody>
+          <a:bodyPr wrap="square" rtlCol="0">
+            <a:spAutoFit/>
+          </a:bodyPr>
+          <a:lstStyle/>
+          <a:p>
+            <a:r>
+              <a:rPr lang="en-US" sz="1000" dirty="0"/>
+              <a:t>1</a:t>
+            </a:r>
+          </a:p>
+        </p:txBody>
+      </p:sp>
+      <p:sp>
+        <p:nvSpPr>
+          <p:cNvPr id="232" name="TextBox 231">
             <a:extLst>
               <a:ext uri="{FF2B5EF4-FFF2-40B4-BE49-F238E27FC236}">
-                <a16:creationId xmlns:a16="http://schemas.microsoft.com/office/drawing/2014/main" id="{B263B2D7-6E76-465E-B40E-7E2A46254A84}"/>
+                <a16:creationId xmlns:a16="http://schemas.microsoft.com/office/drawing/2014/main" id="{35976A46-2835-5048-BC0D-3B8CCC8EC1E5}"/>
               </a:ext>
             </a:extLst>
           </p:cNvPr>
-          <p:cNvSpPr/>
+          <p:cNvSpPr txBox="1"/>
           <p:nvPr/>
         </p:nvSpPr>
         <p:spPr>
-          <a:xfrm rot="5400000" flipH="1">
-            <a:off x="3992636" y="3514414"/>
-            <a:ext cx="271014" cy="221497"/>
-          </a:xfrm>
-          <a:prstGeom prst="triangle">
-            <a:avLst>
-              <a:gd name="adj" fmla="val 44517"/>
-            </a:avLst>
-          </a:prstGeom>
-          <a:solidFill>
-            <a:schemeClr val="accent4">
-              <a:lumMod val="20000"/>
-              <a:lumOff val="80000"/>
-            </a:schemeClr>
-          </a:solidFill>
-          <a:ln w="19050">
-            <a:solidFill>
-              <a:srgbClr val="7030A0"/>
-            </a:solidFill>
-          </a:ln>
-          <a:effectLst/>
-        </p:spPr>
-        <p:style>
-          <a:lnRef idx="1">
-            <a:schemeClr val="accent6"/>
-          </a:lnRef>
-          <a:fillRef idx="2">
-            <a:schemeClr val="accent6"/>
-          </a:fillRef>
-          <a:effectRef idx="1">
-            <a:schemeClr val="accent6"/>
-          </a:effectRef>
-          <a:fontRef idx="minor">
-            <a:schemeClr val="dk1"/>
-          </a:fontRef>
-        </p:style>
-        <p:txBody>
-          <a:bodyPr rtlCol="0" anchor="ctr"/>
-          <a:lstStyle/>
-          <a:p>
-            <a:pPr algn="ctr"/>
-            <a:endParaRPr lang="en-SG" sz="1050"/>
-          </a:p>
-        </p:txBody>
-      </p:sp>
-      <p:cxnSp>
-        <p:nvCxnSpPr>
-          <p:cNvPr id="67" name="Elbow Connector 63">
+          <a:xfrm>
+            <a:off x="6240369" y="2501416"/>
+            <a:ext cx="277005" cy="246221"/>
+          </a:xfrm>
+          <a:prstGeom prst="rect">
+            <a:avLst/>
+          </a:prstGeom>
+          <a:noFill/>
+        </p:spPr>
+        <p:txBody>
+          <a:bodyPr wrap="square" rtlCol="0">
+            <a:spAutoFit/>
+          </a:bodyPr>
+          <a:lstStyle/>
+          <a:p>
+            <a:r>
+              <a:rPr lang="en-US" sz="1000" dirty="0"/>
+              <a:t>1</a:t>
+            </a:r>
+          </a:p>
+        </p:txBody>
+      </p:sp>
+      <p:sp>
+        <p:nvSpPr>
+          <p:cNvPr id="233" name="TextBox 232">
             <a:extLst>
               <a:ext uri="{FF2B5EF4-FFF2-40B4-BE49-F238E27FC236}">
-                <a16:creationId xmlns:a16="http://schemas.microsoft.com/office/drawing/2014/main" id="{BA3A25CD-7C1D-4B3B-B294-1B05ABCFECFD}"/>
+                <a16:creationId xmlns:a16="http://schemas.microsoft.com/office/drawing/2014/main" id="{5499AD8C-390B-5D41-9A6C-8BB4CBB1BBA3}"/>
               </a:ext>
             </a:extLst>
           </p:cNvPr>
-          <p:cNvCxnSpPr>
-            <a:cxnSpLocks/>
-            <a:stCxn id="59" idx="3"/>
-            <a:endCxn id="2" idx="3"/>
-          </p:cNvCxnSpPr>
+          <p:cNvSpPr txBox="1"/>
           <p:nvPr/>
-        </p:nvCxnSpPr>
-        <p:spPr>
-          <a:xfrm rot="10800000">
-            <a:off x="3703491" y="3636621"/>
-            <a:ext cx="313904" cy="3403"/>
-          </a:xfrm>
-          <a:prstGeom prst="bentConnector3">
-            <a:avLst>
-              <a:gd name="adj1" fmla="val 50000"/>
-            </a:avLst>
-          </a:prstGeom>
-          <a:ln w="19050">
-            <a:solidFill>
-              <a:srgbClr val="7030A0"/>
-            </a:solidFill>
-            <a:prstDash val="sysDot"/>
-            <a:headEnd type="none" w="med" len="med"/>
-            <a:tailEnd type="none" w="med" len="med"/>
-          </a:ln>
-          <a:effectLst/>
-        </p:spPr>
-        <p:style>
-          <a:lnRef idx="1">
-            <a:schemeClr val="accent2"/>
-          </a:lnRef>
-          <a:fillRef idx="2">
-            <a:schemeClr val="accent2"/>
-          </a:fillRef>
-          <a:effectRef idx="1">
-            <a:schemeClr val="accent2"/>
-          </a:effectRef>
-          <a:fontRef idx="minor">
-            <a:schemeClr val="dk1"/>
-          </a:fontRef>
-        </p:style>
-      </p:cxnSp>
+        </p:nvSpPr>
+        <p:spPr>
+          <a:xfrm>
+            <a:off x="6239070" y="4045957"/>
+            <a:ext cx="277005" cy="246221"/>
+          </a:xfrm>
+          <a:prstGeom prst="rect">
+            <a:avLst/>
+          </a:prstGeom>
+          <a:noFill/>
+        </p:spPr>
+        <p:txBody>
+          <a:bodyPr wrap="square" rtlCol="0">
+            <a:spAutoFit/>
+          </a:bodyPr>
+          <a:lstStyle/>
+          <a:p>
+            <a:r>
+              <a:rPr lang="en-US" sz="1000" dirty="0"/>
+              <a:t>1</a:t>
+            </a:r>
+          </a:p>
+        </p:txBody>
+      </p:sp>
+      <p:sp>
+        <p:nvSpPr>
+          <p:cNvPr id="234" name="TextBox 233">
+            <a:extLst>
+              <a:ext uri="{FF2B5EF4-FFF2-40B4-BE49-F238E27FC236}">
+                <a16:creationId xmlns:a16="http://schemas.microsoft.com/office/drawing/2014/main" id="{79F6A0C3-0AB4-4246-A338-C3011E7EEFD6}"/>
+              </a:ext>
+            </a:extLst>
+          </p:cNvPr>
+          <p:cNvSpPr txBox="1"/>
+          <p:nvPr/>
+        </p:nvSpPr>
+        <p:spPr>
+          <a:xfrm>
+            <a:off x="6239069" y="4566558"/>
+            <a:ext cx="277005" cy="246221"/>
+          </a:xfrm>
+          <a:prstGeom prst="rect">
+            <a:avLst/>
+          </a:prstGeom>
+          <a:noFill/>
+        </p:spPr>
+        <p:txBody>
+          <a:bodyPr wrap="square" rtlCol="0">
+            <a:spAutoFit/>
+          </a:bodyPr>
+          <a:lstStyle/>
+          <a:p>
+            <a:r>
+              <a:rPr lang="en-US" sz="1000" dirty="0"/>
+              <a:t>1</a:t>
+            </a:r>
+          </a:p>
+        </p:txBody>
+      </p:sp>
     </p:spTree>
     <p:extLst>
       <p:ext uri="{BB962C8B-B14F-4D97-AF65-F5344CB8AC3E}">

--- a/docs/diagrams/ModelComponentClassDiagram.pptx
+++ b/docs/diagrams/ModelComponentClassDiagram.pptx
@@ -211,7 +211,7 @@
           <a:p>
             <a:fld id="{F5CC4B3F-88C1-4FFA-B1B6-F41C21DC6924}" type="datetimeFigureOut">
               <a:rPr lang="en-US" smtClean="0"/>
-              <a:t>3/31/2019</a:t>
+              <a:t>4/14/2019</a:t>
             </a:fld>
             <a:endParaRPr lang="en-US"/>
           </a:p>
@@ -657,7 +657,7 @@
           <a:p>
             <a:fld id="{78C97017-6FC3-485B-9764-EAC9E56C1D49}" type="datetimeFigureOut">
               <a:rPr lang="en-US" smtClean="0"/>
-              <a:t>3/31/2019</a:t>
+              <a:t>4/14/2019</a:t>
             </a:fld>
             <a:endParaRPr lang="en-US"/>
           </a:p>
@@ -825,7 +825,7 @@
           <a:p>
             <a:fld id="{78C97017-6FC3-485B-9764-EAC9E56C1D49}" type="datetimeFigureOut">
               <a:rPr lang="en-US" smtClean="0"/>
-              <a:t>3/31/2019</a:t>
+              <a:t>4/14/2019</a:t>
             </a:fld>
             <a:endParaRPr lang="en-US"/>
           </a:p>
@@ -1003,7 +1003,7 @@
           <a:p>
             <a:fld id="{78C97017-6FC3-485B-9764-EAC9E56C1D49}" type="datetimeFigureOut">
               <a:rPr lang="en-US" smtClean="0"/>
-              <a:t>3/31/2019</a:t>
+              <a:t>4/14/2019</a:t>
             </a:fld>
             <a:endParaRPr lang="en-US"/>
           </a:p>
@@ -1171,7 +1171,7 @@
           <a:p>
             <a:fld id="{78C97017-6FC3-485B-9764-EAC9E56C1D49}" type="datetimeFigureOut">
               <a:rPr lang="en-US" smtClean="0"/>
-              <a:t>3/31/2019</a:t>
+              <a:t>4/14/2019</a:t>
             </a:fld>
             <a:endParaRPr lang="en-US"/>
           </a:p>
@@ -1416,7 +1416,7 @@
           <a:p>
             <a:fld id="{78C97017-6FC3-485B-9764-EAC9E56C1D49}" type="datetimeFigureOut">
               <a:rPr lang="en-US" smtClean="0"/>
-              <a:t>3/31/2019</a:t>
+              <a:t>4/14/2019</a:t>
             </a:fld>
             <a:endParaRPr lang="en-US"/>
           </a:p>
@@ -1701,7 +1701,7 @@
           <a:p>
             <a:fld id="{78C97017-6FC3-485B-9764-EAC9E56C1D49}" type="datetimeFigureOut">
               <a:rPr lang="en-US" smtClean="0"/>
-              <a:t>3/31/2019</a:t>
+              <a:t>4/14/2019</a:t>
             </a:fld>
             <a:endParaRPr lang="en-US"/>
           </a:p>
@@ -2120,7 +2120,7 @@
           <a:p>
             <a:fld id="{78C97017-6FC3-485B-9764-EAC9E56C1D49}" type="datetimeFigureOut">
               <a:rPr lang="en-US" smtClean="0"/>
-              <a:t>3/31/2019</a:t>
+              <a:t>4/14/2019</a:t>
             </a:fld>
             <a:endParaRPr lang="en-US"/>
           </a:p>
@@ -2237,7 +2237,7 @@
           <a:p>
             <a:fld id="{78C97017-6FC3-485B-9764-EAC9E56C1D49}" type="datetimeFigureOut">
               <a:rPr lang="en-US" smtClean="0"/>
-              <a:t>3/31/2019</a:t>
+              <a:t>4/14/2019</a:t>
             </a:fld>
             <a:endParaRPr lang="en-US"/>
           </a:p>
@@ -2332,7 +2332,7 @@
           <a:p>
             <a:fld id="{78C97017-6FC3-485B-9764-EAC9E56C1D49}" type="datetimeFigureOut">
               <a:rPr lang="en-US" smtClean="0"/>
-              <a:t>3/31/2019</a:t>
+              <a:t>4/14/2019</a:t>
             </a:fld>
             <a:endParaRPr lang="en-US"/>
           </a:p>
@@ -2607,7 +2607,7 @@
           <a:p>
             <a:fld id="{78C97017-6FC3-485B-9764-EAC9E56C1D49}" type="datetimeFigureOut">
               <a:rPr lang="en-US" smtClean="0"/>
-              <a:t>3/31/2019</a:t>
+              <a:t>4/14/2019</a:t>
             </a:fld>
             <a:endParaRPr lang="en-US"/>
           </a:p>
@@ -2859,7 +2859,7 @@
           <a:p>
             <a:fld id="{78C97017-6FC3-485B-9764-EAC9E56C1D49}" type="datetimeFigureOut">
               <a:rPr lang="en-US" smtClean="0"/>
-              <a:t>3/31/2019</a:t>
+              <a:t>4/14/2019</a:t>
             </a:fld>
             <a:endParaRPr lang="en-US"/>
           </a:p>
@@ -3070,7 +3070,7 @@
           <a:p>
             <a:fld id="{78C97017-6FC3-485B-9764-EAC9E56C1D49}" type="datetimeFigureOut">
               <a:rPr lang="en-US" smtClean="0"/>
-              <a:t>3/31/2019</a:t>
+              <a:t>4/14/2019</a:t>
             </a:fld>
             <a:endParaRPr lang="en-US"/>
           </a:p>
@@ -10568,7 +10568,7 @@
         <p:spPr>
           <a:xfrm>
             <a:off x="5674592" y="1689737"/>
-            <a:ext cx="708186" cy="285783"/>
+            <a:ext cx="726208" cy="285783"/>
           </a:xfrm>
           <a:prstGeom prst="rect">
             <a:avLst/>
@@ -10605,7 +10605,7 @@
                   <a:srgbClr val="7030A0"/>
                 </a:solidFill>
               </a:rPr>
-              <a:t>Image</a:t>
+              <a:t>Metadata</a:t>
             </a:r>
             <a:endParaRPr lang="en-SG" sz="1050">
               <a:solidFill>
@@ -10711,7 +10711,7 @@
         <p:spPr>
           <a:xfrm>
             <a:off x="5674592" y="2012715"/>
-            <a:ext cx="708186" cy="285783"/>
+            <a:ext cx="726208" cy="285783"/>
           </a:xfrm>
           <a:prstGeom prst="rect">
             <a:avLst/>
@@ -10762,6 +10762,7 @@
         <p:nvCxnSpPr>
           <p:cNvPr id="81" name="Elbow Connector 80"/>
           <p:cNvCxnSpPr>
+            <a:cxnSpLocks/>
             <a:stCxn id="78" idx="3"/>
             <a:endCxn id="80" idx="1"/>
           </p:cNvCxnSpPr>
@@ -10808,7 +10809,7 @@
         <p:spPr>
           <a:xfrm>
             <a:off x="5674592" y="2335693"/>
-            <a:ext cx="708186" cy="285783"/>
+            <a:ext cx="726208" cy="285783"/>
           </a:xfrm>
           <a:prstGeom prst="rect">
             <a:avLst/>
@@ -10859,6 +10860,7 @@
         <p:nvCxnSpPr>
           <p:cNvPr id="84" name="Elbow Connector 83"/>
           <p:cNvCxnSpPr>
+            <a:cxnSpLocks/>
             <a:stCxn id="78" idx="3"/>
             <a:endCxn id="83" idx="1"/>
           </p:cNvCxnSpPr>
@@ -10905,7 +10907,7 @@
         <p:spPr>
           <a:xfrm>
             <a:off x="5674592" y="2658670"/>
-            <a:ext cx="708186" cy="285783"/>
+            <a:ext cx="726208" cy="285783"/>
           </a:xfrm>
           <a:prstGeom prst="rect">
             <a:avLst/>
@@ -10956,6 +10958,7 @@
         <p:nvCxnSpPr>
           <p:cNvPr id="86" name="Elbow Connector 85"/>
           <p:cNvCxnSpPr>
+            <a:cxnSpLocks/>
             <a:stCxn id="78" idx="3"/>
             <a:endCxn id="85" idx="1"/>
           </p:cNvCxnSpPr>
@@ -11042,7 +11045,7 @@
         <p:spPr>
           <a:xfrm>
             <a:off x="5674592" y="1354316"/>
-            <a:ext cx="708186" cy="285783"/>
+            <a:ext cx="726208" cy="285783"/>
           </a:xfrm>
           <a:prstGeom prst="rect">
             <a:avLst/>
@@ -11937,7 +11940,7 @@
         <p:spPr>
           <a:xfrm>
             <a:off x="5679728" y="3896359"/>
-            <a:ext cx="708186" cy="285783"/>
+            <a:ext cx="721072" cy="285783"/>
           </a:xfrm>
           <a:prstGeom prst="rect">
             <a:avLst/>
@@ -12000,7 +12003,7 @@
                   </a:schemeClr>
                 </a:solidFill>
               </a:rPr>
-              <a:t>Image</a:t>
+              <a:t>Metadata</a:t>
             </a:r>
             <a:endParaRPr lang="en-SG" sz="1050">
               <a:solidFill>
@@ -12132,7 +12135,7 @@
         <p:spPr>
           <a:xfrm>
             <a:off x="5679728" y="4219337"/>
-            <a:ext cx="708186" cy="285783"/>
+            <a:ext cx="721072" cy="285783"/>
           </a:xfrm>
           <a:prstGeom prst="rect">
             <a:avLst/>
@@ -12217,6 +12220,7 @@
             </a:extLst>
           </p:cNvPr>
           <p:cNvCxnSpPr>
+            <a:cxnSpLocks/>
             <a:stCxn id="111" idx="3"/>
             <a:endCxn id="113" idx="1"/>
           </p:cNvCxnSpPr>
@@ -12271,7 +12275,7 @@
         <p:spPr>
           <a:xfrm>
             <a:off x="5679728" y="4542315"/>
-            <a:ext cx="708186" cy="285783"/>
+            <a:ext cx="721072" cy="285783"/>
           </a:xfrm>
           <a:prstGeom prst="rect">
             <a:avLst/>
@@ -12356,6 +12360,7 @@
             </a:extLst>
           </p:cNvPr>
           <p:cNvCxnSpPr>
+            <a:cxnSpLocks/>
             <a:stCxn id="111" idx="3"/>
             <a:endCxn id="116" idx="1"/>
           </p:cNvCxnSpPr>
@@ -12410,7 +12415,7 @@
         <p:spPr>
           <a:xfrm>
             <a:off x="5679728" y="4865292"/>
-            <a:ext cx="708186" cy="285783"/>
+            <a:ext cx="721072" cy="285783"/>
           </a:xfrm>
           <a:prstGeom prst="rect">
             <a:avLst/>
@@ -12495,6 +12500,7 @@
             </a:extLst>
           </p:cNvPr>
           <p:cNvCxnSpPr>
+            <a:cxnSpLocks/>
             <a:stCxn id="111" idx="3"/>
             <a:endCxn id="121" idx="1"/>
           </p:cNvCxnSpPr>
@@ -12549,7 +12555,7 @@
         <p:spPr>
           <a:xfrm>
             <a:off x="5679728" y="3560938"/>
-            <a:ext cx="708186" cy="285783"/>
+            <a:ext cx="721072" cy="285783"/>
           </a:xfrm>
           <a:prstGeom prst="rect">
             <a:avLst/>

--- a/docs/diagrams/ModelComponentClassDiagram.pptx
+++ b/docs/diagrams/ModelComponentClassDiagram.pptx
@@ -208,7 +208,7 @@
           <a:p>
             <a:fld id="{F5CC4B3F-88C1-4FFA-B1B6-F41C21DC6924}" type="datetimeFigureOut">
               <a:rPr lang="en-US" smtClean="0"/>
-              <a:t>12/5/2018</a:t>
+              <a:t>4/14/19</a:t>
             </a:fld>
             <a:endParaRPr lang="en-US"/>
           </a:p>
@@ -654,7 +654,7 @@
           <a:p>
             <a:fld id="{78C97017-6FC3-485B-9764-EAC9E56C1D49}" type="datetimeFigureOut">
               <a:rPr lang="en-US" smtClean="0"/>
-              <a:t>12/5/2018</a:t>
+              <a:t>4/14/19</a:t>
             </a:fld>
             <a:endParaRPr lang="en-US"/>
           </a:p>
@@ -822,7 +822,7 @@
           <a:p>
             <a:fld id="{78C97017-6FC3-485B-9764-EAC9E56C1D49}" type="datetimeFigureOut">
               <a:rPr lang="en-US" smtClean="0"/>
-              <a:t>12/5/2018</a:t>
+              <a:t>4/14/19</a:t>
             </a:fld>
             <a:endParaRPr lang="en-US"/>
           </a:p>
@@ -1000,7 +1000,7 @@
           <a:p>
             <a:fld id="{78C97017-6FC3-485B-9764-EAC9E56C1D49}" type="datetimeFigureOut">
               <a:rPr lang="en-US" smtClean="0"/>
-              <a:t>12/5/2018</a:t>
+              <a:t>4/14/19</a:t>
             </a:fld>
             <a:endParaRPr lang="en-US"/>
           </a:p>
@@ -1168,7 +1168,7 @@
           <a:p>
             <a:fld id="{78C97017-6FC3-485B-9764-EAC9E56C1D49}" type="datetimeFigureOut">
               <a:rPr lang="en-US" smtClean="0"/>
-              <a:t>12/5/2018</a:t>
+              <a:t>4/14/19</a:t>
             </a:fld>
             <a:endParaRPr lang="en-US"/>
           </a:p>
@@ -1413,7 +1413,7 @@
           <a:p>
             <a:fld id="{78C97017-6FC3-485B-9764-EAC9E56C1D49}" type="datetimeFigureOut">
               <a:rPr lang="en-US" smtClean="0"/>
-              <a:t>12/5/2018</a:t>
+              <a:t>4/14/19</a:t>
             </a:fld>
             <a:endParaRPr lang="en-US"/>
           </a:p>
@@ -1698,7 +1698,7 @@
           <a:p>
             <a:fld id="{78C97017-6FC3-485B-9764-EAC9E56C1D49}" type="datetimeFigureOut">
               <a:rPr lang="en-US" smtClean="0"/>
-              <a:t>12/5/2018</a:t>
+              <a:t>4/14/19</a:t>
             </a:fld>
             <a:endParaRPr lang="en-US"/>
           </a:p>
@@ -2117,7 +2117,7 @@
           <a:p>
             <a:fld id="{78C97017-6FC3-485B-9764-EAC9E56C1D49}" type="datetimeFigureOut">
               <a:rPr lang="en-US" smtClean="0"/>
-              <a:t>12/5/2018</a:t>
+              <a:t>4/14/19</a:t>
             </a:fld>
             <a:endParaRPr lang="en-US"/>
           </a:p>
@@ -2234,7 +2234,7 @@
           <a:p>
             <a:fld id="{78C97017-6FC3-485B-9764-EAC9E56C1D49}" type="datetimeFigureOut">
               <a:rPr lang="en-US" smtClean="0"/>
-   